--- a/presentation_CARLASSARA_10601118.pptx
+++ b/presentation_CARLASSARA_10601118.pptx
@@ -9,8 +9,8 @@
   </p:notesMasterIdLst>
   <p:sldIdLst>
     <p:sldId id="256" r:id="rId5"/>
-    <p:sldId id="309" r:id="rId6"/>
-    <p:sldId id="310" r:id="rId7"/>
+    <p:sldId id="310" r:id="rId6"/>
+    <p:sldId id="309" r:id="rId7"/>
     <p:sldId id="312" r:id="rId8"/>
     <p:sldId id="311" r:id="rId9"/>
     <p:sldId id="287" r:id="rId10"/>
@@ -222,7 +222,7 @@
           <a:p>
             <a:fld id="{2E347CE9-1F5D-4CEF-9CA7-664B3EF9808B}" type="datetimeFigureOut">
               <a:rPr lang="en-GB" smtClean="0"/>
-              <a:t>14/04/2024</a:t>
+              <a:t>15/04/2024</a:t>
             </a:fld>
             <a:endParaRPr lang="en-GB"/>
           </a:p>
@@ -629,7 +629,7 @@
           <a:p>
             <a:fld id="{1D8BD707-D9CF-40AE-B4C6-C98DA3205C09}" type="datetimeFigureOut">
               <a:rPr lang="en-US"/>
-              <a:t>4/14/2024</a:t>
+              <a:t>4/15/2024</a:t>
             </a:fld>
             <a:endParaRPr lang="en-US"/>
           </a:p>
@@ -804,7 +804,7 @@
           <a:p>
             <a:fld id="{1D8BD707-D9CF-40AE-B4C6-C98DA3205C09}" type="datetimeFigureOut">
               <a:rPr lang="en-US"/>
-              <a:t>4/14/2024</a:t>
+              <a:t>4/15/2024</a:t>
             </a:fld>
             <a:endParaRPr lang="en-US"/>
           </a:p>
@@ -1018,7 +1018,7 @@
           <a:p>
             <a:fld id="{1D8BD707-D9CF-40AE-B4C6-C98DA3205C09}" type="datetimeFigureOut">
               <a:rPr lang="en-US"/>
-              <a:t>4/14/2024</a:t>
+              <a:t>4/15/2024</a:t>
             </a:fld>
             <a:endParaRPr lang="en-US"/>
           </a:p>
@@ -1166,7 +1166,7 @@
           <a:p>
             <a:fld id="{1D8BD707-D9CF-40AE-B4C6-C98DA3205C09}" type="datetimeFigureOut">
               <a:rPr lang="en-US"/>
-              <a:t>4/14/2024</a:t>
+              <a:t>4/15/2024</a:t>
             </a:fld>
             <a:endParaRPr lang="en-US"/>
           </a:p>
@@ -1285,7 +1285,7 @@
           <a:p>
             <a:fld id="{1D8BD707-D9CF-40AE-B4C6-C98DA3205C09}" type="datetimeFigureOut">
               <a:rPr lang="en-US"/>
-              <a:t>4/14/2024</a:t>
+              <a:t>4/15/2024</a:t>
             </a:fld>
             <a:endParaRPr lang="en-US"/>
           </a:p>
@@ -1654,7 +1654,7 @@
           <a:p>
             <a:fld id="{1D8BD707-D9CF-40AE-B4C6-C98DA3205C09}" type="datetimeFigureOut">
               <a:rPr lang="en-US"/>
-              <a:t>4/14/2024</a:t>
+              <a:t>4/15/2024</a:t>
             </a:fld>
             <a:endParaRPr lang="en-US"/>
           </a:p>
@@ -2571,111 +2571,62 @@
           <a:chExt cx="0" cy="0"/>
         </a:xfrm>
       </p:grpSpPr>
-      <p:grpSp>
-        <p:nvGrpSpPr>
-          <p:cNvPr id="9" name="object 5">
+      <p:sp>
+        <p:nvSpPr>
+          <p:cNvPr id="10" name="object 6">
             <a:extLst>
               <a:ext uri="{FF2B5EF4-FFF2-40B4-BE49-F238E27FC236}">
-                <a16:creationId xmlns:a16="http://schemas.microsoft.com/office/drawing/2014/main" id="{EB6038DE-F9D1-4516-9F33-118AC02DBD97}"/>
+                <a16:creationId xmlns:a16="http://schemas.microsoft.com/office/drawing/2014/main" id="{05BF0CA7-83B6-449B-AA0A-E2302D4779A5}"/>
               </a:ext>
             </a:extLst>
           </p:cNvPr>
-          <p:cNvGrpSpPr/>
+          <p:cNvSpPr/>
           <p:nvPr/>
-        </p:nvGrpSpPr>
-        <p:grpSpPr>
+        </p:nvSpPr>
+        <p:spPr>
           <a:xfrm>
             <a:off x="0" y="6230111"/>
             <a:ext cx="12192000" cy="628015"/>
-            <a:chOff x="0" y="6230111"/>
-            <a:chExt cx="12192000" cy="628015"/>
           </a:xfrm>
-        </p:grpSpPr>
-        <p:sp>
-          <p:nvSpPr>
-            <p:cNvPr id="10" name="object 6">
-              <a:extLst>
-                <a:ext uri="{FF2B5EF4-FFF2-40B4-BE49-F238E27FC236}">
-                  <a16:creationId xmlns:a16="http://schemas.microsoft.com/office/drawing/2014/main" id="{05BF0CA7-83B6-449B-AA0A-E2302D4779A5}"/>
-                </a:ext>
-              </a:extLst>
-            </p:cNvPr>
-            <p:cNvSpPr/>
-            <p:nvPr/>
-          </p:nvSpPr>
-          <p:spPr>
-            <a:xfrm>
-              <a:off x="0" y="6230111"/>
-              <a:ext cx="12192000" cy="628015"/>
-            </a:xfrm>
-            <a:custGeom>
-              <a:avLst/>
-              <a:gdLst/>
-              <a:ahLst/>
-              <a:cxnLst/>
-              <a:rect l="l" t="t" r="r" b="b"/>
-              <a:pathLst>
-                <a:path w="12192000" h="628015">
-                  <a:moveTo>
-                    <a:pt x="12192000" y="0"/>
-                  </a:moveTo>
-                  <a:lnTo>
-                    <a:pt x="0" y="0"/>
-                  </a:lnTo>
-                  <a:lnTo>
-                    <a:pt x="0" y="627886"/>
-                  </a:lnTo>
-                  <a:lnTo>
-                    <a:pt x="12192000" y="627886"/>
-                  </a:lnTo>
-                  <a:lnTo>
-                    <a:pt x="12192000" y="0"/>
-                  </a:lnTo>
-                  <a:close/>
-                </a:path>
-              </a:pathLst>
-            </a:custGeom>
-            <a:solidFill>
-              <a:srgbClr val="718FA4"/>
-            </a:solidFill>
-          </p:spPr>
-          <p:txBody>
-            <a:bodyPr wrap="square" lIns="0" tIns="0" rIns="0" bIns="0" rtlCol="0"/>
-            <a:lstStyle/>
-            <a:p>
-              <a:endParaRPr/>
-            </a:p>
-          </p:txBody>
-        </p:sp>
-        <p:pic>
-          <p:nvPicPr>
-            <p:cNvPr id="11" name="object 7">
-              <a:extLst>
-                <a:ext uri="{FF2B5EF4-FFF2-40B4-BE49-F238E27FC236}">
-                  <a16:creationId xmlns:a16="http://schemas.microsoft.com/office/drawing/2014/main" id="{C69EB078-1A55-43F6-AB67-FC18B8773B5F}"/>
-                </a:ext>
-              </a:extLst>
-            </p:cNvPr>
-            <p:cNvPicPr/>
-            <p:nvPr/>
-          </p:nvPicPr>
-          <p:blipFill>
-            <a:blip r:embed="rId2" cstate="print"/>
-            <a:stretch>
-              <a:fillRect/>
-            </a:stretch>
-          </p:blipFill>
-          <p:spPr>
-            <a:xfrm>
-              <a:off x="381000" y="6262115"/>
-              <a:ext cx="3038855" cy="573022"/>
-            </a:xfrm>
-            <a:prstGeom prst="rect">
-              <a:avLst/>
-            </a:prstGeom>
-          </p:spPr>
-        </p:pic>
-      </p:grpSp>
+          <a:custGeom>
+            <a:avLst/>
+            <a:gdLst/>
+            <a:ahLst/>
+            <a:cxnLst/>
+            <a:rect l="l" t="t" r="r" b="b"/>
+            <a:pathLst>
+              <a:path w="12192000" h="628015">
+                <a:moveTo>
+                  <a:pt x="12192000" y="0"/>
+                </a:moveTo>
+                <a:lnTo>
+                  <a:pt x="0" y="0"/>
+                </a:lnTo>
+                <a:lnTo>
+                  <a:pt x="0" y="627886"/>
+                </a:lnTo>
+                <a:lnTo>
+                  <a:pt x="12192000" y="627886"/>
+                </a:lnTo>
+                <a:lnTo>
+                  <a:pt x="12192000" y="0"/>
+                </a:lnTo>
+                <a:close/>
+              </a:path>
+            </a:pathLst>
+          </a:custGeom>
+          <a:solidFill>
+            <a:srgbClr val="718FA4"/>
+          </a:solidFill>
+        </p:spPr>
+        <p:txBody>
+          <a:bodyPr wrap="square" lIns="0" tIns="0" rIns="0" bIns="0" rtlCol="0"/>
+          <a:lstStyle/>
+          <a:p>
+            <a:endParaRPr/>
+          </a:p>
+        </p:txBody>
+      </p:sp>
       <p:sp>
         <p:nvSpPr>
           <p:cNvPr id="12" name="Rectangle 11">
@@ -2691,7 +2642,7 @@
         <p:spPr>
           <a:xfrm>
             <a:off x="4727834" y="166928"/>
-            <a:ext cx="1636666" cy="369332"/>
+            <a:ext cx="1521891" cy="369332"/>
           </a:xfrm>
           <a:prstGeom prst="rect">
             <a:avLst/>
@@ -2718,7 +2669,7 @@
                 <a:latin typeface="Microsoft Sans Serif"/>
                 <a:cs typeface="Microsoft Sans Serif"/>
               </a:rPr>
-              <a:t>Papers</a:t>
+              <a:t>Paper</a:t>
             </a:r>
             <a:r>
               <a:rPr lang="it-IT" spc="-5" dirty="0">
@@ -2768,10 +2719,10 @@
       </p:sp>
       <p:pic>
         <p:nvPicPr>
-          <p:cNvPr id="13" name="Picture 12">
+          <p:cNvPr id="14" name="Picture 13">
             <a:extLst>
               <a:ext uri="{FF2B5EF4-FFF2-40B4-BE49-F238E27FC236}">
-                <a16:creationId xmlns:a16="http://schemas.microsoft.com/office/drawing/2014/main" id="{534F53FC-FD68-4B63-ACA6-1C5B471EC0F6}"/>
+                <a16:creationId xmlns:a16="http://schemas.microsoft.com/office/drawing/2014/main" id="{2CFF7E52-7556-41EC-A469-C2E2F702551D}"/>
               </a:ext>
             </a:extLst>
           </p:cNvPr>
@@ -2781,7 +2732,7 @@
           <p:nvPr/>
         </p:nvPicPr>
         <p:blipFill>
-          <a:blip r:embed="rId3" cstate="print">
+          <a:blip r:embed="rId2" cstate="print">
             <a:extLst>
               <a:ext uri="{28A0092B-C50C-407E-A947-70E740481C1C}">
                 <a14:useLocalDpi xmlns:a14="http://schemas.microsoft.com/office/drawing/2010/main" val="0"/>
@@ -2802,300 +2753,40 @@
           </a:prstGeom>
         </p:spPr>
       </p:pic>
-      <p:sp>
-        <p:nvSpPr>
-          <p:cNvPr id="3" name="TextBox 2">
+      <p:pic>
+        <p:nvPicPr>
+          <p:cNvPr id="15" name="object 7">
             <a:extLst>
               <a:ext uri="{FF2B5EF4-FFF2-40B4-BE49-F238E27FC236}">
-                <a16:creationId xmlns:a16="http://schemas.microsoft.com/office/drawing/2014/main" id="{342E2EA3-FB07-4EC5-9CD2-ED20F62A5EE8}"/>
+                <a16:creationId xmlns:a16="http://schemas.microsoft.com/office/drawing/2014/main" id="{06C601EC-E601-4B31-A96E-F721A297F871}"/>
               </a:ext>
             </a:extLst>
           </p:cNvPr>
-          <p:cNvSpPr txBox="1"/>
+          <p:cNvPicPr/>
           <p:nvPr/>
-        </p:nvSpPr>
+        </p:nvPicPr>
+        <p:blipFill>
+          <a:blip r:embed="rId3" cstate="print"/>
+          <a:stretch>
+            <a:fillRect/>
+          </a:stretch>
+        </p:blipFill>
         <p:spPr>
           <a:xfrm>
-            <a:off x="685800" y="914400"/>
-            <a:ext cx="4191000" cy="2400657"/>
+            <a:off x="381000" y="6262115"/>
+            <a:ext cx="3038855" cy="573022"/>
           </a:xfrm>
           <a:prstGeom prst="rect">
             <a:avLst/>
           </a:prstGeom>
-          <a:noFill/>
         </p:spPr>
-        <p:txBody>
-          <a:bodyPr wrap="square" rtlCol="0">
-            <a:spAutoFit/>
-          </a:bodyPr>
-          <a:lstStyle/>
-          <a:p>
-            <a:r>
-              <a:rPr lang="it-IT" sz="1600" dirty="0"/>
-              <a:t>VSVM background</a:t>
-            </a:r>
-          </a:p>
-          <a:p>
-            <a:pPr marL="285750" indent="-285750">
-              <a:buFont typeface="Arial" panose="020B0604020202020204" pitchFamily="34" charset="0"/>
-              <a:buChar char="•"/>
-            </a:pPr>
-            <a:r>
-              <a:rPr lang="en-GB" sz="1400" dirty="0"/>
-              <a:t>Virtual Support Vector Machines with self-learning strategy for classification of multispectral remote sensing imagery</a:t>
-            </a:r>
-          </a:p>
-          <a:p>
-            <a:pPr marL="285750" indent="-285750">
-              <a:buFont typeface="Arial" panose="020B0604020202020204" pitchFamily="34" charset="0"/>
-              <a:buChar char="•"/>
-            </a:pPr>
-            <a:r>
-              <a:rPr lang="en-GB" sz="1400" dirty="0"/>
-              <a:t>Semi-Supervised Learning with Constrained Virtual Support Vector Machines for Classification of Remote Sensing Image Data</a:t>
-            </a:r>
-          </a:p>
-          <a:p>
-            <a:pPr lvl="1"/>
-            <a:endParaRPr lang="it-IT" sz="1400" dirty="0"/>
-          </a:p>
-          <a:p>
-            <a:pPr marL="742950" lvl="1" indent="-285750">
-              <a:buFont typeface="Arial" panose="020B0604020202020204" pitchFamily="34" charset="0"/>
-              <a:buChar char="•"/>
-            </a:pPr>
-            <a:endParaRPr lang="en-GB" dirty="0"/>
-          </a:p>
-          <a:p>
-            <a:pPr marL="742950" lvl="1" indent="-285750">
-              <a:buFont typeface="Arial" panose="020B0604020202020204" pitchFamily="34" charset="0"/>
-              <a:buChar char="•"/>
-            </a:pPr>
-            <a:endParaRPr lang="en-GB" dirty="0"/>
-          </a:p>
-        </p:txBody>
-      </p:sp>
+      </p:pic>
       <p:sp>
         <p:nvSpPr>
-          <p:cNvPr id="14" name="TextBox 13">
+          <p:cNvPr id="3" name="Rectangle 2">
             <a:extLst>
               <a:ext uri="{FF2B5EF4-FFF2-40B4-BE49-F238E27FC236}">
-                <a16:creationId xmlns:a16="http://schemas.microsoft.com/office/drawing/2014/main" id="{DB888FF8-BA01-414A-B2A0-AA4364B1FB67}"/>
-              </a:ext>
-            </a:extLst>
-          </p:cNvPr>
-          <p:cNvSpPr txBox="1"/>
-          <p:nvPr/>
-        </p:nvSpPr>
-        <p:spPr>
-          <a:xfrm>
-            <a:off x="685800" y="3651965"/>
-            <a:ext cx="3571106" cy="1323439"/>
-          </a:xfrm>
-          <a:prstGeom prst="rect">
-            <a:avLst/>
-          </a:prstGeom>
-          <a:noFill/>
-        </p:spPr>
-        <p:txBody>
-          <a:bodyPr wrap="none" rtlCol="0">
-            <a:spAutoFit/>
-          </a:bodyPr>
-          <a:lstStyle/>
-          <a:p>
-            <a:pPr marL="285750" indent="-285750">
-              <a:buFont typeface="Arial" panose="020B0604020202020204" pitchFamily="34" charset="0"/>
-              <a:buChar char="•"/>
-            </a:pPr>
-            <a:r>
-              <a:rPr lang="it-IT" sz="1600" dirty="0"/>
-              <a:t>VSVM: </a:t>
-            </a:r>
-            <a:r>
-              <a:rPr lang="it-IT" sz="1600" dirty="0" err="1"/>
-              <a:t>enconding</a:t>
-            </a:r>
-            <a:r>
-              <a:rPr lang="it-IT" sz="1600" dirty="0"/>
-              <a:t> </a:t>
-            </a:r>
-            <a:r>
-              <a:rPr lang="it-IT" sz="1600" dirty="0" err="1"/>
-              <a:t>invariance</a:t>
-            </a:r>
-            <a:r>
-              <a:rPr lang="it-IT" sz="1600" dirty="0"/>
-              <a:t> </a:t>
-            </a:r>
-          </a:p>
-          <a:p>
-            <a:pPr marL="742950" lvl="1" indent="-285750">
-              <a:buFont typeface="Arial" panose="020B0604020202020204" pitchFamily="34" charset="0"/>
-              <a:buChar char="•"/>
-            </a:pPr>
-            <a:r>
-              <a:rPr lang="it-IT" sz="1600" dirty="0" err="1"/>
-              <a:t>Invariances</a:t>
-            </a:r>
-            <a:r>
-              <a:rPr lang="it-IT" sz="1600" dirty="0"/>
-              <a:t> of </a:t>
-            </a:r>
-            <a:r>
-              <a:rPr lang="it-IT" sz="1600" dirty="0" err="1"/>
-              <a:t>shape</a:t>
-            </a:r>
-            <a:r>
-              <a:rPr lang="it-IT" sz="1600" dirty="0"/>
-              <a:t> (8 dataset)</a:t>
-            </a:r>
-          </a:p>
-          <a:p>
-            <a:pPr marL="742950" lvl="1" indent="-285750">
-              <a:buFont typeface="Arial" panose="020B0604020202020204" pitchFamily="34" charset="0"/>
-              <a:buChar char="•"/>
-            </a:pPr>
-            <a:r>
-              <a:rPr lang="it-IT" sz="1600" dirty="0" err="1"/>
-              <a:t>Invariances</a:t>
-            </a:r>
-            <a:r>
-              <a:rPr lang="it-IT" sz="1600" dirty="0"/>
-              <a:t> of scale (9 dataset)</a:t>
-            </a:r>
-          </a:p>
-          <a:p>
-            <a:pPr marL="285750" indent="-285750">
-              <a:buFont typeface="Arial" panose="020B0604020202020204" pitchFamily="34" charset="0"/>
-              <a:buChar char="•"/>
-            </a:pPr>
-            <a:r>
-              <a:rPr lang="it-IT" sz="1600" dirty="0"/>
-              <a:t>VSVM-SL: Self-learning </a:t>
-            </a:r>
-            <a:r>
-              <a:rPr lang="it-IT" sz="1600" dirty="0" err="1"/>
-              <a:t>strategy</a:t>
-            </a:r>
-            <a:endParaRPr lang="it-IT" sz="1600" dirty="0"/>
-          </a:p>
-          <a:p>
-            <a:pPr marL="742950" lvl="1" indent="-285750">
-              <a:buFont typeface="Arial" panose="020B0604020202020204" pitchFamily="34" charset="0"/>
-              <a:buChar char="•"/>
-            </a:pPr>
-            <a:r>
-              <a:rPr lang="it-IT" sz="1600" dirty="0" err="1"/>
-              <a:t>Margin</a:t>
-            </a:r>
-            <a:r>
-              <a:rPr lang="it-IT" sz="1600" dirty="0"/>
-              <a:t> </a:t>
-            </a:r>
-            <a:r>
-              <a:rPr lang="it-IT" sz="1600" dirty="0" err="1"/>
-              <a:t>sampling</a:t>
-            </a:r>
-            <a:r>
-              <a:rPr lang="it-IT" sz="1600" dirty="0"/>
-              <a:t> </a:t>
-            </a:r>
-            <a:r>
-              <a:rPr lang="it-IT" sz="1600" dirty="0" err="1"/>
-              <a:t>constraint</a:t>
-            </a:r>
-            <a:endParaRPr lang="it-IT" sz="1600" dirty="0"/>
-          </a:p>
-        </p:txBody>
-      </p:sp>
-      <p:sp>
-        <p:nvSpPr>
-          <p:cNvPr id="16" name="TextBox 15">
-            <a:extLst>
-              <a:ext uri="{FF2B5EF4-FFF2-40B4-BE49-F238E27FC236}">
-                <a16:creationId xmlns:a16="http://schemas.microsoft.com/office/drawing/2014/main" id="{F68C67ED-6474-4C01-B605-899AB138D597}"/>
-              </a:ext>
-            </a:extLst>
-          </p:cNvPr>
-          <p:cNvSpPr txBox="1"/>
-          <p:nvPr/>
-        </p:nvSpPr>
-        <p:spPr>
-          <a:xfrm>
-            <a:off x="671841" y="5231153"/>
-            <a:ext cx="2940805" cy="830997"/>
-          </a:xfrm>
-          <a:prstGeom prst="rect">
-            <a:avLst/>
-          </a:prstGeom>
-          <a:noFill/>
-        </p:spPr>
-        <p:txBody>
-          <a:bodyPr wrap="none" rtlCol="0">
-            <a:spAutoFit/>
-          </a:bodyPr>
-          <a:lstStyle/>
-          <a:p>
-            <a:pPr marL="285750" indent="-285750">
-              <a:buFont typeface="Arial" panose="020B0604020202020204" pitchFamily="34" charset="0"/>
-              <a:buChar char="•"/>
-            </a:pPr>
-            <a:r>
-              <a:rPr lang="it-IT" sz="1600" dirty="0"/>
-              <a:t>SVM-M-semi-</a:t>
-            </a:r>
-            <a:r>
-              <a:rPr lang="it-IT" sz="1600" dirty="0" err="1"/>
-              <a:t>labeled</a:t>
-            </a:r>
-            <a:endParaRPr lang="it-IT" sz="1600" dirty="0"/>
-          </a:p>
-          <a:p>
-            <a:pPr marL="285750" indent="-285750">
-              <a:buFont typeface="Arial" panose="020B0604020202020204" pitchFamily="34" charset="0"/>
-              <a:buChar char="•"/>
-            </a:pPr>
-            <a:r>
-              <a:rPr lang="it-IT" sz="1600" dirty="0"/>
-              <a:t>VSVM-SL-semi-</a:t>
-            </a:r>
-            <a:r>
-              <a:rPr lang="it-IT" sz="1600" dirty="0" err="1"/>
-              <a:t>labeled</a:t>
-            </a:r>
-            <a:endParaRPr lang="it-IT" sz="1600" dirty="0"/>
-          </a:p>
-          <a:p>
-            <a:pPr marL="285750" indent="-285750">
-              <a:buFont typeface="Arial" panose="020B0604020202020204" pitchFamily="34" charset="0"/>
-              <a:buChar char="•"/>
-            </a:pPr>
-            <a:r>
-              <a:rPr lang="it-IT" sz="1600" dirty="0"/>
-              <a:t>VSVM-SL-</a:t>
-            </a:r>
-            <a:r>
-              <a:rPr lang="it-IT" sz="1600" dirty="0" err="1"/>
-              <a:t>virtual</a:t>
-            </a:r>
-            <a:r>
-              <a:rPr lang="it-IT" sz="1600" dirty="0"/>
-              <a:t>-semi-</a:t>
-            </a:r>
-            <a:r>
-              <a:rPr lang="it-IT" sz="1600" dirty="0" err="1"/>
-              <a:t>labeled</a:t>
-            </a:r>
-            <a:endParaRPr lang="en-GB" sz="1600" dirty="0"/>
-          </a:p>
-        </p:txBody>
-      </p:sp>
-      <p:sp>
-        <p:nvSpPr>
-          <p:cNvPr id="5" name="Rectangle 4">
-            <a:extLst>
-              <a:ext uri="{FF2B5EF4-FFF2-40B4-BE49-F238E27FC236}">
-                <a16:creationId xmlns:a16="http://schemas.microsoft.com/office/drawing/2014/main" id="{754A4302-62D0-4514-BC06-711248CBB598}"/>
+                <a16:creationId xmlns:a16="http://schemas.microsoft.com/office/drawing/2014/main" id="{C99AC724-8E97-4CBA-982F-7C3EBD5D642C}"/>
               </a:ext>
             </a:extLst>
           </p:cNvPr>
@@ -3104,8 +2795,8 @@
         </p:nvSpPr>
         <p:spPr>
           <a:xfrm>
-            <a:off x="5410200" y="4984932"/>
-            <a:ext cx="5141700" cy="1077218"/>
+            <a:off x="807441" y="5348579"/>
+            <a:ext cx="10820400" cy="646331"/>
           </a:xfrm>
           <a:prstGeom prst="rect">
             <a:avLst/>
@@ -3122,133 +2813,18 @@
               <a:buChar char="•"/>
             </a:pPr>
             <a:r>
-              <a:rPr lang="it-IT" sz="1600" dirty="0" err="1"/>
-              <a:t>Binary</a:t>
-            </a:r>
-            <a:r>
-              <a:rPr lang="it-IT" sz="1600" dirty="0"/>
-              <a:t> </a:t>
-            </a:r>
-            <a:r>
-              <a:rPr lang="it-IT" sz="1600" dirty="0" err="1"/>
-              <a:t>classification</a:t>
-            </a:r>
-            <a:r>
-              <a:rPr lang="it-IT" sz="1600" dirty="0"/>
-              <a:t> </a:t>
-            </a:r>
-            <a:r>
-              <a:rPr lang="it-IT" sz="1600" dirty="0" err="1"/>
-              <a:t>problem</a:t>
-            </a:r>
-            <a:r>
-              <a:rPr lang="it-IT" sz="1600" dirty="0"/>
-              <a:t> (‘</a:t>
-            </a:r>
-            <a:r>
-              <a:rPr lang="it-IT" sz="1600" dirty="0" err="1"/>
-              <a:t>bushes_trees</a:t>
-            </a:r>
-            <a:r>
-              <a:rPr lang="it-IT" sz="1600" dirty="0"/>
-              <a:t>’ vs </a:t>
-            </a:r>
-            <a:r>
-              <a:rPr lang="it-IT" sz="1600" dirty="0" err="1"/>
-              <a:t>other</a:t>
-            </a:r>
-            <a:r>
-              <a:rPr lang="it-IT" sz="1600" dirty="0"/>
-              <a:t>)</a:t>
-            </a:r>
-          </a:p>
-          <a:p>
-            <a:pPr marL="285750" indent="-285750">
-              <a:buFont typeface="Arial" panose="020B0604020202020204" pitchFamily="34" charset="0"/>
-              <a:buChar char="•"/>
-            </a:pPr>
-            <a:r>
-              <a:rPr lang="it-IT" sz="1600" dirty="0" err="1"/>
-              <a:t>Multiclass</a:t>
-            </a:r>
-            <a:r>
-              <a:rPr lang="it-IT" sz="1600" dirty="0"/>
-              <a:t> </a:t>
-            </a:r>
-            <a:r>
-              <a:rPr lang="it-IT" sz="1600" dirty="0" err="1"/>
-              <a:t>classification</a:t>
-            </a:r>
-            <a:r>
-              <a:rPr lang="it-IT" sz="1600" dirty="0"/>
-              <a:t> </a:t>
-            </a:r>
-            <a:r>
-              <a:rPr lang="it-IT" sz="1600" dirty="0" err="1"/>
-              <a:t>problem</a:t>
-            </a:r>
-            <a:r>
-              <a:rPr lang="it-IT" sz="1600" dirty="0"/>
-              <a:t> (6 classes: ‘</a:t>
-            </a:r>
-            <a:r>
-              <a:rPr lang="it-IT" sz="1600" dirty="0" err="1"/>
-              <a:t>bushes_trees</a:t>
-            </a:r>
-            <a:r>
-              <a:rPr lang="it-IT" sz="1600" dirty="0"/>
-              <a:t>’, ‘</a:t>
-            </a:r>
-            <a:r>
-              <a:rPr lang="it-IT" sz="1600" dirty="0" err="1"/>
-              <a:t>facade</a:t>
-            </a:r>
-            <a:r>
-              <a:rPr lang="it-IT" sz="1600" dirty="0"/>
-              <a:t>’, </a:t>
-            </a:r>
-            <a:r>
-              <a:rPr lang="it-IT" sz="1600" dirty="0" err="1"/>
-              <a:t>meadow</a:t>
-            </a:r>
-            <a:r>
-              <a:rPr lang="it-IT" sz="1600" dirty="0"/>
-              <a:t>’, ’</a:t>
-            </a:r>
-            <a:r>
-              <a:rPr lang="it-IT" sz="1600" dirty="0" err="1"/>
-              <a:t>other_impervious_surface</a:t>
-            </a:r>
-            <a:r>
-              <a:rPr lang="it-IT" sz="1600" dirty="0"/>
-              <a:t>’, ’</a:t>
-            </a:r>
-            <a:r>
-              <a:rPr lang="it-IT" sz="1600" dirty="0" err="1"/>
-              <a:t>roofs</a:t>
-            </a:r>
-            <a:r>
-              <a:rPr lang="it-IT" sz="1600" dirty="0"/>
-              <a:t>’, ’</a:t>
-            </a:r>
-            <a:r>
-              <a:rPr lang="it-IT" sz="1600" dirty="0" err="1"/>
-              <a:t>shadow</a:t>
-            </a:r>
-            <a:r>
-              <a:rPr lang="it-IT" sz="1600" dirty="0"/>
-              <a:t>’)</a:t>
-            </a:r>
-            <a:endParaRPr lang="en-GB" sz="1600" dirty="0"/>
+              <a:rPr lang="en-GB" dirty="0"/>
+              <a:t>Semi-Supervised Virtual Support Vector Machines with Self-Learning Constraint for Remote Sensing Image Classification (Ozan)</a:t>
+            </a:r>
           </a:p>
         </p:txBody>
       </p:sp>
       <p:pic>
         <p:nvPicPr>
-          <p:cNvPr id="17" name="Picture 16">
+          <p:cNvPr id="16" name="Picture 15">
             <a:extLst>
               <a:ext uri="{FF2B5EF4-FFF2-40B4-BE49-F238E27FC236}">
-                <a16:creationId xmlns:a16="http://schemas.microsoft.com/office/drawing/2014/main" id="{A954F56A-EBFE-4499-BF42-2E97D4B76AAB}"/>
+                <a16:creationId xmlns:a16="http://schemas.microsoft.com/office/drawing/2014/main" id="{F7796D7A-09C6-4C22-8663-C5346049E123}"/>
               </a:ext>
             </a:extLst>
           </p:cNvPr>
@@ -3264,8 +2840,8 @@
         </p:blipFill>
         <p:spPr>
           <a:xfrm>
-            <a:off x="4986334" y="914399"/>
-            <a:ext cx="6824666" cy="3902571"/>
+            <a:off x="685800" y="847737"/>
+            <a:ext cx="7312382" cy="4181463"/>
           </a:xfrm>
           <a:prstGeom prst="rect">
             <a:avLst/>
@@ -3274,10 +2850,10 @@
       </p:pic>
       <p:sp>
         <p:nvSpPr>
-          <p:cNvPr id="6" name="Rectangle 5">
+          <p:cNvPr id="5" name="Rectangle 4">
             <a:extLst>
               <a:ext uri="{FF2B5EF4-FFF2-40B4-BE49-F238E27FC236}">
-                <a16:creationId xmlns:a16="http://schemas.microsoft.com/office/drawing/2014/main" id="{D16B49D4-79D6-47B3-982A-4002F118C366}"/>
+                <a16:creationId xmlns:a16="http://schemas.microsoft.com/office/drawing/2014/main" id="{EA8019BC-6D7B-4153-ADF4-1D56E633EF45}"/>
               </a:ext>
             </a:extLst>
           </p:cNvPr>
@@ -3286,15 +2862,15 @@
         </p:nvSpPr>
         <p:spPr>
           <a:xfrm>
-            <a:off x="667251" y="2811441"/>
-            <a:ext cx="6096000" cy="584775"/>
+            <a:off x="7998315" y="2993506"/>
+            <a:ext cx="3637547" cy="1477328"/>
           </a:xfrm>
           <a:prstGeom prst="rect">
             <a:avLst/>
           </a:prstGeom>
         </p:spPr>
         <p:txBody>
-          <a:bodyPr>
+          <a:bodyPr wrap="square">
             <a:spAutoFit/>
           </a:bodyPr>
           <a:lstStyle/>
@@ -3304,47 +2880,62 @@
               <a:buChar char="•"/>
             </a:pPr>
             <a:r>
-              <a:rPr lang="it-IT" sz="1600" dirty="0"/>
-              <a:t>SVM: Support </a:t>
-            </a:r>
-            <a:r>
-              <a:rPr lang="it-IT" sz="1600" dirty="0" err="1"/>
-              <a:t>Vector</a:t>
-            </a:r>
-            <a:r>
-              <a:rPr lang="it-IT" sz="1600" dirty="0"/>
-              <a:t> Machine</a:t>
-            </a:r>
-          </a:p>
+              <a:rPr lang="en-GB" dirty="0"/>
+              <a:t>Semi-Supervised Learning with Constrained Virtual Support Vector Machines for Classification of Remote Sensing Image Data (</a:t>
+            </a:r>
+            <a:r>
+              <a:rPr lang="en-GB" dirty="0" err="1"/>
+              <a:t>Geiss</a:t>
+            </a:r>
+            <a:r>
+              <a:rPr lang="en-GB" dirty="0"/>
+              <a:t>)</a:t>
+            </a:r>
+          </a:p>
+        </p:txBody>
+      </p:sp>
+      <p:sp>
+        <p:nvSpPr>
+          <p:cNvPr id="6" name="Rectangle 5">
+            <a:extLst>
+              <a:ext uri="{FF2B5EF4-FFF2-40B4-BE49-F238E27FC236}">
+                <a16:creationId xmlns:a16="http://schemas.microsoft.com/office/drawing/2014/main" id="{11FB016A-20C7-4794-B228-595A51E63C31}"/>
+              </a:ext>
+            </a:extLst>
+          </p:cNvPr>
+          <p:cNvSpPr/>
+          <p:nvPr/>
+        </p:nvSpPr>
+        <p:spPr>
+          <a:xfrm>
+            <a:off x="7998182" y="1192430"/>
+            <a:ext cx="3661610" cy="1200329"/>
+          </a:xfrm>
+          <a:prstGeom prst="rect">
+            <a:avLst/>
+          </a:prstGeom>
+        </p:spPr>
+        <p:txBody>
+          <a:bodyPr wrap="square">
+            <a:spAutoFit/>
+          </a:bodyPr>
+          <a:lstStyle/>
           <a:p>
             <a:pPr marL="285750" indent="-285750">
               <a:buFont typeface="Arial" panose="020B0604020202020204" pitchFamily="34" charset="0"/>
               <a:buChar char="•"/>
             </a:pPr>
             <a:r>
-              <a:rPr lang="it-IT" sz="1600" dirty="0"/>
-              <a:t>SVM-M: </a:t>
-            </a:r>
-            <a:r>
-              <a:rPr lang="it-IT" sz="1600" dirty="0" err="1"/>
-              <a:t>multilevel</a:t>
-            </a:r>
-            <a:r>
-              <a:rPr lang="it-IT" sz="1600" dirty="0"/>
-              <a:t> </a:t>
-            </a:r>
-            <a:r>
-              <a:rPr lang="it-IT" sz="1600" dirty="0" err="1"/>
-              <a:t>segmentation</a:t>
-            </a:r>
-            <a:endParaRPr lang="it-IT" dirty="0"/>
+              <a:rPr lang="en-GB" dirty="0"/>
+              <a:t>Virtual Support Vector Machines with self-learning strategy for classification of multispectral remote sensing imagery</a:t>
+            </a:r>
           </a:p>
         </p:txBody>
       </p:sp>
     </p:spTree>
     <p:extLst>
       <p:ext uri="{BB962C8B-B14F-4D97-AF65-F5344CB8AC3E}">
-        <p14:creationId xmlns:p14="http://schemas.microsoft.com/office/powerpoint/2010/main" val="1682184335"/>
+        <p14:creationId xmlns:p14="http://schemas.microsoft.com/office/powerpoint/2010/main" val="1570229038"/>
       </p:ext>
     </p:extLst>
   </p:cSld>
@@ -3467,7 +3058,7 @@
           </p:blipFill>
           <p:spPr>
             <a:xfrm>
-              <a:off x="914400" y="6257607"/>
+              <a:off x="381000" y="6262115"/>
               <a:ext cx="3038855" cy="573022"/>
             </a:xfrm>
             <a:prstGeom prst="rect">
@@ -3551,10 +3142,10 @@
       </p:sp>
       <p:pic>
         <p:nvPicPr>
-          <p:cNvPr id="7" name="Picture 6">
+          <p:cNvPr id="13" name="Picture 12">
             <a:extLst>
               <a:ext uri="{FF2B5EF4-FFF2-40B4-BE49-F238E27FC236}">
-                <a16:creationId xmlns:a16="http://schemas.microsoft.com/office/drawing/2014/main" id="{46E84301-9CAC-4523-8A21-45BC777A53BD}"/>
+                <a16:creationId xmlns:a16="http://schemas.microsoft.com/office/drawing/2014/main" id="{534F53FC-FD68-4B63-ACA6-1C5B471EC0F6}"/>
               </a:ext>
             </a:extLst>
           </p:cNvPr>
@@ -3577,8 +3168,8 @@
         </p:blipFill>
         <p:spPr>
           <a:xfrm>
-            <a:off x="182136" y="6239318"/>
-            <a:ext cx="618682" cy="618682"/>
+            <a:off x="11182985" y="6230111"/>
+            <a:ext cx="628015" cy="628015"/>
           </a:xfrm>
           <a:prstGeom prst="rect">
             <a:avLst/>
@@ -3587,10 +3178,10 @@
       </p:pic>
       <p:sp>
         <p:nvSpPr>
-          <p:cNvPr id="8" name="TextBox 7">
+          <p:cNvPr id="3" name="TextBox 2">
             <a:extLst>
               <a:ext uri="{FF2B5EF4-FFF2-40B4-BE49-F238E27FC236}">
-                <a16:creationId xmlns:a16="http://schemas.microsoft.com/office/drawing/2014/main" id="{39989F63-3FDD-4096-9F8B-1A10A29573F6}"/>
+                <a16:creationId xmlns:a16="http://schemas.microsoft.com/office/drawing/2014/main" id="{342E2EA3-FB07-4EC5-9CD2-ED20F62A5EE8}"/>
               </a:ext>
             </a:extLst>
           </p:cNvPr>
@@ -3600,7 +3191,80 @@
         <p:spPr>
           <a:xfrm>
             <a:off x="685800" y="914400"/>
-            <a:ext cx="3682803" cy="1477328"/>
+            <a:ext cx="4191000" cy="2400657"/>
+          </a:xfrm>
+          <a:prstGeom prst="rect">
+            <a:avLst/>
+          </a:prstGeom>
+          <a:noFill/>
+        </p:spPr>
+        <p:txBody>
+          <a:bodyPr wrap="square" rtlCol="0">
+            <a:spAutoFit/>
+          </a:bodyPr>
+          <a:lstStyle/>
+          <a:p>
+            <a:r>
+              <a:rPr lang="it-IT" sz="1600" dirty="0"/>
+              <a:t>VSVM background</a:t>
+            </a:r>
+          </a:p>
+          <a:p>
+            <a:pPr marL="285750" indent="-285750">
+              <a:buFont typeface="Arial" panose="020B0604020202020204" pitchFamily="34" charset="0"/>
+              <a:buChar char="•"/>
+            </a:pPr>
+            <a:r>
+              <a:rPr lang="en-GB" sz="1400" dirty="0"/>
+              <a:t>Virtual Support Vector Machines with self-learning strategy for classification of multispectral remote sensing imagery</a:t>
+            </a:r>
+          </a:p>
+          <a:p>
+            <a:pPr marL="285750" indent="-285750">
+              <a:buFont typeface="Arial" panose="020B0604020202020204" pitchFamily="34" charset="0"/>
+              <a:buChar char="•"/>
+            </a:pPr>
+            <a:r>
+              <a:rPr lang="en-GB" sz="1400" dirty="0"/>
+              <a:t>Semi-Supervised Learning with Constrained Virtual Support Vector Machines for Classification of Remote Sensing Image Data</a:t>
+            </a:r>
+          </a:p>
+          <a:p>
+            <a:pPr lvl="1"/>
+            <a:endParaRPr lang="it-IT" sz="1400" dirty="0"/>
+          </a:p>
+          <a:p>
+            <a:pPr marL="742950" lvl="1" indent="-285750">
+              <a:buFont typeface="Arial" panose="020B0604020202020204" pitchFamily="34" charset="0"/>
+              <a:buChar char="•"/>
+            </a:pPr>
+            <a:endParaRPr lang="en-GB" dirty="0"/>
+          </a:p>
+          <a:p>
+            <a:pPr marL="742950" lvl="1" indent="-285750">
+              <a:buFont typeface="Arial" panose="020B0604020202020204" pitchFamily="34" charset="0"/>
+              <a:buChar char="•"/>
+            </a:pPr>
+            <a:endParaRPr lang="en-GB" dirty="0"/>
+          </a:p>
+        </p:txBody>
+      </p:sp>
+      <p:sp>
+        <p:nvSpPr>
+          <p:cNvPr id="14" name="TextBox 13">
+            <a:extLst>
+              <a:ext uri="{FF2B5EF4-FFF2-40B4-BE49-F238E27FC236}">
+                <a16:creationId xmlns:a16="http://schemas.microsoft.com/office/drawing/2014/main" id="{DB888FF8-BA01-414A-B2A0-AA4364B1FB67}"/>
+              </a:ext>
+            </a:extLst>
+          </p:cNvPr>
+          <p:cNvSpPr txBox="1"/>
+          <p:nvPr/>
+        </p:nvSpPr>
+        <p:spPr>
+          <a:xfrm>
+            <a:off x="685800" y="3651965"/>
+            <a:ext cx="3571106" cy="1323439"/>
           </a:xfrm>
           <a:prstGeom prst="rect">
             <a:avLst/>
@@ -3618,14 +3282,25 @@
               <a:buChar char="•"/>
             </a:pPr>
             <a:r>
-              <a:rPr lang="it-IT" dirty="0"/>
-              <a:t>Script </a:t>
-            </a:r>
-            <a:r>
-              <a:rPr lang="it-IT" dirty="0" err="1"/>
-              <a:t>understanding</a:t>
-            </a:r>
-            <a:endParaRPr lang="it-IT" dirty="0"/>
+              <a:rPr lang="it-IT" sz="1600" dirty="0"/>
+              <a:t>VSVM: </a:t>
+            </a:r>
+            <a:r>
+              <a:rPr lang="it-IT" sz="1600" dirty="0" err="1"/>
+              <a:t>enconding</a:t>
+            </a:r>
+            <a:r>
+              <a:rPr lang="it-IT" sz="1600" dirty="0"/>
+              <a:t> </a:t>
+            </a:r>
+            <a:r>
+              <a:rPr lang="it-IT" sz="1600" dirty="0" err="1"/>
+              <a:t>invariance</a:t>
+            </a:r>
+            <a:r>
+              <a:rPr lang="it-IT" sz="1600" dirty="0"/>
+              <a:t> </a:t>
+            </a:r>
           </a:p>
           <a:p>
             <a:pPr marL="742950" lvl="1" indent="-285750">
@@ -3633,18 +3308,21 @@
               <a:buChar char="•"/>
             </a:pPr>
             <a:r>
-              <a:rPr lang="it-IT" dirty="0" err="1"/>
-              <a:t>Identify</a:t>
-            </a:r>
-            <a:r>
-              <a:rPr lang="it-IT" dirty="0"/>
-              <a:t> </a:t>
-            </a:r>
-            <a:r>
-              <a:rPr lang="it-IT" dirty="0" err="1"/>
-              <a:t>structure</a:t>
-            </a:r>
-            <a:endParaRPr lang="it-IT" dirty="0"/>
+              <a:rPr lang="it-IT" sz="1600" dirty="0" err="1"/>
+              <a:t>Invariances</a:t>
+            </a:r>
+            <a:r>
+              <a:rPr lang="it-IT" sz="1600" dirty="0"/>
+              <a:t> of </a:t>
+            </a:r>
+            <a:r>
+              <a:rPr lang="it-IT" sz="1600" dirty="0" err="1"/>
+              <a:t>shape</a:t>
+            </a:r>
+            <a:r>
+              <a:rPr lang="it-IT" sz="1600" dirty="0"/>
+              <a:t> (8 dataset)</a:t>
+            </a:r>
           </a:p>
           <a:p>
             <a:pPr marL="742950" lvl="1" indent="-285750">
@@ -3652,22 +3330,28 @@
               <a:buChar char="•"/>
             </a:pPr>
             <a:r>
-              <a:rPr lang="it-IT" dirty="0"/>
-              <a:t>Locate the </a:t>
-            </a:r>
-            <a:r>
-              <a:rPr lang="it-IT" dirty="0" err="1"/>
-              <a:t>sections</a:t>
-            </a:r>
-            <a:r>
-              <a:rPr lang="it-IT" dirty="0"/>
-              <a:t> to </a:t>
-            </a:r>
-            <a:r>
-              <a:rPr lang="it-IT" dirty="0" err="1"/>
-              <a:t>extend</a:t>
-            </a:r>
-            <a:endParaRPr lang="it-IT" dirty="0"/>
+              <a:rPr lang="it-IT" sz="1600" dirty="0" err="1"/>
+              <a:t>Invariances</a:t>
+            </a:r>
+            <a:r>
+              <a:rPr lang="it-IT" sz="1600" dirty="0"/>
+              <a:t> of scale (9 dataset)</a:t>
+            </a:r>
+          </a:p>
+          <a:p>
+            <a:pPr marL="285750" indent="-285750">
+              <a:buFont typeface="Arial" panose="020B0604020202020204" pitchFamily="34" charset="0"/>
+              <a:buChar char="•"/>
+            </a:pPr>
+            <a:r>
+              <a:rPr lang="it-IT" sz="1600" dirty="0"/>
+              <a:t>VSVM-SL: Self-learning </a:t>
+            </a:r>
+            <a:r>
+              <a:rPr lang="it-IT" sz="1600" dirty="0" err="1"/>
+              <a:t>strategy</a:t>
+            </a:r>
+            <a:endParaRPr lang="it-IT" sz="1600" dirty="0"/>
           </a:p>
           <a:p>
             <a:pPr marL="742950" lvl="1" indent="-285750">
@@ -3675,27 +3359,117 @@
               <a:buChar char="•"/>
             </a:pPr>
             <a:r>
-              <a:rPr lang="it-IT" dirty="0"/>
-              <a:t>R </a:t>
-            </a:r>
-            <a:r>
-              <a:rPr lang="it-IT" dirty="0" err="1"/>
-              <a:t>documentation</a:t>
-            </a:r>
-            <a:endParaRPr lang="it-IT" dirty="0"/>
-          </a:p>
-          <a:p>
-            <a:pPr lvl="1"/>
-            <a:endParaRPr lang="it-IT" dirty="0"/>
+              <a:rPr lang="it-IT" sz="1600" dirty="0" err="1"/>
+              <a:t>Margin</a:t>
+            </a:r>
+            <a:r>
+              <a:rPr lang="it-IT" sz="1600" dirty="0"/>
+              <a:t> </a:t>
+            </a:r>
+            <a:r>
+              <a:rPr lang="it-IT" sz="1600" dirty="0" err="1"/>
+              <a:t>sampling</a:t>
+            </a:r>
+            <a:r>
+              <a:rPr lang="it-IT" sz="1600" dirty="0"/>
+              <a:t> </a:t>
+            </a:r>
+            <a:r>
+              <a:rPr lang="it-IT" sz="1600" dirty="0" err="1"/>
+              <a:t>constraint</a:t>
+            </a:r>
+            <a:endParaRPr lang="it-IT" sz="1600" dirty="0"/>
           </a:p>
         </p:txBody>
       </p:sp>
       <p:sp>
         <p:nvSpPr>
-          <p:cNvPr id="13" name="Rectangle 12">
+          <p:cNvPr id="16" name="TextBox 15">
             <a:extLst>
               <a:ext uri="{FF2B5EF4-FFF2-40B4-BE49-F238E27FC236}">
-                <a16:creationId xmlns:a16="http://schemas.microsoft.com/office/drawing/2014/main" id="{725D0E52-FE9E-4D10-AE63-2B4D6B7C21FC}"/>
+                <a16:creationId xmlns:a16="http://schemas.microsoft.com/office/drawing/2014/main" id="{F68C67ED-6474-4C01-B605-899AB138D597}"/>
+              </a:ext>
+            </a:extLst>
+          </p:cNvPr>
+          <p:cNvSpPr txBox="1"/>
+          <p:nvPr/>
+        </p:nvSpPr>
+        <p:spPr>
+          <a:xfrm>
+            <a:off x="671841" y="5231153"/>
+            <a:ext cx="2940805" cy="830997"/>
+          </a:xfrm>
+          <a:prstGeom prst="rect">
+            <a:avLst/>
+          </a:prstGeom>
+          <a:noFill/>
+        </p:spPr>
+        <p:txBody>
+          <a:bodyPr wrap="none" rtlCol="0">
+            <a:spAutoFit/>
+          </a:bodyPr>
+          <a:lstStyle/>
+          <a:p>
+            <a:pPr marL="285750" indent="-285750">
+              <a:buFont typeface="Arial" panose="020B0604020202020204" pitchFamily="34" charset="0"/>
+              <a:buChar char="•"/>
+            </a:pPr>
+            <a:r>
+              <a:rPr lang="it-IT" sz="1600" dirty="0"/>
+              <a:t>SVM-M-semi-</a:t>
+            </a:r>
+            <a:r>
+              <a:rPr lang="it-IT" sz="1600" dirty="0" err="1"/>
+              <a:t>labeled</a:t>
+            </a:r>
+            <a:endParaRPr lang="it-IT" sz="1600" dirty="0"/>
+          </a:p>
+          <a:p>
+            <a:pPr marL="285750" indent="-285750">
+              <a:buFont typeface="Arial" panose="020B0604020202020204" pitchFamily="34" charset="0"/>
+              <a:buChar char="•"/>
+            </a:pPr>
+            <a:r>
+              <a:rPr lang="it-IT" sz="1600" dirty="0"/>
+              <a:t>VSVM-SL-semi-</a:t>
+            </a:r>
+            <a:r>
+              <a:rPr lang="it-IT" sz="1600" dirty="0" err="1"/>
+              <a:t>labeled</a:t>
+            </a:r>
+            <a:endParaRPr lang="it-IT" sz="1600" dirty="0"/>
+          </a:p>
+          <a:p>
+            <a:pPr marL="285750" indent="-285750">
+              <a:buFont typeface="Arial" panose="020B0604020202020204" pitchFamily="34" charset="0"/>
+              <a:buChar char="•"/>
+            </a:pPr>
+            <a:r>
+              <a:rPr lang="it-IT" sz="1600" dirty="0"/>
+              <a:t>VSVM-SL-</a:t>
+            </a:r>
+            <a:r>
+              <a:rPr lang="it-IT" sz="1600" dirty="0" err="1"/>
+              <a:t>virtual</a:t>
+            </a:r>
+            <a:r>
+              <a:rPr lang="it-IT" sz="1600" dirty="0"/>
+              <a:t>-semi-</a:t>
+            </a:r>
+            <a:r>
+              <a:rPr lang="it-IT" sz="1600" dirty="0" err="1"/>
+              <a:t>labeled</a:t>
+            </a:r>
+            <a:endParaRPr lang="en-GB" sz="1600" dirty="0"/>
+          </a:p>
+        </p:txBody>
+      </p:sp>
+      <p:sp>
+        <p:nvSpPr>
+          <p:cNvPr id="5" name="Rectangle 4">
+            <a:extLst>
+              <a:ext uri="{FF2B5EF4-FFF2-40B4-BE49-F238E27FC236}">
+                <a16:creationId xmlns:a16="http://schemas.microsoft.com/office/drawing/2014/main" id="{754A4302-62D0-4514-BC06-711248CBB598}"/>
               </a:ext>
             </a:extLst>
           </p:cNvPr>
@@ -3704,8 +3478,189 @@
         </p:nvSpPr>
         <p:spPr>
           <a:xfrm>
-            <a:off x="685800" y="3912978"/>
-            <a:ext cx="6096000" cy="923330"/>
+            <a:off x="5410200" y="4984932"/>
+            <a:ext cx="5141700" cy="1077218"/>
+          </a:xfrm>
+          <a:prstGeom prst="rect">
+            <a:avLst/>
+          </a:prstGeom>
+        </p:spPr>
+        <p:txBody>
+          <a:bodyPr wrap="square">
+            <a:spAutoFit/>
+          </a:bodyPr>
+          <a:lstStyle/>
+          <a:p>
+            <a:pPr marL="285750" indent="-285750">
+              <a:buFont typeface="Arial" panose="020B0604020202020204" pitchFamily="34" charset="0"/>
+              <a:buChar char="•"/>
+            </a:pPr>
+            <a:r>
+              <a:rPr lang="it-IT" sz="1600" dirty="0" err="1">
+                <a:highlight>
+                  <a:srgbClr val="FFFF00"/>
+                </a:highlight>
+              </a:rPr>
+              <a:t>Binary</a:t>
+            </a:r>
+            <a:r>
+              <a:rPr lang="it-IT" sz="1600" dirty="0">
+                <a:highlight>
+                  <a:srgbClr val="FFFF00"/>
+                </a:highlight>
+              </a:rPr>
+              <a:t> </a:t>
+            </a:r>
+            <a:r>
+              <a:rPr lang="it-IT" sz="1600" dirty="0" err="1">
+                <a:highlight>
+                  <a:srgbClr val="FFFF00"/>
+                </a:highlight>
+              </a:rPr>
+              <a:t>classification</a:t>
+            </a:r>
+            <a:r>
+              <a:rPr lang="it-IT" sz="1600" dirty="0">
+                <a:highlight>
+                  <a:srgbClr val="FFFF00"/>
+                </a:highlight>
+              </a:rPr>
+              <a:t> </a:t>
+            </a:r>
+            <a:r>
+              <a:rPr lang="it-IT" sz="1600" dirty="0" err="1">
+                <a:highlight>
+                  <a:srgbClr val="FFFF00"/>
+                </a:highlight>
+              </a:rPr>
+              <a:t>problem</a:t>
+            </a:r>
+            <a:r>
+              <a:rPr lang="it-IT" sz="1600" dirty="0">
+                <a:highlight>
+                  <a:srgbClr val="FFFF00"/>
+                </a:highlight>
+              </a:rPr>
+              <a:t> </a:t>
+            </a:r>
+            <a:r>
+              <a:rPr lang="it-IT" sz="1600" dirty="0"/>
+              <a:t>(‘</a:t>
+            </a:r>
+            <a:r>
+              <a:rPr lang="it-IT" sz="1600" dirty="0" err="1"/>
+              <a:t>bushes_trees</a:t>
+            </a:r>
+            <a:r>
+              <a:rPr lang="it-IT" sz="1600" dirty="0"/>
+              <a:t>’ vs </a:t>
+            </a:r>
+            <a:r>
+              <a:rPr lang="it-IT" sz="1600" dirty="0" err="1"/>
+              <a:t>other</a:t>
+            </a:r>
+            <a:r>
+              <a:rPr lang="it-IT" sz="1600" dirty="0"/>
+              <a:t>)</a:t>
+            </a:r>
+          </a:p>
+          <a:p>
+            <a:pPr marL="285750" indent="-285750">
+              <a:buFont typeface="Arial" panose="020B0604020202020204" pitchFamily="34" charset="0"/>
+              <a:buChar char="•"/>
+            </a:pPr>
+            <a:r>
+              <a:rPr lang="it-IT" sz="1600" dirty="0" err="1"/>
+              <a:t>Multiclass</a:t>
+            </a:r>
+            <a:r>
+              <a:rPr lang="it-IT" sz="1600" dirty="0"/>
+              <a:t> </a:t>
+            </a:r>
+            <a:r>
+              <a:rPr lang="it-IT" sz="1600" dirty="0" err="1"/>
+              <a:t>classification</a:t>
+            </a:r>
+            <a:r>
+              <a:rPr lang="it-IT" sz="1600" dirty="0"/>
+              <a:t> </a:t>
+            </a:r>
+            <a:r>
+              <a:rPr lang="it-IT" sz="1600" dirty="0" err="1"/>
+              <a:t>problem</a:t>
+            </a:r>
+            <a:r>
+              <a:rPr lang="it-IT" sz="1600" dirty="0"/>
+              <a:t> (6 classes: ‘</a:t>
+            </a:r>
+            <a:r>
+              <a:rPr lang="it-IT" sz="1600" dirty="0" err="1"/>
+              <a:t>bushes_trees</a:t>
+            </a:r>
+            <a:r>
+              <a:rPr lang="it-IT" sz="1600" dirty="0"/>
+              <a:t>’, ‘</a:t>
+            </a:r>
+            <a:r>
+              <a:rPr lang="it-IT" sz="1600" dirty="0" err="1"/>
+              <a:t>facade</a:t>
+            </a:r>
+            <a:r>
+              <a:rPr lang="it-IT" sz="1600" dirty="0"/>
+              <a:t>’, </a:t>
+            </a:r>
+            <a:r>
+              <a:rPr lang="it-IT" sz="1600" dirty="0" err="1"/>
+              <a:t>meadow</a:t>
+            </a:r>
+            <a:r>
+              <a:rPr lang="it-IT" sz="1600" dirty="0"/>
+              <a:t>’, ’</a:t>
+            </a:r>
+            <a:r>
+              <a:rPr lang="it-IT" sz="1600" dirty="0" err="1"/>
+              <a:t>other_impervious_surface</a:t>
+            </a:r>
+            <a:r>
+              <a:rPr lang="it-IT" sz="1600" dirty="0"/>
+              <a:t>’, ’</a:t>
+            </a:r>
+            <a:r>
+              <a:rPr lang="it-IT" sz="1600" dirty="0" err="1"/>
+              <a:t>roofs</a:t>
+            </a:r>
+            <a:r>
+              <a:rPr lang="it-IT" sz="1600" dirty="0"/>
+              <a:t>’, ’</a:t>
+            </a:r>
+            <a:r>
+              <a:rPr lang="it-IT" sz="1600" dirty="0" err="1"/>
+              <a:t>shadow</a:t>
+            </a:r>
+            <a:r>
+              <a:rPr lang="it-IT" sz="1600" dirty="0"/>
+              <a:t>’)</a:t>
+            </a:r>
+            <a:endParaRPr lang="en-GB" sz="1600" dirty="0"/>
+          </a:p>
+        </p:txBody>
+      </p:sp>
+      <p:sp>
+        <p:nvSpPr>
+          <p:cNvPr id="6" name="Rectangle 5">
+            <a:extLst>
+              <a:ext uri="{FF2B5EF4-FFF2-40B4-BE49-F238E27FC236}">
+                <a16:creationId xmlns:a16="http://schemas.microsoft.com/office/drawing/2014/main" id="{D16B49D4-79D6-47B3-982A-4002F118C366}"/>
+              </a:ext>
+            </a:extLst>
+          </p:cNvPr>
+          <p:cNvSpPr/>
+          <p:nvPr/>
+        </p:nvSpPr>
+        <p:spPr>
+          <a:xfrm>
+            <a:off x="667251" y="2811441"/>
+            <a:ext cx="6096000" cy="584775"/>
           </a:xfrm>
           <a:prstGeom prst="rect">
             <a:avLst/>
@@ -3722,13 +3677,119 @@
               <a:buChar char="•"/>
             </a:pPr>
             <a:r>
+              <a:rPr lang="it-IT" sz="1600" dirty="0"/>
+              <a:t>SVM: Support </a:t>
+            </a:r>
+            <a:r>
+              <a:rPr lang="it-IT" sz="1600" dirty="0" err="1"/>
+              <a:t>Vector</a:t>
+            </a:r>
+            <a:r>
+              <a:rPr lang="it-IT" sz="1600" dirty="0"/>
+              <a:t> Machine</a:t>
+            </a:r>
+          </a:p>
+          <a:p>
+            <a:pPr marL="285750" indent="-285750">
+              <a:buFont typeface="Arial" panose="020B0604020202020204" pitchFamily="34" charset="0"/>
+              <a:buChar char="•"/>
+            </a:pPr>
+            <a:r>
+              <a:rPr lang="it-IT" sz="1600" dirty="0">
+                <a:solidFill>
+                  <a:schemeClr val="tx2">
+                    <a:lumMod val="60000"/>
+                    <a:lumOff val="40000"/>
+                  </a:schemeClr>
+                </a:solidFill>
+              </a:rPr>
+              <a:t>SVM-M: </a:t>
+            </a:r>
+            <a:r>
+              <a:rPr lang="it-IT" sz="1600" dirty="0" err="1">
+                <a:solidFill>
+                  <a:schemeClr val="tx2">
+                    <a:lumMod val="60000"/>
+                    <a:lumOff val="40000"/>
+                  </a:schemeClr>
+                </a:solidFill>
+              </a:rPr>
+              <a:t>multilevel</a:t>
+            </a:r>
+            <a:r>
+              <a:rPr lang="it-IT" sz="1600" dirty="0">
+                <a:solidFill>
+                  <a:schemeClr val="tx2">
+                    <a:lumMod val="60000"/>
+                    <a:lumOff val="40000"/>
+                  </a:schemeClr>
+                </a:solidFill>
+              </a:rPr>
+              <a:t> </a:t>
+            </a:r>
+            <a:r>
+              <a:rPr lang="it-IT" sz="1600" dirty="0" err="1">
+                <a:solidFill>
+                  <a:schemeClr val="tx2">
+                    <a:lumMod val="60000"/>
+                    <a:lumOff val="40000"/>
+                  </a:schemeClr>
+                </a:solidFill>
+              </a:rPr>
+              <a:t>segmentation</a:t>
+            </a:r>
+            <a:endParaRPr lang="it-IT" dirty="0">
+              <a:solidFill>
+                <a:schemeClr val="tx2">
+                  <a:lumMod val="60000"/>
+                  <a:lumOff val="40000"/>
+                </a:schemeClr>
+              </a:solidFill>
+            </a:endParaRPr>
+          </a:p>
+        </p:txBody>
+      </p:sp>
+      <p:sp>
+        <p:nvSpPr>
+          <p:cNvPr id="15" name="TextBox 14">
+            <a:extLst>
+              <a:ext uri="{FF2B5EF4-FFF2-40B4-BE49-F238E27FC236}">
+                <a16:creationId xmlns:a16="http://schemas.microsoft.com/office/drawing/2014/main" id="{8E5EE750-138A-42FF-BB86-86EDE802A00C}"/>
+              </a:ext>
+            </a:extLst>
+          </p:cNvPr>
+          <p:cNvSpPr txBox="1"/>
+          <p:nvPr/>
+        </p:nvSpPr>
+        <p:spPr>
+          <a:xfrm>
+            <a:off x="6669300" y="1413521"/>
+            <a:ext cx="5141700" cy="1477328"/>
+          </a:xfrm>
+          <a:prstGeom prst="rect">
+            <a:avLst/>
+          </a:prstGeom>
+          <a:noFill/>
+        </p:spPr>
+        <p:txBody>
+          <a:bodyPr wrap="square" rtlCol="0">
+            <a:spAutoFit/>
+          </a:bodyPr>
+          <a:lstStyle/>
+          <a:p>
+            <a:pPr marL="285750" indent="-285750">
+              <a:buFont typeface="Arial" panose="020B0604020202020204" pitchFamily="34" charset="0"/>
+              <a:buChar char="•"/>
+            </a:pPr>
+            <a:r>
               <a:rPr lang="it-IT" dirty="0"/>
               <a:t>Script </a:t>
             </a:r>
             <a:r>
-              <a:rPr lang="en-US" dirty="0"/>
-              <a:t>customization</a:t>
-            </a:r>
+              <a:rPr lang="it-IT" dirty="0" err="1"/>
+              <a:t>understanding</a:t>
+            </a:r>
+            <a:endParaRPr lang="it-IT" dirty="0"/>
           </a:p>
           <a:p>
             <a:pPr marL="742950" lvl="1" indent="-285750">
@@ -3736,16 +3797,16 @@
               <a:buChar char="•"/>
             </a:pPr>
             <a:r>
-              <a:rPr lang="en-US" dirty="0"/>
-              <a:t>Add</a:t>
+              <a:rPr lang="it-IT" dirty="0" err="1"/>
+              <a:t>Identify</a:t>
             </a:r>
             <a:r>
               <a:rPr lang="it-IT" dirty="0"/>
-              <a:t> more user-</a:t>
+              <a:t> </a:t>
             </a:r>
             <a:r>
               <a:rPr lang="it-IT" dirty="0" err="1"/>
-              <a:t>readability</a:t>
+              <a:t>structure</a:t>
             </a:r>
             <a:endParaRPr lang="it-IT" dirty="0"/>
           </a:p>
@@ -3755,6 +3816,109 @@
               <a:buChar char="•"/>
             </a:pPr>
             <a:r>
+              <a:rPr lang="it-IT" dirty="0"/>
+              <a:t>Locate the </a:t>
+            </a:r>
+            <a:r>
+              <a:rPr lang="it-IT" dirty="0" err="1"/>
+              <a:t>sections</a:t>
+            </a:r>
+            <a:r>
+              <a:rPr lang="it-IT" dirty="0"/>
+              <a:t> to </a:t>
+            </a:r>
+            <a:r>
+              <a:rPr lang="it-IT" dirty="0" err="1"/>
+              <a:t>extend</a:t>
+            </a:r>
+            <a:endParaRPr lang="it-IT" dirty="0"/>
+          </a:p>
+          <a:p>
+            <a:pPr marL="742950" lvl="1" indent="-285750">
+              <a:buFont typeface="Arial" panose="020B0604020202020204" pitchFamily="34" charset="0"/>
+              <a:buChar char="•"/>
+            </a:pPr>
+            <a:r>
+              <a:rPr lang="it-IT" dirty="0"/>
+              <a:t>R </a:t>
+            </a:r>
+            <a:r>
+              <a:rPr lang="it-IT" dirty="0" err="1"/>
+              <a:t>documentation</a:t>
+            </a:r>
+            <a:endParaRPr lang="it-IT" dirty="0"/>
+          </a:p>
+          <a:p>
+            <a:pPr lvl="1"/>
+            <a:endParaRPr lang="it-IT" dirty="0"/>
+          </a:p>
+        </p:txBody>
+      </p:sp>
+      <p:sp>
+        <p:nvSpPr>
+          <p:cNvPr id="18" name="Rectangle 17">
+            <a:extLst>
+              <a:ext uri="{FF2B5EF4-FFF2-40B4-BE49-F238E27FC236}">
+                <a16:creationId xmlns:a16="http://schemas.microsoft.com/office/drawing/2014/main" id="{1D31B789-53DB-474C-98AC-34C677744256}"/>
+              </a:ext>
+            </a:extLst>
+          </p:cNvPr>
+          <p:cNvSpPr/>
+          <p:nvPr/>
+        </p:nvSpPr>
+        <p:spPr>
+          <a:xfrm>
+            <a:off x="6669300" y="2767314"/>
+            <a:ext cx="5141700" cy="923330"/>
+          </a:xfrm>
+          <a:prstGeom prst="rect">
+            <a:avLst/>
+          </a:prstGeom>
+        </p:spPr>
+        <p:txBody>
+          <a:bodyPr wrap="square">
+            <a:spAutoFit/>
+          </a:bodyPr>
+          <a:lstStyle/>
+          <a:p>
+            <a:pPr marL="285750" indent="-285750">
+              <a:buFont typeface="Arial" panose="020B0604020202020204" pitchFamily="34" charset="0"/>
+              <a:buChar char="•"/>
+            </a:pPr>
+            <a:r>
+              <a:rPr lang="it-IT" dirty="0"/>
+              <a:t>Script </a:t>
+            </a:r>
+            <a:r>
+              <a:rPr lang="en-US" dirty="0"/>
+              <a:t>customization</a:t>
+            </a:r>
+          </a:p>
+          <a:p>
+            <a:pPr marL="742950" lvl="1" indent="-285750">
+              <a:buFont typeface="Arial" panose="020B0604020202020204" pitchFamily="34" charset="0"/>
+              <a:buChar char="•"/>
+            </a:pPr>
+            <a:r>
+              <a:rPr lang="en-US" dirty="0"/>
+              <a:t>Add</a:t>
+            </a:r>
+            <a:r>
+              <a:rPr lang="it-IT" dirty="0"/>
+              <a:t> more user-</a:t>
+            </a:r>
+            <a:r>
+              <a:rPr lang="it-IT" dirty="0" err="1"/>
+              <a:t>readability</a:t>
+            </a:r>
+            <a:endParaRPr lang="it-IT" dirty="0"/>
+          </a:p>
+          <a:p>
+            <a:pPr marL="742950" lvl="1" indent="-285750">
+              <a:buFont typeface="Arial" panose="020B0604020202020204" pitchFamily="34" charset="0"/>
+              <a:buChar char="•"/>
+            </a:pPr>
+            <a:r>
               <a:rPr lang="it-IT" dirty="0" err="1"/>
               <a:t>Improve</a:t>
             </a:r>
@@ -3778,10 +3942,40 @@
           </a:p>
         </p:txBody>
       </p:sp>
+      <p:pic>
+        <p:nvPicPr>
+          <p:cNvPr id="2" name="Picture 1">
+            <a:extLst>
+              <a:ext uri="{FF2B5EF4-FFF2-40B4-BE49-F238E27FC236}">
+                <a16:creationId xmlns:a16="http://schemas.microsoft.com/office/drawing/2014/main" id="{E1A885D3-760C-4A90-B901-6F1DE6739049}"/>
+              </a:ext>
+            </a:extLst>
+          </p:cNvPr>
+          <p:cNvPicPr>
+            <a:picLocks noChangeAspect="1"/>
+          </p:cNvPicPr>
+          <p:nvPr/>
+        </p:nvPicPr>
+        <p:blipFill>
+          <a:blip r:embed="rId4"/>
+          <a:stretch>
+            <a:fillRect/>
+          </a:stretch>
+        </p:blipFill>
+        <p:spPr>
+          <a:xfrm>
+            <a:off x="9330397" y="1473026"/>
+            <a:ext cx="523948" cy="266737"/>
+          </a:xfrm>
+          <a:prstGeom prst="rect">
+            <a:avLst/>
+          </a:prstGeom>
+        </p:spPr>
+      </p:pic>
     </p:spTree>
     <p:extLst>
       <p:ext uri="{BB962C8B-B14F-4D97-AF65-F5344CB8AC3E}">
-        <p14:creationId xmlns:p14="http://schemas.microsoft.com/office/powerpoint/2010/main" val="1570229038"/>
+        <p14:creationId xmlns:p14="http://schemas.microsoft.com/office/powerpoint/2010/main" val="1682184335"/>
       </p:ext>
     </p:extLst>
   </p:cSld>
@@ -4143,7 +4337,7 @@
         </p:nvSpPr>
         <p:spPr>
           <a:xfrm>
-            <a:off x="704161" y="903383"/>
+            <a:off x="708172" y="1243525"/>
             <a:ext cx="6096000" cy="1477328"/>
           </a:xfrm>
           <a:prstGeom prst="rect">
@@ -4324,42 +4518,6 @@
       </p:grpSp>
       <p:pic>
         <p:nvPicPr>
-          <p:cNvPr id="6" name="Picture 5">
-            <a:extLst>
-              <a:ext uri="{FF2B5EF4-FFF2-40B4-BE49-F238E27FC236}">
-                <a16:creationId xmlns:a16="http://schemas.microsoft.com/office/drawing/2014/main" id="{9AA91CDE-1CB5-4279-B973-0D83F25EF7D6}"/>
-              </a:ext>
-            </a:extLst>
-          </p:cNvPr>
-          <p:cNvPicPr>
-            <a:picLocks noChangeAspect="1"/>
-          </p:cNvPicPr>
-          <p:nvPr/>
-        </p:nvPicPr>
-        <p:blipFill>
-          <a:blip r:embed="rId3" cstate="print">
-            <a:extLst>
-              <a:ext uri="{28A0092B-C50C-407E-A947-70E740481C1C}">
-                <a14:useLocalDpi xmlns:a14="http://schemas.microsoft.com/office/drawing/2010/main" val="0"/>
-              </a:ext>
-            </a:extLst>
-          </a:blip>
-          <a:stretch>
-            <a:fillRect/>
-          </a:stretch>
-        </p:blipFill>
-        <p:spPr>
-          <a:xfrm>
-            <a:off x="11530070" y="152400"/>
-            <a:ext cx="550128" cy="550128"/>
-          </a:xfrm>
-          <a:prstGeom prst="rect">
-            <a:avLst/>
-          </a:prstGeom>
-        </p:spPr>
-      </p:pic>
-      <p:pic>
-        <p:nvPicPr>
           <p:cNvPr id="3" name="Picture 2">
             <a:extLst>
               <a:ext uri="{FF2B5EF4-FFF2-40B4-BE49-F238E27FC236}">
@@ -4373,7 +4531,7 @@
           <p:nvPr/>
         </p:nvPicPr>
         <p:blipFill>
-          <a:blip r:embed="rId4"/>
+          <a:blip r:embed="rId3"/>
           <a:stretch>
             <a:fillRect/>
           </a:stretch>
@@ -4403,7 +4561,7 @@
           <p:nvPr/>
         </p:nvPicPr>
         <p:blipFill>
-          <a:blip r:embed="rId5"/>
+          <a:blip r:embed="rId4"/>
           <a:stretch>
             <a:fillRect/>
           </a:stretch>
@@ -4433,7 +4591,7 @@
           <p:nvPr/>
         </p:nvPicPr>
         <p:blipFill>
-          <a:blip r:embed="rId6"/>
+          <a:blip r:embed="rId5"/>
           <a:stretch>
             <a:fillRect/>
           </a:stretch>
@@ -4442,6 +4600,42 @@
           <a:xfrm>
             <a:off x="779018" y="3596991"/>
             <a:ext cx="5281671" cy="2596631"/>
+          </a:xfrm>
+          <a:prstGeom prst="rect">
+            <a:avLst/>
+          </a:prstGeom>
+        </p:spPr>
+      </p:pic>
+      <p:pic>
+        <p:nvPicPr>
+          <p:cNvPr id="12" name="Picture 11">
+            <a:extLst>
+              <a:ext uri="{FF2B5EF4-FFF2-40B4-BE49-F238E27FC236}">
+                <a16:creationId xmlns:a16="http://schemas.microsoft.com/office/drawing/2014/main" id="{C1D25302-010C-44FE-8055-162AD1539989}"/>
+              </a:ext>
+            </a:extLst>
+          </p:cNvPr>
+          <p:cNvPicPr>
+            <a:picLocks noChangeAspect="1"/>
+          </p:cNvPicPr>
+          <p:nvPr/>
+        </p:nvPicPr>
+        <p:blipFill>
+          <a:blip r:embed="rId6" cstate="print">
+            <a:extLst>
+              <a:ext uri="{28A0092B-C50C-407E-A947-70E740481C1C}">
+                <a14:useLocalDpi xmlns:a14="http://schemas.microsoft.com/office/drawing/2010/main" val="0"/>
+              </a:ext>
+            </a:extLst>
+          </a:blip>
+          <a:stretch>
+            <a:fillRect/>
+          </a:stretch>
+        </p:blipFill>
+        <p:spPr>
+          <a:xfrm>
+            <a:off x="11182985" y="6230111"/>
+            <a:ext cx="628015" cy="628015"/>
           </a:xfrm>
           <a:prstGeom prst="rect">
             <a:avLst/>
@@ -5160,10 +5354,10 @@
       </p:sp>
       <p:pic>
         <p:nvPicPr>
-          <p:cNvPr id="10" name="Picture 9">
+          <p:cNvPr id="11" name="Picture 10">
             <a:extLst>
               <a:ext uri="{FF2B5EF4-FFF2-40B4-BE49-F238E27FC236}">
-                <a16:creationId xmlns:a16="http://schemas.microsoft.com/office/drawing/2014/main" id="{FC74FBDE-9AEF-443A-806D-C9F48FC4765F}"/>
+                <a16:creationId xmlns:a16="http://schemas.microsoft.com/office/drawing/2014/main" id="{82EDC1DE-8F8B-4959-BC5A-5D45BFFED9FC}"/>
               </a:ext>
             </a:extLst>
           </p:cNvPr>
@@ -5186,8 +5380,8 @@
         </p:blipFill>
         <p:spPr>
           <a:xfrm>
-            <a:off x="11430000" y="167805"/>
-            <a:ext cx="550128" cy="550128"/>
+            <a:off x="11182985" y="412437"/>
+            <a:ext cx="628015" cy="628015"/>
           </a:xfrm>
           <a:prstGeom prst="rect">
             <a:avLst/>
@@ -5786,14 +5980,6 @@
 </file>
 
 <file path=customXml/item1.xml><?xml version="1.0" encoding="utf-8"?>
-<p:properties xmlns:p="http://schemas.microsoft.com/office/2006/metadata/properties" xmlns:xsi="http://www.w3.org/2001/XMLSchema-instance" xmlns:pc="http://schemas.microsoft.com/office/infopath/2007/PartnerControls">
-  <documentManagement>
-    <_activity xmlns="c9eab120-891d-4e75-bbb7-983661d36c9c" xsi:nil="true"/>
-  </documentManagement>
-</p:properties>
-</file>
-
-<file path=customXml/item2.xml><?xml version="1.0" encoding="utf-8"?>
 <ct:contentTypeSchema xmlns:ct="http://schemas.microsoft.com/office/2006/metadata/contentType" xmlns:ma="http://schemas.microsoft.com/office/2006/metadata/properties/metaAttributes" ct:_="" ma:_="" ma:contentTypeName="Documento" ma:contentTypeID="0x01010010841625E9231845AE0E6B129DAD585F" ma:contentTypeVersion="14" ma:contentTypeDescription="Creare un nuovo documento." ma:contentTypeScope="" ma:versionID="adf50d05938a50fd5065660052e1beff">
   <xsd:schema xmlns:xsd="http://www.w3.org/2001/XMLSchema" xmlns:xs="http://www.w3.org/2001/XMLSchema" xmlns:p="http://schemas.microsoft.com/office/2006/metadata/properties" xmlns:ns3="c9eab120-891d-4e75-bbb7-983661d36c9c" xmlns:ns4="2cbdb79f-05cb-4beb-bf79-a6aafc29ddd5" targetNamespace="http://schemas.microsoft.com/office/2006/metadata/properties" ma:root="true" ma:fieldsID="b902866bf818cdea5f3ce01fe2127e05" ns3:_="" ns4:_="">
     <xsd:import namespace="c9eab120-891d-4e75-bbb7-983661d36c9c"/>
@@ -6022,6 +6208,14 @@
 </ct:contentTypeSchema>
 </file>
 
+<file path=customXml/item2.xml><?xml version="1.0" encoding="utf-8"?>
+<p:properties xmlns:p="http://schemas.microsoft.com/office/2006/metadata/properties" xmlns:xsi="http://www.w3.org/2001/XMLSchema-instance" xmlns:pc="http://schemas.microsoft.com/office/infopath/2007/PartnerControls">
+  <documentManagement>
+    <_activity xmlns="c9eab120-891d-4e75-bbb7-983661d36c9c" xsi:nil="true"/>
+  </documentManagement>
+</p:properties>
+</file>
+
 <file path=customXml/item3.xml><?xml version="1.0" encoding="utf-8"?>
 <?mso-contentType ?>
 <FormTemplates xmlns="http://schemas.microsoft.com/sharepoint/v3/contenttype/forms">
@@ -6032,23 +6226,6 @@
 </file>
 
 <file path=customXml/itemProps1.xml><?xml version="1.0" encoding="utf-8"?>
-<ds:datastoreItem xmlns:ds="http://schemas.openxmlformats.org/officeDocument/2006/customXml" ds:itemID="{0935546A-FCFF-49CF-A534-6766F9A5EAFB}">
-  <ds:schemaRefs>
-    <ds:schemaRef ds:uri="http://schemas.openxmlformats.org/package/2006/metadata/core-properties"/>
-    <ds:schemaRef ds:uri="c9eab120-891d-4e75-bbb7-983661d36c9c"/>
-    <ds:schemaRef ds:uri="http://purl.org/dc/terms/"/>
-    <ds:schemaRef ds:uri="http://schemas.microsoft.com/office/2006/documentManagement/types"/>
-    <ds:schemaRef ds:uri="http://schemas.microsoft.com/office/infopath/2007/PartnerControls"/>
-    <ds:schemaRef ds:uri="http://purl.org/dc/elements/1.1/"/>
-    <ds:schemaRef ds:uri="2cbdb79f-05cb-4beb-bf79-a6aafc29ddd5"/>
-    <ds:schemaRef ds:uri="http://www.w3.org/XML/1998/namespace"/>
-    <ds:schemaRef ds:uri="http://schemas.microsoft.com/office/2006/metadata/properties"/>
-    <ds:schemaRef ds:uri="http://purl.org/dc/dcmitype/"/>
-  </ds:schemaRefs>
-</ds:datastoreItem>
-</file>
-
-<file path=customXml/itemProps2.xml><?xml version="1.0" encoding="utf-8"?>
 <ds:datastoreItem xmlns:ds="http://schemas.openxmlformats.org/officeDocument/2006/customXml" ds:itemID="{FAABA9B0-793B-4B58-8B9B-EDA17520EC7F}">
   <ds:schemaRefs>
     <ds:schemaRef ds:uri="http://schemas.microsoft.com/office/2006/metadata/contentType"/>
@@ -6067,6 +6244,23 @@
 </ds:datastoreItem>
 </file>
 
+<file path=customXml/itemProps2.xml><?xml version="1.0" encoding="utf-8"?>
+<ds:datastoreItem xmlns:ds="http://schemas.openxmlformats.org/officeDocument/2006/customXml" ds:itemID="{0935546A-FCFF-49CF-A534-6766F9A5EAFB}">
+  <ds:schemaRefs>
+    <ds:schemaRef ds:uri="http://schemas.openxmlformats.org/package/2006/metadata/core-properties"/>
+    <ds:schemaRef ds:uri="c9eab120-891d-4e75-bbb7-983661d36c9c"/>
+    <ds:schemaRef ds:uri="http://purl.org/dc/terms/"/>
+    <ds:schemaRef ds:uri="http://schemas.microsoft.com/office/2006/documentManagement/types"/>
+    <ds:schemaRef ds:uri="http://schemas.microsoft.com/office/infopath/2007/PartnerControls"/>
+    <ds:schemaRef ds:uri="http://purl.org/dc/elements/1.1/"/>
+    <ds:schemaRef ds:uri="2cbdb79f-05cb-4beb-bf79-a6aafc29ddd5"/>
+    <ds:schemaRef ds:uri="http://www.w3.org/XML/1998/namespace"/>
+    <ds:schemaRef ds:uri="http://schemas.microsoft.com/office/2006/metadata/properties"/>
+    <ds:schemaRef ds:uri="http://purl.org/dc/dcmitype/"/>
+  </ds:schemaRefs>
+</ds:datastoreItem>
+</file>
+
 <file path=customXml/itemProps3.xml><?xml version="1.0" encoding="utf-8"?>
 <ds:datastoreItem xmlns:ds="http://schemas.openxmlformats.org/officeDocument/2006/customXml" ds:itemID="{29D72105-E419-4657-8EC8-6C73137ECF2E}">
   <ds:schemaRefs>

--- a/presentation_CARLASSARA_10601118.pptx
+++ b/presentation_CARLASSARA_10601118.pptx
@@ -5,15 +5,16 @@
     <p:sldMasterId id="2147483648" r:id="rId4"/>
   </p:sldMasterIdLst>
   <p:notesMasterIdLst>
-    <p:notesMasterId r:id="rId11"/>
+    <p:notesMasterId r:id="rId12"/>
   </p:notesMasterIdLst>
   <p:sldIdLst>
     <p:sldId id="256" r:id="rId5"/>
     <p:sldId id="310" r:id="rId6"/>
-    <p:sldId id="309" r:id="rId7"/>
-    <p:sldId id="312" r:id="rId8"/>
+    <p:sldId id="313" r:id="rId7"/>
+    <p:sldId id="309" r:id="rId8"/>
     <p:sldId id="311" r:id="rId9"/>
-    <p:sldId id="287" r:id="rId10"/>
+    <p:sldId id="312" r:id="rId10"/>
+    <p:sldId id="287" r:id="rId11"/>
   </p:sldIdLst>
   <p:sldSz cx="12192000" cy="6858000"/>
   <p:notesSz cx="12192000" cy="6858000"/>
@@ -222,7 +223,7 @@
           <a:p>
             <a:fld id="{2E347CE9-1F5D-4CEF-9CA7-664B3EF9808B}" type="datetimeFigureOut">
               <a:rPr lang="en-GB" smtClean="0"/>
-              <a:t>15/04/2024</a:t>
+              <a:t>17/04/2024</a:t>
             </a:fld>
             <a:endParaRPr lang="en-GB"/>
           </a:p>
@@ -629,7 +630,7 @@
           <a:p>
             <a:fld id="{1D8BD707-D9CF-40AE-B4C6-C98DA3205C09}" type="datetimeFigureOut">
               <a:rPr lang="en-US"/>
-              <a:t>4/15/2024</a:t>
+              <a:t>4/17/2024</a:t>
             </a:fld>
             <a:endParaRPr lang="en-US"/>
           </a:p>
@@ -804,7 +805,7 @@
           <a:p>
             <a:fld id="{1D8BD707-D9CF-40AE-B4C6-C98DA3205C09}" type="datetimeFigureOut">
               <a:rPr lang="en-US"/>
-              <a:t>4/15/2024</a:t>
+              <a:t>4/17/2024</a:t>
             </a:fld>
             <a:endParaRPr lang="en-US"/>
           </a:p>
@@ -1018,7 +1019,7 @@
           <a:p>
             <a:fld id="{1D8BD707-D9CF-40AE-B4C6-C98DA3205C09}" type="datetimeFigureOut">
               <a:rPr lang="en-US"/>
-              <a:t>4/15/2024</a:t>
+              <a:t>4/17/2024</a:t>
             </a:fld>
             <a:endParaRPr lang="en-US"/>
           </a:p>
@@ -1166,7 +1167,7 @@
           <a:p>
             <a:fld id="{1D8BD707-D9CF-40AE-B4C6-C98DA3205C09}" type="datetimeFigureOut">
               <a:rPr lang="en-US"/>
-              <a:t>4/15/2024</a:t>
+              <a:t>4/17/2024</a:t>
             </a:fld>
             <a:endParaRPr lang="en-US"/>
           </a:p>
@@ -1285,7 +1286,7 @@
           <a:p>
             <a:fld id="{1D8BD707-D9CF-40AE-B4C6-C98DA3205C09}" type="datetimeFigureOut">
               <a:rPr lang="en-US"/>
-              <a:t>4/15/2024</a:t>
+              <a:t>4/17/2024</a:t>
             </a:fld>
             <a:endParaRPr lang="en-US"/>
           </a:p>
@@ -1654,7 +1655,7 @@
           <a:p>
             <a:fld id="{1D8BD707-D9CF-40AE-B4C6-C98DA3205C09}" type="datetimeFigureOut">
               <a:rPr lang="en-US"/>
-              <a:t>4/15/2024</a:t>
+              <a:t>4/17/2024</a:t>
             </a:fld>
             <a:endParaRPr lang="en-US"/>
           </a:p>
@@ -3067,85 +3068,12 @@
           </p:spPr>
         </p:pic>
       </p:grpSp>
-      <p:sp>
-        <p:nvSpPr>
-          <p:cNvPr id="12" name="Rectangle 11">
+      <p:pic>
+        <p:nvPicPr>
+          <p:cNvPr id="3" name="Picture 2">
             <a:extLst>
               <a:ext uri="{FF2B5EF4-FFF2-40B4-BE49-F238E27FC236}">
-                <a16:creationId xmlns:a16="http://schemas.microsoft.com/office/drawing/2014/main" id="{948FFA13-4D4F-4C02-8E32-2A97ED740439}"/>
-              </a:ext>
-            </a:extLst>
-          </p:cNvPr>
-          <p:cNvSpPr/>
-          <p:nvPr/>
-        </p:nvSpPr>
-        <p:spPr>
-          <a:xfrm>
-            <a:off x="4727834" y="166928"/>
-            <a:ext cx="1458413" cy="369332"/>
-          </a:xfrm>
-          <a:prstGeom prst="rect">
-            <a:avLst/>
-          </a:prstGeom>
-        </p:spPr>
-        <p:txBody>
-          <a:bodyPr wrap="none">
-            <a:spAutoFit/>
-          </a:bodyPr>
-          <a:lstStyle/>
-          <a:p>
-            <a:r>
-              <a:rPr lang="it-IT" spc="-5" dirty="0">
-                <a:solidFill>
-                  <a:srgbClr val="FFFFFF"/>
-                </a:solidFill>
-                <a:effectLst>
-                  <a:glow rad="101600">
-                    <a:schemeClr val="tx1">
-                      <a:alpha val="60000"/>
-                    </a:schemeClr>
-                  </a:glow>
-                </a:effectLst>
-                <a:latin typeface="Microsoft Sans Serif"/>
-                <a:cs typeface="Microsoft Sans Serif"/>
-              </a:rPr>
-              <a:t>Code </a:t>
-            </a:r>
-            <a:r>
-              <a:rPr lang="it-IT" spc="-5" dirty="0" err="1">
-                <a:solidFill>
-                  <a:srgbClr val="FFFFFF"/>
-                </a:solidFill>
-                <a:effectLst>
-                  <a:glow rad="101600">
-                    <a:schemeClr val="tx1">
-                      <a:alpha val="60000"/>
-                    </a:schemeClr>
-                  </a:glow>
-                </a:effectLst>
-                <a:latin typeface="Microsoft Sans Serif"/>
-                <a:cs typeface="Microsoft Sans Serif"/>
-              </a:rPr>
-              <a:t>review</a:t>
-            </a:r>
-            <a:endParaRPr lang="en-GB" dirty="0">
-              <a:effectLst>
-                <a:glow rad="101600">
-                  <a:schemeClr val="tx1">
-                    <a:alpha val="60000"/>
-                  </a:schemeClr>
-                </a:glow>
-              </a:effectLst>
-            </a:endParaRPr>
-          </a:p>
-        </p:txBody>
-      </p:sp>
-      <p:pic>
-        <p:nvPicPr>
-          <p:cNvPr id="13" name="Picture 12">
-            <a:extLst>
-              <a:ext uri="{FF2B5EF4-FFF2-40B4-BE49-F238E27FC236}">
-                <a16:creationId xmlns:a16="http://schemas.microsoft.com/office/drawing/2014/main" id="{534F53FC-FD68-4B63-ACA6-1C5B471EC0F6}"/>
+                <a16:creationId xmlns:a16="http://schemas.microsoft.com/office/drawing/2014/main" id="{5A596279-BFE8-449C-AE2F-17B9FD934671}"/>
               </a:ext>
             </a:extLst>
           </p:cNvPr>
@@ -3155,799 +3083,27 @@
           <p:nvPr/>
         </p:nvPicPr>
         <p:blipFill>
-          <a:blip r:embed="rId3" cstate="print">
-            <a:extLst>
-              <a:ext uri="{28A0092B-C50C-407E-A947-70E740481C1C}">
-                <a14:useLocalDpi xmlns:a14="http://schemas.microsoft.com/office/drawing/2010/main" val="0"/>
-              </a:ext>
-            </a:extLst>
-          </a:blip>
+          <a:blip r:embed="rId3"/>
           <a:stretch>
             <a:fillRect/>
           </a:stretch>
         </p:blipFill>
         <p:spPr>
           <a:xfrm>
-            <a:off x="11182985" y="6230111"/>
-            <a:ext cx="628015" cy="628015"/>
+            <a:off x="829972" y="80936"/>
+            <a:ext cx="5179764" cy="3516055"/>
           </a:xfrm>
           <a:prstGeom prst="rect">
             <a:avLst/>
           </a:prstGeom>
         </p:spPr>
       </p:pic>
-      <p:sp>
-        <p:nvSpPr>
-          <p:cNvPr id="3" name="TextBox 2">
+      <p:pic>
+        <p:nvPicPr>
+          <p:cNvPr id="4" name="Picture 3">
             <a:extLst>
               <a:ext uri="{FF2B5EF4-FFF2-40B4-BE49-F238E27FC236}">
-                <a16:creationId xmlns:a16="http://schemas.microsoft.com/office/drawing/2014/main" id="{342E2EA3-FB07-4EC5-9CD2-ED20F62A5EE8}"/>
-              </a:ext>
-            </a:extLst>
-          </p:cNvPr>
-          <p:cNvSpPr txBox="1"/>
-          <p:nvPr/>
-        </p:nvSpPr>
-        <p:spPr>
-          <a:xfrm>
-            <a:off x="685800" y="914400"/>
-            <a:ext cx="4191000" cy="2400657"/>
-          </a:xfrm>
-          <a:prstGeom prst="rect">
-            <a:avLst/>
-          </a:prstGeom>
-          <a:noFill/>
-        </p:spPr>
-        <p:txBody>
-          <a:bodyPr wrap="square" rtlCol="0">
-            <a:spAutoFit/>
-          </a:bodyPr>
-          <a:lstStyle/>
-          <a:p>
-            <a:r>
-              <a:rPr lang="it-IT" sz="1600" dirty="0"/>
-              <a:t>VSVM background</a:t>
-            </a:r>
-          </a:p>
-          <a:p>
-            <a:pPr marL="285750" indent="-285750">
-              <a:buFont typeface="Arial" panose="020B0604020202020204" pitchFamily="34" charset="0"/>
-              <a:buChar char="•"/>
-            </a:pPr>
-            <a:r>
-              <a:rPr lang="en-GB" sz="1400" dirty="0"/>
-              <a:t>Virtual Support Vector Machines with self-learning strategy for classification of multispectral remote sensing imagery</a:t>
-            </a:r>
-          </a:p>
-          <a:p>
-            <a:pPr marL="285750" indent="-285750">
-              <a:buFont typeface="Arial" panose="020B0604020202020204" pitchFamily="34" charset="0"/>
-              <a:buChar char="•"/>
-            </a:pPr>
-            <a:r>
-              <a:rPr lang="en-GB" sz="1400" dirty="0"/>
-              <a:t>Semi-Supervised Learning with Constrained Virtual Support Vector Machines for Classification of Remote Sensing Image Data</a:t>
-            </a:r>
-          </a:p>
-          <a:p>
-            <a:pPr lvl="1"/>
-            <a:endParaRPr lang="it-IT" sz="1400" dirty="0"/>
-          </a:p>
-          <a:p>
-            <a:pPr marL="742950" lvl="1" indent="-285750">
-              <a:buFont typeface="Arial" panose="020B0604020202020204" pitchFamily="34" charset="0"/>
-              <a:buChar char="•"/>
-            </a:pPr>
-            <a:endParaRPr lang="en-GB" dirty="0"/>
-          </a:p>
-          <a:p>
-            <a:pPr marL="742950" lvl="1" indent="-285750">
-              <a:buFont typeface="Arial" panose="020B0604020202020204" pitchFamily="34" charset="0"/>
-              <a:buChar char="•"/>
-            </a:pPr>
-            <a:endParaRPr lang="en-GB" dirty="0"/>
-          </a:p>
-        </p:txBody>
-      </p:sp>
-      <p:sp>
-        <p:nvSpPr>
-          <p:cNvPr id="14" name="TextBox 13">
-            <a:extLst>
-              <a:ext uri="{FF2B5EF4-FFF2-40B4-BE49-F238E27FC236}">
-                <a16:creationId xmlns:a16="http://schemas.microsoft.com/office/drawing/2014/main" id="{DB888FF8-BA01-414A-B2A0-AA4364B1FB67}"/>
-              </a:ext>
-            </a:extLst>
-          </p:cNvPr>
-          <p:cNvSpPr txBox="1"/>
-          <p:nvPr/>
-        </p:nvSpPr>
-        <p:spPr>
-          <a:xfrm>
-            <a:off x="685800" y="3651965"/>
-            <a:ext cx="3571106" cy="1323439"/>
-          </a:xfrm>
-          <a:prstGeom prst="rect">
-            <a:avLst/>
-          </a:prstGeom>
-          <a:noFill/>
-        </p:spPr>
-        <p:txBody>
-          <a:bodyPr wrap="none" rtlCol="0">
-            <a:spAutoFit/>
-          </a:bodyPr>
-          <a:lstStyle/>
-          <a:p>
-            <a:pPr marL="285750" indent="-285750">
-              <a:buFont typeface="Arial" panose="020B0604020202020204" pitchFamily="34" charset="0"/>
-              <a:buChar char="•"/>
-            </a:pPr>
-            <a:r>
-              <a:rPr lang="it-IT" sz="1600" dirty="0"/>
-              <a:t>VSVM: </a:t>
-            </a:r>
-            <a:r>
-              <a:rPr lang="it-IT" sz="1600" dirty="0" err="1"/>
-              <a:t>enconding</a:t>
-            </a:r>
-            <a:r>
-              <a:rPr lang="it-IT" sz="1600" dirty="0"/>
-              <a:t> </a:t>
-            </a:r>
-            <a:r>
-              <a:rPr lang="it-IT" sz="1600" dirty="0" err="1"/>
-              <a:t>invariance</a:t>
-            </a:r>
-            <a:r>
-              <a:rPr lang="it-IT" sz="1600" dirty="0"/>
-              <a:t> </a:t>
-            </a:r>
-          </a:p>
-          <a:p>
-            <a:pPr marL="742950" lvl="1" indent="-285750">
-              <a:buFont typeface="Arial" panose="020B0604020202020204" pitchFamily="34" charset="0"/>
-              <a:buChar char="•"/>
-            </a:pPr>
-            <a:r>
-              <a:rPr lang="it-IT" sz="1600" dirty="0" err="1"/>
-              <a:t>Invariances</a:t>
-            </a:r>
-            <a:r>
-              <a:rPr lang="it-IT" sz="1600" dirty="0"/>
-              <a:t> of </a:t>
-            </a:r>
-            <a:r>
-              <a:rPr lang="it-IT" sz="1600" dirty="0" err="1"/>
-              <a:t>shape</a:t>
-            </a:r>
-            <a:r>
-              <a:rPr lang="it-IT" sz="1600" dirty="0"/>
-              <a:t> (8 dataset)</a:t>
-            </a:r>
-          </a:p>
-          <a:p>
-            <a:pPr marL="742950" lvl="1" indent="-285750">
-              <a:buFont typeface="Arial" panose="020B0604020202020204" pitchFamily="34" charset="0"/>
-              <a:buChar char="•"/>
-            </a:pPr>
-            <a:r>
-              <a:rPr lang="it-IT" sz="1600" dirty="0" err="1"/>
-              <a:t>Invariances</a:t>
-            </a:r>
-            <a:r>
-              <a:rPr lang="it-IT" sz="1600" dirty="0"/>
-              <a:t> of scale (9 dataset)</a:t>
-            </a:r>
-          </a:p>
-          <a:p>
-            <a:pPr marL="285750" indent="-285750">
-              <a:buFont typeface="Arial" panose="020B0604020202020204" pitchFamily="34" charset="0"/>
-              <a:buChar char="•"/>
-            </a:pPr>
-            <a:r>
-              <a:rPr lang="it-IT" sz="1600" dirty="0"/>
-              <a:t>VSVM-SL: Self-learning </a:t>
-            </a:r>
-            <a:r>
-              <a:rPr lang="it-IT" sz="1600" dirty="0" err="1"/>
-              <a:t>strategy</a:t>
-            </a:r>
-            <a:endParaRPr lang="it-IT" sz="1600" dirty="0"/>
-          </a:p>
-          <a:p>
-            <a:pPr marL="742950" lvl="1" indent="-285750">
-              <a:buFont typeface="Arial" panose="020B0604020202020204" pitchFamily="34" charset="0"/>
-              <a:buChar char="•"/>
-            </a:pPr>
-            <a:r>
-              <a:rPr lang="it-IT" sz="1600" dirty="0" err="1"/>
-              <a:t>Margin</a:t>
-            </a:r>
-            <a:r>
-              <a:rPr lang="it-IT" sz="1600" dirty="0"/>
-              <a:t> </a:t>
-            </a:r>
-            <a:r>
-              <a:rPr lang="it-IT" sz="1600" dirty="0" err="1"/>
-              <a:t>sampling</a:t>
-            </a:r>
-            <a:r>
-              <a:rPr lang="it-IT" sz="1600" dirty="0"/>
-              <a:t> </a:t>
-            </a:r>
-            <a:r>
-              <a:rPr lang="it-IT" sz="1600" dirty="0" err="1"/>
-              <a:t>constraint</a:t>
-            </a:r>
-            <a:endParaRPr lang="it-IT" sz="1600" dirty="0"/>
-          </a:p>
-        </p:txBody>
-      </p:sp>
-      <p:sp>
-        <p:nvSpPr>
-          <p:cNvPr id="16" name="TextBox 15">
-            <a:extLst>
-              <a:ext uri="{FF2B5EF4-FFF2-40B4-BE49-F238E27FC236}">
-                <a16:creationId xmlns:a16="http://schemas.microsoft.com/office/drawing/2014/main" id="{F68C67ED-6474-4C01-B605-899AB138D597}"/>
-              </a:ext>
-            </a:extLst>
-          </p:cNvPr>
-          <p:cNvSpPr txBox="1"/>
-          <p:nvPr/>
-        </p:nvSpPr>
-        <p:spPr>
-          <a:xfrm>
-            <a:off x="671841" y="5231153"/>
-            <a:ext cx="2940805" cy="830997"/>
-          </a:xfrm>
-          <a:prstGeom prst="rect">
-            <a:avLst/>
-          </a:prstGeom>
-          <a:noFill/>
-        </p:spPr>
-        <p:txBody>
-          <a:bodyPr wrap="none" rtlCol="0">
-            <a:spAutoFit/>
-          </a:bodyPr>
-          <a:lstStyle/>
-          <a:p>
-            <a:pPr marL="285750" indent="-285750">
-              <a:buFont typeface="Arial" panose="020B0604020202020204" pitchFamily="34" charset="0"/>
-              <a:buChar char="•"/>
-            </a:pPr>
-            <a:r>
-              <a:rPr lang="it-IT" sz="1600" dirty="0"/>
-              <a:t>SVM-M-semi-</a:t>
-            </a:r>
-            <a:r>
-              <a:rPr lang="it-IT" sz="1600" dirty="0" err="1"/>
-              <a:t>labeled</a:t>
-            </a:r>
-            <a:endParaRPr lang="it-IT" sz="1600" dirty="0"/>
-          </a:p>
-          <a:p>
-            <a:pPr marL="285750" indent="-285750">
-              <a:buFont typeface="Arial" panose="020B0604020202020204" pitchFamily="34" charset="0"/>
-              <a:buChar char="•"/>
-            </a:pPr>
-            <a:r>
-              <a:rPr lang="it-IT" sz="1600" dirty="0"/>
-              <a:t>VSVM-SL-semi-</a:t>
-            </a:r>
-            <a:r>
-              <a:rPr lang="it-IT" sz="1600" dirty="0" err="1"/>
-              <a:t>labeled</a:t>
-            </a:r>
-            <a:endParaRPr lang="it-IT" sz="1600" dirty="0"/>
-          </a:p>
-          <a:p>
-            <a:pPr marL="285750" indent="-285750">
-              <a:buFont typeface="Arial" panose="020B0604020202020204" pitchFamily="34" charset="0"/>
-              <a:buChar char="•"/>
-            </a:pPr>
-            <a:r>
-              <a:rPr lang="it-IT" sz="1600" dirty="0"/>
-              <a:t>VSVM-SL-</a:t>
-            </a:r>
-            <a:r>
-              <a:rPr lang="it-IT" sz="1600" dirty="0" err="1"/>
-              <a:t>virtual</a:t>
-            </a:r>
-            <a:r>
-              <a:rPr lang="it-IT" sz="1600" dirty="0"/>
-              <a:t>-semi-</a:t>
-            </a:r>
-            <a:r>
-              <a:rPr lang="it-IT" sz="1600" dirty="0" err="1"/>
-              <a:t>labeled</a:t>
-            </a:r>
-            <a:endParaRPr lang="en-GB" sz="1600" dirty="0"/>
-          </a:p>
-        </p:txBody>
-      </p:sp>
-      <p:sp>
-        <p:nvSpPr>
-          <p:cNvPr id="5" name="Rectangle 4">
-            <a:extLst>
-              <a:ext uri="{FF2B5EF4-FFF2-40B4-BE49-F238E27FC236}">
-                <a16:creationId xmlns:a16="http://schemas.microsoft.com/office/drawing/2014/main" id="{754A4302-62D0-4514-BC06-711248CBB598}"/>
-              </a:ext>
-            </a:extLst>
-          </p:cNvPr>
-          <p:cNvSpPr/>
-          <p:nvPr/>
-        </p:nvSpPr>
-        <p:spPr>
-          <a:xfrm>
-            <a:off x="5410200" y="4984932"/>
-            <a:ext cx="5141700" cy="1077218"/>
-          </a:xfrm>
-          <a:prstGeom prst="rect">
-            <a:avLst/>
-          </a:prstGeom>
-        </p:spPr>
-        <p:txBody>
-          <a:bodyPr wrap="square">
-            <a:spAutoFit/>
-          </a:bodyPr>
-          <a:lstStyle/>
-          <a:p>
-            <a:pPr marL="285750" indent="-285750">
-              <a:buFont typeface="Arial" panose="020B0604020202020204" pitchFamily="34" charset="0"/>
-              <a:buChar char="•"/>
-            </a:pPr>
-            <a:r>
-              <a:rPr lang="it-IT" sz="1600" dirty="0" err="1">
-                <a:highlight>
-                  <a:srgbClr val="FFFF00"/>
-                </a:highlight>
-              </a:rPr>
-              <a:t>Binary</a:t>
-            </a:r>
-            <a:r>
-              <a:rPr lang="it-IT" sz="1600" dirty="0">
-                <a:highlight>
-                  <a:srgbClr val="FFFF00"/>
-                </a:highlight>
-              </a:rPr>
-              <a:t> </a:t>
-            </a:r>
-            <a:r>
-              <a:rPr lang="it-IT" sz="1600" dirty="0" err="1">
-                <a:highlight>
-                  <a:srgbClr val="FFFF00"/>
-                </a:highlight>
-              </a:rPr>
-              <a:t>classification</a:t>
-            </a:r>
-            <a:r>
-              <a:rPr lang="it-IT" sz="1600" dirty="0">
-                <a:highlight>
-                  <a:srgbClr val="FFFF00"/>
-                </a:highlight>
-              </a:rPr>
-              <a:t> </a:t>
-            </a:r>
-            <a:r>
-              <a:rPr lang="it-IT" sz="1600" dirty="0" err="1">
-                <a:highlight>
-                  <a:srgbClr val="FFFF00"/>
-                </a:highlight>
-              </a:rPr>
-              <a:t>problem</a:t>
-            </a:r>
-            <a:r>
-              <a:rPr lang="it-IT" sz="1600" dirty="0">
-                <a:highlight>
-                  <a:srgbClr val="FFFF00"/>
-                </a:highlight>
-              </a:rPr>
-              <a:t> </a:t>
-            </a:r>
-            <a:r>
-              <a:rPr lang="it-IT" sz="1600" dirty="0"/>
-              <a:t>(‘</a:t>
-            </a:r>
-            <a:r>
-              <a:rPr lang="it-IT" sz="1600" dirty="0" err="1"/>
-              <a:t>bushes_trees</a:t>
-            </a:r>
-            <a:r>
-              <a:rPr lang="it-IT" sz="1600" dirty="0"/>
-              <a:t>’ vs </a:t>
-            </a:r>
-            <a:r>
-              <a:rPr lang="it-IT" sz="1600" dirty="0" err="1"/>
-              <a:t>other</a:t>
-            </a:r>
-            <a:r>
-              <a:rPr lang="it-IT" sz="1600" dirty="0"/>
-              <a:t>)</a:t>
-            </a:r>
-          </a:p>
-          <a:p>
-            <a:pPr marL="285750" indent="-285750">
-              <a:buFont typeface="Arial" panose="020B0604020202020204" pitchFamily="34" charset="0"/>
-              <a:buChar char="•"/>
-            </a:pPr>
-            <a:r>
-              <a:rPr lang="it-IT" sz="1600" dirty="0" err="1"/>
-              <a:t>Multiclass</a:t>
-            </a:r>
-            <a:r>
-              <a:rPr lang="it-IT" sz="1600" dirty="0"/>
-              <a:t> </a:t>
-            </a:r>
-            <a:r>
-              <a:rPr lang="it-IT" sz="1600" dirty="0" err="1"/>
-              <a:t>classification</a:t>
-            </a:r>
-            <a:r>
-              <a:rPr lang="it-IT" sz="1600" dirty="0"/>
-              <a:t> </a:t>
-            </a:r>
-            <a:r>
-              <a:rPr lang="it-IT" sz="1600" dirty="0" err="1"/>
-              <a:t>problem</a:t>
-            </a:r>
-            <a:r>
-              <a:rPr lang="it-IT" sz="1600" dirty="0"/>
-              <a:t> (6 classes: ‘</a:t>
-            </a:r>
-            <a:r>
-              <a:rPr lang="it-IT" sz="1600" dirty="0" err="1"/>
-              <a:t>bushes_trees</a:t>
-            </a:r>
-            <a:r>
-              <a:rPr lang="it-IT" sz="1600" dirty="0"/>
-              <a:t>’, ‘</a:t>
-            </a:r>
-            <a:r>
-              <a:rPr lang="it-IT" sz="1600" dirty="0" err="1"/>
-              <a:t>facade</a:t>
-            </a:r>
-            <a:r>
-              <a:rPr lang="it-IT" sz="1600" dirty="0"/>
-              <a:t>’, </a:t>
-            </a:r>
-            <a:r>
-              <a:rPr lang="it-IT" sz="1600" dirty="0" err="1"/>
-              <a:t>meadow</a:t>
-            </a:r>
-            <a:r>
-              <a:rPr lang="it-IT" sz="1600" dirty="0"/>
-              <a:t>’, ’</a:t>
-            </a:r>
-            <a:r>
-              <a:rPr lang="it-IT" sz="1600" dirty="0" err="1"/>
-              <a:t>other_impervious_surface</a:t>
-            </a:r>
-            <a:r>
-              <a:rPr lang="it-IT" sz="1600" dirty="0"/>
-              <a:t>’, ’</a:t>
-            </a:r>
-            <a:r>
-              <a:rPr lang="it-IT" sz="1600" dirty="0" err="1"/>
-              <a:t>roofs</a:t>
-            </a:r>
-            <a:r>
-              <a:rPr lang="it-IT" sz="1600" dirty="0"/>
-              <a:t>’, ’</a:t>
-            </a:r>
-            <a:r>
-              <a:rPr lang="it-IT" sz="1600" dirty="0" err="1"/>
-              <a:t>shadow</a:t>
-            </a:r>
-            <a:r>
-              <a:rPr lang="it-IT" sz="1600" dirty="0"/>
-              <a:t>’)</a:t>
-            </a:r>
-            <a:endParaRPr lang="en-GB" sz="1600" dirty="0"/>
-          </a:p>
-        </p:txBody>
-      </p:sp>
-      <p:sp>
-        <p:nvSpPr>
-          <p:cNvPr id="6" name="Rectangle 5">
-            <a:extLst>
-              <a:ext uri="{FF2B5EF4-FFF2-40B4-BE49-F238E27FC236}">
-                <a16:creationId xmlns:a16="http://schemas.microsoft.com/office/drawing/2014/main" id="{D16B49D4-79D6-47B3-982A-4002F118C366}"/>
-              </a:ext>
-            </a:extLst>
-          </p:cNvPr>
-          <p:cNvSpPr/>
-          <p:nvPr/>
-        </p:nvSpPr>
-        <p:spPr>
-          <a:xfrm>
-            <a:off x="667251" y="2811441"/>
-            <a:ext cx="6096000" cy="584775"/>
-          </a:xfrm>
-          <a:prstGeom prst="rect">
-            <a:avLst/>
-          </a:prstGeom>
-        </p:spPr>
-        <p:txBody>
-          <a:bodyPr>
-            <a:spAutoFit/>
-          </a:bodyPr>
-          <a:lstStyle/>
-          <a:p>
-            <a:pPr marL="285750" indent="-285750">
-              <a:buFont typeface="Arial" panose="020B0604020202020204" pitchFamily="34" charset="0"/>
-              <a:buChar char="•"/>
-            </a:pPr>
-            <a:r>
-              <a:rPr lang="it-IT" sz="1600" dirty="0"/>
-              <a:t>SVM: Support </a:t>
-            </a:r>
-            <a:r>
-              <a:rPr lang="it-IT" sz="1600" dirty="0" err="1"/>
-              <a:t>Vector</a:t>
-            </a:r>
-            <a:r>
-              <a:rPr lang="it-IT" sz="1600" dirty="0"/>
-              <a:t> Machine</a:t>
-            </a:r>
-          </a:p>
-          <a:p>
-            <a:pPr marL="285750" indent="-285750">
-              <a:buFont typeface="Arial" panose="020B0604020202020204" pitchFamily="34" charset="0"/>
-              <a:buChar char="•"/>
-            </a:pPr>
-            <a:r>
-              <a:rPr lang="it-IT" sz="1600" dirty="0">
-                <a:solidFill>
-                  <a:schemeClr val="tx2">
-                    <a:lumMod val="60000"/>
-                    <a:lumOff val="40000"/>
-                  </a:schemeClr>
-                </a:solidFill>
-              </a:rPr>
-              <a:t>SVM-M: </a:t>
-            </a:r>
-            <a:r>
-              <a:rPr lang="it-IT" sz="1600" dirty="0" err="1">
-                <a:solidFill>
-                  <a:schemeClr val="tx2">
-                    <a:lumMod val="60000"/>
-                    <a:lumOff val="40000"/>
-                  </a:schemeClr>
-                </a:solidFill>
-              </a:rPr>
-              <a:t>multilevel</a:t>
-            </a:r>
-            <a:r>
-              <a:rPr lang="it-IT" sz="1600" dirty="0">
-                <a:solidFill>
-                  <a:schemeClr val="tx2">
-                    <a:lumMod val="60000"/>
-                    <a:lumOff val="40000"/>
-                  </a:schemeClr>
-                </a:solidFill>
-              </a:rPr>
-              <a:t> </a:t>
-            </a:r>
-            <a:r>
-              <a:rPr lang="it-IT" sz="1600" dirty="0" err="1">
-                <a:solidFill>
-                  <a:schemeClr val="tx2">
-                    <a:lumMod val="60000"/>
-                    <a:lumOff val="40000"/>
-                  </a:schemeClr>
-                </a:solidFill>
-              </a:rPr>
-              <a:t>segmentation</a:t>
-            </a:r>
-            <a:endParaRPr lang="it-IT" dirty="0">
-              <a:solidFill>
-                <a:schemeClr val="tx2">
-                  <a:lumMod val="60000"/>
-                  <a:lumOff val="40000"/>
-                </a:schemeClr>
-              </a:solidFill>
-            </a:endParaRPr>
-          </a:p>
-        </p:txBody>
-      </p:sp>
-      <p:sp>
-        <p:nvSpPr>
-          <p:cNvPr id="15" name="TextBox 14">
-            <a:extLst>
-              <a:ext uri="{FF2B5EF4-FFF2-40B4-BE49-F238E27FC236}">
-                <a16:creationId xmlns:a16="http://schemas.microsoft.com/office/drawing/2014/main" id="{8E5EE750-138A-42FF-BB86-86EDE802A00C}"/>
-              </a:ext>
-            </a:extLst>
-          </p:cNvPr>
-          <p:cNvSpPr txBox="1"/>
-          <p:nvPr/>
-        </p:nvSpPr>
-        <p:spPr>
-          <a:xfrm>
-            <a:off x="6669300" y="1413521"/>
-            <a:ext cx="5141700" cy="1477328"/>
-          </a:xfrm>
-          <a:prstGeom prst="rect">
-            <a:avLst/>
-          </a:prstGeom>
-          <a:noFill/>
-        </p:spPr>
-        <p:txBody>
-          <a:bodyPr wrap="square" rtlCol="0">
-            <a:spAutoFit/>
-          </a:bodyPr>
-          <a:lstStyle/>
-          <a:p>
-            <a:pPr marL="285750" indent="-285750">
-              <a:buFont typeface="Arial" panose="020B0604020202020204" pitchFamily="34" charset="0"/>
-              <a:buChar char="•"/>
-            </a:pPr>
-            <a:r>
-              <a:rPr lang="it-IT" dirty="0"/>
-              <a:t>Script </a:t>
-            </a:r>
-            <a:r>
-              <a:rPr lang="it-IT" dirty="0" err="1"/>
-              <a:t>understanding</a:t>
-            </a:r>
-            <a:endParaRPr lang="it-IT" dirty="0"/>
-          </a:p>
-          <a:p>
-            <a:pPr marL="742950" lvl="1" indent="-285750">
-              <a:buFont typeface="Arial" panose="020B0604020202020204" pitchFamily="34" charset="0"/>
-              <a:buChar char="•"/>
-            </a:pPr>
-            <a:r>
-              <a:rPr lang="it-IT" dirty="0" err="1"/>
-              <a:t>Identify</a:t>
-            </a:r>
-            <a:r>
-              <a:rPr lang="it-IT" dirty="0"/>
-              <a:t> </a:t>
-            </a:r>
-            <a:r>
-              <a:rPr lang="it-IT" dirty="0" err="1"/>
-              <a:t>structure</a:t>
-            </a:r>
-            <a:endParaRPr lang="it-IT" dirty="0"/>
-          </a:p>
-          <a:p>
-            <a:pPr marL="742950" lvl="1" indent="-285750">
-              <a:buFont typeface="Arial" panose="020B0604020202020204" pitchFamily="34" charset="0"/>
-              <a:buChar char="•"/>
-            </a:pPr>
-            <a:r>
-              <a:rPr lang="it-IT" dirty="0"/>
-              <a:t>Locate the </a:t>
-            </a:r>
-            <a:r>
-              <a:rPr lang="it-IT" dirty="0" err="1"/>
-              <a:t>sections</a:t>
-            </a:r>
-            <a:r>
-              <a:rPr lang="it-IT" dirty="0"/>
-              <a:t> to </a:t>
-            </a:r>
-            <a:r>
-              <a:rPr lang="it-IT" dirty="0" err="1"/>
-              <a:t>extend</a:t>
-            </a:r>
-            <a:endParaRPr lang="it-IT" dirty="0"/>
-          </a:p>
-          <a:p>
-            <a:pPr marL="742950" lvl="1" indent="-285750">
-              <a:buFont typeface="Arial" panose="020B0604020202020204" pitchFamily="34" charset="0"/>
-              <a:buChar char="•"/>
-            </a:pPr>
-            <a:r>
-              <a:rPr lang="it-IT" dirty="0"/>
-              <a:t>R </a:t>
-            </a:r>
-            <a:r>
-              <a:rPr lang="it-IT" dirty="0" err="1"/>
-              <a:t>documentation</a:t>
-            </a:r>
-            <a:endParaRPr lang="it-IT" dirty="0"/>
-          </a:p>
-          <a:p>
-            <a:pPr lvl="1"/>
-            <a:endParaRPr lang="it-IT" dirty="0"/>
-          </a:p>
-        </p:txBody>
-      </p:sp>
-      <p:sp>
-        <p:nvSpPr>
-          <p:cNvPr id="18" name="Rectangle 17">
-            <a:extLst>
-              <a:ext uri="{FF2B5EF4-FFF2-40B4-BE49-F238E27FC236}">
-                <a16:creationId xmlns:a16="http://schemas.microsoft.com/office/drawing/2014/main" id="{1D31B789-53DB-474C-98AC-34C677744256}"/>
-              </a:ext>
-            </a:extLst>
-          </p:cNvPr>
-          <p:cNvSpPr/>
-          <p:nvPr/>
-        </p:nvSpPr>
-        <p:spPr>
-          <a:xfrm>
-            <a:off x="6669300" y="2767314"/>
-            <a:ext cx="5141700" cy="923330"/>
-          </a:xfrm>
-          <a:prstGeom prst="rect">
-            <a:avLst/>
-          </a:prstGeom>
-        </p:spPr>
-        <p:txBody>
-          <a:bodyPr wrap="square">
-            <a:spAutoFit/>
-          </a:bodyPr>
-          <a:lstStyle/>
-          <a:p>
-            <a:pPr marL="285750" indent="-285750">
-              <a:buFont typeface="Arial" panose="020B0604020202020204" pitchFamily="34" charset="0"/>
-              <a:buChar char="•"/>
-            </a:pPr>
-            <a:r>
-              <a:rPr lang="it-IT" dirty="0"/>
-              <a:t>Script </a:t>
-            </a:r>
-            <a:r>
-              <a:rPr lang="en-US" dirty="0"/>
-              <a:t>customization</a:t>
-            </a:r>
-          </a:p>
-          <a:p>
-            <a:pPr marL="742950" lvl="1" indent="-285750">
-              <a:buFont typeface="Arial" panose="020B0604020202020204" pitchFamily="34" charset="0"/>
-              <a:buChar char="•"/>
-            </a:pPr>
-            <a:r>
-              <a:rPr lang="en-US" dirty="0"/>
-              <a:t>Add</a:t>
-            </a:r>
-            <a:r>
-              <a:rPr lang="it-IT" dirty="0"/>
-              <a:t> more user-</a:t>
-            </a:r>
-            <a:r>
-              <a:rPr lang="it-IT" dirty="0" err="1"/>
-              <a:t>readability</a:t>
-            </a:r>
-            <a:endParaRPr lang="it-IT" dirty="0"/>
-          </a:p>
-          <a:p>
-            <a:pPr marL="742950" lvl="1" indent="-285750">
-              <a:buFont typeface="Arial" panose="020B0604020202020204" pitchFamily="34" charset="0"/>
-              <a:buChar char="•"/>
-            </a:pPr>
-            <a:r>
-              <a:rPr lang="it-IT" dirty="0" err="1"/>
-              <a:t>Improve</a:t>
-            </a:r>
-            <a:r>
-              <a:rPr lang="it-IT" dirty="0"/>
-              <a:t> </a:t>
-            </a:r>
-            <a:r>
-              <a:rPr lang="it-IT" dirty="0" err="1"/>
-              <a:t>computational</a:t>
-            </a:r>
-            <a:r>
-              <a:rPr lang="it-IT" dirty="0"/>
-              <a:t> </a:t>
-            </a:r>
-            <a:r>
-              <a:rPr lang="it-IT" dirty="0" err="1"/>
-              <a:t>efficiency</a:t>
-            </a:r>
-            <a:endParaRPr lang="it-IT" dirty="0"/>
-          </a:p>
-        </p:txBody>
-      </p:sp>
-      <p:pic>
-        <p:nvPicPr>
-          <p:cNvPr id="2" name="Picture 1">
-            <a:extLst>
-              <a:ext uri="{FF2B5EF4-FFF2-40B4-BE49-F238E27FC236}">
-                <a16:creationId xmlns:a16="http://schemas.microsoft.com/office/drawing/2014/main" id="{E1A885D3-760C-4A90-B901-6F1DE6739049}"/>
+                <a16:creationId xmlns:a16="http://schemas.microsoft.com/office/drawing/2014/main" id="{1E654099-5411-44FA-BEE9-9A6E72116BD0}"/>
               </a:ext>
             </a:extLst>
           </p:cNvPr>
@@ -3964,8 +3120,74 @@
         </p:blipFill>
         <p:spPr>
           <a:xfrm>
-            <a:off x="9330397" y="1473026"/>
-            <a:ext cx="523948" cy="266737"/>
+            <a:off x="6094640" y="80936"/>
+            <a:ext cx="5410201" cy="4145550"/>
+          </a:xfrm>
+          <a:prstGeom prst="rect">
+            <a:avLst/>
+          </a:prstGeom>
+        </p:spPr>
+      </p:pic>
+      <p:pic>
+        <p:nvPicPr>
+          <p:cNvPr id="5" name="Picture 4">
+            <a:extLst>
+              <a:ext uri="{FF2B5EF4-FFF2-40B4-BE49-F238E27FC236}">
+                <a16:creationId xmlns:a16="http://schemas.microsoft.com/office/drawing/2014/main" id="{2D72A866-A5C6-45F6-870B-9E9B39D48913}"/>
+              </a:ext>
+            </a:extLst>
+          </p:cNvPr>
+          <p:cNvPicPr>
+            <a:picLocks noChangeAspect="1"/>
+          </p:cNvPicPr>
+          <p:nvPr/>
+        </p:nvPicPr>
+        <p:blipFill>
+          <a:blip r:embed="rId5"/>
+          <a:stretch>
+            <a:fillRect/>
+          </a:stretch>
+        </p:blipFill>
+        <p:spPr>
+          <a:xfrm>
+            <a:off x="779018" y="3596991"/>
+            <a:ext cx="5281671" cy="2596631"/>
+          </a:xfrm>
+          <a:prstGeom prst="rect">
+            <a:avLst/>
+          </a:prstGeom>
+        </p:spPr>
+      </p:pic>
+      <p:pic>
+        <p:nvPicPr>
+          <p:cNvPr id="12" name="Picture 11">
+            <a:extLst>
+              <a:ext uri="{FF2B5EF4-FFF2-40B4-BE49-F238E27FC236}">
+                <a16:creationId xmlns:a16="http://schemas.microsoft.com/office/drawing/2014/main" id="{C1D25302-010C-44FE-8055-162AD1539989}"/>
+              </a:ext>
+            </a:extLst>
+          </p:cNvPr>
+          <p:cNvPicPr>
+            <a:picLocks noChangeAspect="1"/>
+          </p:cNvPicPr>
+          <p:nvPr/>
+        </p:nvPicPr>
+        <p:blipFill>
+          <a:blip r:embed="rId6" cstate="print">
+            <a:extLst>
+              <a:ext uri="{28A0092B-C50C-407E-A947-70E740481C1C}">
+                <a14:useLocalDpi xmlns:a14="http://schemas.microsoft.com/office/drawing/2010/main" val="0"/>
+              </a:ext>
+            </a:extLst>
+          </a:blip>
+          <a:stretch>
+            <a:fillRect/>
+          </a:stretch>
+        </p:blipFill>
+        <p:spPr>
+          <a:xfrm>
+            <a:off x="11182985" y="6230111"/>
+            <a:ext cx="628015" cy="628015"/>
           </a:xfrm>
           <a:prstGeom prst="rect">
             <a:avLst/>
@@ -3975,7 +3197,7 @@
     </p:spTree>
     <p:extLst>
       <p:ext uri="{BB962C8B-B14F-4D97-AF65-F5344CB8AC3E}">
-        <p14:creationId xmlns:p14="http://schemas.microsoft.com/office/powerpoint/2010/main" val="1682184335"/>
+        <p14:creationId xmlns:p14="http://schemas.microsoft.com/office/powerpoint/2010/main" val="3531056288"/>
       </p:ext>
     </p:extLst>
   </p:cSld>
@@ -4109,98 +3331,10 @@
       </p:grpSp>
       <p:sp>
         <p:nvSpPr>
-          <p:cNvPr id="2" name="TextBox 1">
+          <p:cNvPr id="12" name="Rectangle 11">
             <a:extLst>
               <a:ext uri="{FF2B5EF4-FFF2-40B4-BE49-F238E27FC236}">
-                <a16:creationId xmlns:a16="http://schemas.microsoft.com/office/drawing/2014/main" id="{EE3A0654-5DB1-47E8-86CA-FEF40CCE84EB}"/>
-              </a:ext>
-            </a:extLst>
-          </p:cNvPr>
-          <p:cNvSpPr txBox="1"/>
-          <p:nvPr/>
-        </p:nvSpPr>
-        <p:spPr>
-          <a:xfrm>
-            <a:off x="704161" y="4829114"/>
-            <a:ext cx="4252896" cy="923330"/>
-          </a:xfrm>
-          <a:prstGeom prst="rect">
-            <a:avLst/>
-          </a:prstGeom>
-          <a:noFill/>
-        </p:spPr>
-        <p:txBody>
-          <a:bodyPr wrap="none" rtlCol="0">
-            <a:spAutoFit/>
-          </a:bodyPr>
-          <a:lstStyle/>
-          <a:p>
-            <a:pPr marL="285750" indent="-285750">
-              <a:buFont typeface="Arial" panose="020B0604020202020204" pitchFamily="34" charset="0"/>
-              <a:buChar char="•"/>
-            </a:pPr>
-            <a:r>
-              <a:rPr lang="it-IT" dirty="0" err="1"/>
-              <a:t>Widen</a:t>
-            </a:r>
-            <a:r>
-              <a:rPr lang="it-IT" dirty="0"/>
-              <a:t> </a:t>
-            </a:r>
-            <a:r>
-              <a:rPr lang="it-IT" dirty="0" err="1"/>
-              <a:t>papers</a:t>
-            </a:r>
-            <a:r>
-              <a:rPr lang="it-IT" dirty="0"/>
-              <a:t> background</a:t>
-            </a:r>
-          </a:p>
-          <a:p>
-            <a:pPr marL="285750" indent="-285750">
-              <a:buFont typeface="Arial" panose="020B0604020202020204" pitchFamily="34" charset="0"/>
-              <a:buChar char="•"/>
-            </a:pPr>
-            <a:r>
-              <a:rPr lang="it-IT" dirty="0"/>
-              <a:t>Test </a:t>
-            </a:r>
-            <a:r>
-              <a:rPr lang="it-IT" dirty="0" err="1"/>
-              <a:t>project</a:t>
-            </a:r>
-            <a:r>
-              <a:rPr lang="it-IT" dirty="0"/>
-              <a:t> code on a different machine</a:t>
-            </a:r>
-          </a:p>
-          <a:p>
-            <a:pPr marL="285750" indent="-285750">
-              <a:buFont typeface="Arial" panose="020B0604020202020204" pitchFamily="34" charset="0"/>
-              <a:buChar char="•"/>
-            </a:pPr>
-            <a:r>
-              <a:rPr lang="it-IT" dirty="0"/>
-              <a:t>Quantum Computing </a:t>
-            </a:r>
-            <a:r>
-              <a:rPr lang="it-IT" dirty="0" err="1"/>
-              <a:t>library</a:t>
-            </a:r>
-            <a:r>
-              <a:rPr lang="it-IT" dirty="0"/>
-              <a:t> fo SVM</a:t>
-            </a:r>
-            <a:endParaRPr lang="en-GB" dirty="0"/>
-          </a:p>
-        </p:txBody>
-      </p:sp>
-      <p:sp>
-        <p:nvSpPr>
-          <p:cNvPr id="7" name="Rectangle 6">
-            <a:extLst>
-              <a:ext uri="{FF2B5EF4-FFF2-40B4-BE49-F238E27FC236}">
-                <a16:creationId xmlns:a16="http://schemas.microsoft.com/office/drawing/2014/main" id="{AC66D211-AAF4-4661-818A-BC4D70F45A60}"/>
+                <a16:creationId xmlns:a16="http://schemas.microsoft.com/office/drawing/2014/main" id="{948FFA13-4D4F-4C02-8E32-2A97ED740439}"/>
               </a:ext>
             </a:extLst>
           </p:cNvPr>
@@ -4209,8 +3343,8 @@
         </p:nvSpPr>
         <p:spPr>
           <a:xfrm>
-            <a:off x="4727834" y="166928"/>
-            <a:ext cx="1456168" cy="369332"/>
+            <a:off x="5366793" y="259397"/>
+            <a:ext cx="1458413" cy="369332"/>
           </a:xfrm>
           <a:prstGeom prst="rect">
             <a:avLst/>
@@ -4237,7 +3371,24 @@
                 <a:latin typeface="Microsoft Sans Serif"/>
                 <a:cs typeface="Microsoft Sans Serif"/>
               </a:rPr>
-              <a:t>Future steps</a:t>
+              <a:t>Code </a:t>
+            </a:r>
+            <a:r>
+              <a:rPr lang="it-IT" spc="-5" dirty="0" err="1">
+                <a:solidFill>
+                  <a:srgbClr val="FFFFFF"/>
+                </a:solidFill>
+                <a:effectLst>
+                  <a:glow rad="101600">
+                    <a:schemeClr val="tx1">
+                      <a:alpha val="60000"/>
+                    </a:schemeClr>
+                  </a:glow>
+                </a:effectLst>
+                <a:latin typeface="Microsoft Sans Serif"/>
+                <a:cs typeface="Microsoft Sans Serif"/>
+              </a:rPr>
+              <a:t>review</a:t>
             </a:r>
             <a:endParaRPr lang="en-GB" dirty="0">
               <a:effectLst>
@@ -4253,10 +3404,10 @@
       </p:sp>
       <p:pic>
         <p:nvPicPr>
-          <p:cNvPr id="8" name="Picture 7">
+          <p:cNvPr id="13" name="Picture 12">
             <a:extLst>
               <a:ext uri="{FF2B5EF4-FFF2-40B4-BE49-F238E27FC236}">
-                <a16:creationId xmlns:a16="http://schemas.microsoft.com/office/drawing/2014/main" id="{7129177D-28AF-42B9-AD3F-30783F81E2B0}"/>
+                <a16:creationId xmlns:a16="http://schemas.microsoft.com/office/drawing/2014/main" id="{534F53FC-FD68-4B63-ACA6-1C5B471EC0F6}"/>
               </a:ext>
             </a:extLst>
           </p:cNvPr>
@@ -4279,56 +3430,20 @@
         </p:blipFill>
         <p:spPr>
           <a:xfrm>
-            <a:off x="11277600" y="6269054"/>
-            <a:ext cx="550128" cy="550128"/>
+            <a:off x="11182985" y="6230111"/>
+            <a:ext cx="628015" cy="628015"/>
           </a:xfrm>
           <a:prstGeom prst="rect">
             <a:avLst/>
           </a:prstGeom>
         </p:spPr>
       </p:pic>
-      <p:pic>
-        <p:nvPicPr>
-          <p:cNvPr id="13" name="Picture 12">
+      <p:sp>
+        <p:nvSpPr>
+          <p:cNvPr id="5" name="Rectangle 4">
             <a:extLst>
               <a:ext uri="{FF2B5EF4-FFF2-40B4-BE49-F238E27FC236}">
-                <a16:creationId xmlns:a16="http://schemas.microsoft.com/office/drawing/2014/main" id="{3456ADC5-2793-4FE5-8017-FD10394D5975}"/>
-              </a:ext>
-            </a:extLst>
-          </p:cNvPr>
-          <p:cNvPicPr>
-            <a:picLocks noChangeAspect="1"/>
-          </p:cNvPicPr>
-          <p:nvPr/>
-        </p:nvPicPr>
-        <p:blipFill>
-          <a:blip r:embed="rId4" cstate="print">
-            <a:extLst>
-              <a:ext uri="{28A0092B-C50C-407E-A947-70E740481C1C}">
-                <a14:useLocalDpi xmlns:a14="http://schemas.microsoft.com/office/drawing/2010/main" val="0"/>
-              </a:ext>
-            </a:extLst>
-          </a:blip>
-          <a:stretch>
-            <a:fillRect/>
-          </a:stretch>
-        </p:blipFill>
-        <p:spPr>
-          <a:xfrm>
-            <a:off x="11182985" y="6230111"/>
-            <a:ext cx="628015" cy="628015"/>
-          </a:xfrm>
-          <a:prstGeom prst="rect">
-            <a:avLst/>
-          </a:prstGeom>
-        </p:spPr>
-      </p:pic>
-      <p:sp>
-        <p:nvSpPr>
-          <p:cNvPr id="3" name="Rectangle 2">
-            <a:extLst>
-              <a:ext uri="{FF2B5EF4-FFF2-40B4-BE49-F238E27FC236}">
-                <a16:creationId xmlns:a16="http://schemas.microsoft.com/office/drawing/2014/main" id="{85B66492-7631-4D77-854C-9D9B2C20CC19}"/>
+                <a16:creationId xmlns:a16="http://schemas.microsoft.com/office/drawing/2014/main" id="{754A4302-62D0-4514-BC06-711248CBB598}"/>
               </a:ext>
             </a:extLst>
           </p:cNvPr>
@@ -4337,15 +3452,15 @@
         </p:nvSpPr>
         <p:spPr>
           <a:xfrm>
-            <a:off x="708172" y="1243525"/>
-            <a:ext cx="6096000" cy="1477328"/>
+            <a:off x="689812" y="2896059"/>
+            <a:ext cx="4676982" cy="1200329"/>
           </a:xfrm>
           <a:prstGeom prst="rect">
             <a:avLst/>
           </a:prstGeom>
         </p:spPr>
         <p:txBody>
-          <a:bodyPr>
+          <a:bodyPr wrap="square">
             <a:spAutoFit/>
           </a:bodyPr>
           <a:lstStyle/>
@@ -4355,9 +3470,235 @@
               <a:buChar char="•"/>
             </a:pPr>
             <a:r>
-              <a:rPr lang="it-IT" dirty="0"/>
-              <a:t>Active Learning framework</a:t>
-            </a:r>
+              <a:rPr lang="it-IT" dirty="0" err="1">
+                <a:highlight>
+                  <a:srgbClr val="FFFF00"/>
+                </a:highlight>
+              </a:rPr>
+              <a:t>Binary</a:t>
+            </a:r>
+            <a:r>
+              <a:rPr lang="it-IT" dirty="0"/>
+              <a:t> </a:t>
+            </a:r>
+            <a:r>
+              <a:rPr lang="it-IT" dirty="0" err="1"/>
+              <a:t>classification</a:t>
+            </a:r>
+            <a:r>
+              <a:rPr lang="it-IT" dirty="0"/>
+              <a:t> : ‘</a:t>
+            </a:r>
+            <a:r>
+              <a:rPr lang="it-IT" dirty="0" err="1"/>
+              <a:t>bushes</a:t>
+            </a:r>
+            <a:r>
+              <a:rPr lang="it-IT" dirty="0"/>
+              <a:t>/</a:t>
+            </a:r>
+            <a:r>
+              <a:rPr lang="it-IT" dirty="0" err="1"/>
+              <a:t>trees</a:t>
+            </a:r>
+            <a:r>
+              <a:rPr lang="it-IT" dirty="0"/>
+              <a:t>’ vs </a:t>
+            </a:r>
+            <a:r>
+              <a:rPr lang="it-IT" dirty="0" err="1"/>
+              <a:t>other</a:t>
+            </a:r>
+            <a:endParaRPr lang="it-IT" dirty="0"/>
+          </a:p>
+          <a:p>
+            <a:pPr marL="285750" indent="-285750">
+              <a:buFont typeface="Arial" panose="020B0604020202020204" pitchFamily="34" charset="0"/>
+              <a:buChar char="•"/>
+            </a:pPr>
+            <a:r>
+              <a:rPr lang="it-IT" dirty="0" err="1"/>
+              <a:t>Multiclass</a:t>
+            </a:r>
+            <a:r>
+              <a:rPr lang="it-IT" dirty="0"/>
+              <a:t> </a:t>
+            </a:r>
+            <a:r>
+              <a:rPr lang="it-IT" dirty="0" err="1"/>
+              <a:t>classification</a:t>
+            </a:r>
+            <a:r>
+              <a:rPr lang="it-IT" dirty="0"/>
+              <a:t> with 6 classes: ‘</a:t>
+            </a:r>
+            <a:r>
+              <a:rPr lang="it-IT" dirty="0" err="1"/>
+              <a:t>bushes</a:t>
+            </a:r>
+            <a:r>
+              <a:rPr lang="it-IT" dirty="0"/>
+              <a:t>/</a:t>
+            </a:r>
+            <a:r>
+              <a:rPr lang="it-IT" dirty="0" err="1"/>
+              <a:t>trees</a:t>
+            </a:r>
+            <a:r>
+              <a:rPr lang="it-IT" dirty="0"/>
+              <a:t>’, ‘</a:t>
+            </a:r>
+            <a:r>
+              <a:rPr lang="it-IT" dirty="0" err="1"/>
+              <a:t>facade</a:t>
+            </a:r>
+            <a:r>
+              <a:rPr lang="it-IT" dirty="0"/>
+              <a:t>’, </a:t>
+            </a:r>
+            <a:r>
+              <a:rPr lang="it-IT" dirty="0" err="1"/>
+              <a:t>meadow</a:t>
+            </a:r>
+            <a:r>
+              <a:rPr lang="it-IT" dirty="0"/>
+              <a:t>’, ’</a:t>
+            </a:r>
+            <a:r>
+              <a:rPr lang="it-IT" dirty="0" err="1"/>
+              <a:t>impervious</a:t>
+            </a:r>
+            <a:r>
+              <a:rPr lang="it-IT" dirty="0"/>
+              <a:t> surface’, ’</a:t>
+            </a:r>
+            <a:r>
+              <a:rPr lang="it-IT" dirty="0" err="1"/>
+              <a:t>roofs</a:t>
+            </a:r>
+            <a:r>
+              <a:rPr lang="it-IT" dirty="0"/>
+              <a:t>’, ’</a:t>
+            </a:r>
+            <a:r>
+              <a:rPr lang="it-IT" dirty="0" err="1"/>
+              <a:t>shadow</a:t>
+            </a:r>
+            <a:r>
+              <a:rPr lang="it-IT" dirty="0"/>
+              <a:t>’</a:t>
+            </a:r>
+            <a:endParaRPr lang="en-GB" dirty="0"/>
+          </a:p>
+        </p:txBody>
+      </p:sp>
+      <p:sp>
+        <p:nvSpPr>
+          <p:cNvPr id="6" name="Rectangle 5">
+            <a:extLst>
+              <a:ext uri="{FF2B5EF4-FFF2-40B4-BE49-F238E27FC236}">
+                <a16:creationId xmlns:a16="http://schemas.microsoft.com/office/drawing/2014/main" id="{D16B49D4-79D6-47B3-982A-4002F118C366}"/>
+              </a:ext>
+            </a:extLst>
+          </p:cNvPr>
+          <p:cNvSpPr/>
+          <p:nvPr/>
+        </p:nvSpPr>
+        <p:spPr>
+          <a:xfrm>
+            <a:off x="6190258" y="940333"/>
+            <a:ext cx="4530257" cy="2831544"/>
+          </a:xfrm>
+          <a:prstGeom prst="rect">
+            <a:avLst/>
+          </a:prstGeom>
+        </p:spPr>
+        <p:txBody>
+          <a:bodyPr wrap="square">
+            <a:spAutoFit/>
+          </a:bodyPr>
+          <a:lstStyle/>
+          <a:p>
+            <a:pPr marL="285750" indent="-285750">
+              <a:buFont typeface="Arial" panose="020B0604020202020204" pitchFamily="34" charset="0"/>
+              <a:buChar char="•"/>
+            </a:pPr>
+            <a:r>
+              <a:rPr lang="it-IT" dirty="0"/>
+              <a:t>SVM: Support </a:t>
+            </a:r>
+            <a:r>
+              <a:rPr lang="it-IT" dirty="0" err="1"/>
+              <a:t>Vector</a:t>
+            </a:r>
+            <a:r>
+              <a:rPr lang="it-IT" dirty="0"/>
+              <a:t> Machine</a:t>
+            </a:r>
+          </a:p>
+          <a:p>
+            <a:pPr marL="285750" indent="-285750">
+              <a:buFont typeface="Arial" panose="020B0604020202020204" pitchFamily="34" charset="0"/>
+              <a:buChar char="•"/>
+            </a:pPr>
+            <a:r>
+              <a:rPr lang="it-IT" dirty="0"/>
+              <a:t>SVM-MS: </a:t>
+            </a:r>
+            <a:r>
+              <a:rPr lang="it-IT" dirty="0" err="1"/>
+              <a:t>multilevel</a:t>
+            </a:r>
+            <a:r>
+              <a:rPr lang="it-IT" dirty="0"/>
+              <a:t> </a:t>
+            </a:r>
+            <a:r>
+              <a:rPr lang="it-IT" dirty="0" err="1"/>
+              <a:t>segmentation</a:t>
+            </a:r>
+            <a:endParaRPr lang="it-IT" dirty="0"/>
+          </a:p>
+          <a:p>
+            <a:pPr marL="285750" indent="-285750">
+              <a:buFont typeface="Arial" panose="020B0604020202020204" pitchFamily="34" charset="0"/>
+              <a:buChar char="•"/>
+            </a:pPr>
+            <a:r>
+              <a:rPr lang="it-IT" dirty="0"/>
+              <a:t>VSVM: </a:t>
+            </a:r>
+            <a:r>
+              <a:rPr lang="it-IT" dirty="0" err="1"/>
+              <a:t>enconding</a:t>
+            </a:r>
+            <a:r>
+              <a:rPr lang="it-IT" dirty="0"/>
+              <a:t> </a:t>
+            </a:r>
+            <a:r>
+              <a:rPr lang="it-IT" dirty="0" err="1"/>
+              <a:t>invariance</a:t>
+            </a:r>
+            <a:r>
+              <a:rPr lang="it-IT" dirty="0"/>
+              <a:t> </a:t>
+            </a:r>
+          </a:p>
+          <a:p>
+            <a:pPr marL="285750" indent="-285750">
+              <a:buFont typeface="Arial" panose="020B0604020202020204" pitchFamily="34" charset="0"/>
+              <a:buChar char="•"/>
+            </a:pPr>
+            <a:r>
+              <a:rPr lang="it-IT" dirty="0"/>
+              <a:t>VSVM-SL: Self-learning </a:t>
+            </a:r>
+            <a:r>
+              <a:rPr lang="it-IT" dirty="0" err="1"/>
+              <a:t>strategy</a:t>
+            </a:r>
+            <a:endParaRPr lang="it-IT" dirty="0"/>
           </a:p>
           <a:p>
             <a:pPr marL="742950" lvl="1" indent="-285750">
@@ -4365,26 +3706,408 @@
               <a:buChar char="•"/>
             </a:pPr>
             <a:r>
-              <a:rPr lang="en-GB" dirty="0"/>
-              <a:t>A Survey of Active Learning Algorithms for Supervised Remote Sensing Image Classification</a:t>
-            </a:r>
+              <a:rPr lang="it-IT" u="sng" dirty="0" err="1"/>
+              <a:t>Margin</a:t>
+            </a:r>
+            <a:r>
+              <a:rPr lang="it-IT" u="sng" dirty="0"/>
+              <a:t> </a:t>
+            </a:r>
+            <a:r>
+              <a:rPr lang="it-IT" u="sng" dirty="0" err="1"/>
+              <a:t>Sampling</a:t>
+            </a:r>
+            <a:r>
+              <a:rPr lang="it-IT" u="sng" dirty="0"/>
+              <a:t> </a:t>
+            </a:r>
+            <a:r>
+              <a:rPr lang="it-IT" u="sng" dirty="0" err="1"/>
+              <a:t>constraint</a:t>
+            </a:r>
+            <a:endParaRPr lang="it-IT" u="sng" dirty="0"/>
+          </a:p>
+          <a:p>
+            <a:pPr marL="285750" indent="-285750">
+              <a:buFont typeface="Arial" panose="020B0604020202020204" pitchFamily="34" charset="0"/>
+              <a:buChar char="•"/>
+            </a:pPr>
+            <a:r>
+              <a:rPr lang="it-IT" dirty="0"/>
+              <a:t>SVM-MS-SL-semi-</a:t>
+            </a:r>
+            <a:r>
+              <a:rPr lang="it-IT" dirty="0" err="1"/>
+              <a:t>labeled</a:t>
+            </a:r>
+            <a:endParaRPr lang="it-IT" dirty="0"/>
+          </a:p>
+          <a:p>
+            <a:pPr marL="285750" indent="-285750">
+              <a:buFont typeface="Arial" panose="020B0604020202020204" pitchFamily="34" charset="0"/>
+              <a:buChar char="•"/>
+            </a:pPr>
+            <a:r>
+              <a:rPr lang="it-IT" dirty="0"/>
+              <a:t>VSVM-SL-semi-</a:t>
+            </a:r>
+            <a:r>
+              <a:rPr lang="it-IT" dirty="0" err="1"/>
+              <a:t>labeled</a:t>
+            </a:r>
+            <a:endParaRPr lang="it-IT" dirty="0"/>
+          </a:p>
+          <a:p>
+            <a:pPr marL="285750" indent="-285750">
+              <a:buFont typeface="Arial" panose="020B0604020202020204" pitchFamily="34" charset="0"/>
+              <a:buChar char="•"/>
+            </a:pPr>
+            <a:r>
+              <a:rPr lang="it-IT" dirty="0"/>
+              <a:t>VSVM-SL-</a:t>
+            </a:r>
+            <a:r>
+              <a:rPr lang="it-IT" dirty="0" err="1"/>
+              <a:t>virtual</a:t>
+            </a:r>
+            <a:r>
+              <a:rPr lang="it-IT" dirty="0"/>
+              <a:t>-semi-</a:t>
+            </a:r>
+            <a:r>
+              <a:rPr lang="it-IT" dirty="0" err="1"/>
+              <a:t>labeled</a:t>
+            </a:r>
+            <a:endParaRPr lang="en-GB" dirty="0"/>
           </a:p>
           <a:p>
             <a:pPr marL="742950" lvl="1" indent="-285750">
               <a:buFont typeface="Arial" panose="020B0604020202020204" pitchFamily="34" charset="0"/>
               <a:buChar char="•"/>
             </a:pPr>
-            <a:r>
-              <a:rPr lang="en-GB" dirty="0"/>
-              <a:t>Active Learning Methods for Remote Sensing Image Classification</a:t>
-            </a:r>
+            <a:endParaRPr lang="it-IT" sz="1600" dirty="0"/>
+          </a:p>
+          <a:p>
+            <a:pPr marL="285750" indent="-285750">
+              <a:buFont typeface="Arial" panose="020B0604020202020204" pitchFamily="34" charset="0"/>
+              <a:buChar char="•"/>
+            </a:pPr>
+            <a:endParaRPr lang="it-IT" dirty="0">
+              <a:solidFill>
+                <a:schemeClr val="tx2">
+                  <a:lumMod val="60000"/>
+                  <a:lumOff val="40000"/>
+                </a:schemeClr>
+              </a:solidFill>
+            </a:endParaRPr>
+          </a:p>
+        </p:txBody>
+      </p:sp>
+      <p:sp>
+        <p:nvSpPr>
+          <p:cNvPr id="4" name="Rectangle 3">
+            <a:extLst>
+              <a:ext uri="{FF2B5EF4-FFF2-40B4-BE49-F238E27FC236}">
+                <a16:creationId xmlns:a16="http://schemas.microsoft.com/office/drawing/2014/main" id="{198AB57B-E5F3-4106-948A-B7C2F0853BDE}"/>
+              </a:ext>
+            </a:extLst>
+          </p:cNvPr>
+          <p:cNvSpPr/>
+          <p:nvPr/>
+        </p:nvSpPr>
+        <p:spPr>
+          <a:xfrm>
+            <a:off x="689811" y="938463"/>
+            <a:ext cx="3320415" cy="646331"/>
+          </a:xfrm>
+          <a:prstGeom prst="rect">
+            <a:avLst/>
+          </a:prstGeom>
+        </p:spPr>
+        <p:txBody>
+          <a:bodyPr wrap="square">
+            <a:spAutoFit/>
+          </a:bodyPr>
+          <a:lstStyle/>
+          <a:p>
+            <a:pPr marL="285750" indent="-285750">
+              <a:buFont typeface="Arial" panose="020B0604020202020204" pitchFamily="34" charset="0"/>
+              <a:buChar char="•"/>
+            </a:pPr>
+            <a:r>
+              <a:rPr lang="it-IT" dirty="0"/>
+              <a:t>Cologne, Germany </a:t>
+            </a:r>
+          </a:p>
+          <a:p>
+            <a:pPr marL="285750" indent="-285750">
+              <a:buFont typeface="Arial" panose="020B0604020202020204" pitchFamily="34" charset="0"/>
+              <a:buChar char="•"/>
+            </a:pPr>
+            <a:r>
+              <a:rPr lang="it-IT" dirty="0" err="1"/>
+              <a:t>Hadagera</a:t>
+            </a:r>
+            <a:r>
+              <a:rPr lang="it-IT" dirty="0"/>
+              <a:t>, </a:t>
+            </a:r>
+            <a:r>
+              <a:rPr lang="it-IT" dirty="0" err="1"/>
+              <a:t>Kenia</a:t>
+            </a:r>
+            <a:endParaRPr lang="en-GB" dirty="0"/>
+          </a:p>
+        </p:txBody>
+      </p:sp>
+      <p:sp>
+        <p:nvSpPr>
+          <p:cNvPr id="2" name="Rectangle 1">
+            <a:extLst>
+              <a:ext uri="{FF2B5EF4-FFF2-40B4-BE49-F238E27FC236}">
+                <a16:creationId xmlns:a16="http://schemas.microsoft.com/office/drawing/2014/main" id="{DCEACD8A-F25C-4C2E-AEFE-3E7644A7B9A3}"/>
+              </a:ext>
+            </a:extLst>
+          </p:cNvPr>
+          <p:cNvSpPr/>
+          <p:nvPr/>
+        </p:nvSpPr>
+        <p:spPr>
+          <a:xfrm>
+            <a:off x="689812" y="1849620"/>
+            <a:ext cx="4648200" cy="646331"/>
+          </a:xfrm>
+          <a:prstGeom prst="rect">
+            <a:avLst/>
+          </a:prstGeom>
+        </p:spPr>
+        <p:txBody>
+          <a:bodyPr wrap="square">
+            <a:spAutoFit/>
+          </a:bodyPr>
+          <a:lstStyle/>
+          <a:p>
+            <a:pPr marL="285750" indent="-285750">
+              <a:buFont typeface="Arial" panose="020B0604020202020204" pitchFamily="34" charset="0"/>
+              <a:buChar char="•"/>
+            </a:pPr>
+            <a:r>
+              <a:rPr lang="it-IT" dirty="0" err="1"/>
+              <a:t>Invariances</a:t>
+            </a:r>
+            <a:r>
+              <a:rPr lang="it-IT" dirty="0"/>
+              <a:t> of </a:t>
+            </a:r>
+            <a:r>
+              <a:rPr lang="it-IT" dirty="0" err="1"/>
+              <a:t>shape</a:t>
+            </a:r>
+            <a:r>
+              <a:rPr lang="it-IT" dirty="0"/>
+              <a:t>: base </a:t>
+            </a:r>
+            <a:r>
+              <a:rPr lang="it-IT" dirty="0" err="1"/>
+              <a:t>level</a:t>
+            </a:r>
+            <a:r>
+              <a:rPr lang="it-IT" dirty="0"/>
+              <a:t> + 8 </a:t>
+            </a:r>
+            <a:r>
+              <a:rPr lang="it-IT" dirty="0" err="1"/>
+              <a:t>level</a:t>
+            </a:r>
+            <a:endParaRPr lang="it-IT" dirty="0"/>
+          </a:p>
+          <a:p>
+            <a:pPr marL="285750" indent="-285750">
+              <a:buFont typeface="Arial" panose="020B0604020202020204" pitchFamily="34" charset="0"/>
+              <a:buChar char="•"/>
+            </a:pPr>
+            <a:r>
+              <a:rPr lang="it-IT" dirty="0" err="1"/>
+              <a:t>Invariances</a:t>
+            </a:r>
+            <a:r>
+              <a:rPr lang="it-IT" dirty="0"/>
+              <a:t> of </a:t>
+            </a:r>
+            <a:r>
+              <a:rPr lang="it-IT" dirty="0">
+                <a:highlight>
+                  <a:srgbClr val="FFFF00"/>
+                </a:highlight>
+              </a:rPr>
+              <a:t>scale</a:t>
+            </a:r>
+            <a:r>
+              <a:rPr lang="it-IT" dirty="0"/>
+              <a:t>: L4 base </a:t>
+            </a:r>
+            <a:r>
+              <a:rPr lang="it-IT" dirty="0" err="1"/>
+              <a:t>level</a:t>
+            </a:r>
+            <a:r>
+              <a:rPr lang="it-IT" dirty="0"/>
+              <a:t> + 9 </a:t>
+            </a:r>
+            <a:r>
+              <a:rPr lang="it-IT" dirty="0" err="1"/>
+              <a:t>level</a:t>
+            </a:r>
+            <a:endParaRPr lang="it-IT" dirty="0"/>
+          </a:p>
+        </p:txBody>
+      </p:sp>
+      <p:sp>
+        <p:nvSpPr>
+          <p:cNvPr id="14" name="Rectangle 13">
+            <a:extLst>
+              <a:ext uri="{FF2B5EF4-FFF2-40B4-BE49-F238E27FC236}">
+                <a16:creationId xmlns:a16="http://schemas.microsoft.com/office/drawing/2014/main" id="{42D3D2E2-4F8F-4D1D-B2E3-7CB8DF587344}"/>
+              </a:ext>
+            </a:extLst>
+          </p:cNvPr>
+          <p:cNvSpPr/>
+          <p:nvPr/>
+        </p:nvSpPr>
+        <p:spPr>
+          <a:xfrm>
+            <a:off x="754688" y="4840084"/>
+            <a:ext cx="2902912" cy="923330"/>
+          </a:xfrm>
+          <a:prstGeom prst="rect">
+            <a:avLst/>
+          </a:prstGeom>
+        </p:spPr>
+        <p:txBody>
+          <a:bodyPr wrap="square">
+            <a:spAutoFit/>
+          </a:bodyPr>
+          <a:lstStyle/>
+          <a:p>
+            <a:pPr marL="285750" indent="-285750">
+              <a:buFont typeface="Arial" panose="020B0604020202020204" pitchFamily="34" charset="0"/>
+              <a:buChar char="•"/>
+            </a:pPr>
+            <a:r>
+              <a:rPr lang="it-IT" dirty="0" err="1"/>
+              <a:t>Unlabeled</a:t>
+            </a:r>
+            <a:r>
+              <a:rPr lang="it-IT" dirty="0"/>
+              <a:t> </a:t>
+            </a:r>
+            <a:r>
+              <a:rPr lang="it-IT" dirty="0" err="1"/>
+              <a:t>Sampling</a:t>
+            </a:r>
+            <a:endParaRPr lang="it-IT" b="1" dirty="0"/>
+          </a:p>
+          <a:p>
+            <a:pPr marL="742950" lvl="1" indent="-285750">
+              <a:buFont typeface="Arial" panose="020B0604020202020204" pitchFamily="34" charset="0"/>
+              <a:buChar char="•"/>
+            </a:pPr>
+            <a:r>
+              <a:rPr lang="it-IT" dirty="0"/>
+              <a:t>Random</a:t>
+            </a:r>
+          </a:p>
+          <a:p>
+            <a:pPr marL="742950" lvl="1" indent="-285750">
+              <a:buFont typeface="Arial" panose="020B0604020202020204" pitchFamily="34" charset="0"/>
+              <a:buChar char="•"/>
+            </a:pPr>
+            <a:r>
+              <a:rPr lang="it-IT" dirty="0" err="1"/>
+              <a:t>Balanced</a:t>
+            </a:r>
+            <a:endParaRPr lang="it-IT" dirty="0"/>
+          </a:p>
+        </p:txBody>
+      </p:sp>
+      <p:sp>
+        <p:nvSpPr>
+          <p:cNvPr id="15" name="Rectangle 14">
+            <a:extLst>
+              <a:ext uri="{FF2B5EF4-FFF2-40B4-BE49-F238E27FC236}">
+                <a16:creationId xmlns:a16="http://schemas.microsoft.com/office/drawing/2014/main" id="{80A94F79-27BC-4AF3-B740-683B69FEB2D2}"/>
+              </a:ext>
+            </a:extLst>
+          </p:cNvPr>
+          <p:cNvSpPr/>
+          <p:nvPr/>
+        </p:nvSpPr>
+        <p:spPr>
+          <a:xfrm>
+            <a:off x="6190258" y="3915408"/>
+            <a:ext cx="4096742" cy="646331"/>
+          </a:xfrm>
+          <a:prstGeom prst="rect">
+            <a:avLst/>
+          </a:prstGeom>
+        </p:spPr>
+        <p:txBody>
+          <a:bodyPr wrap="square">
+            <a:spAutoFit/>
+          </a:bodyPr>
+          <a:lstStyle/>
+          <a:p>
+            <a:pPr marL="285750" indent="-285750">
+              <a:buFont typeface="Arial" panose="020B0604020202020204" pitchFamily="34" charset="0"/>
+              <a:buChar char="•"/>
+            </a:pPr>
+            <a:r>
+              <a:rPr lang="it-IT" dirty="0" err="1"/>
+              <a:t>Execution</a:t>
+            </a:r>
+            <a:r>
+              <a:rPr lang="it-IT" dirty="0"/>
+              <a:t> </a:t>
+            </a:r>
+            <a:r>
+              <a:rPr lang="it-IT" dirty="0" err="1"/>
+              <a:t>order</a:t>
+            </a:r>
+            <a:r>
+              <a:rPr lang="it-IT" dirty="0"/>
+              <a:t> of the import </a:t>
+            </a:r>
+            <a:r>
+              <a:rPr lang="it-IT" dirty="0" err="1"/>
+              <a:t>section</a:t>
+            </a:r>
+            <a:endParaRPr lang="it-IT" dirty="0"/>
+          </a:p>
+          <a:p>
+            <a:pPr marL="285750" indent="-285750">
+              <a:buFont typeface="Arial" panose="020B0604020202020204" pitchFamily="34" charset="0"/>
+              <a:buChar char="•"/>
+            </a:pPr>
+            <a:r>
+              <a:rPr lang="it-IT" dirty="0"/>
+              <a:t>New Train set </a:t>
+            </a:r>
+            <a:r>
+              <a:rPr lang="it-IT" dirty="0" err="1"/>
+              <a:t>after</a:t>
+            </a:r>
+            <a:r>
+              <a:rPr lang="it-IT" dirty="0"/>
+              <a:t> VSVM</a:t>
+            </a:r>
+            <a:endParaRPr lang="en-GB" dirty="0"/>
           </a:p>
         </p:txBody>
       </p:sp>
     </p:spTree>
     <p:extLst>
       <p:ext uri="{BB962C8B-B14F-4D97-AF65-F5344CB8AC3E}">
-        <p14:creationId xmlns:p14="http://schemas.microsoft.com/office/powerpoint/2010/main" val="2322780237"/>
+        <p14:creationId xmlns:p14="http://schemas.microsoft.com/office/powerpoint/2010/main" val="1682184335"/>
       </p:ext>
     </p:extLst>
   </p:cSld>
@@ -4518,10 +4241,10 @@
       </p:grpSp>
       <p:pic>
         <p:nvPicPr>
-          <p:cNvPr id="3" name="Picture 2">
+          <p:cNvPr id="12" name="Picture 11">
             <a:extLst>
               <a:ext uri="{FF2B5EF4-FFF2-40B4-BE49-F238E27FC236}">
-                <a16:creationId xmlns:a16="http://schemas.microsoft.com/office/drawing/2014/main" id="{5A596279-BFE8-449C-AE2F-17B9FD934671}"/>
+                <a16:creationId xmlns:a16="http://schemas.microsoft.com/office/drawing/2014/main" id="{C1D25302-010C-44FE-8055-162AD1539989}"/>
               </a:ext>
             </a:extLst>
           </p:cNvPr>
@@ -4531,27 +4254,338 @@
           <p:nvPr/>
         </p:nvPicPr>
         <p:blipFill>
-          <a:blip r:embed="rId3"/>
+          <a:blip r:embed="rId3" cstate="print">
+            <a:extLst>
+              <a:ext uri="{28A0092B-C50C-407E-A947-70E740481C1C}">
+                <a14:useLocalDpi xmlns:a14="http://schemas.microsoft.com/office/drawing/2010/main" val="0"/>
+              </a:ext>
+            </a:extLst>
+          </a:blip>
           <a:stretch>
             <a:fillRect/>
           </a:stretch>
         </p:blipFill>
         <p:spPr>
           <a:xfrm>
-            <a:off x="829972" y="80936"/>
-            <a:ext cx="5179764" cy="3516055"/>
+            <a:off x="11182985" y="6230111"/>
+            <a:ext cx="628015" cy="628015"/>
           </a:xfrm>
           <a:prstGeom prst="rect">
             <a:avLst/>
           </a:prstGeom>
         </p:spPr>
       </p:pic>
+      <p:sp>
+        <p:nvSpPr>
+          <p:cNvPr id="13" name="Rectangle 12">
+            <a:extLst>
+              <a:ext uri="{FF2B5EF4-FFF2-40B4-BE49-F238E27FC236}">
+                <a16:creationId xmlns:a16="http://schemas.microsoft.com/office/drawing/2014/main" id="{327BC71A-746A-4D84-9DB0-C53365C5BEEA}"/>
+              </a:ext>
+            </a:extLst>
+          </p:cNvPr>
+          <p:cNvSpPr/>
+          <p:nvPr/>
+        </p:nvSpPr>
+        <p:spPr>
+          <a:xfrm>
+            <a:off x="1219200" y="4748604"/>
+            <a:ext cx="6096000" cy="1200329"/>
+          </a:xfrm>
+          <a:prstGeom prst="rect">
+            <a:avLst/>
+          </a:prstGeom>
+        </p:spPr>
+        <p:txBody>
+          <a:bodyPr>
+            <a:spAutoFit/>
+          </a:bodyPr>
+          <a:lstStyle/>
+          <a:p>
+            <a:pPr marL="285750" indent="-285750">
+              <a:buFont typeface="Arial" panose="020B0604020202020204" pitchFamily="34" charset="0"/>
+              <a:buChar char="•"/>
+            </a:pPr>
+            <a:r>
+              <a:rPr lang="it-IT" dirty="0" err="1"/>
+              <a:t>Uncertainty</a:t>
+            </a:r>
+            <a:r>
+              <a:rPr lang="it-IT" dirty="0"/>
+              <a:t> </a:t>
+            </a:r>
+            <a:r>
+              <a:rPr lang="it-IT" dirty="0" err="1"/>
+              <a:t>function</a:t>
+            </a:r>
+            <a:r>
+              <a:rPr lang="it-IT" dirty="0"/>
+              <a:t> </a:t>
+            </a:r>
+          </a:p>
+          <a:p>
+            <a:pPr marL="285750" indent="-285750">
+              <a:buFont typeface="Arial" panose="020B0604020202020204" pitchFamily="34" charset="0"/>
+              <a:buChar char="•"/>
+            </a:pPr>
+            <a:r>
+              <a:rPr lang="it-IT" dirty="0"/>
+              <a:t>Single </a:t>
+            </a:r>
+            <a:r>
+              <a:rPr lang="it-IT" dirty="0" err="1"/>
+              <a:t>level</a:t>
+            </a:r>
+            <a:r>
+              <a:rPr lang="it-IT" dirty="0"/>
+              <a:t> VS multi </a:t>
+            </a:r>
+            <a:r>
+              <a:rPr lang="it-IT" dirty="0" err="1"/>
+              <a:t>level</a:t>
+            </a:r>
+            <a:endParaRPr lang="it-IT" dirty="0"/>
+          </a:p>
+          <a:p>
+            <a:pPr marL="285750" indent="-285750">
+              <a:buFont typeface="Arial" panose="020B0604020202020204" pitchFamily="34" charset="0"/>
+              <a:buChar char="•"/>
+            </a:pPr>
+            <a:r>
+              <a:rPr lang="it-IT" dirty="0" err="1"/>
+              <a:t>Variable</a:t>
+            </a:r>
+            <a:r>
+              <a:rPr lang="it-IT" dirty="0"/>
+              <a:t> </a:t>
+            </a:r>
+            <a:r>
+              <a:rPr lang="it-IT" dirty="0" err="1"/>
+              <a:t>dependencies</a:t>
+            </a:r>
+            <a:r>
+              <a:rPr lang="it-IT" dirty="0"/>
+              <a:t> inside the script</a:t>
+            </a:r>
+          </a:p>
+          <a:p>
+            <a:pPr marL="285750" indent="-285750">
+              <a:buFont typeface="Arial" panose="020B0604020202020204" pitchFamily="34" charset="0"/>
+              <a:buChar char="•"/>
+            </a:pPr>
+            <a:r>
+              <a:rPr lang="it-IT" dirty="0" err="1"/>
+              <a:t>Sequence</a:t>
+            </a:r>
+            <a:r>
+              <a:rPr lang="it-IT" dirty="0"/>
+              <a:t>/Order of SVM model </a:t>
+            </a:r>
+            <a:r>
+              <a:rPr lang="it-IT" dirty="0" err="1"/>
+              <a:t>implementation</a:t>
+            </a:r>
+            <a:endParaRPr lang="it-IT" dirty="0"/>
+          </a:p>
+        </p:txBody>
+      </p:sp>
+      <p:sp>
+        <p:nvSpPr>
+          <p:cNvPr id="14" name="TextBox 13">
+            <a:extLst>
+              <a:ext uri="{FF2B5EF4-FFF2-40B4-BE49-F238E27FC236}">
+                <a16:creationId xmlns:a16="http://schemas.microsoft.com/office/drawing/2014/main" id="{73F8E74F-4FEF-4DCA-A77F-5D8E29E9FF36}"/>
+              </a:ext>
+            </a:extLst>
+          </p:cNvPr>
+          <p:cNvSpPr txBox="1"/>
+          <p:nvPr/>
+        </p:nvSpPr>
+        <p:spPr>
+          <a:xfrm>
+            <a:off x="806116" y="1146717"/>
+            <a:ext cx="5141700" cy="1477328"/>
+          </a:xfrm>
+          <a:prstGeom prst="rect">
+            <a:avLst/>
+          </a:prstGeom>
+          <a:noFill/>
+        </p:spPr>
+        <p:txBody>
+          <a:bodyPr wrap="square" rtlCol="0">
+            <a:spAutoFit/>
+          </a:bodyPr>
+          <a:lstStyle/>
+          <a:p>
+            <a:pPr marL="285750" indent="-285750">
+              <a:buFont typeface="Arial" panose="020B0604020202020204" pitchFamily="34" charset="0"/>
+              <a:buChar char="•"/>
+            </a:pPr>
+            <a:r>
+              <a:rPr lang="it-IT" dirty="0"/>
+              <a:t>Script </a:t>
+            </a:r>
+            <a:r>
+              <a:rPr lang="it-IT" dirty="0" err="1"/>
+              <a:t>understanding</a:t>
+            </a:r>
+            <a:endParaRPr lang="it-IT" dirty="0"/>
+          </a:p>
+          <a:p>
+            <a:pPr marL="742950" lvl="1" indent="-285750">
+              <a:buFont typeface="Arial" panose="020B0604020202020204" pitchFamily="34" charset="0"/>
+              <a:buChar char="•"/>
+            </a:pPr>
+            <a:r>
+              <a:rPr lang="it-IT" dirty="0" err="1"/>
+              <a:t>Identify</a:t>
+            </a:r>
+            <a:r>
+              <a:rPr lang="it-IT" dirty="0"/>
+              <a:t> </a:t>
+            </a:r>
+            <a:r>
+              <a:rPr lang="it-IT" dirty="0" err="1"/>
+              <a:t>structure</a:t>
+            </a:r>
+            <a:endParaRPr lang="it-IT" dirty="0"/>
+          </a:p>
+          <a:p>
+            <a:pPr marL="742950" lvl="1" indent="-285750">
+              <a:buFont typeface="Arial" panose="020B0604020202020204" pitchFamily="34" charset="0"/>
+              <a:buChar char="•"/>
+            </a:pPr>
+            <a:r>
+              <a:rPr lang="it-IT" dirty="0"/>
+              <a:t>Locate the </a:t>
+            </a:r>
+            <a:r>
+              <a:rPr lang="it-IT" dirty="0" err="1"/>
+              <a:t>sections</a:t>
+            </a:r>
+            <a:r>
+              <a:rPr lang="it-IT" dirty="0"/>
+              <a:t> to </a:t>
+            </a:r>
+            <a:r>
+              <a:rPr lang="it-IT" dirty="0" err="1"/>
+              <a:t>extend</a:t>
+            </a:r>
+            <a:endParaRPr lang="it-IT" dirty="0"/>
+          </a:p>
+          <a:p>
+            <a:pPr marL="742950" lvl="1" indent="-285750">
+              <a:buFont typeface="Arial" panose="020B0604020202020204" pitchFamily="34" charset="0"/>
+              <a:buChar char="•"/>
+            </a:pPr>
+            <a:r>
+              <a:rPr lang="it-IT" dirty="0"/>
+              <a:t>R </a:t>
+            </a:r>
+            <a:r>
+              <a:rPr lang="it-IT" dirty="0" err="1"/>
+              <a:t>documentation</a:t>
+            </a:r>
+            <a:endParaRPr lang="it-IT" dirty="0"/>
+          </a:p>
+          <a:p>
+            <a:pPr lvl="1"/>
+            <a:endParaRPr lang="it-IT" dirty="0"/>
+          </a:p>
+        </p:txBody>
+      </p:sp>
+      <p:sp>
+        <p:nvSpPr>
+          <p:cNvPr id="15" name="Rectangle 14">
+            <a:extLst>
+              <a:ext uri="{FF2B5EF4-FFF2-40B4-BE49-F238E27FC236}">
+                <a16:creationId xmlns:a16="http://schemas.microsoft.com/office/drawing/2014/main" id="{A9BE8CA7-D5ED-47C6-B848-CCDF680687BD}"/>
+              </a:ext>
+            </a:extLst>
+          </p:cNvPr>
+          <p:cNvSpPr/>
+          <p:nvPr/>
+        </p:nvSpPr>
+        <p:spPr>
+          <a:xfrm>
+            <a:off x="831570" y="2995264"/>
+            <a:ext cx="5141700" cy="923330"/>
+          </a:xfrm>
+          <a:prstGeom prst="rect">
+            <a:avLst/>
+          </a:prstGeom>
+        </p:spPr>
+        <p:txBody>
+          <a:bodyPr wrap="square">
+            <a:spAutoFit/>
+          </a:bodyPr>
+          <a:lstStyle/>
+          <a:p>
+            <a:pPr marL="285750" indent="-285750">
+              <a:buFont typeface="Arial" panose="020B0604020202020204" pitchFamily="34" charset="0"/>
+              <a:buChar char="•"/>
+            </a:pPr>
+            <a:r>
+              <a:rPr lang="it-IT" dirty="0"/>
+              <a:t>Script </a:t>
+            </a:r>
+            <a:r>
+              <a:rPr lang="en-US" dirty="0"/>
+              <a:t>customization</a:t>
+            </a:r>
+          </a:p>
+          <a:p>
+            <a:pPr marL="742950" lvl="1" indent="-285750">
+              <a:buFont typeface="Arial" panose="020B0604020202020204" pitchFamily="34" charset="0"/>
+              <a:buChar char="•"/>
+            </a:pPr>
+            <a:r>
+              <a:rPr lang="it-IT" dirty="0" err="1"/>
+              <a:t>Improve</a:t>
+            </a:r>
+            <a:r>
+              <a:rPr lang="it-IT" dirty="0"/>
+              <a:t> </a:t>
+            </a:r>
+            <a:r>
+              <a:rPr lang="it-IT" dirty="0" err="1"/>
+              <a:t>readability</a:t>
+            </a:r>
+            <a:r>
+              <a:rPr lang="it-IT" dirty="0"/>
+              <a:t> of the code</a:t>
+            </a:r>
+          </a:p>
+          <a:p>
+            <a:pPr marL="742950" lvl="1" indent="-285750">
+              <a:buFont typeface="Arial" panose="020B0604020202020204" pitchFamily="34" charset="0"/>
+              <a:buChar char="•"/>
+            </a:pPr>
+            <a:r>
+              <a:rPr lang="it-IT" dirty="0" err="1"/>
+              <a:t>Optimize</a:t>
+            </a:r>
+            <a:r>
+              <a:rPr lang="it-IT" dirty="0"/>
+              <a:t> </a:t>
+            </a:r>
+            <a:r>
+              <a:rPr lang="it-IT" dirty="0" err="1"/>
+              <a:t>computational</a:t>
+            </a:r>
+            <a:r>
+              <a:rPr lang="it-IT" dirty="0"/>
+              <a:t> performance</a:t>
+            </a:r>
+          </a:p>
+        </p:txBody>
+      </p:sp>
       <p:pic>
         <p:nvPicPr>
-          <p:cNvPr id="4" name="Picture 3">
+          <p:cNvPr id="16" name="Picture 15">
             <a:extLst>
               <a:ext uri="{FF2B5EF4-FFF2-40B4-BE49-F238E27FC236}">
-                <a16:creationId xmlns:a16="http://schemas.microsoft.com/office/drawing/2014/main" id="{1E654099-5411-44FA-BEE9-9A6E72116BD0}"/>
+                <a16:creationId xmlns:a16="http://schemas.microsoft.com/office/drawing/2014/main" id="{F4972CCB-94D5-4DE1-8AB2-711763C7F8EA}"/>
               </a:ext>
             </a:extLst>
           </p:cNvPr>
@@ -4568,80 +4602,512 @@
         </p:blipFill>
         <p:spPr>
           <a:xfrm>
-            <a:off x="6094640" y="80936"/>
-            <a:ext cx="5410201" cy="4145550"/>
+            <a:off x="3467213" y="1206222"/>
+            <a:ext cx="523948" cy="266737"/>
           </a:xfrm>
           <a:prstGeom prst="rect">
             <a:avLst/>
           </a:prstGeom>
         </p:spPr>
       </p:pic>
-      <p:pic>
-        <p:nvPicPr>
-          <p:cNvPr id="5" name="Picture 4">
+      <p:sp>
+        <p:nvSpPr>
+          <p:cNvPr id="2" name="Rectangle 1">
             <a:extLst>
               <a:ext uri="{FF2B5EF4-FFF2-40B4-BE49-F238E27FC236}">
-                <a16:creationId xmlns:a16="http://schemas.microsoft.com/office/drawing/2014/main" id="{2D72A866-A5C6-45F6-870B-9E9B39D48913}"/>
+                <a16:creationId xmlns:a16="http://schemas.microsoft.com/office/drawing/2014/main" id="{E37BEDA0-A5DA-4BFB-A900-F9C90C8AB85D}"/>
               </a:ext>
             </a:extLst>
           </p:cNvPr>
-          <p:cNvPicPr>
-            <a:picLocks noChangeAspect="1"/>
-          </p:cNvPicPr>
+          <p:cNvSpPr/>
           <p:nvPr/>
-        </p:nvPicPr>
-        <p:blipFill>
-          <a:blip r:embed="rId5"/>
-          <a:stretch>
-            <a:fillRect/>
-          </a:stretch>
-        </p:blipFill>
+        </p:nvSpPr>
         <p:spPr>
           <a:xfrm>
-            <a:off x="779018" y="3596991"/>
-            <a:ext cx="5281671" cy="2596631"/>
+            <a:off x="6637284" y="948952"/>
+            <a:ext cx="1729769" cy="369332"/>
           </a:xfrm>
           <a:prstGeom prst="rect">
             <a:avLst/>
           </a:prstGeom>
         </p:spPr>
-      </p:pic>
-      <p:pic>
-        <p:nvPicPr>
-          <p:cNvPr id="12" name="Picture 11">
+        <p:txBody>
+          <a:bodyPr wrap="none">
+            <a:spAutoFit/>
+          </a:bodyPr>
+          <a:lstStyle/>
+          <a:p>
+            <a:r>
+              <a:rPr lang="en-GB" dirty="0" err="1"/>
+              <a:t>generalDataPool</a:t>
+            </a:r>
+            <a:endParaRPr lang="en-GB" dirty="0"/>
+          </a:p>
+        </p:txBody>
+      </p:sp>
+      <p:sp>
+        <p:nvSpPr>
+          <p:cNvPr id="3" name="Rectangle 2">
             <a:extLst>
               <a:ext uri="{FF2B5EF4-FFF2-40B4-BE49-F238E27FC236}">
-                <a16:creationId xmlns:a16="http://schemas.microsoft.com/office/drawing/2014/main" id="{C1D25302-010C-44FE-8055-162AD1539989}"/>
+                <a16:creationId xmlns:a16="http://schemas.microsoft.com/office/drawing/2014/main" id="{0D43289D-5BF6-465E-A200-1D82573FE09D}"/>
               </a:ext>
             </a:extLst>
           </p:cNvPr>
-          <p:cNvPicPr>
-            <a:picLocks noChangeAspect="1"/>
-          </p:cNvPicPr>
+          <p:cNvSpPr/>
           <p:nvPr/>
-        </p:nvPicPr>
-        <p:blipFill>
-          <a:blip r:embed="rId6" cstate="print">
-            <a:extLst>
-              <a:ext uri="{28A0092B-C50C-407E-A947-70E740481C1C}">
-                <a14:useLocalDpi xmlns:a14="http://schemas.microsoft.com/office/drawing/2010/main" val="0"/>
-              </a:ext>
-            </a:extLst>
-          </a:blip>
-          <a:stretch>
-            <a:fillRect/>
-          </a:stretch>
-        </p:blipFill>
+        </p:nvSpPr>
         <p:spPr>
           <a:xfrm>
-            <a:off x="11182985" y="6230111"/>
-            <a:ext cx="628015" cy="628015"/>
+            <a:off x="5911721" y="1629024"/>
+            <a:ext cx="599716" cy="369332"/>
           </a:xfrm>
           <a:prstGeom prst="rect">
             <a:avLst/>
           </a:prstGeom>
         </p:spPr>
-      </p:pic>
+        <p:txBody>
+          <a:bodyPr wrap="none">
+            <a:spAutoFit/>
+          </a:bodyPr>
+          <a:lstStyle/>
+          <a:p>
+            <a:r>
+              <a:rPr lang="en-GB" dirty="0"/>
+              <a:t>data</a:t>
+            </a:r>
+          </a:p>
+        </p:txBody>
+      </p:sp>
+      <p:sp>
+        <p:nvSpPr>
+          <p:cNvPr id="5" name="Rectangle 4">
+            <a:extLst>
+              <a:ext uri="{FF2B5EF4-FFF2-40B4-BE49-F238E27FC236}">
+                <a16:creationId xmlns:a16="http://schemas.microsoft.com/office/drawing/2014/main" id="{637A9252-0658-45F4-B57A-F3AAB64BE84B}"/>
+              </a:ext>
+            </a:extLst>
+          </p:cNvPr>
+          <p:cNvSpPr/>
+          <p:nvPr/>
+        </p:nvSpPr>
+        <p:spPr>
+          <a:xfrm>
+            <a:off x="5222253" y="1629024"/>
+            <a:ext cx="527709" cy="369332"/>
+          </a:xfrm>
+          <a:prstGeom prst="rect">
+            <a:avLst/>
+          </a:prstGeom>
+        </p:spPr>
+        <p:txBody>
+          <a:bodyPr wrap="none">
+            <a:spAutoFit/>
+          </a:bodyPr>
+          <a:lstStyle/>
+          <a:p>
+            <a:r>
+              <a:rPr lang="en-GB" dirty="0"/>
+              <a:t>REF</a:t>
+            </a:r>
+          </a:p>
+        </p:txBody>
+      </p:sp>
+      <p:sp>
+        <p:nvSpPr>
+          <p:cNvPr id="18" name="Rectangle 17">
+            <a:extLst>
+              <a:ext uri="{FF2B5EF4-FFF2-40B4-BE49-F238E27FC236}">
+                <a16:creationId xmlns:a16="http://schemas.microsoft.com/office/drawing/2014/main" id="{6B75D9C0-5DC7-4CA0-BEAF-D9556B470AAA}"/>
+              </a:ext>
+            </a:extLst>
+          </p:cNvPr>
+          <p:cNvSpPr/>
+          <p:nvPr/>
+        </p:nvSpPr>
+        <p:spPr>
+          <a:xfrm>
+            <a:off x="8367053" y="1629024"/>
+            <a:ext cx="2634183" cy="369332"/>
+          </a:xfrm>
+          <a:prstGeom prst="rect">
+            <a:avLst/>
+          </a:prstGeom>
+        </p:spPr>
+        <p:txBody>
+          <a:bodyPr wrap="none">
+            <a:spAutoFit/>
+          </a:bodyPr>
+          <a:lstStyle/>
+          <a:p>
+            <a:r>
+              <a:rPr lang="en-GB" dirty="0" err="1"/>
+              <a:t>normalizedDataPoolAllLev</a:t>
+            </a:r>
+            <a:endParaRPr lang="en-GB" dirty="0"/>
+          </a:p>
+        </p:txBody>
+      </p:sp>
+      <p:sp>
+        <p:nvSpPr>
+          <p:cNvPr id="19" name="Rectangle 18">
+            <a:extLst>
+              <a:ext uri="{FF2B5EF4-FFF2-40B4-BE49-F238E27FC236}">
+                <a16:creationId xmlns:a16="http://schemas.microsoft.com/office/drawing/2014/main" id="{F6256603-8E87-4A02-A0C5-99EFC6303354}"/>
+              </a:ext>
+            </a:extLst>
+          </p:cNvPr>
+          <p:cNvSpPr/>
+          <p:nvPr/>
+        </p:nvSpPr>
+        <p:spPr>
+          <a:xfrm>
+            <a:off x="5946784" y="2381183"/>
+            <a:ext cx="1763111" cy="369332"/>
+          </a:xfrm>
+          <a:prstGeom prst="rect">
+            <a:avLst/>
+          </a:prstGeom>
+        </p:spPr>
+        <p:txBody>
+          <a:bodyPr wrap="none">
+            <a:spAutoFit/>
+          </a:bodyPr>
+          <a:lstStyle/>
+          <a:p>
+            <a:r>
+              <a:rPr lang="en-GB" dirty="0" err="1"/>
+              <a:t>normalized_data</a:t>
+            </a:r>
+            <a:endParaRPr lang="en-GB" dirty="0"/>
+          </a:p>
+        </p:txBody>
+      </p:sp>
+      <p:sp>
+        <p:nvSpPr>
+          <p:cNvPr id="21" name="Rectangle 20">
+            <a:extLst>
+              <a:ext uri="{FF2B5EF4-FFF2-40B4-BE49-F238E27FC236}">
+                <a16:creationId xmlns:a16="http://schemas.microsoft.com/office/drawing/2014/main" id="{A503413A-72F2-44B6-B2C4-F986F2CA914F}"/>
+              </a:ext>
+            </a:extLst>
+          </p:cNvPr>
+          <p:cNvSpPr/>
+          <p:nvPr/>
+        </p:nvSpPr>
+        <p:spPr>
+          <a:xfrm>
+            <a:off x="8399137" y="1993750"/>
+            <a:ext cx="2497479" cy="369332"/>
+          </a:xfrm>
+          <a:prstGeom prst="rect">
+            <a:avLst/>
+          </a:prstGeom>
+        </p:spPr>
+        <p:txBody>
+          <a:bodyPr wrap="none">
+            <a:spAutoFit/>
+          </a:bodyPr>
+          <a:lstStyle/>
+          <a:p>
+            <a:r>
+              <a:rPr lang="en-GB" dirty="0" err="1"/>
+              <a:t>normalizedDataPool_MS</a:t>
+            </a:r>
+            <a:endParaRPr lang="en-GB" dirty="0"/>
+          </a:p>
+        </p:txBody>
+      </p:sp>
+      <p:sp>
+        <p:nvSpPr>
+          <p:cNvPr id="22" name="Rectangle 21">
+            <a:extLst>
+              <a:ext uri="{FF2B5EF4-FFF2-40B4-BE49-F238E27FC236}">
+                <a16:creationId xmlns:a16="http://schemas.microsoft.com/office/drawing/2014/main" id="{9D955D33-FB48-4599-BD8C-D3FA83869993}"/>
+              </a:ext>
+            </a:extLst>
+          </p:cNvPr>
+          <p:cNvSpPr/>
+          <p:nvPr/>
+        </p:nvSpPr>
+        <p:spPr>
+          <a:xfrm>
+            <a:off x="5946784" y="1993750"/>
+            <a:ext cx="2181495" cy="369332"/>
+          </a:xfrm>
+          <a:prstGeom prst="rect">
+            <a:avLst/>
+          </a:prstGeom>
+        </p:spPr>
+        <p:txBody>
+          <a:bodyPr wrap="none">
+            <a:spAutoFit/>
+          </a:bodyPr>
+          <a:lstStyle/>
+          <a:p>
+            <a:r>
+              <a:rPr lang="en-GB" dirty="0" err="1"/>
+              <a:t>normalized_data_MS</a:t>
+            </a:r>
+            <a:endParaRPr lang="en-GB" dirty="0"/>
+          </a:p>
+        </p:txBody>
+      </p:sp>
+      <p:sp>
+        <p:nvSpPr>
+          <p:cNvPr id="23" name="Rectangle 22">
+            <a:extLst>
+              <a:ext uri="{FF2B5EF4-FFF2-40B4-BE49-F238E27FC236}">
+                <a16:creationId xmlns:a16="http://schemas.microsoft.com/office/drawing/2014/main" id="{6A6A6BB0-1407-4A4F-9B45-734B434885B1}"/>
+              </a:ext>
+            </a:extLst>
+          </p:cNvPr>
+          <p:cNvSpPr/>
+          <p:nvPr/>
+        </p:nvSpPr>
+        <p:spPr>
+          <a:xfrm>
+            <a:off x="5946784" y="3114845"/>
+            <a:ext cx="2023887" cy="369332"/>
+          </a:xfrm>
+          <a:prstGeom prst="rect">
+            <a:avLst/>
+          </a:prstGeom>
+        </p:spPr>
+        <p:txBody>
+          <a:bodyPr wrap="none">
+            <a:spAutoFit/>
+          </a:bodyPr>
+          <a:lstStyle/>
+          <a:p>
+            <a:r>
+              <a:rPr lang="en-GB" dirty="0" err="1"/>
+              <a:t>trainDataPoolAllLev</a:t>
+            </a:r>
+            <a:endParaRPr lang="en-GB" dirty="0"/>
+          </a:p>
+        </p:txBody>
+      </p:sp>
+      <p:sp>
+        <p:nvSpPr>
+          <p:cNvPr id="24" name="Rectangle 23">
+            <a:extLst>
+              <a:ext uri="{FF2B5EF4-FFF2-40B4-BE49-F238E27FC236}">
+                <a16:creationId xmlns:a16="http://schemas.microsoft.com/office/drawing/2014/main" id="{44ECCC47-646B-493E-B316-CBC6E7684B7A}"/>
+              </a:ext>
+            </a:extLst>
+          </p:cNvPr>
+          <p:cNvSpPr/>
+          <p:nvPr/>
+        </p:nvSpPr>
+        <p:spPr>
+          <a:xfrm>
+            <a:off x="5946784" y="3463911"/>
+            <a:ext cx="1529650" cy="369332"/>
+          </a:xfrm>
+          <a:prstGeom prst="rect">
+            <a:avLst/>
+          </a:prstGeom>
+        </p:spPr>
+        <p:txBody>
+          <a:bodyPr wrap="none">
+            <a:spAutoFit/>
+          </a:bodyPr>
+          <a:lstStyle/>
+          <a:p>
+            <a:r>
+              <a:rPr lang="en-GB" dirty="0" err="1"/>
+              <a:t>testDataAllLev</a:t>
+            </a:r>
+            <a:endParaRPr lang="en-GB" dirty="0"/>
+          </a:p>
+        </p:txBody>
+      </p:sp>
+      <p:sp>
+        <p:nvSpPr>
+          <p:cNvPr id="25" name="Rectangle 24">
+            <a:extLst>
+              <a:ext uri="{FF2B5EF4-FFF2-40B4-BE49-F238E27FC236}">
+                <a16:creationId xmlns:a16="http://schemas.microsoft.com/office/drawing/2014/main" id="{13EA7086-57E8-42AB-92ED-34EED1215D0E}"/>
+              </a:ext>
+            </a:extLst>
+          </p:cNvPr>
+          <p:cNvSpPr/>
+          <p:nvPr/>
+        </p:nvSpPr>
+        <p:spPr>
+          <a:xfrm>
+            <a:off x="5973270" y="3881494"/>
+            <a:ext cx="1913024" cy="369332"/>
+          </a:xfrm>
+          <a:prstGeom prst="rect">
+            <a:avLst/>
+          </a:prstGeom>
+        </p:spPr>
+        <p:txBody>
+          <a:bodyPr wrap="none">
+            <a:spAutoFit/>
+          </a:bodyPr>
+          <a:lstStyle/>
+          <a:p>
+            <a:r>
+              <a:rPr lang="en-GB" dirty="0" err="1"/>
+              <a:t>validateDataAllLev</a:t>
+            </a:r>
+            <a:endParaRPr lang="en-GB" dirty="0"/>
+          </a:p>
+        </p:txBody>
+      </p:sp>
+      <p:sp>
+        <p:nvSpPr>
+          <p:cNvPr id="26" name="Rectangle 25">
+            <a:extLst>
+              <a:ext uri="{FF2B5EF4-FFF2-40B4-BE49-F238E27FC236}">
+                <a16:creationId xmlns:a16="http://schemas.microsoft.com/office/drawing/2014/main" id="{CA509614-8385-46BB-B434-D8B06A414767}"/>
+              </a:ext>
+            </a:extLst>
+          </p:cNvPr>
+          <p:cNvSpPr/>
+          <p:nvPr/>
+        </p:nvSpPr>
+        <p:spPr>
+          <a:xfrm>
+            <a:off x="8520716" y="3114845"/>
+            <a:ext cx="2326855" cy="369332"/>
+          </a:xfrm>
+          <a:prstGeom prst="rect">
+            <a:avLst/>
+          </a:prstGeom>
+        </p:spPr>
+        <p:txBody>
+          <a:bodyPr wrap="none">
+            <a:spAutoFit/>
+          </a:bodyPr>
+          <a:lstStyle/>
+          <a:p>
+            <a:r>
+              <a:rPr lang="en-GB" dirty="0" err="1"/>
+              <a:t>trainDataPoolAllLevMS</a:t>
+            </a:r>
+            <a:endParaRPr lang="en-GB" dirty="0"/>
+          </a:p>
+        </p:txBody>
+      </p:sp>
+      <p:sp>
+        <p:nvSpPr>
+          <p:cNvPr id="27" name="Rectangle 26">
+            <a:extLst>
+              <a:ext uri="{FF2B5EF4-FFF2-40B4-BE49-F238E27FC236}">
+                <a16:creationId xmlns:a16="http://schemas.microsoft.com/office/drawing/2014/main" id="{BF424589-E706-4AE1-8646-66B592D8399F}"/>
+              </a:ext>
+            </a:extLst>
+          </p:cNvPr>
+          <p:cNvSpPr/>
+          <p:nvPr/>
+        </p:nvSpPr>
+        <p:spPr>
+          <a:xfrm>
+            <a:off x="8520716" y="3545234"/>
+            <a:ext cx="1832618" cy="369332"/>
+          </a:xfrm>
+          <a:prstGeom prst="rect">
+            <a:avLst/>
+          </a:prstGeom>
+        </p:spPr>
+        <p:txBody>
+          <a:bodyPr wrap="none">
+            <a:spAutoFit/>
+          </a:bodyPr>
+          <a:lstStyle/>
+          <a:p>
+            <a:r>
+              <a:rPr lang="en-GB" dirty="0" err="1"/>
+              <a:t>testDataAllLevMS</a:t>
+            </a:r>
+            <a:endParaRPr lang="en-GB" dirty="0"/>
+          </a:p>
+        </p:txBody>
+      </p:sp>
+      <p:sp>
+        <p:nvSpPr>
+          <p:cNvPr id="28" name="Rectangle 27">
+            <a:extLst>
+              <a:ext uri="{FF2B5EF4-FFF2-40B4-BE49-F238E27FC236}">
+                <a16:creationId xmlns:a16="http://schemas.microsoft.com/office/drawing/2014/main" id="{D62668DE-F4FC-40D2-A4AE-D89A6618FBD0}"/>
+              </a:ext>
+            </a:extLst>
+          </p:cNvPr>
+          <p:cNvSpPr/>
+          <p:nvPr/>
+        </p:nvSpPr>
+        <p:spPr>
+          <a:xfrm>
+            <a:off x="8524615" y="3982049"/>
+            <a:ext cx="2215991" cy="369332"/>
+          </a:xfrm>
+          <a:prstGeom prst="rect">
+            <a:avLst/>
+          </a:prstGeom>
+        </p:spPr>
+        <p:txBody>
+          <a:bodyPr wrap="none">
+            <a:spAutoFit/>
+          </a:bodyPr>
+          <a:lstStyle/>
+          <a:p>
+            <a:r>
+              <a:rPr lang="en-GB" dirty="0" err="1"/>
+              <a:t>validateDataAllLevMS</a:t>
+            </a:r>
+            <a:endParaRPr lang="en-GB" dirty="0"/>
+          </a:p>
+        </p:txBody>
+      </p:sp>
+      <p:cxnSp>
+        <p:nvCxnSpPr>
+          <p:cNvPr id="30" name="Connector: Elbow 29">
+            <a:extLst>
+              <a:ext uri="{FF2B5EF4-FFF2-40B4-BE49-F238E27FC236}">
+                <a16:creationId xmlns:a16="http://schemas.microsoft.com/office/drawing/2014/main" id="{9AD35E14-4161-42A7-8739-C5CCEA70687A}"/>
+              </a:ext>
+            </a:extLst>
+          </p:cNvPr>
+          <p:cNvCxnSpPr>
+            <a:cxnSpLocks/>
+            <a:stCxn id="14" idx="1"/>
+            <a:endCxn id="13" idx="1"/>
+          </p:cNvCxnSpPr>
+          <p:nvPr/>
+        </p:nvCxnSpPr>
+        <p:spPr>
+          <a:xfrm rot="10800000" flipH="1" flipV="1">
+            <a:off x="806116" y="1885381"/>
+            <a:ext cx="413084" cy="3463388"/>
+          </a:xfrm>
+          <a:prstGeom prst="bentConnector3">
+            <a:avLst>
+              <a:gd name="adj1" fmla="val -55340"/>
+            </a:avLst>
+          </a:prstGeom>
+          <a:ln>
+            <a:tailEnd type="triangle"/>
+          </a:ln>
+        </p:spPr>
+        <p:style>
+          <a:lnRef idx="1">
+            <a:schemeClr val="accent1"/>
+          </a:lnRef>
+          <a:fillRef idx="0">
+            <a:schemeClr val="accent1"/>
+          </a:fillRef>
+          <a:effectRef idx="0">
+            <a:schemeClr val="accent1"/>
+          </a:effectRef>
+          <a:fontRef idx="minor">
+            <a:schemeClr val="tx1"/>
+          </a:fontRef>
+        </p:style>
+      </p:cxnSp>
     </p:spTree>
     <p:extLst>
       <p:ext uri="{BB962C8B-B14F-4D97-AF65-F5344CB8AC3E}">
@@ -4656,6 +5122,679 @@
 </file>
 
 <file path=ppt/slides/slide6.xml><?xml version="1.0" encoding="utf-8"?>
+<p:sld xmlns:a="http://schemas.openxmlformats.org/drawingml/2006/main" xmlns:r="http://schemas.openxmlformats.org/officeDocument/2006/relationships" xmlns:p="http://schemas.openxmlformats.org/presentationml/2006/main" showMasterSp="0">
+  <p:cSld>
+    <p:spTree>
+      <p:nvGrpSpPr>
+        <p:cNvPr id="1" name=""/>
+        <p:cNvGrpSpPr/>
+        <p:nvPr/>
+      </p:nvGrpSpPr>
+      <p:grpSpPr>
+        <a:xfrm>
+          <a:off x="0" y="0"/>
+          <a:ext cx="0" cy="0"/>
+          <a:chOff x="0" y="0"/>
+          <a:chExt cx="0" cy="0"/>
+        </a:xfrm>
+      </p:grpSpPr>
+      <p:grpSp>
+        <p:nvGrpSpPr>
+          <p:cNvPr id="9" name="object 5">
+            <a:extLst>
+              <a:ext uri="{FF2B5EF4-FFF2-40B4-BE49-F238E27FC236}">
+                <a16:creationId xmlns:a16="http://schemas.microsoft.com/office/drawing/2014/main" id="{EB6038DE-F9D1-4516-9F33-118AC02DBD97}"/>
+              </a:ext>
+            </a:extLst>
+          </p:cNvPr>
+          <p:cNvGrpSpPr/>
+          <p:nvPr/>
+        </p:nvGrpSpPr>
+        <p:grpSpPr>
+          <a:xfrm>
+            <a:off x="0" y="6230111"/>
+            <a:ext cx="12192000" cy="628015"/>
+            <a:chOff x="0" y="6230111"/>
+            <a:chExt cx="12192000" cy="628015"/>
+          </a:xfrm>
+        </p:grpSpPr>
+        <p:sp>
+          <p:nvSpPr>
+            <p:cNvPr id="10" name="object 6">
+              <a:extLst>
+                <a:ext uri="{FF2B5EF4-FFF2-40B4-BE49-F238E27FC236}">
+                  <a16:creationId xmlns:a16="http://schemas.microsoft.com/office/drawing/2014/main" id="{05BF0CA7-83B6-449B-AA0A-E2302D4779A5}"/>
+                </a:ext>
+              </a:extLst>
+            </p:cNvPr>
+            <p:cNvSpPr/>
+            <p:nvPr/>
+          </p:nvSpPr>
+          <p:spPr>
+            <a:xfrm>
+              <a:off x="0" y="6230111"/>
+              <a:ext cx="12192000" cy="628015"/>
+            </a:xfrm>
+            <a:custGeom>
+              <a:avLst/>
+              <a:gdLst/>
+              <a:ahLst/>
+              <a:cxnLst/>
+              <a:rect l="l" t="t" r="r" b="b"/>
+              <a:pathLst>
+                <a:path w="12192000" h="628015">
+                  <a:moveTo>
+                    <a:pt x="12192000" y="0"/>
+                  </a:moveTo>
+                  <a:lnTo>
+                    <a:pt x="0" y="0"/>
+                  </a:lnTo>
+                  <a:lnTo>
+                    <a:pt x="0" y="627886"/>
+                  </a:lnTo>
+                  <a:lnTo>
+                    <a:pt x="12192000" y="627886"/>
+                  </a:lnTo>
+                  <a:lnTo>
+                    <a:pt x="12192000" y="0"/>
+                  </a:lnTo>
+                  <a:close/>
+                </a:path>
+              </a:pathLst>
+            </a:custGeom>
+            <a:solidFill>
+              <a:srgbClr val="718FA4"/>
+            </a:solidFill>
+          </p:spPr>
+          <p:txBody>
+            <a:bodyPr wrap="square" lIns="0" tIns="0" rIns="0" bIns="0" rtlCol="0"/>
+            <a:lstStyle/>
+            <a:p>
+              <a:endParaRPr/>
+            </a:p>
+          </p:txBody>
+        </p:sp>
+        <p:pic>
+          <p:nvPicPr>
+            <p:cNvPr id="11" name="object 7">
+              <a:extLst>
+                <a:ext uri="{FF2B5EF4-FFF2-40B4-BE49-F238E27FC236}">
+                  <a16:creationId xmlns:a16="http://schemas.microsoft.com/office/drawing/2014/main" id="{C69EB078-1A55-43F6-AB67-FC18B8773B5F}"/>
+                </a:ext>
+              </a:extLst>
+            </p:cNvPr>
+            <p:cNvPicPr/>
+            <p:nvPr/>
+          </p:nvPicPr>
+          <p:blipFill>
+            <a:blip r:embed="rId2" cstate="print"/>
+            <a:stretch>
+              <a:fillRect/>
+            </a:stretch>
+          </p:blipFill>
+          <p:spPr>
+            <a:xfrm>
+              <a:off x="381000" y="6262115"/>
+              <a:ext cx="3038855" cy="573022"/>
+            </a:xfrm>
+            <a:prstGeom prst="rect">
+              <a:avLst/>
+            </a:prstGeom>
+          </p:spPr>
+        </p:pic>
+      </p:grpSp>
+      <p:sp>
+        <p:nvSpPr>
+          <p:cNvPr id="2" name="TextBox 1">
+            <a:extLst>
+              <a:ext uri="{FF2B5EF4-FFF2-40B4-BE49-F238E27FC236}">
+                <a16:creationId xmlns:a16="http://schemas.microsoft.com/office/drawing/2014/main" id="{EE3A0654-5DB1-47E8-86CA-FEF40CCE84EB}"/>
+              </a:ext>
+            </a:extLst>
+          </p:cNvPr>
+          <p:cNvSpPr txBox="1"/>
+          <p:nvPr/>
+        </p:nvSpPr>
+        <p:spPr>
+          <a:xfrm>
+            <a:off x="7647722" y="4981362"/>
+            <a:ext cx="3535263" cy="923330"/>
+          </a:xfrm>
+          <a:prstGeom prst="rect">
+            <a:avLst/>
+          </a:prstGeom>
+          <a:noFill/>
+        </p:spPr>
+        <p:txBody>
+          <a:bodyPr wrap="none" rtlCol="0">
+            <a:spAutoFit/>
+          </a:bodyPr>
+          <a:lstStyle/>
+          <a:p>
+            <a:pPr marL="285750" indent="-285750">
+              <a:buFont typeface="Arial" panose="020B0604020202020204" pitchFamily="34" charset="0"/>
+              <a:buChar char="•"/>
+            </a:pPr>
+            <a:r>
+              <a:rPr lang="it-IT" dirty="0" err="1"/>
+              <a:t>Widen</a:t>
+            </a:r>
+            <a:r>
+              <a:rPr lang="it-IT" dirty="0"/>
+              <a:t> </a:t>
+            </a:r>
+            <a:r>
+              <a:rPr lang="it-IT" dirty="0" err="1"/>
+              <a:t>papers</a:t>
+            </a:r>
+            <a:r>
+              <a:rPr lang="it-IT" dirty="0"/>
+              <a:t> background</a:t>
+            </a:r>
+          </a:p>
+          <a:p>
+            <a:pPr marL="285750" indent="-285750">
+              <a:buFont typeface="Arial" panose="020B0604020202020204" pitchFamily="34" charset="0"/>
+              <a:buChar char="•"/>
+            </a:pPr>
+            <a:r>
+              <a:rPr lang="it-IT" dirty="0"/>
+              <a:t>Test code on a different machine</a:t>
+            </a:r>
+          </a:p>
+          <a:p>
+            <a:pPr marL="285750" indent="-285750">
+              <a:buFont typeface="Arial" panose="020B0604020202020204" pitchFamily="34" charset="0"/>
+              <a:buChar char="•"/>
+            </a:pPr>
+            <a:r>
+              <a:rPr lang="it-IT" dirty="0" err="1"/>
+              <a:t>Qiskit</a:t>
+            </a:r>
+            <a:r>
+              <a:rPr lang="it-IT" dirty="0"/>
+              <a:t> </a:t>
+            </a:r>
+            <a:r>
+              <a:rPr lang="it-IT" dirty="0" err="1"/>
+              <a:t>python</a:t>
+            </a:r>
+            <a:r>
+              <a:rPr lang="it-IT" dirty="0"/>
+              <a:t> </a:t>
+            </a:r>
+            <a:r>
+              <a:rPr lang="it-IT" dirty="0" err="1"/>
+              <a:t>library</a:t>
+            </a:r>
+            <a:r>
+              <a:rPr lang="it-IT" dirty="0"/>
+              <a:t> for VSVM</a:t>
+            </a:r>
+            <a:endParaRPr lang="en-GB" dirty="0"/>
+          </a:p>
+        </p:txBody>
+      </p:sp>
+      <p:sp>
+        <p:nvSpPr>
+          <p:cNvPr id="7" name="Rectangle 6">
+            <a:extLst>
+              <a:ext uri="{FF2B5EF4-FFF2-40B4-BE49-F238E27FC236}">
+                <a16:creationId xmlns:a16="http://schemas.microsoft.com/office/drawing/2014/main" id="{AC66D211-AAF4-4661-818A-BC4D70F45A60}"/>
+              </a:ext>
+            </a:extLst>
+          </p:cNvPr>
+          <p:cNvSpPr/>
+          <p:nvPr/>
+        </p:nvSpPr>
+        <p:spPr>
+          <a:xfrm>
+            <a:off x="5463455" y="137480"/>
+            <a:ext cx="1265090" cy="369332"/>
+          </a:xfrm>
+          <a:prstGeom prst="rect">
+            <a:avLst/>
+          </a:prstGeom>
+        </p:spPr>
+        <p:txBody>
+          <a:bodyPr wrap="none">
+            <a:spAutoFit/>
+          </a:bodyPr>
+          <a:lstStyle/>
+          <a:p>
+            <a:r>
+              <a:rPr lang="it-IT" spc="-5" dirty="0" err="1">
+                <a:solidFill>
+                  <a:srgbClr val="FFFFFF"/>
+                </a:solidFill>
+                <a:effectLst>
+                  <a:glow rad="101600">
+                    <a:schemeClr val="tx1">
+                      <a:alpha val="60000"/>
+                    </a:schemeClr>
+                  </a:glow>
+                </a:effectLst>
+                <a:latin typeface="Microsoft Sans Serif"/>
+                <a:cs typeface="Microsoft Sans Serif"/>
+              </a:rPr>
+              <a:t>Next</a:t>
+            </a:r>
+            <a:r>
+              <a:rPr lang="it-IT" spc="-5" dirty="0">
+                <a:solidFill>
+                  <a:srgbClr val="FFFFFF"/>
+                </a:solidFill>
+                <a:effectLst>
+                  <a:glow rad="101600">
+                    <a:schemeClr val="tx1">
+                      <a:alpha val="60000"/>
+                    </a:schemeClr>
+                  </a:glow>
+                </a:effectLst>
+                <a:latin typeface="Microsoft Sans Serif"/>
+                <a:cs typeface="Microsoft Sans Serif"/>
+              </a:rPr>
+              <a:t> steps</a:t>
+            </a:r>
+            <a:endParaRPr lang="en-GB" dirty="0">
+              <a:effectLst>
+                <a:glow rad="101600">
+                  <a:schemeClr val="tx1">
+                    <a:alpha val="60000"/>
+                  </a:schemeClr>
+                </a:glow>
+              </a:effectLst>
+            </a:endParaRPr>
+          </a:p>
+        </p:txBody>
+      </p:sp>
+      <p:pic>
+        <p:nvPicPr>
+          <p:cNvPr id="8" name="Picture 7">
+            <a:extLst>
+              <a:ext uri="{FF2B5EF4-FFF2-40B4-BE49-F238E27FC236}">
+                <a16:creationId xmlns:a16="http://schemas.microsoft.com/office/drawing/2014/main" id="{7129177D-28AF-42B9-AD3F-30783F81E2B0}"/>
+              </a:ext>
+            </a:extLst>
+          </p:cNvPr>
+          <p:cNvPicPr>
+            <a:picLocks noChangeAspect="1"/>
+          </p:cNvPicPr>
+          <p:nvPr/>
+        </p:nvPicPr>
+        <p:blipFill>
+          <a:blip r:embed="rId3" cstate="print">
+            <a:extLst>
+              <a:ext uri="{28A0092B-C50C-407E-A947-70E740481C1C}">
+                <a14:useLocalDpi xmlns:a14="http://schemas.microsoft.com/office/drawing/2010/main" val="0"/>
+              </a:ext>
+            </a:extLst>
+          </a:blip>
+          <a:stretch>
+            <a:fillRect/>
+          </a:stretch>
+        </p:blipFill>
+        <p:spPr>
+          <a:xfrm>
+            <a:off x="11277600" y="6269054"/>
+            <a:ext cx="550128" cy="550128"/>
+          </a:xfrm>
+          <a:prstGeom prst="rect">
+            <a:avLst/>
+          </a:prstGeom>
+        </p:spPr>
+      </p:pic>
+      <p:pic>
+        <p:nvPicPr>
+          <p:cNvPr id="13" name="Picture 12">
+            <a:extLst>
+              <a:ext uri="{FF2B5EF4-FFF2-40B4-BE49-F238E27FC236}">
+                <a16:creationId xmlns:a16="http://schemas.microsoft.com/office/drawing/2014/main" id="{3456ADC5-2793-4FE5-8017-FD10394D5975}"/>
+              </a:ext>
+            </a:extLst>
+          </p:cNvPr>
+          <p:cNvPicPr>
+            <a:picLocks noChangeAspect="1"/>
+          </p:cNvPicPr>
+          <p:nvPr/>
+        </p:nvPicPr>
+        <p:blipFill>
+          <a:blip r:embed="rId4" cstate="print">
+            <a:extLst>
+              <a:ext uri="{28A0092B-C50C-407E-A947-70E740481C1C}">
+                <a14:useLocalDpi xmlns:a14="http://schemas.microsoft.com/office/drawing/2010/main" val="0"/>
+              </a:ext>
+            </a:extLst>
+          </a:blip>
+          <a:stretch>
+            <a:fillRect/>
+          </a:stretch>
+        </p:blipFill>
+        <p:spPr>
+          <a:xfrm>
+            <a:off x="11182985" y="6230111"/>
+            <a:ext cx="628015" cy="628015"/>
+          </a:xfrm>
+          <a:prstGeom prst="rect">
+            <a:avLst/>
+          </a:prstGeom>
+        </p:spPr>
+      </p:pic>
+      <p:sp>
+        <p:nvSpPr>
+          <p:cNvPr id="3" name="Rectangle 2">
+            <a:extLst>
+              <a:ext uri="{FF2B5EF4-FFF2-40B4-BE49-F238E27FC236}">
+                <a16:creationId xmlns:a16="http://schemas.microsoft.com/office/drawing/2014/main" id="{85B66492-7631-4D77-854C-9D9B2C20CC19}"/>
+              </a:ext>
+            </a:extLst>
+          </p:cNvPr>
+          <p:cNvSpPr/>
+          <p:nvPr/>
+        </p:nvSpPr>
+        <p:spPr>
+          <a:xfrm>
+            <a:off x="708172" y="1243525"/>
+            <a:ext cx="6096000" cy="1477328"/>
+          </a:xfrm>
+          <a:prstGeom prst="rect">
+            <a:avLst/>
+          </a:prstGeom>
+        </p:spPr>
+        <p:txBody>
+          <a:bodyPr>
+            <a:spAutoFit/>
+          </a:bodyPr>
+          <a:lstStyle/>
+          <a:p>
+            <a:pPr marL="285750" indent="-285750">
+              <a:buFont typeface="Arial" panose="020B0604020202020204" pitchFamily="34" charset="0"/>
+              <a:buChar char="•"/>
+            </a:pPr>
+            <a:r>
+              <a:rPr lang="it-IT" u="sng" dirty="0"/>
+              <a:t>Active Learning framework</a:t>
+            </a:r>
+          </a:p>
+          <a:p>
+            <a:pPr marL="742950" lvl="1" indent="-285750">
+              <a:buFont typeface="Arial" panose="020B0604020202020204" pitchFamily="34" charset="0"/>
+              <a:buChar char="•"/>
+            </a:pPr>
+            <a:r>
+              <a:rPr lang="en-GB" dirty="0"/>
+              <a:t>A Survey of Active Learning Algorithms for Supervised Remote Sensing Image Classification</a:t>
+            </a:r>
+          </a:p>
+          <a:p>
+            <a:pPr marL="742950" lvl="1" indent="-285750">
+              <a:buFont typeface="Arial" panose="020B0604020202020204" pitchFamily="34" charset="0"/>
+              <a:buChar char="•"/>
+            </a:pPr>
+            <a:r>
+              <a:rPr lang="en-GB" dirty="0"/>
+              <a:t>Active Learning Methods for Remote Sensing Image Classification</a:t>
+            </a:r>
+          </a:p>
+        </p:txBody>
+      </p:sp>
+      <p:sp>
+        <p:nvSpPr>
+          <p:cNvPr id="4" name="Rectangle 3">
+            <a:extLst>
+              <a:ext uri="{FF2B5EF4-FFF2-40B4-BE49-F238E27FC236}">
+                <a16:creationId xmlns:a16="http://schemas.microsoft.com/office/drawing/2014/main" id="{EA8F48A4-B9AC-4DA4-972A-FBE6314EBF73}"/>
+              </a:ext>
+            </a:extLst>
+          </p:cNvPr>
+          <p:cNvSpPr/>
+          <p:nvPr/>
+        </p:nvSpPr>
+        <p:spPr>
+          <a:xfrm>
+            <a:off x="1032756" y="2716951"/>
+            <a:ext cx="9101843" cy="2862322"/>
+          </a:xfrm>
+          <a:prstGeom prst="rect">
+            <a:avLst/>
+          </a:prstGeom>
+        </p:spPr>
+        <p:txBody>
+          <a:bodyPr wrap="square">
+            <a:spAutoFit/>
+          </a:bodyPr>
+          <a:lstStyle/>
+          <a:p>
+            <a:pPr lvl="1"/>
+            <a:r>
+              <a:rPr lang="en-GB" dirty="0"/>
+              <a:t>Large-Margin-Based Active Learning</a:t>
+            </a:r>
+          </a:p>
+          <a:p>
+            <a:pPr marL="1200150" lvl="2" indent="-285750">
+              <a:buFont typeface="Arial" panose="020B0604020202020204" pitchFamily="34" charset="0"/>
+              <a:buChar char="•"/>
+            </a:pPr>
+            <a:r>
+              <a:rPr lang="it-IT" dirty="0"/>
+              <a:t>M</a:t>
+            </a:r>
+            <a:r>
+              <a:rPr lang="en-GB" dirty="0" err="1"/>
+              <a:t>argin</a:t>
+            </a:r>
+            <a:r>
+              <a:rPr lang="en-GB" dirty="0"/>
+              <a:t> Sampling MS</a:t>
+            </a:r>
+          </a:p>
+          <a:p>
+            <a:pPr marL="1200150" lvl="2" indent="-285750">
+              <a:buFont typeface="Arial" panose="020B0604020202020204" pitchFamily="34" charset="0"/>
+              <a:buChar char="•"/>
+            </a:pPr>
+            <a:r>
+              <a:rPr lang="it-IT" dirty="0"/>
+              <a:t>M</a:t>
+            </a:r>
+            <a:r>
+              <a:rPr lang="en-GB" dirty="0" err="1"/>
+              <a:t>ulticlass</a:t>
+            </a:r>
+            <a:r>
+              <a:rPr lang="en-GB" dirty="0"/>
+              <a:t> Level Uncertainty MCLU</a:t>
+            </a:r>
+          </a:p>
+          <a:p>
+            <a:pPr marL="1200150" lvl="2" indent="-285750">
+              <a:buFont typeface="Arial" panose="020B0604020202020204" pitchFamily="34" charset="0"/>
+              <a:buChar char="•"/>
+            </a:pPr>
+            <a:r>
+              <a:rPr lang="it-IT" dirty="0"/>
+              <a:t>S</a:t>
+            </a:r>
+            <a:r>
+              <a:rPr lang="en-GB" dirty="0" err="1"/>
+              <a:t>ignificance</a:t>
+            </a:r>
+            <a:r>
+              <a:rPr lang="en-GB" dirty="0"/>
+              <a:t> Space </a:t>
+            </a:r>
+            <a:r>
+              <a:rPr lang="en-GB" dirty="0" err="1"/>
+              <a:t>Construnction</a:t>
+            </a:r>
+            <a:r>
+              <a:rPr lang="en-GB" dirty="0"/>
+              <a:t> SSC</a:t>
+            </a:r>
+          </a:p>
+          <a:p>
+            <a:pPr marL="1200150" lvl="2" indent="-285750">
+              <a:buFont typeface="Arial" panose="020B0604020202020204" pitchFamily="34" charset="0"/>
+              <a:buChar char="•"/>
+            </a:pPr>
+            <a:r>
+              <a:rPr lang="it-IT" dirty="0" err="1"/>
+              <a:t>Most</a:t>
+            </a:r>
+            <a:r>
+              <a:rPr lang="it-IT" dirty="0"/>
+              <a:t> </a:t>
+            </a:r>
+            <a:r>
+              <a:rPr lang="it-IT" dirty="0" err="1"/>
+              <a:t>Ambiguous</a:t>
+            </a:r>
+            <a:r>
+              <a:rPr lang="it-IT" dirty="0"/>
+              <a:t> and </a:t>
+            </a:r>
+            <a:r>
+              <a:rPr lang="it-IT" dirty="0" err="1"/>
+              <a:t>orthogonal</a:t>
+            </a:r>
+            <a:r>
+              <a:rPr lang="it-IT" dirty="0"/>
+              <a:t> MAO</a:t>
+            </a:r>
+          </a:p>
+          <a:p>
+            <a:pPr marL="1200150" lvl="2" indent="-285750">
+              <a:buFont typeface="Arial" panose="020B0604020202020204" pitchFamily="34" charset="0"/>
+              <a:buChar char="•"/>
+            </a:pPr>
+            <a:r>
+              <a:rPr lang="it-IT" dirty="0" err="1"/>
+              <a:t>Multiclass</a:t>
+            </a:r>
+            <a:r>
+              <a:rPr lang="it-IT" dirty="0"/>
+              <a:t> </a:t>
+            </a:r>
+            <a:r>
+              <a:rPr lang="it-IT" dirty="0" err="1"/>
+              <a:t>level</a:t>
+            </a:r>
+            <a:r>
+              <a:rPr lang="it-IT" dirty="0"/>
+              <a:t> </a:t>
+            </a:r>
+            <a:r>
+              <a:rPr lang="it-IT" dirty="0" err="1"/>
+              <a:t>uncertainty</a:t>
+            </a:r>
+            <a:r>
+              <a:rPr lang="it-IT" dirty="0"/>
+              <a:t>-angle-based </a:t>
+            </a:r>
+            <a:r>
+              <a:rPr lang="it-IT" dirty="0" err="1"/>
+              <a:t>diversity</a:t>
+            </a:r>
+            <a:r>
+              <a:rPr lang="it-IT" dirty="0"/>
+              <a:t> MCLU-ABD</a:t>
+            </a:r>
+          </a:p>
+          <a:p>
+            <a:pPr marL="1200150" lvl="2" indent="-285750">
+              <a:buFont typeface="Arial" panose="020B0604020202020204" pitchFamily="34" charset="0"/>
+              <a:buChar char="•"/>
+            </a:pPr>
+            <a:r>
+              <a:rPr lang="it-IT" dirty="0" err="1"/>
+              <a:t>Multiclass</a:t>
+            </a:r>
+            <a:r>
+              <a:rPr lang="it-IT" dirty="0"/>
+              <a:t> </a:t>
+            </a:r>
+            <a:r>
+              <a:rPr lang="it-IT" dirty="0" err="1"/>
+              <a:t>level</a:t>
+            </a:r>
+            <a:r>
+              <a:rPr lang="it-IT" dirty="0"/>
+              <a:t> </a:t>
+            </a:r>
+            <a:r>
+              <a:rPr lang="it-IT" dirty="0" err="1"/>
+              <a:t>uncertainty-enhanced</a:t>
+            </a:r>
+            <a:r>
+              <a:rPr lang="it-IT" dirty="0"/>
+              <a:t> cluster based </a:t>
+            </a:r>
+            <a:r>
+              <a:rPr lang="it-IT" dirty="0" err="1"/>
+              <a:t>diversity</a:t>
+            </a:r>
+            <a:r>
+              <a:rPr lang="it-IT" dirty="0"/>
+              <a:t> MCLU-ECBD</a:t>
+            </a:r>
+            <a:endParaRPr lang="en-GB" dirty="0"/>
+          </a:p>
+          <a:p>
+            <a:pPr lvl="1"/>
+            <a:r>
+              <a:rPr lang="en-GB" dirty="0"/>
+              <a:t>Posterior Probability-Based Active Learning</a:t>
+            </a:r>
+          </a:p>
+          <a:p>
+            <a:pPr marL="1200150" lvl="2" indent="-285750">
+              <a:buFont typeface="Arial" panose="020B0604020202020204" pitchFamily="34" charset="0"/>
+              <a:buChar char="•"/>
+            </a:pPr>
+            <a:r>
+              <a:rPr lang="en-GB" dirty="0" err="1"/>
+              <a:t>Kullbach</a:t>
+            </a:r>
+            <a:r>
+              <a:rPr lang="en-GB" dirty="0"/>
+              <a:t>–</a:t>
+            </a:r>
+            <a:r>
+              <a:rPr lang="en-GB" dirty="0" err="1"/>
+              <a:t>Leibler</a:t>
+            </a:r>
+            <a:r>
+              <a:rPr lang="en-GB" dirty="0"/>
+              <a:t> divergence KL</a:t>
+            </a:r>
+          </a:p>
+          <a:p>
+            <a:pPr marL="1200150" lvl="2" indent="-285750">
+              <a:buFont typeface="Arial" panose="020B0604020202020204" pitchFamily="34" charset="0"/>
+              <a:buChar char="•"/>
+            </a:pPr>
+            <a:r>
+              <a:rPr lang="en-GB" dirty="0"/>
+              <a:t>Breaking Ties (BT)</a:t>
+            </a:r>
+          </a:p>
+        </p:txBody>
+      </p:sp>
+    </p:spTree>
+    <p:extLst>
+      <p:ext uri="{BB962C8B-B14F-4D97-AF65-F5344CB8AC3E}">
+        <p14:creationId xmlns:p14="http://schemas.microsoft.com/office/powerpoint/2010/main" val="2322780237"/>
+      </p:ext>
+    </p:extLst>
+  </p:cSld>
+  <p:clrMapOvr>
+    <a:masterClrMapping/>
+  </p:clrMapOvr>
+</p:sld>
+</file>
+
+<file path=ppt/slides/slide7.xml><?xml version="1.0" encoding="utf-8"?>
 <p:sld xmlns:a="http://schemas.openxmlformats.org/drawingml/2006/main" xmlns:r="http://schemas.openxmlformats.org/officeDocument/2006/relationships" xmlns:p="http://schemas.openxmlformats.org/presentationml/2006/main" showMasterSp="0">
   <p:cSld>
     <p:spTree>

--- a/presentation_CARLASSARA_10601118.pptx
+++ b/presentation_CARLASSARA_10601118.pptx
@@ -5,7 +5,7 @@
     <p:sldMasterId id="2147483648" r:id="rId4"/>
   </p:sldMasterIdLst>
   <p:notesMasterIdLst>
-    <p:notesMasterId r:id="rId12"/>
+    <p:notesMasterId r:id="rId13"/>
   </p:notesMasterIdLst>
   <p:sldIdLst>
     <p:sldId id="256" r:id="rId5"/>
@@ -14,7 +14,8 @@
     <p:sldId id="309" r:id="rId8"/>
     <p:sldId id="311" r:id="rId9"/>
     <p:sldId id="312" r:id="rId10"/>
-    <p:sldId id="287" r:id="rId11"/>
+    <p:sldId id="314" r:id="rId11"/>
+    <p:sldId id="287" r:id="rId12"/>
   </p:sldIdLst>
   <p:sldSz cx="12192000" cy="6858000"/>
   <p:notesSz cx="12192000" cy="6858000"/>
@@ -223,7 +224,7 @@
           <a:p>
             <a:fld id="{2E347CE9-1F5D-4CEF-9CA7-664B3EF9808B}" type="datetimeFigureOut">
               <a:rPr lang="en-GB" smtClean="0"/>
-              <a:t>17/04/2024</a:t>
+              <a:t>14/05/2024</a:t>
             </a:fld>
             <a:endParaRPr lang="en-GB"/>
           </a:p>
@@ -630,7 +631,7 @@
           <a:p>
             <a:fld id="{1D8BD707-D9CF-40AE-B4C6-C98DA3205C09}" type="datetimeFigureOut">
               <a:rPr lang="en-US"/>
-              <a:t>4/17/2024</a:t>
+              <a:t>5/14/2024</a:t>
             </a:fld>
             <a:endParaRPr lang="en-US"/>
           </a:p>
@@ -805,7 +806,7 @@
           <a:p>
             <a:fld id="{1D8BD707-D9CF-40AE-B4C6-C98DA3205C09}" type="datetimeFigureOut">
               <a:rPr lang="en-US"/>
-              <a:t>4/17/2024</a:t>
+              <a:t>5/14/2024</a:t>
             </a:fld>
             <a:endParaRPr lang="en-US"/>
           </a:p>
@@ -1019,7 +1020,7 @@
           <a:p>
             <a:fld id="{1D8BD707-D9CF-40AE-B4C6-C98DA3205C09}" type="datetimeFigureOut">
               <a:rPr lang="en-US"/>
-              <a:t>4/17/2024</a:t>
+              <a:t>5/14/2024</a:t>
             </a:fld>
             <a:endParaRPr lang="en-US"/>
           </a:p>
@@ -1167,7 +1168,7 @@
           <a:p>
             <a:fld id="{1D8BD707-D9CF-40AE-B4C6-C98DA3205C09}" type="datetimeFigureOut">
               <a:rPr lang="en-US"/>
-              <a:t>4/17/2024</a:t>
+              <a:t>5/14/2024</a:t>
             </a:fld>
             <a:endParaRPr lang="en-US"/>
           </a:p>
@@ -1286,7 +1287,7 @@
           <a:p>
             <a:fld id="{1D8BD707-D9CF-40AE-B4C6-C98DA3205C09}" type="datetimeFigureOut">
               <a:rPr lang="en-US"/>
-              <a:t>4/17/2024</a:t>
+              <a:t>5/14/2024</a:t>
             </a:fld>
             <a:endParaRPr lang="en-US"/>
           </a:p>
@@ -1655,7 +1656,7 @@
           <a:p>
             <a:fld id="{1D8BD707-D9CF-40AE-B4C6-C98DA3205C09}" type="datetimeFigureOut">
               <a:rPr lang="en-US"/>
-              <a:t>4/17/2024</a:t>
+              <a:t>5/14/2024</a:t>
             </a:fld>
             <a:endParaRPr lang="en-US"/>
           </a:p>
@@ -2642,7 +2643,7 @@
         </p:nvSpPr>
         <p:spPr>
           <a:xfrm>
-            <a:off x="4727834" y="166928"/>
+            <a:off x="5335054" y="159026"/>
             <a:ext cx="1521891" cy="369332"/>
           </a:xfrm>
           <a:prstGeom prst="rect">
@@ -3343,8 +3344,8 @@
         </p:nvSpPr>
         <p:spPr>
           <a:xfrm>
-            <a:off x="5366793" y="259397"/>
-            <a:ext cx="1458413" cy="369332"/>
+            <a:off x="5180044" y="207523"/>
+            <a:ext cx="1831912" cy="369332"/>
           </a:xfrm>
           <a:prstGeom prst="rect">
             <a:avLst/>
@@ -3371,7 +3372,7 @@
                 <a:latin typeface="Microsoft Sans Serif"/>
                 <a:cs typeface="Microsoft Sans Serif"/>
               </a:rPr>
-              <a:t>Code </a:t>
+              <a:t>Model </a:t>
             </a:r>
             <a:r>
               <a:rPr lang="it-IT" spc="-5" dirty="0" err="1">
@@ -3388,7 +3389,7 @@
                 <a:latin typeface="Microsoft Sans Serif"/>
                 <a:cs typeface="Microsoft Sans Serif"/>
               </a:rPr>
-              <a:t>review</a:t>
+              <a:t>collection</a:t>
             </a:r>
             <a:endParaRPr lang="en-GB" dirty="0">
               <a:effectLst>
@@ -3517,7 +3518,11 @@
               <a:buChar char="•"/>
             </a:pPr>
             <a:r>
-              <a:rPr lang="it-IT" dirty="0" err="1"/>
+              <a:rPr lang="it-IT" dirty="0" err="1">
+                <a:highlight>
+                  <a:srgbClr val="FFFF00"/>
+                </a:highlight>
+              </a:rPr>
               <a:t>Multiclass</a:t>
             </a:r>
             <a:r>
@@ -3606,8 +3611,8 @@
         </p:nvSpPr>
         <p:spPr>
           <a:xfrm>
-            <a:off x="6190258" y="940333"/>
-            <a:ext cx="4530257" cy="2831544"/>
+            <a:off x="6190257" y="940333"/>
+            <a:ext cx="4992727" cy="3939540"/>
           </a:xfrm>
           <a:prstGeom prst="rect">
             <a:avLst/>
@@ -3624,8 +3629,16 @@
               <a:buChar char="•"/>
             </a:pPr>
             <a:r>
-              <a:rPr lang="it-IT" dirty="0"/>
-              <a:t>SVM: Support </a:t>
+              <a:rPr lang="it-IT" dirty="0">
+                <a:highlight>
+                  <a:srgbClr val="FFFF00"/>
+                </a:highlight>
+              </a:rPr>
+              <a:t>SVM</a:t>
+            </a:r>
+            <a:r>
+              <a:rPr lang="it-IT" dirty="0"/>
+              <a:t>: Support </a:t>
             </a:r>
             <a:r>
               <a:rPr lang="it-IT" dirty="0" err="1"/>
@@ -3643,7 +3656,15 @@
             </a:pPr>
             <a:r>
               <a:rPr lang="it-IT" dirty="0"/>
-              <a:t>SVM-MS: </a:t>
+              <a:t>SVM-MS: include </a:t>
+            </a:r>
+            <a:r>
+              <a:rPr lang="it-IT" dirty="0" err="1"/>
+              <a:t>all</a:t>
+            </a:r>
+            <a:r>
+              <a:rPr lang="it-IT" dirty="0"/>
+              <a:t> </a:t>
             </a:r>
             <a:r>
               <a:rPr lang="it-IT" dirty="0" err="1"/>
@@ -3655,7 +3676,7 @@
             </a:r>
             <a:r>
               <a:rPr lang="it-IT" dirty="0" err="1"/>
-              <a:t>segmentation</a:t>
+              <a:t>segmentations</a:t>
             </a:r>
             <a:endParaRPr lang="it-IT" dirty="0"/>
           </a:p>
@@ -3665,8 +3686,16 @@
               <a:buChar char="•"/>
             </a:pPr>
             <a:r>
-              <a:rPr lang="it-IT" dirty="0"/>
-              <a:t>VSVM: </a:t>
+              <a:rPr lang="it-IT" dirty="0">
+                <a:highlight>
+                  <a:srgbClr val="FFFF00"/>
+                </a:highlight>
+              </a:rPr>
+              <a:t>VSVM</a:t>
+            </a:r>
+            <a:r>
+              <a:rPr lang="it-IT" dirty="0"/>
+              <a:t>: </a:t>
             </a:r>
             <a:r>
               <a:rPr lang="it-IT" dirty="0" err="1"/>
@@ -3679,6 +3708,22 @@
             <a:r>
               <a:rPr lang="it-IT" dirty="0" err="1"/>
               <a:t>invariance</a:t>
+            </a:r>
+            <a:r>
+              <a:rPr lang="it-IT" dirty="0"/>
+              <a:t> wrt/</a:t>
+            </a:r>
+            <a:r>
+              <a:rPr lang="it-IT" dirty="0" err="1"/>
+              <a:t>into</a:t>
+            </a:r>
+            <a:r>
+              <a:rPr lang="it-IT" dirty="0"/>
+              <a:t> </a:t>
+            </a:r>
+            <a:r>
+              <a:rPr lang="it-IT" dirty="0" err="1"/>
+              <a:t>SVs</a:t>
             </a:r>
             <a:r>
               <a:rPr lang="it-IT" dirty="0"/>
@@ -3691,14 +3736,25 @@
               <a:buChar char="•"/>
             </a:pPr>
             <a:r>
-              <a:rPr lang="it-IT" dirty="0"/>
-              <a:t>VSVM-SL: Self-learning </a:t>
+              <a:rPr lang="it-IT" dirty="0">
+                <a:highlight>
+                  <a:srgbClr val="FFFF00"/>
+                </a:highlight>
+              </a:rPr>
+              <a:t>VSVM-SL</a:t>
+            </a:r>
+            <a:r>
+              <a:rPr lang="it-IT" dirty="0"/>
+              <a:t>: Self-learning </a:t>
             </a:r>
             <a:r>
               <a:rPr lang="it-IT" dirty="0" err="1"/>
               <a:t>strategy</a:t>
             </a:r>
-            <a:endParaRPr lang="it-IT" dirty="0"/>
+            <a:r>
+              <a:rPr lang="it-IT" dirty="0"/>
+              <a:t> </a:t>
+            </a:r>
           </a:p>
           <a:p>
             <a:pPr marL="742950" lvl="1" indent="-285750">
@@ -3706,26 +3762,34 @@
               <a:buChar char="•"/>
             </a:pPr>
             <a:r>
-              <a:rPr lang="it-IT" u="sng" dirty="0" err="1"/>
-              <a:t>Margin</a:t>
-            </a:r>
-            <a:r>
-              <a:rPr lang="it-IT" u="sng" dirty="0"/>
+              <a:rPr lang="it-IT" dirty="0"/>
               <a:t> </a:t>
             </a:r>
             <a:r>
-              <a:rPr lang="it-IT" u="sng" dirty="0" err="1"/>
-              <a:t>Sampling</a:t>
-            </a:r>
-            <a:r>
-              <a:rPr lang="it-IT" u="sng" dirty="0"/>
-              <a:t> </a:t>
-            </a:r>
-            <a:r>
-              <a:rPr lang="it-IT" u="sng" dirty="0" err="1"/>
-              <a:t>constraint</a:t>
-            </a:r>
-            <a:endParaRPr lang="it-IT" u="sng" dirty="0"/>
+              <a:rPr lang="en-GB" dirty="0"/>
+              <a:t>remove VSVs:</a:t>
+            </a:r>
+            <a:endParaRPr lang="it-IT" dirty="0"/>
+          </a:p>
+          <a:p>
+            <a:pPr marL="1200150" lvl="2" indent="-285750">
+              <a:buFont typeface="Arial" panose="020B0604020202020204" pitchFamily="34" charset="0"/>
+              <a:buChar char="•"/>
+            </a:pPr>
+            <a:r>
+              <a:rPr lang="en-GB" dirty="0"/>
+              <a:t>not located within certain distance to original SVs</a:t>
+            </a:r>
+          </a:p>
+          <a:p>
+            <a:pPr marL="1200150" lvl="2" indent="-285750">
+              <a:buFont typeface="Arial" panose="020B0604020202020204" pitchFamily="34" charset="0"/>
+              <a:buChar char="•"/>
+            </a:pPr>
+            <a:r>
+              <a:rPr lang="en-GB" dirty="0"/>
+              <a:t>outside radius threshold on margin distance</a:t>
+            </a:r>
           </a:p>
           <a:p>
             <a:pPr marL="285750" indent="-285750">
@@ -3734,13 +3798,8 @@
             </a:pPr>
             <a:r>
               <a:rPr lang="it-IT" dirty="0"/>
-              <a:t>SVM-MS-SL-semi-</a:t>
-            </a:r>
-            <a:r>
-              <a:rPr lang="it-IT" dirty="0" err="1"/>
-              <a:t>labeled</a:t>
-            </a:r>
-            <a:endParaRPr lang="it-IT" dirty="0"/>
+              <a:t>SVM-MS-SL-UNL</a:t>
+            </a:r>
           </a:p>
           <a:p>
             <a:pPr marL="285750" indent="-285750">
@@ -3748,14 +3807,13 @@
               <a:buChar char="•"/>
             </a:pPr>
             <a:r>
-              <a:rPr lang="it-IT" dirty="0"/>
-              <a:t>VSVM-SL-semi-</a:t>
-            </a:r>
-            <a:r>
-              <a:rPr lang="it-IT" dirty="0" err="1"/>
-              <a:t>labeled</a:t>
-            </a:r>
-            <a:endParaRPr lang="it-IT" dirty="0"/>
+              <a:rPr lang="it-IT" dirty="0">
+                <a:highlight>
+                  <a:srgbClr val="FFFF00"/>
+                </a:highlight>
+              </a:rPr>
+              <a:t>VSVM-SL-UNL</a:t>
+            </a:r>
           </a:p>
           <a:p>
             <a:pPr marL="285750" indent="-285750">
@@ -3772,11 +3830,7 @@
             </a:r>
             <a:r>
               <a:rPr lang="it-IT" dirty="0"/>
-              <a:t>-semi-</a:t>
-            </a:r>
-            <a:r>
-              <a:rPr lang="it-IT" dirty="0" err="1"/>
-              <a:t>labeled</a:t>
+              <a:t>-UNL</a:t>
             </a:r>
             <a:endParaRPr lang="en-GB" dirty="0"/>
           </a:p>
@@ -3835,8 +3889,16 @@
               <a:buChar char="•"/>
             </a:pPr>
             <a:r>
-              <a:rPr lang="it-IT" dirty="0"/>
-              <a:t>Cologne, Germany </a:t>
+              <a:rPr lang="it-IT" dirty="0">
+                <a:highlight>
+                  <a:srgbClr val="FFFF00"/>
+                </a:highlight>
+              </a:rPr>
+              <a:t>Cologne</a:t>
+            </a:r>
+            <a:r>
+              <a:rPr lang="it-IT" dirty="0"/>
+              <a:t>, Germany </a:t>
             </a:r>
           </a:p>
           <a:p>
@@ -3845,16 +3907,12 @@
               <a:buChar char="•"/>
             </a:pPr>
             <a:r>
-              <a:rPr lang="it-IT" dirty="0" err="1"/>
+              <a:rPr lang="it-IT" noProof="1"/>
               <a:t>Hadagera</a:t>
             </a:r>
             <a:r>
               <a:rPr lang="it-IT" dirty="0"/>
-              <a:t>, </a:t>
-            </a:r>
-            <a:r>
-              <a:rPr lang="it-IT" dirty="0" err="1"/>
-              <a:t>Kenia</a:t>
+              <a:t>, Kenya</a:t>
             </a:r>
             <a:endParaRPr lang="en-GB" dirty="0"/>
           </a:p>
@@ -3994,7 +4052,7 @@
               <a:buChar char="•"/>
             </a:pPr>
             <a:r>
-              <a:rPr lang="it-IT" dirty="0" err="1"/>
+              <a:rPr lang="en-US" dirty="0"/>
               <a:t>Unlabeled</a:t>
             </a:r>
             <a:r>
@@ -4023,10 +4081,18 @@
               <a:buChar char="•"/>
             </a:pPr>
             <a:r>
-              <a:rPr lang="it-IT" dirty="0" err="1"/>
+              <a:rPr lang="it-IT" dirty="0" err="1">
+                <a:highlight>
+                  <a:srgbClr val="FFFF00"/>
+                </a:highlight>
+              </a:rPr>
               <a:t>Balanced</a:t>
             </a:r>
-            <a:endParaRPr lang="it-IT" dirty="0"/>
+            <a:endParaRPr lang="it-IT" dirty="0">
+              <a:highlight>
+                <a:srgbClr val="FFFF00"/>
+              </a:highlight>
+            </a:endParaRPr>
           </a:p>
         </p:txBody>
       </p:sp>
@@ -4044,7 +4110,7 @@
         </p:nvSpPr>
         <p:spPr>
           <a:xfrm>
-            <a:off x="6190258" y="3915408"/>
+            <a:off x="6190258" y="4840084"/>
             <a:ext cx="4096742" cy="646331"/>
           </a:xfrm>
           <a:prstGeom prst="rect">
@@ -4104,6 +4170,166 @@
           </a:p>
         </p:txBody>
       </p:sp>
+      <p:sp>
+        <p:nvSpPr>
+          <p:cNvPr id="3" name="Rectangle 2">
+            <a:extLst>
+              <a:ext uri="{FF2B5EF4-FFF2-40B4-BE49-F238E27FC236}">
+                <a16:creationId xmlns:a16="http://schemas.microsoft.com/office/drawing/2014/main" id="{C45F22FC-FEE5-4C31-9E24-9C3BDAB4473F}"/>
+              </a:ext>
+            </a:extLst>
+          </p:cNvPr>
+          <p:cNvSpPr/>
+          <p:nvPr/>
+        </p:nvSpPr>
+        <p:spPr>
+          <a:xfrm>
+            <a:off x="6190258" y="4232757"/>
+            <a:ext cx="5284075" cy="369332"/>
+          </a:xfrm>
+          <a:prstGeom prst="rect">
+            <a:avLst/>
+          </a:prstGeom>
+        </p:spPr>
+        <p:txBody>
+          <a:bodyPr wrap="none">
+            <a:spAutoFit/>
+          </a:bodyPr>
+          <a:lstStyle/>
+          <a:p>
+            <a:pPr marL="285750" indent="-285750">
+              <a:buFont typeface="Arial" panose="020B0604020202020204" pitchFamily="34" charset="0"/>
+              <a:buChar char="•"/>
+            </a:pPr>
+            <a:r>
+              <a:rPr lang="it-IT" dirty="0">
+                <a:highlight>
+                  <a:srgbClr val="FFFF00"/>
+                </a:highlight>
+              </a:rPr>
+              <a:t>VSVM-SL-UNL + </a:t>
+            </a:r>
+            <a:r>
+              <a:rPr lang="it-IT" dirty="0" err="1">
+                <a:highlight>
+                  <a:srgbClr val="FFFF00"/>
+                </a:highlight>
+              </a:rPr>
+              <a:t>uncertainty</a:t>
+            </a:r>
+            <a:r>
+              <a:rPr lang="it-IT" dirty="0">
+                <a:highlight>
+                  <a:srgbClr val="FFFF00"/>
+                </a:highlight>
+              </a:rPr>
+              <a:t> </a:t>
+            </a:r>
+            <a:r>
+              <a:rPr lang="it-IT" dirty="0" err="1">
+                <a:highlight>
+                  <a:srgbClr val="FFFF00"/>
+                </a:highlight>
+              </a:rPr>
+              <a:t>function</a:t>
+            </a:r>
+            <a:r>
+              <a:rPr lang="it-IT" dirty="0">
+                <a:highlight>
+                  <a:srgbClr val="FFFF00"/>
+                </a:highlight>
+              </a:rPr>
+              <a:t> for </a:t>
+            </a:r>
+            <a:r>
+              <a:rPr lang="en-US" dirty="0">
+                <a:highlight>
+                  <a:srgbClr val="FFFF00"/>
+                </a:highlight>
+              </a:rPr>
+              <a:t>relabeling</a:t>
+            </a:r>
+          </a:p>
+        </p:txBody>
+      </p:sp>
+      <p:pic>
+        <p:nvPicPr>
+          <p:cNvPr id="16" name="Graphic 15" descr="Checkmark">
+            <a:extLst>
+              <a:ext uri="{FF2B5EF4-FFF2-40B4-BE49-F238E27FC236}">
+                <a16:creationId xmlns:a16="http://schemas.microsoft.com/office/drawing/2014/main" id="{D3A6850B-968D-415D-81F1-A6E75C061D64}"/>
+              </a:ext>
+            </a:extLst>
+          </p:cNvPr>
+          <p:cNvPicPr>
+            <a:picLocks noChangeAspect="1"/>
+          </p:cNvPicPr>
+          <p:nvPr/>
+        </p:nvPicPr>
+        <p:blipFill>
+          <a:blip r:embed="rId4" cstate="print">
+            <a:extLst>
+              <a:ext uri="{28A0092B-C50C-407E-A947-70E740481C1C}">
+                <a14:useLocalDpi xmlns:a14="http://schemas.microsoft.com/office/drawing/2010/main" val="0"/>
+              </a:ext>
+              <a:ext uri="{96DAC541-7B7A-43D3-8B79-37D633B846F1}">
+                <asvg:svgBlip xmlns:asvg="http://schemas.microsoft.com/office/drawing/2016/SVG/main" r:embed="rId5"/>
+              </a:ext>
+            </a:extLst>
+          </a:blip>
+          <a:stretch>
+            <a:fillRect/>
+          </a:stretch>
+        </p:blipFill>
+        <p:spPr>
+          <a:xfrm>
+            <a:off x="6190258" y="4863632"/>
+            <a:ext cx="267681" cy="267681"/>
+          </a:xfrm>
+          <a:prstGeom prst="rect">
+            <a:avLst/>
+          </a:prstGeom>
+        </p:spPr>
+      </p:pic>
+      <p:pic>
+        <p:nvPicPr>
+          <p:cNvPr id="17" name="Graphic 16" descr="Checkmark">
+            <a:extLst>
+              <a:ext uri="{FF2B5EF4-FFF2-40B4-BE49-F238E27FC236}">
+                <a16:creationId xmlns:a16="http://schemas.microsoft.com/office/drawing/2014/main" id="{D11B5273-226B-4A1F-B13D-BD8D9389E7D8}"/>
+              </a:ext>
+            </a:extLst>
+          </p:cNvPr>
+          <p:cNvPicPr>
+            <a:picLocks noChangeAspect="1"/>
+          </p:cNvPicPr>
+          <p:nvPr/>
+        </p:nvPicPr>
+        <p:blipFill>
+          <a:blip r:embed="rId4" cstate="print">
+            <a:extLst>
+              <a:ext uri="{28A0092B-C50C-407E-A947-70E740481C1C}">
+                <a14:useLocalDpi xmlns:a14="http://schemas.microsoft.com/office/drawing/2010/main" val="0"/>
+              </a:ext>
+              <a:ext uri="{96DAC541-7B7A-43D3-8B79-37D633B846F1}">
+                <asvg:svgBlip xmlns:asvg="http://schemas.microsoft.com/office/drawing/2016/SVG/main" r:embed="rId5"/>
+              </a:ext>
+            </a:extLst>
+          </a:blip>
+          <a:stretch>
+            <a:fillRect/>
+          </a:stretch>
+        </p:blipFill>
+        <p:spPr>
+          <a:xfrm>
+            <a:off x="6190258" y="5154861"/>
+            <a:ext cx="267681" cy="267681"/>
+          </a:xfrm>
+          <a:prstGeom prst="rect">
+            <a:avLst/>
+          </a:prstGeom>
+        </p:spPr>
+      </p:pic>
     </p:spTree>
     <p:extLst>
       <p:ext uri="{BB962C8B-B14F-4D97-AF65-F5344CB8AC3E}">
@@ -4567,14 +4793,6 @@
             </a:r>
             <a:r>
               <a:rPr lang="it-IT" dirty="0"/>
-              <a:t> </a:t>
-            </a:r>
-            <a:r>
-              <a:rPr lang="it-IT" dirty="0" err="1"/>
-              <a:t>computational</a:t>
-            </a:r>
-            <a:r>
-              <a:rPr lang="it-IT" dirty="0"/>
               <a:t> performance</a:t>
             </a:r>
           </a:p>
@@ -4610,459 +4828,6 @@
           </a:prstGeom>
         </p:spPr>
       </p:pic>
-      <p:sp>
-        <p:nvSpPr>
-          <p:cNvPr id="2" name="Rectangle 1">
-            <a:extLst>
-              <a:ext uri="{FF2B5EF4-FFF2-40B4-BE49-F238E27FC236}">
-                <a16:creationId xmlns:a16="http://schemas.microsoft.com/office/drawing/2014/main" id="{E37BEDA0-A5DA-4BFB-A900-F9C90C8AB85D}"/>
-              </a:ext>
-            </a:extLst>
-          </p:cNvPr>
-          <p:cNvSpPr/>
-          <p:nvPr/>
-        </p:nvSpPr>
-        <p:spPr>
-          <a:xfrm>
-            <a:off x="6637284" y="948952"/>
-            <a:ext cx="1729769" cy="369332"/>
-          </a:xfrm>
-          <a:prstGeom prst="rect">
-            <a:avLst/>
-          </a:prstGeom>
-        </p:spPr>
-        <p:txBody>
-          <a:bodyPr wrap="none">
-            <a:spAutoFit/>
-          </a:bodyPr>
-          <a:lstStyle/>
-          <a:p>
-            <a:r>
-              <a:rPr lang="en-GB" dirty="0" err="1"/>
-              <a:t>generalDataPool</a:t>
-            </a:r>
-            <a:endParaRPr lang="en-GB" dirty="0"/>
-          </a:p>
-        </p:txBody>
-      </p:sp>
-      <p:sp>
-        <p:nvSpPr>
-          <p:cNvPr id="3" name="Rectangle 2">
-            <a:extLst>
-              <a:ext uri="{FF2B5EF4-FFF2-40B4-BE49-F238E27FC236}">
-                <a16:creationId xmlns:a16="http://schemas.microsoft.com/office/drawing/2014/main" id="{0D43289D-5BF6-465E-A200-1D82573FE09D}"/>
-              </a:ext>
-            </a:extLst>
-          </p:cNvPr>
-          <p:cNvSpPr/>
-          <p:nvPr/>
-        </p:nvSpPr>
-        <p:spPr>
-          <a:xfrm>
-            <a:off x="5911721" y="1629024"/>
-            <a:ext cx="599716" cy="369332"/>
-          </a:xfrm>
-          <a:prstGeom prst="rect">
-            <a:avLst/>
-          </a:prstGeom>
-        </p:spPr>
-        <p:txBody>
-          <a:bodyPr wrap="none">
-            <a:spAutoFit/>
-          </a:bodyPr>
-          <a:lstStyle/>
-          <a:p>
-            <a:r>
-              <a:rPr lang="en-GB" dirty="0"/>
-              <a:t>data</a:t>
-            </a:r>
-          </a:p>
-        </p:txBody>
-      </p:sp>
-      <p:sp>
-        <p:nvSpPr>
-          <p:cNvPr id="5" name="Rectangle 4">
-            <a:extLst>
-              <a:ext uri="{FF2B5EF4-FFF2-40B4-BE49-F238E27FC236}">
-                <a16:creationId xmlns:a16="http://schemas.microsoft.com/office/drawing/2014/main" id="{637A9252-0658-45F4-B57A-F3AAB64BE84B}"/>
-              </a:ext>
-            </a:extLst>
-          </p:cNvPr>
-          <p:cNvSpPr/>
-          <p:nvPr/>
-        </p:nvSpPr>
-        <p:spPr>
-          <a:xfrm>
-            <a:off x="5222253" y="1629024"/>
-            <a:ext cx="527709" cy="369332"/>
-          </a:xfrm>
-          <a:prstGeom prst="rect">
-            <a:avLst/>
-          </a:prstGeom>
-        </p:spPr>
-        <p:txBody>
-          <a:bodyPr wrap="none">
-            <a:spAutoFit/>
-          </a:bodyPr>
-          <a:lstStyle/>
-          <a:p>
-            <a:r>
-              <a:rPr lang="en-GB" dirty="0"/>
-              <a:t>REF</a:t>
-            </a:r>
-          </a:p>
-        </p:txBody>
-      </p:sp>
-      <p:sp>
-        <p:nvSpPr>
-          <p:cNvPr id="18" name="Rectangle 17">
-            <a:extLst>
-              <a:ext uri="{FF2B5EF4-FFF2-40B4-BE49-F238E27FC236}">
-                <a16:creationId xmlns:a16="http://schemas.microsoft.com/office/drawing/2014/main" id="{6B75D9C0-5DC7-4CA0-BEAF-D9556B470AAA}"/>
-              </a:ext>
-            </a:extLst>
-          </p:cNvPr>
-          <p:cNvSpPr/>
-          <p:nvPr/>
-        </p:nvSpPr>
-        <p:spPr>
-          <a:xfrm>
-            <a:off x="8367053" y="1629024"/>
-            <a:ext cx="2634183" cy="369332"/>
-          </a:xfrm>
-          <a:prstGeom prst="rect">
-            <a:avLst/>
-          </a:prstGeom>
-        </p:spPr>
-        <p:txBody>
-          <a:bodyPr wrap="none">
-            <a:spAutoFit/>
-          </a:bodyPr>
-          <a:lstStyle/>
-          <a:p>
-            <a:r>
-              <a:rPr lang="en-GB" dirty="0" err="1"/>
-              <a:t>normalizedDataPoolAllLev</a:t>
-            </a:r>
-            <a:endParaRPr lang="en-GB" dirty="0"/>
-          </a:p>
-        </p:txBody>
-      </p:sp>
-      <p:sp>
-        <p:nvSpPr>
-          <p:cNvPr id="19" name="Rectangle 18">
-            <a:extLst>
-              <a:ext uri="{FF2B5EF4-FFF2-40B4-BE49-F238E27FC236}">
-                <a16:creationId xmlns:a16="http://schemas.microsoft.com/office/drawing/2014/main" id="{F6256603-8E87-4A02-A0C5-99EFC6303354}"/>
-              </a:ext>
-            </a:extLst>
-          </p:cNvPr>
-          <p:cNvSpPr/>
-          <p:nvPr/>
-        </p:nvSpPr>
-        <p:spPr>
-          <a:xfrm>
-            <a:off x="5946784" y="2381183"/>
-            <a:ext cx="1763111" cy="369332"/>
-          </a:xfrm>
-          <a:prstGeom prst="rect">
-            <a:avLst/>
-          </a:prstGeom>
-        </p:spPr>
-        <p:txBody>
-          <a:bodyPr wrap="none">
-            <a:spAutoFit/>
-          </a:bodyPr>
-          <a:lstStyle/>
-          <a:p>
-            <a:r>
-              <a:rPr lang="en-GB" dirty="0" err="1"/>
-              <a:t>normalized_data</a:t>
-            </a:r>
-            <a:endParaRPr lang="en-GB" dirty="0"/>
-          </a:p>
-        </p:txBody>
-      </p:sp>
-      <p:sp>
-        <p:nvSpPr>
-          <p:cNvPr id="21" name="Rectangle 20">
-            <a:extLst>
-              <a:ext uri="{FF2B5EF4-FFF2-40B4-BE49-F238E27FC236}">
-                <a16:creationId xmlns:a16="http://schemas.microsoft.com/office/drawing/2014/main" id="{A503413A-72F2-44B6-B2C4-F986F2CA914F}"/>
-              </a:ext>
-            </a:extLst>
-          </p:cNvPr>
-          <p:cNvSpPr/>
-          <p:nvPr/>
-        </p:nvSpPr>
-        <p:spPr>
-          <a:xfrm>
-            <a:off x="8399137" y="1993750"/>
-            <a:ext cx="2497479" cy="369332"/>
-          </a:xfrm>
-          <a:prstGeom prst="rect">
-            <a:avLst/>
-          </a:prstGeom>
-        </p:spPr>
-        <p:txBody>
-          <a:bodyPr wrap="none">
-            <a:spAutoFit/>
-          </a:bodyPr>
-          <a:lstStyle/>
-          <a:p>
-            <a:r>
-              <a:rPr lang="en-GB" dirty="0" err="1"/>
-              <a:t>normalizedDataPool_MS</a:t>
-            </a:r>
-            <a:endParaRPr lang="en-GB" dirty="0"/>
-          </a:p>
-        </p:txBody>
-      </p:sp>
-      <p:sp>
-        <p:nvSpPr>
-          <p:cNvPr id="22" name="Rectangle 21">
-            <a:extLst>
-              <a:ext uri="{FF2B5EF4-FFF2-40B4-BE49-F238E27FC236}">
-                <a16:creationId xmlns:a16="http://schemas.microsoft.com/office/drawing/2014/main" id="{9D955D33-FB48-4599-BD8C-D3FA83869993}"/>
-              </a:ext>
-            </a:extLst>
-          </p:cNvPr>
-          <p:cNvSpPr/>
-          <p:nvPr/>
-        </p:nvSpPr>
-        <p:spPr>
-          <a:xfrm>
-            <a:off x="5946784" y="1993750"/>
-            <a:ext cx="2181495" cy="369332"/>
-          </a:xfrm>
-          <a:prstGeom prst="rect">
-            <a:avLst/>
-          </a:prstGeom>
-        </p:spPr>
-        <p:txBody>
-          <a:bodyPr wrap="none">
-            <a:spAutoFit/>
-          </a:bodyPr>
-          <a:lstStyle/>
-          <a:p>
-            <a:r>
-              <a:rPr lang="en-GB" dirty="0" err="1"/>
-              <a:t>normalized_data_MS</a:t>
-            </a:r>
-            <a:endParaRPr lang="en-GB" dirty="0"/>
-          </a:p>
-        </p:txBody>
-      </p:sp>
-      <p:sp>
-        <p:nvSpPr>
-          <p:cNvPr id="23" name="Rectangle 22">
-            <a:extLst>
-              <a:ext uri="{FF2B5EF4-FFF2-40B4-BE49-F238E27FC236}">
-                <a16:creationId xmlns:a16="http://schemas.microsoft.com/office/drawing/2014/main" id="{6A6A6BB0-1407-4A4F-9B45-734B434885B1}"/>
-              </a:ext>
-            </a:extLst>
-          </p:cNvPr>
-          <p:cNvSpPr/>
-          <p:nvPr/>
-        </p:nvSpPr>
-        <p:spPr>
-          <a:xfrm>
-            <a:off x="5946784" y="3114845"/>
-            <a:ext cx="2023887" cy="369332"/>
-          </a:xfrm>
-          <a:prstGeom prst="rect">
-            <a:avLst/>
-          </a:prstGeom>
-        </p:spPr>
-        <p:txBody>
-          <a:bodyPr wrap="none">
-            <a:spAutoFit/>
-          </a:bodyPr>
-          <a:lstStyle/>
-          <a:p>
-            <a:r>
-              <a:rPr lang="en-GB" dirty="0" err="1"/>
-              <a:t>trainDataPoolAllLev</a:t>
-            </a:r>
-            <a:endParaRPr lang="en-GB" dirty="0"/>
-          </a:p>
-        </p:txBody>
-      </p:sp>
-      <p:sp>
-        <p:nvSpPr>
-          <p:cNvPr id="24" name="Rectangle 23">
-            <a:extLst>
-              <a:ext uri="{FF2B5EF4-FFF2-40B4-BE49-F238E27FC236}">
-                <a16:creationId xmlns:a16="http://schemas.microsoft.com/office/drawing/2014/main" id="{44ECCC47-646B-493E-B316-CBC6E7684B7A}"/>
-              </a:ext>
-            </a:extLst>
-          </p:cNvPr>
-          <p:cNvSpPr/>
-          <p:nvPr/>
-        </p:nvSpPr>
-        <p:spPr>
-          <a:xfrm>
-            <a:off x="5946784" y="3463911"/>
-            <a:ext cx="1529650" cy="369332"/>
-          </a:xfrm>
-          <a:prstGeom prst="rect">
-            <a:avLst/>
-          </a:prstGeom>
-        </p:spPr>
-        <p:txBody>
-          <a:bodyPr wrap="none">
-            <a:spAutoFit/>
-          </a:bodyPr>
-          <a:lstStyle/>
-          <a:p>
-            <a:r>
-              <a:rPr lang="en-GB" dirty="0" err="1"/>
-              <a:t>testDataAllLev</a:t>
-            </a:r>
-            <a:endParaRPr lang="en-GB" dirty="0"/>
-          </a:p>
-        </p:txBody>
-      </p:sp>
-      <p:sp>
-        <p:nvSpPr>
-          <p:cNvPr id="25" name="Rectangle 24">
-            <a:extLst>
-              <a:ext uri="{FF2B5EF4-FFF2-40B4-BE49-F238E27FC236}">
-                <a16:creationId xmlns:a16="http://schemas.microsoft.com/office/drawing/2014/main" id="{13EA7086-57E8-42AB-92ED-34EED1215D0E}"/>
-              </a:ext>
-            </a:extLst>
-          </p:cNvPr>
-          <p:cNvSpPr/>
-          <p:nvPr/>
-        </p:nvSpPr>
-        <p:spPr>
-          <a:xfrm>
-            <a:off x="5973270" y="3881494"/>
-            <a:ext cx="1913024" cy="369332"/>
-          </a:xfrm>
-          <a:prstGeom prst="rect">
-            <a:avLst/>
-          </a:prstGeom>
-        </p:spPr>
-        <p:txBody>
-          <a:bodyPr wrap="none">
-            <a:spAutoFit/>
-          </a:bodyPr>
-          <a:lstStyle/>
-          <a:p>
-            <a:r>
-              <a:rPr lang="en-GB" dirty="0" err="1"/>
-              <a:t>validateDataAllLev</a:t>
-            </a:r>
-            <a:endParaRPr lang="en-GB" dirty="0"/>
-          </a:p>
-        </p:txBody>
-      </p:sp>
-      <p:sp>
-        <p:nvSpPr>
-          <p:cNvPr id="26" name="Rectangle 25">
-            <a:extLst>
-              <a:ext uri="{FF2B5EF4-FFF2-40B4-BE49-F238E27FC236}">
-                <a16:creationId xmlns:a16="http://schemas.microsoft.com/office/drawing/2014/main" id="{CA509614-8385-46BB-B434-D8B06A414767}"/>
-              </a:ext>
-            </a:extLst>
-          </p:cNvPr>
-          <p:cNvSpPr/>
-          <p:nvPr/>
-        </p:nvSpPr>
-        <p:spPr>
-          <a:xfrm>
-            <a:off x="8520716" y="3114845"/>
-            <a:ext cx="2326855" cy="369332"/>
-          </a:xfrm>
-          <a:prstGeom prst="rect">
-            <a:avLst/>
-          </a:prstGeom>
-        </p:spPr>
-        <p:txBody>
-          <a:bodyPr wrap="none">
-            <a:spAutoFit/>
-          </a:bodyPr>
-          <a:lstStyle/>
-          <a:p>
-            <a:r>
-              <a:rPr lang="en-GB" dirty="0" err="1"/>
-              <a:t>trainDataPoolAllLevMS</a:t>
-            </a:r>
-            <a:endParaRPr lang="en-GB" dirty="0"/>
-          </a:p>
-        </p:txBody>
-      </p:sp>
-      <p:sp>
-        <p:nvSpPr>
-          <p:cNvPr id="27" name="Rectangle 26">
-            <a:extLst>
-              <a:ext uri="{FF2B5EF4-FFF2-40B4-BE49-F238E27FC236}">
-                <a16:creationId xmlns:a16="http://schemas.microsoft.com/office/drawing/2014/main" id="{BF424589-E706-4AE1-8646-66B592D8399F}"/>
-              </a:ext>
-            </a:extLst>
-          </p:cNvPr>
-          <p:cNvSpPr/>
-          <p:nvPr/>
-        </p:nvSpPr>
-        <p:spPr>
-          <a:xfrm>
-            <a:off x="8520716" y="3545234"/>
-            <a:ext cx="1832618" cy="369332"/>
-          </a:xfrm>
-          <a:prstGeom prst="rect">
-            <a:avLst/>
-          </a:prstGeom>
-        </p:spPr>
-        <p:txBody>
-          <a:bodyPr wrap="none">
-            <a:spAutoFit/>
-          </a:bodyPr>
-          <a:lstStyle/>
-          <a:p>
-            <a:r>
-              <a:rPr lang="en-GB" dirty="0" err="1"/>
-              <a:t>testDataAllLevMS</a:t>
-            </a:r>
-            <a:endParaRPr lang="en-GB" dirty="0"/>
-          </a:p>
-        </p:txBody>
-      </p:sp>
-      <p:sp>
-        <p:nvSpPr>
-          <p:cNvPr id="28" name="Rectangle 27">
-            <a:extLst>
-              <a:ext uri="{FF2B5EF4-FFF2-40B4-BE49-F238E27FC236}">
-                <a16:creationId xmlns:a16="http://schemas.microsoft.com/office/drawing/2014/main" id="{D62668DE-F4FC-40D2-A4AE-D89A6618FBD0}"/>
-              </a:ext>
-            </a:extLst>
-          </p:cNvPr>
-          <p:cNvSpPr/>
-          <p:nvPr/>
-        </p:nvSpPr>
-        <p:spPr>
-          <a:xfrm>
-            <a:off x="8524615" y="3982049"/>
-            <a:ext cx="2215991" cy="369332"/>
-          </a:xfrm>
-          <a:prstGeom prst="rect">
-            <a:avLst/>
-          </a:prstGeom>
-        </p:spPr>
-        <p:txBody>
-          <a:bodyPr wrap="none">
-            <a:spAutoFit/>
-          </a:bodyPr>
-          <a:lstStyle/>
-          <a:p>
-            <a:r>
-              <a:rPr lang="en-GB" dirty="0" err="1"/>
-              <a:t>validateDataAllLevMS</a:t>
-            </a:r>
-            <a:endParaRPr lang="en-GB" dirty="0"/>
-          </a:p>
-        </p:txBody>
-      </p:sp>
       <p:cxnSp>
         <p:nvCxnSpPr>
           <p:cNvPr id="30" name="Connector: Elbow 29">
@@ -5108,6 +4873,589 @@
           </a:fontRef>
         </p:style>
       </p:cxnSp>
+      <p:sp>
+        <p:nvSpPr>
+          <p:cNvPr id="29" name="Rectangle 28">
+            <a:extLst>
+              <a:ext uri="{FF2B5EF4-FFF2-40B4-BE49-F238E27FC236}">
+                <a16:creationId xmlns:a16="http://schemas.microsoft.com/office/drawing/2014/main" id="{1DC3EAB0-17F8-48BD-A236-42738A4ACAE9}"/>
+              </a:ext>
+            </a:extLst>
+          </p:cNvPr>
+          <p:cNvSpPr/>
+          <p:nvPr/>
+        </p:nvSpPr>
+        <p:spPr>
+          <a:xfrm>
+            <a:off x="5347397" y="184245"/>
+            <a:ext cx="1497205" cy="369332"/>
+          </a:xfrm>
+          <a:prstGeom prst="rect">
+            <a:avLst/>
+          </a:prstGeom>
+        </p:spPr>
+        <p:txBody>
+          <a:bodyPr wrap="none">
+            <a:spAutoFit/>
+          </a:bodyPr>
+          <a:lstStyle/>
+          <a:p>
+            <a:r>
+              <a:rPr lang="it-IT" spc="-5" dirty="0">
+                <a:solidFill>
+                  <a:srgbClr val="FFFFFF"/>
+                </a:solidFill>
+                <a:effectLst>
+                  <a:glow rad="101600">
+                    <a:schemeClr val="tx1">
+                      <a:alpha val="60000"/>
+                    </a:schemeClr>
+                  </a:glow>
+                </a:effectLst>
+                <a:latin typeface="Microsoft Sans Serif"/>
+                <a:cs typeface="Microsoft Sans Serif"/>
+              </a:rPr>
+              <a:t>Script </a:t>
+            </a:r>
+            <a:r>
+              <a:rPr lang="it-IT" spc="-5" dirty="0" err="1">
+                <a:solidFill>
+                  <a:srgbClr val="FFFFFF"/>
+                </a:solidFill>
+                <a:effectLst>
+                  <a:glow rad="101600">
+                    <a:schemeClr val="tx1">
+                      <a:alpha val="60000"/>
+                    </a:schemeClr>
+                  </a:glow>
+                </a:effectLst>
+                <a:latin typeface="Microsoft Sans Serif"/>
+                <a:cs typeface="Microsoft Sans Serif"/>
+              </a:rPr>
+              <a:t>review</a:t>
+            </a:r>
+            <a:endParaRPr lang="it-IT" spc="-5" dirty="0">
+              <a:solidFill>
+                <a:srgbClr val="FFFFFF"/>
+              </a:solidFill>
+              <a:effectLst>
+                <a:glow rad="101600">
+                  <a:schemeClr val="tx1">
+                    <a:alpha val="60000"/>
+                  </a:schemeClr>
+                </a:glow>
+              </a:effectLst>
+              <a:latin typeface="Microsoft Sans Serif"/>
+              <a:cs typeface="Microsoft Sans Serif"/>
+            </a:endParaRPr>
+          </a:p>
+        </p:txBody>
+      </p:sp>
+      <p:sp>
+        <p:nvSpPr>
+          <p:cNvPr id="4" name="Rectangle: Rounded Corners 3">
+            <a:extLst>
+              <a:ext uri="{FF2B5EF4-FFF2-40B4-BE49-F238E27FC236}">
+                <a16:creationId xmlns:a16="http://schemas.microsoft.com/office/drawing/2014/main" id="{2517FE0F-624D-4E03-B03E-F69F3FE6049C}"/>
+              </a:ext>
+            </a:extLst>
+          </p:cNvPr>
+          <p:cNvSpPr/>
+          <p:nvPr/>
+        </p:nvSpPr>
+        <p:spPr>
+          <a:xfrm>
+            <a:off x="5029200" y="914400"/>
+            <a:ext cx="6477000" cy="3834204"/>
+          </a:xfrm>
+          <a:prstGeom prst="roundRect">
+            <a:avLst/>
+          </a:prstGeom>
+          <a:noFill/>
+          <a:ln>
+            <a:solidFill>
+              <a:srgbClr val="718FA4"/>
+            </a:solidFill>
+          </a:ln>
+        </p:spPr>
+        <p:style>
+          <a:lnRef idx="2">
+            <a:schemeClr val="accent1">
+              <a:shade val="50000"/>
+            </a:schemeClr>
+          </a:lnRef>
+          <a:fillRef idx="1">
+            <a:schemeClr val="accent1"/>
+          </a:fillRef>
+          <a:effectRef idx="0">
+            <a:schemeClr val="accent1"/>
+          </a:effectRef>
+          <a:fontRef idx="minor">
+            <a:schemeClr val="lt1"/>
+          </a:fontRef>
+        </p:style>
+        <p:txBody>
+          <a:bodyPr rtlCol="0" anchor="ctr"/>
+          <a:lstStyle/>
+          <a:p>
+            <a:pPr algn="ctr"/>
+            <a:endParaRPr lang="en-GB"/>
+          </a:p>
+        </p:txBody>
+      </p:sp>
+      <p:sp>
+        <p:nvSpPr>
+          <p:cNvPr id="31" name="Rectangle 30">
+            <a:extLst>
+              <a:ext uri="{FF2B5EF4-FFF2-40B4-BE49-F238E27FC236}">
+                <a16:creationId xmlns:a16="http://schemas.microsoft.com/office/drawing/2014/main" id="{64930A05-8B99-4CC7-90BF-2FCAC022111E}"/>
+              </a:ext>
+            </a:extLst>
+          </p:cNvPr>
+          <p:cNvSpPr/>
+          <p:nvPr/>
+        </p:nvSpPr>
+        <p:spPr>
+          <a:xfrm>
+            <a:off x="7402815" y="1029326"/>
+            <a:ext cx="1729769" cy="369332"/>
+          </a:xfrm>
+          <a:prstGeom prst="rect">
+            <a:avLst/>
+          </a:prstGeom>
+        </p:spPr>
+        <p:txBody>
+          <a:bodyPr wrap="none">
+            <a:spAutoFit/>
+          </a:bodyPr>
+          <a:lstStyle/>
+          <a:p>
+            <a:r>
+              <a:rPr lang="en-GB" dirty="0" err="1"/>
+              <a:t>generalDataPool</a:t>
+            </a:r>
+            <a:endParaRPr lang="en-GB" dirty="0"/>
+          </a:p>
+        </p:txBody>
+      </p:sp>
+      <p:sp>
+        <p:nvSpPr>
+          <p:cNvPr id="32" name="Rectangle 31">
+            <a:extLst>
+              <a:ext uri="{FF2B5EF4-FFF2-40B4-BE49-F238E27FC236}">
+                <a16:creationId xmlns:a16="http://schemas.microsoft.com/office/drawing/2014/main" id="{C67A35BF-65FC-41DB-BD54-7C7C48FC4CC2}"/>
+              </a:ext>
+            </a:extLst>
+          </p:cNvPr>
+          <p:cNvSpPr/>
+          <p:nvPr/>
+        </p:nvSpPr>
+        <p:spPr>
+          <a:xfrm>
+            <a:off x="6234936" y="1594472"/>
+            <a:ext cx="599716" cy="369332"/>
+          </a:xfrm>
+          <a:prstGeom prst="rect">
+            <a:avLst/>
+          </a:prstGeom>
+        </p:spPr>
+        <p:txBody>
+          <a:bodyPr wrap="none">
+            <a:spAutoFit/>
+          </a:bodyPr>
+          <a:lstStyle/>
+          <a:p>
+            <a:r>
+              <a:rPr lang="en-GB" dirty="0"/>
+              <a:t>data</a:t>
+            </a:r>
+          </a:p>
+        </p:txBody>
+      </p:sp>
+      <p:sp>
+        <p:nvSpPr>
+          <p:cNvPr id="33" name="Rectangle 32">
+            <a:extLst>
+              <a:ext uri="{FF2B5EF4-FFF2-40B4-BE49-F238E27FC236}">
+                <a16:creationId xmlns:a16="http://schemas.microsoft.com/office/drawing/2014/main" id="{5BAEC6CA-10AB-43CA-A629-F89258670E12}"/>
+              </a:ext>
+            </a:extLst>
+          </p:cNvPr>
+          <p:cNvSpPr/>
+          <p:nvPr/>
+        </p:nvSpPr>
+        <p:spPr>
+          <a:xfrm>
+            <a:off x="5545468" y="1594472"/>
+            <a:ext cx="527709" cy="369332"/>
+          </a:xfrm>
+          <a:prstGeom prst="rect">
+            <a:avLst/>
+          </a:prstGeom>
+        </p:spPr>
+        <p:txBody>
+          <a:bodyPr wrap="none">
+            <a:spAutoFit/>
+          </a:bodyPr>
+          <a:lstStyle/>
+          <a:p>
+            <a:r>
+              <a:rPr lang="en-GB" dirty="0"/>
+              <a:t>REF</a:t>
+            </a:r>
+          </a:p>
+        </p:txBody>
+      </p:sp>
+      <p:sp>
+        <p:nvSpPr>
+          <p:cNvPr id="34" name="Rectangle 33">
+            <a:extLst>
+              <a:ext uri="{FF2B5EF4-FFF2-40B4-BE49-F238E27FC236}">
+                <a16:creationId xmlns:a16="http://schemas.microsoft.com/office/drawing/2014/main" id="{A6D70EA9-3AD7-4E00-97FE-44A812D52441}"/>
+              </a:ext>
+            </a:extLst>
+          </p:cNvPr>
+          <p:cNvSpPr/>
+          <p:nvPr/>
+        </p:nvSpPr>
+        <p:spPr>
+          <a:xfrm>
+            <a:off x="8690268" y="1594472"/>
+            <a:ext cx="2634183" cy="369332"/>
+          </a:xfrm>
+          <a:prstGeom prst="rect">
+            <a:avLst/>
+          </a:prstGeom>
+        </p:spPr>
+        <p:txBody>
+          <a:bodyPr wrap="none">
+            <a:spAutoFit/>
+          </a:bodyPr>
+          <a:lstStyle/>
+          <a:p>
+            <a:r>
+              <a:rPr lang="en-GB" dirty="0" err="1"/>
+              <a:t>normalizedDataPoolAllLev</a:t>
+            </a:r>
+            <a:endParaRPr lang="en-GB" dirty="0"/>
+          </a:p>
+        </p:txBody>
+      </p:sp>
+      <p:sp>
+        <p:nvSpPr>
+          <p:cNvPr id="35" name="Rectangle 34">
+            <a:extLst>
+              <a:ext uri="{FF2B5EF4-FFF2-40B4-BE49-F238E27FC236}">
+                <a16:creationId xmlns:a16="http://schemas.microsoft.com/office/drawing/2014/main" id="{E024A468-BDC7-470D-ACCC-ED68DF74C672}"/>
+              </a:ext>
+            </a:extLst>
+          </p:cNvPr>
+          <p:cNvSpPr/>
+          <p:nvPr/>
+        </p:nvSpPr>
+        <p:spPr>
+          <a:xfrm>
+            <a:off x="6269999" y="2346631"/>
+            <a:ext cx="1763111" cy="369332"/>
+          </a:xfrm>
+          <a:prstGeom prst="rect">
+            <a:avLst/>
+          </a:prstGeom>
+        </p:spPr>
+        <p:txBody>
+          <a:bodyPr wrap="none">
+            <a:spAutoFit/>
+          </a:bodyPr>
+          <a:lstStyle/>
+          <a:p>
+            <a:r>
+              <a:rPr lang="en-GB" dirty="0" err="1"/>
+              <a:t>normalized_data</a:t>
+            </a:r>
+            <a:endParaRPr lang="en-GB" dirty="0"/>
+          </a:p>
+        </p:txBody>
+      </p:sp>
+      <p:sp>
+        <p:nvSpPr>
+          <p:cNvPr id="36" name="Rectangle 35">
+            <a:extLst>
+              <a:ext uri="{FF2B5EF4-FFF2-40B4-BE49-F238E27FC236}">
+                <a16:creationId xmlns:a16="http://schemas.microsoft.com/office/drawing/2014/main" id="{5FDF90EA-2C36-4D43-98E8-F660778364B2}"/>
+              </a:ext>
+            </a:extLst>
+          </p:cNvPr>
+          <p:cNvSpPr/>
+          <p:nvPr/>
+        </p:nvSpPr>
+        <p:spPr>
+          <a:xfrm>
+            <a:off x="8722352" y="1959198"/>
+            <a:ext cx="2497479" cy="369332"/>
+          </a:xfrm>
+          <a:prstGeom prst="rect">
+            <a:avLst/>
+          </a:prstGeom>
+        </p:spPr>
+        <p:txBody>
+          <a:bodyPr wrap="none">
+            <a:spAutoFit/>
+          </a:bodyPr>
+          <a:lstStyle/>
+          <a:p>
+            <a:r>
+              <a:rPr lang="en-GB" dirty="0" err="1"/>
+              <a:t>normalizedDataPool_MS</a:t>
+            </a:r>
+            <a:endParaRPr lang="en-GB" dirty="0"/>
+          </a:p>
+        </p:txBody>
+      </p:sp>
+      <p:sp>
+        <p:nvSpPr>
+          <p:cNvPr id="37" name="Rectangle 36">
+            <a:extLst>
+              <a:ext uri="{FF2B5EF4-FFF2-40B4-BE49-F238E27FC236}">
+                <a16:creationId xmlns:a16="http://schemas.microsoft.com/office/drawing/2014/main" id="{97724B32-E01D-435A-8707-7473DA8DC67A}"/>
+              </a:ext>
+            </a:extLst>
+          </p:cNvPr>
+          <p:cNvSpPr/>
+          <p:nvPr/>
+        </p:nvSpPr>
+        <p:spPr>
+          <a:xfrm>
+            <a:off x="6269999" y="1959198"/>
+            <a:ext cx="2181495" cy="369332"/>
+          </a:xfrm>
+          <a:prstGeom prst="rect">
+            <a:avLst/>
+          </a:prstGeom>
+        </p:spPr>
+        <p:txBody>
+          <a:bodyPr wrap="none">
+            <a:spAutoFit/>
+          </a:bodyPr>
+          <a:lstStyle/>
+          <a:p>
+            <a:r>
+              <a:rPr lang="en-GB" dirty="0" err="1"/>
+              <a:t>normalized_data_MS</a:t>
+            </a:r>
+            <a:endParaRPr lang="en-GB" dirty="0"/>
+          </a:p>
+        </p:txBody>
+      </p:sp>
+      <p:sp>
+        <p:nvSpPr>
+          <p:cNvPr id="38" name="Rectangle 37">
+            <a:extLst>
+              <a:ext uri="{FF2B5EF4-FFF2-40B4-BE49-F238E27FC236}">
+                <a16:creationId xmlns:a16="http://schemas.microsoft.com/office/drawing/2014/main" id="{F1CBCD57-CEBE-43B0-815F-B7E534DD2EEC}"/>
+              </a:ext>
+            </a:extLst>
+          </p:cNvPr>
+          <p:cNvSpPr/>
+          <p:nvPr/>
+        </p:nvSpPr>
+        <p:spPr>
+          <a:xfrm>
+            <a:off x="6269999" y="3080293"/>
+            <a:ext cx="2023887" cy="369332"/>
+          </a:xfrm>
+          <a:prstGeom prst="rect">
+            <a:avLst/>
+          </a:prstGeom>
+        </p:spPr>
+        <p:txBody>
+          <a:bodyPr wrap="none">
+            <a:spAutoFit/>
+          </a:bodyPr>
+          <a:lstStyle/>
+          <a:p>
+            <a:r>
+              <a:rPr lang="en-GB" dirty="0" err="1"/>
+              <a:t>trainDataPoolAllLev</a:t>
+            </a:r>
+            <a:endParaRPr lang="en-GB" dirty="0"/>
+          </a:p>
+        </p:txBody>
+      </p:sp>
+      <p:sp>
+        <p:nvSpPr>
+          <p:cNvPr id="39" name="Rectangle 38">
+            <a:extLst>
+              <a:ext uri="{FF2B5EF4-FFF2-40B4-BE49-F238E27FC236}">
+                <a16:creationId xmlns:a16="http://schemas.microsoft.com/office/drawing/2014/main" id="{92AB5B2F-9682-495A-8BDC-228E786D3C8D}"/>
+              </a:ext>
+            </a:extLst>
+          </p:cNvPr>
+          <p:cNvSpPr/>
+          <p:nvPr/>
+        </p:nvSpPr>
+        <p:spPr>
+          <a:xfrm>
+            <a:off x="6269999" y="3429359"/>
+            <a:ext cx="1529650" cy="369332"/>
+          </a:xfrm>
+          <a:prstGeom prst="rect">
+            <a:avLst/>
+          </a:prstGeom>
+        </p:spPr>
+        <p:txBody>
+          <a:bodyPr wrap="none">
+            <a:spAutoFit/>
+          </a:bodyPr>
+          <a:lstStyle/>
+          <a:p>
+            <a:r>
+              <a:rPr lang="en-GB" dirty="0" err="1"/>
+              <a:t>testDataAllLev</a:t>
+            </a:r>
+            <a:endParaRPr lang="en-GB" dirty="0"/>
+          </a:p>
+        </p:txBody>
+      </p:sp>
+      <p:sp>
+        <p:nvSpPr>
+          <p:cNvPr id="40" name="Rectangle 39">
+            <a:extLst>
+              <a:ext uri="{FF2B5EF4-FFF2-40B4-BE49-F238E27FC236}">
+                <a16:creationId xmlns:a16="http://schemas.microsoft.com/office/drawing/2014/main" id="{6E154780-DDF0-4997-8707-7C6B9CD408EE}"/>
+              </a:ext>
+            </a:extLst>
+          </p:cNvPr>
+          <p:cNvSpPr/>
+          <p:nvPr/>
+        </p:nvSpPr>
+        <p:spPr>
+          <a:xfrm>
+            <a:off x="6296485" y="3846942"/>
+            <a:ext cx="1913024" cy="369332"/>
+          </a:xfrm>
+          <a:prstGeom prst="rect">
+            <a:avLst/>
+          </a:prstGeom>
+        </p:spPr>
+        <p:txBody>
+          <a:bodyPr wrap="none">
+            <a:spAutoFit/>
+          </a:bodyPr>
+          <a:lstStyle/>
+          <a:p>
+            <a:r>
+              <a:rPr lang="en-GB" dirty="0" err="1"/>
+              <a:t>validateDataAllLev</a:t>
+            </a:r>
+            <a:endParaRPr lang="en-GB" dirty="0"/>
+          </a:p>
+        </p:txBody>
+      </p:sp>
+      <p:sp>
+        <p:nvSpPr>
+          <p:cNvPr id="41" name="Rectangle 40">
+            <a:extLst>
+              <a:ext uri="{FF2B5EF4-FFF2-40B4-BE49-F238E27FC236}">
+                <a16:creationId xmlns:a16="http://schemas.microsoft.com/office/drawing/2014/main" id="{68F2C76D-DFA0-4B39-A281-B36E964660F2}"/>
+              </a:ext>
+            </a:extLst>
+          </p:cNvPr>
+          <p:cNvSpPr/>
+          <p:nvPr/>
+        </p:nvSpPr>
+        <p:spPr>
+          <a:xfrm>
+            <a:off x="8843931" y="3080293"/>
+            <a:ext cx="2326855" cy="369332"/>
+          </a:xfrm>
+          <a:prstGeom prst="rect">
+            <a:avLst/>
+          </a:prstGeom>
+        </p:spPr>
+        <p:txBody>
+          <a:bodyPr wrap="none">
+            <a:spAutoFit/>
+          </a:bodyPr>
+          <a:lstStyle/>
+          <a:p>
+            <a:r>
+              <a:rPr lang="en-GB" dirty="0" err="1"/>
+              <a:t>trainDataPoolAllLevMS</a:t>
+            </a:r>
+            <a:endParaRPr lang="en-GB" dirty="0"/>
+          </a:p>
+        </p:txBody>
+      </p:sp>
+      <p:sp>
+        <p:nvSpPr>
+          <p:cNvPr id="42" name="Rectangle 41">
+            <a:extLst>
+              <a:ext uri="{FF2B5EF4-FFF2-40B4-BE49-F238E27FC236}">
+                <a16:creationId xmlns:a16="http://schemas.microsoft.com/office/drawing/2014/main" id="{5836A4DC-5E1C-41F4-8D53-C106FBAEDB6E}"/>
+              </a:ext>
+            </a:extLst>
+          </p:cNvPr>
+          <p:cNvSpPr/>
+          <p:nvPr/>
+        </p:nvSpPr>
+        <p:spPr>
+          <a:xfrm>
+            <a:off x="8843931" y="3510682"/>
+            <a:ext cx="1832618" cy="369332"/>
+          </a:xfrm>
+          <a:prstGeom prst="rect">
+            <a:avLst/>
+          </a:prstGeom>
+        </p:spPr>
+        <p:txBody>
+          <a:bodyPr wrap="none">
+            <a:spAutoFit/>
+          </a:bodyPr>
+          <a:lstStyle/>
+          <a:p>
+            <a:r>
+              <a:rPr lang="en-GB" dirty="0" err="1"/>
+              <a:t>testDataAllLevMS</a:t>
+            </a:r>
+            <a:endParaRPr lang="en-GB" dirty="0"/>
+          </a:p>
+        </p:txBody>
+      </p:sp>
+      <p:sp>
+        <p:nvSpPr>
+          <p:cNvPr id="43" name="Rectangle 42">
+            <a:extLst>
+              <a:ext uri="{FF2B5EF4-FFF2-40B4-BE49-F238E27FC236}">
+                <a16:creationId xmlns:a16="http://schemas.microsoft.com/office/drawing/2014/main" id="{4EB6F9DC-B545-4F43-B4D6-80D62460CDB9}"/>
+              </a:ext>
+            </a:extLst>
+          </p:cNvPr>
+          <p:cNvSpPr/>
+          <p:nvPr/>
+        </p:nvSpPr>
+        <p:spPr>
+          <a:xfrm>
+            <a:off x="8847830" y="3947497"/>
+            <a:ext cx="2215991" cy="369332"/>
+          </a:xfrm>
+          <a:prstGeom prst="rect">
+            <a:avLst/>
+          </a:prstGeom>
+        </p:spPr>
+        <p:txBody>
+          <a:bodyPr wrap="none">
+            <a:spAutoFit/>
+          </a:bodyPr>
+          <a:lstStyle/>
+          <a:p>
+            <a:r>
+              <a:rPr lang="en-GB" dirty="0" err="1"/>
+              <a:t>validateDataAllLevMS</a:t>
+            </a:r>
+            <a:endParaRPr lang="en-GB" dirty="0"/>
+          </a:p>
+        </p:txBody>
+      </p:sp>
     </p:spTree>
     <p:extLst>
       <p:ext uri="{BB962C8B-B14F-4D97-AF65-F5344CB8AC3E}">
@@ -5257,7 +5605,7 @@
         </p:nvSpPr>
         <p:spPr>
           <a:xfrm>
-            <a:off x="7647722" y="4981362"/>
+            <a:off x="6923920" y="5191789"/>
             <a:ext cx="3535263" cy="923330"/>
           </a:xfrm>
           <a:prstGeom prst="rect">
@@ -5781,6 +6129,252 @@
           </a:p>
         </p:txBody>
       </p:sp>
+      <p:pic>
+        <p:nvPicPr>
+          <p:cNvPr id="6" name="Graphic 5" descr="Checkmark">
+            <a:extLst>
+              <a:ext uri="{FF2B5EF4-FFF2-40B4-BE49-F238E27FC236}">
+                <a16:creationId xmlns:a16="http://schemas.microsoft.com/office/drawing/2014/main" id="{A029F770-4102-4EA1-A9E2-44EBA75FB1BB}"/>
+              </a:ext>
+            </a:extLst>
+          </p:cNvPr>
+          <p:cNvPicPr>
+            <a:picLocks noChangeAspect="1"/>
+          </p:cNvPicPr>
+          <p:nvPr/>
+        </p:nvPicPr>
+        <p:blipFill>
+          <a:blip r:embed="rId5" cstate="print">
+            <a:extLst>
+              <a:ext uri="{28A0092B-C50C-407E-A947-70E740481C1C}">
+                <a14:useLocalDpi xmlns:a14="http://schemas.microsoft.com/office/drawing/2010/main" val="0"/>
+              </a:ext>
+              <a:ext uri="{96DAC541-7B7A-43D3-8B79-37D633B846F1}">
+                <asvg:svgBlip xmlns:asvg="http://schemas.microsoft.com/office/drawing/2016/SVG/main" r:embed="rId6"/>
+              </a:ext>
+            </a:extLst>
+          </a:blip>
+          <a:stretch>
+            <a:fillRect/>
+          </a:stretch>
+        </p:blipFill>
+        <p:spPr>
+          <a:xfrm>
+            <a:off x="4343400" y="3014325"/>
+            <a:ext cx="267681" cy="267681"/>
+          </a:xfrm>
+          <a:prstGeom prst="rect">
+            <a:avLst/>
+          </a:prstGeom>
+        </p:spPr>
+      </p:pic>
+      <p:pic>
+        <p:nvPicPr>
+          <p:cNvPr id="14" name="Graphic 13" descr="Checkmark">
+            <a:extLst>
+              <a:ext uri="{FF2B5EF4-FFF2-40B4-BE49-F238E27FC236}">
+                <a16:creationId xmlns:a16="http://schemas.microsoft.com/office/drawing/2014/main" id="{C52B204F-9401-4C6D-8A5C-F12262CEE50A}"/>
+              </a:ext>
+            </a:extLst>
+          </p:cNvPr>
+          <p:cNvPicPr>
+            <a:picLocks noChangeAspect="1"/>
+          </p:cNvPicPr>
+          <p:nvPr/>
+        </p:nvPicPr>
+        <p:blipFill>
+          <a:blip r:embed="rId5" cstate="print">
+            <a:extLst>
+              <a:ext uri="{28A0092B-C50C-407E-A947-70E740481C1C}">
+                <a14:useLocalDpi xmlns:a14="http://schemas.microsoft.com/office/drawing/2010/main" val="0"/>
+              </a:ext>
+              <a:ext uri="{96DAC541-7B7A-43D3-8B79-37D633B846F1}">
+                <asvg:svgBlip xmlns:asvg="http://schemas.microsoft.com/office/drawing/2016/SVG/main" r:embed="rId6"/>
+              </a:ext>
+            </a:extLst>
+          </a:blip>
+          <a:stretch>
+            <a:fillRect/>
+          </a:stretch>
+        </p:blipFill>
+        <p:spPr>
+          <a:xfrm>
+            <a:off x="5637575" y="3307524"/>
+            <a:ext cx="267681" cy="267681"/>
+          </a:xfrm>
+          <a:prstGeom prst="rect">
+            <a:avLst/>
+          </a:prstGeom>
+        </p:spPr>
+      </p:pic>
+      <p:pic>
+        <p:nvPicPr>
+          <p:cNvPr id="15" name="Graphic 14" descr="Checkmark">
+            <a:extLst>
+              <a:ext uri="{FF2B5EF4-FFF2-40B4-BE49-F238E27FC236}">
+                <a16:creationId xmlns:a16="http://schemas.microsoft.com/office/drawing/2014/main" id="{EF8E6B4B-CD08-481E-91D7-B56733E0830F}"/>
+              </a:ext>
+            </a:extLst>
+          </p:cNvPr>
+          <p:cNvPicPr>
+            <a:picLocks noChangeAspect="1"/>
+          </p:cNvPicPr>
+          <p:nvPr/>
+        </p:nvPicPr>
+        <p:blipFill>
+          <a:blip r:embed="rId5" cstate="print">
+            <a:extLst>
+              <a:ext uri="{28A0092B-C50C-407E-A947-70E740481C1C}">
+                <a14:useLocalDpi xmlns:a14="http://schemas.microsoft.com/office/drawing/2010/main" val="0"/>
+              </a:ext>
+              <a:ext uri="{96DAC541-7B7A-43D3-8B79-37D633B846F1}">
+                <asvg:svgBlip xmlns:asvg="http://schemas.microsoft.com/office/drawing/2016/SVG/main" r:embed="rId6"/>
+              </a:ext>
+            </a:extLst>
+          </a:blip>
+          <a:stretch>
+            <a:fillRect/>
+          </a:stretch>
+        </p:blipFill>
+        <p:spPr>
+          <a:xfrm>
+            <a:off x="10388745" y="5503171"/>
+            <a:ext cx="267681" cy="267681"/>
+          </a:xfrm>
+          <a:prstGeom prst="rect">
+            <a:avLst/>
+          </a:prstGeom>
+        </p:spPr>
+      </p:pic>
+      <p:sp>
+        <p:nvSpPr>
+          <p:cNvPr id="12" name="Rectangle 11">
+            <a:extLst>
+              <a:ext uri="{FF2B5EF4-FFF2-40B4-BE49-F238E27FC236}">
+                <a16:creationId xmlns:a16="http://schemas.microsoft.com/office/drawing/2014/main" id="{136D9663-2037-4924-B3CC-0AD9573D6981}"/>
+              </a:ext>
+            </a:extLst>
+          </p:cNvPr>
+          <p:cNvSpPr/>
+          <p:nvPr/>
+        </p:nvSpPr>
+        <p:spPr>
+          <a:xfrm>
+            <a:off x="5943600" y="3256699"/>
+            <a:ext cx="4361387" cy="369332"/>
+          </a:xfrm>
+          <a:prstGeom prst="rect">
+            <a:avLst/>
+          </a:prstGeom>
+        </p:spPr>
+        <p:txBody>
+          <a:bodyPr wrap="none">
+            <a:spAutoFit/>
+          </a:bodyPr>
+          <a:lstStyle/>
+          <a:p>
+            <a:pPr lvl="2"/>
+            <a:r>
+              <a:rPr lang="it-IT" dirty="0"/>
+              <a:t>M</a:t>
+            </a:r>
+            <a:r>
+              <a:rPr lang="en-GB" dirty="0" err="1"/>
+              <a:t>ulticlass</a:t>
+            </a:r>
+            <a:r>
+              <a:rPr lang="en-GB" dirty="0"/>
+              <a:t> Level </a:t>
+            </a:r>
+            <a:r>
+              <a:rPr lang="en-GB" dirty="0" err="1"/>
+              <a:t>Probabbility</a:t>
+            </a:r>
+            <a:r>
+              <a:rPr lang="en-GB" dirty="0"/>
+              <a:t> MCLP</a:t>
+            </a:r>
+          </a:p>
+        </p:txBody>
+      </p:sp>
+      <p:pic>
+        <p:nvPicPr>
+          <p:cNvPr id="17" name="Graphic 16" descr="Add">
+            <a:extLst>
+              <a:ext uri="{FF2B5EF4-FFF2-40B4-BE49-F238E27FC236}">
+                <a16:creationId xmlns:a16="http://schemas.microsoft.com/office/drawing/2014/main" id="{EFDBB9F1-996C-4B4E-8779-E71C42757DF6}"/>
+              </a:ext>
+            </a:extLst>
+          </p:cNvPr>
+          <p:cNvPicPr>
+            <a:picLocks noChangeAspect="1"/>
+          </p:cNvPicPr>
+          <p:nvPr/>
+        </p:nvPicPr>
+        <p:blipFill>
+          <a:blip r:embed="rId7" cstate="print">
+            <a:extLst>
+              <a:ext uri="{28A0092B-C50C-407E-A947-70E740481C1C}">
+                <a14:useLocalDpi xmlns:a14="http://schemas.microsoft.com/office/drawing/2010/main" val="0"/>
+              </a:ext>
+              <a:ext uri="{96DAC541-7B7A-43D3-8B79-37D633B846F1}">
+                <asvg:svgBlip xmlns:asvg="http://schemas.microsoft.com/office/drawing/2016/SVG/main" r:embed="rId8"/>
+              </a:ext>
+            </a:extLst>
+          </a:blip>
+          <a:stretch>
+            <a:fillRect/>
+          </a:stretch>
+        </p:blipFill>
+        <p:spPr>
+          <a:xfrm>
+            <a:off x="6229840" y="3272226"/>
+            <a:ext cx="338275" cy="338275"/>
+          </a:xfrm>
+          <a:prstGeom prst="rect">
+            <a:avLst/>
+          </a:prstGeom>
+        </p:spPr>
+      </p:pic>
+      <p:pic>
+        <p:nvPicPr>
+          <p:cNvPr id="18" name="Graphic 17" descr="Checkmark">
+            <a:extLst>
+              <a:ext uri="{FF2B5EF4-FFF2-40B4-BE49-F238E27FC236}">
+                <a16:creationId xmlns:a16="http://schemas.microsoft.com/office/drawing/2014/main" id="{250C7AAE-68E4-4474-BCA6-267296DA96BC}"/>
+              </a:ext>
+            </a:extLst>
+          </p:cNvPr>
+          <p:cNvPicPr>
+            <a:picLocks noChangeAspect="1"/>
+          </p:cNvPicPr>
+          <p:nvPr/>
+        </p:nvPicPr>
+        <p:blipFill>
+          <a:blip r:embed="rId5" cstate="print">
+            <a:extLst>
+              <a:ext uri="{28A0092B-C50C-407E-A947-70E740481C1C}">
+                <a14:useLocalDpi xmlns:a14="http://schemas.microsoft.com/office/drawing/2010/main" val="0"/>
+              </a:ext>
+              <a:ext uri="{96DAC541-7B7A-43D3-8B79-37D633B846F1}">
+                <asvg:svgBlip xmlns:asvg="http://schemas.microsoft.com/office/drawing/2016/SVG/main" r:embed="rId6"/>
+              </a:ext>
+            </a:extLst>
+          </a:blip>
+          <a:stretch>
+            <a:fillRect/>
+          </a:stretch>
+        </p:blipFill>
+        <p:spPr>
+          <a:xfrm>
+            <a:off x="10286999" y="3282006"/>
+            <a:ext cx="267681" cy="267681"/>
+          </a:xfrm>
+          <a:prstGeom prst="rect">
+            <a:avLst/>
+          </a:prstGeom>
+        </p:spPr>
+      </p:pic>
     </p:spTree>
     <p:extLst>
       <p:ext uri="{BB962C8B-B14F-4D97-AF65-F5344CB8AC3E}">
@@ -5795,6 +6389,631 @@
 </file>
 
 <file path=ppt/slides/slide7.xml><?xml version="1.0" encoding="utf-8"?>
+<p:sld xmlns:a="http://schemas.openxmlformats.org/drawingml/2006/main" xmlns:r="http://schemas.openxmlformats.org/officeDocument/2006/relationships" xmlns:p="http://schemas.openxmlformats.org/presentationml/2006/main" showMasterSp="0">
+  <p:cSld>
+    <p:spTree>
+      <p:nvGrpSpPr>
+        <p:cNvPr id="1" name=""/>
+        <p:cNvGrpSpPr/>
+        <p:nvPr/>
+      </p:nvGrpSpPr>
+      <p:grpSpPr>
+        <a:xfrm>
+          <a:off x="0" y="0"/>
+          <a:ext cx="0" cy="0"/>
+          <a:chOff x="0" y="0"/>
+          <a:chExt cx="0" cy="0"/>
+        </a:xfrm>
+      </p:grpSpPr>
+      <p:grpSp>
+        <p:nvGrpSpPr>
+          <p:cNvPr id="9" name="object 5">
+            <a:extLst>
+              <a:ext uri="{FF2B5EF4-FFF2-40B4-BE49-F238E27FC236}">
+                <a16:creationId xmlns:a16="http://schemas.microsoft.com/office/drawing/2014/main" id="{EB6038DE-F9D1-4516-9F33-118AC02DBD97}"/>
+              </a:ext>
+            </a:extLst>
+          </p:cNvPr>
+          <p:cNvGrpSpPr/>
+          <p:nvPr/>
+        </p:nvGrpSpPr>
+        <p:grpSpPr>
+          <a:xfrm>
+            <a:off x="0" y="6230111"/>
+            <a:ext cx="12192000" cy="628015"/>
+            <a:chOff x="0" y="6230111"/>
+            <a:chExt cx="12192000" cy="628015"/>
+          </a:xfrm>
+        </p:grpSpPr>
+        <p:sp>
+          <p:nvSpPr>
+            <p:cNvPr id="10" name="object 6">
+              <a:extLst>
+                <a:ext uri="{FF2B5EF4-FFF2-40B4-BE49-F238E27FC236}">
+                  <a16:creationId xmlns:a16="http://schemas.microsoft.com/office/drawing/2014/main" id="{05BF0CA7-83B6-449B-AA0A-E2302D4779A5}"/>
+                </a:ext>
+              </a:extLst>
+            </p:cNvPr>
+            <p:cNvSpPr/>
+            <p:nvPr/>
+          </p:nvSpPr>
+          <p:spPr>
+            <a:xfrm>
+              <a:off x="0" y="6230111"/>
+              <a:ext cx="12192000" cy="628015"/>
+            </a:xfrm>
+            <a:custGeom>
+              <a:avLst/>
+              <a:gdLst/>
+              <a:ahLst/>
+              <a:cxnLst/>
+              <a:rect l="l" t="t" r="r" b="b"/>
+              <a:pathLst>
+                <a:path w="12192000" h="628015">
+                  <a:moveTo>
+                    <a:pt x="12192000" y="0"/>
+                  </a:moveTo>
+                  <a:lnTo>
+                    <a:pt x="0" y="0"/>
+                  </a:lnTo>
+                  <a:lnTo>
+                    <a:pt x="0" y="627886"/>
+                  </a:lnTo>
+                  <a:lnTo>
+                    <a:pt x="12192000" y="627886"/>
+                  </a:lnTo>
+                  <a:lnTo>
+                    <a:pt x="12192000" y="0"/>
+                  </a:lnTo>
+                  <a:close/>
+                </a:path>
+              </a:pathLst>
+            </a:custGeom>
+            <a:solidFill>
+              <a:srgbClr val="718FA4"/>
+            </a:solidFill>
+          </p:spPr>
+          <p:txBody>
+            <a:bodyPr wrap="square" lIns="0" tIns="0" rIns="0" bIns="0" rtlCol="0"/>
+            <a:lstStyle/>
+            <a:p>
+              <a:endParaRPr/>
+            </a:p>
+          </p:txBody>
+        </p:sp>
+        <p:pic>
+          <p:nvPicPr>
+            <p:cNvPr id="11" name="object 7">
+              <a:extLst>
+                <a:ext uri="{FF2B5EF4-FFF2-40B4-BE49-F238E27FC236}">
+                  <a16:creationId xmlns:a16="http://schemas.microsoft.com/office/drawing/2014/main" id="{C69EB078-1A55-43F6-AB67-FC18B8773B5F}"/>
+                </a:ext>
+              </a:extLst>
+            </p:cNvPr>
+            <p:cNvPicPr/>
+            <p:nvPr/>
+          </p:nvPicPr>
+          <p:blipFill>
+            <a:blip r:embed="rId2" cstate="print"/>
+            <a:stretch>
+              <a:fillRect/>
+            </a:stretch>
+          </p:blipFill>
+          <p:spPr>
+            <a:xfrm>
+              <a:off x="381000" y="6262115"/>
+              <a:ext cx="3038855" cy="573022"/>
+            </a:xfrm>
+            <a:prstGeom prst="rect">
+              <a:avLst/>
+            </a:prstGeom>
+          </p:spPr>
+        </p:pic>
+      </p:grpSp>
+      <p:sp>
+        <p:nvSpPr>
+          <p:cNvPr id="2" name="TextBox 1">
+            <a:extLst>
+              <a:ext uri="{FF2B5EF4-FFF2-40B4-BE49-F238E27FC236}">
+                <a16:creationId xmlns:a16="http://schemas.microsoft.com/office/drawing/2014/main" id="{EE3A0654-5DB1-47E8-86CA-FEF40CCE84EB}"/>
+              </a:ext>
+            </a:extLst>
+          </p:cNvPr>
+          <p:cNvSpPr txBox="1"/>
+          <p:nvPr/>
+        </p:nvSpPr>
+        <p:spPr>
+          <a:xfrm>
+            <a:off x="914400" y="1066800"/>
+            <a:ext cx="6941003" cy="2862322"/>
+          </a:xfrm>
+          <a:prstGeom prst="rect">
+            <a:avLst/>
+          </a:prstGeom>
+          <a:noFill/>
+        </p:spPr>
+        <p:txBody>
+          <a:bodyPr wrap="none" rtlCol="0">
+            <a:spAutoFit/>
+          </a:bodyPr>
+          <a:lstStyle/>
+          <a:p>
+            <a:pPr marL="285750" indent="-285750">
+              <a:buFont typeface="Arial" panose="020B0604020202020204" pitchFamily="34" charset="0"/>
+              <a:buChar char="•"/>
+            </a:pPr>
+            <a:r>
+              <a:rPr lang="it-IT" dirty="0"/>
+              <a:t>Multiple </a:t>
+            </a:r>
+            <a:r>
+              <a:rPr lang="it-IT" dirty="0" err="1"/>
+              <a:t>cores</a:t>
+            </a:r>
+            <a:r>
+              <a:rPr lang="it-IT" dirty="0"/>
+              <a:t> for </a:t>
+            </a:r>
+            <a:r>
+              <a:rPr lang="it-IT" dirty="0" err="1"/>
+              <a:t>parallel</a:t>
+            </a:r>
+            <a:r>
+              <a:rPr lang="it-IT" dirty="0"/>
+              <a:t> computing -&gt; </a:t>
+            </a:r>
+            <a:r>
+              <a:rPr lang="it-IT" dirty="0" err="1"/>
+              <a:t>foreach</a:t>
+            </a:r>
+            <a:r>
+              <a:rPr lang="it-IT" dirty="0"/>
+              <a:t> &amp; </a:t>
+            </a:r>
+            <a:r>
+              <a:rPr lang="it-IT" dirty="0" err="1"/>
+              <a:t>doParallel</a:t>
+            </a:r>
+            <a:r>
+              <a:rPr lang="it-IT" dirty="0"/>
+              <a:t> </a:t>
+            </a:r>
+            <a:r>
+              <a:rPr lang="it-IT" dirty="0" err="1"/>
+              <a:t>libraries</a:t>
+            </a:r>
+            <a:endParaRPr lang="it-IT" dirty="0"/>
+          </a:p>
+          <a:p>
+            <a:pPr marL="285750" indent="-285750">
+              <a:buFont typeface="Arial" panose="020B0604020202020204" pitchFamily="34" charset="0"/>
+              <a:buChar char="•"/>
+            </a:pPr>
+            <a:r>
+              <a:rPr lang="it-IT" dirty="0"/>
+              <a:t>Save </a:t>
+            </a:r>
+            <a:r>
+              <a:rPr lang="it-IT" dirty="0" err="1"/>
+              <a:t>trained</a:t>
+            </a:r>
+            <a:r>
+              <a:rPr lang="it-IT" dirty="0"/>
+              <a:t> </a:t>
+            </a:r>
+            <a:r>
+              <a:rPr lang="it-IT" dirty="0" err="1"/>
+              <a:t>models</a:t>
+            </a:r>
+            <a:endParaRPr lang="it-IT" dirty="0"/>
+          </a:p>
+          <a:p>
+            <a:pPr marL="285750" indent="-285750">
+              <a:buFont typeface="Arial" panose="020B0604020202020204" pitchFamily="34" charset="0"/>
+              <a:buChar char="•"/>
+            </a:pPr>
+            <a:r>
+              <a:rPr lang="it-IT" dirty="0" err="1"/>
+              <a:t>Add</a:t>
+            </a:r>
+            <a:r>
+              <a:rPr lang="it-IT" dirty="0"/>
+              <a:t> class </a:t>
+            </a:r>
+            <a:r>
+              <a:rPr lang="it-IT" dirty="0" err="1"/>
+              <a:t>probability</a:t>
+            </a:r>
+            <a:endParaRPr lang="it-IT" dirty="0"/>
+          </a:p>
+          <a:p>
+            <a:pPr marL="285750" indent="-285750">
+              <a:buFont typeface="Arial" panose="020B0604020202020204" pitchFamily="34" charset="0"/>
+              <a:buChar char="•"/>
+            </a:pPr>
+            <a:r>
+              <a:rPr lang="it-IT" dirty="0"/>
+              <a:t>From </a:t>
+            </a:r>
+            <a:r>
+              <a:rPr lang="it-IT" dirty="0" err="1"/>
+              <a:t>euclidean</a:t>
+            </a:r>
+            <a:r>
+              <a:rPr lang="it-IT" dirty="0"/>
+              <a:t> </a:t>
+            </a:r>
+            <a:r>
+              <a:rPr lang="it-IT" dirty="0" err="1"/>
+              <a:t>distance</a:t>
+            </a:r>
+            <a:r>
+              <a:rPr lang="it-IT" dirty="0"/>
+              <a:t> to kernel </a:t>
+            </a:r>
+            <a:r>
+              <a:rPr lang="it-IT" dirty="0" err="1"/>
+              <a:t>distance</a:t>
+            </a:r>
+            <a:r>
+              <a:rPr lang="it-IT" dirty="0"/>
+              <a:t> </a:t>
+            </a:r>
+            <a:r>
+              <a:rPr lang="it-IT" dirty="0" err="1"/>
+              <a:t>function</a:t>
+            </a:r>
+            <a:endParaRPr lang="it-IT" dirty="0"/>
+          </a:p>
+          <a:p>
+            <a:pPr marL="742950" lvl="1" indent="-285750">
+              <a:buFont typeface="Arial" panose="020B0604020202020204" pitchFamily="34" charset="0"/>
+              <a:buChar char="•"/>
+            </a:pPr>
+            <a:r>
+              <a:rPr lang="it-IT" dirty="0"/>
+              <a:t>RBF kernel </a:t>
+            </a:r>
+            <a:r>
+              <a:rPr lang="it-IT" dirty="0" err="1"/>
+              <a:t>function</a:t>
+            </a:r>
+            <a:r>
+              <a:rPr lang="it-IT" dirty="0"/>
+              <a:t> </a:t>
+            </a:r>
+            <a:r>
+              <a:rPr lang="it-IT" dirty="0" err="1"/>
+              <a:t>implementation</a:t>
+            </a:r>
+            <a:endParaRPr lang="it-IT" dirty="0"/>
+          </a:p>
+          <a:p>
+            <a:pPr marL="285750" indent="-285750">
+              <a:buFont typeface="Arial" panose="020B0604020202020204" pitchFamily="34" charset="0"/>
+              <a:buChar char="•"/>
+            </a:pPr>
+            <a:r>
+              <a:rPr lang="it-IT" dirty="0" err="1"/>
+              <a:t>Adapt</a:t>
+            </a:r>
+            <a:r>
+              <a:rPr lang="it-IT" dirty="0"/>
+              <a:t> </a:t>
+            </a:r>
+            <a:r>
+              <a:rPr lang="it-IT" dirty="0" err="1"/>
+              <a:t>pred_one</a:t>
+            </a:r>
+            <a:r>
+              <a:rPr lang="it-IT" dirty="0"/>
+              <a:t> </a:t>
+            </a:r>
+            <a:r>
+              <a:rPr lang="it-IT" dirty="0" err="1"/>
+              <a:t>function</a:t>
+            </a:r>
+            <a:r>
+              <a:rPr lang="it-IT" dirty="0"/>
+              <a:t> to different class </a:t>
+            </a:r>
+            <a:r>
+              <a:rPr lang="it-IT" dirty="0" err="1"/>
+              <a:t>label</a:t>
+            </a:r>
+            <a:r>
+              <a:rPr lang="it-IT" dirty="0"/>
+              <a:t> </a:t>
+            </a:r>
+            <a:r>
+              <a:rPr lang="it-IT" dirty="0" err="1"/>
+              <a:t>distance</a:t>
+            </a:r>
+            <a:r>
+              <a:rPr lang="it-IT" dirty="0"/>
+              <a:t> </a:t>
+            </a:r>
+          </a:p>
+          <a:p>
+            <a:pPr marL="285750" indent="-285750">
+              <a:buFont typeface="Arial" panose="020B0604020202020204" pitchFamily="34" charset="0"/>
+              <a:buChar char="•"/>
+            </a:pPr>
+            <a:r>
+              <a:rPr lang="it-IT" dirty="0" err="1"/>
+              <a:t>Marging</a:t>
+            </a:r>
+            <a:r>
+              <a:rPr lang="it-IT" dirty="0"/>
+              <a:t> </a:t>
+            </a:r>
+            <a:r>
+              <a:rPr lang="it-IT" dirty="0" err="1"/>
+              <a:t>sampling</a:t>
+            </a:r>
+            <a:r>
+              <a:rPr lang="it-IT" dirty="0"/>
+              <a:t> (MULTICORE)</a:t>
+            </a:r>
+          </a:p>
+          <a:p>
+            <a:pPr marL="285750" indent="-285750">
+              <a:buFont typeface="Arial" panose="020B0604020202020204" pitchFamily="34" charset="0"/>
+              <a:buChar char="•"/>
+            </a:pPr>
+            <a:r>
+              <a:rPr lang="it-IT" dirty="0"/>
+              <a:t>MCLU </a:t>
+            </a:r>
+            <a:r>
+              <a:rPr lang="it-IT" dirty="0" err="1"/>
+              <a:t>sampling</a:t>
+            </a:r>
+            <a:r>
+              <a:rPr lang="it-IT" dirty="0"/>
+              <a:t> (MULTICORE)</a:t>
+            </a:r>
+          </a:p>
+          <a:p>
+            <a:pPr marL="285750" indent="-285750">
+              <a:buFont typeface="Arial" panose="020B0604020202020204" pitchFamily="34" charset="0"/>
+              <a:buChar char="•"/>
+            </a:pPr>
+            <a:r>
+              <a:rPr lang="it-IT" dirty="0" err="1"/>
+              <a:t>Uncertainty</a:t>
+            </a:r>
+            <a:r>
+              <a:rPr lang="it-IT" dirty="0"/>
+              <a:t> </a:t>
+            </a:r>
+            <a:r>
+              <a:rPr lang="it-IT" dirty="0" err="1"/>
+              <a:t>distance</a:t>
+            </a:r>
+            <a:r>
+              <a:rPr lang="it-IT" dirty="0"/>
+              <a:t> (MULTICORE)</a:t>
+            </a:r>
+          </a:p>
+          <a:p>
+            <a:pPr marL="285750" indent="-285750">
+              <a:buFont typeface="Arial" panose="020B0604020202020204" pitchFamily="34" charset="0"/>
+              <a:buChar char="•"/>
+            </a:pPr>
+            <a:r>
+              <a:rPr lang="it-IT" dirty="0"/>
+              <a:t>MCLP </a:t>
+            </a:r>
+            <a:r>
+              <a:rPr lang="it-IT" dirty="0" err="1"/>
+              <a:t>sampling</a:t>
+            </a:r>
+            <a:r>
+              <a:rPr lang="it-IT" dirty="0"/>
+              <a:t> (MULTICORE)</a:t>
+            </a:r>
+          </a:p>
+        </p:txBody>
+      </p:sp>
+      <p:sp>
+        <p:nvSpPr>
+          <p:cNvPr id="7" name="Rectangle 6">
+            <a:extLst>
+              <a:ext uri="{FF2B5EF4-FFF2-40B4-BE49-F238E27FC236}">
+                <a16:creationId xmlns:a16="http://schemas.microsoft.com/office/drawing/2014/main" id="{AC66D211-AAF4-4661-818A-BC4D70F45A60}"/>
+              </a:ext>
+            </a:extLst>
+          </p:cNvPr>
+          <p:cNvSpPr/>
+          <p:nvPr/>
+        </p:nvSpPr>
+        <p:spPr>
+          <a:xfrm>
+            <a:off x="5463455" y="137480"/>
+            <a:ext cx="1265090" cy="369332"/>
+          </a:xfrm>
+          <a:prstGeom prst="rect">
+            <a:avLst/>
+          </a:prstGeom>
+        </p:spPr>
+        <p:txBody>
+          <a:bodyPr wrap="none">
+            <a:spAutoFit/>
+          </a:bodyPr>
+          <a:lstStyle/>
+          <a:p>
+            <a:r>
+              <a:rPr lang="it-IT" spc="-5" dirty="0" err="1">
+                <a:solidFill>
+                  <a:srgbClr val="FFFFFF"/>
+                </a:solidFill>
+                <a:effectLst>
+                  <a:glow rad="101600">
+                    <a:schemeClr val="tx1">
+                      <a:alpha val="60000"/>
+                    </a:schemeClr>
+                  </a:glow>
+                </a:effectLst>
+                <a:latin typeface="Microsoft Sans Serif"/>
+                <a:cs typeface="Microsoft Sans Serif"/>
+              </a:rPr>
+              <a:t>Next</a:t>
+            </a:r>
+            <a:r>
+              <a:rPr lang="it-IT" spc="-5" dirty="0">
+                <a:solidFill>
+                  <a:srgbClr val="FFFFFF"/>
+                </a:solidFill>
+                <a:effectLst>
+                  <a:glow rad="101600">
+                    <a:schemeClr val="tx1">
+                      <a:alpha val="60000"/>
+                    </a:schemeClr>
+                  </a:glow>
+                </a:effectLst>
+                <a:latin typeface="Microsoft Sans Serif"/>
+                <a:cs typeface="Microsoft Sans Serif"/>
+              </a:rPr>
+              <a:t> steps</a:t>
+            </a:r>
+            <a:endParaRPr lang="en-GB" dirty="0">
+              <a:effectLst>
+                <a:glow rad="101600">
+                  <a:schemeClr val="tx1">
+                    <a:alpha val="60000"/>
+                  </a:schemeClr>
+                </a:glow>
+              </a:effectLst>
+            </a:endParaRPr>
+          </a:p>
+        </p:txBody>
+      </p:sp>
+      <p:pic>
+        <p:nvPicPr>
+          <p:cNvPr id="8" name="Picture 7">
+            <a:extLst>
+              <a:ext uri="{FF2B5EF4-FFF2-40B4-BE49-F238E27FC236}">
+                <a16:creationId xmlns:a16="http://schemas.microsoft.com/office/drawing/2014/main" id="{7129177D-28AF-42B9-AD3F-30783F81E2B0}"/>
+              </a:ext>
+            </a:extLst>
+          </p:cNvPr>
+          <p:cNvPicPr>
+            <a:picLocks noChangeAspect="1"/>
+          </p:cNvPicPr>
+          <p:nvPr/>
+        </p:nvPicPr>
+        <p:blipFill>
+          <a:blip r:embed="rId3" cstate="print">
+            <a:extLst>
+              <a:ext uri="{28A0092B-C50C-407E-A947-70E740481C1C}">
+                <a14:useLocalDpi xmlns:a14="http://schemas.microsoft.com/office/drawing/2010/main" val="0"/>
+              </a:ext>
+            </a:extLst>
+          </a:blip>
+          <a:stretch>
+            <a:fillRect/>
+          </a:stretch>
+        </p:blipFill>
+        <p:spPr>
+          <a:xfrm>
+            <a:off x="11277600" y="6269054"/>
+            <a:ext cx="550128" cy="550128"/>
+          </a:xfrm>
+          <a:prstGeom prst="rect">
+            <a:avLst/>
+          </a:prstGeom>
+        </p:spPr>
+      </p:pic>
+      <p:pic>
+        <p:nvPicPr>
+          <p:cNvPr id="13" name="Picture 12">
+            <a:extLst>
+              <a:ext uri="{FF2B5EF4-FFF2-40B4-BE49-F238E27FC236}">
+                <a16:creationId xmlns:a16="http://schemas.microsoft.com/office/drawing/2014/main" id="{3456ADC5-2793-4FE5-8017-FD10394D5975}"/>
+              </a:ext>
+            </a:extLst>
+          </p:cNvPr>
+          <p:cNvPicPr>
+            <a:picLocks noChangeAspect="1"/>
+          </p:cNvPicPr>
+          <p:nvPr/>
+        </p:nvPicPr>
+        <p:blipFill>
+          <a:blip r:embed="rId4" cstate="print">
+            <a:extLst>
+              <a:ext uri="{28A0092B-C50C-407E-A947-70E740481C1C}">
+                <a14:useLocalDpi xmlns:a14="http://schemas.microsoft.com/office/drawing/2010/main" val="0"/>
+              </a:ext>
+            </a:extLst>
+          </a:blip>
+          <a:stretch>
+            <a:fillRect/>
+          </a:stretch>
+        </p:blipFill>
+        <p:spPr>
+          <a:xfrm>
+            <a:off x="11182985" y="6230111"/>
+            <a:ext cx="628015" cy="628015"/>
+          </a:xfrm>
+          <a:prstGeom prst="rect">
+            <a:avLst/>
+          </a:prstGeom>
+        </p:spPr>
+      </p:pic>
+      <p:pic>
+        <p:nvPicPr>
+          <p:cNvPr id="15" name="Graphic 14" descr="Checkmark">
+            <a:extLst>
+              <a:ext uri="{FF2B5EF4-FFF2-40B4-BE49-F238E27FC236}">
+                <a16:creationId xmlns:a16="http://schemas.microsoft.com/office/drawing/2014/main" id="{EF8E6B4B-CD08-481E-91D7-B56733E0830F}"/>
+              </a:ext>
+            </a:extLst>
+          </p:cNvPr>
+          <p:cNvPicPr>
+            <a:picLocks noChangeAspect="1"/>
+          </p:cNvPicPr>
+          <p:nvPr/>
+        </p:nvPicPr>
+        <p:blipFill>
+          <a:blip r:embed="rId5" cstate="print">
+            <a:extLst>
+              <a:ext uri="{28A0092B-C50C-407E-A947-70E740481C1C}">
+                <a14:useLocalDpi xmlns:a14="http://schemas.microsoft.com/office/drawing/2010/main" val="0"/>
+              </a:ext>
+              <a:ext uri="{96DAC541-7B7A-43D3-8B79-37D633B846F1}">
+                <asvg:svgBlip xmlns:asvg="http://schemas.microsoft.com/office/drawing/2016/SVG/main" r:embed="rId6"/>
+              </a:ext>
+            </a:extLst>
+          </a:blip>
+          <a:stretch>
+            <a:fillRect/>
+          </a:stretch>
+        </p:blipFill>
+        <p:spPr>
+          <a:xfrm>
+            <a:off x="10388745" y="5503171"/>
+            <a:ext cx="267681" cy="267681"/>
+          </a:xfrm>
+          <a:prstGeom prst="rect">
+            <a:avLst/>
+          </a:prstGeom>
+        </p:spPr>
+      </p:pic>
+    </p:spTree>
+    <p:extLst>
+      <p:ext uri="{BB962C8B-B14F-4D97-AF65-F5344CB8AC3E}">
+        <p14:creationId xmlns:p14="http://schemas.microsoft.com/office/powerpoint/2010/main" val="2623550191"/>
+      </p:ext>
+    </p:extLst>
+  </p:cSld>
+  <p:clrMapOvr>
+    <a:masterClrMapping/>
+  </p:clrMapOvr>
+</p:sld>
+</file>
+
+<file path=ppt/slides/slide8.xml><?xml version="1.0" encoding="utf-8"?>
 <p:sld xmlns:a="http://schemas.openxmlformats.org/drawingml/2006/main" xmlns:r="http://schemas.openxmlformats.org/officeDocument/2006/relationships" xmlns:p="http://schemas.openxmlformats.org/presentationml/2006/main" showMasterSp="0">
   <p:cSld>
     <p:spTree>
@@ -7119,6 +8338,15 @@
 </file>
 
 <file path=customXml/item1.xml><?xml version="1.0" encoding="utf-8"?>
+<?mso-contentType ?>
+<FormTemplates xmlns="http://schemas.microsoft.com/sharepoint/v3/contenttype/forms">
+  <Display>DocumentLibraryForm</Display>
+  <Edit>DocumentLibraryForm</Edit>
+  <New>DocumentLibraryForm</New>
+</FormTemplates>
+</file>
+
+<file path=customXml/item2.xml><?xml version="1.0" encoding="utf-8"?>
 <ct:contentTypeSchema xmlns:ct="http://schemas.microsoft.com/office/2006/metadata/contentType" xmlns:ma="http://schemas.microsoft.com/office/2006/metadata/properties/metaAttributes" ct:_="" ma:_="" ma:contentTypeName="Documento" ma:contentTypeID="0x01010010841625E9231845AE0E6B129DAD585F" ma:contentTypeVersion="14" ma:contentTypeDescription="Creare un nuovo documento." ma:contentTypeScope="" ma:versionID="adf50d05938a50fd5065660052e1beff">
   <xsd:schema xmlns:xsd="http://www.w3.org/2001/XMLSchema" xmlns:xs="http://www.w3.org/2001/XMLSchema" xmlns:p="http://schemas.microsoft.com/office/2006/metadata/properties" xmlns:ns3="c9eab120-891d-4e75-bbb7-983661d36c9c" xmlns:ns4="2cbdb79f-05cb-4beb-bf79-a6aafc29ddd5" targetNamespace="http://schemas.microsoft.com/office/2006/metadata/properties" ma:root="true" ma:fieldsID="b902866bf818cdea5f3ce01fe2127e05" ns3:_="" ns4:_="">
     <xsd:import namespace="c9eab120-891d-4e75-bbb7-983661d36c9c"/>
@@ -7347,7 +8575,7 @@
 </ct:contentTypeSchema>
 </file>
 
-<file path=customXml/item2.xml><?xml version="1.0" encoding="utf-8"?>
+<file path=customXml/item3.xml><?xml version="1.0" encoding="utf-8"?>
 <p:properties xmlns:p="http://schemas.microsoft.com/office/2006/metadata/properties" xmlns:xsi="http://www.w3.org/2001/XMLSchema-instance" xmlns:pc="http://schemas.microsoft.com/office/infopath/2007/PartnerControls">
   <documentManagement>
     <_activity xmlns="c9eab120-891d-4e75-bbb7-983661d36c9c" xsi:nil="true"/>
@@ -7355,16 +8583,15 @@
 </p:properties>
 </file>
 
-<file path=customXml/item3.xml><?xml version="1.0" encoding="utf-8"?>
-<?mso-contentType ?>
-<FormTemplates xmlns="http://schemas.microsoft.com/sharepoint/v3/contenttype/forms">
-  <Display>DocumentLibraryForm</Display>
-  <Edit>DocumentLibraryForm</Edit>
-  <New>DocumentLibraryForm</New>
-</FormTemplates>
+<file path=customXml/itemProps1.xml><?xml version="1.0" encoding="utf-8"?>
+<ds:datastoreItem xmlns:ds="http://schemas.openxmlformats.org/officeDocument/2006/customXml" ds:itemID="{29D72105-E419-4657-8EC8-6C73137ECF2E}">
+  <ds:schemaRefs>
+    <ds:schemaRef ds:uri="http://schemas.microsoft.com/sharepoint/v3/contenttype/forms"/>
+  </ds:schemaRefs>
+</ds:datastoreItem>
 </file>
 
-<file path=customXml/itemProps1.xml><?xml version="1.0" encoding="utf-8"?>
+<file path=customXml/itemProps2.xml><?xml version="1.0" encoding="utf-8"?>
 <ds:datastoreItem xmlns:ds="http://schemas.openxmlformats.org/officeDocument/2006/customXml" ds:itemID="{FAABA9B0-793B-4B58-8B9B-EDA17520EC7F}">
   <ds:schemaRefs>
     <ds:schemaRef ds:uri="http://schemas.microsoft.com/office/2006/metadata/contentType"/>
@@ -7383,7 +8610,7 @@
 </ds:datastoreItem>
 </file>
 
-<file path=customXml/itemProps2.xml><?xml version="1.0" encoding="utf-8"?>
+<file path=customXml/itemProps3.xml><?xml version="1.0" encoding="utf-8"?>
 <ds:datastoreItem xmlns:ds="http://schemas.openxmlformats.org/officeDocument/2006/customXml" ds:itemID="{0935546A-FCFF-49CF-A534-6766F9A5EAFB}">
   <ds:schemaRefs>
     <ds:schemaRef ds:uri="http://schemas.openxmlformats.org/package/2006/metadata/core-properties"/>
@@ -7398,12 +8625,4 @@
     <ds:schemaRef ds:uri="http://purl.org/dc/dcmitype/"/>
   </ds:schemaRefs>
 </ds:datastoreItem>
-</file>
-
-<file path=customXml/itemProps3.xml><?xml version="1.0" encoding="utf-8"?>
-<ds:datastoreItem xmlns:ds="http://schemas.openxmlformats.org/officeDocument/2006/customXml" ds:itemID="{29D72105-E419-4657-8EC8-6C73137ECF2E}">
-  <ds:schemaRefs>
-    <ds:schemaRef ds:uri="http://schemas.microsoft.com/sharepoint/v3/contenttype/forms"/>
-  </ds:schemaRefs>
-</ds:datastoreItem>
 </file>
--- a/presentation_CARLASSARA_10601118.pptx
+++ b/presentation_CARLASSARA_10601118.pptx
@@ -4839,19 +4839,18 @@
           </p:cNvPr>
           <p:cNvCxnSpPr>
             <a:cxnSpLocks/>
-            <a:stCxn id="14" idx="1"/>
-            <a:endCxn id="13" idx="1"/>
           </p:cNvCxnSpPr>
           <p:nvPr/>
         </p:nvCxnSpPr>
         <p:spPr>
           <a:xfrm rot="10800000" flipH="1" flipV="1">
-            <a:off x="806116" y="1885381"/>
-            <a:ext cx="413084" cy="3463388"/>
-          </a:xfrm>
-          <a:prstGeom prst="bentConnector3">
+            <a:off x="907117" y="1894965"/>
+            <a:ext cx="161963" cy="3458728"/>
+          </a:xfrm>
+          <a:prstGeom prst="bentConnector4">
             <a:avLst>
-              <a:gd name="adj1" fmla="val -55340"/>
+              <a:gd name="adj1" fmla="val -245693"/>
+              <a:gd name="adj2" fmla="val 99845"/>
             </a:avLst>
           </a:prstGeom>
           <a:ln>
@@ -5017,7 +5016,7 @@
         </p:nvSpPr>
         <p:spPr>
           <a:xfrm>
-            <a:off x="7402815" y="1029326"/>
+            <a:off x="7402815" y="976516"/>
             <a:ext cx="1729769" cy="369332"/>
           </a:xfrm>
           <a:prstGeom prst="rect">
@@ -5052,7 +5051,7 @@
         </p:nvSpPr>
         <p:spPr>
           <a:xfrm>
-            <a:off x="6234936" y="1594472"/>
+            <a:off x="5197383" y="1560165"/>
             <a:ext cx="599716" cy="369332"/>
           </a:xfrm>
           <a:prstGeom prst="rect">
@@ -5074,10 +5073,10 @@
       </p:sp>
       <p:sp>
         <p:nvSpPr>
-          <p:cNvPr id="33" name="Rectangle 32">
+          <p:cNvPr id="34" name="Rectangle 33">
             <a:extLst>
               <a:ext uri="{FF2B5EF4-FFF2-40B4-BE49-F238E27FC236}">
-                <a16:creationId xmlns:a16="http://schemas.microsoft.com/office/drawing/2014/main" id="{5BAEC6CA-10AB-43CA-A629-F89258670E12}"/>
+                <a16:creationId xmlns:a16="http://schemas.microsoft.com/office/drawing/2014/main" id="{A6D70EA9-3AD7-4E00-97FE-44A812D52441}"/>
               </a:ext>
             </a:extLst>
           </p:cNvPr>
@@ -5086,8 +5085,8 @@
         </p:nvSpPr>
         <p:spPr>
           <a:xfrm>
-            <a:off x="5545468" y="1594472"/>
-            <a:ext cx="527709" cy="369332"/>
+            <a:off x="6154054" y="1560165"/>
+            <a:ext cx="2634183" cy="369332"/>
           </a:xfrm>
           <a:prstGeom prst="rect">
             <a:avLst/>
@@ -5100,18 +5099,19 @@
           <a:lstStyle/>
           <a:p>
             <a:r>
-              <a:rPr lang="en-GB" dirty="0"/>
-              <a:t>REF</a:t>
-            </a:r>
+              <a:rPr lang="en-GB" dirty="0" err="1"/>
+              <a:t>normalizedDataPoolAllLev</a:t>
+            </a:r>
+            <a:endParaRPr lang="en-GB" dirty="0"/>
           </a:p>
         </p:txBody>
       </p:sp>
       <p:sp>
         <p:nvSpPr>
-          <p:cNvPr id="34" name="Rectangle 33">
+          <p:cNvPr id="35" name="Rectangle 34">
             <a:extLst>
               <a:ext uri="{FF2B5EF4-FFF2-40B4-BE49-F238E27FC236}">
-                <a16:creationId xmlns:a16="http://schemas.microsoft.com/office/drawing/2014/main" id="{A6D70EA9-3AD7-4E00-97FE-44A812D52441}"/>
+                <a16:creationId xmlns:a16="http://schemas.microsoft.com/office/drawing/2014/main" id="{E024A468-BDC7-470D-ACCC-ED68DF74C672}"/>
               </a:ext>
             </a:extLst>
           </p:cNvPr>
@@ -5120,8 +5120,8 @@
         </p:nvSpPr>
         <p:spPr>
           <a:xfrm>
-            <a:off x="8690268" y="1594472"/>
-            <a:ext cx="2634183" cy="369332"/>
+            <a:off x="6154054" y="1975208"/>
+            <a:ext cx="1763111" cy="369332"/>
           </a:xfrm>
           <a:prstGeom prst="rect">
             <a:avLst/>
@@ -5134,19 +5134,27 @@
           <a:lstStyle/>
           <a:p>
             <a:r>
-              <a:rPr lang="en-GB" dirty="0" err="1"/>
-              <a:t>normalizedDataPoolAllLev</a:t>
-            </a:r>
-            <a:endParaRPr lang="en-GB" dirty="0"/>
+              <a:rPr lang="en-GB" dirty="0" err="1">
+                <a:solidFill>
+                  <a:srgbClr val="FF0000"/>
+                </a:solidFill>
+              </a:rPr>
+              <a:t>normalized_data</a:t>
+            </a:r>
+            <a:endParaRPr lang="en-GB" dirty="0">
+              <a:solidFill>
+                <a:srgbClr val="FF0000"/>
+              </a:solidFill>
+            </a:endParaRPr>
           </a:p>
         </p:txBody>
       </p:sp>
       <p:sp>
         <p:nvSpPr>
-          <p:cNvPr id="35" name="Rectangle 34">
+          <p:cNvPr id="38" name="Rectangle 37">
             <a:extLst>
               <a:ext uri="{FF2B5EF4-FFF2-40B4-BE49-F238E27FC236}">
-                <a16:creationId xmlns:a16="http://schemas.microsoft.com/office/drawing/2014/main" id="{E024A468-BDC7-470D-ACCC-ED68DF74C672}"/>
+                <a16:creationId xmlns:a16="http://schemas.microsoft.com/office/drawing/2014/main" id="{F1CBCD57-CEBE-43B0-815F-B7E534DD2EEC}"/>
               </a:ext>
             </a:extLst>
           </p:cNvPr>
@@ -5155,8 +5163,8 @@
         </p:nvSpPr>
         <p:spPr>
           <a:xfrm>
-            <a:off x="6269999" y="2346631"/>
-            <a:ext cx="1763111" cy="369332"/>
+            <a:off x="5232389" y="2836955"/>
+            <a:ext cx="2023887" cy="369332"/>
           </a:xfrm>
           <a:prstGeom prst="rect">
             <a:avLst/>
@@ -5170,7 +5178,7 @@
           <a:p>
             <a:r>
               <a:rPr lang="en-GB" dirty="0" err="1"/>
-              <a:t>normalized_data</a:t>
+              <a:t>trainDataPoolAllLev</a:t>
             </a:r>
             <a:endParaRPr lang="en-GB" dirty="0"/>
           </a:p>
@@ -5178,10 +5186,10 @@
       </p:sp>
       <p:sp>
         <p:nvSpPr>
-          <p:cNvPr id="36" name="Rectangle 35">
+          <p:cNvPr id="39" name="Rectangle 38">
             <a:extLst>
               <a:ext uri="{FF2B5EF4-FFF2-40B4-BE49-F238E27FC236}">
-                <a16:creationId xmlns:a16="http://schemas.microsoft.com/office/drawing/2014/main" id="{5FDF90EA-2C36-4D43-98E8-F660778364B2}"/>
+                <a16:creationId xmlns:a16="http://schemas.microsoft.com/office/drawing/2014/main" id="{92AB5B2F-9682-495A-8BDC-228E786D3C8D}"/>
               </a:ext>
             </a:extLst>
           </p:cNvPr>
@@ -5190,8 +5198,8 @@
         </p:nvSpPr>
         <p:spPr>
           <a:xfrm>
-            <a:off x="8722352" y="1959198"/>
-            <a:ext cx="2497479" cy="369332"/>
+            <a:off x="5227887" y="3375222"/>
+            <a:ext cx="1529650" cy="369332"/>
           </a:xfrm>
           <a:prstGeom prst="rect">
             <a:avLst/>
@@ -5205,7 +5213,7 @@
           <a:p>
             <a:r>
               <a:rPr lang="en-GB" dirty="0" err="1"/>
-              <a:t>normalizedDataPool_MS</a:t>
+              <a:t>testDataAllLev</a:t>
             </a:r>
             <a:endParaRPr lang="en-GB" dirty="0"/>
           </a:p>
@@ -5213,10 +5221,10 @@
       </p:sp>
       <p:sp>
         <p:nvSpPr>
-          <p:cNvPr id="37" name="Rectangle 36">
+          <p:cNvPr id="40" name="Rectangle 39">
             <a:extLst>
               <a:ext uri="{FF2B5EF4-FFF2-40B4-BE49-F238E27FC236}">
-                <a16:creationId xmlns:a16="http://schemas.microsoft.com/office/drawing/2014/main" id="{97724B32-E01D-435A-8707-7473DA8DC67A}"/>
+                <a16:creationId xmlns:a16="http://schemas.microsoft.com/office/drawing/2014/main" id="{6E154780-DDF0-4997-8707-7C6B9CD408EE}"/>
               </a:ext>
             </a:extLst>
           </p:cNvPr>
@@ -5225,8 +5233,8 @@
         </p:nvSpPr>
         <p:spPr>
           <a:xfrm>
-            <a:off x="6269999" y="1959198"/>
-            <a:ext cx="2181495" cy="369332"/>
+            <a:off x="5195435" y="3913489"/>
+            <a:ext cx="1913024" cy="369332"/>
           </a:xfrm>
           <a:prstGeom prst="rect">
             <a:avLst/>
@@ -5240,18 +5248,369 @@
           <a:p>
             <a:r>
               <a:rPr lang="en-GB" dirty="0" err="1"/>
-              <a:t>normalized_data_MS</a:t>
+              <a:t>validateDataAllLev</a:t>
             </a:r>
             <a:endParaRPr lang="en-GB" dirty="0"/>
           </a:p>
         </p:txBody>
       </p:sp>
+      <p:pic>
+        <p:nvPicPr>
+          <p:cNvPr id="27" name="Graphic 26" descr="Checkmark">
+            <a:extLst>
+              <a:ext uri="{FF2B5EF4-FFF2-40B4-BE49-F238E27FC236}">
+                <a16:creationId xmlns:a16="http://schemas.microsoft.com/office/drawing/2014/main" id="{62450D05-07C8-4657-AC71-07B11ACFC85B}"/>
+              </a:ext>
+            </a:extLst>
+          </p:cNvPr>
+          <p:cNvPicPr>
+            <a:picLocks noChangeAspect="1"/>
+          </p:cNvPicPr>
+          <p:nvPr/>
+        </p:nvPicPr>
+        <p:blipFill>
+          <a:blip r:embed="rId5" cstate="print">
+            <a:extLst>
+              <a:ext uri="{28A0092B-C50C-407E-A947-70E740481C1C}">
+                <a14:useLocalDpi xmlns:a14="http://schemas.microsoft.com/office/drawing/2010/main" val="0"/>
+              </a:ext>
+              <a:ext uri="{96DAC541-7B7A-43D3-8B79-37D633B846F1}">
+                <asvg:svgBlip xmlns:asvg="http://schemas.microsoft.com/office/drawing/2016/SVG/main" r:embed="rId6"/>
+              </a:ext>
+            </a:extLst>
+          </a:blip>
+          <a:stretch>
+            <a:fillRect/>
+          </a:stretch>
+        </p:blipFill>
+        <p:spPr>
+          <a:xfrm>
+            <a:off x="1219200" y="1470362"/>
+            <a:ext cx="267681" cy="267681"/>
+          </a:xfrm>
+          <a:prstGeom prst="rect">
+            <a:avLst/>
+          </a:prstGeom>
+        </p:spPr>
+      </p:pic>
+      <p:pic>
+        <p:nvPicPr>
+          <p:cNvPr id="28" name="Graphic 27" descr="Checkmark">
+            <a:extLst>
+              <a:ext uri="{FF2B5EF4-FFF2-40B4-BE49-F238E27FC236}">
+                <a16:creationId xmlns:a16="http://schemas.microsoft.com/office/drawing/2014/main" id="{F52A70E7-1880-4A1A-AD9E-00745154F214}"/>
+              </a:ext>
+            </a:extLst>
+          </p:cNvPr>
+          <p:cNvPicPr>
+            <a:picLocks noChangeAspect="1"/>
+          </p:cNvPicPr>
+          <p:nvPr/>
+        </p:nvPicPr>
+        <p:blipFill>
+          <a:blip r:embed="rId5" cstate="print">
+            <a:extLst>
+              <a:ext uri="{28A0092B-C50C-407E-A947-70E740481C1C}">
+                <a14:useLocalDpi xmlns:a14="http://schemas.microsoft.com/office/drawing/2010/main" val="0"/>
+              </a:ext>
+              <a:ext uri="{96DAC541-7B7A-43D3-8B79-37D633B846F1}">
+                <asvg:svgBlip xmlns:asvg="http://schemas.microsoft.com/office/drawing/2016/SVG/main" r:embed="rId6"/>
+              </a:ext>
+            </a:extLst>
+          </a:blip>
+          <a:stretch>
+            <a:fillRect/>
+          </a:stretch>
+        </p:blipFill>
+        <p:spPr>
+          <a:xfrm>
+            <a:off x="1212313" y="1744791"/>
+            <a:ext cx="267681" cy="267681"/>
+          </a:xfrm>
+          <a:prstGeom prst="rect">
+            <a:avLst/>
+          </a:prstGeom>
+        </p:spPr>
+      </p:pic>
+      <p:pic>
+        <p:nvPicPr>
+          <p:cNvPr id="44" name="Graphic 43" descr="Checkmark">
+            <a:extLst>
+              <a:ext uri="{FF2B5EF4-FFF2-40B4-BE49-F238E27FC236}">
+                <a16:creationId xmlns:a16="http://schemas.microsoft.com/office/drawing/2014/main" id="{9F6D9AD2-EE7A-4075-8B57-BAD32AE841A3}"/>
+              </a:ext>
+            </a:extLst>
+          </p:cNvPr>
+          <p:cNvPicPr>
+            <a:picLocks noChangeAspect="1"/>
+          </p:cNvPicPr>
+          <p:nvPr/>
+        </p:nvPicPr>
+        <p:blipFill>
+          <a:blip r:embed="rId5" cstate="print">
+            <a:extLst>
+              <a:ext uri="{28A0092B-C50C-407E-A947-70E740481C1C}">
+                <a14:useLocalDpi xmlns:a14="http://schemas.microsoft.com/office/drawing/2010/main" val="0"/>
+              </a:ext>
+              <a:ext uri="{96DAC541-7B7A-43D3-8B79-37D633B846F1}">
+                <asvg:svgBlip xmlns:asvg="http://schemas.microsoft.com/office/drawing/2016/SVG/main" r:embed="rId6"/>
+              </a:ext>
+            </a:extLst>
+          </a:blip>
+          <a:stretch>
+            <a:fillRect/>
+          </a:stretch>
+        </p:blipFill>
+        <p:spPr>
+          <a:xfrm>
+            <a:off x="1209807" y="2012472"/>
+            <a:ext cx="267681" cy="267681"/>
+          </a:xfrm>
+          <a:prstGeom prst="rect">
+            <a:avLst/>
+          </a:prstGeom>
+        </p:spPr>
+      </p:pic>
+      <p:pic>
+        <p:nvPicPr>
+          <p:cNvPr id="45" name="Graphic 44" descr="Checkmark">
+            <a:extLst>
+              <a:ext uri="{FF2B5EF4-FFF2-40B4-BE49-F238E27FC236}">
+                <a16:creationId xmlns:a16="http://schemas.microsoft.com/office/drawing/2014/main" id="{989703C3-FCB3-40D6-8FC8-38DCDDD6ECCD}"/>
+              </a:ext>
+            </a:extLst>
+          </p:cNvPr>
+          <p:cNvPicPr>
+            <a:picLocks noChangeAspect="1"/>
+          </p:cNvPicPr>
+          <p:nvPr/>
+        </p:nvPicPr>
+        <p:blipFill>
+          <a:blip r:embed="rId5" cstate="print">
+            <a:extLst>
+              <a:ext uri="{28A0092B-C50C-407E-A947-70E740481C1C}">
+                <a14:useLocalDpi xmlns:a14="http://schemas.microsoft.com/office/drawing/2010/main" val="0"/>
+              </a:ext>
+              <a:ext uri="{96DAC541-7B7A-43D3-8B79-37D633B846F1}">
+                <asvg:svgBlip xmlns:asvg="http://schemas.microsoft.com/office/drawing/2016/SVG/main" r:embed="rId6"/>
+              </a:ext>
+            </a:extLst>
+          </a:blip>
+          <a:stretch>
+            <a:fillRect/>
+          </a:stretch>
+        </p:blipFill>
+        <p:spPr>
+          <a:xfrm>
+            <a:off x="1244656" y="3346344"/>
+            <a:ext cx="267681" cy="267681"/>
+          </a:xfrm>
+          <a:prstGeom prst="rect">
+            <a:avLst/>
+          </a:prstGeom>
+        </p:spPr>
+      </p:pic>
+      <p:pic>
+        <p:nvPicPr>
+          <p:cNvPr id="46" name="Graphic 45" descr="Checkmark">
+            <a:extLst>
+              <a:ext uri="{FF2B5EF4-FFF2-40B4-BE49-F238E27FC236}">
+                <a16:creationId xmlns:a16="http://schemas.microsoft.com/office/drawing/2014/main" id="{2ADE7019-4440-4EE9-949E-C10483BBA462}"/>
+              </a:ext>
+            </a:extLst>
+          </p:cNvPr>
+          <p:cNvPicPr>
+            <a:picLocks noChangeAspect="1"/>
+          </p:cNvPicPr>
+          <p:nvPr/>
+        </p:nvPicPr>
+        <p:blipFill>
+          <a:blip r:embed="rId5" cstate="print">
+            <a:extLst>
+              <a:ext uri="{28A0092B-C50C-407E-A947-70E740481C1C}">
+                <a14:useLocalDpi xmlns:a14="http://schemas.microsoft.com/office/drawing/2010/main" val="0"/>
+              </a:ext>
+              <a:ext uri="{96DAC541-7B7A-43D3-8B79-37D633B846F1}">
+                <asvg:svgBlip xmlns:asvg="http://schemas.microsoft.com/office/drawing/2016/SVG/main" r:embed="rId6"/>
+              </a:ext>
+            </a:extLst>
+          </a:blip>
+          <a:stretch>
+            <a:fillRect/>
+          </a:stretch>
+        </p:blipFill>
+        <p:spPr>
+          <a:xfrm>
+            <a:off x="1244655" y="3606329"/>
+            <a:ext cx="267681" cy="267681"/>
+          </a:xfrm>
+          <a:prstGeom prst="rect">
+            <a:avLst/>
+          </a:prstGeom>
+        </p:spPr>
+      </p:pic>
+      <p:pic>
+        <p:nvPicPr>
+          <p:cNvPr id="47" name="Graphic 46" descr="Checkmark">
+            <a:extLst>
+              <a:ext uri="{FF2B5EF4-FFF2-40B4-BE49-F238E27FC236}">
+                <a16:creationId xmlns:a16="http://schemas.microsoft.com/office/drawing/2014/main" id="{74AE25D9-1136-4F69-87A6-43BABA9F8A20}"/>
+              </a:ext>
+            </a:extLst>
+          </p:cNvPr>
+          <p:cNvPicPr>
+            <a:picLocks noChangeAspect="1"/>
+          </p:cNvPicPr>
+          <p:nvPr/>
+        </p:nvPicPr>
+        <p:blipFill>
+          <a:blip r:embed="rId5" cstate="print">
+            <a:extLst>
+              <a:ext uri="{28A0092B-C50C-407E-A947-70E740481C1C}">
+                <a14:useLocalDpi xmlns:a14="http://schemas.microsoft.com/office/drawing/2010/main" val="0"/>
+              </a:ext>
+              <a:ext uri="{96DAC541-7B7A-43D3-8B79-37D633B846F1}">
+                <asvg:svgBlip xmlns:asvg="http://schemas.microsoft.com/office/drawing/2016/SVG/main" r:embed="rId6"/>
+              </a:ext>
+            </a:extLst>
+          </a:blip>
+          <a:stretch>
+            <a:fillRect/>
+          </a:stretch>
+        </p:blipFill>
+        <p:spPr>
+          <a:xfrm>
+            <a:off x="1192002" y="4827851"/>
+            <a:ext cx="267681" cy="267681"/>
+          </a:xfrm>
+          <a:prstGeom prst="rect">
+            <a:avLst/>
+          </a:prstGeom>
+        </p:spPr>
+      </p:pic>
+      <p:pic>
+        <p:nvPicPr>
+          <p:cNvPr id="48" name="Graphic 47" descr="Checkmark">
+            <a:extLst>
+              <a:ext uri="{FF2B5EF4-FFF2-40B4-BE49-F238E27FC236}">
+                <a16:creationId xmlns:a16="http://schemas.microsoft.com/office/drawing/2014/main" id="{D3E2C626-CFC5-44F3-B29C-A8D2363B9591}"/>
+              </a:ext>
+            </a:extLst>
+          </p:cNvPr>
+          <p:cNvPicPr>
+            <a:picLocks noChangeAspect="1"/>
+          </p:cNvPicPr>
+          <p:nvPr/>
+        </p:nvPicPr>
+        <p:blipFill>
+          <a:blip r:embed="rId5" cstate="print">
+            <a:extLst>
+              <a:ext uri="{28A0092B-C50C-407E-A947-70E740481C1C}">
+                <a14:useLocalDpi xmlns:a14="http://schemas.microsoft.com/office/drawing/2010/main" val="0"/>
+              </a:ext>
+              <a:ext uri="{96DAC541-7B7A-43D3-8B79-37D633B846F1}">
+                <asvg:svgBlip xmlns:asvg="http://schemas.microsoft.com/office/drawing/2016/SVG/main" r:embed="rId6"/>
+              </a:ext>
+            </a:extLst>
+          </a:blip>
+          <a:stretch>
+            <a:fillRect/>
+          </a:stretch>
+        </p:blipFill>
+        <p:spPr>
+          <a:xfrm>
+            <a:off x="1189481" y="5081087"/>
+            <a:ext cx="267681" cy="267681"/>
+          </a:xfrm>
+          <a:prstGeom prst="rect">
+            <a:avLst/>
+          </a:prstGeom>
+        </p:spPr>
+      </p:pic>
+      <p:pic>
+        <p:nvPicPr>
+          <p:cNvPr id="49" name="Graphic 48" descr="Checkmark">
+            <a:extLst>
+              <a:ext uri="{FF2B5EF4-FFF2-40B4-BE49-F238E27FC236}">
+                <a16:creationId xmlns:a16="http://schemas.microsoft.com/office/drawing/2014/main" id="{4F762A13-13AA-4EF7-93F8-58088DAF5D19}"/>
+              </a:ext>
+            </a:extLst>
+          </p:cNvPr>
+          <p:cNvPicPr>
+            <a:picLocks noChangeAspect="1"/>
+          </p:cNvPicPr>
+          <p:nvPr/>
+        </p:nvPicPr>
+        <p:blipFill>
+          <a:blip r:embed="rId5" cstate="print">
+            <a:extLst>
+              <a:ext uri="{28A0092B-C50C-407E-A947-70E740481C1C}">
+                <a14:useLocalDpi xmlns:a14="http://schemas.microsoft.com/office/drawing/2010/main" val="0"/>
+              </a:ext>
+              <a:ext uri="{96DAC541-7B7A-43D3-8B79-37D633B846F1}">
+                <asvg:svgBlip xmlns:asvg="http://schemas.microsoft.com/office/drawing/2016/SVG/main" r:embed="rId6"/>
+              </a:ext>
+            </a:extLst>
+          </a:blip>
+          <a:stretch>
+            <a:fillRect/>
+          </a:stretch>
+        </p:blipFill>
+        <p:spPr>
+          <a:xfrm>
+            <a:off x="1192873" y="5602004"/>
+            <a:ext cx="267681" cy="267681"/>
+          </a:xfrm>
+          <a:prstGeom prst="rect">
+            <a:avLst/>
+          </a:prstGeom>
+        </p:spPr>
+      </p:pic>
+      <p:pic>
+        <p:nvPicPr>
+          <p:cNvPr id="50" name="Graphic 49" descr="Checkmark">
+            <a:extLst>
+              <a:ext uri="{FF2B5EF4-FFF2-40B4-BE49-F238E27FC236}">
+                <a16:creationId xmlns:a16="http://schemas.microsoft.com/office/drawing/2014/main" id="{9182F276-A1BF-406B-8BC2-7A567781D6B6}"/>
+              </a:ext>
+            </a:extLst>
+          </p:cNvPr>
+          <p:cNvPicPr>
+            <a:picLocks noChangeAspect="1"/>
+          </p:cNvPicPr>
+          <p:nvPr/>
+        </p:nvPicPr>
+        <p:blipFill>
+          <a:blip r:embed="rId5" cstate="print">
+            <a:extLst>
+              <a:ext uri="{28A0092B-C50C-407E-A947-70E740481C1C}">
+                <a14:useLocalDpi xmlns:a14="http://schemas.microsoft.com/office/drawing/2010/main" val="0"/>
+              </a:ext>
+              <a:ext uri="{96DAC541-7B7A-43D3-8B79-37D633B846F1}">
+                <asvg:svgBlip xmlns:asvg="http://schemas.microsoft.com/office/drawing/2016/SVG/main" r:embed="rId6"/>
+              </a:ext>
+            </a:extLst>
+          </a:blip>
+          <a:stretch>
+            <a:fillRect/>
+          </a:stretch>
+        </p:blipFill>
+        <p:spPr>
+          <a:xfrm>
+            <a:off x="1209807" y="5334322"/>
+            <a:ext cx="267681" cy="267681"/>
+          </a:xfrm>
+          <a:prstGeom prst="rect">
+            <a:avLst/>
+          </a:prstGeom>
+        </p:spPr>
+      </p:pic>
       <p:sp>
         <p:nvSpPr>
-          <p:cNvPr id="38" name="Rectangle 37">
+          <p:cNvPr id="19" name="Rectangle 18">
             <a:extLst>
               <a:ext uri="{FF2B5EF4-FFF2-40B4-BE49-F238E27FC236}">
-                <a16:creationId xmlns:a16="http://schemas.microsoft.com/office/drawing/2014/main" id="{F1CBCD57-CEBE-43B0-815F-B7E534DD2EEC}"/>
+                <a16:creationId xmlns:a16="http://schemas.microsoft.com/office/drawing/2014/main" id="{64EDFA32-791C-4A94-B3CC-D3B7E3B13B2B}"/>
               </a:ext>
             </a:extLst>
           </p:cNvPr>
@@ -5260,8 +5619,8 @@
         </p:nvSpPr>
         <p:spPr>
           <a:xfrm>
-            <a:off x="6269999" y="3080293"/>
-            <a:ext cx="2023887" cy="369332"/>
+            <a:off x="9663406" y="2627059"/>
+            <a:ext cx="1552989" cy="369332"/>
           </a:xfrm>
           <a:prstGeom prst="rect">
             <a:avLst/>
@@ -5275,18 +5634,21 @@
           <a:p>
             <a:r>
               <a:rPr lang="en-GB" dirty="0" err="1"/>
-              <a:t>trainDataPoolAllLev</a:t>
-            </a:r>
-            <a:endParaRPr lang="en-GB" dirty="0"/>
+              <a:t>trainFeat</a:t>
+            </a:r>
+            <a:r>
+              <a:rPr lang="en-GB" dirty="0"/>
+              <a:t> (sub)</a:t>
+            </a:r>
           </a:p>
         </p:txBody>
       </p:sp>
       <p:sp>
         <p:nvSpPr>
-          <p:cNvPr id="39" name="Rectangle 38">
+          <p:cNvPr id="20" name="Rectangle 19">
             <a:extLst>
               <a:ext uri="{FF2B5EF4-FFF2-40B4-BE49-F238E27FC236}">
-                <a16:creationId xmlns:a16="http://schemas.microsoft.com/office/drawing/2014/main" id="{92AB5B2F-9682-495A-8BDC-228E786D3C8D}"/>
+                <a16:creationId xmlns:a16="http://schemas.microsoft.com/office/drawing/2014/main" id="{028E5AFC-B17F-44AD-B083-B996CA709553}"/>
               </a:ext>
             </a:extLst>
           </p:cNvPr>
@@ -5295,8 +5657,8 @@
         </p:nvSpPr>
         <p:spPr>
           <a:xfrm>
-            <a:off x="6269999" y="3429359"/>
-            <a:ext cx="1529650" cy="369332"/>
+            <a:off x="9663406" y="2919510"/>
+            <a:ext cx="1210652" cy="369332"/>
           </a:xfrm>
           <a:prstGeom prst="rect">
             <a:avLst/>
@@ -5310,7 +5672,7 @@
           <a:p>
             <a:r>
               <a:rPr lang="en-GB" dirty="0" err="1"/>
-              <a:t>testDataAllLev</a:t>
+              <a:t>trainLabels</a:t>
             </a:r>
             <a:endParaRPr lang="en-GB" dirty="0"/>
           </a:p>
@@ -5318,10 +5680,10 @@
       </p:sp>
       <p:sp>
         <p:nvSpPr>
-          <p:cNvPr id="40" name="Rectangle 39">
+          <p:cNvPr id="22" name="Rectangle 21">
             <a:extLst>
               <a:ext uri="{FF2B5EF4-FFF2-40B4-BE49-F238E27FC236}">
-                <a16:creationId xmlns:a16="http://schemas.microsoft.com/office/drawing/2014/main" id="{6E154780-DDF0-4997-8707-7C6B9CD408EE}"/>
+                <a16:creationId xmlns:a16="http://schemas.microsoft.com/office/drawing/2014/main" id="{D9770CF5-6A75-43E6-9D91-60CE9440E7E9}"/>
               </a:ext>
             </a:extLst>
           </p:cNvPr>
@@ -5330,8 +5692,8 @@
         </p:nvSpPr>
         <p:spPr>
           <a:xfrm>
-            <a:off x="6296485" y="3846942"/>
-            <a:ext cx="1913024" cy="369332"/>
+            <a:off x="9644353" y="3516776"/>
+            <a:ext cx="1126975" cy="369332"/>
           </a:xfrm>
           <a:prstGeom prst="rect">
             <a:avLst/>
@@ -5345,7 +5707,7 @@
           <a:p>
             <a:r>
               <a:rPr lang="en-GB" dirty="0" err="1"/>
-              <a:t>validateDataAllLev</a:t>
+              <a:t>testLabels</a:t>
             </a:r>
             <a:endParaRPr lang="en-GB" dirty="0"/>
           </a:p>
@@ -5353,10 +5715,10 @@
       </p:sp>
       <p:sp>
         <p:nvSpPr>
-          <p:cNvPr id="41" name="Rectangle 40">
+          <p:cNvPr id="23" name="Rectangle 22">
             <a:extLst>
               <a:ext uri="{FF2B5EF4-FFF2-40B4-BE49-F238E27FC236}">
-                <a16:creationId xmlns:a16="http://schemas.microsoft.com/office/drawing/2014/main" id="{68F2C76D-DFA0-4B39-A281-B36E964660F2}"/>
+                <a16:creationId xmlns:a16="http://schemas.microsoft.com/office/drawing/2014/main" id="{E2DBA619-D70F-4CBF-9E6E-865DCEC97B8A}"/>
               </a:ext>
             </a:extLst>
           </p:cNvPr>
@@ -5365,8 +5727,8 @@
         </p:nvSpPr>
         <p:spPr>
           <a:xfrm>
-            <a:off x="8843931" y="3080293"/>
-            <a:ext cx="2326855" cy="369332"/>
+            <a:off x="9644353" y="3207452"/>
+            <a:ext cx="1275349" cy="369332"/>
           </a:xfrm>
           <a:prstGeom prst="rect">
             <a:avLst/>
@@ -5380,7 +5742,7 @@
           <a:p>
             <a:r>
               <a:rPr lang="en-GB" dirty="0" err="1"/>
-              <a:t>trainDataPoolAllLevMS</a:t>
+              <a:t>testFeatsub</a:t>
             </a:r>
             <a:endParaRPr lang="en-GB" dirty="0"/>
           </a:p>
@@ -5388,10 +5750,10 @@
       </p:sp>
       <p:sp>
         <p:nvSpPr>
-          <p:cNvPr id="42" name="Rectangle 41">
+          <p:cNvPr id="24" name="Rectangle 23">
             <a:extLst>
               <a:ext uri="{FF2B5EF4-FFF2-40B4-BE49-F238E27FC236}">
-                <a16:creationId xmlns:a16="http://schemas.microsoft.com/office/drawing/2014/main" id="{5836A4DC-5E1C-41F4-8D53-C106FBAEDB6E}"/>
+                <a16:creationId xmlns:a16="http://schemas.microsoft.com/office/drawing/2014/main" id="{0178521A-2E19-40B1-84E9-6391439B5B84}"/>
               </a:ext>
             </a:extLst>
           </p:cNvPr>
@@ -5400,8 +5762,8 @@
         </p:nvSpPr>
         <p:spPr>
           <a:xfrm>
-            <a:off x="8843931" y="3510682"/>
-            <a:ext cx="1832618" cy="369332"/>
+            <a:off x="9629050" y="4105652"/>
+            <a:ext cx="1510350" cy="369332"/>
           </a:xfrm>
           <a:prstGeom prst="rect">
             <a:avLst/>
@@ -5415,7 +5777,7 @@
           <a:p>
             <a:r>
               <a:rPr lang="en-GB" dirty="0" err="1"/>
-              <a:t>testDataAllLevMS</a:t>
+              <a:t>validateLabels</a:t>
             </a:r>
             <a:endParaRPr lang="en-GB" dirty="0"/>
           </a:p>
@@ -5423,10 +5785,10 @@
       </p:sp>
       <p:sp>
         <p:nvSpPr>
-          <p:cNvPr id="43" name="Rectangle 42">
+          <p:cNvPr id="25" name="Rectangle 24">
             <a:extLst>
               <a:ext uri="{FF2B5EF4-FFF2-40B4-BE49-F238E27FC236}">
-                <a16:creationId xmlns:a16="http://schemas.microsoft.com/office/drawing/2014/main" id="{4EB6F9DC-B545-4F43-B4D6-80D62460CDB9}"/>
+                <a16:creationId xmlns:a16="http://schemas.microsoft.com/office/drawing/2014/main" id="{0BAD2448-1352-4779-A18C-AB322DE6694F}"/>
               </a:ext>
             </a:extLst>
           </p:cNvPr>
@@ -5435,8 +5797,8 @@
         </p:nvSpPr>
         <p:spPr>
           <a:xfrm>
-            <a:off x="8847830" y="3947497"/>
-            <a:ext cx="2215991" cy="369332"/>
+            <a:off x="9644353" y="3821834"/>
+            <a:ext cx="1658724" cy="369332"/>
           </a:xfrm>
           <a:prstGeom prst="rect">
             <a:avLst/>
@@ -5450,7 +5812,42 @@
           <a:p>
             <a:r>
               <a:rPr lang="en-GB" dirty="0" err="1"/>
-              <a:t>validateDataAllLevMS</a:t>
+              <a:t>validateFeatsub</a:t>
+            </a:r>
+            <a:endParaRPr lang="en-GB" dirty="0"/>
+          </a:p>
+        </p:txBody>
+      </p:sp>
+      <p:sp>
+        <p:nvSpPr>
+          <p:cNvPr id="26" name="Rectangle 25">
+            <a:extLst>
+              <a:ext uri="{FF2B5EF4-FFF2-40B4-BE49-F238E27FC236}">
+                <a16:creationId xmlns:a16="http://schemas.microsoft.com/office/drawing/2014/main" id="{F3CEC172-9762-4F1F-9582-F4DDFBF735CE}"/>
+              </a:ext>
+            </a:extLst>
+          </p:cNvPr>
+          <p:cNvSpPr/>
+          <p:nvPr/>
+        </p:nvSpPr>
+        <p:spPr>
+          <a:xfrm>
+            <a:off x="7647615" y="2805915"/>
+            <a:ext cx="1383649" cy="369332"/>
+          </a:xfrm>
+          <a:prstGeom prst="rect">
+            <a:avLst/>
+          </a:prstGeom>
+        </p:spPr>
+        <p:txBody>
+          <a:bodyPr wrap="none">
+            <a:spAutoFit/>
+          </a:bodyPr>
+          <a:lstStyle/>
+          <a:p>
+            <a:r>
+              <a:rPr lang="en-GB" dirty="0" err="1"/>
+              <a:t>trainDataCur</a:t>
             </a:r>
             <a:endParaRPr lang="en-GB" dirty="0"/>
           </a:p>
@@ -5606,7 +6003,7 @@
         <p:spPr>
           <a:xfrm>
             <a:off x="6923920" y="5191789"/>
-            <a:ext cx="3535263" cy="923330"/>
+            <a:ext cx="3535263" cy="646331"/>
           </a:xfrm>
           <a:prstGeom prst="rect">
             <a:avLst/>
@@ -5624,20 +6021,8 @@
               <a:buChar char="•"/>
             </a:pPr>
             <a:r>
-              <a:rPr lang="it-IT" dirty="0" err="1"/>
-              <a:t>Widen</a:t>
-            </a:r>
-            <a:r>
-              <a:rPr lang="it-IT" dirty="0"/>
-              <a:t> </a:t>
-            </a:r>
-            <a:r>
-              <a:rPr lang="it-IT" dirty="0" err="1"/>
-              <a:t>papers</a:t>
-            </a:r>
-            <a:r>
-              <a:rPr lang="it-IT" dirty="0"/>
-              <a:t> background</a:t>
+              <a:rPr lang="it-IT" dirty="0"/>
+              <a:t>Test code on a different machine</a:t>
             </a:r>
           </a:p>
           <a:p>
@@ -5646,49 +6031,169 @@
               <a:buChar char="•"/>
             </a:pPr>
             <a:r>
-              <a:rPr lang="it-IT" dirty="0"/>
-              <a:t>Test code on a different machine</a:t>
-            </a:r>
-          </a:p>
+              <a:rPr lang="it-IT" dirty="0" err="1"/>
+              <a:t>Qiskit</a:t>
+            </a:r>
+            <a:r>
+              <a:rPr lang="it-IT" dirty="0"/>
+              <a:t> </a:t>
+            </a:r>
+            <a:r>
+              <a:rPr lang="it-IT" dirty="0" err="1"/>
+              <a:t>python</a:t>
+            </a:r>
+            <a:r>
+              <a:rPr lang="it-IT" dirty="0"/>
+              <a:t> </a:t>
+            </a:r>
+            <a:r>
+              <a:rPr lang="it-IT" dirty="0" err="1"/>
+              <a:t>library</a:t>
+            </a:r>
+            <a:r>
+              <a:rPr lang="it-IT" dirty="0"/>
+              <a:t> for VSVM</a:t>
+            </a:r>
+            <a:endParaRPr lang="en-GB" dirty="0"/>
+          </a:p>
+        </p:txBody>
+      </p:sp>
+      <p:pic>
+        <p:nvPicPr>
+          <p:cNvPr id="8" name="Picture 7">
+            <a:extLst>
+              <a:ext uri="{FF2B5EF4-FFF2-40B4-BE49-F238E27FC236}">
+                <a16:creationId xmlns:a16="http://schemas.microsoft.com/office/drawing/2014/main" id="{7129177D-28AF-42B9-AD3F-30783F81E2B0}"/>
+              </a:ext>
+            </a:extLst>
+          </p:cNvPr>
+          <p:cNvPicPr>
+            <a:picLocks noChangeAspect="1"/>
+          </p:cNvPicPr>
+          <p:nvPr/>
+        </p:nvPicPr>
+        <p:blipFill>
+          <a:blip r:embed="rId3" cstate="print">
+            <a:extLst>
+              <a:ext uri="{28A0092B-C50C-407E-A947-70E740481C1C}">
+                <a14:useLocalDpi xmlns:a14="http://schemas.microsoft.com/office/drawing/2010/main" val="0"/>
+              </a:ext>
+            </a:extLst>
+          </a:blip>
+          <a:stretch>
+            <a:fillRect/>
+          </a:stretch>
+        </p:blipFill>
+        <p:spPr>
+          <a:xfrm>
+            <a:off x="11277600" y="6269054"/>
+            <a:ext cx="550128" cy="550128"/>
+          </a:xfrm>
+          <a:prstGeom prst="rect">
+            <a:avLst/>
+          </a:prstGeom>
+        </p:spPr>
+      </p:pic>
+      <p:pic>
+        <p:nvPicPr>
+          <p:cNvPr id="13" name="Picture 12">
+            <a:extLst>
+              <a:ext uri="{FF2B5EF4-FFF2-40B4-BE49-F238E27FC236}">
+                <a16:creationId xmlns:a16="http://schemas.microsoft.com/office/drawing/2014/main" id="{3456ADC5-2793-4FE5-8017-FD10394D5975}"/>
+              </a:ext>
+            </a:extLst>
+          </p:cNvPr>
+          <p:cNvPicPr>
+            <a:picLocks noChangeAspect="1"/>
+          </p:cNvPicPr>
+          <p:nvPr/>
+        </p:nvPicPr>
+        <p:blipFill>
+          <a:blip r:embed="rId4" cstate="print">
+            <a:extLst>
+              <a:ext uri="{28A0092B-C50C-407E-A947-70E740481C1C}">
+                <a14:useLocalDpi xmlns:a14="http://schemas.microsoft.com/office/drawing/2010/main" val="0"/>
+              </a:ext>
+            </a:extLst>
+          </a:blip>
+          <a:stretch>
+            <a:fillRect/>
+          </a:stretch>
+        </p:blipFill>
+        <p:spPr>
+          <a:xfrm>
+            <a:off x="11182985" y="6230111"/>
+            <a:ext cx="628015" cy="628015"/>
+          </a:xfrm>
+          <a:prstGeom prst="rect">
+            <a:avLst/>
+          </a:prstGeom>
+        </p:spPr>
+      </p:pic>
+      <p:sp>
+        <p:nvSpPr>
+          <p:cNvPr id="3" name="Rectangle 2">
+            <a:extLst>
+              <a:ext uri="{FF2B5EF4-FFF2-40B4-BE49-F238E27FC236}">
+                <a16:creationId xmlns:a16="http://schemas.microsoft.com/office/drawing/2014/main" id="{85B66492-7631-4D77-854C-9D9B2C20CC19}"/>
+              </a:ext>
+            </a:extLst>
+          </p:cNvPr>
+          <p:cNvSpPr/>
+          <p:nvPr/>
+        </p:nvSpPr>
+        <p:spPr>
+          <a:xfrm>
+            <a:off x="708172" y="1243525"/>
+            <a:ext cx="6096000" cy="1477328"/>
+          </a:xfrm>
+          <a:prstGeom prst="rect">
+            <a:avLst/>
+          </a:prstGeom>
+        </p:spPr>
+        <p:txBody>
+          <a:bodyPr>
+            <a:spAutoFit/>
+          </a:bodyPr>
+          <a:lstStyle/>
           <a:p>
             <a:pPr marL="285750" indent="-285750">
               <a:buFont typeface="Arial" panose="020B0604020202020204" pitchFamily="34" charset="0"/>
               <a:buChar char="•"/>
             </a:pPr>
             <a:r>
-              <a:rPr lang="it-IT" dirty="0" err="1"/>
-              <a:t>Qiskit</a:t>
-            </a:r>
-            <a:r>
-              <a:rPr lang="it-IT" dirty="0"/>
-              <a:t> </a:t>
-            </a:r>
-            <a:r>
-              <a:rPr lang="it-IT" dirty="0" err="1"/>
-              <a:t>python</a:t>
-            </a:r>
-            <a:r>
-              <a:rPr lang="it-IT" dirty="0"/>
-              <a:t> </a:t>
-            </a:r>
-            <a:r>
-              <a:rPr lang="it-IT" dirty="0" err="1"/>
-              <a:t>library</a:t>
-            </a:r>
-            <a:r>
-              <a:rPr lang="it-IT" dirty="0"/>
-              <a:t> for VSVM</a:t>
-            </a:r>
-            <a:endParaRPr lang="en-GB" dirty="0"/>
+              <a:rPr lang="it-IT" u="sng" dirty="0"/>
+              <a:t>Active Learning framework</a:t>
+            </a:r>
+          </a:p>
+          <a:p>
+            <a:pPr marL="742950" lvl="1" indent="-285750">
+              <a:buFont typeface="Arial" panose="020B0604020202020204" pitchFamily="34" charset="0"/>
+              <a:buChar char="•"/>
+            </a:pPr>
+            <a:r>
+              <a:rPr lang="en-GB" dirty="0"/>
+              <a:t>A Survey of Active Learning Algorithms for Supervised Remote Sensing Image Classification</a:t>
+            </a:r>
+          </a:p>
+          <a:p>
+            <a:pPr marL="742950" lvl="1" indent="-285750">
+              <a:buFont typeface="Arial" panose="020B0604020202020204" pitchFamily="34" charset="0"/>
+              <a:buChar char="•"/>
+            </a:pPr>
+            <a:r>
+              <a:rPr lang="en-GB" dirty="0"/>
+              <a:t>Active Learning Methods for Remote Sensing Image Classification</a:t>
+            </a:r>
           </a:p>
         </p:txBody>
       </p:sp>
       <p:sp>
         <p:nvSpPr>
-          <p:cNvPr id="7" name="Rectangle 6">
+          <p:cNvPr id="4" name="Rectangle 3">
             <a:extLst>
               <a:ext uri="{FF2B5EF4-FFF2-40B4-BE49-F238E27FC236}">
-                <a16:creationId xmlns:a16="http://schemas.microsoft.com/office/drawing/2014/main" id="{AC66D211-AAF4-4661-818A-BC4D70F45A60}"/>
+                <a16:creationId xmlns:a16="http://schemas.microsoft.com/office/drawing/2014/main" id="{EA8F48A4-B9AC-4DA4-972A-FBE6314EBF73}"/>
               </a:ext>
             </a:extLst>
           </p:cNvPr>
@@ -5697,8 +6202,497 @@
         </p:nvSpPr>
         <p:spPr>
           <a:xfrm>
-            <a:off x="5463455" y="137480"/>
-            <a:ext cx="1265090" cy="369332"/>
+            <a:off x="1032756" y="2716951"/>
+            <a:ext cx="9101843" cy="2862322"/>
+          </a:xfrm>
+          <a:prstGeom prst="rect">
+            <a:avLst/>
+          </a:prstGeom>
+        </p:spPr>
+        <p:txBody>
+          <a:bodyPr wrap="square">
+            <a:spAutoFit/>
+          </a:bodyPr>
+          <a:lstStyle/>
+          <a:p>
+            <a:pPr lvl="1"/>
+            <a:r>
+              <a:rPr lang="en-GB" dirty="0"/>
+              <a:t>Large-Margin-Based Active Learning</a:t>
+            </a:r>
+          </a:p>
+          <a:p>
+            <a:pPr marL="1200150" lvl="2" indent="-285750">
+              <a:buFont typeface="Arial" panose="020B0604020202020204" pitchFamily="34" charset="0"/>
+              <a:buChar char="•"/>
+            </a:pPr>
+            <a:r>
+              <a:rPr lang="it-IT" dirty="0"/>
+              <a:t>M</a:t>
+            </a:r>
+            <a:r>
+              <a:rPr lang="en-GB" dirty="0" err="1"/>
+              <a:t>argin</a:t>
+            </a:r>
+            <a:r>
+              <a:rPr lang="en-GB" dirty="0"/>
+              <a:t> Sampling MS</a:t>
+            </a:r>
+          </a:p>
+          <a:p>
+            <a:pPr marL="1200150" lvl="2" indent="-285750">
+              <a:buFont typeface="Arial" panose="020B0604020202020204" pitchFamily="34" charset="0"/>
+              <a:buChar char="•"/>
+            </a:pPr>
+            <a:r>
+              <a:rPr lang="it-IT" dirty="0"/>
+              <a:t>M</a:t>
+            </a:r>
+            <a:r>
+              <a:rPr lang="en-GB" dirty="0" err="1"/>
+              <a:t>ulticlass</a:t>
+            </a:r>
+            <a:r>
+              <a:rPr lang="en-GB" dirty="0"/>
+              <a:t> Level Uncertainty MCLU</a:t>
+            </a:r>
+          </a:p>
+          <a:p>
+            <a:pPr marL="1200150" lvl="2" indent="-285750">
+              <a:buFont typeface="Arial" panose="020B0604020202020204" pitchFamily="34" charset="0"/>
+              <a:buChar char="•"/>
+            </a:pPr>
+            <a:r>
+              <a:rPr lang="it-IT" dirty="0"/>
+              <a:t>S</a:t>
+            </a:r>
+            <a:r>
+              <a:rPr lang="en-GB" dirty="0" err="1"/>
+              <a:t>ignificance</a:t>
+            </a:r>
+            <a:r>
+              <a:rPr lang="en-GB" dirty="0"/>
+              <a:t> Space </a:t>
+            </a:r>
+            <a:r>
+              <a:rPr lang="en-GB" dirty="0" err="1"/>
+              <a:t>Construnction</a:t>
+            </a:r>
+            <a:r>
+              <a:rPr lang="en-GB" dirty="0"/>
+              <a:t> SSC</a:t>
+            </a:r>
+          </a:p>
+          <a:p>
+            <a:pPr marL="1200150" lvl="2" indent="-285750">
+              <a:buFont typeface="Arial" panose="020B0604020202020204" pitchFamily="34" charset="0"/>
+              <a:buChar char="•"/>
+            </a:pPr>
+            <a:r>
+              <a:rPr lang="it-IT" dirty="0" err="1"/>
+              <a:t>Most</a:t>
+            </a:r>
+            <a:r>
+              <a:rPr lang="it-IT" dirty="0"/>
+              <a:t> </a:t>
+            </a:r>
+            <a:r>
+              <a:rPr lang="it-IT" dirty="0" err="1"/>
+              <a:t>Ambiguous</a:t>
+            </a:r>
+            <a:r>
+              <a:rPr lang="it-IT" dirty="0"/>
+              <a:t> and </a:t>
+            </a:r>
+            <a:r>
+              <a:rPr lang="it-IT" dirty="0" err="1"/>
+              <a:t>orthogonal</a:t>
+            </a:r>
+            <a:r>
+              <a:rPr lang="it-IT" dirty="0"/>
+              <a:t> MAO</a:t>
+            </a:r>
+          </a:p>
+          <a:p>
+            <a:pPr marL="1200150" lvl="2" indent="-285750">
+              <a:buFont typeface="Arial" panose="020B0604020202020204" pitchFamily="34" charset="0"/>
+              <a:buChar char="•"/>
+            </a:pPr>
+            <a:r>
+              <a:rPr lang="it-IT" dirty="0" err="1"/>
+              <a:t>Multiclass</a:t>
+            </a:r>
+            <a:r>
+              <a:rPr lang="it-IT" dirty="0"/>
+              <a:t> </a:t>
+            </a:r>
+            <a:r>
+              <a:rPr lang="it-IT" dirty="0" err="1"/>
+              <a:t>level</a:t>
+            </a:r>
+            <a:r>
+              <a:rPr lang="it-IT" dirty="0"/>
+              <a:t> </a:t>
+            </a:r>
+            <a:r>
+              <a:rPr lang="it-IT" dirty="0" err="1"/>
+              <a:t>uncertainty</a:t>
+            </a:r>
+            <a:r>
+              <a:rPr lang="it-IT" dirty="0"/>
+              <a:t>-angle-based </a:t>
+            </a:r>
+            <a:r>
+              <a:rPr lang="it-IT" dirty="0" err="1"/>
+              <a:t>diversity</a:t>
+            </a:r>
+            <a:r>
+              <a:rPr lang="it-IT" dirty="0"/>
+              <a:t> MCLU-ABD</a:t>
+            </a:r>
+          </a:p>
+          <a:p>
+            <a:pPr marL="1200150" lvl="2" indent="-285750">
+              <a:buFont typeface="Arial" panose="020B0604020202020204" pitchFamily="34" charset="0"/>
+              <a:buChar char="•"/>
+            </a:pPr>
+            <a:r>
+              <a:rPr lang="it-IT" dirty="0" err="1"/>
+              <a:t>Multiclass</a:t>
+            </a:r>
+            <a:r>
+              <a:rPr lang="it-IT" dirty="0"/>
+              <a:t> </a:t>
+            </a:r>
+            <a:r>
+              <a:rPr lang="it-IT" dirty="0" err="1"/>
+              <a:t>level</a:t>
+            </a:r>
+            <a:r>
+              <a:rPr lang="it-IT" dirty="0"/>
+              <a:t> </a:t>
+            </a:r>
+            <a:r>
+              <a:rPr lang="it-IT" dirty="0" err="1"/>
+              <a:t>uncertainty-enhanced</a:t>
+            </a:r>
+            <a:r>
+              <a:rPr lang="it-IT" dirty="0"/>
+              <a:t> cluster based </a:t>
+            </a:r>
+            <a:r>
+              <a:rPr lang="it-IT" dirty="0" err="1"/>
+              <a:t>diversity</a:t>
+            </a:r>
+            <a:r>
+              <a:rPr lang="it-IT" dirty="0"/>
+              <a:t> MCLU-ECBD</a:t>
+            </a:r>
+            <a:endParaRPr lang="en-GB" dirty="0"/>
+          </a:p>
+          <a:p>
+            <a:pPr lvl="1"/>
+            <a:r>
+              <a:rPr lang="en-GB" dirty="0"/>
+              <a:t>Posterior Probability-Based Active Learning</a:t>
+            </a:r>
+          </a:p>
+          <a:p>
+            <a:pPr marL="1200150" lvl="2" indent="-285750">
+              <a:buFont typeface="Arial" panose="020B0604020202020204" pitchFamily="34" charset="0"/>
+              <a:buChar char="•"/>
+            </a:pPr>
+            <a:r>
+              <a:rPr lang="en-GB" dirty="0" err="1"/>
+              <a:t>Kullbach</a:t>
+            </a:r>
+            <a:r>
+              <a:rPr lang="en-GB" dirty="0"/>
+              <a:t>–</a:t>
+            </a:r>
+            <a:r>
+              <a:rPr lang="en-GB" dirty="0" err="1"/>
+              <a:t>Leibler</a:t>
+            </a:r>
+            <a:r>
+              <a:rPr lang="en-GB" dirty="0"/>
+              <a:t> divergence KL</a:t>
+            </a:r>
+          </a:p>
+          <a:p>
+            <a:pPr marL="1200150" lvl="2" indent="-285750">
+              <a:buFont typeface="Arial" panose="020B0604020202020204" pitchFamily="34" charset="0"/>
+              <a:buChar char="•"/>
+            </a:pPr>
+            <a:r>
+              <a:rPr lang="en-GB" dirty="0"/>
+              <a:t>Breaking Ties (BT)</a:t>
+            </a:r>
+          </a:p>
+        </p:txBody>
+      </p:sp>
+      <p:pic>
+        <p:nvPicPr>
+          <p:cNvPr id="6" name="Graphic 5" descr="Checkmark">
+            <a:extLst>
+              <a:ext uri="{FF2B5EF4-FFF2-40B4-BE49-F238E27FC236}">
+                <a16:creationId xmlns:a16="http://schemas.microsoft.com/office/drawing/2014/main" id="{A029F770-4102-4EA1-A9E2-44EBA75FB1BB}"/>
+              </a:ext>
+            </a:extLst>
+          </p:cNvPr>
+          <p:cNvPicPr>
+            <a:picLocks noChangeAspect="1"/>
+          </p:cNvPicPr>
+          <p:nvPr/>
+        </p:nvPicPr>
+        <p:blipFill>
+          <a:blip r:embed="rId5" cstate="print">
+            <a:extLst>
+              <a:ext uri="{28A0092B-C50C-407E-A947-70E740481C1C}">
+                <a14:useLocalDpi xmlns:a14="http://schemas.microsoft.com/office/drawing/2010/main" val="0"/>
+              </a:ext>
+              <a:ext uri="{96DAC541-7B7A-43D3-8B79-37D633B846F1}">
+                <asvg:svgBlip xmlns:asvg="http://schemas.microsoft.com/office/drawing/2016/SVG/main" r:embed="rId6"/>
+              </a:ext>
+            </a:extLst>
+          </a:blip>
+          <a:stretch>
+            <a:fillRect/>
+          </a:stretch>
+        </p:blipFill>
+        <p:spPr>
+          <a:xfrm>
+            <a:off x="4343400" y="3014325"/>
+            <a:ext cx="267681" cy="267681"/>
+          </a:xfrm>
+          <a:prstGeom prst="rect">
+            <a:avLst/>
+          </a:prstGeom>
+        </p:spPr>
+      </p:pic>
+      <p:pic>
+        <p:nvPicPr>
+          <p:cNvPr id="14" name="Graphic 13" descr="Checkmark">
+            <a:extLst>
+              <a:ext uri="{FF2B5EF4-FFF2-40B4-BE49-F238E27FC236}">
+                <a16:creationId xmlns:a16="http://schemas.microsoft.com/office/drawing/2014/main" id="{C52B204F-9401-4C6D-8A5C-F12262CEE50A}"/>
+              </a:ext>
+            </a:extLst>
+          </p:cNvPr>
+          <p:cNvPicPr>
+            <a:picLocks noChangeAspect="1"/>
+          </p:cNvPicPr>
+          <p:nvPr/>
+        </p:nvPicPr>
+        <p:blipFill>
+          <a:blip r:embed="rId5" cstate="print">
+            <a:extLst>
+              <a:ext uri="{28A0092B-C50C-407E-A947-70E740481C1C}">
+                <a14:useLocalDpi xmlns:a14="http://schemas.microsoft.com/office/drawing/2010/main" val="0"/>
+              </a:ext>
+              <a:ext uri="{96DAC541-7B7A-43D3-8B79-37D633B846F1}">
+                <asvg:svgBlip xmlns:asvg="http://schemas.microsoft.com/office/drawing/2016/SVG/main" r:embed="rId6"/>
+              </a:ext>
+            </a:extLst>
+          </a:blip>
+          <a:stretch>
+            <a:fillRect/>
+          </a:stretch>
+        </p:blipFill>
+        <p:spPr>
+          <a:xfrm>
+            <a:off x="5637575" y="3307524"/>
+            <a:ext cx="267681" cy="267681"/>
+          </a:xfrm>
+          <a:prstGeom prst="rect">
+            <a:avLst/>
+          </a:prstGeom>
+        </p:spPr>
+      </p:pic>
+      <p:pic>
+        <p:nvPicPr>
+          <p:cNvPr id="15" name="Graphic 14" descr="Checkmark">
+            <a:extLst>
+              <a:ext uri="{FF2B5EF4-FFF2-40B4-BE49-F238E27FC236}">
+                <a16:creationId xmlns:a16="http://schemas.microsoft.com/office/drawing/2014/main" id="{EF8E6B4B-CD08-481E-91D7-B56733E0830F}"/>
+              </a:ext>
+            </a:extLst>
+          </p:cNvPr>
+          <p:cNvPicPr>
+            <a:picLocks noChangeAspect="1"/>
+          </p:cNvPicPr>
+          <p:nvPr/>
+        </p:nvPicPr>
+        <p:blipFill>
+          <a:blip r:embed="rId5" cstate="print">
+            <a:extLst>
+              <a:ext uri="{28A0092B-C50C-407E-A947-70E740481C1C}">
+                <a14:useLocalDpi xmlns:a14="http://schemas.microsoft.com/office/drawing/2010/main" val="0"/>
+              </a:ext>
+              <a:ext uri="{96DAC541-7B7A-43D3-8B79-37D633B846F1}">
+                <asvg:svgBlip xmlns:asvg="http://schemas.microsoft.com/office/drawing/2016/SVG/main" r:embed="rId6"/>
+              </a:ext>
+            </a:extLst>
+          </a:blip>
+          <a:stretch>
+            <a:fillRect/>
+          </a:stretch>
+        </p:blipFill>
+        <p:spPr>
+          <a:xfrm>
+            <a:off x="10392332" y="5247273"/>
+            <a:ext cx="267681" cy="267681"/>
+          </a:xfrm>
+          <a:prstGeom prst="rect">
+            <a:avLst/>
+          </a:prstGeom>
+        </p:spPr>
+      </p:pic>
+      <p:sp>
+        <p:nvSpPr>
+          <p:cNvPr id="12" name="Rectangle 11">
+            <a:extLst>
+              <a:ext uri="{FF2B5EF4-FFF2-40B4-BE49-F238E27FC236}">
+                <a16:creationId xmlns:a16="http://schemas.microsoft.com/office/drawing/2014/main" id="{136D9663-2037-4924-B3CC-0AD9573D6981}"/>
+              </a:ext>
+            </a:extLst>
+          </p:cNvPr>
+          <p:cNvSpPr/>
+          <p:nvPr/>
+        </p:nvSpPr>
+        <p:spPr>
+          <a:xfrm>
+            <a:off x="5943600" y="3256699"/>
+            <a:ext cx="4361387" cy="369332"/>
+          </a:xfrm>
+          <a:prstGeom prst="rect">
+            <a:avLst/>
+          </a:prstGeom>
+        </p:spPr>
+        <p:txBody>
+          <a:bodyPr wrap="none">
+            <a:spAutoFit/>
+          </a:bodyPr>
+          <a:lstStyle/>
+          <a:p>
+            <a:pPr lvl="2"/>
+            <a:r>
+              <a:rPr lang="it-IT" dirty="0"/>
+              <a:t>M</a:t>
+            </a:r>
+            <a:r>
+              <a:rPr lang="en-GB" dirty="0" err="1"/>
+              <a:t>ulticlass</a:t>
+            </a:r>
+            <a:r>
+              <a:rPr lang="en-GB" dirty="0"/>
+              <a:t> Level </a:t>
+            </a:r>
+            <a:r>
+              <a:rPr lang="en-GB" dirty="0" err="1"/>
+              <a:t>Probabbility</a:t>
+            </a:r>
+            <a:r>
+              <a:rPr lang="en-GB" dirty="0"/>
+              <a:t> MCLP</a:t>
+            </a:r>
+          </a:p>
+        </p:txBody>
+      </p:sp>
+      <p:pic>
+        <p:nvPicPr>
+          <p:cNvPr id="17" name="Graphic 16" descr="Add">
+            <a:extLst>
+              <a:ext uri="{FF2B5EF4-FFF2-40B4-BE49-F238E27FC236}">
+                <a16:creationId xmlns:a16="http://schemas.microsoft.com/office/drawing/2014/main" id="{EFDBB9F1-996C-4B4E-8779-E71C42757DF6}"/>
+              </a:ext>
+            </a:extLst>
+          </p:cNvPr>
+          <p:cNvPicPr>
+            <a:picLocks noChangeAspect="1"/>
+          </p:cNvPicPr>
+          <p:nvPr/>
+        </p:nvPicPr>
+        <p:blipFill>
+          <a:blip r:embed="rId7" cstate="print">
+            <a:extLst>
+              <a:ext uri="{28A0092B-C50C-407E-A947-70E740481C1C}">
+                <a14:useLocalDpi xmlns:a14="http://schemas.microsoft.com/office/drawing/2010/main" val="0"/>
+              </a:ext>
+              <a:ext uri="{96DAC541-7B7A-43D3-8B79-37D633B846F1}">
+                <asvg:svgBlip xmlns:asvg="http://schemas.microsoft.com/office/drawing/2016/SVG/main" r:embed="rId8"/>
+              </a:ext>
+            </a:extLst>
+          </a:blip>
+          <a:stretch>
+            <a:fillRect/>
+          </a:stretch>
+        </p:blipFill>
+        <p:spPr>
+          <a:xfrm>
+            <a:off x="6229840" y="3272226"/>
+            <a:ext cx="338275" cy="338275"/>
+          </a:xfrm>
+          <a:prstGeom prst="rect">
+            <a:avLst/>
+          </a:prstGeom>
+        </p:spPr>
+      </p:pic>
+      <p:pic>
+        <p:nvPicPr>
+          <p:cNvPr id="18" name="Graphic 17" descr="Checkmark">
+            <a:extLst>
+              <a:ext uri="{FF2B5EF4-FFF2-40B4-BE49-F238E27FC236}">
+                <a16:creationId xmlns:a16="http://schemas.microsoft.com/office/drawing/2014/main" id="{250C7AAE-68E4-4474-BCA6-267296DA96BC}"/>
+              </a:ext>
+            </a:extLst>
+          </p:cNvPr>
+          <p:cNvPicPr>
+            <a:picLocks noChangeAspect="1"/>
+          </p:cNvPicPr>
+          <p:nvPr/>
+        </p:nvPicPr>
+        <p:blipFill>
+          <a:blip r:embed="rId5" cstate="print">
+            <a:extLst>
+              <a:ext uri="{28A0092B-C50C-407E-A947-70E740481C1C}">
+                <a14:useLocalDpi xmlns:a14="http://schemas.microsoft.com/office/drawing/2010/main" val="0"/>
+              </a:ext>
+              <a:ext uri="{96DAC541-7B7A-43D3-8B79-37D633B846F1}">
+                <asvg:svgBlip xmlns:asvg="http://schemas.microsoft.com/office/drawing/2016/SVG/main" r:embed="rId6"/>
+              </a:ext>
+            </a:extLst>
+          </a:blip>
+          <a:stretch>
+            <a:fillRect/>
+          </a:stretch>
+        </p:blipFill>
+        <p:spPr>
+          <a:xfrm>
+            <a:off x="10286999" y="3282006"/>
+            <a:ext cx="267681" cy="267681"/>
+          </a:xfrm>
+          <a:prstGeom prst="rect">
+            <a:avLst/>
+          </a:prstGeom>
+        </p:spPr>
+      </p:pic>
+      <p:sp>
+        <p:nvSpPr>
+          <p:cNvPr id="5" name="Rectangle 4">
+            <a:extLst>
+              <a:ext uri="{FF2B5EF4-FFF2-40B4-BE49-F238E27FC236}">
+                <a16:creationId xmlns:a16="http://schemas.microsoft.com/office/drawing/2014/main" id="{3985F496-5A02-4CA7-B06E-E2A0CA25AD64}"/>
+              </a:ext>
+            </a:extLst>
+          </p:cNvPr>
+          <p:cNvSpPr/>
+          <p:nvPr/>
+        </p:nvSpPr>
+        <p:spPr>
+          <a:xfrm>
+            <a:off x="5447755" y="223355"/>
+            <a:ext cx="1902444" cy="369332"/>
           </a:xfrm>
           <a:prstGeom prst="rect">
             <a:avLst/>
@@ -5725,7 +6719,7 @@
                 <a:latin typeface="Microsoft Sans Serif"/>
                 <a:cs typeface="Microsoft Sans Serif"/>
               </a:rPr>
-              <a:t>Next</a:t>
+              <a:t>Current</a:t>
             </a:r>
             <a:r>
               <a:rPr lang="it-IT" spc="-5" dirty="0">
@@ -5742,7 +6736,7 @@
                 <a:latin typeface="Microsoft Sans Serif"/>
                 <a:cs typeface="Microsoft Sans Serif"/>
               </a:rPr>
-              <a:t> steps</a:t>
+              <a:t> progress</a:t>
             </a:r>
             <a:endParaRPr lang="en-GB" dirty="0">
               <a:effectLst>
@@ -5756,625 +6750,6 @@
           </a:p>
         </p:txBody>
       </p:sp>
-      <p:pic>
-        <p:nvPicPr>
-          <p:cNvPr id="8" name="Picture 7">
-            <a:extLst>
-              <a:ext uri="{FF2B5EF4-FFF2-40B4-BE49-F238E27FC236}">
-                <a16:creationId xmlns:a16="http://schemas.microsoft.com/office/drawing/2014/main" id="{7129177D-28AF-42B9-AD3F-30783F81E2B0}"/>
-              </a:ext>
-            </a:extLst>
-          </p:cNvPr>
-          <p:cNvPicPr>
-            <a:picLocks noChangeAspect="1"/>
-          </p:cNvPicPr>
-          <p:nvPr/>
-        </p:nvPicPr>
-        <p:blipFill>
-          <a:blip r:embed="rId3" cstate="print">
-            <a:extLst>
-              <a:ext uri="{28A0092B-C50C-407E-A947-70E740481C1C}">
-                <a14:useLocalDpi xmlns:a14="http://schemas.microsoft.com/office/drawing/2010/main" val="0"/>
-              </a:ext>
-            </a:extLst>
-          </a:blip>
-          <a:stretch>
-            <a:fillRect/>
-          </a:stretch>
-        </p:blipFill>
-        <p:spPr>
-          <a:xfrm>
-            <a:off x="11277600" y="6269054"/>
-            <a:ext cx="550128" cy="550128"/>
-          </a:xfrm>
-          <a:prstGeom prst="rect">
-            <a:avLst/>
-          </a:prstGeom>
-        </p:spPr>
-      </p:pic>
-      <p:pic>
-        <p:nvPicPr>
-          <p:cNvPr id="13" name="Picture 12">
-            <a:extLst>
-              <a:ext uri="{FF2B5EF4-FFF2-40B4-BE49-F238E27FC236}">
-                <a16:creationId xmlns:a16="http://schemas.microsoft.com/office/drawing/2014/main" id="{3456ADC5-2793-4FE5-8017-FD10394D5975}"/>
-              </a:ext>
-            </a:extLst>
-          </p:cNvPr>
-          <p:cNvPicPr>
-            <a:picLocks noChangeAspect="1"/>
-          </p:cNvPicPr>
-          <p:nvPr/>
-        </p:nvPicPr>
-        <p:blipFill>
-          <a:blip r:embed="rId4" cstate="print">
-            <a:extLst>
-              <a:ext uri="{28A0092B-C50C-407E-A947-70E740481C1C}">
-                <a14:useLocalDpi xmlns:a14="http://schemas.microsoft.com/office/drawing/2010/main" val="0"/>
-              </a:ext>
-            </a:extLst>
-          </a:blip>
-          <a:stretch>
-            <a:fillRect/>
-          </a:stretch>
-        </p:blipFill>
-        <p:spPr>
-          <a:xfrm>
-            <a:off x="11182985" y="6230111"/>
-            <a:ext cx="628015" cy="628015"/>
-          </a:xfrm>
-          <a:prstGeom prst="rect">
-            <a:avLst/>
-          </a:prstGeom>
-        </p:spPr>
-      </p:pic>
-      <p:sp>
-        <p:nvSpPr>
-          <p:cNvPr id="3" name="Rectangle 2">
-            <a:extLst>
-              <a:ext uri="{FF2B5EF4-FFF2-40B4-BE49-F238E27FC236}">
-                <a16:creationId xmlns:a16="http://schemas.microsoft.com/office/drawing/2014/main" id="{85B66492-7631-4D77-854C-9D9B2C20CC19}"/>
-              </a:ext>
-            </a:extLst>
-          </p:cNvPr>
-          <p:cNvSpPr/>
-          <p:nvPr/>
-        </p:nvSpPr>
-        <p:spPr>
-          <a:xfrm>
-            <a:off x="708172" y="1243525"/>
-            <a:ext cx="6096000" cy="1477328"/>
-          </a:xfrm>
-          <a:prstGeom prst="rect">
-            <a:avLst/>
-          </a:prstGeom>
-        </p:spPr>
-        <p:txBody>
-          <a:bodyPr>
-            <a:spAutoFit/>
-          </a:bodyPr>
-          <a:lstStyle/>
-          <a:p>
-            <a:pPr marL="285750" indent="-285750">
-              <a:buFont typeface="Arial" panose="020B0604020202020204" pitchFamily="34" charset="0"/>
-              <a:buChar char="•"/>
-            </a:pPr>
-            <a:r>
-              <a:rPr lang="it-IT" u="sng" dirty="0"/>
-              <a:t>Active Learning framework</a:t>
-            </a:r>
-          </a:p>
-          <a:p>
-            <a:pPr marL="742950" lvl="1" indent="-285750">
-              <a:buFont typeface="Arial" panose="020B0604020202020204" pitchFamily="34" charset="0"/>
-              <a:buChar char="•"/>
-            </a:pPr>
-            <a:r>
-              <a:rPr lang="en-GB" dirty="0"/>
-              <a:t>A Survey of Active Learning Algorithms for Supervised Remote Sensing Image Classification</a:t>
-            </a:r>
-          </a:p>
-          <a:p>
-            <a:pPr marL="742950" lvl="1" indent="-285750">
-              <a:buFont typeface="Arial" panose="020B0604020202020204" pitchFamily="34" charset="0"/>
-              <a:buChar char="•"/>
-            </a:pPr>
-            <a:r>
-              <a:rPr lang="en-GB" dirty="0"/>
-              <a:t>Active Learning Methods for Remote Sensing Image Classification</a:t>
-            </a:r>
-          </a:p>
-        </p:txBody>
-      </p:sp>
-      <p:sp>
-        <p:nvSpPr>
-          <p:cNvPr id="4" name="Rectangle 3">
-            <a:extLst>
-              <a:ext uri="{FF2B5EF4-FFF2-40B4-BE49-F238E27FC236}">
-                <a16:creationId xmlns:a16="http://schemas.microsoft.com/office/drawing/2014/main" id="{EA8F48A4-B9AC-4DA4-972A-FBE6314EBF73}"/>
-              </a:ext>
-            </a:extLst>
-          </p:cNvPr>
-          <p:cNvSpPr/>
-          <p:nvPr/>
-        </p:nvSpPr>
-        <p:spPr>
-          <a:xfrm>
-            <a:off x="1032756" y="2716951"/>
-            <a:ext cx="9101843" cy="2862322"/>
-          </a:xfrm>
-          <a:prstGeom prst="rect">
-            <a:avLst/>
-          </a:prstGeom>
-        </p:spPr>
-        <p:txBody>
-          <a:bodyPr wrap="square">
-            <a:spAutoFit/>
-          </a:bodyPr>
-          <a:lstStyle/>
-          <a:p>
-            <a:pPr lvl="1"/>
-            <a:r>
-              <a:rPr lang="en-GB" dirty="0"/>
-              <a:t>Large-Margin-Based Active Learning</a:t>
-            </a:r>
-          </a:p>
-          <a:p>
-            <a:pPr marL="1200150" lvl="2" indent="-285750">
-              <a:buFont typeface="Arial" panose="020B0604020202020204" pitchFamily="34" charset="0"/>
-              <a:buChar char="•"/>
-            </a:pPr>
-            <a:r>
-              <a:rPr lang="it-IT" dirty="0"/>
-              <a:t>M</a:t>
-            </a:r>
-            <a:r>
-              <a:rPr lang="en-GB" dirty="0" err="1"/>
-              <a:t>argin</a:t>
-            </a:r>
-            <a:r>
-              <a:rPr lang="en-GB" dirty="0"/>
-              <a:t> Sampling MS</a:t>
-            </a:r>
-          </a:p>
-          <a:p>
-            <a:pPr marL="1200150" lvl="2" indent="-285750">
-              <a:buFont typeface="Arial" panose="020B0604020202020204" pitchFamily="34" charset="0"/>
-              <a:buChar char="•"/>
-            </a:pPr>
-            <a:r>
-              <a:rPr lang="it-IT" dirty="0"/>
-              <a:t>M</a:t>
-            </a:r>
-            <a:r>
-              <a:rPr lang="en-GB" dirty="0" err="1"/>
-              <a:t>ulticlass</a:t>
-            </a:r>
-            <a:r>
-              <a:rPr lang="en-GB" dirty="0"/>
-              <a:t> Level Uncertainty MCLU</a:t>
-            </a:r>
-          </a:p>
-          <a:p>
-            <a:pPr marL="1200150" lvl="2" indent="-285750">
-              <a:buFont typeface="Arial" panose="020B0604020202020204" pitchFamily="34" charset="0"/>
-              <a:buChar char="•"/>
-            </a:pPr>
-            <a:r>
-              <a:rPr lang="it-IT" dirty="0"/>
-              <a:t>S</a:t>
-            </a:r>
-            <a:r>
-              <a:rPr lang="en-GB" dirty="0" err="1"/>
-              <a:t>ignificance</a:t>
-            </a:r>
-            <a:r>
-              <a:rPr lang="en-GB" dirty="0"/>
-              <a:t> Space </a:t>
-            </a:r>
-            <a:r>
-              <a:rPr lang="en-GB" dirty="0" err="1"/>
-              <a:t>Construnction</a:t>
-            </a:r>
-            <a:r>
-              <a:rPr lang="en-GB" dirty="0"/>
-              <a:t> SSC</a:t>
-            </a:r>
-          </a:p>
-          <a:p>
-            <a:pPr marL="1200150" lvl="2" indent="-285750">
-              <a:buFont typeface="Arial" panose="020B0604020202020204" pitchFamily="34" charset="0"/>
-              <a:buChar char="•"/>
-            </a:pPr>
-            <a:r>
-              <a:rPr lang="it-IT" dirty="0" err="1"/>
-              <a:t>Most</a:t>
-            </a:r>
-            <a:r>
-              <a:rPr lang="it-IT" dirty="0"/>
-              <a:t> </a:t>
-            </a:r>
-            <a:r>
-              <a:rPr lang="it-IT" dirty="0" err="1"/>
-              <a:t>Ambiguous</a:t>
-            </a:r>
-            <a:r>
-              <a:rPr lang="it-IT" dirty="0"/>
-              <a:t> and </a:t>
-            </a:r>
-            <a:r>
-              <a:rPr lang="it-IT" dirty="0" err="1"/>
-              <a:t>orthogonal</a:t>
-            </a:r>
-            <a:r>
-              <a:rPr lang="it-IT" dirty="0"/>
-              <a:t> MAO</a:t>
-            </a:r>
-          </a:p>
-          <a:p>
-            <a:pPr marL="1200150" lvl="2" indent="-285750">
-              <a:buFont typeface="Arial" panose="020B0604020202020204" pitchFamily="34" charset="0"/>
-              <a:buChar char="•"/>
-            </a:pPr>
-            <a:r>
-              <a:rPr lang="it-IT" dirty="0" err="1"/>
-              <a:t>Multiclass</a:t>
-            </a:r>
-            <a:r>
-              <a:rPr lang="it-IT" dirty="0"/>
-              <a:t> </a:t>
-            </a:r>
-            <a:r>
-              <a:rPr lang="it-IT" dirty="0" err="1"/>
-              <a:t>level</a:t>
-            </a:r>
-            <a:r>
-              <a:rPr lang="it-IT" dirty="0"/>
-              <a:t> </a:t>
-            </a:r>
-            <a:r>
-              <a:rPr lang="it-IT" dirty="0" err="1"/>
-              <a:t>uncertainty</a:t>
-            </a:r>
-            <a:r>
-              <a:rPr lang="it-IT" dirty="0"/>
-              <a:t>-angle-based </a:t>
-            </a:r>
-            <a:r>
-              <a:rPr lang="it-IT" dirty="0" err="1"/>
-              <a:t>diversity</a:t>
-            </a:r>
-            <a:r>
-              <a:rPr lang="it-IT" dirty="0"/>
-              <a:t> MCLU-ABD</a:t>
-            </a:r>
-          </a:p>
-          <a:p>
-            <a:pPr marL="1200150" lvl="2" indent="-285750">
-              <a:buFont typeface="Arial" panose="020B0604020202020204" pitchFamily="34" charset="0"/>
-              <a:buChar char="•"/>
-            </a:pPr>
-            <a:r>
-              <a:rPr lang="it-IT" dirty="0" err="1"/>
-              <a:t>Multiclass</a:t>
-            </a:r>
-            <a:r>
-              <a:rPr lang="it-IT" dirty="0"/>
-              <a:t> </a:t>
-            </a:r>
-            <a:r>
-              <a:rPr lang="it-IT" dirty="0" err="1"/>
-              <a:t>level</a:t>
-            </a:r>
-            <a:r>
-              <a:rPr lang="it-IT" dirty="0"/>
-              <a:t> </a:t>
-            </a:r>
-            <a:r>
-              <a:rPr lang="it-IT" dirty="0" err="1"/>
-              <a:t>uncertainty-enhanced</a:t>
-            </a:r>
-            <a:r>
-              <a:rPr lang="it-IT" dirty="0"/>
-              <a:t> cluster based </a:t>
-            </a:r>
-            <a:r>
-              <a:rPr lang="it-IT" dirty="0" err="1"/>
-              <a:t>diversity</a:t>
-            </a:r>
-            <a:r>
-              <a:rPr lang="it-IT" dirty="0"/>
-              <a:t> MCLU-ECBD</a:t>
-            </a:r>
-            <a:endParaRPr lang="en-GB" dirty="0"/>
-          </a:p>
-          <a:p>
-            <a:pPr lvl="1"/>
-            <a:r>
-              <a:rPr lang="en-GB" dirty="0"/>
-              <a:t>Posterior Probability-Based Active Learning</a:t>
-            </a:r>
-          </a:p>
-          <a:p>
-            <a:pPr marL="1200150" lvl="2" indent="-285750">
-              <a:buFont typeface="Arial" panose="020B0604020202020204" pitchFamily="34" charset="0"/>
-              <a:buChar char="•"/>
-            </a:pPr>
-            <a:r>
-              <a:rPr lang="en-GB" dirty="0" err="1"/>
-              <a:t>Kullbach</a:t>
-            </a:r>
-            <a:r>
-              <a:rPr lang="en-GB" dirty="0"/>
-              <a:t>–</a:t>
-            </a:r>
-            <a:r>
-              <a:rPr lang="en-GB" dirty="0" err="1"/>
-              <a:t>Leibler</a:t>
-            </a:r>
-            <a:r>
-              <a:rPr lang="en-GB" dirty="0"/>
-              <a:t> divergence KL</a:t>
-            </a:r>
-          </a:p>
-          <a:p>
-            <a:pPr marL="1200150" lvl="2" indent="-285750">
-              <a:buFont typeface="Arial" panose="020B0604020202020204" pitchFamily="34" charset="0"/>
-              <a:buChar char="•"/>
-            </a:pPr>
-            <a:r>
-              <a:rPr lang="en-GB" dirty="0"/>
-              <a:t>Breaking Ties (BT)</a:t>
-            </a:r>
-          </a:p>
-        </p:txBody>
-      </p:sp>
-      <p:pic>
-        <p:nvPicPr>
-          <p:cNvPr id="6" name="Graphic 5" descr="Checkmark">
-            <a:extLst>
-              <a:ext uri="{FF2B5EF4-FFF2-40B4-BE49-F238E27FC236}">
-                <a16:creationId xmlns:a16="http://schemas.microsoft.com/office/drawing/2014/main" id="{A029F770-4102-4EA1-A9E2-44EBA75FB1BB}"/>
-              </a:ext>
-            </a:extLst>
-          </p:cNvPr>
-          <p:cNvPicPr>
-            <a:picLocks noChangeAspect="1"/>
-          </p:cNvPicPr>
-          <p:nvPr/>
-        </p:nvPicPr>
-        <p:blipFill>
-          <a:blip r:embed="rId5" cstate="print">
-            <a:extLst>
-              <a:ext uri="{28A0092B-C50C-407E-A947-70E740481C1C}">
-                <a14:useLocalDpi xmlns:a14="http://schemas.microsoft.com/office/drawing/2010/main" val="0"/>
-              </a:ext>
-              <a:ext uri="{96DAC541-7B7A-43D3-8B79-37D633B846F1}">
-                <asvg:svgBlip xmlns:asvg="http://schemas.microsoft.com/office/drawing/2016/SVG/main" r:embed="rId6"/>
-              </a:ext>
-            </a:extLst>
-          </a:blip>
-          <a:stretch>
-            <a:fillRect/>
-          </a:stretch>
-        </p:blipFill>
-        <p:spPr>
-          <a:xfrm>
-            <a:off x="4343400" y="3014325"/>
-            <a:ext cx="267681" cy="267681"/>
-          </a:xfrm>
-          <a:prstGeom prst="rect">
-            <a:avLst/>
-          </a:prstGeom>
-        </p:spPr>
-      </p:pic>
-      <p:pic>
-        <p:nvPicPr>
-          <p:cNvPr id="14" name="Graphic 13" descr="Checkmark">
-            <a:extLst>
-              <a:ext uri="{FF2B5EF4-FFF2-40B4-BE49-F238E27FC236}">
-                <a16:creationId xmlns:a16="http://schemas.microsoft.com/office/drawing/2014/main" id="{C52B204F-9401-4C6D-8A5C-F12262CEE50A}"/>
-              </a:ext>
-            </a:extLst>
-          </p:cNvPr>
-          <p:cNvPicPr>
-            <a:picLocks noChangeAspect="1"/>
-          </p:cNvPicPr>
-          <p:nvPr/>
-        </p:nvPicPr>
-        <p:blipFill>
-          <a:blip r:embed="rId5" cstate="print">
-            <a:extLst>
-              <a:ext uri="{28A0092B-C50C-407E-A947-70E740481C1C}">
-                <a14:useLocalDpi xmlns:a14="http://schemas.microsoft.com/office/drawing/2010/main" val="0"/>
-              </a:ext>
-              <a:ext uri="{96DAC541-7B7A-43D3-8B79-37D633B846F1}">
-                <asvg:svgBlip xmlns:asvg="http://schemas.microsoft.com/office/drawing/2016/SVG/main" r:embed="rId6"/>
-              </a:ext>
-            </a:extLst>
-          </a:blip>
-          <a:stretch>
-            <a:fillRect/>
-          </a:stretch>
-        </p:blipFill>
-        <p:spPr>
-          <a:xfrm>
-            <a:off x="5637575" y="3307524"/>
-            <a:ext cx="267681" cy="267681"/>
-          </a:xfrm>
-          <a:prstGeom prst="rect">
-            <a:avLst/>
-          </a:prstGeom>
-        </p:spPr>
-      </p:pic>
-      <p:pic>
-        <p:nvPicPr>
-          <p:cNvPr id="15" name="Graphic 14" descr="Checkmark">
-            <a:extLst>
-              <a:ext uri="{FF2B5EF4-FFF2-40B4-BE49-F238E27FC236}">
-                <a16:creationId xmlns:a16="http://schemas.microsoft.com/office/drawing/2014/main" id="{EF8E6B4B-CD08-481E-91D7-B56733E0830F}"/>
-              </a:ext>
-            </a:extLst>
-          </p:cNvPr>
-          <p:cNvPicPr>
-            <a:picLocks noChangeAspect="1"/>
-          </p:cNvPicPr>
-          <p:nvPr/>
-        </p:nvPicPr>
-        <p:blipFill>
-          <a:blip r:embed="rId5" cstate="print">
-            <a:extLst>
-              <a:ext uri="{28A0092B-C50C-407E-A947-70E740481C1C}">
-                <a14:useLocalDpi xmlns:a14="http://schemas.microsoft.com/office/drawing/2010/main" val="0"/>
-              </a:ext>
-              <a:ext uri="{96DAC541-7B7A-43D3-8B79-37D633B846F1}">
-                <asvg:svgBlip xmlns:asvg="http://schemas.microsoft.com/office/drawing/2016/SVG/main" r:embed="rId6"/>
-              </a:ext>
-            </a:extLst>
-          </a:blip>
-          <a:stretch>
-            <a:fillRect/>
-          </a:stretch>
-        </p:blipFill>
-        <p:spPr>
-          <a:xfrm>
-            <a:off x="10388745" y="5503171"/>
-            <a:ext cx="267681" cy="267681"/>
-          </a:xfrm>
-          <a:prstGeom prst="rect">
-            <a:avLst/>
-          </a:prstGeom>
-        </p:spPr>
-      </p:pic>
-      <p:sp>
-        <p:nvSpPr>
-          <p:cNvPr id="12" name="Rectangle 11">
-            <a:extLst>
-              <a:ext uri="{FF2B5EF4-FFF2-40B4-BE49-F238E27FC236}">
-                <a16:creationId xmlns:a16="http://schemas.microsoft.com/office/drawing/2014/main" id="{136D9663-2037-4924-B3CC-0AD9573D6981}"/>
-              </a:ext>
-            </a:extLst>
-          </p:cNvPr>
-          <p:cNvSpPr/>
-          <p:nvPr/>
-        </p:nvSpPr>
-        <p:spPr>
-          <a:xfrm>
-            <a:off x="5943600" y="3256699"/>
-            <a:ext cx="4361387" cy="369332"/>
-          </a:xfrm>
-          <a:prstGeom prst="rect">
-            <a:avLst/>
-          </a:prstGeom>
-        </p:spPr>
-        <p:txBody>
-          <a:bodyPr wrap="none">
-            <a:spAutoFit/>
-          </a:bodyPr>
-          <a:lstStyle/>
-          <a:p>
-            <a:pPr lvl="2"/>
-            <a:r>
-              <a:rPr lang="it-IT" dirty="0"/>
-              <a:t>M</a:t>
-            </a:r>
-            <a:r>
-              <a:rPr lang="en-GB" dirty="0" err="1"/>
-              <a:t>ulticlass</a:t>
-            </a:r>
-            <a:r>
-              <a:rPr lang="en-GB" dirty="0"/>
-              <a:t> Level </a:t>
-            </a:r>
-            <a:r>
-              <a:rPr lang="en-GB" dirty="0" err="1"/>
-              <a:t>Probabbility</a:t>
-            </a:r>
-            <a:r>
-              <a:rPr lang="en-GB" dirty="0"/>
-              <a:t> MCLP</a:t>
-            </a:r>
-          </a:p>
-        </p:txBody>
-      </p:sp>
-      <p:pic>
-        <p:nvPicPr>
-          <p:cNvPr id="17" name="Graphic 16" descr="Add">
-            <a:extLst>
-              <a:ext uri="{FF2B5EF4-FFF2-40B4-BE49-F238E27FC236}">
-                <a16:creationId xmlns:a16="http://schemas.microsoft.com/office/drawing/2014/main" id="{EFDBB9F1-996C-4B4E-8779-E71C42757DF6}"/>
-              </a:ext>
-            </a:extLst>
-          </p:cNvPr>
-          <p:cNvPicPr>
-            <a:picLocks noChangeAspect="1"/>
-          </p:cNvPicPr>
-          <p:nvPr/>
-        </p:nvPicPr>
-        <p:blipFill>
-          <a:blip r:embed="rId7" cstate="print">
-            <a:extLst>
-              <a:ext uri="{28A0092B-C50C-407E-A947-70E740481C1C}">
-                <a14:useLocalDpi xmlns:a14="http://schemas.microsoft.com/office/drawing/2010/main" val="0"/>
-              </a:ext>
-              <a:ext uri="{96DAC541-7B7A-43D3-8B79-37D633B846F1}">
-                <asvg:svgBlip xmlns:asvg="http://schemas.microsoft.com/office/drawing/2016/SVG/main" r:embed="rId8"/>
-              </a:ext>
-            </a:extLst>
-          </a:blip>
-          <a:stretch>
-            <a:fillRect/>
-          </a:stretch>
-        </p:blipFill>
-        <p:spPr>
-          <a:xfrm>
-            <a:off x="6229840" y="3272226"/>
-            <a:ext cx="338275" cy="338275"/>
-          </a:xfrm>
-          <a:prstGeom prst="rect">
-            <a:avLst/>
-          </a:prstGeom>
-        </p:spPr>
-      </p:pic>
-      <p:pic>
-        <p:nvPicPr>
-          <p:cNvPr id="18" name="Graphic 17" descr="Checkmark">
-            <a:extLst>
-              <a:ext uri="{FF2B5EF4-FFF2-40B4-BE49-F238E27FC236}">
-                <a16:creationId xmlns:a16="http://schemas.microsoft.com/office/drawing/2014/main" id="{250C7AAE-68E4-4474-BCA6-267296DA96BC}"/>
-              </a:ext>
-            </a:extLst>
-          </p:cNvPr>
-          <p:cNvPicPr>
-            <a:picLocks noChangeAspect="1"/>
-          </p:cNvPicPr>
-          <p:nvPr/>
-        </p:nvPicPr>
-        <p:blipFill>
-          <a:blip r:embed="rId5" cstate="print">
-            <a:extLst>
-              <a:ext uri="{28A0092B-C50C-407E-A947-70E740481C1C}">
-                <a14:useLocalDpi xmlns:a14="http://schemas.microsoft.com/office/drawing/2010/main" val="0"/>
-              </a:ext>
-              <a:ext uri="{96DAC541-7B7A-43D3-8B79-37D633B846F1}">
-                <asvg:svgBlip xmlns:asvg="http://schemas.microsoft.com/office/drawing/2016/SVG/main" r:embed="rId6"/>
-              </a:ext>
-            </a:extLst>
-          </a:blip>
-          <a:stretch>
-            <a:fillRect/>
-          </a:stretch>
-        </p:blipFill>
-        <p:spPr>
-          <a:xfrm>
-            <a:off x="10286999" y="3282006"/>
-            <a:ext cx="267681" cy="267681"/>
-          </a:xfrm>
-          <a:prstGeom prst="rect">
-            <a:avLst/>
-          </a:prstGeom>
-        </p:spPr>
-      </p:pic>
     </p:spTree>
     <p:extLst>
       <p:ext uri="{BB962C8B-B14F-4D97-AF65-F5344CB8AC3E}">
@@ -6525,7 +6900,7 @@
         <p:spPr>
           <a:xfrm>
             <a:off x="914400" y="1066800"/>
-            <a:ext cx="6941003" cy="2862322"/>
+            <a:ext cx="6941003" cy="3693319"/>
           </a:xfrm>
           <a:prstGeom prst="rect">
             <a:avLst/>
@@ -6739,22 +7114,7 @@
               <a:buFont typeface="Arial" panose="020B0604020202020204" pitchFamily="34" charset="0"/>
               <a:buChar char="•"/>
             </a:pPr>
-            <a:r>
-              <a:rPr lang="it-IT" dirty="0" err="1"/>
-              <a:t>Marging</a:t>
-            </a:r>
-            <a:r>
-              <a:rPr lang="it-IT" dirty="0"/>
-              <a:t> </a:t>
-            </a:r>
-            <a:r>
-              <a:rPr lang="it-IT" dirty="0" err="1"/>
-              <a:t>sampling</a:t>
-            </a:r>
-            <a:r>
-              <a:rPr lang="it-IT" dirty="0"/>
-              <a:t> (MULTICORE)</a:t>
-            </a:r>
+            <a:endParaRPr lang="it-IT" dirty="0"/>
           </a:p>
           <a:p>
             <a:pPr marL="285750" indent="-285750">
@@ -6762,8 +7122,12 @@
               <a:buChar char="•"/>
             </a:pPr>
             <a:r>
-              <a:rPr lang="it-IT" dirty="0"/>
-              <a:t>MCLU </a:t>
+              <a:rPr lang="it-IT" dirty="0" err="1"/>
+              <a:t>Marging</a:t>
+            </a:r>
+            <a:r>
+              <a:rPr lang="it-IT" dirty="0"/>
+              <a:t> </a:t>
             </a:r>
             <a:r>
               <a:rPr lang="it-IT" dirty="0" err="1"/>
@@ -6773,6 +7137,38 @@
               <a:rPr lang="it-IT" dirty="0"/>
               <a:t> (MULTICORE)</a:t>
             </a:r>
+          </a:p>
+          <a:p>
+            <a:pPr marL="285750" indent="-285750">
+              <a:buFont typeface="Arial" panose="020B0604020202020204" pitchFamily="34" charset="0"/>
+              <a:buChar char="•"/>
+            </a:pPr>
+            <a:endParaRPr lang="it-IT" dirty="0"/>
+          </a:p>
+          <a:p>
+            <a:pPr marL="285750" indent="-285750">
+              <a:buFont typeface="Arial" panose="020B0604020202020204" pitchFamily="34" charset="0"/>
+              <a:buChar char="•"/>
+            </a:pPr>
+            <a:r>
+              <a:rPr lang="it-IT" dirty="0"/>
+              <a:t>MCLU </a:t>
+            </a:r>
+            <a:r>
+              <a:rPr lang="it-IT" dirty="0" err="1"/>
+              <a:t>sampling</a:t>
+            </a:r>
+            <a:r>
+              <a:rPr lang="it-IT" dirty="0"/>
+              <a:t> (MULTICORE)</a:t>
+            </a:r>
+          </a:p>
+          <a:p>
+            <a:pPr marL="285750" indent="-285750">
+              <a:buFont typeface="Arial" panose="020B0604020202020204" pitchFamily="34" charset="0"/>
+              <a:buChar char="•"/>
+            </a:pPr>
+            <a:endParaRPr lang="it-IT" dirty="0"/>
           </a:p>
           <a:p>
             <a:pPr marL="285750" indent="-285750">
@@ -6830,8 +7226,8 @@
         </p:nvSpPr>
         <p:spPr>
           <a:xfrm>
-            <a:off x="5463455" y="137480"/>
-            <a:ext cx="1265090" cy="369332"/>
+            <a:off x="5286804" y="152400"/>
+            <a:ext cx="2181687" cy="369332"/>
           </a:xfrm>
           <a:prstGeom prst="rect">
             <a:avLst/>
@@ -6858,7 +7254,7 @@
                 <a:latin typeface="Microsoft Sans Serif"/>
                 <a:cs typeface="Microsoft Sans Serif"/>
               </a:rPr>
-              <a:t>Next</a:t>
+              <a:t>Implemented</a:t>
             </a:r>
             <a:r>
               <a:rPr lang="it-IT" spc="-5" dirty="0">
@@ -6875,7 +7271,7 @@
                 <a:latin typeface="Microsoft Sans Serif"/>
                 <a:cs typeface="Microsoft Sans Serif"/>
               </a:rPr>
-              <a:t> steps</a:t>
+              <a:t>  steps</a:t>
             </a:r>
             <a:endParaRPr lang="en-GB" dirty="0">
               <a:effectLst>
@@ -6963,10 +7359,10 @@
       </p:pic>
       <p:pic>
         <p:nvPicPr>
-          <p:cNvPr id="15" name="Graphic 14" descr="Checkmark">
+          <p:cNvPr id="14" name="Picture 13">
             <a:extLst>
               <a:ext uri="{FF2B5EF4-FFF2-40B4-BE49-F238E27FC236}">
-                <a16:creationId xmlns:a16="http://schemas.microsoft.com/office/drawing/2014/main" id="{EF8E6B4B-CD08-481E-91D7-B56733E0830F}"/>
+                <a16:creationId xmlns:a16="http://schemas.microsoft.com/office/drawing/2014/main" id="{042E576F-9E28-4F1C-B2E8-CD21F2DB4948}"/>
               </a:ext>
             </a:extLst>
           </p:cNvPr>
@@ -6975,25 +7371,102 @@
           </p:cNvPicPr>
           <p:nvPr/>
         </p:nvPicPr>
-        <p:blipFill>
-          <a:blip r:embed="rId5" cstate="print">
-            <a:extLst>
-              <a:ext uri="{28A0092B-C50C-407E-A947-70E740481C1C}">
-                <a14:useLocalDpi xmlns:a14="http://schemas.microsoft.com/office/drawing/2010/main" val="0"/>
-              </a:ext>
-              <a:ext uri="{96DAC541-7B7A-43D3-8B79-37D633B846F1}">
-                <asvg:svgBlip xmlns:asvg="http://schemas.microsoft.com/office/drawing/2016/SVG/main" r:embed="rId6"/>
-              </a:ext>
-            </a:extLst>
-          </a:blip>
-          <a:stretch>
-            <a:fillRect/>
-          </a:stretch>
+        <p:blipFill rotWithShape="1">
+          <a:blip r:embed="rId5"/>
+          <a:srcRect l="3163" t="13805" r="903" b="14324"/>
+          <a:stretch/>
         </p:blipFill>
         <p:spPr>
           <a:xfrm>
-            <a:off x="10388745" y="5503171"/>
-            <a:ext cx="267681" cy="267681"/>
+            <a:off x="4724400" y="2913459"/>
+            <a:ext cx="3337885" cy="504415"/>
+          </a:xfrm>
+          <a:prstGeom prst="rect">
+            <a:avLst/>
+          </a:prstGeom>
+        </p:spPr>
+      </p:pic>
+      <p:pic>
+        <p:nvPicPr>
+          <p:cNvPr id="16" name="Picture 15">
+            <a:extLst>
+              <a:ext uri="{FF2B5EF4-FFF2-40B4-BE49-F238E27FC236}">
+                <a16:creationId xmlns:a16="http://schemas.microsoft.com/office/drawing/2014/main" id="{99AE6C36-B7A4-4C70-869B-0D814962DE90}"/>
+              </a:ext>
+            </a:extLst>
+          </p:cNvPr>
+          <p:cNvPicPr>
+            <a:picLocks noChangeAspect="1"/>
+          </p:cNvPicPr>
+          <p:nvPr/>
+        </p:nvPicPr>
+        <p:blipFill rotWithShape="1">
+          <a:blip r:embed="rId6"/>
+          <a:srcRect l="14256" t="60215" r="7291" b="6973"/>
+          <a:stretch/>
+        </p:blipFill>
+        <p:spPr>
+          <a:xfrm>
+            <a:off x="7548670" y="4017320"/>
+            <a:ext cx="3957529" cy="508604"/>
+          </a:xfrm>
+          <a:prstGeom prst="rect">
+            <a:avLst/>
+          </a:prstGeom>
+        </p:spPr>
+      </p:pic>
+      <p:pic>
+        <p:nvPicPr>
+          <p:cNvPr id="17" name="Picture 16">
+            <a:extLst>
+              <a:ext uri="{FF2B5EF4-FFF2-40B4-BE49-F238E27FC236}">
+                <a16:creationId xmlns:a16="http://schemas.microsoft.com/office/drawing/2014/main" id="{732E061B-7E4A-4054-B28D-8C00E304FE50}"/>
+              </a:ext>
+            </a:extLst>
+          </p:cNvPr>
+          <p:cNvPicPr>
+            <a:picLocks noChangeAspect="1"/>
+          </p:cNvPicPr>
+          <p:nvPr/>
+        </p:nvPicPr>
+        <p:blipFill rotWithShape="1">
+          <a:blip r:embed="rId6"/>
+          <a:srcRect l="634" t="37849" r="86792" b="38187"/>
+          <a:stretch/>
+        </p:blipFill>
+        <p:spPr>
+          <a:xfrm>
+            <a:off x="6706043" y="4075559"/>
+            <a:ext cx="669612" cy="392126"/>
+          </a:xfrm>
+          <a:prstGeom prst="rect">
+            <a:avLst/>
+          </a:prstGeom>
+        </p:spPr>
+      </p:pic>
+      <p:pic>
+        <p:nvPicPr>
+          <p:cNvPr id="18" name="Picture 17">
+            <a:extLst>
+              <a:ext uri="{FF2B5EF4-FFF2-40B4-BE49-F238E27FC236}">
+                <a16:creationId xmlns:a16="http://schemas.microsoft.com/office/drawing/2014/main" id="{9F59D4A7-21E7-44C7-9747-8A939E758584}"/>
+              </a:ext>
+            </a:extLst>
+          </p:cNvPr>
+          <p:cNvPicPr>
+            <a:picLocks noChangeAspect="1"/>
+          </p:cNvPicPr>
+          <p:nvPr/>
+        </p:nvPicPr>
+        <p:blipFill rotWithShape="1">
+          <a:blip r:embed="rId6"/>
+          <a:srcRect l="25783" t="4809" r="19635" b="67439"/>
+          <a:stretch/>
+        </p:blipFill>
+        <p:spPr>
+          <a:xfrm>
+            <a:off x="4724400" y="3465001"/>
+            <a:ext cx="3187149" cy="497941"/>
           </a:xfrm>
           <a:prstGeom prst="rect">
             <a:avLst/>
@@ -8338,12 +8811,11 @@
 </file>
 
 <file path=customXml/item1.xml><?xml version="1.0" encoding="utf-8"?>
-<?mso-contentType ?>
-<FormTemplates xmlns="http://schemas.microsoft.com/sharepoint/v3/contenttype/forms">
-  <Display>DocumentLibraryForm</Display>
-  <Edit>DocumentLibraryForm</Edit>
-  <New>DocumentLibraryForm</New>
-</FormTemplates>
+<p:properties xmlns:p="http://schemas.microsoft.com/office/2006/metadata/properties" xmlns:xsi="http://www.w3.org/2001/XMLSchema-instance" xmlns:pc="http://schemas.microsoft.com/office/infopath/2007/PartnerControls">
+  <documentManagement>
+    <_activity xmlns="c9eab120-891d-4e75-bbb7-983661d36c9c" xsi:nil="true"/>
+  </documentManagement>
+</p:properties>
 </file>
 
 <file path=customXml/item2.xml><?xml version="1.0" encoding="utf-8"?>
@@ -8576,17 +9048,27 @@
 </file>
 
 <file path=customXml/item3.xml><?xml version="1.0" encoding="utf-8"?>
-<p:properties xmlns:p="http://schemas.microsoft.com/office/2006/metadata/properties" xmlns:xsi="http://www.w3.org/2001/XMLSchema-instance" xmlns:pc="http://schemas.microsoft.com/office/infopath/2007/PartnerControls">
-  <documentManagement>
-    <_activity xmlns="c9eab120-891d-4e75-bbb7-983661d36c9c" xsi:nil="true"/>
-  </documentManagement>
-</p:properties>
+<?mso-contentType ?>
+<FormTemplates xmlns="http://schemas.microsoft.com/sharepoint/v3/contenttype/forms">
+  <Display>DocumentLibraryForm</Display>
+  <Edit>DocumentLibraryForm</Edit>
+  <New>DocumentLibraryForm</New>
+</FormTemplates>
 </file>
 
 <file path=customXml/itemProps1.xml><?xml version="1.0" encoding="utf-8"?>
-<ds:datastoreItem xmlns:ds="http://schemas.openxmlformats.org/officeDocument/2006/customXml" ds:itemID="{29D72105-E419-4657-8EC8-6C73137ECF2E}">
+<ds:datastoreItem xmlns:ds="http://schemas.openxmlformats.org/officeDocument/2006/customXml" ds:itemID="{0935546A-FCFF-49CF-A534-6766F9A5EAFB}">
   <ds:schemaRefs>
-    <ds:schemaRef ds:uri="http://schemas.microsoft.com/sharepoint/v3/contenttype/forms"/>
+    <ds:schemaRef ds:uri="http://schemas.openxmlformats.org/package/2006/metadata/core-properties"/>
+    <ds:schemaRef ds:uri="c9eab120-891d-4e75-bbb7-983661d36c9c"/>
+    <ds:schemaRef ds:uri="http://purl.org/dc/terms/"/>
+    <ds:schemaRef ds:uri="http://schemas.microsoft.com/office/2006/documentManagement/types"/>
+    <ds:schemaRef ds:uri="http://schemas.microsoft.com/office/infopath/2007/PartnerControls"/>
+    <ds:schemaRef ds:uri="http://purl.org/dc/elements/1.1/"/>
+    <ds:schemaRef ds:uri="2cbdb79f-05cb-4beb-bf79-a6aafc29ddd5"/>
+    <ds:schemaRef ds:uri="http://www.w3.org/XML/1998/namespace"/>
+    <ds:schemaRef ds:uri="http://schemas.microsoft.com/office/2006/metadata/properties"/>
+    <ds:schemaRef ds:uri="http://purl.org/dc/dcmitype/"/>
   </ds:schemaRefs>
 </ds:datastoreItem>
 </file>
@@ -8611,18 +9093,9 @@
 </file>
 
 <file path=customXml/itemProps3.xml><?xml version="1.0" encoding="utf-8"?>
-<ds:datastoreItem xmlns:ds="http://schemas.openxmlformats.org/officeDocument/2006/customXml" ds:itemID="{0935546A-FCFF-49CF-A534-6766F9A5EAFB}">
+<ds:datastoreItem xmlns:ds="http://schemas.openxmlformats.org/officeDocument/2006/customXml" ds:itemID="{29D72105-E419-4657-8EC8-6C73137ECF2E}">
   <ds:schemaRefs>
-    <ds:schemaRef ds:uri="http://schemas.openxmlformats.org/package/2006/metadata/core-properties"/>
-    <ds:schemaRef ds:uri="c9eab120-891d-4e75-bbb7-983661d36c9c"/>
-    <ds:schemaRef ds:uri="http://purl.org/dc/terms/"/>
-    <ds:schemaRef ds:uri="http://schemas.microsoft.com/office/2006/documentManagement/types"/>
-    <ds:schemaRef ds:uri="http://schemas.microsoft.com/office/infopath/2007/PartnerControls"/>
-    <ds:schemaRef ds:uri="http://purl.org/dc/elements/1.1/"/>
-    <ds:schemaRef ds:uri="2cbdb79f-05cb-4beb-bf79-a6aafc29ddd5"/>
-    <ds:schemaRef ds:uri="http://www.w3.org/XML/1998/namespace"/>
-    <ds:schemaRef ds:uri="http://schemas.microsoft.com/office/2006/metadata/properties"/>
-    <ds:schemaRef ds:uri="http://purl.org/dc/dcmitype/"/>
+    <ds:schemaRef ds:uri="http://schemas.microsoft.com/sharepoint/v3/contenttype/forms"/>
   </ds:schemaRefs>
 </ds:datastoreItem>
 </file>
--- a/presentation_CARLASSARA_10601118.pptx
+++ b/presentation_CARLASSARA_10601118.pptx
@@ -13,8 +13,8 @@
     <p:sldId id="313" r:id="rId7"/>
     <p:sldId id="309" r:id="rId8"/>
     <p:sldId id="311" r:id="rId9"/>
-    <p:sldId id="312" r:id="rId10"/>
-    <p:sldId id="314" r:id="rId11"/>
+    <p:sldId id="314" r:id="rId10"/>
+    <p:sldId id="312" r:id="rId11"/>
     <p:sldId id="287" r:id="rId12"/>
   </p:sldIdLst>
   <p:sldSz cx="12192000" cy="6858000"/>
@@ -132,6 +132,11 @@
             <a:srgbClr val="A4A3A4"/>
           </p15:clr>
         </p15:guide>
+        <p15:guide id="6" orient="horz" pos="336" userDrawn="1">
+          <p15:clr>
+            <a:srgbClr val="A4A3A4"/>
+          </p15:clr>
+        </p15:guide>
       </p15:sldGuideLst>
     </p:ext>
   </p:extLst>
@@ -224,7 +229,7 @@
           <a:p>
             <a:fld id="{2E347CE9-1F5D-4CEF-9CA7-664B3EF9808B}" type="datetimeFigureOut">
               <a:rPr lang="en-GB" smtClean="0"/>
-              <a:t>14/05/2024</a:t>
+              <a:t>16/05/2024</a:t>
             </a:fld>
             <a:endParaRPr lang="en-GB"/>
           </a:p>
@@ -631,7 +636,7 @@
           <a:p>
             <a:fld id="{1D8BD707-D9CF-40AE-B4C6-C98DA3205C09}" type="datetimeFigureOut">
               <a:rPr lang="en-US"/>
-              <a:t>5/14/2024</a:t>
+              <a:t>5/16/2024</a:t>
             </a:fld>
             <a:endParaRPr lang="en-US"/>
           </a:p>
@@ -806,7 +811,7 @@
           <a:p>
             <a:fld id="{1D8BD707-D9CF-40AE-B4C6-C98DA3205C09}" type="datetimeFigureOut">
               <a:rPr lang="en-US"/>
-              <a:t>5/14/2024</a:t>
+              <a:t>5/16/2024</a:t>
             </a:fld>
             <a:endParaRPr lang="en-US"/>
           </a:p>
@@ -1020,7 +1025,7 @@
           <a:p>
             <a:fld id="{1D8BD707-D9CF-40AE-B4C6-C98DA3205C09}" type="datetimeFigureOut">
               <a:rPr lang="en-US"/>
-              <a:t>5/14/2024</a:t>
+              <a:t>5/16/2024</a:t>
             </a:fld>
             <a:endParaRPr lang="en-US"/>
           </a:p>
@@ -1168,7 +1173,7 @@
           <a:p>
             <a:fld id="{1D8BD707-D9CF-40AE-B4C6-C98DA3205C09}" type="datetimeFigureOut">
               <a:rPr lang="en-US"/>
-              <a:t>5/14/2024</a:t>
+              <a:t>5/16/2024</a:t>
             </a:fld>
             <a:endParaRPr lang="en-US"/>
           </a:p>
@@ -1287,7 +1292,7 @@
           <a:p>
             <a:fld id="{1D8BD707-D9CF-40AE-B4C6-C98DA3205C09}" type="datetimeFigureOut">
               <a:rPr lang="en-US"/>
-              <a:t>5/14/2024</a:t>
+              <a:t>5/16/2024</a:t>
             </a:fld>
             <a:endParaRPr lang="en-US"/>
           </a:p>
@@ -1656,7 +1661,7 @@
           <a:p>
             <a:fld id="{1D8BD707-D9CF-40AE-B4C6-C98DA3205C09}" type="datetimeFigureOut">
               <a:rPr lang="en-US"/>
-              <a:t>5/14/2024</a:t>
+              <a:t>5/16/2024</a:t>
             </a:fld>
             <a:endParaRPr lang="en-US"/>
           </a:p>
@@ -2643,8 +2648,8 @@
         </p:nvSpPr>
         <p:spPr>
           <a:xfrm>
-            <a:off x="5335054" y="159026"/>
-            <a:ext cx="1521891" cy="369332"/>
+            <a:off x="5593458" y="159026"/>
+            <a:ext cx="1005083" cy="369332"/>
           </a:xfrm>
           <a:prstGeom prst="rect">
             <a:avLst/>
@@ -2657,7 +2662,7 @@
           <a:lstStyle/>
           <a:p>
             <a:r>
-              <a:rPr lang="it-IT" spc="-5" dirty="0" err="1">
+              <a:rPr lang="it-IT" spc="-5" dirty="0">
                 <a:solidFill>
                   <a:srgbClr val="FFFFFF"/>
                 </a:solidFill>
@@ -2671,41 +2676,7 @@
                 <a:latin typeface="Microsoft Sans Serif"/>
                 <a:cs typeface="Microsoft Sans Serif"/>
               </a:rPr>
-              <a:t>Paper</a:t>
-            </a:r>
-            <a:r>
-              <a:rPr lang="it-IT" spc="-5" dirty="0">
-                <a:solidFill>
-                  <a:srgbClr val="FFFFFF"/>
-                </a:solidFill>
-                <a:effectLst>
-                  <a:glow rad="101600">
-                    <a:schemeClr val="tx1">
-                      <a:alpha val="60000"/>
-                    </a:schemeClr>
-                  </a:glow>
-                </a:effectLst>
-                <a:latin typeface="Microsoft Sans Serif"/>
-                <a:cs typeface="Microsoft Sans Serif"/>
-              </a:rPr>
-              <a:t> </a:t>
-            </a:r>
-            <a:r>
-              <a:rPr lang="it-IT" spc="-5" dirty="0" err="1">
-                <a:solidFill>
-                  <a:srgbClr val="FFFFFF"/>
-                </a:solidFill>
-                <a:effectLst>
-                  <a:glow rad="101600">
-                    <a:schemeClr val="tx1">
-                      <a:alpha val="60000"/>
-                    </a:schemeClr>
-                  </a:glow>
-                </a:effectLst>
-                <a:latin typeface="Microsoft Sans Serif"/>
-                <a:cs typeface="Microsoft Sans Serif"/>
-              </a:rPr>
-              <a:t>review</a:t>
+              <a:t>Pipeline</a:t>
             </a:r>
             <a:endParaRPr lang="en-GB" dirty="0">
               <a:effectLst>
@@ -3091,7 +3062,7 @@
         </p:blipFill>
         <p:spPr>
           <a:xfrm>
-            <a:off x="829972" y="80936"/>
+            <a:off x="829972" y="655050"/>
             <a:ext cx="5179764" cy="3516055"/>
           </a:xfrm>
           <a:prstGeom prst="rect">
@@ -3121,7 +3092,7 @@
         </p:blipFill>
         <p:spPr>
           <a:xfrm>
-            <a:off x="6094640" y="80936"/>
+            <a:off x="6094640" y="655050"/>
             <a:ext cx="5410201" cy="4145550"/>
           </a:xfrm>
           <a:prstGeom prst="rect">
@@ -3131,10 +3102,10 @@
       </p:pic>
       <p:pic>
         <p:nvPicPr>
-          <p:cNvPr id="5" name="Picture 4">
+          <p:cNvPr id="12" name="Picture 11">
             <a:extLst>
               <a:ext uri="{FF2B5EF4-FFF2-40B4-BE49-F238E27FC236}">
-                <a16:creationId xmlns:a16="http://schemas.microsoft.com/office/drawing/2014/main" id="{2D72A866-A5C6-45F6-870B-9E9B39D48913}"/>
+                <a16:creationId xmlns:a16="http://schemas.microsoft.com/office/drawing/2014/main" id="{C1D25302-010C-44FE-8055-162AD1539989}"/>
               </a:ext>
             </a:extLst>
           </p:cNvPr>
@@ -3144,37 +3115,7 @@
           <p:nvPr/>
         </p:nvPicPr>
         <p:blipFill>
-          <a:blip r:embed="rId5"/>
-          <a:stretch>
-            <a:fillRect/>
-          </a:stretch>
-        </p:blipFill>
-        <p:spPr>
-          <a:xfrm>
-            <a:off x="779018" y="3596991"/>
-            <a:ext cx="5281671" cy="2596631"/>
-          </a:xfrm>
-          <a:prstGeom prst="rect">
-            <a:avLst/>
-          </a:prstGeom>
-        </p:spPr>
-      </p:pic>
-      <p:pic>
-        <p:nvPicPr>
-          <p:cNvPr id="12" name="Picture 11">
-            <a:extLst>
-              <a:ext uri="{FF2B5EF4-FFF2-40B4-BE49-F238E27FC236}">
-                <a16:creationId xmlns:a16="http://schemas.microsoft.com/office/drawing/2014/main" id="{C1D25302-010C-44FE-8055-162AD1539989}"/>
-              </a:ext>
-            </a:extLst>
-          </p:cNvPr>
-          <p:cNvPicPr>
-            <a:picLocks noChangeAspect="1"/>
-          </p:cNvPicPr>
-          <p:nvPr/>
-        </p:nvPicPr>
-        <p:blipFill>
-          <a:blip r:embed="rId6" cstate="print">
+          <a:blip r:embed="rId5" cstate="print">
             <a:extLst>
               <a:ext uri="{28A0092B-C50C-407E-A947-70E740481C1C}">
                 <a14:useLocalDpi xmlns:a14="http://schemas.microsoft.com/office/drawing/2010/main" val="0"/>
@@ -3195,6 +3136,62 @@
           </a:prstGeom>
         </p:spPr>
       </p:pic>
+      <p:sp>
+        <p:nvSpPr>
+          <p:cNvPr id="2" name="Rectangle 1">
+            <a:extLst>
+              <a:ext uri="{FF2B5EF4-FFF2-40B4-BE49-F238E27FC236}">
+                <a16:creationId xmlns:a16="http://schemas.microsoft.com/office/drawing/2014/main" id="{2F582CEA-A4D9-4AA7-863C-506C848D1B3E}"/>
+              </a:ext>
+            </a:extLst>
+          </p:cNvPr>
+          <p:cNvSpPr/>
+          <p:nvPr/>
+        </p:nvSpPr>
+        <p:spPr>
+          <a:xfrm>
+            <a:off x="5333694" y="164068"/>
+            <a:ext cx="1476366" cy="369332"/>
+          </a:xfrm>
+          <a:prstGeom prst="rect">
+            <a:avLst/>
+          </a:prstGeom>
+        </p:spPr>
+        <p:txBody>
+          <a:bodyPr wrap="none">
+            <a:spAutoFit/>
+          </a:bodyPr>
+          <a:lstStyle/>
+          <a:p>
+            <a:r>
+              <a:rPr lang="it-IT" spc="-5" dirty="0" err="1">
+                <a:solidFill>
+                  <a:srgbClr val="FFFFFF"/>
+                </a:solidFill>
+                <a:effectLst>
+                  <a:glow rad="101600">
+                    <a:schemeClr val="tx1">
+                      <a:alpha val="60000"/>
+                    </a:schemeClr>
+                  </a:glow>
+                </a:effectLst>
+                <a:latin typeface="Microsoft Sans Serif"/>
+                <a:cs typeface="Microsoft Sans Serif"/>
+              </a:rPr>
+              <a:t>Functionality</a:t>
+            </a:r>
+            <a:endParaRPr lang="en-GB" dirty="0">
+              <a:effectLst>
+                <a:glow rad="101600">
+                  <a:schemeClr val="tx1">
+                    <a:alpha val="60000"/>
+                  </a:schemeClr>
+                </a:glow>
+              </a:effectLst>
+            </a:endParaRPr>
+          </a:p>
+        </p:txBody>
+      </p:sp>
     </p:spTree>
     <p:extLst>
       <p:ext uri="{BB962C8B-B14F-4D97-AF65-F5344CB8AC3E}">
@@ -3344,7 +3341,7 @@
         </p:nvSpPr>
         <p:spPr>
           <a:xfrm>
-            <a:off x="5180044" y="207523"/>
+            <a:off x="5180044" y="152400"/>
             <a:ext cx="1831912" cy="369332"/>
           </a:xfrm>
           <a:prstGeom prst="rect">
@@ -4886,7 +4883,7 @@
         </p:nvSpPr>
         <p:spPr>
           <a:xfrm>
-            <a:off x="5347397" y="184245"/>
+            <a:off x="5403344" y="152400"/>
             <a:ext cx="1497205" cy="369332"/>
           </a:xfrm>
           <a:prstGeom prst="rect">
@@ -5051,7 +5048,7 @@
         </p:nvSpPr>
         <p:spPr>
           <a:xfrm>
-            <a:off x="5197383" y="1560165"/>
+            <a:off x="6858821" y="1591093"/>
             <a:ext cx="599716" cy="369332"/>
           </a:xfrm>
           <a:prstGeom prst="rect">
@@ -5085,7 +5082,7 @@
         </p:nvSpPr>
         <p:spPr>
           <a:xfrm>
-            <a:off x="6154054" y="1560165"/>
+            <a:off x="7815492" y="1591093"/>
             <a:ext cx="2634183" cy="369332"/>
           </a:xfrm>
           <a:prstGeom prst="rect">
@@ -5120,7 +5117,7 @@
         </p:nvSpPr>
         <p:spPr>
           <a:xfrm>
-            <a:off x="6154054" y="1975208"/>
+            <a:off x="7815492" y="2006136"/>
             <a:ext cx="1763111" cy="369332"/>
           </a:xfrm>
           <a:prstGeom prst="rect">
@@ -6002,8 +5999,8 @@
         </p:nvSpPr>
         <p:spPr>
           <a:xfrm>
-            <a:off x="6923920" y="5191789"/>
-            <a:ext cx="3535263" cy="646331"/>
+            <a:off x="914400" y="1066800"/>
+            <a:ext cx="6941003" cy="3970318"/>
           </a:xfrm>
           <a:prstGeom prst="rect">
             <a:avLst/>
@@ -6021,9 +6018,42 @@
               <a:buChar char="•"/>
             </a:pPr>
             <a:r>
-              <a:rPr lang="it-IT" dirty="0"/>
-              <a:t>Test code on a different machine</a:t>
-            </a:r>
+              <a:rPr lang="it-IT" dirty="0" err="1"/>
+              <a:t>Multiplecores</a:t>
+            </a:r>
+            <a:r>
+              <a:rPr lang="it-IT" dirty="0"/>
+              <a:t> for </a:t>
+            </a:r>
+            <a:r>
+              <a:rPr lang="it-IT" dirty="0" err="1"/>
+              <a:t>parallel</a:t>
+            </a:r>
+            <a:r>
+              <a:rPr lang="it-IT" dirty="0"/>
+              <a:t> computing -&gt; </a:t>
+            </a:r>
+            <a:r>
+              <a:rPr lang="it-IT" i="1" dirty="0" err="1"/>
+              <a:t>foreach</a:t>
+            </a:r>
+            <a:r>
+              <a:rPr lang="it-IT" dirty="0"/>
+              <a:t> &amp; </a:t>
+            </a:r>
+            <a:r>
+              <a:rPr lang="it-IT" i="1" dirty="0" err="1"/>
+              <a:t>doParallel</a:t>
+            </a:r>
+            <a:r>
+              <a:rPr lang="it-IT" dirty="0"/>
+              <a:t> </a:t>
+            </a:r>
+            <a:r>
+              <a:rPr lang="it-IT" dirty="0" err="1"/>
+              <a:t>libraries</a:t>
+            </a:r>
+            <a:endParaRPr lang="it-IT" dirty="0"/>
           </a:p>
           <a:p>
             <a:pPr marL="285750" indent="-285750">
@@ -6031,140 +6061,80 @@
               <a:buChar char="•"/>
             </a:pPr>
             <a:r>
-              <a:rPr lang="it-IT" dirty="0" err="1"/>
-              <a:t>Qiskit</a:t>
-            </a:r>
-            <a:r>
-              <a:rPr lang="it-IT" dirty="0"/>
+              <a:rPr lang="it-IT" dirty="0"/>
+              <a:t>Save </a:t>
+            </a:r>
+            <a:r>
+              <a:rPr lang="it-IT" i="1" dirty="0" err="1"/>
+              <a:t>trained</a:t>
+            </a:r>
+            <a:r>
+              <a:rPr lang="it-IT" i="1" dirty="0"/>
               <a:t> </a:t>
             </a:r>
             <a:r>
-              <a:rPr lang="it-IT" dirty="0" err="1"/>
-              <a:t>python</a:t>
-            </a:r>
-            <a:r>
-              <a:rPr lang="it-IT" dirty="0"/>
-              <a:t> </a:t>
-            </a:r>
-            <a:r>
-              <a:rPr lang="it-IT" dirty="0" err="1"/>
-              <a:t>library</a:t>
-            </a:r>
-            <a:r>
-              <a:rPr lang="it-IT" dirty="0"/>
-              <a:t> for VSVM</a:t>
-            </a:r>
-            <a:endParaRPr lang="en-GB" dirty="0"/>
-          </a:p>
-        </p:txBody>
-      </p:sp>
-      <p:pic>
-        <p:nvPicPr>
-          <p:cNvPr id="8" name="Picture 7">
-            <a:extLst>
-              <a:ext uri="{FF2B5EF4-FFF2-40B4-BE49-F238E27FC236}">
-                <a16:creationId xmlns:a16="http://schemas.microsoft.com/office/drawing/2014/main" id="{7129177D-28AF-42B9-AD3F-30783F81E2B0}"/>
-              </a:ext>
-            </a:extLst>
-          </p:cNvPr>
-          <p:cNvPicPr>
-            <a:picLocks noChangeAspect="1"/>
-          </p:cNvPicPr>
-          <p:nvPr/>
-        </p:nvPicPr>
-        <p:blipFill>
-          <a:blip r:embed="rId3" cstate="print">
-            <a:extLst>
-              <a:ext uri="{28A0092B-C50C-407E-A947-70E740481C1C}">
-                <a14:useLocalDpi xmlns:a14="http://schemas.microsoft.com/office/drawing/2010/main" val="0"/>
-              </a:ext>
-            </a:extLst>
-          </a:blip>
-          <a:stretch>
-            <a:fillRect/>
-          </a:stretch>
-        </p:blipFill>
-        <p:spPr>
-          <a:xfrm>
-            <a:off x="11277600" y="6269054"/>
-            <a:ext cx="550128" cy="550128"/>
-          </a:xfrm>
-          <a:prstGeom prst="rect">
-            <a:avLst/>
-          </a:prstGeom>
-        </p:spPr>
-      </p:pic>
-      <p:pic>
-        <p:nvPicPr>
-          <p:cNvPr id="13" name="Picture 12">
-            <a:extLst>
-              <a:ext uri="{FF2B5EF4-FFF2-40B4-BE49-F238E27FC236}">
-                <a16:creationId xmlns:a16="http://schemas.microsoft.com/office/drawing/2014/main" id="{3456ADC5-2793-4FE5-8017-FD10394D5975}"/>
-              </a:ext>
-            </a:extLst>
-          </p:cNvPr>
-          <p:cNvPicPr>
-            <a:picLocks noChangeAspect="1"/>
-          </p:cNvPicPr>
-          <p:nvPr/>
-        </p:nvPicPr>
-        <p:blipFill>
-          <a:blip r:embed="rId4" cstate="print">
-            <a:extLst>
-              <a:ext uri="{28A0092B-C50C-407E-A947-70E740481C1C}">
-                <a14:useLocalDpi xmlns:a14="http://schemas.microsoft.com/office/drawing/2010/main" val="0"/>
-              </a:ext>
-            </a:extLst>
-          </a:blip>
-          <a:stretch>
-            <a:fillRect/>
-          </a:stretch>
-        </p:blipFill>
-        <p:spPr>
-          <a:xfrm>
-            <a:off x="11182985" y="6230111"/>
-            <a:ext cx="628015" cy="628015"/>
-          </a:xfrm>
-          <a:prstGeom prst="rect">
-            <a:avLst/>
-          </a:prstGeom>
-        </p:spPr>
-      </p:pic>
-      <p:sp>
-        <p:nvSpPr>
-          <p:cNvPr id="3" name="Rectangle 2">
-            <a:extLst>
-              <a:ext uri="{FF2B5EF4-FFF2-40B4-BE49-F238E27FC236}">
-                <a16:creationId xmlns:a16="http://schemas.microsoft.com/office/drawing/2014/main" id="{85B66492-7631-4D77-854C-9D9B2C20CC19}"/>
-              </a:ext>
-            </a:extLst>
-          </p:cNvPr>
-          <p:cNvSpPr/>
-          <p:nvPr/>
-        </p:nvSpPr>
-        <p:spPr>
-          <a:xfrm>
-            <a:off x="708172" y="1243525"/>
-            <a:ext cx="6096000" cy="1477328"/>
-          </a:xfrm>
-          <a:prstGeom prst="rect">
-            <a:avLst/>
-          </a:prstGeom>
-        </p:spPr>
-        <p:txBody>
-          <a:bodyPr>
-            <a:spAutoFit/>
-          </a:bodyPr>
-          <a:lstStyle/>
+              <a:rPr lang="it-IT" i="1" dirty="0" err="1"/>
+              <a:t>models</a:t>
+            </a:r>
+            <a:endParaRPr lang="it-IT" i="1" dirty="0"/>
+          </a:p>
           <a:p>
             <a:pPr marL="285750" indent="-285750">
               <a:buFont typeface="Arial" panose="020B0604020202020204" pitchFamily="34" charset="0"/>
               <a:buChar char="•"/>
             </a:pPr>
             <a:r>
-              <a:rPr lang="it-IT" u="sng" dirty="0"/>
-              <a:t>Active Learning framework</a:t>
-            </a:r>
+              <a:rPr lang="it-IT" dirty="0" err="1"/>
+              <a:t>Added</a:t>
+            </a:r>
+            <a:r>
+              <a:rPr lang="it-IT" dirty="0"/>
+              <a:t> class </a:t>
+            </a:r>
+            <a:r>
+              <a:rPr lang="it-IT" i="1" dirty="0" err="1"/>
+              <a:t>probability</a:t>
+            </a:r>
+            <a:endParaRPr lang="it-IT" i="1" dirty="0"/>
+          </a:p>
+          <a:p>
+            <a:pPr marL="285750" indent="-285750">
+              <a:buFont typeface="Arial" panose="020B0604020202020204" pitchFamily="34" charset="0"/>
+              <a:buChar char="•"/>
+            </a:pPr>
+            <a:r>
+              <a:rPr lang="it-IT" dirty="0"/>
+              <a:t>From </a:t>
+            </a:r>
+            <a:r>
+              <a:rPr lang="it-IT" dirty="0" err="1"/>
+              <a:t>euclidean</a:t>
+            </a:r>
+            <a:r>
+              <a:rPr lang="it-IT" dirty="0"/>
+              <a:t> </a:t>
+            </a:r>
+            <a:r>
+              <a:rPr lang="it-IT" dirty="0" err="1"/>
+              <a:t>distance</a:t>
+            </a:r>
+            <a:r>
+              <a:rPr lang="it-IT" dirty="0"/>
+              <a:t> to kernel </a:t>
+            </a:r>
+            <a:r>
+              <a:rPr lang="it-IT" dirty="0" err="1"/>
+              <a:t>distance</a:t>
+            </a:r>
+            <a:r>
+              <a:rPr lang="it-IT" dirty="0"/>
+              <a:t> </a:t>
+            </a:r>
+            <a:r>
+              <a:rPr lang="it-IT" dirty="0" err="1"/>
+              <a:t>function</a:t>
+            </a:r>
+            <a:endParaRPr lang="it-IT" dirty="0"/>
           </a:p>
           <a:p>
             <a:pPr marL="742950" lvl="1" indent="-285750">
@@ -6172,28 +6142,182 @@
               <a:buChar char="•"/>
             </a:pPr>
             <a:r>
-              <a:rPr lang="en-GB" dirty="0"/>
-              <a:t>A Survey of Active Learning Algorithms for Supervised Remote Sensing Image Classification</a:t>
-            </a:r>
-          </a:p>
-          <a:p>
-            <a:pPr marL="742950" lvl="1" indent="-285750">
+              <a:rPr lang="it-IT" i="1" dirty="0"/>
+              <a:t>RBF kernel </a:t>
+            </a:r>
+            <a:r>
+              <a:rPr lang="it-IT" dirty="0" err="1"/>
+              <a:t>function</a:t>
+            </a:r>
+            <a:r>
+              <a:rPr lang="it-IT" dirty="0"/>
+              <a:t> </a:t>
+            </a:r>
+            <a:r>
+              <a:rPr lang="it-IT" dirty="0" err="1"/>
+              <a:t>implementation</a:t>
+            </a:r>
+            <a:endParaRPr lang="it-IT" dirty="0"/>
+          </a:p>
+          <a:p>
+            <a:pPr marL="285750" indent="-285750">
               <a:buFont typeface="Arial" panose="020B0604020202020204" pitchFamily="34" charset="0"/>
               <a:buChar char="•"/>
             </a:pPr>
             <a:r>
-              <a:rPr lang="en-GB" dirty="0"/>
-              <a:t>Active Learning Methods for Remote Sensing Image Classification</a:t>
+              <a:rPr lang="it-IT" dirty="0" err="1"/>
+              <a:t>Adapt</a:t>
+            </a:r>
+            <a:r>
+              <a:rPr lang="it-IT" dirty="0"/>
+              <a:t> </a:t>
+            </a:r>
+            <a:r>
+              <a:rPr lang="it-IT" i="1" dirty="0" err="1"/>
+              <a:t>pred_one</a:t>
+            </a:r>
+            <a:r>
+              <a:rPr lang="it-IT" i="1" dirty="0"/>
+              <a:t> </a:t>
+            </a:r>
+            <a:r>
+              <a:rPr lang="it-IT" dirty="0" err="1"/>
+              <a:t>function</a:t>
+            </a:r>
+            <a:r>
+              <a:rPr lang="it-IT" dirty="0"/>
+              <a:t> to different class </a:t>
+            </a:r>
+            <a:r>
+              <a:rPr lang="it-IT" dirty="0" err="1"/>
+              <a:t>label</a:t>
+            </a:r>
+            <a:r>
+              <a:rPr lang="it-IT" dirty="0"/>
+              <a:t> </a:t>
+            </a:r>
+            <a:r>
+              <a:rPr lang="it-IT" dirty="0" err="1"/>
+              <a:t>distances</a:t>
+            </a:r>
+            <a:endParaRPr lang="it-IT" dirty="0"/>
+          </a:p>
+          <a:p>
+            <a:pPr marL="285750" indent="-285750">
+              <a:buFont typeface="Arial" panose="020B0604020202020204" pitchFamily="34" charset="0"/>
+              <a:buChar char="•"/>
+            </a:pPr>
+            <a:endParaRPr lang="it-IT" dirty="0"/>
+          </a:p>
+          <a:p>
+            <a:pPr marL="285750" indent="-285750">
+              <a:buFont typeface="Arial" panose="020B0604020202020204" pitchFamily="34" charset="0"/>
+              <a:buChar char="•"/>
+            </a:pPr>
+            <a:r>
+              <a:rPr lang="it-IT" dirty="0" err="1"/>
+              <a:t>Marging</a:t>
+            </a:r>
+            <a:r>
+              <a:rPr lang="it-IT" dirty="0"/>
+              <a:t> </a:t>
+            </a:r>
+            <a:r>
+              <a:rPr lang="it-IT" dirty="0" err="1"/>
+              <a:t>sampling</a:t>
+            </a:r>
+            <a:r>
+              <a:rPr lang="it-IT" dirty="0"/>
+              <a:t> (MULTICORE)</a:t>
+            </a:r>
+          </a:p>
+          <a:p>
+            <a:pPr marL="285750" indent="-285750">
+              <a:buFont typeface="Arial" panose="020B0604020202020204" pitchFamily="34" charset="0"/>
+              <a:buChar char="•"/>
+            </a:pPr>
+            <a:endParaRPr lang="it-IT" dirty="0"/>
+          </a:p>
+          <a:p>
+            <a:pPr marL="285750" indent="-285750">
+              <a:buFont typeface="Arial" panose="020B0604020202020204" pitchFamily="34" charset="0"/>
+              <a:buChar char="•"/>
+            </a:pPr>
+            <a:r>
+              <a:rPr lang="it-IT" dirty="0"/>
+              <a:t>MCLU </a:t>
+            </a:r>
+            <a:r>
+              <a:rPr lang="it-IT" dirty="0" err="1"/>
+              <a:t>sampling</a:t>
+            </a:r>
+            <a:r>
+              <a:rPr lang="it-IT" dirty="0"/>
+              <a:t> (MULTICORE)</a:t>
+            </a:r>
+          </a:p>
+          <a:p>
+            <a:pPr marL="285750" indent="-285750">
+              <a:buFont typeface="Arial" panose="020B0604020202020204" pitchFamily="34" charset="0"/>
+              <a:buChar char="•"/>
+            </a:pPr>
+            <a:endParaRPr lang="it-IT" dirty="0"/>
+          </a:p>
+          <a:p>
+            <a:pPr marL="285750" indent="-285750">
+              <a:buFont typeface="Arial" panose="020B0604020202020204" pitchFamily="34" charset="0"/>
+              <a:buChar char="•"/>
+            </a:pPr>
+            <a:r>
+              <a:rPr lang="it-IT" dirty="0" err="1"/>
+              <a:t>Uncertainty</a:t>
+            </a:r>
+            <a:r>
+              <a:rPr lang="it-IT" dirty="0"/>
+              <a:t> </a:t>
+            </a:r>
+            <a:r>
+              <a:rPr lang="it-IT" dirty="0" err="1"/>
+              <a:t>distance</a:t>
+            </a:r>
+            <a:r>
+              <a:rPr lang="it-IT" dirty="0"/>
+              <a:t> (MULTICORE)</a:t>
+            </a:r>
+          </a:p>
+          <a:p>
+            <a:pPr marL="285750" indent="-285750">
+              <a:buFont typeface="Arial" panose="020B0604020202020204" pitchFamily="34" charset="0"/>
+              <a:buChar char="•"/>
+            </a:pPr>
+            <a:endParaRPr lang="it-IT" dirty="0"/>
+          </a:p>
+          <a:p>
+            <a:pPr marL="285750" indent="-285750">
+              <a:buFont typeface="Arial" panose="020B0604020202020204" pitchFamily="34" charset="0"/>
+              <a:buChar char="•"/>
+            </a:pPr>
+            <a:r>
+              <a:rPr lang="it-IT" dirty="0"/>
+              <a:t>MCLP </a:t>
+            </a:r>
+            <a:r>
+              <a:rPr lang="it-IT" dirty="0" err="1"/>
+              <a:t>sampling</a:t>
+            </a:r>
+            <a:r>
+              <a:rPr lang="it-IT" dirty="0"/>
+              <a:t> (MULTICORE)</a:t>
             </a:r>
           </a:p>
         </p:txBody>
       </p:sp>
       <p:sp>
         <p:nvSpPr>
-          <p:cNvPr id="4" name="Rectangle 3">
+          <p:cNvPr id="7" name="Rectangle 6">
             <a:extLst>
               <a:ext uri="{FF2B5EF4-FFF2-40B4-BE49-F238E27FC236}">
-                <a16:creationId xmlns:a16="http://schemas.microsoft.com/office/drawing/2014/main" id="{EA8F48A4-B9AC-4DA4-972A-FBE6314EBF73}"/>
+                <a16:creationId xmlns:a16="http://schemas.microsoft.com/office/drawing/2014/main" id="{AC66D211-AAF4-4661-818A-BC4D70F45A60}"/>
               </a:ext>
             </a:extLst>
           </p:cNvPr>
@@ -6202,497 +6326,8 @@
         </p:nvSpPr>
         <p:spPr>
           <a:xfrm>
-            <a:off x="1032756" y="2716951"/>
-            <a:ext cx="9101843" cy="2862322"/>
-          </a:xfrm>
-          <a:prstGeom prst="rect">
-            <a:avLst/>
-          </a:prstGeom>
-        </p:spPr>
-        <p:txBody>
-          <a:bodyPr wrap="square">
-            <a:spAutoFit/>
-          </a:bodyPr>
-          <a:lstStyle/>
-          <a:p>
-            <a:pPr lvl="1"/>
-            <a:r>
-              <a:rPr lang="en-GB" dirty="0"/>
-              <a:t>Large-Margin-Based Active Learning</a:t>
-            </a:r>
-          </a:p>
-          <a:p>
-            <a:pPr marL="1200150" lvl="2" indent="-285750">
-              <a:buFont typeface="Arial" panose="020B0604020202020204" pitchFamily="34" charset="0"/>
-              <a:buChar char="•"/>
-            </a:pPr>
-            <a:r>
-              <a:rPr lang="it-IT" dirty="0"/>
-              <a:t>M</a:t>
-            </a:r>
-            <a:r>
-              <a:rPr lang="en-GB" dirty="0" err="1"/>
-              <a:t>argin</a:t>
-            </a:r>
-            <a:r>
-              <a:rPr lang="en-GB" dirty="0"/>
-              <a:t> Sampling MS</a:t>
-            </a:r>
-          </a:p>
-          <a:p>
-            <a:pPr marL="1200150" lvl="2" indent="-285750">
-              <a:buFont typeface="Arial" panose="020B0604020202020204" pitchFamily="34" charset="0"/>
-              <a:buChar char="•"/>
-            </a:pPr>
-            <a:r>
-              <a:rPr lang="it-IT" dirty="0"/>
-              <a:t>M</a:t>
-            </a:r>
-            <a:r>
-              <a:rPr lang="en-GB" dirty="0" err="1"/>
-              <a:t>ulticlass</a:t>
-            </a:r>
-            <a:r>
-              <a:rPr lang="en-GB" dirty="0"/>
-              <a:t> Level Uncertainty MCLU</a:t>
-            </a:r>
-          </a:p>
-          <a:p>
-            <a:pPr marL="1200150" lvl="2" indent="-285750">
-              <a:buFont typeface="Arial" panose="020B0604020202020204" pitchFamily="34" charset="0"/>
-              <a:buChar char="•"/>
-            </a:pPr>
-            <a:r>
-              <a:rPr lang="it-IT" dirty="0"/>
-              <a:t>S</a:t>
-            </a:r>
-            <a:r>
-              <a:rPr lang="en-GB" dirty="0" err="1"/>
-              <a:t>ignificance</a:t>
-            </a:r>
-            <a:r>
-              <a:rPr lang="en-GB" dirty="0"/>
-              <a:t> Space </a:t>
-            </a:r>
-            <a:r>
-              <a:rPr lang="en-GB" dirty="0" err="1"/>
-              <a:t>Construnction</a:t>
-            </a:r>
-            <a:r>
-              <a:rPr lang="en-GB" dirty="0"/>
-              <a:t> SSC</a:t>
-            </a:r>
-          </a:p>
-          <a:p>
-            <a:pPr marL="1200150" lvl="2" indent="-285750">
-              <a:buFont typeface="Arial" panose="020B0604020202020204" pitchFamily="34" charset="0"/>
-              <a:buChar char="•"/>
-            </a:pPr>
-            <a:r>
-              <a:rPr lang="it-IT" dirty="0" err="1"/>
-              <a:t>Most</a:t>
-            </a:r>
-            <a:r>
-              <a:rPr lang="it-IT" dirty="0"/>
-              <a:t> </a:t>
-            </a:r>
-            <a:r>
-              <a:rPr lang="it-IT" dirty="0" err="1"/>
-              <a:t>Ambiguous</a:t>
-            </a:r>
-            <a:r>
-              <a:rPr lang="it-IT" dirty="0"/>
-              <a:t> and </a:t>
-            </a:r>
-            <a:r>
-              <a:rPr lang="it-IT" dirty="0" err="1"/>
-              <a:t>orthogonal</a:t>
-            </a:r>
-            <a:r>
-              <a:rPr lang="it-IT" dirty="0"/>
-              <a:t> MAO</a:t>
-            </a:r>
-          </a:p>
-          <a:p>
-            <a:pPr marL="1200150" lvl="2" indent="-285750">
-              <a:buFont typeface="Arial" panose="020B0604020202020204" pitchFamily="34" charset="0"/>
-              <a:buChar char="•"/>
-            </a:pPr>
-            <a:r>
-              <a:rPr lang="it-IT" dirty="0" err="1"/>
-              <a:t>Multiclass</a:t>
-            </a:r>
-            <a:r>
-              <a:rPr lang="it-IT" dirty="0"/>
-              <a:t> </a:t>
-            </a:r>
-            <a:r>
-              <a:rPr lang="it-IT" dirty="0" err="1"/>
-              <a:t>level</a:t>
-            </a:r>
-            <a:r>
-              <a:rPr lang="it-IT" dirty="0"/>
-              <a:t> </a:t>
-            </a:r>
-            <a:r>
-              <a:rPr lang="it-IT" dirty="0" err="1"/>
-              <a:t>uncertainty</a:t>
-            </a:r>
-            <a:r>
-              <a:rPr lang="it-IT" dirty="0"/>
-              <a:t>-angle-based </a:t>
-            </a:r>
-            <a:r>
-              <a:rPr lang="it-IT" dirty="0" err="1"/>
-              <a:t>diversity</a:t>
-            </a:r>
-            <a:r>
-              <a:rPr lang="it-IT" dirty="0"/>
-              <a:t> MCLU-ABD</a:t>
-            </a:r>
-          </a:p>
-          <a:p>
-            <a:pPr marL="1200150" lvl="2" indent="-285750">
-              <a:buFont typeface="Arial" panose="020B0604020202020204" pitchFamily="34" charset="0"/>
-              <a:buChar char="•"/>
-            </a:pPr>
-            <a:r>
-              <a:rPr lang="it-IT" dirty="0" err="1"/>
-              <a:t>Multiclass</a:t>
-            </a:r>
-            <a:r>
-              <a:rPr lang="it-IT" dirty="0"/>
-              <a:t> </a:t>
-            </a:r>
-            <a:r>
-              <a:rPr lang="it-IT" dirty="0" err="1"/>
-              <a:t>level</a:t>
-            </a:r>
-            <a:r>
-              <a:rPr lang="it-IT" dirty="0"/>
-              <a:t> </a:t>
-            </a:r>
-            <a:r>
-              <a:rPr lang="it-IT" dirty="0" err="1"/>
-              <a:t>uncertainty-enhanced</a:t>
-            </a:r>
-            <a:r>
-              <a:rPr lang="it-IT" dirty="0"/>
-              <a:t> cluster based </a:t>
-            </a:r>
-            <a:r>
-              <a:rPr lang="it-IT" dirty="0" err="1"/>
-              <a:t>diversity</a:t>
-            </a:r>
-            <a:r>
-              <a:rPr lang="it-IT" dirty="0"/>
-              <a:t> MCLU-ECBD</a:t>
-            </a:r>
-            <a:endParaRPr lang="en-GB" dirty="0"/>
-          </a:p>
-          <a:p>
-            <a:pPr lvl="1"/>
-            <a:r>
-              <a:rPr lang="en-GB" dirty="0"/>
-              <a:t>Posterior Probability-Based Active Learning</a:t>
-            </a:r>
-          </a:p>
-          <a:p>
-            <a:pPr marL="1200150" lvl="2" indent="-285750">
-              <a:buFont typeface="Arial" panose="020B0604020202020204" pitchFamily="34" charset="0"/>
-              <a:buChar char="•"/>
-            </a:pPr>
-            <a:r>
-              <a:rPr lang="en-GB" dirty="0" err="1"/>
-              <a:t>Kullbach</a:t>
-            </a:r>
-            <a:r>
-              <a:rPr lang="en-GB" dirty="0"/>
-              <a:t>–</a:t>
-            </a:r>
-            <a:r>
-              <a:rPr lang="en-GB" dirty="0" err="1"/>
-              <a:t>Leibler</a:t>
-            </a:r>
-            <a:r>
-              <a:rPr lang="en-GB" dirty="0"/>
-              <a:t> divergence KL</a:t>
-            </a:r>
-          </a:p>
-          <a:p>
-            <a:pPr marL="1200150" lvl="2" indent="-285750">
-              <a:buFont typeface="Arial" panose="020B0604020202020204" pitchFamily="34" charset="0"/>
-              <a:buChar char="•"/>
-            </a:pPr>
-            <a:r>
-              <a:rPr lang="en-GB" dirty="0"/>
-              <a:t>Breaking Ties (BT)</a:t>
-            </a:r>
-          </a:p>
-        </p:txBody>
-      </p:sp>
-      <p:pic>
-        <p:nvPicPr>
-          <p:cNvPr id="6" name="Graphic 5" descr="Checkmark">
-            <a:extLst>
-              <a:ext uri="{FF2B5EF4-FFF2-40B4-BE49-F238E27FC236}">
-                <a16:creationId xmlns:a16="http://schemas.microsoft.com/office/drawing/2014/main" id="{A029F770-4102-4EA1-A9E2-44EBA75FB1BB}"/>
-              </a:ext>
-            </a:extLst>
-          </p:cNvPr>
-          <p:cNvPicPr>
-            <a:picLocks noChangeAspect="1"/>
-          </p:cNvPicPr>
-          <p:nvPr/>
-        </p:nvPicPr>
-        <p:blipFill>
-          <a:blip r:embed="rId5" cstate="print">
-            <a:extLst>
-              <a:ext uri="{28A0092B-C50C-407E-A947-70E740481C1C}">
-                <a14:useLocalDpi xmlns:a14="http://schemas.microsoft.com/office/drawing/2010/main" val="0"/>
-              </a:ext>
-              <a:ext uri="{96DAC541-7B7A-43D3-8B79-37D633B846F1}">
-                <asvg:svgBlip xmlns:asvg="http://schemas.microsoft.com/office/drawing/2016/SVG/main" r:embed="rId6"/>
-              </a:ext>
-            </a:extLst>
-          </a:blip>
-          <a:stretch>
-            <a:fillRect/>
-          </a:stretch>
-        </p:blipFill>
-        <p:spPr>
-          <a:xfrm>
-            <a:off x="4343400" y="3014325"/>
-            <a:ext cx="267681" cy="267681"/>
-          </a:xfrm>
-          <a:prstGeom prst="rect">
-            <a:avLst/>
-          </a:prstGeom>
-        </p:spPr>
-      </p:pic>
-      <p:pic>
-        <p:nvPicPr>
-          <p:cNvPr id="14" name="Graphic 13" descr="Checkmark">
-            <a:extLst>
-              <a:ext uri="{FF2B5EF4-FFF2-40B4-BE49-F238E27FC236}">
-                <a16:creationId xmlns:a16="http://schemas.microsoft.com/office/drawing/2014/main" id="{C52B204F-9401-4C6D-8A5C-F12262CEE50A}"/>
-              </a:ext>
-            </a:extLst>
-          </p:cNvPr>
-          <p:cNvPicPr>
-            <a:picLocks noChangeAspect="1"/>
-          </p:cNvPicPr>
-          <p:nvPr/>
-        </p:nvPicPr>
-        <p:blipFill>
-          <a:blip r:embed="rId5" cstate="print">
-            <a:extLst>
-              <a:ext uri="{28A0092B-C50C-407E-A947-70E740481C1C}">
-                <a14:useLocalDpi xmlns:a14="http://schemas.microsoft.com/office/drawing/2010/main" val="0"/>
-              </a:ext>
-              <a:ext uri="{96DAC541-7B7A-43D3-8B79-37D633B846F1}">
-                <asvg:svgBlip xmlns:asvg="http://schemas.microsoft.com/office/drawing/2016/SVG/main" r:embed="rId6"/>
-              </a:ext>
-            </a:extLst>
-          </a:blip>
-          <a:stretch>
-            <a:fillRect/>
-          </a:stretch>
-        </p:blipFill>
-        <p:spPr>
-          <a:xfrm>
-            <a:off x="5637575" y="3307524"/>
-            <a:ext cx="267681" cy="267681"/>
-          </a:xfrm>
-          <a:prstGeom prst="rect">
-            <a:avLst/>
-          </a:prstGeom>
-        </p:spPr>
-      </p:pic>
-      <p:pic>
-        <p:nvPicPr>
-          <p:cNvPr id="15" name="Graphic 14" descr="Checkmark">
-            <a:extLst>
-              <a:ext uri="{FF2B5EF4-FFF2-40B4-BE49-F238E27FC236}">
-                <a16:creationId xmlns:a16="http://schemas.microsoft.com/office/drawing/2014/main" id="{EF8E6B4B-CD08-481E-91D7-B56733E0830F}"/>
-              </a:ext>
-            </a:extLst>
-          </p:cNvPr>
-          <p:cNvPicPr>
-            <a:picLocks noChangeAspect="1"/>
-          </p:cNvPicPr>
-          <p:nvPr/>
-        </p:nvPicPr>
-        <p:blipFill>
-          <a:blip r:embed="rId5" cstate="print">
-            <a:extLst>
-              <a:ext uri="{28A0092B-C50C-407E-A947-70E740481C1C}">
-                <a14:useLocalDpi xmlns:a14="http://schemas.microsoft.com/office/drawing/2010/main" val="0"/>
-              </a:ext>
-              <a:ext uri="{96DAC541-7B7A-43D3-8B79-37D633B846F1}">
-                <asvg:svgBlip xmlns:asvg="http://schemas.microsoft.com/office/drawing/2016/SVG/main" r:embed="rId6"/>
-              </a:ext>
-            </a:extLst>
-          </a:blip>
-          <a:stretch>
-            <a:fillRect/>
-          </a:stretch>
-        </p:blipFill>
-        <p:spPr>
-          <a:xfrm>
-            <a:off x="10392332" y="5247273"/>
-            <a:ext cx="267681" cy="267681"/>
-          </a:xfrm>
-          <a:prstGeom prst="rect">
-            <a:avLst/>
-          </a:prstGeom>
-        </p:spPr>
-      </p:pic>
-      <p:sp>
-        <p:nvSpPr>
-          <p:cNvPr id="12" name="Rectangle 11">
-            <a:extLst>
-              <a:ext uri="{FF2B5EF4-FFF2-40B4-BE49-F238E27FC236}">
-                <a16:creationId xmlns:a16="http://schemas.microsoft.com/office/drawing/2014/main" id="{136D9663-2037-4924-B3CC-0AD9573D6981}"/>
-              </a:ext>
-            </a:extLst>
-          </p:cNvPr>
-          <p:cNvSpPr/>
-          <p:nvPr/>
-        </p:nvSpPr>
-        <p:spPr>
-          <a:xfrm>
-            <a:off x="5943600" y="3256699"/>
-            <a:ext cx="4361387" cy="369332"/>
-          </a:xfrm>
-          <a:prstGeom prst="rect">
-            <a:avLst/>
-          </a:prstGeom>
-        </p:spPr>
-        <p:txBody>
-          <a:bodyPr wrap="none">
-            <a:spAutoFit/>
-          </a:bodyPr>
-          <a:lstStyle/>
-          <a:p>
-            <a:pPr lvl="2"/>
-            <a:r>
-              <a:rPr lang="it-IT" dirty="0"/>
-              <a:t>M</a:t>
-            </a:r>
-            <a:r>
-              <a:rPr lang="en-GB" dirty="0" err="1"/>
-              <a:t>ulticlass</a:t>
-            </a:r>
-            <a:r>
-              <a:rPr lang="en-GB" dirty="0"/>
-              <a:t> Level </a:t>
-            </a:r>
-            <a:r>
-              <a:rPr lang="en-GB" dirty="0" err="1"/>
-              <a:t>Probabbility</a:t>
-            </a:r>
-            <a:r>
-              <a:rPr lang="en-GB" dirty="0"/>
-              <a:t> MCLP</a:t>
-            </a:r>
-          </a:p>
-        </p:txBody>
-      </p:sp>
-      <p:pic>
-        <p:nvPicPr>
-          <p:cNvPr id="17" name="Graphic 16" descr="Add">
-            <a:extLst>
-              <a:ext uri="{FF2B5EF4-FFF2-40B4-BE49-F238E27FC236}">
-                <a16:creationId xmlns:a16="http://schemas.microsoft.com/office/drawing/2014/main" id="{EFDBB9F1-996C-4B4E-8779-E71C42757DF6}"/>
-              </a:ext>
-            </a:extLst>
-          </p:cNvPr>
-          <p:cNvPicPr>
-            <a:picLocks noChangeAspect="1"/>
-          </p:cNvPicPr>
-          <p:nvPr/>
-        </p:nvPicPr>
-        <p:blipFill>
-          <a:blip r:embed="rId7" cstate="print">
-            <a:extLst>
-              <a:ext uri="{28A0092B-C50C-407E-A947-70E740481C1C}">
-                <a14:useLocalDpi xmlns:a14="http://schemas.microsoft.com/office/drawing/2010/main" val="0"/>
-              </a:ext>
-              <a:ext uri="{96DAC541-7B7A-43D3-8B79-37D633B846F1}">
-                <asvg:svgBlip xmlns:asvg="http://schemas.microsoft.com/office/drawing/2016/SVG/main" r:embed="rId8"/>
-              </a:ext>
-            </a:extLst>
-          </a:blip>
-          <a:stretch>
-            <a:fillRect/>
-          </a:stretch>
-        </p:blipFill>
-        <p:spPr>
-          <a:xfrm>
-            <a:off x="6229840" y="3272226"/>
-            <a:ext cx="338275" cy="338275"/>
-          </a:xfrm>
-          <a:prstGeom prst="rect">
-            <a:avLst/>
-          </a:prstGeom>
-        </p:spPr>
-      </p:pic>
-      <p:pic>
-        <p:nvPicPr>
-          <p:cNvPr id="18" name="Graphic 17" descr="Checkmark">
-            <a:extLst>
-              <a:ext uri="{FF2B5EF4-FFF2-40B4-BE49-F238E27FC236}">
-                <a16:creationId xmlns:a16="http://schemas.microsoft.com/office/drawing/2014/main" id="{250C7AAE-68E4-4474-BCA6-267296DA96BC}"/>
-              </a:ext>
-            </a:extLst>
-          </p:cNvPr>
-          <p:cNvPicPr>
-            <a:picLocks noChangeAspect="1"/>
-          </p:cNvPicPr>
-          <p:nvPr/>
-        </p:nvPicPr>
-        <p:blipFill>
-          <a:blip r:embed="rId5" cstate="print">
-            <a:extLst>
-              <a:ext uri="{28A0092B-C50C-407E-A947-70E740481C1C}">
-                <a14:useLocalDpi xmlns:a14="http://schemas.microsoft.com/office/drawing/2010/main" val="0"/>
-              </a:ext>
-              <a:ext uri="{96DAC541-7B7A-43D3-8B79-37D633B846F1}">
-                <asvg:svgBlip xmlns:asvg="http://schemas.microsoft.com/office/drawing/2016/SVG/main" r:embed="rId6"/>
-              </a:ext>
-            </a:extLst>
-          </a:blip>
-          <a:stretch>
-            <a:fillRect/>
-          </a:stretch>
-        </p:blipFill>
-        <p:spPr>
-          <a:xfrm>
-            <a:off x="10286999" y="3282006"/>
-            <a:ext cx="267681" cy="267681"/>
-          </a:xfrm>
-          <a:prstGeom prst="rect">
-            <a:avLst/>
-          </a:prstGeom>
-        </p:spPr>
-      </p:pic>
-      <p:sp>
-        <p:nvSpPr>
-          <p:cNvPr id="5" name="Rectangle 4">
-            <a:extLst>
-              <a:ext uri="{FF2B5EF4-FFF2-40B4-BE49-F238E27FC236}">
-                <a16:creationId xmlns:a16="http://schemas.microsoft.com/office/drawing/2014/main" id="{3985F496-5A02-4CA7-B06E-E2A0CA25AD64}"/>
-              </a:ext>
-            </a:extLst>
-          </p:cNvPr>
-          <p:cNvSpPr/>
-          <p:nvPr/>
-        </p:nvSpPr>
-        <p:spPr>
-          <a:xfrm>
-            <a:off x="5447755" y="223355"/>
-            <a:ext cx="1902444" cy="369332"/>
+            <a:off x="5302498" y="152400"/>
+            <a:ext cx="2181687" cy="369332"/>
           </a:xfrm>
           <a:prstGeom prst="rect">
             <a:avLst/>
@@ -6719,7 +6354,7 @@
                 <a:latin typeface="Microsoft Sans Serif"/>
                 <a:cs typeface="Microsoft Sans Serif"/>
               </a:rPr>
-              <a:t>Current</a:t>
+              <a:t>Implemented</a:t>
             </a:r>
             <a:r>
               <a:rPr lang="it-IT" spc="-5" dirty="0">
@@ -6736,7 +6371,7 @@
                 <a:latin typeface="Microsoft Sans Serif"/>
                 <a:cs typeface="Microsoft Sans Serif"/>
               </a:rPr>
-              <a:t> progress</a:t>
+              <a:t>  steps</a:t>
             </a:r>
             <a:endParaRPr lang="en-GB" dirty="0">
               <a:effectLst>
@@ -6750,10 +6385,198 @@
           </a:p>
         </p:txBody>
       </p:sp>
+      <p:pic>
+        <p:nvPicPr>
+          <p:cNvPr id="8" name="Picture 7">
+            <a:extLst>
+              <a:ext uri="{FF2B5EF4-FFF2-40B4-BE49-F238E27FC236}">
+                <a16:creationId xmlns:a16="http://schemas.microsoft.com/office/drawing/2014/main" id="{7129177D-28AF-42B9-AD3F-30783F81E2B0}"/>
+              </a:ext>
+            </a:extLst>
+          </p:cNvPr>
+          <p:cNvPicPr>
+            <a:picLocks noChangeAspect="1"/>
+          </p:cNvPicPr>
+          <p:nvPr/>
+        </p:nvPicPr>
+        <p:blipFill>
+          <a:blip r:embed="rId3" cstate="print">
+            <a:extLst>
+              <a:ext uri="{28A0092B-C50C-407E-A947-70E740481C1C}">
+                <a14:useLocalDpi xmlns:a14="http://schemas.microsoft.com/office/drawing/2010/main" val="0"/>
+              </a:ext>
+            </a:extLst>
+          </a:blip>
+          <a:stretch>
+            <a:fillRect/>
+          </a:stretch>
+        </p:blipFill>
+        <p:spPr>
+          <a:xfrm>
+            <a:off x="11277600" y="6269054"/>
+            <a:ext cx="550128" cy="550128"/>
+          </a:xfrm>
+          <a:prstGeom prst="rect">
+            <a:avLst/>
+          </a:prstGeom>
+        </p:spPr>
+      </p:pic>
+      <p:pic>
+        <p:nvPicPr>
+          <p:cNvPr id="13" name="Picture 12">
+            <a:extLst>
+              <a:ext uri="{FF2B5EF4-FFF2-40B4-BE49-F238E27FC236}">
+                <a16:creationId xmlns:a16="http://schemas.microsoft.com/office/drawing/2014/main" id="{3456ADC5-2793-4FE5-8017-FD10394D5975}"/>
+              </a:ext>
+            </a:extLst>
+          </p:cNvPr>
+          <p:cNvPicPr>
+            <a:picLocks noChangeAspect="1"/>
+          </p:cNvPicPr>
+          <p:nvPr/>
+        </p:nvPicPr>
+        <p:blipFill>
+          <a:blip r:embed="rId4" cstate="print">
+            <a:extLst>
+              <a:ext uri="{28A0092B-C50C-407E-A947-70E740481C1C}">
+                <a14:useLocalDpi xmlns:a14="http://schemas.microsoft.com/office/drawing/2010/main" val="0"/>
+              </a:ext>
+            </a:extLst>
+          </a:blip>
+          <a:stretch>
+            <a:fillRect/>
+          </a:stretch>
+        </p:blipFill>
+        <p:spPr>
+          <a:xfrm>
+            <a:off x="11182985" y="6230111"/>
+            <a:ext cx="628015" cy="628015"/>
+          </a:xfrm>
+          <a:prstGeom prst="rect">
+            <a:avLst/>
+          </a:prstGeom>
+        </p:spPr>
+      </p:pic>
+      <p:pic>
+        <p:nvPicPr>
+          <p:cNvPr id="14" name="Picture 13">
+            <a:extLst>
+              <a:ext uri="{FF2B5EF4-FFF2-40B4-BE49-F238E27FC236}">
+                <a16:creationId xmlns:a16="http://schemas.microsoft.com/office/drawing/2014/main" id="{042E576F-9E28-4F1C-B2E8-CD21F2DB4948}"/>
+              </a:ext>
+            </a:extLst>
+          </p:cNvPr>
+          <p:cNvPicPr>
+            <a:picLocks noChangeAspect="1"/>
+          </p:cNvPicPr>
+          <p:nvPr/>
+        </p:nvPicPr>
+        <p:blipFill rotWithShape="1">
+          <a:blip r:embed="rId5"/>
+          <a:srcRect l="3163" t="13805" r="903" b="14324"/>
+          <a:stretch/>
+        </p:blipFill>
+        <p:spPr>
+          <a:xfrm>
+            <a:off x="4724400" y="2913459"/>
+            <a:ext cx="3337885" cy="504415"/>
+          </a:xfrm>
+          <a:prstGeom prst="rect">
+            <a:avLst/>
+          </a:prstGeom>
+        </p:spPr>
+      </p:pic>
+      <p:pic>
+        <p:nvPicPr>
+          <p:cNvPr id="16" name="Picture 15">
+            <a:extLst>
+              <a:ext uri="{FF2B5EF4-FFF2-40B4-BE49-F238E27FC236}">
+                <a16:creationId xmlns:a16="http://schemas.microsoft.com/office/drawing/2014/main" id="{99AE6C36-B7A4-4C70-869B-0D814962DE90}"/>
+              </a:ext>
+            </a:extLst>
+          </p:cNvPr>
+          <p:cNvPicPr>
+            <a:picLocks noChangeAspect="1"/>
+          </p:cNvPicPr>
+          <p:nvPr/>
+        </p:nvPicPr>
+        <p:blipFill rotWithShape="1">
+          <a:blip r:embed="rId6"/>
+          <a:srcRect l="14256" t="60215" r="7291" b="6973"/>
+          <a:stretch/>
+        </p:blipFill>
+        <p:spPr>
+          <a:xfrm>
+            <a:off x="7548670" y="4017320"/>
+            <a:ext cx="3957529" cy="508604"/>
+          </a:xfrm>
+          <a:prstGeom prst="rect">
+            <a:avLst/>
+          </a:prstGeom>
+        </p:spPr>
+      </p:pic>
+      <p:pic>
+        <p:nvPicPr>
+          <p:cNvPr id="17" name="Picture 16">
+            <a:extLst>
+              <a:ext uri="{FF2B5EF4-FFF2-40B4-BE49-F238E27FC236}">
+                <a16:creationId xmlns:a16="http://schemas.microsoft.com/office/drawing/2014/main" id="{732E061B-7E4A-4054-B28D-8C00E304FE50}"/>
+              </a:ext>
+            </a:extLst>
+          </p:cNvPr>
+          <p:cNvPicPr>
+            <a:picLocks noChangeAspect="1"/>
+          </p:cNvPicPr>
+          <p:nvPr/>
+        </p:nvPicPr>
+        <p:blipFill rotWithShape="1">
+          <a:blip r:embed="rId6"/>
+          <a:srcRect l="634" t="37849" r="86792" b="38187"/>
+          <a:stretch/>
+        </p:blipFill>
+        <p:spPr>
+          <a:xfrm>
+            <a:off x="6706043" y="4075559"/>
+            <a:ext cx="669612" cy="392126"/>
+          </a:xfrm>
+          <a:prstGeom prst="rect">
+            <a:avLst/>
+          </a:prstGeom>
+        </p:spPr>
+      </p:pic>
+      <p:pic>
+        <p:nvPicPr>
+          <p:cNvPr id="18" name="Picture 17">
+            <a:extLst>
+              <a:ext uri="{FF2B5EF4-FFF2-40B4-BE49-F238E27FC236}">
+                <a16:creationId xmlns:a16="http://schemas.microsoft.com/office/drawing/2014/main" id="{9F59D4A7-21E7-44C7-9747-8A939E758584}"/>
+              </a:ext>
+            </a:extLst>
+          </p:cNvPr>
+          <p:cNvPicPr>
+            <a:picLocks noChangeAspect="1"/>
+          </p:cNvPicPr>
+          <p:nvPr/>
+        </p:nvPicPr>
+        <p:blipFill rotWithShape="1">
+          <a:blip r:embed="rId6"/>
+          <a:srcRect l="25783" t="4809" r="19635" b="67439"/>
+          <a:stretch/>
+        </p:blipFill>
+        <p:spPr>
+          <a:xfrm>
+            <a:off x="4724400" y="3465001"/>
+            <a:ext cx="3187149" cy="497941"/>
+          </a:xfrm>
+          <a:prstGeom prst="rect">
+            <a:avLst/>
+          </a:prstGeom>
+        </p:spPr>
+      </p:pic>
     </p:spTree>
     <p:extLst>
       <p:ext uri="{BB962C8B-B14F-4D97-AF65-F5344CB8AC3E}">
-        <p14:creationId xmlns:p14="http://schemas.microsoft.com/office/powerpoint/2010/main" val="2322780237"/>
+        <p14:creationId xmlns:p14="http://schemas.microsoft.com/office/powerpoint/2010/main" val="2623550191"/>
       </p:ext>
     </p:extLst>
   </p:cSld>
@@ -6899,8 +6722,8 @@
         </p:nvSpPr>
         <p:spPr>
           <a:xfrm>
-            <a:off x="914400" y="1066800"/>
-            <a:ext cx="6941003" cy="3693319"/>
+            <a:off x="6923920" y="5191789"/>
+            <a:ext cx="3535263" cy="646331"/>
           </a:xfrm>
           <a:prstGeom prst="rect">
             <a:avLst/>
@@ -6919,45 +6742,8 @@
             </a:pPr>
             <a:r>
               <a:rPr lang="it-IT" dirty="0"/>
-              <a:t>Multiple </a:t>
-            </a:r>
-            <a:r>
-              <a:rPr lang="it-IT" dirty="0" err="1"/>
-              <a:t>cores</a:t>
-            </a:r>
-            <a:r>
-              <a:rPr lang="it-IT" dirty="0"/>
-              <a:t> for </a:t>
-            </a:r>
-            <a:r>
-              <a:rPr lang="it-IT" dirty="0" err="1"/>
-              <a:t>parallel</a:t>
-            </a:r>
-            <a:r>
-              <a:rPr lang="it-IT" dirty="0"/>
-              <a:t> computing -&gt; </a:t>
-            </a:r>
-            <a:r>
-              <a:rPr lang="it-IT" dirty="0" err="1"/>
-              <a:t>foreach</a:t>
-            </a:r>
-            <a:r>
-              <a:rPr lang="it-IT" dirty="0"/>
-              <a:t> &amp; </a:t>
-            </a:r>
-            <a:r>
-              <a:rPr lang="it-IT" dirty="0" err="1"/>
-              <a:t>doParallel</a:t>
-            </a:r>
-            <a:r>
-              <a:rPr lang="it-IT" dirty="0"/>
-              <a:t> </a:t>
-            </a:r>
-            <a:r>
-              <a:rPr lang="it-IT" dirty="0" err="1"/>
-              <a:t>libraries</a:t>
-            </a:r>
-            <a:endParaRPr lang="it-IT" dirty="0"/>
+              <a:t>Test code on a different machine</a:t>
+            </a:r>
           </a:p>
           <a:p>
             <a:pPr marL="285750" indent="-285750">
@@ -6965,12 +6751,8 @@
               <a:buChar char="•"/>
             </a:pPr>
             <a:r>
-              <a:rPr lang="it-IT" dirty="0"/>
-              <a:t>Save </a:t>
-            </a:r>
-            <a:r>
               <a:rPr lang="it-IT" dirty="0" err="1"/>
-              <a:t>trained</a:t>
+              <a:t>Qiskit</a:t>
             </a:r>
             <a:r>
               <a:rPr lang="it-IT" dirty="0"/>
@@ -6978,67 +6760,131 @@
             </a:r>
             <a:r>
               <a:rPr lang="it-IT" dirty="0" err="1"/>
-              <a:t>models</a:t>
-            </a:r>
-            <a:endParaRPr lang="it-IT" dirty="0"/>
-          </a:p>
+              <a:t>python</a:t>
+            </a:r>
+            <a:r>
+              <a:rPr lang="it-IT" dirty="0"/>
+              <a:t> </a:t>
+            </a:r>
+            <a:r>
+              <a:rPr lang="it-IT" dirty="0" err="1"/>
+              <a:t>library</a:t>
+            </a:r>
+            <a:r>
+              <a:rPr lang="it-IT" dirty="0"/>
+              <a:t> for VSVM</a:t>
+            </a:r>
+            <a:endParaRPr lang="en-GB" dirty="0"/>
+          </a:p>
+        </p:txBody>
+      </p:sp>
+      <p:pic>
+        <p:nvPicPr>
+          <p:cNvPr id="8" name="Picture 7">
+            <a:extLst>
+              <a:ext uri="{FF2B5EF4-FFF2-40B4-BE49-F238E27FC236}">
+                <a16:creationId xmlns:a16="http://schemas.microsoft.com/office/drawing/2014/main" id="{7129177D-28AF-42B9-AD3F-30783F81E2B0}"/>
+              </a:ext>
+            </a:extLst>
+          </p:cNvPr>
+          <p:cNvPicPr>
+            <a:picLocks noChangeAspect="1"/>
+          </p:cNvPicPr>
+          <p:nvPr/>
+        </p:nvPicPr>
+        <p:blipFill>
+          <a:blip r:embed="rId3" cstate="print">
+            <a:extLst>
+              <a:ext uri="{28A0092B-C50C-407E-A947-70E740481C1C}">
+                <a14:useLocalDpi xmlns:a14="http://schemas.microsoft.com/office/drawing/2010/main" val="0"/>
+              </a:ext>
+            </a:extLst>
+          </a:blip>
+          <a:stretch>
+            <a:fillRect/>
+          </a:stretch>
+        </p:blipFill>
+        <p:spPr>
+          <a:xfrm>
+            <a:off x="11277600" y="6269054"/>
+            <a:ext cx="550128" cy="550128"/>
+          </a:xfrm>
+          <a:prstGeom prst="rect">
+            <a:avLst/>
+          </a:prstGeom>
+        </p:spPr>
+      </p:pic>
+      <p:pic>
+        <p:nvPicPr>
+          <p:cNvPr id="13" name="Picture 12">
+            <a:extLst>
+              <a:ext uri="{FF2B5EF4-FFF2-40B4-BE49-F238E27FC236}">
+                <a16:creationId xmlns:a16="http://schemas.microsoft.com/office/drawing/2014/main" id="{3456ADC5-2793-4FE5-8017-FD10394D5975}"/>
+              </a:ext>
+            </a:extLst>
+          </p:cNvPr>
+          <p:cNvPicPr>
+            <a:picLocks noChangeAspect="1"/>
+          </p:cNvPicPr>
+          <p:nvPr/>
+        </p:nvPicPr>
+        <p:blipFill>
+          <a:blip r:embed="rId4" cstate="print">
+            <a:extLst>
+              <a:ext uri="{28A0092B-C50C-407E-A947-70E740481C1C}">
+                <a14:useLocalDpi xmlns:a14="http://schemas.microsoft.com/office/drawing/2010/main" val="0"/>
+              </a:ext>
+            </a:extLst>
+          </a:blip>
+          <a:stretch>
+            <a:fillRect/>
+          </a:stretch>
+        </p:blipFill>
+        <p:spPr>
+          <a:xfrm>
+            <a:off x="11182985" y="6230111"/>
+            <a:ext cx="628015" cy="628015"/>
+          </a:xfrm>
+          <a:prstGeom prst="rect">
+            <a:avLst/>
+          </a:prstGeom>
+        </p:spPr>
+      </p:pic>
+      <p:sp>
+        <p:nvSpPr>
+          <p:cNvPr id="3" name="Rectangle 2">
+            <a:extLst>
+              <a:ext uri="{FF2B5EF4-FFF2-40B4-BE49-F238E27FC236}">
+                <a16:creationId xmlns:a16="http://schemas.microsoft.com/office/drawing/2014/main" id="{85B66492-7631-4D77-854C-9D9B2C20CC19}"/>
+              </a:ext>
+            </a:extLst>
+          </p:cNvPr>
+          <p:cNvSpPr/>
+          <p:nvPr/>
+        </p:nvSpPr>
+        <p:spPr>
+          <a:xfrm>
+            <a:off x="708172" y="1243525"/>
+            <a:ext cx="6096000" cy="1477328"/>
+          </a:xfrm>
+          <a:prstGeom prst="rect">
+            <a:avLst/>
+          </a:prstGeom>
+        </p:spPr>
+        <p:txBody>
+          <a:bodyPr>
+            <a:spAutoFit/>
+          </a:bodyPr>
+          <a:lstStyle/>
           <a:p>
             <a:pPr marL="285750" indent="-285750">
               <a:buFont typeface="Arial" panose="020B0604020202020204" pitchFamily="34" charset="0"/>
               <a:buChar char="•"/>
             </a:pPr>
             <a:r>
-              <a:rPr lang="it-IT" dirty="0" err="1"/>
-              <a:t>Add</a:t>
-            </a:r>
-            <a:r>
-              <a:rPr lang="it-IT" dirty="0"/>
-              <a:t> class </a:t>
-            </a:r>
-            <a:r>
-              <a:rPr lang="it-IT" dirty="0" err="1"/>
-              <a:t>probability</a:t>
-            </a:r>
-            <a:endParaRPr lang="it-IT" dirty="0"/>
-          </a:p>
-          <a:p>
-            <a:pPr marL="285750" indent="-285750">
-              <a:buFont typeface="Arial" panose="020B0604020202020204" pitchFamily="34" charset="0"/>
-              <a:buChar char="•"/>
-            </a:pPr>
-            <a:r>
-              <a:rPr lang="it-IT" dirty="0"/>
-              <a:t>From </a:t>
-            </a:r>
-            <a:r>
-              <a:rPr lang="it-IT" dirty="0" err="1"/>
-              <a:t>euclidean</a:t>
-            </a:r>
-            <a:r>
-              <a:rPr lang="it-IT" dirty="0"/>
-              <a:t> </a:t>
-            </a:r>
-            <a:r>
-              <a:rPr lang="it-IT" dirty="0" err="1"/>
-              <a:t>distance</a:t>
-            </a:r>
-            <a:r>
-              <a:rPr lang="it-IT" dirty="0"/>
-              <a:t> to kernel </a:t>
-            </a:r>
-            <a:r>
-              <a:rPr lang="it-IT" dirty="0" err="1"/>
-              <a:t>distance</a:t>
-            </a:r>
-            <a:r>
-              <a:rPr lang="it-IT" dirty="0"/>
-              <a:t> </a:t>
-            </a:r>
-            <a:r>
-              <a:rPr lang="it-IT" dirty="0" err="1"/>
-              <a:t>function</a:t>
-            </a:r>
-            <a:endParaRPr lang="it-IT" dirty="0"/>
+              <a:rPr lang="it-IT" u="sng" dirty="0"/>
+              <a:t>Active Learning framework</a:t>
+            </a:r>
           </a:p>
           <a:p>
             <a:pPr marL="742950" lvl="1" indent="-285750">
@@ -7046,178 +6892,28 @@
               <a:buChar char="•"/>
             </a:pPr>
             <a:r>
-              <a:rPr lang="it-IT" dirty="0"/>
-              <a:t>RBF kernel </a:t>
-            </a:r>
-            <a:r>
-              <a:rPr lang="it-IT" dirty="0" err="1"/>
-              <a:t>function</a:t>
-            </a:r>
-            <a:r>
-              <a:rPr lang="it-IT" dirty="0"/>
-              <a:t> </a:t>
-            </a:r>
-            <a:r>
-              <a:rPr lang="it-IT" dirty="0" err="1"/>
-              <a:t>implementation</a:t>
-            </a:r>
-            <a:endParaRPr lang="it-IT" dirty="0"/>
-          </a:p>
-          <a:p>
-            <a:pPr marL="285750" indent="-285750">
+              <a:rPr lang="en-GB" dirty="0"/>
+              <a:t>A Survey of Active Learning Algorithms for Supervised Remote Sensing Image Classification</a:t>
+            </a:r>
+          </a:p>
+          <a:p>
+            <a:pPr marL="742950" lvl="1" indent="-285750">
               <a:buFont typeface="Arial" panose="020B0604020202020204" pitchFamily="34" charset="0"/>
               <a:buChar char="•"/>
             </a:pPr>
             <a:r>
-              <a:rPr lang="it-IT" dirty="0" err="1"/>
-              <a:t>Adapt</a:t>
-            </a:r>
-            <a:r>
-              <a:rPr lang="it-IT" dirty="0"/>
-              <a:t> </a:t>
-            </a:r>
-            <a:r>
-              <a:rPr lang="it-IT" dirty="0" err="1"/>
-              <a:t>pred_one</a:t>
-            </a:r>
-            <a:r>
-              <a:rPr lang="it-IT" dirty="0"/>
-              <a:t> </a:t>
-            </a:r>
-            <a:r>
-              <a:rPr lang="it-IT" dirty="0" err="1"/>
-              <a:t>function</a:t>
-            </a:r>
-            <a:r>
-              <a:rPr lang="it-IT" dirty="0"/>
-              <a:t> to different class </a:t>
-            </a:r>
-            <a:r>
-              <a:rPr lang="it-IT" dirty="0" err="1"/>
-              <a:t>label</a:t>
-            </a:r>
-            <a:r>
-              <a:rPr lang="it-IT" dirty="0"/>
-              <a:t> </a:t>
-            </a:r>
-            <a:r>
-              <a:rPr lang="it-IT" dirty="0" err="1"/>
-              <a:t>distance</a:t>
-            </a:r>
-            <a:r>
-              <a:rPr lang="it-IT" dirty="0"/>
-              <a:t> </a:t>
-            </a:r>
-          </a:p>
-          <a:p>
-            <a:pPr marL="285750" indent="-285750">
-              <a:buFont typeface="Arial" panose="020B0604020202020204" pitchFamily="34" charset="0"/>
-              <a:buChar char="•"/>
-            </a:pPr>
-            <a:endParaRPr lang="it-IT" dirty="0"/>
-          </a:p>
-          <a:p>
-            <a:pPr marL="285750" indent="-285750">
-              <a:buFont typeface="Arial" panose="020B0604020202020204" pitchFamily="34" charset="0"/>
-              <a:buChar char="•"/>
-            </a:pPr>
-            <a:r>
-              <a:rPr lang="it-IT" dirty="0" err="1"/>
-              <a:t>Marging</a:t>
-            </a:r>
-            <a:r>
-              <a:rPr lang="it-IT" dirty="0"/>
-              <a:t> </a:t>
-            </a:r>
-            <a:r>
-              <a:rPr lang="it-IT" dirty="0" err="1"/>
-              <a:t>sampling</a:t>
-            </a:r>
-            <a:r>
-              <a:rPr lang="it-IT" dirty="0"/>
-              <a:t> (MULTICORE)</a:t>
-            </a:r>
-          </a:p>
-          <a:p>
-            <a:pPr marL="285750" indent="-285750">
-              <a:buFont typeface="Arial" panose="020B0604020202020204" pitchFamily="34" charset="0"/>
-              <a:buChar char="•"/>
-            </a:pPr>
-            <a:endParaRPr lang="it-IT" dirty="0"/>
-          </a:p>
-          <a:p>
-            <a:pPr marL="285750" indent="-285750">
-              <a:buFont typeface="Arial" panose="020B0604020202020204" pitchFamily="34" charset="0"/>
-              <a:buChar char="•"/>
-            </a:pPr>
-            <a:r>
-              <a:rPr lang="it-IT" dirty="0"/>
-              <a:t>MCLU </a:t>
-            </a:r>
-            <a:r>
-              <a:rPr lang="it-IT" dirty="0" err="1"/>
-              <a:t>sampling</a:t>
-            </a:r>
-            <a:r>
-              <a:rPr lang="it-IT" dirty="0"/>
-              <a:t> (MULTICORE)</a:t>
-            </a:r>
-          </a:p>
-          <a:p>
-            <a:pPr marL="285750" indent="-285750">
-              <a:buFont typeface="Arial" panose="020B0604020202020204" pitchFamily="34" charset="0"/>
-              <a:buChar char="•"/>
-            </a:pPr>
-            <a:endParaRPr lang="it-IT" dirty="0"/>
-          </a:p>
-          <a:p>
-            <a:pPr marL="285750" indent="-285750">
-              <a:buFont typeface="Arial" panose="020B0604020202020204" pitchFamily="34" charset="0"/>
-              <a:buChar char="•"/>
-            </a:pPr>
-            <a:r>
-              <a:rPr lang="it-IT" dirty="0" err="1"/>
-              <a:t>Uncertainty</a:t>
-            </a:r>
-            <a:r>
-              <a:rPr lang="it-IT" dirty="0"/>
-              <a:t> </a:t>
-            </a:r>
-            <a:r>
-              <a:rPr lang="it-IT" dirty="0" err="1"/>
-              <a:t>distance</a:t>
-            </a:r>
-            <a:r>
-              <a:rPr lang="it-IT" dirty="0"/>
-              <a:t> (MULTICORE)</a:t>
-            </a:r>
-          </a:p>
-          <a:p>
-            <a:pPr marL="285750" indent="-285750">
-              <a:buFont typeface="Arial" panose="020B0604020202020204" pitchFamily="34" charset="0"/>
-              <a:buChar char="•"/>
-            </a:pPr>
-            <a:r>
-              <a:rPr lang="it-IT" dirty="0"/>
-              <a:t>MCLP </a:t>
-            </a:r>
-            <a:r>
-              <a:rPr lang="it-IT" dirty="0" err="1"/>
-              <a:t>sampling</a:t>
-            </a:r>
-            <a:r>
-              <a:rPr lang="it-IT" dirty="0"/>
-              <a:t> (MULTICORE)</a:t>
+              <a:rPr lang="en-GB" dirty="0"/>
+              <a:t>Active Learning Methods for Remote Sensing Image Classification</a:t>
             </a:r>
           </a:p>
         </p:txBody>
       </p:sp>
       <p:sp>
         <p:nvSpPr>
-          <p:cNvPr id="7" name="Rectangle 6">
+          <p:cNvPr id="4" name="Rectangle 3">
             <a:extLst>
               <a:ext uri="{FF2B5EF4-FFF2-40B4-BE49-F238E27FC236}">
-                <a16:creationId xmlns:a16="http://schemas.microsoft.com/office/drawing/2014/main" id="{AC66D211-AAF4-4661-818A-BC4D70F45A60}"/>
+                <a16:creationId xmlns:a16="http://schemas.microsoft.com/office/drawing/2014/main" id="{EA8F48A4-B9AC-4DA4-972A-FBE6314EBF73}"/>
               </a:ext>
             </a:extLst>
           </p:cNvPr>
@@ -7226,8 +6922,497 @@
         </p:nvSpPr>
         <p:spPr>
           <a:xfrm>
-            <a:off x="5286804" y="152400"/>
-            <a:ext cx="2181687" cy="369332"/>
+            <a:off x="1032756" y="2716951"/>
+            <a:ext cx="9101843" cy="2862322"/>
+          </a:xfrm>
+          <a:prstGeom prst="rect">
+            <a:avLst/>
+          </a:prstGeom>
+        </p:spPr>
+        <p:txBody>
+          <a:bodyPr wrap="square">
+            <a:spAutoFit/>
+          </a:bodyPr>
+          <a:lstStyle/>
+          <a:p>
+            <a:pPr lvl="1"/>
+            <a:r>
+              <a:rPr lang="en-GB" dirty="0"/>
+              <a:t>Large-Margin-Based Active Learning</a:t>
+            </a:r>
+          </a:p>
+          <a:p>
+            <a:pPr marL="1200150" lvl="2" indent="-285750">
+              <a:buFont typeface="Arial" panose="020B0604020202020204" pitchFamily="34" charset="0"/>
+              <a:buChar char="•"/>
+            </a:pPr>
+            <a:r>
+              <a:rPr lang="it-IT" dirty="0"/>
+              <a:t>M</a:t>
+            </a:r>
+            <a:r>
+              <a:rPr lang="en-GB" dirty="0" err="1"/>
+              <a:t>argin</a:t>
+            </a:r>
+            <a:r>
+              <a:rPr lang="en-GB" dirty="0"/>
+              <a:t> Sampling MS</a:t>
+            </a:r>
+          </a:p>
+          <a:p>
+            <a:pPr marL="1200150" lvl="2" indent="-285750">
+              <a:buFont typeface="Arial" panose="020B0604020202020204" pitchFamily="34" charset="0"/>
+              <a:buChar char="•"/>
+            </a:pPr>
+            <a:r>
+              <a:rPr lang="it-IT" dirty="0"/>
+              <a:t>M</a:t>
+            </a:r>
+            <a:r>
+              <a:rPr lang="en-GB" dirty="0" err="1"/>
+              <a:t>ulticlass</a:t>
+            </a:r>
+            <a:r>
+              <a:rPr lang="en-GB" dirty="0"/>
+              <a:t> Level Uncertainty MCLU</a:t>
+            </a:r>
+          </a:p>
+          <a:p>
+            <a:pPr marL="1200150" lvl="2" indent="-285750">
+              <a:buFont typeface="Arial" panose="020B0604020202020204" pitchFamily="34" charset="0"/>
+              <a:buChar char="•"/>
+            </a:pPr>
+            <a:r>
+              <a:rPr lang="it-IT" dirty="0"/>
+              <a:t>S</a:t>
+            </a:r>
+            <a:r>
+              <a:rPr lang="en-GB" dirty="0" err="1"/>
+              <a:t>ignificance</a:t>
+            </a:r>
+            <a:r>
+              <a:rPr lang="en-GB" dirty="0"/>
+              <a:t> Space </a:t>
+            </a:r>
+            <a:r>
+              <a:rPr lang="en-GB" dirty="0" err="1"/>
+              <a:t>Construnction</a:t>
+            </a:r>
+            <a:r>
+              <a:rPr lang="en-GB" dirty="0"/>
+              <a:t> SSC</a:t>
+            </a:r>
+          </a:p>
+          <a:p>
+            <a:pPr marL="1200150" lvl="2" indent="-285750">
+              <a:buFont typeface="Arial" panose="020B0604020202020204" pitchFamily="34" charset="0"/>
+              <a:buChar char="•"/>
+            </a:pPr>
+            <a:r>
+              <a:rPr lang="it-IT" dirty="0" err="1"/>
+              <a:t>Most</a:t>
+            </a:r>
+            <a:r>
+              <a:rPr lang="it-IT" dirty="0"/>
+              <a:t> </a:t>
+            </a:r>
+            <a:r>
+              <a:rPr lang="it-IT" dirty="0" err="1"/>
+              <a:t>Ambiguous</a:t>
+            </a:r>
+            <a:r>
+              <a:rPr lang="it-IT" dirty="0"/>
+              <a:t> and </a:t>
+            </a:r>
+            <a:r>
+              <a:rPr lang="it-IT" dirty="0" err="1"/>
+              <a:t>orthogonal</a:t>
+            </a:r>
+            <a:r>
+              <a:rPr lang="it-IT" dirty="0"/>
+              <a:t> MAO</a:t>
+            </a:r>
+          </a:p>
+          <a:p>
+            <a:pPr marL="1200150" lvl="2" indent="-285750">
+              <a:buFont typeface="Arial" panose="020B0604020202020204" pitchFamily="34" charset="0"/>
+              <a:buChar char="•"/>
+            </a:pPr>
+            <a:r>
+              <a:rPr lang="it-IT" dirty="0" err="1"/>
+              <a:t>Multiclass</a:t>
+            </a:r>
+            <a:r>
+              <a:rPr lang="it-IT" dirty="0"/>
+              <a:t> </a:t>
+            </a:r>
+            <a:r>
+              <a:rPr lang="it-IT" dirty="0" err="1"/>
+              <a:t>level</a:t>
+            </a:r>
+            <a:r>
+              <a:rPr lang="it-IT" dirty="0"/>
+              <a:t> </a:t>
+            </a:r>
+            <a:r>
+              <a:rPr lang="it-IT" dirty="0" err="1"/>
+              <a:t>uncertainty</a:t>
+            </a:r>
+            <a:r>
+              <a:rPr lang="it-IT" dirty="0"/>
+              <a:t>-angle-based </a:t>
+            </a:r>
+            <a:r>
+              <a:rPr lang="it-IT" dirty="0" err="1"/>
+              <a:t>diversity</a:t>
+            </a:r>
+            <a:r>
+              <a:rPr lang="it-IT" dirty="0"/>
+              <a:t> MCLU-ABD</a:t>
+            </a:r>
+          </a:p>
+          <a:p>
+            <a:pPr marL="1200150" lvl="2" indent="-285750">
+              <a:buFont typeface="Arial" panose="020B0604020202020204" pitchFamily="34" charset="0"/>
+              <a:buChar char="•"/>
+            </a:pPr>
+            <a:r>
+              <a:rPr lang="it-IT" dirty="0" err="1"/>
+              <a:t>Multiclass</a:t>
+            </a:r>
+            <a:r>
+              <a:rPr lang="it-IT" dirty="0"/>
+              <a:t> </a:t>
+            </a:r>
+            <a:r>
+              <a:rPr lang="it-IT" dirty="0" err="1"/>
+              <a:t>level</a:t>
+            </a:r>
+            <a:r>
+              <a:rPr lang="it-IT" dirty="0"/>
+              <a:t> </a:t>
+            </a:r>
+            <a:r>
+              <a:rPr lang="it-IT" dirty="0" err="1"/>
+              <a:t>uncertainty-enhanced</a:t>
+            </a:r>
+            <a:r>
+              <a:rPr lang="it-IT" dirty="0"/>
+              <a:t> cluster based </a:t>
+            </a:r>
+            <a:r>
+              <a:rPr lang="it-IT" dirty="0" err="1"/>
+              <a:t>diversity</a:t>
+            </a:r>
+            <a:r>
+              <a:rPr lang="it-IT" dirty="0"/>
+              <a:t> MCLU-ECBD</a:t>
+            </a:r>
+            <a:endParaRPr lang="en-GB" dirty="0"/>
+          </a:p>
+          <a:p>
+            <a:pPr lvl="1"/>
+            <a:r>
+              <a:rPr lang="en-GB" dirty="0"/>
+              <a:t>Posterior Probability-Based Active Learning</a:t>
+            </a:r>
+          </a:p>
+          <a:p>
+            <a:pPr marL="1200150" lvl="2" indent="-285750">
+              <a:buFont typeface="Arial" panose="020B0604020202020204" pitchFamily="34" charset="0"/>
+              <a:buChar char="•"/>
+            </a:pPr>
+            <a:r>
+              <a:rPr lang="en-GB" dirty="0" err="1"/>
+              <a:t>Kullbach</a:t>
+            </a:r>
+            <a:r>
+              <a:rPr lang="en-GB" dirty="0"/>
+              <a:t>–</a:t>
+            </a:r>
+            <a:r>
+              <a:rPr lang="en-GB" dirty="0" err="1"/>
+              <a:t>Leibler</a:t>
+            </a:r>
+            <a:r>
+              <a:rPr lang="en-GB" dirty="0"/>
+              <a:t> divergence KL</a:t>
+            </a:r>
+          </a:p>
+          <a:p>
+            <a:pPr marL="1200150" lvl="2" indent="-285750">
+              <a:buFont typeface="Arial" panose="020B0604020202020204" pitchFamily="34" charset="0"/>
+              <a:buChar char="•"/>
+            </a:pPr>
+            <a:r>
+              <a:rPr lang="en-GB" dirty="0"/>
+              <a:t>Breaking Ties (BT)</a:t>
+            </a:r>
+          </a:p>
+        </p:txBody>
+      </p:sp>
+      <p:pic>
+        <p:nvPicPr>
+          <p:cNvPr id="6" name="Graphic 5" descr="Checkmark">
+            <a:extLst>
+              <a:ext uri="{FF2B5EF4-FFF2-40B4-BE49-F238E27FC236}">
+                <a16:creationId xmlns:a16="http://schemas.microsoft.com/office/drawing/2014/main" id="{A029F770-4102-4EA1-A9E2-44EBA75FB1BB}"/>
+              </a:ext>
+            </a:extLst>
+          </p:cNvPr>
+          <p:cNvPicPr>
+            <a:picLocks noChangeAspect="1"/>
+          </p:cNvPicPr>
+          <p:nvPr/>
+        </p:nvPicPr>
+        <p:blipFill>
+          <a:blip r:embed="rId5" cstate="print">
+            <a:extLst>
+              <a:ext uri="{28A0092B-C50C-407E-A947-70E740481C1C}">
+                <a14:useLocalDpi xmlns:a14="http://schemas.microsoft.com/office/drawing/2010/main" val="0"/>
+              </a:ext>
+              <a:ext uri="{96DAC541-7B7A-43D3-8B79-37D633B846F1}">
+                <asvg:svgBlip xmlns:asvg="http://schemas.microsoft.com/office/drawing/2016/SVG/main" r:embed="rId6"/>
+              </a:ext>
+            </a:extLst>
+          </a:blip>
+          <a:stretch>
+            <a:fillRect/>
+          </a:stretch>
+        </p:blipFill>
+        <p:spPr>
+          <a:xfrm>
+            <a:off x="4343400" y="3014325"/>
+            <a:ext cx="267681" cy="267681"/>
+          </a:xfrm>
+          <a:prstGeom prst="rect">
+            <a:avLst/>
+          </a:prstGeom>
+        </p:spPr>
+      </p:pic>
+      <p:pic>
+        <p:nvPicPr>
+          <p:cNvPr id="14" name="Graphic 13" descr="Checkmark">
+            <a:extLst>
+              <a:ext uri="{FF2B5EF4-FFF2-40B4-BE49-F238E27FC236}">
+                <a16:creationId xmlns:a16="http://schemas.microsoft.com/office/drawing/2014/main" id="{C52B204F-9401-4C6D-8A5C-F12262CEE50A}"/>
+              </a:ext>
+            </a:extLst>
+          </p:cNvPr>
+          <p:cNvPicPr>
+            <a:picLocks noChangeAspect="1"/>
+          </p:cNvPicPr>
+          <p:nvPr/>
+        </p:nvPicPr>
+        <p:blipFill>
+          <a:blip r:embed="rId5" cstate="print">
+            <a:extLst>
+              <a:ext uri="{28A0092B-C50C-407E-A947-70E740481C1C}">
+                <a14:useLocalDpi xmlns:a14="http://schemas.microsoft.com/office/drawing/2010/main" val="0"/>
+              </a:ext>
+              <a:ext uri="{96DAC541-7B7A-43D3-8B79-37D633B846F1}">
+                <asvg:svgBlip xmlns:asvg="http://schemas.microsoft.com/office/drawing/2016/SVG/main" r:embed="rId6"/>
+              </a:ext>
+            </a:extLst>
+          </a:blip>
+          <a:stretch>
+            <a:fillRect/>
+          </a:stretch>
+        </p:blipFill>
+        <p:spPr>
+          <a:xfrm>
+            <a:off x="5637575" y="3307524"/>
+            <a:ext cx="267681" cy="267681"/>
+          </a:xfrm>
+          <a:prstGeom prst="rect">
+            <a:avLst/>
+          </a:prstGeom>
+        </p:spPr>
+      </p:pic>
+      <p:pic>
+        <p:nvPicPr>
+          <p:cNvPr id="15" name="Graphic 14" descr="Checkmark">
+            <a:extLst>
+              <a:ext uri="{FF2B5EF4-FFF2-40B4-BE49-F238E27FC236}">
+                <a16:creationId xmlns:a16="http://schemas.microsoft.com/office/drawing/2014/main" id="{EF8E6B4B-CD08-481E-91D7-B56733E0830F}"/>
+              </a:ext>
+            </a:extLst>
+          </p:cNvPr>
+          <p:cNvPicPr>
+            <a:picLocks noChangeAspect="1"/>
+          </p:cNvPicPr>
+          <p:nvPr/>
+        </p:nvPicPr>
+        <p:blipFill>
+          <a:blip r:embed="rId5" cstate="print">
+            <a:extLst>
+              <a:ext uri="{28A0092B-C50C-407E-A947-70E740481C1C}">
+                <a14:useLocalDpi xmlns:a14="http://schemas.microsoft.com/office/drawing/2010/main" val="0"/>
+              </a:ext>
+              <a:ext uri="{96DAC541-7B7A-43D3-8B79-37D633B846F1}">
+                <asvg:svgBlip xmlns:asvg="http://schemas.microsoft.com/office/drawing/2016/SVG/main" r:embed="rId6"/>
+              </a:ext>
+            </a:extLst>
+          </a:blip>
+          <a:stretch>
+            <a:fillRect/>
+          </a:stretch>
+        </p:blipFill>
+        <p:spPr>
+          <a:xfrm>
+            <a:off x="10392332" y="5247273"/>
+            <a:ext cx="267681" cy="267681"/>
+          </a:xfrm>
+          <a:prstGeom prst="rect">
+            <a:avLst/>
+          </a:prstGeom>
+        </p:spPr>
+      </p:pic>
+      <p:sp>
+        <p:nvSpPr>
+          <p:cNvPr id="12" name="Rectangle 11">
+            <a:extLst>
+              <a:ext uri="{FF2B5EF4-FFF2-40B4-BE49-F238E27FC236}">
+                <a16:creationId xmlns:a16="http://schemas.microsoft.com/office/drawing/2014/main" id="{136D9663-2037-4924-B3CC-0AD9573D6981}"/>
+              </a:ext>
+            </a:extLst>
+          </p:cNvPr>
+          <p:cNvSpPr/>
+          <p:nvPr/>
+        </p:nvSpPr>
+        <p:spPr>
+          <a:xfrm>
+            <a:off x="5943600" y="3256699"/>
+            <a:ext cx="4361387" cy="369332"/>
+          </a:xfrm>
+          <a:prstGeom prst="rect">
+            <a:avLst/>
+          </a:prstGeom>
+        </p:spPr>
+        <p:txBody>
+          <a:bodyPr wrap="none">
+            <a:spAutoFit/>
+          </a:bodyPr>
+          <a:lstStyle/>
+          <a:p>
+            <a:pPr lvl="2"/>
+            <a:r>
+              <a:rPr lang="it-IT" dirty="0"/>
+              <a:t>M</a:t>
+            </a:r>
+            <a:r>
+              <a:rPr lang="en-GB" dirty="0" err="1"/>
+              <a:t>ulticlass</a:t>
+            </a:r>
+            <a:r>
+              <a:rPr lang="en-GB" dirty="0"/>
+              <a:t> Level </a:t>
+            </a:r>
+            <a:r>
+              <a:rPr lang="en-GB" dirty="0" err="1"/>
+              <a:t>Probabbility</a:t>
+            </a:r>
+            <a:r>
+              <a:rPr lang="en-GB" dirty="0"/>
+              <a:t> MCLP</a:t>
+            </a:r>
+          </a:p>
+        </p:txBody>
+      </p:sp>
+      <p:pic>
+        <p:nvPicPr>
+          <p:cNvPr id="17" name="Graphic 16" descr="Add">
+            <a:extLst>
+              <a:ext uri="{FF2B5EF4-FFF2-40B4-BE49-F238E27FC236}">
+                <a16:creationId xmlns:a16="http://schemas.microsoft.com/office/drawing/2014/main" id="{EFDBB9F1-996C-4B4E-8779-E71C42757DF6}"/>
+              </a:ext>
+            </a:extLst>
+          </p:cNvPr>
+          <p:cNvPicPr>
+            <a:picLocks noChangeAspect="1"/>
+          </p:cNvPicPr>
+          <p:nvPr/>
+        </p:nvPicPr>
+        <p:blipFill>
+          <a:blip r:embed="rId7" cstate="print">
+            <a:extLst>
+              <a:ext uri="{28A0092B-C50C-407E-A947-70E740481C1C}">
+                <a14:useLocalDpi xmlns:a14="http://schemas.microsoft.com/office/drawing/2010/main" val="0"/>
+              </a:ext>
+              <a:ext uri="{96DAC541-7B7A-43D3-8B79-37D633B846F1}">
+                <asvg:svgBlip xmlns:asvg="http://schemas.microsoft.com/office/drawing/2016/SVG/main" r:embed="rId8"/>
+              </a:ext>
+            </a:extLst>
+          </a:blip>
+          <a:stretch>
+            <a:fillRect/>
+          </a:stretch>
+        </p:blipFill>
+        <p:spPr>
+          <a:xfrm>
+            <a:off x="6229840" y="3272226"/>
+            <a:ext cx="338275" cy="338275"/>
+          </a:xfrm>
+          <a:prstGeom prst="rect">
+            <a:avLst/>
+          </a:prstGeom>
+        </p:spPr>
+      </p:pic>
+      <p:pic>
+        <p:nvPicPr>
+          <p:cNvPr id="18" name="Graphic 17" descr="Checkmark">
+            <a:extLst>
+              <a:ext uri="{FF2B5EF4-FFF2-40B4-BE49-F238E27FC236}">
+                <a16:creationId xmlns:a16="http://schemas.microsoft.com/office/drawing/2014/main" id="{250C7AAE-68E4-4474-BCA6-267296DA96BC}"/>
+              </a:ext>
+            </a:extLst>
+          </p:cNvPr>
+          <p:cNvPicPr>
+            <a:picLocks noChangeAspect="1"/>
+          </p:cNvPicPr>
+          <p:nvPr/>
+        </p:nvPicPr>
+        <p:blipFill>
+          <a:blip r:embed="rId5" cstate="print">
+            <a:extLst>
+              <a:ext uri="{28A0092B-C50C-407E-A947-70E740481C1C}">
+                <a14:useLocalDpi xmlns:a14="http://schemas.microsoft.com/office/drawing/2010/main" val="0"/>
+              </a:ext>
+              <a:ext uri="{96DAC541-7B7A-43D3-8B79-37D633B846F1}">
+                <asvg:svgBlip xmlns:asvg="http://schemas.microsoft.com/office/drawing/2016/SVG/main" r:embed="rId6"/>
+              </a:ext>
+            </a:extLst>
+          </a:blip>
+          <a:stretch>
+            <a:fillRect/>
+          </a:stretch>
+        </p:blipFill>
+        <p:spPr>
+          <a:xfrm>
+            <a:off x="10286999" y="3282006"/>
+            <a:ext cx="267681" cy="267681"/>
+          </a:xfrm>
+          <a:prstGeom prst="rect">
+            <a:avLst/>
+          </a:prstGeom>
+        </p:spPr>
+      </p:pic>
+      <p:sp>
+        <p:nvSpPr>
+          <p:cNvPr id="19" name="Rectangle 18">
+            <a:extLst>
+              <a:ext uri="{FF2B5EF4-FFF2-40B4-BE49-F238E27FC236}">
+                <a16:creationId xmlns:a16="http://schemas.microsoft.com/office/drawing/2014/main" id="{3E40F008-828D-483B-ACB5-22B0F07CD130}"/>
+              </a:ext>
+            </a:extLst>
+          </p:cNvPr>
+          <p:cNvSpPr/>
+          <p:nvPr/>
+        </p:nvSpPr>
+        <p:spPr>
+          <a:xfrm>
+            <a:off x="5447755" y="152400"/>
+            <a:ext cx="1902444" cy="369332"/>
           </a:xfrm>
           <a:prstGeom prst="rect">
             <a:avLst/>
@@ -7254,7 +7439,7 @@
                 <a:latin typeface="Microsoft Sans Serif"/>
                 <a:cs typeface="Microsoft Sans Serif"/>
               </a:rPr>
-              <a:t>Implemented</a:t>
+              <a:t>Current</a:t>
             </a:r>
             <a:r>
               <a:rPr lang="it-IT" spc="-5" dirty="0">
@@ -7271,7 +7456,7 @@
                 <a:latin typeface="Microsoft Sans Serif"/>
                 <a:cs typeface="Microsoft Sans Serif"/>
               </a:rPr>
-              <a:t>  steps</a:t>
+              <a:t> progress</a:t>
             </a:r>
             <a:endParaRPr lang="en-GB" dirty="0">
               <a:effectLst>
@@ -7285,198 +7470,10 @@
           </a:p>
         </p:txBody>
       </p:sp>
-      <p:pic>
-        <p:nvPicPr>
-          <p:cNvPr id="8" name="Picture 7">
-            <a:extLst>
-              <a:ext uri="{FF2B5EF4-FFF2-40B4-BE49-F238E27FC236}">
-                <a16:creationId xmlns:a16="http://schemas.microsoft.com/office/drawing/2014/main" id="{7129177D-28AF-42B9-AD3F-30783F81E2B0}"/>
-              </a:ext>
-            </a:extLst>
-          </p:cNvPr>
-          <p:cNvPicPr>
-            <a:picLocks noChangeAspect="1"/>
-          </p:cNvPicPr>
-          <p:nvPr/>
-        </p:nvPicPr>
-        <p:blipFill>
-          <a:blip r:embed="rId3" cstate="print">
-            <a:extLst>
-              <a:ext uri="{28A0092B-C50C-407E-A947-70E740481C1C}">
-                <a14:useLocalDpi xmlns:a14="http://schemas.microsoft.com/office/drawing/2010/main" val="0"/>
-              </a:ext>
-            </a:extLst>
-          </a:blip>
-          <a:stretch>
-            <a:fillRect/>
-          </a:stretch>
-        </p:blipFill>
-        <p:spPr>
-          <a:xfrm>
-            <a:off x="11277600" y="6269054"/>
-            <a:ext cx="550128" cy="550128"/>
-          </a:xfrm>
-          <a:prstGeom prst="rect">
-            <a:avLst/>
-          </a:prstGeom>
-        </p:spPr>
-      </p:pic>
-      <p:pic>
-        <p:nvPicPr>
-          <p:cNvPr id="13" name="Picture 12">
-            <a:extLst>
-              <a:ext uri="{FF2B5EF4-FFF2-40B4-BE49-F238E27FC236}">
-                <a16:creationId xmlns:a16="http://schemas.microsoft.com/office/drawing/2014/main" id="{3456ADC5-2793-4FE5-8017-FD10394D5975}"/>
-              </a:ext>
-            </a:extLst>
-          </p:cNvPr>
-          <p:cNvPicPr>
-            <a:picLocks noChangeAspect="1"/>
-          </p:cNvPicPr>
-          <p:nvPr/>
-        </p:nvPicPr>
-        <p:blipFill>
-          <a:blip r:embed="rId4" cstate="print">
-            <a:extLst>
-              <a:ext uri="{28A0092B-C50C-407E-A947-70E740481C1C}">
-                <a14:useLocalDpi xmlns:a14="http://schemas.microsoft.com/office/drawing/2010/main" val="0"/>
-              </a:ext>
-            </a:extLst>
-          </a:blip>
-          <a:stretch>
-            <a:fillRect/>
-          </a:stretch>
-        </p:blipFill>
-        <p:spPr>
-          <a:xfrm>
-            <a:off x="11182985" y="6230111"/>
-            <a:ext cx="628015" cy="628015"/>
-          </a:xfrm>
-          <a:prstGeom prst="rect">
-            <a:avLst/>
-          </a:prstGeom>
-        </p:spPr>
-      </p:pic>
-      <p:pic>
-        <p:nvPicPr>
-          <p:cNvPr id="14" name="Picture 13">
-            <a:extLst>
-              <a:ext uri="{FF2B5EF4-FFF2-40B4-BE49-F238E27FC236}">
-                <a16:creationId xmlns:a16="http://schemas.microsoft.com/office/drawing/2014/main" id="{042E576F-9E28-4F1C-B2E8-CD21F2DB4948}"/>
-              </a:ext>
-            </a:extLst>
-          </p:cNvPr>
-          <p:cNvPicPr>
-            <a:picLocks noChangeAspect="1"/>
-          </p:cNvPicPr>
-          <p:nvPr/>
-        </p:nvPicPr>
-        <p:blipFill rotWithShape="1">
-          <a:blip r:embed="rId5"/>
-          <a:srcRect l="3163" t="13805" r="903" b="14324"/>
-          <a:stretch/>
-        </p:blipFill>
-        <p:spPr>
-          <a:xfrm>
-            <a:off x="4724400" y="2913459"/>
-            <a:ext cx="3337885" cy="504415"/>
-          </a:xfrm>
-          <a:prstGeom prst="rect">
-            <a:avLst/>
-          </a:prstGeom>
-        </p:spPr>
-      </p:pic>
-      <p:pic>
-        <p:nvPicPr>
-          <p:cNvPr id="16" name="Picture 15">
-            <a:extLst>
-              <a:ext uri="{FF2B5EF4-FFF2-40B4-BE49-F238E27FC236}">
-                <a16:creationId xmlns:a16="http://schemas.microsoft.com/office/drawing/2014/main" id="{99AE6C36-B7A4-4C70-869B-0D814962DE90}"/>
-              </a:ext>
-            </a:extLst>
-          </p:cNvPr>
-          <p:cNvPicPr>
-            <a:picLocks noChangeAspect="1"/>
-          </p:cNvPicPr>
-          <p:nvPr/>
-        </p:nvPicPr>
-        <p:blipFill rotWithShape="1">
-          <a:blip r:embed="rId6"/>
-          <a:srcRect l="14256" t="60215" r="7291" b="6973"/>
-          <a:stretch/>
-        </p:blipFill>
-        <p:spPr>
-          <a:xfrm>
-            <a:off x="7548670" y="4017320"/>
-            <a:ext cx="3957529" cy="508604"/>
-          </a:xfrm>
-          <a:prstGeom prst="rect">
-            <a:avLst/>
-          </a:prstGeom>
-        </p:spPr>
-      </p:pic>
-      <p:pic>
-        <p:nvPicPr>
-          <p:cNvPr id="17" name="Picture 16">
-            <a:extLst>
-              <a:ext uri="{FF2B5EF4-FFF2-40B4-BE49-F238E27FC236}">
-                <a16:creationId xmlns:a16="http://schemas.microsoft.com/office/drawing/2014/main" id="{732E061B-7E4A-4054-B28D-8C00E304FE50}"/>
-              </a:ext>
-            </a:extLst>
-          </p:cNvPr>
-          <p:cNvPicPr>
-            <a:picLocks noChangeAspect="1"/>
-          </p:cNvPicPr>
-          <p:nvPr/>
-        </p:nvPicPr>
-        <p:blipFill rotWithShape="1">
-          <a:blip r:embed="rId6"/>
-          <a:srcRect l="634" t="37849" r="86792" b="38187"/>
-          <a:stretch/>
-        </p:blipFill>
-        <p:spPr>
-          <a:xfrm>
-            <a:off x="6706043" y="4075559"/>
-            <a:ext cx="669612" cy="392126"/>
-          </a:xfrm>
-          <a:prstGeom prst="rect">
-            <a:avLst/>
-          </a:prstGeom>
-        </p:spPr>
-      </p:pic>
-      <p:pic>
-        <p:nvPicPr>
-          <p:cNvPr id="18" name="Picture 17">
-            <a:extLst>
-              <a:ext uri="{FF2B5EF4-FFF2-40B4-BE49-F238E27FC236}">
-                <a16:creationId xmlns:a16="http://schemas.microsoft.com/office/drawing/2014/main" id="{9F59D4A7-21E7-44C7-9747-8A939E758584}"/>
-              </a:ext>
-            </a:extLst>
-          </p:cNvPr>
-          <p:cNvPicPr>
-            <a:picLocks noChangeAspect="1"/>
-          </p:cNvPicPr>
-          <p:nvPr/>
-        </p:nvPicPr>
-        <p:blipFill rotWithShape="1">
-          <a:blip r:embed="rId6"/>
-          <a:srcRect l="25783" t="4809" r="19635" b="67439"/>
-          <a:stretch/>
-        </p:blipFill>
-        <p:spPr>
-          <a:xfrm>
-            <a:off x="4724400" y="3465001"/>
-            <a:ext cx="3187149" cy="497941"/>
-          </a:xfrm>
-          <a:prstGeom prst="rect">
-            <a:avLst/>
-          </a:prstGeom>
-        </p:spPr>
-      </p:pic>
     </p:spTree>
     <p:extLst>
       <p:ext uri="{BB962C8B-B14F-4D97-AF65-F5344CB8AC3E}">
-        <p14:creationId xmlns:p14="http://schemas.microsoft.com/office/powerpoint/2010/main" val="2623550191"/>
+        <p14:creationId xmlns:p14="http://schemas.microsoft.com/office/powerpoint/2010/main" val="2322780237"/>
       </p:ext>
     </p:extLst>
   </p:cSld>
@@ -8811,11 +8808,12 @@
 </file>
 
 <file path=customXml/item1.xml><?xml version="1.0" encoding="utf-8"?>
-<p:properties xmlns:p="http://schemas.microsoft.com/office/2006/metadata/properties" xmlns:xsi="http://www.w3.org/2001/XMLSchema-instance" xmlns:pc="http://schemas.microsoft.com/office/infopath/2007/PartnerControls">
-  <documentManagement>
-    <_activity xmlns="c9eab120-891d-4e75-bbb7-983661d36c9c" xsi:nil="true"/>
-  </documentManagement>
-</p:properties>
+<?mso-contentType ?>
+<FormTemplates xmlns="http://schemas.microsoft.com/sharepoint/v3/contenttype/forms">
+  <Display>DocumentLibraryForm</Display>
+  <Edit>DocumentLibraryForm</Edit>
+  <New>DocumentLibraryForm</New>
+</FormTemplates>
 </file>
 
 <file path=customXml/item2.xml><?xml version="1.0" encoding="utf-8"?>
@@ -9048,27 +9046,17 @@
 </file>
 
 <file path=customXml/item3.xml><?xml version="1.0" encoding="utf-8"?>
-<?mso-contentType ?>
-<FormTemplates xmlns="http://schemas.microsoft.com/sharepoint/v3/contenttype/forms">
-  <Display>DocumentLibraryForm</Display>
-  <Edit>DocumentLibraryForm</Edit>
-  <New>DocumentLibraryForm</New>
-</FormTemplates>
+<p:properties xmlns:p="http://schemas.microsoft.com/office/2006/metadata/properties" xmlns:xsi="http://www.w3.org/2001/XMLSchema-instance" xmlns:pc="http://schemas.microsoft.com/office/infopath/2007/PartnerControls">
+  <documentManagement>
+    <_activity xmlns="c9eab120-891d-4e75-bbb7-983661d36c9c" xsi:nil="true"/>
+  </documentManagement>
+</p:properties>
 </file>
 
 <file path=customXml/itemProps1.xml><?xml version="1.0" encoding="utf-8"?>
-<ds:datastoreItem xmlns:ds="http://schemas.openxmlformats.org/officeDocument/2006/customXml" ds:itemID="{0935546A-FCFF-49CF-A534-6766F9A5EAFB}">
+<ds:datastoreItem xmlns:ds="http://schemas.openxmlformats.org/officeDocument/2006/customXml" ds:itemID="{29D72105-E419-4657-8EC8-6C73137ECF2E}">
   <ds:schemaRefs>
-    <ds:schemaRef ds:uri="http://schemas.openxmlformats.org/package/2006/metadata/core-properties"/>
-    <ds:schemaRef ds:uri="c9eab120-891d-4e75-bbb7-983661d36c9c"/>
-    <ds:schemaRef ds:uri="http://purl.org/dc/terms/"/>
-    <ds:schemaRef ds:uri="http://schemas.microsoft.com/office/2006/documentManagement/types"/>
-    <ds:schemaRef ds:uri="http://schemas.microsoft.com/office/infopath/2007/PartnerControls"/>
-    <ds:schemaRef ds:uri="http://purl.org/dc/elements/1.1/"/>
-    <ds:schemaRef ds:uri="2cbdb79f-05cb-4beb-bf79-a6aafc29ddd5"/>
-    <ds:schemaRef ds:uri="http://www.w3.org/XML/1998/namespace"/>
-    <ds:schemaRef ds:uri="http://schemas.microsoft.com/office/2006/metadata/properties"/>
-    <ds:schemaRef ds:uri="http://purl.org/dc/dcmitype/"/>
+    <ds:schemaRef ds:uri="http://schemas.microsoft.com/sharepoint/v3/contenttype/forms"/>
   </ds:schemaRefs>
 </ds:datastoreItem>
 </file>
@@ -9093,9 +9081,18 @@
 </file>
 
 <file path=customXml/itemProps3.xml><?xml version="1.0" encoding="utf-8"?>
-<ds:datastoreItem xmlns:ds="http://schemas.openxmlformats.org/officeDocument/2006/customXml" ds:itemID="{29D72105-E419-4657-8EC8-6C73137ECF2E}">
+<ds:datastoreItem xmlns:ds="http://schemas.openxmlformats.org/officeDocument/2006/customXml" ds:itemID="{0935546A-FCFF-49CF-A534-6766F9A5EAFB}">
   <ds:schemaRefs>
-    <ds:schemaRef ds:uri="http://schemas.microsoft.com/sharepoint/v3/contenttype/forms"/>
+    <ds:schemaRef ds:uri="http://schemas.openxmlformats.org/package/2006/metadata/core-properties"/>
+    <ds:schemaRef ds:uri="c9eab120-891d-4e75-bbb7-983661d36c9c"/>
+    <ds:schemaRef ds:uri="http://purl.org/dc/terms/"/>
+    <ds:schemaRef ds:uri="http://schemas.microsoft.com/office/2006/documentManagement/types"/>
+    <ds:schemaRef ds:uri="http://schemas.microsoft.com/office/infopath/2007/PartnerControls"/>
+    <ds:schemaRef ds:uri="http://purl.org/dc/elements/1.1/"/>
+    <ds:schemaRef ds:uri="2cbdb79f-05cb-4beb-bf79-a6aafc29ddd5"/>
+    <ds:schemaRef ds:uri="http://www.w3.org/XML/1998/namespace"/>
+    <ds:schemaRef ds:uri="http://schemas.microsoft.com/office/2006/metadata/properties"/>
+    <ds:schemaRef ds:uri="http://purl.org/dc/dcmitype/"/>
   </ds:schemaRefs>
 </ds:datastoreItem>
 </file>
--- a/presentation_CARLASSARA_10601118.pptx
+++ b/presentation_CARLASSARA_10601118.pptx
@@ -5,7 +5,7 @@
     <p:sldMasterId id="2147483648" r:id="rId4"/>
   </p:sldMasterIdLst>
   <p:notesMasterIdLst>
-    <p:notesMasterId r:id="rId13"/>
+    <p:notesMasterId r:id="rId15"/>
   </p:notesMasterIdLst>
   <p:sldIdLst>
     <p:sldId id="256" r:id="rId5"/>
@@ -15,7 +15,9 @@
     <p:sldId id="311" r:id="rId9"/>
     <p:sldId id="314" r:id="rId10"/>
     <p:sldId id="312" r:id="rId11"/>
-    <p:sldId id="287" r:id="rId12"/>
+    <p:sldId id="315" r:id="rId12"/>
+    <p:sldId id="316" r:id="rId13"/>
+    <p:sldId id="287" r:id="rId14"/>
   </p:sldIdLst>
   <p:sldSz cx="12192000" cy="6858000"/>
   <p:notesSz cx="12192000" cy="6858000"/>
@@ -229,7 +231,7 @@
           <a:p>
             <a:fld id="{2E347CE9-1F5D-4CEF-9CA7-664B3EF9808B}" type="datetimeFigureOut">
               <a:rPr lang="en-GB" smtClean="0"/>
-              <a:t>16/05/2024</a:t>
+              <a:t>28/05/2024</a:t>
             </a:fld>
             <a:endParaRPr lang="en-GB"/>
           </a:p>
@@ -636,7 +638,7 @@
           <a:p>
             <a:fld id="{1D8BD707-D9CF-40AE-B4C6-C98DA3205C09}" type="datetimeFigureOut">
               <a:rPr lang="en-US"/>
-              <a:t>5/16/2024</a:t>
+              <a:t>5/28/2024</a:t>
             </a:fld>
             <a:endParaRPr lang="en-US"/>
           </a:p>
@@ -811,7 +813,7 @@
           <a:p>
             <a:fld id="{1D8BD707-D9CF-40AE-B4C6-C98DA3205C09}" type="datetimeFigureOut">
               <a:rPr lang="en-US"/>
-              <a:t>5/16/2024</a:t>
+              <a:t>5/28/2024</a:t>
             </a:fld>
             <a:endParaRPr lang="en-US"/>
           </a:p>
@@ -1025,7 +1027,7 @@
           <a:p>
             <a:fld id="{1D8BD707-D9CF-40AE-B4C6-C98DA3205C09}" type="datetimeFigureOut">
               <a:rPr lang="en-US"/>
-              <a:t>5/16/2024</a:t>
+              <a:t>5/28/2024</a:t>
             </a:fld>
             <a:endParaRPr lang="en-US"/>
           </a:p>
@@ -1173,7 +1175,7 @@
           <a:p>
             <a:fld id="{1D8BD707-D9CF-40AE-B4C6-C98DA3205C09}" type="datetimeFigureOut">
               <a:rPr lang="en-US"/>
-              <a:t>5/16/2024</a:t>
+              <a:t>5/28/2024</a:t>
             </a:fld>
             <a:endParaRPr lang="en-US"/>
           </a:p>
@@ -1292,7 +1294,7 @@
           <a:p>
             <a:fld id="{1D8BD707-D9CF-40AE-B4C6-C98DA3205C09}" type="datetimeFigureOut">
               <a:rPr lang="en-US"/>
-              <a:t>5/16/2024</a:t>
+              <a:t>5/28/2024</a:t>
             </a:fld>
             <a:endParaRPr lang="en-US"/>
           </a:p>
@@ -1661,7 +1663,7 @@
           <a:p>
             <a:fld id="{1D8BD707-D9CF-40AE-B4C6-C98DA3205C09}" type="datetimeFigureOut">
               <a:rPr lang="en-US"/>
-              <a:t>5/16/2024</a:t>
+              <a:t>5/28/2024</a:t>
             </a:fld>
             <a:endParaRPr lang="en-US"/>
           </a:p>
@@ -2561,6 +2563,752 @@
 </p:sld>
 </file>
 
+<file path=ppt/slides/slide10.xml><?xml version="1.0" encoding="utf-8"?>
+<p:sld xmlns:a="http://schemas.openxmlformats.org/drawingml/2006/main" xmlns:r="http://schemas.openxmlformats.org/officeDocument/2006/relationships" xmlns:p="http://schemas.openxmlformats.org/presentationml/2006/main" showMasterSp="0">
+  <p:cSld>
+    <p:spTree>
+      <p:nvGrpSpPr>
+        <p:cNvPr id="1" name=""/>
+        <p:cNvGrpSpPr/>
+        <p:nvPr/>
+      </p:nvGrpSpPr>
+      <p:grpSpPr>
+        <a:xfrm>
+          <a:off x="0" y="0"/>
+          <a:ext cx="0" cy="0"/>
+          <a:chOff x="0" y="0"/>
+          <a:chExt cx="0" cy="0"/>
+        </a:xfrm>
+      </p:grpSpPr>
+      <p:grpSp>
+        <p:nvGrpSpPr>
+          <p:cNvPr id="2" name="object 2"/>
+          <p:cNvGrpSpPr/>
+          <p:nvPr/>
+        </p:nvGrpSpPr>
+        <p:grpSpPr>
+          <a:xfrm>
+            <a:off x="0" y="0"/>
+            <a:ext cx="12192000" cy="1849120"/>
+            <a:chOff x="0" y="0"/>
+            <a:chExt cx="12192000" cy="1849120"/>
+          </a:xfrm>
+        </p:grpSpPr>
+        <p:sp>
+          <p:nvSpPr>
+            <p:cNvPr id="3" name="object 3"/>
+            <p:cNvSpPr/>
+            <p:nvPr/>
+          </p:nvSpPr>
+          <p:spPr>
+            <a:xfrm>
+              <a:off x="0" y="0"/>
+              <a:ext cx="12192000" cy="1849120"/>
+            </a:xfrm>
+            <a:custGeom>
+              <a:avLst/>
+              <a:gdLst/>
+              <a:ahLst/>
+              <a:cxnLst/>
+              <a:rect l="l" t="t" r="r" b="b"/>
+              <a:pathLst>
+                <a:path w="12192000" h="1849120">
+                  <a:moveTo>
+                    <a:pt x="12192000" y="0"/>
+                  </a:moveTo>
+                  <a:lnTo>
+                    <a:pt x="0" y="0"/>
+                  </a:lnTo>
+                  <a:lnTo>
+                    <a:pt x="0" y="1848612"/>
+                  </a:lnTo>
+                  <a:lnTo>
+                    <a:pt x="12192000" y="1848612"/>
+                  </a:lnTo>
+                  <a:lnTo>
+                    <a:pt x="12192000" y="0"/>
+                  </a:lnTo>
+                  <a:close/>
+                </a:path>
+              </a:pathLst>
+            </a:custGeom>
+            <a:solidFill>
+              <a:srgbClr val="1A415D"/>
+            </a:solidFill>
+          </p:spPr>
+          <p:txBody>
+            <a:bodyPr wrap="square" lIns="0" tIns="0" rIns="0" bIns="0" rtlCol="0"/>
+            <a:lstStyle/>
+            <a:p>
+              <a:endParaRPr/>
+            </a:p>
+          </p:txBody>
+        </p:sp>
+        <p:pic>
+          <p:nvPicPr>
+            <p:cNvPr id="4" name="object 4"/>
+            <p:cNvPicPr/>
+            <p:nvPr/>
+          </p:nvPicPr>
+          <p:blipFill>
+            <a:blip r:embed="rId2" cstate="print"/>
+            <a:stretch>
+              <a:fillRect/>
+            </a:stretch>
+          </p:blipFill>
+          <p:spPr>
+            <a:xfrm>
+              <a:off x="5375147" y="298704"/>
+              <a:ext cx="1441703" cy="1106424"/>
+            </a:xfrm>
+            <a:prstGeom prst="rect">
+              <a:avLst/>
+            </a:prstGeom>
+          </p:spPr>
+        </p:pic>
+      </p:grpSp>
+      <p:sp>
+        <p:nvSpPr>
+          <p:cNvPr id="5" name="object 5"/>
+          <p:cNvSpPr txBox="1">
+            <a:spLocks noGrp="1"/>
+          </p:cNvSpPr>
+          <p:nvPr>
+            <p:ph type="title"/>
+          </p:nvPr>
+        </p:nvSpPr>
+        <p:spPr>
+          <a:xfrm>
+            <a:off x="2257344" y="2896704"/>
+            <a:ext cx="7677307" cy="751488"/>
+          </a:xfrm>
+          <a:prstGeom prst="rect">
+            <a:avLst/>
+          </a:prstGeom>
+        </p:spPr>
+        <p:txBody>
+          <a:bodyPr vert="horz" wrap="square" lIns="0" tIns="12700" rIns="0" bIns="0" rtlCol="0">
+            <a:spAutoFit/>
+          </a:bodyPr>
+          <a:lstStyle/>
+          <a:p>
+            <a:pPr marL="12700" algn="ctr">
+              <a:lnSpc>
+                <a:spcPct val="100000"/>
+              </a:lnSpc>
+              <a:spcBef>
+                <a:spcPts val="100"/>
+              </a:spcBef>
+            </a:pPr>
+            <a:r>
+              <a:rPr lang="it-IT" sz="4800" b="0" spc="-5" dirty="0" err="1">
+                <a:latin typeface="+mn-lt"/>
+              </a:rPr>
+              <a:t>Thanks</a:t>
+            </a:r>
+            <a:r>
+              <a:rPr lang="it-IT" sz="4800" b="0" spc="-5" dirty="0">
+                <a:latin typeface="+mn-lt"/>
+              </a:rPr>
+              <a:t>!</a:t>
+            </a:r>
+            <a:endParaRPr sz="4800" b="0" spc="-5" dirty="0">
+              <a:latin typeface="+mn-lt"/>
+            </a:endParaRPr>
+          </a:p>
+        </p:txBody>
+      </p:sp>
+      <p:sp>
+        <p:nvSpPr>
+          <p:cNvPr id="6" name="object 6"/>
+          <p:cNvSpPr txBox="1"/>
+          <p:nvPr/>
+        </p:nvSpPr>
+        <p:spPr>
+          <a:xfrm>
+            <a:off x="2646422" y="4600469"/>
+            <a:ext cx="6899150" cy="443711"/>
+          </a:xfrm>
+          <a:prstGeom prst="rect">
+            <a:avLst/>
+          </a:prstGeom>
+        </p:spPr>
+        <p:txBody>
+          <a:bodyPr vert="horz" wrap="square" lIns="0" tIns="12700" rIns="0" bIns="0" rtlCol="0">
+            <a:spAutoFit/>
+          </a:bodyPr>
+          <a:lstStyle/>
+          <a:p>
+            <a:pPr marL="635" algn="ctr">
+              <a:lnSpc>
+                <a:spcPct val="100000"/>
+              </a:lnSpc>
+            </a:pPr>
+            <a:r>
+              <a:rPr lang="it-IT" sz="2800" spc="-5" dirty="0">
+                <a:latin typeface="Trebuchet MS"/>
+                <a:cs typeface="Trebuchet MS"/>
+              </a:rPr>
+              <a:t>lorenzo.carlassara@mail.polimi.it</a:t>
+            </a:r>
+            <a:endParaRPr lang="it-IT" sz="2800" dirty="0">
+              <a:latin typeface="Trebuchet MS"/>
+              <a:cs typeface="Trebuchet MS"/>
+            </a:endParaRPr>
+          </a:p>
+        </p:txBody>
+      </p:sp>
+      <p:sp>
+        <p:nvSpPr>
+          <p:cNvPr id="9" name="object 9"/>
+          <p:cNvSpPr txBox="1"/>
+          <p:nvPr/>
+        </p:nvSpPr>
+        <p:spPr>
+          <a:xfrm>
+            <a:off x="397865" y="6412179"/>
+            <a:ext cx="11398250" cy="239395"/>
+          </a:xfrm>
+          <a:prstGeom prst="rect">
+            <a:avLst/>
+          </a:prstGeom>
+        </p:spPr>
+        <p:txBody>
+          <a:bodyPr vert="horz" wrap="square" lIns="0" tIns="12700" rIns="0" bIns="0" rtlCol="0">
+            <a:spAutoFit/>
+          </a:bodyPr>
+          <a:lstStyle/>
+          <a:p>
+            <a:pPr marL="12700">
+              <a:lnSpc>
+                <a:spcPct val="100000"/>
+              </a:lnSpc>
+              <a:spcBef>
+                <a:spcPts val="100"/>
+              </a:spcBef>
+            </a:pPr>
+            <a:r>
+              <a:rPr sz="1400" spc="40" dirty="0">
+                <a:solidFill>
+                  <a:srgbClr val="D9D9D9"/>
+                </a:solidFill>
+                <a:latin typeface="Microsoft Sans Serif"/>
+                <a:cs typeface="Microsoft Sans Serif"/>
+              </a:rPr>
+              <a:t>All</a:t>
+            </a:r>
+            <a:r>
+              <a:rPr sz="1400" spc="-80" dirty="0">
+                <a:solidFill>
+                  <a:srgbClr val="D9D9D9"/>
+                </a:solidFill>
+                <a:latin typeface="Microsoft Sans Serif"/>
+                <a:cs typeface="Microsoft Sans Serif"/>
+              </a:rPr>
+              <a:t> </a:t>
+            </a:r>
+            <a:r>
+              <a:rPr sz="1400" spc="15" dirty="0">
+                <a:solidFill>
+                  <a:srgbClr val="D9D9D9"/>
+                </a:solidFill>
+                <a:latin typeface="Microsoft Sans Serif"/>
+                <a:cs typeface="Microsoft Sans Serif"/>
+              </a:rPr>
+              <a:t>materials</a:t>
+            </a:r>
+            <a:r>
+              <a:rPr sz="1400" spc="-90" dirty="0">
+                <a:solidFill>
+                  <a:srgbClr val="D9D9D9"/>
+                </a:solidFill>
+                <a:latin typeface="Microsoft Sans Serif"/>
+                <a:cs typeface="Microsoft Sans Serif"/>
+              </a:rPr>
+              <a:t> </a:t>
+            </a:r>
+            <a:r>
+              <a:rPr sz="1400" spc="30" dirty="0">
+                <a:solidFill>
+                  <a:srgbClr val="D9D9D9"/>
+                </a:solidFill>
+                <a:latin typeface="Microsoft Sans Serif"/>
+                <a:cs typeface="Microsoft Sans Serif"/>
+              </a:rPr>
+              <a:t>in</a:t>
+            </a:r>
+            <a:r>
+              <a:rPr sz="1400" spc="-65" dirty="0">
+                <a:solidFill>
+                  <a:srgbClr val="D9D9D9"/>
+                </a:solidFill>
+                <a:latin typeface="Microsoft Sans Serif"/>
+                <a:cs typeface="Microsoft Sans Serif"/>
+              </a:rPr>
+              <a:t> </a:t>
+            </a:r>
+            <a:r>
+              <a:rPr sz="1400" spc="40" dirty="0">
+                <a:solidFill>
+                  <a:srgbClr val="D9D9D9"/>
+                </a:solidFill>
+                <a:latin typeface="Microsoft Sans Serif"/>
+                <a:cs typeface="Microsoft Sans Serif"/>
+              </a:rPr>
+              <a:t>this</a:t>
+            </a:r>
+            <a:r>
+              <a:rPr sz="1400" spc="-90" dirty="0">
+                <a:solidFill>
+                  <a:srgbClr val="D9D9D9"/>
+                </a:solidFill>
+                <a:latin typeface="Microsoft Sans Serif"/>
+                <a:cs typeface="Microsoft Sans Serif"/>
+              </a:rPr>
+              <a:t> </a:t>
+            </a:r>
+            <a:r>
+              <a:rPr sz="1400" spc="25" dirty="0">
+                <a:solidFill>
+                  <a:srgbClr val="D9D9D9"/>
+                </a:solidFill>
+                <a:latin typeface="Microsoft Sans Serif"/>
+                <a:cs typeface="Microsoft Sans Serif"/>
+              </a:rPr>
+              <a:t>presentation</a:t>
+            </a:r>
+            <a:r>
+              <a:rPr sz="1400" spc="-90" dirty="0">
+                <a:solidFill>
+                  <a:srgbClr val="D9D9D9"/>
+                </a:solidFill>
+                <a:latin typeface="Microsoft Sans Serif"/>
+                <a:cs typeface="Microsoft Sans Serif"/>
+              </a:rPr>
+              <a:t> </a:t>
+            </a:r>
+            <a:r>
+              <a:rPr sz="1400" spc="10" dirty="0">
+                <a:solidFill>
+                  <a:srgbClr val="D9D9D9"/>
+                </a:solidFill>
+                <a:latin typeface="Microsoft Sans Serif"/>
+                <a:cs typeface="Microsoft Sans Serif"/>
+              </a:rPr>
+              <a:t>are</a:t>
+            </a:r>
+            <a:r>
+              <a:rPr sz="1400" spc="-100" dirty="0">
+                <a:solidFill>
+                  <a:srgbClr val="D9D9D9"/>
+                </a:solidFill>
+                <a:latin typeface="Microsoft Sans Serif"/>
+                <a:cs typeface="Microsoft Sans Serif"/>
+              </a:rPr>
+              <a:t> </a:t>
+            </a:r>
+            <a:r>
+              <a:rPr sz="1400" spc="75" dirty="0">
+                <a:solidFill>
+                  <a:srgbClr val="D9D9D9"/>
+                </a:solidFill>
+                <a:latin typeface="Microsoft Sans Serif"/>
+                <a:cs typeface="Microsoft Sans Serif"/>
+              </a:rPr>
+              <a:t>from</a:t>
+            </a:r>
+            <a:r>
+              <a:rPr sz="1400" spc="-70" dirty="0">
+                <a:solidFill>
+                  <a:srgbClr val="D9D9D9"/>
+                </a:solidFill>
+                <a:latin typeface="Microsoft Sans Serif"/>
+                <a:cs typeface="Microsoft Sans Serif"/>
+              </a:rPr>
+              <a:t> </a:t>
+            </a:r>
+            <a:r>
+              <a:rPr sz="1400" spc="65" dirty="0">
+                <a:solidFill>
+                  <a:srgbClr val="D9D9D9"/>
+                </a:solidFill>
+                <a:latin typeface="Microsoft Sans Serif"/>
+                <a:cs typeface="Microsoft Sans Serif"/>
+              </a:rPr>
+              <a:t>the</a:t>
+            </a:r>
+            <a:r>
+              <a:rPr sz="1400" spc="-90" dirty="0">
+                <a:solidFill>
+                  <a:srgbClr val="D9D9D9"/>
+                </a:solidFill>
+                <a:latin typeface="Microsoft Sans Serif"/>
+                <a:cs typeface="Microsoft Sans Serif"/>
+              </a:rPr>
+              <a:t> </a:t>
+            </a:r>
+            <a:r>
+              <a:rPr sz="1400" spc="20" dirty="0">
+                <a:solidFill>
+                  <a:srgbClr val="D9D9D9"/>
+                </a:solidFill>
+                <a:latin typeface="Microsoft Sans Serif"/>
+                <a:cs typeface="Microsoft Sans Serif"/>
+              </a:rPr>
+              <a:t>public</a:t>
+            </a:r>
+            <a:r>
+              <a:rPr sz="1400" spc="-95" dirty="0">
+                <a:solidFill>
+                  <a:srgbClr val="D9D9D9"/>
+                </a:solidFill>
+                <a:latin typeface="Microsoft Sans Serif"/>
+                <a:cs typeface="Microsoft Sans Serif"/>
+              </a:rPr>
+              <a:t> </a:t>
+            </a:r>
+            <a:r>
+              <a:rPr sz="1400" spc="45" dirty="0">
+                <a:solidFill>
+                  <a:srgbClr val="D9D9D9"/>
+                </a:solidFill>
+                <a:latin typeface="Microsoft Sans Serif"/>
+                <a:cs typeface="Microsoft Sans Serif"/>
+              </a:rPr>
+              <a:t>literature</a:t>
+            </a:r>
+            <a:r>
+              <a:rPr sz="1400" spc="-100" dirty="0">
+                <a:solidFill>
+                  <a:srgbClr val="D9D9D9"/>
+                </a:solidFill>
+                <a:latin typeface="Microsoft Sans Serif"/>
+                <a:cs typeface="Microsoft Sans Serif"/>
+              </a:rPr>
+              <a:t> </a:t>
+            </a:r>
+            <a:r>
+              <a:rPr sz="1400" spc="10" dirty="0">
+                <a:solidFill>
+                  <a:srgbClr val="D9D9D9"/>
+                </a:solidFill>
+                <a:latin typeface="Microsoft Sans Serif"/>
+                <a:cs typeface="Microsoft Sans Serif"/>
+              </a:rPr>
+              <a:t>and</a:t>
+            </a:r>
+            <a:r>
+              <a:rPr sz="1400" spc="-90" dirty="0">
+                <a:solidFill>
+                  <a:srgbClr val="D9D9D9"/>
+                </a:solidFill>
+                <a:latin typeface="Microsoft Sans Serif"/>
+                <a:cs typeface="Microsoft Sans Serif"/>
+              </a:rPr>
+              <a:t> </a:t>
+            </a:r>
+            <a:r>
+              <a:rPr sz="1400" spc="40" dirty="0">
+                <a:solidFill>
+                  <a:srgbClr val="D9D9D9"/>
+                </a:solidFill>
+                <a:latin typeface="Microsoft Sans Serif"/>
+                <a:cs typeface="Microsoft Sans Serif"/>
+              </a:rPr>
+              <a:t>internet.</a:t>
+            </a:r>
+            <a:r>
+              <a:rPr sz="1400" spc="-85" dirty="0">
+                <a:solidFill>
+                  <a:srgbClr val="D9D9D9"/>
+                </a:solidFill>
+                <a:latin typeface="Microsoft Sans Serif"/>
+                <a:cs typeface="Microsoft Sans Serif"/>
+              </a:rPr>
+              <a:t> </a:t>
+            </a:r>
+            <a:r>
+              <a:rPr sz="1400" spc="-45" dirty="0">
+                <a:solidFill>
+                  <a:srgbClr val="D9D9D9"/>
+                </a:solidFill>
+                <a:latin typeface="Microsoft Sans Serif"/>
+                <a:cs typeface="Microsoft Sans Serif"/>
+              </a:rPr>
+              <a:t>Use</a:t>
+            </a:r>
+            <a:r>
+              <a:rPr sz="1400" spc="-85" dirty="0">
+                <a:solidFill>
+                  <a:srgbClr val="D9D9D9"/>
+                </a:solidFill>
+                <a:latin typeface="Microsoft Sans Serif"/>
+                <a:cs typeface="Microsoft Sans Serif"/>
+              </a:rPr>
+              <a:t> </a:t>
+            </a:r>
+            <a:r>
+              <a:rPr sz="1400" spc="20" dirty="0">
+                <a:solidFill>
+                  <a:srgbClr val="D9D9D9"/>
+                </a:solidFill>
+                <a:latin typeface="Microsoft Sans Serif"/>
+                <a:cs typeface="Microsoft Sans Serif"/>
+              </a:rPr>
+              <a:t>herein</a:t>
+            </a:r>
+            <a:r>
+              <a:rPr sz="1400" spc="-105" dirty="0">
+                <a:solidFill>
+                  <a:srgbClr val="D9D9D9"/>
+                </a:solidFill>
+                <a:latin typeface="Microsoft Sans Serif"/>
+                <a:cs typeface="Microsoft Sans Serif"/>
+              </a:rPr>
+              <a:t> </a:t>
+            </a:r>
+            <a:r>
+              <a:rPr sz="1400" spc="100" dirty="0">
+                <a:solidFill>
+                  <a:srgbClr val="D9D9D9"/>
+                </a:solidFill>
+                <a:latin typeface="Microsoft Sans Serif"/>
+                <a:cs typeface="Microsoft Sans Serif"/>
+              </a:rPr>
+              <a:t>of</a:t>
+            </a:r>
+            <a:r>
+              <a:rPr sz="1400" spc="-55" dirty="0">
+                <a:solidFill>
+                  <a:srgbClr val="D9D9D9"/>
+                </a:solidFill>
+                <a:latin typeface="Microsoft Sans Serif"/>
+                <a:cs typeface="Microsoft Sans Serif"/>
+              </a:rPr>
+              <a:t> </a:t>
+            </a:r>
+            <a:r>
+              <a:rPr sz="1400" spc="30" dirty="0">
+                <a:solidFill>
+                  <a:srgbClr val="D9D9D9"/>
+                </a:solidFill>
+                <a:latin typeface="Microsoft Sans Serif"/>
+                <a:cs typeface="Microsoft Sans Serif"/>
+              </a:rPr>
+              <a:t>copyrighted</a:t>
+            </a:r>
+            <a:r>
+              <a:rPr sz="1400" spc="-90" dirty="0">
+                <a:solidFill>
+                  <a:srgbClr val="D9D9D9"/>
+                </a:solidFill>
+                <a:latin typeface="Microsoft Sans Serif"/>
+                <a:cs typeface="Microsoft Sans Serif"/>
+              </a:rPr>
+              <a:t> </a:t>
+            </a:r>
+            <a:r>
+              <a:rPr sz="1400" spc="25" dirty="0">
+                <a:solidFill>
+                  <a:srgbClr val="D9D9D9"/>
+                </a:solidFill>
+                <a:latin typeface="Microsoft Sans Serif"/>
+                <a:cs typeface="Microsoft Sans Serif"/>
+              </a:rPr>
+              <a:t>material</a:t>
+            </a:r>
+            <a:r>
+              <a:rPr sz="1400" spc="-75" dirty="0">
+                <a:solidFill>
+                  <a:srgbClr val="D9D9D9"/>
+                </a:solidFill>
+                <a:latin typeface="Microsoft Sans Serif"/>
+                <a:cs typeface="Microsoft Sans Serif"/>
+              </a:rPr>
+              <a:t> </a:t>
+            </a:r>
+            <a:r>
+              <a:rPr sz="1400" spc="-20" dirty="0">
+                <a:solidFill>
+                  <a:srgbClr val="D9D9D9"/>
+                </a:solidFill>
+                <a:latin typeface="Microsoft Sans Serif"/>
+                <a:cs typeface="Microsoft Sans Serif"/>
+              </a:rPr>
+              <a:t>is</a:t>
+            </a:r>
+            <a:r>
+              <a:rPr sz="1400" spc="-65" dirty="0">
+                <a:solidFill>
+                  <a:srgbClr val="D9D9D9"/>
+                </a:solidFill>
+                <a:latin typeface="Microsoft Sans Serif"/>
+                <a:cs typeface="Microsoft Sans Serif"/>
+              </a:rPr>
+              <a:t> </a:t>
+            </a:r>
+            <a:r>
+              <a:rPr sz="1400" spc="30" dirty="0">
+                <a:solidFill>
+                  <a:srgbClr val="D9D9D9"/>
+                </a:solidFill>
+                <a:latin typeface="Microsoft Sans Serif"/>
+                <a:cs typeface="Microsoft Sans Serif"/>
+              </a:rPr>
+              <a:t>purely</a:t>
+            </a:r>
+            <a:r>
+              <a:rPr sz="1400" spc="-70" dirty="0">
+                <a:solidFill>
+                  <a:srgbClr val="D9D9D9"/>
+                </a:solidFill>
+                <a:latin typeface="Microsoft Sans Serif"/>
+                <a:cs typeface="Microsoft Sans Serif"/>
+              </a:rPr>
+              <a:t> </a:t>
+            </a:r>
+            <a:r>
+              <a:rPr sz="1400" spc="90" dirty="0">
+                <a:solidFill>
+                  <a:srgbClr val="D9D9D9"/>
+                </a:solidFill>
+                <a:latin typeface="Microsoft Sans Serif"/>
+                <a:cs typeface="Microsoft Sans Serif"/>
+              </a:rPr>
+              <a:t>for</a:t>
+            </a:r>
+            <a:r>
+              <a:rPr sz="1400" spc="-55" dirty="0">
+                <a:solidFill>
+                  <a:srgbClr val="D9D9D9"/>
+                </a:solidFill>
+                <a:latin typeface="Microsoft Sans Serif"/>
+                <a:cs typeface="Microsoft Sans Serif"/>
+              </a:rPr>
+              <a:t> </a:t>
+            </a:r>
+            <a:r>
+              <a:rPr sz="1400" spc="-20" dirty="0">
+                <a:solidFill>
+                  <a:srgbClr val="D9D9D9"/>
+                </a:solidFill>
+                <a:latin typeface="Microsoft Sans Serif"/>
+                <a:cs typeface="Microsoft Sans Serif"/>
+              </a:rPr>
+              <a:t>academic</a:t>
+            </a:r>
+            <a:r>
+              <a:rPr sz="1400" spc="-95" dirty="0">
+                <a:solidFill>
+                  <a:srgbClr val="D9D9D9"/>
+                </a:solidFill>
+                <a:latin typeface="Microsoft Sans Serif"/>
+                <a:cs typeface="Microsoft Sans Serif"/>
+              </a:rPr>
+              <a:t> </a:t>
+            </a:r>
+            <a:r>
+              <a:rPr sz="1400" spc="-5" dirty="0">
+                <a:solidFill>
+                  <a:srgbClr val="D9D9D9"/>
+                </a:solidFill>
+                <a:latin typeface="Microsoft Sans Serif"/>
+                <a:cs typeface="Microsoft Sans Serif"/>
+              </a:rPr>
+              <a:t>purposes.</a:t>
+            </a:r>
+            <a:endParaRPr sz="1400">
+              <a:latin typeface="Microsoft Sans Serif"/>
+              <a:cs typeface="Microsoft Sans Serif"/>
+            </a:endParaRPr>
+          </a:p>
+        </p:txBody>
+      </p:sp>
+      <p:sp>
+        <p:nvSpPr>
+          <p:cNvPr id="7" name="TextBox 6">
+            <a:extLst>
+              <a:ext uri="{FF2B5EF4-FFF2-40B4-BE49-F238E27FC236}">
+                <a16:creationId xmlns:a16="http://schemas.microsoft.com/office/drawing/2014/main" id="{12827A03-435F-4EE1-A7E7-77407F60CFBF}"/>
+              </a:ext>
+            </a:extLst>
+          </p:cNvPr>
+          <p:cNvSpPr txBox="1"/>
+          <p:nvPr/>
+        </p:nvSpPr>
+        <p:spPr>
+          <a:xfrm>
+            <a:off x="3941946" y="5622430"/>
+            <a:ext cx="4308102" cy="523220"/>
+          </a:xfrm>
+          <a:prstGeom prst="rect">
+            <a:avLst/>
+          </a:prstGeom>
+          <a:noFill/>
+        </p:spPr>
+        <p:txBody>
+          <a:bodyPr wrap="none" rtlCol="0">
+            <a:spAutoFit/>
+          </a:bodyPr>
+          <a:lstStyle/>
+          <a:p>
+            <a:r>
+              <a:rPr lang="it-IT" sz="2800" dirty="0"/>
+              <a:t>Geoinformatics Engineering</a:t>
+            </a:r>
+            <a:endParaRPr lang="en-GB" sz="2800" dirty="0"/>
+          </a:p>
+        </p:txBody>
+      </p:sp>
+      <p:pic>
+        <p:nvPicPr>
+          <p:cNvPr id="11" name="Picture 10">
+            <a:extLst>
+              <a:ext uri="{FF2B5EF4-FFF2-40B4-BE49-F238E27FC236}">
+                <a16:creationId xmlns:a16="http://schemas.microsoft.com/office/drawing/2014/main" id="{82EDC1DE-8F8B-4959-BC5A-5D45BFFED9FC}"/>
+              </a:ext>
+            </a:extLst>
+          </p:cNvPr>
+          <p:cNvPicPr>
+            <a:picLocks noChangeAspect="1"/>
+          </p:cNvPicPr>
+          <p:nvPr/>
+        </p:nvPicPr>
+        <p:blipFill>
+          <a:blip r:embed="rId3" cstate="print">
+            <a:extLst>
+              <a:ext uri="{28A0092B-C50C-407E-A947-70E740481C1C}">
+                <a14:useLocalDpi xmlns:a14="http://schemas.microsoft.com/office/drawing/2010/main" val="0"/>
+              </a:ext>
+            </a:extLst>
+          </a:blip>
+          <a:stretch>
+            <a:fillRect/>
+          </a:stretch>
+        </p:blipFill>
+        <p:spPr>
+          <a:xfrm>
+            <a:off x="11182985" y="412437"/>
+            <a:ext cx="628015" cy="628015"/>
+          </a:xfrm>
+          <a:prstGeom prst="rect">
+            <a:avLst/>
+          </a:prstGeom>
+        </p:spPr>
+      </p:pic>
+    </p:spTree>
+    <p:extLst>
+      <p:ext uri="{BB962C8B-B14F-4D97-AF65-F5344CB8AC3E}">
+        <p14:creationId xmlns:p14="http://schemas.microsoft.com/office/powerpoint/2010/main" val="2627992545"/>
+      </p:ext>
+    </p:extLst>
+  </p:cSld>
+  <p:clrMapOvr>
+    <a:masterClrMapping/>
+  </p:clrMapOvr>
+</p:sld>
+</file>
+
 <file path=ppt/slides/slide2.xml><?xml version="1.0" encoding="utf-8"?>
 <p:sld xmlns:a="http://schemas.openxmlformats.org/drawingml/2006/main" xmlns:r="http://schemas.openxmlformats.org/officeDocument/2006/relationships" xmlns:p="http://schemas.openxmlformats.org/presentationml/2006/main" showMasterSp="0">
   <p:cSld>
@@ -7502,28 +8250,40 @@
       </p:grpSpPr>
       <p:grpSp>
         <p:nvGrpSpPr>
-          <p:cNvPr id="2" name="object 2"/>
+          <p:cNvPr id="9" name="object 5">
+            <a:extLst>
+              <a:ext uri="{FF2B5EF4-FFF2-40B4-BE49-F238E27FC236}">
+                <a16:creationId xmlns:a16="http://schemas.microsoft.com/office/drawing/2014/main" id="{EB6038DE-F9D1-4516-9F33-118AC02DBD97}"/>
+              </a:ext>
+            </a:extLst>
+          </p:cNvPr>
           <p:cNvGrpSpPr/>
           <p:nvPr/>
         </p:nvGrpSpPr>
         <p:grpSpPr>
           <a:xfrm>
-            <a:off x="0" y="0"/>
-            <a:ext cx="12192000" cy="1849120"/>
-            <a:chOff x="0" y="0"/>
-            <a:chExt cx="12192000" cy="1849120"/>
+            <a:off x="0" y="6230111"/>
+            <a:ext cx="12192000" cy="628015"/>
+            <a:chOff x="0" y="6230111"/>
+            <a:chExt cx="12192000" cy="628015"/>
           </a:xfrm>
         </p:grpSpPr>
         <p:sp>
           <p:nvSpPr>
-            <p:cNvPr id="3" name="object 3"/>
+            <p:cNvPr id="10" name="object 6">
+              <a:extLst>
+                <a:ext uri="{FF2B5EF4-FFF2-40B4-BE49-F238E27FC236}">
+                  <a16:creationId xmlns:a16="http://schemas.microsoft.com/office/drawing/2014/main" id="{05BF0CA7-83B6-449B-AA0A-E2302D4779A5}"/>
+                </a:ext>
+              </a:extLst>
+            </p:cNvPr>
             <p:cNvSpPr/>
             <p:nvPr/>
           </p:nvSpPr>
           <p:spPr>
             <a:xfrm>
-              <a:off x="0" y="0"/>
-              <a:ext cx="12192000" cy="1849120"/>
+              <a:off x="0" y="6230111"/>
+              <a:ext cx="12192000" cy="628015"/>
             </a:xfrm>
             <a:custGeom>
               <a:avLst/>
@@ -7532,7 +8292,7 @@
               <a:cxnLst/>
               <a:rect l="l" t="t" r="r" b="b"/>
               <a:pathLst>
-                <a:path w="12192000" h="1849120">
+                <a:path w="12192000" h="628015">
                   <a:moveTo>
                     <a:pt x="12192000" y="0"/>
                   </a:moveTo>
@@ -7540,10 +8300,10 @@
                     <a:pt x="0" y="0"/>
                   </a:lnTo>
                   <a:lnTo>
-                    <a:pt x="0" y="1848612"/>
+                    <a:pt x="0" y="627886"/>
                   </a:lnTo>
                   <a:lnTo>
-                    <a:pt x="12192000" y="1848612"/>
+                    <a:pt x="12192000" y="627886"/>
                   </a:lnTo>
                   <a:lnTo>
                     <a:pt x="12192000" y="0"/>
@@ -7553,7 +8313,7 @@
               </a:pathLst>
             </a:custGeom>
             <a:solidFill>
-              <a:srgbClr val="1A415D"/>
+              <a:srgbClr val="718FA4"/>
             </a:solidFill>
           </p:spPr>
           <p:txBody>
@@ -7566,7 +8326,13 @@
         </p:sp>
         <p:pic>
           <p:nvPicPr>
-            <p:cNvPr id="4" name="object 4"/>
+            <p:cNvPr id="11" name="object 7">
+              <a:extLst>
+                <a:ext uri="{FF2B5EF4-FFF2-40B4-BE49-F238E27FC236}">
+                  <a16:creationId xmlns:a16="http://schemas.microsoft.com/office/drawing/2014/main" id="{C69EB078-1A55-43F6-AB67-FC18B8773B5F}"/>
+                </a:ext>
+              </a:extLst>
+            </p:cNvPr>
             <p:cNvPicPr/>
             <p:nvPr/>
           </p:nvPicPr>
@@ -7578,8 +8344,8 @@
           </p:blipFill>
           <p:spPr>
             <a:xfrm>
-              <a:off x="5375147" y="298704"/>
-              <a:ext cx="1441703" cy="1106424"/>
+              <a:off x="381000" y="6262115"/>
+              <a:ext cx="3038855" cy="573022"/>
             </a:xfrm>
             <a:prstGeom prst="rect">
               <a:avLst/>
@@ -7587,605 +8353,12 @@
           </p:spPr>
         </p:pic>
       </p:grpSp>
-      <p:sp>
-        <p:nvSpPr>
-          <p:cNvPr id="5" name="object 5"/>
-          <p:cNvSpPr txBox="1">
-            <a:spLocks noGrp="1"/>
-          </p:cNvSpPr>
-          <p:nvPr>
-            <p:ph type="title"/>
-          </p:nvPr>
-        </p:nvSpPr>
-        <p:spPr>
-          <a:xfrm>
-            <a:off x="2257344" y="2896704"/>
-            <a:ext cx="7677307" cy="751488"/>
-          </a:xfrm>
-          <a:prstGeom prst="rect">
-            <a:avLst/>
-          </a:prstGeom>
-        </p:spPr>
-        <p:txBody>
-          <a:bodyPr vert="horz" wrap="square" lIns="0" tIns="12700" rIns="0" bIns="0" rtlCol="0">
-            <a:spAutoFit/>
-          </a:bodyPr>
-          <a:lstStyle/>
-          <a:p>
-            <a:pPr marL="12700" algn="ctr">
-              <a:lnSpc>
-                <a:spcPct val="100000"/>
-              </a:lnSpc>
-              <a:spcBef>
-                <a:spcPts val="100"/>
-              </a:spcBef>
-            </a:pPr>
-            <a:r>
-              <a:rPr lang="it-IT" sz="4800" b="0" spc="-5" dirty="0" err="1">
-                <a:latin typeface="+mn-lt"/>
-              </a:rPr>
-              <a:t>Thanks</a:t>
-            </a:r>
-            <a:r>
-              <a:rPr lang="it-IT" sz="4800" b="0" spc="-5" dirty="0">
-                <a:latin typeface="+mn-lt"/>
-              </a:rPr>
-              <a:t>!</a:t>
-            </a:r>
-            <a:endParaRPr sz="4800" b="0" spc="-5" dirty="0">
-              <a:latin typeface="+mn-lt"/>
-            </a:endParaRPr>
-          </a:p>
-        </p:txBody>
-      </p:sp>
-      <p:sp>
-        <p:nvSpPr>
-          <p:cNvPr id="6" name="object 6"/>
-          <p:cNvSpPr txBox="1"/>
-          <p:nvPr/>
-        </p:nvSpPr>
-        <p:spPr>
-          <a:xfrm>
-            <a:off x="2646422" y="4600469"/>
-            <a:ext cx="6899150" cy="443711"/>
-          </a:xfrm>
-          <a:prstGeom prst="rect">
-            <a:avLst/>
-          </a:prstGeom>
-        </p:spPr>
-        <p:txBody>
-          <a:bodyPr vert="horz" wrap="square" lIns="0" tIns="12700" rIns="0" bIns="0" rtlCol="0">
-            <a:spAutoFit/>
-          </a:bodyPr>
-          <a:lstStyle/>
-          <a:p>
-            <a:pPr marL="635" algn="ctr">
-              <a:lnSpc>
-                <a:spcPct val="100000"/>
-              </a:lnSpc>
-            </a:pPr>
-            <a:r>
-              <a:rPr lang="it-IT" sz="2800" spc="-5" dirty="0">
-                <a:latin typeface="Trebuchet MS"/>
-                <a:cs typeface="Trebuchet MS"/>
-              </a:rPr>
-              <a:t>lorenzo.carlassara@mail.polimi.it</a:t>
-            </a:r>
-            <a:endParaRPr lang="it-IT" sz="2800" dirty="0">
-              <a:latin typeface="Trebuchet MS"/>
-              <a:cs typeface="Trebuchet MS"/>
-            </a:endParaRPr>
-          </a:p>
-        </p:txBody>
-      </p:sp>
-      <p:sp>
-        <p:nvSpPr>
-          <p:cNvPr id="9" name="object 9"/>
-          <p:cNvSpPr txBox="1"/>
-          <p:nvPr/>
-        </p:nvSpPr>
-        <p:spPr>
-          <a:xfrm>
-            <a:off x="397865" y="6412179"/>
-            <a:ext cx="11398250" cy="239395"/>
-          </a:xfrm>
-          <a:prstGeom prst="rect">
-            <a:avLst/>
-          </a:prstGeom>
-        </p:spPr>
-        <p:txBody>
-          <a:bodyPr vert="horz" wrap="square" lIns="0" tIns="12700" rIns="0" bIns="0" rtlCol="0">
-            <a:spAutoFit/>
-          </a:bodyPr>
-          <a:lstStyle/>
-          <a:p>
-            <a:pPr marL="12700">
-              <a:lnSpc>
-                <a:spcPct val="100000"/>
-              </a:lnSpc>
-              <a:spcBef>
-                <a:spcPts val="100"/>
-              </a:spcBef>
-            </a:pPr>
-            <a:r>
-              <a:rPr sz="1400" spc="40" dirty="0">
-                <a:solidFill>
-                  <a:srgbClr val="D9D9D9"/>
-                </a:solidFill>
-                <a:latin typeface="Microsoft Sans Serif"/>
-                <a:cs typeface="Microsoft Sans Serif"/>
-              </a:rPr>
-              <a:t>All</a:t>
-            </a:r>
-            <a:r>
-              <a:rPr sz="1400" spc="-80" dirty="0">
-                <a:solidFill>
-                  <a:srgbClr val="D9D9D9"/>
-                </a:solidFill>
-                <a:latin typeface="Microsoft Sans Serif"/>
-                <a:cs typeface="Microsoft Sans Serif"/>
-              </a:rPr>
-              <a:t> </a:t>
-            </a:r>
-            <a:r>
-              <a:rPr sz="1400" spc="15" dirty="0">
-                <a:solidFill>
-                  <a:srgbClr val="D9D9D9"/>
-                </a:solidFill>
-                <a:latin typeface="Microsoft Sans Serif"/>
-                <a:cs typeface="Microsoft Sans Serif"/>
-              </a:rPr>
-              <a:t>materials</a:t>
-            </a:r>
-            <a:r>
-              <a:rPr sz="1400" spc="-90" dirty="0">
-                <a:solidFill>
-                  <a:srgbClr val="D9D9D9"/>
-                </a:solidFill>
-                <a:latin typeface="Microsoft Sans Serif"/>
-                <a:cs typeface="Microsoft Sans Serif"/>
-              </a:rPr>
-              <a:t> </a:t>
-            </a:r>
-            <a:r>
-              <a:rPr sz="1400" spc="30" dirty="0">
-                <a:solidFill>
-                  <a:srgbClr val="D9D9D9"/>
-                </a:solidFill>
-                <a:latin typeface="Microsoft Sans Serif"/>
-                <a:cs typeface="Microsoft Sans Serif"/>
-              </a:rPr>
-              <a:t>in</a:t>
-            </a:r>
-            <a:r>
-              <a:rPr sz="1400" spc="-65" dirty="0">
-                <a:solidFill>
-                  <a:srgbClr val="D9D9D9"/>
-                </a:solidFill>
-                <a:latin typeface="Microsoft Sans Serif"/>
-                <a:cs typeface="Microsoft Sans Serif"/>
-              </a:rPr>
-              <a:t> </a:t>
-            </a:r>
-            <a:r>
-              <a:rPr sz="1400" spc="40" dirty="0">
-                <a:solidFill>
-                  <a:srgbClr val="D9D9D9"/>
-                </a:solidFill>
-                <a:latin typeface="Microsoft Sans Serif"/>
-                <a:cs typeface="Microsoft Sans Serif"/>
-              </a:rPr>
-              <a:t>this</a:t>
-            </a:r>
-            <a:r>
-              <a:rPr sz="1400" spc="-90" dirty="0">
-                <a:solidFill>
-                  <a:srgbClr val="D9D9D9"/>
-                </a:solidFill>
-                <a:latin typeface="Microsoft Sans Serif"/>
-                <a:cs typeface="Microsoft Sans Serif"/>
-              </a:rPr>
-              <a:t> </a:t>
-            </a:r>
-            <a:r>
-              <a:rPr sz="1400" spc="25" dirty="0">
-                <a:solidFill>
-                  <a:srgbClr val="D9D9D9"/>
-                </a:solidFill>
-                <a:latin typeface="Microsoft Sans Serif"/>
-                <a:cs typeface="Microsoft Sans Serif"/>
-              </a:rPr>
-              <a:t>presentation</a:t>
-            </a:r>
-            <a:r>
-              <a:rPr sz="1400" spc="-90" dirty="0">
-                <a:solidFill>
-                  <a:srgbClr val="D9D9D9"/>
-                </a:solidFill>
-                <a:latin typeface="Microsoft Sans Serif"/>
-                <a:cs typeface="Microsoft Sans Serif"/>
-              </a:rPr>
-              <a:t> </a:t>
-            </a:r>
-            <a:r>
-              <a:rPr sz="1400" spc="10" dirty="0">
-                <a:solidFill>
-                  <a:srgbClr val="D9D9D9"/>
-                </a:solidFill>
-                <a:latin typeface="Microsoft Sans Serif"/>
-                <a:cs typeface="Microsoft Sans Serif"/>
-              </a:rPr>
-              <a:t>are</a:t>
-            </a:r>
-            <a:r>
-              <a:rPr sz="1400" spc="-100" dirty="0">
-                <a:solidFill>
-                  <a:srgbClr val="D9D9D9"/>
-                </a:solidFill>
-                <a:latin typeface="Microsoft Sans Serif"/>
-                <a:cs typeface="Microsoft Sans Serif"/>
-              </a:rPr>
-              <a:t> </a:t>
-            </a:r>
-            <a:r>
-              <a:rPr sz="1400" spc="75" dirty="0">
-                <a:solidFill>
-                  <a:srgbClr val="D9D9D9"/>
-                </a:solidFill>
-                <a:latin typeface="Microsoft Sans Serif"/>
-                <a:cs typeface="Microsoft Sans Serif"/>
-              </a:rPr>
-              <a:t>from</a:t>
-            </a:r>
-            <a:r>
-              <a:rPr sz="1400" spc="-70" dirty="0">
-                <a:solidFill>
-                  <a:srgbClr val="D9D9D9"/>
-                </a:solidFill>
-                <a:latin typeface="Microsoft Sans Serif"/>
-                <a:cs typeface="Microsoft Sans Serif"/>
-              </a:rPr>
-              <a:t> </a:t>
-            </a:r>
-            <a:r>
-              <a:rPr sz="1400" spc="65" dirty="0">
-                <a:solidFill>
-                  <a:srgbClr val="D9D9D9"/>
-                </a:solidFill>
-                <a:latin typeface="Microsoft Sans Serif"/>
-                <a:cs typeface="Microsoft Sans Serif"/>
-              </a:rPr>
-              <a:t>the</a:t>
-            </a:r>
-            <a:r>
-              <a:rPr sz="1400" spc="-90" dirty="0">
-                <a:solidFill>
-                  <a:srgbClr val="D9D9D9"/>
-                </a:solidFill>
-                <a:latin typeface="Microsoft Sans Serif"/>
-                <a:cs typeface="Microsoft Sans Serif"/>
-              </a:rPr>
-              <a:t> </a:t>
-            </a:r>
-            <a:r>
-              <a:rPr sz="1400" spc="20" dirty="0">
-                <a:solidFill>
-                  <a:srgbClr val="D9D9D9"/>
-                </a:solidFill>
-                <a:latin typeface="Microsoft Sans Serif"/>
-                <a:cs typeface="Microsoft Sans Serif"/>
-              </a:rPr>
-              <a:t>public</a:t>
-            </a:r>
-            <a:r>
-              <a:rPr sz="1400" spc="-95" dirty="0">
-                <a:solidFill>
-                  <a:srgbClr val="D9D9D9"/>
-                </a:solidFill>
-                <a:latin typeface="Microsoft Sans Serif"/>
-                <a:cs typeface="Microsoft Sans Serif"/>
-              </a:rPr>
-              <a:t> </a:t>
-            </a:r>
-            <a:r>
-              <a:rPr sz="1400" spc="45" dirty="0">
-                <a:solidFill>
-                  <a:srgbClr val="D9D9D9"/>
-                </a:solidFill>
-                <a:latin typeface="Microsoft Sans Serif"/>
-                <a:cs typeface="Microsoft Sans Serif"/>
-              </a:rPr>
-              <a:t>literature</a:t>
-            </a:r>
-            <a:r>
-              <a:rPr sz="1400" spc="-100" dirty="0">
-                <a:solidFill>
-                  <a:srgbClr val="D9D9D9"/>
-                </a:solidFill>
-                <a:latin typeface="Microsoft Sans Serif"/>
-                <a:cs typeface="Microsoft Sans Serif"/>
-              </a:rPr>
-              <a:t> </a:t>
-            </a:r>
-            <a:r>
-              <a:rPr sz="1400" spc="10" dirty="0">
-                <a:solidFill>
-                  <a:srgbClr val="D9D9D9"/>
-                </a:solidFill>
-                <a:latin typeface="Microsoft Sans Serif"/>
-                <a:cs typeface="Microsoft Sans Serif"/>
-              </a:rPr>
-              <a:t>and</a:t>
-            </a:r>
-            <a:r>
-              <a:rPr sz="1400" spc="-90" dirty="0">
-                <a:solidFill>
-                  <a:srgbClr val="D9D9D9"/>
-                </a:solidFill>
-                <a:latin typeface="Microsoft Sans Serif"/>
-                <a:cs typeface="Microsoft Sans Serif"/>
-              </a:rPr>
-              <a:t> </a:t>
-            </a:r>
-            <a:r>
-              <a:rPr sz="1400" spc="40" dirty="0">
-                <a:solidFill>
-                  <a:srgbClr val="D9D9D9"/>
-                </a:solidFill>
-                <a:latin typeface="Microsoft Sans Serif"/>
-                <a:cs typeface="Microsoft Sans Serif"/>
-              </a:rPr>
-              <a:t>internet.</a:t>
-            </a:r>
-            <a:r>
-              <a:rPr sz="1400" spc="-85" dirty="0">
-                <a:solidFill>
-                  <a:srgbClr val="D9D9D9"/>
-                </a:solidFill>
-                <a:latin typeface="Microsoft Sans Serif"/>
-                <a:cs typeface="Microsoft Sans Serif"/>
-              </a:rPr>
-              <a:t> </a:t>
-            </a:r>
-            <a:r>
-              <a:rPr sz="1400" spc="-45" dirty="0">
-                <a:solidFill>
-                  <a:srgbClr val="D9D9D9"/>
-                </a:solidFill>
-                <a:latin typeface="Microsoft Sans Serif"/>
-                <a:cs typeface="Microsoft Sans Serif"/>
-              </a:rPr>
-              <a:t>Use</a:t>
-            </a:r>
-            <a:r>
-              <a:rPr sz="1400" spc="-85" dirty="0">
-                <a:solidFill>
-                  <a:srgbClr val="D9D9D9"/>
-                </a:solidFill>
-                <a:latin typeface="Microsoft Sans Serif"/>
-                <a:cs typeface="Microsoft Sans Serif"/>
-              </a:rPr>
-              <a:t> </a:t>
-            </a:r>
-            <a:r>
-              <a:rPr sz="1400" spc="20" dirty="0">
-                <a:solidFill>
-                  <a:srgbClr val="D9D9D9"/>
-                </a:solidFill>
-                <a:latin typeface="Microsoft Sans Serif"/>
-                <a:cs typeface="Microsoft Sans Serif"/>
-              </a:rPr>
-              <a:t>herein</a:t>
-            </a:r>
-            <a:r>
-              <a:rPr sz="1400" spc="-105" dirty="0">
-                <a:solidFill>
-                  <a:srgbClr val="D9D9D9"/>
-                </a:solidFill>
-                <a:latin typeface="Microsoft Sans Serif"/>
-                <a:cs typeface="Microsoft Sans Serif"/>
-              </a:rPr>
-              <a:t> </a:t>
-            </a:r>
-            <a:r>
-              <a:rPr sz="1400" spc="100" dirty="0">
-                <a:solidFill>
-                  <a:srgbClr val="D9D9D9"/>
-                </a:solidFill>
-                <a:latin typeface="Microsoft Sans Serif"/>
-                <a:cs typeface="Microsoft Sans Serif"/>
-              </a:rPr>
-              <a:t>of</a:t>
-            </a:r>
-            <a:r>
-              <a:rPr sz="1400" spc="-55" dirty="0">
-                <a:solidFill>
-                  <a:srgbClr val="D9D9D9"/>
-                </a:solidFill>
-                <a:latin typeface="Microsoft Sans Serif"/>
-                <a:cs typeface="Microsoft Sans Serif"/>
-              </a:rPr>
-              <a:t> </a:t>
-            </a:r>
-            <a:r>
-              <a:rPr sz="1400" spc="30" dirty="0">
-                <a:solidFill>
-                  <a:srgbClr val="D9D9D9"/>
-                </a:solidFill>
-                <a:latin typeface="Microsoft Sans Serif"/>
-                <a:cs typeface="Microsoft Sans Serif"/>
-              </a:rPr>
-              <a:t>copyrighted</a:t>
-            </a:r>
-            <a:r>
-              <a:rPr sz="1400" spc="-90" dirty="0">
-                <a:solidFill>
-                  <a:srgbClr val="D9D9D9"/>
-                </a:solidFill>
-                <a:latin typeface="Microsoft Sans Serif"/>
-                <a:cs typeface="Microsoft Sans Serif"/>
-              </a:rPr>
-              <a:t> </a:t>
-            </a:r>
-            <a:r>
-              <a:rPr sz="1400" spc="25" dirty="0">
-                <a:solidFill>
-                  <a:srgbClr val="D9D9D9"/>
-                </a:solidFill>
-                <a:latin typeface="Microsoft Sans Serif"/>
-                <a:cs typeface="Microsoft Sans Serif"/>
-              </a:rPr>
-              <a:t>material</a:t>
-            </a:r>
-            <a:r>
-              <a:rPr sz="1400" spc="-75" dirty="0">
-                <a:solidFill>
-                  <a:srgbClr val="D9D9D9"/>
-                </a:solidFill>
-                <a:latin typeface="Microsoft Sans Serif"/>
-                <a:cs typeface="Microsoft Sans Serif"/>
-              </a:rPr>
-              <a:t> </a:t>
-            </a:r>
-            <a:r>
-              <a:rPr sz="1400" spc="-20" dirty="0">
-                <a:solidFill>
-                  <a:srgbClr val="D9D9D9"/>
-                </a:solidFill>
-                <a:latin typeface="Microsoft Sans Serif"/>
-                <a:cs typeface="Microsoft Sans Serif"/>
-              </a:rPr>
-              <a:t>is</a:t>
-            </a:r>
-            <a:r>
-              <a:rPr sz="1400" spc="-65" dirty="0">
-                <a:solidFill>
-                  <a:srgbClr val="D9D9D9"/>
-                </a:solidFill>
-                <a:latin typeface="Microsoft Sans Serif"/>
-                <a:cs typeface="Microsoft Sans Serif"/>
-              </a:rPr>
-              <a:t> </a:t>
-            </a:r>
-            <a:r>
-              <a:rPr sz="1400" spc="30" dirty="0">
-                <a:solidFill>
-                  <a:srgbClr val="D9D9D9"/>
-                </a:solidFill>
-                <a:latin typeface="Microsoft Sans Serif"/>
-                <a:cs typeface="Microsoft Sans Serif"/>
-              </a:rPr>
-              <a:t>purely</a:t>
-            </a:r>
-            <a:r>
-              <a:rPr sz="1400" spc="-70" dirty="0">
-                <a:solidFill>
-                  <a:srgbClr val="D9D9D9"/>
-                </a:solidFill>
-                <a:latin typeface="Microsoft Sans Serif"/>
-                <a:cs typeface="Microsoft Sans Serif"/>
-              </a:rPr>
-              <a:t> </a:t>
-            </a:r>
-            <a:r>
-              <a:rPr sz="1400" spc="90" dirty="0">
-                <a:solidFill>
-                  <a:srgbClr val="D9D9D9"/>
-                </a:solidFill>
-                <a:latin typeface="Microsoft Sans Serif"/>
-                <a:cs typeface="Microsoft Sans Serif"/>
-              </a:rPr>
-              <a:t>for</a:t>
-            </a:r>
-            <a:r>
-              <a:rPr sz="1400" spc="-55" dirty="0">
-                <a:solidFill>
-                  <a:srgbClr val="D9D9D9"/>
-                </a:solidFill>
-                <a:latin typeface="Microsoft Sans Serif"/>
-                <a:cs typeface="Microsoft Sans Serif"/>
-              </a:rPr>
-              <a:t> </a:t>
-            </a:r>
-            <a:r>
-              <a:rPr sz="1400" spc="-20" dirty="0">
-                <a:solidFill>
-                  <a:srgbClr val="D9D9D9"/>
-                </a:solidFill>
-                <a:latin typeface="Microsoft Sans Serif"/>
-                <a:cs typeface="Microsoft Sans Serif"/>
-              </a:rPr>
-              <a:t>academic</a:t>
-            </a:r>
-            <a:r>
-              <a:rPr sz="1400" spc="-95" dirty="0">
-                <a:solidFill>
-                  <a:srgbClr val="D9D9D9"/>
-                </a:solidFill>
-                <a:latin typeface="Microsoft Sans Serif"/>
-                <a:cs typeface="Microsoft Sans Serif"/>
-              </a:rPr>
-              <a:t> </a:t>
-            </a:r>
-            <a:r>
-              <a:rPr sz="1400" spc="-5" dirty="0">
-                <a:solidFill>
-                  <a:srgbClr val="D9D9D9"/>
-                </a:solidFill>
-                <a:latin typeface="Microsoft Sans Serif"/>
-                <a:cs typeface="Microsoft Sans Serif"/>
-              </a:rPr>
-              <a:t>purposes.</a:t>
-            </a:r>
-            <a:endParaRPr sz="1400">
-              <a:latin typeface="Microsoft Sans Serif"/>
-              <a:cs typeface="Microsoft Sans Serif"/>
-            </a:endParaRPr>
-          </a:p>
-        </p:txBody>
-      </p:sp>
-      <p:sp>
-        <p:nvSpPr>
-          <p:cNvPr id="7" name="TextBox 6">
-            <a:extLst>
-              <a:ext uri="{FF2B5EF4-FFF2-40B4-BE49-F238E27FC236}">
-                <a16:creationId xmlns:a16="http://schemas.microsoft.com/office/drawing/2014/main" id="{12827A03-435F-4EE1-A7E7-77407F60CFBF}"/>
-              </a:ext>
-            </a:extLst>
-          </p:cNvPr>
-          <p:cNvSpPr txBox="1"/>
-          <p:nvPr/>
-        </p:nvSpPr>
-        <p:spPr>
-          <a:xfrm>
-            <a:off x="3941946" y="5622430"/>
-            <a:ext cx="4308102" cy="523220"/>
-          </a:xfrm>
-          <a:prstGeom prst="rect">
-            <a:avLst/>
-          </a:prstGeom>
-          <a:noFill/>
-        </p:spPr>
-        <p:txBody>
-          <a:bodyPr wrap="none" rtlCol="0">
-            <a:spAutoFit/>
-          </a:bodyPr>
-          <a:lstStyle/>
-          <a:p>
-            <a:r>
-              <a:rPr lang="it-IT" sz="2800" dirty="0"/>
-              <a:t>Geoinformatics Engineering</a:t>
-            </a:r>
-            <a:endParaRPr lang="en-GB" sz="2800" dirty="0"/>
-          </a:p>
-        </p:txBody>
-      </p:sp>
       <p:pic>
         <p:nvPicPr>
-          <p:cNvPr id="11" name="Picture 10">
+          <p:cNvPr id="8" name="Picture 7">
             <a:extLst>
               <a:ext uri="{FF2B5EF4-FFF2-40B4-BE49-F238E27FC236}">
-                <a16:creationId xmlns:a16="http://schemas.microsoft.com/office/drawing/2014/main" id="{82EDC1DE-8F8B-4959-BC5A-5D45BFFED9FC}"/>
+                <a16:creationId xmlns:a16="http://schemas.microsoft.com/office/drawing/2014/main" id="{7129177D-28AF-42B9-AD3F-30783F81E2B0}"/>
               </a:ext>
             </a:extLst>
           </p:cNvPr>
@@ -8208,8 +8381,80 @@
         </p:blipFill>
         <p:spPr>
           <a:xfrm>
-            <a:off x="11182985" y="412437"/>
+            <a:off x="11277600" y="6269054"/>
+            <a:ext cx="550128" cy="550128"/>
+          </a:xfrm>
+          <a:prstGeom prst="rect">
+            <a:avLst/>
+          </a:prstGeom>
+        </p:spPr>
+      </p:pic>
+      <p:pic>
+        <p:nvPicPr>
+          <p:cNvPr id="13" name="Picture 12">
+            <a:extLst>
+              <a:ext uri="{FF2B5EF4-FFF2-40B4-BE49-F238E27FC236}">
+                <a16:creationId xmlns:a16="http://schemas.microsoft.com/office/drawing/2014/main" id="{3456ADC5-2793-4FE5-8017-FD10394D5975}"/>
+              </a:ext>
+            </a:extLst>
+          </p:cNvPr>
+          <p:cNvPicPr>
+            <a:picLocks noChangeAspect="1"/>
+          </p:cNvPicPr>
+          <p:nvPr/>
+        </p:nvPicPr>
+        <p:blipFill>
+          <a:blip r:embed="rId4" cstate="print">
+            <a:extLst>
+              <a:ext uri="{28A0092B-C50C-407E-A947-70E740481C1C}">
+                <a14:useLocalDpi xmlns:a14="http://schemas.microsoft.com/office/drawing/2010/main" val="0"/>
+              </a:ext>
+            </a:extLst>
+          </a:blip>
+          <a:stretch>
+            <a:fillRect/>
+          </a:stretch>
+        </p:blipFill>
+        <p:spPr>
+          <a:xfrm>
+            <a:off x="11182985" y="6230111"/>
             <a:ext cx="628015" cy="628015"/>
+          </a:xfrm>
+          <a:prstGeom prst="rect">
+            <a:avLst/>
+          </a:prstGeom>
+        </p:spPr>
+      </p:pic>
+      <p:pic>
+        <p:nvPicPr>
+          <p:cNvPr id="7" name="Picture 6">
+            <a:extLst>
+              <a:ext uri="{FF2B5EF4-FFF2-40B4-BE49-F238E27FC236}">
+                <a16:creationId xmlns:a16="http://schemas.microsoft.com/office/drawing/2014/main" id="{7105293D-F5E1-4C73-8AE2-D49E3D5E5C51}"/>
+              </a:ext>
+            </a:extLst>
+          </p:cNvPr>
+          <p:cNvPicPr>
+            <a:picLocks noChangeAspect="1"/>
+          </p:cNvPicPr>
+          <p:nvPr/>
+        </p:nvPicPr>
+        <p:blipFill>
+          <a:blip r:embed="rId5" cstate="print">
+            <a:extLst>
+              <a:ext uri="{28A0092B-C50C-407E-A947-70E740481C1C}">
+                <a14:useLocalDpi xmlns:a14="http://schemas.microsoft.com/office/drawing/2010/main" val="0"/>
+              </a:ext>
+            </a:extLst>
+          </a:blip>
+          <a:stretch>
+            <a:fillRect/>
+          </a:stretch>
+        </p:blipFill>
+        <p:spPr>
+          <a:xfrm>
+            <a:off x="2200275" y="-3049"/>
+            <a:ext cx="7791450" cy="6233160"/>
           </a:xfrm>
           <a:prstGeom prst="rect">
             <a:avLst/>
@@ -8219,7 +8464,250 @@
     </p:spTree>
     <p:extLst>
       <p:ext uri="{BB962C8B-B14F-4D97-AF65-F5344CB8AC3E}">
-        <p14:creationId xmlns:p14="http://schemas.microsoft.com/office/powerpoint/2010/main" val="2627992545"/>
+        <p14:creationId xmlns:p14="http://schemas.microsoft.com/office/powerpoint/2010/main" val="4118061085"/>
+      </p:ext>
+    </p:extLst>
+  </p:cSld>
+  <p:clrMapOvr>
+    <a:masterClrMapping/>
+  </p:clrMapOvr>
+</p:sld>
+</file>
+
+<file path=ppt/slides/slide9.xml><?xml version="1.0" encoding="utf-8"?>
+<p:sld xmlns:a="http://schemas.openxmlformats.org/drawingml/2006/main" xmlns:r="http://schemas.openxmlformats.org/officeDocument/2006/relationships" xmlns:p="http://schemas.openxmlformats.org/presentationml/2006/main" showMasterSp="0">
+  <p:cSld>
+    <p:spTree>
+      <p:nvGrpSpPr>
+        <p:cNvPr id="1" name=""/>
+        <p:cNvGrpSpPr/>
+        <p:nvPr/>
+      </p:nvGrpSpPr>
+      <p:grpSpPr>
+        <a:xfrm>
+          <a:off x="0" y="0"/>
+          <a:ext cx="0" cy="0"/>
+          <a:chOff x="0" y="0"/>
+          <a:chExt cx="0" cy="0"/>
+        </a:xfrm>
+      </p:grpSpPr>
+      <p:grpSp>
+        <p:nvGrpSpPr>
+          <p:cNvPr id="9" name="object 5">
+            <a:extLst>
+              <a:ext uri="{FF2B5EF4-FFF2-40B4-BE49-F238E27FC236}">
+                <a16:creationId xmlns:a16="http://schemas.microsoft.com/office/drawing/2014/main" id="{EB6038DE-F9D1-4516-9F33-118AC02DBD97}"/>
+              </a:ext>
+            </a:extLst>
+          </p:cNvPr>
+          <p:cNvGrpSpPr/>
+          <p:nvPr/>
+        </p:nvGrpSpPr>
+        <p:grpSpPr>
+          <a:xfrm>
+            <a:off x="0" y="6230111"/>
+            <a:ext cx="12192000" cy="628015"/>
+            <a:chOff x="0" y="6230111"/>
+            <a:chExt cx="12192000" cy="628015"/>
+          </a:xfrm>
+        </p:grpSpPr>
+        <p:sp>
+          <p:nvSpPr>
+            <p:cNvPr id="10" name="object 6">
+              <a:extLst>
+                <a:ext uri="{FF2B5EF4-FFF2-40B4-BE49-F238E27FC236}">
+                  <a16:creationId xmlns:a16="http://schemas.microsoft.com/office/drawing/2014/main" id="{05BF0CA7-83B6-449B-AA0A-E2302D4779A5}"/>
+                </a:ext>
+              </a:extLst>
+            </p:cNvPr>
+            <p:cNvSpPr/>
+            <p:nvPr/>
+          </p:nvSpPr>
+          <p:spPr>
+            <a:xfrm>
+              <a:off x="0" y="6230111"/>
+              <a:ext cx="12192000" cy="628015"/>
+            </a:xfrm>
+            <a:custGeom>
+              <a:avLst/>
+              <a:gdLst/>
+              <a:ahLst/>
+              <a:cxnLst/>
+              <a:rect l="l" t="t" r="r" b="b"/>
+              <a:pathLst>
+                <a:path w="12192000" h="628015">
+                  <a:moveTo>
+                    <a:pt x="12192000" y="0"/>
+                  </a:moveTo>
+                  <a:lnTo>
+                    <a:pt x="0" y="0"/>
+                  </a:lnTo>
+                  <a:lnTo>
+                    <a:pt x="0" y="627886"/>
+                  </a:lnTo>
+                  <a:lnTo>
+                    <a:pt x="12192000" y="627886"/>
+                  </a:lnTo>
+                  <a:lnTo>
+                    <a:pt x="12192000" y="0"/>
+                  </a:lnTo>
+                  <a:close/>
+                </a:path>
+              </a:pathLst>
+            </a:custGeom>
+            <a:solidFill>
+              <a:srgbClr val="718FA4"/>
+            </a:solidFill>
+          </p:spPr>
+          <p:txBody>
+            <a:bodyPr wrap="square" lIns="0" tIns="0" rIns="0" bIns="0" rtlCol="0"/>
+            <a:lstStyle/>
+            <a:p>
+              <a:endParaRPr/>
+            </a:p>
+          </p:txBody>
+        </p:sp>
+        <p:pic>
+          <p:nvPicPr>
+            <p:cNvPr id="11" name="object 7">
+              <a:extLst>
+                <a:ext uri="{FF2B5EF4-FFF2-40B4-BE49-F238E27FC236}">
+                  <a16:creationId xmlns:a16="http://schemas.microsoft.com/office/drawing/2014/main" id="{C69EB078-1A55-43F6-AB67-FC18B8773B5F}"/>
+                </a:ext>
+              </a:extLst>
+            </p:cNvPr>
+            <p:cNvPicPr/>
+            <p:nvPr/>
+          </p:nvPicPr>
+          <p:blipFill>
+            <a:blip r:embed="rId2" cstate="print"/>
+            <a:stretch>
+              <a:fillRect/>
+            </a:stretch>
+          </p:blipFill>
+          <p:spPr>
+            <a:xfrm>
+              <a:off x="381000" y="6262115"/>
+              <a:ext cx="3038855" cy="573022"/>
+            </a:xfrm>
+            <a:prstGeom prst="rect">
+              <a:avLst/>
+            </a:prstGeom>
+          </p:spPr>
+        </p:pic>
+      </p:grpSp>
+      <p:pic>
+        <p:nvPicPr>
+          <p:cNvPr id="8" name="Picture 7">
+            <a:extLst>
+              <a:ext uri="{FF2B5EF4-FFF2-40B4-BE49-F238E27FC236}">
+                <a16:creationId xmlns:a16="http://schemas.microsoft.com/office/drawing/2014/main" id="{7129177D-28AF-42B9-AD3F-30783F81E2B0}"/>
+              </a:ext>
+            </a:extLst>
+          </p:cNvPr>
+          <p:cNvPicPr>
+            <a:picLocks noChangeAspect="1"/>
+          </p:cNvPicPr>
+          <p:nvPr/>
+        </p:nvPicPr>
+        <p:blipFill>
+          <a:blip r:embed="rId3" cstate="print">
+            <a:extLst>
+              <a:ext uri="{28A0092B-C50C-407E-A947-70E740481C1C}">
+                <a14:useLocalDpi xmlns:a14="http://schemas.microsoft.com/office/drawing/2010/main" val="0"/>
+              </a:ext>
+            </a:extLst>
+          </a:blip>
+          <a:stretch>
+            <a:fillRect/>
+          </a:stretch>
+        </p:blipFill>
+        <p:spPr>
+          <a:xfrm>
+            <a:off x="11277600" y="6269054"/>
+            <a:ext cx="550128" cy="550128"/>
+          </a:xfrm>
+          <a:prstGeom prst="rect">
+            <a:avLst/>
+          </a:prstGeom>
+        </p:spPr>
+      </p:pic>
+      <p:pic>
+        <p:nvPicPr>
+          <p:cNvPr id="13" name="Picture 12">
+            <a:extLst>
+              <a:ext uri="{FF2B5EF4-FFF2-40B4-BE49-F238E27FC236}">
+                <a16:creationId xmlns:a16="http://schemas.microsoft.com/office/drawing/2014/main" id="{3456ADC5-2793-4FE5-8017-FD10394D5975}"/>
+              </a:ext>
+            </a:extLst>
+          </p:cNvPr>
+          <p:cNvPicPr>
+            <a:picLocks noChangeAspect="1"/>
+          </p:cNvPicPr>
+          <p:nvPr/>
+        </p:nvPicPr>
+        <p:blipFill>
+          <a:blip r:embed="rId4" cstate="print">
+            <a:extLst>
+              <a:ext uri="{28A0092B-C50C-407E-A947-70E740481C1C}">
+                <a14:useLocalDpi xmlns:a14="http://schemas.microsoft.com/office/drawing/2010/main" val="0"/>
+              </a:ext>
+            </a:extLst>
+          </a:blip>
+          <a:stretch>
+            <a:fillRect/>
+          </a:stretch>
+        </p:blipFill>
+        <p:spPr>
+          <a:xfrm>
+            <a:off x="11182985" y="6230111"/>
+            <a:ext cx="628015" cy="628015"/>
+          </a:xfrm>
+          <a:prstGeom prst="rect">
+            <a:avLst/>
+          </a:prstGeom>
+        </p:spPr>
+      </p:pic>
+      <p:pic>
+        <p:nvPicPr>
+          <p:cNvPr id="3" name="Picture 2">
+            <a:extLst>
+              <a:ext uri="{FF2B5EF4-FFF2-40B4-BE49-F238E27FC236}">
+                <a16:creationId xmlns:a16="http://schemas.microsoft.com/office/drawing/2014/main" id="{6C35A730-8F3F-4701-999C-455B85281DD8}"/>
+              </a:ext>
+            </a:extLst>
+          </p:cNvPr>
+          <p:cNvPicPr>
+            <a:picLocks noChangeAspect="1"/>
+          </p:cNvPicPr>
+          <p:nvPr/>
+        </p:nvPicPr>
+        <p:blipFill>
+          <a:blip r:embed="rId5" cstate="print">
+            <a:extLst>
+              <a:ext uri="{28A0092B-C50C-407E-A947-70E740481C1C}">
+                <a14:useLocalDpi xmlns:a14="http://schemas.microsoft.com/office/drawing/2010/main" val="0"/>
+              </a:ext>
+            </a:extLst>
+          </a:blip>
+          <a:stretch>
+            <a:fillRect/>
+          </a:stretch>
+        </p:blipFill>
+        <p:spPr>
+          <a:xfrm>
+            <a:off x="2210276" y="0"/>
+            <a:ext cx="7771448" cy="6230111"/>
+          </a:xfrm>
+          <a:prstGeom prst="rect">
+            <a:avLst/>
+          </a:prstGeom>
+        </p:spPr>
+      </p:pic>
+    </p:spTree>
+    <p:extLst>
+      <p:ext uri="{BB962C8B-B14F-4D97-AF65-F5344CB8AC3E}">
+        <p14:creationId xmlns:p14="http://schemas.microsoft.com/office/powerpoint/2010/main" val="3832956685"/>
       </p:ext>
     </p:extLst>
   </p:cSld>
@@ -8808,12 +9296,11 @@
 </file>
 
 <file path=customXml/item1.xml><?xml version="1.0" encoding="utf-8"?>
-<?mso-contentType ?>
-<FormTemplates xmlns="http://schemas.microsoft.com/sharepoint/v3/contenttype/forms">
-  <Display>DocumentLibraryForm</Display>
-  <Edit>DocumentLibraryForm</Edit>
-  <New>DocumentLibraryForm</New>
-</FormTemplates>
+<p:properties xmlns:p="http://schemas.microsoft.com/office/2006/metadata/properties" xmlns:xsi="http://www.w3.org/2001/XMLSchema-instance" xmlns:pc="http://schemas.microsoft.com/office/infopath/2007/PartnerControls">
+  <documentManagement>
+    <_activity xmlns="c9eab120-891d-4e75-bbb7-983661d36c9c" xsi:nil="true"/>
+  </documentManagement>
+</p:properties>
 </file>
 
 <file path=customXml/item2.xml><?xml version="1.0" encoding="utf-8"?>
@@ -9046,17 +9533,27 @@
 </file>
 
 <file path=customXml/item3.xml><?xml version="1.0" encoding="utf-8"?>
-<p:properties xmlns:p="http://schemas.microsoft.com/office/2006/metadata/properties" xmlns:xsi="http://www.w3.org/2001/XMLSchema-instance" xmlns:pc="http://schemas.microsoft.com/office/infopath/2007/PartnerControls">
-  <documentManagement>
-    <_activity xmlns="c9eab120-891d-4e75-bbb7-983661d36c9c" xsi:nil="true"/>
-  </documentManagement>
-</p:properties>
+<?mso-contentType ?>
+<FormTemplates xmlns="http://schemas.microsoft.com/sharepoint/v3/contenttype/forms">
+  <Display>DocumentLibraryForm</Display>
+  <Edit>DocumentLibraryForm</Edit>
+  <New>DocumentLibraryForm</New>
+</FormTemplates>
 </file>
 
 <file path=customXml/itemProps1.xml><?xml version="1.0" encoding="utf-8"?>
-<ds:datastoreItem xmlns:ds="http://schemas.openxmlformats.org/officeDocument/2006/customXml" ds:itemID="{29D72105-E419-4657-8EC8-6C73137ECF2E}">
+<ds:datastoreItem xmlns:ds="http://schemas.openxmlformats.org/officeDocument/2006/customXml" ds:itemID="{0935546A-FCFF-49CF-A534-6766F9A5EAFB}">
   <ds:schemaRefs>
-    <ds:schemaRef ds:uri="http://schemas.microsoft.com/sharepoint/v3/contenttype/forms"/>
+    <ds:schemaRef ds:uri="http://schemas.openxmlformats.org/package/2006/metadata/core-properties"/>
+    <ds:schemaRef ds:uri="c9eab120-891d-4e75-bbb7-983661d36c9c"/>
+    <ds:schemaRef ds:uri="http://purl.org/dc/terms/"/>
+    <ds:schemaRef ds:uri="http://schemas.microsoft.com/office/2006/documentManagement/types"/>
+    <ds:schemaRef ds:uri="http://schemas.microsoft.com/office/infopath/2007/PartnerControls"/>
+    <ds:schemaRef ds:uri="http://purl.org/dc/elements/1.1/"/>
+    <ds:schemaRef ds:uri="2cbdb79f-05cb-4beb-bf79-a6aafc29ddd5"/>
+    <ds:schemaRef ds:uri="http://www.w3.org/XML/1998/namespace"/>
+    <ds:schemaRef ds:uri="http://schemas.microsoft.com/office/2006/metadata/properties"/>
+    <ds:schemaRef ds:uri="http://purl.org/dc/dcmitype/"/>
   </ds:schemaRefs>
 </ds:datastoreItem>
 </file>
@@ -9081,18 +9578,9 @@
 </file>
 
 <file path=customXml/itemProps3.xml><?xml version="1.0" encoding="utf-8"?>
-<ds:datastoreItem xmlns:ds="http://schemas.openxmlformats.org/officeDocument/2006/customXml" ds:itemID="{0935546A-FCFF-49CF-A534-6766F9A5EAFB}">
+<ds:datastoreItem xmlns:ds="http://schemas.openxmlformats.org/officeDocument/2006/customXml" ds:itemID="{29D72105-E419-4657-8EC8-6C73137ECF2E}">
   <ds:schemaRefs>
-    <ds:schemaRef ds:uri="http://schemas.openxmlformats.org/package/2006/metadata/core-properties"/>
-    <ds:schemaRef ds:uri="c9eab120-891d-4e75-bbb7-983661d36c9c"/>
-    <ds:schemaRef ds:uri="http://purl.org/dc/terms/"/>
-    <ds:schemaRef ds:uri="http://schemas.microsoft.com/office/2006/documentManagement/types"/>
-    <ds:schemaRef ds:uri="http://schemas.microsoft.com/office/infopath/2007/PartnerControls"/>
-    <ds:schemaRef ds:uri="http://purl.org/dc/elements/1.1/"/>
-    <ds:schemaRef ds:uri="2cbdb79f-05cb-4beb-bf79-a6aafc29ddd5"/>
-    <ds:schemaRef ds:uri="http://www.w3.org/XML/1998/namespace"/>
-    <ds:schemaRef ds:uri="http://schemas.microsoft.com/office/2006/metadata/properties"/>
-    <ds:schemaRef ds:uri="http://purl.org/dc/dcmitype/"/>
+    <ds:schemaRef ds:uri="http://schemas.microsoft.com/sharepoint/v3/contenttype/forms"/>
   </ds:schemaRefs>
 </ds:datastoreItem>
 </file>
--- a/presentation_CARLASSARA_10601118.pptx
+++ b/presentation_CARLASSARA_10601118.pptx
@@ -5,7 +5,7 @@
     <p:sldMasterId id="2147483648" r:id="rId4"/>
   </p:sldMasterIdLst>
   <p:notesMasterIdLst>
-    <p:notesMasterId r:id="rId15"/>
+    <p:notesMasterId r:id="rId16"/>
   </p:notesMasterIdLst>
   <p:sldIdLst>
     <p:sldId id="256" r:id="rId5"/>
@@ -17,7 +17,8 @@
     <p:sldId id="312" r:id="rId11"/>
     <p:sldId id="315" r:id="rId12"/>
     <p:sldId id="316" r:id="rId13"/>
-    <p:sldId id="287" r:id="rId14"/>
+    <p:sldId id="317" r:id="rId14"/>
+    <p:sldId id="287" r:id="rId15"/>
   </p:sldIdLst>
   <p:sldSz cx="12192000" cy="6858000"/>
   <p:notesSz cx="12192000" cy="6858000"/>
@@ -499,6 +500,90 @@
 </p:notesMaster>
 </file>
 
+<file path=ppt/notesSlides/notesSlide1.xml><?xml version="1.0" encoding="utf-8"?>
+<p:notes xmlns:a="http://schemas.openxmlformats.org/drawingml/2006/main" xmlns:r="http://schemas.openxmlformats.org/officeDocument/2006/relationships" xmlns:p="http://schemas.openxmlformats.org/presentationml/2006/main">
+  <p:cSld>
+    <p:spTree>
+      <p:nvGrpSpPr>
+        <p:cNvPr id="1" name=""/>
+        <p:cNvGrpSpPr/>
+        <p:nvPr/>
+      </p:nvGrpSpPr>
+      <p:grpSpPr>
+        <a:xfrm>
+          <a:off x="0" y="0"/>
+          <a:ext cx="0" cy="0"/>
+          <a:chOff x="0" y="0"/>
+          <a:chExt cx="0" cy="0"/>
+        </a:xfrm>
+      </p:grpSpPr>
+      <p:sp>
+        <p:nvSpPr>
+          <p:cNvPr id="2" name="Folienbildplatzhalter 1"/>
+          <p:cNvSpPr>
+            <a:spLocks noGrp="1" noRot="1" noChangeAspect="1"/>
+          </p:cNvSpPr>
+          <p:nvPr>
+            <p:ph type="sldImg"/>
+          </p:nvPr>
+        </p:nvSpPr>
+        <p:spPr/>
+      </p:sp>
+      <p:sp>
+        <p:nvSpPr>
+          <p:cNvPr id="3" name="Notizenplatzhalter 2"/>
+          <p:cNvSpPr>
+            <a:spLocks noGrp="1"/>
+          </p:cNvSpPr>
+          <p:nvPr>
+            <p:ph type="body" idx="1"/>
+          </p:nvPr>
+        </p:nvSpPr>
+        <p:spPr/>
+        <p:txBody>
+          <a:bodyPr/>
+          <a:lstStyle/>
+          <a:p>
+            <a:endParaRPr lang="de-DE" dirty="0"/>
+          </a:p>
+        </p:txBody>
+      </p:sp>
+      <p:sp>
+        <p:nvSpPr>
+          <p:cNvPr id="4" name="Foliennummernplatzhalter 3"/>
+          <p:cNvSpPr>
+            <a:spLocks noGrp="1"/>
+          </p:cNvSpPr>
+          <p:nvPr>
+            <p:ph type="sldNum" sz="quarter" idx="10"/>
+          </p:nvPr>
+        </p:nvSpPr>
+        <p:spPr/>
+        <p:txBody>
+          <a:bodyPr/>
+          <a:lstStyle/>
+          <a:p>
+            <a:fld id="{F0D5CDD0-9C4D-485B-A4B3-1655DD65D0FD}" type="slidenum">
+              <a:rPr lang="de-DE" smtClean="0"/>
+              <a:t>10</a:t>
+            </a:fld>
+            <a:endParaRPr lang="de-DE"/>
+          </a:p>
+        </p:txBody>
+      </p:sp>
+    </p:spTree>
+    <p:extLst>
+      <p:ext uri="{BB962C8B-B14F-4D97-AF65-F5344CB8AC3E}">
+        <p14:creationId xmlns:p14="http://schemas.microsoft.com/office/powerpoint/2010/main" val="251597112"/>
+      </p:ext>
+    </p:extLst>
+  </p:cSld>
+  <p:clrMapOvr>
+    <a:masterClrMapping/>
+  </p:clrMapOvr>
+</p:notes>
+</file>
+
 <file path=ppt/slideLayouts/slideLayout1.xml><?xml version="1.0" encoding="utf-8"?>
 <p:sldLayout xmlns:a="http://schemas.openxmlformats.org/drawingml/2006/main" xmlns:r="http://schemas.openxmlformats.org/officeDocument/2006/relationships" xmlns:p="http://schemas.openxmlformats.org/presentationml/2006/main" type="obj" preserve="1">
   <p:cSld name="Title Slide">
@@ -1340,6 +1425,261 @@
 </p:sldLayout>
 </file>
 
+<file path=ppt/slideLayouts/slideLayout6.xml><?xml version="1.0" encoding="utf-8"?>
+<p:sldLayout xmlns:a="http://schemas.openxmlformats.org/drawingml/2006/main" xmlns:r="http://schemas.openxmlformats.org/officeDocument/2006/relationships" xmlns:p="http://schemas.openxmlformats.org/presentationml/2006/main" type="title">
+  <p:cSld name="Titelfolie">
+    <p:spTree>
+      <p:nvGrpSpPr>
+        <p:cNvPr id="1" name=""/>
+        <p:cNvGrpSpPr/>
+        <p:nvPr/>
+      </p:nvGrpSpPr>
+      <p:grpSpPr>
+        <a:xfrm>
+          <a:off x="0" y="0"/>
+          <a:ext cx="0" cy="0"/>
+          <a:chOff x="0" y="0"/>
+          <a:chExt cx="0" cy="0"/>
+        </a:xfrm>
+      </p:grpSpPr>
+      <p:sp>
+        <p:nvSpPr>
+          <p:cNvPr id="2" name="Titel 1"/>
+          <p:cNvSpPr>
+            <a:spLocks noGrp="1"/>
+          </p:cNvSpPr>
+          <p:nvPr>
+            <p:ph type="ctrTitle"/>
+          </p:nvPr>
+        </p:nvSpPr>
+        <p:spPr>
+          <a:xfrm>
+            <a:off x="914400" y="2130426"/>
+            <a:ext cx="10363200" cy="369332"/>
+          </a:xfrm>
+        </p:spPr>
+        <p:txBody>
+          <a:bodyPr/>
+          <a:lstStyle/>
+          <a:p>
+            <a:r>
+              <a:rPr lang="de-DE"/>
+              <a:t>Titelmasterformat durch Klicken bearbeiten</a:t>
+            </a:r>
+          </a:p>
+        </p:txBody>
+      </p:sp>
+      <p:sp>
+        <p:nvSpPr>
+          <p:cNvPr id="3" name="Untertitel 2"/>
+          <p:cNvSpPr>
+            <a:spLocks noGrp="1"/>
+          </p:cNvSpPr>
+          <p:nvPr>
+            <p:ph type="subTitle" idx="1"/>
+          </p:nvPr>
+        </p:nvSpPr>
+        <p:spPr>
+          <a:xfrm>
+            <a:off x="1828800" y="3886200"/>
+            <a:ext cx="8534400" cy="276999"/>
+          </a:xfrm>
+        </p:spPr>
+        <p:txBody>
+          <a:bodyPr/>
+          <a:lstStyle>
+            <a:lvl1pPr marL="0" indent="0" algn="ctr">
+              <a:buNone/>
+              <a:defRPr>
+                <a:solidFill>
+                  <a:schemeClr val="tx1">
+                    <a:tint val="75000"/>
+                  </a:schemeClr>
+                </a:solidFill>
+              </a:defRPr>
+            </a:lvl1pPr>
+            <a:lvl2pPr marL="457200" indent="0" algn="ctr">
+              <a:buNone/>
+              <a:defRPr>
+                <a:solidFill>
+                  <a:schemeClr val="tx1">
+                    <a:tint val="75000"/>
+                  </a:schemeClr>
+                </a:solidFill>
+              </a:defRPr>
+            </a:lvl2pPr>
+            <a:lvl3pPr marL="914400" indent="0" algn="ctr">
+              <a:buNone/>
+              <a:defRPr>
+                <a:solidFill>
+                  <a:schemeClr val="tx1">
+                    <a:tint val="75000"/>
+                  </a:schemeClr>
+                </a:solidFill>
+              </a:defRPr>
+            </a:lvl3pPr>
+            <a:lvl4pPr marL="1371600" indent="0" algn="ctr">
+              <a:buNone/>
+              <a:defRPr>
+                <a:solidFill>
+                  <a:schemeClr val="tx1">
+                    <a:tint val="75000"/>
+                  </a:schemeClr>
+                </a:solidFill>
+              </a:defRPr>
+            </a:lvl4pPr>
+            <a:lvl5pPr marL="1828800" indent="0" algn="ctr">
+              <a:buNone/>
+              <a:defRPr>
+                <a:solidFill>
+                  <a:schemeClr val="tx1">
+                    <a:tint val="75000"/>
+                  </a:schemeClr>
+                </a:solidFill>
+              </a:defRPr>
+            </a:lvl5pPr>
+            <a:lvl6pPr marL="2286000" indent="0" algn="ctr">
+              <a:buNone/>
+              <a:defRPr>
+                <a:solidFill>
+                  <a:schemeClr val="tx1">
+                    <a:tint val="75000"/>
+                  </a:schemeClr>
+                </a:solidFill>
+              </a:defRPr>
+            </a:lvl6pPr>
+            <a:lvl7pPr marL="2743200" indent="0" algn="ctr">
+              <a:buNone/>
+              <a:defRPr>
+                <a:solidFill>
+                  <a:schemeClr val="tx1">
+                    <a:tint val="75000"/>
+                  </a:schemeClr>
+                </a:solidFill>
+              </a:defRPr>
+            </a:lvl7pPr>
+            <a:lvl8pPr marL="3200400" indent="0" algn="ctr">
+              <a:buNone/>
+              <a:defRPr>
+                <a:solidFill>
+                  <a:schemeClr val="tx1">
+                    <a:tint val="75000"/>
+                  </a:schemeClr>
+                </a:solidFill>
+              </a:defRPr>
+            </a:lvl8pPr>
+            <a:lvl9pPr marL="3657600" indent="0" algn="ctr">
+              <a:buNone/>
+              <a:defRPr>
+                <a:solidFill>
+                  <a:schemeClr val="tx1">
+                    <a:tint val="75000"/>
+                  </a:schemeClr>
+                </a:solidFill>
+              </a:defRPr>
+            </a:lvl9pPr>
+          </a:lstStyle>
+          <a:p>
+            <a:r>
+              <a:rPr lang="de-DE"/>
+              <a:t>Formatvorlage des Untertitelmasters durch Klicken bearbeiten</a:t>
+            </a:r>
+          </a:p>
+        </p:txBody>
+      </p:sp>
+      <p:sp>
+        <p:nvSpPr>
+          <p:cNvPr id="4" name="Datumsplatzhalter 3"/>
+          <p:cNvSpPr>
+            <a:spLocks noGrp="1"/>
+          </p:cNvSpPr>
+          <p:nvPr>
+            <p:ph type="dt" sz="half" idx="10"/>
+          </p:nvPr>
+        </p:nvSpPr>
+        <p:spPr>
+          <a:xfrm>
+            <a:off x="609600" y="6377940"/>
+            <a:ext cx="2804160" cy="276999"/>
+          </a:xfrm>
+        </p:spPr>
+        <p:txBody>
+          <a:bodyPr/>
+          <a:lstStyle/>
+          <a:p>
+            <a:fld id="{68096437-929F-41B4-A44E-96A3364BC2EF}" type="datetimeFigureOut">
+              <a:rPr lang="de-DE" smtClean="0"/>
+              <a:t>28.05.2024</a:t>
+            </a:fld>
+            <a:endParaRPr lang="de-DE"/>
+          </a:p>
+        </p:txBody>
+      </p:sp>
+      <p:sp>
+        <p:nvSpPr>
+          <p:cNvPr id="5" name="Fußzeilenplatzhalter 4"/>
+          <p:cNvSpPr>
+            <a:spLocks noGrp="1"/>
+          </p:cNvSpPr>
+          <p:nvPr>
+            <p:ph type="ftr" sz="quarter" idx="11"/>
+          </p:nvPr>
+        </p:nvSpPr>
+        <p:spPr>
+          <a:xfrm>
+            <a:off x="4145280" y="6377940"/>
+            <a:ext cx="3901440" cy="276999"/>
+          </a:xfrm>
+        </p:spPr>
+        <p:txBody>
+          <a:bodyPr/>
+          <a:lstStyle/>
+          <a:p>
+            <a:endParaRPr lang="de-DE"/>
+          </a:p>
+        </p:txBody>
+      </p:sp>
+      <p:sp>
+        <p:nvSpPr>
+          <p:cNvPr id="6" name="Foliennummernplatzhalter 5"/>
+          <p:cNvSpPr>
+            <a:spLocks noGrp="1"/>
+          </p:cNvSpPr>
+          <p:nvPr>
+            <p:ph type="sldNum" sz="quarter" idx="12"/>
+          </p:nvPr>
+        </p:nvSpPr>
+        <p:spPr>
+          <a:xfrm>
+            <a:off x="8778240" y="6377940"/>
+            <a:ext cx="2804160" cy="276999"/>
+          </a:xfrm>
+        </p:spPr>
+        <p:txBody>
+          <a:bodyPr/>
+          <a:lstStyle/>
+          <a:p>
+            <a:fld id="{D06CF1DE-A50E-4514-BD8C-9185BAB1F47A}" type="slidenum">
+              <a:rPr lang="de-DE" smtClean="0"/>
+              <a:t>‹#›</a:t>
+            </a:fld>
+            <a:endParaRPr lang="de-DE"/>
+          </a:p>
+        </p:txBody>
+      </p:sp>
+    </p:spTree>
+    <p:extLst>
+      <p:ext uri="{BB962C8B-B14F-4D97-AF65-F5344CB8AC3E}">
+        <p14:creationId xmlns:p14="http://schemas.microsoft.com/office/powerpoint/2010/main" val="2295592562"/>
+      </p:ext>
+    </p:extLst>
+  </p:cSld>
+  <p:clrMapOvr>
+    <a:masterClrMapping/>
+  </p:clrMapOvr>
+</p:sldLayout>
+</file>
+
 <file path=ppt/slideMasters/slideMaster1.xml><?xml version="1.0" encoding="utf-8"?>
 <p:sldMaster xmlns:a="http://schemas.openxmlformats.org/drawingml/2006/main" xmlns:r="http://schemas.openxmlformats.org/officeDocument/2006/relationships" xmlns:p="http://schemas.openxmlformats.org/presentationml/2006/main">
   <p:cSld>
@@ -1422,7 +1762,7 @@
           <p:nvPr/>
         </p:nvPicPr>
         <p:blipFill>
-          <a:blip r:embed="rId7" cstate="print"/>
+          <a:blip r:embed="rId8" cstate="print"/>
           <a:stretch>
             <a:fillRect/>
           </a:stretch>
@@ -1444,7 +1784,7 @@
           <p:nvPr/>
         </p:nvPicPr>
         <p:blipFill>
-          <a:blip r:embed="rId8" cstate="print"/>
+          <a:blip r:embed="rId9" cstate="print"/>
           <a:stretch>
             <a:fillRect/>
           </a:stretch>
@@ -1720,6 +2060,7 @@
     <p:sldLayoutId id="2147483663" r:id="rId3"/>
     <p:sldLayoutId id="2147483664" r:id="rId4"/>
     <p:sldLayoutId id="2147483665" r:id="rId5"/>
+    <p:sldLayoutId id="2147483666" r:id="rId6"/>
   </p:sldLayoutIdLst>
   <p:txStyles>
     <p:titleStyle>
@@ -2564,6 +2905,6810 @@
 </file>
 
 <file path=ppt/slides/slide10.xml><?xml version="1.0" encoding="utf-8"?>
+<p:sld xmlns:a="http://schemas.openxmlformats.org/drawingml/2006/main" xmlns:r="http://schemas.openxmlformats.org/officeDocument/2006/relationships" xmlns:p="http://schemas.openxmlformats.org/presentationml/2006/main">
+  <p:cSld>
+    <p:spTree>
+      <p:nvGrpSpPr>
+        <p:cNvPr id="1" name=""/>
+        <p:cNvGrpSpPr/>
+        <p:nvPr/>
+      </p:nvGrpSpPr>
+      <p:grpSpPr>
+        <a:xfrm>
+          <a:off x="0" y="0"/>
+          <a:ext cx="0" cy="0"/>
+          <a:chOff x="0" y="0"/>
+          <a:chExt cx="0" cy="0"/>
+        </a:xfrm>
+      </p:grpSpPr>
+      <p:sp>
+        <p:nvSpPr>
+          <p:cNvPr id="20" name="Flussdiagramm: Prozess 19"/>
+          <p:cNvSpPr/>
+          <p:nvPr/>
+        </p:nvSpPr>
+        <p:spPr>
+          <a:xfrm>
+            <a:off x="-672752" y="1647274"/>
+            <a:ext cx="13249472" cy="3581926"/>
+          </a:xfrm>
+          <a:prstGeom prst="flowChartProcess">
+            <a:avLst/>
+          </a:prstGeom>
+          <a:solidFill>
+            <a:srgbClr val="FFFF00">
+              <a:alpha val="40000"/>
+            </a:srgbClr>
+          </a:solidFill>
+          <a:ln>
+            <a:noFill/>
+          </a:ln>
+        </p:spPr>
+        <p:style>
+          <a:lnRef idx="2">
+            <a:schemeClr val="accent1">
+              <a:shade val="50000"/>
+            </a:schemeClr>
+          </a:lnRef>
+          <a:fillRef idx="1">
+            <a:schemeClr val="accent1"/>
+          </a:fillRef>
+          <a:effectRef idx="0">
+            <a:schemeClr val="accent1"/>
+          </a:effectRef>
+          <a:fontRef idx="minor">
+            <a:schemeClr val="lt1"/>
+          </a:fontRef>
+        </p:style>
+        <p:txBody>
+          <a:bodyPr rtlCol="0" anchor="ctr"/>
+          <a:lstStyle/>
+          <a:p>
+            <a:pPr algn="ctr"/>
+            <a:endParaRPr lang="de-DE" dirty="0"/>
+          </a:p>
+        </p:txBody>
+      </p:sp>
+      <p:sp>
+        <p:nvSpPr>
+          <p:cNvPr id="64" name="Flussdiagramm: Prozess 63">
+            <a:extLst>
+              <a:ext uri="{FF2B5EF4-FFF2-40B4-BE49-F238E27FC236}">
+                <a16:creationId xmlns:a16="http://schemas.microsoft.com/office/drawing/2014/main" id="{95EC32C6-58C4-457F-A566-FF01F3694F21}"/>
+              </a:ext>
+            </a:extLst>
+          </p:cNvPr>
+          <p:cNvSpPr/>
+          <p:nvPr/>
+        </p:nvSpPr>
+        <p:spPr>
+          <a:xfrm>
+            <a:off x="5447929" y="1358874"/>
+            <a:ext cx="7126871" cy="1751512"/>
+          </a:xfrm>
+          <a:prstGeom prst="flowChartProcess">
+            <a:avLst/>
+          </a:prstGeom>
+          <a:solidFill>
+            <a:srgbClr val="FF66FF">
+              <a:alpha val="40000"/>
+            </a:srgbClr>
+          </a:solidFill>
+          <a:ln>
+            <a:noFill/>
+          </a:ln>
+        </p:spPr>
+        <p:style>
+          <a:lnRef idx="2">
+            <a:schemeClr val="accent1">
+              <a:shade val="50000"/>
+            </a:schemeClr>
+          </a:lnRef>
+          <a:fillRef idx="1">
+            <a:schemeClr val="accent1"/>
+          </a:fillRef>
+          <a:effectRef idx="0">
+            <a:schemeClr val="accent1"/>
+          </a:effectRef>
+          <a:fontRef idx="minor">
+            <a:schemeClr val="lt1"/>
+          </a:fontRef>
+        </p:style>
+        <p:txBody>
+          <a:bodyPr rtlCol="0" anchor="ctr"/>
+          <a:lstStyle/>
+          <a:p>
+            <a:pPr algn="ctr"/>
+            <a:endParaRPr lang="de-DE"/>
+          </a:p>
+        </p:txBody>
+      </p:sp>
+      <p:sp>
+        <p:nvSpPr>
+          <p:cNvPr id="22" name="Flussdiagramm: Prozess 21"/>
+          <p:cNvSpPr/>
+          <p:nvPr/>
+        </p:nvSpPr>
+        <p:spPr>
+          <a:xfrm>
+            <a:off x="7009825" y="4181269"/>
+            <a:ext cx="4054726" cy="1380812"/>
+          </a:xfrm>
+          <a:prstGeom prst="flowChartProcess">
+            <a:avLst/>
+          </a:prstGeom>
+          <a:solidFill>
+            <a:srgbClr val="0070C0">
+              <a:alpha val="40000"/>
+            </a:srgbClr>
+          </a:solidFill>
+          <a:ln>
+            <a:noFill/>
+          </a:ln>
+        </p:spPr>
+        <p:style>
+          <a:lnRef idx="2">
+            <a:schemeClr val="accent1">
+              <a:shade val="50000"/>
+            </a:schemeClr>
+          </a:lnRef>
+          <a:fillRef idx="1">
+            <a:schemeClr val="accent1"/>
+          </a:fillRef>
+          <a:effectRef idx="0">
+            <a:schemeClr val="accent1"/>
+          </a:effectRef>
+          <a:fontRef idx="minor">
+            <a:schemeClr val="lt1"/>
+          </a:fontRef>
+        </p:style>
+        <p:txBody>
+          <a:bodyPr rtlCol="0" anchor="ctr"/>
+          <a:lstStyle/>
+          <a:p>
+            <a:pPr algn="ctr"/>
+            <a:endParaRPr lang="de-DE"/>
+          </a:p>
+        </p:txBody>
+      </p:sp>
+      <p:sp>
+        <p:nvSpPr>
+          <p:cNvPr id="21" name="Flussdiagramm: Prozess 20"/>
+          <p:cNvSpPr/>
+          <p:nvPr/>
+        </p:nvSpPr>
+        <p:spPr>
+          <a:xfrm>
+            <a:off x="-672752" y="4181269"/>
+            <a:ext cx="7611396" cy="1380812"/>
+          </a:xfrm>
+          <a:prstGeom prst="flowChartProcess">
+            <a:avLst/>
+          </a:prstGeom>
+          <a:solidFill>
+            <a:schemeClr val="accent2">
+              <a:lumMod val="75000"/>
+              <a:alpha val="40000"/>
+            </a:schemeClr>
+          </a:solidFill>
+          <a:ln>
+            <a:noFill/>
+          </a:ln>
+        </p:spPr>
+        <p:style>
+          <a:lnRef idx="2">
+            <a:schemeClr val="accent1">
+              <a:shade val="50000"/>
+            </a:schemeClr>
+          </a:lnRef>
+          <a:fillRef idx="1">
+            <a:schemeClr val="accent1"/>
+          </a:fillRef>
+          <a:effectRef idx="0">
+            <a:schemeClr val="accent1"/>
+          </a:effectRef>
+          <a:fontRef idx="minor">
+            <a:schemeClr val="lt1"/>
+          </a:fontRef>
+        </p:style>
+        <p:txBody>
+          <a:bodyPr rtlCol="0" anchor="ctr"/>
+          <a:lstStyle/>
+          <a:p>
+            <a:pPr algn="ctr"/>
+            <a:endParaRPr lang="de-DE"/>
+          </a:p>
+        </p:txBody>
+      </p:sp>
+      <mc:AlternateContent xmlns:mc="http://schemas.openxmlformats.org/markup-compatibility/2006">
+        <mc:Choice xmlns:a14="http://schemas.microsoft.com/office/drawing/2010/main" Requires="a14">
+          <p:sp>
+            <p:nvSpPr>
+              <p:cNvPr id="4" name="Textfeld 3"/>
+              <p:cNvSpPr txBox="1"/>
+              <p:nvPr/>
+            </p:nvSpPr>
+            <p:spPr>
+              <a:xfrm>
+                <a:off x="5015880" y="3650016"/>
+                <a:ext cx="621196" cy="370230"/>
+              </a:xfrm>
+              <a:prstGeom prst="rect">
+                <a:avLst/>
+              </a:prstGeom>
+              <a:noFill/>
+            </p:spPr>
+            <p:txBody>
+              <a:bodyPr wrap="none" rtlCol="0">
+                <a:spAutoFit/>
+              </a:bodyPr>
+              <a:lstStyle/>
+              <a:p>
+                <a:pPr/>
+                <a14:m>
+                  <m:oMathPara xmlns:m="http://schemas.openxmlformats.org/officeDocument/2006/math">
+                    <m:oMathParaPr>
+                      <m:jc m:val="centerGroup"/>
+                    </m:oMathParaPr>
+                    <m:oMath xmlns:m="http://schemas.openxmlformats.org/officeDocument/2006/math">
+                      <m:sSup>
+                        <m:sSupPr>
+                          <m:ctrlPr>
+                            <a:rPr lang="de-DE" i="1">
+                              <a:latin typeface="Cambria Math" panose="02040503050406030204" pitchFamily="18" charset="0"/>
+                            </a:rPr>
+                          </m:ctrlPr>
+                        </m:sSupPr>
+                        <m:e>
+                          <m:r>
+                            <a:rPr lang="de-DE" i="1">
+                              <a:latin typeface="Cambria Math"/>
+                            </a:rPr>
+                            <m:t>𝑋</m:t>
+                          </m:r>
+                        </m:e>
+                        <m:sup>
+                          <m:r>
+                            <a:rPr lang="de-DE" i="1">
+                              <a:latin typeface="Cambria Math"/>
+                            </a:rPr>
+                            <m:t>𝑆𝑉</m:t>
+                          </m:r>
+                        </m:sup>
+                      </m:sSup>
+                    </m:oMath>
+                  </m:oMathPara>
+                </a14:m>
+                <a:endParaRPr lang="de-DE" dirty="0"/>
+              </a:p>
+            </p:txBody>
+          </p:sp>
+        </mc:Choice>
+        <mc:Fallback>
+          <p:sp>
+            <p:nvSpPr>
+              <p:cNvPr id="4" name="Textfeld 3"/>
+              <p:cNvSpPr txBox="1">
+                <a:spLocks noRot="1" noChangeAspect="1" noMove="1" noResize="1" noEditPoints="1" noAdjustHandles="1" noChangeArrowheads="1" noChangeShapeType="1" noTextEdit="1"/>
+              </p:cNvSpPr>
+              <p:nvPr/>
+            </p:nvSpPr>
+            <p:spPr>
+              <a:xfrm>
+                <a:off x="5015880" y="3650016"/>
+                <a:ext cx="621196" cy="370230"/>
+              </a:xfrm>
+              <a:prstGeom prst="rect">
+                <a:avLst/>
+              </a:prstGeom>
+              <a:blipFill>
+                <a:blip r:embed="rId3"/>
+                <a:stretch>
+                  <a:fillRect/>
+                </a:stretch>
+              </a:blipFill>
+            </p:spPr>
+            <p:txBody>
+              <a:bodyPr/>
+              <a:lstStyle/>
+              <a:p>
+                <a:r>
+                  <a:rPr lang="en-GB">
+                    <a:noFill/>
+                  </a:rPr>
+                  <a:t> </a:t>
+                </a:r>
+              </a:p>
+            </p:txBody>
+          </p:sp>
+        </mc:Fallback>
+      </mc:AlternateContent>
+      <p:sp>
+        <p:nvSpPr>
+          <p:cNvPr id="7" name="Flussdiagramm: Prozess 6"/>
+          <p:cNvSpPr/>
+          <p:nvPr/>
+        </p:nvSpPr>
+        <p:spPr>
+          <a:xfrm>
+            <a:off x="263352" y="1772816"/>
+            <a:ext cx="1728192" cy="864096"/>
+          </a:xfrm>
+          <a:prstGeom prst="flowChartProcess">
+            <a:avLst/>
+          </a:prstGeom>
+          <a:solidFill>
+            <a:schemeClr val="bg1"/>
+          </a:solidFill>
+          <a:ln w="12700">
+            <a:solidFill>
+              <a:schemeClr val="tx1"/>
+            </a:solidFill>
+          </a:ln>
+        </p:spPr>
+        <p:style>
+          <a:lnRef idx="2">
+            <a:schemeClr val="accent1">
+              <a:shade val="50000"/>
+            </a:schemeClr>
+          </a:lnRef>
+          <a:fillRef idx="1">
+            <a:schemeClr val="accent1"/>
+          </a:fillRef>
+          <a:effectRef idx="0">
+            <a:schemeClr val="accent1"/>
+          </a:effectRef>
+          <a:fontRef idx="minor">
+            <a:schemeClr val="lt1"/>
+          </a:fontRef>
+        </p:style>
+        <p:txBody>
+          <a:bodyPr rtlCol="0" anchor="ctr"/>
+          <a:lstStyle/>
+          <a:p>
+            <a:pPr algn="ctr"/>
+            <a:r>
+              <a:rPr lang="en-US" dirty="0">
+                <a:solidFill>
+                  <a:schemeClr val="tx1"/>
+                </a:solidFill>
+                <a:latin typeface="Times New Roman" panose="02020603050405020304" pitchFamily="18" charset="0"/>
+                <a:cs typeface="Times New Roman" panose="02020603050405020304" pitchFamily="18" charset="0"/>
+              </a:rPr>
+              <a:t>segmentation with initial parameterization</a:t>
+            </a:r>
+          </a:p>
+        </p:txBody>
+      </p:sp>
+      <p:sp>
+        <p:nvSpPr>
+          <p:cNvPr id="8" name="Flussdiagramm: Karte 7"/>
+          <p:cNvSpPr/>
+          <p:nvPr/>
+        </p:nvSpPr>
+        <p:spPr>
+          <a:xfrm>
+            <a:off x="12660560" y="5877272"/>
+            <a:ext cx="1368152" cy="936104"/>
+          </a:xfrm>
+          <a:prstGeom prst="flowChartPunchedCard">
+            <a:avLst/>
+          </a:prstGeom>
+          <a:solidFill>
+            <a:schemeClr val="bg1">
+              <a:lumMod val="95000"/>
+            </a:schemeClr>
+          </a:solidFill>
+          <a:ln>
+            <a:solidFill>
+              <a:schemeClr val="bg1">
+                <a:lumMod val="50000"/>
+              </a:schemeClr>
+            </a:solidFill>
+          </a:ln>
+        </p:spPr>
+        <p:style>
+          <a:lnRef idx="2">
+            <a:schemeClr val="accent1">
+              <a:shade val="50000"/>
+            </a:schemeClr>
+          </a:lnRef>
+          <a:fillRef idx="1">
+            <a:schemeClr val="accent1"/>
+          </a:fillRef>
+          <a:effectRef idx="0">
+            <a:schemeClr val="accent1"/>
+          </a:effectRef>
+          <a:fontRef idx="minor">
+            <a:schemeClr val="lt1"/>
+          </a:fontRef>
+        </p:style>
+        <p:txBody>
+          <a:bodyPr rot="0" spcFirstLastPara="0" vertOverflow="overflow" horzOverflow="overflow" vert="horz" wrap="square" lIns="91440" tIns="45720" rIns="91440" bIns="45720" numCol="1" spcCol="0" rtlCol="0" fromWordArt="0" anchor="ctr" anchorCtr="0" forceAA="0" compatLnSpc="1">
+            <a:prstTxWarp prst="textNoShape">
+              <a:avLst/>
+            </a:prstTxWarp>
+            <a:noAutofit/>
+          </a:bodyPr>
+          <a:lstStyle/>
+          <a:p>
+            <a:pPr algn="ctr"/>
+            <a:r>
+              <a:rPr lang="en-US">
+                <a:solidFill>
+                  <a:schemeClr val="tx1"/>
+                </a:solidFill>
+                <a:latin typeface="Times New Roman" panose="02020603050405020304" pitchFamily="18" charset="0"/>
+                <a:cs typeface="Times New Roman" panose="02020603050405020304" pitchFamily="18" charset="0"/>
+              </a:rPr>
+              <a:t>thematic</a:t>
+            </a:r>
+            <a:r>
+              <a:rPr lang="de-DE">
+                <a:solidFill>
+                  <a:schemeClr val="tx1"/>
+                </a:solidFill>
+                <a:latin typeface="Times New Roman" panose="02020603050405020304" pitchFamily="18" charset="0"/>
+                <a:cs typeface="Times New Roman" panose="02020603050405020304" pitchFamily="18" charset="0"/>
+              </a:rPr>
+              <a:t> </a:t>
+            </a:r>
+            <a:r>
+              <a:rPr lang="en-US" dirty="0">
+                <a:solidFill>
+                  <a:schemeClr val="tx1"/>
+                </a:solidFill>
+                <a:latin typeface="Times New Roman" panose="02020603050405020304" pitchFamily="18" charset="0"/>
+                <a:cs typeface="Times New Roman" panose="02020603050405020304" pitchFamily="18" charset="0"/>
+              </a:rPr>
+              <a:t>map</a:t>
+            </a:r>
+          </a:p>
+        </p:txBody>
+      </p:sp>
+      <p:sp>
+        <p:nvSpPr>
+          <p:cNvPr id="9" name="Flussdiagramm: Prozess 8"/>
+          <p:cNvSpPr/>
+          <p:nvPr/>
+        </p:nvSpPr>
+        <p:spPr>
+          <a:xfrm>
+            <a:off x="263352" y="4334522"/>
+            <a:ext cx="1728192" cy="864096"/>
+          </a:xfrm>
+          <a:prstGeom prst="flowChartProcess">
+            <a:avLst/>
+          </a:prstGeom>
+          <a:solidFill>
+            <a:schemeClr val="bg1"/>
+          </a:solidFill>
+          <a:ln w="12700">
+            <a:solidFill>
+              <a:schemeClr val="tx1"/>
+            </a:solidFill>
+          </a:ln>
+        </p:spPr>
+        <p:style>
+          <a:lnRef idx="2">
+            <a:schemeClr val="accent1">
+              <a:shade val="50000"/>
+            </a:schemeClr>
+          </a:lnRef>
+          <a:fillRef idx="1">
+            <a:schemeClr val="accent1"/>
+          </a:fillRef>
+          <a:effectRef idx="0">
+            <a:schemeClr val="accent1"/>
+          </a:effectRef>
+          <a:fontRef idx="minor">
+            <a:schemeClr val="lt1"/>
+          </a:fontRef>
+        </p:style>
+        <p:txBody>
+          <a:bodyPr rtlCol="0" anchor="ctr"/>
+          <a:lstStyle/>
+          <a:p>
+            <a:pPr algn="ctr"/>
+            <a:r>
+              <a:rPr lang="en-US" dirty="0">
+                <a:solidFill>
+                  <a:schemeClr val="tx1"/>
+                </a:solidFill>
+                <a:latin typeface="Times New Roman" panose="02020603050405020304" pitchFamily="18" charset="0"/>
+                <a:cs typeface="Times New Roman" panose="02020603050405020304" pitchFamily="18" charset="0"/>
+              </a:rPr>
+              <a:t>segmentation with altered parameterization</a:t>
+            </a:r>
+          </a:p>
+        </p:txBody>
+      </p:sp>
+      <p:sp>
+        <p:nvSpPr>
+          <p:cNvPr id="10" name="Flussdiagramm: Prozess 9"/>
+          <p:cNvSpPr/>
+          <p:nvPr/>
+        </p:nvSpPr>
+        <p:spPr>
+          <a:xfrm>
+            <a:off x="2207568" y="1772816"/>
+            <a:ext cx="1224136" cy="864096"/>
+          </a:xfrm>
+          <a:prstGeom prst="flowChartProcess">
+            <a:avLst/>
+          </a:prstGeom>
+          <a:solidFill>
+            <a:schemeClr val="bg1"/>
+          </a:solidFill>
+          <a:ln w="12700">
+            <a:solidFill>
+              <a:schemeClr val="tx1"/>
+            </a:solidFill>
+          </a:ln>
+        </p:spPr>
+        <p:style>
+          <a:lnRef idx="2">
+            <a:schemeClr val="accent1">
+              <a:shade val="50000"/>
+            </a:schemeClr>
+          </a:lnRef>
+          <a:fillRef idx="1">
+            <a:schemeClr val="accent1"/>
+          </a:fillRef>
+          <a:effectRef idx="0">
+            <a:schemeClr val="accent1"/>
+          </a:effectRef>
+          <a:fontRef idx="minor">
+            <a:schemeClr val="lt1"/>
+          </a:fontRef>
+        </p:style>
+        <p:txBody>
+          <a:bodyPr rtlCol="0" anchor="ctr"/>
+          <a:lstStyle/>
+          <a:p>
+            <a:pPr algn="ctr"/>
+            <a:r>
+              <a:rPr lang="en-US" dirty="0">
+                <a:solidFill>
+                  <a:schemeClr val="tx1"/>
+                </a:solidFill>
+                <a:latin typeface="Times New Roman" panose="02020603050405020304" pitchFamily="18" charset="0"/>
+                <a:cs typeface="Times New Roman" panose="02020603050405020304" pitchFamily="18" charset="0"/>
+              </a:rPr>
+              <a:t>compute</a:t>
+            </a:r>
+          </a:p>
+          <a:p>
+            <a:pPr algn="ctr"/>
+            <a:r>
+              <a:rPr lang="en-US" dirty="0">
+                <a:solidFill>
+                  <a:schemeClr val="tx1"/>
+                </a:solidFill>
+                <a:latin typeface="Times New Roman" panose="02020603050405020304" pitchFamily="18" charset="0"/>
+                <a:cs typeface="Times New Roman" panose="02020603050405020304" pitchFamily="18" charset="0"/>
+              </a:rPr>
+              <a:t>object features</a:t>
+            </a:r>
+          </a:p>
+        </p:txBody>
+      </p:sp>
+      <p:sp>
+        <p:nvSpPr>
+          <p:cNvPr id="11" name="Flussdiagramm: Prozess 10"/>
+          <p:cNvSpPr/>
+          <p:nvPr/>
+        </p:nvSpPr>
+        <p:spPr>
+          <a:xfrm>
+            <a:off x="5159896" y="4334522"/>
+            <a:ext cx="1224136" cy="864096"/>
+          </a:xfrm>
+          <a:prstGeom prst="flowChartProcess">
+            <a:avLst/>
+          </a:prstGeom>
+          <a:solidFill>
+            <a:schemeClr val="bg1"/>
+          </a:solidFill>
+          <a:ln w="12700">
+            <a:solidFill>
+              <a:schemeClr val="tx1"/>
+            </a:solidFill>
+          </a:ln>
+        </p:spPr>
+        <p:style>
+          <a:lnRef idx="2">
+            <a:schemeClr val="accent1">
+              <a:shade val="50000"/>
+            </a:schemeClr>
+          </a:lnRef>
+          <a:fillRef idx="1">
+            <a:schemeClr val="accent1"/>
+          </a:fillRef>
+          <a:effectRef idx="0">
+            <a:schemeClr val="accent1"/>
+          </a:effectRef>
+          <a:fontRef idx="minor">
+            <a:schemeClr val="lt1"/>
+          </a:fontRef>
+        </p:style>
+        <p:txBody>
+          <a:bodyPr rtlCol="0" anchor="ctr"/>
+          <a:lstStyle/>
+          <a:p>
+            <a:pPr algn="ctr"/>
+            <a:r>
+              <a:rPr lang="en-US" dirty="0">
+                <a:solidFill>
+                  <a:schemeClr val="tx1"/>
+                </a:solidFill>
+                <a:latin typeface="Times New Roman" panose="02020603050405020304" pitchFamily="18" charset="0"/>
+                <a:cs typeface="Times New Roman" panose="02020603050405020304" pitchFamily="18" charset="0"/>
+              </a:rPr>
+              <a:t>compute</a:t>
+            </a:r>
+          </a:p>
+          <a:p>
+            <a:pPr algn="ctr"/>
+            <a:r>
+              <a:rPr lang="en-US" dirty="0">
+                <a:solidFill>
+                  <a:schemeClr val="tx1"/>
+                </a:solidFill>
+                <a:latin typeface="Times New Roman" panose="02020603050405020304" pitchFamily="18" charset="0"/>
+                <a:cs typeface="Times New Roman" panose="02020603050405020304" pitchFamily="18" charset="0"/>
+              </a:rPr>
+              <a:t>object</a:t>
+            </a:r>
+          </a:p>
+          <a:p>
+            <a:pPr algn="ctr"/>
+            <a:r>
+              <a:rPr lang="en-US" dirty="0">
+                <a:solidFill>
+                  <a:schemeClr val="tx1"/>
+                </a:solidFill>
+                <a:latin typeface="Times New Roman" panose="02020603050405020304" pitchFamily="18" charset="0"/>
+                <a:cs typeface="Times New Roman" panose="02020603050405020304" pitchFamily="18" charset="0"/>
+              </a:rPr>
+              <a:t>features</a:t>
+            </a:r>
+          </a:p>
+        </p:txBody>
+      </p:sp>
+      <p:sp>
+        <p:nvSpPr>
+          <p:cNvPr id="13" name="Flussdiagramm: Prozess 12"/>
+          <p:cNvSpPr/>
+          <p:nvPr/>
+        </p:nvSpPr>
+        <p:spPr>
+          <a:xfrm>
+            <a:off x="3647728" y="3212976"/>
+            <a:ext cx="1368152" cy="864096"/>
+          </a:xfrm>
+          <a:prstGeom prst="flowChartProcess">
+            <a:avLst/>
+          </a:prstGeom>
+          <a:solidFill>
+            <a:schemeClr val="bg1"/>
+          </a:solidFill>
+          <a:ln w="12700">
+            <a:solidFill>
+              <a:schemeClr val="tx1"/>
+            </a:solidFill>
+          </a:ln>
+        </p:spPr>
+        <p:style>
+          <a:lnRef idx="2">
+            <a:schemeClr val="accent1">
+              <a:shade val="50000"/>
+            </a:schemeClr>
+          </a:lnRef>
+          <a:fillRef idx="1">
+            <a:schemeClr val="accent1"/>
+          </a:fillRef>
+          <a:effectRef idx="0">
+            <a:schemeClr val="accent1"/>
+          </a:effectRef>
+          <a:fontRef idx="minor">
+            <a:schemeClr val="lt1"/>
+          </a:fontRef>
+        </p:style>
+        <p:txBody>
+          <a:bodyPr rtlCol="0" anchor="ctr"/>
+          <a:lstStyle/>
+          <a:p>
+            <a:pPr algn="ctr"/>
+            <a:r>
+              <a:rPr lang="en-US" dirty="0">
+                <a:solidFill>
+                  <a:schemeClr val="tx1"/>
+                </a:solidFill>
+                <a:latin typeface="Times New Roman" panose="02020603050405020304" pitchFamily="18" charset="0"/>
+                <a:cs typeface="Times New Roman" panose="02020603050405020304" pitchFamily="18" charset="0"/>
+              </a:rPr>
+              <a:t>extract</a:t>
+            </a:r>
+          </a:p>
+          <a:p>
+            <a:pPr algn="ctr"/>
+            <a:r>
+              <a:rPr lang="en-US" dirty="0">
+                <a:solidFill>
+                  <a:schemeClr val="tx1"/>
+                </a:solidFill>
+                <a:latin typeface="Times New Roman" panose="02020603050405020304" pitchFamily="18" charset="0"/>
+                <a:cs typeface="Times New Roman" panose="02020603050405020304" pitchFamily="18" charset="0"/>
+              </a:rPr>
+              <a:t>SVs</a:t>
+            </a:r>
+          </a:p>
+        </p:txBody>
+      </p:sp>
+      <p:sp>
+        <p:nvSpPr>
+          <p:cNvPr id="14" name="Flussdiagramm: Prozess 13"/>
+          <p:cNvSpPr/>
+          <p:nvPr/>
+        </p:nvSpPr>
+        <p:spPr>
+          <a:xfrm>
+            <a:off x="3647728" y="4334522"/>
+            <a:ext cx="1368152" cy="864096"/>
+          </a:xfrm>
+          <a:prstGeom prst="flowChartProcess">
+            <a:avLst/>
+          </a:prstGeom>
+          <a:solidFill>
+            <a:schemeClr val="bg1"/>
+          </a:solidFill>
+          <a:ln w="12700">
+            <a:solidFill>
+              <a:schemeClr val="tx1"/>
+            </a:solidFill>
+          </a:ln>
+        </p:spPr>
+        <p:style>
+          <a:lnRef idx="2">
+            <a:schemeClr val="accent1">
+              <a:shade val="50000"/>
+            </a:schemeClr>
+          </a:lnRef>
+          <a:fillRef idx="1">
+            <a:schemeClr val="accent1"/>
+          </a:fillRef>
+          <a:effectRef idx="0">
+            <a:schemeClr val="accent1"/>
+          </a:effectRef>
+          <a:fontRef idx="minor">
+            <a:schemeClr val="lt1"/>
+          </a:fontRef>
+        </p:style>
+        <p:txBody>
+          <a:bodyPr rtlCol="0" anchor="ctr"/>
+          <a:lstStyle/>
+          <a:p>
+            <a:pPr algn="ctr"/>
+            <a:r>
+              <a:rPr lang="en-US" dirty="0">
+                <a:solidFill>
+                  <a:schemeClr val="tx1"/>
+                </a:solidFill>
+                <a:latin typeface="Times New Roman" panose="02020603050405020304" pitchFamily="18" charset="0"/>
+                <a:cs typeface="Times New Roman" panose="02020603050405020304" pitchFamily="18" charset="0"/>
+              </a:rPr>
+              <a:t>identify virtual samples</a:t>
+            </a:r>
+          </a:p>
+        </p:txBody>
+      </p:sp>
+      <p:sp>
+        <p:nvSpPr>
+          <p:cNvPr id="15" name="Flussdiagramm: Prozess 14"/>
+          <p:cNvSpPr/>
+          <p:nvPr/>
+        </p:nvSpPr>
+        <p:spPr>
+          <a:xfrm>
+            <a:off x="7104112" y="4334522"/>
+            <a:ext cx="1224136" cy="864096"/>
+          </a:xfrm>
+          <a:prstGeom prst="flowChartProcess">
+            <a:avLst/>
+          </a:prstGeom>
+          <a:solidFill>
+            <a:schemeClr val="bg1"/>
+          </a:solidFill>
+          <a:ln w="12700">
+            <a:solidFill>
+              <a:schemeClr val="tx1"/>
+            </a:solidFill>
+          </a:ln>
+        </p:spPr>
+        <p:style>
+          <a:lnRef idx="2">
+            <a:schemeClr val="accent1">
+              <a:shade val="50000"/>
+            </a:schemeClr>
+          </a:lnRef>
+          <a:fillRef idx="1">
+            <a:schemeClr val="accent1"/>
+          </a:fillRef>
+          <a:effectRef idx="0">
+            <a:schemeClr val="accent1"/>
+          </a:effectRef>
+          <a:fontRef idx="minor">
+            <a:schemeClr val="lt1"/>
+          </a:fontRef>
+        </p:style>
+        <p:txBody>
+          <a:bodyPr rtlCol="0" anchor="ctr"/>
+          <a:lstStyle/>
+          <a:p>
+            <a:pPr algn="ctr"/>
+            <a:r>
+              <a:rPr lang="en-US" dirty="0">
+                <a:solidFill>
+                  <a:schemeClr val="tx1"/>
+                </a:solidFill>
+                <a:latin typeface="Times New Roman" panose="02020603050405020304" pitchFamily="18" charset="0"/>
+                <a:cs typeface="Times New Roman" panose="02020603050405020304" pitchFamily="18" charset="0"/>
+              </a:rPr>
+              <a:t>similarity constraint</a:t>
+            </a:r>
+          </a:p>
+        </p:txBody>
+      </p:sp>
+      <p:sp>
+        <p:nvSpPr>
+          <p:cNvPr id="16" name="Flussdiagramm: Prozess 15"/>
+          <p:cNvSpPr/>
+          <p:nvPr/>
+        </p:nvSpPr>
+        <p:spPr>
+          <a:xfrm>
+            <a:off x="8472264" y="4334522"/>
+            <a:ext cx="1224136" cy="864096"/>
+          </a:xfrm>
+          <a:prstGeom prst="flowChartProcess">
+            <a:avLst/>
+          </a:prstGeom>
+          <a:solidFill>
+            <a:schemeClr val="bg1"/>
+          </a:solidFill>
+          <a:ln w="12700">
+            <a:solidFill>
+              <a:schemeClr val="tx1"/>
+            </a:solidFill>
+          </a:ln>
+        </p:spPr>
+        <p:style>
+          <a:lnRef idx="2">
+            <a:schemeClr val="accent1">
+              <a:shade val="50000"/>
+            </a:schemeClr>
+          </a:lnRef>
+          <a:fillRef idx="1">
+            <a:schemeClr val="accent1"/>
+          </a:fillRef>
+          <a:effectRef idx="0">
+            <a:schemeClr val="accent1"/>
+          </a:effectRef>
+          <a:fontRef idx="minor">
+            <a:schemeClr val="lt1"/>
+          </a:fontRef>
+        </p:style>
+        <p:txBody>
+          <a:bodyPr rtlCol="0" anchor="ctr"/>
+          <a:lstStyle/>
+          <a:p>
+            <a:pPr algn="ctr"/>
+            <a:r>
+              <a:rPr lang="en-US" dirty="0">
+                <a:solidFill>
+                  <a:schemeClr val="tx1"/>
+                </a:solidFill>
+                <a:latin typeface="Times New Roman" panose="02020603050405020304" pitchFamily="18" charset="0"/>
+                <a:cs typeface="Times New Roman" panose="02020603050405020304" pitchFamily="18" charset="0"/>
+              </a:rPr>
+              <a:t>margin sampling constraint</a:t>
+            </a:r>
+          </a:p>
+        </p:txBody>
+      </p:sp>
+      <p:sp>
+        <p:nvSpPr>
+          <p:cNvPr id="17" name="Flussdiagramm: Prozess 16"/>
+          <p:cNvSpPr/>
+          <p:nvPr/>
+        </p:nvSpPr>
+        <p:spPr>
+          <a:xfrm>
+            <a:off x="12732568" y="4293096"/>
+            <a:ext cx="1224136" cy="864096"/>
+          </a:xfrm>
+          <a:prstGeom prst="flowChartProcess">
+            <a:avLst/>
+          </a:prstGeom>
+          <a:solidFill>
+            <a:schemeClr val="bg1"/>
+          </a:solidFill>
+          <a:ln w="12700">
+            <a:solidFill>
+              <a:schemeClr val="tx1"/>
+            </a:solidFill>
+          </a:ln>
+        </p:spPr>
+        <p:style>
+          <a:lnRef idx="2">
+            <a:schemeClr val="accent1">
+              <a:shade val="50000"/>
+            </a:schemeClr>
+          </a:lnRef>
+          <a:fillRef idx="1">
+            <a:schemeClr val="accent1"/>
+          </a:fillRef>
+          <a:effectRef idx="0">
+            <a:schemeClr val="accent1"/>
+          </a:effectRef>
+          <a:fontRef idx="minor">
+            <a:schemeClr val="lt1"/>
+          </a:fontRef>
+        </p:style>
+        <p:txBody>
+          <a:bodyPr rtlCol="0" anchor="ctr"/>
+          <a:lstStyle/>
+          <a:p>
+            <a:pPr algn="ctr"/>
+            <a:r>
+              <a:rPr lang="en-US" dirty="0">
+                <a:solidFill>
+                  <a:schemeClr val="tx1"/>
+                </a:solidFill>
+                <a:latin typeface="Times New Roman" panose="02020603050405020304" pitchFamily="18" charset="0"/>
+                <a:cs typeface="Times New Roman" panose="02020603050405020304" pitchFamily="18" charset="0"/>
+              </a:rPr>
+              <a:t>relearn model</a:t>
+            </a:r>
+          </a:p>
+        </p:txBody>
+      </p:sp>
+      <mc:AlternateContent xmlns:mc="http://schemas.openxmlformats.org/markup-compatibility/2006">
+        <mc:Choice xmlns:a14="http://schemas.microsoft.com/office/drawing/2010/main" Requires="a14">
+          <p:sp>
+            <p:nvSpPr>
+              <p:cNvPr id="18" name="Textfeld 17"/>
+              <p:cNvSpPr txBox="1"/>
+              <p:nvPr/>
+            </p:nvSpPr>
+            <p:spPr>
+              <a:xfrm>
+                <a:off x="6332991" y="4941168"/>
+                <a:ext cx="618053" cy="370230"/>
+              </a:xfrm>
+              <a:prstGeom prst="rect">
+                <a:avLst/>
+              </a:prstGeom>
+              <a:noFill/>
+            </p:spPr>
+            <p:txBody>
+              <a:bodyPr wrap="none" rtlCol="0">
+                <a:spAutoFit/>
+              </a:bodyPr>
+              <a:lstStyle/>
+              <a:p>
+                <a:pPr/>
+                <a14:m>
+                  <m:oMathPara xmlns:m="http://schemas.openxmlformats.org/officeDocument/2006/math">
+                    <m:oMathParaPr>
+                      <m:jc m:val="centerGroup"/>
+                    </m:oMathParaPr>
+                    <m:oMath xmlns:m="http://schemas.openxmlformats.org/officeDocument/2006/math">
+                      <m:sSup>
+                        <m:sSupPr>
+                          <m:ctrlPr>
+                            <a:rPr lang="de-DE" i="1" dirty="0">
+                              <a:latin typeface="Cambria Math" panose="02040503050406030204" pitchFamily="18" charset="0"/>
+                            </a:rPr>
+                          </m:ctrlPr>
+                        </m:sSupPr>
+                        <m:e>
+                          <m:r>
+                            <a:rPr lang="de-DE" i="1" dirty="0">
+                              <a:latin typeface="Cambria Math"/>
+                            </a:rPr>
+                            <m:t>𝑉</m:t>
+                          </m:r>
+                        </m:e>
+                        <m:sup>
+                          <m:r>
+                            <a:rPr lang="de-DE" i="1" dirty="0">
+                              <a:latin typeface="Cambria Math"/>
+                            </a:rPr>
+                            <m:t>𝑆𝑉</m:t>
+                          </m:r>
+                        </m:sup>
+                      </m:sSup>
+                    </m:oMath>
+                  </m:oMathPara>
+                </a14:m>
+                <a:endParaRPr lang="de-DE" dirty="0"/>
+              </a:p>
+            </p:txBody>
+          </p:sp>
+        </mc:Choice>
+        <mc:Fallback>
+          <p:sp>
+            <p:nvSpPr>
+              <p:cNvPr id="18" name="Textfeld 17"/>
+              <p:cNvSpPr txBox="1">
+                <a:spLocks noRot="1" noChangeAspect="1" noMove="1" noResize="1" noEditPoints="1" noAdjustHandles="1" noChangeArrowheads="1" noChangeShapeType="1" noTextEdit="1"/>
+              </p:cNvSpPr>
+              <p:nvPr/>
+            </p:nvSpPr>
+            <p:spPr>
+              <a:xfrm>
+                <a:off x="6332991" y="4941168"/>
+                <a:ext cx="618053" cy="370230"/>
+              </a:xfrm>
+              <a:prstGeom prst="rect">
+                <a:avLst/>
+              </a:prstGeom>
+              <a:blipFill>
+                <a:blip r:embed="rId4"/>
+                <a:stretch>
+                  <a:fillRect/>
+                </a:stretch>
+              </a:blipFill>
+            </p:spPr>
+            <p:txBody>
+              <a:bodyPr/>
+              <a:lstStyle/>
+              <a:p>
+                <a:r>
+                  <a:rPr lang="en-GB">
+                    <a:noFill/>
+                  </a:rPr>
+                  <a:t> </a:t>
+                </a:r>
+              </a:p>
+            </p:txBody>
+          </p:sp>
+        </mc:Fallback>
+      </mc:AlternateContent>
+      <mc:AlternateContent xmlns:mc="http://schemas.openxmlformats.org/markup-compatibility/2006">
+        <mc:Choice xmlns:a14="http://schemas.microsoft.com/office/drawing/2010/main" Requires="a14">
+          <p:sp>
+            <p:nvSpPr>
+              <p:cNvPr id="19" name="Textfeld 18"/>
+              <p:cNvSpPr txBox="1"/>
+              <p:nvPr/>
+            </p:nvSpPr>
+            <p:spPr>
+              <a:xfrm>
+                <a:off x="9645902" y="4960886"/>
+                <a:ext cx="618054" cy="376770"/>
+              </a:xfrm>
+              <a:prstGeom prst="rect">
+                <a:avLst/>
+              </a:prstGeom>
+              <a:noFill/>
+            </p:spPr>
+            <p:txBody>
+              <a:bodyPr wrap="none" rtlCol="0">
+                <a:spAutoFit/>
+              </a:bodyPr>
+              <a:lstStyle/>
+              <a:p>
+                <a:pPr/>
+                <a14:m>
+                  <m:oMathPara xmlns:m="http://schemas.openxmlformats.org/officeDocument/2006/math">
+                    <m:oMathParaPr>
+                      <m:jc m:val="centerGroup"/>
+                    </m:oMathParaPr>
+                    <m:oMath xmlns:m="http://schemas.openxmlformats.org/officeDocument/2006/math">
+                      <m:sSup>
+                        <m:sSupPr>
+                          <m:ctrlPr>
+                            <a:rPr lang="de-DE" i="1">
+                              <a:latin typeface="Cambria Math" panose="02040503050406030204" pitchFamily="18" charset="0"/>
+                            </a:rPr>
+                          </m:ctrlPr>
+                        </m:sSupPr>
+                        <m:e>
+                          <m:acc>
+                            <m:accPr>
+                              <m:chr m:val="̂"/>
+                              <m:ctrlPr>
+                                <a:rPr lang="de-DE" i="1">
+                                  <a:latin typeface="Cambria Math" panose="02040503050406030204" pitchFamily="18" charset="0"/>
+                                </a:rPr>
+                              </m:ctrlPr>
+                            </m:accPr>
+                            <m:e>
+                              <m:r>
+                                <a:rPr lang="de-DE" i="1">
+                                  <a:latin typeface="Cambria Math"/>
+                                </a:rPr>
+                                <m:t>𝑉</m:t>
+                              </m:r>
+                            </m:e>
+                          </m:acc>
+                        </m:e>
+                        <m:sup>
+                          <m:r>
+                            <a:rPr lang="de-DE" i="1">
+                              <a:latin typeface="Cambria Math"/>
+                            </a:rPr>
+                            <m:t>𝑆𝑉</m:t>
+                          </m:r>
+                        </m:sup>
+                      </m:sSup>
+                    </m:oMath>
+                  </m:oMathPara>
+                </a14:m>
+                <a:endParaRPr lang="de-DE" dirty="0"/>
+              </a:p>
+            </p:txBody>
+          </p:sp>
+        </mc:Choice>
+        <mc:Fallback>
+          <p:sp>
+            <p:nvSpPr>
+              <p:cNvPr id="19" name="Textfeld 18"/>
+              <p:cNvSpPr txBox="1">
+                <a:spLocks noRot="1" noChangeAspect="1" noMove="1" noResize="1" noEditPoints="1" noAdjustHandles="1" noChangeArrowheads="1" noChangeShapeType="1" noTextEdit="1"/>
+              </p:cNvSpPr>
+              <p:nvPr/>
+            </p:nvSpPr>
+            <p:spPr>
+              <a:xfrm>
+                <a:off x="9645902" y="4960886"/>
+                <a:ext cx="618054" cy="376770"/>
+              </a:xfrm>
+              <a:prstGeom prst="rect">
+                <a:avLst/>
+              </a:prstGeom>
+              <a:blipFill>
+                <a:blip r:embed="rId5"/>
+                <a:stretch>
+                  <a:fillRect t="-1613"/>
+                </a:stretch>
+              </a:blipFill>
+            </p:spPr>
+            <p:txBody>
+              <a:bodyPr/>
+              <a:lstStyle/>
+              <a:p>
+                <a:r>
+                  <a:rPr lang="en-GB">
+                    <a:noFill/>
+                  </a:rPr>
+                  <a:t> </a:t>
+                </a:r>
+              </a:p>
+            </p:txBody>
+          </p:sp>
+        </mc:Fallback>
+      </mc:AlternateContent>
+      <p:sp>
+        <p:nvSpPr>
+          <p:cNvPr id="24" name="Textfeld 23"/>
+          <p:cNvSpPr txBox="1"/>
+          <p:nvPr/>
+        </p:nvSpPr>
+        <p:spPr>
+          <a:xfrm>
+            <a:off x="-2247552" y="1662957"/>
+            <a:ext cx="864339" cy="369332"/>
+          </a:xfrm>
+          <a:prstGeom prst="rect">
+            <a:avLst/>
+          </a:prstGeom>
+          <a:noFill/>
+        </p:spPr>
+        <p:txBody>
+          <a:bodyPr wrap="none" rtlCol="0">
+            <a:spAutoFit/>
+          </a:bodyPr>
+          <a:lstStyle/>
+          <a:p>
+            <a:r>
+              <a:rPr lang="en-US" b="1" dirty="0">
+                <a:solidFill>
+                  <a:schemeClr val="tx1">
+                    <a:lumMod val="75000"/>
+                    <a:lumOff val="25000"/>
+                  </a:schemeClr>
+                </a:solidFill>
+                <a:latin typeface="Times New Roman" panose="02020603050405020304" pitchFamily="18" charset="0"/>
+                <a:cs typeface="Times New Roman" panose="02020603050405020304" pitchFamily="18" charset="0"/>
+              </a:rPr>
+              <a:t>VSVM</a:t>
+            </a:r>
+          </a:p>
+        </p:txBody>
+      </p:sp>
+      <p:cxnSp>
+        <p:nvCxnSpPr>
+          <p:cNvPr id="26" name="Gewinkelte Verbindung 25"/>
+          <p:cNvCxnSpPr>
+            <a:cxnSpLocks/>
+            <a:stCxn id="2" idx="3"/>
+            <a:endCxn id="7" idx="1"/>
+          </p:cNvCxnSpPr>
+          <p:nvPr/>
+        </p:nvCxnSpPr>
+        <p:spPr>
+          <a:xfrm rot="16200000" flipH="1">
+            <a:off x="-1809884" y="1655626"/>
+            <a:ext cx="918455" cy="180020"/>
+          </a:xfrm>
+          <a:prstGeom prst="bentConnector2">
+            <a:avLst/>
+          </a:prstGeom>
+          <a:ln w="12700">
+            <a:solidFill>
+              <a:schemeClr val="tx1"/>
+            </a:solidFill>
+            <a:tailEnd type="triangle"/>
+          </a:ln>
+        </p:spPr>
+        <p:style>
+          <a:lnRef idx="1">
+            <a:schemeClr val="accent1"/>
+          </a:lnRef>
+          <a:fillRef idx="0">
+            <a:schemeClr val="accent1"/>
+          </a:fillRef>
+          <a:effectRef idx="0">
+            <a:schemeClr val="accent1"/>
+          </a:effectRef>
+          <a:fontRef idx="minor">
+            <a:schemeClr val="tx1"/>
+          </a:fontRef>
+        </p:style>
+      </p:cxnSp>
+      <p:cxnSp>
+        <p:nvCxnSpPr>
+          <p:cNvPr id="28" name="Gewinkelte Verbindung 27"/>
+          <p:cNvCxnSpPr>
+            <a:cxnSpLocks/>
+            <a:endCxn id="9" idx="1"/>
+          </p:cNvCxnSpPr>
+          <p:nvPr/>
+        </p:nvCxnSpPr>
+        <p:spPr>
+          <a:xfrm rot="16200000" flipH="1">
+            <a:off x="-2970658" y="3056560"/>
+            <a:ext cx="3240000" cy="180020"/>
+          </a:xfrm>
+          <a:prstGeom prst="bentConnector2">
+            <a:avLst/>
+          </a:prstGeom>
+          <a:ln w="12700">
+            <a:solidFill>
+              <a:schemeClr val="tx1"/>
+            </a:solidFill>
+            <a:tailEnd type="triangle"/>
+          </a:ln>
+        </p:spPr>
+        <p:style>
+          <a:lnRef idx="1">
+            <a:schemeClr val="accent1"/>
+          </a:lnRef>
+          <a:fillRef idx="0">
+            <a:schemeClr val="accent1"/>
+          </a:fillRef>
+          <a:effectRef idx="0">
+            <a:schemeClr val="accent1"/>
+          </a:effectRef>
+          <a:fontRef idx="minor">
+            <a:schemeClr val="tx1"/>
+          </a:fontRef>
+        </p:style>
+      </p:cxnSp>
+      <p:cxnSp>
+        <p:nvCxnSpPr>
+          <p:cNvPr id="31" name="Gerade Verbindung mit Pfeil 30"/>
+          <p:cNvCxnSpPr>
+            <a:stCxn id="7" idx="3"/>
+          </p:cNvCxnSpPr>
+          <p:nvPr/>
+        </p:nvCxnSpPr>
+        <p:spPr>
+          <a:xfrm>
+            <a:off x="1991544" y="2204864"/>
+            <a:ext cx="216024" cy="0"/>
+          </a:xfrm>
+          <a:prstGeom prst="straightConnector1">
+            <a:avLst/>
+          </a:prstGeom>
+          <a:ln w="12700">
+            <a:solidFill>
+              <a:schemeClr val="tx1"/>
+            </a:solidFill>
+            <a:tailEnd type="triangle"/>
+          </a:ln>
+        </p:spPr>
+        <p:style>
+          <a:lnRef idx="1">
+            <a:schemeClr val="accent1"/>
+          </a:lnRef>
+          <a:fillRef idx="0">
+            <a:schemeClr val="accent1"/>
+          </a:fillRef>
+          <a:effectRef idx="0">
+            <a:schemeClr val="accent1"/>
+          </a:effectRef>
+          <a:fontRef idx="minor">
+            <a:schemeClr val="tx1"/>
+          </a:fontRef>
+        </p:style>
+      </p:cxnSp>
+      <p:cxnSp>
+        <p:nvCxnSpPr>
+          <p:cNvPr id="33" name="Gerade Verbindung mit Pfeil 32"/>
+          <p:cNvCxnSpPr>
+            <a:stCxn id="10" idx="3"/>
+            <a:endCxn id="12" idx="1"/>
+          </p:cNvCxnSpPr>
+          <p:nvPr/>
+        </p:nvCxnSpPr>
+        <p:spPr>
+          <a:xfrm>
+            <a:off x="3431705" y="2204864"/>
+            <a:ext cx="215785" cy="0"/>
+          </a:xfrm>
+          <a:prstGeom prst="straightConnector1">
+            <a:avLst/>
+          </a:prstGeom>
+          <a:ln w="12700">
+            <a:solidFill>
+              <a:schemeClr val="tx1"/>
+            </a:solidFill>
+            <a:tailEnd type="triangle"/>
+          </a:ln>
+        </p:spPr>
+        <p:style>
+          <a:lnRef idx="1">
+            <a:schemeClr val="accent1"/>
+          </a:lnRef>
+          <a:fillRef idx="0">
+            <a:schemeClr val="accent1"/>
+          </a:fillRef>
+          <a:effectRef idx="0">
+            <a:schemeClr val="accent1"/>
+          </a:effectRef>
+          <a:fontRef idx="minor">
+            <a:schemeClr val="tx1"/>
+          </a:fontRef>
+        </p:style>
+      </p:cxnSp>
+      <p:cxnSp>
+        <p:nvCxnSpPr>
+          <p:cNvPr id="41" name="Gewinkelte Verbindung 40"/>
+          <p:cNvCxnSpPr>
+            <a:cxnSpLocks/>
+            <a:stCxn id="13" idx="3"/>
+            <a:endCxn id="17" idx="0"/>
+          </p:cNvCxnSpPr>
+          <p:nvPr/>
+        </p:nvCxnSpPr>
+        <p:spPr>
+          <a:xfrm>
+            <a:off x="5015880" y="3645024"/>
+            <a:ext cx="6804756" cy="648072"/>
+          </a:xfrm>
+          <a:prstGeom prst="bentConnector2">
+            <a:avLst/>
+          </a:prstGeom>
+          <a:ln w="12700">
+            <a:solidFill>
+              <a:schemeClr val="tx1"/>
+            </a:solidFill>
+            <a:tailEnd type="triangle"/>
+          </a:ln>
+        </p:spPr>
+        <p:style>
+          <a:lnRef idx="1">
+            <a:schemeClr val="accent1"/>
+          </a:lnRef>
+          <a:fillRef idx="0">
+            <a:schemeClr val="accent1"/>
+          </a:fillRef>
+          <a:effectRef idx="0">
+            <a:schemeClr val="accent1"/>
+          </a:effectRef>
+          <a:fontRef idx="minor">
+            <a:schemeClr val="tx1"/>
+          </a:fontRef>
+        </p:style>
+      </p:cxnSp>
+      <p:cxnSp>
+        <p:nvCxnSpPr>
+          <p:cNvPr id="53" name="Gerade Verbindung mit Pfeil 52"/>
+          <p:cNvCxnSpPr>
+            <a:cxnSpLocks/>
+            <a:stCxn id="12" idx="0"/>
+            <a:endCxn id="101" idx="3"/>
+          </p:cNvCxnSpPr>
+          <p:nvPr/>
+        </p:nvCxnSpPr>
+        <p:spPr>
+          <a:xfrm flipV="1">
+            <a:off x="4331565" y="1245970"/>
+            <a:ext cx="732" cy="526846"/>
+          </a:xfrm>
+          <a:prstGeom prst="straightConnector1">
+            <a:avLst/>
+          </a:prstGeom>
+          <a:ln w="12700">
+            <a:solidFill>
+              <a:schemeClr val="tx1"/>
+            </a:solidFill>
+            <a:headEnd type="triangle"/>
+            <a:tailEnd type="none"/>
+          </a:ln>
+        </p:spPr>
+        <p:style>
+          <a:lnRef idx="1">
+            <a:schemeClr val="accent1"/>
+          </a:lnRef>
+          <a:fillRef idx="0">
+            <a:schemeClr val="accent1"/>
+          </a:fillRef>
+          <a:effectRef idx="0">
+            <a:schemeClr val="accent1"/>
+          </a:effectRef>
+          <a:fontRef idx="minor">
+            <a:schemeClr val="tx1"/>
+          </a:fontRef>
+        </p:style>
+      </p:cxnSp>
+      <p:cxnSp>
+        <p:nvCxnSpPr>
+          <p:cNvPr id="56" name="Gerade Verbindung mit Pfeil 55"/>
+          <p:cNvCxnSpPr>
+            <a:cxnSpLocks/>
+          </p:cNvCxnSpPr>
+          <p:nvPr/>
+        </p:nvCxnSpPr>
+        <p:spPr>
+          <a:xfrm>
+            <a:off x="4331566" y="2624213"/>
+            <a:ext cx="239" cy="596777"/>
+          </a:xfrm>
+          <a:prstGeom prst="straightConnector1">
+            <a:avLst/>
+          </a:prstGeom>
+          <a:ln w="12700">
+            <a:solidFill>
+              <a:schemeClr val="tx1"/>
+            </a:solidFill>
+            <a:tailEnd type="triangle"/>
+          </a:ln>
+        </p:spPr>
+        <p:style>
+          <a:lnRef idx="1">
+            <a:schemeClr val="accent1"/>
+          </a:lnRef>
+          <a:fillRef idx="0">
+            <a:schemeClr val="accent1"/>
+          </a:fillRef>
+          <a:effectRef idx="0">
+            <a:schemeClr val="accent1"/>
+          </a:effectRef>
+          <a:fontRef idx="minor">
+            <a:schemeClr val="tx1"/>
+          </a:fontRef>
+        </p:style>
+      </p:cxnSp>
+      <p:cxnSp>
+        <p:nvCxnSpPr>
+          <p:cNvPr id="58" name="Gerade Verbindung mit Pfeil 57"/>
+          <p:cNvCxnSpPr>
+            <a:stCxn id="13" idx="2"/>
+            <a:endCxn id="14" idx="0"/>
+          </p:cNvCxnSpPr>
+          <p:nvPr/>
+        </p:nvCxnSpPr>
+        <p:spPr>
+          <a:xfrm>
+            <a:off x="4331804" y="4077072"/>
+            <a:ext cx="0" cy="257450"/>
+          </a:xfrm>
+          <a:prstGeom prst="straightConnector1">
+            <a:avLst/>
+          </a:prstGeom>
+          <a:ln w="12700">
+            <a:solidFill>
+              <a:schemeClr val="tx1"/>
+            </a:solidFill>
+            <a:tailEnd type="triangle"/>
+          </a:ln>
+        </p:spPr>
+        <p:style>
+          <a:lnRef idx="1">
+            <a:schemeClr val="accent1"/>
+          </a:lnRef>
+          <a:fillRef idx="0">
+            <a:schemeClr val="accent1"/>
+          </a:fillRef>
+          <a:effectRef idx="0">
+            <a:schemeClr val="accent1"/>
+          </a:effectRef>
+          <a:fontRef idx="minor">
+            <a:schemeClr val="tx1"/>
+          </a:fontRef>
+        </p:style>
+      </p:cxnSp>
+      <p:cxnSp>
+        <p:nvCxnSpPr>
+          <p:cNvPr id="63" name="Gerade Verbindung mit Pfeil 62"/>
+          <p:cNvCxnSpPr>
+            <a:stCxn id="9" idx="3"/>
+            <a:endCxn id="14" idx="1"/>
+          </p:cNvCxnSpPr>
+          <p:nvPr/>
+        </p:nvCxnSpPr>
+        <p:spPr>
+          <a:xfrm>
+            <a:off x="1991544" y="4766570"/>
+            <a:ext cx="1656184" cy="0"/>
+          </a:xfrm>
+          <a:prstGeom prst="straightConnector1">
+            <a:avLst/>
+          </a:prstGeom>
+          <a:ln w="12700">
+            <a:solidFill>
+              <a:schemeClr val="tx1"/>
+            </a:solidFill>
+            <a:tailEnd type="triangle"/>
+          </a:ln>
+        </p:spPr>
+        <p:style>
+          <a:lnRef idx="1">
+            <a:schemeClr val="accent1"/>
+          </a:lnRef>
+          <a:fillRef idx="0">
+            <a:schemeClr val="accent1"/>
+          </a:fillRef>
+          <a:effectRef idx="0">
+            <a:schemeClr val="accent1"/>
+          </a:effectRef>
+          <a:fontRef idx="minor">
+            <a:schemeClr val="tx1"/>
+          </a:fontRef>
+        </p:style>
+      </p:cxnSp>
+      <p:cxnSp>
+        <p:nvCxnSpPr>
+          <p:cNvPr id="66" name="Gerade Verbindung mit Pfeil 65"/>
+          <p:cNvCxnSpPr>
+            <a:stCxn id="14" idx="3"/>
+            <a:endCxn id="11" idx="1"/>
+          </p:cNvCxnSpPr>
+          <p:nvPr/>
+        </p:nvCxnSpPr>
+        <p:spPr>
+          <a:xfrm>
+            <a:off x="5015880" y="4766570"/>
+            <a:ext cx="144016" cy="0"/>
+          </a:xfrm>
+          <a:prstGeom prst="straightConnector1">
+            <a:avLst/>
+          </a:prstGeom>
+          <a:ln w="12700">
+            <a:solidFill>
+              <a:schemeClr val="tx1"/>
+            </a:solidFill>
+            <a:tailEnd type="triangle"/>
+          </a:ln>
+        </p:spPr>
+        <p:style>
+          <a:lnRef idx="1">
+            <a:schemeClr val="accent1"/>
+          </a:lnRef>
+          <a:fillRef idx="0">
+            <a:schemeClr val="accent1"/>
+          </a:fillRef>
+          <a:effectRef idx="0">
+            <a:schemeClr val="accent1"/>
+          </a:effectRef>
+          <a:fontRef idx="minor">
+            <a:schemeClr val="tx1"/>
+          </a:fontRef>
+        </p:style>
+      </p:cxnSp>
+      <p:cxnSp>
+        <p:nvCxnSpPr>
+          <p:cNvPr id="68" name="Gerade Verbindung mit Pfeil 67"/>
+          <p:cNvCxnSpPr>
+            <a:cxnSpLocks/>
+          </p:cNvCxnSpPr>
+          <p:nvPr/>
+        </p:nvCxnSpPr>
+        <p:spPr>
+          <a:xfrm>
+            <a:off x="6384032" y="4946248"/>
+            <a:ext cx="720080" cy="0"/>
+          </a:xfrm>
+          <a:prstGeom prst="straightConnector1">
+            <a:avLst/>
+          </a:prstGeom>
+          <a:ln w="12700">
+            <a:solidFill>
+              <a:schemeClr val="tx1"/>
+            </a:solidFill>
+            <a:tailEnd type="triangle"/>
+          </a:ln>
+        </p:spPr>
+        <p:style>
+          <a:lnRef idx="1">
+            <a:schemeClr val="accent1"/>
+          </a:lnRef>
+          <a:fillRef idx="0">
+            <a:schemeClr val="accent1"/>
+          </a:fillRef>
+          <a:effectRef idx="0">
+            <a:schemeClr val="accent1"/>
+          </a:effectRef>
+          <a:fontRef idx="minor">
+            <a:schemeClr val="tx1"/>
+          </a:fontRef>
+        </p:style>
+      </p:cxnSp>
+      <p:cxnSp>
+        <p:nvCxnSpPr>
+          <p:cNvPr id="70" name="Gerade Verbindung mit Pfeil 69"/>
+          <p:cNvCxnSpPr>
+            <a:cxnSpLocks/>
+          </p:cNvCxnSpPr>
+          <p:nvPr/>
+        </p:nvCxnSpPr>
+        <p:spPr>
+          <a:xfrm>
+            <a:off x="8328248" y="4941168"/>
+            <a:ext cx="144016" cy="0"/>
+          </a:xfrm>
+          <a:prstGeom prst="straightConnector1">
+            <a:avLst/>
+          </a:prstGeom>
+          <a:ln w="12700">
+            <a:solidFill>
+              <a:schemeClr val="tx1"/>
+            </a:solidFill>
+            <a:tailEnd type="triangle"/>
+          </a:ln>
+        </p:spPr>
+        <p:style>
+          <a:lnRef idx="1">
+            <a:schemeClr val="accent1"/>
+          </a:lnRef>
+          <a:fillRef idx="0">
+            <a:schemeClr val="accent1"/>
+          </a:fillRef>
+          <a:effectRef idx="0">
+            <a:schemeClr val="accent1"/>
+          </a:effectRef>
+          <a:fontRef idx="minor">
+            <a:schemeClr val="tx1"/>
+          </a:fontRef>
+        </p:style>
+      </p:cxnSp>
+      <p:cxnSp>
+        <p:nvCxnSpPr>
+          <p:cNvPr id="77" name="Gerade Verbindung mit Pfeil 76"/>
+          <p:cNvCxnSpPr>
+            <a:cxnSpLocks/>
+            <a:stCxn id="17" idx="2"/>
+            <a:endCxn id="8" idx="0"/>
+          </p:cNvCxnSpPr>
+          <p:nvPr/>
+        </p:nvCxnSpPr>
+        <p:spPr>
+          <a:xfrm>
+            <a:off x="13344636" y="5157192"/>
+            <a:ext cx="0" cy="720080"/>
+          </a:xfrm>
+          <a:prstGeom prst="straightConnector1">
+            <a:avLst/>
+          </a:prstGeom>
+          <a:ln w="12700">
+            <a:solidFill>
+              <a:schemeClr val="tx1"/>
+            </a:solidFill>
+            <a:tailEnd type="triangle"/>
+          </a:ln>
+        </p:spPr>
+        <p:style>
+          <a:lnRef idx="1">
+            <a:schemeClr val="accent1"/>
+          </a:lnRef>
+          <a:fillRef idx="0">
+            <a:schemeClr val="accent1"/>
+          </a:fillRef>
+          <a:effectRef idx="0">
+            <a:schemeClr val="accent1"/>
+          </a:effectRef>
+          <a:fontRef idx="minor">
+            <a:schemeClr val="tx1"/>
+          </a:fontRef>
+        </p:style>
+      </p:cxnSp>
+      <p:sp>
+        <p:nvSpPr>
+          <p:cNvPr id="78" name="Textfeld 77"/>
+          <p:cNvSpPr txBox="1"/>
+          <p:nvPr/>
+        </p:nvSpPr>
+        <p:spPr>
+          <a:xfrm>
+            <a:off x="-672752" y="5229200"/>
+            <a:ext cx="2505814" cy="369332"/>
+          </a:xfrm>
+          <a:prstGeom prst="rect">
+            <a:avLst/>
+          </a:prstGeom>
+          <a:noFill/>
+        </p:spPr>
+        <p:txBody>
+          <a:bodyPr wrap="none" rtlCol="0">
+            <a:spAutoFit/>
+          </a:bodyPr>
+          <a:lstStyle/>
+          <a:p>
+            <a:r>
+              <a:rPr lang="en-US" b="1" dirty="0">
+                <a:solidFill>
+                  <a:schemeClr val="tx1">
+                    <a:lumMod val="75000"/>
+                    <a:lumOff val="25000"/>
+                  </a:schemeClr>
+                </a:solidFill>
+                <a:latin typeface="Times New Roman" panose="02020603050405020304" pitchFamily="18" charset="0"/>
+                <a:cs typeface="Times New Roman" panose="02020603050405020304" pitchFamily="18" charset="0"/>
+              </a:rPr>
+              <a:t>encoding of invariances</a:t>
+            </a:r>
+          </a:p>
+        </p:txBody>
+      </p:sp>
+      <p:sp>
+        <p:nvSpPr>
+          <p:cNvPr id="79" name="Textfeld 78"/>
+          <p:cNvSpPr txBox="1"/>
+          <p:nvPr/>
+        </p:nvSpPr>
+        <p:spPr>
+          <a:xfrm>
+            <a:off x="7006820" y="5220733"/>
+            <a:ext cx="2268570" cy="369332"/>
+          </a:xfrm>
+          <a:prstGeom prst="rect">
+            <a:avLst/>
+          </a:prstGeom>
+          <a:noFill/>
+        </p:spPr>
+        <p:txBody>
+          <a:bodyPr wrap="none" rtlCol="0">
+            <a:spAutoFit/>
+          </a:bodyPr>
+          <a:lstStyle/>
+          <a:p>
+            <a:r>
+              <a:rPr lang="en-US" b="1" dirty="0">
+                <a:solidFill>
+                  <a:schemeClr val="tx1">
+                    <a:lumMod val="75000"/>
+                    <a:lumOff val="25000"/>
+                  </a:schemeClr>
+                </a:solidFill>
+                <a:latin typeface="Times New Roman" panose="02020603050405020304" pitchFamily="18" charset="0"/>
+                <a:cs typeface="Times New Roman" panose="02020603050405020304" pitchFamily="18" charset="0"/>
+              </a:rPr>
+              <a:t>self-learning strategy</a:t>
+            </a:r>
+          </a:p>
+        </p:txBody>
+      </p:sp>
+      <p:cxnSp>
+        <p:nvCxnSpPr>
+          <p:cNvPr id="43" name="Gerade Verbindung mit Pfeil 42">
+            <a:extLst>
+              <a:ext uri="{FF2B5EF4-FFF2-40B4-BE49-F238E27FC236}">
+                <a16:creationId xmlns:a16="http://schemas.microsoft.com/office/drawing/2014/main" id="{E68337B3-19C4-4F9C-8282-54CBFEEC6A2E}"/>
+              </a:ext>
+            </a:extLst>
+          </p:cNvPr>
+          <p:cNvCxnSpPr>
+            <a:cxnSpLocks/>
+          </p:cNvCxnSpPr>
+          <p:nvPr/>
+        </p:nvCxnSpPr>
+        <p:spPr>
+          <a:xfrm flipV="1">
+            <a:off x="6712542" y="1268760"/>
+            <a:ext cx="0" cy="504056"/>
+          </a:xfrm>
+          <a:prstGeom prst="straightConnector1">
+            <a:avLst/>
+          </a:prstGeom>
+          <a:ln w="12700">
+            <a:solidFill>
+              <a:schemeClr val="tx1"/>
+            </a:solidFill>
+            <a:headEnd type="triangle"/>
+            <a:tailEnd type="none"/>
+          </a:ln>
+        </p:spPr>
+        <p:style>
+          <a:lnRef idx="1">
+            <a:schemeClr val="accent1"/>
+          </a:lnRef>
+          <a:fillRef idx="0">
+            <a:schemeClr val="accent1"/>
+          </a:fillRef>
+          <a:effectRef idx="0">
+            <a:schemeClr val="accent1"/>
+          </a:effectRef>
+          <a:fontRef idx="minor">
+            <a:schemeClr val="tx1"/>
+          </a:fontRef>
+        </p:style>
+      </p:cxnSp>
+      <p:cxnSp>
+        <p:nvCxnSpPr>
+          <p:cNvPr id="47" name="Gerade Verbindung mit Pfeil 46">
+            <a:extLst>
+              <a:ext uri="{FF2B5EF4-FFF2-40B4-BE49-F238E27FC236}">
+                <a16:creationId xmlns:a16="http://schemas.microsoft.com/office/drawing/2014/main" id="{F5A61C69-8CAF-4EB8-9FD3-0EE791E18473}"/>
+              </a:ext>
+            </a:extLst>
+          </p:cNvPr>
+          <p:cNvCxnSpPr/>
+          <p:nvPr/>
+        </p:nvCxnSpPr>
+        <p:spPr>
+          <a:xfrm>
+            <a:off x="4909936" y="2204864"/>
+            <a:ext cx="1080000" cy="0"/>
+          </a:xfrm>
+          <a:prstGeom prst="straightConnector1">
+            <a:avLst/>
+          </a:prstGeom>
+          <a:ln w="12700">
+            <a:solidFill>
+              <a:schemeClr val="tx1"/>
+            </a:solidFill>
+            <a:tailEnd type="triangle"/>
+          </a:ln>
+        </p:spPr>
+        <p:style>
+          <a:lnRef idx="1">
+            <a:schemeClr val="accent1"/>
+          </a:lnRef>
+          <a:fillRef idx="0">
+            <a:schemeClr val="accent1"/>
+          </a:fillRef>
+          <a:effectRef idx="0">
+            <a:schemeClr val="accent1"/>
+          </a:effectRef>
+          <a:fontRef idx="minor">
+            <a:schemeClr val="tx1"/>
+          </a:fontRef>
+        </p:style>
+      </p:cxnSp>
+      <p:sp>
+        <p:nvSpPr>
+          <p:cNvPr id="12" name="Flussdiagramm: Prozess 11"/>
+          <p:cNvSpPr/>
+          <p:nvPr/>
+        </p:nvSpPr>
+        <p:spPr>
+          <a:xfrm>
+            <a:off x="3647489" y="1772816"/>
+            <a:ext cx="1368152" cy="864096"/>
+          </a:xfrm>
+          <a:prstGeom prst="flowChartProcess">
+            <a:avLst/>
+          </a:prstGeom>
+          <a:solidFill>
+            <a:schemeClr val="bg1"/>
+          </a:solidFill>
+          <a:ln w="12700">
+            <a:solidFill>
+              <a:schemeClr val="tx1"/>
+            </a:solidFill>
+          </a:ln>
+        </p:spPr>
+        <p:style>
+          <a:lnRef idx="2">
+            <a:schemeClr val="accent1">
+              <a:shade val="50000"/>
+            </a:schemeClr>
+          </a:lnRef>
+          <a:fillRef idx="1">
+            <a:schemeClr val="accent1"/>
+          </a:fillRef>
+          <a:effectRef idx="0">
+            <a:schemeClr val="accent1"/>
+          </a:effectRef>
+          <a:fontRef idx="minor">
+            <a:schemeClr val="lt1"/>
+          </a:fontRef>
+        </p:style>
+        <p:txBody>
+          <a:bodyPr rtlCol="0" anchor="ctr"/>
+          <a:lstStyle/>
+          <a:p>
+            <a:pPr algn="ctr"/>
+            <a:r>
+              <a:rPr lang="en-US" dirty="0">
+                <a:solidFill>
+                  <a:schemeClr val="tx1"/>
+                </a:solidFill>
+                <a:latin typeface="Times New Roman" panose="02020603050405020304" pitchFamily="18" charset="0"/>
+                <a:cs typeface="Times New Roman" panose="02020603050405020304" pitchFamily="18" charset="0"/>
+              </a:rPr>
+              <a:t>learn SVM model</a:t>
+            </a:r>
+          </a:p>
+        </p:txBody>
+      </p:sp>
+      <p:cxnSp>
+        <p:nvCxnSpPr>
+          <p:cNvPr id="23" name="Verbinder: gewinkelt 22">
+            <a:extLst>
+              <a:ext uri="{FF2B5EF4-FFF2-40B4-BE49-F238E27FC236}">
+                <a16:creationId xmlns:a16="http://schemas.microsoft.com/office/drawing/2014/main" id="{88CA455C-6BDE-4EA6-9F29-9BC7287F04A4}"/>
+              </a:ext>
+            </a:extLst>
+          </p:cNvPr>
+          <p:cNvCxnSpPr>
+            <a:cxnSpLocks/>
+          </p:cNvCxnSpPr>
+          <p:nvPr/>
+        </p:nvCxnSpPr>
+        <p:spPr>
+          <a:xfrm rot="16200000" flipH="1">
+            <a:off x="5898088" y="3297915"/>
+            <a:ext cx="1980000" cy="432048"/>
+          </a:xfrm>
+          <a:prstGeom prst="bentConnector2">
+            <a:avLst/>
+          </a:prstGeom>
+          <a:ln w="12700">
+            <a:solidFill>
+              <a:schemeClr val="tx1"/>
+            </a:solidFill>
+            <a:tailEnd type="triangle"/>
+          </a:ln>
+        </p:spPr>
+        <p:style>
+          <a:lnRef idx="1">
+            <a:schemeClr val="accent1"/>
+          </a:lnRef>
+          <a:fillRef idx="0">
+            <a:schemeClr val="accent1"/>
+          </a:fillRef>
+          <a:effectRef idx="0">
+            <a:schemeClr val="accent1"/>
+          </a:effectRef>
+          <a:fontRef idx="minor">
+            <a:schemeClr val="tx1"/>
+          </a:fontRef>
+        </p:style>
+      </p:cxnSp>
+      <p:sp>
+        <p:nvSpPr>
+          <p:cNvPr id="42" name="Flussdiagramm: Prozess 41">
+            <a:extLst>
+              <a:ext uri="{FF2B5EF4-FFF2-40B4-BE49-F238E27FC236}">
+                <a16:creationId xmlns:a16="http://schemas.microsoft.com/office/drawing/2014/main" id="{5EDB60B6-F5B1-4D15-8D9A-23978FD1FECA}"/>
+              </a:ext>
+            </a:extLst>
+          </p:cNvPr>
+          <p:cNvSpPr/>
+          <p:nvPr/>
+        </p:nvSpPr>
+        <p:spPr>
+          <a:xfrm>
+            <a:off x="5992462" y="1772816"/>
+            <a:ext cx="1368152" cy="864096"/>
+          </a:xfrm>
+          <a:prstGeom prst="flowChartProcess">
+            <a:avLst/>
+          </a:prstGeom>
+          <a:solidFill>
+            <a:schemeClr val="bg1"/>
+          </a:solidFill>
+          <a:ln w="12700">
+            <a:solidFill>
+              <a:schemeClr val="tx1"/>
+            </a:solidFill>
+          </a:ln>
+        </p:spPr>
+        <p:style>
+          <a:lnRef idx="2">
+            <a:schemeClr val="accent1">
+              <a:shade val="50000"/>
+            </a:schemeClr>
+          </a:lnRef>
+          <a:fillRef idx="1">
+            <a:schemeClr val="accent1"/>
+          </a:fillRef>
+          <a:effectRef idx="0">
+            <a:schemeClr val="accent1"/>
+          </a:effectRef>
+          <a:fontRef idx="minor">
+            <a:schemeClr val="lt1"/>
+          </a:fontRef>
+        </p:style>
+        <p:txBody>
+          <a:bodyPr rtlCol="0" anchor="ctr"/>
+          <a:lstStyle/>
+          <a:p>
+            <a:pPr algn="ctr"/>
+            <a:r>
+              <a:rPr lang="en-US" dirty="0">
+                <a:solidFill>
+                  <a:schemeClr val="tx1"/>
+                </a:solidFill>
+                <a:latin typeface="Times New Roman" panose="02020603050405020304" pitchFamily="18" charset="0"/>
+                <a:cs typeface="Times New Roman" panose="02020603050405020304" pitchFamily="18" charset="0"/>
+              </a:rPr>
+              <a:t>apply SVM model</a:t>
+            </a:r>
+          </a:p>
+        </p:txBody>
+      </p:sp>
+      <p:cxnSp>
+        <p:nvCxnSpPr>
+          <p:cNvPr id="52" name="Gerade Verbindung mit Pfeil 51">
+            <a:extLst>
+              <a:ext uri="{FF2B5EF4-FFF2-40B4-BE49-F238E27FC236}">
+                <a16:creationId xmlns:a16="http://schemas.microsoft.com/office/drawing/2014/main" id="{8376F38D-8888-4CA9-A24E-ED839BF05284}"/>
+              </a:ext>
+            </a:extLst>
+          </p:cNvPr>
+          <p:cNvCxnSpPr>
+            <a:cxnSpLocks/>
+          </p:cNvCxnSpPr>
+          <p:nvPr/>
+        </p:nvCxnSpPr>
+        <p:spPr>
+          <a:xfrm>
+            <a:off x="8328248" y="4565000"/>
+            <a:ext cx="144016" cy="0"/>
+          </a:xfrm>
+          <a:prstGeom prst="straightConnector1">
+            <a:avLst/>
+          </a:prstGeom>
+          <a:ln w="12700">
+            <a:solidFill>
+              <a:schemeClr val="tx1"/>
+            </a:solidFill>
+            <a:tailEnd type="triangle"/>
+          </a:ln>
+        </p:spPr>
+        <p:style>
+          <a:lnRef idx="1">
+            <a:schemeClr val="accent1"/>
+          </a:lnRef>
+          <a:fillRef idx="0">
+            <a:schemeClr val="accent1"/>
+          </a:fillRef>
+          <a:effectRef idx="0">
+            <a:schemeClr val="accent1"/>
+          </a:effectRef>
+          <a:fontRef idx="minor">
+            <a:schemeClr val="tx1"/>
+          </a:fontRef>
+        </p:style>
+      </p:cxnSp>
+      <mc:AlternateContent xmlns:mc="http://schemas.openxmlformats.org/markup-compatibility/2006">
+        <mc:Choice xmlns:a14="http://schemas.microsoft.com/office/drawing/2010/main" Requires="a14">
+          <p:sp>
+            <p:nvSpPr>
+              <p:cNvPr id="61" name="Textfeld 60">
+                <a:extLst>
+                  <a:ext uri="{FF2B5EF4-FFF2-40B4-BE49-F238E27FC236}">
+                    <a16:creationId xmlns:a16="http://schemas.microsoft.com/office/drawing/2014/main" id="{C07729BF-503F-4D79-A509-1F110C36264B}"/>
+                  </a:ext>
+                </a:extLst>
+              </p:cNvPr>
+              <p:cNvSpPr txBox="1"/>
+              <p:nvPr/>
+            </p:nvSpPr>
+            <p:spPr>
+              <a:xfrm>
+                <a:off x="6670715" y="2647072"/>
+                <a:ext cx="1529714" cy="369332"/>
+              </a:xfrm>
+              <a:prstGeom prst="rect">
+                <a:avLst/>
+              </a:prstGeom>
+              <a:noFill/>
+            </p:spPr>
+            <p:txBody>
+              <a:bodyPr wrap="none" rtlCol="0">
+                <a:spAutoFit/>
+              </a:bodyPr>
+              <a:lstStyle/>
+              <a:p>
+                <a:pPr/>
+                <a14:m>
+                  <m:oMathPara xmlns:m="http://schemas.openxmlformats.org/officeDocument/2006/math">
+                    <m:oMathParaPr>
+                      <m:jc m:val="centerGroup"/>
+                    </m:oMathParaPr>
+                    <m:oMath xmlns:m="http://schemas.openxmlformats.org/officeDocument/2006/math">
+                      <m:sSub>
+                        <m:sSubPr>
+                          <m:ctrlPr>
+                            <a:rPr lang="de-DE" i="1">
+                              <a:latin typeface="Cambria Math" panose="02040503050406030204" pitchFamily="18" charset="0"/>
+                            </a:rPr>
+                          </m:ctrlPr>
+                        </m:sSubPr>
+                        <m:e>
+                          <m:r>
+                            <a:rPr lang="en-US" i="1">
+                              <a:latin typeface="Cambria Math" panose="02040503050406030204" pitchFamily="18" charset="0"/>
+                            </a:rPr>
+                            <m:t>𝑈</m:t>
+                          </m:r>
+                        </m:e>
+                        <m:sub>
+                          <m:r>
+                            <a:rPr lang="en-US" i="1">
+                              <a:latin typeface="Cambria Math" panose="02040503050406030204" pitchFamily="18" charset="0"/>
+                            </a:rPr>
+                            <m:t>𝑠𝑒𝑚𝑖</m:t>
+                          </m:r>
+                          <m:r>
+                            <a:rPr lang="en-US" i="1">
+                              <a:latin typeface="Cambria Math" panose="02040503050406030204" pitchFamily="18" charset="0"/>
+                            </a:rPr>
+                            <m:t>−</m:t>
+                          </m:r>
+                          <m:r>
+                            <a:rPr lang="en-US" i="1">
+                              <a:latin typeface="Cambria Math" panose="02040503050406030204" pitchFamily="18" charset="0"/>
+                            </a:rPr>
+                            <m:t>𝑙𝑎𝑏𝑒𝑙𝑒𝑑</m:t>
+                          </m:r>
+                        </m:sub>
+                      </m:sSub>
+                    </m:oMath>
+                  </m:oMathPara>
+                </a14:m>
+                <a:endParaRPr lang="de-DE" dirty="0"/>
+              </a:p>
+            </p:txBody>
+          </p:sp>
+        </mc:Choice>
+        <mc:Fallback>
+          <p:sp>
+            <p:nvSpPr>
+              <p:cNvPr id="61" name="Textfeld 60">
+                <a:extLst>
+                  <a:ext uri="{FF2B5EF4-FFF2-40B4-BE49-F238E27FC236}">
+                    <a16:creationId xmlns:a16="http://schemas.microsoft.com/office/drawing/2014/main" id="{C07729BF-503F-4D79-A509-1F110C36264B}"/>
+                  </a:ext>
+                </a:extLst>
+              </p:cNvPr>
+              <p:cNvSpPr txBox="1">
+                <a:spLocks noRot="1" noChangeAspect="1" noMove="1" noResize="1" noEditPoints="1" noAdjustHandles="1" noChangeArrowheads="1" noChangeShapeType="1" noTextEdit="1"/>
+              </p:cNvSpPr>
+              <p:nvPr/>
+            </p:nvSpPr>
+            <p:spPr>
+              <a:xfrm>
+                <a:off x="6670715" y="2647072"/>
+                <a:ext cx="1529714" cy="369332"/>
+              </a:xfrm>
+              <a:prstGeom prst="rect">
+                <a:avLst/>
+              </a:prstGeom>
+              <a:blipFill>
+                <a:blip r:embed="rId6"/>
+                <a:stretch>
+                  <a:fillRect/>
+                </a:stretch>
+              </a:blipFill>
+            </p:spPr>
+            <p:txBody>
+              <a:bodyPr/>
+              <a:lstStyle/>
+              <a:p>
+                <a:r>
+                  <a:rPr lang="en-GB">
+                    <a:noFill/>
+                  </a:rPr>
+                  <a:t> </a:t>
+                </a:r>
+              </a:p>
+            </p:txBody>
+          </p:sp>
+        </mc:Fallback>
+      </mc:AlternateContent>
+      <mc:AlternateContent xmlns:mc="http://schemas.openxmlformats.org/markup-compatibility/2006">
+        <mc:Choice xmlns:a14="http://schemas.microsoft.com/office/drawing/2010/main" Requires="a14">
+          <p:sp>
+            <p:nvSpPr>
+              <p:cNvPr id="62" name="Textfeld 61">
+                <a:extLst>
+                  <a:ext uri="{FF2B5EF4-FFF2-40B4-BE49-F238E27FC236}">
+                    <a16:creationId xmlns:a16="http://schemas.microsoft.com/office/drawing/2014/main" id="{9FBED98E-6431-4228-A00E-D66246B2975D}"/>
+                  </a:ext>
+                </a:extLst>
+              </p:cNvPr>
+              <p:cNvSpPr txBox="1"/>
+              <p:nvPr/>
+            </p:nvSpPr>
+            <p:spPr>
+              <a:xfrm>
+                <a:off x="9649792" y="4195688"/>
+                <a:ext cx="1529714" cy="376770"/>
+              </a:xfrm>
+              <a:prstGeom prst="rect">
+                <a:avLst/>
+              </a:prstGeom>
+              <a:noFill/>
+            </p:spPr>
+            <p:txBody>
+              <a:bodyPr wrap="none" rtlCol="0">
+                <a:spAutoFit/>
+              </a:bodyPr>
+              <a:lstStyle/>
+              <a:p>
+                <a:pPr/>
+                <a14:m>
+                  <m:oMathPara xmlns:m="http://schemas.openxmlformats.org/officeDocument/2006/math">
+                    <m:oMathParaPr>
+                      <m:jc m:val="centerGroup"/>
+                    </m:oMathParaPr>
+                    <m:oMath xmlns:m="http://schemas.openxmlformats.org/officeDocument/2006/math">
+                      <m:sSub>
+                        <m:sSubPr>
+                          <m:ctrlPr>
+                            <a:rPr lang="de-DE" i="1">
+                              <a:latin typeface="Cambria Math" panose="02040503050406030204" pitchFamily="18" charset="0"/>
+                            </a:rPr>
+                          </m:ctrlPr>
+                        </m:sSubPr>
+                        <m:e>
+                          <m:acc>
+                            <m:accPr>
+                              <m:chr m:val="̂"/>
+                              <m:ctrlPr>
+                                <a:rPr lang="de-DE" i="1">
+                                  <a:latin typeface="Cambria Math" panose="02040503050406030204" pitchFamily="18" charset="0"/>
+                                </a:rPr>
+                              </m:ctrlPr>
+                            </m:accPr>
+                            <m:e>
+                              <m:r>
+                                <a:rPr lang="en-US" i="1">
+                                  <a:latin typeface="Cambria Math" panose="02040503050406030204" pitchFamily="18" charset="0"/>
+                                </a:rPr>
+                                <m:t>𝑈</m:t>
+                              </m:r>
+                            </m:e>
+                          </m:acc>
+                        </m:e>
+                        <m:sub>
+                          <m:r>
+                            <a:rPr lang="en-US" i="1">
+                              <a:latin typeface="Cambria Math" panose="02040503050406030204" pitchFamily="18" charset="0"/>
+                            </a:rPr>
+                            <m:t>𝑠𝑒𝑚𝑖</m:t>
+                          </m:r>
+                          <m:r>
+                            <a:rPr lang="en-US" i="1">
+                              <a:latin typeface="Cambria Math" panose="02040503050406030204" pitchFamily="18" charset="0"/>
+                            </a:rPr>
+                            <m:t>−</m:t>
+                          </m:r>
+                          <m:r>
+                            <a:rPr lang="en-US" i="1">
+                              <a:latin typeface="Cambria Math" panose="02040503050406030204" pitchFamily="18" charset="0"/>
+                            </a:rPr>
+                            <m:t>𝑙𝑎𝑏𝑒𝑙𝑒𝑑</m:t>
+                          </m:r>
+                        </m:sub>
+                      </m:sSub>
+                    </m:oMath>
+                  </m:oMathPara>
+                </a14:m>
+                <a:endParaRPr lang="de-DE" dirty="0"/>
+              </a:p>
+            </p:txBody>
+          </p:sp>
+        </mc:Choice>
+        <mc:Fallback>
+          <p:sp>
+            <p:nvSpPr>
+              <p:cNvPr id="62" name="Textfeld 61">
+                <a:extLst>
+                  <a:ext uri="{FF2B5EF4-FFF2-40B4-BE49-F238E27FC236}">
+                    <a16:creationId xmlns:a16="http://schemas.microsoft.com/office/drawing/2014/main" id="{9FBED98E-6431-4228-A00E-D66246B2975D}"/>
+                  </a:ext>
+                </a:extLst>
+              </p:cNvPr>
+              <p:cNvSpPr txBox="1">
+                <a:spLocks noRot="1" noChangeAspect="1" noMove="1" noResize="1" noEditPoints="1" noAdjustHandles="1" noChangeArrowheads="1" noChangeShapeType="1" noTextEdit="1"/>
+              </p:cNvSpPr>
+              <p:nvPr/>
+            </p:nvSpPr>
+            <p:spPr>
+              <a:xfrm>
+                <a:off x="9649792" y="4195688"/>
+                <a:ext cx="1529714" cy="376770"/>
+              </a:xfrm>
+              <a:prstGeom prst="rect">
+                <a:avLst/>
+              </a:prstGeom>
+              <a:blipFill>
+                <a:blip r:embed="rId7"/>
+                <a:stretch>
+                  <a:fillRect t="-1613" b="-1613"/>
+                </a:stretch>
+              </a:blipFill>
+            </p:spPr>
+            <p:txBody>
+              <a:bodyPr/>
+              <a:lstStyle/>
+              <a:p>
+                <a:r>
+                  <a:rPr lang="en-GB">
+                    <a:noFill/>
+                  </a:rPr>
+                  <a:t> </a:t>
+                </a:r>
+              </a:p>
+            </p:txBody>
+          </p:sp>
+        </mc:Fallback>
+      </mc:AlternateContent>
+      <p:sp>
+        <p:nvSpPr>
+          <p:cNvPr id="65" name="Textfeld 64">
+            <a:extLst>
+              <a:ext uri="{FF2B5EF4-FFF2-40B4-BE49-F238E27FC236}">
+                <a16:creationId xmlns:a16="http://schemas.microsoft.com/office/drawing/2014/main" id="{2C184CDB-CED6-4054-8486-4DD5CF8490E2}"/>
+              </a:ext>
+            </a:extLst>
+          </p:cNvPr>
+          <p:cNvSpPr txBox="1"/>
+          <p:nvPr/>
+        </p:nvSpPr>
+        <p:spPr>
+          <a:xfrm>
+            <a:off x="10319072" y="1302668"/>
+            <a:ext cx="2255746" cy="369332"/>
+          </a:xfrm>
+          <a:prstGeom prst="rect">
+            <a:avLst/>
+          </a:prstGeom>
+          <a:noFill/>
+        </p:spPr>
+        <p:txBody>
+          <a:bodyPr wrap="none" rtlCol="0">
+            <a:spAutoFit/>
+          </a:bodyPr>
+          <a:lstStyle/>
+          <a:p>
+            <a:r>
+              <a:rPr lang="en-US" b="1" dirty="0">
+                <a:solidFill>
+                  <a:schemeClr val="tx1">
+                    <a:lumMod val="75000"/>
+                    <a:lumOff val="25000"/>
+                  </a:schemeClr>
+                </a:solidFill>
+                <a:latin typeface="Times New Roman" panose="02020603050405020304" pitchFamily="18" charset="0"/>
+                <a:cs typeface="Times New Roman" panose="02020603050405020304" pitchFamily="18" charset="0"/>
+              </a:rPr>
+              <a:t>semi-labeled samples</a:t>
+            </a:r>
+          </a:p>
+        </p:txBody>
+      </p:sp>
+      <p:cxnSp>
+        <p:nvCxnSpPr>
+          <p:cNvPr id="59" name="Gerade Verbindung mit Pfeil 58">
+            <a:extLst>
+              <a:ext uri="{FF2B5EF4-FFF2-40B4-BE49-F238E27FC236}">
+                <a16:creationId xmlns:a16="http://schemas.microsoft.com/office/drawing/2014/main" id="{9DE59F70-D083-4475-B28C-9D0EFE0B91F0}"/>
+              </a:ext>
+            </a:extLst>
+          </p:cNvPr>
+          <p:cNvCxnSpPr>
+            <a:cxnSpLocks/>
+          </p:cNvCxnSpPr>
+          <p:nvPr/>
+        </p:nvCxnSpPr>
+        <p:spPr>
+          <a:xfrm>
+            <a:off x="9696400" y="4947518"/>
+            <a:ext cx="1512000" cy="0"/>
+          </a:xfrm>
+          <a:prstGeom prst="straightConnector1">
+            <a:avLst/>
+          </a:prstGeom>
+          <a:ln w="12700">
+            <a:solidFill>
+              <a:schemeClr val="tx1"/>
+            </a:solidFill>
+            <a:tailEnd type="triangle"/>
+          </a:ln>
+        </p:spPr>
+        <p:style>
+          <a:lnRef idx="1">
+            <a:schemeClr val="accent1"/>
+          </a:lnRef>
+          <a:fillRef idx="0">
+            <a:schemeClr val="accent1"/>
+          </a:fillRef>
+          <a:effectRef idx="0">
+            <a:schemeClr val="accent1"/>
+          </a:effectRef>
+          <a:fontRef idx="minor">
+            <a:schemeClr val="tx1"/>
+          </a:fontRef>
+        </p:style>
+      </p:cxnSp>
+      <p:cxnSp>
+        <p:nvCxnSpPr>
+          <p:cNvPr id="60" name="Gerade Verbindung mit Pfeil 59">
+            <a:extLst>
+              <a:ext uri="{FF2B5EF4-FFF2-40B4-BE49-F238E27FC236}">
+                <a16:creationId xmlns:a16="http://schemas.microsoft.com/office/drawing/2014/main" id="{3B3E88EB-C9CB-46FD-8B99-5C788CBC650B}"/>
+              </a:ext>
+            </a:extLst>
+          </p:cNvPr>
+          <p:cNvCxnSpPr>
+            <a:cxnSpLocks/>
+          </p:cNvCxnSpPr>
+          <p:nvPr/>
+        </p:nvCxnSpPr>
+        <p:spPr>
+          <a:xfrm>
+            <a:off x="9696568" y="4574778"/>
+            <a:ext cx="1512000" cy="0"/>
+          </a:xfrm>
+          <a:prstGeom prst="straightConnector1">
+            <a:avLst/>
+          </a:prstGeom>
+          <a:ln w="12700">
+            <a:solidFill>
+              <a:schemeClr val="tx1"/>
+            </a:solidFill>
+            <a:tailEnd type="triangle"/>
+          </a:ln>
+        </p:spPr>
+        <p:style>
+          <a:lnRef idx="1">
+            <a:schemeClr val="accent1"/>
+          </a:lnRef>
+          <a:fillRef idx="0">
+            <a:schemeClr val="accent1"/>
+          </a:fillRef>
+          <a:effectRef idx="0">
+            <a:schemeClr val="accent1"/>
+          </a:effectRef>
+          <a:fontRef idx="minor">
+            <a:schemeClr val="tx1"/>
+          </a:fontRef>
+        </p:style>
+      </p:cxnSp>
+      <p:cxnSp>
+        <p:nvCxnSpPr>
+          <p:cNvPr id="49" name="Gerade Verbindung mit Pfeil 48">
+            <a:extLst>
+              <a:ext uri="{FF2B5EF4-FFF2-40B4-BE49-F238E27FC236}">
+                <a16:creationId xmlns:a16="http://schemas.microsoft.com/office/drawing/2014/main" id="{999CDCA6-59FC-4F9C-B8E6-1B82F8CFE245}"/>
+              </a:ext>
+            </a:extLst>
+          </p:cNvPr>
+          <p:cNvCxnSpPr>
+            <a:cxnSpLocks/>
+          </p:cNvCxnSpPr>
+          <p:nvPr/>
+        </p:nvCxnSpPr>
+        <p:spPr>
+          <a:xfrm>
+            <a:off x="13348890" y="10944222"/>
+            <a:ext cx="239" cy="596777"/>
+          </a:xfrm>
+          <a:prstGeom prst="straightConnector1">
+            <a:avLst/>
+          </a:prstGeom>
+          <a:ln w="12700">
+            <a:solidFill>
+              <a:schemeClr val="tx1"/>
+            </a:solidFill>
+            <a:tailEnd type="triangle"/>
+          </a:ln>
+        </p:spPr>
+        <p:style>
+          <a:lnRef idx="1">
+            <a:schemeClr val="accent1"/>
+          </a:lnRef>
+          <a:fillRef idx="0">
+            <a:schemeClr val="accent1"/>
+          </a:fillRef>
+          <a:effectRef idx="0">
+            <a:schemeClr val="accent1"/>
+          </a:effectRef>
+          <a:fontRef idx="minor">
+            <a:schemeClr val="tx1"/>
+          </a:fontRef>
+        </p:style>
+      </p:cxnSp>
+      <p:sp>
+        <p:nvSpPr>
+          <p:cNvPr id="50" name="Flussdiagramm: Prozess 49">
+            <a:extLst>
+              <a:ext uri="{FF2B5EF4-FFF2-40B4-BE49-F238E27FC236}">
+                <a16:creationId xmlns:a16="http://schemas.microsoft.com/office/drawing/2014/main" id="{10B7371E-024A-43E8-8A01-27AD89F8B319}"/>
+              </a:ext>
+            </a:extLst>
+          </p:cNvPr>
+          <p:cNvSpPr/>
+          <p:nvPr/>
+        </p:nvSpPr>
+        <p:spPr>
+          <a:xfrm>
+            <a:off x="2136761" y="9845141"/>
+            <a:ext cx="8864648" cy="2785723"/>
+          </a:xfrm>
+          <a:prstGeom prst="flowChartProcess">
+            <a:avLst/>
+          </a:prstGeom>
+          <a:solidFill>
+            <a:srgbClr val="FF66FF">
+              <a:alpha val="40000"/>
+            </a:srgbClr>
+          </a:solidFill>
+          <a:ln>
+            <a:noFill/>
+          </a:ln>
+        </p:spPr>
+        <p:style>
+          <a:lnRef idx="2">
+            <a:schemeClr val="accent1">
+              <a:shade val="50000"/>
+            </a:schemeClr>
+          </a:lnRef>
+          <a:fillRef idx="1">
+            <a:schemeClr val="accent1"/>
+          </a:fillRef>
+          <a:effectRef idx="0">
+            <a:schemeClr val="accent1"/>
+          </a:effectRef>
+          <a:fontRef idx="minor">
+            <a:schemeClr val="lt1"/>
+          </a:fontRef>
+        </p:style>
+        <p:txBody>
+          <a:bodyPr rtlCol="0" anchor="ctr"/>
+          <a:lstStyle/>
+          <a:p>
+            <a:pPr algn="ctr"/>
+            <a:endParaRPr lang="de-DE"/>
+          </a:p>
+        </p:txBody>
+      </p:sp>
+      <p:sp>
+        <p:nvSpPr>
+          <p:cNvPr id="51" name="Flussdiagramm: Prozess 50">
+            <a:extLst>
+              <a:ext uri="{FF2B5EF4-FFF2-40B4-BE49-F238E27FC236}">
+                <a16:creationId xmlns:a16="http://schemas.microsoft.com/office/drawing/2014/main" id="{22E67981-1696-41DA-8FA4-C90D6AAB7742}"/>
+              </a:ext>
+            </a:extLst>
+          </p:cNvPr>
+          <p:cNvSpPr/>
+          <p:nvPr/>
+        </p:nvSpPr>
+        <p:spPr>
+          <a:xfrm>
+            <a:off x="6577777" y="11250064"/>
+            <a:ext cx="4423633" cy="1746042"/>
+          </a:xfrm>
+          <a:prstGeom prst="flowChartProcess">
+            <a:avLst/>
+          </a:prstGeom>
+          <a:solidFill>
+            <a:srgbClr val="0070C0">
+              <a:alpha val="40000"/>
+            </a:srgbClr>
+          </a:solidFill>
+          <a:ln>
+            <a:noFill/>
+          </a:ln>
+        </p:spPr>
+        <p:style>
+          <a:lnRef idx="2">
+            <a:schemeClr val="accent1">
+              <a:shade val="50000"/>
+            </a:schemeClr>
+          </a:lnRef>
+          <a:fillRef idx="1">
+            <a:schemeClr val="accent1"/>
+          </a:fillRef>
+          <a:effectRef idx="0">
+            <a:schemeClr val="accent1"/>
+          </a:effectRef>
+          <a:fontRef idx="minor">
+            <a:schemeClr val="lt1"/>
+          </a:fontRef>
+        </p:style>
+        <p:txBody>
+          <a:bodyPr rtlCol="0" anchor="ctr"/>
+          <a:lstStyle/>
+          <a:p>
+            <a:pPr algn="ctr"/>
+            <a:endParaRPr lang="de-DE"/>
+          </a:p>
+        </p:txBody>
+      </p:sp>
+      <p:sp>
+        <p:nvSpPr>
+          <p:cNvPr id="55" name="Flussdiagramm: Prozess 54">
+            <a:extLst>
+              <a:ext uri="{FF2B5EF4-FFF2-40B4-BE49-F238E27FC236}">
+                <a16:creationId xmlns:a16="http://schemas.microsoft.com/office/drawing/2014/main" id="{2814EF7E-C5A4-4B09-8087-AE0FCCCCDC86}"/>
+              </a:ext>
+            </a:extLst>
+          </p:cNvPr>
+          <p:cNvSpPr/>
+          <p:nvPr/>
+        </p:nvSpPr>
+        <p:spPr>
+          <a:xfrm>
+            <a:off x="2136760" y="11250066"/>
+            <a:ext cx="4369836" cy="1755998"/>
+          </a:xfrm>
+          <a:prstGeom prst="flowChartProcess">
+            <a:avLst/>
+          </a:prstGeom>
+          <a:solidFill>
+            <a:schemeClr val="accent2">
+              <a:lumMod val="75000"/>
+              <a:alpha val="40000"/>
+            </a:schemeClr>
+          </a:solidFill>
+          <a:ln>
+            <a:noFill/>
+          </a:ln>
+        </p:spPr>
+        <p:style>
+          <a:lnRef idx="2">
+            <a:schemeClr val="accent1">
+              <a:shade val="50000"/>
+            </a:schemeClr>
+          </a:lnRef>
+          <a:fillRef idx="1">
+            <a:schemeClr val="accent1"/>
+          </a:fillRef>
+          <a:effectRef idx="0">
+            <a:schemeClr val="accent1"/>
+          </a:effectRef>
+          <a:fontRef idx="minor">
+            <a:schemeClr val="lt1"/>
+          </a:fontRef>
+        </p:style>
+        <p:txBody>
+          <a:bodyPr rtlCol="0" anchor="ctr"/>
+          <a:lstStyle/>
+          <a:p>
+            <a:pPr algn="ctr"/>
+            <a:endParaRPr lang="de-DE"/>
+          </a:p>
+        </p:txBody>
+      </p:sp>
+      <mc:AlternateContent xmlns:mc="http://schemas.openxmlformats.org/markup-compatibility/2006">
+        <mc:Choice xmlns:a14="http://schemas.microsoft.com/office/drawing/2010/main" Requires="a14">
+          <p:sp>
+            <p:nvSpPr>
+              <p:cNvPr id="57" name="Textfeld 56">
+                <a:extLst>
+                  <a:ext uri="{FF2B5EF4-FFF2-40B4-BE49-F238E27FC236}">
+                    <a16:creationId xmlns:a16="http://schemas.microsoft.com/office/drawing/2014/main" id="{BE0A9CDD-4C6C-44EF-906E-C1679CEE106F}"/>
+                  </a:ext>
+                </a:extLst>
+              </p:cNvPr>
+              <p:cNvSpPr txBox="1"/>
+              <p:nvPr/>
+            </p:nvSpPr>
+            <p:spPr>
+              <a:xfrm>
+                <a:off x="9624392" y="8012607"/>
+                <a:ext cx="621196" cy="370230"/>
+              </a:xfrm>
+              <a:prstGeom prst="rect">
+                <a:avLst/>
+              </a:prstGeom>
+              <a:noFill/>
+            </p:spPr>
+            <p:txBody>
+              <a:bodyPr wrap="none" rtlCol="0">
+                <a:spAutoFit/>
+              </a:bodyPr>
+              <a:lstStyle/>
+              <a:p>
+                <a:pPr/>
+                <a14:m>
+                  <m:oMathPara xmlns:m="http://schemas.openxmlformats.org/officeDocument/2006/math">
+                    <m:oMathParaPr>
+                      <m:jc m:val="centerGroup"/>
+                    </m:oMathParaPr>
+                    <m:oMath xmlns:m="http://schemas.openxmlformats.org/officeDocument/2006/math">
+                      <m:sSup>
+                        <m:sSupPr>
+                          <m:ctrlPr>
+                            <a:rPr lang="de-DE" i="1">
+                              <a:latin typeface="Cambria Math" panose="02040503050406030204" pitchFamily="18" charset="0"/>
+                            </a:rPr>
+                          </m:ctrlPr>
+                        </m:sSupPr>
+                        <m:e>
+                          <m:r>
+                            <a:rPr lang="de-DE" i="1">
+                              <a:latin typeface="Cambria Math"/>
+                            </a:rPr>
+                            <m:t>𝑋</m:t>
+                          </m:r>
+                        </m:e>
+                        <m:sup>
+                          <m:r>
+                            <a:rPr lang="de-DE" i="1">
+                              <a:latin typeface="Cambria Math"/>
+                            </a:rPr>
+                            <m:t>𝑆𝑉</m:t>
+                          </m:r>
+                        </m:sup>
+                      </m:sSup>
+                    </m:oMath>
+                  </m:oMathPara>
+                </a14:m>
+                <a:endParaRPr lang="de-DE" dirty="0"/>
+              </a:p>
+            </p:txBody>
+          </p:sp>
+        </mc:Choice>
+        <mc:Fallback>
+          <p:sp>
+            <p:nvSpPr>
+              <p:cNvPr id="57" name="Textfeld 56">
+                <a:extLst>
+                  <a:ext uri="{FF2B5EF4-FFF2-40B4-BE49-F238E27FC236}">
+                    <a16:creationId xmlns:a16="http://schemas.microsoft.com/office/drawing/2014/main" id="{BE0A9CDD-4C6C-44EF-906E-C1679CEE106F}"/>
+                  </a:ext>
+                </a:extLst>
+              </p:cNvPr>
+              <p:cNvSpPr txBox="1">
+                <a:spLocks noRot="1" noChangeAspect="1" noMove="1" noResize="1" noEditPoints="1" noAdjustHandles="1" noChangeArrowheads="1" noChangeShapeType="1" noTextEdit="1"/>
+              </p:cNvSpPr>
+              <p:nvPr/>
+            </p:nvSpPr>
+            <p:spPr>
+              <a:xfrm>
+                <a:off x="9624392" y="8012607"/>
+                <a:ext cx="621196" cy="370230"/>
+              </a:xfrm>
+              <a:prstGeom prst="rect">
+                <a:avLst/>
+              </a:prstGeom>
+              <a:blipFill>
+                <a:blip r:embed="rId8"/>
+                <a:stretch>
+                  <a:fillRect/>
+                </a:stretch>
+              </a:blipFill>
+            </p:spPr>
+            <p:txBody>
+              <a:bodyPr/>
+              <a:lstStyle/>
+              <a:p>
+                <a:r>
+                  <a:rPr lang="en-GB">
+                    <a:noFill/>
+                  </a:rPr>
+                  <a:t> </a:t>
+                </a:r>
+              </a:p>
+            </p:txBody>
+          </p:sp>
+        </mc:Fallback>
+      </mc:AlternateContent>
+      <p:sp>
+        <p:nvSpPr>
+          <p:cNvPr id="67" name="Flussdiagramm: Karte 66">
+            <a:extLst>
+              <a:ext uri="{FF2B5EF4-FFF2-40B4-BE49-F238E27FC236}">
+                <a16:creationId xmlns:a16="http://schemas.microsoft.com/office/drawing/2014/main" id="{3A3DA22A-A62A-4D93-8915-2412FF911852}"/>
+              </a:ext>
+            </a:extLst>
+          </p:cNvPr>
+          <p:cNvSpPr/>
+          <p:nvPr/>
+        </p:nvSpPr>
+        <p:spPr>
+          <a:xfrm>
+            <a:off x="12660560" y="13006064"/>
+            <a:ext cx="1368152" cy="936104"/>
+          </a:xfrm>
+          <a:prstGeom prst="flowChartPunchedCard">
+            <a:avLst/>
+          </a:prstGeom>
+          <a:solidFill>
+            <a:schemeClr val="bg1">
+              <a:lumMod val="95000"/>
+            </a:schemeClr>
+          </a:solidFill>
+          <a:ln>
+            <a:solidFill>
+              <a:schemeClr val="bg1">
+                <a:lumMod val="50000"/>
+              </a:schemeClr>
+            </a:solidFill>
+          </a:ln>
+        </p:spPr>
+        <p:style>
+          <a:lnRef idx="2">
+            <a:schemeClr val="accent1">
+              <a:shade val="50000"/>
+            </a:schemeClr>
+          </a:lnRef>
+          <a:fillRef idx="1">
+            <a:schemeClr val="accent1"/>
+          </a:fillRef>
+          <a:effectRef idx="0">
+            <a:schemeClr val="accent1"/>
+          </a:effectRef>
+          <a:fontRef idx="minor">
+            <a:schemeClr val="lt1"/>
+          </a:fontRef>
+        </p:style>
+        <p:txBody>
+          <a:bodyPr rot="0" spcFirstLastPara="0" vertOverflow="overflow" horzOverflow="overflow" vert="horz" wrap="square" lIns="91440" tIns="45720" rIns="91440" bIns="45720" numCol="1" spcCol="0" rtlCol="0" fromWordArt="0" anchor="ctr" anchorCtr="0" forceAA="0" compatLnSpc="1">
+            <a:prstTxWarp prst="textNoShape">
+              <a:avLst/>
+            </a:prstTxWarp>
+            <a:noAutofit/>
+          </a:bodyPr>
+          <a:lstStyle/>
+          <a:p>
+            <a:pPr algn="ctr"/>
+            <a:r>
+              <a:rPr lang="en-US">
+                <a:solidFill>
+                  <a:schemeClr val="tx1"/>
+                </a:solidFill>
+                <a:latin typeface="Times New Roman" panose="02020603050405020304" pitchFamily="18" charset="0"/>
+                <a:cs typeface="Times New Roman" panose="02020603050405020304" pitchFamily="18" charset="0"/>
+              </a:rPr>
+              <a:t>thematic</a:t>
+            </a:r>
+            <a:r>
+              <a:rPr lang="de-DE">
+                <a:solidFill>
+                  <a:schemeClr val="tx1"/>
+                </a:solidFill>
+                <a:latin typeface="Times New Roman" panose="02020603050405020304" pitchFamily="18" charset="0"/>
+                <a:cs typeface="Times New Roman" panose="02020603050405020304" pitchFamily="18" charset="0"/>
+              </a:rPr>
+              <a:t> </a:t>
+            </a:r>
+            <a:r>
+              <a:rPr lang="en-US" dirty="0">
+                <a:solidFill>
+                  <a:schemeClr val="tx1"/>
+                </a:solidFill>
+                <a:latin typeface="Times New Roman" panose="02020603050405020304" pitchFamily="18" charset="0"/>
+                <a:cs typeface="Times New Roman" panose="02020603050405020304" pitchFamily="18" charset="0"/>
+              </a:rPr>
+              <a:t>map</a:t>
+            </a:r>
+          </a:p>
+        </p:txBody>
+      </p:sp>
+      <p:sp>
+        <p:nvSpPr>
+          <p:cNvPr id="69" name="Flussdiagramm: Prozess 68">
+            <a:extLst>
+              <a:ext uri="{FF2B5EF4-FFF2-40B4-BE49-F238E27FC236}">
+                <a16:creationId xmlns:a16="http://schemas.microsoft.com/office/drawing/2014/main" id="{73A76B9E-D5FC-4E42-8FC6-08CB1DDCDE73}"/>
+              </a:ext>
+            </a:extLst>
+          </p:cNvPr>
+          <p:cNvSpPr/>
+          <p:nvPr/>
+        </p:nvSpPr>
+        <p:spPr>
+          <a:xfrm>
+            <a:off x="12732568" y="8655687"/>
+            <a:ext cx="1224136" cy="864096"/>
+          </a:xfrm>
+          <a:prstGeom prst="flowChartProcess">
+            <a:avLst/>
+          </a:prstGeom>
+          <a:solidFill>
+            <a:schemeClr val="bg1"/>
+          </a:solidFill>
+          <a:ln w="12700">
+            <a:solidFill>
+              <a:schemeClr val="tx1"/>
+            </a:solidFill>
+          </a:ln>
+        </p:spPr>
+        <p:style>
+          <a:lnRef idx="2">
+            <a:schemeClr val="accent1">
+              <a:shade val="50000"/>
+            </a:schemeClr>
+          </a:lnRef>
+          <a:fillRef idx="1">
+            <a:schemeClr val="accent1"/>
+          </a:fillRef>
+          <a:effectRef idx="0">
+            <a:schemeClr val="accent1"/>
+          </a:effectRef>
+          <a:fontRef idx="minor">
+            <a:schemeClr val="lt1"/>
+          </a:fontRef>
+        </p:style>
+        <p:txBody>
+          <a:bodyPr rtlCol="0" anchor="ctr"/>
+          <a:lstStyle/>
+          <a:p>
+            <a:pPr algn="ctr"/>
+            <a:r>
+              <a:rPr lang="en-US" dirty="0">
+                <a:solidFill>
+                  <a:schemeClr val="tx1"/>
+                </a:solidFill>
+                <a:latin typeface="Times New Roman" panose="02020603050405020304" pitchFamily="18" charset="0"/>
+                <a:cs typeface="Times New Roman" panose="02020603050405020304" pitchFamily="18" charset="0"/>
+              </a:rPr>
+              <a:t>relearn model</a:t>
+            </a:r>
+          </a:p>
+        </p:txBody>
+      </p:sp>
+      <mc:AlternateContent xmlns:mc="http://schemas.openxmlformats.org/markup-compatibility/2006">
+        <mc:Choice xmlns:a14="http://schemas.microsoft.com/office/drawing/2010/main" Requires="a14">
+          <p:sp>
+            <p:nvSpPr>
+              <p:cNvPr id="71" name="Textfeld 70">
+                <a:extLst>
+                  <a:ext uri="{FF2B5EF4-FFF2-40B4-BE49-F238E27FC236}">
+                    <a16:creationId xmlns:a16="http://schemas.microsoft.com/office/drawing/2014/main" id="{4369A2E7-EBF5-49C3-95E7-59F9CA722968}"/>
+                  </a:ext>
+                </a:extLst>
+              </p:cNvPr>
+              <p:cNvSpPr txBox="1"/>
+              <p:nvPr/>
+            </p:nvSpPr>
+            <p:spPr>
+              <a:xfrm>
+                <a:off x="9645902" y="9323477"/>
+                <a:ext cx="618054" cy="376770"/>
+              </a:xfrm>
+              <a:prstGeom prst="rect">
+                <a:avLst/>
+              </a:prstGeom>
+              <a:noFill/>
+            </p:spPr>
+            <p:txBody>
+              <a:bodyPr wrap="none" rtlCol="0">
+                <a:spAutoFit/>
+              </a:bodyPr>
+              <a:lstStyle/>
+              <a:p>
+                <a:pPr/>
+                <a14:m>
+                  <m:oMathPara xmlns:m="http://schemas.openxmlformats.org/officeDocument/2006/math">
+                    <m:oMathParaPr>
+                      <m:jc m:val="centerGroup"/>
+                    </m:oMathParaPr>
+                    <m:oMath xmlns:m="http://schemas.openxmlformats.org/officeDocument/2006/math">
+                      <m:sSup>
+                        <m:sSupPr>
+                          <m:ctrlPr>
+                            <a:rPr lang="de-DE" i="1">
+                              <a:latin typeface="Cambria Math" panose="02040503050406030204" pitchFamily="18" charset="0"/>
+                            </a:rPr>
+                          </m:ctrlPr>
+                        </m:sSupPr>
+                        <m:e>
+                          <m:acc>
+                            <m:accPr>
+                              <m:chr m:val="̂"/>
+                              <m:ctrlPr>
+                                <a:rPr lang="de-DE" i="1">
+                                  <a:latin typeface="Cambria Math" panose="02040503050406030204" pitchFamily="18" charset="0"/>
+                                </a:rPr>
+                              </m:ctrlPr>
+                            </m:accPr>
+                            <m:e>
+                              <m:r>
+                                <a:rPr lang="de-DE" i="1">
+                                  <a:latin typeface="Cambria Math"/>
+                                </a:rPr>
+                                <m:t>𝑉</m:t>
+                              </m:r>
+                            </m:e>
+                          </m:acc>
+                        </m:e>
+                        <m:sup>
+                          <m:r>
+                            <a:rPr lang="de-DE" i="1">
+                              <a:latin typeface="Cambria Math"/>
+                            </a:rPr>
+                            <m:t>𝑆𝑉</m:t>
+                          </m:r>
+                        </m:sup>
+                      </m:sSup>
+                    </m:oMath>
+                  </m:oMathPara>
+                </a14:m>
+                <a:endParaRPr lang="de-DE" dirty="0"/>
+              </a:p>
+            </p:txBody>
+          </p:sp>
+        </mc:Choice>
+        <mc:Fallback>
+          <p:sp>
+            <p:nvSpPr>
+              <p:cNvPr id="71" name="Textfeld 70">
+                <a:extLst>
+                  <a:ext uri="{FF2B5EF4-FFF2-40B4-BE49-F238E27FC236}">
+                    <a16:creationId xmlns:a16="http://schemas.microsoft.com/office/drawing/2014/main" id="{4369A2E7-EBF5-49C3-95E7-59F9CA722968}"/>
+                  </a:ext>
+                </a:extLst>
+              </p:cNvPr>
+              <p:cNvSpPr txBox="1">
+                <a:spLocks noRot="1" noChangeAspect="1" noMove="1" noResize="1" noEditPoints="1" noAdjustHandles="1" noChangeArrowheads="1" noChangeShapeType="1" noTextEdit="1"/>
+              </p:cNvSpPr>
+              <p:nvPr/>
+            </p:nvSpPr>
+            <p:spPr>
+              <a:xfrm>
+                <a:off x="9645902" y="9323477"/>
+                <a:ext cx="618054" cy="376770"/>
+              </a:xfrm>
+              <a:prstGeom prst="rect">
+                <a:avLst/>
+              </a:prstGeom>
+              <a:blipFill>
+                <a:blip r:embed="rId9"/>
+                <a:stretch>
+                  <a:fillRect t="-1613"/>
+                </a:stretch>
+              </a:blipFill>
+            </p:spPr>
+            <p:txBody>
+              <a:bodyPr/>
+              <a:lstStyle/>
+              <a:p>
+                <a:r>
+                  <a:rPr lang="en-GB">
+                    <a:noFill/>
+                  </a:rPr>
+                  <a:t> </a:t>
+                </a:r>
+              </a:p>
+            </p:txBody>
+          </p:sp>
+        </mc:Fallback>
+      </mc:AlternateContent>
+      <p:cxnSp>
+        <p:nvCxnSpPr>
+          <p:cNvPr id="72" name="Gewinkelte Verbindung 40">
+            <a:extLst>
+              <a:ext uri="{FF2B5EF4-FFF2-40B4-BE49-F238E27FC236}">
+                <a16:creationId xmlns:a16="http://schemas.microsoft.com/office/drawing/2014/main" id="{ACC94A70-C78B-48C5-A975-C7633D9592DC}"/>
+              </a:ext>
+            </a:extLst>
+          </p:cNvPr>
+          <p:cNvCxnSpPr>
+            <a:cxnSpLocks/>
+            <a:endCxn id="69" idx="0"/>
+          </p:cNvCxnSpPr>
+          <p:nvPr/>
+        </p:nvCxnSpPr>
+        <p:spPr>
+          <a:xfrm>
+            <a:off x="9696400" y="8012607"/>
+            <a:ext cx="2124236" cy="643080"/>
+          </a:xfrm>
+          <a:prstGeom prst="bentConnector2">
+            <a:avLst/>
+          </a:prstGeom>
+          <a:ln w="12700">
+            <a:solidFill>
+              <a:schemeClr val="tx1"/>
+            </a:solidFill>
+            <a:tailEnd type="triangle"/>
+          </a:ln>
+        </p:spPr>
+        <p:style>
+          <a:lnRef idx="1">
+            <a:schemeClr val="accent1"/>
+          </a:lnRef>
+          <a:fillRef idx="0">
+            <a:schemeClr val="accent1"/>
+          </a:fillRef>
+          <a:effectRef idx="0">
+            <a:schemeClr val="accent1"/>
+          </a:effectRef>
+          <a:fontRef idx="minor">
+            <a:schemeClr val="tx1"/>
+          </a:fontRef>
+        </p:style>
+      </p:cxnSp>
+      <p:sp>
+        <p:nvSpPr>
+          <p:cNvPr id="73" name="Textfeld 72">
+            <a:extLst>
+              <a:ext uri="{FF2B5EF4-FFF2-40B4-BE49-F238E27FC236}">
+                <a16:creationId xmlns:a16="http://schemas.microsoft.com/office/drawing/2014/main" id="{4ADD0D47-CD7A-41C5-B1A4-AE05DBCC7037}"/>
+              </a:ext>
+            </a:extLst>
+          </p:cNvPr>
+          <p:cNvSpPr txBox="1"/>
+          <p:nvPr/>
+        </p:nvSpPr>
+        <p:spPr>
+          <a:xfrm>
+            <a:off x="2135560" y="12626774"/>
+            <a:ext cx="2505814" cy="369332"/>
+          </a:xfrm>
+          <a:prstGeom prst="rect">
+            <a:avLst/>
+          </a:prstGeom>
+          <a:noFill/>
+        </p:spPr>
+        <p:txBody>
+          <a:bodyPr wrap="none" rtlCol="0">
+            <a:spAutoFit/>
+          </a:bodyPr>
+          <a:lstStyle/>
+          <a:p>
+            <a:r>
+              <a:rPr lang="en-US" b="1" dirty="0">
+                <a:solidFill>
+                  <a:schemeClr val="tx1">
+                    <a:lumMod val="75000"/>
+                    <a:lumOff val="25000"/>
+                  </a:schemeClr>
+                </a:solidFill>
+                <a:latin typeface="Times New Roman" panose="02020603050405020304" pitchFamily="18" charset="0"/>
+                <a:cs typeface="Times New Roman" panose="02020603050405020304" pitchFamily="18" charset="0"/>
+              </a:rPr>
+              <a:t>encoding of invariances</a:t>
+            </a:r>
+          </a:p>
+        </p:txBody>
+      </p:sp>
+      <p:sp>
+        <p:nvSpPr>
+          <p:cNvPr id="74" name="Textfeld 73">
+            <a:extLst>
+              <a:ext uri="{FF2B5EF4-FFF2-40B4-BE49-F238E27FC236}">
+                <a16:creationId xmlns:a16="http://schemas.microsoft.com/office/drawing/2014/main" id="{F0D2AE11-074D-46B6-BD8F-7B1C25AF1930}"/>
+              </a:ext>
+            </a:extLst>
+          </p:cNvPr>
+          <p:cNvSpPr txBox="1"/>
+          <p:nvPr/>
+        </p:nvSpPr>
+        <p:spPr>
+          <a:xfrm>
+            <a:off x="6587472" y="12619557"/>
+            <a:ext cx="2268570" cy="369332"/>
+          </a:xfrm>
+          <a:prstGeom prst="rect">
+            <a:avLst/>
+          </a:prstGeom>
+          <a:noFill/>
+        </p:spPr>
+        <p:txBody>
+          <a:bodyPr wrap="none" rtlCol="0">
+            <a:spAutoFit/>
+          </a:bodyPr>
+          <a:lstStyle/>
+          <a:p>
+            <a:r>
+              <a:rPr lang="en-US" b="1" dirty="0">
+                <a:solidFill>
+                  <a:schemeClr val="tx1">
+                    <a:lumMod val="75000"/>
+                    <a:lumOff val="25000"/>
+                  </a:schemeClr>
+                </a:solidFill>
+                <a:latin typeface="Times New Roman" panose="02020603050405020304" pitchFamily="18" charset="0"/>
+                <a:cs typeface="Times New Roman" panose="02020603050405020304" pitchFamily="18" charset="0"/>
+              </a:rPr>
+              <a:t>self-learning strategy</a:t>
+            </a:r>
+          </a:p>
+        </p:txBody>
+      </p:sp>
+      <mc:AlternateContent xmlns:mc="http://schemas.openxmlformats.org/markup-compatibility/2006">
+        <mc:Choice xmlns:a14="http://schemas.microsoft.com/office/drawing/2010/main" Requires="a14">
+          <p:sp>
+            <p:nvSpPr>
+              <p:cNvPr id="75" name="Textfeld 74">
+                <a:extLst>
+                  <a:ext uri="{FF2B5EF4-FFF2-40B4-BE49-F238E27FC236}">
+                    <a16:creationId xmlns:a16="http://schemas.microsoft.com/office/drawing/2014/main" id="{5209587B-F018-4E30-8F4C-47DB319279E4}"/>
+                  </a:ext>
+                </a:extLst>
+              </p:cNvPr>
+              <p:cNvSpPr txBox="1"/>
+              <p:nvPr/>
+            </p:nvSpPr>
+            <p:spPr>
+              <a:xfrm>
+                <a:off x="9649792" y="8558279"/>
+                <a:ext cx="1529714" cy="376770"/>
+              </a:xfrm>
+              <a:prstGeom prst="rect">
+                <a:avLst/>
+              </a:prstGeom>
+              <a:noFill/>
+            </p:spPr>
+            <p:txBody>
+              <a:bodyPr wrap="none" rtlCol="0">
+                <a:spAutoFit/>
+              </a:bodyPr>
+              <a:lstStyle/>
+              <a:p>
+                <a:pPr/>
+                <a14:m>
+                  <m:oMathPara xmlns:m="http://schemas.openxmlformats.org/officeDocument/2006/math">
+                    <m:oMathParaPr>
+                      <m:jc m:val="centerGroup"/>
+                    </m:oMathParaPr>
+                    <m:oMath xmlns:m="http://schemas.openxmlformats.org/officeDocument/2006/math">
+                      <m:sSub>
+                        <m:sSubPr>
+                          <m:ctrlPr>
+                            <a:rPr lang="de-DE" i="1">
+                              <a:latin typeface="Cambria Math" panose="02040503050406030204" pitchFamily="18" charset="0"/>
+                            </a:rPr>
+                          </m:ctrlPr>
+                        </m:sSubPr>
+                        <m:e>
+                          <m:acc>
+                            <m:accPr>
+                              <m:chr m:val="̂"/>
+                              <m:ctrlPr>
+                                <a:rPr lang="de-DE" i="1">
+                                  <a:latin typeface="Cambria Math" panose="02040503050406030204" pitchFamily="18" charset="0"/>
+                                </a:rPr>
+                              </m:ctrlPr>
+                            </m:accPr>
+                            <m:e>
+                              <m:r>
+                                <a:rPr lang="en-US" i="1">
+                                  <a:latin typeface="Cambria Math" panose="02040503050406030204" pitchFamily="18" charset="0"/>
+                                </a:rPr>
+                                <m:t>𝑈</m:t>
+                              </m:r>
+                            </m:e>
+                          </m:acc>
+                        </m:e>
+                        <m:sub>
+                          <m:r>
+                            <a:rPr lang="en-US" i="1">
+                              <a:latin typeface="Cambria Math" panose="02040503050406030204" pitchFamily="18" charset="0"/>
+                            </a:rPr>
+                            <m:t>𝑠𝑒𝑚𝑖</m:t>
+                          </m:r>
+                          <m:r>
+                            <a:rPr lang="en-US" i="1">
+                              <a:latin typeface="Cambria Math" panose="02040503050406030204" pitchFamily="18" charset="0"/>
+                            </a:rPr>
+                            <m:t>−</m:t>
+                          </m:r>
+                          <m:r>
+                            <a:rPr lang="en-US" i="1">
+                              <a:latin typeface="Cambria Math" panose="02040503050406030204" pitchFamily="18" charset="0"/>
+                            </a:rPr>
+                            <m:t>𝑙𝑎𝑏𝑒𝑙𝑒𝑑</m:t>
+                          </m:r>
+                        </m:sub>
+                      </m:sSub>
+                    </m:oMath>
+                  </m:oMathPara>
+                </a14:m>
+                <a:endParaRPr lang="de-DE" dirty="0"/>
+              </a:p>
+            </p:txBody>
+          </p:sp>
+        </mc:Choice>
+        <mc:Fallback>
+          <p:sp>
+            <p:nvSpPr>
+              <p:cNvPr id="75" name="Textfeld 74">
+                <a:extLst>
+                  <a:ext uri="{FF2B5EF4-FFF2-40B4-BE49-F238E27FC236}">
+                    <a16:creationId xmlns:a16="http://schemas.microsoft.com/office/drawing/2014/main" id="{5209587B-F018-4E30-8F4C-47DB319279E4}"/>
+                  </a:ext>
+                </a:extLst>
+              </p:cNvPr>
+              <p:cNvSpPr txBox="1">
+                <a:spLocks noRot="1" noChangeAspect="1" noMove="1" noResize="1" noEditPoints="1" noAdjustHandles="1" noChangeArrowheads="1" noChangeShapeType="1" noTextEdit="1"/>
+              </p:cNvSpPr>
+              <p:nvPr/>
+            </p:nvSpPr>
+            <p:spPr>
+              <a:xfrm>
+                <a:off x="9649792" y="8558279"/>
+                <a:ext cx="1529714" cy="376770"/>
+              </a:xfrm>
+              <a:prstGeom prst="rect">
+                <a:avLst/>
+              </a:prstGeom>
+              <a:blipFill>
+                <a:blip r:embed="rId10"/>
+                <a:stretch>
+                  <a:fillRect t="-1613" b="-1613"/>
+                </a:stretch>
+              </a:blipFill>
+            </p:spPr>
+            <p:txBody>
+              <a:bodyPr/>
+              <a:lstStyle/>
+              <a:p>
+                <a:r>
+                  <a:rPr lang="en-GB">
+                    <a:noFill/>
+                  </a:rPr>
+                  <a:t> </a:t>
+                </a:r>
+              </a:p>
+            </p:txBody>
+          </p:sp>
+        </mc:Fallback>
+      </mc:AlternateContent>
+      <p:sp>
+        <p:nvSpPr>
+          <p:cNvPr id="76" name="Textfeld 75">
+            <a:extLst>
+              <a:ext uri="{FF2B5EF4-FFF2-40B4-BE49-F238E27FC236}">
+                <a16:creationId xmlns:a16="http://schemas.microsoft.com/office/drawing/2014/main" id="{554AD4D9-56C8-4D86-8BED-C31CA37C1D48}"/>
+              </a:ext>
+            </a:extLst>
+          </p:cNvPr>
+          <p:cNvSpPr txBox="1"/>
+          <p:nvPr/>
+        </p:nvSpPr>
+        <p:spPr>
+          <a:xfrm>
+            <a:off x="2135560" y="9850907"/>
+            <a:ext cx="3024336" cy="369332"/>
+          </a:xfrm>
+          <a:prstGeom prst="rect">
+            <a:avLst/>
+          </a:prstGeom>
+          <a:noFill/>
+        </p:spPr>
+        <p:txBody>
+          <a:bodyPr wrap="square" rtlCol="0">
+            <a:spAutoFit/>
+          </a:bodyPr>
+          <a:lstStyle/>
+          <a:p>
+            <a:r>
+              <a:rPr lang="en-US" b="1" dirty="0">
+                <a:solidFill>
+                  <a:schemeClr val="tx1">
+                    <a:lumMod val="75000"/>
+                    <a:lumOff val="25000"/>
+                  </a:schemeClr>
+                </a:solidFill>
+                <a:latin typeface="Times New Roman" panose="02020603050405020304" pitchFamily="18" charset="0"/>
+                <a:cs typeface="Times New Roman" panose="02020603050405020304" pitchFamily="18" charset="0"/>
+              </a:rPr>
+              <a:t>virtual semi-labeled samples</a:t>
+            </a:r>
+          </a:p>
+        </p:txBody>
+      </p:sp>
+      <p:cxnSp>
+        <p:nvCxnSpPr>
+          <p:cNvPr id="80" name="Gerade Verbindung mit Pfeil 79">
+            <a:extLst>
+              <a:ext uri="{FF2B5EF4-FFF2-40B4-BE49-F238E27FC236}">
+                <a16:creationId xmlns:a16="http://schemas.microsoft.com/office/drawing/2014/main" id="{64EEF807-9291-427F-A163-053E10A45ED1}"/>
+              </a:ext>
+            </a:extLst>
+          </p:cNvPr>
+          <p:cNvCxnSpPr>
+            <a:cxnSpLocks/>
+          </p:cNvCxnSpPr>
+          <p:nvPr/>
+        </p:nvCxnSpPr>
+        <p:spPr>
+          <a:xfrm>
+            <a:off x="9696400" y="9310109"/>
+            <a:ext cx="1512000" cy="0"/>
+          </a:xfrm>
+          <a:prstGeom prst="straightConnector1">
+            <a:avLst/>
+          </a:prstGeom>
+          <a:ln w="12700">
+            <a:solidFill>
+              <a:schemeClr val="tx1"/>
+            </a:solidFill>
+            <a:tailEnd type="triangle"/>
+          </a:ln>
+        </p:spPr>
+        <p:style>
+          <a:lnRef idx="1">
+            <a:schemeClr val="accent1"/>
+          </a:lnRef>
+          <a:fillRef idx="0">
+            <a:schemeClr val="accent1"/>
+          </a:fillRef>
+          <a:effectRef idx="0">
+            <a:schemeClr val="accent1"/>
+          </a:effectRef>
+          <a:fontRef idx="minor">
+            <a:schemeClr val="tx1"/>
+          </a:fontRef>
+        </p:style>
+      </p:cxnSp>
+      <p:cxnSp>
+        <p:nvCxnSpPr>
+          <p:cNvPr id="81" name="Gerade Verbindung mit Pfeil 80">
+            <a:extLst>
+              <a:ext uri="{FF2B5EF4-FFF2-40B4-BE49-F238E27FC236}">
+                <a16:creationId xmlns:a16="http://schemas.microsoft.com/office/drawing/2014/main" id="{A743B3E2-F9D3-4F72-A73F-E415BC624AA8}"/>
+              </a:ext>
+            </a:extLst>
+          </p:cNvPr>
+          <p:cNvCxnSpPr>
+            <a:cxnSpLocks/>
+          </p:cNvCxnSpPr>
+          <p:nvPr/>
+        </p:nvCxnSpPr>
+        <p:spPr>
+          <a:xfrm>
+            <a:off x="9696568" y="8937369"/>
+            <a:ext cx="1512000" cy="0"/>
+          </a:xfrm>
+          <a:prstGeom prst="straightConnector1">
+            <a:avLst/>
+          </a:prstGeom>
+          <a:ln w="12700">
+            <a:solidFill>
+              <a:schemeClr val="tx1"/>
+            </a:solidFill>
+            <a:tailEnd type="triangle"/>
+          </a:ln>
+        </p:spPr>
+        <p:style>
+          <a:lnRef idx="1">
+            <a:schemeClr val="accent1"/>
+          </a:lnRef>
+          <a:fillRef idx="0">
+            <a:schemeClr val="accent1"/>
+          </a:fillRef>
+          <a:effectRef idx="0">
+            <a:schemeClr val="accent1"/>
+          </a:effectRef>
+          <a:fontRef idx="minor">
+            <a:schemeClr val="tx1"/>
+          </a:fontRef>
+        </p:style>
+      </p:cxnSp>
+      <mc:AlternateContent xmlns:mc="http://schemas.openxmlformats.org/markup-compatibility/2006">
+        <mc:Choice xmlns:a14="http://schemas.microsoft.com/office/drawing/2010/main" Requires="a14">
+          <p:sp>
+            <p:nvSpPr>
+              <p:cNvPr id="82" name="Flussdiagramm: Prozess 81">
+                <a:extLst>
+                  <a:ext uri="{FF2B5EF4-FFF2-40B4-BE49-F238E27FC236}">
+                    <a16:creationId xmlns:a16="http://schemas.microsoft.com/office/drawing/2014/main" id="{3F28CB1B-5AC5-4CB5-A742-459B3FED254A}"/>
+                  </a:ext>
+                </a:extLst>
+              </p:cNvPr>
+              <p:cNvSpPr/>
+              <p:nvPr/>
+            </p:nvSpPr>
+            <p:spPr>
+              <a:xfrm>
+                <a:off x="9408368" y="10100839"/>
+                <a:ext cx="1368152" cy="864096"/>
+              </a:xfrm>
+              <a:prstGeom prst="flowChartProcess">
+                <a:avLst/>
+              </a:prstGeom>
+              <a:solidFill>
+                <a:schemeClr val="bg1"/>
+              </a:solidFill>
+              <a:ln w="12700">
+                <a:solidFill>
+                  <a:schemeClr val="tx1"/>
+                </a:solidFill>
+              </a:ln>
+            </p:spPr>
+            <p:style>
+              <a:lnRef idx="2">
+                <a:schemeClr val="accent1">
+                  <a:shade val="50000"/>
+                </a:schemeClr>
+              </a:lnRef>
+              <a:fillRef idx="1">
+                <a:schemeClr val="accent1"/>
+              </a:fillRef>
+              <a:effectRef idx="0">
+                <a:schemeClr val="accent1"/>
+              </a:effectRef>
+              <a:fontRef idx="minor">
+                <a:schemeClr val="lt1"/>
+              </a:fontRef>
+            </p:style>
+            <p:txBody>
+              <a:bodyPr rtlCol="0" anchor="ctr"/>
+              <a:lstStyle/>
+              <a:p>
+                <a:pPr algn="ctr"/>
+                <a:r>
+                  <a:rPr lang="en-US" dirty="0">
+                    <a:solidFill>
+                      <a:schemeClr val="tx1"/>
+                    </a:solidFill>
+                    <a:latin typeface="Times New Roman" panose="02020603050405020304" pitchFamily="18" charset="0"/>
+                    <a:cs typeface="Times New Roman" panose="02020603050405020304" pitchFamily="18" charset="0"/>
+                  </a:rPr>
+                  <a:t>extract</a:t>
+                </a:r>
+              </a:p>
+              <a:p>
+                <a:pPr algn="ctr"/>
+                <a:r>
+                  <a:rPr lang="en-US" dirty="0">
+                    <a:solidFill>
+                      <a:schemeClr val="tx1"/>
+                    </a:solidFill>
+                    <a:latin typeface="Times New Roman" panose="02020603050405020304" pitchFamily="18" charset="0"/>
+                    <a:cs typeface="Times New Roman" panose="02020603050405020304" pitchFamily="18" charset="0"/>
+                  </a:rPr>
+                  <a:t>SVs of </a:t>
+                </a:r>
+                <a14:m>
+                  <m:oMath xmlns:m="http://schemas.openxmlformats.org/officeDocument/2006/math">
+                    <m:sSub>
+                      <m:sSubPr>
+                        <m:ctrlPr>
+                          <a:rPr lang="de-DE" i="1">
+                            <a:solidFill>
+                              <a:schemeClr val="tx1"/>
+                            </a:solidFill>
+                            <a:latin typeface="Cambria Math" panose="02040503050406030204" pitchFamily="18" charset="0"/>
+                          </a:rPr>
+                        </m:ctrlPr>
+                      </m:sSubPr>
+                      <m:e>
+                        <m:acc>
+                          <m:accPr>
+                            <m:chr m:val="̂"/>
+                            <m:ctrlPr>
+                              <a:rPr lang="de-DE" i="1">
+                                <a:solidFill>
+                                  <a:schemeClr val="tx1"/>
+                                </a:solidFill>
+                                <a:latin typeface="Cambria Math" panose="02040503050406030204" pitchFamily="18" charset="0"/>
+                              </a:rPr>
+                            </m:ctrlPr>
+                          </m:accPr>
+                          <m:e>
+                            <m:r>
+                              <a:rPr lang="en-US" i="1">
+                                <a:solidFill>
+                                  <a:schemeClr val="tx1"/>
+                                </a:solidFill>
+                                <a:latin typeface="Cambria Math" panose="02040503050406030204" pitchFamily="18" charset="0"/>
+                              </a:rPr>
+                              <m:t>𝑈</m:t>
+                            </m:r>
+                          </m:e>
+                        </m:acc>
+                      </m:e>
+                      <m:sub>
+                        <m:r>
+                          <a:rPr lang="en-US" i="1">
+                            <a:solidFill>
+                              <a:schemeClr val="tx1"/>
+                            </a:solidFill>
+                            <a:latin typeface="Cambria Math" panose="02040503050406030204" pitchFamily="18" charset="0"/>
+                          </a:rPr>
+                          <m:t>𝑠𝑒𝑚𝑖</m:t>
+                        </m:r>
+                        <m:r>
+                          <a:rPr lang="en-US" i="1">
+                            <a:solidFill>
+                              <a:schemeClr val="tx1"/>
+                            </a:solidFill>
+                            <a:latin typeface="Cambria Math" panose="02040503050406030204" pitchFamily="18" charset="0"/>
+                          </a:rPr>
+                          <m:t>−</m:t>
+                        </m:r>
+                        <m:r>
+                          <a:rPr lang="en-US" i="1">
+                            <a:solidFill>
+                              <a:schemeClr val="tx1"/>
+                            </a:solidFill>
+                            <a:latin typeface="Cambria Math" panose="02040503050406030204" pitchFamily="18" charset="0"/>
+                          </a:rPr>
+                          <m:t>𝑙𝑎𝑏𝑒𝑙𝑒𝑑</m:t>
+                        </m:r>
+                      </m:sub>
+                    </m:sSub>
+                  </m:oMath>
+                </a14:m>
+                <a:r>
+                  <a:rPr lang="en-US" dirty="0">
+                    <a:solidFill>
+                      <a:schemeClr val="tx1"/>
+                    </a:solidFill>
+                  </a:rPr>
+                  <a:t> </a:t>
+                </a:r>
+                <a:endParaRPr lang="en-US" dirty="0">
+                  <a:solidFill>
+                    <a:schemeClr val="tx1"/>
+                  </a:solidFill>
+                  <a:latin typeface="Times New Roman" panose="02020603050405020304" pitchFamily="18" charset="0"/>
+                  <a:cs typeface="Times New Roman" panose="02020603050405020304" pitchFamily="18" charset="0"/>
+                </a:endParaRPr>
+              </a:p>
+            </p:txBody>
+          </p:sp>
+        </mc:Choice>
+        <mc:Fallback>
+          <p:sp>
+            <p:nvSpPr>
+              <p:cNvPr id="82" name="Flussdiagramm: Prozess 81">
+                <a:extLst>
+                  <a:ext uri="{FF2B5EF4-FFF2-40B4-BE49-F238E27FC236}">
+                    <a16:creationId xmlns:a16="http://schemas.microsoft.com/office/drawing/2014/main" id="{3F28CB1B-5AC5-4CB5-A742-459B3FED254A}"/>
+                  </a:ext>
+                </a:extLst>
+              </p:cNvPr>
+              <p:cNvSpPr>
+                <a:spLocks noRot="1" noChangeAspect="1" noMove="1" noResize="1" noEditPoints="1" noAdjustHandles="1" noChangeArrowheads="1" noChangeShapeType="1" noTextEdit="1"/>
+              </p:cNvSpPr>
+              <p:nvPr/>
+            </p:nvSpPr>
+            <p:spPr>
+              <a:xfrm>
+                <a:off x="9408368" y="10100839"/>
+                <a:ext cx="1368152" cy="864096"/>
+              </a:xfrm>
+              <a:prstGeom prst="flowChartProcess">
+                <a:avLst/>
+              </a:prstGeom>
+              <a:blipFill>
+                <a:blip r:embed="rId11"/>
+                <a:stretch>
+                  <a:fillRect l="-2203" t="-6250" r="-441" b="-3472"/>
+                </a:stretch>
+              </a:blipFill>
+              <a:ln w="12700">
+                <a:solidFill>
+                  <a:schemeClr val="tx1"/>
+                </a:solidFill>
+              </a:ln>
+            </p:spPr>
+            <p:txBody>
+              <a:bodyPr/>
+              <a:lstStyle/>
+              <a:p>
+                <a:r>
+                  <a:rPr lang="en-GB">
+                    <a:noFill/>
+                  </a:rPr>
+                  <a:t> </a:t>
+                </a:r>
+              </a:p>
+            </p:txBody>
+          </p:sp>
+        </mc:Fallback>
+      </mc:AlternateContent>
+      <p:cxnSp>
+        <p:nvCxnSpPr>
+          <p:cNvPr id="83" name="Gerade Verbindung mit Pfeil 82">
+            <a:extLst>
+              <a:ext uri="{FF2B5EF4-FFF2-40B4-BE49-F238E27FC236}">
+                <a16:creationId xmlns:a16="http://schemas.microsoft.com/office/drawing/2014/main" id="{A19FD576-056F-47CC-B96B-AD1950DFA757}"/>
+              </a:ext>
+            </a:extLst>
+          </p:cNvPr>
+          <p:cNvCxnSpPr>
+            <a:cxnSpLocks/>
+          </p:cNvCxnSpPr>
+          <p:nvPr/>
+        </p:nvCxnSpPr>
+        <p:spPr>
+          <a:xfrm>
+            <a:off x="13344397" y="9504062"/>
+            <a:ext cx="239" cy="596777"/>
+          </a:xfrm>
+          <a:prstGeom prst="straightConnector1">
+            <a:avLst/>
+          </a:prstGeom>
+          <a:ln w="12700">
+            <a:solidFill>
+              <a:schemeClr val="tx1"/>
+            </a:solidFill>
+            <a:tailEnd type="triangle"/>
+          </a:ln>
+        </p:spPr>
+        <p:style>
+          <a:lnRef idx="1">
+            <a:schemeClr val="accent1"/>
+          </a:lnRef>
+          <a:fillRef idx="0">
+            <a:schemeClr val="accent1"/>
+          </a:fillRef>
+          <a:effectRef idx="0">
+            <a:schemeClr val="accent1"/>
+          </a:effectRef>
+          <a:fontRef idx="minor">
+            <a:schemeClr val="tx1"/>
+          </a:fontRef>
+        </p:style>
+      </p:cxnSp>
+      <p:sp>
+        <p:nvSpPr>
+          <p:cNvPr id="84" name="Flussdiagramm: Prozess 83">
+            <a:extLst>
+              <a:ext uri="{FF2B5EF4-FFF2-40B4-BE49-F238E27FC236}">
+                <a16:creationId xmlns:a16="http://schemas.microsoft.com/office/drawing/2014/main" id="{C0F20B66-B7F8-4A93-ABDA-ECBBBA590C5C}"/>
+              </a:ext>
+            </a:extLst>
+          </p:cNvPr>
+          <p:cNvSpPr/>
+          <p:nvPr/>
+        </p:nvSpPr>
+        <p:spPr>
+          <a:xfrm>
+            <a:off x="4007768" y="11352523"/>
+            <a:ext cx="1224136" cy="1157157"/>
+          </a:xfrm>
+          <a:prstGeom prst="flowChartProcess">
+            <a:avLst/>
+          </a:prstGeom>
+          <a:solidFill>
+            <a:schemeClr val="bg1"/>
+          </a:solidFill>
+          <a:ln w="12700">
+            <a:solidFill>
+              <a:schemeClr val="tx1"/>
+            </a:solidFill>
+          </a:ln>
+        </p:spPr>
+        <p:style>
+          <a:lnRef idx="2">
+            <a:schemeClr val="accent1">
+              <a:shade val="50000"/>
+            </a:schemeClr>
+          </a:lnRef>
+          <a:fillRef idx="1">
+            <a:schemeClr val="accent1"/>
+          </a:fillRef>
+          <a:effectRef idx="0">
+            <a:schemeClr val="accent1"/>
+          </a:effectRef>
+          <a:fontRef idx="minor">
+            <a:schemeClr val="lt1"/>
+          </a:fontRef>
+        </p:style>
+        <p:txBody>
+          <a:bodyPr rtlCol="0" anchor="ctr"/>
+          <a:lstStyle/>
+          <a:p>
+            <a:pPr algn="ctr"/>
+            <a:r>
+              <a:rPr lang="en-US" dirty="0">
+                <a:solidFill>
+                  <a:schemeClr val="tx1"/>
+                </a:solidFill>
+                <a:latin typeface="Times New Roman" panose="02020603050405020304" pitchFamily="18" charset="0"/>
+                <a:cs typeface="Times New Roman" panose="02020603050405020304" pitchFamily="18" charset="0"/>
+              </a:rPr>
+              <a:t>compute</a:t>
+            </a:r>
+          </a:p>
+          <a:p>
+            <a:pPr algn="ctr"/>
+            <a:r>
+              <a:rPr lang="en-US" dirty="0">
+                <a:solidFill>
+                  <a:schemeClr val="tx1"/>
+                </a:solidFill>
+                <a:latin typeface="Times New Roman" panose="02020603050405020304" pitchFamily="18" charset="0"/>
+                <a:cs typeface="Times New Roman" panose="02020603050405020304" pitchFamily="18" charset="0"/>
+              </a:rPr>
+              <a:t>object</a:t>
+            </a:r>
+          </a:p>
+          <a:p>
+            <a:pPr algn="ctr"/>
+            <a:r>
+              <a:rPr lang="en-US" dirty="0">
+                <a:solidFill>
+                  <a:schemeClr val="tx1"/>
+                </a:solidFill>
+                <a:latin typeface="Times New Roman" panose="02020603050405020304" pitchFamily="18" charset="0"/>
+                <a:cs typeface="Times New Roman" panose="02020603050405020304" pitchFamily="18" charset="0"/>
+              </a:rPr>
+              <a:t>features</a:t>
+            </a:r>
+          </a:p>
+        </p:txBody>
+      </p:sp>
+      <p:sp>
+        <p:nvSpPr>
+          <p:cNvPr id="85" name="Flussdiagramm: Prozess 84">
+            <a:extLst>
+              <a:ext uri="{FF2B5EF4-FFF2-40B4-BE49-F238E27FC236}">
+                <a16:creationId xmlns:a16="http://schemas.microsoft.com/office/drawing/2014/main" id="{C1D26FF9-66A6-4EB7-AAD2-77C4F4367DFF}"/>
+              </a:ext>
+            </a:extLst>
+          </p:cNvPr>
+          <p:cNvSpPr/>
+          <p:nvPr/>
+        </p:nvSpPr>
+        <p:spPr>
+          <a:xfrm>
+            <a:off x="2495600" y="11352524"/>
+            <a:ext cx="1368152" cy="1157158"/>
+          </a:xfrm>
+          <a:prstGeom prst="flowChartProcess">
+            <a:avLst/>
+          </a:prstGeom>
+          <a:solidFill>
+            <a:schemeClr val="bg1"/>
+          </a:solidFill>
+          <a:ln w="12700">
+            <a:solidFill>
+              <a:schemeClr val="tx1"/>
+            </a:solidFill>
+          </a:ln>
+        </p:spPr>
+        <p:style>
+          <a:lnRef idx="2">
+            <a:schemeClr val="accent1">
+              <a:shade val="50000"/>
+            </a:schemeClr>
+          </a:lnRef>
+          <a:fillRef idx="1">
+            <a:schemeClr val="accent1"/>
+          </a:fillRef>
+          <a:effectRef idx="0">
+            <a:schemeClr val="accent1"/>
+          </a:effectRef>
+          <a:fontRef idx="minor">
+            <a:schemeClr val="lt1"/>
+          </a:fontRef>
+        </p:style>
+        <p:txBody>
+          <a:bodyPr rtlCol="0" anchor="ctr"/>
+          <a:lstStyle/>
+          <a:p>
+            <a:pPr algn="ctr"/>
+            <a:r>
+              <a:rPr lang="en-US" dirty="0">
+                <a:solidFill>
+                  <a:schemeClr val="tx1"/>
+                </a:solidFill>
+                <a:latin typeface="Times New Roman" panose="02020603050405020304" pitchFamily="18" charset="0"/>
+                <a:cs typeface="Times New Roman" panose="02020603050405020304" pitchFamily="18" charset="0"/>
+              </a:rPr>
+              <a:t>identify virtual semi- labeled samples</a:t>
+            </a:r>
+          </a:p>
+        </p:txBody>
+      </p:sp>
+      <p:sp>
+        <p:nvSpPr>
+          <p:cNvPr id="86" name="Flussdiagramm: Prozess 85">
+            <a:extLst>
+              <a:ext uri="{FF2B5EF4-FFF2-40B4-BE49-F238E27FC236}">
+                <a16:creationId xmlns:a16="http://schemas.microsoft.com/office/drawing/2014/main" id="{A52E7B69-60BF-47F2-89CD-5DC909160E44}"/>
+              </a:ext>
+            </a:extLst>
+          </p:cNvPr>
+          <p:cNvSpPr/>
+          <p:nvPr/>
+        </p:nvSpPr>
+        <p:spPr>
+          <a:xfrm>
+            <a:off x="6753344" y="11352523"/>
+            <a:ext cx="1224136" cy="1157155"/>
+          </a:xfrm>
+          <a:prstGeom prst="flowChartProcess">
+            <a:avLst/>
+          </a:prstGeom>
+          <a:solidFill>
+            <a:schemeClr val="bg1"/>
+          </a:solidFill>
+          <a:ln w="12700">
+            <a:solidFill>
+              <a:schemeClr val="tx1"/>
+            </a:solidFill>
+          </a:ln>
+        </p:spPr>
+        <p:style>
+          <a:lnRef idx="2">
+            <a:schemeClr val="accent1">
+              <a:shade val="50000"/>
+            </a:schemeClr>
+          </a:lnRef>
+          <a:fillRef idx="1">
+            <a:schemeClr val="accent1"/>
+          </a:fillRef>
+          <a:effectRef idx="0">
+            <a:schemeClr val="accent1"/>
+          </a:effectRef>
+          <a:fontRef idx="minor">
+            <a:schemeClr val="lt1"/>
+          </a:fontRef>
+        </p:style>
+        <p:txBody>
+          <a:bodyPr rtlCol="0" anchor="ctr"/>
+          <a:lstStyle/>
+          <a:p>
+            <a:pPr algn="ctr"/>
+            <a:r>
+              <a:rPr lang="en-US" dirty="0">
+                <a:solidFill>
+                  <a:schemeClr val="tx1"/>
+                </a:solidFill>
+                <a:latin typeface="Times New Roman" panose="02020603050405020304" pitchFamily="18" charset="0"/>
+                <a:cs typeface="Times New Roman" panose="02020603050405020304" pitchFamily="18" charset="0"/>
+              </a:rPr>
+              <a:t>similarity constraint</a:t>
+            </a:r>
+          </a:p>
+        </p:txBody>
+      </p:sp>
+      <p:sp>
+        <p:nvSpPr>
+          <p:cNvPr id="87" name="Flussdiagramm: Prozess 86">
+            <a:extLst>
+              <a:ext uri="{FF2B5EF4-FFF2-40B4-BE49-F238E27FC236}">
+                <a16:creationId xmlns:a16="http://schemas.microsoft.com/office/drawing/2014/main" id="{84A22CD0-8B1C-4075-8C71-9E18C0769E1B}"/>
+              </a:ext>
+            </a:extLst>
+          </p:cNvPr>
+          <p:cNvSpPr/>
+          <p:nvPr/>
+        </p:nvSpPr>
+        <p:spPr>
+          <a:xfrm>
+            <a:off x="8121496" y="11352523"/>
+            <a:ext cx="1224136" cy="1157151"/>
+          </a:xfrm>
+          <a:prstGeom prst="flowChartProcess">
+            <a:avLst/>
+          </a:prstGeom>
+          <a:solidFill>
+            <a:schemeClr val="bg1"/>
+          </a:solidFill>
+          <a:ln w="12700">
+            <a:solidFill>
+              <a:schemeClr val="tx1"/>
+            </a:solidFill>
+          </a:ln>
+        </p:spPr>
+        <p:style>
+          <a:lnRef idx="2">
+            <a:schemeClr val="accent1">
+              <a:shade val="50000"/>
+            </a:schemeClr>
+          </a:lnRef>
+          <a:fillRef idx="1">
+            <a:schemeClr val="accent1"/>
+          </a:fillRef>
+          <a:effectRef idx="0">
+            <a:schemeClr val="accent1"/>
+          </a:effectRef>
+          <a:fontRef idx="minor">
+            <a:schemeClr val="lt1"/>
+          </a:fontRef>
+        </p:style>
+        <p:txBody>
+          <a:bodyPr rtlCol="0" anchor="ctr"/>
+          <a:lstStyle/>
+          <a:p>
+            <a:pPr algn="ctr"/>
+            <a:r>
+              <a:rPr lang="en-US" dirty="0">
+                <a:solidFill>
+                  <a:schemeClr val="tx1"/>
+                </a:solidFill>
+                <a:latin typeface="Times New Roman" panose="02020603050405020304" pitchFamily="18" charset="0"/>
+                <a:cs typeface="Times New Roman" panose="02020603050405020304" pitchFamily="18" charset="0"/>
+              </a:rPr>
+              <a:t>margin sampling constraint</a:t>
+            </a:r>
+          </a:p>
+        </p:txBody>
+      </p:sp>
+      <p:cxnSp>
+        <p:nvCxnSpPr>
+          <p:cNvPr id="88" name="Gerade Verbindung mit Pfeil 87">
+            <a:extLst>
+              <a:ext uri="{FF2B5EF4-FFF2-40B4-BE49-F238E27FC236}">
+                <a16:creationId xmlns:a16="http://schemas.microsoft.com/office/drawing/2014/main" id="{B0516AE1-995B-47C5-A79C-CFB5771AAD1C}"/>
+              </a:ext>
+            </a:extLst>
+          </p:cNvPr>
+          <p:cNvCxnSpPr>
+            <a:cxnSpLocks/>
+            <a:stCxn id="85" idx="3"/>
+            <a:endCxn id="84" idx="1"/>
+          </p:cNvCxnSpPr>
+          <p:nvPr/>
+        </p:nvCxnSpPr>
+        <p:spPr>
+          <a:xfrm flipV="1">
+            <a:off x="3863752" y="11931102"/>
+            <a:ext cx="144016" cy="1"/>
+          </a:xfrm>
+          <a:prstGeom prst="straightConnector1">
+            <a:avLst/>
+          </a:prstGeom>
+          <a:ln w="12700">
+            <a:solidFill>
+              <a:schemeClr val="tx1"/>
+            </a:solidFill>
+            <a:tailEnd type="triangle"/>
+          </a:ln>
+        </p:spPr>
+        <p:style>
+          <a:lnRef idx="1">
+            <a:schemeClr val="accent1"/>
+          </a:lnRef>
+          <a:fillRef idx="0">
+            <a:schemeClr val="accent1"/>
+          </a:fillRef>
+          <a:effectRef idx="0">
+            <a:schemeClr val="accent1"/>
+          </a:effectRef>
+          <a:fontRef idx="minor">
+            <a:schemeClr val="tx1"/>
+          </a:fontRef>
+        </p:style>
+      </p:cxnSp>
+      <p:cxnSp>
+        <p:nvCxnSpPr>
+          <p:cNvPr id="89" name="Gerade Verbindung mit Pfeil 88">
+            <a:extLst>
+              <a:ext uri="{FF2B5EF4-FFF2-40B4-BE49-F238E27FC236}">
+                <a16:creationId xmlns:a16="http://schemas.microsoft.com/office/drawing/2014/main" id="{EC878848-EC95-4D2E-BF8F-3DAC60BB8F6B}"/>
+              </a:ext>
+            </a:extLst>
+          </p:cNvPr>
+          <p:cNvCxnSpPr>
+            <a:cxnSpLocks/>
+          </p:cNvCxnSpPr>
+          <p:nvPr/>
+        </p:nvCxnSpPr>
+        <p:spPr>
+          <a:xfrm>
+            <a:off x="5231904" y="11941679"/>
+            <a:ext cx="1521440" cy="0"/>
+          </a:xfrm>
+          <a:prstGeom prst="straightConnector1">
+            <a:avLst/>
+          </a:prstGeom>
+          <a:ln w="12700">
+            <a:solidFill>
+              <a:schemeClr val="tx1"/>
+            </a:solidFill>
+            <a:tailEnd type="triangle"/>
+          </a:ln>
+        </p:spPr>
+        <p:style>
+          <a:lnRef idx="1">
+            <a:schemeClr val="accent1"/>
+          </a:lnRef>
+          <a:fillRef idx="0">
+            <a:schemeClr val="accent1"/>
+          </a:fillRef>
+          <a:effectRef idx="0">
+            <a:schemeClr val="accent1"/>
+          </a:effectRef>
+          <a:fontRef idx="minor">
+            <a:schemeClr val="tx1"/>
+          </a:fontRef>
+        </p:style>
+      </p:cxnSp>
+      <p:cxnSp>
+        <p:nvCxnSpPr>
+          <p:cNvPr id="90" name="Gerade Verbindung mit Pfeil 89">
+            <a:extLst>
+              <a:ext uri="{FF2B5EF4-FFF2-40B4-BE49-F238E27FC236}">
+                <a16:creationId xmlns:a16="http://schemas.microsoft.com/office/drawing/2014/main" id="{53374B81-F6C8-4B7D-B399-03C727580D7B}"/>
+              </a:ext>
+            </a:extLst>
+          </p:cNvPr>
+          <p:cNvCxnSpPr>
+            <a:cxnSpLocks/>
+          </p:cNvCxnSpPr>
+          <p:nvPr/>
+        </p:nvCxnSpPr>
+        <p:spPr>
+          <a:xfrm>
+            <a:off x="7977480" y="11941679"/>
+            <a:ext cx="144016" cy="0"/>
+          </a:xfrm>
+          <a:prstGeom prst="straightConnector1">
+            <a:avLst/>
+          </a:prstGeom>
+          <a:ln w="12700">
+            <a:solidFill>
+              <a:schemeClr val="tx1"/>
+            </a:solidFill>
+            <a:tailEnd type="triangle"/>
+          </a:ln>
+        </p:spPr>
+        <p:style>
+          <a:lnRef idx="1">
+            <a:schemeClr val="accent1"/>
+          </a:lnRef>
+          <a:fillRef idx="0">
+            <a:schemeClr val="accent1"/>
+          </a:fillRef>
+          <a:effectRef idx="0">
+            <a:schemeClr val="accent1"/>
+          </a:effectRef>
+          <a:fontRef idx="minor">
+            <a:schemeClr val="tx1"/>
+          </a:fontRef>
+        </p:style>
+      </p:cxnSp>
+      <mc:AlternateContent xmlns:mc="http://schemas.openxmlformats.org/markup-compatibility/2006">
+        <mc:Choice xmlns:a14="http://schemas.microsoft.com/office/drawing/2010/main" Requires="a14">
+          <p:sp>
+            <p:nvSpPr>
+              <p:cNvPr id="91" name="Textfeld 90">
+                <a:extLst>
+                  <a:ext uri="{FF2B5EF4-FFF2-40B4-BE49-F238E27FC236}">
+                    <a16:creationId xmlns:a16="http://schemas.microsoft.com/office/drawing/2014/main" id="{EB74F641-71FD-4329-BDF1-EBBCD6C2E81F}"/>
+                  </a:ext>
+                </a:extLst>
+              </p:cNvPr>
+              <p:cNvSpPr txBox="1"/>
+              <p:nvPr/>
+            </p:nvSpPr>
+            <p:spPr>
+              <a:xfrm>
+                <a:off x="5163282" y="11941679"/>
+                <a:ext cx="1498744" cy="386324"/>
+              </a:xfrm>
+              <a:prstGeom prst="rect">
+                <a:avLst/>
+              </a:prstGeom>
+              <a:noFill/>
+            </p:spPr>
+            <p:txBody>
+              <a:bodyPr wrap="none" rtlCol="0">
+                <a:spAutoFit/>
+              </a:bodyPr>
+              <a:lstStyle/>
+              <a:p>
+                <a:pPr/>
+                <a14:m>
+                  <m:oMathPara xmlns:m="http://schemas.openxmlformats.org/officeDocument/2006/math">
+                    <m:oMathParaPr>
+                      <m:jc m:val="centerGroup"/>
+                    </m:oMathParaPr>
+                    <m:oMath xmlns:m="http://schemas.openxmlformats.org/officeDocument/2006/math">
+                      <m:sSubSup>
+                        <m:sSubSupPr>
+                          <m:ctrlPr>
+                            <a:rPr lang="de-DE" i="1">
+                              <a:latin typeface="Cambria Math" panose="02040503050406030204" pitchFamily="18" charset="0"/>
+                            </a:rPr>
+                          </m:ctrlPr>
+                        </m:sSubSupPr>
+                        <m:e>
+                          <m:r>
+                            <a:rPr lang="en-US" i="1">
+                              <a:latin typeface="Cambria Math" panose="02040503050406030204" pitchFamily="18" charset="0"/>
+                            </a:rPr>
+                            <m:t>𝑉</m:t>
+                          </m:r>
+                        </m:e>
+                        <m:sub>
+                          <m:r>
+                            <a:rPr lang="en-US" i="1">
+                              <a:latin typeface="Cambria Math" panose="02040503050406030204" pitchFamily="18" charset="0"/>
+                            </a:rPr>
+                            <m:t>𝑠𝑒𝑚𝑖</m:t>
+                          </m:r>
+                          <m:r>
+                            <a:rPr lang="en-US" i="1">
+                              <a:latin typeface="Cambria Math" panose="02040503050406030204" pitchFamily="18" charset="0"/>
+                            </a:rPr>
+                            <m:t>−</m:t>
+                          </m:r>
+                          <m:r>
+                            <a:rPr lang="en-US" i="1">
+                              <a:latin typeface="Cambria Math" panose="02040503050406030204" pitchFamily="18" charset="0"/>
+                            </a:rPr>
+                            <m:t>𝑙𝑎𝑏𝑒𝑙𝑒𝑑</m:t>
+                          </m:r>
+                        </m:sub>
+                        <m:sup>
+                          <m:r>
+                            <a:rPr lang="en-US" i="1">
+                              <a:latin typeface="Cambria Math" panose="02040503050406030204" pitchFamily="18" charset="0"/>
+                            </a:rPr>
+                            <m:t>𝑈</m:t>
+                          </m:r>
+                        </m:sup>
+                      </m:sSubSup>
+                    </m:oMath>
+                  </m:oMathPara>
+                </a14:m>
+                <a:endParaRPr lang="de-DE" dirty="0"/>
+              </a:p>
+            </p:txBody>
+          </p:sp>
+        </mc:Choice>
+        <mc:Fallback>
+          <p:sp>
+            <p:nvSpPr>
+              <p:cNvPr id="91" name="Textfeld 90">
+                <a:extLst>
+                  <a:ext uri="{FF2B5EF4-FFF2-40B4-BE49-F238E27FC236}">
+                    <a16:creationId xmlns:a16="http://schemas.microsoft.com/office/drawing/2014/main" id="{EB74F641-71FD-4329-BDF1-EBBCD6C2E81F}"/>
+                  </a:ext>
+                </a:extLst>
+              </p:cNvPr>
+              <p:cNvSpPr txBox="1">
+                <a:spLocks noRot="1" noChangeAspect="1" noMove="1" noResize="1" noEditPoints="1" noAdjustHandles="1" noChangeArrowheads="1" noChangeShapeType="1" noTextEdit="1"/>
+              </p:cNvSpPr>
+              <p:nvPr/>
+            </p:nvSpPr>
+            <p:spPr>
+              <a:xfrm>
+                <a:off x="5163282" y="11941679"/>
+                <a:ext cx="1498744" cy="386324"/>
+              </a:xfrm>
+              <a:prstGeom prst="rect">
+                <a:avLst/>
+              </a:prstGeom>
+              <a:blipFill>
+                <a:blip r:embed="rId12"/>
+                <a:stretch>
+                  <a:fillRect b="-4762"/>
+                </a:stretch>
+              </a:blipFill>
+            </p:spPr>
+            <p:txBody>
+              <a:bodyPr/>
+              <a:lstStyle/>
+              <a:p>
+                <a:r>
+                  <a:rPr lang="en-GB">
+                    <a:noFill/>
+                  </a:rPr>
+                  <a:t> </a:t>
+                </a:r>
+              </a:p>
+            </p:txBody>
+          </p:sp>
+        </mc:Fallback>
+      </mc:AlternateContent>
+      <mc:AlternateContent xmlns:mc="http://schemas.openxmlformats.org/markup-compatibility/2006">
+        <mc:Choice xmlns:a14="http://schemas.microsoft.com/office/drawing/2010/main" Requires="a14">
+          <p:sp>
+            <p:nvSpPr>
+              <p:cNvPr id="92" name="Textfeld 91">
+                <a:extLst>
+                  <a:ext uri="{FF2B5EF4-FFF2-40B4-BE49-F238E27FC236}">
+                    <a16:creationId xmlns:a16="http://schemas.microsoft.com/office/drawing/2014/main" id="{005CED5F-3D49-4D14-A74A-82040A2B6336}"/>
+                  </a:ext>
+                </a:extLst>
+              </p:cNvPr>
+              <p:cNvSpPr txBox="1"/>
+              <p:nvPr/>
+            </p:nvSpPr>
+            <p:spPr>
+              <a:xfrm>
+                <a:off x="9302492" y="11950146"/>
+                <a:ext cx="1498744" cy="386324"/>
+              </a:xfrm>
+              <a:prstGeom prst="rect">
+                <a:avLst/>
+              </a:prstGeom>
+              <a:noFill/>
+            </p:spPr>
+            <p:txBody>
+              <a:bodyPr wrap="none" rtlCol="0">
+                <a:spAutoFit/>
+              </a:bodyPr>
+              <a:lstStyle/>
+              <a:p>
+                <a:pPr/>
+                <a14:m>
+                  <m:oMathPara xmlns:m="http://schemas.openxmlformats.org/officeDocument/2006/math">
+                    <m:oMathParaPr>
+                      <m:jc m:val="centerGroup"/>
+                    </m:oMathParaPr>
+                    <m:oMath xmlns:m="http://schemas.openxmlformats.org/officeDocument/2006/math">
+                      <m:sSubSup>
+                        <m:sSubSupPr>
+                          <m:ctrlPr>
+                            <a:rPr lang="de-DE" i="1">
+                              <a:latin typeface="Cambria Math" panose="02040503050406030204" pitchFamily="18" charset="0"/>
+                            </a:rPr>
+                          </m:ctrlPr>
+                        </m:sSubSupPr>
+                        <m:e>
+                          <m:acc>
+                            <m:accPr>
+                              <m:chr m:val="̂"/>
+                              <m:ctrlPr>
+                                <a:rPr lang="de-DE" i="1">
+                                  <a:latin typeface="Cambria Math" panose="02040503050406030204" pitchFamily="18" charset="0"/>
+                                </a:rPr>
+                              </m:ctrlPr>
+                            </m:accPr>
+                            <m:e>
+                              <m:r>
+                                <a:rPr lang="en-US" i="1">
+                                  <a:latin typeface="Cambria Math" panose="02040503050406030204" pitchFamily="18" charset="0"/>
+                                </a:rPr>
+                                <m:t>𝑉</m:t>
+                              </m:r>
+                            </m:e>
+                          </m:acc>
+                        </m:e>
+                        <m:sub>
+                          <m:r>
+                            <a:rPr lang="en-US" i="1">
+                              <a:latin typeface="Cambria Math" panose="02040503050406030204" pitchFamily="18" charset="0"/>
+                            </a:rPr>
+                            <m:t>𝑠𝑒𝑚𝑖</m:t>
+                          </m:r>
+                          <m:r>
+                            <a:rPr lang="en-US" i="1">
+                              <a:latin typeface="Cambria Math" panose="02040503050406030204" pitchFamily="18" charset="0"/>
+                            </a:rPr>
+                            <m:t>−</m:t>
+                          </m:r>
+                          <m:r>
+                            <a:rPr lang="en-US" i="1">
+                              <a:latin typeface="Cambria Math" panose="02040503050406030204" pitchFamily="18" charset="0"/>
+                            </a:rPr>
+                            <m:t>𝑙𝑎𝑏𝑒𝑙𝑒𝑑</m:t>
+                          </m:r>
+                        </m:sub>
+                        <m:sup>
+                          <m:r>
+                            <a:rPr lang="en-US" i="1">
+                              <a:latin typeface="Cambria Math" panose="02040503050406030204" pitchFamily="18" charset="0"/>
+                            </a:rPr>
+                            <m:t>𝑈</m:t>
+                          </m:r>
+                        </m:sup>
+                      </m:sSubSup>
+                    </m:oMath>
+                  </m:oMathPara>
+                </a14:m>
+                <a:endParaRPr lang="de-DE" dirty="0"/>
+              </a:p>
+            </p:txBody>
+          </p:sp>
+        </mc:Choice>
+        <mc:Fallback>
+          <p:sp>
+            <p:nvSpPr>
+              <p:cNvPr id="92" name="Textfeld 91">
+                <a:extLst>
+                  <a:ext uri="{FF2B5EF4-FFF2-40B4-BE49-F238E27FC236}">
+                    <a16:creationId xmlns:a16="http://schemas.microsoft.com/office/drawing/2014/main" id="{005CED5F-3D49-4D14-A74A-82040A2B6336}"/>
+                  </a:ext>
+                </a:extLst>
+              </p:cNvPr>
+              <p:cNvSpPr txBox="1">
+                <a:spLocks noRot="1" noChangeAspect="1" noMove="1" noResize="1" noEditPoints="1" noAdjustHandles="1" noChangeArrowheads="1" noChangeShapeType="1" noTextEdit="1"/>
+              </p:cNvSpPr>
+              <p:nvPr/>
+            </p:nvSpPr>
+            <p:spPr>
+              <a:xfrm>
+                <a:off x="9302492" y="11950146"/>
+                <a:ext cx="1498744" cy="386324"/>
+              </a:xfrm>
+              <a:prstGeom prst="rect">
+                <a:avLst/>
+              </a:prstGeom>
+              <a:blipFill>
+                <a:blip r:embed="rId13"/>
+                <a:stretch>
+                  <a:fillRect b="-3125"/>
+                </a:stretch>
+              </a:blipFill>
+            </p:spPr>
+            <p:txBody>
+              <a:bodyPr/>
+              <a:lstStyle/>
+              <a:p>
+                <a:r>
+                  <a:rPr lang="en-GB">
+                    <a:noFill/>
+                  </a:rPr>
+                  <a:t> </a:t>
+                </a:r>
+              </a:p>
+            </p:txBody>
+          </p:sp>
+        </mc:Fallback>
+      </mc:AlternateContent>
+      <mc:AlternateContent xmlns:mc="http://schemas.openxmlformats.org/markup-compatibility/2006">
+        <mc:Choice xmlns:a14="http://schemas.microsoft.com/office/drawing/2010/main" Requires="a14">
+          <p:sp>
+            <p:nvSpPr>
+              <p:cNvPr id="93" name="Flussdiagramm: Prozess 92">
+                <a:extLst>
+                  <a:ext uri="{FF2B5EF4-FFF2-40B4-BE49-F238E27FC236}">
+                    <a16:creationId xmlns:a16="http://schemas.microsoft.com/office/drawing/2014/main" id="{18C1B24D-87CE-4569-A048-B41B2E310372}"/>
+                  </a:ext>
+                </a:extLst>
+              </p:cNvPr>
+              <p:cNvSpPr/>
+              <p:nvPr/>
+            </p:nvSpPr>
+            <p:spPr>
+              <a:xfrm>
+                <a:off x="12660560" y="10100839"/>
+                <a:ext cx="1368152" cy="864096"/>
+              </a:xfrm>
+              <a:prstGeom prst="flowChartProcess">
+                <a:avLst/>
+              </a:prstGeom>
+              <a:solidFill>
+                <a:schemeClr val="bg1"/>
+              </a:solidFill>
+              <a:ln w="12700">
+                <a:solidFill>
+                  <a:schemeClr val="tx1"/>
+                </a:solidFill>
+              </a:ln>
+            </p:spPr>
+            <p:style>
+              <a:lnRef idx="2">
+                <a:schemeClr val="accent1">
+                  <a:shade val="50000"/>
+                </a:schemeClr>
+              </a:lnRef>
+              <a:fillRef idx="1">
+                <a:schemeClr val="accent1"/>
+              </a:fillRef>
+              <a:effectRef idx="0">
+                <a:schemeClr val="accent1"/>
+              </a:effectRef>
+              <a:fontRef idx="minor">
+                <a:schemeClr val="lt1"/>
+              </a:fontRef>
+            </p:style>
+            <p:txBody>
+              <a:bodyPr rtlCol="0" anchor="ctr"/>
+              <a:lstStyle/>
+              <a:p>
+                <a:pPr algn="ctr"/>
+                <a:r>
+                  <a:rPr lang="en-US" dirty="0">
+                    <a:solidFill>
+                      <a:schemeClr val="tx1"/>
+                    </a:solidFill>
+                    <a:latin typeface="Times New Roman" panose="02020603050405020304" pitchFamily="18" charset="0"/>
+                    <a:cs typeface="Times New Roman" panose="02020603050405020304" pitchFamily="18" charset="0"/>
+                  </a:rPr>
+                  <a:t>retain</a:t>
+                </a:r>
+              </a:p>
+              <a:p>
+                <a:pPr algn="ctr"/>
+                <a14:m>
+                  <m:oMath xmlns:m="http://schemas.openxmlformats.org/officeDocument/2006/math">
+                    <m:sSup>
+                      <m:sSupPr>
+                        <m:ctrlPr>
+                          <a:rPr lang="de-DE" i="1">
+                            <a:solidFill>
+                              <a:schemeClr val="tx1"/>
+                            </a:solidFill>
+                            <a:latin typeface="Cambria Math" panose="02040503050406030204" pitchFamily="18" charset="0"/>
+                          </a:rPr>
+                        </m:ctrlPr>
+                      </m:sSupPr>
+                      <m:e>
+                        <m:r>
+                          <a:rPr lang="de-DE" i="1">
+                            <a:solidFill>
+                              <a:schemeClr val="tx1"/>
+                            </a:solidFill>
+                            <a:latin typeface="Cambria Math"/>
+                          </a:rPr>
+                          <m:t>𝑋</m:t>
+                        </m:r>
+                      </m:e>
+                      <m:sup>
+                        <m:r>
+                          <a:rPr lang="de-DE" i="1">
+                            <a:solidFill>
+                              <a:schemeClr val="tx1"/>
+                            </a:solidFill>
+                            <a:latin typeface="Cambria Math"/>
+                          </a:rPr>
+                          <m:t>𝑆𝑉</m:t>
+                        </m:r>
+                      </m:sup>
+                    </m:sSup>
+                  </m:oMath>
+                </a14:m>
+                <a:r>
+                  <a:rPr lang="de-DE" dirty="0">
+                    <a:solidFill>
+                      <a:schemeClr val="tx1"/>
+                    </a:solidFill>
+                  </a:rPr>
+                  <a:t>, </a:t>
+                </a:r>
+                <a14:m>
+                  <m:oMath xmlns:m="http://schemas.openxmlformats.org/officeDocument/2006/math">
+                    <m:sSup>
+                      <m:sSupPr>
+                        <m:ctrlPr>
+                          <a:rPr lang="de-DE" i="1">
+                            <a:solidFill>
+                              <a:schemeClr val="tx1"/>
+                            </a:solidFill>
+                            <a:latin typeface="Cambria Math" panose="02040503050406030204" pitchFamily="18" charset="0"/>
+                          </a:rPr>
+                        </m:ctrlPr>
+                      </m:sSupPr>
+                      <m:e>
+                        <m:acc>
+                          <m:accPr>
+                            <m:chr m:val="̂"/>
+                            <m:ctrlPr>
+                              <a:rPr lang="de-DE" i="1">
+                                <a:solidFill>
+                                  <a:schemeClr val="tx1"/>
+                                </a:solidFill>
+                                <a:latin typeface="Cambria Math" panose="02040503050406030204" pitchFamily="18" charset="0"/>
+                              </a:rPr>
+                            </m:ctrlPr>
+                          </m:accPr>
+                          <m:e>
+                            <m:r>
+                              <a:rPr lang="de-DE" i="1">
+                                <a:solidFill>
+                                  <a:schemeClr val="tx1"/>
+                                </a:solidFill>
+                                <a:latin typeface="Cambria Math"/>
+                              </a:rPr>
+                              <m:t>𝑉</m:t>
+                            </m:r>
+                          </m:e>
+                        </m:acc>
+                      </m:e>
+                      <m:sup>
+                        <m:r>
+                          <a:rPr lang="de-DE" i="1">
+                            <a:solidFill>
+                              <a:schemeClr val="tx1"/>
+                            </a:solidFill>
+                            <a:latin typeface="Cambria Math"/>
+                          </a:rPr>
+                          <m:t>𝑆𝑉</m:t>
+                        </m:r>
+                      </m:sup>
+                    </m:sSup>
+                  </m:oMath>
+                </a14:m>
+                <a:r>
+                  <a:rPr lang="de-DE" dirty="0">
+                    <a:solidFill>
+                      <a:schemeClr val="tx1"/>
+                    </a:solidFill>
+                  </a:rPr>
+                  <a:t>,</a:t>
+                </a:r>
+              </a:p>
+              <a:p>
+                <a:pPr algn="ctr"/>
+                <a14:m>
+                  <m:oMath xmlns:m="http://schemas.openxmlformats.org/officeDocument/2006/math">
+                    <m:sSub>
+                      <m:sSubPr>
+                        <m:ctrlPr>
+                          <a:rPr lang="de-DE" i="1">
+                            <a:solidFill>
+                              <a:schemeClr val="tx1"/>
+                            </a:solidFill>
+                            <a:latin typeface="Cambria Math" panose="02040503050406030204" pitchFamily="18" charset="0"/>
+                          </a:rPr>
+                        </m:ctrlPr>
+                      </m:sSubPr>
+                      <m:e>
+                        <m:acc>
+                          <m:accPr>
+                            <m:chr m:val="̂"/>
+                            <m:ctrlPr>
+                              <a:rPr lang="de-DE" i="1">
+                                <a:solidFill>
+                                  <a:schemeClr val="tx1"/>
+                                </a:solidFill>
+                                <a:latin typeface="Cambria Math" panose="02040503050406030204" pitchFamily="18" charset="0"/>
+                              </a:rPr>
+                            </m:ctrlPr>
+                          </m:accPr>
+                          <m:e>
+                            <m:r>
+                              <a:rPr lang="en-US" i="1">
+                                <a:solidFill>
+                                  <a:schemeClr val="tx1"/>
+                                </a:solidFill>
+                                <a:latin typeface="Cambria Math" panose="02040503050406030204" pitchFamily="18" charset="0"/>
+                              </a:rPr>
+                              <m:t>𝑈</m:t>
+                            </m:r>
+                          </m:e>
+                        </m:acc>
+                      </m:e>
+                      <m:sub>
+                        <m:r>
+                          <a:rPr lang="en-US" i="1">
+                            <a:solidFill>
+                              <a:schemeClr val="tx1"/>
+                            </a:solidFill>
+                            <a:latin typeface="Cambria Math" panose="02040503050406030204" pitchFamily="18" charset="0"/>
+                          </a:rPr>
+                          <m:t>𝑠𝑒𝑚𝑖</m:t>
+                        </m:r>
+                        <m:r>
+                          <a:rPr lang="en-US" i="1">
+                            <a:solidFill>
+                              <a:schemeClr val="tx1"/>
+                            </a:solidFill>
+                            <a:latin typeface="Cambria Math" panose="02040503050406030204" pitchFamily="18" charset="0"/>
+                          </a:rPr>
+                          <m:t>−</m:t>
+                        </m:r>
+                        <m:r>
+                          <a:rPr lang="en-US" i="1">
+                            <a:solidFill>
+                              <a:schemeClr val="tx1"/>
+                            </a:solidFill>
+                            <a:latin typeface="Cambria Math" panose="02040503050406030204" pitchFamily="18" charset="0"/>
+                          </a:rPr>
+                          <m:t>𝑙𝑎𝑏𝑒𝑙𝑒𝑑</m:t>
+                        </m:r>
+                      </m:sub>
+                    </m:sSub>
+                  </m:oMath>
+                </a14:m>
+                <a:r>
+                  <a:rPr lang="en-US" dirty="0">
+                    <a:solidFill>
+                      <a:schemeClr val="tx1"/>
+                    </a:solidFill>
+                  </a:rPr>
+                  <a:t> </a:t>
+                </a:r>
+                <a:endParaRPr lang="en-US" dirty="0">
+                  <a:solidFill>
+                    <a:schemeClr val="tx1"/>
+                  </a:solidFill>
+                  <a:latin typeface="Times New Roman" panose="02020603050405020304" pitchFamily="18" charset="0"/>
+                  <a:cs typeface="Times New Roman" panose="02020603050405020304" pitchFamily="18" charset="0"/>
+                </a:endParaRPr>
+              </a:p>
+            </p:txBody>
+          </p:sp>
+        </mc:Choice>
+        <mc:Fallback>
+          <p:sp>
+            <p:nvSpPr>
+              <p:cNvPr id="93" name="Flussdiagramm: Prozess 92">
+                <a:extLst>
+                  <a:ext uri="{FF2B5EF4-FFF2-40B4-BE49-F238E27FC236}">
+                    <a16:creationId xmlns:a16="http://schemas.microsoft.com/office/drawing/2014/main" id="{18C1B24D-87CE-4569-A048-B41B2E310372}"/>
+                  </a:ext>
+                </a:extLst>
+              </p:cNvPr>
+              <p:cNvSpPr>
+                <a:spLocks noRot="1" noChangeAspect="1" noMove="1" noResize="1" noEditPoints="1" noAdjustHandles="1" noChangeArrowheads="1" noChangeShapeType="1" noTextEdit="1"/>
+              </p:cNvSpPr>
+              <p:nvPr/>
+            </p:nvSpPr>
+            <p:spPr>
+              <a:xfrm>
+                <a:off x="12660560" y="10100839"/>
+                <a:ext cx="1368152" cy="864096"/>
+              </a:xfrm>
+              <a:prstGeom prst="flowChartProcess">
+                <a:avLst/>
+              </a:prstGeom>
+              <a:blipFill>
+                <a:blip r:embed="rId14"/>
+                <a:stretch>
+                  <a:fillRect l="-2212" t="-6944" r="-442" b="-4167"/>
+                </a:stretch>
+              </a:blipFill>
+              <a:ln w="12700">
+                <a:solidFill>
+                  <a:schemeClr val="tx1"/>
+                </a:solidFill>
+              </a:ln>
+            </p:spPr>
+            <p:txBody>
+              <a:bodyPr/>
+              <a:lstStyle/>
+              <a:p>
+                <a:r>
+                  <a:rPr lang="en-GB">
+                    <a:noFill/>
+                  </a:rPr>
+                  <a:t> </a:t>
+                </a:r>
+              </a:p>
+            </p:txBody>
+          </p:sp>
+        </mc:Fallback>
+      </mc:AlternateContent>
+      <p:cxnSp>
+        <p:nvCxnSpPr>
+          <p:cNvPr id="94" name="Verbinder: gewinkelt 93">
+            <a:extLst>
+              <a:ext uri="{FF2B5EF4-FFF2-40B4-BE49-F238E27FC236}">
+                <a16:creationId xmlns:a16="http://schemas.microsoft.com/office/drawing/2014/main" id="{E1E51C9C-C866-45D4-A813-3E45EA4AFB2C}"/>
+              </a:ext>
+            </a:extLst>
+          </p:cNvPr>
+          <p:cNvCxnSpPr>
+            <a:cxnSpLocks/>
+            <a:stCxn id="82" idx="1"/>
+            <a:endCxn id="85" idx="1"/>
+          </p:cNvCxnSpPr>
+          <p:nvPr/>
+        </p:nvCxnSpPr>
+        <p:spPr>
+          <a:xfrm rot="10800000" flipV="1">
+            <a:off x="2495600" y="10532887"/>
+            <a:ext cx="6912768" cy="1398216"/>
+          </a:xfrm>
+          <a:prstGeom prst="bentConnector3">
+            <a:avLst>
+              <a:gd name="adj1" fmla="val 102866"/>
+            </a:avLst>
+          </a:prstGeom>
+          <a:ln w="12700">
+            <a:solidFill>
+              <a:schemeClr val="tx1"/>
+            </a:solidFill>
+            <a:tailEnd type="triangle"/>
+          </a:ln>
+        </p:spPr>
+        <p:style>
+          <a:lnRef idx="1">
+            <a:schemeClr val="accent1"/>
+          </a:lnRef>
+          <a:fillRef idx="0">
+            <a:schemeClr val="accent1"/>
+          </a:fillRef>
+          <a:effectRef idx="0">
+            <a:schemeClr val="accent1"/>
+          </a:effectRef>
+          <a:fontRef idx="minor">
+            <a:schemeClr val="tx1"/>
+          </a:fontRef>
+        </p:style>
+      </p:cxnSp>
+      <p:sp>
+        <p:nvSpPr>
+          <p:cNvPr id="95" name="Flussdiagramm: Prozess 94">
+            <a:extLst>
+              <a:ext uri="{FF2B5EF4-FFF2-40B4-BE49-F238E27FC236}">
+                <a16:creationId xmlns:a16="http://schemas.microsoft.com/office/drawing/2014/main" id="{E0C04230-C47F-4086-B3B8-4F8DB95C645F}"/>
+              </a:ext>
+            </a:extLst>
+          </p:cNvPr>
+          <p:cNvSpPr/>
+          <p:nvPr/>
+        </p:nvSpPr>
+        <p:spPr>
+          <a:xfrm>
+            <a:off x="12732568" y="11538098"/>
+            <a:ext cx="1224136" cy="864096"/>
+          </a:xfrm>
+          <a:prstGeom prst="flowChartProcess">
+            <a:avLst/>
+          </a:prstGeom>
+          <a:solidFill>
+            <a:schemeClr val="bg1"/>
+          </a:solidFill>
+          <a:ln w="12700">
+            <a:solidFill>
+              <a:schemeClr val="tx1"/>
+            </a:solidFill>
+          </a:ln>
+        </p:spPr>
+        <p:style>
+          <a:lnRef idx="2">
+            <a:schemeClr val="accent1">
+              <a:shade val="50000"/>
+            </a:schemeClr>
+          </a:lnRef>
+          <a:fillRef idx="1">
+            <a:schemeClr val="accent1"/>
+          </a:fillRef>
+          <a:effectRef idx="0">
+            <a:schemeClr val="accent1"/>
+          </a:effectRef>
+          <a:fontRef idx="minor">
+            <a:schemeClr val="lt1"/>
+          </a:fontRef>
+        </p:style>
+        <p:txBody>
+          <a:bodyPr rtlCol="0" anchor="ctr"/>
+          <a:lstStyle/>
+          <a:p>
+            <a:pPr algn="ctr"/>
+            <a:r>
+              <a:rPr lang="en-US" dirty="0">
+                <a:solidFill>
+                  <a:schemeClr val="tx1"/>
+                </a:solidFill>
+                <a:latin typeface="Times New Roman" panose="02020603050405020304" pitchFamily="18" charset="0"/>
+                <a:cs typeface="Times New Roman" panose="02020603050405020304" pitchFamily="18" charset="0"/>
+              </a:rPr>
+              <a:t>relearn model</a:t>
+            </a:r>
+          </a:p>
+        </p:txBody>
+      </p:sp>
+      <mc:AlternateContent xmlns:mc="http://schemas.openxmlformats.org/markup-compatibility/2006">
+        <mc:Choice xmlns:a14="http://schemas.microsoft.com/office/drawing/2010/main" Requires="a14">
+          <p:sp>
+            <p:nvSpPr>
+              <p:cNvPr id="96" name="Textfeld 95">
+                <a:extLst>
+                  <a:ext uri="{FF2B5EF4-FFF2-40B4-BE49-F238E27FC236}">
+                    <a16:creationId xmlns:a16="http://schemas.microsoft.com/office/drawing/2014/main" id="{5778818A-D4BC-4EE0-AC7F-CF983E61CAB1}"/>
+                  </a:ext>
+                </a:extLst>
+              </p:cNvPr>
+              <p:cNvSpPr txBox="1"/>
+              <p:nvPr/>
+            </p:nvSpPr>
+            <p:spPr>
+              <a:xfrm>
+                <a:off x="7967268" y="10141479"/>
+                <a:ext cx="1529714" cy="387863"/>
+              </a:xfrm>
+              <a:prstGeom prst="rect">
+                <a:avLst/>
+              </a:prstGeom>
+              <a:noFill/>
+            </p:spPr>
+            <p:txBody>
+              <a:bodyPr wrap="none" rtlCol="0">
+                <a:spAutoFit/>
+              </a:bodyPr>
+              <a:lstStyle/>
+              <a:p>
+                <a:pPr/>
+                <a14:m>
+                  <m:oMathPara xmlns:m="http://schemas.openxmlformats.org/officeDocument/2006/math">
+                    <m:oMathParaPr>
+                      <m:jc m:val="centerGroup"/>
+                    </m:oMathParaPr>
+                    <m:oMath xmlns:m="http://schemas.openxmlformats.org/officeDocument/2006/math">
+                      <m:sSubSup>
+                        <m:sSubSupPr>
+                          <m:ctrlPr>
+                            <a:rPr lang="de-DE" i="1">
+                              <a:latin typeface="Cambria Math" panose="02040503050406030204" pitchFamily="18" charset="0"/>
+                            </a:rPr>
+                          </m:ctrlPr>
+                        </m:sSubSupPr>
+                        <m:e>
+                          <m:acc>
+                            <m:accPr>
+                              <m:chr m:val="̂"/>
+                              <m:ctrlPr>
+                                <a:rPr lang="de-DE" i="1">
+                                  <a:latin typeface="Cambria Math" panose="02040503050406030204" pitchFamily="18" charset="0"/>
+                                </a:rPr>
+                              </m:ctrlPr>
+                            </m:accPr>
+                            <m:e>
+                              <m:r>
+                                <a:rPr lang="en-US" i="1">
+                                  <a:latin typeface="Cambria Math" panose="02040503050406030204" pitchFamily="18" charset="0"/>
+                                </a:rPr>
+                                <m:t>𝑈</m:t>
+                              </m:r>
+                            </m:e>
+                          </m:acc>
+                        </m:e>
+                        <m:sub>
+                          <m:r>
+                            <a:rPr lang="en-US" i="1">
+                              <a:latin typeface="Cambria Math" panose="02040503050406030204" pitchFamily="18" charset="0"/>
+                            </a:rPr>
+                            <m:t>𝑠𝑒𝑚𝑖</m:t>
+                          </m:r>
+                          <m:r>
+                            <a:rPr lang="en-US" i="1">
+                              <a:latin typeface="Cambria Math" panose="02040503050406030204" pitchFamily="18" charset="0"/>
+                            </a:rPr>
+                            <m:t>−</m:t>
+                          </m:r>
+                          <m:r>
+                            <a:rPr lang="en-US" i="1">
+                              <a:latin typeface="Cambria Math" panose="02040503050406030204" pitchFamily="18" charset="0"/>
+                            </a:rPr>
+                            <m:t>𝑙𝑎𝑏𝑒𝑙𝑒𝑑</m:t>
+                          </m:r>
+                        </m:sub>
+                        <m:sup>
+                          <m:r>
+                            <a:rPr lang="en-US" i="1">
+                              <a:latin typeface="Cambria Math" panose="02040503050406030204" pitchFamily="18" charset="0"/>
+                            </a:rPr>
+                            <m:t>𝑆𝑉</m:t>
+                          </m:r>
+                        </m:sup>
+                      </m:sSubSup>
+                    </m:oMath>
+                  </m:oMathPara>
+                </a14:m>
+                <a:endParaRPr lang="de-DE" dirty="0"/>
+              </a:p>
+            </p:txBody>
+          </p:sp>
+        </mc:Choice>
+        <mc:Fallback>
+          <p:sp>
+            <p:nvSpPr>
+              <p:cNvPr id="96" name="Textfeld 95">
+                <a:extLst>
+                  <a:ext uri="{FF2B5EF4-FFF2-40B4-BE49-F238E27FC236}">
+                    <a16:creationId xmlns:a16="http://schemas.microsoft.com/office/drawing/2014/main" id="{5778818A-D4BC-4EE0-AC7F-CF983E61CAB1}"/>
+                  </a:ext>
+                </a:extLst>
+              </p:cNvPr>
+              <p:cNvSpPr txBox="1">
+                <a:spLocks noRot="1" noChangeAspect="1" noMove="1" noResize="1" noEditPoints="1" noAdjustHandles="1" noChangeArrowheads="1" noChangeShapeType="1" noTextEdit="1"/>
+              </p:cNvSpPr>
+              <p:nvPr/>
+            </p:nvSpPr>
+            <p:spPr>
+              <a:xfrm>
+                <a:off x="7967268" y="10141479"/>
+                <a:ext cx="1529714" cy="387863"/>
+              </a:xfrm>
+              <a:prstGeom prst="rect">
+                <a:avLst/>
+              </a:prstGeom>
+              <a:blipFill>
+                <a:blip r:embed="rId15"/>
+                <a:stretch>
+                  <a:fillRect b="-4762"/>
+                </a:stretch>
+              </a:blipFill>
+            </p:spPr>
+            <p:txBody>
+              <a:bodyPr/>
+              <a:lstStyle/>
+              <a:p>
+                <a:r>
+                  <a:rPr lang="en-GB">
+                    <a:noFill/>
+                  </a:rPr>
+                  <a:t> </a:t>
+                </a:r>
+              </a:p>
+            </p:txBody>
+          </p:sp>
+        </mc:Fallback>
+      </mc:AlternateContent>
+      <p:cxnSp>
+        <p:nvCxnSpPr>
+          <p:cNvPr id="97" name="Verbinder: gewinkelt 96">
+            <a:extLst>
+              <a:ext uri="{FF2B5EF4-FFF2-40B4-BE49-F238E27FC236}">
+                <a16:creationId xmlns:a16="http://schemas.microsoft.com/office/drawing/2014/main" id="{AE778281-4692-47A8-8AC0-8BB39DCBA92F}"/>
+              </a:ext>
+            </a:extLst>
+          </p:cNvPr>
+          <p:cNvCxnSpPr>
+            <a:cxnSpLocks/>
+            <a:stCxn id="69" idx="2"/>
+            <a:endCxn id="82" idx="0"/>
+          </p:cNvCxnSpPr>
+          <p:nvPr/>
+        </p:nvCxnSpPr>
+        <p:spPr>
+          <a:xfrm rot="5400000">
+            <a:off x="10666012" y="8946215"/>
+            <a:ext cx="581056" cy="1728192"/>
+          </a:xfrm>
+          <a:prstGeom prst="bentConnector3">
+            <a:avLst>
+              <a:gd name="adj1" fmla="val 53497"/>
+            </a:avLst>
+          </a:prstGeom>
+          <a:ln w="12700">
+            <a:solidFill>
+              <a:schemeClr val="tx1"/>
+            </a:solidFill>
+            <a:tailEnd type="triangle"/>
+          </a:ln>
+        </p:spPr>
+        <p:style>
+          <a:lnRef idx="1">
+            <a:schemeClr val="accent1"/>
+          </a:lnRef>
+          <a:fillRef idx="0">
+            <a:schemeClr val="accent1"/>
+          </a:fillRef>
+          <a:effectRef idx="0">
+            <a:schemeClr val="accent1"/>
+          </a:effectRef>
+          <a:fontRef idx="minor">
+            <a:schemeClr val="tx1"/>
+          </a:fontRef>
+        </p:style>
+      </p:cxnSp>
+      <p:cxnSp>
+        <p:nvCxnSpPr>
+          <p:cNvPr id="98" name="Gerade Verbindung mit Pfeil 97">
+            <a:extLst>
+              <a:ext uri="{FF2B5EF4-FFF2-40B4-BE49-F238E27FC236}">
+                <a16:creationId xmlns:a16="http://schemas.microsoft.com/office/drawing/2014/main" id="{4DB35442-16A4-4261-A7C5-9037F0FD9050}"/>
+              </a:ext>
+            </a:extLst>
+          </p:cNvPr>
+          <p:cNvCxnSpPr>
+            <a:cxnSpLocks/>
+          </p:cNvCxnSpPr>
+          <p:nvPr/>
+        </p:nvCxnSpPr>
+        <p:spPr>
+          <a:xfrm>
+            <a:off x="9346520" y="11941679"/>
+            <a:ext cx="1872000" cy="0"/>
+          </a:xfrm>
+          <a:prstGeom prst="straightConnector1">
+            <a:avLst/>
+          </a:prstGeom>
+          <a:ln w="12700">
+            <a:solidFill>
+              <a:schemeClr val="tx1"/>
+            </a:solidFill>
+            <a:tailEnd type="triangle"/>
+          </a:ln>
+        </p:spPr>
+        <p:style>
+          <a:lnRef idx="1">
+            <a:schemeClr val="accent1"/>
+          </a:lnRef>
+          <a:fillRef idx="0">
+            <a:schemeClr val="accent1"/>
+          </a:fillRef>
+          <a:effectRef idx="0">
+            <a:schemeClr val="accent1"/>
+          </a:effectRef>
+          <a:fontRef idx="minor">
+            <a:schemeClr val="tx1"/>
+          </a:fontRef>
+        </p:style>
+      </p:cxnSp>
+      <p:cxnSp>
+        <p:nvCxnSpPr>
+          <p:cNvPr id="99" name="Gerade Verbindung mit Pfeil 98">
+            <a:extLst>
+              <a:ext uri="{FF2B5EF4-FFF2-40B4-BE49-F238E27FC236}">
+                <a16:creationId xmlns:a16="http://schemas.microsoft.com/office/drawing/2014/main" id="{890E4EEC-71D1-4D2F-BE60-6D6C7D94DA73}"/>
+              </a:ext>
+            </a:extLst>
+          </p:cNvPr>
+          <p:cNvCxnSpPr>
+            <a:cxnSpLocks/>
+          </p:cNvCxnSpPr>
+          <p:nvPr/>
+        </p:nvCxnSpPr>
+        <p:spPr>
+          <a:xfrm>
+            <a:off x="13346732" y="12409287"/>
+            <a:ext cx="239" cy="596777"/>
+          </a:xfrm>
+          <a:prstGeom prst="straightConnector1">
+            <a:avLst/>
+          </a:prstGeom>
+          <a:ln w="12700">
+            <a:solidFill>
+              <a:schemeClr val="tx1"/>
+            </a:solidFill>
+            <a:tailEnd type="triangle"/>
+          </a:ln>
+        </p:spPr>
+        <p:style>
+          <a:lnRef idx="1">
+            <a:schemeClr val="accent1"/>
+          </a:lnRef>
+          <a:fillRef idx="0">
+            <a:schemeClr val="accent1"/>
+          </a:fillRef>
+          <a:effectRef idx="0">
+            <a:schemeClr val="accent1"/>
+          </a:effectRef>
+          <a:fontRef idx="minor">
+            <a:schemeClr val="tx1"/>
+          </a:fontRef>
+        </p:style>
+      </p:cxnSp>
+      <p:cxnSp>
+        <p:nvCxnSpPr>
+          <p:cNvPr id="3" name="Gerader Verbinder 2">
+            <a:extLst>
+              <a:ext uri="{FF2B5EF4-FFF2-40B4-BE49-F238E27FC236}">
+                <a16:creationId xmlns:a16="http://schemas.microsoft.com/office/drawing/2014/main" id="{A469AAB8-4BFA-4189-8E8F-90B04B4E6410}"/>
+              </a:ext>
+            </a:extLst>
+          </p:cNvPr>
+          <p:cNvCxnSpPr/>
+          <p:nvPr/>
+        </p:nvCxnSpPr>
+        <p:spPr>
+          <a:xfrm>
+            <a:off x="-744760" y="7192871"/>
+            <a:ext cx="13249472" cy="0"/>
+          </a:xfrm>
+          <a:prstGeom prst="line">
+            <a:avLst/>
+          </a:prstGeom>
+          <a:ln w="38100">
+            <a:solidFill>
+              <a:schemeClr val="tx1"/>
+            </a:solidFill>
+          </a:ln>
+        </p:spPr>
+        <p:style>
+          <a:lnRef idx="1">
+            <a:schemeClr val="accent1"/>
+          </a:lnRef>
+          <a:fillRef idx="0">
+            <a:schemeClr val="accent1"/>
+          </a:fillRef>
+          <a:effectRef idx="0">
+            <a:schemeClr val="accent1"/>
+          </a:effectRef>
+          <a:fontRef idx="minor">
+            <a:schemeClr val="tx1"/>
+          </a:fontRef>
+        </p:style>
+      </p:cxnSp>
+      <p:sp>
+        <p:nvSpPr>
+          <p:cNvPr id="5" name="Textfeld 4">
+            <a:extLst>
+              <a:ext uri="{FF2B5EF4-FFF2-40B4-BE49-F238E27FC236}">
+                <a16:creationId xmlns:a16="http://schemas.microsoft.com/office/drawing/2014/main" id="{FE8A2EF2-EE99-4ED8-8AB3-F417D10DD3D8}"/>
+              </a:ext>
+            </a:extLst>
+          </p:cNvPr>
+          <p:cNvSpPr txBox="1"/>
+          <p:nvPr/>
+        </p:nvSpPr>
+        <p:spPr>
+          <a:xfrm>
+            <a:off x="-698383" y="7317432"/>
+            <a:ext cx="13240804" cy="461665"/>
+          </a:xfrm>
+          <a:prstGeom prst="rect">
+            <a:avLst/>
+          </a:prstGeom>
+          <a:noFill/>
+        </p:spPr>
+        <p:txBody>
+          <a:bodyPr wrap="none" rtlCol="0">
+            <a:spAutoFit/>
+          </a:bodyPr>
+          <a:lstStyle/>
+          <a:p>
+            <a:r>
+              <a:rPr lang="de-DE" sz="2400" b="1" dirty="0">
+                <a:latin typeface="Times New Roman" panose="02020603050405020304" pitchFamily="18" charset="0"/>
+                <a:cs typeface="Times New Roman" panose="02020603050405020304" pitchFamily="18" charset="0"/>
+              </a:rPr>
+              <a:t>(b) </a:t>
+            </a:r>
+            <a:r>
+              <a:rPr lang="en-US" sz="2400" b="1" dirty="0">
+                <a:latin typeface="Times New Roman" panose="02020603050405020304" pitchFamily="18" charset="0"/>
+                <a:cs typeface="Times New Roman" panose="02020603050405020304" pitchFamily="18" charset="0"/>
+              </a:rPr>
+              <a:t>Virtual Support Vector Machine with self-learning constraints and virtual semi-labeled samples</a:t>
+            </a:r>
+            <a:r>
+              <a:rPr lang="de-DE" sz="2400" b="1" dirty="0">
+                <a:latin typeface="Times New Roman" panose="02020603050405020304" pitchFamily="18" charset="0"/>
+                <a:cs typeface="Times New Roman" panose="02020603050405020304" pitchFamily="18" charset="0"/>
+              </a:rPr>
+              <a:t> </a:t>
+            </a:r>
+          </a:p>
+        </p:txBody>
+      </p:sp>
+      <p:sp>
+        <p:nvSpPr>
+          <p:cNvPr id="100" name="Textfeld 99">
+            <a:extLst>
+              <a:ext uri="{FF2B5EF4-FFF2-40B4-BE49-F238E27FC236}">
+                <a16:creationId xmlns:a16="http://schemas.microsoft.com/office/drawing/2014/main" id="{FEB7460F-EA71-4E85-80CF-6CE363E10C88}"/>
+              </a:ext>
+            </a:extLst>
+          </p:cNvPr>
+          <p:cNvSpPr txBox="1"/>
+          <p:nvPr/>
+        </p:nvSpPr>
+        <p:spPr>
+          <a:xfrm>
+            <a:off x="-705850" y="-675456"/>
+            <a:ext cx="12258164" cy="461665"/>
+          </a:xfrm>
+          <a:prstGeom prst="rect">
+            <a:avLst/>
+          </a:prstGeom>
+          <a:noFill/>
+        </p:spPr>
+        <p:txBody>
+          <a:bodyPr wrap="none" rtlCol="0">
+            <a:spAutoFit/>
+          </a:bodyPr>
+          <a:lstStyle/>
+          <a:p>
+            <a:r>
+              <a:rPr lang="de-DE" sz="2400" b="1" dirty="0">
+                <a:latin typeface="Times New Roman" panose="02020603050405020304" pitchFamily="18" charset="0"/>
+                <a:cs typeface="Times New Roman" panose="02020603050405020304" pitchFamily="18" charset="0"/>
+              </a:rPr>
+              <a:t>(a) </a:t>
+            </a:r>
+            <a:r>
+              <a:rPr lang="en-US" sz="2400" b="1" dirty="0">
+                <a:latin typeface="Times New Roman" panose="02020603050405020304" pitchFamily="18" charset="0"/>
+                <a:cs typeface="Times New Roman" panose="02020603050405020304" pitchFamily="18" charset="0"/>
+              </a:rPr>
+              <a:t>Virtual Support Vector Machine with self-learning constraints and semi-labeled samples</a:t>
+            </a:r>
+            <a:r>
+              <a:rPr lang="de-DE" sz="2400" b="1" dirty="0">
+                <a:latin typeface="Times New Roman" panose="02020603050405020304" pitchFamily="18" charset="0"/>
+                <a:cs typeface="Times New Roman" panose="02020603050405020304" pitchFamily="18" charset="0"/>
+              </a:rPr>
+              <a:t> </a:t>
+            </a:r>
+          </a:p>
+        </p:txBody>
+      </p:sp>
+      <p:sp>
+        <p:nvSpPr>
+          <p:cNvPr id="2" name="Zylinder 1">
+            <a:extLst>
+              <a:ext uri="{FF2B5EF4-FFF2-40B4-BE49-F238E27FC236}">
+                <a16:creationId xmlns:a16="http://schemas.microsoft.com/office/drawing/2014/main" id="{7FC7301F-2494-4D15-88B6-3B540EB335BB}"/>
+              </a:ext>
+            </a:extLst>
+          </p:cNvPr>
+          <p:cNvSpPr/>
+          <p:nvPr/>
+        </p:nvSpPr>
+        <p:spPr>
+          <a:xfrm>
+            <a:off x="-2160748" y="1209"/>
+            <a:ext cx="1440159" cy="1285200"/>
+          </a:xfrm>
+          <a:prstGeom prst="can">
+            <a:avLst/>
+          </a:prstGeom>
+          <a:solidFill>
+            <a:schemeClr val="bg1">
+              <a:lumMod val="95000"/>
+            </a:schemeClr>
+          </a:solidFill>
+          <a:ln>
+            <a:solidFill>
+              <a:schemeClr val="bg1">
+                <a:lumMod val="50000"/>
+              </a:schemeClr>
+            </a:solidFill>
+          </a:ln>
+        </p:spPr>
+        <p:style>
+          <a:lnRef idx="2">
+            <a:schemeClr val="accent1">
+              <a:shade val="50000"/>
+            </a:schemeClr>
+          </a:lnRef>
+          <a:fillRef idx="1">
+            <a:schemeClr val="accent1"/>
+          </a:fillRef>
+          <a:effectRef idx="0">
+            <a:schemeClr val="accent1"/>
+          </a:effectRef>
+          <a:fontRef idx="minor">
+            <a:schemeClr val="lt1"/>
+          </a:fontRef>
+        </p:style>
+        <p:txBody>
+          <a:bodyPr rtlCol="0" anchor="ctr"/>
+          <a:lstStyle/>
+          <a:p>
+            <a:pPr algn="ctr"/>
+            <a:r>
+              <a:rPr lang="en-US" dirty="0">
+                <a:solidFill>
+                  <a:schemeClr val="tx1"/>
+                </a:solidFill>
+                <a:latin typeface="Times New Roman" panose="02020603050405020304" pitchFamily="18" charset="0"/>
+                <a:cs typeface="Times New Roman" panose="02020603050405020304" pitchFamily="18" charset="0"/>
+              </a:rPr>
+              <a:t>image</a:t>
+            </a:r>
+          </a:p>
+        </p:txBody>
+      </p:sp>
+      <mc:AlternateContent xmlns:mc="http://schemas.openxmlformats.org/markup-compatibility/2006">
+        <mc:Choice xmlns:a14="http://schemas.microsoft.com/office/drawing/2010/main" Requires="a14">
+          <p:sp>
+            <p:nvSpPr>
+              <p:cNvPr id="101" name="Zylinder 100">
+                <a:extLst>
+                  <a:ext uri="{FF2B5EF4-FFF2-40B4-BE49-F238E27FC236}">
+                    <a16:creationId xmlns:a16="http://schemas.microsoft.com/office/drawing/2014/main" id="{745F9C84-726B-4DBD-8F2E-76240AC2FE56}"/>
+                  </a:ext>
+                </a:extLst>
+              </p:cNvPr>
+              <p:cNvSpPr/>
+              <p:nvPr/>
+            </p:nvSpPr>
+            <p:spPr>
+              <a:xfrm>
+                <a:off x="3612218" y="-39230"/>
+                <a:ext cx="1440159" cy="1285200"/>
+              </a:xfrm>
+              <a:prstGeom prst="can">
+                <a:avLst/>
+              </a:prstGeom>
+              <a:solidFill>
+                <a:schemeClr val="bg1">
+                  <a:lumMod val="95000"/>
+                </a:schemeClr>
+              </a:solidFill>
+              <a:ln>
+                <a:solidFill>
+                  <a:schemeClr val="bg1">
+                    <a:lumMod val="50000"/>
+                  </a:schemeClr>
+                </a:solidFill>
+              </a:ln>
+            </p:spPr>
+            <p:style>
+              <a:lnRef idx="2">
+                <a:schemeClr val="accent1">
+                  <a:shade val="50000"/>
+                </a:schemeClr>
+              </a:lnRef>
+              <a:fillRef idx="1">
+                <a:schemeClr val="accent1"/>
+              </a:fillRef>
+              <a:effectRef idx="0">
+                <a:schemeClr val="accent1"/>
+              </a:effectRef>
+              <a:fontRef idx="minor">
+                <a:schemeClr val="lt1"/>
+              </a:fontRef>
+            </p:style>
+            <p:txBody>
+              <a:bodyPr rtlCol="0" anchor="ctr"/>
+              <a:lstStyle/>
+              <a:p>
+                <a:pPr algn="ctr"/>
+                <a:r>
+                  <a:rPr lang="en-US" dirty="0">
+                    <a:solidFill>
+                      <a:schemeClr val="tx1"/>
+                    </a:solidFill>
+                    <a:latin typeface="Times New Roman" panose="02020603050405020304" pitchFamily="18" charset="0"/>
+                    <a:cs typeface="Times New Roman" panose="02020603050405020304" pitchFamily="18" charset="0"/>
+                  </a:rPr>
+                  <a:t>labeled samples </a:t>
+                </a:r>
+                <a14:m>
+                  <m:oMath xmlns:m="http://schemas.openxmlformats.org/officeDocument/2006/math">
+                    <m:r>
+                      <a:rPr lang="en-US" i="1">
+                        <a:solidFill>
+                          <a:schemeClr val="tx1"/>
+                        </a:solidFill>
+                        <a:latin typeface="Cambria Math" panose="02040503050406030204" pitchFamily="18" charset="0"/>
+                        <a:cs typeface="Times New Roman" panose="02020603050405020304" pitchFamily="18" charset="0"/>
+                      </a:rPr>
+                      <m:t>𝑋</m:t>
+                    </m:r>
+                  </m:oMath>
+                </a14:m>
+                <a:endParaRPr lang="en-US" dirty="0">
+                  <a:solidFill>
+                    <a:schemeClr val="tx1"/>
+                  </a:solidFill>
+                  <a:latin typeface="Times New Roman" panose="02020603050405020304" pitchFamily="18" charset="0"/>
+                  <a:cs typeface="Times New Roman" panose="02020603050405020304" pitchFamily="18" charset="0"/>
+                </a:endParaRPr>
+              </a:p>
+            </p:txBody>
+          </p:sp>
+        </mc:Choice>
+        <mc:Fallback>
+          <p:sp>
+            <p:nvSpPr>
+              <p:cNvPr id="101" name="Zylinder 100">
+                <a:extLst>
+                  <a:ext uri="{FF2B5EF4-FFF2-40B4-BE49-F238E27FC236}">
+                    <a16:creationId xmlns:a16="http://schemas.microsoft.com/office/drawing/2014/main" id="{745F9C84-726B-4DBD-8F2E-76240AC2FE56}"/>
+                  </a:ext>
+                </a:extLst>
+              </p:cNvPr>
+              <p:cNvSpPr>
+                <a:spLocks noRot="1" noChangeAspect="1" noMove="1" noResize="1" noEditPoints="1" noAdjustHandles="1" noChangeArrowheads="1" noChangeShapeType="1" noTextEdit="1"/>
+              </p:cNvSpPr>
+              <p:nvPr/>
+            </p:nvSpPr>
+            <p:spPr>
+              <a:xfrm>
+                <a:off x="3612218" y="-39230"/>
+                <a:ext cx="1440159" cy="1285200"/>
+              </a:xfrm>
+              <a:prstGeom prst="can">
+                <a:avLst/>
+              </a:prstGeom>
+              <a:blipFill>
+                <a:blip r:embed="rId16"/>
+                <a:stretch>
+                  <a:fillRect/>
+                </a:stretch>
+              </a:blipFill>
+              <a:ln>
+                <a:solidFill>
+                  <a:schemeClr val="bg1">
+                    <a:lumMod val="50000"/>
+                  </a:schemeClr>
+                </a:solidFill>
+              </a:ln>
+            </p:spPr>
+            <p:txBody>
+              <a:bodyPr/>
+              <a:lstStyle/>
+              <a:p>
+                <a:r>
+                  <a:rPr lang="en-GB">
+                    <a:noFill/>
+                  </a:rPr>
+                  <a:t> </a:t>
+                </a:r>
+              </a:p>
+            </p:txBody>
+          </p:sp>
+        </mc:Fallback>
+      </mc:AlternateContent>
+      <mc:AlternateContent xmlns:mc="http://schemas.openxmlformats.org/markup-compatibility/2006">
+        <mc:Choice xmlns:a14="http://schemas.microsoft.com/office/drawing/2010/main" Requires="a14">
+          <p:sp>
+            <p:nvSpPr>
+              <p:cNvPr id="102" name="Zylinder 101">
+                <a:extLst>
+                  <a:ext uri="{FF2B5EF4-FFF2-40B4-BE49-F238E27FC236}">
+                    <a16:creationId xmlns:a16="http://schemas.microsoft.com/office/drawing/2014/main" id="{C05C162E-B61D-4B40-91F6-BC5298F2308A}"/>
+                  </a:ext>
+                </a:extLst>
+              </p:cNvPr>
+              <p:cNvSpPr/>
+              <p:nvPr/>
+            </p:nvSpPr>
+            <p:spPr>
+              <a:xfrm>
+                <a:off x="5989937" y="-18682"/>
+                <a:ext cx="1440159" cy="1284036"/>
+              </a:xfrm>
+              <a:prstGeom prst="can">
+                <a:avLst/>
+              </a:prstGeom>
+              <a:solidFill>
+                <a:schemeClr val="bg1">
+                  <a:lumMod val="95000"/>
+                </a:schemeClr>
+              </a:solidFill>
+              <a:ln>
+                <a:solidFill>
+                  <a:schemeClr val="bg1">
+                    <a:lumMod val="50000"/>
+                  </a:schemeClr>
+                </a:solidFill>
+              </a:ln>
+            </p:spPr>
+            <p:style>
+              <a:lnRef idx="2">
+                <a:schemeClr val="accent1">
+                  <a:shade val="50000"/>
+                </a:schemeClr>
+              </a:lnRef>
+              <a:fillRef idx="1">
+                <a:schemeClr val="accent1"/>
+              </a:fillRef>
+              <a:effectRef idx="0">
+                <a:schemeClr val="accent1"/>
+              </a:effectRef>
+              <a:fontRef idx="minor">
+                <a:schemeClr val="lt1"/>
+              </a:fontRef>
+            </p:style>
+            <p:txBody>
+              <a:bodyPr rtlCol="0" anchor="ctr"/>
+              <a:lstStyle/>
+              <a:p>
+                <a:pPr algn="ctr"/>
+                <a:r>
+                  <a:rPr lang="en-US" dirty="0">
+                    <a:solidFill>
+                      <a:schemeClr val="tx1"/>
+                    </a:solidFill>
+                    <a:latin typeface="Times New Roman" panose="02020603050405020304" pitchFamily="18" charset="0"/>
+                    <a:cs typeface="Times New Roman" panose="02020603050405020304" pitchFamily="18" charset="0"/>
+                  </a:rPr>
+                  <a:t>subset of unlabeled samples </a:t>
+                </a:r>
+                <a14:m>
+                  <m:oMath xmlns:m="http://schemas.openxmlformats.org/officeDocument/2006/math">
+                    <m:r>
+                      <a:rPr lang="en-US" i="1">
+                        <a:solidFill>
+                          <a:schemeClr val="tx1"/>
+                        </a:solidFill>
+                        <a:latin typeface="Cambria Math" panose="02040503050406030204" pitchFamily="18" charset="0"/>
+                        <a:cs typeface="Times New Roman" panose="02020603050405020304" pitchFamily="18" charset="0"/>
+                      </a:rPr>
+                      <m:t>𝑈</m:t>
+                    </m:r>
+                  </m:oMath>
+                </a14:m>
+                <a:endParaRPr lang="en-US" dirty="0">
+                  <a:solidFill>
+                    <a:schemeClr val="tx1"/>
+                  </a:solidFill>
+                  <a:latin typeface="Times New Roman" panose="02020603050405020304" pitchFamily="18" charset="0"/>
+                  <a:cs typeface="Times New Roman" panose="02020603050405020304" pitchFamily="18" charset="0"/>
+                </a:endParaRPr>
+              </a:p>
+            </p:txBody>
+          </p:sp>
+        </mc:Choice>
+        <mc:Fallback>
+          <p:sp>
+            <p:nvSpPr>
+              <p:cNvPr id="102" name="Zylinder 101">
+                <a:extLst>
+                  <a:ext uri="{FF2B5EF4-FFF2-40B4-BE49-F238E27FC236}">
+                    <a16:creationId xmlns:a16="http://schemas.microsoft.com/office/drawing/2014/main" id="{C05C162E-B61D-4B40-91F6-BC5298F2308A}"/>
+                  </a:ext>
+                </a:extLst>
+              </p:cNvPr>
+              <p:cNvSpPr>
+                <a:spLocks noRot="1" noChangeAspect="1" noMove="1" noResize="1" noEditPoints="1" noAdjustHandles="1" noChangeArrowheads="1" noChangeShapeType="1" noTextEdit="1"/>
+              </p:cNvSpPr>
+              <p:nvPr/>
+            </p:nvSpPr>
+            <p:spPr>
+              <a:xfrm>
+                <a:off x="5989937" y="-18682"/>
+                <a:ext cx="1440159" cy="1284036"/>
+              </a:xfrm>
+              <a:prstGeom prst="can">
+                <a:avLst/>
+              </a:prstGeom>
+              <a:blipFill>
+                <a:blip r:embed="rId17"/>
+                <a:stretch>
+                  <a:fillRect/>
+                </a:stretch>
+              </a:blipFill>
+              <a:ln>
+                <a:solidFill>
+                  <a:schemeClr val="bg1">
+                    <a:lumMod val="50000"/>
+                  </a:schemeClr>
+                </a:solidFill>
+              </a:ln>
+            </p:spPr>
+            <p:txBody>
+              <a:bodyPr/>
+              <a:lstStyle/>
+              <a:p>
+                <a:r>
+                  <a:rPr lang="en-GB">
+                    <a:noFill/>
+                  </a:rPr>
+                  <a:t> </a:t>
+                </a:r>
+              </a:p>
+            </p:txBody>
+          </p:sp>
+        </mc:Fallback>
+      </mc:AlternateContent>
+      <mc:AlternateContent xmlns:mc="http://schemas.openxmlformats.org/markup-compatibility/2006">
+        <mc:Choice xmlns:a14="http://schemas.microsoft.com/office/drawing/2010/main" Requires="a14">
+          <p:sp>
+            <p:nvSpPr>
+              <p:cNvPr id="103" name="Zylinder 102">
+                <a:extLst>
+                  <a:ext uri="{FF2B5EF4-FFF2-40B4-BE49-F238E27FC236}">
+                    <a16:creationId xmlns:a16="http://schemas.microsoft.com/office/drawing/2014/main" id="{FB57FE56-DDB0-4D71-9998-2808DD09E0E0}"/>
+                  </a:ext>
+                </a:extLst>
+              </p:cNvPr>
+              <p:cNvSpPr/>
+              <p:nvPr/>
+            </p:nvSpPr>
+            <p:spPr>
+              <a:xfrm>
+                <a:off x="9840418" y="-27384"/>
+                <a:ext cx="1440159" cy="1284036"/>
+              </a:xfrm>
+              <a:prstGeom prst="can">
+                <a:avLst/>
+              </a:prstGeom>
+              <a:solidFill>
+                <a:schemeClr val="bg1">
+                  <a:lumMod val="95000"/>
+                </a:schemeClr>
+              </a:solidFill>
+              <a:ln>
+                <a:solidFill>
+                  <a:schemeClr val="bg1">
+                    <a:lumMod val="50000"/>
+                  </a:schemeClr>
+                </a:solidFill>
+              </a:ln>
+            </p:spPr>
+            <p:style>
+              <a:lnRef idx="2">
+                <a:schemeClr val="accent1">
+                  <a:shade val="50000"/>
+                </a:schemeClr>
+              </a:lnRef>
+              <a:fillRef idx="1">
+                <a:schemeClr val="accent1"/>
+              </a:fillRef>
+              <a:effectRef idx="0">
+                <a:schemeClr val="accent1"/>
+              </a:effectRef>
+              <a:fontRef idx="minor">
+                <a:schemeClr val="lt1"/>
+              </a:fontRef>
+            </p:style>
+            <p:txBody>
+              <a:bodyPr rtlCol="0" anchor="ctr"/>
+              <a:lstStyle/>
+              <a:p>
+                <a:pPr algn="ctr"/>
+                <a:r>
+                  <a:rPr lang="en-US" dirty="0">
+                    <a:solidFill>
+                      <a:schemeClr val="tx1"/>
+                    </a:solidFill>
+                    <a:latin typeface="Times New Roman" panose="02020603050405020304" pitchFamily="18" charset="0"/>
+                    <a:cs typeface="Times New Roman" panose="02020603050405020304" pitchFamily="18" charset="0"/>
+                  </a:rPr>
+                  <a:t>pool of unlabeled samples </a:t>
+                </a:r>
+                <a14:m>
+                  <m:oMath xmlns:m="http://schemas.openxmlformats.org/officeDocument/2006/math">
+                    <m:acc>
+                      <m:accPr>
+                        <m:chr m:val="̃"/>
+                        <m:ctrlPr>
+                          <a:rPr lang="en-US" i="1">
+                            <a:solidFill>
+                              <a:schemeClr val="tx1"/>
+                            </a:solidFill>
+                            <a:latin typeface="Cambria Math" panose="02040503050406030204" pitchFamily="18" charset="0"/>
+                            <a:cs typeface="Times New Roman" panose="02020603050405020304" pitchFamily="18" charset="0"/>
+                          </a:rPr>
+                        </m:ctrlPr>
+                      </m:accPr>
+                      <m:e>
+                        <m:r>
+                          <a:rPr lang="en-US" i="1">
+                            <a:solidFill>
+                              <a:schemeClr val="tx1"/>
+                            </a:solidFill>
+                            <a:latin typeface="Cambria Math" panose="02040503050406030204" pitchFamily="18" charset="0"/>
+                            <a:cs typeface="Times New Roman" panose="02020603050405020304" pitchFamily="18" charset="0"/>
+                          </a:rPr>
+                          <m:t>𝑈</m:t>
+                        </m:r>
+                      </m:e>
+                    </m:acc>
+                  </m:oMath>
+                </a14:m>
+                <a:endParaRPr lang="en-US" dirty="0">
+                  <a:solidFill>
+                    <a:schemeClr val="tx1"/>
+                  </a:solidFill>
+                  <a:latin typeface="Times New Roman" panose="02020603050405020304" pitchFamily="18" charset="0"/>
+                  <a:cs typeface="Times New Roman" panose="02020603050405020304" pitchFamily="18" charset="0"/>
+                </a:endParaRPr>
+              </a:p>
+            </p:txBody>
+          </p:sp>
+        </mc:Choice>
+        <mc:Fallback>
+          <p:sp>
+            <p:nvSpPr>
+              <p:cNvPr id="103" name="Zylinder 102">
+                <a:extLst>
+                  <a:ext uri="{FF2B5EF4-FFF2-40B4-BE49-F238E27FC236}">
+                    <a16:creationId xmlns:a16="http://schemas.microsoft.com/office/drawing/2014/main" id="{FB57FE56-DDB0-4D71-9998-2808DD09E0E0}"/>
+                  </a:ext>
+                </a:extLst>
+              </p:cNvPr>
+              <p:cNvSpPr>
+                <a:spLocks noRot="1" noChangeAspect="1" noMove="1" noResize="1" noEditPoints="1" noAdjustHandles="1" noChangeArrowheads="1" noChangeShapeType="1" noTextEdit="1"/>
+              </p:cNvSpPr>
+              <p:nvPr/>
+            </p:nvSpPr>
+            <p:spPr>
+              <a:xfrm>
+                <a:off x="9840418" y="-27384"/>
+                <a:ext cx="1440159" cy="1284036"/>
+              </a:xfrm>
+              <a:prstGeom prst="can">
+                <a:avLst/>
+              </a:prstGeom>
+              <a:blipFill>
+                <a:blip r:embed="rId18"/>
+                <a:stretch>
+                  <a:fillRect r="-15000"/>
+                </a:stretch>
+              </a:blipFill>
+              <a:ln>
+                <a:solidFill>
+                  <a:schemeClr val="bg1">
+                    <a:lumMod val="50000"/>
+                  </a:schemeClr>
+                </a:solidFill>
+              </a:ln>
+            </p:spPr>
+            <p:txBody>
+              <a:bodyPr/>
+              <a:lstStyle/>
+              <a:p>
+                <a:r>
+                  <a:rPr lang="en-GB">
+                    <a:noFill/>
+                  </a:rPr>
+                  <a:t> </a:t>
+                </a:r>
+              </a:p>
+            </p:txBody>
+          </p:sp>
+        </mc:Fallback>
+      </mc:AlternateContent>
+      <mc:AlternateContent xmlns:mc="http://schemas.openxmlformats.org/markup-compatibility/2006">
+        <mc:Choice xmlns:a14="http://schemas.microsoft.com/office/drawing/2010/main" Requires="a14">
+          <p:sp>
+            <p:nvSpPr>
+              <p:cNvPr id="104" name="Flussdiagramm: Prozess 103">
+                <a:extLst>
+                  <a:ext uri="{FF2B5EF4-FFF2-40B4-BE49-F238E27FC236}">
+                    <a16:creationId xmlns:a16="http://schemas.microsoft.com/office/drawing/2014/main" id="{254F2140-11CE-4F97-800B-9AD3A7B7DEA4}"/>
+                  </a:ext>
+                </a:extLst>
+              </p:cNvPr>
+              <p:cNvSpPr/>
+              <p:nvPr/>
+            </p:nvSpPr>
+            <p:spPr>
+              <a:xfrm>
+                <a:off x="7968208" y="189111"/>
+                <a:ext cx="1368152" cy="864096"/>
+              </a:xfrm>
+              <a:prstGeom prst="flowChartProcess">
+                <a:avLst/>
+              </a:prstGeom>
+              <a:solidFill>
+                <a:schemeClr val="bg1"/>
+              </a:solidFill>
+              <a:ln w="12700">
+                <a:solidFill>
+                  <a:schemeClr val="tx1"/>
+                </a:solidFill>
+              </a:ln>
+            </p:spPr>
+            <p:style>
+              <a:lnRef idx="2">
+                <a:schemeClr val="accent1">
+                  <a:shade val="50000"/>
+                </a:schemeClr>
+              </a:lnRef>
+              <a:fillRef idx="1">
+                <a:schemeClr val="accent1"/>
+              </a:fillRef>
+              <a:effectRef idx="0">
+                <a:schemeClr val="accent1"/>
+              </a:effectRef>
+              <a:fontRef idx="minor">
+                <a:schemeClr val="lt1"/>
+              </a:fontRef>
+            </p:style>
+            <p:txBody>
+              <a:bodyPr rtlCol="0" anchor="ctr"/>
+              <a:lstStyle/>
+              <a:p>
+                <a:pPr algn="ctr"/>
+                <a:r>
+                  <a:rPr lang="en-US" dirty="0">
+                    <a:solidFill>
+                      <a:schemeClr val="tx1"/>
+                    </a:solidFill>
+                    <a:latin typeface="Times New Roman" panose="02020603050405020304" pitchFamily="18" charset="0"/>
+                    <a:cs typeface="Times New Roman" panose="02020603050405020304" pitchFamily="18" charset="0"/>
+                  </a:rPr>
+                  <a:t>select </a:t>
+                </a:r>
+                <a14:m>
+                  <m:oMath xmlns:m="http://schemas.openxmlformats.org/officeDocument/2006/math">
+                    <m:r>
+                      <a:rPr lang="en-US" i="1" dirty="0">
+                        <a:solidFill>
+                          <a:schemeClr val="tx1"/>
+                        </a:solidFill>
+                        <a:latin typeface="Cambria Math" panose="02040503050406030204" pitchFamily="18" charset="0"/>
+                        <a:cs typeface="Times New Roman" panose="02020603050405020304" pitchFamily="18" charset="0"/>
+                      </a:rPr>
+                      <m:t>𝑛</m:t>
+                    </m:r>
+                  </m:oMath>
+                </a14:m>
+                <a:r>
+                  <a:rPr lang="en-US" dirty="0">
+                    <a:solidFill>
+                      <a:schemeClr val="tx1"/>
+                    </a:solidFill>
+                    <a:latin typeface="Times New Roman" panose="02020603050405020304" pitchFamily="18" charset="0"/>
+                    <a:cs typeface="Times New Roman" panose="02020603050405020304" pitchFamily="18" charset="0"/>
+                  </a:rPr>
+                  <a:t> unlabeled samples</a:t>
+                </a:r>
+              </a:p>
+            </p:txBody>
+          </p:sp>
+        </mc:Choice>
+        <mc:Fallback>
+          <p:sp>
+            <p:nvSpPr>
+              <p:cNvPr id="104" name="Flussdiagramm: Prozess 103">
+                <a:extLst>
+                  <a:ext uri="{FF2B5EF4-FFF2-40B4-BE49-F238E27FC236}">
+                    <a16:creationId xmlns:a16="http://schemas.microsoft.com/office/drawing/2014/main" id="{254F2140-11CE-4F97-800B-9AD3A7B7DEA4}"/>
+                  </a:ext>
+                </a:extLst>
+              </p:cNvPr>
+              <p:cNvSpPr>
+                <a:spLocks noRot="1" noChangeAspect="1" noMove="1" noResize="1" noEditPoints="1" noAdjustHandles="1" noChangeArrowheads="1" noChangeShapeType="1" noTextEdit="1"/>
+              </p:cNvSpPr>
+              <p:nvPr/>
+            </p:nvSpPr>
+            <p:spPr>
+              <a:xfrm>
+                <a:off x="7968208" y="189111"/>
+                <a:ext cx="1368152" cy="864096"/>
+              </a:xfrm>
+              <a:prstGeom prst="flowChartProcess">
+                <a:avLst/>
+              </a:prstGeom>
+              <a:blipFill>
+                <a:blip r:embed="rId19"/>
+                <a:stretch>
+                  <a:fillRect t="-6250" b="-13194"/>
+                </a:stretch>
+              </a:blipFill>
+              <a:ln w="12700">
+                <a:solidFill>
+                  <a:schemeClr val="tx1"/>
+                </a:solidFill>
+              </a:ln>
+            </p:spPr>
+            <p:txBody>
+              <a:bodyPr/>
+              <a:lstStyle/>
+              <a:p>
+                <a:r>
+                  <a:rPr lang="en-GB">
+                    <a:noFill/>
+                  </a:rPr>
+                  <a:t> </a:t>
+                </a:r>
+              </a:p>
+            </p:txBody>
+          </p:sp>
+        </mc:Fallback>
+      </mc:AlternateContent>
+      <p:cxnSp>
+        <p:nvCxnSpPr>
+          <p:cNvPr id="105" name="Gerade Verbindung mit Pfeil 104">
+            <a:extLst>
+              <a:ext uri="{FF2B5EF4-FFF2-40B4-BE49-F238E27FC236}">
+                <a16:creationId xmlns:a16="http://schemas.microsoft.com/office/drawing/2014/main" id="{81CA1E20-4EEE-46B4-837C-5B810C89990A}"/>
+              </a:ext>
+            </a:extLst>
+          </p:cNvPr>
+          <p:cNvCxnSpPr>
+            <a:cxnSpLocks/>
+            <a:stCxn id="104" idx="3"/>
+            <a:endCxn id="103" idx="2"/>
+          </p:cNvCxnSpPr>
+          <p:nvPr/>
+        </p:nvCxnSpPr>
+        <p:spPr>
+          <a:xfrm flipV="1">
+            <a:off x="9336361" y="614635"/>
+            <a:ext cx="504057" cy="6525"/>
+          </a:xfrm>
+          <a:prstGeom prst="straightConnector1">
+            <a:avLst/>
+          </a:prstGeom>
+          <a:ln w="12700">
+            <a:solidFill>
+              <a:schemeClr val="tx1"/>
+            </a:solidFill>
+            <a:headEnd type="triangle"/>
+            <a:tailEnd type="none"/>
+          </a:ln>
+        </p:spPr>
+        <p:style>
+          <a:lnRef idx="1">
+            <a:schemeClr val="accent1"/>
+          </a:lnRef>
+          <a:fillRef idx="0">
+            <a:schemeClr val="accent1"/>
+          </a:fillRef>
+          <a:effectRef idx="0">
+            <a:schemeClr val="accent1"/>
+          </a:effectRef>
+          <a:fontRef idx="minor">
+            <a:schemeClr val="tx1"/>
+          </a:fontRef>
+        </p:style>
+      </p:cxnSp>
+      <p:cxnSp>
+        <p:nvCxnSpPr>
+          <p:cNvPr id="106" name="Gerade Verbindung mit Pfeil 105">
+            <a:extLst>
+              <a:ext uri="{FF2B5EF4-FFF2-40B4-BE49-F238E27FC236}">
+                <a16:creationId xmlns:a16="http://schemas.microsoft.com/office/drawing/2014/main" id="{FDF030DB-65CC-4E06-B667-588BA33C66AE}"/>
+              </a:ext>
+            </a:extLst>
+          </p:cNvPr>
+          <p:cNvCxnSpPr>
+            <a:cxnSpLocks/>
+            <a:stCxn id="102" idx="4"/>
+            <a:endCxn id="104" idx="1"/>
+          </p:cNvCxnSpPr>
+          <p:nvPr/>
+        </p:nvCxnSpPr>
+        <p:spPr>
+          <a:xfrm flipV="1">
+            <a:off x="7430096" y="621160"/>
+            <a:ext cx="538113" cy="2177"/>
+          </a:xfrm>
+          <a:prstGeom prst="straightConnector1">
+            <a:avLst/>
+          </a:prstGeom>
+          <a:ln w="12700">
+            <a:solidFill>
+              <a:schemeClr val="tx1"/>
+            </a:solidFill>
+            <a:headEnd type="triangle"/>
+            <a:tailEnd type="none"/>
+          </a:ln>
+        </p:spPr>
+        <p:style>
+          <a:lnRef idx="1">
+            <a:schemeClr val="accent1"/>
+          </a:lnRef>
+          <a:fillRef idx="0">
+            <a:schemeClr val="accent1"/>
+          </a:fillRef>
+          <a:effectRef idx="0">
+            <a:schemeClr val="accent1"/>
+          </a:effectRef>
+          <a:fontRef idx="minor">
+            <a:schemeClr val="tx1"/>
+          </a:fontRef>
+        </p:style>
+      </p:cxnSp>
+      <p:cxnSp>
+        <p:nvCxnSpPr>
+          <p:cNvPr id="108" name="Gewinkelte Verbindung 40">
+            <a:extLst>
+              <a:ext uri="{FF2B5EF4-FFF2-40B4-BE49-F238E27FC236}">
+                <a16:creationId xmlns:a16="http://schemas.microsoft.com/office/drawing/2014/main" id="{6F61D788-EE7E-4646-9EEC-2BA832D3FF0A}"/>
+              </a:ext>
+            </a:extLst>
+          </p:cNvPr>
+          <p:cNvCxnSpPr>
+            <a:cxnSpLocks/>
+            <a:stCxn id="115" idx="3"/>
+            <a:endCxn id="112" idx="1"/>
+          </p:cNvCxnSpPr>
+          <p:nvPr/>
+        </p:nvCxnSpPr>
+        <p:spPr>
+          <a:xfrm>
+            <a:off x="14748792" y="614368"/>
+            <a:ext cx="542051" cy="1024197"/>
+          </a:xfrm>
+          <a:prstGeom prst="bentConnector2">
+            <a:avLst/>
+          </a:prstGeom>
+          <a:ln w="12700">
+            <a:solidFill>
+              <a:schemeClr val="tx1"/>
+            </a:solidFill>
+            <a:tailEnd type="triangle"/>
+          </a:ln>
+        </p:spPr>
+        <p:style>
+          <a:lnRef idx="1">
+            <a:schemeClr val="accent1"/>
+          </a:lnRef>
+          <a:fillRef idx="0">
+            <a:schemeClr val="accent1"/>
+          </a:fillRef>
+          <a:effectRef idx="0">
+            <a:schemeClr val="accent1"/>
+          </a:effectRef>
+          <a:fontRef idx="minor">
+            <a:schemeClr val="tx1"/>
+          </a:fontRef>
+        </p:style>
+      </p:cxnSp>
+      <p:sp>
+        <p:nvSpPr>
+          <p:cNvPr id="110" name="Flussdiagramm: Prozess 50">
+            <a:extLst>
+              <a:ext uri="{FF2B5EF4-FFF2-40B4-BE49-F238E27FC236}">
+                <a16:creationId xmlns:a16="http://schemas.microsoft.com/office/drawing/2014/main" id="{56E19FE6-68B9-4FFA-9CEB-AACC23807966}"/>
+              </a:ext>
+            </a:extLst>
+          </p:cNvPr>
+          <p:cNvSpPr/>
+          <p:nvPr/>
+        </p:nvSpPr>
+        <p:spPr>
+          <a:xfrm>
+            <a:off x="14235871" y="8661881"/>
+            <a:ext cx="2068907" cy="4350377"/>
+          </a:xfrm>
+          <a:prstGeom prst="flowChartProcess">
+            <a:avLst/>
+          </a:prstGeom>
+          <a:solidFill>
+            <a:schemeClr val="bg2">
+              <a:lumMod val="50000"/>
+              <a:alpha val="40000"/>
+            </a:schemeClr>
+          </a:solidFill>
+          <a:ln>
+            <a:noFill/>
+          </a:ln>
+        </p:spPr>
+        <p:style>
+          <a:lnRef idx="2">
+            <a:schemeClr val="accent1">
+              <a:shade val="50000"/>
+            </a:schemeClr>
+          </a:lnRef>
+          <a:fillRef idx="1">
+            <a:schemeClr val="accent1"/>
+          </a:fillRef>
+          <a:effectRef idx="0">
+            <a:schemeClr val="accent1"/>
+          </a:effectRef>
+          <a:fontRef idx="minor">
+            <a:schemeClr val="lt1"/>
+          </a:fontRef>
+        </p:style>
+        <p:txBody>
+          <a:bodyPr rtlCol="0" anchor="ctr"/>
+          <a:lstStyle/>
+          <a:p>
+            <a:pPr algn="ctr"/>
+            <a:endParaRPr lang="de-DE" dirty="0"/>
+          </a:p>
+        </p:txBody>
+      </p:sp>
+      <p:sp>
+        <p:nvSpPr>
+          <p:cNvPr id="111" name="Flussdiagramm: Prozess 50">
+            <a:extLst>
+              <a:ext uri="{FF2B5EF4-FFF2-40B4-BE49-F238E27FC236}">
+                <a16:creationId xmlns:a16="http://schemas.microsoft.com/office/drawing/2014/main" id="{3BE30CFD-4A5B-46B4-8D93-061A04ADE04A}"/>
+              </a:ext>
+            </a:extLst>
+          </p:cNvPr>
+          <p:cNvSpPr/>
+          <p:nvPr/>
+        </p:nvSpPr>
+        <p:spPr>
+          <a:xfrm>
+            <a:off x="14237439" y="1333283"/>
+            <a:ext cx="2068907" cy="4350377"/>
+          </a:xfrm>
+          <a:prstGeom prst="flowChartProcess">
+            <a:avLst/>
+          </a:prstGeom>
+          <a:solidFill>
+            <a:schemeClr val="bg2">
+              <a:lumMod val="50000"/>
+              <a:alpha val="40000"/>
+            </a:schemeClr>
+          </a:solidFill>
+          <a:ln>
+            <a:noFill/>
+          </a:ln>
+        </p:spPr>
+        <p:style>
+          <a:lnRef idx="2">
+            <a:schemeClr val="accent1">
+              <a:shade val="50000"/>
+            </a:schemeClr>
+          </a:lnRef>
+          <a:fillRef idx="1">
+            <a:schemeClr val="accent1"/>
+          </a:fillRef>
+          <a:effectRef idx="0">
+            <a:schemeClr val="accent1"/>
+          </a:effectRef>
+          <a:fontRef idx="minor">
+            <a:schemeClr val="lt1"/>
+          </a:fontRef>
+        </p:style>
+        <p:txBody>
+          <a:bodyPr rtlCol="0" anchor="ctr"/>
+          <a:lstStyle/>
+          <a:p>
+            <a:pPr algn="ctr"/>
+            <a:endParaRPr lang="de-DE" dirty="0"/>
+          </a:p>
+        </p:txBody>
+      </p:sp>
+      <mc:AlternateContent xmlns:mc="http://schemas.openxmlformats.org/markup-compatibility/2006">
+        <mc:Choice xmlns:a14="http://schemas.microsoft.com/office/drawing/2010/main" Requires="a14">
+          <p:sp>
+            <p:nvSpPr>
+              <p:cNvPr id="112" name="Zylinder 102">
+                <a:extLst>
+                  <a:ext uri="{FF2B5EF4-FFF2-40B4-BE49-F238E27FC236}">
+                    <a16:creationId xmlns:a16="http://schemas.microsoft.com/office/drawing/2014/main" id="{1475BEBA-E10D-4242-8695-D0F6D2C12075}"/>
+                  </a:ext>
+                </a:extLst>
+              </p:cNvPr>
+              <p:cNvSpPr/>
+              <p:nvPr/>
+            </p:nvSpPr>
+            <p:spPr>
+              <a:xfrm>
+                <a:off x="14570763" y="1638564"/>
+                <a:ext cx="1440159" cy="1284036"/>
+              </a:xfrm>
+              <a:prstGeom prst="can">
+                <a:avLst/>
+              </a:prstGeom>
+              <a:solidFill>
+                <a:schemeClr val="bg1">
+                  <a:lumMod val="95000"/>
+                </a:schemeClr>
+              </a:solidFill>
+              <a:ln>
+                <a:solidFill>
+                  <a:schemeClr val="bg1">
+                    <a:lumMod val="50000"/>
+                  </a:schemeClr>
+                </a:solidFill>
+              </a:ln>
+            </p:spPr>
+            <p:style>
+              <a:lnRef idx="2">
+                <a:schemeClr val="accent1">
+                  <a:shade val="50000"/>
+                </a:schemeClr>
+              </a:lnRef>
+              <a:fillRef idx="1">
+                <a:schemeClr val="accent1"/>
+              </a:fillRef>
+              <a:effectRef idx="0">
+                <a:schemeClr val="accent1"/>
+              </a:effectRef>
+              <a:fontRef idx="minor">
+                <a:schemeClr val="lt1"/>
+              </a:fontRef>
+            </p:style>
+            <p:txBody>
+              <a:bodyPr rtlCol="0" anchor="ctr"/>
+              <a:lstStyle/>
+              <a:p>
+                <a:pPr algn="ctr"/>
+                <a:r>
+                  <a:rPr lang="en-US" dirty="0">
+                    <a:solidFill>
+                      <a:schemeClr val="tx1"/>
+                    </a:solidFill>
+                    <a:latin typeface="Times New Roman" panose="02020603050405020304" pitchFamily="18" charset="0"/>
+                    <a:cs typeface="Times New Roman" panose="02020603050405020304" pitchFamily="18" charset="0"/>
+                  </a:rPr>
+                  <a:t>pool of unlabeled samples </a:t>
+                </a:r>
+                <a14:m>
+                  <m:oMath xmlns:m="http://schemas.openxmlformats.org/officeDocument/2006/math">
+                    <m:acc>
+                      <m:accPr>
+                        <m:chr m:val="̃"/>
+                        <m:ctrlPr>
+                          <a:rPr lang="en-US" i="1">
+                            <a:solidFill>
+                              <a:schemeClr val="tx1"/>
+                            </a:solidFill>
+                            <a:latin typeface="Cambria Math" panose="02040503050406030204" pitchFamily="18" charset="0"/>
+                            <a:cs typeface="Times New Roman" panose="02020603050405020304" pitchFamily="18" charset="0"/>
+                          </a:rPr>
+                        </m:ctrlPr>
+                      </m:accPr>
+                      <m:e>
+                        <m:r>
+                          <a:rPr lang="en-US" i="1">
+                            <a:solidFill>
+                              <a:schemeClr val="tx1"/>
+                            </a:solidFill>
+                            <a:latin typeface="Cambria Math" panose="02040503050406030204" pitchFamily="18" charset="0"/>
+                            <a:cs typeface="Times New Roman" panose="02020603050405020304" pitchFamily="18" charset="0"/>
+                          </a:rPr>
+                          <m:t>𝑈</m:t>
+                        </m:r>
+                      </m:e>
+                    </m:acc>
+                  </m:oMath>
+                </a14:m>
+                <a:endParaRPr lang="en-US" dirty="0">
+                  <a:solidFill>
+                    <a:schemeClr val="tx1"/>
+                  </a:solidFill>
+                  <a:latin typeface="Times New Roman" panose="02020603050405020304" pitchFamily="18" charset="0"/>
+                  <a:cs typeface="Times New Roman" panose="02020603050405020304" pitchFamily="18" charset="0"/>
+                </a:endParaRPr>
+              </a:p>
+            </p:txBody>
+          </p:sp>
+        </mc:Choice>
+        <mc:Fallback>
+          <p:sp>
+            <p:nvSpPr>
+              <p:cNvPr id="112" name="Zylinder 102">
+                <a:extLst>
+                  <a:ext uri="{FF2B5EF4-FFF2-40B4-BE49-F238E27FC236}">
+                    <a16:creationId xmlns:a16="http://schemas.microsoft.com/office/drawing/2014/main" id="{1475BEBA-E10D-4242-8695-D0F6D2C12075}"/>
+                  </a:ext>
+                </a:extLst>
+              </p:cNvPr>
+              <p:cNvSpPr>
+                <a:spLocks noRot="1" noChangeAspect="1" noMove="1" noResize="1" noEditPoints="1" noAdjustHandles="1" noChangeArrowheads="1" noChangeShapeType="1" noTextEdit="1"/>
+              </p:cNvSpPr>
+              <p:nvPr/>
+            </p:nvSpPr>
+            <p:spPr>
+              <a:xfrm>
+                <a:off x="14570763" y="1638564"/>
+                <a:ext cx="1440159" cy="1284036"/>
+              </a:xfrm>
+              <a:prstGeom prst="can">
+                <a:avLst/>
+              </a:prstGeom>
+              <a:blipFill>
+                <a:blip r:embed="rId20"/>
+                <a:stretch>
+                  <a:fillRect r="-15000"/>
+                </a:stretch>
+              </a:blipFill>
+              <a:ln>
+                <a:solidFill>
+                  <a:schemeClr val="bg1">
+                    <a:lumMod val="50000"/>
+                  </a:schemeClr>
+                </a:solidFill>
+              </a:ln>
+            </p:spPr>
+            <p:txBody>
+              <a:bodyPr/>
+              <a:lstStyle/>
+              <a:p>
+                <a:r>
+                  <a:rPr lang="en-GB">
+                    <a:noFill/>
+                  </a:rPr>
+                  <a:t> </a:t>
+                </a:r>
+              </a:p>
+            </p:txBody>
+          </p:sp>
+        </mc:Fallback>
+      </mc:AlternateContent>
+      <mc:AlternateContent xmlns:mc="http://schemas.openxmlformats.org/markup-compatibility/2006">
+        <mc:Choice xmlns:a14="http://schemas.microsoft.com/office/drawing/2010/main" Requires="a14">
+          <p:sp>
+            <p:nvSpPr>
+              <p:cNvPr id="113" name="Zylinder 102">
+                <a:extLst>
+                  <a:ext uri="{FF2B5EF4-FFF2-40B4-BE49-F238E27FC236}">
+                    <a16:creationId xmlns:a16="http://schemas.microsoft.com/office/drawing/2014/main" id="{C93A735E-2504-4BEE-B447-2ACC08307393}"/>
+                  </a:ext>
+                </a:extLst>
+              </p:cNvPr>
+              <p:cNvSpPr/>
+              <p:nvPr/>
+            </p:nvSpPr>
+            <p:spPr>
+              <a:xfrm>
+                <a:off x="14550244" y="8857378"/>
+                <a:ext cx="1440159" cy="1284036"/>
+              </a:xfrm>
+              <a:prstGeom prst="can">
+                <a:avLst/>
+              </a:prstGeom>
+              <a:solidFill>
+                <a:schemeClr val="bg1">
+                  <a:lumMod val="95000"/>
+                </a:schemeClr>
+              </a:solidFill>
+              <a:ln>
+                <a:solidFill>
+                  <a:schemeClr val="bg1">
+                    <a:lumMod val="50000"/>
+                  </a:schemeClr>
+                </a:solidFill>
+              </a:ln>
+            </p:spPr>
+            <p:style>
+              <a:lnRef idx="2">
+                <a:schemeClr val="accent1">
+                  <a:shade val="50000"/>
+                </a:schemeClr>
+              </a:lnRef>
+              <a:fillRef idx="1">
+                <a:schemeClr val="accent1"/>
+              </a:fillRef>
+              <a:effectRef idx="0">
+                <a:schemeClr val="accent1"/>
+              </a:effectRef>
+              <a:fontRef idx="minor">
+                <a:schemeClr val="lt1"/>
+              </a:fontRef>
+            </p:style>
+            <p:txBody>
+              <a:bodyPr rtlCol="0" anchor="ctr"/>
+              <a:lstStyle/>
+              <a:p>
+                <a:pPr algn="ctr"/>
+                <a:r>
+                  <a:rPr lang="en-US" dirty="0">
+                    <a:solidFill>
+                      <a:schemeClr val="tx1"/>
+                    </a:solidFill>
+                    <a:latin typeface="Times New Roman" panose="02020603050405020304" pitchFamily="18" charset="0"/>
+                    <a:cs typeface="Times New Roman" panose="02020603050405020304" pitchFamily="18" charset="0"/>
+                  </a:rPr>
+                  <a:t>pool of unlabeled samples </a:t>
+                </a:r>
+                <a14:m>
+                  <m:oMath xmlns:m="http://schemas.openxmlformats.org/officeDocument/2006/math">
+                    <m:acc>
+                      <m:accPr>
+                        <m:chr m:val="̃"/>
+                        <m:ctrlPr>
+                          <a:rPr lang="en-US" i="1">
+                            <a:solidFill>
+                              <a:schemeClr val="tx1"/>
+                            </a:solidFill>
+                            <a:latin typeface="Cambria Math" panose="02040503050406030204" pitchFamily="18" charset="0"/>
+                            <a:cs typeface="Times New Roman" panose="02020603050405020304" pitchFamily="18" charset="0"/>
+                          </a:rPr>
+                        </m:ctrlPr>
+                      </m:accPr>
+                      <m:e>
+                        <m:r>
+                          <a:rPr lang="en-US" i="1">
+                            <a:solidFill>
+                              <a:schemeClr val="tx1"/>
+                            </a:solidFill>
+                            <a:latin typeface="Cambria Math" panose="02040503050406030204" pitchFamily="18" charset="0"/>
+                            <a:cs typeface="Times New Roman" panose="02020603050405020304" pitchFamily="18" charset="0"/>
+                          </a:rPr>
+                          <m:t>𝑈</m:t>
+                        </m:r>
+                      </m:e>
+                    </m:acc>
+                  </m:oMath>
+                </a14:m>
+                <a:endParaRPr lang="en-US" dirty="0">
+                  <a:solidFill>
+                    <a:schemeClr val="tx1"/>
+                  </a:solidFill>
+                  <a:latin typeface="Times New Roman" panose="02020603050405020304" pitchFamily="18" charset="0"/>
+                  <a:cs typeface="Times New Roman" panose="02020603050405020304" pitchFamily="18" charset="0"/>
+                </a:endParaRPr>
+              </a:p>
+            </p:txBody>
+          </p:sp>
+        </mc:Choice>
+        <mc:Fallback>
+          <p:sp>
+            <p:nvSpPr>
+              <p:cNvPr id="113" name="Zylinder 102">
+                <a:extLst>
+                  <a:ext uri="{FF2B5EF4-FFF2-40B4-BE49-F238E27FC236}">
+                    <a16:creationId xmlns:a16="http://schemas.microsoft.com/office/drawing/2014/main" id="{C93A735E-2504-4BEE-B447-2ACC08307393}"/>
+                  </a:ext>
+                </a:extLst>
+              </p:cNvPr>
+              <p:cNvSpPr>
+                <a:spLocks noRot="1" noChangeAspect="1" noMove="1" noResize="1" noEditPoints="1" noAdjustHandles="1" noChangeArrowheads="1" noChangeShapeType="1" noTextEdit="1"/>
+              </p:cNvSpPr>
+              <p:nvPr/>
+            </p:nvSpPr>
+            <p:spPr>
+              <a:xfrm>
+                <a:off x="14550244" y="8857378"/>
+                <a:ext cx="1440159" cy="1284036"/>
+              </a:xfrm>
+              <a:prstGeom prst="can">
+                <a:avLst/>
+              </a:prstGeom>
+              <a:blipFill>
+                <a:blip r:embed="rId21"/>
+                <a:stretch>
+                  <a:fillRect r="-14583"/>
+                </a:stretch>
+              </a:blipFill>
+              <a:ln>
+                <a:solidFill>
+                  <a:schemeClr val="bg1">
+                    <a:lumMod val="50000"/>
+                  </a:schemeClr>
+                </a:solidFill>
+              </a:ln>
+            </p:spPr>
+            <p:txBody>
+              <a:bodyPr/>
+              <a:lstStyle/>
+              <a:p>
+                <a:r>
+                  <a:rPr lang="en-GB">
+                    <a:noFill/>
+                  </a:rPr>
+                  <a:t> </a:t>
+                </a:r>
+              </a:p>
+            </p:txBody>
+          </p:sp>
+        </mc:Fallback>
+      </mc:AlternateContent>
+      <mc:AlternateContent xmlns:mc="http://schemas.openxmlformats.org/markup-compatibility/2006">
+        <mc:Choice xmlns:a14="http://schemas.microsoft.com/office/drawing/2010/main" Requires="a14">
+          <p:sp>
+            <p:nvSpPr>
+              <p:cNvPr id="115" name="Flussdiagramm: Prozess 103">
+                <a:extLst>
+                  <a:ext uri="{FF2B5EF4-FFF2-40B4-BE49-F238E27FC236}">
+                    <a16:creationId xmlns:a16="http://schemas.microsoft.com/office/drawing/2014/main" id="{576AD799-AD09-4F63-9518-44EBCD870A16}"/>
+                  </a:ext>
+                </a:extLst>
+              </p:cNvPr>
+              <p:cNvSpPr/>
+              <p:nvPr/>
+            </p:nvSpPr>
+            <p:spPr>
+              <a:xfrm>
+                <a:off x="13270682" y="182319"/>
+                <a:ext cx="1478110" cy="864096"/>
+              </a:xfrm>
+              <a:prstGeom prst="flowChartProcess">
+                <a:avLst/>
+              </a:prstGeom>
+              <a:solidFill>
+                <a:schemeClr val="bg1"/>
+              </a:solidFill>
+              <a:ln w="12700">
+                <a:solidFill>
+                  <a:schemeClr val="tx1"/>
+                </a:solidFill>
+              </a:ln>
+            </p:spPr>
+            <p:style>
+              <a:lnRef idx="2">
+                <a:schemeClr val="accent1">
+                  <a:shade val="50000"/>
+                </a:schemeClr>
+              </a:lnRef>
+              <a:fillRef idx="1">
+                <a:schemeClr val="accent1"/>
+              </a:fillRef>
+              <a:effectRef idx="0">
+                <a:schemeClr val="accent1"/>
+              </a:effectRef>
+              <a:fontRef idx="minor">
+                <a:schemeClr val="lt1"/>
+              </a:fontRef>
+            </p:style>
+            <p:txBody>
+              <a:bodyPr rtlCol="0" anchor="ctr"/>
+              <a:lstStyle/>
+              <a:p>
+                <a:pPr algn="ctr"/>
+                <a:r>
+                  <a:rPr lang="en-US" dirty="0">
+                    <a:solidFill>
+                      <a:schemeClr val="tx1"/>
+                    </a:solidFill>
+                    <a:latin typeface="Times New Roman" panose="02020603050405020304" pitchFamily="18" charset="0"/>
+                    <a:cs typeface="Times New Roman" panose="02020603050405020304" pitchFamily="18" charset="0"/>
+                  </a:rPr>
+                  <a:t>select </a:t>
+                </a:r>
+                <a14:m>
+                  <m:oMath xmlns:m="http://schemas.openxmlformats.org/officeDocument/2006/math">
+                    <m:r>
+                      <a:rPr lang="it-IT" i="1">
+                        <a:solidFill>
+                          <a:schemeClr val="tx1"/>
+                        </a:solidFill>
+                        <a:latin typeface="Cambria Math" panose="02040503050406030204" pitchFamily="18" charset="0"/>
+                        <a:cs typeface="Times New Roman" panose="02020603050405020304" pitchFamily="18" charset="0"/>
+                      </a:rPr>
+                      <m:t>𝑚</m:t>
+                    </m:r>
+                    <m:r>
+                      <a:rPr lang="it-IT" i="1">
+                        <a:solidFill>
+                          <a:schemeClr val="tx1"/>
+                        </a:solidFill>
+                        <a:latin typeface="Cambria Math" panose="02040503050406030204" pitchFamily="18" charset="0"/>
+                        <a:cs typeface="Times New Roman" panose="02020603050405020304" pitchFamily="18" charset="0"/>
+                      </a:rPr>
+                      <m:t>≫</m:t>
+                    </m:r>
+                    <m:r>
+                      <a:rPr lang="it-IT" i="1">
+                        <a:solidFill>
+                          <a:schemeClr val="tx1"/>
+                        </a:solidFill>
+                        <a:latin typeface="Cambria Math" panose="02040503050406030204" pitchFamily="18" charset="0"/>
+                        <a:cs typeface="Times New Roman" panose="02020603050405020304" pitchFamily="18" charset="0"/>
+                      </a:rPr>
+                      <m:t>𝑛</m:t>
+                    </m:r>
+                  </m:oMath>
+                </a14:m>
+                <a:r>
+                  <a:rPr lang="en-US" dirty="0">
+                    <a:solidFill>
+                      <a:schemeClr val="tx1"/>
+                    </a:solidFill>
+                    <a:latin typeface="Times New Roman" panose="02020603050405020304" pitchFamily="18" charset="0"/>
+                    <a:cs typeface="Times New Roman" panose="02020603050405020304" pitchFamily="18" charset="0"/>
+                  </a:rPr>
+                  <a:t> unlabeled samples</a:t>
+                </a:r>
+              </a:p>
+            </p:txBody>
+          </p:sp>
+        </mc:Choice>
+        <mc:Fallback>
+          <p:sp>
+            <p:nvSpPr>
+              <p:cNvPr id="115" name="Flussdiagramm: Prozess 103">
+                <a:extLst>
+                  <a:ext uri="{FF2B5EF4-FFF2-40B4-BE49-F238E27FC236}">
+                    <a16:creationId xmlns:a16="http://schemas.microsoft.com/office/drawing/2014/main" id="{576AD799-AD09-4F63-9518-44EBCD870A16}"/>
+                  </a:ext>
+                </a:extLst>
+              </p:cNvPr>
+              <p:cNvSpPr>
+                <a:spLocks noRot="1" noChangeAspect="1" noMove="1" noResize="1" noEditPoints="1" noAdjustHandles="1" noChangeArrowheads="1" noChangeShapeType="1" noTextEdit="1"/>
+              </p:cNvSpPr>
+              <p:nvPr/>
+            </p:nvSpPr>
+            <p:spPr>
+              <a:xfrm>
+                <a:off x="13270682" y="182319"/>
+                <a:ext cx="1478110" cy="864096"/>
+              </a:xfrm>
+              <a:prstGeom prst="flowChartProcess">
+                <a:avLst/>
+              </a:prstGeom>
+              <a:blipFill>
+                <a:blip r:embed="rId22"/>
+                <a:stretch>
+                  <a:fillRect l="-1230" t="-6250" b="-13194"/>
+                </a:stretch>
+              </a:blipFill>
+              <a:ln w="12700">
+                <a:solidFill>
+                  <a:schemeClr val="tx1"/>
+                </a:solidFill>
+              </a:ln>
+            </p:spPr>
+            <p:txBody>
+              <a:bodyPr/>
+              <a:lstStyle/>
+              <a:p>
+                <a:r>
+                  <a:rPr lang="en-GB">
+                    <a:noFill/>
+                  </a:rPr>
+                  <a:t> </a:t>
+                </a:r>
+              </a:p>
+            </p:txBody>
+          </p:sp>
+        </mc:Fallback>
+      </mc:AlternateContent>
+      <p:cxnSp>
+        <p:nvCxnSpPr>
+          <p:cNvPr id="116" name="Gerade Verbindung mit Pfeil 32">
+            <a:extLst>
+              <a:ext uri="{FF2B5EF4-FFF2-40B4-BE49-F238E27FC236}">
+                <a16:creationId xmlns:a16="http://schemas.microsoft.com/office/drawing/2014/main" id="{FA2A9ACF-225C-44BE-A6F2-5FC0D91CAC69}"/>
+              </a:ext>
+            </a:extLst>
+          </p:cNvPr>
+          <p:cNvCxnSpPr>
+            <a:cxnSpLocks/>
+            <a:stCxn id="103" idx="4"/>
+            <a:endCxn id="115" idx="1"/>
+          </p:cNvCxnSpPr>
+          <p:nvPr/>
+        </p:nvCxnSpPr>
+        <p:spPr>
+          <a:xfrm flipV="1">
+            <a:off x="12804576" y="614368"/>
+            <a:ext cx="466106" cy="267"/>
+          </a:xfrm>
+          <a:prstGeom prst="straightConnector1">
+            <a:avLst/>
+          </a:prstGeom>
+          <a:ln w="12700">
+            <a:solidFill>
+              <a:schemeClr val="tx1"/>
+            </a:solidFill>
+            <a:tailEnd type="triangle"/>
+          </a:ln>
+        </p:spPr>
+        <p:style>
+          <a:lnRef idx="1">
+            <a:schemeClr val="accent1"/>
+          </a:lnRef>
+          <a:fillRef idx="0">
+            <a:schemeClr val="accent1"/>
+          </a:fillRef>
+          <a:effectRef idx="0">
+            <a:schemeClr val="accent1"/>
+          </a:effectRef>
+          <a:fontRef idx="minor">
+            <a:schemeClr val="tx1"/>
+          </a:fontRef>
+        </p:style>
+      </p:cxnSp>
+      <p:cxnSp>
+        <p:nvCxnSpPr>
+          <p:cNvPr id="117" name="Gewinkelte Verbindung 40">
+            <a:extLst>
+              <a:ext uri="{FF2B5EF4-FFF2-40B4-BE49-F238E27FC236}">
+                <a16:creationId xmlns:a16="http://schemas.microsoft.com/office/drawing/2014/main" id="{489F397D-5D9D-428C-9799-364D041A0F2A}"/>
+              </a:ext>
+            </a:extLst>
+          </p:cNvPr>
+          <p:cNvCxnSpPr>
+            <a:cxnSpLocks/>
+            <a:endCxn id="113" idx="1"/>
+          </p:cNvCxnSpPr>
+          <p:nvPr/>
+        </p:nvCxnSpPr>
+        <p:spPr>
+          <a:xfrm rot="16200000" flipH="1">
+            <a:off x="14487902" y="8074954"/>
+            <a:ext cx="844769" cy="720078"/>
+          </a:xfrm>
+          <a:prstGeom prst="bentConnector3">
+            <a:avLst>
+              <a:gd name="adj1" fmla="val 626"/>
+            </a:avLst>
+          </a:prstGeom>
+          <a:ln w="12700">
+            <a:solidFill>
+              <a:schemeClr val="tx1"/>
+            </a:solidFill>
+            <a:tailEnd type="triangle"/>
+          </a:ln>
+        </p:spPr>
+        <p:style>
+          <a:lnRef idx="1">
+            <a:schemeClr val="accent1"/>
+          </a:lnRef>
+          <a:fillRef idx="0">
+            <a:schemeClr val="accent1"/>
+          </a:fillRef>
+          <a:effectRef idx="0">
+            <a:schemeClr val="accent1"/>
+          </a:effectRef>
+          <a:fontRef idx="minor">
+            <a:schemeClr val="tx1"/>
+          </a:fontRef>
+        </p:style>
+      </p:cxnSp>
+    </p:spTree>
+    <p:extLst>
+      <p:ext uri="{BB962C8B-B14F-4D97-AF65-F5344CB8AC3E}">
+        <p14:creationId xmlns:p14="http://schemas.microsoft.com/office/powerpoint/2010/main" val="3803509342"/>
+      </p:ext>
+    </p:extLst>
+  </p:cSld>
+  <p:clrMapOvr>
+    <a:masterClrMapping/>
+  </p:clrMapOvr>
+</p:sld>
+</file>
+
+<file path=ppt/slides/slide11.xml><?xml version="1.0" encoding="utf-8"?>
 <p:sld xmlns:a="http://schemas.openxmlformats.org/drawingml/2006/main" xmlns:r="http://schemas.openxmlformats.org/officeDocument/2006/relationships" xmlns:p="http://schemas.openxmlformats.org/presentationml/2006/main" showMasterSp="0">
   <p:cSld>
     <p:spTree>
@@ -8427,10 +15572,10 @@
       </p:pic>
       <p:pic>
         <p:nvPicPr>
-          <p:cNvPr id="7" name="Picture 6">
+          <p:cNvPr id="3" name="Picture 2">
             <a:extLst>
               <a:ext uri="{FF2B5EF4-FFF2-40B4-BE49-F238E27FC236}">
-                <a16:creationId xmlns:a16="http://schemas.microsoft.com/office/drawing/2014/main" id="{7105293D-F5E1-4C73-8AE2-D49E3D5E5C51}"/>
+                <a16:creationId xmlns:a16="http://schemas.microsoft.com/office/drawing/2014/main" id="{C54AC083-F53D-48A4-AC71-BC352D15EBC9}"/>
               </a:ext>
             </a:extLst>
           </p:cNvPr>
@@ -8453,8 +15598,8 @@
         </p:blipFill>
         <p:spPr>
           <a:xfrm>
-            <a:off x="2200275" y="-3049"/>
-            <a:ext cx="7791450" cy="6233160"/>
+            <a:off x="2202180" y="0"/>
+            <a:ext cx="7787639" cy="6230111"/>
           </a:xfrm>
           <a:prstGeom prst="rect">
             <a:avLst/>
@@ -8670,10 +15815,10 @@
       </p:pic>
       <p:pic>
         <p:nvPicPr>
-          <p:cNvPr id="3" name="Picture 2">
+          <p:cNvPr id="12" name="Picture 11">
             <a:extLst>
               <a:ext uri="{FF2B5EF4-FFF2-40B4-BE49-F238E27FC236}">
-                <a16:creationId xmlns:a16="http://schemas.microsoft.com/office/drawing/2014/main" id="{6C35A730-8F3F-4701-999C-455B85281DD8}"/>
+                <a16:creationId xmlns:a16="http://schemas.microsoft.com/office/drawing/2014/main" id="{B6140D49-436B-49AD-8259-2BAC0E32D645}"/>
               </a:ext>
             </a:extLst>
           </p:cNvPr>
@@ -8696,8 +15841,8 @@
         </p:blipFill>
         <p:spPr>
           <a:xfrm>
-            <a:off x="2210276" y="0"/>
-            <a:ext cx="7771448" cy="6230111"/>
+            <a:off x="2216548" y="6987"/>
+            <a:ext cx="7758903" cy="6207122"/>
           </a:xfrm>
           <a:prstGeom prst="rect">
             <a:avLst/>
@@ -9296,11 +16441,12 @@
 </file>
 
 <file path=customXml/item1.xml><?xml version="1.0" encoding="utf-8"?>
-<p:properties xmlns:p="http://schemas.microsoft.com/office/2006/metadata/properties" xmlns:xsi="http://www.w3.org/2001/XMLSchema-instance" xmlns:pc="http://schemas.microsoft.com/office/infopath/2007/PartnerControls">
-  <documentManagement>
-    <_activity xmlns="c9eab120-891d-4e75-bbb7-983661d36c9c" xsi:nil="true"/>
-  </documentManagement>
-</p:properties>
+<?mso-contentType ?>
+<FormTemplates xmlns="http://schemas.microsoft.com/sharepoint/v3/contenttype/forms">
+  <Display>DocumentLibraryForm</Display>
+  <Edit>DocumentLibraryForm</Edit>
+  <New>DocumentLibraryForm</New>
+</FormTemplates>
 </file>
 
 <file path=customXml/item2.xml><?xml version="1.0" encoding="utf-8"?>
@@ -9533,27 +16679,17 @@
 </file>
 
 <file path=customXml/item3.xml><?xml version="1.0" encoding="utf-8"?>
-<?mso-contentType ?>
-<FormTemplates xmlns="http://schemas.microsoft.com/sharepoint/v3/contenttype/forms">
-  <Display>DocumentLibraryForm</Display>
-  <Edit>DocumentLibraryForm</Edit>
-  <New>DocumentLibraryForm</New>
-</FormTemplates>
+<p:properties xmlns:p="http://schemas.microsoft.com/office/2006/metadata/properties" xmlns:xsi="http://www.w3.org/2001/XMLSchema-instance" xmlns:pc="http://schemas.microsoft.com/office/infopath/2007/PartnerControls">
+  <documentManagement>
+    <_activity xmlns="c9eab120-891d-4e75-bbb7-983661d36c9c" xsi:nil="true"/>
+  </documentManagement>
+</p:properties>
 </file>
 
 <file path=customXml/itemProps1.xml><?xml version="1.0" encoding="utf-8"?>
-<ds:datastoreItem xmlns:ds="http://schemas.openxmlformats.org/officeDocument/2006/customXml" ds:itemID="{0935546A-FCFF-49CF-A534-6766F9A5EAFB}">
+<ds:datastoreItem xmlns:ds="http://schemas.openxmlformats.org/officeDocument/2006/customXml" ds:itemID="{29D72105-E419-4657-8EC8-6C73137ECF2E}">
   <ds:schemaRefs>
-    <ds:schemaRef ds:uri="http://schemas.openxmlformats.org/package/2006/metadata/core-properties"/>
-    <ds:schemaRef ds:uri="c9eab120-891d-4e75-bbb7-983661d36c9c"/>
-    <ds:schemaRef ds:uri="http://purl.org/dc/terms/"/>
-    <ds:schemaRef ds:uri="http://schemas.microsoft.com/office/2006/documentManagement/types"/>
-    <ds:schemaRef ds:uri="http://schemas.microsoft.com/office/infopath/2007/PartnerControls"/>
-    <ds:schemaRef ds:uri="http://purl.org/dc/elements/1.1/"/>
-    <ds:schemaRef ds:uri="2cbdb79f-05cb-4beb-bf79-a6aafc29ddd5"/>
-    <ds:schemaRef ds:uri="http://www.w3.org/XML/1998/namespace"/>
-    <ds:schemaRef ds:uri="http://schemas.microsoft.com/office/2006/metadata/properties"/>
-    <ds:schemaRef ds:uri="http://purl.org/dc/dcmitype/"/>
+    <ds:schemaRef ds:uri="http://schemas.microsoft.com/sharepoint/v3/contenttype/forms"/>
   </ds:schemaRefs>
 </ds:datastoreItem>
 </file>
@@ -9578,9 +16714,18 @@
 </file>
 
 <file path=customXml/itemProps3.xml><?xml version="1.0" encoding="utf-8"?>
-<ds:datastoreItem xmlns:ds="http://schemas.openxmlformats.org/officeDocument/2006/customXml" ds:itemID="{29D72105-E419-4657-8EC8-6C73137ECF2E}">
+<ds:datastoreItem xmlns:ds="http://schemas.openxmlformats.org/officeDocument/2006/customXml" ds:itemID="{0935546A-FCFF-49CF-A534-6766F9A5EAFB}">
   <ds:schemaRefs>
-    <ds:schemaRef ds:uri="http://schemas.microsoft.com/sharepoint/v3/contenttype/forms"/>
+    <ds:schemaRef ds:uri="http://schemas.openxmlformats.org/package/2006/metadata/core-properties"/>
+    <ds:schemaRef ds:uri="c9eab120-891d-4e75-bbb7-983661d36c9c"/>
+    <ds:schemaRef ds:uri="http://purl.org/dc/terms/"/>
+    <ds:schemaRef ds:uri="http://schemas.microsoft.com/office/2006/documentManagement/types"/>
+    <ds:schemaRef ds:uri="http://schemas.microsoft.com/office/infopath/2007/PartnerControls"/>
+    <ds:schemaRef ds:uri="http://purl.org/dc/elements/1.1/"/>
+    <ds:schemaRef ds:uri="2cbdb79f-05cb-4beb-bf79-a6aafc29ddd5"/>
+    <ds:schemaRef ds:uri="http://www.w3.org/XML/1998/namespace"/>
+    <ds:schemaRef ds:uri="http://schemas.microsoft.com/office/2006/metadata/properties"/>
+    <ds:schemaRef ds:uri="http://purl.org/dc/dcmitype/"/>
   </ds:schemaRefs>
 </ds:datastoreItem>
 </file>
--- a/presentation_CARLASSARA_10601118.pptx
+++ b/presentation_CARLASSARA_10601118.pptx
@@ -242,7 +242,7 @@
           <a:p>
             <a:fld id="{2E347CE9-1F5D-4CEF-9CA7-664B3EF9808B}" type="datetimeFigureOut">
               <a:rPr lang="en-GB" smtClean="0"/>
-              <a:t>30/05/2024</a:t>
+              <a:t>01/06/2024</a:t>
             </a:fld>
             <a:endParaRPr lang="en-GB"/>
           </a:p>
@@ -649,7 +649,7 @@
           <a:p>
             <a:fld id="{1D8BD707-D9CF-40AE-B4C6-C98DA3205C09}" type="datetimeFigureOut">
               <a:rPr lang="en-US"/>
-              <a:t>5/30/2024</a:t>
+              <a:t>6/1/2024</a:t>
             </a:fld>
             <a:endParaRPr lang="en-US"/>
           </a:p>
@@ -824,7 +824,7 @@
           <a:p>
             <a:fld id="{1D8BD707-D9CF-40AE-B4C6-C98DA3205C09}" type="datetimeFigureOut">
               <a:rPr lang="en-US"/>
-              <a:t>5/30/2024</a:t>
+              <a:t>6/1/2024</a:t>
             </a:fld>
             <a:endParaRPr lang="en-US"/>
           </a:p>
@@ -1038,7 +1038,7 @@
           <a:p>
             <a:fld id="{1D8BD707-D9CF-40AE-B4C6-C98DA3205C09}" type="datetimeFigureOut">
               <a:rPr lang="en-US"/>
-              <a:t>5/30/2024</a:t>
+              <a:t>6/1/2024</a:t>
             </a:fld>
             <a:endParaRPr lang="en-US"/>
           </a:p>
@@ -1186,7 +1186,7 @@
           <a:p>
             <a:fld id="{1D8BD707-D9CF-40AE-B4C6-C98DA3205C09}" type="datetimeFigureOut">
               <a:rPr lang="en-US"/>
-              <a:t>5/30/2024</a:t>
+              <a:t>6/1/2024</a:t>
             </a:fld>
             <a:endParaRPr lang="en-US"/>
           </a:p>
@@ -1305,7 +1305,7 @@
           <a:p>
             <a:fld id="{1D8BD707-D9CF-40AE-B4C6-C98DA3205C09}" type="datetimeFigureOut">
               <a:rPr lang="en-US"/>
-              <a:t>5/30/2024</a:t>
+              <a:t>6/1/2024</a:t>
             </a:fld>
             <a:endParaRPr lang="en-US"/>
           </a:p>
@@ -1674,7 +1674,7 @@
           <a:p>
             <a:fld id="{1D8BD707-D9CF-40AE-B4C6-C98DA3205C09}" type="datetimeFigureOut">
               <a:rPr lang="en-US"/>
-              <a:t>5/30/2024</a:t>
+              <a:t>6/1/2024</a:t>
             </a:fld>
             <a:endParaRPr lang="en-US"/>
           </a:p>
@@ -2304,6 +2304,26 @@
                 <a:latin typeface="Futura"/>
                 <a:cs typeface="Microsoft Sans Serif"/>
               </a:rPr>
+              <a:t>Active Learning Method with</a:t>
+            </a:r>
+          </a:p>
+          <a:p>
+            <a:pPr algn="ctr"/>
+            <a:r>
+              <a:rPr lang="it-IT" sz="4000" spc="-5" dirty="0">
+                <a:solidFill>
+                  <a:srgbClr val="FFFFFF"/>
+                </a:solidFill>
+                <a:effectLst>
+                  <a:glow rad="63500">
+                    <a:schemeClr val="tx1">
+                      <a:alpha val="40000"/>
+                    </a:schemeClr>
+                  </a:glow>
+                </a:effectLst>
+                <a:latin typeface="Futura"/>
+                <a:cs typeface="Microsoft Sans Serif"/>
+              </a:rPr>
               <a:t>Virtual Support </a:t>
             </a:r>
             <a:r>
@@ -2372,27 +2392,7 @@
                 <a:latin typeface="Futura"/>
                 <a:cs typeface="Microsoft Sans Serif"/>
               </a:rPr>
-              <a:t> with </a:t>
-            </a:r>
-          </a:p>
-          <a:p>
-            <a:pPr algn="ctr"/>
-            <a:r>
-              <a:rPr lang="it-IT" sz="4000" spc="-5" dirty="0">
-                <a:solidFill>
-                  <a:srgbClr val="FFFFFF"/>
-                </a:solidFill>
-                <a:effectLst>
-                  <a:glow rad="63500">
-                    <a:schemeClr val="tx1">
-                      <a:alpha val="40000"/>
-                    </a:schemeClr>
-                  </a:glow>
-                </a:effectLst>
-                <a:latin typeface="Futura"/>
-                <a:cs typeface="Microsoft Sans Serif"/>
-              </a:rPr>
-              <a:t>Iterative Active Learning Method for </a:t>
+              <a:t> for </a:t>
             </a:r>
           </a:p>
           <a:p>
@@ -2412,10 +2412,10 @@
                 <a:latin typeface="Futura"/>
                 <a:cs typeface="Microsoft Sans Serif"/>
               </a:rPr>
-              <a:t>Multispectral</a:t>
-            </a:r>
-            <a:r>
-              <a:rPr lang="it-IT" sz="4000" spc="-5" dirty="0">
+              <a:t>Hyperspectral</a:t>
+            </a:r>
+            <a:r>
+              <a:rPr lang="it-IT" sz="4000" spc="-5">
                 <a:solidFill>
                   <a:srgbClr val="FFFFFF"/>
                 </a:solidFill>
@@ -2429,7 +2429,7 @@
                 <a:latin typeface="Futura"/>
                 <a:cs typeface="Microsoft Sans Serif"/>
               </a:rPr>
-              <a:t> Satellite Image </a:t>
+              <a:t> Image </a:t>
             </a:r>
             <a:r>
               <a:rPr lang="it-IT" sz="4000" spc="-5" dirty="0" err="1">
@@ -9284,11 +9284,12 @@
 </file>
 
 <file path=customXml/item1.xml><?xml version="1.0" encoding="utf-8"?>
-<p:properties xmlns:p="http://schemas.microsoft.com/office/2006/metadata/properties" xmlns:xsi="http://www.w3.org/2001/XMLSchema-instance" xmlns:pc="http://schemas.microsoft.com/office/infopath/2007/PartnerControls">
-  <documentManagement>
-    <_activity xmlns="c9eab120-891d-4e75-bbb7-983661d36c9c" xsi:nil="true"/>
-  </documentManagement>
-</p:properties>
+<?mso-contentType ?>
+<FormTemplates xmlns="http://schemas.microsoft.com/sharepoint/v3/contenttype/forms">
+  <Display>DocumentLibraryForm</Display>
+  <Edit>DocumentLibraryForm</Edit>
+  <New>DocumentLibraryForm</New>
+</FormTemplates>
 </file>
 
 <file path=customXml/item2.xml><?xml version="1.0" encoding="utf-8"?>
@@ -9521,27 +9522,17 @@
 </file>
 
 <file path=customXml/item3.xml><?xml version="1.0" encoding="utf-8"?>
-<?mso-contentType ?>
-<FormTemplates xmlns="http://schemas.microsoft.com/sharepoint/v3/contenttype/forms">
-  <Display>DocumentLibraryForm</Display>
-  <Edit>DocumentLibraryForm</Edit>
-  <New>DocumentLibraryForm</New>
-</FormTemplates>
+<p:properties xmlns:p="http://schemas.microsoft.com/office/2006/metadata/properties" xmlns:xsi="http://www.w3.org/2001/XMLSchema-instance" xmlns:pc="http://schemas.microsoft.com/office/infopath/2007/PartnerControls">
+  <documentManagement>
+    <_activity xmlns="c9eab120-891d-4e75-bbb7-983661d36c9c" xsi:nil="true"/>
+  </documentManagement>
+</p:properties>
 </file>
 
 <file path=customXml/itemProps1.xml><?xml version="1.0" encoding="utf-8"?>
-<ds:datastoreItem xmlns:ds="http://schemas.openxmlformats.org/officeDocument/2006/customXml" ds:itemID="{0935546A-FCFF-49CF-A534-6766F9A5EAFB}">
+<ds:datastoreItem xmlns:ds="http://schemas.openxmlformats.org/officeDocument/2006/customXml" ds:itemID="{29D72105-E419-4657-8EC8-6C73137ECF2E}">
   <ds:schemaRefs>
-    <ds:schemaRef ds:uri="http://schemas.openxmlformats.org/package/2006/metadata/core-properties"/>
-    <ds:schemaRef ds:uri="c9eab120-891d-4e75-bbb7-983661d36c9c"/>
-    <ds:schemaRef ds:uri="http://purl.org/dc/terms/"/>
-    <ds:schemaRef ds:uri="http://schemas.microsoft.com/office/2006/documentManagement/types"/>
-    <ds:schemaRef ds:uri="http://schemas.microsoft.com/office/infopath/2007/PartnerControls"/>
-    <ds:schemaRef ds:uri="http://purl.org/dc/elements/1.1/"/>
-    <ds:schemaRef ds:uri="2cbdb79f-05cb-4beb-bf79-a6aafc29ddd5"/>
-    <ds:schemaRef ds:uri="http://www.w3.org/XML/1998/namespace"/>
-    <ds:schemaRef ds:uri="http://schemas.microsoft.com/office/2006/metadata/properties"/>
-    <ds:schemaRef ds:uri="http://purl.org/dc/dcmitype/"/>
+    <ds:schemaRef ds:uri="http://schemas.microsoft.com/sharepoint/v3/contenttype/forms"/>
   </ds:schemaRefs>
 </ds:datastoreItem>
 </file>
@@ -9566,9 +9557,18 @@
 </file>
 
 <file path=customXml/itemProps3.xml><?xml version="1.0" encoding="utf-8"?>
-<ds:datastoreItem xmlns:ds="http://schemas.openxmlformats.org/officeDocument/2006/customXml" ds:itemID="{29D72105-E419-4657-8EC8-6C73137ECF2E}">
+<ds:datastoreItem xmlns:ds="http://schemas.openxmlformats.org/officeDocument/2006/customXml" ds:itemID="{0935546A-FCFF-49CF-A534-6766F9A5EAFB}">
   <ds:schemaRefs>
-    <ds:schemaRef ds:uri="http://schemas.microsoft.com/sharepoint/v3/contenttype/forms"/>
+    <ds:schemaRef ds:uri="http://schemas.openxmlformats.org/package/2006/metadata/core-properties"/>
+    <ds:schemaRef ds:uri="c9eab120-891d-4e75-bbb7-983661d36c9c"/>
+    <ds:schemaRef ds:uri="http://purl.org/dc/terms/"/>
+    <ds:schemaRef ds:uri="http://schemas.microsoft.com/office/2006/documentManagement/types"/>
+    <ds:schemaRef ds:uri="http://schemas.microsoft.com/office/infopath/2007/PartnerControls"/>
+    <ds:schemaRef ds:uri="http://purl.org/dc/elements/1.1/"/>
+    <ds:schemaRef ds:uri="2cbdb79f-05cb-4beb-bf79-a6aafc29ddd5"/>
+    <ds:schemaRef ds:uri="http://www.w3.org/XML/1998/namespace"/>
+    <ds:schemaRef ds:uri="http://schemas.microsoft.com/office/2006/metadata/properties"/>
+    <ds:schemaRef ds:uri="http://purl.org/dc/dcmitype/"/>
   </ds:schemaRefs>
 </ds:datastoreItem>
 </file>
--- a/presentation_CARLASSARA_10601118.pptx
+++ b/presentation_CARLASSARA_10601118.pptx
@@ -242,7 +242,7 @@
           <a:p>
             <a:fld id="{2E347CE9-1F5D-4CEF-9CA7-664B3EF9808B}" type="datetimeFigureOut">
               <a:rPr lang="en-GB" smtClean="0"/>
-              <a:t>01/06/2024</a:t>
+              <a:t>04/06/2024</a:t>
             </a:fld>
             <a:endParaRPr lang="en-GB"/>
           </a:p>
@@ -649,7 +649,7 @@
           <a:p>
             <a:fld id="{1D8BD707-D9CF-40AE-B4C6-C98DA3205C09}" type="datetimeFigureOut">
               <a:rPr lang="en-US"/>
-              <a:t>6/1/2024</a:t>
+              <a:t>6/4/2024</a:t>
             </a:fld>
             <a:endParaRPr lang="en-US"/>
           </a:p>
@@ -824,7 +824,7 @@
           <a:p>
             <a:fld id="{1D8BD707-D9CF-40AE-B4C6-C98DA3205C09}" type="datetimeFigureOut">
               <a:rPr lang="en-US"/>
-              <a:t>6/1/2024</a:t>
+              <a:t>6/4/2024</a:t>
             </a:fld>
             <a:endParaRPr lang="en-US"/>
           </a:p>
@@ -1038,7 +1038,7 @@
           <a:p>
             <a:fld id="{1D8BD707-D9CF-40AE-B4C6-C98DA3205C09}" type="datetimeFigureOut">
               <a:rPr lang="en-US"/>
-              <a:t>6/1/2024</a:t>
+              <a:t>6/4/2024</a:t>
             </a:fld>
             <a:endParaRPr lang="en-US"/>
           </a:p>
@@ -1186,7 +1186,7 @@
           <a:p>
             <a:fld id="{1D8BD707-D9CF-40AE-B4C6-C98DA3205C09}" type="datetimeFigureOut">
               <a:rPr lang="en-US"/>
-              <a:t>6/1/2024</a:t>
+              <a:t>6/4/2024</a:t>
             </a:fld>
             <a:endParaRPr lang="en-US"/>
           </a:p>
@@ -1305,7 +1305,7 @@
           <a:p>
             <a:fld id="{1D8BD707-D9CF-40AE-B4C6-C98DA3205C09}" type="datetimeFigureOut">
               <a:rPr lang="en-US"/>
-              <a:t>6/1/2024</a:t>
+              <a:t>6/4/2024</a:t>
             </a:fld>
             <a:endParaRPr lang="en-US"/>
           </a:p>
@@ -1674,7 +1674,7 @@
           <a:p>
             <a:fld id="{1D8BD707-D9CF-40AE-B4C6-C98DA3205C09}" type="datetimeFigureOut">
               <a:rPr lang="en-US"/>
-              <a:t>6/1/2024</a:t>
+              <a:t>6/4/2024</a:t>
             </a:fld>
             <a:endParaRPr lang="en-US"/>
           </a:p>
@@ -2736,8 +2736,8 @@
         </p:nvSpPr>
         <p:spPr>
           <a:xfrm>
-            <a:off x="-351839" y="558800"/>
-            <a:ext cx="12895678" cy="353943"/>
+            <a:off x="266699" y="558800"/>
+            <a:ext cx="11658601" cy="353943"/>
           </a:xfrm>
           <a:prstGeom prst="rect">
             <a:avLst/>
@@ -2755,7 +2755,7 @@
                 <a:latin typeface="Futura"/>
                 <a:cs typeface="Times New Roman" panose="02020603050405020304" pitchFamily="18" charset="0"/>
               </a:rPr>
-              <a:t>Virtual Support Vector Machine with self-learning constraints, semi-labeled samples and iterative active learning method</a:t>
+              <a:t>Virtual Support Vector Machine with self-learning constraints and iterative active learning method</a:t>
             </a:r>
             <a:r>
               <a:rPr lang="de-DE" sz="1700" dirty="0">
@@ -9284,12 +9284,11 @@
 </file>
 
 <file path=customXml/item1.xml><?xml version="1.0" encoding="utf-8"?>
-<?mso-contentType ?>
-<FormTemplates xmlns="http://schemas.microsoft.com/sharepoint/v3/contenttype/forms">
-  <Display>DocumentLibraryForm</Display>
-  <Edit>DocumentLibraryForm</Edit>
-  <New>DocumentLibraryForm</New>
-</FormTemplates>
+<p:properties xmlns:p="http://schemas.microsoft.com/office/2006/metadata/properties" xmlns:xsi="http://www.w3.org/2001/XMLSchema-instance" xmlns:pc="http://schemas.microsoft.com/office/infopath/2007/PartnerControls">
+  <documentManagement>
+    <_activity xmlns="c9eab120-891d-4e75-bbb7-983661d36c9c" xsi:nil="true"/>
+  </documentManagement>
+</p:properties>
 </file>
 
 <file path=customXml/item2.xml><?xml version="1.0" encoding="utf-8"?>
@@ -9522,17 +9521,27 @@
 </file>
 
 <file path=customXml/item3.xml><?xml version="1.0" encoding="utf-8"?>
-<p:properties xmlns:p="http://schemas.microsoft.com/office/2006/metadata/properties" xmlns:xsi="http://www.w3.org/2001/XMLSchema-instance" xmlns:pc="http://schemas.microsoft.com/office/infopath/2007/PartnerControls">
-  <documentManagement>
-    <_activity xmlns="c9eab120-891d-4e75-bbb7-983661d36c9c" xsi:nil="true"/>
-  </documentManagement>
-</p:properties>
+<?mso-contentType ?>
+<FormTemplates xmlns="http://schemas.microsoft.com/sharepoint/v3/contenttype/forms">
+  <Display>DocumentLibraryForm</Display>
+  <Edit>DocumentLibraryForm</Edit>
+  <New>DocumentLibraryForm</New>
+</FormTemplates>
 </file>
 
 <file path=customXml/itemProps1.xml><?xml version="1.0" encoding="utf-8"?>
-<ds:datastoreItem xmlns:ds="http://schemas.openxmlformats.org/officeDocument/2006/customXml" ds:itemID="{29D72105-E419-4657-8EC8-6C73137ECF2E}">
+<ds:datastoreItem xmlns:ds="http://schemas.openxmlformats.org/officeDocument/2006/customXml" ds:itemID="{0935546A-FCFF-49CF-A534-6766F9A5EAFB}">
   <ds:schemaRefs>
-    <ds:schemaRef ds:uri="http://schemas.microsoft.com/sharepoint/v3/contenttype/forms"/>
+    <ds:schemaRef ds:uri="http://schemas.openxmlformats.org/package/2006/metadata/core-properties"/>
+    <ds:schemaRef ds:uri="c9eab120-891d-4e75-bbb7-983661d36c9c"/>
+    <ds:schemaRef ds:uri="http://purl.org/dc/terms/"/>
+    <ds:schemaRef ds:uri="http://schemas.microsoft.com/office/2006/documentManagement/types"/>
+    <ds:schemaRef ds:uri="http://schemas.microsoft.com/office/infopath/2007/PartnerControls"/>
+    <ds:schemaRef ds:uri="http://purl.org/dc/elements/1.1/"/>
+    <ds:schemaRef ds:uri="2cbdb79f-05cb-4beb-bf79-a6aafc29ddd5"/>
+    <ds:schemaRef ds:uri="http://www.w3.org/XML/1998/namespace"/>
+    <ds:schemaRef ds:uri="http://schemas.microsoft.com/office/2006/metadata/properties"/>
+    <ds:schemaRef ds:uri="http://purl.org/dc/dcmitype/"/>
   </ds:schemaRefs>
 </ds:datastoreItem>
 </file>
@@ -9557,18 +9566,9 @@
 </file>
 
 <file path=customXml/itemProps3.xml><?xml version="1.0" encoding="utf-8"?>
-<ds:datastoreItem xmlns:ds="http://schemas.openxmlformats.org/officeDocument/2006/customXml" ds:itemID="{0935546A-FCFF-49CF-A534-6766F9A5EAFB}">
+<ds:datastoreItem xmlns:ds="http://schemas.openxmlformats.org/officeDocument/2006/customXml" ds:itemID="{29D72105-E419-4657-8EC8-6C73137ECF2E}">
   <ds:schemaRefs>
-    <ds:schemaRef ds:uri="http://schemas.openxmlformats.org/package/2006/metadata/core-properties"/>
-    <ds:schemaRef ds:uri="c9eab120-891d-4e75-bbb7-983661d36c9c"/>
-    <ds:schemaRef ds:uri="http://purl.org/dc/terms/"/>
-    <ds:schemaRef ds:uri="http://schemas.microsoft.com/office/2006/documentManagement/types"/>
-    <ds:schemaRef ds:uri="http://schemas.microsoft.com/office/infopath/2007/PartnerControls"/>
-    <ds:schemaRef ds:uri="http://purl.org/dc/elements/1.1/"/>
-    <ds:schemaRef ds:uri="2cbdb79f-05cb-4beb-bf79-a6aafc29ddd5"/>
-    <ds:schemaRef ds:uri="http://www.w3.org/XML/1998/namespace"/>
-    <ds:schemaRef ds:uri="http://schemas.microsoft.com/office/2006/metadata/properties"/>
-    <ds:schemaRef ds:uri="http://purl.org/dc/dcmitype/"/>
+    <ds:schemaRef ds:uri="http://schemas.microsoft.com/sharepoint/v3/contenttype/forms"/>
   </ds:schemaRefs>
 </ds:datastoreItem>
 </file>
--- a/presentation_CARLASSARA_10601118.pptx
+++ b/presentation_CARLASSARA_10601118.pptx
@@ -16,8 +16,8 @@
     <p:sldId id="314" r:id="rId10"/>
     <p:sldId id="312" r:id="rId11"/>
     <p:sldId id="315" r:id="rId12"/>
-    <p:sldId id="316" r:id="rId13"/>
-    <p:sldId id="319" r:id="rId14"/>
+    <p:sldId id="319" r:id="rId13"/>
+    <p:sldId id="316" r:id="rId14"/>
     <p:sldId id="287" r:id="rId15"/>
   </p:sldIdLst>
   <p:sldSz cx="12192000" cy="6858000"/>
@@ -242,7 +242,7 @@
           <a:p>
             <a:fld id="{2E347CE9-1F5D-4CEF-9CA7-664B3EF9808B}" type="datetimeFigureOut">
               <a:rPr lang="en-GB" smtClean="0"/>
-              <a:t>04/06/2024</a:t>
+              <a:t>20/06/2024</a:t>
             </a:fld>
             <a:endParaRPr lang="en-GB"/>
           </a:p>
@@ -649,7 +649,7 @@
           <a:p>
             <a:fld id="{1D8BD707-D9CF-40AE-B4C6-C98DA3205C09}" type="datetimeFigureOut">
               <a:rPr lang="en-US"/>
-              <a:t>6/4/2024</a:t>
+              <a:t>6/20/2024</a:t>
             </a:fld>
             <a:endParaRPr lang="en-US"/>
           </a:p>
@@ -824,7 +824,7 @@
           <a:p>
             <a:fld id="{1D8BD707-D9CF-40AE-B4C6-C98DA3205C09}" type="datetimeFigureOut">
               <a:rPr lang="en-US"/>
-              <a:t>6/4/2024</a:t>
+              <a:t>6/20/2024</a:t>
             </a:fld>
             <a:endParaRPr lang="en-US"/>
           </a:p>
@@ -1038,7 +1038,7 @@
           <a:p>
             <a:fld id="{1D8BD707-D9CF-40AE-B4C6-C98DA3205C09}" type="datetimeFigureOut">
               <a:rPr lang="en-US"/>
-              <a:t>6/4/2024</a:t>
+              <a:t>6/20/2024</a:t>
             </a:fld>
             <a:endParaRPr lang="en-US"/>
           </a:p>
@@ -1186,7 +1186,7 @@
           <a:p>
             <a:fld id="{1D8BD707-D9CF-40AE-B4C6-C98DA3205C09}" type="datetimeFigureOut">
               <a:rPr lang="en-US"/>
-              <a:t>6/4/2024</a:t>
+              <a:t>6/20/2024</a:t>
             </a:fld>
             <a:endParaRPr lang="en-US"/>
           </a:p>
@@ -1305,7 +1305,7 @@
           <a:p>
             <a:fld id="{1D8BD707-D9CF-40AE-B4C6-C98DA3205C09}" type="datetimeFigureOut">
               <a:rPr lang="en-US"/>
-              <a:t>6/4/2024</a:t>
+              <a:t>6/20/2024</a:t>
             </a:fld>
             <a:endParaRPr lang="en-US"/>
           </a:p>
@@ -1674,7 +1674,7 @@
           <a:p>
             <a:fld id="{1D8BD707-D9CF-40AE-B4C6-C98DA3205C09}" type="datetimeFigureOut">
               <a:rPr lang="en-US"/>
-              <a:t>6/4/2024</a:t>
+              <a:t>6/20/2024</a:t>
             </a:fld>
             <a:endParaRPr lang="en-US"/>
           </a:p>
@@ -2152,13 +2152,7 @@
                 <a:solidFill>
                   <a:srgbClr val="FFFFFF"/>
                 </a:solidFill>
-                <a:effectLst>
-                  <a:glow rad="63500">
-                    <a:schemeClr val="tx1">
-                      <a:alpha val="40000"/>
-                    </a:schemeClr>
-                  </a:glow>
-                </a:effectLst>
+                <a:effectLst/>
                 <a:latin typeface="Futura"/>
                 <a:cs typeface="Microsoft Sans Serif"/>
               </a:rPr>
@@ -2169,26 +2163,14 @@
                 <a:solidFill>
                   <a:srgbClr val="FFFFFF"/>
                 </a:solidFill>
-                <a:effectLst>
-                  <a:glow rad="63500">
-                    <a:schemeClr val="tx1">
-                      <a:alpha val="40000"/>
-                    </a:schemeClr>
-                  </a:glow>
-                </a:effectLst>
+                <a:effectLst/>
                 <a:latin typeface="Futura"/>
                 <a:cs typeface="Microsoft Sans Serif"/>
               </a:rPr>
               <a:t> Engineering</a:t>
             </a:r>
             <a:endParaRPr lang="it-IT" sz="2600" dirty="0">
-              <a:effectLst>
-                <a:glow rad="63500">
-                  <a:schemeClr val="tx1">
-                    <a:alpha val="40000"/>
-                  </a:schemeClr>
-                </a:glow>
-              </a:effectLst>
+              <a:effectLst/>
               <a:latin typeface="Futura"/>
               <a:cs typeface="Microsoft Sans Serif"/>
             </a:endParaRPr>
@@ -2235,26 +2217,14 @@
                 <a:solidFill>
                   <a:srgbClr val="FFFFFF"/>
                 </a:solidFill>
-                <a:effectLst>
-                  <a:glow rad="101600">
-                    <a:schemeClr val="tx1">
-                      <a:alpha val="60000"/>
-                    </a:schemeClr>
-                  </a:glow>
-                </a:effectLst>
+                <a:effectLst/>
                 <a:latin typeface="Microsoft Sans Serif"/>
                 <a:cs typeface="Microsoft Sans Serif"/>
               </a:rPr>
               <a:t>Lorenzo Carlassara</a:t>
             </a:r>
             <a:endParaRPr lang="it-IT" sz="2600" dirty="0">
-              <a:effectLst>
-                <a:glow rad="101600">
-                  <a:schemeClr val="tx1">
-                    <a:alpha val="60000"/>
-                  </a:schemeClr>
-                </a:glow>
-              </a:effectLst>
+              <a:effectLst/>
               <a:latin typeface="Microsoft Sans Serif"/>
               <a:cs typeface="Microsoft Sans Serif"/>
             </a:endParaRPr>
@@ -2294,13 +2264,7 @@
                 <a:solidFill>
                   <a:srgbClr val="FFFFFF"/>
                 </a:solidFill>
-                <a:effectLst>
-                  <a:glow rad="63500">
-                    <a:schemeClr val="tx1">
-                      <a:alpha val="40000"/>
-                    </a:schemeClr>
-                  </a:glow>
-                </a:effectLst>
+                <a:effectLst/>
                 <a:latin typeface="Futura"/>
                 <a:cs typeface="Microsoft Sans Serif"/>
               </a:rPr>
@@ -2314,13 +2278,7 @@
                 <a:solidFill>
                   <a:srgbClr val="FFFFFF"/>
                 </a:solidFill>
-                <a:effectLst>
-                  <a:glow rad="63500">
-                    <a:schemeClr val="tx1">
-                      <a:alpha val="40000"/>
-                    </a:schemeClr>
-                  </a:glow>
-                </a:effectLst>
+                <a:effectLst/>
                 <a:latin typeface="Futura"/>
                 <a:cs typeface="Microsoft Sans Serif"/>
               </a:rPr>
@@ -2331,13 +2289,7 @@
                 <a:solidFill>
                   <a:srgbClr val="FFFFFF"/>
                 </a:solidFill>
-                <a:effectLst>
-                  <a:glow rad="63500">
-                    <a:schemeClr val="tx1">
-                      <a:alpha val="40000"/>
-                    </a:schemeClr>
-                  </a:glow>
-                </a:effectLst>
+                <a:effectLst/>
                 <a:latin typeface="Futura"/>
                 <a:cs typeface="Microsoft Sans Serif"/>
               </a:rPr>
@@ -2348,13 +2300,7 @@
                 <a:solidFill>
                   <a:srgbClr val="FFFFFF"/>
                 </a:solidFill>
-                <a:effectLst>
-                  <a:glow rad="63500">
-                    <a:schemeClr val="tx1">
-                      <a:alpha val="40000"/>
-                    </a:schemeClr>
-                  </a:glow>
-                </a:effectLst>
+                <a:effectLst/>
                 <a:latin typeface="Futura"/>
                 <a:cs typeface="Microsoft Sans Serif"/>
               </a:rPr>
@@ -2365,13 +2311,7 @@
                 <a:solidFill>
                   <a:srgbClr val="FFFFFF"/>
                 </a:solidFill>
-                <a:effectLst>
-                  <a:glow rad="63500">
-                    <a:schemeClr val="tx1">
-                      <a:alpha val="40000"/>
-                    </a:schemeClr>
-                  </a:glow>
-                </a:effectLst>
+                <a:effectLst/>
                 <a:latin typeface="Futura"/>
                 <a:cs typeface="Microsoft Sans Serif"/>
               </a:rPr>
@@ -2382,13 +2322,7 @@
                 <a:solidFill>
                   <a:srgbClr val="FFFFFF"/>
                 </a:solidFill>
-                <a:effectLst>
-                  <a:glow rad="63500">
-                    <a:schemeClr val="tx1">
-                      <a:alpha val="40000"/>
-                    </a:schemeClr>
-                  </a:glow>
-                </a:effectLst>
+                <a:effectLst/>
                 <a:latin typeface="Futura"/>
                 <a:cs typeface="Microsoft Sans Serif"/>
               </a:rPr>
@@ -2402,30 +2336,18 @@
                 <a:solidFill>
                   <a:srgbClr val="FFFFFF"/>
                 </a:solidFill>
-                <a:effectLst>
-                  <a:glow rad="63500">
-                    <a:schemeClr val="tx1">
-                      <a:alpha val="40000"/>
-                    </a:schemeClr>
-                  </a:glow>
-                </a:effectLst>
+                <a:effectLst/>
                 <a:latin typeface="Futura"/>
                 <a:cs typeface="Microsoft Sans Serif"/>
               </a:rPr>
               <a:t>Hyperspectral</a:t>
             </a:r>
             <a:r>
-              <a:rPr lang="it-IT" sz="4000" spc="-5">
+              <a:rPr lang="it-IT" sz="4000" spc="-5" dirty="0">
                 <a:solidFill>
                   <a:srgbClr val="FFFFFF"/>
                 </a:solidFill>
-                <a:effectLst>
-                  <a:glow rad="63500">
-                    <a:schemeClr val="tx1">
-                      <a:alpha val="40000"/>
-                    </a:schemeClr>
-                  </a:glow>
-                </a:effectLst>
+                <a:effectLst/>
                 <a:latin typeface="Futura"/>
                 <a:cs typeface="Microsoft Sans Serif"/>
               </a:rPr>
@@ -2436,26 +2358,14 @@
                 <a:solidFill>
                   <a:srgbClr val="FFFFFF"/>
                 </a:solidFill>
-                <a:effectLst>
-                  <a:glow rad="63500">
-                    <a:schemeClr val="tx1">
-                      <a:alpha val="40000"/>
-                    </a:schemeClr>
-                  </a:glow>
-                </a:effectLst>
+                <a:effectLst/>
                 <a:latin typeface="Futura"/>
                 <a:cs typeface="Microsoft Sans Serif"/>
               </a:rPr>
               <a:t>Classification</a:t>
             </a:r>
             <a:endParaRPr lang="en-GB" sz="4000" dirty="0">
-              <a:effectLst>
-                <a:glow rad="63500">
-                  <a:schemeClr val="tx1">
-                    <a:alpha val="40000"/>
-                  </a:schemeClr>
-                </a:glow>
-              </a:effectLst>
+              <a:effectLst/>
               <a:latin typeface="Futura"/>
             </a:endParaRPr>
           </a:p>
@@ -2476,7 +2386,7 @@
         <p:spPr>
           <a:xfrm>
             <a:off x="5500508" y="5915400"/>
-            <a:ext cx="1152880" cy="584775"/>
+            <a:ext cx="1152880" cy="338554"/>
           </a:xfrm>
           <a:prstGeom prst="rect">
             <a:avLst/>
@@ -2493,26 +2403,14 @@
                 <a:solidFill>
                   <a:srgbClr val="FFFFFF"/>
                 </a:solidFill>
-                <a:effectLst>
-                  <a:glow rad="101600">
-                    <a:schemeClr val="tx1">
-                      <a:alpha val="60000"/>
-                    </a:schemeClr>
-                  </a:glow>
-                </a:effectLst>
+                <a:effectLst/>
                 <a:latin typeface="Microsoft Sans Serif"/>
                 <a:cs typeface="Microsoft Sans Serif"/>
               </a:rPr>
               <a:t>2023/2024</a:t>
             </a:r>
             <a:endParaRPr lang="en-GB" sz="1600" dirty="0">
-              <a:effectLst>
-                <a:glow rad="101600">
-                  <a:schemeClr val="tx1">
-                    <a:alpha val="60000"/>
-                  </a:schemeClr>
-                </a:glow>
-              </a:effectLst>
+              <a:effectLst/>
             </a:endParaRPr>
           </a:p>
         </p:txBody>
@@ -2583,7 +2481,7 @@
           <p:cNvPr id="7" name="Picture 6">
             <a:extLst>
               <a:ext uri="{FF2B5EF4-FFF2-40B4-BE49-F238E27FC236}">
-                <a16:creationId xmlns:a16="http://schemas.microsoft.com/office/drawing/2014/main" id="{2CAE378D-FF8D-44B2-BE39-7E8FB65C21A1}"/>
+                <a16:creationId xmlns:a16="http://schemas.microsoft.com/office/drawing/2014/main" id="{B220E16B-DFF0-42A7-836E-E7D494F2B637}"/>
               </a:ext>
             </a:extLst>
           </p:cNvPr>
@@ -2592,116 +2490,8 @@
           </p:cNvPicPr>
           <p:nvPr/>
         </p:nvPicPr>
-        <p:blipFill rotWithShape="1">
-          <a:blip r:embed="rId2">
-            <a:extLst>
-              <a:ext uri="{28A0092B-C50C-407E-A947-70E740481C1C}">
-                <a14:useLocalDpi xmlns:a14="http://schemas.microsoft.com/office/drawing/2010/main" val="0"/>
-              </a:ext>
-            </a:extLst>
-          </a:blip>
-          <a:srcRect t="19192"/>
-          <a:stretch/>
-        </p:blipFill>
-        <p:spPr>
-          <a:xfrm>
-            <a:off x="266700" y="1295400"/>
-            <a:ext cx="11658600" cy="4812666"/>
-          </a:xfrm>
-          <a:prstGeom prst="rect">
-            <a:avLst/>
-          </a:prstGeom>
-        </p:spPr>
-      </p:pic>
-      <p:sp>
-        <p:nvSpPr>
-          <p:cNvPr id="18" name="Rectangle 17">
-            <a:extLst>
-              <a:ext uri="{FF2B5EF4-FFF2-40B4-BE49-F238E27FC236}">
-                <a16:creationId xmlns:a16="http://schemas.microsoft.com/office/drawing/2014/main" id="{00681E6F-C40A-4ED0-9D53-D34104B4964F}"/>
-              </a:ext>
-            </a:extLst>
-          </p:cNvPr>
-          <p:cNvSpPr/>
-          <p:nvPr/>
-        </p:nvSpPr>
-        <p:spPr>
-          <a:xfrm>
-            <a:off x="228600" y="6359452"/>
-            <a:ext cx="2295821" cy="369332"/>
-          </a:xfrm>
-          <a:prstGeom prst="rect">
-            <a:avLst/>
-          </a:prstGeom>
-        </p:spPr>
-        <p:txBody>
-          <a:bodyPr wrap="none">
-            <a:spAutoFit/>
-          </a:bodyPr>
-          <a:lstStyle/>
-          <a:p>
-            <a:r>
-              <a:rPr lang="it-IT" dirty="0">
-                <a:latin typeface="Futura"/>
-                <a:ea typeface="Microsoft Sans Serif" panose="020B0604020202020204" pitchFamily="34" charset="0"/>
-                <a:cs typeface="Microsoft Sans Serif" panose="020B0604020202020204" pitchFamily="34" charset="0"/>
-              </a:rPr>
-              <a:t>Lorenzo Carlassara</a:t>
-            </a:r>
-          </a:p>
-        </p:txBody>
-      </p:sp>
-      <p:pic>
-        <p:nvPicPr>
-          <p:cNvPr id="19" name="Picture 18">
-            <a:extLst>
-              <a:ext uri="{FF2B5EF4-FFF2-40B4-BE49-F238E27FC236}">
-                <a16:creationId xmlns:a16="http://schemas.microsoft.com/office/drawing/2014/main" id="{B2B2A884-A15F-4E1B-9F93-24E6A16C5246}"/>
-              </a:ext>
-            </a:extLst>
-          </p:cNvPr>
-          <p:cNvPicPr>
-            <a:picLocks noChangeAspect="1"/>
-          </p:cNvPicPr>
-          <p:nvPr/>
-        </p:nvPicPr>
-        <p:blipFill rotWithShape="1">
-          <a:blip r:embed="rId3">
-            <a:extLst>
-              <a:ext uri="{28A0092B-C50C-407E-A947-70E740481C1C}">
-                <a14:useLocalDpi xmlns:a14="http://schemas.microsoft.com/office/drawing/2010/main" val="0"/>
-              </a:ext>
-            </a:extLst>
-          </a:blip>
-          <a:srcRect l="25190" r="25955" b="38216"/>
-          <a:stretch/>
-        </p:blipFill>
-        <p:spPr>
-          <a:xfrm>
-            <a:off x="10734080" y="6172326"/>
-            <a:ext cx="677505" cy="627889"/>
-          </a:xfrm>
-          <a:prstGeom prst="rect">
-            <a:avLst/>
-          </a:prstGeom>
-        </p:spPr>
-      </p:pic>
-      <p:pic>
-        <p:nvPicPr>
-          <p:cNvPr id="20" name="Picture 19">
-            <a:extLst>
-              <a:ext uri="{FF2B5EF4-FFF2-40B4-BE49-F238E27FC236}">
-                <a16:creationId xmlns:a16="http://schemas.microsoft.com/office/drawing/2014/main" id="{1DBAE88E-FFC9-4BC0-9DE5-9B7CA7691256}"/>
-              </a:ext>
-            </a:extLst>
-          </p:cNvPr>
-          <p:cNvPicPr>
-            <a:picLocks noChangeAspect="1"/>
-          </p:cNvPicPr>
-          <p:nvPr/>
-        </p:nvPicPr>
         <p:blipFill>
-          <a:blip r:embed="rId4" cstate="print">
+          <a:blip r:embed="rId2" cstate="print">
             <a:extLst>
               <a:ext uri="{28A0092B-C50C-407E-A947-70E740481C1C}">
                 <a14:useLocalDpi xmlns:a14="http://schemas.microsoft.com/office/drawing/2010/main" val="0"/>
@@ -2722,55 +2512,45 @@
           </a:prstGeom>
         </p:spPr>
       </p:pic>
-      <p:sp>
-        <p:nvSpPr>
-          <p:cNvPr id="21" name="Textfeld 99">
+      <p:pic>
+        <p:nvPicPr>
+          <p:cNvPr id="8" name="Picture 7">
             <a:extLst>
               <a:ext uri="{FF2B5EF4-FFF2-40B4-BE49-F238E27FC236}">
-                <a16:creationId xmlns:a16="http://schemas.microsoft.com/office/drawing/2014/main" id="{0803C2D1-1B12-4681-99BA-94ACF45F635F}"/>
+                <a16:creationId xmlns:a16="http://schemas.microsoft.com/office/drawing/2014/main" id="{C300C08F-7400-4B95-9451-8B73FBF2A62E}"/>
               </a:ext>
             </a:extLst>
           </p:cNvPr>
-          <p:cNvSpPr txBox="1"/>
-          <p:nvPr/>
-        </p:nvSpPr>
-        <p:spPr>
-          <a:xfrm>
-            <a:off x="266699" y="558800"/>
-            <a:ext cx="11658601" cy="353943"/>
-          </a:xfrm>
-          <a:prstGeom prst="rect">
-            <a:avLst/>
-          </a:prstGeom>
-          <a:noFill/>
-        </p:spPr>
-        <p:txBody>
-          <a:bodyPr wrap="square" rtlCol="0">
-            <a:spAutoFit/>
-          </a:bodyPr>
-          <a:lstStyle/>
-          <a:p>
-            <a:r>
-              <a:rPr lang="en-US" sz="1700" dirty="0">
-                <a:latin typeface="Futura"/>
-                <a:cs typeface="Times New Roman" panose="02020603050405020304" pitchFamily="18" charset="0"/>
-              </a:rPr>
-              <a:t>Virtual Support Vector Machine with self-learning constraints and iterative active learning method</a:t>
-            </a:r>
-            <a:r>
-              <a:rPr lang="de-DE" sz="1700" dirty="0">
-                <a:latin typeface="Futura"/>
-                <a:cs typeface="Times New Roman" panose="02020603050405020304" pitchFamily="18" charset="0"/>
-              </a:rPr>
-              <a:t> </a:t>
-            </a:r>
-          </a:p>
-        </p:txBody>
-      </p:sp>
+          <p:cNvPicPr>
+            <a:picLocks noChangeAspect="1"/>
+          </p:cNvPicPr>
+          <p:nvPr/>
+        </p:nvPicPr>
+        <p:blipFill rotWithShape="1">
+          <a:blip r:embed="rId3">
+            <a:extLst>
+              <a:ext uri="{28A0092B-C50C-407E-A947-70E740481C1C}">
+                <a14:useLocalDpi xmlns:a14="http://schemas.microsoft.com/office/drawing/2010/main" val="0"/>
+              </a:ext>
+            </a:extLst>
+          </a:blip>
+          <a:srcRect l="25190" r="25955" b="38216"/>
+          <a:stretch/>
+        </p:blipFill>
+        <p:spPr>
+          <a:xfrm>
+            <a:off x="8295" y="6172200"/>
+            <a:ext cx="677505" cy="627889"/>
+          </a:xfrm>
+          <a:prstGeom prst="rect">
+            <a:avLst/>
+          </a:prstGeom>
+        </p:spPr>
+      </p:pic>
     </p:spTree>
     <p:extLst>
       <p:ext uri="{BB962C8B-B14F-4D97-AF65-F5344CB8AC3E}">
-        <p14:creationId xmlns:p14="http://schemas.microsoft.com/office/powerpoint/2010/main" val="1440397232"/>
+        <p14:creationId xmlns:p14="http://schemas.microsoft.com/office/powerpoint/2010/main" val="3832956685"/>
       </p:ext>
     </p:extLst>
   </p:cSld>
@@ -2890,8 +2670,8 @@
         </p:nvSpPr>
         <p:spPr>
           <a:xfrm>
-            <a:off x="397865" y="6412179"/>
-            <a:ext cx="11398250" cy="239395"/>
+            <a:off x="0" y="6412179"/>
+            <a:ext cx="12192000" cy="228268"/>
           </a:xfrm>
           <a:prstGeom prst="rect">
             <a:avLst/>
@@ -2903,7 +2683,7 @@
           </a:bodyPr>
           <a:lstStyle/>
           <a:p>
-            <a:pPr marL="12700">
+            <a:pPr marL="12700" algn="ctr">
               <a:lnSpc>
                 <a:spcPct val="100000"/>
               </a:lnSpc>
@@ -3341,7 +3121,7 @@
               </a:rPr>
               <a:t>purposes.</a:t>
             </a:r>
-            <a:endParaRPr sz="1400">
+            <a:endParaRPr sz="1400" dirty="0">
               <a:latin typeface="Microsoft Sans Serif"/>
               <a:cs typeface="Microsoft Sans Serif"/>
             </a:endParaRPr>
@@ -3378,6 +3158,41 @@
           <a:xfrm>
             <a:off x="11182985" y="412437"/>
             <a:ext cx="628015" cy="628015"/>
+          </a:xfrm>
+          <a:prstGeom prst="rect">
+            <a:avLst/>
+          </a:prstGeom>
+        </p:spPr>
+      </p:pic>
+      <p:pic>
+        <p:nvPicPr>
+          <p:cNvPr id="7" name="Picture 6">
+            <a:extLst>
+              <a:ext uri="{FF2B5EF4-FFF2-40B4-BE49-F238E27FC236}">
+                <a16:creationId xmlns:a16="http://schemas.microsoft.com/office/drawing/2014/main" id="{4A96D7E9-F63C-41B7-B728-269E10B71812}"/>
+              </a:ext>
+            </a:extLst>
+          </p:cNvPr>
+          <p:cNvPicPr>
+            <a:picLocks noChangeAspect="1"/>
+          </p:cNvPicPr>
+          <p:nvPr/>
+        </p:nvPicPr>
+        <p:blipFill rotWithShape="1">
+          <a:blip r:embed="rId3">
+            <a:extLst>
+              <a:ext uri="{28A0092B-C50C-407E-A947-70E740481C1C}">
+                <a14:useLocalDpi xmlns:a14="http://schemas.microsoft.com/office/drawing/2010/main" val="0"/>
+              </a:ext>
+            </a:extLst>
+          </a:blip>
+          <a:srcRect l="25190" r="25955" b="38216"/>
+          <a:stretch/>
+        </p:blipFill>
+        <p:spPr>
+          <a:xfrm>
+            <a:off x="374816" y="412437"/>
+            <a:ext cx="677505" cy="627889"/>
           </a:xfrm>
           <a:prstGeom prst="rect">
             <a:avLst/>
@@ -3416,10 +3231,10 @@
       </p:grpSpPr>
       <p:pic>
         <p:nvPicPr>
-          <p:cNvPr id="14" name="Picture 13">
+          <p:cNvPr id="11" name="Picture 10">
             <a:extLst>
               <a:ext uri="{FF2B5EF4-FFF2-40B4-BE49-F238E27FC236}">
-                <a16:creationId xmlns:a16="http://schemas.microsoft.com/office/drawing/2014/main" id="{2CFF7E52-7556-41EC-A469-C2E2F702551D}"/>
+                <a16:creationId xmlns:a16="http://schemas.microsoft.com/office/drawing/2014/main" id="{FE6E73E0-56D2-4533-A864-D6D3653D0D88}"/>
               </a:ext>
             </a:extLst>
           </p:cNvPr>
@@ -3428,8 +3243,317 @@
           </p:cNvPicPr>
           <p:nvPr/>
         </p:nvPicPr>
+        <p:blipFill rotWithShape="1">
+          <a:blip r:embed="rId2"/>
+          <a:srcRect l="252" t="15029" r="22248" b="5464"/>
+          <a:stretch/>
+        </p:blipFill>
+        <p:spPr>
+          <a:xfrm>
+            <a:off x="0" y="924756"/>
+            <a:ext cx="9448800" cy="4942643"/>
+          </a:xfrm>
+          <a:prstGeom prst="rect">
+            <a:avLst/>
+          </a:prstGeom>
+        </p:spPr>
+      </p:pic>
+      <p:sp>
+        <p:nvSpPr>
+          <p:cNvPr id="13" name="Rectangle 12">
+            <a:extLst>
+              <a:ext uri="{FF2B5EF4-FFF2-40B4-BE49-F238E27FC236}">
+                <a16:creationId xmlns:a16="http://schemas.microsoft.com/office/drawing/2014/main" id="{B75BB3E6-77E8-4B4B-A946-3FA6B3AEE787}"/>
+              </a:ext>
+            </a:extLst>
+          </p:cNvPr>
+          <p:cNvSpPr/>
+          <p:nvPr/>
+        </p:nvSpPr>
+        <p:spPr>
+          <a:xfrm>
+            <a:off x="8295" y="152400"/>
+            <a:ext cx="12183705" cy="353943"/>
+          </a:xfrm>
+          <a:prstGeom prst="rect">
+            <a:avLst/>
+          </a:prstGeom>
+        </p:spPr>
+        <p:txBody>
+          <a:bodyPr wrap="square">
+            <a:spAutoFit/>
+          </a:bodyPr>
+          <a:lstStyle/>
+          <a:p>
+            <a:pPr algn="ctr"/>
+            <a:r>
+              <a:rPr lang="en-US" sz="1700" dirty="0">
+                <a:ln w="0"/>
+                <a:latin typeface="Futura"/>
+                <a:cs typeface="Microsoft Sans Serif"/>
+              </a:rPr>
+              <a:t>Previous</a:t>
+            </a:r>
+            <a:r>
+              <a:rPr lang="it-IT" sz="1700" dirty="0">
+                <a:ln w="0"/>
+                <a:latin typeface="Futura"/>
+                <a:cs typeface="Microsoft Sans Serif"/>
+              </a:rPr>
+              <a:t> </a:t>
+            </a:r>
+            <a:r>
+              <a:rPr lang="it-IT" sz="1700" dirty="0" err="1">
+                <a:ln w="0"/>
+                <a:latin typeface="Futura"/>
+                <a:cs typeface="Microsoft Sans Serif"/>
+              </a:rPr>
+              <a:t>block</a:t>
+            </a:r>
+            <a:r>
+              <a:rPr lang="it-IT" sz="1700" dirty="0">
+                <a:ln w="0"/>
+                <a:latin typeface="Futura"/>
+                <a:cs typeface="Microsoft Sans Serif"/>
+              </a:rPr>
+              <a:t> </a:t>
+            </a:r>
+            <a:r>
+              <a:rPr lang="it-IT" sz="1700" dirty="0" err="1">
+                <a:ln w="0"/>
+                <a:latin typeface="Futura"/>
+                <a:cs typeface="Microsoft Sans Serif"/>
+              </a:rPr>
+              <a:t>scheme</a:t>
+            </a:r>
+            <a:endParaRPr lang="en-GB" sz="1700" dirty="0">
+              <a:ln w="0"/>
+              <a:latin typeface="Futura"/>
+            </a:endParaRPr>
+          </a:p>
+        </p:txBody>
+      </p:sp>
+      <p:sp>
+        <p:nvSpPr>
+          <p:cNvPr id="17" name="Rectangle 16">
+            <a:extLst>
+              <a:ext uri="{FF2B5EF4-FFF2-40B4-BE49-F238E27FC236}">
+                <a16:creationId xmlns:a16="http://schemas.microsoft.com/office/drawing/2014/main" id="{A88193AA-EAEC-43CC-B0A5-7B7B5FFCD5DE}"/>
+              </a:ext>
+            </a:extLst>
+          </p:cNvPr>
+          <p:cNvSpPr/>
+          <p:nvPr/>
+        </p:nvSpPr>
+        <p:spPr>
+          <a:xfrm>
+            <a:off x="685800" y="5191026"/>
+            <a:ext cx="7239000" cy="584775"/>
+          </a:xfrm>
+          <a:prstGeom prst="rect">
+            <a:avLst/>
+          </a:prstGeom>
+        </p:spPr>
+        <p:txBody>
+          <a:bodyPr wrap="square">
+            <a:spAutoFit/>
+          </a:bodyPr>
+          <a:lstStyle/>
+          <a:p>
+            <a:pPr marL="285750" indent="-285750">
+              <a:buFont typeface="Arial" panose="020B0604020202020204" pitchFamily="34" charset="0"/>
+              <a:buChar char="•"/>
+            </a:pPr>
+            <a:r>
+              <a:rPr lang="en-GB" sz="1600" dirty="0">
+                <a:latin typeface="Futura"/>
+              </a:rPr>
+              <a:t>Semi-Supervised Virtual Support Vector Machines with Self-Learning Constraint for Remote Sensing Image Classification (Ozan)</a:t>
+            </a:r>
+          </a:p>
+        </p:txBody>
+      </p:sp>
+      <p:sp>
+        <p:nvSpPr>
+          <p:cNvPr id="18" name="Rectangle 17">
+            <a:extLst>
+              <a:ext uri="{FF2B5EF4-FFF2-40B4-BE49-F238E27FC236}">
+                <a16:creationId xmlns:a16="http://schemas.microsoft.com/office/drawing/2014/main" id="{F0E55EDE-DE08-468F-810E-F7BAD847EFB7}"/>
+              </a:ext>
+            </a:extLst>
+          </p:cNvPr>
+          <p:cNvSpPr/>
+          <p:nvPr/>
+        </p:nvSpPr>
+        <p:spPr>
+          <a:xfrm>
+            <a:off x="9372600" y="3429000"/>
+            <a:ext cx="2819400" cy="2062103"/>
+          </a:xfrm>
+          <a:prstGeom prst="rect">
+            <a:avLst/>
+          </a:prstGeom>
+        </p:spPr>
+        <p:txBody>
+          <a:bodyPr wrap="square">
+            <a:spAutoFit/>
+          </a:bodyPr>
+          <a:lstStyle/>
+          <a:p>
+            <a:pPr marL="285750" indent="-285750">
+              <a:buFont typeface="Arial" panose="020B0604020202020204" pitchFamily="34" charset="0"/>
+              <a:buChar char="•"/>
+            </a:pPr>
+            <a:r>
+              <a:rPr lang="en-GB" sz="1600" dirty="0">
+                <a:latin typeface="Futura"/>
+              </a:rPr>
+              <a:t>Semi-Supervised Learning with Constrained Virtual Support Vector Machines for Classification of Remote Sensing Image Data (</a:t>
+            </a:r>
+            <a:r>
+              <a:rPr lang="en-GB" sz="1600" dirty="0" err="1">
+                <a:latin typeface="Futura"/>
+              </a:rPr>
+              <a:t>Geiss</a:t>
+            </a:r>
+            <a:r>
+              <a:rPr lang="en-GB" sz="1600" dirty="0">
+                <a:latin typeface="Futura"/>
+              </a:rPr>
+              <a:t>)</a:t>
+            </a:r>
+          </a:p>
+        </p:txBody>
+      </p:sp>
+      <p:sp>
+        <p:nvSpPr>
+          <p:cNvPr id="19" name="Rectangle 18">
+            <a:extLst>
+              <a:ext uri="{FF2B5EF4-FFF2-40B4-BE49-F238E27FC236}">
+                <a16:creationId xmlns:a16="http://schemas.microsoft.com/office/drawing/2014/main" id="{67009C95-9B61-4898-95F6-411362502004}"/>
+              </a:ext>
+            </a:extLst>
+          </p:cNvPr>
+          <p:cNvSpPr/>
+          <p:nvPr/>
+        </p:nvSpPr>
+        <p:spPr>
+          <a:xfrm>
+            <a:off x="9372600" y="1219241"/>
+            <a:ext cx="2828924" cy="1569660"/>
+          </a:xfrm>
+          <a:prstGeom prst="rect">
+            <a:avLst/>
+          </a:prstGeom>
+        </p:spPr>
+        <p:txBody>
+          <a:bodyPr wrap="square">
+            <a:spAutoFit/>
+          </a:bodyPr>
+          <a:lstStyle/>
+          <a:p>
+            <a:pPr marL="285750" indent="-285750">
+              <a:buFont typeface="Arial" panose="020B0604020202020204" pitchFamily="34" charset="0"/>
+              <a:buChar char="•"/>
+            </a:pPr>
+            <a:r>
+              <a:rPr lang="en-GB" sz="1600" dirty="0">
+                <a:latin typeface="Futura"/>
+              </a:rPr>
+              <a:t>Virtual Support Vector Machines with self-learning strategy for classification of multispectral remote sensing imagery</a:t>
+            </a:r>
+          </a:p>
+        </p:txBody>
+      </p:sp>
+      <p:sp>
+        <p:nvSpPr>
+          <p:cNvPr id="9" name="Rectangle 8">
+            <a:extLst>
+              <a:ext uri="{FF2B5EF4-FFF2-40B4-BE49-F238E27FC236}">
+                <a16:creationId xmlns:a16="http://schemas.microsoft.com/office/drawing/2014/main" id="{3228DEC3-E9C9-4DD6-9164-EAA5D5B14A25}"/>
+              </a:ext>
+            </a:extLst>
+          </p:cNvPr>
+          <p:cNvSpPr/>
+          <p:nvPr/>
+        </p:nvSpPr>
+        <p:spPr>
+          <a:xfrm>
+            <a:off x="228600" y="6359452"/>
+            <a:ext cx="2063385" cy="338554"/>
+          </a:xfrm>
+          <a:prstGeom prst="rect">
+            <a:avLst/>
+          </a:prstGeom>
+        </p:spPr>
+        <p:txBody>
+          <a:bodyPr wrap="none">
+            <a:spAutoFit/>
+          </a:bodyPr>
+          <a:lstStyle/>
+          <a:p>
+            <a:r>
+              <a:rPr lang="it-IT" sz="1600" dirty="0">
+                <a:latin typeface="Futura"/>
+                <a:ea typeface="Microsoft Sans Serif" panose="020B0604020202020204" pitchFamily="34" charset="0"/>
+                <a:cs typeface="Microsoft Sans Serif" panose="020B0604020202020204" pitchFamily="34" charset="0"/>
+              </a:rPr>
+              <a:t>Lorenzo Carlassara</a:t>
+            </a:r>
+          </a:p>
+        </p:txBody>
+      </p:sp>
+      <p:pic>
+        <p:nvPicPr>
+          <p:cNvPr id="10" name="Picture 9">
+            <a:extLst>
+              <a:ext uri="{FF2B5EF4-FFF2-40B4-BE49-F238E27FC236}">
+                <a16:creationId xmlns:a16="http://schemas.microsoft.com/office/drawing/2014/main" id="{F39BFA73-ADF0-4DB8-A3D3-FDC312883272}"/>
+              </a:ext>
+            </a:extLst>
+          </p:cNvPr>
+          <p:cNvPicPr>
+            <a:picLocks noChangeAspect="1"/>
+          </p:cNvPicPr>
+          <p:nvPr/>
+        </p:nvPicPr>
+        <p:blipFill rotWithShape="1">
+          <a:blip r:embed="rId3">
+            <a:extLst>
+              <a:ext uri="{28A0092B-C50C-407E-A947-70E740481C1C}">
+                <a14:useLocalDpi xmlns:a14="http://schemas.microsoft.com/office/drawing/2010/main" val="0"/>
+              </a:ext>
+            </a:extLst>
+          </a:blip>
+          <a:srcRect l="25190" r="25955" b="38216"/>
+          <a:stretch/>
+        </p:blipFill>
+        <p:spPr>
+          <a:xfrm>
+            <a:off x="10734080" y="6172326"/>
+            <a:ext cx="677505" cy="627889"/>
+          </a:xfrm>
+          <a:prstGeom prst="rect">
+            <a:avLst/>
+          </a:prstGeom>
+        </p:spPr>
+      </p:pic>
+      <p:pic>
+        <p:nvPicPr>
+          <p:cNvPr id="12" name="Picture 11">
+            <a:extLst>
+              <a:ext uri="{FF2B5EF4-FFF2-40B4-BE49-F238E27FC236}">
+                <a16:creationId xmlns:a16="http://schemas.microsoft.com/office/drawing/2014/main" id="{EAD1BB9F-FE68-444A-BBD1-D989D18C9468}"/>
+              </a:ext>
+            </a:extLst>
+          </p:cNvPr>
+          <p:cNvPicPr>
+            <a:picLocks noChangeAspect="1"/>
+          </p:cNvPicPr>
+          <p:nvPr/>
+        </p:nvPicPr>
         <p:blipFill>
-          <a:blip r:embed="rId2" cstate="print">
+          <a:blip r:embed="rId4" cstate="print">
             <a:extLst>
               <a:ext uri="{28A0092B-C50C-407E-A947-70E740481C1C}">
                 <a14:useLocalDpi xmlns:a14="http://schemas.microsoft.com/office/drawing/2010/main" val="0"/>
@@ -3444,288 +3568,6 @@
           <a:xfrm>
             <a:off x="11506200" y="6172200"/>
             <a:ext cx="628015" cy="628015"/>
-          </a:xfrm>
-          <a:prstGeom prst="rect">
-            <a:avLst/>
-          </a:prstGeom>
-        </p:spPr>
-      </p:pic>
-      <p:pic>
-        <p:nvPicPr>
-          <p:cNvPr id="11" name="Picture 10">
-            <a:extLst>
-              <a:ext uri="{FF2B5EF4-FFF2-40B4-BE49-F238E27FC236}">
-                <a16:creationId xmlns:a16="http://schemas.microsoft.com/office/drawing/2014/main" id="{FE6E73E0-56D2-4533-A864-D6D3653D0D88}"/>
-              </a:ext>
-            </a:extLst>
-          </p:cNvPr>
-          <p:cNvPicPr>
-            <a:picLocks noChangeAspect="1"/>
-          </p:cNvPicPr>
-          <p:nvPr/>
-        </p:nvPicPr>
-        <p:blipFill rotWithShape="1">
-          <a:blip r:embed="rId3"/>
-          <a:srcRect l="252" t="15029" r="22248" b="5464"/>
-          <a:stretch/>
-        </p:blipFill>
-        <p:spPr>
-          <a:xfrm>
-            <a:off x="0" y="924756"/>
-            <a:ext cx="9448800" cy="4942643"/>
-          </a:xfrm>
-          <a:prstGeom prst="rect">
-            <a:avLst/>
-          </a:prstGeom>
-        </p:spPr>
-      </p:pic>
-      <p:sp>
-        <p:nvSpPr>
-          <p:cNvPr id="13" name="Rectangle 12">
-            <a:extLst>
-              <a:ext uri="{FF2B5EF4-FFF2-40B4-BE49-F238E27FC236}">
-                <a16:creationId xmlns:a16="http://schemas.microsoft.com/office/drawing/2014/main" id="{B75BB3E6-77E8-4B4B-A946-3FA6B3AEE787}"/>
-              </a:ext>
-            </a:extLst>
-          </p:cNvPr>
-          <p:cNvSpPr/>
-          <p:nvPr/>
-        </p:nvSpPr>
-        <p:spPr>
-          <a:xfrm>
-            <a:off x="5181600" y="164068"/>
-            <a:ext cx="1741182" cy="369332"/>
-          </a:xfrm>
-          <a:prstGeom prst="rect">
-            <a:avLst/>
-          </a:prstGeom>
-        </p:spPr>
-        <p:txBody>
-          <a:bodyPr wrap="none">
-            <a:spAutoFit/>
-          </a:bodyPr>
-          <a:lstStyle/>
-          <a:p>
-            <a:r>
-              <a:rPr lang="it-IT" dirty="0" err="1">
-                <a:ln w="0"/>
-                <a:effectLst>
-                  <a:outerShdw blurRad="38100" dist="19050" dir="2700000" algn="tl" rotWithShape="0">
-                    <a:schemeClr val="dk1">
-                      <a:alpha val="40000"/>
-                    </a:schemeClr>
-                  </a:outerShdw>
-                </a:effectLst>
-                <a:latin typeface="Futura"/>
-                <a:cs typeface="Microsoft Sans Serif"/>
-              </a:rPr>
-              <a:t>Block</a:t>
-            </a:r>
-            <a:r>
-              <a:rPr lang="it-IT" dirty="0">
-                <a:ln w="0"/>
-                <a:effectLst>
-                  <a:outerShdw blurRad="38100" dist="19050" dir="2700000" algn="tl" rotWithShape="0">
-                    <a:schemeClr val="dk1">
-                      <a:alpha val="40000"/>
-                    </a:schemeClr>
-                  </a:outerShdw>
-                </a:effectLst>
-                <a:latin typeface="Futura"/>
-                <a:cs typeface="Microsoft Sans Serif"/>
-              </a:rPr>
-              <a:t> </a:t>
-            </a:r>
-            <a:r>
-              <a:rPr lang="it-IT" dirty="0" err="1">
-                <a:ln w="0"/>
-                <a:effectLst>
-                  <a:outerShdw blurRad="38100" dist="19050" dir="2700000" algn="tl" rotWithShape="0">
-                    <a:schemeClr val="dk1">
-                      <a:alpha val="40000"/>
-                    </a:schemeClr>
-                  </a:outerShdw>
-                </a:effectLst>
-                <a:latin typeface="Futura"/>
-                <a:cs typeface="Microsoft Sans Serif"/>
-              </a:rPr>
-              <a:t>scheme</a:t>
-            </a:r>
-            <a:endParaRPr lang="en-GB" dirty="0">
-              <a:ln w="0"/>
-              <a:effectLst>
-                <a:outerShdw blurRad="38100" dist="19050" dir="2700000" algn="tl" rotWithShape="0">
-                  <a:schemeClr val="dk1">
-                    <a:alpha val="40000"/>
-                  </a:schemeClr>
-                </a:outerShdw>
-              </a:effectLst>
-              <a:latin typeface="Futura"/>
-            </a:endParaRPr>
-          </a:p>
-        </p:txBody>
-      </p:sp>
-      <p:sp>
-        <p:nvSpPr>
-          <p:cNvPr id="17" name="Rectangle 16">
-            <a:extLst>
-              <a:ext uri="{FF2B5EF4-FFF2-40B4-BE49-F238E27FC236}">
-                <a16:creationId xmlns:a16="http://schemas.microsoft.com/office/drawing/2014/main" id="{A88193AA-EAEC-43CC-B0A5-7B7B5FFCD5DE}"/>
-              </a:ext>
-            </a:extLst>
-          </p:cNvPr>
-          <p:cNvSpPr/>
-          <p:nvPr/>
-        </p:nvSpPr>
-        <p:spPr>
-          <a:xfrm>
-            <a:off x="685800" y="5191026"/>
-            <a:ext cx="7239000" cy="584775"/>
-          </a:xfrm>
-          <a:prstGeom prst="rect">
-            <a:avLst/>
-          </a:prstGeom>
-        </p:spPr>
-        <p:txBody>
-          <a:bodyPr wrap="square">
-            <a:spAutoFit/>
-          </a:bodyPr>
-          <a:lstStyle/>
-          <a:p>
-            <a:pPr marL="285750" indent="-285750">
-              <a:buFont typeface="Arial" panose="020B0604020202020204" pitchFamily="34" charset="0"/>
-              <a:buChar char="•"/>
-            </a:pPr>
-            <a:r>
-              <a:rPr lang="en-GB" sz="1600" dirty="0">
-                <a:latin typeface="Futura"/>
-              </a:rPr>
-              <a:t>Semi-Supervised Virtual Support Vector Machines with Self-Learning Constraint for Remote Sensing Image Classification (Ozan)</a:t>
-            </a:r>
-          </a:p>
-        </p:txBody>
-      </p:sp>
-      <p:sp>
-        <p:nvSpPr>
-          <p:cNvPr id="18" name="Rectangle 17">
-            <a:extLst>
-              <a:ext uri="{FF2B5EF4-FFF2-40B4-BE49-F238E27FC236}">
-                <a16:creationId xmlns:a16="http://schemas.microsoft.com/office/drawing/2014/main" id="{F0E55EDE-DE08-468F-810E-F7BAD847EFB7}"/>
-              </a:ext>
-            </a:extLst>
-          </p:cNvPr>
-          <p:cNvSpPr/>
-          <p:nvPr/>
-        </p:nvSpPr>
-        <p:spPr>
-          <a:xfrm>
-            <a:off x="9372600" y="3429000"/>
-            <a:ext cx="2819400" cy="2062103"/>
-          </a:xfrm>
-          <a:prstGeom prst="rect">
-            <a:avLst/>
-          </a:prstGeom>
-        </p:spPr>
-        <p:txBody>
-          <a:bodyPr wrap="square">
-            <a:spAutoFit/>
-          </a:bodyPr>
-          <a:lstStyle/>
-          <a:p>
-            <a:pPr marL="285750" indent="-285750">
-              <a:buFont typeface="Arial" panose="020B0604020202020204" pitchFamily="34" charset="0"/>
-              <a:buChar char="•"/>
-            </a:pPr>
-            <a:r>
-              <a:rPr lang="en-GB" sz="1600" dirty="0">
-                <a:latin typeface="Futura"/>
-              </a:rPr>
-              <a:t>Semi-Supervised Learning with Constrained Virtual Support Vector Machines for Classification of Remote Sensing Image Data (</a:t>
-            </a:r>
-            <a:r>
-              <a:rPr lang="en-GB" sz="1600" dirty="0" err="1">
-                <a:latin typeface="Futura"/>
-              </a:rPr>
-              <a:t>Geiss</a:t>
-            </a:r>
-            <a:r>
-              <a:rPr lang="en-GB" sz="1600" dirty="0">
-                <a:latin typeface="Futura"/>
-              </a:rPr>
-              <a:t>)</a:t>
-            </a:r>
-          </a:p>
-        </p:txBody>
-      </p:sp>
-      <p:sp>
-        <p:nvSpPr>
-          <p:cNvPr id="19" name="Rectangle 18">
-            <a:extLst>
-              <a:ext uri="{FF2B5EF4-FFF2-40B4-BE49-F238E27FC236}">
-                <a16:creationId xmlns:a16="http://schemas.microsoft.com/office/drawing/2014/main" id="{67009C95-9B61-4898-95F6-411362502004}"/>
-              </a:ext>
-            </a:extLst>
-          </p:cNvPr>
-          <p:cNvSpPr/>
-          <p:nvPr/>
-        </p:nvSpPr>
-        <p:spPr>
-          <a:xfrm>
-            <a:off x="9372600" y="1219241"/>
-            <a:ext cx="2828924" cy="1569660"/>
-          </a:xfrm>
-          <a:prstGeom prst="rect">
-            <a:avLst/>
-          </a:prstGeom>
-        </p:spPr>
-        <p:txBody>
-          <a:bodyPr wrap="square">
-            <a:spAutoFit/>
-          </a:bodyPr>
-          <a:lstStyle/>
-          <a:p>
-            <a:pPr marL="285750" indent="-285750">
-              <a:buFont typeface="Arial" panose="020B0604020202020204" pitchFamily="34" charset="0"/>
-              <a:buChar char="•"/>
-            </a:pPr>
-            <a:r>
-              <a:rPr lang="en-GB" sz="1600" dirty="0">
-                <a:latin typeface="Futura"/>
-              </a:rPr>
-              <a:t>Virtual Support Vector Machines with self-learning strategy for classification of multispectral remote sensing imagery</a:t>
-            </a:r>
-          </a:p>
-        </p:txBody>
-      </p:sp>
-      <p:pic>
-        <p:nvPicPr>
-          <p:cNvPr id="3" name="Picture 2">
-            <a:extLst>
-              <a:ext uri="{FF2B5EF4-FFF2-40B4-BE49-F238E27FC236}">
-                <a16:creationId xmlns:a16="http://schemas.microsoft.com/office/drawing/2014/main" id="{8DA8739E-9D9A-4569-8B82-233335C28835}"/>
-              </a:ext>
-            </a:extLst>
-          </p:cNvPr>
-          <p:cNvPicPr>
-            <a:picLocks noChangeAspect="1"/>
-          </p:cNvPicPr>
-          <p:nvPr/>
-        </p:nvPicPr>
-        <p:blipFill rotWithShape="1">
-          <a:blip r:embed="rId4">
-            <a:extLst>
-              <a:ext uri="{28A0092B-C50C-407E-A947-70E740481C1C}">
-                <a14:useLocalDpi xmlns:a14="http://schemas.microsoft.com/office/drawing/2010/main" val="0"/>
-              </a:ext>
-            </a:extLst>
-          </a:blip>
-          <a:srcRect l="25190" r="25955" b="38216"/>
-          <a:stretch/>
-        </p:blipFill>
-        <p:spPr>
-          <a:xfrm>
-            <a:off x="8295" y="6172200"/>
-            <a:ext cx="677505" cy="627889"/>
           </a:xfrm>
           <a:prstGeom prst="rect">
             <a:avLst/>
@@ -3837,7 +3679,7 @@
         <p:spPr>
           <a:xfrm>
             <a:off x="5105400" y="164068"/>
-            <a:ext cx="2294218" cy="369332"/>
+            <a:ext cx="2178802" cy="353943"/>
           </a:xfrm>
           <a:prstGeom prst="rect">
             <a:avLst/>
@@ -3850,39 +3692,64 @@
           <a:lstStyle/>
           <a:p>
             <a:r>
-              <a:rPr lang="it-IT" dirty="0">
+              <a:rPr lang="it-IT" sz="1700" dirty="0">
                 <a:ln w="0"/>
-                <a:effectLst>
-                  <a:outerShdw blurRad="38100" dist="19050" dir="2700000" algn="tl" rotWithShape="0">
-                    <a:schemeClr val="dk1">
-                      <a:alpha val="40000"/>
-                    </a:schemeClr>
-                  </a:outerShdw>
-                </a:effectLst>
                 <a:latin typeface="Futura"/>
                 <a:cs typeface="Microsoft Sans Serif"/>
               </a:rPr>
               <a:t>VSVM background</a:t>
             </a:r>
-            <a:endParaRPr lang="en-GB" dirty="0">
-              <a:effectLst>
-                <a:glow rad="101600">
-                  <a:schemeClr val="tx1">
-                    <a:alpha val="60000"/>
-                  </a:schemeClr>
-                </a:glow>
-              </a:effectLst>
+            <a:endParaRPr lang="en-GB" sz="1700" dirty="0">
+              <a:ln w="0"/>
               <a:latin typeface="Futura"/>
             </a:endParaRPr>
+          </a:p>
+        </p:txBody>
+      </p:sp>
+      <p:sp>
+        <p:nvSpPr>
+          <p:cNvPr id="7" name="Rectangle 6">
+            <a:extLst>
+              <a:ext uri="{FF2B5EF4-FFF2-40B4-BE49-F238E27FC236}">
+                <a16:creationId xmlns:a16="http://schemas.microsoft.com/office/drawing/2014/main" id="{7300695A-CDC9-4C95-8E33-81CA902EC4EC}"/>
+              </a:ext>
+            </a:extLst>
+          </p:cNvPr>
+          <p:cNvSpPr/>
+          <p:nvPr/>
+        </p:nvSpPr>
+        <p:spPr>
+          <a:xfrm>
+            <a:off x="228600" y="6359452"/>
+            <a:ext cx="2063385" cy="338554"/>
+          </a:xfrm>
+          <a:prstGeom prst="rect">
+            <a:avLst/>
+          </a:prstGeom>
+        </p:spPr>
+        <p:txBody>
+          <a:bodyPr wrap="none">
+            <a:spAutoFit/>
+          </a:bodyPr>
+          <a:lstStyle/>
+          <a:p>
+            <a:r>
+              <a:rPr lang="it-IT" sz="1600" dirty="0">
+                <a:latin typeface="Futura"/>
+                <a:ea typeface="Microsoft Sans Serif" panose="020B0604020202020204" pitchFamily="34" charset="0"/>
+                <a:cs typeface="Microsoft Sans Serif" panose="020B0604020202020204" pitchFamily="34" charset="0"/>
+              </a:rPr>
+              <a:t>Lorenzo Carlassara</a:t>
+            </a:r>
           </a:p>
         </p:txBody>
       </p:sp>
       <p:pic>
         <p:nvPicPr>
-          <p:cNvPr id="13" name="Picture 12">
+          <p:cNvPr id="8" name="Picture 7">
             <a:extLst>
               <a:ext uri="{FF2B5EF4-FFF2-40B4-BE49-F238E27FC236}">
-                <a16:creationId xmlns:a16="http://schemas.microsoft.com/office/drawing/2014/main" id="{71E1C44F-AC7D-4927-8E91-232546D8C1FE}"/>
+                <a16:creationId xmlns:a16="http://schemas.microsoft.com/office/drawing/2014/main" id="{3E856712-E5A3-404B-8960-260F8620E5C2}"/>
               </a:ext>
             </a:extLst>
           </p:cNvPr>
@@ -3891,8 +3758,43 @@
           </p:cNvPicPr>
           <p:nvPr/>
         </p:nvPicPr>
+        <p:blipFill rotWithShape="1">
+          <a:blip r:embed="rId4">
+            <a:extLst>
+              <a:ext uri="{28A0092B-C50C-407E-A947-70E740481C1C}">
+                <a14:useLocalDpi xmlns:a14="http://schemas.microsoft.com/office/drawing/2010/main" val="0"/>
+              </a:ext>
+            </a:extLst>
+          </a:blip>
+          <a:srcRect l="25190" r="25955" b="38216"/>
+          <a:stretch/>
+        </p:blipFill>
+        <p:spPr>
+          <a:xfrm>
+            <a:off x="10734080" y="6172326"/>
+            <a:ext cx="677505" cy="627889"/>
+          </a:xfrm>
+          <a:prstGeom prst="rect">
+            <a:avLst/>
+          </a:prstGeom>
+        </p:spPr>
+      </p:pic>
+      <p:pic>
+        <p:nvPicPr>
+          <p:cNvPr id="9" name="Picture 8">
+            <a:extLst>
+              <a:ext uri="{FF2B5EF4-FFF2-40B4-BE49-F238E27FC236}">
+                <a16:creationId xmlns:a16="http://schemas.microsoft.com/office/drawing/2014/main" id="{E384EF2C-11C8-49D3-9BFA-E2FEAC517F07}"/>
+              </a:ext>
+            </a:extLst>
+          </p:cNvPr>
+          <p:cNvPicPr>
+            <a:picLocks noChangeAspect="1"/>
+          </p:cNvPicPr>
+          <p:nvPr/>
+        </p:nvPicPr>
         <p:blipFill>
-          <a:blip r:embed="rId4" cstate="print">
+          <a:blip r:embed="rId5" cstate="print">
             <a:extLst>
               <a:ext uri="{28A0092B-C50C-407E-A947-70E740481C1C}">
                 <a14:useLocalDpi xmlns:a14="http://schemas.microsoft.com/office/drawing/2010/main" val="0"/>
@@ -3907,41 +3809,6 @@
           <a:xfrm>
             <a:off x="11506200" y="6172200"/>
             <a:ext cx="628015" cy="628015"/>
-          </a:xfrm>
-          <a:prstGeom prst="rect">
-            <a:avLst/>
-          </a:prstGeom>
-        </p:spPr>
-      </p:pic>
-      <p:pic>
-        <p:nvPicPr>
-          <p:cNvPr id="14" name="Picture 13">
-            <a:extLst>
-              <a:ext uri="{FF2B5EF4-FFF2-40B4-BE49-F238E27FC236}">
-                <a16:creationId xmlns:a16="http://schemas.microsoft.com/office/drawing/2014/main" id="{4FDEC766-2AF4-4B34-8ACD-AC9E1BB61647}"/>
-              </a:ext>
-            </a:extLst>
-          </p:cNvPr>
-          <p:cNvPicPr>
-            <a:picLocks noChangeAspect="1"/>
-          </p:cNvPicPr>
-          <p:nvPr/>
-        </p:nvPicPr>
-        <p:blipFill rotWithShape="1">
-          <a:blip r:embed="rId5">
-            <a:extLst>
-              <a:ext uri="{28A0092B-C50C-407E-A947-70E740481C1C}">
-                <a14:useLocalDpi xmlns:a14="http://schemas.microsoft.com/office/drawing/2010/main" val="0"/>
-              </a:ext>
-            </a:extLst>
-          </a:blip>
-          <a:srcRect l="25190" r="25955" b="38216"/>
-          <a:stretch/>
-        </p:blipFill>
-        <p:spPr>
-          <a:xfrm>
-            <a:off x="8295" y="6172200"/>
-            <a:ext cx="677505" cy="627889"/>
           </a:xfrm>
           <a:prstGeom prst="rect">
             <a:avLst/>
@@ -3992,58 +3859,62 @@
         </p:nvSpPr>
         <p:spPr>
           <a:xfrm>
-            <a:off x="5180044" y="152400"/>
-            <a:ext cx="2065950" cy="369332"/>
+            <a:off x="8295" y="152400"/>
+            <a:ext cx="12183705" cy="353943"/>
           </a:xfrm>
           <a:prstGeom prst="rect">
             <a:avLst/>
           </a:prstGeom>
         </p:spPr>
         <p:txBody>
-          <a:bodyPr wrap="none">
+          <a:bodyPr wrap="square">
             <a:spAutoFit/>
           </a:bodyPr>
           <a:lstStyle/>
           <a:p>
-            <a:r>
-              <a:rPr lang="it-IT" dirty="0">
+            <a:pPr algn="ctr"/>
+            <a:r>
+              <a:rPr lang="it-IT" sz="1700" dirty="0" err="1">
                 <a:ln w="0"/>
-                <a:effectLst>
-                  <a:outerShdw blurRad="38100" dist="19050" dir="2700000" algn="tl" rotWithShape="0">
-                    <a:schemeClr val="dk1">
-                      <a:alpha val="40000"/>
-                    </a:schemeClr>
-                  </a:outerShdw>
-                </a:effectLst>
                 <a:latin typeface="Futura"/>
                 <a:cs typeface="Microsoft Sans Serif"/>
               </a:rPr>
-              <a:t>Model </a:t>
-            </a:r>
-            <a:r>
-              <a:rPr lang="it-IT" dirty="0" err="1">
+              <a:t>Datasets</a:t>
+            </a:r>
+            <a:r>
+              <a:rPr lang="it-IT" sz="1700" dirty="0">
                 <a:ln w="0"/>
-                <a:effectLst>
-                  <a:outerShdw blurRad="38100" dist="19050" dir="2700000" algn="tl" rotWithShape="0">
-                    <a:schemeClr val="dk1">
-                      <a:alpha val="40000"/>
-                    </a:schemeClr>
-                  </a:outerShdw>
-                </a:effectLst>
                 <a:latin typeface="Futura"/>
                 <a:cs typeface="Microsoft Sans Serif"/>
               </a:rPr>
+              <a:t> &amp; </a:t>
+            </a:r>
+            <a:r>
+              <a:rPr lang="it-IT" sz="1700" dirty="0" err="1">
+                <a:ln w="0"/>
+                <a:latin typeface="Futura"/>
+                <a:cs typeface="Microsoft Sans Serif"/>
+              </a:rPr>
+              <a:t>Models</a:t>
+            </a:r>
+            <a:r>
+              <a:rPr lang="it-IT" sz="1700" dirty="0">
+                <a:ln w="0"/>
+                <a:latin typeface="Futura"/>
+                <a:cs typeface="Microsoft Sans Serif"/>
+              </a:rPr>
+              <a:t> </a:t>
+            </a:r>
+            <a:r>
+              <a:rPr lang="it-IT" sz="1700" dirty="0" err="1">
+                <a:ln w="0"/>
+                <a:latin typeface="Futura"/>
+                <a:cs typeface="Microsoft Sans Serif"/>
+              </a:rPr>
               <a:t>collection</a:t>
             </a:r>
-            <a:endParaRPr lang="en-GB" dirty="0">
+            <a:endParaRPr lang="en-GB" sz="1700" dirty="0">
               <a:ln w="0"/>
-              <a:effectLst>
-                <a:outerShdw blurRad="38100" dist="19050" dir="2700000" algn="tl" rotWithShape="0">
-                  <a:schemeClr val="dk1">
-                    <a:alpha val="40000"/>
-                  </a:schemeClr>
-                </a:outerShdw>
-              </a:effectLst>
               <a:latin typeface="Futura"/>
             </a:endParaRPr>
           </a:p>
@@ -4064,7 +3935,7 @@
         <p:spPr>
           <a:xfrm>
             <a:off x="689812" y="2896059"/>
-            <a:ext cx="5209096" cy="1477328"/>
+            <a:ext cx="5209096" cy="615553"/>
           </a:xfrm>
           <a:prstGeom prst="rect">
             <a:avLst/>
@@ -4081,7 +3952,7 @@
               <a:buChar char="•"/>
             </a:pPr>
             <a:r>
-              <a:rPr lang="it-IT" dirty="0" err="1">
+              <a:rPr lang="it-IT" sz="1700" dirty="0" err="1">
                 <a:highlight>
                   <a:srgbClr val="FFFF00"/>
                 </a:highlight>
@@ -4090,54 +3961,27 @@
               <a:t>Binary</a:t>
             </a:r>
             <a:r>
-              <a:rPr lang="it-IT" dirty="0">
+              <a:rPr lang="it-IT" sz="1700" dirty="0">
+                <a:highlight>
+                  <a:srgbClr val="FFFF00"/>
+                </a:highlight>
                 <a:latin typeface="Futura"/>
               </a:rPr>
               <a:t> </a:t>
             </a:r>
             <a:r>
-              <a:rPr lang="it-IT" dirty="0" err="1">
+              <a:rPr lang="it-IT" sz="1700" dirty="0" err="1">
+                <a:highlight>
+                  <a:srgbClr val="FFFF00"/>
+                </a:highlight>
                 <a:latin typeface="Futura"/>
               </a:rPr>
               <a:t>classification</a:t>
             </a:r>
-            <a:r>
-              <a:rPr lang="it-IT" dirty="0">
-                <a:latin typeface="Futura"/>
-              </a:rPr>
-              <a:t> :                ‘</a:t>
-            </a:r>
-            <a:r>
-              <a:rPr lang="it-IT" dirty="0" err="1">
-                <a:latin typeface="Futura"/>
-              </a:rPr>
-              <a:t>bushes</a:t>
-            </a:r>
-            <a:r>
-              <a:rPr lang="it-IT" dirty="0">
-                <a:latin typeface="Futura"/>
-              </a:rPr>
-              <a:t>/</a:t>
-            </a:r>
-            <a:r>
-              <a:rPr lang="it-IT" dirty="0" err="1">
-                <a:latin typeface="Futura"/>
-              </a:rPr>
-              <a:t>trees</a:t>
-            </a:r>
-            <a:r>
-              <a:rPr lang="it-IT" dirty="0">
-                <a:latin typeface="Futura"/>
-              </a:rPr>
-              <a:t>’ vs </a:t>
-            </a:r>
-            <a:r>
-              <a:rPr lang="it-IT" dirty="0" err="1">
-                <a:latin typeface="Futura"/>
-              </a:rPr>
-              <a:t>other</a:t>
-            </a:r>
-            <a:endParaRPr lang="it-IT" dirty="0">
+            <a:endParaRPr lang="it-IT" sz="1700" dirty="0">
+              <a:highlight>
+                <a:srgbClr val="FFFF00"/>
+              </a:highlight>
               <a:latin typeface="Futura"/>
             </a:endParaRPr>
           </a:p>
@@ -4147,7 +3991,7 @@
               <a:buChar char="•"/>
             </a:pPr>
             <a:r>
-              <a:rPr lang="it-IT" dirty="0" err="1">
+              <a:rPr lang="it-IT" sz="1700" dirty="0" err="1">
                 <a:highlight>
                   <a:srgbClr val="FFFF00"/>
                 </a:highlight>
@@ -4156,108 +4000,36 @@
               <a:t>Multiclass</a:t>
             </a:r>
             <a:r>
-              <a:rPr lang="it-IT" dirty="0">
+              <a:rPr lang="it-IT" sz="1700" dirty="0">
+                <a:highlight>
+                  <a:srgbClr val="FFFF00"/>
+                </a:highlight>
                 <a:latin typeface="Futura"/>
               </a:rPr>
               <a:t> </a:t>
             </a:r>
             <a:r>
-              <a:rPr lang="it-IT" dirty="0" err="1">
+              <a:rPr lang="it-IT" sz="1700" dirty="0" err="1">
+                <a:highlight>
+                  <a:srgbClr val="FFFF00"/>
+                </a:highlight>
                 <a:latin typeface="Futura"/>
               </a:rPr>
               <a:t>classification</a:t>
             </a:r>
             <a:r>
-              <a:rPr lang="it-IT" dirty="0">
-                <a:latin typeface="Futura"/>
-              </a:rPr>
-              <a:t> with 6 classes: ‘</a:t>
-            </a:r>
-            <a:r>
-              <a:rPr lang="it-IT" dirty="0" err="1">
-                <a:latin typeface="Futura"/>
-              </a:rPr>
-              <a:t>bushes</a:t>
-            </a:r>
-            <a:r>
-              <a:rPr lang="it-IT" dirty="0">
-                <a:latin typeface="Futura"/>
-              </a:rPr>
-              <a:t>/</a:t>
-            </a:r>
-            <a:r>
-              <a:rPr lang="it-IT" dirty="0" err="1">
-                <a:latin typeface="Futura"/>
-              </a:rPr>
-              <a:t>trees</a:t>
-            </a:r>
-            <a:r>
-              <a:rPr lang="it-IT" dirty="0">
-                <a:latin typeface="Futura"/>
-              </a:rPr>
-              <a:t>’, ‘</a:t>
-            </a:r>
-            <a:r>
-              <a:rPr lang="it-IT" dirty="0" err="1">
-                <a:latin typeface="Futura"/>
-              </a:rPr>
-              <a:t>facade</a:t>
-            </a:r>
-            <a:r>
-              <a:rPr lang="it-IT" dirty="0">
-                <a:latin typeface="Futura"/>
-              </a:rPr>
-              <a:t>’, </a:t>
-            </a:r>
-            <a:r>
-              <a:rPr lang="it-IT" dirty="0" err="1">
-                <a:latin typeface="Futura"/>
-              </a:rPr>
-              <a:t>meadow</a:t>
-            </a:r>
-            <a:r>
-              <a:rPr lang="it-IT" dirty="0">
-                <a:latin typeface="Futura"/>
-              </a:rPr>
-              <a:t>’, ’</a:t>
-            </a:r>
-            <a:r>
-              <a:rPr lang="it-IT" dirty="0" err="1">
-                <a:latin typeface="Futura"/>
-              </a:rPr>
-              <a:t>impervious</a:t>
-            </a:r>
-            <a:r>
-              <a:rPr lang="it-IT" dirty="0">
-                <a:latin typeface="Futura"/>
-              </a:rPr>
-              <a:t> surface’, ’</a:t>
-            </a:r>
-            <a:r>
-              <a:rPr lang="it-IT" dirty="0" err="1">
-                <a:latin typeface="Futura"/>
-              </a:rPr>
-              <a:t>roofs</a:t>
-            </a:r>
-            <a:r>
-              <a:rPr lang="it-IT" dirty="0">
-                <a:latin typeface="Futura"/>
-              </a:rPr>
-              <a:t>’, ’</a:t>
-            </a:r>
-            <a:r>
-              <a:rPr lang="it-IT" dirty="0" err="1">
-                <a:latin typeface="Futura"/>
-              </a:rPr>
-              <a:t>shadow</a:t>
-            </a:r>
-            <a:r>
-              <a:rPr lang="it-IT" dirty="0">
-                <a:latin typeface="Futura"/>
-              </a:rPr>
-              <a:t>’</a:t>
-            </a:r>
-            <a:endParaRPr lang="en-GB" dirty="0">
+              <a:rPr lang="it-IT" sz="1700" dirty="0">
+                <a:highlight>
+                  <a:srgbClr val="FFFF00"/>
+                </a:highlight>
+                <a:latin typeface="Futura"/>
+              </a:rPr>
+              <a:t> with 5/6 classes</a:t>
+            </a:r>
+            <a:endParaRPr lang="en-GB" sz="1700" dirty="0">
+              <a:highlight>
+                <a:srgbClr val="FFFF00"/>
+              </a:highlight>
               <a:latin typeface="Futura"/>
             </a:endParaRPr>
           </a:p>
@@ -4278,7 +4050,7 @@
         <p:spPr>
           <a:xfrm>
             <a:off x="5898908" y="938463"/>
-            <a:ext cx="6001743" cy="3693319"/>
+            <a:ext cx="6001743" cy="2970044"/>
           </a:xfrm>
           <a:prstGeom prst="rect">
             <a:avLst/>
@@ -4295,28 +4067,28 @@
               <a:buChar char="•"/>
             </a:pPr>
             <a:r>
-              <a:rPr lang="it-IT" dirty="0">
+              <a:rPr lang="it-IT" sz="1700" dirty="0">
                 <a:highlight>
                   <a:srgbClr val="FFFF00"/>
                 </a:highlight>
                 <a:latin typeface="Futura"/>
               </a:rPr>
-              <a:t>SVM</a:t>
-            </a:r>
-            <a:r>
-              <a:rPr lang="it-IT" dirty="0">
-                <a:latin typeface="Futura"/>
-              </a:rPr>
-              <a:t>: Support </a:t>
-            </a:r>
-            <a:r>
-              <a:rPr lang="it-IT" dirty="0" err="1">
+              <a:t>SVM: Support </a:t>
+            </a:r>
+            <a:r>
+              <a:rPr lang="it-IT" sz="1700" dirty="0" err="1">
+                <a:highlight>
+                  <a:srgbClr val="FFFF00"/>
+                </a:highlight>
                 <a:latin typeface="Futura"/>
               </a:rPr>
               <a:t>Vector</a:t>
             </a:r>
             <a:r>
-              <a:rPr lang="it-IT" dirty="0">
+              <a:rPr lang="it-IT" sz="1700" dirty="0">
+                <a:highlight>
+                  <a:srgbClr val="FFFF00"/>
+                </a:highlight>
                 <a:latin typeface="Futura"/>
               </a:rPr>
               <a:t> Machine</a:t>
@@ -4328,330 +4100,339 @@
               <a:buChar char="•"/>
             </a:pPr>
             <a:r>
-              <a:rPr lang="it-IT" dirty="0">
+              <a:rPr lang="it-IT" sz="1700" dirty="0">
                 <a:highlight>
                   <a:srgbClr val="FFFF00"/>
                 </a:highlight>
                 <a:latin typeface="Futura"/>
               </a:rPr>
-              <a:t>SVM-MS</a:t>
-            </a:r>
-            <a:r>
-              <a:rPr lang="it-IT" dirty="0">
-                <a:latin typeface="Futura"/>
-              </a:rPr>
-              <a:t>: include </a:t>
-            </a:r>
-            <a:r>
-              <a:rPr lang="it-IT" dirty="0" err="1">
-                <a:latin typeface="Futura"/>
-              </a:rPr>
-              <a:t>all</a:t>
-            </a:r>
-            <a:r>
-              <a:rPr lang="it-IT" dirty="0">
-                <a:latin typeface="Futura"/>
-              </a:rPr>
-              <a:t> </a:t>
-            </a:r>
-            <a:r>
-              <a:rPr lang="it-IT" dirty="0" err="1">
-                <a:latin typeface="Futura"/>
-              </a:rPr>
-              <a:t>multilevel</a:t>
-            </a:r>
-            <a:r>
-              <a:rPr lang="it-IT" dirty="0">
-                <a:latin typeface="Futura"/>
-              </a:rPr>
-              <a:t> </a:t>
-            </a:r>
-            <a:r>
-              <a:rPr lang="it-IT" dirty="0" err="1">
-                <a:latin typeface="Futura"/>
-              </a:rPr>
-              <a:t>segmentations</a:t>
-            </a:r>
-            <a:endParaRPr lang="it-IT" dirty="0">
-              <a:latin typeface="Futura"/>
-            </a:endParaRPr>
-          </a:p>
-          <a:p>
-            <a:pPr marL="285750" indent="-285750">
-              <a:buFont typeface="Arial" panose="020B0604020202020204" pitchFamily="34" charset="0"/>
-              <a:buChar char="•"/>
-            </a:pPr>
-            <a:r>
-              <a:rPr lang="it-IT" dirty="0">
+              <a:t>SVM-MS: include </a:t>
+            </a:r>
+            <a:r>
+              <a:rPr lang="it-IT" sz="1700" dirty="0" err="1">
                 <a:highlight>
                   <a:srgbClr val="FFFF00"/>
                 </a:highlight>
                 <a:latin typeface="Futura"/>
               </a:rPr>
-              <a:t>VSVM</a:t>
-            </a:r>
-            <a:r>
-              <a:rPr lang="it-IT" dirty="0">
-                <a:latin typeface="Futura"/>
-              </a:rPr>
-              <a:t>: </a:t>
-            </a:r>
-            <a:r>
-              <a:rPr lang="it-IT" dirty="0" err="1">
-                <a:latin typeface="Futura"/>
-              </a:rPr>
-              <a:t>enconding</a:t>
-            </a:r>
-            <a:r>
-              <a:rPr lang="it-IT" dirty="0">
-                <a:latin typeface="Futura"/>
-              </a:rPr>
-              <a:t> </a:t>
-            </a:r>
-            <a:r>
-              <a:rPr lang="it-IT" dirty="0" err="1">
-                <a:latin typeface="Futura"/>
-              </a:rPr>
-              <a:t>invariance</a:t>
-            </a:r>
-            <a:r>
-              <a:rPr lang="it-IT" dirty="0">
-                <a:latin typeface="Futura"/>
-              </a:rPr>
-              <a:t> wrt/</a:t>
-            </a:r>
-            <a:r>
-              <a:rPr lang="it-IT" dirty="0" err="1">
-                <a:latin typeface="Futura"/>
-              </a:rPr>
-              <a:t>into</a:t>
-            </a:r>
-            <a:r>
-              <a:rPr lang="it-IT" dirty="0">
-                <a:latin typeface="Futura"/>
-              </a:rPr>
-              <a:t> </a:t>
-            </a:r>
-            <a:r>
-              <a:rPr lang="it-IT" dirty="0" err="1">
-                <a:latin typeface="Futura"/>
-              </a:rPr>
-              <a:t>SVs</a:t>
-            </a:r>
-            <a:r>
-              <a:rPr lang="it-IT" dirty="0">
-                <a:latin typeface="Futura"/>
-              </a:rPr>
-              <a:t> </a:t>
-            </a:r>
-          </a:p>
-          <a:p>
-            <a:pPr marL="285750" indent="-285750">
-              <a:buFont typeface="Arial" panose="020B0604020202020204" pitchFamily="34" charset="0"/>
-              <a:buChar char="•"/>
-            </a:pPr>
-            <a:r>
-              <a:rPr lang="it-IT" dirty="0">
+              <a:t>all</a:t>
+            </a:r>
+            <a:r>
+              <a:rPr lang="it-IT" sz="1700" dirty="0">
                 <a:highlight>
                   <a:srgbClr val="FFFF00"/>
                 </a:highlight>
                 <a:latin typeface="Futura"/>
               </a:rPr>
-              <a:t>VSVM-SL</a:t>
-            </a:r>
-            <a:r>
-              <a:rPr lang="it-IT" dirty="0">
-                <a:latin typeface="Futura"/>
-              </a:rPr>
-              <a:t>: Self-learning </a:t>
-            </a:r>
-            <a:r>
-              <a:rPr lang="it-IT" dirty="0" err="1">
-                <a:latin typeface="Futura"/>
-              </a:rPr>
-              <a:t>strategy</a:t>
-            </a:r>
-            <a:r>
-              <a:rPr lang="it-IT" dirty="0">
-                <a:latin typeface="Futura"/>
-              </a:rPr>
               <a:t> </a:t>
             </a:r>
-          </a:p>
-          <a:p>
-            <a:pPr marL="742950" lvl="1" indent="-285750">
-              <a:buFont typeface="Arial" panose="020B0604020202020204" pitchFamily="34" charset="0"/>
-              <a:buChar char="•"/>
-            </a:pPr>
-            <a:r>
-              <a:rPr lang="it-IT" dirty="0">
-                <a:latin typeface="Futura"/>
-              </a:rPr>
-              <a:t> </a:t>
-            </a:r>
-            <a:r>
-              <a:rPr lang="en-GB" dirty="0">
-                <a:latin typeface="Futura"/>
-              </a:rPr>
-              <a:t>remove VSVs:</a:t>
-            </a:r>
-            <a:endParaRPr lang="it-IT" dirty="0">
-              <a:latin typeface="Futura"/>
-            </a:endParaRPr>
-          </a:p>
-          <a:p>
-            <a:pPr marL="1200150" lvl="2" indent="-285750">
-              <a:buFont typeface="Arial" panose="020B0604020202020204" pitchFamily="34" charset="0"/>
-              <a:buChar char="•"/>
-            </a:pPr>
-            <a:r>
-              <a:rPr lang="en-GB" dirty="0">
-                <a:latin typeface="Futura"/>
-              </a:rPr>
-              <a:t>not located within certain distance to original SVs</a:t>
-            </a:r>
-          </a:p>
-          <a:p>
-            <a:pPr marL="1200150" lvl="2" indent="-285750">
-              <a:buFont typeface="Arial" panose="020B0604020202020204" pitchFamily="34" charset="0"/>
-              <a:buChar char="•"/>
-            </a:pPr>
-            <a:r>
-              <a:rPr lang="en-GB" dirty="0">
-                <a:latin typeface="Futura"/>
-              </a:rPr>
-              <a:t>outside radius threshold on margin distance</a:t>
-            </a:r>
-          </a:p>
-          <a:p>
-            <a:pPr marL="285750" indent="-285750">
-              <a:buFont typeface="Arial" panose="020B0604020202020204" pitchFamily="34" charset="0"/>
-              <a:buChar char="•"/>
-            </a:pPr>
-            <a:r>
-              <a:rPr lang="it-IT" dirty="0">
+            <a:r>
+              <a:rPr lang="it-IT" sz="1700" dirty="0" err="1">
                 <a:highlight>
                   <a:srgbClr val="FFFF00"/>
                 </a:highlight>
                 <a:latin typeface="Futura"/>
               </a:rPr>
-              <a:t>SVM-MS-SL-UNL</a:t>
-            </a:r>
-          </a:p>
-          <a:p>
-            <a:pPr marL="285750" indent="-285750">
-              <a:buFont typeface="Arial" panose="020B0604020202020204" pitchFamily="34" charset="0"/>
-              <a:buChar char="•"/>
-            </a:pPr>
-            <a:r>
-              <a:rPr lang="it-IT" dirty="0">
+              <a:t>multilevel</a:t>
+            </a:r>
+            <a:r>
+              <a:rPr lang="it-IT" sz="1700" dirty="0">
                 <a:highlight>
                   <a:srgbClr val="FFFF00"/>
                 </a:highlight>
                 <a:latin typeface="Futura"/>
               </a:rPr>
-              <a:t>VSVM-SL-UNL</a:t>
-            </a:r>
-          </a:p>
-          <a:p>
-            <a:pPr marL="285750" indent="-285750">
-              <a:buFont typeface="Arial" panose="020B0604020202020204" pitchFamily="34" charset="0"/>
-              <a:buChar char="•"/>
-            </a:pPr>
-            <a:r>
-              <a:rPr lang="it-IT" dirty="0">
+              <a:t> </a:t>
+            </a:r>
+            <a:r>
+              <a:rPr lang="it-IT" sz="1700" dirty="0" err="1">
                 <a:highlight>
                   <a:srgbClr val="FFFF00"/>
                 </a:highlight>
                 <a:latin typeface="Futura"/>
               </a:rPr>
-              <a:t>VSVM-SL-</a:t>
-            </a:r>
-            <a:r>
-              <a:rPr lang="it-IT" dirty="0" err="1">
-                <a:highlight>
-                  <a:srgbClr val="FFFF00"/>
-                </a:highlight>
-                <a:latin typeface="Futura"/>
-              </a:rPr>
-              <a:t>virtual</a:t>
-            </a:r>
-            <a:r>
-              <a:rPr lang="it-IT" dirty="0">
-                <a:highlight>
-                  <a:srgbClr val="FFFF00"/>
-                </a:highlight>
-                <a:latin typeface="Futura"/>
-              </a:rPr>
-              <a:t>-UNL</a:t>
-            </a:r>
-          </a:p>
-          <a:p>
-            <a:pPr marL="285750" indent="-285750">
-              <a:buFont typeface="Arial" panose="020B0604020202020204" pitchFamily="34" charset="0"/>
-              <a:buChar char="•"/>
-            </a:pPr>
-            <a:r>
-              <a:rPr lang="it-IT" dirty="0">
-                <a:highlight>
-                  <a:srgbClr val="FFFF00"/>
-                </a:highlight>
-                <a:latin typeface="Futura"/>
-              </a:rPr>
-              <a:t>VSVM-SL-UNL + </a:t>
-            </a:r>
-            <a:r>
-              <a:rPr lang="it-IT" dirty="0" err="1">
-                <a:highlight>
-                  <a:srgbClr val="FFFF00"/>
-                </a:highlight>
-                <a:latin typeface="Futura"/>
-              </a:rPr>
-              <a:t>uncertainty</a:t>
-            </a:r>
-            <a:r>
-              <a:rPr lang="it-IT" dirty="0">
-                <a:highlight>
-                  <a:srgbClr val="FFFF00"/>
-                </a:highlight>
-                <a:latin typeface="Futura"/>
-              </a:rPr>
-              <a:t> </a:t>
-            </a:r>
-            <a:r>
-              <a:rPr lang="it-IT" dirty="0" err="1">
-                <a:highlight>
-                  <a:srgbClr val="FFFF00"/>
-                </a:highlight>
-                <a:latin typeface="Futura"/>
-              </a:rPr>
-              <a:t>function</a:t>
-            </a:r>
-            <a:r>
-              <a:rPr lang="it-IT" dirty="0">
-                <a:highlight>
-                  <a:srgbClr val="FFFF00"/>
-                </a:highlight>
-                <a:latin typeface="Futura"/>
-              </a:rPr>
-              <a:t> for </a:t>
-            </a:r>
-            <a:r>
-              <a:rPr lang="en-US" dirty="0">
-                <a:highlight>
-                  <a:srgbClr val="FFFF00"/>
-                </a:highlight>
-                <a:latin typeface="Futura"/>
-              </a:rPr>
-              <a:t>relabeling</a:t>
-            </a:r>
-            <a:endParaRPr lang="en-GB" dirty="0">
+              <a:t>segmentations</a:t>
+            </a:r>
+            <a:endParaRPr lang="it-IT" sz="1700" dirty="0">
               <a:highlight>
                 <a:srgbClr val="FFFF00"/>
               </a:highlight>
               <a:latin typeface="Futura"/>
             </a:endParaRPr>
           </a:p>
+          <a:p>
+            <a:pPr marL="285750" indent="-285750">
+              <a:buFont typeface="Arial" panose="020B0604020202020204" pitchFamily="34" charset="0"/>
+              <a:buChar char="•"/>
+            </a:pPr>
+            <a:r>
+              <a:rPr lang="it-IT" sz="1700" dirty="0">
+                <a:highlight>
+                  <a:srgbClr val="FFFF00"/>
+                </a:highlight>
+                <a:latin typeface="Futura"/>
+              </a:rPr>
+              <a:t>VSVM: </a:t>
+            </a:r>
+            <a:r>
+              <a:rPr lang="it-IT" sz="1700" dirty="0" err="1">
+                <a:highlight>
+                  <a:srgbClr val="FFFF00"/>
+                </a:highlight>
+                <a:latin typeface="Futura"/>
+              </a:rPr>
+              <a:t>enconding</a:t>
+            </a:r>
+            <a:r>
+              <a:rPr lang="it-IT" sz="1700" dirty="0">
+                <a:highlight>
+                  <a:srgbClr val="FFFF00"/>
+                </a:highlight>
+                <a:latin typeface="Futura"/>
+              </a:rPr>
+              <a:t> </a:t>
+            </a:r>
+            <a:r>
+              <a:rPr lang="it-IT" sz="1700" dirty="0" err="1">
+                <a:highlight>
+                  <a:srgbClr val="FFFF00"/>
+                </a:highlight>
+                <a:latin typeface="Futura"/>
+              </a:rPr>
+              <a:t>invariance</a:t>
+            </a:r>
+            <a:r>
+              <a:rPr lang="it-IT" sz="1700" dirty="0">
+                <a:highlight>
+                  <a:srgbClr val="FFFF00"/>
+                </a:highlight>
+                <a:latin typeface="Futura"/>
+              </a:rPr>
+              <a:t> wrt the </a:t>
+            </a:r>
+            <a:r>
+              <a:rPr lang="it-IT" sz="1700" dirty="0" err="1">
+                <a:highlight>
+                  <a:srgbClr val="FFFF00"/>
+                </a:highlight>
+                <a:latin typeface="Futura"/>
+              </a:rPr>
+              <a:t>SVs</a:t>
+            </a:r>
+            <a:r>
+              <a:rPr lang="it-IT" sz="1700" dirty="0">
+                <a:highlight>
+                  <a:srgbClr val="FFFF00"/>
+                </a:highlight>
+                <a:latin typeface="Futura"/>
+              </a:rPr>
+              <a:t> </a:t>
+            </a:r>
+          </a:p>
+          <a:p>
+            <a:pPr marL="285750" indent="-285750">
+              <a:buFont typeface="Arial" panose="020B0604020202020204" pitchFamily="34" charset="0"/>
+              <a:buChar char="•"/>
+            </a:pPr>
+            <a:r>
+              <a:rPr lang="it-IT" sz="1700" dirty="0">
+                <a:highlight>
+                  <a:srgbClr val="FFFF00"/>
+                </a:highlight>
+                <a:latin typeface="Futura"/>
+              </a:rPr>
+              <a:t>VSVM-SL: Self-learning </a:t>
+            </a:r>
+            <a:r>
+              <a:rPr lang="it-IT" sz="1700" dirty="0" err="1">
+                <a:highlight>
+                  <a:srgbClr val="FFFF00"/>
+                </a:highlight>
+                <a:latin typeface="Futura"/>
+              </a:rPr>
+              <a:t>strategy</a:t>
+            </a:r>
+            <a:r>
+              <a:rPr lang="it-IT" sz="1700" dirty="0">
+                <a:highlight>
+                  <a:srgbClr val="FFFF00"/>
+                </a:highlight>
+                <a:latin typeface="Futura"/>
+              </a:rPr>
+              <a:t> </a:t>
+            </a:r>
+          </a:p>
+          <a:p>
+            <a:pPr marL="742950" lvl="1" indent="-285750">
+              <a:buFont typeface="Arial" panose="020B0604020202020204" pitchFamily="34" charset="0"/>
+              <a:buChar char="•"/>
+            </a:pPr>
+            <a:r>
+              <a:rPr lang="it-IT" sz="1700" dirty="0">
+                <a:highlight>
+                  <a:srgbClr val="FFFF00"/>
+                </a:highlight>
+                <a:latin typeface="Futura"/>
+              </a:rPr>
+              <a:t> </a:t>
+            </a:r>
+            <a:r>
+              <a:rPr lang="en-GB" sz="1700" dirty="0">
+                <a:highlight>
+                  <a:srgbClr val="FFFF00"/>
+                </a:highlight>
+                <a:latin typeface="Futura"/>
+              </a:rPr>
+              <a:t>remove VSVs:</a:t>
+            </a:r>
+            <a:endParaRPr lang="it-IT" sz="1700" dirty="0">
+              <a:highlight>
+                <a:srgbClr val="FFFF00"/>
+              </a:highlight>
+              <a:latin typeface="Futura"/>
+            </a:endParaRPr>
+          </a:p>
+          <a:p>
+            <a:pPr marL="1200150" lvl="2" indent="-285750">
+              <a:buFont typeface="Arial" panose="020B0604020202020204" pitchFamily="34" charset="0"/>
+              <a:buChar char="•"/>
+            </a:pPr>
+            <a:r>
+              <a:rPr lang="en-GB" sz="1700" dirty="0">
+                <a:highlight>
+                  <a:srgbClr val="FFFF00"/>
+                </a:highlight>
+                <a:latin typeface="Futura"/>
+              </a:rPr>
+              <a:t>over a certain distance wrt the original SVs</a:t>
+            </a:r>
+          </a:p>
+          <a:p>
+            <a:pPr marL="1200150" lvl="2" indent="-285750">
+              <a:buFont typeface="Arial" panose="020B0604020202020204" pitchFamily="34" charset="0"/>
+              <a:buChar char="•"/>
+            </a:pPr>
+            <a:r>
+              <a:rPr lang="en-GB" sz="1700" dirty="0">
+                <a:highlight>
+                  <a:srgbClr val="FFFF00"/>
+                </a:highlight>
+                <a:latin typeface="Futura"/>
+              </a:rPr>
+              <a:t>outside radius threshold on margin distance</a:t>
+            </a:r>
+          </a:p>
+          <a:p>
+            <a:pPr marL="285750" indent="-285750">
+              <a:buFont typeface="Arial" panose="020B0604020202020204" pitchFamily="34" charset="0"/>
+              <a:buChar char="•"/>
+            </a:pPr>
+            <a:r>
+              <a:rPr lang="it-IT" sz="1700" dirty="0">
+                <a:highlight>
+                  <a:srgbClr val="FFFF00"/>
+                </a:highlight>
+                <a:latin typeface="Futura"/>
+              </a:rPr>
+              <a:t>SVM-SL-UNL</a:t>
+            </a:r>
+          </a:p>
+          <a:p>
+            <a:pPr marL="285750" indent="-285750">
+              <a:buFont typeface="Arial" panose="020B0604020202020204" pitchFamily="34" charset="0"/>
+              <a:buChar char="•"/>
+            </a:pPr>
+            <a:r>
+              <a:rPr lang="it-IT" sz="1700" dirty="0">
+                <a:highlight>
+                  <a:srgbClr val="FFFF00"/>
+                </a:highlight>
+                <a:latin typeface="Futura"/>
+              </a:rPr>
+              <a:t>VSVM-SL-UNL</a:t>
+            </a:r>
+          </a:p>
+          <a:p>
+            <a:pPr marL="285750" indent="-285750">
+              <a:buFont typeface="Arial" panose="020B0604020202020204" pitchFamily="34" charset="0"/>
+              <a:buChar char="•"/>
+            </a:pPr>
+            <a:r>
+              <a:rPr lang="it-IT" sz="1700" dirty="0">
+                <a:highlight>
+                  <a:srgbClr val="FFFF00"/>
+                </a:highlight>
+                <a:latin typeface="Futura"/>
+              </a:rPr>
+              <a:t>VSVM-SL-</a:t>
+            </a:r>
+            <a:r>
+              <a:rPr lang="it-IT" sz="1700" dirty="0" err="1">
+                <a:highlight>
+                  <a:srgbClr val="FFFF00"/>
+                </a:highlight>
+                <a:latin typeface="Futura"/>
+              </a:rPr>
+              <a:t>virtual</a:t>
+            </a:r>
+            <a:r>
+              <a:rPr lang="it-IT" sz="1700" dirty="0">
+                <a:highlight>
+                  <a:srgbClr val="FFFF00"/>
+                </a:highlight>
+                <a:latin typeface="Futura"/>
+              </a:rPr>
+              <a:t>-UNL</a:t>
+            </a:r>
+          </a:p>
+          <a:p>
+            <a:pPr marL="285750" indent="-285750">
+              <a:buFont typeface="Arial" panose="020B0604020202020204" pitchFamily="34" charset="0"/>
+              <a:buChar char="•"/>
+            </a:pPr>
+            <a:r>
+              <a:rPr lang="it-IT" sz="1700" dirty="0">
+                <a:highlight>
+                  <a:srgbClr val="FFFF00"/>
+                </a:highlight>
+                <a:latin typeface="Futura"/>
+              </a:rPr>
+              <a:t>VSVM-SL + Active Learning </a:t>
+            </a:r>
+            <a:r>
+              <a:rPr lang="it-IT" sz="1700" dirty="0" err="1">
+                <a:highlight>
+                  <a:srgbClr val="FFFF00"/>
+                </a:highlight>
+                <a:latin typeface="Futura"/>
+              </a:rPr>
+              <a:t>distance</a:t>
+            </a:r>
+            <a:r>
+              <a:rPr lang="it-IT" sz="1700" dirty="0">
+                <a:highlight>
+                  <a:srgbClr val="FFFF00"/>
+                </a:highlight>
+                <a:latin typeface="Futura"/>
+              </a:rPr>
+              <a:t> </a:t>
+            </a:r>
+            <a:r>
+              <a:rPr lang="it-IT" sz="1700" dirty="0" err="1">
+                <a:highlight>
+                  <a:srgbClr val="FFFF00"/>
+                </a:highlight>
+                <a:latin typeface="Futura"/>
+              </a:rPr>
+              <a:t>function</a:t>
+            </a:r>
+            <a:endParaRPr lang="en-GB" sz="1700" dirty="0">
+              <a:highlight>
+                <a:srgbClr val="FFFF00"/>
+              </a:highlight>
+              <a:latin typeface="Futura"/>
+            </a:endParaRPr>
+          </a:p>
         </p:txBody>
       </p:sp>
       <p:sp>
@@ -4669,7 +4450,7 @@
         <p:spPr>
           <a:xfrm>
             <a:off x="689811" y="938463"/>
-            <a:ext cx="3320415" cy="646331"/>
+            <a:ext cx="3320415" cy="615553"/>
           </a:xfrm>
           <a:prstGeom prst="rect">
             <a:avLst/>
@@ -4686,7 +4467,7 @@
               <a:buChar char="•"/>
             </a:pPr>
             <a:r>
-              <a:rPr lang="it-IT" dirty="0">
+              <a:rPr lang="it-IT" sz="1700" dirty="0">
                 <a:highlight>
                   <a:srgbClr val="FFFF00"/>
                 </a:highlight>
@@ -4701,18 +4482,27 @@
               <a:buChar char="•"/>
             </a:pPr>
             <a:r>
-              <a:rPr lang="it-IT" noProof="1">
+              <a:rPr lang="it-IT" sz="1700" noProof="1">
+                <a:highlight>
+                  <a:srgbClr val="FFFF00"/>
+                </a:highlight>
                 <a:latin typeface="Futura"/>
               </a:rPr>
               <a:t>Hadagera</a:t>
             </a:r>
             <a:r>
-              <a:rPr lang="it-IT" dirty="0">
+              <a:rPr lang="it-IT" sz="1700" dirty="0">
+                <a:highlight>
+                  <a:srgbClr val="FFFF00"/>
+                </a:highlight>
                 <a:latin typeface="Futura"/>
               </a:rPr>
               <a:t>, Kenya</a:t>
             </a:r>
-            <a:endParaRPr lang="en-GB" dirty="0">
+            <a:endParaRPr lang="en-GB" sz="1700" dirty="0">
+              <a:highlight>
+                <a:srgbClr val="FFFF00"/>
+              </a:highlight>
               <a:latin typeface="Futura"/>
             </a:endParaRPr>
           </a:p>
@@ -4733,7 +4523,7 @@
         <p:spPr>
           <a:xfrm>
             <a:off x="689812" y="1849620"/>
-            <a:ext cx="5209096" cy="646331"/>
+            <a:ext cx="5209096" cy="615553"/>
           </a:xfrm>
           <a:prstGeom prst="rect">
             <a:avLst/>
@@ -4750,7 +4540,7 @@
               <a:buChar char="•"/>
             </a:pPr>
             <a:r>
-              <a:rPr lang="it-IT" dirty="0" err="1">
+              <a:rPr lang="it-IT" sz="1700" dirty="0" err="1">
                 <a:highlight>
                   <a:srgbClr val="FFFF00"/>
                 </a:highlight>
@@ -4759,7 +4549,7 @@
               <a:t>Invariances</a:t>
             </a:r>
             <a:r>
-              <a:rPr lang="it-IT" dirty="0">
+              <a:rPr lang="it-IT" sz="1700" dirty="0">
                 <a:highlight>
                   <a:srgbClr val="FFFF00"/>
                 </a:highlight>
@@ -4768,7 +4558,7 @@
               <a:t> of </a:t>
             </a:r>
             <a:r>
-              <a:rPr lang="it-IT" dirty="0" err="1">
+              <a:rPr lang="it-IT" sz="1700" dirty="0" err="1">
                 <a:highlight>
                   <a:srgbClr val="FFFF00"/>
                 </a:highlight>
@@ -4777,30 +4567,45 @@
               <a:t>shape</a:t>
             </a:r>
             <a:r>
-              <a:rPr lang="it-IT" dirty="0">
+              <a:rPr lang="it-IT" sz="1700" dirty="0">
+                <a:highlight>
+                  <a:srgbClr val="FFFF00"/>
+                </a:highlight>
                 <a:latin typeface="Futura"/>
               </a:rPr>
               <a:t>: base </a:t>
             </a:r>
             <a:r>
-              <a:rPr lang="it-IT" dirty="0" err="1">
+              <a:rPr lang="it-IT" sz="1700" dirty="0" err="1">
+                <a:highlight>
+                  <a:srgbClr val="FFFF00"/>
+                </a:highlight>
                 <a:latin typeface="Futura"/>
               </a:rPr>
               <a:t>level</a:t>
             </a:r>
             <a:r>
-              <a:rPr lang="it-IT" dirty="0">
+              <a:rPr lang="it-IT" sz="1700" dirty="0">
+                <a:highlight>
+                  <a:srgbClr val="FFFF00"/>
+                </a:highlight>
                 <a:latin typeface="Futura"/>
               </a:rPr>
               <a:t> + 8 </a:t>
             </a:r>
             <a:r>
-              <a:rPr lang="it-IT" dirty="0" err="1">
+              <a:rPr lang="it-IT" sz="1700" dirty="0" err="1">
+                <a:highlight>
+                  <a:srgbClr val="FFFF00"/>
+                </a:highlight>
                 <a:latin typeface="Futura"/>
               </a:rPr>
               <a:t>level</a:t>
             </a:r>
-            <a:endParaRPr lang="it-IT" dirty="0">
+            <a:endParaRPr lang="it-IT" sz="1700" dirty="0">
+              <a:highlight>
+                <a:srgbClr val="FFFF00"/>
+              </a:highlight>
               <a:latin typeface="Futura"/>
             </a:endParaRPr>
           </a:p>
@@ -4810,7 +4615,7 @@
               <a:buChar char="•"/>
             </a:pPr>
             <a:r>
-              <a:rPr lang="it-IT" dirty="0" err="1">
+              <a:rPr lang="it-IT" sz="1700" dirty="0" err="1">
                 <a:highlight>
                   <a:srgbClr val="FFFF00"/>
                 </a:highlight>
@@ -4819,39 +4624,45 @@
               <a:t>Invariances</a:t>
             </a:r>
             <a:r>
-              <a:rPr lang="it-IT" dirty="0">
+              <a:rPr lang="it-IT" sz="1700" dirty="0">
                 <a:highlight>
                   <a:srgbClr val="FFFF00"/>
                 </a:highlight>
                 <a:latin typeface="Futura"/>
               </a:rPr>
-              <a:t> of scale</a:t>
-            </a:r>
-            <a:r>
-              <a:rPr lang="it-IT" dirty="0">
-                <a:latin typeface="Futura"/>
-              </a:rPr>
-              <a:t>: L4 base </a:t>
-            </a:r>
-            <a:r>
-              <a:rPr lang="it-IT" dirty="0" err="1">
+              <a:t> of scale: L4 base </a:t>
+            </a:r>
+            <a:r>
+              <a:rPr lang="it-IT" sz="1700" dirty="0" err="1">
+                <a:highlight>
+                  <a:srgbClr val="FFFF00"/>
+                </a:highlight>
                 <a:latin typeface="Futura"/>
               </a:rPr>
               <a:t>level</a:t>
             </a:r>
             <a:r>
-              <a:rPr lang="it-IT" dirty="0">
+              <a:rPr lang="it-IT" sz="1700" dirty="0">
+                <a:highlight>
+                  <a:srgbClr val="FFFF00"/>
+                </a:highlight>
                 <a:latin typeface="Futura"/>
               </a:rPr>
               <a:t> + 9 </a:t>
             </a:r>
             <a:r>
-              <a:rPr lang="it-IT" dirty="0" err="1">
+              <a:rPr lang="it-IT" sz="1700" dirty="0" err="1">
+                <a:highlight>
+                  <a:srgbClr val="FFFF00"/>
+                </a:highlight>
                 <a:latin typeface="Futura"/>
               </a:rPr>
               <a:t>level</a:t>
             </a:r>
-            <a:endParaRPr lang="it-IT" dirty="0">
+            <a:endParaRPr lang="it-IT" sz="1700" dirty="0">
+              <a:highlight>
+                <a:srgbClr val="FFFF00"/>
+              </a:highlight>
               <a:latin typeface="Futura"/>
             </a:endParaRPr>
           </a:p>
@@ -4871,8 +4682,8 @@
         </p:nvSpPr>
         <p:spPr>
           <a:xfrm>
-            <a:off x="689811" y="4953000"/>
-            <a:ext cx="2902912" cy="1200329"/>
+            <a:off x="689811" y="3813277"/>
+            <a:ext cx="2902912" cy="1154162"/>
           </a:xfrm>
           <a:prstGeom prst="rect">
             <a:avLst/>
@@ -4889,24 +4700,24 @@
               <a:buChar char="•"/>
             </a:pPr>
             <a:r>
-              <a:rPr lang="en-US" dirty="0">
+              <a:rPr lang="en-US" sz="1700" dirty="0">
                 <a:latin typeface="Futura"/>
               </a:rPr>
               <a:t>Unlabeled</a:t>
             </a:r>
             <a:r>
-              <a:rPr lang="it-IT" dirty="0">
+              <a:rPr lang="it-IT" sz="1700" dirty="0">
                 <a:latin typeface="Futura"/>
               </a:rPr>
               <a:t> </a:t>
             </a:r>
             <a:r>
-              <a:rPr lang="it-IT" dirty="0" err="1">
+              <a:rPr lang="it-IT" sz="1700" dirty="0" err="1">
                 <a:latin typeface="Futura"/>
               </a:rPr>
               <a:t>Sampling</a:t>
             </a:r>
-            <a:endParaRPr lang="it-IT" b="1" dirty="0">
+            <a:endParaRPr lang="it-IT" sz="1700" b="1" dirty="0">
               <a:latin typeface="Futura"/>
             </a:endParaRPr>
           </a:p>
@@ -4916,7 +4727,7 @@
               <a:buChar char="•"/>
             </a:pPr>
             <a:r>
-              <a:rPr lang="it-IT" dirty="0" err="1">
+              <a:rPr lang="it-IT" sz="1700" dirty="0" err="1">
                 <a:highlight>
                   <a:srgbClr val="FFFF00"/>
                 </a:highlight>
@@ -4924,7 +4735,7 @@
               </a:rPr>
               <a:t>Balanced</a:t>
             </a:r>
-            <a:endParaRPr lang="it-IT" dirty="0">
+            <a:endParaRPr lang="it-IT" sz="1700" dirty="0">
               <a:highlight>
                 <a:srgbClr val="FFFF00"/>
               </a:highlight>
@@ -4937,7 +4748,7 @@
               <a:buChar char="•"/>
             </a:pPr>
             <a:r>
-              <a:rPr lang="it-IT" dirty="0">
+              <a:rPr lang="it-IT" sz="1700" dirty="0">
                 <a:latin typeface="Futura"/>
               </a:rPr>
               <a:t>(Random)</a:t>
@@ -4968,7 +4779,7 @@
         <p:spPr>
           <a:xfrm>
             <a:off x="5898908" y="4953000"/>
-            <a:ext cx="4858742" cy="646331"/>
+            <a:ext cx="4858742" cy="615553"/>
           </a:xfrm>
           <a:prstGeom prst="rect">
             <a:avLst/>
@@ -4985,36 +4796,36 @@
               <a:buChar char="•"/>
             </a:pPr>
             <a:r>
-              <a:rPr lang="it-IT" dirty="0" err="1">
+              <a:rPr lang="it-IT" sz="1700" dirty="0" err="1">
                 <a:latin typeface="Futura"/>
               </a:rPr>
               <a:t>Execution</a:t>
             </a:r>
             <a:r>
-              <a:rPr lang="it-IT" dirty="0">
+              <a:rPr lang="it-IT" sz="1700" dirty="0">
                 <a:latin typeface="Futura"/>
               </a:rPr>
               <a:t> </a:t>
             </a:r>
             <a:r>
-              <a:rPr lang="it-IT" dirty="0" err="1">
+              <a:rPr lang="it-IT" sz="1700" dirty="0" err="1">
                 <a:latin typeface="Futura"/>
               </a:rPr>
               <a:t>order</a:t>
             </a:r>
             <a:r>
-              <a:rPr lang="it-IT" dirty="0">
+              <a:rPr lang="it-IT" sz="1700" dirty="0">
                 <a:latin typeface="Futura"/>
               </a:rPr>
               <a:t> of the import </a:t>
             </a:r>
             <a:r>
-              <a:rPr lang="it-IT" dirty="0" err="1">
+              <a:rPr lang="it-IT" sz="1700" dirty="0" err="1">
                 <a:latin typeface="Futura"/>
               </a:rPr>
               <a:t>section</a:t>
             </a:r>
-            <a:endParaRPr lang="it-IT" dirty="0">
+            <a:endParaRPr lang="it-IT" sz="1700" dirty="0">
               <a:latin typeface="Futura"/>
             </a:endParaRPr>
           </a:p>
@@ -5024,24 +4835,24 @@
               <a:buChar char="•"/>
             </a:pPr>
             <a:r>
-              <a:rPr lang="it-IT" dirty="0">
+              <a:rPr lang="it-IT" sz="1700" dirty="0">
                 <a:latin typeface="Futura"/>
               </a:rPr>
               <a:t>New Train set </a:t>
             </a:r>
             <a:r>
-              <a:rPr lang="it-IT" dirty="0" err="1">
+              <a:rPr lang="it-IT" sz="1700" dirty="0" err="1">
                 <a:latin typeface="Futura"/>
               </a:rPr>
               <a:t>after</a:t>
             </a:r>
             <a:r>
-              <a:rPr lang="it-IT" dirty="0">
+              <a:rPr lang="it-IT" sz="1700" dirty="0">
                 <a:latin typeface="Futura"/>
               </a:rPr>
               <a:t> VSVM</a:t>
             </a:r>
-            <a:endParaRPr lang="en-GB" dirty="0">
+            <a:endParaRPr lang="en-GB" sz="1700" dirty="0">
               <a:latin typeface="Futura"/>
             </a:endParaRPr>
           </a:p>
@@ -5125,12 +4936,50 @@
           </a:prstGeom>
         </p:spPr>
       </p:pic>
+      <p:sp>
+        <p:nvSpPr>
+          <p:cNvPr id="13" name="Rectangle 12">
+            <a:extLst>
+              <a:ext uri="{FF2B5EF4-FFF2-40B4-BE49-F238E27FC236}">
+                <a16:creationId xmlns:a16="http://schemas.microsoft.com/office/drawing/2014/main" id="{CE779C61-0B42-44B7-8A6F-2A140373D4F6}"/>
+              </a:ext>
+            </a:extLst>
+          </p:cNvPr>
+          <p:cNvSpPr/>
+          <p:nvPr/>
+        </p:nvSpPr>
+        <p:spPr>
+          <a:xfrm>
+            <a:off x="228600" y="6359452"/>
+            <a:ext cx="2063385" cy="338554"/>
+          </a:xfrm>
+          <a:prstGeom prst="rect">
+            <a:avLst/>
+          </a:prstGeom>
+        </p:spPr>
+        <p:txBody>
+          <a:bodyPr wrap="none">
+            <a:spAutoFit/>
+          </a:bodyPr>
+          <a:lstStyle/>
+          <a:p>
+            <a:r>
+              <a:rPr lang="it-IT" sz="1600" dirty="0">
+                <a:latin typeface="Futura"/>
+                <a:ea typeface="Microsoft Sans Serif" panose="020B0604020202020204" pitchFamily="34" charset="0"/>
+                <a:cs typeface="Microsoft Sans Serif" panose="020B0604020202020204" pitchFamily="34" charset="0"/>
+              </a:rPr>
+              <a:t>Lorenzo Carlassara</a:t>
+            </a:r>
+          </a:p>
+        </p:txBody>
+      </p:sp>
       <p:pic>
         <p:nvPicPr>
-          <p:cNvPr id="18" name="Picture 17">
+          <p:cNvPr id="20" name="Picture 19">
             <a:extLst>
               <a:ext uri="{FF2B5EF4-FFF2-40B4-BE49-F238E27FC236}">
-                <a16:creationId xmlns:a16="http://schemas.microsoft.com/office/drawing/2014/main" id="{DEB22726-C65C-4074-A2EA-2AB4ECBC8C3B}"/>
+                <a16:creationId xmlns:a16="http://schemas.microsoft.com/office/drawing/2014/main" id="{100278A8-F868-4120-A864-F506CD51461C}"/>
               </a:ext>
             </a:extLst>
           </p:cNvPr>
@@ -5139,8 +4988,43 @@
           </p:cNvPicPr>
           <p:nvPr/>
         </p:nvPicPr>
+        <p:blipFill rotWithShape="1">
+          <a:blip r:embed="rId4">
+            <a:extLst>
+              <a:ext uri="{28A0092B-C50C-407E-A947-70E740481C1C}">
+                <a14:useLocalDpi xmlns:a14="http://schemas.microsoft.com/office/drawing/2010/main" val="0"/>
+              </a:ext>
+            </a:extLst>
+          </a:blip>
+          <a:srcRect l="25190" r="25955" b="38216"/>
+          <a:stretch/>
+        </p:blipFill>
+        <p:spPr>
+          <a:xfrm>
+            <a:off x="10734080" y="6172326"/>
+            <a:ext cx="677505" cy="627889"/>
+          </a:xfrm>
+          <a:prstGeom prst="rect">
+            <a:avLst/>
+          </a:prstGeom>
+        </p:spPr>
+      </p:pic>
+      <p:pic>
+        <p:nvPicPr>
+          <p:cNvPr id="21" name="Picture 20">
+            <a:extLst>
+              <a:ext uri="{FF2B5EF4-FFF2-40B4-BE49-F238E27FC236}">
+                <a16:creationId xmlns:a16="http://schemas.microsoft.com/office/drawing/2014/main" id="{E8669315-FE9F-4B36-8884-1466D170BD34}"/>
+              </a:ext>
+            </a:extLst>
+          </p:cNvPr>
+          <p:cNvPicPr>
+            <a:picLocks noChangeAspect="1"/>
+          </p:cNvPicPr>
+          <p:nvPr/>
+        </p:nvPicPr>
         <p:blipFill>
-          <a:blip r:embed="rId4" cstate="print">
+          <a:blip r:embed="rId5" cstate="print">
             <a:extLst>
               <a:ext uri="{28A0092B-C50C-407E-A947-70E740481C1C}">
                 <a14:useLocalDpi xmlns:a14="http://schemas.microsoft.com/office/drawing/2010/main" val="0"/>
@@ -5155,41 +5039,6 @@
           <a:xfrm>
             <a:off x="11506200" y="6172200"/>
             <a:ext cx="628015" cy="628015"/>
-          </a:xfrm>
-          <a:prstGeom prst="rect">
-            <a:avLst/>
-          </a:prstGeom>
-        </p:spPr>
-      </p:pic>
-      <p:pic>
-        <p:nvPicPr>
-          <p:cNvPr id="19" name="Picture 18">
-            <a:extLst>
-              <a:ext uri="{FF2B5EF4-FFF2-40B4-BE49-F238E27FC236}">
-                <a16:creationId xmlns:a16="http://schemas.microsoft.com/office/drawing/2014/main" id="{1D1C79E0-8CC9-4C2D-9195-557ACE7EC855}"/>
-              </a:ext>
-            </a:extLst>
-          </p:cNvPr>
-          <p:cNvPicPr>
-            <a:picLocks noChangeAspect="1"/>
-          </p:cNvPicPr>
-          <p:nvPr/>
-        </p:nvPicPr>
-        <p:blipFill rotWithShape="1">
-          <a:blip r:embed="rId5">
-            <a:extLst>
-              <a:ext uri="{28A0092B-C50C-407E-A947-70E740481C1C}">
-                <a14:useLocalDpi xmlns:a14="http://schemas.microsoft.com/office/drawing/2010/main" val="0"/>
-              </a:ext>
-            </a:extLst>
-          </a:blip>
-          <a:srcRect l="25190" r="25955" b="38216"/>
-          <a:stretch/>
-        </p:blipFill>
-        <p:spPr>
-          <a:xfrm>
-            <a:off x="8295" y="6172200"/>
-            <a:ext cx="677505" cy="627889"/>
           </a:xfrm>
           <a:prstGeom prst="rect">
             <a:avLst/>
@@ -5241,7 +5090,7 @@
         <p:spPr>
           <a:xfrm>
             <a:off x="681187" y="5033758"/>
-            <a:ext cx="6096000" cy="1200329"/>
+            <a:ext cx="6096000" cy="1138773"/>
           </a:xfrm>
           <a:prstGeom prst="rect">
             <a:avLst/>
@@ -5258,25 +5107,25 @@
               <a:buChar char="•"/>
             </a:pPr>
             <a:r>
-              <a:rPr lang="it-IT" dirty="0" err="1">
+              <a:rPr lang="it-IT" sz="1700" dirty="0" err="1">
                 <a:latin typeface="Futura"/>
               </a:rPr>
               <a:t>Uncertainty</a:t>
             </a:r>
             <a:r>
-              <a:rPr lang="it-IT" dirty="0">
+              <a:rPr lang="it-IT" sz="1700" dirty="0">
                 <a:latin typeface="Futura"/>
               </a:rPr>
               <a:t> </a:t>
             </a:r>
             <a:r>
-              <a:rPr lang="it-IT" dirty="0" err="1">
+              <a:rPr lang="it-IT" sz="1700" dirty="0" err="1">
                 <a:latin typeface="Futura"/>
               </a:rPr>
               <a:t>function</a:t>
             </a:r>
             <a:r>
-              <a:rPr lang="it-IT" dirty="0">
+              <a:rPr lang="it-IT" sz="1700" dirty="0">
                 <a:latin typeface="Futura"/>
               </a:rPr>
               <a:t> </a:t>
@@ -5288,30 +5137,30 @@
               <a:buChar char="•"/>
             </a:pPr>
             <a:r>
-              <a:rPr lang="it-IT" dirty="0">
+              <a:rPr lang="it-IT" sz="1700" dirty="0">
                 <a:latin typeface="Futura"/>
               </a:rPr>
               <a:t>Single </a:t>
             </a:r>
             <a:r>
-              <a:rPr lang="it-IT" dirty="0" err="1">
+              <a:rPr lang="it-IT" sz="1700" dirty="0" err="1">
                 <a:latin typeface="Futura"/>
               </a:rPr>
               <a:t>level</a:t>
             </a:r>
             <a:r>
-              <a:rPr lang="it-IT" dirty="0">
+              <a:rPr lang="it-IT" sz="1700" dirty="0">
                 <a:latin typeface="Futura"/>
               </a:rPr>
               <a:t> VS multi </a:t>
             </a:r>
             <a:r>
-              <a:rPr lang="it-IT" dirty="0" err="1">
+              <a:rPr lang="it-IT" sz="1700" dirty="0" err="1">
                 <a:latin typeface="Futura"/>
               </a:rPr>
               <a:t>level</a:t>
             </a:r>
-            <a:endParaRPr lang="it-IT" dirty="0">
+            <a:endParaRPr lang="it-IT" sz="1700" dirty="0">
               <a:latin typeface="Futura"/>
             </a:endParaRPr>
           </a:p>
@@ -5321,25 +5170,25 @@
               <a:buChar char="•"/>
             </a:pPr>
             <a:r>
-              <a:rPr lang="it-IT" dirty="0" err="1">
+              <a:rPr lang="it-IT" sz="1700" dirty="0" err="1">
                 <a:latin typeface="Futura"/>
               </a:rPr>
               <a:t>Variable</a:t>
             </a:r>
             <a:r>
-              <a:rPr lang="it-IT" dirty="0">
+              <a:rPr lang="it-IT" sz="1700" dirty="0">
                 <a:latin typeface="Futura"/>
               </a:rPr>
               <a:t> </a:t>
             </a:r>
             <a:r>
-              <a:rPr lang="it-IT" dirty="0" err="1">
+              <a:rPr lang="it-IT" sz="1700" dirty="0" err="1">
                 <a:latin typeface="Futura"/>
               </a:rPr>
               <a:t>dependencies</a:t>
             </a:r>
             <a:r>
-              <a:rPr lang="it-IT" dirty="0">
+              <a:rPr lang="it-IT" sz="1700" dirty="0">
                 <a:latin typeface="Futura"/>
               </a:rPr>
               <a:t> inside the script</a:t>
@@ -5351,24 +5200,24 @@
               <a:buChar char="•"/>
             </a:pPr>
             <a:r>
-              <a:rPr lang="it-IT" dirty="0" err="1">
+              <a:rPr lang="it-IT" sz="1700" dirty="0" err="1">
                 <a:latin typeface="Futura"/>
               </a:rPr>
               <a:t>Sequence</a:t>
             </a:r>
             <a:r>
-              <a:rPr lang="it-IT" dirty="0">
+              <a:rPr lang="it-IT" sz="1700" dirty="0">
                 <a:latin typeface="Futura"/>
               </a:rPr>
               <a:t>/Order of SVM model </a:t>
             </a:r>
             <a:r>
-              <a:rPr lang="it-IT" dirty="0" err="1">
+              <a:rPr lang="it-IT" sz="1700" dirty="0" err="1">
                 <a:latin typeface="Futura"/>
               </a:rPr>
               <a:t>implementation</a:t>
             </a:r>
-            <a:endParaRPr lang="it-IT" dirty="0">
+            <a:endParaRPr lang="it-IT" sz="1700" dirty="0">
               <a:latin typeface="Futura"/>
             </a:endParaRPr>
           </a:p>
@@ -5389,7 +5238,7 @@
         <p:spPr>
           <a:xfrm>
             <a:off x="681187" y="1028006"/>
-            <a:ext cx="4389319" cy="1477328"/>
+            <a:ext cx="4389319" cy="1415772"/>
           </a:xfrm>
           <a:prstGeom prst="rect">
             <a:avLst/>
@@ -5407,18 +5256,18 @@
               <a:buChar char="•"/>
             </a:pPr>
             <a:r>
-              <a:rPr lang="it-IT" dirty="0">
+              <a:rPr lang="it-IT" sz="1700" dirty="0">
                 <a:latin typeface="Futura"/>
               </a:rPr>
               <a:t>Script </a:t>
             </a:r>
             <a:r>
-              <a:rPr lang="it-IT" dirty="0" err="1">
+              <a:rPr lang="it-IT" sz="1700" dirty="0" err="1">
                 <a:latin typeface="Futura"/>
               </a:rPr>
               <a:t>understanding</a:t>
             </a:r>
-            <a:endParaRPr lang="it-IT" dirty="0">
+            <a:endParaRPr lang="it-IT" sz="1700" dirty="0">
               <a:latin typeface="Futura"/>
             </a:endParaRPr>
           </a:p>
@@ -5428,24 +5277,24 @@
               <a:buChar char="•"/>
             </a:pPr>
             <a:r>
-              <a:rPr lang="it-IT" dirty="0" err="1">
+              <a:rPr lang="it-IT" sz="1700" dirty="0" err="1">
                 <a:latin typeface="Futura"/>
               </a:rPr>
               <a:t>Identify</a:t>
             </a:r>
             <a:r>
-              <a:rPr lang="it-IT" dirty="0">
+              <a:rPr lang="it-IT" sz="1700" dirty="0">
                 <a:latin typeface="Futura"/>
               </a:rPr>
               <a:t> </a:t>
             </a:r>
             <a:r>
-              <a:rPr lang="it-IT" dirty="0" err="1">
+              <a:rPr lang="it-IT" sz="1700" dirty="0" err="1">
                 <a:latin typeface="Futura"/>
               </a:rPr>
               <a:t>structure</a:t>
             </a:r>
-            <a:endParaRPr lang="it-IT" dirty="0">
+            <a:endParaRPr lang="it-IT" sz="1700" dirty="0">
               <a:latin typeface="Futura"/>
             </a:endParaRPr>
           </a:p>
@@ -5455,36 +5304,36 @@
               <a:buChar char="•"/>
             </a:pPr>
             <a:r>
-              <a:rPr lang="it-IT" dirty="0" err="1">
+              <a:rPr lang="it-IT" sz="1700" dirty="0" err="1">
                 <a:latin typeface="Futura"/>
               </a:rPr>
               <a:t>Find</a:t>
             </a:r>
             <a:r>
-              <a:rPr lang="it-IT" dirty="0">
+              <a:rPr lang="it-IT" sz="1700" dirty="0">
                 <a:latin typeface="Futura"/>
               </a:rPr>
               <a:t> the </a:t>
             </a:r>
             <a:r>
-              <a:rPr lang="it-IT" dirty="0" err="1">
+              <a:rPr lang="it-IT" sz="1700" dirty="0" err="1">
                 <a:latin typeface="Futura"/>
               </a:rPr>
               <a:t>sections</a:t>
             </a:r>
             <a:r>
-              <a:rPr lang="it-IT" dirty="0">
+              <a:rPr lang="it-IT" sz="1700" dirty="0">
                 <a:latin typeface="Futura"/>
               </a:rPr>
               <a:t> to </a:t>
             </a:r>
             <a:r>
-              <a:rPr lang="it-IT" dirty="0" err="1">
+              <a:rPr lang="it-IT" sz="1700" dirty="0" err="1">
                 <a:latin typeface="Futura"/>
               </a:rPr>
               <a:t>extend</a:t>
             </a:r>
-            <a:endParaRPr lang="it-IT" dirty="0">
+            <a:endParaRPr lang="it-IT" sz="1700" dirty="0">
               <a:latin typeface="Futura"/>
             </a:endParaRPr>
           </a:p>
@@ -5494,18 +5343,18 @@
               <a:buChar char="•"/>
             </a:pPr>
             <a:r>
-              <a:rPr lang="it-IT" dirty="0">
+              <a:rPr lang="it-IT" sz="1700" dirty="0">
                 <a:latin typeface="Futura"/>
               </a:rPr>
               <a:t>R </a:t>
             </a:r>
             <a:r>
-              <a:rPr lang="it-IT" dirty="0" err="1">
+              <a:rPr lang="it-IT" sz="1700" dirty="0" err="1">
                 <a:latin typeface="Futura"/>
               </a:rPr>
               <a:t>documentation</a:t>
             </a:r>
-            <a:endParaRPr lang="it-IT" dirty="0">
+            <a:endParaRPr lang="it-IT" sz="1700" dirty="0">
               <a:latin typeface="Futura"/>
             </a:endParaRPr>
           </a:p>
@@ -5530,7 +5379,7 @@
         <p:spPr>
           <a:xfrm>
             <a:off x="706641" y="2876553"/>
-            <a:ext cx="3865081" cy="923330"/>
+            <a:ext cx="3865081" cy="877163"/>
           </a:xfrm>
           <a:prstGeom prst="rect">
             <a:avLst/>
@@ -5547,13 +5396,13 @@
               <a:buChar char="•"/>
             </a:pPr>
             <a:r>
-              <a:rPr lang="it-IT" dirty="0">
+              <a:rPr lang="it-IT" sz="1700" dirty="0">
                 <a:latin typeface="Futura"/>
               </a:rPr>
               <a:t>Script </a:t>
             </a:r>
             <a:r>
-              <a:rPr lang="en-US" dirty="0">
+              <a:rPr lang="en-US" sz="1700" dirty="0">
                 <a:latin typeface="Futura"/>
               </a:rPr>
               <a:t>customization</a:t>
@@ -5565,24 +5414,24 @@
               <a:buChar char="•"/>
             </a:pPr>
             <a:r>
-              <a:rPr lang="it-IT" dirty="0" err="1">
+              <a:rPr lang="it-IT" sz="1700" dirty="0" err="1">
                 <a:latin typeface="Futura"/>
               </a:rPr>
               <a:t>Improve</a:t>
             </a:r>
             <a:r>
-              <a:rPr lang="it-IT" dirty="0">
+              <a:rPr lang="it-IT" sz="1700" dirty="0">
                 <a:latin typeface="Futura"/>
               </a:rPr>
               <a:t> code  </a:t>
             </a:r>
             <a:r>
-              <a:rPr lang="it-IT" dirty="0" err="1">
+              <a:rPr lang="it-IT" sz="1700" dirty="0" err="1">
                 <a:latin typeface="Futura"/>
               </a:rPr>
               <a:t>readability</a:t>
             </a:r>
-            <a:endParaRPr lang="it-IT" dirty="0">
+            <a:endParaRPr lang="it-IT" sz="1700" dirty="0">
               <a:latin typeface="Futura"/>
             </a:endParaRPr>
           </a:p>
@@ -5592,13 +5441,13 @@
               <a:buChar char="•"/>
             </a:pPr>
             <a:r>
-              <a:rPr lang="it-IT" dirty="0" err="1">
+              <a:rPr lang="it-IT" sz="1700" dirty="0" err="1">
                 <a:latin typeface="Futura"/>
               </a:rPr>
               <a:t>Optimize</a:t>
             </a:r>
             <a:r>
-              <a:rPr lang="it-IT" dirty="0">
+              <a:rPr lang="it-IT" sz="1700" dirty="0">
                 <a:latin typeface="Futura"/>
               </a:rPr>
               <a:t> performance</a:t>
@@ -5695,7 +5544,7 @@
         <p:spPr>
           <a:xfrm>
             <a:off x="5403344" y="152400"/>
-            <a:ext cx="1593385" cy="369332"/>
+            <a:ext cx="1519968" cy="353943"/>
           </a:xfrm>
           <a:prstGeom prst="rect">
             <a:avLst/>
@@ -5708,44 +5557,23 @@
           <a:lstStyle/>
           <a:p>
             <a:r>
-              <a:rPr lang="it-IT" dirty="0">
+              <a:rPr lang="it-IT" sz="1700" dirty="0">
                 <a:ln w="0"/>
-                <a:effectLst>
-                  <a:outerShdw blurRad="38100" dist="19050" dir="2700000" algn="tl" rotWithShape="0">
-                    <a:schemeClr val="dk1">
-                      <a:alpha val="40000"/>
-                    </a:schemeClr>
-                  </a:outerShdw>
-                </a:effectLst>
                 <a:latin typeface="Futura"/>
                 <a:cs typeface="Microsoft Sans Serif"/>
               </a:rPr>
               <a:t>Script </a:t>
             </a:r>
             <a:r>
-              <a:rPr lang="it-IT" dirty="0" err="1">
+              <a:rPr lang="it-IT" sz="1700" dirty="0" err="1">
                 <a:ln w="0"/>
-                <a:effectLst>
-                  <a:outerShdw blurRad="38100" dist="19050" dir="2700000" algn="tl" rotWithShape="0">
-                    <a:schemeClr val="dk1">
-                      <a:alpha val="40000"/>
-                    </a:schemeClr>
-                  </a:outerShdw>
-                </a:effectLst>
                 <a:latin typeface="Futura"/>
                 <a:cs typeface="Microsoft Sans Serif"/>
               </a:rPr>
               <a:t>review</a:t>
             </a:r>
-            <a:endParaRPr lang="it-IT" dirty="0">
+            <a:endParaRPr lang="it-IT" sz="1700" dirty="0">
               <a:ln w="0"/>
-              <a:effectLst>
-                <a:outerShdw blurRad="38100" dist="19050" dir="2700000" algn="tl" rotWithShape="0">
-                  <a:schemeClr val="dk1">
-                    <a:alpha val="40000"/>
-                  </a:schemeClr>
-                </a:outerShdw>
-              </a:effectLst>
               <a:latin typeface="Futura"/>
               <a:cs typeface="Microsoft Sans Serif"/>
             </a:endParaRPr>
@@ -5819,7 +5647,7 @@
         <p:spPr>
           <a:xfrm>
             <a:off x="7358421" y="1140922"/>
-            <a:ext cx="2103461" cy="369332"/>
+            <a:ext cx="1996059" cy="353943"/>
           </a:xfrm>
           <a:prstGeom prst="rect">
             <a:avLst/>
@@ -5832,12 +5660,12 @@
           <a:lstStyle/>
           <a:p>
             <a:r>
-              <a:rPr lang="en-GB" dirty="0" err="1">
+              <a:rPr lang="en-GB" sz="1700" dirty="0" err="1">
                 <a:latin typeface="Futura"/>
               </a:rPr>
               <a:t>generalDataPool</a:t>
             </a:r>
-            <a:endParaRPr lang="en-GB" dirty="0">
+            <a:endParaRPr lang="en-GB" sz="1700" dirty="0">
               <a:latin typeface="Futura"/>
             </a:endParaRPr>
           </a:p>
@@ -5858,7 +5686,7 @@
         <p:spPr>
           <a:xfrm>
             <a:off x="6814427" y="1755499"/>
-            <a:ext cx="736099" cy="369332"/>
+            <a:ext cx="705642" cy="353943"/>
           </a:xfrm>
           <a:prstGeom prst="rect">
             <a:avLst/>
@@ -5871,7 +5699,7 @@
           <a:lstStyle/>
           <a:p>
             <a:r>
-              <a:rPr lang="en-GB" dirty="0">
+              <a:rPr lang="en-GB" sz="1700" dirty="0">
                 <a:latin typeface="Futura"/>
               </a:rPr>
               <a:t>data</a:t>
@@ -5894,7 +5722,7 @@
         <p:spPr>
           <a:xfrm>
             <a:off x="7771098" y="1755499"/>
-            <a:ext cx="3118161" cy="369332"/>
+            <a:ext cx="2951449" cy="353943"/>
           </a:xfrm>
           <a:prstGeom prst="rect">
             <a:avLst/>
@@ -5907,12 +5735,12 @@
           <a:lstStyle/>
           <a:p>
             <a:r>
-              <a:rPr lang="en-GB" dirty="0" err="1">
+              <a:rPr lang="en-GB" sz="1700" dirty="0" err="1">
                 <a:latin typeface="Futura"/>
               </a:rPr>
               <a:t>normalizedDataPoolAllLev</a:t>
             </a:r>
-            <a:endParaRPr lang="en-GB" dirty="0">
+            <a:endParaRPr lang="en-GB" sz="1700" dirty="0">
               <a:latin typeface="Futura"/>
             </a:endParaRPr>
           </a:p>
@@ -5933,7 +5761,7 @@
         <p:spPr>
           <a:xfrm>
             <a:off x="7771098" y="2170542"/>
-            <a:ext cx="2085827" cy="369332"/>
+            <a:ext cx="1980029" cy="353943"/>
           </a:xfrm>
           <a:prstGeom prst="rect">
             <a:avLst/>
@@ -5946,7 +5774,7 @@
           <a:lstStyle/>
           <a:p>
             <a:r>
-              <a:rPr lang="en-GB" dirty="0" err="1">
+              <a:rPr lang="en-GB" sz="1700" dirty="0" err="1">
                 <a:solidFill>
                   <a:srgbClr val="FF0000"/>
                 </a:solidFill>
@@ -5954,7 +5782,7 @@
               </a:rPr>
               <a:t>normalized_data</a:t>
             </a:r>
-            <a:endParaRPr lang="en-GB" dirty="0">
+            <a:endParaRPr lang="en-GB" sz="1700" dirty="0">
               <a:solidFill>
                 <a:srgbClr val="FF0000"/>
               </a:solidFill>
@@ -5978,7 +5806,7 @@
         <p:spPr>
           <a:xfrm>
             <a:off x="5187995" y="3001361"/>
-            <a:ext cx="2375971" cy="369332"/>
+            <a:ext cx="2250937" cy="353943"/>
           </a:xfrm>
           <a:prstGeom prst="rect">
             <a:avLst/>
@@ -5991,12 +5819,12 @@
           <a:lstStyle/>
           <a:p>
             <a:r>
-              <a:rPr lang="en-GB" dirty="0" err="1">
+              <a:rPr lang="en-GB" sz="1700" dirty="0" err="1">
                 <a:latin typeface="Futura"/>
               </a:rPr>
               <a:t>trainDataPoolAllLev</a:t>
             </a:r>
-            <a:endParaRPr lang="en-GB" dirty="0">
+            <a:endParaRPr lang="en-GB" sz="1700" dirty="0">
               <a:latin typeface="Futura"/>
             </a:endParaRPr>
           </a:p>
@@ -6017,7 +5845,7 @@
         <p:spPr>
           <a:xfrm>
             <a:off x="5183493" y="3539628"/>
-            <a:ext cx="1797287" cy="369332"/>
+            <a:ext cx="1702710" cy="353943"/>
           </a:xfrm>
           <a:prstGeom prst="rect">
             <a:avLst/>
@@ -6030,12 +5858,12 @@
           <a:lstStyle/>
           <a:p>
             <a:r>
-              <a:rPr lang="en-GB" dirty="0" err="1">
+              <a:rPr lang="en-GB" sz="1700" dirty="0" err="1">
                 <a:latin typeface="Futura"/>
               </a:rPr>
               <a:t>testDataAllLev</a:t>
             </a:r>
-            <a:endParaRPr lang="en-GB" dirty="0">
+            <a:endParaRPr lang="en-GB" sz="1700" dirty="0">
               <a:latin typeface="Futura"/>
             </a:endParaRPr>
           </a:p>
@@ -6056,7 +5884,7 @@
         <p:spPr>
           <a:xfrm>
             <a:off x="5151041" y="4077895"/>
-            <a:ext cx="2323072" cy="369332"/>
+            <a:ext cx="2198038" cy="353943"/>
           </a:xfrm>
           <a:prstGeom prst="rect">
             <a:avLst/>
@@ -6069,12 +5897,12 @@
           <a:lstStyle/>
           <a:p>
             <a:r>
-              <a:rPr lang="en-GB" dirty="0" err="1">
+              <a:rPr lang="en-GB" sz="1700" dirty="0" err="1">
                 <a:latin typeface="Futura"/>
               </a:rPr>
               <a:t>validateDataAllLev</a:t>
             </a:r>
-            <a:endParaRPr lang="en-GB" dirty="0">
+            <a:endParaRPr lang="en-GB" sz="1700" dirty="0">
               <a:latin typeface="Futura"/>
             </a:endParaRPr>
           </a:p>
@@ -6446,7 +6274,7 @@
         <p:spPr>
           <a:xfrm>
             <a:off x="9479184" y="2825835"/>
-            <a:ext cx="1797287" cy="369332"/>
+            <a:ext cx="1707519" cy="353943"/>
           </a:xfrm>
           <a:prstGeom prst="rect">
             <a:avLst/>
@@ -6459,13 +6287,13 @@
           <a:lstStyle/>
           <a:p>
             <a:r>
-              <a:rPr lang="en-GB" dirty="0" err="1">
+              <a:rPr lang="en-GB" sz="1700" dirty="0" err="1">
                 <a:latin typeface="Futura"/>
               </a:rPr>
               <a:t>trainFeat</a:t>
             </a:r>
             <a:r>
-              <a:rPr lang="en-GB" dirty="0">
+              <a:rPr lang="en-GB" sz="1700" dirty="0">
                 <a:latin typeface="Futura"/>
               </a:rPr>
               <a:t> (sub)</a:t>
@@ -6488,7 +6316,7 @@
         <p:spPr>
           <a:xfrm>
             <a:off x="9479184" y="3118286"/>
-            <a:ext cx="1385316" cy="369332"/>
+            <a:ext cx="1317990" cy="353943"/>
           </a:xfrm>
           <a:prstGeom prst="rect">
             <a:avLst/>
@@ -6501,12 +6329,12 @@
           <a:lstStyle/>
           <a:p>
             <a:r>
-              <a:rPr lang="en-GB" dirty="0" err="1">
+              <a:rPr lang="en-GB" sz="1700" dirty="0" err="1">
                 <a:latin typeface="Futura"/>
               </a:rPr>
               <a:t>trainLabels</a:t>
             </a:r>
-            <a:endParaRPr lang="en-GB" dirty="0">
+            <a:endParaRPr lang="en-GB" sz="1700" dirty="0">
               <a:latin typeface="Futura"/>
             </a:endParaRPr>
           </a:p>
@@ -6527,7 +6355,7 @@
         <p:spPr>
           <a:xfrm>
             <a:off x="9460131" y="3715552"/>
-            <a:ext cx="1290738" cy="369332"/>
+            <a:ext cx="1226618" cy="353943"/>
           </a:xfrm>
           <a:prstGeom prst="rect">
             <a:avLst/>
@@ -6540,12 +6368,12 @@
           <a:lstStyle/>
           <a:p>
             <a:r>
-              <a:rPr lang="en-GB" dirty="0" err="1">
+              <a:rPr lang="en-GB" sz="1700" dirty="0" err="1">
                 <a:latin typeface="Futura"/>
               </a:rPr>
               <a:t>testLabels</a:t>
             </a:r>
-            <a:endParaRPr lang="en-GB" dirty="0">
+            <a:endParaRPr lang="en-GB" sz="1700" dirty="0">
               <a:latin typeface="Futura"/>
             </a:endParaRPr>
           </a:p>
@@ -6566,7 +6394,7 @@
         <p:spPr>
           <a:xfrm>
             <a:off x="9460131" y="3406228"/>
-            <a:ext cx="1468672" cy="369332"/>
+            <a:ext cx="1394934" cy="353943"/>
           </a:xfrm>
           <a:prstGeom prst="rect">
             <a:avLst/>
@@ -6579,12 +6407,12 @@
           <a:lstStyle/>
           <a:p>
             <a:r>
-              <a:rPr lang="en-GB" dirty="0" err="1">
+              <a:rPr lang="en-GB" sz="1700" dirty="0" err="1">
                 <a:latin typeface="Futura"/>
               </a:rPr>
               <a:t>testFeatsub</a:t>
             </a:r>
-            <a:endParaRPr lang="en-GB" dirty="0">
+            <a:endParaRPr lang="en-GB" sz="1700" dirty="0">
               <a:latin typeface="Futura"/>
             </a:endParaRPr>
           </a:p>
@@ -6605,7 +6433,7 @@
         <p:spPr>
           <a:xfrm>
             <a:off x="9444828" y="4304428"/>
-            <a:ext cx="1816523" cy="369332"/>
+            <a:ext cx="1721946" cy="353943"/>
           </a:xfrm>
           <a:prstGeom prst="rect">
             <a:avLst/>
@@ -6618,12 +6446,12 @@
           <a:lstStyle/>
           <a:p>
             <a:r>
-              <a:rPr lang="en-GB" dirty="0" err="1">
+              <a:rPr lang="en-GB" sz="1700" dirty="0" err="1">
                 <a:latin typeface="Futura"/>
               </a:rPr>
               <a:t>validateLabels</a:t>
             </a:r>
-            <a:endParaRPr lang="en-GB" dirty="0">
+            <a:endParaRPr lang="en-GB" sz="1700" dirty="0">
               <a:latin typeface="Futura"/>
             </a:endParaRPr>
           </a:p>
@@ -6644,7 +6472,7 @@
         <p:spPr>
           <a:xfrm>
             <a:off x="9460131" y="4020610"/>
-            <a:ext cx="1994457" cy="369332"/>
+            <a:ext cx="1890261" cy="353943"/>
           </a:xfrm>
           <a:prstGeom prst="rect">
             <a:avLst/>
@@ -6657,12 +6485,12 @@
           <a:lstStyle/>
           <a:p>
             <a:r>
-              <a:rPr lang="en-GB" dirty="0" err="1">
+              <a:rPr lang="en-GB" sz="1700" dirty="0" err="1">
                 <a:latin typeface="Futura"/>
               </a:rPr>
               <a:t>validateFeatsub</a:t>
             </a:r>
-            <a:endParaRPr lang="en-GB" dirty="0">
+            <a:endParaRPr lang="en-GB" sz="1700" dirty="0">
               <a:latin typeface="Futura"/>
             </a:endParaRPr>
           </a:p>
@@ -6683,7 +6511,7 @@
         <p:spPr>
           <a:xfrm>
             <a:off x="7603221" y="2970321"/>
-            <a:ext cx="1638590" cy="369332"/>
+            <a:ext cx="1560042" cy="353943"/>
           </a:xfrm>
           <a:prstGeom prst="rect">
             <a:avLst/>
@@ -6696,23 +6524,61 @@
           <a:lstStyle/>
           <a:p>
             <a:r>
-              <a:rPr lang="en-GB" dirty="0" err="1">
+              <a:rPr lang="en-GB" sz="1700" dirty="0" err="1">
                 <a:latin typeface="Futura"/>
               </a:rPr>
               <a:t>trainDataCur</a:t>
             </a:r>
-            <a:endParaRPr lang="en-GB" dirty="0">
+            <a:endParaRPr lang="en-GB" sz="1700" dirty="0">
               <a:latin typeface="Futura"/>
             </a:endParaRPr>
+          </a:p>
+        </p:txBody>
+      </p:sp>
+      <p:sp>
+        <p:nvSpPr>
+          <p:cNvPr id="53" name="Rectangle 52">
+            <a:extLst>
+              <a:ext uri="{FF2B5EF4-FFF2-40B4-BE49-F238E27FC236}">
+                <a16:creationId xmlns:a16="http://schemas.microsoft.com/office/drawing/2014/main" id="{33982F88-D912-4B22-8853-3645E34475A4}"/>
+              </a:ext>
+            </a:extLst>
+          </p:cNvPr>
+          <p:cNvSpPr/>
+          <p:nvPr/>
+        </p:nvSpPr>
+        <p:spPr>
+          <a:xfrm>
+            <a:off x="228600" y="6359452"/>
+            <a:ext cx="2063385" cy="338554"/>
+          </a:xfrm>
+          <a:prstGeom prst="rect">
+            <a:avLst/>
+          </a:prstGeom>
+        </p:spPr>
+        <p:txBody>
+          <a:bodyPr wrap="none">
+            <a:spAutoFit/>
+          </a:bodyPr>
+          <a:lstStyle/>
+          <a:p>
+            <a:r>
+              <a:rPr lang="it-IT" sz="1600" dirty="0">
+                <a:latin typeface="Futura"/>
+                <a:ea typeface="Microsoft Sans Serif" panose="020B0604020202020204" pitchFamily="34" charset="0"/>
+                <a:cs typeface="Microsoft Sans Serif" panose="020B0604020202020204" pitchFamily="34" charset="0"/>
+              </a:rPr>
+              <a:t>Lorenzo Carlassara</a:t>
+            </a:r>
           </a:p>
         </p:txBody>
       </p:sp>
       <p:pic>
         <p:nvPicPr>
-          <p:cNvPr id="36" name="Picture 35">
+          <p:cNvPr id="54" name="Picture 53">
             <a:extLst>
               <a:ext uri="{FF2B5EF4-FFF2-40B4-BE49-F238E27FC236}">
-                <a16:creationId xmlns:a16="http://schemas.microsoft.com/office/drawing/2014/main" id="{81851F73-653E-407D-9AB9-3EEA79243ECC}"/>
+                <a16:creationId xmlns:a16="http://schemas.microsoft.com/office/drawing/2014/main" id="{317F43A1-DDCB-4A3A-A584-62DEF7F10D04}"/>
               </a:ext>
             </a:extLst>
           </p:cNvPr>
@@ -6721,8 +6587,43 @@
           </p:cNvPicPr>
           <p:nvPr/>
         </p:nvPicPr>
+        <p:blipFill rotWithShape="1">
+          <a:blip r:embed="rId5">
+            <a:extLst>
+              <a:ext uri="{28A0092B-C50C-407E-A947-70E740481C1C}">
+                <a14:useLocalDpi xmlns:a14="http://schemas.microsoft.com/office/drawing/2010/main" val="0"/>
+              </a:ext>
+            </a:extLst>
+          </a:blip>
+          <a:srcRect l="25190" r="25955" b="38216"/>
+          <a:stretch/>
+        </p:blipFill>
+        <p:spPr>
+          <a:xfrm>
+            <a:off x="10734080" y="6172326"/>
+            <a:ext cx="677505" cy="627889"/>
+          </a:xfrm>
+          <a:prstGeom prst="rect">
+            <a:avLst/>
+          </a:prstGeom>
+        </p:spPr>
+      </p:pic>
+      <p:pic>
+        <p:nvPicPr>
+          <p:cNvPr id="55" name="Picture 54">
+            <a:extLst>
+              <a:ext uri="{FF2B5EF4-FFF2-40B4-BE49-F238E27FC236}">
+                <a16:creationId xmlns:a16="http://schemas.microsoft.com/office/drawing/2014/main" id="{291AF232-DD72-49E1-A7EB-36C8BD9B1995}"/>
+              </a:ext>
+            </a:extLst>
+          </p:cNvPr>
+          <p:cNvPicPr>
+            <a:picLocks noChangeAspect="1"/>
+          </p:cNvPicPr>
+          <p:nvPr/>
+        </p:nvPicPr>
         <p:blipFill>
-          <a:blip r:embed="rId5" cstate="print">
+          <a:blip r:embed="rId6" cstate="print">
             <a:extLst>
               <a:ext uri="{28A0092B-C50C-407E-A947-70E740481C1C}">
                 <a14:useLocalDpi xmlns:a14="http://schemas.microsoft.com/office/drawing/2010/main" val="0"/>
@@ -6737,41 +6638,6 @@
           <a:xfrm>
             <a:off x="11506200" y="6172200"/>
             <a:ext cx="628015" cy="628015"/>
-          </a:xfrm>
-          <a:prstGeom prst="rect">
-            <a:avLst/>
-          </a:prstGeom>
-        </p:spPr>
-      </p:pic>
-      <p:pic>
-        <p:nvPicPr>
-          <p:cNvPr id="37" name="Picture 36">
-            <a:extLst>
-              <a:ext uri="{FF2B5EF4-FFF2-40B4-BE49-F238E27FC236}">
-                <a16:creationId xmlns:a16="http://schemas.microsoft.com/office/drawing/2014/main" id="{88D70786-D7D7-4C64-9AB1-B3B50794CFDB}"/>
-              </a:ext>
-            </a:extLst>
-          </p:cNvPr>
-          <p:cNvPicPr>
-            <a:picLocks noChangeAspect="1"/>
-          </p:cNvPicPr>
-          <p:nvPr/>
-        </p:nvPicPr>
-        <p:blipFill rotWithShape="1">
-          <a:blip r:embed="rId6">
-            <a:extLst>
-              <a:ext uri="{28A0092B-C50C-407E-A947-70E740481C1C}">
-                <a14:useLocalDpi xmlns:a14="http://schemas.microsoft.com/office/drawing/2010/main" val="0"/>
-              </a:ext>
-            </a:extLst>
-          </a:blip>
-          <a:srcRect l="25190" r="25955" b="38216"/>
-          <a:stretch/>
-        </p:blipFill>
-        <p:spPr>
-          <a:xfrm>
-            <a:off x="8295" y="6172200"/>
-            <a:ext cx="677505" cy="627889"/>
           </a:xfrm>
           <a:prstGeom prst="rect">
             <a:avLst/>
@@ -6823,7 +6689,7 @@
         <p:spPr>
           <a:xfrm>
             <a:off x="914400" y="1066800"/>
-            <a:ext cx="8063426" cy="3970318"/>
+            <a:ext cx="7643439" cy="3754874"/>
           </a:xfrm>
           <a:prstGeom prst="rect">
             <a:avLst/>
@@ -6841,60 +6707,54 @@
               <a:buChar char="•"/>
             </a:pPr>
             <a:r>
-              <a:rPr lang="it-IT" dirty="0" err="1">
-                <a:latin typeface="Futura"/>
-              </a:rPr>
-              <a:t>Multiplecores</a:t>
-            </a:r>
-            <a:r>
-              <a:rPr lang="it-IT" dirty="0">
-                <a:latin typeface="Futura"/>
-              </a:rPr>
-              <a:t> for </a:t>
-            </a:r>
-            <a:r>
-              <a:rPr lang="it-IT" dirty="0" err="1">
+              <a:rPr lang="it-IT" sz="1700" dirty="0">
+                <a:latin typeface="Futura"/>
+              </a:rPr>
+              <a:t>Multiplecores for </a:t>
+            </a:r>
+            <a:r>
+              <a:rPr lang="it-IT" sz="1700" dirty="0" err="1">
                 <a:latin typeface="Futura"/>
               </a:rPr>
               <a:t>parallel</a:t>
             </a:r>
             <a:r>
-              <a:rPr lang="it-IT" dirty="0">
+              <a:rPr lang="it-IT" sz="1700" dirty="0">
                 <a:latin typeface="Futura"/>
               </a:rPr>
               <a:t> computing -&gt; </a:t>
             </a:r>
             <a:r>
-              <a:rPr lang="it-IT" i="1" dirty="0" err="1">
+              <a:rPr lang="it-IT" sz="1700" i="1" dirty="0" err="1">
                 <a:latin typeface="Futura"/>
               </a:rPr>
               <a:t>foreach</a:t>
             </a:r>
             <a:r>
-              <a:rPr lang="it-IT" dirty="0">
+              <a:rPr lang="it-IT" sz="1700" dirty="0">
                 <a:latin typeface="Futura"/>
               </a:rPr>
               <a:t> &amp; </a:t>
             </a:r>
             <a:r>
-              <a:rPr lang="it-IT" i="1" dirty="0" err="1">
+              <a:rPr lang="it-IT" sz="1700" i="1" dirty="0" err="1">
                 <a:latin typeface="Futura"/>
               </a:rPr>
               <a:t>doParallel</a:t>
             </a:r>
             <a:r>
-              <a:rPr lang="it-IT" dirty="0">
+              <a:rPr lang="it-IT" sz="1700" dirty="0">
                 <a:latin typeface="Futura"/>
               </a:rPr>
               <a:t> </a:t>
             </a:r>
             <a:r>
-              <a:rPr lang="it-IT" dirty="0" err="1">
+              <a:rPr lang="it-IT" sz="1700" dirty="0" err="1">
                 <a:latin typeface="Futura"/>
               </a:rPr>
               <a:t>libraries</a:t>
             </a:r>
-            <a:endParaRPr lang="it-IT" dirty="0">
+            <a:endParaRPr lang="it-IT" sz="1700" dirty="0">
               <a:latin typeface="Futura"/>
             </a:endParaRPr>
           </a:p>
@@ -6904,30 +6764,30 @@
               <a:buChar char="•"/>
             </a:pPr>
             <a:r>
-              <a:rPr lang="it-IT" dirty="0">
+              <a:rPr lang="it-IT" sz="1700" dirty="0">
                 <a:latin typeface="Futura"/>
               </a:rPr>
               <a:t>Save </a:t>
             </a:r>
             <a:r>
-              <a:rPr lang="it-IT" i="1" dirty="0" err="1">
+              <a:rPr lang="it-IT" sz="1700" i="1" dirty="0" err="1">
                 <a:latin typeface="Futura"/>
               </a:rPr>
               <a:t>trained</a:t>
             </a:r>
             <a:r>
-              <a:rPr lang="it-IT" i="1" dirty="0">
+              <a:rPr lang="it-IT" sz="1700" i="1" dirty="0">
                 <a:latin typeface="Futura"/>
               </a:rPr>
               <a:t> </a:t>
             </a:r>
             <a:r>
-              <a:rPr lang="it-IT" i="1" dirty="0" err="1">
+              <a:rPr lang="it-IT" sz="1700" i="1" dirty="0" err="1">
                 <a:latin typeface="Futura"/>
               </a:rPr>
               <a:t>models</a:t>
             </a:r>
-            <a:endParaRPr lang="it-IT" i="1" dirty="0">
+            <a:endParaRPr lang="it-IT" sz="1700" i="1" dirty="0">
               <a:latin typeface="Futura"/>
             </a:endParaRPr>
           </a:p>
@@ -6937,24 +6797,24 @@
               <a:buChar char="•"/>
             </a:pPr>
             <a:r>
-              <a:rPr lang="it-IT" dirty="0" err="1">
+              <a:rPr lang="it-IT" sz="1700" dirty="0" err="1">
                 <a:latin typeface="Futura"/>
               </a:rPr>
               <a:t>Added</a:t>
             </a:r>
             <a:r>
-              <a:rPr lang="it-IT" dirty="0">
+              <a:rPr lang="it-IT" sz="1700" dirty="0">
                 <a:latin typeface="Futura"/>
               </a:rPr>
               <a:t> class </a:t>
             </a:r>
             <a:r>
-              <a:rPr lang="it-IT" i="1" dirty="0" err="1">
+              <a:rPr lang="it-IT" sz="1700" i="1" dirty="0" err="1">
                 <a:latin typeface="Futura"/>
               </a:rPr>
               <a:t>probability</a:t>
             </a:r>
-            <a:endParaRPr lang="it-IT" i="1" dirty="0">
+            <a:endParaRPr lang="it-IT" sz="1700" i="1" dirty="0">
               <a:latin typeface="Futura"/>
             </a:endParaRPr>
           </a:p>
@@ -6964,54 +6824,54 @@
               <a:buChar char="•"/>
             </a:pPr>
             <a:r>
-              <a:rPr lang="it-IT" dirty="0">
+              <a:rPr lang="it-IT" sz="1700" dirty="0">
                 <a:latin typeface="Futura"/>
               </a:rPr>
               <a:t>From </a:t>
             </a:r>
             <a:r>
-              <a:rPr lang="it-IT" dirty="0" err="1">
+              <a:rPr lang="it-IT" sz="1700" dirty="0" err="1">
                 <a:latin typeface="Futura"/>
               </a:rPr>
               <a:t>euclidean</a:t>
             </a:r>
             <a:r>
-              <a:rPr lang="it-IT" dirty="0">
+              <a:rPr lang="it-IT" sz="1700" dirty="0">
                 <a:latin typeface="Futura"/>
               </a:rPr>
               <a:t> </a:t>
             </a:r>
             <a:r>
-              <a:rPr lang="it-IT" dirty="0" err="1">
+              <a:rPr lang="it-IT" sz="1700" dirty="0" err="1">
                 <a:latin typeface="Futura"/>
               </a:rPr>
               <a:t>distance</a:t>
             </a:r>
             <a:r>
-              <a:rPr lang="it-IT" dirty="0">
+              <a:rPr lang="it-IT" sz="1700" dirty="0">
                 <a:latin typeface="Futura"/>
               </a:rPr>
               <a:t> to kernel </a:t>
             </a:r>
             <a:r>
-              <a:rPr lang="it-IT" dirty="0" err="1">
+              <a:rPr lang="it-IT" sz="1700" dirty="0" err="1">
                 <a:latin typeface="Futura"/>
               </a:rPr>
               <a:t>distance</a:t>
             </a:r>
             <a:r>
-              <a:rPr lang="it-IT" dirty="0">
+              <a:rPr lang="it-IT" sz="1700" dirty="0">
                 <a:latin typeface="Futura"/>
               </a:rPr>
               <a:t> </a:t>
             </a:r>
             <a:r>
-              <a:rPr lang="it-IT" dirty="0" err="1">
+              <a:rPr lang="it-IT" sz="1700" dirty="0" err="1">
                 <a:latin typeface="Futura"/>
               </a:rPr>
               <a:t>function</a:t>
             </a:r>
-            <a:endParaRPr lang="it-IT" dirty="0">
+            <a:endParaRPr lang="it-IT" sz="1700" dirty="0">
               <a:latin typeface="Futura"/>
             </a:endParaRPr>
           </a:p>
@@ -7021,30 +6881,30 @@
               <a:buChar char="•"/>
             </a:pPr>
             <a:r>
-              <a:rPr lang="it-IT" i="1" dirty="0">
+              <a:rPr lang="it-IT" sz="1700" i="1" dirty="0">
                 <a:latin typeface="Futura"/>
               </a:rPr>
               <a:t>RBF kernel </a:t>
             </a:r>
             <a:r>
-              <a:rPr lang="it-IT" dirty="0" err="1">
+              <a:rPr lang="it-IT" sz="1700" dirty="0" err="1">
                 <a:latin typeface="Futura"/>
               </a:rPr>
               <a:t>function</a:t>
             </a:r>
             <a:r>
-              <a:rPr lang="it-IT" dirty="0">
+              <a:rPr lang="it-IT" sz="1700" dirty="0">
                 <a:latin typeface="Futura"/>
               </a:rPr>
               <a:t> </a:t>
             </a:r>
             <a:r>
-              <a:rPr lang="it-IT" dirty="0" err="1">
+              <a:rPr lang="it-IT" sz="1700" dirty="0" err="1">
                 <a:latin typeface="Futura"/>
               </a:rPr>
               <a:t>implementation</a:t>
             </a:r>
-            <a:endParaRPr lang="it-IT" dirty="0">
+            <a:endParaRPr lang="it-IT" sz="1700" dirty="0">
               <a:latin typeface="Futura"/>
             </a:endParaRPr>
           </a:p>
@@ -7054,60 +6914,60 @@
               <a:buChar char="•"/>
             </a:pPr>
             <a:r>
-              <a:rPr lang="it-IT" dirty="0" err="1">
+              <a:rPr lang="it-IT" sz="1700" dirty="0" err="1">
                 <a:latin typeface="Futura"/>
               </a:rPr>
               <a:t>Adapt</a:t>
             </a:r>
             <a:r>
-              <a:rPr lang="it-IT" dirty="0">
+              <a:rPr lang="it-IT" sz="1700" dirty="0">
                 <a:latin typeface="Futura"/>
               </a:rPr>
               <a:t> </a:t>
             </a:r>
             <a:r>
-              <a:rPr lang="it-IT" i="1" dirty="0" err="1">
+              <a:rPr lang="it-IT" sz="1700" i="1" dirty="0" err="1">
                 <a:latin typeface="Futura"/>
               </a:rPr>
               <a:t>pred_one</a:t>
             </a:r>
             <a:r>
-              <a:rPr lang="it-IT" i="1" dirty="0">
+              <a:rPr lang="it-IT" sz="1700" i="1" dirty="0">
                 <a:latin typeface="Futura"/>
               </a:rPr>
               <a:t> </a:t>
             </a:r>
             <a:r>
-              <a:rPr lang="it-IT" dirty="0" err="1">
+              <a:rPr lang="it-IT" sz="1700" dirty="0" err="1">
                 <a:latin typeface="Futura"/>
               </a:rPr>
               <a:t>function</a:t>
             </a:r>
             <a:r>
-              <a:rPr lang="it-IT" dirty="0">
+              <a:rPr lang="it-IT" sz="1700" dirty="0">
                 <a:latin typeface="Futura"/>
               </a:rPr>
               <a:t> to different class </a:t>
             </a:r>
             <a:r>
-              <a:rPr lang="it-IT" dirty="0" err="1">
+              <a:rPr lang="it-IT" sz="1700" dirty="0" err="1">
                 <a:latin typeface="Futura"/>
               </a:rPr>
               <a:t>label</a:t>
             </a:r>
             <a:r>
-              <a:rPr lang="it-IT" dirty="0">
+              <a:rPr lang="it-IT" sz="1700" dirty="0">
                 <a:latin typeface="Futura"/>
               </a:rPr>
               <a:t> </a:t>
             </a:r>
             <a:r>
-              <a:rPr lang="it-IT" dirty="0" err="1">
+              <a:rPr lang="it-IT" sz="1700" dirty="0" err="1">
                 <a:latin typeface="Futura"/>
               </a:rPr>
               <a:t>distances</a:t>
             </a:r>
-            <a:endParaRPr lang="it-IT" dirty="0">
+            <a:endParaRPr lang="it-IT" sz="1700" dirty="0">
               <a:latin typeface="Futura"/>
             </a:endParaRPr>
           </a:p>
@@ -7116,7 +6976,7 @@
               <a:buFont typeface="Arial" panose="020B0604020202020204" pitchFamily="34" charset="0"/>
               <a:buChar char="•"/>
             </a:pPr>
-            <a:endParaRPr lang="it-IT" dirty="0">
+            <a:endParaRPr lang="it-IT" sz="1700" dirty="0">
               <a:latin typeface="Futura"/>
             </a:endParaRPr>
           </a:p>
@@ -7126,25 +6986,25 @@
               <a:buChar char="•"/>
             </a:pPr>
             <a:r>
-              <a:rPr lang="it-IT" dirty="0" err="1">
+              <a:rPr lang="it-IT" sz="1700" dirty="0" err="1">
                 <a:latin typeface="Futura"/>
               </a:rPr>
               <a:t>Marging</a:t>
             </a:r>
             <a:r>
-              <a:rPr lang="it-IT" dirty="0">
+              <a:rPr lang="it-IT" sz="1700" dirty="0">
                 <a:latin typeface="Futura"/>
               </a:rPr>
               <a:t> </a:t>
             </a:r>
             <a:r>
-              <a:rPr lang="it-IT" dirty="0" err="1">
+              <a:rPr lang="it-IT" sz="1700" dirty="0" err="1">
                 <a:latin typeface="Futura"/>
               </a:rPr>
               <a:t>sampling</a:t>
             </a:r>
             <a:r>
-              <a:rPr lang="it-IT" dirty="0">
+              <a:rPr lang="it-IT" sz="1700" dirty="0">
                 <a:latin typeface="Futura"/>
               </a:rPr>
               <a:t> (MULTICORE)</a:t>
@@ -7155,7 +7015,7 @@
               <a:buFont typeface="Arial" panose="020B0604020202020204" pitchFamily="34" charset="0"/>
               <a:buChar char="•"/>
             </a:pPr>
-            <a:endParaRPr lang="it-IT" dirty="0">
+            <a:endParaRPr lang="it-IT" sz="1700" dirty="0">
               <a:latin typeface="Futura"/>
             </a:endParaRPr>
           </a:p>
@@ -7165,19 +7025,19 @@
               <a:buChar char="•"/>
             </a:pPr>
             <a:r>
-              <a:rPr lang="it-IT" dirty="0">
+              <a:rPr lang="it-IT" sz="1700" dirty="0">
                 <a:latin typeface="Futura"/>
               </a:rPr>
               <a:t>MCLU </a:t>
             </a:r>
             <a:r>
-              <a:rPr lang="it-IT" dirty="0" err="1">
+              <a:rPr lang="it-IT" sz="1700" dirty="0" err="1">
                 <a:latin typeface="Futura"/>
               </a:rPr>
               <a:t>sampling</a:t>
             </a:r>
             <a:r>
-              <a:rPr lang="it-IT" dirty="0">
+              <a:rPr lang="it-IT" sz="1700" dirty="0">
                 <a:latin typeface="Futura"/>
               </a:rPr>
               <a:t> (MULTICORE)</a:t>
@@ -7188,7 +7048,7 @@
               <a:buFont typeface="Arial" panose="020B0604020202020204" pitchFamily="34" charset="0"/>
               <a:buChar char="•"/>
             </a:pPr>
-            <a:endParaRPr lang="it-IT" dirty="0">
+            <a:endParaRPr lang="it-IT" sz="1700" dirty="0">
               <a:latin typeface="Futura"/>
             </a:endParaRPr>
           </a:p>
@@ -7198,58 +7058,54 @@
               <a:buChar char="•"/>
             </a:pPr>
             <a:r>
-              <a:rPr lang="it-IT" dirty="0" err="1">
+              <a:rPr lang="it-IT" sz="1700" dirty="0" err="1">
                 <a:latin typeface="Futura"/>
               </a:rPr>
               <a:t>Uncertainty</a:t>
             </a:r>
             <a:r>
-              <a:rPr lang="it-IT" dirty="0">
+              <a:rPr lang="it-IT" sz="1700" dirty="0">
                 <a:latin typeface="Futura"/>
               </a:rPr>
               <a:t> </a:t>
             </a:r>
             <a:r>
-              <a:rPr lang="it-IT" dirty="0" err="1">
+              <a:rPr lang="it-IT" sz="1700" dirty="0" err="1">
                 <a:latin typeface="Futura"/>
               </a:rPr>
               <a:t>distance</a:t>
             </a:r>
             <a:r>
-              <a:rPr lang="it-IT" dirty="0">
+              <a:rPr lang="it-IT" sz="1700" dirty="0">
                 <a:latin typeface="Futura"/>
               </a:rPr>
               <a:t> (MULTICORE)</a:t>
             </a:r>
+          </a:p>
+          <a:p>
+            <a:endParaRPr lang="it-IT" sz="1700" dirty="0">
+              <a:latin typeface="Futura"/>
+            </a:endParaRPr>
           </a:p>
           <a:p>
             <a:pPr marL="285750" indent="-285750">
               <a:buFont typeface="Arial" panose="020B0604020202020204" pitchFamily="34" charset="0"/>
               <a:buChar char="•"/>
             </a:pPr>
-            <a:endParaRPr lang="it-IT" dirty="0">
-              <a:latin typeface="Futura"/>
-            </a:endParaRPr>
-          </a:p>
-          <a:p>
-            <a:pPr marL="285750" indent="-285750">
-              <a:buFont typeface="Arial" panose="020B0604020202020204" pitchFamily="34" charset="0"/>
-              <a:buChar char="•"/>
-            </a:pPr>
-            <a:r>
-              <a:rPr lang="it-IT" dirty="0">
+            <a:r>
+              <a:rPr lang="it-IT" sz="1700" dirty="0">
                 <a:latin typeface="Futura"/>
               </a:rPr>
               <a:t>MCLP </a:t>
             </a:r>
             <a:r>
-              <a:rPr lang="it-IT" dirty="0" err="1">
+              <a:rPr lang="it-IT" sz="1700" dirty="0" err="1">
                 <a:latin typeface="Futura"/>
               </a:rPr>
               <a:t>sampling</a:t>
             </a:r>
             <a:r>
-              <a:rPr lang="it-IT" dirty="0">
+              <a:rPr lang="it-IT" sz="1700" dirty="0">
                 <a:latin typeface="Futura"/>
               </a:rPr>
               <a:t> (MULTICORE)</a:t>
@@ -7271,58 +7127,38 @@
         </p:nvSpPr>
         <p:spPr>
           <a:xfrm>
-            <a:off x="5302498" y="152400"/>
-            <a:ext cx="2386872" cy="369332"/>
+            <a:off x="0" y="152400"/>
+            <a:ext cx="12192000" cy="353943"/>
           </a:xfrm>
           <a:prstGeom prst="rect">
             <a:avLst/>
           </a:prstGeom>
         </p:spPr>
         <p:txBody>
-          <a:bodyPr wrap="none">
+          <a:bodyPr wrap="square">
             <a:spAutoFit/>
           </a:bodyPr>
           <a:lstStyle/>
           <a:p>
-            <a:r>
-              <a:rPr lang="it-IT" dirty="0" err="1">
+            <a:pPr algn="ctr"/>
+            <a:r>
+              <a:rPr lang="it-IT" sz="1700" dirty="0" err="1">
                 <a:ln w="0"/>
-                <a:effectLst>
-                  <a:outerShdw blurRad="38100" dist="19050" dir="2700000" algn="tl" rotWithShape="0">
-                    <a:schemeClr val="dk1">
-                      <a:alpha val="40000"/>
-                    </a:schemeClr>
-                  </a:outerShdw>
-                </a:effectLst>
                 <a:latin typeface="Futura"/>
                 <a:cs typeface="Microsoft Sans Serif"/>
               </a:rPr>
               <a:t>Implemented</a:t>
             </a:r>
             <a:r>
-              <a:rPr lang="it-IT" dirty="0">
+              <a:rPr lang="it-IT" sz="1700" dirty="0">
                 <a:ln w="0"/>
-                <a:effectLst>
-                  <a:outerShdw blurRad="38100" dist="19050" dir="2700000" algn="tl" rotWithShape="0">
-                    <a:schemeClr val="dk1">
-                      <a:alpha val="40000"/>
-                    </a:schemeClr>
-                  </a:outerShdw>
-                </a:effectLst>
                 <a:latin typeface="Futura"/>
                 <a:cs typeface="Microsoft Sans Serif"/>
               </a:rPr>
-              <a:t>  steps</a:t>
-            </a:r>
-            <a:endParaRPr lang="en-GB" dirty="0">
+              <a:t> steps</a:t>
+            </a:r>
+            <a:endParaRPr lang="en-GB" sz="1700" dirty="0">
               <a:ln w="0"/>
-              <a:effectLst>
-                <a:outerShdw blurRad="38100" dist="19050" dir="2700000" algn="tl" rotWithShape="0">
-                  <a:schemeClr val="dk1">
-                    <a:alpha val="40000"/>
-                  </a:schemeClr>
-                </a:outerShdw>
-              </a:effectLst>
               <a:latin typeface="Futura"/>
             </a:endParaRPr>
           </a:p>
@@ -7349,8 +7185,8 @@
         </p:blipFill>
         <p:spPr>
           <a:xfrm>
-            <a:off x="4826991" y="2953807"/>
-            <a:ext cx="3337885" cy="504415"/>
+            <a:off x="4648200" y="2944237"/>
+            <a:ext cx="1895753" cy="286483"/>
           </a:xfrm>
           <a:prstGeom prst="rect">
             <a:avLst/>
@@ -7378,8 +7214,8 @@
         </p:blipFill>
         <p:spPr>
           <a:xfrm>
-            <a:off x="8176686" y="3908709"/>
-            <a:ext cx="3957529" cy="508604"/>
+            <a:off x="7315200" y="3446380"/>
+            <a:ext cx="2207679" cy="283721"/>
           </a:xfrm>
           <a:prstGeom prst="rect">
             <a:avLst/>
@@ -7407,8 +7243,8 @@
         </p:blipFill>
         <p:spPr>
           <a:xfrm>
-            <a:off x="8295514" y="3529283"/>
-            <a:ext cx="669612" cy="392126"/>
+            <a:off x="6647452" y="3446380"/>
+            <a:ext cx="484495" cy="283721"/>
           </a:xfrm>
           <a:prstGeom prst="rect">
             <a:avLst/>
@@ -7436,20 +7272,96 @@
         </p:blipFill>
         <p:spPr>
           <a:xfrm>
-            <a:off x="4826991" y="3476376"/>
-            <a:ext cx="3187149" cy="497941"/>
+            <a:off x="4648200" y="3446380"/>
+            <a:ext cx="1815999" cy="283721"/>
           </a:xfrm>
           <a:prstGeom prst="rect">
             <a:avLst/>
           </a:prstGeom>
         </p:spPr>
       </p:pic>
+      <p:sp>
+        <p:nvSpPr>
+          <p:cNvPr id="3" name="Rectangle 2">
+            <a:extLst>
+              <a:ext uri="{FF2B5EF4-FFF2-40B4-BE49-F238E27FC236}">
+                <a16:creationId xmlns:a16="http://schemas.microsoft.com/office/drawing/2014/main" id="{EE47240C-5AAA-4700-B72A-652618262032}"/>
+              </a:ext>
+            </a:extLst>
+          </p:cNvPr>
+          <p:cNvSpPr/>
+          <p:nvPr/>
+        </p:nvSpPr>
+        <p:spPr>
+          <a:xfrm>
+            <a:off x="4948089" y="3244334"/>
+            <a:ext cx="2295821" cy="369332"/>
+          </a:xfrm>
+          <a:prstGeom prst="rect">
+            <a:avLst/>
+          </a:prstGeom>
+        </p:spPr>
+        <p:txBody>
+          <a:bodyPr wrap="none">
+            <a:spAutoFit/>
+          </a:bodyPr>
+          <a:lstStyle/>
+          <a:p>
+            <a:r>
+              <a:rPr lang="it-IT" dirty="0">
+                <a:latin typeface="Futura"/>
+                <a:ea typeface="Microsoft Sans Serif" panose="020B0604020202020204" pitchFamily="34" charset="0"/>
+                <a:cs typeface="Microsoft Sans Serif" panose="020B0604020202020204" pitchFamily="34" charset="0"/>
+              </a:rPr>
+              <a:t>Lorenzo Carlassara</a:t>
+            </a:r>
+          </a:p>
+        </p:txBody>
+      </p:sp>
+      <p:sp>
+        <p:nvSpPr>
+          <p:cNvPr id="11" name="Rectangle 10">
+            <a:extLst>
+              <a:ext uri="{FF2B5EF4-FFF2-40B4-BE49-F238E27FC236}">
+                <a16:creationId xmlns:a16="http://schemas.microsoft.com/office/drawing/2014/main" id="{C4CE36CE-F34A-4EAB-BF7A-9EE78D765351}"/>
+              </a:ext>
+            </a:extLst>
+          </p:cNvPr>
+          <p:cNvSpPr/>
+          <p:nvPr/>
+        </p:nvSpPr>
+        <p:spPr>
+          <a:xfrm>
+            <a:off x="228600" y="6359452"/>
+            <a:ext cx="2063385" cy="338554"/>
+          </a:xfrm>
+          <a:prstGeom prst="rect">
+            <a:avLst/>
+          </a:prstGeom>
+        </p:spPr>
+        <p:txBody>
+          <a:bodyPr wrap="none">
+            <a:spAutoFit/>
+          </a:bodyPr>
+          <a:lstStyle/>
+          <a:p>
+            <a:r>
+              <a:rPr lang="it-IT" sz="1600" dirty="0">
+                <a:latin typeface="Futura"/>
+                <a:ea typeface="Microsoft Sans Serif" panose="020B0604020202020204" pitchFamily="34" charset="0"/>
+                <a:cs typeface="Microsoft Sans Serif" panose="020B0604020202020204" pitchFamily="34" charset="0"/>
+              </a:rPr>
+              <a:t>Lorenzo Carlassara</a:t>
+            </a:r>
+          </a:p>
+        </p:txBody>
+      </p:sp>
       <p:pic>
         <p:nvPicPr>
-          <p:cNvPr id="25" name="Picture 24">
+          <p:cNvPr id="12" name="Picture 11">
             <a:extLst>
               <a:ext uri="{FF2B5EF4-FFF2-40B4-BE49-F238E27FC236}">
-                <a16:creationId xmlns:a16="http://schemas.microsoft.com/office/drawing/2014/main" id="{53FFAE75-2694-46EB-9943-B337C4C31437}"/>
+                <a16:creationId xmlns:a16="http://schemas.microsoft.com/office/drawing/2014/main" id="{961CF1E1-94F9-4C49-B01C-383E0EB04362}"/>
               </a:ext>
             </a:extLst>
           </p:cNvPr>
@@ -7458,8 +7370,43 @@
           </p:cNvPicPr>
           <p:nvPr/>
         </p:nvPicPr>
+        <p:blipFill rotWithShape="1">
+          <a:blip r:embed="rId4">
+            <a:extLst>
+              <a:ext uri="{28A0092B-C50C-407E-A947-70E740481C1C}">
+                <a14:useLocalDpi xmlns:a14="http://schemas.microsoft.com/office/drawing/2010/main" val="0"/>
+              </a:ext>
+            </a:extLst>
+          </a:blip>
+          <a:srcRect l="25190" r="25955" b="38216"/>
+          <a:stretch/>
+        </p:blipFill>
+        <p:spPr>
+          <a:xfrm>
+            <a:off x="10734080" y="6172326"/>
+            <a:ext cx="677505" cy="627889"/>
+          </a:xfrm>
+          <a:prstGeom prst="rect">
+            <a:avLst/>
+          </a:prstGeom>
+        </p:spPr>
+      </p:pic>
+      <p:pic>
+        <p:nvPicPr>
+          <p:cNvPr id="13" name="Picture 12">
+            <a:extLst>
+              <a:ext uri="{FF2B5EF4-FFF2-40B4-BE49-F238E27FC236}">
+                <a16:creationId xmlns:a16="http://schemas.microsoft.com/office/drawing/2014/main" id="{D274A163-195C-492D-BBCF-B4F558AC28F9}"/>
+              </a:ext>
+            </a:extLst>
+          </p:cNvPr>
+          <p:cNvPicPr>
+            <a:picLocks noChangeAspect="1"/>
+          </p:cNvPicPr>
+          <p:nvPr/>
+        </p:nvPicPr>
         <p:blipFill>
-          <a:blip r:embed="rId4" cstate="print">
+          <a:blip r:embed="rId5" cstate="print">
             <a:extLst>
               <a:ext uri="{28A0092B-C50C-407E-A947-70E740481C1C}">
                 <a14:useLocalDpi xmlns:a14="http://schemas.microsoft.com/office/drawing/2010/main" val="0"/>
@@ -7474,41 +7421,6 @@
           <a:xfrm>
             <a:off x="11506200" y="6172200"/>
             <a:ext cx="628015" cy="628015"/>
-          </a:xfrm>
-          <a:prstGeom prst="rect">
-            <a:avLst/>
-          </a:prstGeom>
-        </p:spPr>
-      </p:pic>
-      <p:pic>
-        <p:nvPicPr>
-          <p:cNvPr id="26" name="Picture 25">
-            <a:extLst>
-              <a:ext uri="{FF2B5EF4-FFF2-40B4-BE49-F238E27FC236}">
-                <a16:creationId xmlns:a16="http://schemas.microsoft.com/office/drawing/2014/main" id="{AE2E7798-0CC4-42B1-A694-3D517F327E9D}"/>
-              </a:ext>
-            </a:extLst>
-          </p:cNvPr>
-          <p:cNvPicPr>
-            <a:picLocks noChangeAspect="1"/>
-          </p:cNvPicPr>
-          <p:nvPr/>
-        </p:nvPicPr>
-        <p:blipFill rotWithShape="1">
-          <a:blip r:embed="rId5">
-            <a:extLst>
-              <a:ext uri="{28A0092B-C50C-407E-A947-70E740481C1C}">
-                <a14:useLocalDpi xmlns:a14="http://schemas.microsoft.com/office/drawing/2010/main" val="0"/>
-              </a:ext>
-            </a:extLst>
-          </a:blip>
-          <a:srcRect l="25190" r="25955" b="38216"/>
-          <a:stretch/>
-        </p:blipFill>
-        <p:spPr>
-          <a:xfrm>
-            <a:off x="8295" y="6172200"/>
-            <a:ext cx="677505" cy="627889"/>
           </a:xfrm>
           <a:prstGeom prst="rect">
             <a:avLst/>
@@ -8290,8 +8202,59 @@
         </p:nvSpPr>
         <p:spPr>
           <a:xfrm>
-            <a:off x="5447755" y="152400"/>
-            <a:ext cx="2016899" cy="369332"/>
+            <a:off x="0" y="152400"/>
+            <a:ext cx="12191999" cy="353943"/>
+          </a:xfrm>
+          <a:prstGeom prst="rect">
+            <a:avLst/>
+          </a:prstGeom>
+        </p:spPr>
+        <p:txBody>
+          <a:bodyPr wrap="square">
+            <a:spAutoFit/>
+          </a:bodyPr>
+          <a:lstStyle/>
+          <a:p>
+            <a:pPr algn="ctr"/>
+            <a:r>
+              <a:rPr lang="it-IT" sz="1700" dirty="0" err="1">
+                <a:ln w="0"/>
+                <a:latin typeface="Futura"/>
+                <a:cs typeface="Microsoft Sans Serif"/>
+              </a:rPr>
+              <a:t>Current</a:t>
+            </a:r>
+            <a:r>
+              <a:rPr lang="it-IT" sz="1700" dirty="0">
+                <a:ln w="0"/>
+                <a:latin typeface="Futura"/>
+                <a:cs typeface="Microsoft Sans Serif"/>
+              </a:rPr>
+              <a:t> progress</a:t>
+            </a:r>
+            <a:endParaRPr lang="en-GB" sz="1700" dirty="0">
+              <a:ln w="0"/>
+              <a:latin typeface="Futura"/>
+            </a:endParaRPr>
+          </a:p>
+        </p:txBody>
+      </p:sp>
+      <p:sp>
+        <p:nvSpPr>
+          <p:cNvPr id="24" name="Rectangle 23">
+            <a:extLst>
+              <a:ext uri="{FF2B5EF4-FFF2-40B4-BE49-F238E27FC236}">
+                <a16:creationId xmlns:a16="http://schemas.microsoft.com/office/drawing/2014/main" id="{CC19D941-6740-4DCA-9C09-56462679D93F}"/>
+              </a:ext>
+            </a:extLst>
+          </p:cNvPr>
+          <p:cNvSpPr/>
+          <p:nvPr/>
+        </p:nvSpPr>
+        <p:spPr>
+          <a:xfrm>
+            <a:off x="228600" y="6359452"/>
+            <a:ext cx="2063385" cy="338554"/>
           </a:xfrm>
           <a:prstGeom prst="rect">
             <a:avLst/>
@@ -8304,55 +8267,22 @@
           <a:lstStyle/>
           <a:p>
             <a:r>
-              <a:rPr lang="it-IT" dirty="0" err="1">
-                <a:ln w="0"/>
-                <a:effectLst>
-                  <a:outerShdw blurRad="38100" dist="19050" dir="2700000" algn="tl" rotWithShape="0">
-                    <a:schemeClr val="dk1">
-                      <a:alpha val="40000"/>
-                    </a:schemeClr>
-                  </a:outerShdw>
-                </a:effectLst>
-                <a:latin typeface="Futura"/>
-                <a:cs typeface="Microsoft Sans Serif"/>
-              </a:rPr>
-              <a:t>Current</a:t>
-            </a:r>
-            <a:r>
-              <a:rPr lang="it-IT" dirty="0">
-                <a:ln w="0"/>
-                <a:effectLst>
-                  <a:outerShdw blurRad="38100" dist="19050" dir="2700000" algn="tl" rotWithShape="0">
-                    <a:schemeClr val="dk1">
-                      <a:alpha val="40000"/>
-                    </a:schemeClr>
-                  </a:outerShdw>
-                </a:effectLst>
-                <a:latin typeface="Futura"/>
-                <a:cs typeface="Microsoft Sans Serif"/>
-              </a:rPr>
-              <a:t> progress</a:t>
-            </a:r>
-            <a:endParaRPr lang="en-GB" dirty="0">
-              <a:ln w="0"/>
-              <a:effectLst>
-                <a:outerShdw blurRad="38100" dist="19050" dir="2700000" algn="tl" rotWithShape="0">
-                  <a:schemeClr val="dk1">
-                    <a:alpha val="40000"/>
-                  </a:schemeClr>
-                </a:outerShdw>
-              </a:effectLst>
-              <a:latin typeface="Futura"/>
-            </a:endParaRPr>
+              <a:rPr lang="it-IT" sz="1600" dirty="0">
+                <a:latin typeface="Futura"/>
+                <a:ea typeface="Microsoft Sans Serif" panose="020B0604020202020204" pitchFamily="34" charset="0"/>
+                <a:cs typeface="Microsoft Sans Serif" panose="020B0604020202020204" pitchFamily="34" charset="0"/>
+              </a:rPr>
+              <a:t>Lorenzo Carlassara</a:t>
+            </a:r>
           </a:p>
         </p:txBody>
       </p:sp>
       <p:pic>
         <p:nvPicPr>
-          <p:cNvPr id="16" name="Picture 15">
+          <p:cNvPr id="25" name="Picture 24">
             <a:extLst>
               <a:ext uri="{FF2B5EF4-FFF2-40B4-BE49-F238E27FC236}">
-                <a16:creationId xmlns:a16="http://schemas.microsoft.com/office/drawing/2014/main" id="{74D5D353-1839-4380-AB42-D9B3AA9A1A01}"/>
+                <a16:creationId xmlns:a16="http://schemas.microsoft.com/office/drawing/2014/main" id="{92B8902F-9AE9-4B7B-84BA-61F3473D826D}"/>
               </a:ext>
             </a:extLst>
           </p:cNvPr>
@@ -8361,8 +8291,43 @@
           </p:cNvPicPr>
           <p:nvPr/>
         </p:nvPicPr>
+        <p:blipFill rotWithShape="1">
+          <a:blip r:embed="rId6">
+            <a:extLst>
+              <a:ext uri="{28A0092B-C50C-407E-A947-70E740481C1C}">
+                <a14:useLocalDpi xmlns:a14="http://schemas.microsoft.com/office/drawing/2010/main" val="0"/>
+              </a:ext>
+            </a:extLst>
+          </a:blip>
+          <a:srcRect l="25190" r="25955" b="38216"/>
+          <a:stretch/>
+        </p:blipFill>
+        <p:spPr>
+          <a:xfrm>
+            <a:off x="10734080" y="6172326"/>
+            <a:ext cx="677505" cy="627889"/>
+          </a:xfrm>
+          <a:prstGeom prst="rect">
+            <a:avLst/>
+          </a:prstGeom>
+        </p:spPr>
+      </p:pic>
+      <p:pic>
+        <p:nvPicPr>
+          <p:cNvPr id="26" name="Picture 25">
+            <a:extLst>
+              <a:ext uri="{FF2B5EF4-FFF2-40B4-BE49-F238E27FC236}">
+                <a16:creationId xmlns:a16="http://schemas.microsoft.com/office/drawing/2014/main" id="{1A390E6A-6E3F-4B90-8E0D-3B57622295AD}"/>
+              </a:ext>
+            </a:extLst>
+          </p:cNvPr>
+          <p:cNvPicPr>
+            <a:picLocks noChangeAspect="1"/>
+          </p:cNvPicPr>
+          <p:nvPr/>
+        </p:nvPicPr>
         <p:blipFill>
-          <a:blip r:embed="rId6" cstate="print">
+          <a:blip r:embed="rId7" cstate="print">
             <a:extLst>
               <a:ext uri="{28A0092B-C50C-407E-A947-70E740481C1C}">
                 <a14:useLocalDpi xmlns:a14="http://schemas.microsoft.com/office/drawing/2010/main" val="0"/>
@@ -8377,41 +8342,6 @@
           <a:xfrm>
             <a:off x="11506200" y="6172200"/>
             <a:ext cx="628015" cy="628015"/>
-          </a:xfrm>
-          <a:prstGeom prst="rect">
-            <a:avLst/>
-          </a:prstGeom>
-        </p:spPr>
-      </p:pic>
-      <p:pic>
-        <p:nvPicPr>
-          <p:cNvPr id="20" name="Picture 19">
-            <a:extLst>
-              <a:ext uri="{FF2B5EF4-FFF2-40B4-BE49-F238E27FC236}">
-                <a16:creationId xmlns:a16="http://schemas.microsoft.com/office/drawing/2014/main" id="{F47641EC-AE6F-4537-A94C-1DB6ABE44404}"/>
-              </a:ext>
-            </a:extLst>
-          </p:cNvPr>
-          <p:cNvPicPr>
-            <a:picLocks noChangeAspect="1"/>
-          </p:cNvPicPr>
-          <p:nvPr/>
-        </p:nvPicPr>
-        <p:blipFill rotWithShape="1">
-          <a:blip r:embed="rId7">
-            <a:extLst>
-              <a:ext uri="{28A0092B-C50C-407E-A947-70E740481C1C}">
-                <a14:useLocalDpi xmlns:a14="http://schemas.microsoft.com/office/drawing/2010/main" val="0"/>
-              </a:ext>
-            </a:extLst>
-          </a:blip>
-          <a:srcRect l="25190" r="25955" b="38216"/>
-          <a:stretch/>
-        </p:blipFill>
-        <p:spPr>
-          <a:xfrm>
-            <a:off x="8295" y="6172200"/>
-            <a:ext cx="677505" cy="627889"/>
           </a:xfrm>
           <a:prstGeom prst="rect">
             <a:avLst/>
@@ -8450,10 +8380,10 @@
       </p:grpSpPr>
       <p:pic>
         <p:nvPicPr>
-          <p:cNvPr id="3" name="Picture 2">
+          <p:cNvPr id="7" name="Picture 6">
             <a:extLst>
               <a:ext uri="{FF2B5EF4-FFF2-40B4-BE49-F238E27FC236}">
-                <a16:creationId xmlns:a16="http://schemas.microsoft.com/office/drawing/2014/main" id="{C54AC083-F53D-48A4-AC71-BC352D15EBC9}"/>
+                <a16:creationId xmlns:a16="http://schemas.microsoft.com/office/drawing/2014/main" id="{64AB17A8-B6F3-4C8D-B315-3C10917630CF}"/>
               </a:ext>
             </a:extLst>
           </p:cNvPr>
@@ -8476,8 +8406,8 @@
         </p:blipFill>
         <p:spPr>
           <a:xfrm>
-            <a:off x="2202180" y="0"/>
-            <a:ext cx="7787639" cy="6230111"/>
+            <a:off x="11506200" y="6172200"/>
+            <a:ext cx="628015" cy="628015"/>
           </a:xfrm>
           <a:prstGeom prst="rect">
             <a:avLst/>
@@ -8486,10 +8416,10 @@
       </p:pic>
       <p:pic>
         <p:nvPicPr>
-          <p:cNvPr id="7" name="Picture 6">
+          <p:cNvPr id="8" name="Picture 7">
             <a:extLst>
               <a:ext uri="{FF2B5EF4-FFF2-40B4-BE49-F238E27FC236}">
-                <a16:creationId xmlns:a16="http://schemas.microsoft.com/office/drawing/2014/main" id="{64AB17A8-B6F3-4C8D-B315-3C10917630CF}"/>
+                <a16:creationId xmlns:a16="http://schemas.microsoft.com/office/drawing/2014/main" id="{256277AE-6C37-4CB2-A012-16EEBF5392EA}"/>
               </a:ext>
             </a:extLst>
           </p:cNvPr>
@@ -8498,44 +8428,8 @@
           </p:cNvPicPr>
           <p:nvPr/>
         </p:nvPicPr>
-        <p:blipFill>
-          <a:blip r:embed="rId3" cstate="print">
-            <a:extLst>
-              <a:ext uri="{28A0092B-C50C-407E-A947-70E740481C1C}">
-                <a14:useLocalDpi xmlns:a14="http://schemas.microsoft.com/office/drawing/2010/main" val="0"/>
-              </a:ext>
-            </a:extLst>
-          </a:blip>
-          <a:stretch>
-            <a:fillRect/>
-          </a:stretch>
-        </p:blipFill>
-        <p:spPr>
-          <a:xfrm>
-            <a:off x="11506200" y="6172200"/>
-            <a:ext cx="628015" cy="628015"/>
-          </a:xfrm>
-          <a:prstGeom prst="rect">
-            <a:avLst/>
-          </a:prstGeom>
-        </p:spPr>
-      </p:pic>
-      <p:pic>
-        <p:nvPicPr>
-          <p:cNvPr id="8" name="Picture 7">
-            <a:extLst>
-              <a:ext uri="{FF2B5EF4-FFF2-40B4-BE49-F238E27FC236}">
-                <a16:creationId xmlns:a16="http://schemas.microsoft.com/office/drawing/2014/main" id="{256277AE-6C37-4CB2-A012-16EEBF5392EA}"/>
-              </a:ext>
-            </a:extLst>
-          </p:cNvPr>
-          <p:cNvPicPr>
-            <a:picLocks noChangeAspect="1"/>
-          </p:cNvPicPr>
-          <p:nvPr/>
-        </p:nvPicPr>
         <p:blipFill rotWithShape="1">
-          <a:blip r:embed="rId4">
+          <a:blip r:embed="rId3">
             <a:extLst>
               <a:ext uri="{28A0092B-C50C-407E-A947-70E740481C1C}">
                 <a14:useLocalDpi xmlns:a14="http://schemas.microsoft.com/office/drawing/2010/main" val="0"/>
@@ -8555,6 +8449,643 @@
           </a:prstGeom>
         </p:spPr>
       </p:pic>
+      <p:sp>
+        <p:nvSpPr>
+          <p:cNvPr id="5" name="Rectangle 4">
+            <a:extLst>
+              <a:ext uri="{FF2B5EF4-FFF2-40B4-BE49-F238E27FC236}">
+                <a16:creationId xmlns:a16="http://schemas.microsoft.com/office/drawing/2014/main" id="{D7F9A05B-8D08-46CF-8EB2-8EF9C40EEA00}"/>
+              </a:ext>
+            </a:extLst>
+          </p:cNvPr>
+          <p:cNvSpPr/>
+          <p:nvPr/>
+        </p:nvSpPr>
+        <p:spPr>
+          <a:xfrm>
+            <a:off x="914400" y="0"/>
+            <a:ext cx="10363200" cy="6740307"/>
+          </a:xfrm>
+          <a:prstGeom prst="rect">
+            <a:avLst/>
+          </a:prstGeom>
+        </p:spPr>
+        <p:txBody>
+          <a:bodyPr wrap="square">
+            <a:spAutoFit/>
+          </a:bodyPr>
+          <a:lstStyle/>
+          <a:p>
+            <a:r>
+              <a:rPr lang="en-GB" sz="1600" dirty="0">
+                <a:latin typeface="Futura"/>
+              </a:rPr>
+              <a:t>1.  DONE try without </a:t>
+            </a:r>
+            <a:r>
+              <a:rPr lang="en-GB" sz="1600" dirty="0" err="1">
+                <a:latin typeface="Futura"/>
+              </a:rPr>
+              <a:t>indexTrain</a:t>
+            </a:r>
+            <a:r>
+              <a:rPr lang="en-GB" sz="1600" dirty="0">
+                <a:latin typeface="Futura"/>
+              </a:rPr>
+              <a:t>  </a:t>
+            </a:r>
+          </a:p>
+          <a:p>
+            <a:r>
+              <a:rPr lang="en-GB" sz="1600" dirty="0">
+                <a:latin typeface="Futura"/>
+              </a:rPr>
+              <a:t>3.  DONE split </a:t>
+            </a:r>
+            <a:r>
+              <a:rPr lang="en-GB" sz="1600" dirty="0" err="1">
+                <a:latin typeface="Futura"/>
+              </a:rPr>
+              <a:t>alter_samples</a:t>
+            </a:r>
+            <a:r>
+              <a:rPr lang="en-GB" sz="1600" dirty="0">
+                <a:latin typeface="Futura"/>
+              </a:rPr>
+              <a:t> in multiple iterations </a:t>
+            </a:r>
+          </a:p>
+          <a:p>
+            <a:r>
+              <a:rPr lang="en-GB" sz="1600" dirty="0">
+                <a:latin typeface="Futura"/>
+              </a:rPr>
+              <a:t>4.  DONE check if in the </a:t>
+            </a:r>
+            <a:r>
+              <a:rPr lang="en-GB" sz="1600" dirty="0" err="1">
+                <a:latin typeface="Futura"/>
+              </a:rPr>
+              <a:t>multiclas</a:t>
+            </a:r>
+            <a:r>
+              <a:rPr lang="en-GB" sz="1600" dirty="0">
+                <a:latin typeface="Futura"/>
+              </a:rPr>
+              <a:t> setting the random / balanced </a:t>
+            </a:r>
+            <a:r>
+              <a:rPr lang="en-GB" sz="1600" dirty="0" err="1">
+                <a:latin typeface="Futura"/>
+              </a:rPr>
+              <a:t>unlabeled</a:t>
+            </a:r>
+            <a:r>
+              <a:rPr lang="en-GB" sz="1600" dirty="0">
+                <a:latin typeface="Futura"/>
+              </a:rPr>
+              <a:t> samples actually change</a:t>
+            </a:r>
+          </a:p>
+          <a:p>
+            <a:r>
+              <a:rPr lang="en-GB" sz="1600" dirty="0">
+                <a:latin typeface="Futura"/>
+              </a:rPr>
+              <a:t>5.  DONE implement </a:t>
+            </a:r>
+            <a:r>
+              <a:rPr lang="en-GB" sz="1600" dirty="0" err="1">
+                <a:latin typeface="Futura"/>
+              </a:rPr>
+              <a:t>only_probability_distance</a:t>
+            </a:r>
+            <a:r>
+              <a:rPr lang="en-GB" sz="1600" dirty="0">
+                <a:latin typeface="Futura"/>
+              </a:rPr>
+              <a:t> + check different implementation of </a:t>
+            </a:r>
+            <a:r>
+              <a:rPr lang="en-GB" sz="1600" dirty="0" err="1">
+                <a:latin typeface="Futura"/>
+              </a:rPr>
+              <a:t>mclu</a:t>
+            </a:r>
+            <a:r>
+              <a:rPr lang="en-GB" sz="1600" dirty="0">
+                <a:latin typeface="Futura"/>
+              </a:rPr>
+              <a:t> (see paper) </a:t>
+            </a:r>
+          </a:p>
+          <a:p>
+            <a:r>
+              <a:rPr lang="en-GB" sz="1600" dirty="0">
+                <a:latin typeface="Futura"/>
+              </a:rPr>
+              <a:t>6.  DONE check if NDVI feature is actually useful</a:t>
+            </a:r>
+          </a:p>
+          <a:p>
+            <a:r>
+              <a:rPr lang="en-GB" sz="1600" dirty="0">
+                <a:latin typeface="Futura"/>
+              </a:rPr>
+              <a:t>7.  DONE boundClass1 issue related to implementation error -&gt; values inside variables</a:t>
+            </a:r>
+          </a:p>
+          <a:p>
+            <a:r>
+              <a:rPr lang="en-GB" sz="1600" dirty="0">
+                <a:latin typeface="Futura"/>
+              </a:rPr>
+              <a:t>8.  DONE implement binary + multiclass in the same script</a:t>
+            </a:r>
+          </a:p>
+          <a:p>
+            <a:r>
+              <a:rPr lang="en-GB" sz="1600" dirty="0">
+                <a:latin typeface="Futura"/>
+              </a:rPr>
+              <a:t>9.  DONE tune </a:t>
+            </a:r>
+            <a:r>
+              <a:rPr lang="en-GB" sz="1600" dirty="0" err="1">
+                <a:latin typeface="Futura"/>
+              </a:rPr>
+              <a:t>alter_label</a:t>
+            </a:r>
+            <a:r>
+              <a:rPr lang="en-GB" sz="1600" dirty="0">
+                <a:latin typeface="Futura"/>
+              </a:rPr>
+              <a:t> hyperparameter: how many label need to be </a:t>
+            </a:r>
+            <a:r>
+              <a:rPr lang="en-GB" sz="1600" dirty="0" err="1">
+                <a:latin typeface="Futura"/>
+              </a:rPr>
+              <a:t>relabeled</a:t>
+            </a:r>
+            <a:r>
+              <a:rPr lang="en-GB" sz="1600" dirty="0">
+                <a:latin typeface="Futura"/>
+              </a:rPr>
+              <a:t>?</a:t>
+            </a:r>
+          </a:p>
+          <a:p>
+            <a:r>
+              <a:rPr lang="en-GB" sz="1600" dirty="0">
+                <a:latin typeface="Futura"/>
+              </a:rPr>
+              <a:t>10. DONE overall hyperparameters optimization e.g. "</a:t>
+            </a:r>
+            <a:r>
+              <a:rPr lang="en-GB" sz="1600" dirty="0" err="1">
+                <a:latin typeface="Futura"/>
+              </a:rPr>
+              <a:t>boundMargin</a:t>
+            </a:r>
+            <a:r>
+              <a:rPr lang="en-GB" sz="1600" dirty="0">
+                <a:latin typeface="Futura"/>
+              </a:rPr>
+              <a:t>" and "bound" </a:t>
+            </a:r>
+          </a:p>
+          <a:p>
+            <a:r>
+              <a:rPr lang="en-GB" sz="1600" dirty="0">
+                <a:latin typeface="Futura"/>
+              </a:rPr>
+              <a:t>11. DONE descriptive stats of the dataset/data visualization</a:t>
+            </a:r>
+          </a:p>
+          <a:p>
+            <a:r>
+              <a:rPr lang="en-GB" sz="1600" dirty="0">
+                <a:latin typeface="Futura"/>
+              </a:rPr>
+              <a:t>12. DONE Kappa-score coefficient definition: change the metric from "kappa" to "accuracy"</a:t>
+            </a:r>
+          </a:p>
+          <a:p>
+            <a:r>
+              <a:rPr lang="en-GB" sz="1600" dirty="0">
+                <a:latin typeface="Futura"/>
+              </a:rPr>
+              <a:t>15. DONE multiclass script is implemented differently from the binary one -&gt; got different accuracies</a:t>
+            </a:r>
+          </a:p>
+          <a:p>
+            <a:r>
+              <a:rPr lang="en-GB" sz="1600" dirty="0">
+                <a:latin typeface="Futura"/>
+              </a:rPr>
+              <a:t>17. DONE add shape scripts</a:t>
+            </a:r>
+          </a:p>
+          <a:p>
+            <a:r>
+              <a:rPr lang="en-GB" sz="1600" dirty="0">
+                <a:latin typeface="Futura"/>
+              </a:rPr>
+              <a:t>18. DONE add </a:t>
+            </a:r>
+            <a:r>
+              <a:rPr lang="en-GB" sz="1600" dirty="0" err="1">
+                <a:latin typeface="Futura"/>
+              </a:rPr>
+              <a:t>hadagera</a:t>
+            </a:r>
+            <a:r>
+              <a:rPr lang="en-GB" sz="1600" dirty="0">
+                <a:latin typeface="Futura"/>
+              </a:rPr>
+              <a:t> scripts</a:t>
+            </a:r>
+          </a:p>
+          <a:p>
+            <a:r>
+              <a:rPr lang="en-GB" sz="1600" dirty="0">
+                <a:latin typeface="Futura"/>
+              </a:rPr>
+              <a:t>19. DONE check if it is sufficient to run </a:t>
+            </a:r>
+            <a:r>
+              <a:rPr lang="en-GB" sz="1600" dirty="0" err="1">
+                <a:latin typeface="Futura"/>
+              </a:rPr>
+              <a:t>registerDoParallel</a:t>
+            </a:r>
+            <a:r>
+              <a:rPr lang="en-GB" sz="1600" dirty="0">
+                <a:latin typeface="Futura"/>
+              </a:rPr>
+              <a:t>(</a:t>
+            </a:r>
+            <a:r>
+              <a:rPr lang="en-GB" sz="1600" dirty="0" err="1">
+                <a:latin typeface="Futura"/>
+              </a:rPr>
+              <a:t>num_cores</a:t>
+            </a:r>
+            <a:r>
+              <a:rPr lang="en-GB" sz="1600" dirty="0">
+                <a:latin typeface="Futura"/>
+              </a:rPr>
+              <a:t>) just once inside the script</a:t>
+            </a:r>
+          </a:p>
+          <a:p>
+            <a:r>
+              <a:rPr lang="en-GB" sz="1600" dirty="0">
+                <a:latin typeface="Futura"/>
+              </a:rPr>
+              <a:t>20. DONE either balanced the </a:t>
+            </a:r>
+            <a:r>
+              <a:rPr lang="en-GB" sz="1600" dirty="0" err="1">
+                <a:latin typeface="Futura"/>
+              </a:rPr>
+              <a:t>datapool</a:t>
+            </a:r>
+            <a:r>
+              <a:rPr lang="en-GB" sz="1600" dirty="0">
+                <a:latin typeface="Futura"/>
+              </a:rPr>
+              <a:t> at the beginning or the each train/test/validate/</a:t>
+            </a:r>
+            <a:r>
+              <a:rPr lang="en-GB" sz="1600" dirty="0" err="1">
+                <a:latin typeface="Futura"/>
+              </a:rPr>
+              <a:t>unlabeled</a:t>
+            </a:r>
+            <a:r>
+              <a:rPr lang="en-GB" sz="1600" dirty="0">
+                <a:latin typeface="Futura"/>
+              </a:rPr>
+              <a:t> set</a:t>
+            </a:r>
+          </a:p>
+          <a:p>
+            <a:r>
+              <a:rPr lang="en-GB" sz="1600" dirty="0">
+                <a:latin typeface="Futura"/>
+              </a:rPr>
+              <a:t>21. DONE pick one new sample at time OR pick multiple from different regions/classes</a:t>
+            </a:r>
+          </a:p>
+          <a:p>
+            <a:r>
+              <a:rPr lang="en-GB" sz="1600" dirty="0">
+                <a:latin typeface="Futura"/>
+              </a:rPr>
+              <a:t>22. DONE plots for different model accuracies with different training data size and </a:t>
+            </a:r>
+            <a:r>
+              <a:rPr lang="en-GB" sz="1600" dirty="0" err="1">
+                <a:latin typeface="Futura"/>
+              </a:rPr>
+              <a:t>unlabeled</a:t>
+            </a:r>
+            <a:r>
+              <a:rPr lang="en-GB" sz="1600" dirty="0">
+                <a:latin typeface="Futura"/>
+              </a:rPr>
+              <a:t> samples</a:t>
+            </a:r>
+          </a:p>
+          <a:p>
+            <a:r>
+              <a:rPr lang="en-GB" sz="1600" dirty="0">
+                <a:latin typeface="Futura"/>
+              </a:rPr>
+              <a:t>24. DONE implement VSVM-SL + VIRTUAL </a:t>
+            </a:r>
+            <a:r>
+              <a:rPr lang="en-GB" sz="1600" dirty="0" err="1">
+                <a:latin typeface="Futura"/>
+              </a:rPr>
+              <a:t>Unlabeled</a:t>
+            </a:r>
+            <a:r>
+              <a:rPr lang="en-GB" sz="1600" dirty="0">
+                <a:latin typeface="Futura"/>
+              </a:rPr>
+              <a:t> Samples on </a:t>
+            </a:r>
+            <a:r>
+              <a:rPr lang="en-GB" sz="1600" dirty="0" err="1">
+                <a:latin typeface="Futura"/>
+              </a:rPr>
+              <a:t>new_tunedVSVM</a:t>
+            </a:r>
+            <a:r>
+              <a:rPr lang="en-GB" sz="1600" dirty="0">
+                <a:latin typeface="Futura"/>
+              </a:rPr>
+              <a:t> IT</a:t>
+            </a:r>
+          </a:p>
+          <a:p>
+            <a:r>
+              <a:rPr lang="en-GB" sz="1600" dirty="0">
+                <a:latin typeface="Futura"/>
+              </a:rPr>
+              <a:t>25. DONE use the </a:t>
+            </a:r>
+            <a:r>
+              <a:rPr lang="en-GB" sz="1600" dirty="0" err="1">
+                <a:latin typeface="Futura"/>
+              </a:rPr>
+              <a:t>kernel_function</a:t>
+            </a:r>
+            <a:r>
+              <a:rPr lang="en-GB" sz="1600" dirty="0">
+                <a:latin typeface="Futura"/>
+              </a:rPr>
+              <a:t> from the </a:t>
+            </a:r>
+            <a:r>
+              <a:rPr lang="en-GB" sz="1600" dirty="0" err="1">
+                <a:latin typeface="Futura"/>
+              </a:rPr>
+              <a:t>base_svm</a:t>
+            </a:r>
+            <a:r>
+              <a:rPr lang="en-GB" sz="1600" dirty="0">
+                <a:latin typeface="Futura"/>
+              </a:rPr>
+              <a:t> </a:t>
+            </a:r>
+          </a:p>
+          <a:p>
+            <a:r>
+              <a:rPr lang="en-GB" sz="1600" dirty="0">
+                <a:latin typeface="Futura"/>
+              </a:rPr>
+              <a:t>29. DONE compare VSVM / VSVM_SL / VSVM_SL </a:t>
+            </a:r>
+            <a:r>
+              <a:rPr lang="en-GB" sz="1600" dirty="0" err="1">
+                <a:latin typeface="Futura"/>
+              </a:rPr>
+              <a:t>Unl</a:t>
+            </a:r>
+            <a:r>
+              <a:rPr lang="en-GB" sz="1600" dirty="0">
+                <a:latin typeface="Futura"/>
+              </a:rPr>
+              <a:t> / VSVM_SL V </a:t>
+            </a:r>
+            <a:r>
+              <a:rPr lang="en-GB" sz="1600" dirty="0" err="1">
+                <a:latin typeface="Futura"/>
+              </a:rPr>
+              <a:t>Unl</a:t>
+            </a:r>
+            <a:r>
+              <a:rPr lang="en-GB" sz="1600" dirty="0">
+                <a:latin typeface="Futura"/>
+              </a:rPr>
+              <a:t> as base model for </a:t>
+            </a:r>
+            <a:r>
+              <a:rPr lang="en-GB" sz="1600" dirty="0" err="1">
+                <a:latin typeface="Futura"/>
+              </a:rPr>
+              <a:t>ITerative</a:t>
+            </a:r>
+            <a:r>
+              <a:rPr lang="en-GB" sz="1600" dirty="0">
+                <a:latin typeface="Futura"/>
+              </a:rPr>
+              <a:t> AL</a:t>
+            </a:r>
+          </a:p>
+          <a:p>
+            <a:r>
+              <a:rPr lang="en-GB" sz="1600" dirty="0">
+                <a:latin typeface="Futura"/>
+              </a:rPr>
+              <a:t>30. DONE check why SVM as an Accuracy of 90% just with 3 samples</a:t>
+            </a:r>
+          </a:p>
+          <a:p>
+            <a:r>
+              <a:rPr lang="en-GB" sz="1600" dirty="0">
+                <a:latin typeface="Futura"/>
+              </a:rPr>
+              <a:t>31. DONE check </a:t>
+            </a:r>
+            <a:r>
+              <a:rPr lang="en-GB" sz="1600" dirty="0" err="1">
+                <a:latin typeface="Futura"/>
+              </a:rPr>
+              <a:t>sampleSize</a:t>
+            </a:r>
+            <a:r>
+              <a:rPr lang="en-GB" sz="1600" dirty="0">
+                <a:latin typeface="Futura"/>
+              </a:rPr>
+              <a:t> = </a:t>
+            </a:r>
+            <a:r>
+              <a:rPr lang="en-GB" sz="1600" dirty="0" err="1">
+                <a:latin typeface="Futura"/>
+              </a:rPr>
+              <a:t>sampleSizePor</a:t>
+            </a:r>
+            <a:r>
+              <a:rPr lang="en-GB" sz="1600" dirty="0">
+                <a:latin typeface="Futura"/>
+              </a:rPr>
+              <a:t>[</a:t>
+            </a:r>
+            <a:r>
+              <a:rPr lang="en-GB" sz="1600" dirty="0" err="1">
+                <a:latin typeface="Futura"/>
+              </a:rPr>
+              <a:t>sample_size</a:t>
+            </a:r>
+            <a:r>
+              <a:rPr lang="en-GB" sz="1600" dirty="0">
+                <a:latin typeface="Futura"/>
+              </a:rPr>
+              <a:t>] - </a:t>
+            </a:r>
+            <a:r>
+              <a:rPr lang="en-GB" sz="1600" dirty="0" err="1">
+                <a:latin typeface="Futura"/>
+              </a:rPr>
+              <a:t>sampleSizePor</a:t>
+            </a:r>
+            <a:r>
+              <a:rPr lang="en-GB" sz="1600" dirty="0">
+                <a:latin typeface="Futura"/>
+              </a:rPr>
+              <a:t>[sample_size-1]</a:t>
+            </a:r>
+          </a:p>
+          <a:p>
+            <a:r>
+              <a:rPr lang="en-GB" sz="1600" dirty="0">
+                <a:latin typeface="Futura"/>
+              </a:rPr>
+              <a:t>32. DONE compare </a:t>
+            </a:r>
+            <a:r>
+              <a:rPr lang="en-GB" sz="1600" dirty="0" err="1">
+                <a:latin typeface="Futura"/>
+              </a:rPr>
+              <a:t>VSVM_SL_Un_it</a:t>
+            </a:r>
+            <a:r>
+              <a:rPr lang="en-GB" sz="1600" dirty="0">
+                <a:latin typeface="Futura"/>
+              </a:rPr>
+              <a:t> trained on SVM/VSVM with </a:t>
+            </a:r>
+            <a:r>
+              <a:rPr lang="en-GB" sz="1600" dirty="0" err="1">
+                <a:latin typeface="Futura"/>
+              </a:rPr>
+              <a:t>VSVM_SL_Un_b</a:t>
+            </a:r>
+            <a:r>
+              <a:rPr lang="en-GB" sz="1600" dirty="0">
+                <a:latin typeface="Futura"/>
+              </a:rPr>
+              <a:t>/</a:t>
+            </a:r>
+            <a:r>
+              <a:rPr lang="en-GB" sz="1600" dirty="0" err="1">
+                <a:latin typeface="Futura"/>
+              </a:rPr>
+              <a:t>VSVM_SL_vUn_b</a:t>
+            </a:r>
+            <a:endParaRPr lang="en-GB" sz="1600" dirty="0">
+              <a:latin typeface="Futura"/>
+            </a:endParaRPr>
+          </a:p>
+          <a:p>
+            <a:r>
+              <a:rPr lang="en-GB" sz="1600" dirty="0">
+                <a:latin typeface="Futura"/>
+              </a:rPr>
+              <a:t>36. DONE try MS with one sample per iteration</a:t>
+            </a:r>
+          </a:p>
+          <a:p>
+            <a:r>
+              <a:rPr lang="en-GB" sz="1600" dirty="0">
+                <a:latin typeface="Futura"/>
+              </a:rPr>
+              <a:t>39. DONE consider all the levels for the uncertainty distance </a:t>
+            </a:r>
+          </a:p>
+          <a:p>
+            <a:r>
+              <a:rPr lang="en-GB" sz="1600" dirty="0">
+                <a:latin typeface="Futura"/>
+              </a:rPr>
+              <a:t>41. DONE check warnings in AL binary </a:t>
+            </a:r>
+            <a:r>
+              <a:rPr lang="en-GB" sz="1600" dirty="0" err="1">
+                <a:latin typeface="Futura"/>
+              </a:rPr>
+              <a:t>hagadera</a:t>
+            </a:r>
+            <a:r>
+              <a:rPr lang="en-GB" sz="1600" dirty="0">
+                <a:latin typeface="Futura"/>
+              </a:rPr>
+              <a:t> -&gt; </a:t>
+            </a:r>
+            <a:r>
+              <a:rPr lang="en-GB" sz="1600" dirty="0" err="1">
+                <a:latin typeface="Futura"/>
+              </a:rPr>
+              <a:t>na</a:t>
+            </a:r>
+            <a:r>
+              <a:rPr lang="en-GB" sz="1600" dirty="0">
+                <a:latin typeface="Futura"/>
+              </a:rPr>
+              <a:t> due to </a:t>
+            </a:r>
+            <a:r>
+              <a:rPr lang="en-GB" sz="1600" dirty="0" err="1">
+                <a:latin typeface="Futura"/>
+              </a:rPr>
+              <a:t>ncol</a:t>
+            </a:r>
+            <a:r>
+              <a:rPr lang="en-GB" sz="1600" dirty="0">
+                <a:latin typeface="Futura"/>
+              </a:rPr>
+              <a:t>(</a:t>
+            </a:r>
+            <a:r>
+              <a:rPr lang="en-GB" sz="1600" dirty="0" err="1">
+                <a:latin typeface="Futura"/>
+              </a:rPr>
+              <a:t>samplesRemaining</a:t>
+            </a:r>
+            <a:r>
+              <a:rPr lang="en-GB" sz="1600" dirty="0">
+                <a:latin typeface="Futura"/>
+              </a:rPr>
+              <a:t>) in UD FUNCS</a:t>
+            </a:r>
+          </a:p>
+        </p:txBody>
+      </p:sp>
     </p:spTree>
     <p:extLst>
       <p:ext uri="{BB962C8B-B14F-4D97-AF65-F5344CB8AC3E}">
@@ -8585,12 +9116,50 @@
           <a:chExt cx="0" cy="0"/>
         </a:xfrm>
       </p:grpSpPr>
+      <p:sp>
+        <p:nvSpPr>
+          <p:cNvPr id="18" name="Rectangle 17">
+            <a:extLst>
+              <a:ext uri="{FF2B5EF4-FFF2-40B4-BE49-F238E27FC236}">
+                <a16:creationId xmlns:a16="http://schemas.microsoft.com/office/drawing/2014/main" id="{00681E6F-C40A-4ED0-9D53-D34104B4964F}"/>
+              </a:ext>
+            </a:extLst>
+          </p:cNvPr>
+          <p:cNvSpPr/>
+          <p:nvPr/>
+        </p:nvSpPr>
+        <p:spPr>
+          <a:xfrm>
+            <a:off x="228600" y="6359452"/>
+            <a:ext cx="2063385" cy="338554"/>
+          </a:xfrm>
+          <a:prstGeom prst="rect">
+            <a:avLst/>
+          </a:prstGeom>
+        </p:spPr>
+        <p:txBody>
+          <a:bodyPr wrap="none">
+            <a:spAutoFit/>
+          </a:bodyPr>
+          <a:lstStyle/>
+          <a:p>
+            <a:r>
+              <a:rPr lang="it-IT" sz="1600" dirty="0">
+                <a:latin typeface="Futura"/>
+                <a:ea typeface="Microsoft Sans Serif" panose="020B0604020202020204" pitchFamily="34" charset="0"/>
+                <a:cs typeface="Microsoft Sans Serif" panose="020B0604020202020204" pitchFamily="34" charset="0"/>
+              </a:rPr>
+              <a:t>Lorenzo Carlassara</a:t>
+            </a:r>
+          </a:p>
+        </p:txBody>
+      </p:sp>
       <p:pic>
         <p:nvPicPr>
-          <p:cNvPr id="12" name="Picture 11">
+          <p:cNvPr id="19" name="Picture 18">
             <a:extLst>
               <a:ext uri="{FF2B5EF4-FFF2-40B4-BE49-F238E27FC236}">
-                <a16:creationId xmlns:a16="http://schemas.microsoft.com/office/drawing/2014/main" id="{B6140D49-436B-49AD-8259-2BAC0E32D645}"/>
+                <a16:creationId xmlns:a16="http://schemas.microsoft.com/office/drawing/2014/main" id="{B2B2A884-A15F-4E1B-9F93-24E6A16C5246}"/>
               </a:ext>
             </a:extLst>
           </p:cNvPr>
@@ -8599,8 +9168,43 @@
           </p:cNvPicPr>
           <p:nvPr/>
         </p:nvPicPr>
+        <p:blipFill rotWithShape="1">
+          <a:blip r:embed="rId2">
+            <a:extLst>
+              <a:ext uri="{28A0092B-C50C-407E-A947-70E740481C1C}">
+                <a14:useLocalDpi xmlns:a14="http://schemas.microsoft.com/office/drawing/2010/main" val="0"/>
+              </a:ext>
+            </a:extLst>
+          </a:blip>
+          <a:srcRect l="25190" r="25955" b="38216"/>
+          <a:stretch/>
+        </p:blipFill>
+        <p:spPr>
+          <a:xfrm>
+            <a:off x="10734080" y="6172326"/>
+            <a:ext cx="677505" cy="627889"/>
+          </a:xfrm>
+          <a:prstGeom prst="rect">
+            <a:avLst/>
+          </a:prstGeom>
+        </p:spPr>
+      </p:pic>
+      <p:pic>
+        <p:nvPicPr>
+          <p:cNvPr id="20" name="Picture 19">
+            <a:extLst>
+              <a:ext uri="{FF2B5EF4-FFF2-40B4-BE49-F238E27FC236}">
+                <a16:creationId xmlns:a16="http://schemas.microsoft.com/office/drawing/2014/main" id="{1DBAE88E-FFC9-4BC0-9DE5-9B7CA7691256}"/>
+              </a:ext>
+            </a:extLst>
+          </p:cNvPr>
+          <p:cNvPicPr>
+            <a:picLocks noChangeAspect="1"/>
+          </p:cNvPicPr>
+          <p:nvPr/>
+        </p:nvPicPr>
         <p:blipFill>
-          <a:blip r:embed="rId2" cstate="print">
+          <a:blip r:embed="rId3" cstate="print">
             <a:extLst>
               <a:ext uri="{28A0092B-C50C-407E-A947-70E740481C1C}">
                 <a14:useLocalDpi xmlns:a14="http://schemas.microsoft.com/office/drawing/2010/main" val="0"/>
@@ -8613,20 +9217,91 @@
         </p:blipFill>
         <p:spPr>
           <a:xfrm>
-            <a:off x="2216548" y="6987"/>
-            <a:ext cx="7758903" cy="6207122"/>
+            <a:off x="11506200" y="6172200"/>
+            <a:ext cx="628015" cy="628015"/>
           </a:xfrm>
           <a:prstGeom prst="rect">
             <a:avLst/>
           </a:prstGeom>
         </p:spPr>
       </p:pic>
+      <p:sp>
+        <p:nvSpPr>
+          <p:cNvPr id="21" name="Textfeld 99">
+            <a:extLst>
+              <a:ext uri="{FF2B5EF4-FFF2-40B4-BE49-F238E27FC236}">
+                <a16:creationId xmlns:a16="http://schemas.microsoft.com/office/drawing/2014/main" id="{0803C2D1-1B12-4681-99BA-94ACF45F635F}"/>
+              </a:ext>
+            </a:extLst>
+          </p:cNvPr>
+          <p:cNvSpPr txBox="1"/>
+          <p:nvPr/>
+        </p:nvSpPr>
+        <p:spPr>
+          <a:xfrm>
+            <a:off x="-10886" y="152400"/>
+            <a:ext cx="12192000" cy="353943"/>
+          </a:xfrm>
+          <a:prstGeom prst="rect">
+            <a:avLst/>
+          </a:prstGeom>
+          <a:noFill/>
+        </p:spPr>
+        <p:txBody>
+          <a:bodyPr wrap="square" rtlCol="0">
+            <a:spAutoFit/>
+          </a:bodyPr>
+          <a:lstStyle/>
+          <a:p>
+            <a:pPr algn="ctr"/>
+            <a:r>
+              <a:rPr lang="en-US" sz="1700" dirty="0">
+                <a:latin typeface="Futura"/>
+                <a:cs typeface="Times New Roman" panose="02020603050405020304" pitchFamily="18" charset="0"/>
+              </a:rPr>
+              <a:t>Active learning method</a:t>
+            </a:r>
+            <a:r>
+              <a:rPr lang="de-DE" sz="1700" dirty="0">
+                <a:latin typeface="Futura"/>
+                <a:cs typeface="Times New Roman" panose="02020603050405020304" pitchFamily="18" charset="0"/>
+              </a:rPr>
+              <a:t> </a:t>
+            </a:r>
+            <a:r>
+              <a:rPr lang="en-US" sz="1700" dirty="0">
+                <a:latin typeface="Futura"/>
+                <a:cs typeface="Times New Roman" panose="02020603050405020304" pitchFamily="18" charset="0"/>
+              </a:rPr>
+              <a:t>for</a:t>
+            </a:r>
+            <a:r>
+              <a:rPr lang="de-DE" sz="1700" dirty="0">
+                <a:latin typeface="Futura"/>
+                <a:cs typeface="Times New Roman" panose="02020603050405020304" pitchFamily="18" charset="0"/>
+              </a:rPr>
+              <a:t> </a:t>
+            </a:r>
+            <a:r>
+              <a:rPr lang="en-US" sz="1700" dirty="0">
+                <a:latin typeface="Futura"/>
+                <a:cs typeface="Times New Roman" panose="02020603050405020304" pitchFamily="18" charset="0"/>
+              </a:rPr>
+              <a:t>Virtual Support Vector Machine with self-learning constraints</a:t>
+            </a:r>
+            <a:endParaRPr lang="de-DE" sz="1700" dirty="0">
+              <a:latin typeface="Futura"/>
+              <a:cs typeface="Times New Roman" panose="02020603050405020304" pitchFamily="18" charset="0"/>
+            </a:endParaRPr>
+          </a:p>
+        </p:txBody>
+      </p:sp>
       <p:pic>
         <p:nvPicPr>
-          <p:cNvPr id="7" name="Picture 6">
+          <p:cNvPr id="9" name="Picture 8">
             <a:extLst>
               <a:ext uri="{FF2B5EF4-FFF2-40B4-BE49-F238E27FC236}">
-                <a16:creationId xmlns:a16="http://schemas.microsoft.com/office/drawing/2014/main" id="{B220E16B-DFF0-42A7-836E-E7D494F2B637}"/>
+                <a16:creationId xmlns:a16="http://schemas.microsoft.com/office/drawing/2014/main" id="{61A24A0A-15D8-4AEA-BBFB-970D5B246BDE}"/>
               </a:ext>
             </a:extLst>
           </p:cNvPr>
@@ -8635,57 +9310,21 @@
           </p:cNvPicPr>
           <p:nvPr/>
         </p:nvPicPr>
-        <p:blipFill>
-          <a:blip r:embed="rId3" cstate="print">
+        <p:blipFill rotWithShape="1">
+          <a:blip r:embed="rId4">
             <a:extLst>
               <a:ext uri="{28A0092B-C50C-407E-A947-70E740481C1C}">
                 <a14:useLocalDpi xmlns:a14="http://schemas.microsoft.com/office/drawing/2010/main" val="0"/>
               </a:ext>
             </a:extLst>
           </a:blip>
-          <a:stretch>
-            <a:fillRect/>
-          </a:stretch>
-        </p:blipFill>
-        <p:spPr>
-          <a:xfrm>
-            <a:off x="11506200" y="6172200"/>
-            <a:ext cx="628015" cy="628015"/>
-          </a:xfrm>
-          <a:prstGeom prst="rect">
-            <a:avLst/>
-          </a:prstGeom>
-        </p:spPr>
-      </p:pic>
-      <p:pic>
-        <p:nvPicPr>
-          <p:cNvPr id="8" name="Picture 7">
-            <a:extLst>
-              <a:ext uri="{FF2B5EF4-FFF2-40B4-BE49-F238E27FC236}">
-                <a16:creationId xmlns:a16="http://schemas.microsoft.com/office/drawing/2014/main" id="{C300C08F-7400-4B95-9451-8B73FBF2A62E}"/>
-              </a:ext>
-            </a:extLst>
-          </p:cNvPr>
-          <p:cNvPicPr>
-            <a:picLocks noChangeAspect="1"/>
-          </p:cNvPicPr>
-          <p:nvPr/>
-        </p:nvPicPr>
-        <p:blipFill rotWithShape="1">
-          <a:blip r:embed="rId4">
-            <a:extLst>
-              <a:ext uri="{28A0092B-C50C-407E-A947-70E740481C1C}">
-                <a14:useLocalDpi xmlns:a14="http://schemas.microsoft.com/office/drawing/2010/main" val="0"/>
-              </a:ext>
-            </a:extLst>
-          </a:blip>
-          <a:srcRect l="25190" r="25955" b="38216"/>
+          <a:srcRect t="16250"/>
           <a:stretch/>
         </p:blipFill>
         <p:spPr>
           <a:xfrm>
-            <a:off x="8295" y="6172200"/>
-            <a:ext cx="677505" cy="627889"/>
+            <a:off x="838200" y="609600"/>
+            <a:ext cx="10542295" cy="5105400"/>
           </a:xfrm>
           <a:prstGeom prst="rect">
             <a:avLst/>
@@ -8695,7 +9334,7 @@
     </p:spTree>
     <p:extLst>
       <p:ext uri="{BB962C8B-B14F-4D97-AF65-F5344CB8AC3E}">
-        <p14:creationId xmlns:p14="http://schemas.microsoft.com/office/powerpoint/2010/main" val="3832956685"/>
+        <p14:creationId xmlns:p14="http://schemas.microsoft.com/office/powerpoint/2010/main" val="1440397232"/>
       </p:ext>
     </p:extLst>
   </p:cSld>
@@ -9284,11 +9923,12 @@
 </file>
 
 <file path=customXml/item1.xml><?xml version="1.0" encoding="utf-8"?>
-<p:properties xmlns:p="http://schemas.microsoft.com/office/2006/metadata/properties" xmlns:xsi="http://www.w3.org/2001/XMLSchema-instance" xmlns:pc="http://schemas.microsoft.com/office/infopath/2007/PartnerControls">
-  <documentManagement>
-    <_activity xmlns="c9eab120-891d-4e75-bbb7-983661d36c9c" xsi:nil="true"/>
-  </documentManagement>
-</p:properties>
+<?mso-contentType ?>
+<FormTemplates xmlns="http://schemas.microsoft.com/sharepoint/v3/contenttype/forms">
+  <Display>DocumentLibraryForm</Display>
+  <Edit>DocumentLibraryForm</Edit>
+  <New>DocumentLibraryForm</New>
+</FormTemplates>
 </file>
 
 <file path=customXml/item2.xml><?xml version="1.0" encoding="utf-8"?>
@@ -9521,27 +10161,17 @@
 </file>
 
 <file path=customXml/item3.xml><?xml version="1.0" encoding="utf-8"?>
-<?mso-contentType ?>
-<FormTemplates xmlns="http://schemas.microsoft.com/sharepoint/v3/contenttype/forms">
-  <Display>DocumentLibraryForm</Display>
-  <Edit>DocumentLibraryForm</Edit>
-  <New>DocumentLibraryForm</New>
-</FormTemplates>
+<p:properties xmlns:p="http://schemas.microsoft.com/office/2006/metadata/properties" xmlns:xsi="http://www.w3.org/2001/XMLSchema-instance" xmlns:pc="http://schemas.microsoft.com/office/infopath/2007/PartnerControls">
+  <documentManagement>
+    <_activity xmlns="c9eab120-891d-4e75-bbb7-983661d36c9c" xsi:nil="true"/>
+  </documentManagement>
+</p:properties>
 </file>
 
 <file path=customXml/itemProps1.xml><?xml version="1.0" encoding="utf-8"?>
-<ds:datastoreItem xmlns:ds="http://schemas.openxmlformats.org/officeDocument/2006/customXml" ds:itemID="{0935546A-FCFF-49CF-A534-6766F9A5EAFB}">
+<ds:datastoreItem xmlns:ds="http://schemas.openxmlformats.org/officeDocument/2006/customXml" ds:itemID="{29D72105-E419-4657-8EC8-6C73137ECF2E}">
   <ds:schemaRefs>
-    <ds:schemaRef ds:uri="http://schemas.openxmlformats.org/package/2006/metadata/core-properties"/>
-    <ds:schemaRef ds:uri="c9eab120-891d-4e75-bbb7-983661d36c9c"/>
-    <ds:schemaRef ds:uri="http://purl.org/dc/terms/"/>
-    <ds:schemaRef ds:uri="http://schemas.microsoft.com/office/2006/documentManagement/types"/>
-    <ds:schemaRef ds:uri="http://schemas.microsoft.com/office/infopath/2007/PartnerControls"/>
-    <ds:schemaRef ds:uri="http://purl.org/dc/elements/1.1/"/>
-    <ds:schemaRef ds:uri="2cbdb79f-05cb-4beb-bf79-a6aafc29ddd5"/>
-    <ds:schemaRef ds:uri="http://www.w3.org/XML/1998/namespace"/>
-    <ds:schemaRef ds:uri="http://schemas.microsoft.com/office/2006/metadata/properties"/>
-    <ds:schemaRef ds:uri="http://purl.org/dc/dcmitype/"/>
+    <ds:schemaRef ds:uri="http://schemas.microsoft.com/sharepoint/v3/contenttype/forms"/>
   </ds:schemaRefs>
 </ds:datastoreItem>
 </file>
@@ -9566,9 +10196,18 @@
 </file>
 
 <file path=customXml/itemProps3.xml><?xml version="1.0" encoding="utf-8"?>
-<ds:datastoreItem xmlns:ds="http://schemas.openxmlformats.org/officeDocument/2006/customXml" ds:itemID="{29D72105-E419-4657-8EC8-6C73137ECF2E}">
+<ds:datastoreItem xmlns:ds="http://schemas.openxmlformats.org/officeDocument/2006/customXml" ds:itemID="{0935546A-FCFF-49CF-A534-6766F9A5EAFB}">
   <ds:schemaRefs>
-    <ds:schemaRef ds:uri="http://schemas.microsoft.com/sharepoint/v3/contenttype/forms"/>
+    <ds:schemaRef ds:uri="http://schemas.openxmlformats.org/package/2006/metadata/core-properties"/>
+    <ds:schemaRef ds:uri="c9eab120-891d-4e75-bbb7-983661d36c9c"/>
+    <ds:schemaRef ds:uri="http://purl.org/dc/terms/"/>
+    <ds:schemaRef ds:uri="http://schemas.microsoft.com/office/2006/documentManagement/types"/>
+    <ds:schemaRef ds:uri="http://schemas.microsoft.com/office/infopath/2007/PartnerControls"/>
+    <ds:schemaRef ds:uri="http://purl.org/dc/elements/1.1/"/>
+    <ds:schemaRef ds:uri="2cbdb79f-05cb-4beb-bf79-a6aafc29ddd5"/>
+    <ds:schemaRef ds:uri="http://www.w3.org/XML/1998/namespace"/>
+    <ds:schemaRef ds:uri="http://schemas.microsoft.com/office/2006/metadata/properties"/>
+    <ds:schemaRef ds:uri="http://purl.org/dc/dcmitype/"/>
   </ds:schemaRefs>
 </ds:datastoreItem>
 </file>
--- a/presentation_CARLASSARA_10601118.pptx
+++ b/presentation_CARLASSARA_10601118.pptx
@@ -5,7 +5,7 @@
     <p:sldMasterId id="2147483648" r:id="rId4"/>
   </p:sldMasterIdLst>
   <p:notesMasterIdLst>
-    <p:notesMasterId r:id="rId16"/>
+    <p:notesMasterId r:id="rId19"/>
   </p:notesMasterIdLst>
   <p:sldIdLst>
     <p:sldId id="256" r:id="rId5"/>
@@ -17,8 +17,11 @@
     <p:sldId id="312" r:id="rId11"/>
     <p:sldId id="315" r:id="rId12"/>
     <p:sldId id="319" r:id="rId13"/>
-    <p:sldId id="316" r:id="rId14"/>
-    <p:sldId id="287" r:id="rId15"/>
+    <p:sldId id="320" r:id="rId14"/>
+    <p:sldId id="321" r:id="rId15"/>
+    <p:sldId id="316" r:id="rId16"/>
+    <p:sldId id="322" r:id="rId17"/>
+    <p:sldId id="287" r:id="rId18"/>
   </p:sldIdLst>
   <p:sldSz cx="12192000" cy="6858000"/>
   <p:notesSz cx="12192000" cy="6858000"/>
@@ -2547,6 +2550,316 @@
           </a:prstGeom>
         </p:spPr>
       </p:pic>
+      <p:pic>
+        <p:nvPicPr>
+          <p:cNvPr id="4" name="Picture 3">
+            <a:extLst>
+              <a:ext uri="{FF2B5EF4-FFF2-40B4-BE49-F238E27FC236}">
+                <a16:creationId xmlns:a16="http://schemas.microsoft.com/office/drawing/2014/main" id="{2F4AA90F-D82F-4C47-AEF5-D3A0609D33FD}"/>
+              </a:ext>
+            </a:extLst>
+          </p:cNvPr>
+          <p:cNvPicPr>
+            <a:picLocks noChangeAspect="1"/>
+          </p:cNvPicPr>
+          <p:nvPr/>
+        </p:nvPicPr>
+        <p:blipFill>
+          <a:blip r:embed="rId4">
+            <a:extLst>
+              <a:ext uri="{28A0092B-C50C-407E-A947-70E740481C1C}">
+                <a14:useLocalDpi xmlns:a14="http://schemas.microsoft.com/office/drawing/2010/main" val="0"/>
+              </a:ext>
+            </a:extLst>
+          </a:blip>
+          <a:stretch>
+            <a:fillRect/>
+          </a:stretch>
+        </p:blipFill>
+        <p:spPr>
+          <a:xfrm>
+            <a:off x="1809750" y="0"/>
+            <a:ext cx="8572500" cy="6858000"/>
+          </a:xfrm>
+          <a:prstGeom prst="rect">
+            <a:avLst/>
+          </a:prstGeom>
+        </p:spPr>
+      </p:pic>
+    </p:spTree>
+    <p:extLst>
+      <p:ext uri="{BB962C8B-B14F-4D97-AF65-F5344CB8AC3E}">
+        <p14:creationId xmlns:p14="http://schemas.microsoft.com/office/powerpoint/2010/main" val="3479168626"/>
+      </p:ext>
+    </p:extLst>
+  </p:cSld>
+  <p:clrMapOvr>
+    <a:masterClrMapping/>
+  </p:clrMapOvr>
+</p:sld>
+</file>
+
+<file path=ppt/slides/slide11.xml><?xml version="1.0" encoding="utf-8"?>
+<p:sld xmlns:a="http://schemas.openxmlformats.org/drawingml/2006/main" xmlns:r="http://schemas.openxmlformats.org/officeDocument/2006/relationships" xmlns:p="http://schemas.openxmlformats.org/presentationml/2006/main" showMasterSp="0">
+  <p:cSld>
+    <p:spTree>
+      <p:nvGrpSpPr>
+        <p:cNvPr id="1" name=""/>
+        <p:cNvGrpSpPr/>
+        <p:nvPr/>
+      </p:nvGrpSpPr>
+      <p:grpSpPr>
+        <a:xfrm>
+          <a:off x="0" y="0"/>
+          <a:ext cx="0" cy="0"/>
+          <a:chOff x="0" y="0"/>
+          <a:chExt cx="0" cy="0"/>
+        </a:xfrm>
+      </p:grpSpPr>
+      <p:pic>
+        <p:nvPicPr>
+          <p:cNvPr id="7" name="Picture 6">
+            <a:extLst>
+              <a:ext uri="{FF2B5EF4-FFF2-40B4-BE49-F238E27FC236}">
+                <a16:creationId xmlns:a16="http://schemas.microsoft.com/office/drawing/2014/main" id="{B220E16B-DFF0-42A7-836E-E7D494F2B637}"/>
+              </a:ext>
+            </a:extLst>
+          </p:cNvPr>
+          <p:cNvPicPr>
+            <a:picLocks noChangeAspect="1"/>
+          </p:cNvPicPr>
+          <p:nvPr/>
+        </p:nvPicPr>
+        <p:blipFill>
+          <a:blip r:embed="rId2" cstate="print">
+            <a:extLst>
+              <a:ext uri="{28A0092B-C50C-407E-A947-70E740481C1C}">
+                <a14:useLocalDpi xmlns:a14="http://schemas.microsoft.com/office/drawing/2010/main" val="0"/>
+              </a:ext>
+            </a:extLst>
+          </a:blip>
+          <a:stretch>
+            <a:fillRect/>
+          </a:stretch>
+        </p:blipFill>
+        <p:spPr>
+          <a:xfrm>
+            <a:off x="11506200" y="6172200"/>
+            <a:ext cx="628015" cy="628015"/>
+          </a:xfrm>
+          <a:prstGeom prst="rect">
+            <a:avLst/>
+          </a:prstGeom>
+        </p:spPr>
+      </p:pic>
+      <p:pic>
+        <p:nvPicPr>
+          <p:cNvPr id="8" name="Picture 7">
+            <a:extLst>
+              <a:ext uri="{FF2B5EF4-FFF2-40B4-BE49-F238E27FC236}">
+                <a16:creationId xmlns:a16="http://schemas.microsoft.com/office/drawing/2014/main" id="{C300C08F-7400-4B95-9451-8B73FBF2A62E}"/>
+              </a:ext>
+            </a:extLst>
+          </p:cNvPr>
+          <p:cNvPicPr>
+            <a:picLocks noChangeAspect="1"/>
+          </p:cNvPicPr>
+          <p:nvPr/>
+        </p:nvPicPr>
+        <p:blipFill rotWithShape="1">
+          <a:blip r:embed="rId3">
+            <a:extLst>
+              <a:ext uri="{28A0092B-C50C-407E-A947-70E740481C1C}">
+                <a14:useLocalDpi xmlns:a14="http://schemas.microsoft.com/office/drawing/2010/main" val="0"/>
+              </a:ext>
+            </a:extLst>
+          </a:blip>
+          <a:srcRect l="25190" r="25955" b="38216"/>
+          <a:stretch/>
+        </p:blipFill>
+        <p:spPr>
+          <a:xfrm>
+            <a:off x="8295" y="6172200"/>
+            <a:ext cx="677505" cy="627889"/>
+          </a:xfrm>
+          <a:prstGeom prst="rect">
+            <a:avLst/>
+          </a:prstGeom>
+        </p:spPr>
+      </p:pic>
+      <p:pic>
+        <p:nvPicPr>
+          <p:cNvPr id="4" name="Picture 3">
+            <a:extLst>
+              <a:ext uri="{FF2B5EF4-FFF2-40B4-BE49-F238E27FC236}">
+                <a16:creationId xmlns:a16="http://schemas.microsoft.com/office/drawing/2014/main" id="{31FAEA5C-25FD-4AEE-8EAA-8E7BAF51B8AC}"/>
+              </a:ext>
+            </a:extLst>
+          </p:cNvPr>
+          <p:cNvPicPr>
+            <a:picLocks noChangeAspect="1"/>
+          </p:cNvPicPr>
+          <p:nvPr/>
+        </p:nvPicPr>
+        <p:blipFill>
+          <a:blip r:embed="rId4">
+            <a:extLst>
+              <a:ext uri="{28A0092B-C50C-407E-A947-70E740481C1C}">
+                <a14:useLocalDpi xmlns:a14="http://schemas.microsoft.com/office/drawing/2010/main" val="0"/>
+              </a:ext>
+            </a:extLst>
+          </a:blip>
+          <a:stretch>
+            <a:fillRect/>
+          </a:stretch>
+        </p:blipFill>
+        <p:spPr>
+          <a:xfrm>
+            <a:off x="1809750" y="0"/>
+            <a:ext cx="8572500" cy="6858000"/>
+          </a:xfrm>
+          <a:prstGeom prst="rect">
+            <a:avLst/>
+          </a:prstGeom>
+        </p:spPr>
+      </p:pic>
+    </p:spTree>
+    <p:extLst>
+      <p:ext uri="{BB962C8B-B14F-4D97-AF65-F5344CB8AC3E}">
+        <p14:creationId xmlns:p14="http://schemas.microsoft.com/office/powerpoint/2010/main" val="1463249048"/>
+      </p:ext>
+    </p:extLst>
+  </p:cSld>
+  <p:clrMapOvr>
+    <a:masterClrMapping/>
+  </p:clrMapOvr>
+</p:sld>
+</file>
+
+<file path=ppt/slides/slide12.xml><?xml version="1.0" encoding="utf-8"?>
+<p:sld xmlns:a="http://schemas.openxmlformats.org/drawingml/2006/main" xmlns:r="http://schemas.openxmlformats.org/officeDocument/2006/relationships" xmlns:p="http://schemas.openxmlformats.org/presentationml/2006/main" showMasterSp="0">
+  <p:cSld>
+    <p:spTree>
+      <p:nvGrpSpPr>
+        <p:cNvPr id="1" name=""/>
+        <p:cNvGrpSpPr/>
+        <p:nvPr/>
+      </p:nvGrpSpPr>
+      <p:grpSpPr>
+        <a:xfrm>
+          <a:off x="0" y="0"/>
+          <a:ext cx="0" cy="0"/>
+          <a:chOff x="0" y="0"/>
+          <a:chExt cx="0" cy="0"/>
+        </a:xfrm>
+      </p:grpSpPr>
+      <p:pic>
+        <p:nvPicPr>
+          <p:cNvPr id="7" name="Picture 6">
+            <a:extLst>
+              <a:ext uri="{FF2B5EF4-FFF2-40B4-BE49-F238E27FC236}">
+                <a16:creationId xmlns:a16="http://schemas.microsoft.com/office/drawing/2014/main" id="{B220E16B-DFF0-42A7-836E-E7D494F2B637}"/>
+              </a:ext>
+            </a:extLst>
+          </p:cNvPr>
+          <p:cNvPicPr>
+            <a:picLocks noChangeAspect="1"/>
+          </p:cNvPicPr>
+          <p:nvPr/>
+        </p:nvPicPr>
+        <p:blipFill>
+          <a:blip r:embed="rId2" cstate="print">
+            <a:extLst>
+              <a:ext uri="{28A0092B-C50C-407E-A947-70E740481C1C}">
+                <a14:useLocalDpi xmlns:a14="http://schemas.microsoft.com/office/drawing/2010/main" val="0"/>
+              </a:ext>
+            </a:extLst>
+          </a:blip>
+          <a:stretch>
+            <a:fillRect/>
+          </a:stretch>
+        </p:blipFill>
+        <p:spPr>
+          <a:xfrm>
+            <a:off x="11506200" y="6172200"/>
+            <a:ext cx="628015" cy="628015"/>
+          </a:xfrm>
+          <a:prstGeom prst="rect">
+            <a:avLst/>
+          </a:prstGeom>
+        </p:spPr>
+      </p:pic>
+      <p:pic>
+        <p:nvPicPr>
+          <p:cNvPr id="8" name="Picture 7">
+            <a:extLst>
+              <a:ext uri="{FF2B5EF4-FFF2-40B4-BE49-F238E27FC236}">
+                <a16:creationId xmlns:a16="http://schemas.microsoft.com/office/drawing/2014/main" id="{C300C08F-7400-4B95-9451-8B73FBF2A62E}"/>
+              </a:ext>
+            </a:extLst>
+          </p:cNvPr>
+          <p:cNvPicPr>
+            <a:picLocks noChangeAspect="1"/>
+          </p:cNvPicPr>
+          <p:nvPr/>
+        </p:nvPicPr>
+        <p:blipFill rotWithShape="1">
+          <a:blip r:embed="rId3">
+            <a:extLst>
+              <a:ext uri="{28A0092B-C50C-407E-A947-70E740481C1C}">
+                <a14:useLocalDpi xmlns:a14="http://schemas.microsoft.com/office/drawing/2010/main" val="0"/>
+              </a:ext>
+            </a:extLst>
+          </a:blip>
+          <a:srcRect l="25190" r="25955" b="38216"/>
+          <a:stretch/>
+        </p:blipFill>
+        <p:spPr>
+          <a:xfrm>
+            <a:off x="8295" y="6172200"/>
+            <a:ext cx="677505" cy="627889"/>
+          </a:xfrm>
+          <a:prstGeom prst="rect">
+            <a:avLst/>
+          </a:prstGeom>
+        </p:spPr>
+      </p:pic>
+      <p:pic>
+        <p:nvPicPr>
+          <p:cNvPr id="3" name="Picture 2">
+            <a:extLst>
+              <a:ext uri="{FF2B5EF4-FFF2-40B4-BE49-F238E27FC236}">
+                <a16:creationId xmlns:a16="http://schemas.microsoft.com/office/drawing/2014/main" id="{5D95E256-F968-4D69-8829-1AD4807CFF64}"/>
+              </a:ext>
+            </a:extLst>
+          </p:cNvPr>
+          <p:cNvPicPr>
+            <a:picLocks noChangeAspect="1"/>
+          </p:cNvPicPr>
+          <p:nvPr/>
+        </p:nvPicPr>
+        <p:blipFill>
+          <a:blip r:embed="rId4">
+            <a:extLst>
+              <a:ext uri="{28A0092B-C50C-407E-A947-70E740481C1C}">
+                <a14:useLocalDpi xmlns:a14="http://schemas.microsoft.com/office/drawing/2010/main" val="0"/>
+              </a:ext>
+            </a:extLst>
+          </a:blip>
+          <a:stretch>
+            <a:fillRect/>
+          </a:stretch>
+        </p:blipFill>
+        <p:spPr>
+          <a:xfrm>
+            <a:off x="1809750" y="0"/>
+            <a:ext cx="8572500" cy="6858000"/>
+          </a:xfrm>
+          <a:prstGeom prst="rect">
+            <a:avLst/>
+          </a:prstGeom>
+        </p:spPr>
+      </p:pic>
     </p:spTree>
     <p:extLst>
       <p:ext uri="{BB962C8B-B14F-4D97-AF65-F5344CB8AC3E}">
@@ -2560,7 +2873,144 @@
 </p:sld>
 </file>
 
-<file path=ppt/slides/slide11.xml><?xml version="1.0" encoding="utf-8"?>
+<file path=ppt/slides/slide13.xml><?xml version="1.0" encoding="utf-8"?>
+<p:sld xmlns:a="http://schemas.openxmlformats.org/drawingml/2006/main" xmlns:r="http://schemas.openxmlformats.org/officeDocument/2006/relationships" xmlns:p="http://schemas.openxmlformats.org/presentationml/2006/main" showMasterSp="0">
+  <p:cSld>
+    <p:spTree>
+      <p:nvGrpSpPr>
+        <p:cNvPr id="1" name=""/>
+        <p:cNvGrpSpPr/>
+        <p:nvPr/>
+      </p:nvGrpSpPr>
+      <p:grpSpPr>
+        <a:xfrm>
+          <a:off x="0" y="0"/>
+          <a:ext cx="0" cy="0"/>
+          <a:chOff x="0" y="0"/>
+          <a:chExt cx="0" cy="0"/>
+        </a:xfrm>
+      </p:grpSpPr>
+      <p:pic>
+        <p:nvPicPr>
+          <p:cNvPr id="7" name="Picture 6">
+            <a:extLst>
+              <a:ext uri="{FF2B5EF4-FFF2-40B4-BE49-F238E27FC236}">
+                <a16:creationId xmlns:a16="http://schemas.microsoft.com/office/drawing/2014/main" id="{B220E16B-DFF0-42A7-836E-E7D494F2B637}"/>
+              </a:ext>
+            </a:extLst>
+          </p:cNvPr>
+          <p:cNvPicPr>
+            <a:picLocks noChangeAspect="1"/>
+          </p:cNvPicPr>
+          <p:nvPr/>
+        </p:nvPicPr>
+        <p:blipFill>
+          <a:blip r:embed="rId2" cstate="print">
+            <a:extLst>
+              <a:ext uri="{28A0092B-C50C-407E-A947-70E740481C1C}">
+                <a14:useLocalDpi xmlns:a14="http://schemas.microsoft.com/office/drawing/2010/main" val="0"/>
+              </a:ext>
+            </a:extLst>
+          </a:blip>
+          <a:stretch>
+            <a:fillRect/>
+          </a:stretch>
+        </p:blipFill>
+        <p:spPr>
+          <a:xfrm>
+            <a:off x="11506200" y="6172200"/>
+            <a:ext cx="628015" cy="628015"/>
+          </a:xfrm>
+          <a:prstGeom prst="rect">
+            <a:avLst/>
+          </a:prstGeom>
+        </p:spPr>
+      </p:pic>
+      <p:pic>
+        <p:nvPicPr>
+          <p:cNvPr id="8" name="Picture 7">
+            <a:extLst>
+              <a:ext uri="{FF2B5EF4-FFF2-40B4-BE49-F238E27FC236}">
+                <a16:creationId xmlns:a16="http://schemas.microsoft.com/office/drawing/2014/main" id="{C300C08F-7400-4B95-9451-8B73FBF2A62E}"/>
+              </a:ext>
+            </a:extLst>
+          </p:cNvPr>
+          <p:cNvPicPr>
+            <a:picLocks noChangeAspect="1"/>
+          </p:cNvPicPr>
+          <p:nvPr/>
+        </p:nvPicPr>
+        <p:blipFill rotWithShape="1">
+          <a:blip r:embed="rId3">
+            <a:extLst>
+              <a:ext uri="{28A0092B-C50C-407E-A947-70E740481C1C}">
+                <a14:useLocalDpi xmlns:a14="http://schemas.microsoft.com/office/drawing/2010/main" val="0"/>
+              </a:ext>
+            </a:extLst>
+          </a:blip>
+          <a:srcRect l="25190" r="25955" b="38216"/>
+          <a:stretch/>
+        </p:blipFill>
+        <p:spPr>
+          <a:xfrm>
+            <a:off x="8295" y="6172200"/>
+            <a:ext cx="677505" cy="627889"/>
+          </a:xfrm>
+          <a:prstGeom prst="rect">
+            <a:avLst/>
+          </a:prstGeom>
+        </p:spPr>
+      </p:pic>
+      <p:pic>
+        <p:nvPicPr>
+          <p:cNvPr id="4" name="Picture 3">
+            <a:extLst>
+              <a:ext uri="{FF2B5EF4-FFF2-40B4-BE49-F238E27FC236}">
+                <a16:creationId xmlns:a16="http://schemas.microsoft.com/office/drawing/2014/main" id="{8EEBC6E7-AFBE-42A9-89BF-4EE96FAF6B56}"/>
+              </a:ext>
+            </a:extLst>
+          </p:cNvPr>
+          <p:cNvPicPr>
+            <a:picLocks noChangeAspect="1"/>
+          </p:cNvPicPr>
+          <p:nvPr/>
+        </p:nvPicPr>
+        <p:blipFill>
+          <a:blip r:embed="rId4">
+            <a:extLst>
+              <a:ext uri="{28A0092B-C50C-407E-A947-70E740481C1C}">
+                <a14:useLocalDpi xmlns:a14="http://schemas.microsoft.com/office/drawing/2010/main" val="0"/>
+              </a:ext>
+            </a:extLst>
+          </a:blip>
+          <a:stretch>
+            <a:fillRect/>
+          </a:stretch>
+        </p:blipFill>
+        <p:spPr>
+          <a:xfrm>
+            <a:off x="1809750" y="0"/>
+            <a:ext cx="8572500" cy="6858000"/>
+          </a:xfrm>
+          <a:prstGeom prst="rect">
+            <a:avLst/>
+          </a:prstGeom>
+        </p:spPr>
+      </p:pic>
+    </p:spTree>
+    <p:extLst>
+      <p:ext uri="{BB962C8B-B14F-4D97-AF65-F5344CB8AC3E}">
+        <p14:creationId xmlns:p14="http://schemas.microsoft.com/office/powerpoint/2010/main" val="3420890579"/>
+      </p:ext>
+    </p:extLst>
+  </p:cSld>
+  <p:clrMapOvr>
+    <a:masterClrMapping/>
+  </p:clrMapOvr>
+</p:sld>
+</file>
+
+<file path=ppt/slides/slide14.xml><?xml version="1.0" encoding="utf-8"?>
 <p:sld xmlns:a="http://schemas.openxmlformats.org/drawingml/2006/main" xmlns:r="http://schemas.openxmlformats.org/officeDocument/2006/relationships" xmlns:p="http://schemas.openxmlformats.org/presentationml/2006/main" showMasterSp="0">
   <p:cSld>
     <p:spTree>
@@ -9923,12 +10373,11 @@
 </file>
 
 <file path=customXml/item1.xml><?xml version="1.0" encoding="utf-8"?>
-<?mso-contentType ?>
-<FormTemplates xmlns="http://schemas.microsoft.com/sharepoint/v3/contenttype/forms">
-  <Display>DocumentLibraryForm</Display>
-  <Edit>DocumentLibraryForm</Edit>
-  <New>DocumentLibraryForm</New>
-</FormTemplates>
+<p:properties xmlns:p="http://schemas.microsoft.com/office/2006/metadata/properties" xmlns:xsi="http://www.w3.org/2001/XMLSchema-instance" xmlns:pc="http://schemas.microsoft.com/office/infopath/2007/PartnerControls">
+  <documentManagement>
+    <_activity xmlns="c9eab120-891d-4e75-bbb7-983661d36c9c" xsi:nil="true"/>
+  </documentManagement>
+</p:properties>
 </file>
 
 <file path=customXml/item2.xml><?xml version="1.0" encoding="utf-8"?>
@@ -10161,17 +10610,27 @@
 </file>
 
 <file path=customXml/item3.xml><?xml version="1.0" encoding="utf-8"?>
-<p:properties xmlns:p="http://schemas.microsoft.com/office/2006/metadata/properties" xmlns:xsi="http://www.w3.org/2001/XMLSchema-instance" xmlns:pc="http://schemas.microsoft.com/office/infopath/2007/PartnerControls">
-  <documentManagement>
-    <_activity xmlns="c9eab120-891d-4e75-bbb7-983661d36c9c" xsi:nil="true"/>
-  </documentManagement>
-</p:properties>
+<?mso-contentType ?>
+<FormTemplates xmlns="http://schemas.microsoft.com/sharepoint/v3/contenttype/forms">
+  <Display>DocumentLibraryForm</Display>
+  <Edit>DocumentLibraryForm</Edit>
+  <New>DocumentLibraryForm</New>
+</FormTemplates>
 </file>
 
 <file path=customXml/itemProps1.xml><?xml version="1.0" encoding="utf-8"?>
-<ds:datastoreItem xmlns:ds="http://schemas.openxmlformats.org/officeDocument/2006/customXml" ds:itemID="{29D72105-E419-4657-8EC8-6C73137ECF2E}">
+<ds:datastoreItem xmlns:ds="http://schemas.openxmlformats.org/officeDocument/2006/customXml" ds:itemID="{0935546A-FCFF-49CF-A534-6766F9A5EAFB}">
   <ds:schemaRefs>
-    <ds:schemaRef ds:uri="http://schemas.microsoft.com/sharepoint/v3/contenttype/forms"/>
+    <ds:schemaRef ds:uri="http://schemas.openxmlformats.org/package/2006/metadata/core-properties"/>
+    <ds:schemaRef ds:uri="c9eab120-891d-4e75-bbb7-983661d36c9c"/>
+    <ds:schemaRef ds:uri="http://purl.org/dc/terms/"/>
+    <ds:schemaRef ds:uri="http://schemas.microsoft.com/office/2006/documentManagement/types"/>
+    <ds:schemaRef ds:uri="http://schemas.microsoft.com/office/infopath/2007/PartnerControls"/>
+    <ds:schemaRef ds:uri="http://purl.org/dc/elements/1.1/"/>
+    <ds:schemaRef ds:uri="2cbdb79f-05cb-4beb-bf79-a6aafc29ddd5"/>
+    <ds:schemaRef ds:uri="http://www.w3.org/XML/1998/namespace"/>
+    <ds:schemaRef ds:uri="http://schemas.microsoft.com/office/2006/metadata/properties"/>
+    <ds:schemaRef ds:uri="http://purl.org/dc/dcmitype/"/>
   </ds:schemaRefs>
 </ds:datastoreItem>
 </file>
@@ -10196,18 +10655,9 @@
 </file>
 
 <file path=customXml/itemProps3.xml><?xml version="1.0" encoding="utf-8"?>
-<ds:datastoreItem xmlns:ds="http://schemas.openxmlformats.org/officeDocument/2006/customXml" ds:itemID="{0935546A-FCFF-49CF-A534-6766F9A5EAFB}">
+<ds:datastoreItem xmlns:ds="http://schemas.openxmlformats.org/officeDocument/2006/customXml" ds:itemID="{29D72105-E419-4657-8EC8-6C73137ECF2E}">
   <ds:schemaRefs>
-    <ds:schemaRef ds:uri="http://schemas.openxmlformats.org/package/2006/metadata/core-properties"/>
-    <ds:schemaRef ds:uri="c9eab120-891d-4e75-bbb7-983661d36c9c"/>
-    <ds:schemaRef ds:uri="http://purl.org/dc/terms/"/>
-    <ds:schemaRef ds:uri="http://schemas.microsoft.com/office/2006/documentManagement/types"/>
-    <ds:schemaRef ds:uri="http://schemas.microsoft.com/office/infopath/2007/PartnerControls"/>
-    <ds:schemaRef ds:uri="http://purl.org/dc/elements/1.1/"/>
-    <ds:schemaRef ds:uri="2cbdb79f-05cb-4beb-bf79-a6aafc29ddd5"/>
-    <ds:schemaRef ds:uri="http://www.w3.org/XML/1998/namespace"/>
-    <ds:schemaRef ds:uri="http://schemas.microsoft.com/office/2006/metadata/properties"/>
-    <ds:schemaRef ds:uri="http://purl.org/dc/dcmitype/"/>
+    <ds:schemaRef ds:uri="http://schemas.microsoft.com/sharepoint/v3/contenttype/forms"/>
   </ds:schemaRefs>
 </ds:datastoreItem>
 </file>
--- a/presentation_CARLASSARA_10601118.pptx
+++ b/presentation_CARLASSARA_10601118.pptx
@@ -5,7 +5,7 @@
     <p:sldMasterId id="2147483648" r:id="rId4"/>
   </p:sldMasterIdLst>
   <p:notesMasterIdLst>
-    <p:notesMasterId r:id="rId19"/>
+    <p:notesMasterId r:id="rId20"/>
   </p:notesMasterIdLst>
   <p:sldIdLst>
     <p:sldId id="256" r:id="rId5"/>
@@ -17,11 +17,12 @@
     <p:sldId id="312" r:id="rId11"/>
     <p:sldId id="315" r:id="rId12"/>
     <p:sldId id="319" r:id="rId13"/>
-    <p:sldId id="320" r:id="rId14"/>
-    <p:sldId id="321" r:id="rId15"/>
-    <p:sldId id="316" r:id="rId16"/>
-    <p:sldId id="322" r:id="rId17"/>
-    <p:sldId id="287" r:id="rId18"/>
+    <p:sldId id="323" r:id="rId14"/>
+    <p:sldId id="320" r:id="rId15"/>
+    <p:sldId id="321" r:id="rId16"/>
+    <p:sldId id="316" r:id="rId17"/>
+    <p:sldId id="322" r:id="rId18"/>
+    <p:sldId id="287" r:id="rId19"/>
   </p:sldIdLst>
   <p:sldSz cx="12192000" cy="6858000"/>
   <p:notesSz cx="12192000" cy="6858000"/>
@@ -123,7 +124,7 @@
   <p:extLst>
     <p:ext uri="{EFAFB233-063F-42B5-8137-9DF3F51BA10A}">
       <p15:sldGuideLst xmlns:p15="http://schemas.microsoft.com/office/powerpoint/2012/main">
-        <p15:guide id="3" pos="432" userDrawn="1">
+        <p15:guide id="3" pos="336" userDrawn="1">
           <p15:clr>
             <a:srgbClr val="A4A3A4"/>
           </p15:clr>
@@ -245,7 +246,7 @@
           <a:p>
             <a:fld id="{2E347CE9-1F5D-4CEF-9CA7-664B3EF9808B}" type="datetimeFigureOut">
               <a:rPr lang="en-GB" smtClean="0"/>
-              <a:t>20/06/2024</a:t>
+              <a:t>28/06/2024</a:t>
             </a:fld>
             <a:endParaRPr lang="en-GB"/>
           </a:p>
@@ -652,7 +653,7 @@
           <a:p>
             <a:fld id="{1D8BD707-D9CF-40AE-B4C6-C98DA3205C09}" type="datetimeFigureOut">
               <a:rPr lang="en-US"/>
-              <a:t>6/20/2024</a:t>
+              <a:t>6/28/2024</a:t>
             </a:fld>
             <a:endParaRPr lang="en-US"/>
           </a:p>
@@ -827,7 +828,7 @@
           <a:p>
             <a:fld id="{1D8BD707-D9CF-40AE-B4C6-C98DA3205C09}" type="datetimeFigureOut">
               <a:rPr lang="en-US"/>
-              <a:t>6/20/2024</a:t>
+              <a:t>6/28/2024</a:t>
             </a:fld>
             <a:endParaRPr lang="en-US"/>
           </a:p>
@@ -1041,7 +1042,7 @@
           <a:p>
             <a:fld id="{1D8BD707-D9CF-40AE-B4C6-C98DA3205C09}" type="datetimeFigureOut">
               <a:rPr lang="en-US"/>
-              <a:t>6/20/2024</a:t>
+              <a:t>6/28/2024</a:t>
             </a:fld>
             <a:endParaRPr lang="en-US"/>
           </a:p>
@@ -1189,7 +1190,7 @@
           <a:p>
             <a:fld id="{1D8BD707-D9CF-40AE-B4C6-C98DA3205C09}" type="datetimeFigureOut">
               <a:rPr lang="en-US"/>
-              <a:t>6/20/2024</a:t>
+              <a:t>6/28/2024</a:t>
             </a:fld>
             <a:endParaRPr lang="en-US"/>
           </a:p>
@@ -1308,7 +1309,7 @@
           <a:p>
             <a:fld id="{1D8BD707-D9CF-40AE-B4C6-C98DA3205C09}" type="datetimeFigureOut">
               <a:rPr lang="en-US"/>
-              <a:t>6/20/2024</a:t>
+              <a:t>6/28/2024</a:t>
             </a:fld>
             <a:endParaRPr lang="en-US"/>
           </a:p>
@@ -1677,7 +1678,7 @@
           <a:p>
             <a:fld id="{1D8BD707-D9CF-40AE-B4C6-C98DA3205C09}" type="datetimeFigureOut">
               <a:rPr lang="en-US"/>
-              <a:t>6/20/2024</a:t>
+              <a:t>6/28/2024</a:t>
             </a:fld>
             <a:endParaRPr lang="en-US"/>
           </a:p>
@@ -2479,12 +2480,55 @@
           <a:chExt cx="0" cy="0"/>
         </a:xfrm>
       </p:grpSpPr>
+      <p:sp>
+        <p:nvSpPr>
+          <p:cNvPr id="18" name="Rectangle 17">
+            <a:extLst>
+              <a:ext uri="{FF2B5EF4-FFF2-40B4-BE49-F238E27FC236}">
+                <a16:creationId xmlns:a16="http://schemas.microsoft.com/office/drawing/2014/main" id="{00681E6F-C40A-4ED0-9D53-D34104B4964F}"/>
+              </a:ext>
+            </a:extLst>
+          </p:cNvPr>
+          <p:cNvSpPr/>
+          <p:nvPr/>
+        </p:nvSpPr>
+        <p:spPr>
+          <a:xfrm>
+            <a:off x="228600" y="6359452"/>
+            <a:ext cx="2063385" cy="338554"/>
+          </a:xfrm>
+          <a:prstGeom prst="rect">
+            <a:avLst/>
+          </a:prstGeom>
+        </p:spPr>
+        <p:txBody>
+          <a:bodyPr wrap="none">
+            <a:spAutoFit/>
+          </a:bodyPr>
+          <a:lstStyle/>
+          <a:p>
+            <a:r>
+              <a:rPr lang="it-IT" sz="1600">
+                <a:latin typeface="Futura"/>
+                <a:ea typeface="Microsoft Sans Serif" panose="020B0604020202020204" pitchFamily="34" charset="0"/>
+                <a:cs typeface="Microsoft Sans Serif" panose="020B0604020202020204" pitchFamily="34" charset="0"/>
+              </a:rPr>
+              <a:t>Lorenzo Carlassara</a:t>
+            </a:r>
+            <a:endParaRPr lang="it-IT" sz="1600" dirty="0">
+              <a:latin typeface="Futura"/>
+              <a:ea typeface="Microsoft Sans Serif" panose="020B0604020202020204" pitchFamily="34" charset="0"/>
+              <a:cs typeface="Microsoft Sans Serif" panose="020B0604020202020204" pitchFamily="34" charset="0"/>
+            </a:endParaRPr>
+          </a:p>
+        </p:txBody>
+      </p:sp>
       <p:pic>
         <p:nvPicPr>
-          <p:cNvPr id="7" name="Picture 6">
-            <a:extLst>
-              <a:ext uri="{FF2B5EF4-FFF2-40B4-BE49-F238E27FC236}">
-                <a16:creationId xmlns:a16="http://schemas.microsoft.com/office/drawing/2014/main" id="{B220E16B-DFF0-42A7-836E-E7D494F2B637}"/>
+          <p:cNvPr id="19" name="Picture 18">
+            <a:extLst>
+              <a:ext uri="{FF2B5EF4-FFF2-40B4-BE49-F238E27FC236}">
+                <a16:creationId xmlns:a16="http://schemas.microsoft.com/office/drawing/2014/main" id="{B2B2A884-A15F-4E1B-9F93-24E6A16C5246}"/>
               </a:ext>
             </a:extLst>
           </p:cNvPr>
@@ -2493,8 +2537,43 @@
           </p:cNvPicPr>
           <p:nvPr/>
         </p:nvPicPr>
+        <p:blipFill rotWithShape="1">
+          <a:blip r:embed="rId2">
+            <a:extLst>
+              <a:ext uri="{28A0092B-C50C-407E-A947-70E740481C1C}">
+                <a14:useLocalDpi xmlns:a14="http://schemas.microsoft.com/office/drawing/2010/main" val="0"/>
+              </a:ext>
+            </a:extLst>
+          </a:blip>
+          <a:srcRect l="25190" r="25955" b="38216"/>
+          <a:stretch/>
+        </p:blipFill>
+        <p:spPr>
+          <a:xfrm>
+            <a:off x="10734080" y="6172326"/>
+            <a:ext cx="677505" cy="627889"/>
+          </a:xfrm>
+          <a:prstGeom prst="rect">
+            <a:avLst/>
+          </a:prstGeom>
+        </p:spPr>
+      </p:pic>
+      <p:pic>
+        <p:nvPicPr>
+          <p:cNvPr id="20" name="Picture 19">
+            <a:extLst>
+              <a:ext uri="{FF2B5EF4-FFF2-40B4-BE49-F238E27FC236}">
+                <a16:creationId xmlns:a16="http://schemas.microsoft.com/office/drawing/2014/main" id="{1DBAE88E-FFC9-4BC0-9DE5-9B7CA7691256}"/>
+              </a:ext>
+            </a:extLst>
+          </p:cNvPr>
+          <p:cNvPicPr>
+            <a:picLocks noChangeAspect="1"/>
+          </p:cNvPicPr>
+          <p:nvPr/>
+        </p:nvPicPr>
         <p:blipFill>
-          <a:blip r:embed="rId2" cstate="print">
+          <a:blip r:embed="rId3" cstate="print">
             <a:extLst>
               <a:ext uri="{28A0092B-C50C-407E-A947-70E740481C1C}">
                 <a14:useLocalDpi xmlns:a14="http://schemas.microsoft.com/office/drawing/2010/main" val="0"/>
@@ -2515,47 +2594,83 @@
           </a:prstGeom>
         </p:spPr>
       </p:pic>
+      <p:sp>
+        <p:nvSpPr>
+          <p:cNvPr id="21" name="Textfeld 99">
+            <a:extLst>
+              <a:ext uri="{FF2B5EF4-FFF2-40B4-BE49-F238E27FC236}">
+                <a16:creationId xmlns:a16="http://schemas.microsoft.com/office/drawing/2014/main" id="{0803C2D1-1B12-4681-99BA-94ACF45F635F}"/>
+              </a:ext>
+            </a:extLst>
+          </p:cNvPr>
+          <p:cNvSpPr txBox="1"/>
+          <p:nvPr/>
+        </p:nvSpPr>
+        <p:spPr>
+          <a:xfrm>
+            <a:off x="-10886" y="152400"/>
+            <a:ext cx="12192000" cy="353943"/>
+          </a:xfrm>
+          <a:prstGeom prst="rect">
+            <a:avLst/>
+          </a:prstGeom>
+          <a:noFill/>
+        </p:spPr>
+        <p:txBody>
+          <a:bodyPr wrap="square" rtlCol="0">
+            <a:spAutoFit/>
+          </a:bodyPr>
+          <a:lstStyle/>
+          <a:p>
+            <a:pPr algn="ctr"/>
+            <a:r>
+              <a:rPr lang="en-US" sz="1700">
+                <a:latin typeface="Futura"/>
+                <a:cs typeface="Times New Roman" panose="02020603050405020304" pitchFamily="18" charset="0"/>
+              </a:rPr>
+              <a:t>Active learning method</a:t>
+            </a:r>
+            <a:r>
+              <a:rPr lang="de-DE" sz="1700">
+                <a:latin typeface="Futura"/>
+                <a:cs typeface="Times New Roman" panose="02020603050405020304" pitchFamily="18" charset="0"/>
+              </a:rPr>
+              <a:t> </a:t>
+            </a:r>
+            <a:r>
+              <a:rPr lang="en-US" sz="1700">
+                <a:latin typeface="Futura"/>
+                <a:cs typeface="Times New Roman" panose="02020603050405020304" pitchFamily="18" charset="0"/>
+              </a:rPr>
+              <a:t>for</a:t>
+            </a:r>
+            <a:r>
+              <a:rPr lang="de-DE" sz="1700">
+                <a:latin typeface="Futura"/>
+                <a:cs typeface="Times New Roman" panose="02020603050405020304" pitchFamily="18" charset="0"/>
+              </a:rPr>
+              <a:t> </a:t>
+            </a:r>
+            <a:r>
+              <a:rPr lang="en-US" sz="1700">
+                <a:latin typeface="Futura"/>
+                <a:cs typeface="Times New Roman" panose="02020603050405020304" pitchFamily="18" charset="0"/>
+              </a:rPr>
+              <a:t>Virtual Support Vector Machine with self-learning constraints</a:t>
+            </a:r>
+            <a:endParaRPr lang="de-DE" sz="1700" dirty="0">
+              <a:latin typeface="Futura"/>
+              <a:cs typeface="Times New Roman" panose="02020603050405020304" pitchFamily="18" charset="0"/>
+            </a:endParaRPr>
+          </a:p>
+        </p:txBody>
+      </p:sp>
       <p:pic>
         <p:nvPicPr>
-          <p:cNvPr id="8" name="Picture 7">
-            <a:extLst>
-              <a:ext uri="{FF2B5EF4-FFF2-40B4-BE49-F238E27FC236}">
-                <a16:creationId xmlns:a16="http://schemas.microsoft.com/office/drawing/2014/main" id="{C300C08F-7400-4B95-9451-8B73FBF2A62E}"/>
-              </a:ext>
-            </a:extLst>
-          </p:cNvPr>
-          <p:cNvPicPr>
-            <a:picLocks noChangeAspect="1"/>
-          </p:cNvPicPr>
-          <p:nvPr/>
-        </p:nvPicPr>
-        <p:blipFill rotWithShape="1">
-          <a:blip r:embed="rId3">
-            <a:extLst>
-              <a:ext uri="{28A0092B-C50C-407E-A947-70E740481C1C}">
-                <a14:useLocalDpi xmlns:a14="http://schemas.microsoft.com/office/drawing/2010/main" val="0"/>
-              </a:ext>
-            </a:extLst>
-          </a:blip>
-          <a:srcRect l="25190" r="25955" b="38216"/>
-          <a:stretch/>
-        </p:blipFill>
-        <p:spPr>
-          <a:xfrm>
-            <a:off x="8295" y="6172200"/>
-            <a:ext cx="677505" cy="627889"/>
-          </a:xfrm>
-          <a:prstGeom prst="rect">
-            <a:avLst/>
-          </a:prstGeom>
-        </p:spPr>
-      </p:pic>
-      <p:pic>
-        <p:nvPicPr>
-          <p:cNvPr id="4" name="Picture 3">
-            <a:extLst>
-              <a:ext uri="{FF2B5EF4-FFF2-40B4-BE49-F238E27FC236}">
-                <a16:creationId xmlns:a16="http://schemas.microsoft.com/office/drawing/2014/main" id="{2F4AA90F-D82F-4C47-AEF5-D3A0609D33FD}"/>
+          <p:cNvPr id="11" name="Picture 10">
+            <a:extLst>
+              <a:ext uri="{FF2B5EF4-FFF2-40B4-BE49-F238E27FC236}">
+                <a16:creationId xmlns:a16="http://schemas.microsoft.com/office/drawing/2014/main" id="{8DEF8D20-4E77-42E0-AC9F-76C0EB050E29}"/>
               </a:ext>
             </a:extLst>
           </p:cNvPr>
@@ -2578,8 +2693,8 @@
         </p:blipFill>
         <p:spPr>
           <a:xfrm>
-            <a:off x="1809750" y="0"/>
-            <a:ext cx="8572500" cy="6858000"/>
+            <a:off x="838200" y="838200"/>
+            <a:ext cx="10284575" cy="4632027"/>
           </a:xfrm>
           <a:prstGeom prst="rect">
             <a:avLst/>
@@ -2589,7 +2704,7 @@
     </p:spTree>
     <p:extLst>
       <p:ext uri="{BB962C8B-B14F-4D97-AF65-F5344CB8AC3E}">
-        <p14:creationId xmlns:p14="http://schemas.microsoft.com/office/powerpoint/2010/main" val="3479168626"/>
+        <p14:creationId xmlns:p14="http://schemas.microsoft.com/office/powerpoint/2010/main" val="1582237575"/>
       </p:ext>
     </p:extLst>
   </p:cSld>
@@ -2692,7 +2807,7 @@
           <p:cNvPr id="4" name="Picture 3">
             <a:extLst>
               <a:ext uri="{FF2B5EF4-FFF2-40B4-BE49-F238E27FC236}">
-                <a16:creationId xmlns:a16="http://schemas.microsoft.com/office/drawing/2014/main" id="{31FAEA5C-25FD-4AEE-8EAA-8E7BAF51B8AC}"/>
+                <a16:creationId xmlns:a16="http://schemas.microsoft.com/office/drawing/2014/main" id="{2F4AA90F-D82F-4C47-AEF5-D3A0609D33FD}"/>
               </a:ext>
             </a:extLst>
           </p:cNvPr>
@@ -2726,7 +2841,7 @@
     </p:spTree>
     <p:extLst>
       <p:ext uri="{BB962C8B-B14F-4D97-AF65-F5344CB8AC3E}">
-        <p14:creationId xmlns:p14="http://schemas.microsoft.com/office/powerpoint/2010/main" val="1463249048"/>
+        <p14:creationId xmlns:p14="http://schemas.microsoft.com/office/powerpoint/2010/main" val="3479168626"/>
       </p:ext>
     </p:extLst>
   </p:cSld>
@@ -2826,10 +2941,10 @@
       </p:pic>
       <p:pic>
         <p:nvPicPr>
-          <p:cNvPr id="3" name="Picture 2">
-            <a:extLst>
-              <a:ext uri="{FF2B5EF4-FFF2-40B4-BE49-F238E27FC236}">
-                <a16:creationId xmlns:a16="http://schemas.microsoft.com/office/drawing/2014/main" id="{5D95E256-F968-4D69-8829-1AD4807CFF64}"/>
+          <p:cNvPr id="4" name="Picture 3">
+            <a:extLst>
+              <a:ext uri="{FF2B5EF4-FFF2-40B4-BE49-F238E27FC236}">
+                <a16:creationId xmlns:a16="http://schemas.microsoft.com/office/drawing/2014/main" id="{31FAEA5C-25FD-4AEE-8EAA-8E7BAF51B8AC}"/>
               </a:ext>
             </a:extLst>
           </p:cNvPr>
@@ -2863,7 +2978,7 @@
     </p:spTree>
     <p:extLst>
       <p:ext uri="{BB962C8B-B14F-4D97-AF65-F5344CB8AC3E}">
-        <p14:creationId xmlns:p14="http://schemas.microsoft.com/office/powerpoint/2010/main" val="3832956685"/>
+        <p14:creationId xmlns:p14="http://schemas.microsoft.com/office/powerpoint/2010/main" val="1463249048"/>
       </p:ext>
     </p:extLst>
   </p:cSld>
@@ -2963,6 +3078,143 @@
       </p:pic>
       <p:pic>
         <p:nvPicPr>
+          <p:cNvPr id="3" name="Picture 2">
+            <a:extLst>
+              <a:ext uri="{FF2B5EF4-FFF2-40B4-BE49-F238E27FC236}">
+                <a16:creationId xmlns:a16="http://schemas.microsoft.com/office/drawing/2014/main" id="{5D95E256-F968-4D69-8829-1AD4807CFF64}"/>
+              </a:ext>
+            </a:extLst>
+          </p:cNvPr>
+          <p:cNvPicPr>
+            <a:picLocks noChangeAspect="1"/>
+          </p:cNvPicPr>
+          <p:nvPr/>
+        </p:nvPicPr>
+        <p:blipFill>
+          <a:blip r:embed="rId4">
+            <a:extLst>
+              <a:ext uri="{28A0092B-C50C-407E-A947-70E740481C1C}">
+                <a14:useLocalDpi xmlns:a14="http://schemas.microsoft.com/office/drawing/2010/main" val="0"/>
+              </a:ext>
+            </a:extLst>
+          </a:blip>
+          <a:stretch>
+            <a:fillRect/>
+          </a:stretch>
+        </p:blipFill>
+        <p:spPr>
+          <a:xfrm>
+            <a:off x="1809750" y="0"/>
+            <a:ext cx="8572500" cy="6858000"/>
+          </a:xfrm>
+          <a:prstGeom prst="rect">
+            <a:avLst/>
+          </a:prstGeom>
+        </p:spPr>
+      </p:pic>
+    </p:spTree>
+    <p:extLst>
+      <p:ext uri="{BB962C8B-B14F-4D97-AF65-F5344CB8AC3E}">
+        <p14:creationId xmlns:p14="http://schemas.microsoft.com/office/powerpoint/2010/main" val="3832956685"/>
+      </p:ext>
+    </p:extLst>
+  </p:cSld>
+  <p:clrMapOvr>
+    <a:masterClrMapping/>
+  </p:clrMapOvr>
+</p:sld>
+</file>
+
+<file path=ppt/slides/slide14.xml><?xml version="1.0" encoding="utf-8"?>
+<p:sld xmlns:a="http://schemas.openxmlformats.org/drawingml/2006/main" xmlns:r="http://schemas.openxmlformats.org/officeDocument/2006/relationships" xmlns:p="http://schemas.openxmlformats.org/presentationml/2006/main" showMasterSp="0">
+  <p:cSld>
+    <p:spTree>
+      <p:nvGrpSpPr>
+        <p:cNvPr id="1" name=""/>
+        <p:cNvGrpSpPr/>
+        <p:nvPr/>
+      </p:nvGrpSpPr>
+      <p:grpSpPr>
+        <a:xfrm>
+          <a:off x="0" y="0"/>
+          <a:ext cx="0" cy="0"/>
+          <a:chOff x="0" y="0"/>
+          <a:chExt cx="0" cy="0"/>
+        </a:xfrm>
+      </p:grpSpPr>
+      <p:pic>
+        <p:nvPicPr>
+          <p:cNvPr id="7" name="Picture 6">
+            <a:extLst>
+              <a:ext uri="{FF2B5EF4-FFF2-40B4-BE49-F238E27FC236}">
+                <a16:creationId xmlns:a16="http://schemas.microsoft.com/office/drawing/2014/main" id="{B220E16B-DFF0-42A7-836E-E7D494F2B637}"/>
+              </a:ext>
+            </a:extLst>
+          </p:cNvPr>
+          <p:cNvPicPr>
+            <a:picLocks noChangeAspect="1"/>
+          </p:cNvPicPr>
+          <p:nvPr/>
+        </p:nvPicPr>
+        <p:blipFill>
+          <a:blip r:embed="rId2" cstate="print">
+            <a:extLst>
+              <a:ext uri="{28A0092B-C50C-407E-A947-70E740481C1C}">
+                <a14:useLocalDpi xmlns:a14="http://schemas.microsoft.com/office/drawing/2010/main" val="0"/>
+              </a:ext>
+            </a:extLst>
+          </a:blip>
+          <a:stretch>
+            <a:fillRect/>
+          </a:stretch>
+        </p:blipFill>
+        <p:spPr>
+          <a:xfrm>
+            <a:off x="11506200" y="6172200"/>
+            <a:ext cx="628015" cy="628015"/>
+          </a:xfrm>
+          <a:prstGeom prst="rect">
+            <a:avLst/>
+          </a:prstGeom>
+        </p:spPr>
+      </p:pic>
+      <p:pic>
+        <p:nvPicPr>
+          <p:cNvPr id="8" name="Picture 7">
+            <a:extLst>
+              <a:ext uri="{FF2B5EF4-FFF2-40B4-BE49-F238E27FC236}">
+                <a16:creationId xmlns:a16="http://schemas.microsoft.com/office/drawing/2014/main" id="{C300C08F-7400-4B95-9451-8B73FBF2A62E}"/>
+              </a:ext>
+            </a:extLst>
+          </p:cNvPr>
+          <p:cNvPicPr>
+            <a:picLocks noChangeAspect="1"/>
+          </p:cNvPicPr>
+          <p:nvPr/>
+        </p:nvPicPr>
+        <p:blipFill rotWithShape="1">
+          <a:blip r:embed="rId3">
+            <a:extLst>
+              <a:ext uri="{28A0092B-C50C-407E-A947-70E740481C1C}">
+                <a14:useLocalDpi xmlns:a14="http://schemas.microsoft.com/office/drawing/2010/main" val="0"/>
+              </a:ext>
+            </a:extLst>
+          </a:blip>
+          <a:srcRect l="25190" r="25955" b="38216"/>
+          <a:stretch/>
+        </p:blipFill>
+        <p:spPr>
+          <a:xfrm>
+            <a:off x="8295" y="6172200"/>
+            <a:ext cx="677505" cy="627889"/>
+          </a:xfrm>
+          <a:prstGeom prst="rect">
+            <a:avLst/>
+          </a:prstGeom>
+        </p:spPr>
+      </p:pic>
+      <p:pic>
+        <p:nvPicPr>
           <p:cNvPr id="4" name="Picture 3">
             <a:extLst>
               <a:ext uri="{FF2B5EF4-FFF2-40B4-BE49-F238E27FC236}">
@@ -3010,7 +3262,7 @@
 </p:sld>
 </file>
 
-<file path=ppt/slides/slide14.xml><?xml version="1.0" encoding="utf-8"?>
+<file path=ppt/slides/slide15.xml><?xml version="1.0" encoding="utf-8"?>
 <p:sld xmlns:a="http://schemas.openxmlformats.org/drawingml/2006/main" xmlns:r="http://schemas.openxmlformats.org/officeDocument/2006/relationships" xmlns:p="http://schemas.openxmlformats.org/presentationml/2006/main" showMasterSp="0">
   <p:cSld>
     <p:spTree>
@@ -10373,11 +10625,12 @@
 </file>
 
 <file path=customXml/item1.xml><?xml version="1.0" encoding="utf-8"?>
-<p:properties xmlns:p="http://schemas.microsoft.com/office/2006/metadata/properties" xmlns:xsi="http://www.w3.org/2001/XMLSchema-instance" xmlns:pc="http://schemas.microsoft.com/office/infopath/2007/PartnerControls">
-  <documentManagement>
-    <_activity xmlns="c9eab120-891d-4e75-bbb7-983661d36c9c" xsi:nil="true"/>
-  </documentManagement>
-</p:properties>
+<?mso-contentType ?>
+<FormTemplates xmlns="http://schemas.microsoft.com/sharepoint/v3/contenttype/forms">
+  <Display>DocumentLibraryForm</Display>
+  <Edit>DocumentLibraryForm</Edit>
+  <New>DocumentLibraryForm</New>
+</FormTemplates>
 </file>
 
 <file path=customXml/item2.xml><?xml version="1.0" encoding="utf-8"?>
@@ -10610,27 +10863,17 @@
 </file>
 
 <file path=customXml/item3.xml><?xml version="1.0" encoding="utf-8"?>
-<?mso-contentType ?>
-<FormTemplates xmlns="http://schemas.microsoft.com/sharepoint/v3/contenttype/forms">
-  <Display>DocumentLibraryForm</Display>
-  <Edit>DocumentLibraryForm</Edit>
-  <New>DocumentLibraryForm</New>
-</FormTemplates>
+<p:properties xmlns:p="http://schemas.microsoft.com/office/2006/metadata/properties" xmlns:xsi="http://www.w3.org/2001/XMLSchema-instance" xmlns:pc="http://schemas.microsoft.com/office/infopath/2007/PartnerControls">
+  <documentManagement>
+    <_activity xmlns="c9eab120-891d-4e75-bbb7-983661d36c9c" xsi:nil="true"/>
+  </documentManagement>
+</p:properties>
 </file>
 
 <file path=customXml/itemProps1.xml><?xml version="1.0" encoding="utf-8"?>
-<ds:datastoreItem xmlns:ds="http://schemas.openxmlformats.org/officeDocument/2006/customXml" ds:itemID="{0935546A-FCFF-49CF-A534-6766F9A5EAFB}">
+<ds:datastoreItem xmlns:ds="http://schemas.openxmlformats.org/officeDocument/2006/customXml" ds:itemID="{29D72105-E419-4657-8EC8-6C73137ECF2E}">
   <ds:schemaRefs>
-    <ds:schemaRef ds:uri="http://schemas.openxmlformats.org/package/2006/metadata/core-properties"/>
-    <ds:schemaRef ds:uri="c9eab120-891d-4e75-bbb7-983661d36c9c"/>
-    <ds:schemaRef ds:uri="http://purl.org/dc/terms/"/>
-    <ds:schemaRef ds:uri="http://schemas.microsoft.com/office/2006/documentManagement/types"/>
-    <ds:schemaRef ds:uri="http://schemas.microsoft.com/office/infopath/2007/PartnerControls"/>
-    <ds:schemaRef ds:uri="http://purl.org/dc/elements/1.1/"/>
-    <ds:schemaRef ds:uri="2cbdb79f-05cb-4beb-bf79-a6aafc29ddd5"/>
-    <ds:schemaRef ds:uri="http://www.w3.org/XML/1998/namespace"/>
-    <ds:schemaRef ds:uri="http://schemas.microsoft.com/office/2006/metadata/properties"/>
-    <ds:schemaRef ds:uri="http://purl.org/dc/dcmitype/"/>
+    <ds:schemaRef ds:uri="http://schemas.microsoft.com/sharepoint/v3/contenttype/forms"/>
   </ds:schemaRefs>
 </ds:datastoreItem>
 </file>
@@ -10655,9 +10898,18 @@
 </file>
 
 <file path=customXml/itemProps3.xml><?xml version="1.0" encoding="utf-8"?>
-<ds:datastoreItem xmlns:ds="http://schemas.openxmlformats.org/officeDocument/2006/customXml" ds:itemID="{29D72105-E419-4657-8EC8-6C73137ECF2E}">
+<ds:datastoreItem xmlns:ds="http://schemas.openxmlformats.org/officeDocument/2006/customXml" ds:itemID="{0935546A-FCFF-49CF-A534-6766F9A5EAFB}">
   <ds:schemaRefs>
-    <ds:schemaRef ds:uri="http://schemas.microsoft.com/sharepoint/v3/contenttype/forms"/>
+    <ds:schemaRef ds:uri="http://schemas.openxmlformats.org/package/2006/metadata/core-properties"/>
+    <ds:schemaRef ds:uri="c9eab120-891d-4e75-bbb7-983661d36c9c"/>
+    <ds:schemaRef ds:uri="http://purl.org/dc/terms/"/>
+    <ds:schemaRef ds:uri="http://schemas.microsoft.com/office/2006/documentManagement/types"/>
+    <ds:schemaRef ds:uri="http://schemas.microsoft.com/office/infopath/2007/PartnerControls"/>
+    <ds:schemaRef ds:uri="http://purl.org/dc/elements/1.1/"/>
+    <ds:schemaRef ds:uri="2cbdb79f-05cb-4beb-bf79-a6aafc29ddd5"/>
+    <ds:schemaRef ds:uri="http://www.w3.org/XML/1998/namespace"/>
+    <ds:schemaRef ds:uri="http://schemas.microsoft.com/office/2006/metadata/properties"/>
+    <ds:schemaRef ds:uri="http://purl.org/dc/dcmitype/"/>
   </ds:schemaRefs>
 </ds:datastoreItem>
 </file>
--- a/presentation_CARLASSARA_10601118.pptx
+++ b/presentation_CARLASSARA_10601118.pptx
@@ -5,7 +5,7 @@
     <p:sldMasterId id="2147483648" r:id="rId4"/>
   </p:sldMasterIdLst>
   <p:notesMasterIdLst>
-    <p:notesMasterId r:id="rId20"/>
+    <p:notesMasterId r:id="rId22"/>
   </p:notesMasterIdLst>
   <p:sldIdLst>
     <p:sldId id="256" r:id="rId5"/>
@@ -18,11 +18,13 @@
     <p:sldId id="315" r:id="rId12"/>
     <p:sldId id="319" r:id="rId13"/>
     <p:sldId id="323" r:id="rId14"/>
-    <p:sldId id="320" r:id="rId15"/>
-    <p:sldId id="321" r:id="rId16"/>
-    <p:sldId id="316" r:id="rId17"/>
-    <p:sldId id="322" r:id="rId18"/>
-    <p:sldId id="287" r:id="rId19"/>
+    <p:sldId id="325" r:id="rId15"/>
+    <p:sldId id="326" r:id="rId16"/>
+    <p:sldId id="320" r:id="rId17"/>
+    <p:sldId id="321" r:id="rId18"/>
+    <p:sldId id="316" r:id="rId19"/>
+    <p:sldId id="322" r:id="rId20"/>
+    <p:sldId id="287" r:id="rId21"/>
   </p:sldIdLst>
   <p:sldSz cx="12192000" cy="6858000"/>
   <p:notesSz cx="12192000" cy="6858000"/>
@@ -124,12 +126,12 @@
   <p:extLst>
     <p:ext uri="{EFAFB233-063F-42B5-8137-9DF3F51BA10A}">
       <p15:sldGuideLst xmlns:p15="http://schemas.microsoft.com/office/powerpoint/2012/main">
-        <p15:guide id="3" pos="336" userDrawn="1">
+        <p15:guide id="3" pos="240" userDrawn="1">
           <p15:clr>
             <a:srgbClr val="A4A3A4"/>
           </p15:clr>
         </p15:guide>
-        <p15:guide id="4" pos="7248" userDrawn="1">
+        <p15:guide id="4" pos="7440" userDrawn="1">
           <p15:clr>
             <a:srgbClr val="A4A3A4"/>
           </p15:clr>
@@ -246,7 +248,7 @@
           <a:p>
             <a:fld id="{2E347CE9-1F5D-4CEF-9CA7-664B3EF9808B}" type="datetimeFigureOut">
               <a:rPr lang="en-GB" smtClean="0"/>
-              <a:t>28/06/2024</a:t>
+              <a:t>09/07/2024</a:t>
             </a:fld>
             <a:endParaRPr lang="en-GB"/>
           </a:p>
@@ -653,7 +655,7 @@
           <a:p>
             <a:fld id="{1D8BD707-D9CF-40AE-B4C6-C98DA3205C09}" type="datetimeFigureOut">
               <a:rPr lang="en-US"/>
-              <a:t>6/28/2024</a:t>
+              <a:t>7/9/2024</a:t>
             </a:fld>
             <a:endParaRPr lang="en-US"/>
           </a:p>
@@ -828,7 +830,7 @@
           <a:p>
             <a:fld id="{1D8BD707-D9CF-40AE-B4C6-C98DA3205C09}" type="datetimeFigureOut">
               <a:rPr lang="en-US"/>
-              <a:t>6/28/2024</a:t>
+              <a:t>7/9/2024</a:t>
             </a:fld>
             <a:endParaRPr lang="en-US"/>
           </a:p>
@@ -1042,7 +1044,7 @@
           <a:p>
             <a:fld id="{1D8BD707-D9CF-40AE-B4C6-C98DA3205C09}" type="datetimeFigureOut">
               <a:rPr lang="en-US"/>
-              <a:t>6/28/2024</a:t>
+              <a:t>7/9/2024</a:t>
             </a:fld>
             <a:endParaRPr lang="en-US"/>
           </a:p>
@@ -1190,7 +1192,7 @@
           <a:p>
             <a:fld id="{1D8BD707-D9CF-40AE-B4C6-C98DA3205C09}" type="datetimeFigureOut">
               <a:rPr lang="en-US"/>
-              <a:t>6/28/2024</a:t>
+              <a:t>7/9/2024</a:t>
             </a:fld>
             <a:endParaRPr lang="en-US"/>
           </a:p>
@@ -1309,7 +1311,7 @@
           <a:p>
             <a:fld id="{1D8BD707-D9CF-40AE-B4C6-C98DA3205C09}" type="datetimeFigureOut">
               <a:rPr lang="en-US"/>
-              <a:t>6/28/2024</a:t>
+              <a:t>7/9/2024</a:t>
             </a:fld>
             <a:endParaRPr lang="en-US"/>
           </a:p>
@@ -1678,7 +1680,7 @@
           <a:p>
             <a:fld id="{1D8BD707-D9CF-40AE-B4C6-C98DA3205C09}" type="datetimeFigureOut">
               <a:rPr lang="en-US"/>
-              <a:t>6/28/2024</a:t>
+              <a:t>7/9/2024</a:t>
             </a:fld>
             <a:endParaRPr lang="en-US"/>
           </a:p>
@@ -2054,8 +2056,8 @@
         </p:nvSpPr>
         <p:spPr>
           <a:xfrm>
-            <a:off x="685799" y="2262639"/>
-            <a:ext cx="10820401" cy="4114800"/>
+            <a:off x="381000" y="2286000"/>
+            <a:ext cx="11430000" cy="4114800"/>
           </a:xfrm>
           <a:custGeom>
             <a:avLst/>
@@ -2195,7 +2197,7 @@
         </p:nvSpPr>
         <p:spPr>
           <a:xfrm>
-            <a:off x="4168137" y="5386398"/>
+            <a:off x="4168137" y="5409759"/>
             <a:ext cx="3886200" cy="412934"/>
           </a:xfrm>
           <a:prstGeom prst="rect">
@@ -2249,8 +2251,8 @@
         </p:nvSpPr>
         <p:spPr>
           <a:xfrm>
-            <a:off x="685800" y="3113504"/>
-            <a:ext cx="10820400" cy="1938992"/>
+            <a:off x="381000" y="3136865"/>
+            <a:ext cx="11429999" cy="1938992"/>
           </a:xfrm>
           <a:prstGeom prst="rect">
             <a:avLst/>
@@ -2268,15 +2270,52 @@
                 <a:solidFill>
                   <a:srgbClr val="FFFFFF"/>
                 </a:solidFill>
-                <a:effectLst/>
                 <a:latin typeface="Futura"/>
                 <a:cs typeface="Microsoft Sans Serif"/>
               </a:rPr>
-              <a:t>Active Learning Method with</a:t>
-            </a:r>
+              <a:t>Virtual Support </a:t>
+            </a:r>
+            <a:r>
+              <a:rPr lang="it-IT" sz="4000" spc="-5" dirty="0" err="1">
+                <a:solidFill>
+                  <a:srgbClr val="FFFFFF"/>
+                </a:solidFill>
+                <a:latin typeface="Futura"/>
+                <a:cs typeface="Microsoft Sans Serif"/>
+              </a:rPr>
+              <a:t>Vector</a:t>
+            </a:r>
+            <a:r>
+              <a:rPr lang="it-IT" sz="4000" spc="-5" dirty="0">
+                <a:solidFill>
+                  <a:srgbClr val="FFFFFF"/>
+                </a:solidFill>
+                <a:latin typeface="Futura"/>
+                <a:cs typeface="Microsoft Sans Serif"/>
+              </a:rPr>
+              <a:t> Machine </a:t>
+            </a:r>
+            <a:endParaRPr lang="it-IT" sz="4000" spc="-5" dirty="0">
+              <a:solidFill>
+                <a:srgbClr val="FFFFFF"/>
+              </a:solidFill>
+              <a:effectLst/>
+              <a:latin typeface="Futura"/>
+              <a:cs typeface="Microsoft Sans Serif"/>
+            </a:endParaRPr>
           </a:p>
           <a:p>
             <a:pPr algn="ctr"/>
+            <a:r>
+              <a:rPr lang="it-IT" sz="4000" spc="-5" dirty="0">
+                <a:solidFill>
+                  <a:srgbClr val="FFFFFF"/>
+                </a:solidFill>
+                <a:latin typeface="Futura"/>
+                <a:cs typeface="Microsoft Sans Serif"/>
+              </a:rPr>
+              <a:t>with Active </a:t>
+            </a:r>
             <a:r>
               <a:rPr lang="it-IT" sz="4000" spc="-5" dirty="0">
                 <a:solidFill>
@@ -2286,7 +2325,21 @@
                 <a:latin typeface="Futura"/>
                 <a:cs typeface="Microsoft Sans Serif"/>
               </a:rPr>
-              <a:t>Virtual Support </a:t>
+              <a:t>Learning Method</a:t>
+            </a:r>
+          </a:p>
+          <a:p>
+            <a:pPr algn="ctr"/>
+            <a:r>
+              <a:rPr lang="it-IT" sz="4000" spc="-5" dirty="0">
+                <a:solidFill>
+                  <a:srgbClr val="FFFFFF"/>
+                </a:solidFill>
+                <a:effectLst/>
+                <a:latin typeface="Futura"/>
+                <a:cs typeface="Microsoft Sans Serif"/>
+              </a:rPr>
+              <a:t>for </a:t>
             </a:r>
             <a:r>
               <a:rPr lang="it-IT" sz="4000" spc="-5" dirty="0" err="1">
@@ -2297,7 +2350,7 @@
                 <a:latin typeface="Futura"/>
                 <a:cs typeface="Microsoft Sans Serif"/>
               </a:rPr>
-              <a:t>Vector</a:t>
+              <a:t>Multispectral</a:t>
             </a:r>
             <a:r>
               <a:rPr lang="it-IT" sz="4000" spc="-5" dirty="0">
@@ -2308,7 +2361,7 @@
                 <a:latin typeface="Futura"/>
                 <a:cs typeface="Microsoft Sans Serif"/>
               </a:rPr>
-              <a:t> </a:t>
+              <a:t> Image </a:t>
             </a:r>
             <a:r>
               <a:rPr lang="it-IT" sz="4000" spc="-5" dirty="0" err="1">
@@ -2319,53 +2372,6 @@
                 <a:latin typeface="Futura"/>
                 <a:cs typeface="Microsoft Sans Serif"/>
               </a:rPr>
-              <a:t>Machines</a:t>
-            </a:r>
-            <a:r>
-              <a:rPr lang="it-IT" sz="4000" spc="-5" dirty="0">
-                <a:solidFill>
-                  <a:srgbClr val="FFFFFF"/>
-                </a:solidFill>
-                <a:effectLst/>
-                <a:latin typeface="Futura"/>
-                <a:cs typeface="Microsoft Sans Serif"/>
-              </a:rPr>
-              <a:t> for </a:t>
-            </a:r>
-          </a:p>
-          <a:p>
-            <a:pPr algn="ctr"/>
-            <a:r>
-              <a:rPr lang="it-IT" sz="4000" spc="-5" dirty="0" err="1">
-                <a:solidFill>
-                  <a:srgbClr val="FFFFFF"/>
-                </a:solidFill>
-                <a:effectLst/>
-                <a:latin typeface="Futura"/>
-                <a:cs typeface="Microsoft Sans Serif"/>
-              </a:rPr>
-              <a:t>Hyperspectral</a:t>
-            </a:r>
-            <a:r>
-              <a:rPr lang="it-IT" sz="4000" spc="-5" dirty="0">
-                <a:solidFill>
-                  <a:srgbClr val="FFFFFF"/>
-                </a:solidFill>
-                <a:effectLst/>
-                <a:latin typeface="Futura"/>
-                <a:cs typeface="Microsoft Sans Serif"/>
-              </a:rPr>
-              <a:t> Image </a:t>
-            </a:r>
-            <a:r>
-              <a:rPr lang="it-IT" sz="4000" spc="-5" dirty="0" err="1">
-                <a:solidFill>
-                  <a:srgbClr val="FFFFFF"/>
-                </a:solidFill>
-                <a:effectLst/>
-                <a:latin typeface="Futura"/>
-                <a:cs typeface="Microsoft Sans Serif"/>
-              </a:rPr>
               <a:t>Classification</a:t>
             </a:r>
             <a:endParaRPr lang="en-GB" sz="4000" dirty="0">
@@ -2389,7 +2395,7 @@
         </p:nvSpPr>
         <p:spPr>
           <a:xfrm>
-            <a:off x="5500508" y="5915400"/>
+            <a:off x="5500508" y="5938761"/>
             <a:ext cx="1152880" cy="338554"/>
           </a:xfrm>
           <a:prstGeom prst="rect">
@@ -2667,10 +2673,10 @@
       </p:sp>
       <p:pic>
         <p:nvPicPr>
-          <p:cNvPr id="11" name="Picture 10">
-            <a:extLst>
-              <a:ext uri="{FF2B5EF4-FFF2-40B4-BE49-F238E27FC236}">
-                <a16:creationId xmlns:a16="http://schemas.microsoft.com/office/drawing/2014/main" id="{8DEF8D20-4E77-42E0-AC9F-76C0EB050E29}"/>
+          <p:cNvPr id="9" name="Picture 8">
+            <a:extLst>
+              <a:ext uri="{FF2B5EF4-FFF2-40B4-BE49-F238E27FC236}">
+                <a16:creationId xmlns:a16="http://schemas.microsoft.com/office/drawing/2014/main" id="{3C1FB4F2-E763-40AE-8788-8D86F0F83971}"/>
               </a:ext>
             </a:extLst>
           </p:cNvPr>
@@ -2693,8 +2699,8 @@
         </p:blipFill>
         <p:spPr>
           <a:xfrm>
-            <a:off x="838200" y="838200"/>
-            <a:ext cx="10284575" cy="4632027"/>
+            <a:off x="838292" y="838200"/>
+            <a:ext cx="10284483" cy="4620647"/>
           </a:xfrm>
           <a:prstGeom prst="rect">
             <a:avLst/>
@@ -2731,12 +2737,55 @@
           <a:chExt cx="0" cy="0"/>
         </a:xfrm>
       </p:grpSpPr>
+      <p:sp>
+        <p:nvSpPr>
+          <p:cNvPr id="18" name="Rectangle 17">
+            <a:extLst>
+              <a:ext uri="{FF2B5EF4-FFF2-40B4-BE49-F238E27FC236}">
+                <a16:creationId xmlns:a16="http://schemas.microsoft.com/office/drawing/2014/main" id="{00681E6F-C40A-4ED0-9D53-D34104B4964F}"/>
+              </a:ext>
+            </a:extLst>
+          </p:cNvPr>
+          <p:cNvSpPr/>
+          <p:nvPr/>
+        </p:nvSpPr>
+        <p:spPr>
+          <a:xfrm>
+            <a:off x="228600" y="6359452"/>
+            <a:ext cx="2063385" cy="338554"/>
+          </a:xfrm>
+          <a:prstGeom prst="rect">
+            <a:avLst/>
+          </a:prstGeom>
+        </p:spPr>
+        <p:txBody>
+          <a:bodyPr wrap="none">
+            <a:spAutoFit/>
+          </a:bodyPr>
+          <a:lstStyle/>
+          <a:p>
+            <a:r>
+              <a:rPr lang="it-IT" sz="1600">
+                <a:latin typeface="Futura"/>
+                <a:ea typeface="Microsoft Sans Serif" panose="020B0604020202020204" pitchFamily="34" charset="0"/>
+                <a:cs typeface="Microsoft Sans Serif" panose="020B0604020202020204" pitchFamily="34" charset="0"/>
+              </a:rPr>
+              <a:t>Lorenzo Carlassara</a:t>
+            </a:r>
+            <a:endParaRPr lang="it-IT" sz="1600" dirty="0">
+              <a:latin typeface="Futura"/>
+              <a:ea typeface="Microsoft Sans Serif" panose="020B0604020202020204" pitchFamily="34" charset="0"/>
+              <a:cs typeface="Microsoft Sans Serif" panose="020B0604020202020204" pitchFamily="34" charset="0"/>
+            </a:endParaRPr>
+          </a:p>
+        </p:txBody>
+      </p:sp>
       <p:pic>
         <p:nvPicPr>
-          <p:cNvPr id="7" name="Picture 6">
-            <a:extLst>
-              <a:ext uri="{FF2B5EF4-FFF2-40B4-BE49-F238E27FC236}">
-                <a16:creationId xmlns:a16="http://schemas.microsoft.com/office/drawing/2014/main" id="{B220E16B-DFF0-42A7-836E-E7D494F2B637}"/>
+          <p:cNvPr id="19" name="Picture 18">
+            <a:extLst>
+              <a:ext uri="{FF2B5EF4-FFF2-40B4-BE49-F238E27FC236}">
+                <a16:creationId xmlns:a16="http://schemas.microsoft.com/office/drawing/2014/main" id="{B2B2A884-A15F-4E1B-9F93-24E6A16C5246}"/>
               </a:ext>
             </a:extLst>
           </p:cNvPr>
@@ -2745,8 +2794,43 @@
           </p:cNvPicPr>
           <p:nvPr/>
         </p:nvPicPr>
+        <p:blipFill rotWithShape="1">
+          <a:blip r:embed="rId2">
+            <a:extLst>
+              <a:ext uri="{28A0092B-C50C-407E-A947-70E740481C1C}">
+                <a14:useLocalDpi xmlns:a14="http://schemas.microsoft.com/office/drawing/2010/main" val="0"/>
+              </a:ext>
+            </a:extLst>
+          </a:blip>
+          <a:srcRect l="25190" r="25955" b="38216"/>
+          <a:stretch/>
+        </p:blipFill>
+        <p:spPr>
+          <a:xfrm>
+            <a:off x="10734080" y="6172326"/>
+            <a:ext cx="677505" cy="627889"/>
+          </a:xfrm>
+          <a:prstGeom prst="rect">
+            <a:avLst/>
+          </a:prstGeom>
+        </p:spPr>
+      </p:pic>
+      <p:pic>
+        <p:nvPicPr>
+          <p:cNvPr id="20" name="Picture 19">
+            <a:extLst>
+              <a:ext uri="{FF2B5EF4-FFF2-40B4-BE49-F238E27FC236}">
+                <a16:creationId xmlns:a16="http://schemas.microsoft.com/office/drawing/2014/main" id="{1DBAE88E-FFC9-4BC0-9DE5-9B7CA7691256}"/>
+              </a:ext>
+            </a:extLst>
+          </p:cNvPr>
+          <p:cNvPicPr>
+            <a:picLocks noChangeAspect="1"/>
+          </p:cNvPicPr>
+          <p:nvPr/>
+        </p:nvPicPr>
         <p:blipFill>
-          <a:blip r:embed="rId2" cstate="print">
+          <a:blip r:embed="rId3" cstate="print">
             <a:extLst>
               <a:ext uri="{28A0092B-C50C-407E-A947-70E740481C1C}">
                 <a14:useLocalDpi xmlns:a14="http://schemas.microsoft.com/office/drawing/2010/main" val="0"/>
@@ -2767,47 +2851,83 @@
           </a:prstGeom>
         </p:spPr>
       </p:pic>
+      <p:sp>
+        <p:nvSpPr>
+          <p:cNvPr id="21" name="Textfeld 99">
+            <a:extLst>
+              <a:ext uri="{FF2B5EF4-FFF2-40B4-BE49-F238E27FC236}">
+                <a16:creationId xmlns:a16="http://schemas.microsoft.com/office/drawing/2014/main" id="{0803C2D1-1B12-4681-99BA-94ACF45F635F}"/>
+              </a:ext>
+            </a:extLst>
+          </p:cNvPr>
+          <p:cNvSpPr txBox="1"/>
+          <p:nvPr/>
+        </p:nvSpPr>
+        <p:spPr>
+          <a:xfrm>
+            <a:off x="-10886" y="152400"/>
+            <a:ext cx="12192000" cy="353943"/>
+          </a:xfrm>
+          <a:prstGeom prst="rect">
+            <a:avLst/>
+          </a:prstGeom>
+          <a:noFill/>
+        </p:spPr>
+        <p:txBody>
+          <a:bodyPr wrap="square" rtlCol="0">
+            <a:spAutoFit/>
+          </a:bodyPr>
+          <a:lstStyle/>
+          <a:p>
+            <a:pPr algn="ctr"/>
+            <a:r>
+              <a:rPr lang="en-US" sz="1700">
+                <a:latin typeface="Futura"/>
+                <a:cs typeface="Times New Roman" panose="02020603050405020304" pitchFamily="18" charset="0"/>
+              </a:rPr>
+              <a:t>Active learning method</a:t>
+            </a:r>
+            <a:r>
+              <a:rPr lang="de-DE" sz="1700">
+                <a:latin typeface="Futura"/>
+                <a:cs typeface="Times New Roman" panose="02020603050405020304" pitchFamily="18" charset="0"/>
+              </a:rPr>
+              <a:t> </a:t>
+            </a:r>
+            <a:r>
+              <a:rPr lang="en-US" sz="1700">
+                <a:latin typeface="Futura"/>
+                <a:cs typeface="Times New Roman" panose="02020603050405020304" pitchFamily="18" charset="0"/>
+              </a:rPr>
+              <a:t>for</a:t>
+            </a:r>
+            <a:r>
+              <a:rPr lang="de-DE" sz="1700">
+                <a:latin typeface="Futura"/>
+                <a:cs typeface="Times New Roman" panose="02020603050405020304" pitchFamily="18" charset="0"/>
+              </a:rPr>
+              <a:t> </a:t>
+            </a:r>
+            <a:r>
+              <a:rPr lang="en-US" sz="1700">
+                <a:latin typeface="Futura"/>
+                <a:cs typeface="Times New Roman" panose="02020603050405020304" pitchFamily="18" charset="0"/>
+              </a:rPr>
+              <a:t>Virtual Support Vector Machine with self-learning constraints</a:t>
+            </a:r>
+            <a:endParaRPr lang="de-DE" sz="1700" dirty="0">
+              <a:latin typeface="Futura"/>
+              <a:cs typeface="Times New Roman" panose="02020603050405020304" pitchFamily="18" charset="0"/>
+            </a:endParaRPr>
+          </a:p>
+        </p:txBody>
+      </p:sp>
       <p:pic>
         <p:nvPicPr>
-          <p:cNvPr id="8" name="Picture 7">
-            <a:extLst>
-              <a:ext uri="{FF2B5EF4-FFF2-40B4-BE49-F238E27FC236}">
-                <a16:creationId xmlns:a16="http://schemas.microsoft.com/office/drawing/2014/main" id="{C300C08F-7400-4B95-9451-8B73FBF2A62E}"/>
-              </a:ext>
-            </a:extLst>
-          </p:cNvPr>
-          <p:cNvPicPr>
-            <a:picLocks noChangeAspect="1"/>
-          </p:cNvPicPr>
-          <p:nvPr/>
-        </p:nvPicPr>
-        <p:blipFill rotWithShape="1">
-          <a:blip r:embed="rId3">
-            <a:extLst>
-              <a:ext uri="{28A0092B-C50C-407E-A947-70E740481C1C}">
-                <a14:useLocalDpi xmlns:a14="http://schemas.microsoft.com/office/drawing/2010/main" val="0"/>
-              </a:ext>
-            </a:extLst>
-          </a:blip>
-          <a:srcRect l="25190" r="25955" b="38216"/>
-          <a:stretch/>
-        </p:blipFill>
-        <p:spPr>
-          <a:xfrm>
-            <a:off x="8295" y="6172200"/>
-            <a:ext cx="677505" cy="627889"/>
-          </a:xfrm>
-          <a:prstGeom prst="rect">
-            <a:avLst/>
-          </a:prstGeom>
-        </p:spPr>
-      </p:pic>
-      <p:pic>
-        <p:nvPicPr>
-          <p:cNvPr id="4" name="Picture 3">
-            <a:extLst>
-              <a:ext uri="{FF2B5EF4-FFF2-40B4-BE49-F238E27FC236}">
-                <a16:creationId xmlns:a16="http://schemas.microsoft.com/office/drawing/2014/main" id="{2F4AA90F-D82F-4C47-AEF5-D3A0609D33FD}"/>
+          <p:cNvPr id="22" name="Picture 21">
+            <a:extLst>
+              <a:ext uri="{FF2B5EF4-FFF2-40B4-BE49-F238E27FC236}">
+                <a16:creationId xmlns:a16="http://schemas.microsoft.com/office/drawing/2014/main" id="{25A41A61-5800-4F87-ABCE-A63B4DBBBC43}"/>
               </a:ext>
             </a:extLst>
           </p:cNvPr>
@@ -2830,8 +2950,8 @@
         </p:blipFill>
         <p:spPr>
           <a:xfrm>
-            <a:off x="1809750" y="0"/>
-            <a:ext cx="8572500" cy="6858000"/>
+            <a:off x="838200" y="830941"/>
+            <a:ext cx="10062669" cy="4751029"/>
           </a:xfrm>
           <a:prstGeom prst="rect">
             <a:avLst/>
@@ -2841,7 +2961,7 @@
     </p:spTree>
     <p:extLst>
       <p:ext uri="{BB962C8B-B14F-4D97-AF65-F5344CB8AC3E}">
-        <p14:creationId xmlns:p14="http://schemas.microsoft.com/office/powerpoint/2010/main" val="3479168626"/>
+        <p14:creationId xmlns:p14="http://schemas.microsoft.com/office/powerpoint/2010/main" val="133106940"/>
       </p:ext>
     </p:extLst>
   </p:cSld>
@@ -2868,12 +2988,55 @@
           <a:chExt cx="0" cy="0"/>
         </a:xfrm>
       </p:grpSpPr>
+      <p:sp>
+        <p:nvSpPr>
+          <p:cNvPr id="18" name="Rectangle 17">
+            <a:extLst>
+              <a:ext uri="{FF2B5EF4-FFF2-40B4-BE49-F238E27FC236}">
+                <a16:creationId xmlns:a16="http://schemas.microsoft.com/office/drawing/2014/main" id="{00681E6F-C40A-4ED0-9D53-D34104B4964F}"/>
+              </a:ext>
+            </a:extLst>
+          </p:cNvPr>
+          <p:cNvSpPr/>
+          <p:nvPr/>
+        </p:nvSpPr>
+        <p:spPr>
+          <a:xfrm>
+            <a:off x="228600" y="6359452"/>
+            <a:ext cx="2063385" cy="338554"/>
+          </a:xfrm>
+          <a:prstGeom prst="rect">
+            <a:avLst/>
+          </a:prstGeom>
+        </p:spPr>
+        <p:txBody>
+          <a:bodyPr wrap="none">
+            <a:spAutoFit/>
+          </a:bodyPr>
+          <a:lstStyle/>
+          <a:p>
+            <a:r>
+              <a:rPr lang="it-IT" sz="1600">
+                <a:latin typeface="Futura"/>
+                <a:ea typeface="Microsoft Sans Serif" panose="020B0604020202020204" pitchFamily="34" charset="0"/>
+                <a:cs typeface="Microsoft Sans Serif" panose="020B0604020202020204" pitchFamily="34" charset="0"/>
+              </a:rPr>
+              <a:t>Lorenzo Carlassara</a:t>
+            </a:r>
+            <a:endParaRPr lang="it-IT" sz="1600" dirty="0">
+              <a:latin typeface="Futura"/>
+              <a:ea typeface="Microsoft Sans Serif" panose="020B0604020202020204" pitchFamily="34" charset="0"/>
+              <a:cs typeface="Microsoft Sans Serif" panose="020B0604020202020204" pitchFamily="34" charset="0"/>
+            </a:endParaRPr>
+          </a:p>
+        </p:txBody>
+      </p:sp>
       <p:pic>
         <p:nvPicPr>
-          <p:cNvPr id="7" name="Picture 6">
-            <a:extLst>
-              <a:ext uri="{FF2B5EF4-FFF2-40B4-BE49-F238E27FC236}">
-                <a16:creationId xmlns:a16="http://schemas.microsoft.com/office/drawing/2014/main" id="{B220E16B-DFF0-42A7-836E-E7D494F2B637}"/>
+          <p:cNvPr id="19" name="Picture 18">
+            <a:extLst>
+              <a:ext uri="{FF2B5EF4-FFF2-40B4-BE49-F238E27FC236}">
+                <a16:creationId xmlns:a16="http://schemas.microsoft.com/office/drawing/2014/main" id="{B2B2A884-A15F-4E1B-9F93-24E6A16C5246}"/>
               </a:ext>
             </a:extLst>
           </p:cNvPr>
@@ -2882,8 +3045,43 @@
           </p:cNvPicPr>
           <p:nvPr/>
         </p:nvPicPr>
+        <p:blipFill rotWithShape="1">
+          <a:blip r:embed="rId2">
+            <a:extLst>
+              <a:ext uri="{28A0092B-C50C-407E-A947-70E740481C1C}">
+                <a14:useLocalDpi xmlns:a14="http://schemas.microsoft.com/office/drawing/2010/main" val="0"/>
+              </a:ext>
+            </a:extLst>
+          </a:blip>
+          <a:srcRect l="25190" r="25955" b="38216"/>
+          <a:stretch/>
+        </p:blipFill>
+        <p:spPr>
+          <a:xfrm>
+            <a:off x="10734080" y="6172326"/>
+            <a:ext cx="677505" cy="627889"/>
+          </a:xfrm>
+          <a:prstGeom prst="rect">
+            <a:avLst/>
+          </a:prstGeom>
+        </p:spPr>
+      </p:pic>
+      <p:pic>
+        <p:nvPicPr>
+          <p:cNvPr id="20" name="Picture 19">
+            <a:extLst>
+              <a:ext uri="{FF2B5EF4-FFF2-40B4-BE49-F238E27FC236}">
+                <a16:creationId xmlns:a16="http://schemas.microsoft.com/office/drawing/2014/main" id="{1DBAE88E-FFC9-4BC0-9DE5-9B7CA7691256}"/>
+              </a:ext>
+            </a:extLst>
+          </p:cNvPr>
+          <p:cNvPicPr>
+            <a:picLocks noChangeAspect="1"/>
+          </p:cNvPicPr>
+          <p:nvPr/>
+        </p:nvPicPr>
         <p:blipFill>
-          <a:blip r:embed="rId2" cstate="print">
+          <a:blip r:embed="rId3" cstate="print">
             <a:extLst>
               <a:ext uri="{28A0092B-C50C-407E-A947-70E740481C1C}">
                 <a14:useLocalDpi xmlns:a14="http://schemas.microsoft.com/office/drawing/2010/main" val="0"/>
@@ -2904,47 +3102,83 @@
           </a:prstGeom>
         </p:spPr>
       </p:pic>
+      <p:sp>
+        <p:nvSpPr>
+          <p:cNvPr id="21" name="Textfeld 99">
+            <a:extLst>
+              <a:ext uri="{FF2B5EF4-FFF2-40B4-BE49-F238E27FC236}">
+                <a16:creationId xmlns:a16="http://schemas.microsoft.com/office/drawing/2014/main" id="{0803C2D1-1B12-4681-99BA-94ACF45F635F}"/>
+              </a:ext>
+            </a:extLst>
+          </p:cNvPr>
+          <p:cNvSpPr txBox="1"/>
+          <p:nvPr/>
+        </p:nvSpPr>
+        <p:spPr>
+          <a:xfrm>
+            <a:off x="-10886" y="152400"/>
+            <a:ext cx="12192000" cy="353943"/>
+          </a:xfrm>
+          <a:prstGeom prst="rect">
+            <a:avLst/>
+          </a:prstGeom>
+          <a:noFill/>
+        </p:spPr>
+        <p:txBody>
+          <a:bodyPr wrap="square" rtlCol="0">
+            <a:spAutoFit/>
+          </a:bodyPr>
+          <a:lstStyle/>
+          <a:p>
+            <a:pPr algn="ctr"/>
+            <a:r>
+              <a:rPr lang="en-US" sz="1700">
+                <a:latin typeface="Futura"/>
+                <a:cs typeface="Times New Roman" panose="02020603050405020304" pitchFamily="18" charset="0"/>
+              </a:rPr>
+              <a:t>Active learning method</a:t>
+            </a:r>
+            <a:r>
+              <a:rPr lang="de-DE" sz="1700">
+                <a:latin typeface="Futura"/>
+                <a:cs typeface="Times New Roman" panose="02020603050405020304" pitchFamily="18" charset="0"/>
+              </a:rPr>
+              <a:t> </a:t>
+            </a:r>
+            <a:r>
+              <a:rPr lang="en-US" sz="1700">
+                <a:latin typeface="Futura"/>
+                <a:cs typeface="Times New Roman" panose="02020603050405020304" pitchFamily="18" charset="0"/>
+              </a:rPr>
+              <a:t>for</a:t>
+            </a:r>
+            <a:r>
+              <a:rPr lang="de-DE" sz="1700">
+                <a:latin typeface="Futura"/>
+                <a:cs typeface="Times New Roman" panose="02020603050405020304" pitchFamily="18" charset="0"/>
+              </a:rPr>
+              <a:t> </a:t>
+            </a:r>
+            <a:r>
+              <a:rPr lang="en-US" sz="1700">
+                <a:latin typeface="Futura"/>
+                <a:cs typeface="Times New Roman" panose="02020603050405020304" pitchFamily="18" charset="0"/>
+              </a:rPr>
+              <a:t>Virtual Support Vector Machine with self-learning constraints</a:t>
+            </a:r>
+            <a:endParaRPr lang="de-DE" sz="1700" dirty="0">
+              <a:latin typeface="Futura"/>
+              <a:cs typeface="Times New Roman" panose="02020603050405020304" pitchFamily="18" charset="0"/>
+            </a:endParaRPr>
+          </a:p>
+        </p:txBody>
+      </p:sp>
       <p:pic>
         <p:nvPicPr>
-          <p:cNvPr id="8" name="Picture 7">
-            <a:extLst>
-              <a:ext uri="{FF2B5EF4-FFF2-40B4-BE49-F238E27FC236}">
-                <a16:creationId xmlns:a16="http://schemas.microsoft.com/office/drawing/2014/main" id="{C300C08F-7400-4B95-9451-8B73FBF2A62E}"/>
-              </a:ext>
-            </a:extLst>
-          </p:cNvPr>
-          <p:cNvPicPr>
-            <a:picLocks noChangeAspect="1"/>
-          </p:cNvPicPr>
-          <p:nvPr/>
-        </p:nvPicPr>
-        <p:blipFill rotWithShape="1">
-          <a:blip r:embed="rId3">
-            <a:extLst>
-              <a:ext uri="{28A0092B-C50C-407E-A947-70E740481C1C}">
-                <a14:useLocalDpi xmlns:a14="http://schemas.microsoft.com/office/drawing/2010/main" val="0"/>
-              </a:ext>
-            </a:extLst>
-          </a:blip>
-          <a:srcRect l="25190" r="25955" b="38216"/>
-          <a:stretch/>
-        </p:blipFill>
-        <p:spPr>
-          <a:xfrm>
-            <a:off x="8295" y="6172200"/>
-            <a:ext cx="677505" cy="627889"/>
-          </a:xfrm>
-          <a:prstGeom prst="rect">
-            <a:avLst/>
-          </a:prstGeom>
-        </p:spPr>
-      </p:pic>
-      <p:pic>
-        <p:nvPicPr>
-          <p:cNvPr id="4" name="Picture 3">
-            <a:extLst>
-              <a:ext uri="{FF2B5EF4-FFF2-40B4-BE49-F238E27FC236}">
-                <a16:creationId xmlns:a16="http://schemas.microsoft.com/office/drawing/2014/main" id="{31FAEA5C-25FD-4AEE-8EAA-8E7BAF51B8AC}"/>
+          <p:cNvPr id="25" name="Picture 24">
+            <a:extLst>
+              <a:ext uri="{FF2B5EF4-FFF2-40B4-BE49-F238E27FC236}">
+                <a16:creationId xmlns:a16="http://schemas.microsoft.com/office/drawing/2014/main" id="{EAF63E94-62EA-4700-863E-6283E1A78E17}"/>
               </a:ext>
             </a:extLst>
           </p:cNvPr>
@@ -2967,8 +3201,8 @@
         </p:blipFill>
         <p:spPr>
           <a:xfrm>
-            <a:off x="1809750" y="0"/>
-            <a:ext cx="8572500" cy="6858000"/>
+            <a:off x="832501" y="829426"/>
+            <a:ext cx="10060677" cy="5021681"/>
           </a:xfrm>
           <a:prstGeom prst="rect">
             <a:avLst/>
@@ -2978,7 +3212,7 @@
     </p:spTree>
     <p:extLst>
       <p:ext uri="{BB962C8B-B14F-4D97-AF65-F5344CB8AC3E}">
-        <p14:creationId xmlns:p14="http://schemas.microsoft.com/office/powerpoint/2010/main" val="1463249048"/>
+        <p14:creationId xmlns:p14="http://schemas.microsoft.com/office/powerpoint/2010/main" val="1157527144"/>
       </p:ext>
     </p:extLst>
   </p:cSld>
@@ -3078,10 +3312,10 @@
       </p:pic>
       <p:pic>
         <p:nvPicPr>
-          <p:cNvPr id="3" name="Picture 2">
-            <a:extLst>
-              <a:ext uri="{FF2B5EF4-FFF2-40B4-BE49-F238E27FC236}">
-                <a16:creationId xmlns:a16="http://schemas.microsoft.com/office/drawing/2014/main" id="{5D95E256-F968-4D69-8829-1AD4807CFF64}"/>
+          <p:cNvPr id="4" name="Picture 3">
+            <a:extLst>
+              <a:ext uri="{FF2B5EF4-FFF2-40B4-BE49-F238E27FC236}">
+                <a16:creationId xmlns:a16="http://schemas.microsoft.com/office/drawing/2014/main" id="{2F4AA90F-D82F-4C47-AEF5-D3A0609D33FD}"/>
               </a:ext>
             </a:extLst>
           </p:cNvPr>
@@ -3115,7 +3349,7 @@
     </p:spTree>
     <p:extLst>
       <p:ext uri="{BB962C8B-B14F-4D97-AF65-F5344CB8AC3E}">
-        <p14:creationId xmlns:p14="http://schemas.microsoft.com/office/powerpoint/2010/main" val="3832956685"/>
+        <p14:creationId xmlns:p14="http://schemas.microsoft.com/office/powerpoint/2010/main" val="3479168626"/>
       </p:ext>
     </p:extLst>
   </p:cSld>
@@ -3218,6 +3452,280 @@
           <p:cNvPr id="4" name="Picture 3">
             <a:extLst>
               <a:ext uri="{FF2B5EF4-FFF2-40B4-BE49-F238E27FC236}">
+                <a16:creationId xmlns:a16="http://schemas.microsoft.com/office/drawing/2014/main" id="{31FAEA5C-25FD-4AEE-8EAA-8E7BAF51B8AC}"/>
+              </a:ext>
+            </a:extLst>
+          </p:cNvPr>
+          <p:cNvPicPr>
+            <a:picLocks noChangeAspect="1"/>
+          </p:cNvPicPr>
+          <p:nvPr/>
+        </p:nvPicPr>
+        <p:blipFill>
+          <a:blip r:embed="rId4">
+            <a:extLst>
+              <a:ext uri="{28A0092B-C50C-407E-A947-70E740481C1C}">
+                <a14:useLocalDpi xmlns:a14="http://schemas.microsoft.com/office/drawing/2010/main" val="0"/>
+              </a:ext>
+            </a:extLst>
+          </a:blip>
+          <a:stretch>
+            <a:fillRect/>
+          </a:stretch>
+        </p:blipFill>
+        <p:spPr>
+          <a:xfrm>
+            <a:off x="1809750" y="0"/>
+            <a:ext cx="8572500" cy="6858000"/>
+          </a:xfrm>
+          <a:prstGeom prst="rect">
+            <a:avLst/>
+          </a:prstGeom>
+        </p:spPr>
+      </p:pic>
+    </p:spTree>
+    <p:extLst>
+      <p:ext uri="{BB962C8B-B14F-4D97-AF65-F5344CB8AC3E}">
+        <p14:creationId xmlns:p14="http://schemas.microsoft.com/office/powerpoint/2010/main" val="1463249048"/>
+      </p:ext>
+    </p:extLst>
+  </p:cSld>
+  <p:clrMapOvr>
+    <a:masterClrMapping/>
+  </p:clrMapOvr>
+</p:sld>
+</file>
+
+<file path=ppt/slides/slide15.xml><?xml version="1.0" encoding="utf-8"?>
+<p:sld xmlns:a="http://schemas.openxmlformats.org/drawingml/2006/main" xmlns:r="http://schemas.openxmlformats.org/officeDocument/2006/relationships" xmlns:p="http://schemas.openxmlformats.org/presentationml/2006/main" showMasterSp="0">
+  <p:cSld>
+    <p:spTree>
+      <p:nvGrpSpPr>
+        <p:cNvPr id="1" name=""/>
+        <p:cNvGrpSpPr/>
+        <p:nvPr/>
+      </p:nvGrpSpPr>
+      <p:grpSpPr>
+        <a:xfrm>
+          <a:off x="0" y="0"/>
+          <a:ext cx="0" cy="0"/>
+          <a:chOff x="0" y="0"/>
+          <a:chExt cx="0" cy="0"/>
+        </a:xfrm>
+      </p:grpSpPr>
+      <p:pic>
+        <p:nvPicPr>
+          <p:cNvPr id="7" name="Picture 6">
+            <a:extLst>
+              <a:ext uri="{FF2B5EF4-FFF2-40B4-BE49-F238E27FC236}">
+                <a16:creationId xmlns:a16="http://schemas.microsoft.com/office/drawing/2014/main" id="{B220E16B-DFF0-42A7-836E-E7D494F2B637}"/>
+              </a:ext>
+            </a:extLst>
+          </p:cNvPr>
+          <p:cNvPicPr>
+            <a:picLocks noChangeAspect="1"/>
+          </p:cNvPicPr>
+          <p:nvPr/>
+        </p:nvPicPr>
+        <p:blipFill>
+          <a:blip r:embed="rId2" cstate="print">
+            <a:extLst>
+              <a:ext uri="{28A0092B-C50C-407E-A947-70E740481C1C}">
+                <a14:useLocalDpi xmlns:a14="http://schemas.microsoft.com/office/drawing/2010/main" val="0"/>
+              </a:ext>
+            </a:extLst>
+          </a:blip>
+          <a:stretch>
+            <a:fillRect/>
+          </a:stretch>
+        </p:blipFill>
+        <p:spPr>
+          <a:xfrm>
+            <a:off x="11506200" y="6172200"/>
+            <a:ext cx="628015" cy="628015"/>
+          </a:xfrm>
+          <a:prstGeom prst="rect">
+            <a:avLst/>
+          </a:prstGeom>
+        </p:spPr>
+      </p:pic>
+      <p:pic>
+        <p:nvPicPr>
+          <p:cNvPr id="8" name="Picture 7">
+            <a:extLst>
+              <a:ext uri="{FF2B5EF4-FFF2-40B4-BE49-F238E27FC236}">
+                <a16:creationId xmlns:a16="http://schemas.microsoft.com/office/drawing/2014/main" id="{C300C08F-7400-4B95-9451-8B73FBF2A62E}"/>
+              </a:ext>
+            </a:extLst>
+          </p:cNvPr>
+          <p:cNvPicPr>
+            <a:picLocks noChangeAspect="1"/>
+          </p:cNvPicPr>
+          <p:nvPr/>
+        </p:nvPicPr>
+        <p:blipFill rotWithShape="1">
+          <a:blip r:embed="rId3">
+            <a:extLst>
+              <a:ext uri="{28A0092B-C50C-407E-A947-70E740481C1C}">
+                <a14:useLocalDpi xmlns:a14="http://schemas.microsoft.com/office/drawing/2010/main" val="0"/>
+              </a:ext>
+            </a:extLst>
+          </a:blip>
+          <a:srcRect l="25190" r="25955" b="38216"/>
+          <a:stretch/>
+        </p:blipFill>
+        <p:spPr>
+          <a:xfrm>
+            <a:off x="8295" y="6172200"/>
+            <a:ext cx="677505" cy="627889"/>
+          </a:xfrm>
+          <a:prstGeom prst="rect">
+            <a:avLst/>
+          </a:prstGeom>
+        </p:spPr>
+      </p:pic>
+      <p:pic>
+        <p:nvPicPr>
+          <p:cNvPr id="3" name="Picture 2">
+            <a:extLst>
+              <a:ext uri="{FF2B5EF4-FFF2-40B4-BE49-F238E27FC236}">
+                <a16:creationId xmlns:a16="http://schemas.microsoft.com/office/drawing/2014/main" id="{5D95E256-F968-4D69-8829-1AD4807CFF64}"/>
+              </a:ext>
+            </a:extLst>
+          </p:cNvPr>
+          <p:cNvPicPr>
+            <a:picLocks noChangeAspect="1"/>
+          </p:cNvPicPr>
+          <p:nvPr/>
+        </p:nvPicPr>
+        <p:blipFill>
+          <a:blip r:embed="rId4">
+            <a:extLst>
+              <a:ext uri="{28A0092B-C50C-407E-A947-70E740481C1C}">
+                <a14:useLocalDpi xmlns:a14="http://schemas.microsoft.com/office/drawing/2010/main" val="0"/>
+              </a:ext>
+            </a:extLst>
+          </a:blip>
+          <a:stretch>
+            <a:fillRect/>
+          </a:stretch>
+        </p:blipFill>
+        <p:spPr>
+          <a:xfrm>
+            <a:off x="1809750" y="0"/>
+            <a:ext cx="8572500" cy="6858000"/>
+          </a:xfrm>
+          <a:prstGeom prst="rect">
+            <a:avLst/>
+          </a:prstGeom>
+        </p:spPr>
+      </p:pic>
+    </p:spTree>
+    <p:extLst>
+      <p:ext uri="{BB962C8B-B14F-4D97-AF65-F5344CB8AC3E}">
+        <p14:creationId xmlns:p14="http://schemas.microsoft.com/office/powerpoint/2010/main" val="3832956685"/>
+      </p:ext>
+    </p:extLst>
+  </p:cSld>
+  <p:clrMapOvr>
+    <a:masterClrMapping/>
+  </p:clrMapOvr>
+</p:sld>
+</file>
+
+<file path=ppt/slides/slide16.xml><?xml version="1.0" encoding="utf-8"?>
+<p:sld xmlns:a="http://schemas.openxmlformats.org/drawingml/2006/main" xmlns:r="http://schemas.openxmlformats.org/officeDocument/2006/relationships" xmlns:p="http://schemas.openxmlformats.org/presentationml/2006/main" showMasterSp="0">
+  <p:cSld>
+    <p:spTree>
+      <p:nvGrpSpPr>
+        <p:cNvPr id="1" name=""/>
+        <p:cNvGrpSpPr/>
+        <p:nvPr/>
+      </p:nvGrpSpPr>
+      <p:grpSpPr>
+        <a:xfrm>
+          <a:off x="0" y="0"/>
+          <a:ext cx="0" cy="0"/>
+          <a:chOff x="0" y="0"/>
+          <a:chExt cx="0" cy="0"/>
+        </a:xfrm>
+      </p:grpSpPr>
+      <p:pic>
+        <p:nvPicPr>
+          <p:cNvPr id="7" name="Picture 6">
+            <a:extLst>
+              <a:ext uri="{FF2B5EF4-FFF2-40B4-BE49-F238E27FC236}">
+                <a16:creationId xmlns:a16="http://schemas.microsoft.com/office/drawing/2014/main" id="{B220E16B-DFF0-42A7-836E-E7D494F2B637}"/>
+              </a:ext>
+            </a:extLst>
+          </p:cNvPr>
+          <p:cNvPicPr>
+            <a:picLocks noChangeAspect="1"/>
+          </p:cNvPicPr>
+          <p:nvPr/>
+        </p:nvPicPr>
+        <p:blipFill>
+          <a:blip r:embed="rId2" cstate="print">
+            <a:extLst>
+              <a:ext uri="{28A0092B-C50C-407E-A947-70E740481C1C}">
+                <a14:useLocalDpi xmlns:a14="http://schemas.microsoft.com/office/drawing/2010/main" val="0"/>
+              </a:ext>
+            </a:extLst>
+          </a:blip>
+          <a:stretch>
+            <a:fillRect/>
+          </a:stretch>
+        </p:blipFill>
+        <p:spPr>
+          <a:xfrm>
+            <a:off x="11506200" y="6172200"/>
+            <a:ext cx="628015" cy="628015"/>
+          </a:xfrm>
+          <a:prstGeom prst="rect">
+            <a:avLst/>
+          </a:prstGeom>
+        </p:spPr>
+      </p:pic>
+      <p:pic>
+        <p:nvPicPr>
+          <p:cNvPr id="8" name="Picture 7">
+            <a:extLst>
+              <a:ext uri="{FF2B5EF4-FFF2-40B4-BE49-F238E27FC236}">
+                <a16:creationId xmlns:a16="http://schemas.microsoft.com/office/drawing/2014/main" id="{C300C08F-7400-4B95-9451-8B73FBF2A62E}"/>
+              </a:ext>
+            </a:extLst>
+          </p:cNvPr>
+          <p:cNvPicPr>
+            <a:picLocks noChangeAspect="1"/>
+          </p:cNvPicPr>
+          <p:nvPr/>
+        </p:nvPicPr>
+        <p:blipFill rotWithShape="1">
+          <a:blip r:embed="rId3">
+            <a:extLst>
+              <a:ext uri="{28A0092B-C50C-407E-A947-70E740481C1C}">
+                <a14:useLocalDpi xmlns:a14="http://schemas.microsoft.com/office/drawing/2010/main" val="0"/>
+              </a:ext>
+            </a:extLst>
+          </a:blip>
+          <a:srcRect l="25190" r="25955" b="38216"/>
+          <a:stretch/>
+        </p:blipFill>
+        <p:spPr>
+          <a:xfrm>
+            <a:off x="8295" y="6172200"/>
+            <a:ext cx="677505" cy="627889"/>
+          </a:xfrm>
+          <a:prstGeom prst="rect">
+            <a:avLst/>
+          </a:prstGeom>
+        </p:spPr>
+      </p:pic>
+      <p:pic>
+        <p:nvPicPr>
+          <p:cNvPr id="4" name="Picture 3">
+            <a:extLst>
+              <a:ext uri="{FF2B5EF4-FFF2-40B4-BE49-F238E27FC236}">
                 <a16:creationId xmlns:a16="http://schemas.microsoft.com/office/drawing/2014/main" id="{8EEBC6E7-AFBE-42A9-89BF-4EE96FAF6B56}"/>
               </a:ext>
             </a:extLst>
@@ -3262,7 +3770,7 @@
 </p:sld>
 </file>
 
-<file path=ppt/slides/slide15.xml><?xml version="1.0" encoding="utf-8"?>
+<file path=ppt/slides/slide17.xml><?xml version="1.0" encoding="utf-8"?>
 <p:sld xmlns:a="http://schemas.openxmlformats.org/drawingml/2006/main" xmlns:r="http://schemas.openxmlformats.org/officeDocument/2006/relationships" xmlns:p="http://schemas.openxmlformats.org/presentationml/2006/main" showMasterSp="0">
   <p:cSld>
     <p:spTree>
@@ -5385,7 +5893,7 @@
         <p:spPr>
           <a:xfrm>
             <a:off x="689811" y="3813277"/>
-            <a:ext cx="2902912" cy="1154162"/>
+            <a:ext cx="2902912" cy="353943"/>
           </a:xfrm>
           <a:prstGeom prst="rect">
             <a:avLst/>
@@ -5403,31 +5911,22 @@
             </a:pPr>
             <a:r>
               <a:rPr lang="en-US" sz="1700" dirty="0">
+                <a:highlight>
+                  <a:srgbClr val="FFFF00"/>
+                </a:highlight>
                 <a:latin typeface="Futura"/>
               </a:rPr>
               <a:t>Unlabeled</a:t>
             </a:r>
             <a:r>
               <a:rPr lang="it-IT" sz="1700" dirty="0">
+                <a:highlight>
+                  <a:srgbClr val="FFFF00"/>
+                </a:highlight>
                 <a:latin typeface="Futura"/>
               </a:rPr>
               <a:t> </a:t>
             </a:r>
-            <a:r>
-              <a:rPr lang="it-IT" sz="1700" dirty="0" err="1">
-                <a:latin typeface="Futura"/>
-              </a:rPr>
-              <a:t>Sampling</a:t>
-            </a:r>
-            <a:endParaRPr lang="it-IT" sz="1700" b="1" dirty="0">
-              <a:latin typeface="Futura"/>
-            </a:endParaRPr>
-          </a:p>
-          <a:p>
-            <a:pPr marL="742950" lvl="1" indent="-285750">
-              <a:buFont typeface="Arial" panose="020B0604020202020204" pitchFamily="34" charset="0"/>
-              <a:buChar char="•"/>
-            </a:pPr>
             <a:r>
               <a:rPr lang="it-IT" sz="1700" dirty="0" err="1">
                 <a:highlight>
@@ -5435,33 +5934,13 @@
                 </a:highlight>
                 <a:latin typeface="Futura"/>
               </a:rPr>
-              <a:t>Balanced</a:t>
-            </a:r>
-            <a:endParaRPr lang="it-IT" sz="1700" dirty="0">
+              <a:t>Sampling</a:t>
+            </a:r>
+            <a:endParaRPr lang="it-IT" sz="1700" b="1" dirty="0">
               <a:highlight>
                 <a:srgbClr val="FFFF00"/>
               </a:highlight>
               <a:latin typeface="Futura"/>
-            </a:endParaRPr>
-          </a:p>
-          <a:p>
-            <a:pPr marL="742950" lvl="1" indent="-285750">
-              <a:buFont typeface="Arial" panose="020B0604020202020204" pitchFamily="34" charset="0"/>
-              <a:buChar char="•"/>
-            </a:pPr>
-            <a:r>
-              <a:rPr lang="it-IT" sz="1700" dirty="0">
-                <a:latin typeface="Futura"/>
-              </a:rPr>
-              <a:t>(Random)</a:t>
-            </a:r>
-          </a:p>
-          <a:p>
-            <a:pPr lvl="1"/>
-            <a:endParaRPr lang="it-IT" dirty="0">
-              <a:highlight>
-                <a:srgbClr val="FFFF00"/>
-              </a:highlight>
             </a:endParaRPr>
           </a:p>
         </p:txBody>
@@ -6080,7 +6559,7 @@
         </p:nvSpPr>
         <p:spPr>
           <a:xfrm>
-            <a:off x="706641" y="2876553"/>
+            <a:off x="690789" y="2994297"/>
             <a:ext cx="3865081" cy="877163"/>
           </a:xfrm>
           <a:prstGeom prst="rect">
@@ -6198,21 +6677,25 @@
           </p:cNvPr>
           <p:cNvCxnSpPr>
             <a:cxnSpLocks/>
+            <a:endCxn id="47" idx="1"/>
           </p:cNvCxnSpPr>
           <p:nvPr/>
         </p:nvCxnSpPr>
         <p:spPr>
-          <a:xfrm rot="10800000" flipH="1" flipV="1">
-            <a:off x="907117" y="1894965"/>
-            <a:ext cx="161963" cy="3458728"/>
+          <a:xfrm rot="5400000">
+            <a:off x="-884802" y="3330654"/>
+            <a:ext cx="3444651" cy="294342"/>
           </a:xfrm>
           <a:prstGeom prst="bentConnector4">
             <a:avLst>
-              <a:gd name="adj1" fmla="val -245693"/>
-              <a:gd name="adj2" fmla="val 99845"/>
+              <a:gd name="adj1" fmla="val -72"/>
+              <a:gd name="adj2" fmla="val 229926"/>
             </a:avLst>
           </a:prstGeom>
           <a:ln>
+            <a:solidFill>
+              <a:schemeClr val="tx1"/>
+            </a:solidFill>
             <a:tailEnd type="triangle"/>
           </a:ln>
         </p:spPr>
@@ -6296,7 +6779,7 @@
         </p:nvSpPr>
         <p:spPr>
           <a:xfrm>
-            <a:off x="4984806" y="1078806"/>
+            <a:off x="4998571" y="1247268"/>
             <a:ext cx="6477000" cy="3834204"/>
           </a:xfrm>
           <a:prstGeom prst="roundRect">
@@ -6305,7 +6788,7 @@
           <a:noFill/>
           <a:ln>
             <a:solidFill>
-              <a:srgbClr val="01509F"/>
+              <a:srgbClr val="0C0C0C"/>
             </a:solidFill>
           </a:ln>
         </p:spPr>
@@ -6348,7 +6831,7 @@
         </p:nvSpPr>
         <p:spPr>
           <a:xfrm>
-            <a:off x="7358421" y="1140922"/>
+            <a:off x="7372186" y="1309384"/>
             <a:ext cx="1996059" cy="353943"/>
           </a:xfrm>
           <a:prstGeom prst="rect">
@@ -6387,7 +6870,7 @@
         </p:nvSpPr>
         <p:spPr>
           <a:xfrm>
-            <a:off x="6814427" y="1755499"/>
+            <a:off x="5977989" y="2031574"/>
             <a:ext cx="705642" cy="353943"/>
           </a:xfrm>
           <a:prstGeom prst="rect">
@@ -6423,7 +6906,7 @@
         </p:nvSpPr>
         <p:spPr>
           <a:xfrm>
-            <a:off x="7771098" y="1755499"/>
+            <a:off x="7956754" y="1855103"/>
             <a:ext cx="2951449" cy="353943"/>
           </a:xfrm>
           <a:prstGeom prst="rect">
@@ -6462,7 +6945,7 @@
         </p:nvSpPr>
         <p:spPr>
           <a:xfrm>
-            <a:off x="7771098" y="2170542"/>
+            <a:off x="7956754" y="2270146"/>
             <a:ext cx="1980029" cy="353943"/>
           </a:xfrm>
           <a:prstGeom prst="rect">
@@ -6507,7 +6990,7 @@
         </p:nvSpPr>
         <p:spPr>
           <a:xfrm>
-            <a:off x="5187995" y="3001361"/>
+            <a:off x="5201760" y="3169823"/>
             <a:ext cx="2250937" cy="353943"/>
           </a:xfrm>
           <a:prstGeom prst="rect">
@@ -6546,7 +7029,7 @@
         </p:nvSpPr>
         <p:spPr>
           <a:xfrm>
-            <a:off x="5183493" y="3539628"/>
+            <a:off x="5197258" y="3708090"/>
             <a:ext cx="1702710" cy="353943"/>
           </a:xfrm>
           <a:prstGeom prst="rect">
@@ -6585,7 +7068,7 @@
         </p:nvSpPr>
         <p:spPr>
           <a:xfrm>
-            <a:off x="5151041" y="4077895"/>
+            <a:off x="5164806" y="4246357"/>
             <a:ext cx="2198038" cy="353943"/>
           </a:xfrm>
           <a:prstGeom prst="rect">
@@ -6758,7 +7241,7 @@
         </p:blipFill>
         <p:spPr>
           <a:xfrm>
-            <a:off x="1119727" y="3227633"/>
+            <a:off x="1103875" y="3345377"/>
             <a:ext cx="267681" cy="267681"/>
           </a:xfrm>
           <a:prstGeom prst="rect">
@@ -6797,7 +7280,7 @@
         </p:blipFill>
         <p:spPr>
           <a:xfrm>
-            <a:off x="1119726" y="3487618"/>
+            <a:off x="1103874" y="3605362"/>
             <a:ext cx="267681" cy="267681"/>
           </a:xfrm>
           <a:prstGeom prst="rect">
@@ -6975,7 +7458,7 @@
         </p:nvSpPr>
         <p:spPr>
           <a:xfrm>
-            <a:off x="9479184" y="2825835"/>
+            <a:off x="9492949" y="2994297"/>
             <a:ext cx="1707519" cy="353943"/>
           </a:xfrm>
           <a:prstGeom prst="rect">
@@ -7017,7 +7500,7 @@
         </p:nvSpPr>
         <p:spPr>
           <a:xfrm>
-            <a:off x="9479184" y="3118286"/>
+            <a:off x="9492949" y="3286748"/>
             <a:ext cx="1317990" cy="353943"/>
           </a:xfrm>
           <a:prstGeom prst="rect">
@@ -7056,7 +7539,7 @@
         </p:nvSpPr>
         <p:spPr>
           <a:xfrm>
-            <a:off x="9460131" y="3715552"/>
+            <a:off x="9473896" y="3884014"/>
             <a:ext cx="1226618" cy="353943"/>
           </a:xfrm>
           <a:prstGeom prst="rect">
@@ -7095,7 +7578,7 @@
         </p:nvSpPr>
         <p:spPr>
           <a:xfrm>
-            <a:off x="9460131" y="3406228"/>
+            <a:off x="9473896" y="3574690"/>
             <a:ext cx="1394934" cy="353943"/>
           </a:xfrm>
           <a:prstGeom prst="rect">
@@ -7134,7 +7617,7 @@
         </p:nvSpPr>
         <p:spPr>
           <a:xfrm>
-            <a:off x="9444828" y="4304428"/>
+            <a:off x="9458593" y="4472890"/>
             <a:ext cx="1721946" cy="353943"/>
           </a:xfrm>
           <a:prstGeom prst="rect">
@@ -7173,7 +7656,7 @@
         </p:nvSpPr>
         <p:spPr>
           <a:xfrm>
-            <a:off x="9460131" y="4020610"/>
+            <a:off x="9473896" y="4189072"/>
             <a:ext cx="1890261" cy="353943"/>
           </a:xfrm>
           <a:prstGeom prst="rect">
@@ -7212,7 +7695,7 @@
         </p:nvSpPr>
         <p:spPr>
           <a:xfrm>
-            <a:off x="7603221" y="2970321"/>
+            <a:off x="7692802" y="3129653"/>
             <a:ext cx="1560042" cy="353943"/>
           </a:xfrm>
           <a:prstGeom prst="rect">
@@ -7346,6 +7829,57 @@
           </a:prstGeom>
         </p:spPr>
       </p:pic>
+      <p:sp>
+        <p:nvSpPr>
+          <p:cNvPr id="2" name="Rectangle 1">
+            <a:extLst>
+              <a:ext uri="{FF2B5EF4-FFF2-40B4-BE49-F238E27FC236}">
+                <a16:creationId xmlns:a16="http://schemas.microsoft.com/office/drawing/2014/main" id="{AC0E3BA4-46A6-400E-9651-C242B016D65B}"/>
+              </a:ext>
+            </a:extLst>
+          </p:cNvPr>
+          <p:cNvSpPr/>
+          <p:nvPr/>
+        </p:nvSpPr>
+        <p:spPr>
+          <a:xfrm>
+            <a:off x="7026738" y="940394"/>
+            <a:ext cx="2686954" cy="369332"/>
+          </a:xfrm>
+          <a:prstGeom prst="rect">
+            <a:avLst/>
+          </a:prstGeom>
+        </p:spPr>
+        <p:txBody>
+          <a:bodyPr wrap="none">
+            <a:spAutoFit/>
+          </a:bodyPr>
+          <a:lstStyle/>
+          <a:p>
+            <a:r>
+              <a:rPr lang="it-IT" dirty="0">
+                <a:ln w="0"/>
+                <a:latin typeface="Futura"/>
+                <a:cs typeface="Microsoft Sans Serif"/>
+              </a:rPr>
+              <a:t>Dataset </a:t>
+            </a:r>
+            <a:r>
+              <a:rPr lang="it-IT" dirty="0" err="1">
+                <a:ln w="0"/>
+                <a:latin typeface="Futura"/>
+                <a:cs typeface="Microsoft Sans Serif"/>
+              </a:rPr>
+              <a:t>Preprocessing</a:t>
+            </a:r>
+            <a:endParaRPr lang="it-IT" dirty="0">
+              <a:ln w="0"/>
+              <a:latin typeface="Futura"/>
+              <a:cs typeface="Microsoft Sans Serif"/>
+            </a:endParaRPr>
+          </a:p>
+        </p:txBody>
+      </p:sp>
     </p:spTree>
     <p:extLst>
       <p:ext uri="{BB962C8B-B14F-4D97-AF65-F5344CB8AC3E}">
@@ -7982,44 +8516,6 @@
           </a:prstGeom>
         </p:spPr>
       </p:pic>
-      <p:sp>
-        <p:nvSpPr>
-          <p:cNvPr id="3" name="Rectangle 2">
-            <a:extLst>
-              <a:ext uri="{FF2B5EF4-FFF2-40B4-BE49-F238E27FC236}">
-                <a16:creationId xmlns:a16="http://schemas.microsoft.com/office/drawing/2014/main" id="{EE47240C-5AAA-4700-B72A-652618262032}"/>
-              </a:ext>
-            </a:extLst>
-          </p:cNvPr>
-          <p:cNvSpPr/>
-          <p:nvPr/>
-        </p:nvSpPr>
-        <p:spPr>
-          <a:xfrm>
-            <a:off x="4948089" y="3244334"/>
-            <a:ext cx="2295821" cy="369332"/>
-          </a:xfrm>
-          <a:prstGeom prst="rect">
-            <a:avLst/>
-          </a:prstGeom>
-        </p:spPr>
-        <p:txBody>
-          <a:bodyPr wrap="none">
-            <a:spAutoFit/>
-          </a:bodyPr>
-          <a:lstStyle/>
-          <a:p>
-            <a:r>
-              <a:rPr lang="it-IT" dirty="0">
-                <a:latin typeface="Futura"/>
-                <a:ea typeface="Microsoft Sans Serif" panose="020B0604020202020204" pitchFamily="34" charset="0"/>
-                <a:cs typeface="Microsoft Sans Serif" panose="020B0604020202020204" pitchFamily="34" charset="0"/>
-              </a:rPr>
-              <a:t>Lorenzo Carlassara</a:t>
-            </a:r>
-          </a:p>
-        </p:txBody>
-      </p:sp>
       <p:sp>
         <p:nvSpPr>
           <p:cNvPr id="11" name="Rectangle 10">
@@ -8173,8 +8669,8 @@
         </p:nvSpPr>
         <p:spPr>
           <a:xfrm>
-            <a:off x="6859606" y="5525869"/>
-            <a:ext cx="4209807" cy="646331"/>
+            <a:off x="6521632" y="5235414"/>
+            <a:ext cx="4458272" cy="615553"/>
           </a:xfrm>
           <a:prstGeom prst="rect">
             <a:avLst/>
@@ -8192,10 +8688,16 @@
               <a:buChar char="•"/>
             </a:pPr>
             <a:r>
-              <a:rPr lang="it-IT" dirty="0">
-                <a:latin typeface="Futura"/>
-              </a:rPr>
-              <a:t>Test code on a different machine</a:t>
+              <a:rPr lang="it-IT" sz="1700" dirty="0" err="1">
+                <a:latin typeface="Futura"/>
+              </a:rPr>
+              <a:t>Execute</a:t>
+            </a:r>
+            <a:r>
+              <a:rPr lang="it-IT" sz="1700" dirty="0">
+                <a:latin typeface="Futura"/>
+              </a:rPr>
+              <a:t> code on a different machine</a:t>
             </a:r>
           </a:p>
           <a:p>
@@ -8204,42 +8706,42 @@
               <a:buChar char="•"/>
             </a:pPr>
             <a:r>
-              <a:rPr lang="it-IT" dirty="0" err="1">
+              <a:rPr lang="it-IT" sz="1700" dirty="0" err="1">
                 <a:latin typeface="Futura"/>
               </a:rPr>
               <a:t>Qiskit</a:t>
             </a:r>
             <a:r>
-              <a:rPr lang="it-IT" dirty="0">
+              <a:rPr lang="it-IT" sz="1700" dirty="0">
                 <a:latin typeface="Futura"/>
               </a:rPr>
               <a:t> </a:t>
             </a:r>
             <a:r>
-              <a:rPr lang="it-IT" dirty="0" err="1">
+              <a:rPr lang="it-IT" sz="1700" dirty="0" err="1">
                 <a:latin typeface="Futura"/>
               </a:rPr>
               <a:t>python</a:t>
             </a:r>
             <a:r>
-              <a:rPr lang="it-IT" dirty="0">
+              <a:rPr lang="it-IT" sz="1700" dirty="0">
                 <a:latin typeface="Futura"/>
               </a:rPr>
               <a:t> </a:t>
             </a:r>
             <a:r>
-              <a:rPr lang="it-IT" dirty="0" err="1">
+              <a:rPr lang="it-IT" sz="1700" dirty="0" err="1">
                 <a:latin typeface="Futura"/>
               </a:rPr>
               <a:t>library</a:t>
             </a:r>
             <a:r>
-              <a:rPr lang="it-IT" dirty="0">
+              <a:rPr lang="it-IT" sz="1700" dirty="0">
                 <a:latin typeface="Futura"/>
               </a:rPr>
               <a:t> for VSVM</a:t>
             </a:r>
-            <a:endParaRPr lang="en-GB" dirty="0">
+            <a:endParaRPr lang="en-GB" sz="1700" dirty="0">
               <a:latin typeface="Futura"/>
             </a:endParaRPr>
           </a:p>
@@ -8260,7 +8762,7 @@
         <p:spPr>
           <a:xfrm>
             <a:off x="685800" y="962625"/>
-            <a:ext cx="6096000" cy="1754326"/>
+            <a:ext cx="6096000" cy="1400383"/>
           </a:xfrm>
           <a:prstGeom prst="rect">
             <a:avLst/>
@@ -8277,7 +8779,7 @@
               <a:buChar char="•"/>
             </a:pPr>
             <a:r>
-              <a:rPr lang="it-IT" u="sng" dirty="0">
+              <a:rPr lang="it-IT" sz="1700" u="sng" dirty="0">
                 <a:latin typeface="Futura"/>
               </a:rPr>
               <a:t>Active Learning framework</a:t>
@@ -8289,7 +8791,7 @@
               <a:buChar char="•"/>
             </a:pPr>
             <a:r>
-              <a:rPr lang="en-GB" dirty="0">
+              <a:rPr lang="en-GB" sz="1700" dirty="0">
                 <a:latin typeface="Futura"/>
               </a:rPr>
               <a:t>A Survey of Active Learning Algorithms for Supervised Remote Sensing Image Classification</a:t>
@@ -8301,7 +8803,7 @@
               <a:buChar char="•"/>
             </a:pPr>
             <a:r>
-              <a:rPr lang="en-GB" dirty="0">
+              <a:rPr lang="en-GB" sz="1700" dirty="0">
                 <a:latin typeface="Futura"/>
               </a:rPr>
               <a:t>Active Learning Methods for Remote Sensing Image Classification</a:t>
@@ -8324,7 +8826,7 @@
         <p:spPr>
           <a:xfrm>
             <a:off x="533400" y="2716951"/>
-            <a:ext cx="9101843" cy="3139321"/>
+            <a:ext cx="9101843" cy="2754600"/>
           </a:xfrm>
           <a:prstGeom prst="rect">
             <a:avLst/>
@@ -8338,7 +8840,7 @@
           <a:p>
             <a:pPr lvl="1"/>
             <a:r>
-              <a:rPr lang="en-GB" dirty="0">
+              <a:rPr lang="en-GB" sz="1700" dirty="0">
                 <a:latin typeface="Futura"/>
               </a:rPr>
               <a:t>Large-Margin-Based Active Learning</a:t>
@@ -8350,19 +8852,19 @@
               <a:buChar char="•"/>
             </a:pPr>
             <a:r>
-              <a:rPr lang="it-IT" dirty="0">
+              <a:rPr lang="it-IT" sz="1700" dirty="0">
                 <a:latin typeface="Futura"/>
               </a:rPr>
               <a:t>M</a:t>
             </a:r>
             <a:r>
-              <a:rPr lang="en-GB" dirty="0" err="1">
+              <a:rPr lang="en-GB" sz="1700" dirty="0" err="1">
                 <a:latin typeface="Futura"/>
               </a:rPr>
               <a:t>argin</a:t>
             </a:r>
             <a:r>
-              <a:rPr lang="en-GB" dirty="0">
+              <a:rPr lang="en-GB" sz="1700" dirty="0">
                 <a:latin typeface="Futura"/>
               </a:rPr>
               <a:t> Sampling MS</a:t>
@@ -8374,22 +8876,16 @@
               <a:buChar char="•"/>
             </a:pPr>
             <a:r>
-              <a:rPr lang="it-IT" dirty="0">
+              <a:rPr lang="it-IT" sz="1700" dirty="0">
                 <a:latin typeface="Futura"/>
               </a:rPr>
               <a:t>M</a:t>
             </a:r>
             <a:r>
-              <a:rPr lang="en-GB" dirty="0" err="1">
-                <a:latin typeface="Futura"/>
-              </a:rPr>
-              <a:t>ulticlass</a:t>
-            </a:r>
-            <a:r>
-              <a:rPr lang="en-GB" dirty="0">
-                <a:latin typeface="Futura"/>
-              </a:rPr>
-              <a:t> Level Uncertainty MCLU</a:t>
+              <a:rPr lang="en-GB" sz="1700" dirty="0">
+                <a:latin typeface="Futura"/>
+              </a:rPr>
+              <a:t>ulticlass Level Uncertainty MCLU</a:t>
             </a:r>
           </a:p>
           <a:p>
@@ -8398,31 +8894,31 @@
               <a:buChar char="•"/>
             </a:pPr>
             <a:r>
-              <a:rPr lang="it-IT" dirty="0">
+              <a:rPr lang="it-IT" sz="1700" dirty="0">
                 <a:latin typeface="Futura"/>
               </a:rPr>
               <a:t>S</a:t>
             </a:r>
             <a:r>
-              <a:rPr lang="en-GB" dirty="0" err="1">
+              <a:rPr lang="en-GB" sz="1700" dirty="0" err="1">
                 <a:latin typeface="Futura"/>
               </a:rPr>
               <a:t>ignificance</a:t>
             </a:r>
             <a:r>
-              <a:rPr lang="en-GB" dirty="0">
+              <a:rPr lang="en-GB" sz="1700" dirty="0">
                 <a:latin typeface="Futura"/>
               </a:rPr>
               <a:t> Space </a:t>
             </a:r>
             <a:r>
-              <a:rPr lang="en-GB" dirty="0" err="1">
+              <a:rPr lang="en-GB" sz="1700" dirty="0" err="1">
                 <a:latin typeface="Futura"/>
               </a:rPr>
               <a:t>Construnction</a:t>
             </a:r>
             <a:r>
-              <a:rPr lang="en-GB" dirty="0">
+              <a:rPr lang="en-GB" sz="1700" dirty="0">
                 <a:latin typeface="Futura"/>
               </a:rPr>
               <a:t> SSC</a:t>
@@ -8434,37 +8930,37 @@
               <a:buChar char="•"/>
             </a:pPr>
             <a:r>
-              <a:rPr lang="it-IT" dirty="0" err="1">
+              <a:rPr lang="it-IT" sz="1700" dirty="0" err="1">
                 <a:latin typeface="Futura"/>
               </a:rPr>
               <a:t>Most</a:t>
             </a:r>
             <a:r>
-              <a:rPr lang="it-IT" dirty="0">
+              <a:rPr lang="it-IT" sz="1700" dirty="0">
                 <a:latin typeface="Futura"/>
               </a:rPr>
               <a:t> </a:t>
             </a:r>
             <a:r>
-              <a:rPr lang="it-IT" dirty="0" err="1">
+              <a:rPr lang="it-IT" sz="1700" dirty="0" err="1">
                 <a:latin typeface="Futura"/>
               </a:rPr>
               <a:t>Ambiguous</a:t>
             </a:r>
             <a:r>
-              <a:rPr lang="it-IT" dirty="0">
+              <a:rPr lang="it-IT" sz="1700" dirty="0">
                 <a:latin typeface="Futura"/>
               </a:rPr>
               <a:t> and </a:t>
             </a:r>
             <a:r>
-              <a:rPr lang="it-IT" dirty="0" err="1">
+              <a:rPr lang="it-IT" sz="1700" dirty="0" err="1">
                 <a:latin typeface="Futura"/>
               </a:rPr>
               <a:t>orthogonal</a:t>
             </a:r>
             <a:r>
-              <a:rPr lang="it-IT" dirty="0">
+              <a:rPr lang="it-IT" sz="1700" dirty="0">
                 <a:latin typeface="Futura"/>
               </a:rPr>
               <a:t> MAO</a:t>
@@ -8476,49 +8972,49 @@
               <a:buChar char="•"/>
             </a:pPr>
             <a:r>
-              <a:rPr lang="it-IT" dirty="0" err="1">
+              <a:rPr lang="it-IT" sz="1700" dirty="0" err="1">
                 <a:latin typeface="Futura"/>
               </a:rPr>
               <a:t>Multiclass</a:t>
             </a:r>
             <a:r>
-              <a:rPr lang="it-IT" dirty="0">
+              <a:rPr lang="it-IT" sz="1700" dirty="0">
                 <a:latin typeface="Futura"/>
               </a:rPr>
               <a:t> </a:t>
             </a:r>
             <a:r>
-              <a:rPr lang="it-IT" dirty="0" err="1">
+              <a:rPr lang="it-IT" sz="1700" dirty="0" err="1">
                 <a:latin typeface="Futura"/>
               </a:rPr>
               <a:t>level</a:t>
             </a:r>
             <a:r>
-              <a:rPr lang="it-IT" dirty="0">
+              <a:rPr lang="it-IT" sz="1700" dirty="0">
                 <a:latin typeface="Futura"/>
               </a:rPr>
               <a:t> </a:t>
             </a:r>
             <a:r>
-              <a:rPr lang="it-IT" dirty="0" err="1">
+              <a:rPr lang="it-IT" sz="1700" dirty="0" err="1">
                 <a:latin typeface="Futura"/>
               </a:rPr>
               <a:t>uncertainty</a:t>
             </a:r>
             <a:r>
-              <a:rPr lang="it-IT" dirty="0">
+              <a:rPr lang="it-IT" sz="1700" dirty="0">
                 <a:latin typeface="Futura"/>
               </a:rPr>
               <a:t>-angle-based </a:t>
             </a:r>
             <a:r>
-              <a:rPr lang="it-IT" dirty="0" err="1">
+              <a:rPr lang="it-IT" sz="1700" dirty="0" err="1">
                 <a:latin typeface="Futura"/>
               </a:rPr>
               <a:t>diversity</a:t>
             </a:r>
             <a:r>
-              <a:rPr lang="it-IT" dirty="0">
+              <a:rPr lang="it-IT" sz="1700" dirty="0">
                 <a:latin typeface="Futura"/>
               </a:rPr>
               <a:t> MCLU-ABD</a:t>
@@ -8530,61 +9026,61 @@
               <a:buChar char="•"/>
             </a:pPr>
             <a:r>
-              <a:rPr lang="it-IT" dirty="0" err="1">
+              <a:rPr lang="it-IT" sz="1700" dirty="0" err="1">
                 <a:latin typeface="Futura"/>
               </a:rPr>
               <a:t>Multiclass</a:t>
             </a:r>
             <a:r>
-              <a:rPr lang="it-IT" dirty="0">
+              <a:rPr lang="it-IT" sz="1700" dirty="0">
                 <a:latin typeface="Futura"/>
               </a:rPr>
               <a:t> </a:t>
             </a:r>
             <a:r>
-              <a:rPr lang="it-IT" dirty="0" err="1">
+              <a:rPr lang="it-IT" sz="1700" dirty="0" err="1">
                 <a:latin typeface="Futura"/>
               </a:rPr>
               <a:t>level</a:t>
             </a:r>
             <a:r>
-              <a:rPr lang="it-IT" dirty="0">
+              <a:rPr lang="it-IT" sz="1700" dirty="0">
                 <a:latin typeface="Futura"/>
               </a:rPr>
               <a:t> </a:t>
             </a:r>
             <a:r>
-              <a:rPr lang="it-IT" dirty="0" err="1">
+              <a:rPr lang="it-IT" sz="1700" dirty="0" err="1">
                 <a:latin typeface="Futura"/>
               </a:rPr>
               <a:t>uncertainty-enhanced</a:t>
             </a:r>
             <a:r>
-              <a:rPr lang="it-IT" dirty="0">
+              <a:rPr lang="it-IT" sz="1700" dirty="0">
                 <a:latin typeface="Futura"/>
               </a:rPr>
               <a:t> cluster based </a:t>
             </a:r>
             <a:r>
-              <a:rPr lang="it-IT" dirty="0" err="1">
+              <a:rPr lang="it-IT" sz="1700" dirty="0" err="1">
                 <a:latin typeface="Futura"/>
               </a:rPr>
               <a:t>diversity</a:t>
             </a:r>
             <a:r>
-              <a:rPr lang="it-IT" dirty="0">
+              <a:rPr lang="it-IT" sz="1700" dirty="0">
                 <a:latin typeface="Futura"/>
               </a:rPr>
               <a:t> MCLU-ECBD</a:t>
             </a:r>
-            <a:endParaRPr lang="en-GB" dirty="0">
+            <a:endParaRPr lang="en-GB" sz="1700" dirty="0">
               <a:latin typeface="Futura"/>
             </a:endParaRPr>
           </a:p>
           <a:p>
             <a:pPr lvl="1"/>
             <a:r>
-              <a:rPr lang="en-GB" dirty="0">
+              <a:rPr lang="en-GB" sz="1700" dirty="0">
                 <a:latin typeface="Futura"/>
               </a:rPr>
               <a:t>Posterior Probability-Based Active Learning</a:t>
@@ -8596,25 +9092,25 @@
               <a:buChar char="•"/>
             </a:pPr>
             <a:r>
-              <a:rPr lang="en-GB" dirty="0" err="1">
+              <a:rPr lang="en-GB" sz="1700" dirty="0" err="1">
                 <a:latin typeface="Futura"/>
               </a:rPr>
               <a:t>Kullbach</a:t>
             </a:r>
             <a:r>
-              <a:rPr lang="en-GB" dirty="0">
+              <a:rPr lang="en-GB" sz="1700" dirty="0">
                 <a:latin typeface="Futura"/>
               </a:rPr>
               <a:t>–</a:t>
             </a:r>
             <a:r>
-              <a:rPr lang="en-GB" dirty="0" err="1">
+              <a:rPr lang="en-GB" sz="1700" dirty="0" err="1">
                 <a:latin typeface="Futura"/>
               </a:rPr>
               <a:t>Leibler</a:t>
             </a:r>
             <a:r>
-              <a:rPr lang="en-GB" dirty="0">
+              <a:rPr lang="en-GB" sz="1700" dirty="0">
                 <a:latin typeface="Futura"/>
               </a:rPr>
               <a:t> divergence KL</a:t>
@@ -8626,7 +9122,7 @@
               <a:buChar char="•"/>
             </a:pPr>
             <a:r>
-              <a:rPr lang="en-GB" dirty="0">
+              <a:rPr lang="en-GB" sz="1700" dirty="0">
                 <a:latin typeface="Futura"/>
               </a:rPr>
               <a:t>Breaking Ties (BT)</a:t>
@@ -8688,13 +9184,13 @@
           <p:nvPr/>
         </p:nvPicPr>
         <p:blipFill>
-          <a:blip r:embed="rId2" cstate="print">
+          <a:blip r:embed="rId4" cstate="print">
             <a:extLst>
               <a:ext uri="{28A0092B-C50C-407E-A947-70E740481C1C}">
                 <a14:useLocalDpi xmlns:a14="http://schemas.microsoft.com/office/drawing/2010/main" val="0"/>
               </a:ext>
               <a:ext uri="{96DAC541-7B7A-43D3-8B79-37D633B846F1}">
-                <asvg:svgBlip xmlns:asvg="http://schemas.microsoft.com/office/drawing/2016/SVG/main" r:embed="rId3"/>
+                <asvg:svgBlip xmlns:asvg="http://schemas.microsoft.com/office/drawing/2016/SVG/main" r:embed="rId5"/>
               </a:ext>
             </a:extLst>
           </a:blip>
@@ -8727,13 +9223,13 @@
           <p:nvPr/>
         </p:nvPicPr>
         <p:blipFill>
-          <a:blip r:embed="rId2" cstate="print">
+          <a:blip r:embed="rId6" cstate="print">
             <a:extLst>
               <a:ext uri="{28A0092B-C50C-407E-A947-70E740481C1C}">
                 <a14:useLocalDpi xmlns:a14="http://schemas.microsoft.com/office/drawing/2010/main" val="0"/>
               </a:ext>
               <a:ext uri="{96DAC541-7B7A-43D3-8B79-37D633B846F1}">
-                <asvg:svgBlip xmlns:asvg="http://schemas.microsoft.com/office/drawing/2016/SVG/main" r:embed="rId3"/>
+                <asvg:svgBlip xmlns:asvg="http://schemas.microsoft.com/office/drawing/2016/SVG/main" r:embed="rId7"/>
               </a:ext>
             </a:extLst>
           </a:blip>
@@ -8743,7 +9239,7 @@
         </p:blipFill>
         <p:spPr>
           <a:xfrm>
-            <a:off x="11056712" y="5588591"/>
+            <a:off x="10896600" y="5304084"/>
             <a:ext cx="267681" cy="267681"/>
           </a:xfrm>
           <a:prstGeom prst="rect">
@@ -8765,8 +9261,8 @@
         </p:nvSpPr>
         <p:spPr>
           <a:xfrm>
-            <a:off x="6205636" y="3243972"/>
-            <a:ext cx="4908716" cy="369332"/>
+            <a:off x="5912243" y="3254470"/>
+            <a:ext cx="4695516" cy="353943"/>
           </a:xfrm>
           <a:prstGeom prst="rect">
             <a:avLst/>
@@ -8780,34 +9276,16 @@
           <a:p>
             <a:pPr lvl="2"/>
             <a:r>
-              <a:rPr lang="it-IT" dirty="0">
+              <a:rPr lang="it-IT" sz="1700" dirty="0">
                 <a:latin typeface="Futura"/>
               </a:rPr>
               <a:t>M</a:t>
             </a:r>
             <a:r>
-              <a:rPr lang="en-GB" dirty="0" err="1">
-                <a:latin typeface="Futura"/>
-              </a:rPr>
-              <a:t>ulticlass</a:t>
-            </a:r>
-            <a:r>
-              <a:rPr lang="en-GB" dirty="0">
-                <a:latin typeface="Futura"/>
-              </a:rPr>
-              <a:t> Level </a:t>
-            </a:r>
-            <a:r>
-              <a:rPr lang="en-GB" dirty="0" err="1">
-                <a:latin typeface="Futura"/>
-              </a:rPr>
-              <a:t>Probabbility</a:t>
-            </a:r>
-            <a:r>
-              <a:rPr lang="en-GB" dirty="0">
-                <a:latin typeface="Futura"/>
-              </a:rPr>
-              <a:t> MCLP</a:t>
+              <a:rPr lang="en-GB" sz="1700" dirty="0">
+                <a:latin typeface="Futura"/>
+              </a:rPr>
+              <a:t>ulticlass Level Probability MCLP</a:t>
             </a:r>
           </a:p>
         </p:txBody>
@@ -8827,13 +9305,13 @@
           <p:nvPr/>
         </p:nvPicPr>
         <p:blipFill>
-          <a:blip r:embed="rId4" cstate="print">
+          <a:blip r:embed="rId8" cstate="print">
             <a:extLst>
               <a:ext uri="{28A0092B-C50C-407E-A947-70E740481C1C}">
                 <a14:useLocalDpi xmlns:a14="http://schemas.microsoft.com/office/drawing/2010/main" val="0"/>
               </a:ext>
               <a:ext uri="{96DAC541-7B7A-43D3-8B79-37D633B846F1}">
-                <asvg:svgBlip xmlns:asvg="http://schemas.microsoft.com/office/drawing/2016/SVG/main" r:embed="rId5"/>
+                <asvg:svgBlip xmlns:asvg="http://schemas.microsoft.com/office/drawing/2016/SVG/main" r:embed="rId9"/>
               </a:ext>
             </a:extLst>
           </a:blip>
@@ -8843,7 +9321,7 @@
         </p:blipFill>
         <p:spPr>
           <a:xfrm>
-            <a:off x="6371908" y="3263856"/>
+            <a:off x="6183357" y="3263760"/>
             <a:ext cx="338275" cy="338275"/>
           </a:xfrm>
           <a:prstGeom prst="rect">
@@ -8866,13 +9344,13 @@
           <p:nvPr/>
         </p:nvPicPr>
         <p:blipFill>
-          <a:blip r:embed="rId2" cstate="print">
+          <a:blip r:embed="rId6" cstate="print">
             <a:extLst>
               <a:ext uri="{28A0092B-C50C-407E-A947-70E740481C1C}">
                 <a14:useLocalDpi xmlns:a14="http://schemas.microsoft.com/office/drawing/2010/main" val="0"/>
               </a:ext>
               <a:ext uri="{96DAC541-7B7A-43D3-8B79-37D633B846F1}">
-                <asvg:svgBlip xmlns:asvg="http://schemas.microsoft.com/office/drawing/2016/SVG/main" r:embed="rId3"/>
+                <asvg:svgBlip xmlns:asvg="http://schemas.microsoft.com/office/drawing/2016/SVG/main" r:embed="rId7"/>
               </a:ext>
             </a:extLst>
           </a:blip>
@@ -8882,7 +9360,7 @@
         </p:blipFill>
         <p:spPr>
           <a:xfrm>
-            <a:off x="11056713" y="3294798"/>
+            <a:off x="10360719" y="3297602"/>
             <a:ext cx="267681" cy="267681"/>
           </a:xfrm>
           <a:prstGeom prst="rect">
@@ -8994,7 +9472,7 @@
           <p:nvPr/>
         </p:nvPicPr>
         <p:blipFill rotWithShape="1">
-          <a:blip r:embed="rId6">
+          <a:blip r:embed="rId10">
             <a:extLst>
               <a:ext uri="{28A0092B-C50C-407E-A947-70E740481C1C}">
                 <a14:useLocalDpi xmlns:a14="http://schemas.microsoft.com/office/drawing/2010/main" val="0"/>
@@ -9029,7 +9507,7 @@
           <p:nvPr/>
         </p:nvPicPr>
         <p:blipFill>
-          <a:blip r:embed="rId7" cstate="print">
+          <a:blip r:embed="rId11" cstate="print">
             <a:extLst>
               <a:ext uri="{28A0092B-C50C-407E-A947-70E740481C1C}">
                 <a14:useLocalDpi xmlns:a14="http://schemas.microsoft.com/office/drawing/2010/main" val="0"/>
@@ -10000,10 +10478,10 @@
       </p:sp>
       <p:pic>
         <p:nvPicPr>
-          <p:cNvPr id="9" name="Picture 8">
-            <a:extLst>
-              <a:ext uri="{FF2B5EF4-FFF2-40B4-BE49-F238E27FC236}">
-                <a16:creationId xmlns:a16="http://schemas.microsoft.com/office/drawing/2014/main" id="{61A24A0A-15D8-4AEA-BBFB-970D5B246BDE}"/>
+          <p:cNvPr id="10" name="Picture 9">
+            <a:extLst>
+              <a:ext uri="{FF2B5EF4-FFF2-40B4-BE49-F238E27FC236}">
+                <a16:creationId xmlns:a16="http://schemas.microsoft.com/office/drawing/2014/main" id="{35DF3ACF-1ADF-431F-9FBC-C36B9DC9F276}"/>
               </a:ext>
             </a:extLst>
           </p:cNvPr>
@@ -10012,7 +10490,7 @@
           </p:cNvPicPr>
           <p:nvPr/>
         </p:nvPicPr>
-        <p:blipFill rotWithShape="1">
+        <p:blipFill>
           <a:blip r:embed="rId4">
             <a:extLst>
               <a:ext uri="{28A0092B-C50C-407E-A947-70E740481C1C}">
@@ -10020,13 +10498,14 @@
               </a:ext>
             </a:extLst>
           </a:blip>
-          <a:srcRect t="16250"/>
-          <a:stretch/>
+          <a:stretch>
+            <a:fillRect/>
+          </a:stretch>
         </p:blipFill>
         <p:spPr>
           <a:xfrm>
-            <a:off x="838200" y="609600"/>
-            <a:ext cx="10542295" cy="5105400"/>
+            <a:off x="819601" y="848594"/>
+            <a:ext cx="10560894" cy="4866406"/>
           </a:xfrm>
           <a:prstGeom prst="rect">
             <a:avLst/>

--- a/presentation_CARLASSARA_10601118.pptx
+++ b/presentation_CARLASSARA_10601118.pptx
@@ -17,13 +17,13 @@
     <p:sldId id="312" r:id="rId11"/>
     <p:sldId id="315" r:id="rId12"/>
     <p:sldId id="319" r:id="rId13"/>
-    <p:sldId id="323" r:id="rId14"/>
-    <p:sldId id="325" r:id="rId15"/>
+    <p:sldId id="320" r:id="rId14"/>
+    <p:sldId id="323" r:id="rId15"/>
     <p:sldId id="326" r:id="rId16"/>
-    <p:sldId id="320" r:id="rId17"/>
-    <p:sldId id="321" r:id="rId18"/>
-    <p:sldId id="316" r:id="rId19"/>
-    <p:sldId id="322" r:id="rId20"/>
+    <p:sldId id="321" r:id="rId17"/>
+    <p:sldId id="316" r:id="rId18"/>
+    <p:sldId id="327" r:id="rId19"/>
+    <p:sldId id="328" r:id="rId20"/>
     <p:sldId id="287" r:id="rId21"/>
   </p:sldIdLst>
   <p:sldSz cx="12192000" cy="6858000"/>
@@ -126,7 +126,7 @@
   <p:extLst>
     <p:ext uri="{EFAFB233-063F-42B5-8137-9DF3F51BA10A}">
       <p15:sldGuideLst xmlns:p15="http://schemas.microsoft.com/office/powerpoint/2012/main">
-        <p15:guide id="3" pos="240" userDrawn="1">
+        <p15:guide id="3" pos="3792" userDrawn="1">
           <p15:clr>
             <a:srgbClr val="A4A3A4"/>
           </p15:clr>
@@ -136,7 +136,7 @@
             <a:srgbClr val="A4A3A4"/>
           </p15:clr>
         </p15:guide>
-        <p15:guide id="5" orient="horz" pos="624" userDrawn="1">
+        <p15:guide id="5" orient="horz" pos="336" userDrawn="1">
           <p15:clr>
             <a:srgbClr val="A4A3A4"/>
           </p15:clr>
@@ -248,7 +248,7 @@
           <a:p>
             <a:fld id="{2E347CE9-1F5D-4CEF-9CA7-664B3EF9808B}" type="datetimeFigureOut">
               <a:rPr lang="en-GB" smtClean="0"/>
-              <a:t>09/07/2024</a:t>
+              <a:t>10/07/2024</a:t>
             </a:fld>
             <a:endParaRPr lang="en-GB"/>
           </a:p>
@@ -655,7 +655,7 @@
           <a:p>
             <a:fld id="{1D8BD707-D9CF-40AE-B4C6-C98DA3205C09}" type="datetimeFigureOut">
               <a:rPr lang="en-US"/>
-              <a:t>7/9/2024</a:t>
+              <a:t>7/10/2024</a:t>
             </a:fld>
             <a:endParaRPr lang="en-US"/>
           </a:p>
@@ -830,7 +830,7 @@
           <a:p>
             <a:fld id="{1D8BD707-D9CF-40AE-B4C6-C98DA3205C09}" type="datetimeFigureOut">
               <a:rPr lang="en-US"/>
-              <a:t>7/9/2024</a:t>
+              <a:t>7/10/2024</a:t>
             </a:fld>
             <a:endParaRPr lang="en-US"/>
           </a:p>
@@ -1044,7 +1044,7 @@
           <a:p>
             <a:fld id="{1D8BD707-D9CF-40AE-B4C6-C98DA3205C09}" type="datetimeFigureOut">
               <a:rPr lang="en-US"/>
-              <a:t>7/9/2024</a:t>
+              <a:t>7/10/2024</a:t>
             </a:fld>
             <a:endParaRPr lang="en-US"/>
           </a:p>
@@ -1192,7 +1192,7 @@
           <a:p>
             <a:fld id="{1D8BD707-D9CF-40AE-B4C6-C98DA3205C09}" type="datetimeFigureOut">
               <a:rPr lang="en-US"/>
-              <a:t>7/9/2024</a:t>
+              <a:t>7/10/2024</a:t>
             </a:fld>
             <a:endParaRPr lang="en-US"/>
           </a:p>
@@ -1311,7 +1311,7 @@
           <a:p>
             <a:fld id="{1D8BD707-D9CF-40AE-B4C6-C98DA3205C09}" type="datetimeFigureOut">
               <a:rPr lang="en-US"/>
-              <a:t>7/9/2024</a:t>
+              <a:t>7/10/2024</a:t>
             </a:fld>
             <a:endParaRPr lang="en-US"/>
           </a:p>
@@ -1680,7 +1680,7 @@
           <a:p>
             <a:fld id="{1D8BD707-D9CF-40AE-B4C6-C98DA3205C09}" type="datetimeFigureOut">
               <a:rPr lang="en-US"/>
-              <a:t>7/9/2024</a:t>
+              <a:t>7/10/2024</a:t>
             </a:fld>
             <a:endParaRPr lang="en-US"/>
           </a:p>
@@ -2486,55 +2486,12 @@
           <a:chExt cx="0" cy="0"/>
         </a:xfrm>
       </p:grpSpPr>
-      <p:sp>
-        <p:nvSpPr>
-          <p:cNvPr id="18" name="Rectangle 17">
-            <a:extLst>
-              <a:ext uri="{FF2B5EF4-FFF2-40B4-BE49-F238E27FC236}">
-                <a16:creationId xmlns:a16="http://schemas.microsoft.com/office/drawing/2014/main" id="{00681E6F-C40A-4ED0-9D53-D34104B4964F}"/>
-              </a:ext>
-            </a:extLst>
-          </p:cNvPr>
-          <p:cNvSpPr/>
-          <p:nvPr/>
-        </p:nvSpPr>
-        <p:spPr>
-          <a:xfrm>
-            <a:off x="228600" y="6359452"/>
-            <a:ext cx="2063385" cy="338554"/>
-          </a:xfrm>
-          <a:prstGeom prst="rect">
-            <a:avLst/>
-          </a:prstGeom>
-        </p:spPr>
-        <p:txBody>
-          <a:bodyPr wrap="none">
-            <a:spAutoFit/>
-          </a:bodyPr>
-          <a:lstStyle/>
-          <a:p>
-            <a:r>
-              <a:rPr lang="it-IT" sz="1600">
-                <a:latin typeface="Futura"/>
-                <a:ea typeface="Microsoft Sans Serif" panose="020B0604020202020204" pitchFamily="34" charset="0"/>
-                <a:cs typeface="Microsoft Sans Serif" panose="020B0604020202020204" pitchFamily="34" charset="0"/>
-              </a:rPr>
-              <a:t>Lorenzo Carlassara</a:t>
-            </a:r>
-            <a:endParaRPr lang="it-IT" sz="1600" dirty="0">
-              <a:latin typeface="Futura"/>
-              <a:ea typeface="Microsoft Sans Serif" panose="020B0604020202020204" pitchFamily="34" charset="0"/>
-              <a:cs typeface="Microsoft Sans Serif" panose="020B0604020202020204" pitchFamily="34" charset="0"/>
-            </a:endParaRPr>
-          </a:p>
-        </p:txBody>
-      </p:sp>
       <p:pic>
         <p:nvPicPr>
-          <p:cNvPr id="19" name="Picture 18">
-            <a:extLst>
-              <a:ext uri="{FF2B5EF4-FFF2-40B4-BE49-F238E27FC236}">
-                <a16:creationId xmlns:a16="http://schemas.microsoft.com/office/drawing/2014/main" id="{B2B2A884-A15F-4E1B-9F93-24E6A16C5246}"/>
+          <p:cNvPr id="7" name="Picture 6">
+            <a:extLst>
+              <a:ext uri="{FF2B5EF4-FFF2-40B4-BE49-F238E27FC236}">
+                <a16:creationId xmlns:a16="http://schemas.microsoft.com/office/drawing/2014/main" id="{B220E16B-DFF0-42A7-836E-E7D494F2B637}"/>
               </a:ext>
             </a:extLst>
           </p:cNvPr>
@@ -2543,43 +2500,8 @@
           </p:cNvPicPr>
           <p:nvPr/>
         </p:nvPicPr>
-        <p:blipFill rotWithShape="1">
-          <a:blip r:embed="rId2">
-            <a:extLst>
-              <a:ext uri="{28A0092B-C50C-407E-A947-70E740481C1C}">
-                <a14:useLocalDpi xmlns:a14="http://schemas.microsoft.com/office/drawing/2010/main" val="0"/>
-              </a:ext>
-            </a:extLst>
-          </a:blip>
-          <a:srcRect l="25190" r="25955" b="38216"/>
-          <a:stretch/>
-        </p:blipFill>
-        <p:spPr>
-          <a:xfrm>
-            <a:off x="10734080" y="6172326"/>
-            <a:ext cx="677505" cy="627889"/>
-          </a:xfrm>
-          <a:prstGeom prst="rect">
-            <a:avLst/>
-          </a:prstGeom>
-        </p:spPr>
-      </p:pic>
-      <p:pic>
-        <p:nvPicPr>
-          <p:cNvPr id="20" name="Picture 19">
-            <a:extLst>
-              <a:ext uri="{FF2B5EF4-FFF2-40B4-BE49-F238E27FC236}">
-                <a16:creationId xmlns:a16="http://schemas.microsoft.com/office/drawing/2014/main" id="{1DBAE88E-FFC9-4BC0-9DE5-9B7CA7691256}"/>
-              </a:ext>
-            </a:extLst>
-          </p:cNvPr>
-          <p:cNvPicPr>
-            <a:picLocks noChangeAspect="1"/>
-          </p:cNvPicPr>
-          <p:nvPr/>
-        </p:nvPicPr>
         <p:blipFill>
-          <a:blip r:embed="rId3" cstate="print">
+          <a:blip r:embed="rId2" cstate="print">
             <a:extLst>
               <a:ext uri="{28A0092B-C50C-407E-A947-70E740481C1C}">
                 <a14:useLocalDpi xmlns:a14="http://schemas.microsoft.com/office/drawing/2010/main" val="0"/>
@@ -2600,83 +2522,12 @@
           </a:prstGeom>
         </p:spPr>
       </p:pic>
-      <p:sp>
-        <p:nvSpPr>
-          <p:cNvPr id="21" name="Textfeld 99">
-            <a:extLst>
-              <a:ext uri="{FF2B5EF4-FFF2-40B4-BE49-F238E27FC236}">
-                <a16:creationId xmlns:a16="http://schemas.microsoft.com/office/drawing/2014/main" id="{0803C2D1-1B12-4681-99BA-94ACF45F635F}"/>
-              </a:ext>
-            </a:extLst>
-          </p:cNvPr>
-          <p:cNvSpPr txBox="1"/>
-          <p:nvPr/>
-        </p:nvSpPr>
-        <p:spPr>
-          <a:xfrm>
-            <a:off x="-10886" y="152400"/>
-            <a:ext cx="12192000" cy="353943"/>
-          </a:xfrm>
-          <a:prstGeom prst="rect">
-            <a:avLst/>
-          </a:prstGeom>
-          <a:noFill/>
-        </p:spPr>
-        <p:txBody>
-          <a:bodyPr wrap="square" rtlCol="0">
-            <a:spAutoFit/>
-          </a:bodyPr>
-          <a:lstStyle/>
-          <a:p>
-            <a:pPr algn="ctr"/>
-            <a:r>
-              <a:rPr lang="en-US" sz="1700">
-                <a:latin typeface="Futura"/>
-                <a:cs typeface="Times New Roman" panose="02020603050405020304" pitchFamily="18" charset="0"/>
-              </a:rPr>
-              <a:t>Active learning method</a:t>
-            </a:r>
-            <a:r>
-              <a:rPr lang="de-DE" sz="1700">
-                <a:latin typeface="Futura"/>
-                <a:cs typeface="Times New Roman" panose="02020603050405020304" pitchFamily="18" charset="0"/>
-              </a:rPr>
-              <a:t> </a:t>
-            </a:r>
-            <a:r>
-              <a:rPr lang="en-US" sz="1700">
-                <a:latin typeface="Futura"/>
-                <a:cs typeface="Times New Roman" panose="02020603050405020304" pitchFamily="18" charset="0"/>
-              </a:rPr>
-              <a:t>for</a:t>
-            </a:r>
-            <a:r>
-              <a:rPr lang="de-DE" sz="1700">
-                <a:latin typeface="Futura"/>
-                <a:cs typeface="Times New Roman" panose="02020603050405020304" pitchFamily="18" charset="0"/>
-              </a:rPr>
-              <a:t> </a:t>
-            </a:r>
-            <a:r>
-              <a:rPr lang="en-US" sz="1700">
-                <a:latin typeface="Futura"/>
-                <a:cs typeface="Times New Roman" panose="02020603050405020304" pitchFamily="18" charset="0"/>
-              </a:rPr>
-              <a:t>Virtual Support Vector Machine with self-learning constraints</a:t>
-            </a:r>
-            <a:endParaRPr lang="de-DE" sz="1700" dirty="0">
-              <a:latin typeface="Futura"/>
-              <a:cs typeface="Times New Roman" panose="02020603050405020304" pitchFamily="18" charset="0"/>
-            </a:endParaRPr>
-          </a:p>
-        </p:txBody>
-      </p:sp>
       <p:pic>
         <p:nvPicPr>
-          <p:cNvPr id="9" name="Picture 8">
-            <a:extLst>
-              <a:ext uri="{FF2B5EF4-FFF2-40B4-BE49-F238E27FC236}">
-                <a16:creationId xmlns:a16="http://schemas.microsoft.com/office/drawing/2014/main" id="{3C1FB4F2-E763-40AE-8788-8D86F0F83971}"/>
+          <p:cNvPr id="8" name="Picture 7">
+            <a:extLst>
+              <a:ext uri="{FF2B5EF4-FFF2-40B4-BE49-F238E27FC236}">
+                <a16:creationId xmlns:a16="http://schemas.microsoft.com/office/drawing/2014/main" id="{C300C08F-7400-4B95-9451-8B73FBF2A62E}"/>
               </a:ext>
             </a:extLst>
           </p:cNvPr>
@@ -2685,8 +2536,43 @@
           </p:cNvPicPr>
           <p:nvPr/>
         </p:nvPicPr>
+        <p:blipFill rotWithShape="1">
+          <a:blip r:embed="rId3">
+            <a:extLst>
+              <a:ext uri="{28A0092B-C50C-407E-A947-70E740481C1C}">
+                <a14:useLocalDpi xmlns:a14="http://schemas.microsoft.com/office/drawing/2010/main" val="0"/>
+              </a:ext>
+            </a:extLst>
+          </a:blip>
+          <a:srcRect l="25190" r="25955" b="38216"/>
+          <a:stretch/>
+        </p:blipFill>
+        <p:spPr>
+          <a:xfrm>
+            <a:off x="8295" y="6172200"/>
+            <a:ext cx="677505" cy="627889"/>
+          </a:xfrm>
+          <a:prstGeom prst="rect">
+            <a:avLst/>
+          </a:prstGeom>
+        </p:spPr>
+      </p:pic>
+      <p:pic>
+        <p:nvPicPr>
+          <p:cNvPr id="4" name="Picture 3">
+            <a:extLst>
+              <a:ext uri="{FF2B5EF4-FFF2-40B4-BE49-F238E27FC236}">
+                <a16:creationId xmlns:a16="http://schemas.microsoft.com/office/drawing/2014/main" id="{2F4AA90F-D82F-4C47-AEF5-D3A0609D33FD}"/>
+              </a:ext>
+            </a:extLst>
+          </p:cNvPr>
+          <p:cNvPicPr>
+            <a:picLocks noChangeAspect="1"/>
+          </p:cNvPicPr>
+          <p:nvPr/>
+        </p:nvPicPr>
         <p:blipFill>
-          <a:blip r:embed="rId4">
+          <a:blip r:embed="rId4" cstate="print">
             <a:extLst>
               <a:ext uri="{28A0092B-C50C-407E-A947-70E740481C1C}">
                 <a14:useLocalDpi xmlns:a14="http://schemas.microsoft.com/office/drawing/2010/main" val="0"/>
@@ -2699,8 +2585,116 @@
         </p:blipFill>
         <p:spPr>
           <a:xfrm>
-            <a:off x="838292" y="838200"/>
-            <a:ext cx="10284483" cy="4620647"/>
+            <a:off x="1143000" y="72151"/>
+            <a:ext cx="4191001" cy="3352800"/>
+          </a:xfrm>
+          <a:prstGeom prst="rect">
+            <a:avLst/>
+          </a:prstGeom>
+        </p:spPr>
+      </p:pic>
+      <p:pic>
+        <p:nvPicPr>
+          <p:cNvPr id="5" name="Picture 4">
+            <a:extLst>
+              <a:ext uri="{FF2B5EF4-FFF2-40B4-BE49-F238E27FC236}">
+                <a16:creationId xmlns:a16="http://schemas.microsoft.com/office/drawing/2014/main" id="{1C764EE1-0CED-4D22-B880-E2EA85A25F21}"/>
+              </a:ext>
+            </a:extLst>
+          </p:cNvPr>
+          <p:cNvPicPr>
+            <a:picLocks noChangeAspect="1"/>
+          </p:cNvPicPr>
+          <p:nvPr/>
+        </p:nvPicPr>
+        <p:blipFill>
+          <a:blip r:embed="rId5" cstate="print">
+            <a:extLst>
+              <a:ext uri="{28A0092B-C50C-407E-A947-70E740481C1C}">
+                <a14:useLocalDpi xmlns:a14="http://schemas.microsoft.com/office/drawing/2010/main" val="0"/>
+              </a:ext>
+            </a:extLst>
+          </a:blip>
+          <a:stretch>
+            <a:fillRect/>
+          </a:stretch>
+        </p:blipFill>
+        <p:spPr>
+          <a:xfrm>
+            <a:off x="6849989" y="72151"/>
+            <a:ext cx="4191000" cy="3352800"/>
+          </a:xfrm>
+          <a:prstGeom prst="rect">
+            <a:avLst/>
+          </a:prstGeom>
+        </p:spPr>
+      </p:pic>
+      <p:pic>
+        <p:nvPicPr>
+          <p:cNvPr id="6" name="Picture 5">
+            <a:extLst>
+              <a:ext uri="{FF2B5EF4-FFF2-40B4-BE49-F238E27FC236}">
+                <a16:creationId xmlns:a16="http://schemas.microsoft.com/office/drawing/2014/main" id="{A543A837-245A-4626-A76A-D9F0033D9D26}"/>
+              </a:ext>
+            </a:extLst>
+          </p:cNvPr>
+          <p:cNvPicPr>
+            <a:picLocks noChangeAspect="1"/>
+          </p:cNvPicPr>
+          <p:nvPr/>
+        </p:nvPicPr>
+        <p:blipFill>
+          <a:blip r:embed="rId6" cstate="print">
+            <a:extLst>
+              <a:ext uri="{28A0092B-C50C-407E-A947-70E740481C1C}">
+                <a14:useLocalDpi xmlns:a14="http://schemas.microsoft.com/office/drawing/2010/main" val="0"/>
+              </a:ext>
+            </a:extLst>
+          </a:blip>
+          <a:stretch>
+            <a:fillRect/>
+          </a:stretch>
+        </p:blipFill>
+        <p:spPr>
+          <a:xfrm>
+            <a:off x="1147678" y="3383057"/>
+            <a:ext cx="4191001" cy="3352800"/>
+          </a:xfrm>
+          <a:prstGeom prst="rect">
+            <a:avLst/>
+          </a:prstGeom>
+        </p:spPr>
+      </p:pic>
+      <p:pic>
+        <p:nvPicPr>
+          <p:cNvPr id="9" name="Picture 8">
+            <a:extLst>
+              <a:ext uri="{FF2B5EF4-FFF2-40B4-BE49-F238E27FC236}">
+                <a16:creationId xmlns:a16="http://schemas.microsoft.com/office/drawing/2014/main" id="{BE8D759D-05E7-496D-8480-230A5398986D}"/>
+              </a:ext>
+            </a:extLst>
+          </p:cNvPr>
+          <p:cNvPicPr>
+            <a:picLocks noChangeAspect="1"/>
+          </p:cNvPicPr>
+          <p:nvPr/>
+        </p:nvPicPr>
+        <p:blipFill>
+          <a:blip r:embed="rId7" cstate="print">
+            <a:extLst>
+              <a:ext uri="{28A0092B-C50C-407E-A947-70E740481C1C}">
+                <a14:useLocalDpi xmlns:a14="http://schemas.microsoft.com/office/drawing/2010/main" val="0"/>
+              </a:ext>
+            </a:extLst>
+          </a:blip>
+          <a:stretch>
+            <a:fillRect/>
+          </a:stretch>
+        </p:blipFill>
+        <p:spPr>
+          <a:xfrm>
+            <a:off x="6846023" y="3383057"/>
+            <a:ext cx="4191000" cy="3352800"/>
           </a:xfrm>
           <a:prstGeom prst="rect">
             <a:avLst/>
@@ -2710,7 +2704,7 @@
     </p:spTree>
     <p:extLst>
       <p:ext uri="{BB962C8B-B14F-4D97-AF65-F5344CB8AC3E}">
-        <p14:creationId xmlns:p14="http://schemas.microsoft.com/office/powerpoint/2010/main" val="1582237575"/>
+        <p14:creationId xmlns:p14="http://schemas.microsoft.com/office/powerpoint/2010/main" val="3479168626"/>
       </p:ext>
     </p:extLst>
   </p:cSld>
@@ -2924,10 +2918,10 @@
       </p:sp>
       <p:pic>
         <p:nvPicPr>
-          <p:cNvPr id="22" name="Picture 21">
-            <a:extLst>
-              <a:ext uri="{FF2B5EF4-FFF2-40B4-BE49-F238E27FC236}">
-                <a16:creationId xmlns:a16="http://schemas.microsoft.com/office/drawing/2014/main" id="{25A41A61-5800-4F87-ABCE-A63B4DBBBC43}"/>
+          <p:cNvPr id="9" name="Picture 8">
+            <a:extLst>
+              <a:ext uri="{FF2B5EF4-FFF2-40B4-BE49-F238E27FC236}">
+                <a16:creationId xmlns:a16="http://schemas.microsoft.com/office/drawing/2014/main" id="{3C1FB4F2-E763-40AE-8788-8D86F0F83971}"/>
               </a:ext>
             </a:extLst>
           </p:cNvPr>
@@ -2950,8 +2944,8 @@
         </p:blipFill>
         <p:spPr>
           <a:xfrm>
-            <a:off x="838200" y="830941"/>
-            <a:ext cx="10062669" cy="4751029"/>
+            <a:off x="838292" y="838200"/>
+            <a:ext cx="10284483" cy="4620647"/>
           </a:xfrm>
           <a:prstGeom prst="rect">
             <a:avLst/>
@@ -2961,7 +2955,7 @@
     </p:spTree>
     <p:extLst>
       <p:ext uri="{BB962C8B-B14F-4D97-AF65-F5344CB8AC3E}">
-        <p14:creationId xmlns:p14="http://schemas.microsoft.com/office/powerpoint/2010/main" val="133106940"/>
+        <p14:creationId xmlns:p14="http://schemas.microsoft.com/office/powerpoint/2010/main" val="1582237575"/>
       </p:ext>
     </p:extLst>
   </p:cSld>
@@ -3312,10 +3306,10 @@
       </p:pic>
       <p:pic>
         <p:nvPicPr>
-          <p:cNvPr id="4" name="Picture 3">
-            <a:extLst>
-              <a:ext uri="{FF2B5EF4-FFF2-40B4-BE49-F238E27FC236}">
-                <a16:creationId xmlns:a16="http://schemas.microsoft.com/office/drawing/2014/main" id="{2F4AA90F-D82F-4C47-AEF5-D3A0609D33FD}"/>
+          <p:cNvPr id="3" name="Picture 2">
+            <a:extLst>
+              <a:ext uri="{FF2B5EF4-FFF2-40B4-BE49-F238E27FC236}">
+                <a16:creationId xmlns:a16="http://schemas.microsoft.com/office/drawing/2014/main" id="{670DA7F4-3C6A-44C4-B938-CE885B9DBDA5}"/>
               </a:ext>
             </a:extLst>
           </p:cNvPr>
@@ -3325,7 +3319,7 @@
           <p:nvPr/>
         </p:nvPicPr>
         <p:blipFill>
-          <a:blip r:embed="rId4">
+          <a:blip r:embed="rId4" cstate="print">
             <a:extLst>
               <a:ext uri="{28A0092B-C50C-407E-A947-70E740481C1C}">
                 <a14:useLocalDpi xmlns:a14="http://schemas.microsoft.com/office/drawing/2010/main" val="0"/>
@@ -3338,8 +3332,44 @@
         </p:blipFill>
         <p:spPr>
           <a:xfrm>
-            <a:off x="1809750" y="0"/>
-            <a:ext cx="8572500" cy="6858000"/>
+            <a:off x="0" y="304800"/>
+            <a:ext cx="6096000" cy="4876800"/>
+          </a:xfrm>
+          <a:prstGeom prst="rect">
+            <a:avLst/>
+          </a:prstGeom>
+        </p:spPr>
+      </p:pic>
+      <p:pic>
+        <p:nvPicPr>
+          <p:cNvPr id="6" name="Picture 5">
+            <a:extLst>
+              <a:ext uri="{FF2B5EF4-FFF2-40B4-BE49-F238E27FC236}">
+                <a16:creationId xmlns:a16="http://schemas.microsoft.com/office/drawing/2014/main" id="{9DE06DE2-BEA6-4831-BDF1-0316AD477DFF}"/>
+              </a:ext>
+            </a:extLst>
+          </p:cNvPr>
+          <p:cNvPicPr>
+            <a:picLocks noChangeAspect="1"/>
+          </p:cNvPicPr>
+          <p:nvPr/>
+        </p:nvPicPr>
+        <p:blipFill>
+          <a:blip r:embed="rId5" cstate="print">
+            <a:extLst>
+              <a:ext uri="{28A0092B-C50C-407E-A947-70E740481C1C}">
+                <a14:useLocalDpi xmlns:a14="http://schemas.microsoft.com/office/drawing/2010/main" val="0"/>
+              </a:ext>
+            </a:extLst>
+          </a:blip>
+          <a:stretch>
+            <a:fillRect/>
+          </a:stretch>
+        </p:blipFill>
+        <p:spPr>
+          <a:xfrm>
+            <a:off x="6096000" y="304800"/>
+            <a:ext cx="6096000" cy="4876800"/>
           </a:xfrm>
           <a:prstGeom prst="rect">
             <a:avLst/>
@@ -3349,7 +3379,7 @@
     </p:spTree>
     <p:extLst>
       <p:ext uri="{BB962C8B-B14F-4D97-AF65-F5344CB8AC3E}">
-        <p14:creationId xmlns:p14="http://schemas.microsoft.com/office/powerpoint/2010/main" val="3479168626"/>
+        <p14:creationId xmlns:p14="http://schemas.microsoft.com/office/powerpoint/2010/main" val="1463249048"/>
       </p:ext>
     </p:extLst>
   </p:cSld>
@@ -3452,7 +3482,7 @@
           <p:cNvPr id="4" name="Picture 3">
             <a:extLst>
               <a:ext uri="{FF2B5EF4-FFF2-40B4-BE49-F238E27FC236}">
-                <a16:creationId xmlns:a16="http://schemas.microsoft.com/office/drawing/2014/main" id="{31FAEA5C-25FD-4AEE-8EAA-8E7BAF51B8AC}"/>
+                <a16:creationId xmlns:a16="http://schemas.microsoft.com/office/drawing/2014/main" id="{D8A99D0B-68D5-480B-B335-D6F6124EA9D5}"/>
               </a:ext>
             </a:extLst>
           </p:cNvPr>
@@ -3462,7 +3492,7 @@
           <p:nvPr/>
         </p:nvPicPr>
         <p:blipFill>
-          <a:blip r:embed="rId4">
+          <a:blip r:embed="rId4" cstate="print">
             <a:extLst>
               <a:ext uri="{28A0092B-C50C-407E-A947-70E740481C1C}">
                 <a14:useLocalDpi xmlns:a14="http://schemas.microsoft.com/office/drawing/2010/main" val="0"/>
@@ -3475,8 +3505,44 @@
         </p:blipFill>
         <p:spPr>
           <a:xfrm>
-            <a:off x="1809750" y="0"/>
-            <a:ext cx="8572500" cy="6858000"/>
+            <a:off x="0" y="304800"/>
+            <a:ext cx="6096000" cy="4876800"/>
+          </a:xfrm>
+          <a:prstGeom prst="rect">
+            <a:avLst/>
+          </a:prstGeom>
+        </p:spPr>
+      </p:pic>
+      <p:pic>
+        <p:nvPicPr>
+          <p:cNvPr id="10" name="Picture 9">
+            <a:extLst>
+              <a:ext uri="{FF2B5EF4-FFF2-40B4-BE49-F238E27FC236}">
+                <a16:creationId xmlns:a16="http://schemas.microsoft.com/office/drawing/2014/main" id="{52C055B9-55D4-401E-94FE-CE2D04CDB98B}"/>
+              </a:ext>
+            </a:extLst>
+          </p:cNvPr>
+          <p:cNvPicPr>
+            <a:picLocks noChangeAspect="1"/>
+          </p:cNvPicPr>
+          <p:nvPr/>
+        </p:nvPicPr>
+        <p:blipFill>
+          <a:blip r:embed="rId5" cstate="print">
+            <a:extLst>
+              <a:ext uri="{28A0092B-C50C-407E-A947-70E740481C1C}">
+                <a14:useLocalDpi xmlns:a14="http://schemas.microsoft.com/office/drawing/2010/main" val="0"/>
+              </a:ext>
+            </a:extLst>
+          </a:blip>
+          <a:stretch>
+            <a:fillRect/>
+          </a:stretch>
+        </p:blipFill>
+        <p:spPr>
+          <a:xfrm>
+            <a:off x="6096000" y="304800"/>
+            <a:ext cx="6096000" cy="4876800"/>
           </a:xfrm>
           <a:prstGeom prst="rect">
             <a:avLst/>
@@ -3486,7 +3552,7 @@
     </p:spTree>
     <p:extLst>
       <p:ext uri="{BB962C8B-B14F-4D97-AF65-F5344CB8AC3E}">
-        <p14:creationId xmlns:p14="http://schemas.microsoft.com/office/powerpoint/2010/main" val="1463249048"/>
+        <p14:creationId xmlns:p14="http://schemas.microsoft.com/office/powerpoint/2010/main" val="3832956685"/>
       </p:ext>
     </p:extLst>
   </p:cSld>
@@ -3586,10 +3652,10 @@
       </p:pic>
       <p:pic>
         <p:nvPicPr>
-          <p:cNvPr id="3" name="Picture 2">
-            <a:extLst>
-              <a:ext uri="{FF2B5EF4-FFF2-40B4-BE49-F238E27FC236}">
-                <a16:creationId xmlns:a16="http://schemas.microsoft.com/office/drawing/2014/main" id="{5D95E256-F968-4D69-8829-1AD4807CFF64}"/>
+          <p:cNvPr id="10" name="Picture 9">
+            <a:extLst>
+              <a:ext uri="{FF2B5EF4-FFF2-40B4-BE49-F238E27FC236}">
+                <a16:creationId xmlns:a16="http://schemas.microsoft.com/office/drawing/2014/main" id="{B3172DCD-A98B-4CBB-B731-981469F70CF4}"/>
               </a:ext>
             </a:extLst>
           </p:cNvPr>
@@ -3599,7 +3665,7 @@
           <p:nvPr/>
         </p:nvPicPr>
         <p:blipFill>
-          <a:blip r:embed="rId4">
+          <a:blip r:embed="rId4" cstate="print">
             <a:extLst>
               <a:ext uri="{28A0092B-C50C-407E-A947-70E740481C1C}">
                 <a14:useLocalDpi xmlns:a14="http://schemas.microsoft.com/office/drawing/2010/main" val="0"/>
@@ -3612,8 +3678,44 @@
         </p:blipFill>
         <p:spPr>
           <a:xfrm>
-            <a:off x="1809750" y="0"/>
-            <a:ext cx="8572500" cy="6858000"/>
+            <a:off x="0" y="304800"/>
+            <a:ext cx="6095999" cy="4876799"/>
+          </a:xfrm>
+          <a:prstGeom prst="rect">
+            <a:avLst/>
+          </a:prstGeom>
+        </p:spPr>
+      </p:pic>
+      <p:pic>
+        <p:nvPicPr>
+          <p:cNvPr id="11" name="Picture 10">
+            <a:extLst>
+              <a:ext uri="{FF2B5EF4-FFF2-40B4-BE49-F238E27FC236}">
+                <a16:creationId xmlns:a16="http://schemas.microsoft.com/office/drawing/2014/main" id="{9D4C1F78-7DAC-4A65-97C8-396800C25B3F}"/>
+              </a:ext>
+            </a:extLst>
+          </p:cNvPr>
+          <p:cNvPicPr>
+            <a:picLocks noChangeAspect="1"/>
+          </p:cNvPicPr>
+          <p:nvPr/>
+        </p:nvPicPr>
+        <p:blipFill>
+          <a:blip r:embed="rId5" cstate="print">
+            <a:extLst>
+              <a:ext uri="{28A0092B-C50C-407E-A947-70E740481C1C}">
+                <a14:useLocalDpi xmlns:a14="http://schemas.microsoft.com/office/drawing/2010/main" val="0"/>
+              </a:ext>
+            </a:extLst>
+          </a:blip>
+          <a:stretch>
+            <a:fillRect/>
+          </a:stretch>
+        </p:blipFill>
+        <p:spPr>
+          <a:xfrm>
+            <a:off x="6095999" y="304800"/>
+            <a:ext cx="6096002" cy="4876801"/>
           </a:xfrm>
           <a:prstGeom prst="rect">
             <a:avLst/>
@@ -3623,7 +3725,7 @@
     </p:spTree>
     <p:extLst>
       <p:ext uri="{BB962C8B-B14F-4D97-AF65-F5344CB8AC3E}">
-        <p14:creationId xmlns:p14="http://schemas.microsoft.com/office/powerpoint/2010/main" val="3832956685"/>
+        <p14:creationId xmlns:p14="http://schemas.microsoft.com/office/powerpoint/2010/main" val="4129571936"/>
       </p:ext>
     </p:extLst>
   </p:cSld>
@@ -3723,10 +3825,10 @@
       </p:pic>
       <p:pic>
         <p:nvPicPr>
-          <p:cNvPr id="4" name="Picture 3">
-            <a:extLst>
-              <a:ext uri="{FF2B5EF4-FFF2-40B4-BE49-F238E27FC236}">
-                <a16:creationId xmlns:a16="http://schemas.microsoft.com/office/drawing/2014/main" id="{8EEBC6E7-AFBE-42A9-89BF-4EE96FAF6B56}"/>
+          <p:cNvPr id="13" name="Picture 12">
+            <a:extLst>
+              <a:ext uri="{FF2B5EF4-FFF2-40B4-BE49-F238E27FC236}">
+                <a16:creationId xmlns:a16="http://schemas.microsoft.com/office/drawing/2014/main" id="{919FAF43-7C05-4A02-BB43-C7D0C3A95188}"/>
               </a:ext>
             </a:extLst>
           </p:cNvPr>
@@ -3736,7 +3838,7 @@
           <p:nvPr/>
         </p:nvPicPr>
         <p:blipFill>
-          <a:blip r:embed="rId4">
+          <a:blip r:embed="rId4" cstate="print">
             <a:extLst>
               <a:ext uri="{28A0092B-C50C-407E-A947-70E740481C1C}">
                 <a14:useLocalDpi xmlns:a14="http://schemas.microsoft.com/office/drawing/2010/main" val="0"/>
@@ -3749,8 +3851,44 @@
         </p:blipFill>
         <p:spPr>
           <a:xfrm>
-            <a:off x="1809750" y="0"/>
-            <a:ext cx="8572500" cy="6858000"/>
+            <a:off x="6096000" y="306057"/>
+            <a:ext cx="6096000" cy="4876800"/>
+          </a:xfrm>
+          <a:prstGeom prst="rect">
+            <a:avLst/>
+          </a:prstGeom>
+        </p:spPr>
+      </p:pic>
+      <p:pic>
+        <p:nvPicPr>
+          <p:cNvPr id="14" name="Picture 13">
+            <a:extLst>
+              <a:ext uri="{FF2B5EF4-FFF2-40B4-BE49-F238E27FC236}">
+                <a16:creationId xmlns:a16="http://schemas.microsoft.com/office/drawing/2014/main" id="{4943E1C8-752F-4317-BD0E-33307EDFE41F}"/>
+              </a:ext>
+            </a:extLst>
+          </p:cNvPr>
+          <p:cNvPicPr>
+            <a:picLocks noChangeAspect="1"/>
+          </p:cNvPicPr>
+          <p:nvPr/>
+        </p:nvPicPr>
+        <p:blipFill>
+          <a:blip r:embed="rId5" cstate="print">
+            <a:extLst>
+              <a:ext uri="{28A0092B-C50C-407E-A947-70E740481C1C}">
+                <a14:useLocalDpi xmlns:a14="http://schemas.microsoft.com/office/drawing/2010/main" val="0"/>
+              </a:ext>
+            </a:extLst>
+          </a:blip>
+          <a:stretch>
+            <a:fillRect/>
+          </a:stretch>
+        </p:blipFill>
+        <p:spPr>
+          <a:xfrm>
+            <a:off x="0" y="306057"/>
+            <a:ext cx="6096000" cy="4876800"/>
           </a:xfrm>
           <a:prstGeom prst="rect">
             <a:avLst/>
@@ -3760,7 +3898,7 @@
     </p:spTree>
     <p:extLst>
       <p:ext uri="{BB962C8B-B14F-4D97-AF65-F5344CB8AC3E}">
-        <p14:creationId xmlns:p14="http://schemas.microsoft.com/office/powerpoint/2010/main" val="3420890579"/>
+        <p14:creationId xmlns:p14="http://schemas.microsoft.com/office/powerpoint/2010/main" val="3913308983"/>
       </p:ext>
     </p:extLst>
   </p:cSld>
@@ -11104,12 +11242,11 @@
 </file>
 
 <file path=customXml/item1.xml><?xml version="1.0" encoding="utf-8"?>
-<?mso-contentType ?>
-<FormTemplates xmlns="http://schemas.microsoft.com/sharepoint/v3/contenttype/forms">
-  <Display>DocumentLibraryForm</Display>
-  <Edit>DocumentLibraryForm</Edit>
-  <New>DocumentLibraryForm</New>
-</FormTemplates>
+<p:properties xmlns:p="http://schemas.microsoft.com/office/2006/metadata/properties" xmlns:xsi="http://www.w3.org/2001/XMLSchema-instance" xmlns:pc="http://schemas.microsoft.com/office/infopath/2007/PartnerControls">
+  <documentManagement>
+    <_activity xmlns="c9eab120-891d-4e75-bbb7-983661d36c9c" xsi:nil="true"/>
+  </documentManagement>
+</p:properties>
 </file>
 
 <file path=customXml/item2.xml><?xml version="1.0" encoding="utf-8"?>
@@ -11342,17 +11479,27 @@
 </file>
 
 <file path=customXml/item3.xml><?xml version="1.0" encoding="utf-8"?>
-<p:properties xmlns:p="http://schemas.microsoft.com/office/2006/metadata/properties" xmlns:xsi="http://www.w3.org/2001/XMLSchema-instance" xmlns:pc="http://schemas.microsoft.com/office/infopath/2007/PartnerControls">
-  <documentManagement>
-    <_activity xmlns="c9eab120-891d-4e75-bbb7-983661d36c9c" xsi:nil="true"/>
-  </documentManagement>
-</p:properties>
+<?mso-contentType ?>
+<FormTemplates xmlns="http://schemas.microsoft.com/sharepoint/v3/contenttype/forms">
+  <Display>DocumentLibraryForm</Display>
+  <Edit>DocumentLibraryForm</Edit>
+  <New>DocumentLibraryForm</New>
+</FormTemplates>
 </file>
 
 <file path=customXml/itemProps1.xml><?xml version="1.0" encoding="utf-8"?>
-<ds:datastoreItem xmlns:ds="http://schemas.openxmlformats.org/officeDocument/2006/customXml" ds:itemID="{29D72105-E419-4657-8EC8-6C73137ECF2E}">
+<ds:datastoreItem xmlns:ds="http://schemas.openxmlformats.org/officeDocument/2006/customXml" ds:itemID="{0935546A-FCFF-49CF-A534-6766F9A5EAFB}">
   <ds:schemaRefs>
-    <ds:schemaRef ds:uri="http://schemas.microsoft.com/sharepoint/v3/contenttype/forms"/>
+    <ds:schemaRef ds:uri="http://schemas.openxmlformats.org/package/2006/metadata/core-properties"/>
+    <ds:schemaRef ds:uri="c9eab120-891d-4e75-bbb7-983661d36c9c"/>
+    <ds:schemaRef ds:uri="http://purl.org/dc/terms/"/>
+    <ds:schemaRef ds:uri="http://schemas.microsoft.com/office/2006/documentManagement/types"/>
+    <ds:schemaRef ds:uri="http://schemas.microsoft.com/office/infopath/2007/PartnerControls"/>
+    <ds:schemaRef ds:uri="http://purl.org/dc/elements/1.1/"/>
+    <ds:schemaRef ds:uri="2cbdb79f-05cb-4beb-bf79-a6aafc29ddd5"/>
+    <ds:schemaRef ds:uri="http://www.w3.org/XML/1998/namespace"/>
+    <ds:schemaRef ds:uri="http://schemas.microsoft.com/office/2006/metadata/properties"/>
+    <ds:schemaRef ds:uri="http://purl.org/dc/dcmitype/"/>
   </ds:schemaRefs>
 </ds:datastoreItem>
 </file>
@@ -11377,18 +11524,9 @@
 </file>
 
 <file path=customXml/itemProps3.xml><?xml version="1.0" encoding="utf-8"?>
-<ds:datastoreItem xmlns:ds="http://schemas.openxmlformats.org/officeDocument/2006/customXml" ds:itemID="{0935546A-FCFF-49CF-A534-6766F9A5EAFB}">
+<ds:datastoreItem xmlns:ds="http://schemas.openxmlformats.org/officeDocument/2006/customXml" ds:itemID="{29D72105-E419-4657-8EC8-6C73137ECF2E}">
   <ds:schemaRefs>
-    <ds:schemaRef ds:uri="http://schemas.openxmlformats.org/package/2006/metadata/core-properties"/>
-    <ds:schemaRef ds:uri="c9eab120-891d-4e75-bbb7-983661d36c9c"/>
-    <ds:schemaRef ds:uri="http://purl.org/dc/terms/"/>
-    <ds:schemaRef ds:uri="http://schemas.microsoft.com/office/2006/documentManagement/types"/>
-    <ds:schemaRef ds:uri="http://schemas.microsoft.com/office/infopath/2007/PartnerControls"/>
-    <ds:schemaRef ds:uri="http://purl.org/dc/elements/1.1/"/>
-    <ds:schemaRef ds:uri="2cbdb79f-05cb-4beb-bf79-a6aafc29ddd5"/>
-    <ds:schemaRef ds:uri="http://www.w3.org/XML/1998/namespace"/>
-    <ds:schemaRef ds:uri="http://schemas.microsoft.com/office/2006/metadata/properties"/>
-    <ds:schemaRef ds:uri="http://purl.org/dc/dcmitype/"/>
+    <ds:schemaRef ds:uri="http://schemas.microsoft.com/sharepoint/v3/contenttype/forms"/>
   </ds:schemaRefs>
 </ds:datastoreItem>
 </file>
--- a/presentation_CARLASSARA_10601118.pptx
+++ b/presentation_CARLASSARA_10601118.pptx
@@ -141,12 +141,12 @@
             <a:srgbClr val="A4A3A4"/>
           </p15:clr>
         </p15:guide>
-        <p15:guide id="6" orient="horz" pos="912" userDrawn="1">
+        <p15:guide id="6" orient="horz" pos="1104" userDrawn="1">
           <p15:clr>
             <a:srgbClr val="A4A3A4"/>
           </p15:clr>
         </p15:guide>
-        <p15:guide id="7" pos="5904" userDrawn="1">
+        <p15:guide id="7" pos="240" userDrawn="1">
           <p15:clr>
             <a:srgbClr val="A4A3A4"/>
           </p15:clr>
@@ -5026,8 +5026,8 @@
         </p:nvSpPr>
         <p:spPr>
           <a:xfrm>
-            <a:off x="5105400" y="164068"/>
-            <a:ext cx="2178802" cy="353943"/>
+            <a:off x="3993443" y="179457"/>
+            <a:ext cx="4052713" cy="353943"/>
           </a:xfrm>
           <a:prstGeom prst="rect">
             <a:avLst/>
@@ -5039,13 +5039,14 @@
           </a:bodyPr>
           <a:lstStyle/>
           <a:p>
+            <a:pPr algn="ctr"/>
             <a:r>
               <a:rPr lang="it-IT" sz="1700" dirty="0">
                 <a:ln w="0"/>
                 <a:latin typeface="Futura"/>
                 <a:cs typeface="Microsoft Sans Serif"/>
               </a:rPr>
-              <a:t>VSVM background</a:t>
+              <a:t>Self - constrained VSVM background</a:t>
             </a:r>
             <a:endParaRPr lang="en-GB" sz="1700" dirty="0">
               <a:ln w="0"/>
@@ -5207,8 +5208,8 @@
         </p:nvSpPr>
         <p:spPr>
           <a:xfrm>
-            <a:off x="8295" y="152400"/>
-            <a:ext cx="12183705" cy="353943"/>
+            <a:off x="4919047" y="186717"/>
+            <a:ext cx="2201505" cy="353943"/>
           </a:xfrm>
           <a:prstGeom prst="rect">
             <a:avLst/>
@@ -5222,46 +5223,14 @@
           <a:p>
             <a:pPr algn="ctr"/>
             <a:r>
-              <a:rPr lang="it-IT" sz="1700" dirty="0" err="1">
-                <a:ln w="0"/>
-                <a:latin typeface="Futura"/>
-                <a:cs typeface="Microsoft Sans Serif"/>
-              </a:rPr>
-              <a:t>Datasets</a:t>
-            </a:r>
-            <a:r>
               <a:rPr lang="it-IT" sz="1700" dirty="0">
                 <a:ln w="0"/>
                 <a:latin typeface="Futura"/>
                 <a:cs typeface="Microsoft Sans Serif"/>
               </a:rPr>
-              <a:t> &amp; </a:t>
-            </a:r>
-            <a:r>
-              <a:rPr lang="it-IT" sz="1700" dirty="0" err="1">
-                <a:ln w="0"/>
-                <a:latin typeface="Futura"/>
-                <a:cs typeface="Microsoft Sans Serif"/>
-              </a:rPr>
-              <a:t>Models</a:t>
-            </a:r>
-            <a:r>
-              <a:rPr lang="it-IT" sz="1700" dirty="0">
-                <a:ln w="0"/>
-                <a:latin typeface="Futura"/>
-                <a:cs typeface="Microsoft Sans Serif"/>
-              </a:rPr>
-              <a:t> </a:t>
-            </a:r>
-            <a:r>
-              <a:rPr lang="it-IT" sz="1700" dirty="0" err="1">
-                <a:ln w="0"/>
-                <a:latin typeface="Futura"/>
-                <a:cs typeface="Microsoft Sans Serif"/>
-              </a:rPr>
-              <a:t>collection</a:t>
-            </a:r>
-            <a:endParaRPr lang="en-GB" sz="1700" dirty="0">
+              <a:t>Datasets &amp; Models</a:t>
+            </a:r>
+            <a:endParaRPr lang="en-US" sz="1700" dirty="0">
               <a:ln w="0"/>
               <a:latin typeface="Futura"/>
             </a:endParaRPr>
@@ -5270,10 +5239,10 @@
       </p:sp>
       <p:sp>
         <p:nvSpPr>
-          <p:cNvPr id="5" name="Rectangle 4">
-            <a:extLst>
-              <a:ext uri="{FF2B5EF4-FFF2-40B4-BE49-F238E27FC236}">
-                <a16:creationId xmlns:a16="http://schemas.microsoft.com/office/drawing/2014/main" id="{754A4302-62D0-4514-BC06-711248CBB598}"/>
+          <p:cNvPr id="6" name="Rectangle 5">
+            <a:extLst>
+              <a:ext uri="{FF2B5EF4-FFF2-40B4-BE49-F238E27FC236}">
+                <a16:creationId xmlns:a16="http://schemas.microsoft.com/office/drawing/2014/main" id="{D16B49D4-79D6-47B3-982A-4002F118C366}"/>
               </a:ext>
             </a:extLst>
           </p:cNvPr>
@@ -5282,8 +5251,8 @@
         </p:nvSpPr>
         <p:spPr>
           <a:xfrm>
-            <a:off x="689812" y="2896059"/>
-            <a:ext cx="5209096" cy="615553"/>
+            <a:off x="5898908" y="938463"/>
+            <a:ext cx="6001743" cy="2970044"/>
           </a:xfrm>
           <a:prstGeom prst="rect">
             <a:avLst/>
@@ -5300,38 +5269,23 @@
               <a:buChar char="•"/>
             </a:pPr>
             <a:r>
+              <a:rPr lang="it-IT" sz="1700" dirty="0">
+                <a:latin typeface="Futura"/>
+              </a:rPr>
+              <a:t>SVM: Support </a:t>
+            </a:r>
+            <a:r>
               <a:rPr lang="it-IT" sz="1700" dirty="0" err="1">
-                <a:highlight>
-                  <a:srgbClr val="FFFF00"/>
-                </a:highlight>
-                <a:latin typeface="Futura"/>
-              </a:rPr>
-              <a:t>Binary</a:t>
+                <a:latin typeface="Futura"/>
+              </a:rPr>
+              <a:t>Vector</a:t>
             </a:r>
             <a:r>
               <a:rPr lang="it-IT" sz="1700" dirty="0">
-                <a:highlight>
-                  <a:srgbClr val="FFFF00"/>
-                </a:highlight>
-                <a:latin typeface="Futura"/>
-              </a:rPr>
-              <a:t> </a:t>
-            </a:r>
-            <a:r>
-              <a:rPr lang="it-IT" sz="1700" dirty="0" err="1">
-                <a:highlight>
-                  <a:srgbClr val="FFFF00"/>
-                </a:highlight>
-                <a:latin typeface="Futura"/>
-              </a:rPr>
-              <a:t>classification</a:t>
-            </a:r>
-            <a:endParaRPr lang="it-IT" sz="1700" dirty="0">
-              <a:highlight>
-                <a:srgbClr val="FFFF00"/>
-              </a:highlight>
-              <a:latin typeface="Futura"/>
-            </a:endParaRPr>
+                <a:latin typeface="Futura"/>
+              </a:rPr>
+              <a:t> Machine</a:t>
+            </a:r>
           </a:p>
           <a:p>
             <a:pPr marL="285750" indent="-285750">
@@ -5339,45 +5293,240 @@
               <a:buChar char="•"/>
             </a:pPr>
             <a:r>
+              <a:rPr lang="it-IT" sz="1700" dirty="0">
+                <a:latin typeface="Futura"/>
+              </a:rPr>
+              <a:t>SVM-MS: include </a:t>
+            </a:r>
+            <a:r>
               <a:rPr lang="it-IT" sz="1700" dirty="0" err="1">
-                <a:highlight>
-                  <a:srgbClr val="FFFF00"/>
-                </a:highlight>
-                <a:latin typeface="Futura"/>
-              </a:rPr>
-              <a:t>Multiclass</a:t>
+                <a:latin typeface="Futura"/>
+              </a:rPr>
+              <a:t>all</a:t>
             </a:r>
             <a:r>
               <a:rPr lang="it-IT" sz="1700" dirty="0">
-                <a:highlight>
-                  <a:srgbClr val="FFFF00"/>
-                </a:highlight>
                 <a:latin typeface="Futura"/>
               </a:rPr>
               <a:t> </a:t>
             </a:r>
             <a:r>
               <a:rPr lang="it-IT" sz="1700" dirty="0" err="1">
-                <a:highlight>
-                  <a:srgbClr val="FFFF00"/>
-                </a:highlight>
-                <a:latin typeface="Futura"/>
-              </a:rPr>
-              <a:t>classification</a:t>
+                <a:latin typeface="Futura"/>
+              </a:rPr>
+              <a:t>multilevel</a:t>
             </a:r>
             <a:r>
               <a:rPr lang="it-IT" sz="1700" dirty="0">
-                <a:highlight>
-                  <a:srgbClr val="FFFF00"/>
-                </a:highlight>
-                <a:latin typeface="Futura"/>
-              </a:rPr>
-              <a:t> with 5/6 classes</a:t>
+                <a:latin typeface="Futura"/>
+              </a:rPr>
+              <a:t> </a:t>
+            </a:r>
+            <a:r>
+              <a:rPr lang="it-IT" sz="1700" dirty="0" err="1">
+                <a:latin typeface="Futura"/>
+              </a:rPr>
+              <a:t>segmentations</a:t>
+            </a:r>
+            <a:endParaRPr lang="it-IT" sz="1700" dirty="0">
+              <a:latin typeface="Futura"/>
+            </a:endParaRPr>
+          </a:p>
+          <a:p>
+            <a:pPr marL="285750" indent="-285750">
+              <a:buFont typeface="Arial" panose="020B0604020202020204" pitchFamily="34" charset="0"/>
+              <a:buChar char="•"/>
+            </a:pPr>
+            <a:r>
+              <a:rPr lang="it-IT" sz="1700" dirty="0">
+                <a:latin typeface="Futura"/>
+              </a:rPr>
+              <a:t>VSVM: </a:t>
+            </a:r>
+            <a:r>
+              <a:rPr lang="it-IT" sz="1700" dirty="0" err="1">
+                <a:latin typeface="Futura"/>
+              </a:rPr>
+              <a:t>enconding</a:t>
+            </a:r>
+            <a:r>
+              <a:rPr lang="it-IT" sz="1700" dirty="0">
+                <a:latin typeface="Futura"/>
+              </a:rPr>
+              <a:t> </a:t>
+            </a:r>
+            <a:r>
+              <a:rPr lang="it-IT" sz="1700" dirty="0" err="1">
+                <a:latin typeface="Futura"/>
+              </a:rPr>
+              <a:t>invariance</a:t>
+            </a:r>
+            <a:r>
+              <a:rPr lang="it-IT" sz="1700" dirty="0">
+                <a:latin typeface="Futura"/>
+              </a:rPr>
+              <a:t> wrt the </a:t>
+            </a:r>
+            <a:r>
+              <a:rPr lang="it-IT" sz="1700" dirty="0" err="1">
+                <a:latin typeface="Futura"/>
+              </a:rPr>
+              <a:t>SVs</a:t>
+            </a:r>
+            <a:r>
+              <a:rPr lang="it-IT" sz="1700" dirty="0">
+                <a:latin typeface="Futura"/>
+              </a:rPr>
+              <a:t> </a:t>
+            </a:r>
+          </a:p>
+          <a:p>
+            <a:pPr marL="285750" indent="-285750">
+              <a:buFont typeface="Arial" panose="020B0604020202020204" pitchFamily="34" charset="0"/>
+              <a:buChar char="•"/>
+            </a:pPr>
+            <a:r>
+              <a:rPr lang="it-IT" sz="1700" dirty="0">
+                <a:latin typeface="Futura"/>
+              </a:rPr>
+              <a:t>VSVM-SL: Self-learning </a:t>
+            </a:r>
+            <a:r>
+              <a:rPr lang="it-IT" sz="1700" dirty="0" err="1">
+                <a:latin typeface="Futura"/>
+              </a:rPr>
+              <a:t>strategy</a:t>
+            </a:r>
+            <a:r>
+              <a:rPr lang="it-IT" sz="1700" dirty="0">
+                <a:latin typeface="Futura"/>
+              </a:rPr>
+              <a:t> </a:t>
+            </a:r>
+          </a:p>
+          <a:p>
+            <a:pPr marL="742950" lvl="1" indent="-285750">
+              <a:buFont typeface="Arial" panose="020B0604020202020204" pitchFamily="34" charset="0"/>
+              <a:buChar char="•"/>
+            </a:pPr>
+            <a:r>
+              <a:rPr lang="it-IT" sz="1700" dirty="0">
+                <a:latin typeface="Futura"/>
+              </a:rPr>
+              <a:t> </a:t>
+            </a:r>
+            <a:r>
+              <a:rPr lang="en-GB" sz="1700" dirty="0">
+                <a:latin typeface="Futura"/>
+              </a:rPr>
+              <a:t>remove VSVs:</a:t>
+            </a:r>
+            <a:endParaRPr lang="it-IT" sz="1700" dirty="0">
+              <a:latin typeface="Futura"/>
+            </a:endParaRPr>
+          </a:p>
+          <a:p>
+            <a:pPr marL="1200150" lvl="2" indent="-285750">
+              <a:buFont typeface="Arial" panose="020B0604020202020204" pitchFamily="34" charset="0"/>
+              <a:buChar char="•"/>
+            </a:pPr>
+            <a:r>
+              <a:rPr lang="en-GB" sz="1700" dirty="0">
+                <a:latin typeface="Futura"/>
+              </a:rPr>
+              <a:t>over a certain distance wrt the original SVs</a:t>
+            </a:r>
+          </a:p>
+          <a:p>
+            <a:pPr marL="1200150" lvl="2" indent="-285750">
+              <a:buFont typeface="Arial" panose="020B0604020202020204" pitchFamily="34" charset="0"/>
+              <a:buChar char="•"/>
+            </a:pPr>
+            <a:r>
+              <a:rPr lang="en-GB" sz="1700" dirty="0">
+                <a:latin typeface="Futura"/>
+              </a:rPr>
+              <a:t>outside radius threshold on margin distance</a:t>
+            </a:r>
+          </a:p>
+          <a:p>
+            <a:pPr marL="285750" indent="-285750">
+              <a:buFont typeface="Arial" panose="020B0604020202020204" pitchFamily="34" charset="0"/>
+              <a:buChar char="•"/>
+            </a:pPr>
+            <a:r>
+              <a:rPr lang="it-IT" sz="1700" dirty="0">
+                <a:latin typeface="Futura"/>
+              </a:rPr>
+              <a:t>SVM-SL-UNL</a:t>
+            </a:r>
+          </a:p>
+          <a:p>
+            <a:pPr marL="285750" indent="-285750">
+              <a:buFont typeface="Arial" panose="020B0604020202020204" pitchFamily="34" charset="0"/>
+              <a:buChar char="•"/>
+            </a:pPr>
+            <a:r>
+              <a:rPr lang="it-IT" sz="1700" dirty="0">
+                <a:latin typeface="Futura"/>
+              </a:rPr>
+              <a:t>VSVM-SL-UNL</a:t>
+            </a:r>
+          </a:p>
+          <a:p>
+            <a:pPr marL="285750" indent="-285750">
+              <a:buFont typeface="Arial" panose="020B0604020202020204" pitchFamily="34" charset="0"/>
+              <a:buChar char="•"/>
+            </a:pPr>
+            <a:r>
+              <a:rPr lang="it-IT" sz="1700" dirty="0">
+                <a:latin typeface="Futura"/>
+              </a:rPr>
+              <a:t>VSVM-SL-</a:t>
+            </a:r>
+            <a:r>
+              <a:rPr lang="it-IT" sz="1700" dirty="0" err="1">
+                <a:latin typeface="Futura"/>
+              </a:rPr>
+              <a:t>virtual</a:t>
+            </a:r>
+            <a:r>
+              <a:rPr lang="it-IT" sz="1700" dirty="0">
+                <a:latin typeface="Futura"/>
+              </a:rPr>
+              <a:t>-UNL</a:t>
+            </a:r>
+          </a:p>
+          <a:p>
+            <a:pPr marL="285750" indent="-285750">
+              <a:buFont typeface="Arial" panose="020B0604020202020204" pitchFamily="34" charset="0"/>
+              <a:buChar char="•"/>
+            </a:pPr>
+            <a:r>
+              <a:rPr lang="it-IT" sz="1700" dirty="0">
+                <a:latin typeface="Futura"/>
+              </a:rPr>
+              <a:t>VSVM-SL + Active Learning </a:t>
+            </a:r>
+            <a:r>
+              <a:rPr lang="it-IT" sz="1700" dirty="0" err="1">
+                <a:latin typeface="Futura"/>
+              </a:rPr>
+              <a:t>distance</a:t>
+            </a:r>
+            <a:r>
+              <a:rPr lang="it-IT" sz="1700" dirty="0">
+                <a:latin typeface="Futura"/>
+              </a:rPr>
+              <a:t> </a:t>
+            </a:r>
+            <a:r>
+              <a:rPr lang="it-IT" sz="1700" dirty="0" err="1">
+                <a:latin typeface="Futura"/>
+              </a:rPr>
+              <a:t>function</a:t>
             </a:r>
             <a:endParaRPr lang="en-GB" sz="1700" dirty="0">
-              <a:highlight>
-                <a:srgbClr val="FFFF00"/>
-              </a:highlight>
               <a:latin typeface="Futura"/>
             </a:endParaRPr>
           </a:p>
@@ -5385,10 +5534,10 @@
       </p:sp>
       <p:sp>
         <p:nvSpPr>
-          <p:cNvPr id="6" name="Rectangle 5">
-            <a:extLst>
-              <a:ext uri="{FF2B5EF4-FFF2-40B4-BE49-F238E27FC236}">
-                <a16:creationId xmlns:a16="http://schemas.microsoft.com/office/drawing/2014/main" id="{D16B49D4-79D6-47B3-982A-4002F118C366}"/>
+          <p:cNvPr id="4" name="Rectangle 3">
+            <a:extLst>
+              <a:ext uri="{FF2B5EF4-FFF2-40B4-BE49-F238E27FC236}">
+                <a16:creationId xmlns:a16="http://schemas.microsoft.com/office/drawing/2014/main" id="{198AB57B-E5F3-4106-948A-B7C2F0853BDE}"/>
               </a:ext>
             </a:extLst>
           </p:cNvPr>
@@ -5397,8 +5546,8 @@
         </p:nvSpPr>
         <p:spPr>
           <a:xfrm>
-            <a:off x="5898908" y="938463"/>
-            <a:ext cx="6001743" cy="2970044"/>
+            <a:off x="381000" y="1344665"/>
+            <a:ext cx="5410200" cy="4016484"/>
           </a:xfrm>
           <a:prstGeom prst="rect">
             <a:avLst/>
@@ -5416,31 +5565,205 @@
             </a:pPr>
             <a:r>
               <a:rPr lang="it-IT" sz="1700" dirty="0">
-                <a:highlight>
-                  <a:srgbClr val="FFFF00"/>
-                </a:highlight>
-                <a:latin typeface="Futura"/>
-              </a:rPr>
-              <a:t>SVM: Support </a:t>
-            </a:r>
+                <a:latin typeface="Futura"/>
+              </a:rPr>
+              <a:t>Cologne, Germany </a:t>
+            </a:r>
+          </a:p>
+          <a:p>
+            <a:pPr marL="742950" lvl="1" indent="-285750">
+              <a:buFont typeface="Arial" panose="020B0604020202020204" pitchFamily="34" charset="0"/>
+              <a:buChar char="•"/>
+            </a:pPr>
+            <a:r>
+              <a:rPr lang="it-IT" sz="1700" dirty="0">
+                <a:latin typeface="Futura"/>
+              </a:rPr>
+              <a:t>1000x1000 pixel 1m </a:t>
+            </a:r>
+            <a:r>
+              <a:rPr lang="en-GB" sz="1700" dirty="0">
+                <a:latin typeface="Futura"/>
+              </a:rPr>
+              <a:t>geometric resolution</a:t>
+            </a:r>
+          </a:p>
+          <a:p>
+            <a:pPr marL="742950" lvl="1" indent="-285750">
+              <a:buFont typeface="Arial" panose="020B0604020202020204" pitchFamily="34" charset="0"/>
+              <a:buChar char="•"/>
+            </a:pPr>
+            <a:r>
+              <a:rPr lang="it-IT" sz="1700" dirty="0">
+                <a:latin typeface="Futura"/>
+              </a:rPr>
+              <a:t>1</a:t>
+            </a:r>
+            <a:r>
+              <a:rPr lang="en-GB" sz="1700" dirty="0">
+                <a:latin typeface="Futura"/>
+              </a:rPr>
+              <a:t>8 features</a:t>
+            </a:r>
+          </a:p>
+          <a:p>
+            <a:pPr marL="742950" lvl="1" indent="-285750">
+              <a:buFont typeface="Arial" panose="020B0604020202020204" pitchFamily="34" charset="0"/>
+              <a:buChar char="•"/>
+            </a:pPr>
             <a:r>
               <a:rPr lang="it-IT" sz="1700" dirty="0" err="1">
-                <a:highlight>
-                  <a:srgbClr val="FFFF00"/>
-                </a:highlight>
-                <a:latin typeface="Futura"/>
-              </a:rPr>
-              <a:t>Vector</a:t>
+                <a:latin typeface="Futura"/>
+              </a:rPr>
+              <a:t>Invariances</a:t>
             </a:r>
             <a:r>
               <a:rPr lang="it-IT" sz="1700" dirty="0">
-                <a:highlight>
-                  <a:srgbClr val="FFFF00"/>
-                </a:highlight>
-                <a:latin typeface="Futura"/>
-              </a:rPr>
-              <a:t> Machine</a:t>
-            </a:r>
+                <a:latin typeface="Futura"/>
+              </a:rPr>
+              <a:t> of </a:t>
+            </a:r>
+            <a:r>
+              <a:rPr lang="it-IT" sz="1700" dirty="0" err="1">
+                <a:latin typeface="Futura"/>
+              </a:rPr>
+              <a:t>shape</a:t>
+            </a:r>
+            <a:r>
+              <a:rPr lang="it-IT" sz="1700" dirty="0">
+                <a:latin typeface="Futura"/>
+              </a:rPr>
+              <a:t>: base </a:t>
+            </a:r>
+            <a:r>
+              <a:rPr lang="it-IT" sz="1700" dirty="0" err="1">
+                <a:latin typeface="Futura"/>
+              </a:rPr>
+              <a:t>level</a:t>
+            </a:r>
+            <a:r>
+              <a:rPr lang="it-IT" sz="1700" dirty="0">
+                <a:latin typeface="Futura"/>
+              </a:rPr>
+              <a:t> + 8 </a:t>
+            </a:r>
+            <a:r>
+              <a:rPr lang="it-IT" sz="1700" dirty="0" err="1">
+                <a:latin typeface="Futura"/>
+              </a:rPr>
+              <a:t>level</a:t>
+            </a:r>
+            <a:endParaRPr lang="it-IT" sz="1700" dirty="0">
+              <a:latin typeface="Futura"/>
+            </a:endParaRPr>
+          </a:p>
+          <a:p>
+            <a:pPr marL="742950" lvl="1" indent="-285750">
+              <a:buFont typeface="Arial" panose="020B0604020202020204" pitchFamily="34" charset="0"/>
+              <a:buChar char="•"/>
+            </a:pPr>
+            <a:r>
+              <a:rPr lang="it-IT" sz="1700" dirty="0" err="1">
+                <a:latin typeface="Futura"/>
+              </a:rPr>
+              <a:t>Invariances</a:t>
+            </a:r>
+            <a:r>
+              <a:rPr lang="it-IT" sz="1700" dirty="0">
+                <a:latin typeface="Futura"/>
+              </a:rPr>
+              <a:t> of scale: base </a:t>
+            </a:r>
+            <a:r>
+              <a:rPr lang="it-IT" sz="1700" dirty="0" err="1">
+                <a:latin typeface="Futura"/>
+              </a:rPr>
+              <a:t>level</a:t>
+            </a:r>
+            <a:r>
+              <a:rPr lang="it-IT" sz="1700" dirty="0">
+                <a:latin typeface="Futura"/>
+              </a:rPr>
+              <a:t> + 9 </a:t>
+            </a:r>
+            <a:r>
+              <a:rPr lang="it-IT" sz="1700" dirty="0" err="1">
+                <a:latin typeface="Futura"/>
+              </a:rPr>
+              <a:t>level</a:t>
+            </a:r>
+            <a:endParaRPr lang="it-IT" sz="1700" dirty="0">
+              <a:latin typeface="Futura"/>
+            </a:endParaRPr>
+          </a:p>
+          <a:p>
+            <a:pPr marL="742950" lvl="1" indent="-285750">
+              <a:buFont typeface="Arial" panose="020B0604020202020204" pitchFamily="34" charset="0"/>
+              <a:buChar char="•"/>
+            </a:pPr>
+            <a:r>
+              <a:rPr lang="it-IT" sz="1700" dirty="0" err="1">
+                <a:latin typeface="Futura"/>
+              </a:rPr>
+              <a:t>Binary</a:t>
+            </a:r>
+            <a:r>
+              <a:rPr lang="it-IT" sz="1700" dirty="0">
+                <a:latin typeface="Futura"/>
+              </a:rPr>
+              <a:t> </a:t>
+            </a:r>
+            <a:r>
+              <a:rPr lang="it-IT" sz="1700" dirty="0" err="1">
+                <a:latin typeface="Futura"/>
+              </a:rPr>
+              <a:t>classification</a:t>
+            </a:r>
+            <a:endParaRPr lang="it-IT" sz="1700" dirty="0">
+              <a:latin typeface="Futura"/>
+            </a:endParaRPr>
+          </a:p>
+          <a:p>
+            <a:pPr marL="742950" lvl="1" indent="-285750">
+              <a:buFont typeface="Arial" panose="020B0604020202020204" pitchFamily="34" charset="0"/>
+              <a:buChar char="•"/>
+            </a:pPr>
+            <a:r>
+              <a:rPr lang="it-IT" sz="1700" dirty="0" err="1">
+                <a:latin typeface="Futura"/>
+              </a:rPr>
+              <a:t>Multiclass</a:t>
+            </a:r>
+            <a:r>
+              <a:rPr lang="it-IT" sz="1700" dirty="0">
+                <a:latin typeface="Futura"/>
+              </a:rPr>
+              <a:t> </a:t>
+            </a:r>
+            <a:r>
+              <a:rPr lang="it-IT" sz="1700" dirty="0" err="1">
+                <a:latin typeface="Futura"/>
+              </a:rPr>
+              <a:t>classification</a:t>
+            </a:r>
+            <a:r>
+              <a:rPr lang="it-IT" sz="1700" dirty="0">
+                <a:latin typeface="Futura"/>
+              </a:rPr>
+              <a:t>: 6 classes</a:t>
+            </a:r>
+            <a:endParaRPr lang="en-GB" sz="1700" dirty="0">
+              <a:latin typeface="Futura"/>
+            </a:endParaRPr>
+          </a:p>
+          <a:p>
+            <a:pPr marL="742950" lvl="1" indent="-285750">
+              <a:buFont typeface="Arial" panose="020B0604020202020204" pitchFamily="34" charset="0"/>
+              <a:buChar char="•"/>
+            </a:pPr>
+            <a:endParaRPr lang="it-IT" sz="1700" dirty="0">
+              <a:latin typeface="Futura"/>
+            </a:endParaRPr>
           </a:p>
           <a:p>
             <a:pPr marL="285750" indent="-285750">
@@ -5448,166 +5771,16 @@
               <a:buChar char="•"/>
             </a:pPr>
             <a:r>
+              <a:rPr lang="it-IT" sz="1700" noProof="1">
+                <a:latin typeface="Futura"/>
+              </a:rPr>
+              <a:t>Hadagera</a:t>
+            </a:r>
+            <a:r>
               <a:rPr lang="it-IT" sz="1700" dirty="0">
-                <a:highlight>
-                  <a:srgbClr val="FFFF00"/>
-                </a:highlight>
-                <a:latin typeface="Futura"/>
-              </a:rPr>
-              <a:t>SVM-MS: include </a:t>
-            </a:r>
-            <a:r>
-              <a:rPr lang="it-IT" sz="1700" dirty="0" err="1">
-                <a:highlight>
-                  <a:srgbClr val="FFFF00"/>
-                </a:highlight>
-                <a:latin typeface="Futura"/>
-              </a:rPr>
-              <a:t>all</a:t>
-            </a:r>
-            <a:r>
-              <a:rPr lang="it-IT" sz="1700" dirty="0">
-                <a:highlight>
-                  <a:srgbClr val="FFFF00"/>
-                </a:highlight>
-                <a:latin typeface="Futura"/>
-              </a:rPr>
-              <a:t> </a:t>
-            </a:r>
-            <a:r>
-              <a:rPr lang="it-IT" sz="1700" dirty="0" err="1">
-                <a:highlight>
-                  <a:srgbClr val="FFFF00"/>
-                </a:highlight>
-                <a:latin typeface="Futura"/>
-              </a:rPr>
-              <a:t>multilevel</a:t>
-            </a:r>
-            <a:r>
-              <a:rPr lang="it-IT" sz="1700" dirty="0">
-                <a:highlight>
-                  <a:srgbClr val="FFFF00"/>
-                </a:highlight>
-                <a:latin typeface="Futura"/>
-              </a:rPr>
-              <a:t> </a:t>
-            </a:r>
-            <a:r>
-              <a:rPr lang="it-IT" sz="1700" dirty="0" err="1">
-                <a:highlight>
-                  <a:srgbClr val="FFFF00"/>
-                </a:highlight>
-                <a:latin typeface="Futura"/>
-              </a:rPr>
-              <a:t>segmentations</a:t>
-            </a:r>
-            <a:endParaRPr lang="it-IT" sz="1700" dirty="0">
-              <a:highlight>
-                <a:srgbClr val="FFFF00"/>
-              </a:highlight>
-              <a:latin typeface="Futura"/>
-            </a:endParaRPr>
-          </a:p>
-          <a:p>
-            <a:pPr marL="285750" indent="-285750">
-              <a:buFont typeface="Arial" panose="020B0604020202020204" pitchFamily="34" charset="0"/>
-              <a:buChar char="•"/>
-            </a:pPr>
-            <a:r>
-              <a:rPr lang="it-IT" sz="1700" dirty="0">
-                <a:highlight>
-                  <a:srgbClr val="FFFF00"/>
-                </a:highlight>
-                <a:latin typeface="Futura"/>
-              </a:rPr>
-              <a:t>VSVM: </a:t>
-            </a:r>
-            <a:r>
-              <a:rPr lang="it-IT" sz="1700" dirty="0" err="1">
-                <a:highlight>
-                  <a:srgbClr val="FFFF00"/>
-                </a:highlight>
-                <a:latin typeface="Futura"/>
-              </a:rPr>
-              <a:t>enconding</a:t>
-            </a:r>
-            <a:r>
-              <a:rPr lang="it-IT" sz="1700" dirty="0">
-                <a:highlight>
-                  <a:srgbClr val="FFFF00"/>
-                </a:highlight>
-                <a:latin typeface="Futura"/>
-              </a:rPr>
-              <a:t> </a:t>
-            </a:r>
-            <a:r>
-              <a:rPr lang="it-IT" sz="1700" dirty="0" err="1">
-                <a:highlight>
-                  <a:srgbClr val="FFFF00"/>
-                </a:highlight>
-                <a:latin typeface="Futura"/>
-              </a:rPr>
-              <a:t>invariance</a:t>
-            </a:r>
-            <a:r>
-              <a:rPr lang="it-IT" sz="1700" dirty="0">
-                <a:highlight>
-                  <a:srgbClr val="FFFF00"/>
-                </a:highlight>
-                <a:latin typeface="Futura"/>
-              </a:rPr>
-              <a:t> wrt the </a:t>
-            </a:r>
-            <a:r>
-              <a:rPr lang="it-IT" sz="1700" dirty="0" err="1">
-                <a:highlight>
-                  <a:srgbClr val="FFFF00"/>
-                </a:highlight>
-                <a:latin typeface="Futura"/>
-              </a:rPr>
-              <a:t>SVs</a:t>
-            </a:r>
-            <a:r>
-              <a:rPr lang="it-IT" sz="1700" dirty="0">
-                <a:highlight>
-                  <a:srgbClr val="FFFF00"/>
-                </a:highlight>
-                <a:latin typeface="Futura"/>
-              </a:rPr>
-              <a:t> </a:t>
-            </a:r>
-          </a:p>
-          <a:p>
-            <a:pPr marL="285750" indent="-285750">
-              <a:buFont typeface="Arial" panose="020B0604020202020204" pitchFamily="34" charset="0"/>
-              <a:buChar char="•"/>
-            </a:pPr>
-            <a:r>
-              <a:rPr lang="it-IT" sz="1700" dirty="0">
-                <a:highlight>
-                  <a:srgbClr val="FFFF00"/>
-                </a:highlight>
-                <a:latin typeface="Futura"/>
-              </a:rPr>
-              <a:t>VSVM-SL: Self-learning </a:t>
-            </a:r>
-            <a:r>
-              <a:rPr lang="it-IT" sz="1700" dirty="0" err="1">
-                <a:highlight>
-                  <a:srgbClr val="FFFF00"/>
-                </a:highlight>
-                <a:latin typeface="Futura"/>
-              </a:rPr>
-              <a:t>strategy</a:t>
-            </a:r>
-            <a:r>
-              <a:rPr lang="it-IT" sz="1700" dirty="0">
-                <a:highlight>
-                  <a:srgbClr val="FFFF00"/>
-                </a:highlight>
-                <a:latin typeface="Futura"/>
-              </a:rPr>
-              <a:t> </a:t>
+                <a:latin typeface="Futura"/>
+              </a:rPr>
+              <a:t>, Kenya </a:t>
             </a:r>
           </a:p>
           <a:p>
@@ -5617,167 +5790,182 @@
             </a:pPr>
             <a:r>
               <a:rPr lang="it-IT" sz="1700" dirty="0">
-                <a:highlight>
-                  <a:srgbClr val="FFFF00"/>
-                </a:highlight>
-                <a:latin typeface="Futura"/>
-              </a:rPr>
-              <a:t> </a:t>
+                <a:latin typeface="Futura"/>
+              </a:rPr>
+              <a:t>2000x2000 pixel </a:t>
             </a:r>
             <a:r>
               <a:rPr lang="en-GB" sz="1700" dirty="0">
-                <a:highlight>
-                  <a:srgbClr val="FFFF00"/>
-                </a:highlight>
-                <a:latin typeface="Futura"/>
-              </a:rPr>
-              <a:t>remove VSVs:</a:t>
-            </a:r>
-            <a:endParaRPr lang="it-IT" sz="1700" dirty="0">
-              <a:highlight>
-                <a:srgbClr val="FFFF00"/>
-              </a:highlight>
-              <a:latin typeface="Futura"/>
-            </a:endParaRPr>
-          </a:p>
-          <a:p>
-            <a:pPr marL="1200150" lvl="2" indent="-285750">
+                <a:latin typeface="Futura"/>
+              </a:rPr>
+              <a:t>0.5m geometric resolution</a:t>
+            </a:r>
+          </a:p>
+          <a:p>
+            <a:pPr marL="742950" lvl="1" indent="-285750">
               <a:buFont typeface="Arial" panose="020B0604020202020204" pitchFamily="34" charset="0"/>
               <a:buChar char="•"/>
             </a:pPr>
             <a:r>
+              <a:rPr lang="it-IT" sz="1700" dirty="0">
+                <a:latin typeface="Futura"/>
+              </a:rPr>
+              <a:t>2</a:t>
+            </a:r>
+            <a:r>
               <a:rPr lang="en-GB" sz="1700" dirty="0">
-                <a:highlight>
-                  <a:srgbClr val="FFFF00"/>
-                </a:highlight>
-                <a:latin typeface="Futura"/>
-              </a:rPr>
-              <a:t>over a certain distance wrt the original SVs</a:t>
-            </a:r>
-          </a:p>
-          <a:p>
-            <a:pPr marL="1200150" lvl="2" indent="-285750">
+                <a:latin typeface="Futura"/>
+              </a:rPr>
+              <a:t>6 features</a:t>
+            </a:r>
+          </a:p>
+          <a:p>
+            <a:pPr marL="742950" lvl="1" indent="-285750">
               <a:buFont typeface="Arial" panose="020B0604020202020204" pitchFamily="34" charset="0"/>
               <a:buChar char="•"/>
             </a:pPr>
             <a:r>
-              <a:rPr lang="en-GB" sz="1700" dirty="0">
-                <a:highlight>
-                  <a:srgbClr val="FFFF00"/>
-                </a:highlight>
-                <a:latin typeface="Futura"/>
-              </a:rPr>
-              <a:t>outside radius threshold on margin distance</a:t>
-            </a:r>
-          </a:p>
-          <a:p>
-            <a:pPr marL="285750" indent="-285750">
+              <a:rPr lang="it-IT" sz="1700" dirty="0" err="1">
+                <a:latin typeface="Futura"/>
+              </a:rPr>
+              <a:t>Invariances</a:t>
+            </a:r>
+            <a:r>
+              <a:rPr lang="it-IT" sz="1700" dirty="0">
+                <a:latin typeface="Futura"/>
+              </a:rPr>
+              <a:t> of </a:t>
+            </a:r>
+            <a:r>
+              <a:rPr lang="it-IT" sz="1700" dirty="0" err="1">
+                <a:latin typeface="Futura"/>
+              </a:rPr>
+              <a:t>shape</a:t>
+            </a:r>
+            <a:r>
+              <a:rPr lang="it-IT" sz="1700" dirty="0">
+                <a:latin typeface="Futura"/>
+              </a:rPr>
+              <a:t>: base </a:t>
+            </a:r>
+            <a:r>
+              <a:rPr lang="it-IT" sz="1700" dirty="0" err="1">
+                <a:latin typeface="Futura"/>
+              </a:rPr>
+              <a:t>level</a:t>
+            </a:r>
+            <a:r>
+              <a:rPr lang="it-IT" sz="1700" dirty="0">
+                <a:latin typeface="Futura"/>
+              </a:rPr>
+              <a:t> + 8 </a:t>
+            </a:r>
+            <a:r>
+              <a:rPr lang="it-IT" sz="1700" dirty="0" err="1">
+                <a:latin typeface="Futura"/>
+              </a:rPr>
+              <a:t>level</a:t>
+            </a:r>
+            <a:endParaRPr lang="it-IT" sz="1700" dirty="0">
+              <a:latin typeface="Futura"/>
+            </a:endParaRPr>
+          </a:p>
+          <a:p>
+            <a:pPr marL="742950" lvl="1" indent="-285750">
               <a:buFont typeface="Arial" panose="020B0604020202020204" pitchFamily="34" charset="0"/>
               <a:buChar char="•"/>
             </a:pPr>
             <a:r>
+              <a:rPr lang="it-IT" sz="1700" dirty="0" err="1">
+                <a:latin typeface="Futura"/>
+              </a:rPr>
+              <a:t>Invariances</a:t>
+            </a:r>
+            <a:r>
               <a:rPr lang="it-IT" sz="1700" dirty="0">
-                <a:highlight>
-                  <a:srgbClr val="FFFF00"/>
-                </a:highlight>
-                <a:latin typeface="Futura"/>
-              </a:rPr>
-              <a:t>SVM-SL-UNL</a:t>
-            </a:r>
-          </a:p>
-          <a:p>
-            <a:pPr marL="285750" indent="-285750">
+                <a:latin typeface="Futura"/>
+              </a:rPr>
+              <a:t> of scale: base </a:t>
+            </a:r>
+            <a:r>
+              <a:rPr lang="it-IT" sz="1700" dirty="0" err="1">
+                <a:latin typeface="Futura"/>
+              </a:rPr>
+              <a:t>level</a:t>
+            </a:r>
+            <a:r>
+              <a:rPr lang="it-IT" sz="1700" dirty="0">
+                <a:latin typeface="Futura"/>
+              </a:rPr>
+              <a:t> + 7 </a:t>
+            </a:r>
+            <a:r>
+              <a:rPr lang="it-IT" sz="1700" dirty="0" err="1">
+                <a:latin typeface="Futura"/>
+              </a:rPr>
+              <a:t>level</a:t>
+            </a:r>
+            <a:endParaRPr lang="it-IT" sz="1700" dirty="0">
+              <a:latin typeface="Futura"/>
+            </a:endParaRPr>
+          </a:p>
+          <a:p>
+            <a:pPr marL="742950" lvl="1" indent="-285750">
               <a:buFont typeface="Arial" panose="020B0604020202020204" pitchFamily="34" charset="0"/>
               <a:buChar char="•"/>
             </a:pPr>
             <a:r>
+              <a:rPr lang="it-IT" sz="1700" dirty="0" err="1">
+                <a:latin typeface="Futura"/>
+              </a:rPr>
+              <a:t>Binary</a:t>
+            </a:r>
+            <a:r>
               <a:rPr lang="it-IT" sz="1700" dirty="0">
-                <a:highlight>
-                  <a:srgbClr val="FFFF00"/>
-                </a:highlight>
-                <a:latin typeface="Futura"/>
-              </a:rPr>
-              <a:t>VSVM-SL-UNL</a:t>
-            </a:r>
-          </a:p>
-          <a:p>
-            <a:pPr marL="285750" indent="-285750">
+                <a:latin typeface="Futura"/>
+              </a:rPr>
+              <a:t> </a:t>
+            </a:r>
+            <a:r>
+              <a:rPr lang="it-IT" sz="1700" dirty="0" err="1">
+                <a:latin typeface="Futura"/>
+              </a:rPr>
+              <a:t>classification</a:t>
+            </a:r>
+            <a:endParaRPr lang="it-IT" sz="1700" dirty="0">
+              <a:latin typeface="Futura"/>
+            </a:endParaRPr>
+          </a:p>
+          <a:p>
+            <a:pPr marL="742950" lvl="1" indent="-285750">
               <a:buFont typeface="Arial" panose="020B0604020202020204" pitchFamily="34" charset="0"/>
               <a:buChar char="•"/>
             </a:pPr>
             <a:r>
+              <a:rPr lang="it-IT" sz="1700" dirty="0" err="1">
+                <a:latin typeface="Futura"/>
+              </a:rPr>
+              <a:t>Multiclass</a:t>
+            </a:r>
+            <a:r>
               <a:rPr lang="it-IT" sz="1700" dirty="0">
-                <a:highlight>
-                  <a:srgbClr val="FFFF00"/>
-                </a:highlight>
-                <a:latin typeface="Futura"/>
-              </a:rPr>
-              <a:t>VSVM-SL-</a:t>
+                <a:latin typeface="Futura"/>
+              </a:rPr>
+              <a:t> </a:t>
             </a:r>
             <a:r>
               <a:rPr lang="it-IT" sz="1700" dirty="0" err="1">
-                <a:highlight>
-                  <a:srgbClr val="FFFF00"/>
-                </a:highlight>
-                <a:latin typeface="Futura"/>
-              </a:rPr>
-              <a:t>virtual</a:t>
+                <a:latin typeface="Futura"/>
+              </a:rPr>
+              <a:t>classification</a:t>
             </a:r>
             <a:r>
               <a:rPr lang="it-IT" sz="1700" dirty="0">
-                <a:highlight>
-                  <a:srgbClr val="FFFF00"/>
-                </a:highlight>
-                <a:latin typeface="Futura"/>
-              </a:rPr>
-              <a:t>-UNL</a:t>
-            </a:r>
-          </a:p>
-          <a:p>
-            <a:pPr marL="285750" indent="-285750">
-              <a:buFont typeface="Arial" panose="020B0604020202020204" pitchFamily="34" charset="0"/>
-              <a:buChar char="•"/>
-            </a:pPr>
-            <a:r>
-              <a:rPr lang="it-IT" sz="1700" dirty="0">
-                <a:highlight>
-                  <a:srgbClr val="FFFF00"/>
-                </a:highlight>
-                <a:latin typeface="Futura"/>
-              </a:rPr>
-              <a:t>VSVM-SL + Active Learning </a:t>
-            </a:r>
-            <a:r>
-              <a:rPr lang="it-IT" sz="1700" dirty="0" err="1">
-                <a:highlight>
-                  <a:srgbClr val="FFFF00"/>
-                </a:highlight>
-                <a:latin typeface="Futura"/>
-              </a:rPr>
-              <a:t>distance</a:t>
-            </a:r>
-            <a:r>
-              <a:rPr lang="it-IT" sz="1700" dirty="0">
-                <a:highlight>
-                  <a:srgbClr val="FFFF00"/>
-                </a:highlight>
-                <a:latin typeface="Futura"/>
-              </a:rPr>
-              <a:t> </a:t>
-            </a:r>
-            <a:r>
-              <a:rPr lang="it-IT" sz="1700" dirty="0" err="1">
-                <a:highlight>
-                  <a:srgbClr val="FFFF00"/>
-                </a:highlight>
-                <a:latin typeface="Futura"/>
-              </a:rPr>
-              <a:t>function</a:t>
+                <a:latin typeface="Futura"/>
+              </a:rPr>
+              <a:t>: 5 classes</a:t>
             </a:r>
             <a:endParaRPr lang="en-GB" sz="1700" dirty="0">
-              <a:highlight>
-                <a:srgbClr val="FFFF00"/>
-              </a:highlight>
               <a:latin typeface="Futura"/>
             </a:endParaRPr>
           </a:p>
@@ -5785,10 +5973,10 @@
       </p:sp>
       <p:sp>
         <p:nvSpPr>
-          <p:cNvPr id="4" name="Rectangle 3">
-            <a:extLst>
-              <a:ext uri="{FF2B5EF4-FFF2-40B4-BE49-F238E27FC236}">
-                <a16:creationId xmlns:a16="http://schemas.microsoft.com/office/drawing/2014/main" id="{198AB57B-E5F3-4106-948A-B7C2F0853BDE}"/>
+          <p:cNvPr id="15" name="Rectangle 14">
+            <a:extLst>
+              <a:ext uri="{FF2B5EF4-FFF2-40B4-BE49-F238E27FC236}">
+                <a16:creationId xmlns:a16="http://schemas.microsoft.com/office/drawing/2014/main" id="{80A94F79-27BC-4AF3-B740-683B69FEB2D2}"/>
               </a:ext>
             </a:extLst>
           </p:cNvPr>
@@ -5797,8 +5985,8 @@
         </p:nvSpPr>
         <p:spPr>
           <a:xfrm>
-            <a:off x="689811" y="938463"/>
-            <a:ext cx="3320415" cy="615553"/>
+            <a:off x="5913422" y="4483281"/>
+            <a:ext cx="4858742" cy="877163"/>
           </a:xfrm>
           <a:prstGeom prst="rect">
             <a:avLst/>
@@ -5815,14 +6003,26 @@
               <a:buChar char="•"/>
             </a:pPr>
             <a:r>
+              <a:rPr lang="en-US" sz="1700" dirty="0">
+                <a:latin typeface="Futura"/>
+              </a:rPr>
+              <a:t>Unlabeled</a:t>
+            </a:r>
+            <a:r>
               <a:rPr lang="it-IT" sz="1700" dirty="0">
-                <a:highlight>
-                  <a:srgbClr val="FFFF00"/>
-                </a:highlight>
-                <a:latin typeface="Futura"/>
-              </a:rPr>
-              <a:t>Cologne, Germany </a:t>
-            </a:r>
+                <a:latin typeface="Futura"/>
+              </a:rPr>
+              <a:t> </a:t>
+            </a:r>
+            <a:r>
+              <a:rPr lang="it-IT" sz="1700" dirty="0" err="1">
+                <a:latin typeface="Futura"/>
+              </a:rPr>
+              <a:t>Sampling</a:t>
+            </a:r>
+            <a:endParaRPr lang="it-IT" sz="1700" dirty="0">
+              <a:latin typeface="Futura"/>
+            </a:endParaRPr>
           </a:p>
           <a:p>
             <a:pPr marL="285750" indent="-285750">
@@ -5830,27 +6030,63 @@
               <a:buChar char="•"/>
             </a:pPr>
             <a:r>
-              <a:rPr lang="it-IT" sz="1700" noProof="1">
-                <a:highlight>
-                  <a:srgbClr val="FFFF00"/>
-                </a:highlight>
-                <a:latin typeface="Futura"/>
-              </a:rPr>
-              <a:t>Hadagera</a:t>
+              <a:rPr lang="it-IT" sz="1700" dirty="0" err="1">
+                <a:latin typeface="Futura"/>
+              </a:rPr>
+              <a:t>Execution</a:t>
             </a:r>
             <a:r>
               <a:rPr lang="it-IT" sz="1700" dirty="0">
-                <a:highlight>
-                  <a:srgbClr val="FFFF00"/>
-                </a:highlight>
-                <a:latin typeface="Futura"/>
-              </a:rPr>
-              <a:t>, Kenya</a:t>
+                <a:latin typeface="Futura"/>
+              </a:rPr>
+              <a:t> </a:t>
+            </a:r>
+            <a:r>
+              <a:rPr lang="it-IT" sz="1700" dirty="0" err="1">
+                <a:latin typeface="Futura"/>
+              </a:rPr>
+              <a:t>order</a:t>
+            </a:r>
+            <a:r>
+              <a:rPr lang="it-IT" sz="1700" dirty="0">
+                <a:latin typeface="Futura"/>
+              </a:rPr>
+              <a:t> of the import </a:t>
+            </a:r>
+            <a:r>
+              <a:rPr lang="it-IT" sz="1700" dirty="0" err="1">
+                <a:latin typeface="Futura"/>
+              </a:rPr>
+              <a:t>section</a:t>
+            </a:r>
+            <a:endParaRPr lang="it-IT" sz="1700" dirty="0">
+              <a:latin typeface="Futura"/>
+            </a:endParaRPr>
+          </a:p>
+          <a:p>
+            <a:pPr marL="285750" indent="-285750">
+              <a:buFont typeface="Arial" panose="020B0604020202020204" pitchFamily="34" charset="0"/>
+              <a:buChar char="•"/>
+            </a:pPr>
+            <a:r>
+              <a:rPr lang="it-IT" sz="1700" dirty="0">
+                <a:latin typeface="Futura"/>
+              </a:rPr>
+              <a:t>New Train set </a:t>
+            </a:r>
+            <a:r>
+              <a:rPr lang="it-IT" sz="1700" dirty="0" err="1">
+                <a:latin typeface="Futura"/>
+              </a:rPr>
+              <a:t>after</a:t>
+            </a:r>
+            <a:r>
+              <a:rPr lang="it-IT" sz="1700" dirty="0">
+                <a:latin typeface="Futura"/>
+              </a:rPr>
+              <a:t> VSVM</a:t>
             </a:r>
             <a:endParaRPr lang="en-GB" sz="1700" dirty="0">
-              <a:highlight>
-                <a:srgbClr val="FFFF00"/>
-              </a:highlight>
               <a:latin typeface="Futura"/>
             </a:endParaRPr>
           </a:p>
@@ -5858,10 +6094,10 @@
       </p:sp>
       <p:sp>
         <p:nvSpPr>
-          <p:cNvPr id="2" name="Rectangle 1">
-            <a:extLst>
-              <a:ext uri="{FF2B5EF4-FFF2-40B4-BE49-F238E27FC236}">
-                <a16:creationId xmlns:a16="http://schemas.microsoft.com/office/drawing/2014/main" id="{DCEACD8A-F25C-4C2E-AEFE-3E7644A7B9A3}"/>
+          <p:cNvPr id="13" name="Rectangle 12">
+            <a:extLst>
+              <a:ext uri="{FF2B5EF4-FFF2-40B4-BE49-F238E27FC236}">
+                <a16:creationId xmlns:a16="http://schemas.microsoft.com/office/drawing/2014/main" id="{CE779C61-0B42-44B7-8A6F-2A140373D4F6}"/>
               </a:ext>
             </a:extLst>
           </p:cNvPr>
@@ -5870,8 +6106,117 @@
         </p:nvSpPr>
         <p:spPr>
           <a:xfrm>
-            <a:off x="689812" y="1849620"/>
-            <a:ext cx="5209096" cy="615553"/>
+            <a:off x="228600" y="6359452"/>
+            <a:ext cx="2063385" cy="338554"/>
+          </a:xfrm>
+          <a:prstGeom prst="rect">
+            <a:avLst/>
+          </a:prstGeom>
+        </p:spPr>
+        <p:txBody>
+          <a:bodyPr wrap="none">
+            <a:spAutoFit/>
+          </a:bodyPr>
+          <a:lstStyle/>
+          <a:p>
+            <a:r>
+              <a:rPr lang="it-IT" sz="1600" dirty="0">
+                <a:latin typeface="Futura"/>
+                <a:ea typeface="Microsoft Sans Serif" panose="020B0604020202020204" pitchFamily="34" charset="0"/>
+                <a:cs typeface="Microsoft Sans Serif" panose="020B0604020202020204" pitchFamily="34" charset="0"/>
+              </a:rPr>
+              <a:t>Lorenzo Carlassara</a:t>
+            </a:r>
+          </a:p>
+        </p:txBody>
+      </p:sp>
+      <p:pic>
+        <p:nvPicPr>
+          <p:cNvPr id="20" name="Picture 19">
+            <a:extLst>
+              <a:ext uri="{FF2B5EF4-FFF2-40B4-BE49-F238E27FC236}">
+                <a16:creationId xmlns:a16="http://schemas.microsoft.com/office/drawing/2014/main" id="{100278A8-F868-4120-A864-F506CD51461C}"/>
+              </a:ext>
+            </a:extLst>
+          </p:cNvPr>
+          <p:cNvPicPr>
+            <a:picLocks noChangeAspect="1"/>
+          </p:cNvPicPr>
+          <p:nvPr/>
+        </p:nvPicPr>
+        <p:blipFill rotWithShape="1">
+          <a:blip r:embed="rId2">
+            <a:extLst>
+              <a:ext uri="{28A0092B-C50C-407E-A947-70E740481C1C}">
+                <a14:useLocalDpi xmlns:a14="http://schemas.microsoft.com/office/drawing/2010/main" val="0"/>
+              </a:ext>
+            </a:extLst>
+          </a:blip>
+          <a:srcRect l="25190" r="25955" b="38216"/>
+          <a:stretch/>
+        </p:blipFill>
+        <p:spPr>
+          <a:xfrm>
+            <a:off x="10734080" y="6172326"/>
+            <a:ext cx="677505" cy="627889"/>
+          </a:xfrm>
+          <a:prstGeom prst="rect">
+            <a:avLst/>
+          </a:prstGeom>
+        </p:spPr>
+      </p:pic>
+      <p:pic>
+        <p:nvPicPr>
+          <p:cNvPr id="21" name="Picture 20">
+            <a:extLst>
+              <a:ext uri="{FF2B5EF4-FFF2-40B4-BE49-F238E27FC236}">
+                <a16:creationId xmlns:a16="http://schemas.microsoft.com/office/drawing/2014/main" id="{E8669315-FE9F-4B36-8884-1466D170BD34}"/>
+              </a:ext>
+            </a:extLst>
+          </p:cNvPr>
+          <p:cNvPicPr>
+            <a:picLocks noChangeAspect="1"/>
+          </p:cNvPicPr>
+          <p:nvPr/>
+        </p:nvPicPr>
+        <p:blipFill>
+          <a:blip r:embed="rId3" cstate="print">
+            <a:extLst>
+              <a:ext uri="{28A0092B-C50C-407E-A947-70E740481C1C}">
+                <a14:useLocalDpi xmlns:a14="http://schemas.microsoft.com/office/drawing/2010/main" val="0"/>
+              </a:ext>
+            </a:extLst>
+          </a:blip>
+          <a:stretch>
+            <a:fillRect/>
+          </a:stretch>
+        </p:blipFill>
+        <p:spPr>
+          <a:xfrm>
+            <a:off x="11506200" y="6172200"/>
+            <a:ext cx="628015" cy="628015"/>
+          </a:xfrm>
+          <a:prstGeom prst="rect">
+            <a:avLst/>
+          </a:prstGeom>
+        </p:spPr>
+      </p:pic>
+      <p:sp>
+        <p:nvSpPr>
+          <p:cNvPr id="3" name="Rectangle 2">
+            <a:extLst>
+              <a:ext uri="{FF2B5EF4-FFF2-40B4-BE49-F238E27FC236}">
+                <a16:creationId xmlns:a16="http://schemas.microsoft.com/office/drawing/2014/main" id="{30C59136-E01A-4A1C-B1B6-F06E124E6CB6}"/>
+              </a:ext>
+            </a:extLst>
+          </p:cNvPr>
+          <p:cNvSpPr/>
+          <p:nvPr/>
+        </p:nvSpPr>
+        <p:spPr>
+          <a:xfrm>
+            <a:off x="381000" y="796759"/>
+            <a:ext cx="3886200" cy="353943"/>
           </a:xfrm>
           <a:prstGeom prst="rect">
             <a:avLst/>
@@ -5883,487 +6228,15 @@
           </a:bodyPr>
           <a:lstStyle/>
           <a:p>
-            <a:pPr marL="285750" indent="-285750">
-              <a:buFont typeface="Arial" panose="020B0604020202020204" pitchFamily="34" charset="0"/>
-              <a:buChar char="•"/>
-            </a:pPr>
-            <a:r>
-              <a:rPr lang="it-IT" sz="1700" dirty="0" err="1">
-                <a:highlight>
-                  <a:srgbClr val="FFFF00"/>
-                </a:highlight>
-                <a:latin typeface="Futura"/>
-              </a:rPr>
-              <a:t>Invariances</a:t>
-            </a:r>
-            <a:r>
-              <a:rPr lang="it-IT" sz="1700" dirty="0">
-                <a:highlight>
-                  <a:srgbClr val="FFFF00"/>
-                </a:highlight>
-                <a:latin typeface="Futura"/>
-              </a:rPr>
-              <a:t> of </a:t>
-            </a:r>
-            <a:r>
-              <a:rPr lang="it-IT" sz="1700" dirty="0" err="1">
-                <a:highlight>
-                  <a:srgbClr val="FFFF00"/>
-                </a:highlight>
-                <a:latin typeface="Futura"/>
-              </a:rPr>
-              <a:t>shape</a:t>
-            </a:r>
-            <a:r>
-              <a:rPr lang="it-IT" sz="1700" dirty="0">
-                <a:highlight>
-                  <a:srgbClr val="FFFF00"/>
-                </a:highlight>
-                <a:latin typeface="Futura"/>
-              </a:rPr>
-              <a:t>: base </a:t>
-            </a:r>
-            <a:r>
-              <a:rPr lang="it-IT" sz="1700" dirty="0" err="1">
-                <a:highlight>
-                  <a:srgbClr val="FFFF00"/>
-                </a:highlight>
-                <a:latin typeface="Futura"/>
-              </a:rPr>
-              <a:t>level</a:t>
-            </a:r>
-            <a:r>
-              <a:rPr lang="it-IT" sz="1700" dirty="0">
-                <a:highlight>
-                  <a:srgbClr val="FFFF00"/>
-                </a:highlight>
-                <a:latin typeface="Futura"/>
-              </a:rPr>
-              <a:t> + 8 </a:t>
-            </a:r>
-            <a:r>
-              <a:rPr lang="it-IT" sz="1700" dirty="0" err="1">
-                <a:highlight>
-                  <a:srgbClr val="FFFF00"/>
-                </a:highlight>
-                <a:latin typeface="Futura"/>
-              </a:rPr>
-              <a:t>level</a:t>
-            </a:r>
-            <a:endParaRPr lang="it-IT" sz="1700" dirty="0">
-              <a:highlight>
-                <a:srgbClr val="FFFF00"/>
-              </a:highlight>
-              <a:latin typeface="Futura"/>
-            </a:endParaRPr>
-          </a:p>
-          <a:p>
-            <a:pPr marL="285750" indent="-285750">
-              <a:buFont typeface="Arial" panose="020B0604020202020204" pitchFamily="34" charset="0"/>
-              <a:buChar char="•"/>
-            </a:pPr>
-            <a:r>
-              <a:rPr lang="it-IT" sz="1700" dirty="0" err="1">
-                <a:highlight>
-                  <a:srgbClr val="FFFF00"/>
-                </a:highlight>
-                <a:latin typeface="Futura"/>
-              </a:rPr>
-              <a:t>Invariances</a:t>
-            </a:r>
-            <a:r>
-              <a:rPr lang="it-IT" sz="1700" dirty="0">
-                <a:highlight>
-                  <a:srgbClr val="FFFF00"/>
-                </a:highlight>
-                <a:latin typeface="Futura"/>
-              </a:rPr>
-              <a:t> of scale: L4 base </a:t>
-            </a:r>
-            <a:r>
-              <a:rPr lang="it-IT" sz="1700" dirty="0" err="1">
-                <a:highlight>
-                  <a:srgbClr val="FFFF00"/>
-                </a:highlight>
-                <a:latin typeface="Futura"/>
-              </a:rPr>
-              <a:t>level</a:t>
-            </a:r>
-            <a:r>
-              <a:rPr lang="it-IT" sz="1700" dirty="0">
-                <a:highlight>
-                  <a:srgbClr val="FFFF00"/>
-                </a:highlight>
-                <a:latin typeface="Futura"/>
-              </a:rPr>
-              <a:t> + 9 </a:t>
-            </a:r>
-            <a:r>
-              <a:rPr lang="it-IT" sz="1700" dirty="0" err="1">
-                <a:highlight>
-                  <a:srgbClr val="FFFF00"/>
-                </a:highlight>
-                <a:latin typeface="Futura"/>
-              </a:rPr>
-              <a:t>level</a:t>
-            </a:r>
-            <a:endParaRPr lang="it-IT" sz="1700" dirty="0">
-              <a:highlight>
-                <a:srgbClr val="FFFF00"/>
-              </a:highlight>
-              <a:latin typeface="Futura"/>
-            </a:endParaRPr>
+            <a:r>
+              <a:rPr lang="en-GB" sz="1700" dirty="0">
+                <a:latin typeface="Futura"/>
+              </a:rPr>
+              <a:t>World View-II multispectral data</a:t>
+            </a:r>
           </a:p>
         </p:txBody>
       </p:sp>
-      <p:sp>
-        <p:nvSpPr>
-          <p:cNvPr id="14" name="Rectangle 13">
-            <a:extLst>
-              <a:ext uri="{FF2B5EF4-FFF2-40B4-BE49-F238E27FC236}">
-                <a16:creationId xmlns:a16="http://schemas.microsoft.com/office/drawing/2014/main" id="{42D3D2E2-4F8F-4D1D-B2E3-7CB8DF587344}"/>
-              </a:ext>
-            </a:extLst>
-          </p:cNvPr>
-          <p:cNvSpPr/>
-          <p:nvPr/>
-        </p:nvSpPr>
-        <p:spPr>
-          <a:xfrm>
-            <a:off x="689811" y="3813277"/>
-            <a:ext cx="2902912" cy="353943"/>
-          </a:xfrm>
-          <a:prstGeom prst="rect">
-            <a:avLst/>
-          </a:prstGeom>
-        </p:spPr>
-        <p:txBody>
-          <a:bodyPr wrap="square">
-            <a:spAutoFit/>
-          </a:bodyPr>
-          <a:lstStyle/>
-          <a:p>
-            <a:pPr marL="285750" indent="-285750">
-              <a:buFont typeface="Arial" panose="020B0604020202020204" pitchFamily="34" charset="0"/>
-              <a:buChar char="•"/>
-            </a:pPr>
-            <a:r>
-              <a:rPr lang="en-US" sz="1700" dirty="0">
-                <a:highlight>
-                  <a:srgbClr val="FFFF00"/>
-                </a:highlight>
-                <a:latin typeface="Futura"/>
-              </a:rPr>
-              <a:t>Unlabeled</a:t>
-            </a:r>
-            <a:r>
-              <a:rPr lang="it-IT" sz="1700" dirty="0">
-                <a:highlight>
-                  <a:srgbClr val="FFFF00"/>
-                </a:highlight>
-                <a:latin typeface="Futura"/>
-              </a:rPr>
-              <a:t> </a:t>
-            </a:r>
-            <a:r>
-              <a:rPr lang="it-IT" sz="1700" dirty="0" err="1">
-                <a:highlight>
-                  <a:srgbClr val="FFFF00"/>
-                </a:highlight>
-                <a:latin typeface="Futura"/>
-              </a:rPr>
-              <a:t>Sampling</a:t>
-            </a:r>
-            <a:endParaRPr lang="it-IT" sz="1700" b="1" dirty="0">
-              <a:highlight>
-                <a:srgbClr val="FFFF00"/>
-              </a:highlight>
-              <a:latin typeface="Futura"/>
-            </a:endParaRPr>
-          </a:p>
-        </p:txBody>
-      </p:sp>
-      <p:sp>
-        <p:nvSpPr>
-          <p:cNvPr id="15" name="Rectangle 14">
-            <a:extLst>
-              <a:ext uri="{FF2B5EF4-FFF2-40B4-BE49-F238E27FC236}">
-                <a16:creationId xmlns:a16="http://schemas.microsoft.com/office/drawing/2014/main" id="{80A94F79-27BC-4AF3-B740-683B69FEB2D2}"/>
-              </a:ext>
-            </a:extLst>
-          </p:cNvPr>
-          <p:cNvSpPr/>
-          <p:nvPr/>
-        </p:nvSpPr>
-        <p:spPr>
-          <a:xfrm>
-            <a:off x="5898908" y="4953000"/>
-            <a:ext cx="4858742" cy="615553"/>
-          </a:xfrm>
-          <a:prstGeom prst="rect">
-            <a:avLst/>
-          </a:prstGeom>
-        </p:spPr>
-        <p:txBody>
-          <a:bodyPr wrap="square">
-            <a:spAutoFit/>
-          </a:bodyPr>
-          <a:lstStyle/>
-          <a:p>
-            <a:pPr marL="285750" indent="-285750">
-              <a:buFont typeface="Arial" panose="020B0604020202020204" pitchFamily="34" charset="0"/>
-              <a:buChar char="•"/>
-            </a:pPr>
-            <a:r>
-              <a:rPr lang="it-IT" sz="1700" dirty="0" err="1">
-                <a:latin typeface="Futura"/>
-              </a:rPr>
-              <a:t>Execution</a:t>
-            </a:r>
-            <a:r>
-              <a:rPr lang="it-IT" sz="1700" dirty="0">
-                <a:latin typeface="Futura"/>
-              </a:rPr>
-              <a:t> </a:t>
-            </a:r>
-            <a:r>
-              <a:rPr lang="it-IT" sz="1700" dirty="0" err="1">
-                <a:latin typeface="Futura"/>
-              </a:rPr>
-              <a:t>order</a:t>
-            </a:r>
-            <a:r>
-              <a:rPr lang="it-IT" sz="1700" dirty="0">
-                <a:latin typeface="Futura"/>
-              </a:rPr>
-              <a:t> of the import </a:t>
-            </a:r>
-            <a:r>
-              <a:rPr lang="it-IT" sz="1700" dirty="0" err="1">
-                <a:latin typeface="Futura"/>
-              </a:rPr>
-              <a:t>section</a:t>
-            </a:r>
-            <a:endParaRPr lang="it-IT" sz="1700" dirty="0">
-              <a:latin typeface="Futura"/>
-            </a:endParaRPr>
-          </a:p>
-          <a:p>
-            <a:pPr marL="285750" indent="-285750">
-              <a:buFont typeface="Arial" panose="020B0604020202020204" pitchFamily="34" charset="0"/>
-              <a:buChar char="•"/>
-            </a:pPr>
-            <a:r>
-              <a:rPr lang="it-IT" sz="1700" dirty="0">
-                <a:latin typeface="Futura"/>
-              </a:rPr>
-              <a:t>New Train set </a:t>
-            </a:r>
-            <a:r>
-              <a:rPr lang="it-IT" sz="1700" dirty="0" err="1">
-                <a:latin typeface="Futura"/>
-              </a:rPr>
-              <a:t>after</a:t>
-            </a:r>
-            <a:r>
-              <a:rPr lang="it-IT" sz="1700" dirty="0">
-                <a:latin typeface="Futura"/>
-              </a:rPr>
-              <a:t> VSVM</a:t>
-            </a:r>
-            <a:endParaRPr lang="en-GB" sz="1700" dirty="0">
-              <a:latin typeface="Futura"/>
-            </a:endParaRPr>
-          </a:p>
-        </p:txBody>
-      </p:sp>
-      <p:pic>
-        <p:nvPicPr>
-          <p:cNvPr id="16" name="Graphic 15" descr="Checkmark">
-            <a:extLst>
-              <a:ext uri="{FF2B5EF4-FFF2-40B4-BE49-F238E27FC236}">
-                <a16:creationId xmlns:a16="http://schemas.microsoft.com/office/drawing/2014/main" id="{D3A6850B-968D-415D-81F1-A6E75C061D64}"/>
-              </a:ext>
-            </a:extLst>
-          </p:cNvPr>
-          <p:cNvPicPr>
-            <a:picLocks noChangeAspect="1"/>
-          </p:cNvPicPr>
-          <p:nvPr/>
-        </p:nvPicPr>
-        <p:blipFill>
-          <a:blip r:embed="rId2" cstate="print">
-            <a:extLst>
-              <a:ext uri="{28A0092B-C50C-407E-A947-70E740481C1C}">
-                <a14:useLocalDpi xmlns:a14="http://schemas.microsoft.com/office/drawing/2010/main" val="0"/>
-              </a:ext>
-              <a:ext uri="{96DAC541-7B7A-43D3-8B79-37D633B846F1}">
-                <asvg:svgBlip xmlns:asvg="http://schemas.microsoft.com/office/drawing/2016/SVG/main" r:embed="rId3"/>
-              </a:ext>
-            </a:extLst>
-          </a:blip>
-          <a:stretch>
-            <a:fillRect/>
-          </a:stretch>
-        </p:blipFill>
-        <p:spPr>
-          <a:xfrm>
-            <a:off x="5898908" y="4976548"/>
-            <a:ext cx="267681" cy="267681"/>
-          </a:xfrm>
-          <a:prstGeom prst="rect">
-            <a:avLst/>
-          </a:prstGeom>
-        </p:spPr>
-      </p:pic>
-      <p:pic>
-        <p:nvPicPr>
-          <p:cNvPr id="17" name="Graphic 16" descr="Checkmark">
-            <a:extLst>
-              <a:ext uri="{FF2B5EF4-FFF2-40B4-BE49-F238E27FC236}">
-                <a16:creationId xmlns:a16="http://schemas.microsoft.com/office/drawing/2014/main" id="{D11B5273-226B-4A1F-B13D-BD8D9389E7D8}"/>
-              </a:ext>
-            </a:extLst>
-          </p:cNvPr>
-          <p:cNvPicPr>
-            <a:picLocks noChangeAspect="1"/>
-          </p:cNvPicPr>
-          <p:nvPr/>
-        </p:nvPicPr>
-        <p:blipFill>
-          <a:blip r:embed="rId2" cstate="print">
-            <a:extLst>
-              <a:ext uri="{28A0092B-C50C-407E-A947-70E740481C1C}">
-                <a14:useLocalDpi xmlns:a14="http://schemas.microsoft.com/office/drawing/2010/main" val="0"/>
-              </a:ext>
-              <a:ext uri="{96DAC541-7B7A-43D3-8B79-37D633B846F1}">
-                <asvg:svgBlip xmlns:asvg="http://schemas.microsoft.com/office/drawing/2016/SVG/main" r:embed="rId3"/>
-              </a:ext>
-            </a:extLst>
-          </a:blip>
-          <a:stretch>
-            <a:fillRect/>
-          </a:stretch>
-        </p:blipFill>
-        <p:spPr>
-          <a:xfrm>
-            <a:off x="5898908" y="5267777"/>
-            <a:ext cx="267681" cy="267681"/>
-          </a:xfrm>
-          <a:prstGeom prst="rect">
-            <a:avLst/>
-          </a:prstGeom>
-        </p:spPr>
-      </p:pic>
-      <p:sp>
-        <p:nvSpPr>
-          <p:cNvPr id="13" name="Rectangle 12">
-            <a:extLst>
-              <a:ext uri="{FF2B5EF4-FFF2-40B4-BE49-F238E27FC236}">
-                <a16:creationId xmlns:a16="http://schemas.microsoft.com/office/drawing/2014/main" id="{CE779C61-0B42-44B7-8A6F-2A140373D4F6}"/>
-              </a:ext>
-            </a:extLst>
-          </p:cNvPr>
-          <p:cNvSpPr/>
-          <p:nvPr/>
-        </p:nvSpPr>
-        <p:spPr>
-          <a:xfrm>
-            <a:off x="228600" y="6359452"/>
-            <a:ext cx="2063385" cy="338554"/>
-          </a:xfrm>
-          <a:prstGeom prst="rect">
-            <a:avLst/>
-          </a:prstGeom>
-        </p:spPr>
-        <p:txBody>
-          <a:bodyPr wrap="none">
-            <a:spAutoFit/>
-          </a:bodyPr>
-          <a:lstStyle/>
-          <a:p>
-            <a:r>
-              <a:rPr lang="it-IT" sz="1600" dirty="0">
-                <a:latin typeface="Futura"/>
-                <a:ea typeface="Microsoft Sans Serif" panose="020B0604020202020204" pitchFamily="34" charset="0"/>
-                <a:cs typeface="Microsoft Sans Serif" panose="020B0604020202020204" pitchFamily="34" charset="0"/>
-              </a:rPr>
-              <a:t>Lorenzo Carlassara</a:t>
-            </a:r>
-          </a:p>
-        </p:txBody>
-      </p:sp>
-      <p:pic>
-        <p:nvPicPr>
-          <p:cNvPr id="20" name="Picture 19">
-            <a:extLst>
-              <a:ext uri="{FF2B5EF4-FFF2-40B4-BE49-F238E27FC236}">
-                <a16:creationId xmlns:a16="http://schemas.microsoft.com/office/drawing/2014/main" id="{100278A8-F868-4120-A864-F506CD51461C}"/>
-              </a:ext>
-            </a:extLst>
-          </p:cNvPr>
-          <p:cNvPicPr>
-            <a:picLocks noChangeAspect="1"/>
-          </p:cNvPicPr>
-          <p:nvPr/>
-        </p:nvPicPr>
-        <p:blipFill rotWithShape="1">
-          <a:blip r:embed="rId4">
-            <a:extLst>
-              <a:ext uri="{28A0092B-C50C-407E-A947-70E740481C1C}">
-                <a14:useLocalDpi xmlns:a14="http://schemas.microsoft.com/office/drawing/2010/main" val="0"/>
-              </a:ext>
-            </a:extLst>
-          </a:blip>
-          <a:srcRect l="25190" r="25955" b="38216"/>
-          <a:stretch/>
-        </p:blipFill>
-        <p:spPr>
-          <a:xfrm>
-            <a:off x="10734080" y="6172326"/>
-            <a:ext cx="677505" cy="627889"/>
-          </a:xfrm>
-          <a:prstGeom prst="rect">
-            <a:avLst/>
-          </a:prstGeom>
-        </p:spPr>
-      </p:pic>
-      <p:pic>
-        <p:nvPicPr>
-          <p:cNvPr id="21" name="Picture 20">
-            <a:extLst>
-              <a:ext uri="{FF2B5EF4-FFF2-40B4-BE49-F238E27FC236}">
-                <a16:creationId xmlns:a16="http://schemas.microsoft.com/office/drawing/2014/main" id="{E8669315-FE9F-4B36-8884-1466D170BD34}"/>
-              </a:ext>
-            </a:extLst>
-          </p:cNvPr>
-          <p:cNvPicPr>
-            <a:picLocks noChangeAspect="1"/>
-          </p:cNvPicPr>
-          <p:nvPr/>
-        </p:nvPicPr>
-        <p:blipFill>
-          <a:blip r:embed="rId5" cstate="print">
-            <a:extLst>
-              <a:ext uri="{28A0092B-C50C-407E-A947-70E740481C1C}">
-                <a14:useLocalDpi xmlns:a14="http://schemas.microsoft.com/office/drawing/2010/main" val="0"/>
-              </a:ext>
-            </a:extLst>
-          </a:blip>
-          <a:stretch>
-            <a:fillRect/>
-          </a:stretch>
-        </p:blipFill>
-        <p:spPr>
-          <a:xfrm>
-            <a:off x="11506200" y="6172200"/>
-            <a:ext cx="628015" cy="628015"/>
-          </a:xfrm>
-          <a:prstGeom prst="rect">
-            <a:avLst/>
-          </a:prstGeom>
-        </p:spPr>
-      </p:pic>
     </p:spTree>
     <p:extLst>
       <p:ext uri="{BB962C8B-B14F-4D97-AF65-F5344CB8AC3E}">
@@ -7233,10 +7106,10 @@
       </p:sp>
       <p:pic>
         <p:nvPicPr>
-          <p:cNvPr id="27" name="Graphic 26" descr="Checkmark">
-            <a:extLst>
-              <a:ext uri="{FF2B5EF4-FFF2-40B4-BE49-F238E27FC236}">
-                <a16:creationId xmlns:a16="http://schemas.microsoft.com/office/drawing/2014/main" id="{62450D05-07C8-4657-AC71-07B11ACFC85B}"/>
+          <p:cNvPr id="47" name="Graphic 46" descr="Checkmark">
+            <a:extLst>
+              <a:ext uri="{FF2B5EF4-FFF2-40B4-BE49-F238E27FC236}">
+                <a16:creationId xmlns:a16="http://schemas.microsoft.com/office/drawing/2014/main" id="{74AE25D9-1136-4F69-87A6-43BABA9F8A20}"/>
               </a:ext>
             </a:extLst>
           </p:cNvPr>
@@ -7262,319 +7135,7 @@
         </p:blipFill>
         <p:spPr>
           <a:xfrm>
-            <a:off x="1094271" y="1351651"/>
-            <a:ext cx="267681" cy="267681"/>
-          </a:xfrm>
-          <a:prstGeom prst="rect">
-            <a:avLst/>
-          </a:prstGeom>
-        </p:spPr>
-      </p:pic>
-      <p:pic>
-        <p:nvPicPr>
-          <p:cNvPr id="28" name="Graphic 27" descr="Checkmark">
-            <a:extLst>
-              <a:ext uri="{FF2B5EF4-FFF2-40B4-BE49-F238E27FC236}">
-                <a16:creationId xmlns:a16="http://schemas.microsoft.com/office/drawing/2014/main" id="{F52A70E7-1880-4A1A-AD9E-00745154F214}"/>
-              </a:ext>
-            </a:extLst>
-          </p:cNvPr>
-          <p:cNvPicPr>
-            <a:picLocks noChangeAspect="1"/>
-          </p:cNvPicPr>
-          <p:nvPr/>
-        </p:nvPicPr>
-        <p:blipFill>
-          <a:blip r:embed="rId3" cstate="print">
-            <a:extLst>
-              <a:ext uri="{28A0092B-C50C-407E-A947-70E740481C1C}">
-                <a14:useLocalDpi xmlns:a14="http://schemas.microsoft.com/office/drawing/2010/main" val="0"/>
-              </a:ext>
-              <a:ext uri="{96DAC541-7B7A-43D3-8B79-37D633B846F1}">
-                <asvg:svgBlip xmlns:asvg="http://schemas.microsoft.com/office/drawing/2016/SVG/main" r:embed="rId4"/>
-              </a:ext>
-            </a:extLst>
-          </a:blip>
-          <a:stretch>
-            <a:fillRect/>
-          </a:stretch>
-        </p:blipFill>
-        <p:spPr>
-          <a:xfrm>
-            <a:off x="1087384" y="1626080"/>
-            <a:ext cx="267681" cy="267681"/>
-          </a:xfrm>
-          <a:prstGeom prst="rect">
-            <a:avLst/>
-          </a:prstGeom>
-        </p:spPr>
-      </p:pic>
-      <p:pic>
-        <p:nvPicPr>
-          <p:cNvPr id="44" name="Graphic 43" descr="Checkmark">
-            <a:extLst>
-              <a:ext uri="{FF2B5EF4-FFF2-40B4-BE49-F238E27FC236}">
-                <a16:creationId xmlns:a16="http://schemas.microsoft.com/office/drawing/2014/main" id="{9F6D9AD2-EE7A-4075-8B57-BAD32AE841A3}"/>
-              </a:ext>
-            </a:extLst>
-          </p:cNvPr>
-          <p:cNvPicPr>
-            <a:picLocks noChangeAspect="1"/>
-          </p:cNvPicPr>
-          <p:nvPr/>
-        </p:nvPicPr>
-        <p:blipFill>
-          <a:blip r:embed="rId3" cstate="print">
-            <a:extLst>
-              <a:ext uri="{28A0092B-C50C-407E-A947-70E740481C1C}">
-                <a14:useLocalDpi xmlns:a14="http://schemas.microsoft.com/office/drawing/2010/main" val="0"/>
-              </a:ext>
-              <a:ext uri="{96DAC541-7B7A-43D3-8B79-37D633B846F1}">
-                <asvg:svgBlip xmlns:asvg="http://schemas.microsoft.com/office/drawing/2016/SVG/main" r:embed="rId4"/>
-              </a:ext>
-            </a:extLst>
-          </a:blip>
-          <a:stretch>
-            <a:fillRect/>
-          </a:stretch>
-        </p:blipFill>
-        <p:spPr>
-          <a:xfrm>
-            <a:off x="1084878" y="1893761"/>
-            <a:ext cx="267681" cy="267681"/>
-          </a:xfrm>
-          <a:prstGeom prst="rect">
-            <a:avLst/>
-          </a:prstGeom>
-        </p:spPr>
-      </p:pic>
-      <p:pic>
-        <p:nvPicPr>
-          <p:cNvPr id="45" name="Graphic 44" descr="Checkmark">
-            <a:extLst>
-              <a:ext uri="{FF2B5EF4-FFF2-40B4-BE49-F238E27FC236}">
-                <a16:creationId xmlns:a16="http://schemas.microsoft.com/office/drawing/2014/main" id="{989703C3-FCB3-40D6-8FC8-38DCDDD6ECCD}"/>
-              </a:ext>
-            </a:extLst>
-          </p:cNvPr>
-          <p:cNvPicPr>
-            <a:picLocks noChangeAspect="1"/>
-          </p:cNvPicPr>
-          <p:nvPr/>
-        </p:nvPicPr>
-        <p:blipFill>
-          <a:blip r:embed="rId3" cstate="print">
-            <a:extLst>
-              <a:ext uri="{28A0092B-C50C-407E-A947-70E740481C1C}">
-                <a14:useLocalDpi xmlns:a14="http://schemas.microsoft.com/office/drawing/2010/main" val="0"/>
-              </a:ext>
-              <a:ext uri="{96DAC541-7B7A-43D3-8B79-37D633B846F1}">
-                <asvg:svgBlip xmlns:asvg="http://schemas.microsoft.com/office/drawing/2016/SVG/main" r:embed="rId4"/>
-              </a:ext>
-            </a:extLst>
-          </a:blip>
-          <a:stretch>
-            <a:fillRect/>
-          </a:stretch>
-        </p:blipFill>
-        <p:spPr>
-          <a:xfrm>
-            <a:off x="1103875" y="3345377"/>
-            <a:ext cx="267681" cy="267681"/>
-          </a:xfrm>
-          <a:prstGeom prst="rect">
-            <a:avLst/>
-          </a:prstGeom>
-        </p:spPr>
-      </p:pic>
-      <p:pic>
-        <p:nvPicPr>
-          <p:cNvPr id="46" name="Graphic 45" descr="Checkmark">
-            <a:extLst>
-              <a:ext uri="{FF2B5EF4-FFF2-40B4-BE49-F238E27FC236}">
-                <a16:creationId xmlns:a16="http://schemas.microsoft.com/office/drawing/2014/main" id="{2ADE7019-4440-4EE9-949E-C10483BBA462}"/>
-              </a:ext>
-            </a:extLst>
-          </p:cNvPr>
-          <p:cNvPicPr>
-            <a:picLocks noChangeAspect="1"/>
-          </p:cNvPicPr>
-          <p:nvPr/>
-        </p:nvPicPr>
-        <p:blipFill>
-          <a:blip r:embed="rId3" cstate="print">
-            <a:extLst>
-              <a:ext uri="{28A0092B-C50C-407E-A947-70E740481C1C}">
-                <a14:useLocalDpi xmlns:a14="http://schemas.microsoft.com/office/drawing/2010/main" val="0"/>
-              </a:ext>
-              <a:ext uri="{96DAC541-7B7A-43D3-8B79-37D633B846F1}">
-                <asvg:svgBlip xmlns:asvg="http://schemas.microsoft.com/office/drawing/2016/SVG/main" r:embed="rId4"/>
-              </a:ext>
-            </a:extLst>
-          </a:blip>
-          <a:stretch>
-            <a:fillRect/>
-          </a:stretch>
-        </p:blipFill>
-        <p:spPr>
-          <a:xfrm>
-            <a:off x="1103874" y="3605362"/>
-            <a:ext cx="267681" cy="267681"/>
-          </a:xfrm>
-          <a:prstGeom prst="rect">
-            <a:avLst/>
-          </a:prstGeom>
-        </p:spPr>
-      </p:pic>
-      <p:pic>
-        <p:nvPicPr>
-          <p:cNvPr id="47" name="Graphic 46" descr="Checkmark">
-            <a:extLst>
-              <a:ext uri="{FF2B5EF4-FFF2-40B4-BE49-F238E27FC236}">
-                <a16:creationId xmlns:a16="http://schemas.microsoft.com/office/drawing/2014/main" id="{74AE25D9-1136-4F69-87A6-43BABA9F8A20}"/>
-              </a:ext>
-            </a:extLst>
-          </p:cNvPr>
-          <p:cNvPicPr>
-            <a:picLocks noChangeAspect="1"/>
-          </p:cNvPicPr>
-          <p:nvPr/>
-        </p:nvPicPr>
-        <p:blipFill>
-          <a:blip r:embed="rId3" cstate="print">
-            <a:extLst>
-              <a:ext uri="{28A0092B-C50C-407E-A947-70E740481C1C}">
-                <a14:useLocalDpi xmlns:a14="http://schemas.microsoft.com/office/drawing/2010/main" val="0"/>
-              </a:ext>
-              <a:ext uri="{96DAC541-7B7A-43D3-8B79-37D633B846F1}">
-                <asvg:svgBlip xmlns:asvg="http://schemas.microsoft.com/office/drawing/2016/SVG/main" r:embed="rId4"/>
-              </a:ext>
-            </a:extLst>
-          </a:blip>
-          <a:stretch>
-            <a:fillRect/>
-          </a:stretch>
-        </p:blipFill>
-        <p:spPr>
-          <a:xfrm>
             <a:off x="690352" y="5066310"/>
-            <a:ext cx="267681" cy="267681"/>
-          </a:xfrm>
-          <a:prstGeom prst="rect">
-            <a:avLst/>
-          </a:prstGeom>
-        </p:spPr>
-      </p:pic>
-      <p:pic>
-        <p:nvPicPr>
-          <p:cNvPr id="48" name="Graphic 47" descr="Checkmark">
-            <a:extLst>
-              <a:ext uri="{FF2B5EF4-FFF2-40B4-BE49-F238E27FC236}">
-                <a16:creationId xmlns:a16="http://schemas.microsoft.com/office/drawing/2014/main" id="{D3E2C626-CFC5-44F3-B29C-A8D2363B9591}"/>
-              </a:ext>
-            </a:extLst>
-          </p:cNvPr>
-          <p:cNvPicPr>
-            <a:picLocks noChangeAspect="1"/>
-          </p:cNvPicPr>
-          <p:nvPr/>
-        </p:nvPicPr>
-        <p:blipFill>
-          <a:blip r:embed="rId3" cstate="print">
-            <a:extLst>
-              <a:ext uri="{28A0092B-C50C-407E-A947-70E740481C1C}">
-                <a14:useLocalDpi xmlns:a14="http://schemas.microsoft.com/office/drawing/2010/main" val="0"/>
-              </a:ext>
-              <a:ext uri="{96DAC541-7B7A-43D3-8B79-37D633B846F1}">
-                <asvg:svgBlip xmlns:asvg="http://schemas.microsoft.com/office/drawing/2016/SVG/main" r:embed="rId4"/>
-              </a:ext>
-            </a:extLst>
-          </a:blip>
-          <a:stretch>
-            <a:fillRect/>
-          </a:stretch>
-        </p:blipFill>
-        <p:spPr>
-          <a:xfrm>
-            <a:off x="687831" y="5319546"/>
-            <a:ext cx="267681" cy="267681"/>
-          </a:xfrm>
-          <a:prstGeom prst="rect">
-            <a:avLst/>
-          </a:prstGeom>
-        </p:spPr>
-      </p:pic>
-      <p:pic>
-        <p:nvPicPr>
-          <p:cNvPr id="49" name="Graphic 48" descr="Checkmark">
-            <a:extLst>
-              <a:ext uri="{FF2B5EF4-FFF2-40B4-BE49-F238E27FC236}">
-                <a16:creationId xmlns:a16="http://schemas.microsoft.com/office/drawing/2014/main" id="{4F762A13-13AA-4EF7-93F8-58088DAF5D19}"/>
-              </a:ext>
-            </a:extLst>
-          </p:cNvPr>
-          <p:cNvPicPr>
-            <a:picLocks noChangeAspect="1"/>
-          </p:cNvPicPr>
-          <p:nvPr/>
-        </p:nvPicPr>
-        <p:blipFill>
-          <a:blip r:embed="rId3" cstate="print">
-            <a:extLst>
-              <a:ext uri="{28A0092B-C50C-407E-A947-70E740481C1C}">
-                <a14:useLocalDpi xmlns:a14="http://schemas.microsoft.com/office/drawing/2010/main" val="0"/>
-              </a:ext>
-              <a:ext uri="{96DAC541-7B7A-43D3-8B79-37D633B846F1}">
-                <asvg:svgBlip xmlns:asvg="http://schemas.microsoft.com/office/drawing/2016/SVG/main" r:embed="rId4"/>
-              </a:ext>
-            </a:extLst>
-          </a:blip>
-          <a:stretch>
-            <a:fillRect/>
-          </a:stretch>
-        </p:blipFill>
-        <p:spPr>
-          <a:xfrm>
-            <a:off x="691223" y="5840463"/>
-            <a:ext cx="267681" cy="267681"/>
-          </a:xfrm>
-          <a:prstGeom prst="rect">
-            <a:avLst/>
-          </a:prstGeom>
-        </p:spPr>
-      </p:pic>
-      <p:pic>
-        <p:nvPicPr>
-          <p:cNvPr id="50" name="Graphic 49" descr="Checkmark">
-            <a:extLst>
-              <a:ext uri="{FF2B5EF4-FFF2-40B4-BE49-F238E27FC236}">
-                <a16:creationId xmlns:a16="http://schemas.microsoft.com/office/drawing/2014/main" id="{9182F276-A1BF-406B-8BC2-7A567781D6B6}"/>
-              </a:ext>
-            </a:extLst>
-          </p:cNvPr>
-          <p:cNvPicPr>
-            <a:picLocks noChangeAspect="1"/>
-          </p:cNvPicPr>
-          <p:nvPr/>
-        </p:nvPicPr>
-        <p:blipFill>
-          <a:blip r:embed="rId3" cstate="print">
-            <a:extLst>
-              <a:ext uri="{28A0092B-C50C-407E-A947-70E740481C1C}">
-                <a14:useLocalDpi xmlns:a14="http://schemas.microsoft.com/office/drawing/2010/main" val="0"/>
-              </a:ext>
-              <a:ext uri="{96DAC541-7B7A-43D3-8B79-37D633B846F1}">
-                <asvg:svgBlip xmlns:asvg="http://schemas.microsoft.com/office/drawing/2016/SVG/main" r:embed="rId4"/>
-              </a:ext>
-            </a:extLst>
-          </a:blip>
-          <a:stretch>
-            <a:fillRect/>
-          </a:stretch>
-        </p:blipFill>
-        <p:spPr>
-          <a:xfrm>
-            <a:off x="708157" y="5572781"/>
             <a:ext cx="267681" cy="267681"/>
           </a:xfrm>
           <a:prstGeom prst="rect">
@@ -8964,7 +8525,7 @@
         <p:spPr>
           <a:xfrm>
             <a:off x="533400" y="2716951"/>
-            <a:ext cx="9101843" cy="2754600"/>
+            <a:ext cx="9101843" cy="2970044"/>
           </a:xfrm>
           <a:prstGeom prst="rect">
             <a:avLst/>
@@ -9035,31 +8596,13 @@
               <a:rPr lang="it-IT" sz="1700" dirty="0">
                 <a:latin typeface="Futura"/>
               </a:rPr>
-              <a:t>S</a:t>
-            </a:r>
-            <a:r>
-              <a:rPr lang="en-GB" sz="1700" dirty="0" err="1">
-                <a:latin typeface="Futura"/>
-              </a:rPr>
-              <a:t>ignificance</a:t>
+              <a:t>M</a:t>
             </a:r>
             <a:r>
               <a:rPr lang="en-GB" sz="1700" dirty="0">
                 <a:latin typeface="Futura"/>
               </a:rPr>
-              <a:t> Space </a:t>
-            </a:r>
-            <a:r>
-              <a:rPr lang="en-GB" sz="1700" dirty="0" err="1">
-                <a:latin typeface="Futura"/>
-              </a:rPr>
-              <a:t>Construnction</a:t>
-            </a:r>
-            <a:r>
-              <a:rPr lang="en-GB" sz="1700" dirty="0">
-                <a:latin typeface="Futura"/>
-              </a:rPr>
-              <a:t> SSC</a:t>
+              <a:t>ulticlass Level Probability MCLP</a:t>
             </a:r>
           </a:p>
           <a:p>
@@ -9068,40 +8611,34 @@
               <a:buChar char="•"/>
             </a:pPr>
             <a:r>
-              <a:rPr lang="it-IT" sz="1700" dirty="0" err="1">
-                <a:latin typeface="Futura"/>
-              </a:rPr>
-              <a:t>Most</a:t>
-            </a:r>
-            <a:r>
               <a:rPr lang="it-IT" sz="1700" dirty="0">
                 <a:latin typeface="Futura"/>
               </a:rPr>
-              <a:t> </a:t>
-            </a:r>
-            <a:r>
-              <a:rPr lang="it-IT" sz="1700" dirty="0" err="1">
-                <a:latin typeface="Futura"/>
-              </a:rPr>
-              <a:t>Ambiguous</a:t>
-            </a:r>
-            <a:r>
-              <a:rPr lang="it-IT" sz="1700" dirty="0">
-                <a:latin typeface="Futura"/>
-              </a:rPr>
-              <a:t> and </a:t>
-            </a:r>
-            <a:r>
-              <a:rPr lang="it-IT" sz="1700" dirty="0" err="1">
-                <a:latin typeface="Futura"/>
-              </a:rPr>
-              <a:t>orthogonal</a:t>
-            </a:r>
-            <a:r>
-              <a:rPr lang="it-IT" sz="1700" dirty="0">
-                <a:latin typeface="Futura"/>
-              </a:rPr>
-              <a:t> MAO</a:t>
+              <a:t>S</a:t>
+            </a:r>
+            <a:r>
+              <a:rPr lang="en-GB" sz="1700" dirty="0" err="1">
+                <a:latin typeface="Futura"/>
+              </a:rPr>
+              <a:t>ignificance</a:t>
+            </a:r>
+            <a:r>
+              <a:rPr lang="en-GB" sz="1700" dirty="0">
+                <a:latin typeface="Futura"/>
+              </a:rPr>
+              <a:t> Space </a:t>
+            </a:r>
+            <a:r>
+              <a:rPr lang="en-GB" sz="1700" dirty="0" err="1">
+                <a:latin typeface="Futura"/>
+              </a:rPr>
+              <a:t>Construnction</a:t>
+            </a:r>
+            <a:r>
+              <a:rPr lang="en-GB" sz="1700" dirty="0">
+                <a:latin typeface="Futura"/>
+              </a:rPr>
+              <a:t> SSC</a:t>
             </a:r>
           </a:p>
           <a:p>
@@ -9113,7 +8650,7 @@
               <a:rPr lang="it-IT" sz="1700" dirty="0" err="1">
                 <a:latin typeface="Futura"/>
               </a:rPr>
-              <a:t>Multiclass</a:t>
+              <a:t>Most</a:t>
             </a:r>
             <a:r>
               <a:rPr lang="it-IT" sz="1700" dirty="0">
@@ -9125,37 +8662,25 @@
               <a:rPr lang="it-IT" sz="1700" dirty="0" err="1">
                 <a:latin typeface="Futura"/>
               </a:rPr>
-              <a:t>level</a:t>
+              <a:t>Ambiguous</a:t>
             </a:r>
             <a:r>
               <a:rPr lang="it-IT" sz="1700" dirty="0">
                 <a:latin typeface="Futura"/>
               </a:rPr>
-              <a:t> </a:t>
+              <a:t> and </a:t>
             </a:r>
             <a:r>
               <a:rPr lang="it-IT" sz="1700" dirty="0" err="1">
                 <a:latin typeface="Futura"/>
               </a:rPr>
-              <a:t>uncertainty</a:t>
+              <a:t>orthogonal</a:t>
             </a:r>
             <a:r>
               <a:rPr lang="it-IT" sz="1700" dirty="0">
                 <a:latin typeface="Futura"/>
               </a:rPr>
-              <a:t>-angle-based </a:t>
-            </a:r>
-            <a:r>
-              <a:rPr lang="it-IT" sz="1700" dirty="0" err="1">
-                <a:latin typeface="Futura"/>
-              </a:rPr>
-              <a:t>diversity</a:t>
-            </a:r>
-            <a:r>
-              <a:rPr lang="it-IT" sz="1700" dirty="0">
-                <a:latin typeface="Futura"/>
-              </a:rPr>
-              <a:t> MCLU-ABD</a:t>
+              <a:t> MAO</a:t>
             </a:r>
           </a:p>
           <a:p>
@@ -9191,13 +8716,13 @@
               <a:rPr lang="it-IT" sz="1700" dirty="0" err="1">
                 <a:latin typeface="Futura"/>
               </a:rPr>
-              <a:t>uncertainty-enhanced</a:t>
+              <a:t>uncertainty</a:t>
             </a:r>
             <a:r>
               <a:rPr lang="it-IT" sz="1700" dirty="0">
                 <a:latin typeface="Futura"/>
               </a:rPr>
-              <a:t> cluster based </a:t>
+              <a:t>-angle-based </a:t>
             </a:r>
             <a:r>
               <a:rPr lang="it-IT" sz="1700" dirty="0" err="1">
@@ -9209,19 +8734,7 @@
               <a:rPr lang="it-IT" sz="1700" dirty="0">
                 <a:latin typeface="Futura"/>
               </a:rPr>
-              <a:t> MCLU-ECBD</a:t>
-            </a:r>
-            <a:endParaRPr lang="en-GB" sz="1700" dirty="0">
-              <a:latin typeface="Futura"/>
-            </a:endParaRPr>
-          </a:p>
-          <a:p>
-            <a:pPr lvl="1"/>
-            <a:r>
-              <a:rPr lang="en-GB" sz="1700" dirty="0">
-                <a:latin typeface="Futura"/>
-              </a:rPr>
-              <a:t>Posterior Probability-Based Active Learning</a:t>
+              <a:t> MCLU-ABD</a:t>
             </a:r>
           </a:p>
           <a:p>
@@ -9230,28 +8743,64 @@
               <a:buChar char="•"/>
             </a:pPr>
             <a:r>
-              <a:rPr lang="en-GB" sz="1700" dirty="0" err="1">
-                <a:latin typeface="Futura"/>
-              </a:rPr>
-              <a:t>Kullbach</a:t>
-            </a:r>
+              <a:rPr lang="it-IT" sz="1700" dirty="0" err="1">
+                <a:latin typeface="Futura"/>
+              </a:rPr>
+              <a:t>Multiclass</a:t>
+            </a:r>
+            <a:r>
+              <a:rPr lang="it-IT" sz="1700" dirty="0">
+                <a:latin typeface="Futura"/>
+              </a:rPr>
+              <a:t> </a:t>
+            </a:r>
+            <a:r>
+              <a:rPr lang="it-IT" sz="1700" dirty="0" err="1">
+                <a:latin typeface="Futura"/>
+              </a:rPr>
+              <a:t>level</a:t>
+            </a:r>
+            <a:r>
+              <a:rPr lang="it-IT" sz="1700" dirty="0">
+                <a:latin typeface="Futura"/>
+              </a:rPr>
+              <a:t> </a:t>
+            </a:r>
+            <a:r>
+              <a:rPr lang="it-IT" sz="1700" dirty="0" err="1">
+                <a:latin typeface="Futura"/>
+              </a:rPr>
+              <a:t>uncertainty-enhanced</a:t>
+            </a:r>
+            <a:r>
+              <a:rPr lang="it-IT" sz="1700" dirty="0">
+                <a:latin typeface="Futura"/>
+              </a:rPr>
+              <a:t> cluster based </a:t>
+            </a:r>
+            <a:r>
+              <a:rPr lang="it-IT" sz="1700" dirty="0" err="1">
+                <a:latin typeface="Futura"/>
+              </a:rPr>
+              <a:t>diversity</a:t>
+            </a:r>
+            <a:r>
+              <a:rPr lang="it-IT" sz="1700" dirty="0">
+                <a:latin typeface="Futura"/>
+              </a:rPr>
+              <a:t> MCLU-ECBD</a:t>
+            </a:r>
+            <a:endParaRPr lang="en-GB" sz="1700" dirty="0">
+              <a:latin typeface="Futura"/>
+            </a:endParaRPr>
+          </a:p>
+          <a:p>
+            <a:pPr lvl="1"/>
             <a:r>
               <a:rPr lang="en-GB" sz="1700" dirty="0">
                 <a:latin typeface="Futura"/>
               </a:rPr>
-              <a:t>–</a:t>
-            </a:r>
-            <a:r>
-              <a:rPr lang="en-GB" sz="1700" dirty="0" err="1">
-                <a:latin typeface="Futura"/>
-              </a:rPr>
-              <a:t>Leibler</a:t>
-            </a:r>
-            <a:r>
-              <a:rPr lang="en-GB" sz="1700" dirty="0">
-                <a:latin typeface="Futura"/>
-              </a:rPr>
-              <a:t> divergence KL</a:t>
+              <a:t>Posterior Probability-Based Active Learning</a:t>
             </a:r>
           </a:p>
           <a:p>
@@ -9260,6 +8809,36 @@
               <a:buChar char="•"/>
             </a:pPr>
             <a:r>
+              <a:rPr lang="en-GB" sz="1700" dirty="0" err="1">
+                <a:latin typeface="Futura"/>
+              </a:rPr>
+              <a:t>Kullbach</a:t>
+            </a:r>
+            <a:r>
+              <a:rPr lang="en-GB" sz="1700" dirty="0">
+                <a:latin typeface="Futura"/>
+              </a:rPr>
+              <a:t>–</a:t>
+            </a:r>
+            <a:r>
+              <a:rPr lang="en-GB" sz="1700" dirty="0" err="1">
+                <a:latin typeface="Futura"/>
+              </a:rPr>
+              <a:t>Leibler</a:t>
+            </a:r>
+            <a:r>
+              <a:rPr lang="en-GB" sz="1700" dirty="0">
+                <a:latin typeface="Futura"/>
+              </a:rPr>
+              <a:t> divergence KL</a:t>
+            </a:r>
+          </a:p>
+          <a:p>
+            <a:pPr marL="1200150" lvl="2" indent="-285750">
+              <a:buFont typeface="Arial" panose="020B0604020202020204" pitchFamily="34" charset="0"/>
+              <a:buChar char="•"/>
+            </a:pPr>
+            <a:r>
               <a:rPr lang="en-GB" sz="1700" dirty="0">
                 <a:latin typeface="Futura"/>
               </a:rPr>
@@ -9268,129 +8847,12 @@
           </a:p>
         </p:txBody>
       </p:sp>
-      <p:pic>
-        <p:nvPicPr>
-          <p:cNvPr id="6" name="Graphic 5" descr="Checkmark">
-            <a:extLst>
-              <a:ext uri="{FF2B5EF4-FFF2-40B4-BE49-F238E27FC236}">
-                <a16:creationId xmlns:a16="http://schemas.microsoft.com/office/drawing/2014/main" id="{A029F770-4102-4EA1-A9E2-44EBA75FB1BB}"/>
-              </a:ext>
-            </a:extLst>
-          </p:cNvPr>
-          <p:cNvPicPr>
-            <a:picLocks noChangeAspect="1"/>
-          </p:cNvPicPr>
-          <p:nvPr/>
-        </p:nvPicPr>
-        <p:blipFill>
-          <a:blip r:embed="rId2" cstate="print">
-            <a:extLst>
-              <a:ext uri="{28A0092B-C50C-407E-A947-70E740481C1C}">
-                <a14:useLocalDpi xmlns:a14="http://schemas.microsoft.com/office/drawing/2010/main" val="0"/>
-              </a:ext>
-              <a:ext uri="{96DAC541-7B7A-43D3-8B79-37D633B846F1}">
-                <asvg:svgBlip xmlns:asvg="http://schemas.microsoft.com/office/drawing/2016/SVG/main" r:embed="rId3"/>
-              </a:ext>
-            </a:extLst>
-          </a:blip>
-          <a:stretch>
-            <a:fillRect/>
-          </a:stretch>
-        </p:blipFill>
-        <p:spPr>
-          <a:xfrm>
-            <a:off x="4191000" y="3029921"/>
-            <a:ext cx="267681" cy="267681"/>
-          </a:xfrm>
-          <a:prstGeom prst="rect">
-            <a:avLst/>
-          </a:prstGeom>
-        </p:spPr>
-      </p:pic>
-      <p:pic>
-        <p:nvPicPr>
-          <p:cNvPr id="14" name="Graphic 13" descr="Checkmark">
-            <a:extLst>
-              <a:ext uri="{FF2B5EF4-FFF2-40B4-BE49-F238E27FC236}">
-                <a16:creationId xmlns:a16="http://schemas.microsoft.com/office/drawing/2014/main" id="{C52B204F-9401-4C6D-8A5C-F12262CEE50A}"/>
-              </a:ext>
-            </a:extLst>
-          </p:cNvPr>
-          <p:cNvPicPr>
-            <a:picLocks noChangeAspect="1"/>
-          </p:cNvPicPr>
-          <p:nvPr/>
-        </p:nvPicPr>
-        <p:blipFill>
-          <a:blip r:embed="rId4" cstate="print">
-            <a:extLst>
-              <a:ext uri="{28A0092B-C50C-407E-A947-70E740481C1C}">
-                <a14:useLocalDpi xmlns:a14="http://schemas.microsoft.com/office/drawing/2010/main" val="0"/>
-              </a:ext>
-              <a:ext uri="{96DAC541-7B7A-43D3-8B79-37D633B846F1}">
-                <asvg:svgBlip xmlns:asvg="http://schemas.microsoft.com/office/drawing/2016/SVG/main" r:embed="rId5"/>
-              </a:ext>
-            </a:extLst>
-          </a:blip>
-          <a:stretch>
-            <a:fillRect/>
-          </a:stretch>
-        </p:blipFill>
-        <p:spPr>
-          <a:xfrm>
-            <a:off x="5623921" y="3297602"/>
-            <a:ext cx="267681" cy="267681"/>
-          </a:xfrm>
-          <a:prstGeom prst="rect">
-            <a:avLst/>
-          </a:prstGeom>
-        </p:spPr>
-      </p:pic>
-      <p:pic>
-        <p:nvPicPr>
-          <p:cNvPr id="15" name="Graphic 14" descr="Checkmark">
-            <a:extLst>
-              <a:ext uri="{FF2B5EF4-FFF2-40B4-BE49-F238E27FC236}">
-                <a16:creationId xmlns:a16="http://schemas.microsoft.com/office/drawing/2014/main" id="{EF8E6B4B-CD08-481E-91D7-B56733E0830F}"/>
-              </a:ext>
-            </a:extLst>
-          </p:cNvPr>
-          <p:cNvPicPr>
-            <a:picLocks noChangeAspect="1"/>
-          </p:cNvPicPr>
-          <p:nvPr/>
-        </p:nvPicPr>
-        <p:blipFill>
-          <a:blip r:embed="rId6" cstate="print">
-            <a:extLst>
-              <a:ext uri="{28A0092B-C50C-407E-A947-70E740481C1C}">
-                <a14:useLocalDpi xmlns:a14="http://schemas.microsoft.com/office/drawing/2010/main" val="0"/>
-              </a:ext>
-              <a:ext uri="{96DAC541-7B7A-43D3-8B79-37D633B846F1}">
-                <asvg:svgBlip xmlns:asvg="http://schemas.microsoft.com/office/drawing/2016/SVG/main" r:embed="rId7"/>
-              </a:ext>
-            </a:extLst>
-          </a:blip>
-          <a:stretch>
-            <a:fillRect/>
-          </a:stretch>
-        </p:blipFill>
-        <p:spPr>
-          <a:xfrm>
-            <a:off x="10896600" y="5304084"/>
-            <a:ext cx="267681" cy="267681"/>
-          </a:xfrm>
-          <a:prstGeom prst="rect">
-            <a:avLst/>
-          </a:prstGeom>
-        </p:spPr>
-      </p:pic>
       <p:sp>
         <p:nvSpPr>
-          <p:cNvPr id="12" name="Rectangle 11">
-            <a:extLst>
-              <a:ext uri="{FF2B5EF4-FFF2-40B4-BE49-F238E27FC236}">
-                <a16:creationId xmlns:a16="http://schemas.microsoft.com/office/drawing/2014/main" id="{136D9663-2037-4924-B3CC-0AD9573D6981}"/>
+          <p:cNvPr id="19" name="Rectangle 18">
+            <a:extLst>
+              <a:ext uri="{FF2B5EF4-FFF2-40B4-BE49-F238E27FC236}">
+                <a16:creationId xmlns:a16="http://schemas.microsoft.com/office/drawing/2014/main" id="{3E40F008-828D-483B-ACB5-22B0F07CD130}"/>
               </a:ext>
             </a:extLst>
           </p:cNvPr>
@@ -9399,8 +8861,59 @@
         </p:nvSpPr>
         <p:spPr>
           <a:xfrm>
-            <a:off x="5912243" y="3254470"/>
-            <a:ext cx="4695516" cy="353943"/>
+            <a:off x="0" y="152400"/>
+            <a:ext cx="12191999" cy="353943"/>
+          </a:xfrm>
+          <a:prstGeom prst="rect">
+            <a:avLst/>
+          </a:prstGeom>
+        </p:spPr>
+        <p:txBody>
+          <a:bodyPr wrap="square">
+            <a:spAutoFit/>
+          </a:bodyPr>
+          <a:lstStyle/>
+          <a:p>
+            <a:pPr algn="ctr"/>
+            <a:r>
+              <a:rPr lang="it-IT" sz="1700" dirty="0" err="1">
+                <a:ln w="0"/>
+                <a:latin typeface="Futura"/>
+                <a:cs typeface="Microsoft Sans Serif"/>
+              </a:rPr>
+              <a:t>Current</a:t>
+            </a:r>
+            <a:r>
+              <a:rPr lang="it-IT" sz="1700" dirty="0">
+                <a:ln w="0"/>
+                <a:latin typeface="Futura"/>
+                <a:cs typeface="Microsoft Sans Serif"/>
+              </a:rPr>
+              <a:t> progress</a:t>
+            </a:r>
+            <a:endParaRPr lang="en-GB" sz="1700" dirty="0">
+              <a:ln w="0"/>
+              <a:latin typeface="Futura"/>
+            </a:endParaRPr>
+          </a:p>
+        </p:txBody>
+      </p:sp>
+      <p:sp>
+        <p:nvSpPr>
+          <p:cNvPr id="24" name="Rectangle 23">
+            <a:extLst>
+              <a:ext uri="{FF2B5EF4-FFF2-40B4-BE49-F238E27FC236}">
+                <a16:creationId xmlns:a16="http://schemas.microsoft.com/office/drawing/2014/main" id="{CC19D941-6740-4DCA-9C09-56462679D93F}"/>
+              </a:ext>
+            </a:extLst>
+          </p:cNvPr>
+          <p:cNvSpPr/>
+          <p:nvPr/>
+        </p:nvSpPr>
+        <p:spPr>
+          <a:xfrm>
+            <a:off x="228600" y="6359452"/>
+            <a:ext cx="2063385" cy="338554"/>
           </a:xfrm>
           <a:prstGeom prst="rect">
             <a:avLst/>
@@ -9412,178 +8925,6 @@
           </a:bodyPr>
           <a:lstStyle/>
           <a:p>
-            <a:pPr lvl="2"/>
-            <a:r>
-              <a:rPr lang="it-IT" sz="1700" dirty="0">
-                <a:latin typeface="Futura"/>
-              </a:rPr>
-              <a:t>M</a:t>
-            </a:r>
-            <a:r>
-              <a:rPr lang="en-GB" sz="1700" dirty="0">
-                <a:latin typeface="Futura"/>
-              </a:rPr>
-              <a:t>ulticlass Level Probability MCLP</a:t>
-            </a:r>
-          </a:p>
-        </p:txBody>
-      </p:sp>
-      <p:pic>
-        <p:nvPicPr>
-          <p:cNvPr id="17" name="Graphic 16" descr="Add">
-            <a:extLst>
-              <a:ext uri="{FF2B5EF4-FFF2-40B4-BE49-F238E27FC236}">
-                <a16:creationId xmlns:a16="http://schemas.microsoft.com/office/drawing/2014/main" id="{EFDBB9F1-996C-4B4E-8779-E71C42757DF6}"/>
-              </a:ext>
-            </a:extLst>
-          </p:cNvPr>
-          <p:cNvPicPr>
-            <a:picLocks noChangeAspect="1"/>
-          </p:cNvPicPr>
-          <p:nvPr/>
-        </p:nvPicPr>
-        <p:blipFill>
-          <a:blip r:embed="rId8" cstate="print">
-            <a:extLst>
-              <a:ext uri="{28A0092B-C50C-407E-A947-70E740481C1C}">
-                <a14:useLocalDpi xmlns:a14="http://schemas.microsoft.com/office/drawing/2010/main" val="0"/>
-              </a:ext>
-              <a:ext uri="{96DAC541-7B7A-43D3-8B79-37D633B846F1}">
-                <asvg:svgBlip xmlns:asvg="http://schemas.microsoft.com/office/drawing/2016/SVG/main" r:embed="rId9"/>
-              </a:ext>
-            </a:extLst>
-          </a:blip>
-          <a:stretch>
-            <a:fillRect/>
-          </a:stretch>
-        </p:blipFill>
-        <p:spPr>
-          <a:xfrm>
-            <a:off x="6183357" y="3263760"/>
-            <a:ext cx="338275" cy="338275"/>
-          </a:xfrm>
-          <a:prstGeom prst="rect">
-            <a:avLst/>
-          </a:prstGeom>
-        </p:spPr>
-      </p:pic>
-      <p:pic>
-        <p:nvPicPr>
-          <p:cNvPr id="18" name="Graphic 17" descr="Checkmark">
-            <a:extLst>
-              <a:ext uri="{FF2B5EF4-FFF2-40B4-BE49-F238E27FC236}">
-                <a16:creationId xmlns:a16="http://schemas.microsoft.com/office/drawing/2014/main" id="{250C7AAE-68E4-4474-BCA6-267296DA96BC}"/>
-              </a:ext>
-            </a:extLst>
-          </p:cNvPr>
-          <p:cNvPicPr>
-            <a:picLocks noChangeAspect="1"/>
-          </p:cNvPicPr>
-          <p:nvPr/>
-        </p:nvPicPr>
-        <p:blipFill>
-          <a:blip r:embed="rId6" cstate="print">
-            <a:extLst>
-              <a:ext uri="{28A0092B-C50C-407E-A947-70E740481C1C}">
-                <a14:useLocalDpi xmlns:a14="http://schemas.microsoft.com/office/drawing/2010/main" val="0"/>
-              </a:ext>
-              <a:ext uri="{96DAC541-7B7A-43D3-8B79-37D633B846F1}">
-                <asvg:svgBlip xmlns:asvg="http://schemas.microsoft.com/office/drawing/2016/SVG/main" r:embed="rId7"/>
-              </a:ext>
-            </a:extLst>
-          </a:blip>
-          <a:stretch>
-            <a:fillRect/>
-          </a:stretch>
-        </p:blipFill>
-        <p:spPr>
-          <a:xfrm>
-            <a:off x="10360719" y="3297602"/>
-            <a:ext cx="267681" cy="267681"/>
-          </a:xfrm>
-          <a:prstGeom prst="rect">
-            <a:avLst/>
-          </a:prstGeom>
-        </p:spPr>
-      </p:pic>
-      <p:sp>
-        <p:nvSpPr>
-          <p:cNvPr id="19" name="Rectangle 18">
-            <a:extLst>
-              <a:ext uri="{FF2B5EF4-FFF2-40B4-BE49-F238E27FC236}">
-                <a16:creationId xmlns:a16="http://schemas.microsoft.com/office/drawing/2014/main" id="{3E40F008-828D-483B-ACB5-22B0F07CD130}"/>
-              </a:ext>
-            </a:extLst>
-          </p:cNvPr>
-          <p:cNvSpPr/>
-          <p:nvPr/>
-        </p:nvSpPr>
-        <p:spPr>
-          <a:xfrm>
-            <a:off x="0" y="152400"/>
-            <a:ext cx="12191999" cy="353943"/>
-          </a:xfrm>
-          <a:prstGeom prst="rect">
-            <a:avLst/>
-          </a:prstGeom>
-        </p:spPr>
-        <p:txBody>
-          <a:bodyPr wrap="square">
-            <a:spAutoFit/>
-          </a:bodyPr>
-          <a:lstStyle/>
-          <a:p>
-            <a:pPr algn="ctr"/>
-            <a:r>
-              <a:rPr lang="it-IT" sz="1700" dirty="0" err="1">
-                <a:ln w="0"/>
-                <a:latin typeface="Futura"/>
-                <a:cs typeface="Microsoft Sans Serif"/>
-              </a:rPr>
-              <a:t>Current</a:t>
-            </a:r>
-            <a:r>
-              <a:rPr lang="it-IT" sz="1700" dirty="0">
-                <a:ln w="0"/>
-                <a:latin typeface="Futura"/>
-                <a:cs typeface="Microsoft Sans Serif"/>
-              </a:rPr>
-              <a:t> progress</a:t>
-            </a:r>
-            <a:endParaRPr lang="en-GB" sz="1700" dirty="0">
-              <a:ln w="0"/>
-              <a:latin typeface="Futura"/>
-            </a:endParaRPr>
-          </a:p>
-        </p:txBody>
-      </p:sp>
-      <p:sp>
-        <p:nvSpPr>
-          <p:cNvPr id="24" name="Rectangle 23">
-            <a:extLst>
-              <a:ext uri="{FF2B5EF4-FFF2-40B4-BE49-F238E27FC236}">
-                <a16:creationId xmlns:a16="http://schemas.microsoft.com/office/drawing/2014/main" id="{CC19D941-6740-4DCA-9C09-56462679D93F}"/>
-              </a:ext>
-            </a:extLst>
-          </p:cNvPr>
-          <p:cNvSpPr/>
-          <p:nvPr/>
-        </p:nvSpPr>
-        <p:spPr>
-          <a:xfrm>
-            <a:off x="228600" y="6359452"/>
-            <a:ext cx="2063385" cy="338554"/>
-          </a:xfrm>
-          <a:prstGeom prst="rect">
-            <a:avLst/>
-          </a:prstGeom>
-        </p:spPr>
-        <p:txBody>
-          <a:bodyPr wrap="none">
-            <a:spAutoFit/>
-          </a:bodyPr>
-          <a:lstStyle/>
-          <a:p>
             <a:r>
               <a:rPr lang="it-IT" sz="1600" dirty="0">
                 <a:latin typeface="Futura"/>
@@ -9610,7 +8951,7 @@
           <p:nvPr/>
         </p:nvPicPr>
         <p:blipFill rotWithShape="1">
-          <a:blip r:embed="rId10">
+          <a:blip r:embed="rId2">
             <a:extLst>
               <a:ext uri="{28A0092B-C50C-407E-A947-70E740481C1C}">
                 <a14:useLocalDpi xmlns:a14="http://schemas.microsoft.com/office/drawing/2010/main" val="0"/>
@@ -9645,7 +8986,7 @@
           <p:nvPr/>
         </p:nvPicPr>
         <p:blipFill>
-          <a:blip r:embed="rId11" cstate="print">
+          <a:blip r:embed="rId3" cstate="print">
             <a:extLst>
               <a:ext uri="{28A0092B-C50C-407E-A947-70E740481C1C}">
                 <a14:useLocalDpi xmlns:a14="http://schemas.microsoft.com/office/drawing/2010/main" val="0"/>
@@ -11242,11 +10583,12 @@
 </file>
 
 <file path=customXml/item1.xml><?xml version="1.0" encoding="utf-8"?>
-<p:properties xmlns:p="http://schemas.microsoft.com/office/2006/metadata/properties" xmlns:xsi="http://www.w3.org/2001/XMLSchema-instance" xmlns:pc="http://schemas.microsoft.com/office/infopath/2007/PartnerControls">
-  <documentManagement>
-    <_activity xmlns="c9eab120-891d-4e75-bbb7-983661d36c9c" xsi:nil="true"/>
-  </documentManagement>
-</p:properties>
+<?mso-contentType ?>
+<FormTemplates xmlns="http://schemas.microsoft.com/sharepoint/v3/contenttype/forms">
+  <Display>DocumentLibraryForm</Display>
+  <Edit>DocumentLibraryForm</Edit>
+  <New>DocumentLibraryForm</New>
+</FormTemplates>
 </file>
 
 <file path=customXml/item2.xml><?xml version="1.0" encoding="utf-8"?>
@@ -11479,27 +10821,17 @@
 </file>
 
 <file path=customXml/item3.xml><?xml version="1.0" encoding="utf-8"?>
-<?mso-contentType ?>
-<FormTemplates xmlns="http://schemas.microsoft.com/sharepoint/v3/contenttype/forms">
-  <Display>DocumentLibraryForm</Display>
-  <Edit>DocumentLibraryForm</Edit>
-  <New>DocumentLibraryForm</New>
-</FormTemplates>
+<p:properties xmlns:p="http://schemas.microsoft.com/office/2006/metadata/properties" xmlns:xsi="http://www.w3.org/2001/XMLSchema-instance" xmlns:pc="http://schemas.microsoft.com/office/infopath/2007/PartnerControls">
+  <documentManagement>
+    <_activity xmlns="c9eab120-891d-4e75-bbb7-983661d36c9c" xsi:nil="true"/>
+  </documentManagement>
+</p:properties>
 </file>
 
 <file path=customXml/itemProps1.xml><?xml version="1.0" encoding="utf-8"?>
-<ds:datastoreItem xmlns:ds="http://schemas.openxmlformats.org/officeDocument/2006/customXml" ds:itemID="{0935546A-FCFF-49CF-A534-6766F9A5EAFB}">
+<ds:datastoreItem xmlns:ds="http://schemas.openxmlformats.org/officeDocument/2006/customXml" ds:itemID="{29D72105-E419-4657-8EC8-6C73137ECF2E}">
   <ds:schemaRefs>
-    <ds:schemaRef ds:uri="http://schemas.openxmlformats.org/package/2006/metadata/core-properties"/>
-    <ds:schemaRef ds:uri="c9eab120-891d-4e75-bbb7-983661d36c9c"/>
-    <ds:schemaRef ds:uri="http://purl.org/dc/terms/"/>
-    <ds:schemaRef ds:uri="http://schemas.microsoft.com/office/2006/documentManagement/types"/>
-    <ds:schemaRef ds:uri="http://schemas.microsoft.com/office/infopath/2007/PartnerControls"/>
-    <ds:schemaRef ds:uri="http://purl.org/dc/elements/1.1/"/>
-    <ds:schemaRef ds:uri="2cbdb79f-05cb-4beb-bf79-a6aafc29ddd5"/>
-    <ds:schemaRef ds:uri="http://www.w3.org/XML/1998/namespace"/>
-    <ds:schemaRef ds:uri="http://schemas.microsoft.com/office/2006/metadata/properties"/>
-    <ds:schemaRef ds:uri="http://purl.org/dc/dcmitype/"/>
+    <ds:schemaRef ds:uri="http://schemas.microsoft.com/sharepoint/v3/contenttype/forms"/>
   </ds:schemaRefs>
 </ds:datastoreItem>
 </file>
@@ -11524,9 +10856,18 @@
 </file>
 
 <file path=customXml/itemProps3.xml><?xml version="1.0" encoding="utf-8"?>
-<ds:datastoreItem xmlns:ds="http://schemas.openxmlformats.org/officeDocument/2006/customXml" ds:itemID="{29D72105-E419-4657-8EC8-6C73137ECF2E}">
+<ds:datastoreItem xmlns:ds="http://schemas.openxmlformats.org/officeDocument/2006/customXml" ds:itemID="{0935546A-FCFF-49CF-A534-6766F9A5EAFB}">
   <ds:schemaRefs>
-    <ds:schemaRef ds:uri="http://schemas.microsoft.com/sharepoint/v3/contenttype/forms"/>
+    <ds:schemaRef ds:uri="http://schemas.openxmlformats.org/package/2006/metadata/core-properties"/>
+    <ds:schemaRef ds:uri="c9eab120-891d-4e75-bbb7-983661d36c9c"/>
+    <ds:schemaRef ds:uri="http://purl.org/dc/terms/"/>
+    <ds:schemaRef ds:uri="http://schemas.microsoft.com/office/2006/documentManagement/types"/>
+    <ds:schemaRef ds:uri="http://schemas.microsoft.com/office/infopath/2007/PartnerControls"/>
+    <ds:schemaRef ds:uri="http://purl.org/dc/elements/1.1/"/>
+    <ds:schemaRef ds:uri="2cbdb79f-05cb-4beb-bf79-a6aafc29ddd5"/>
+    <ds:schemaRef ds:uri="http://www.w3.org/XML/1998/namespace"/>
+    <ds:schemaRef ds:uri="http://schemas.microsoft.com/office/2006/metadata/properties"/>
+    <ds:schemaRef ds:uri="http://purl.org/dc/dcmitype/"/>
   </ds:schemaRefs>
 </ds:datastoreItem>
 </file>
--- a/presentation_CARLASSARA_10601118.pptx
+++ b/presentation_CARLASSARA_10601118.pptx
@@ -3306,10 +3306,10 @@
       </p:pic>
       <p:pic>
         <p:nvPicPr>
-          <p:cNvPr id="3" name="Picture 2">
-            <a:extLst>
-              <a:ext uri="{FF2B5EF4-FFF2-40B4-BE49-F238E27FC236}">
-                <a16:creationId xmlns:a16="http://schemas.microsoft.com/office/drawing/2014/main" id="{670DA7F4-3C6A-44C4-B938-CE885B9DBDA5}"/>
+          <p:cNvPr id="6" name="Picture 5">
+            <a:extLst>
+              <a:ext uri="{FF2B5EF4-FFF2-40B4-BE49-F238E27FC236}">
+                <a16:creationId xmlns:a16="http://schemas.microsoft.com/office/drawing/2014/main" id="{9DE06DE2-BEA6-4831-BDF1-0316AD477DFF}"/>
               </a:ext>
             </a:extLst>
           </p:cNvPr>
@@ -3332,7 +3332,7 @@
         </p:blipFill>
         <p:spPr>
           <a:xfrm>
-            <a:off x="0" y="304800"/>
+            <a:off x="6096000" y="304800"/>
             <a:ext cx="6096000" cy="4876800"/>
           </a:xfrm>
           <a:prstGeom prst="rect">
@@ -3342,10 +3342,10 @@
       </p:pic>
       <p:pic>
         <p:nvPicPr>
-          <p:cNvPr id="6" name="Picture 5">
-            <a:extLst>
-              <a:ext uri="{FF2B5EF4-FFF2-40B4-BE49-F238E27FC236}">
-                <a16:creationId xmlns:a16="http://schemas.microsoft.com/office/drawing/2014/main" id="{9DE06DE2-BEA6-4831-BDF1-0316AD477DFF}"/>
+          <p:cNvPr id="10" name="Picture 9">
+            <a:extLst>
+              <a:ext uri="{FF2B5EF4-FFF2-40B4-BE49-F238E27FC236}">
+                <a16:creationId xmlns:a16="http://schemas.microsoft.com/office/drawing/2014/main" id="{7311FFA9-ABF0-4776-ACC8-6C4F0827C1F4}"/>
               </a:ext>
             </a:extLst>
           </p:cNvPr>
@@ -3368,7 +3368,7 @@
         </p:blipFill>
         <p:spPr>
           <a:xfrm>
-            <a:off x="6096000" y="304800"/>
+            <a:off x="0" y="304800"/>
             <a:ext cx="6096000" cy="4876800"/>
           </a:xfrm>
           <a:prstGeom prst="rect">
@@ -10583,12 +10583,11 @@
 </file>
 
 <file path=customXml/item1.xml><?xml version="1.0" encoding="utf-8"?>
-<?mso-contentType ?>
-<FormTemplates xmlns="http://schemas.microsoft.com/sharepoint/v3/contenttype/forms">
-  <Display>DocumentLibraryForm</Display>
-  <Edit>DocumentLibraryForm</Edit>
-  <New>DocumentLibraryForm</New>
-</FormTemplates>
+<p:properties xmlns:p="http://schemas.microsoft.com/office/2006/metadata/properties" xmlns:xsi="http://www.w3.org/2001/XMLSchema-instance" xmlns:pc="http://schemas.microsoft.com/office/infopath/2007/PartnerControls">
+  <documentManagement>
+    <_activity xmlns="c9eab120-891d-4e75-bbb7-983661d36c9c" xsi:nil="true"/>
+  </documentManagement>
+</p:properties>
 </file>
 
 <file path=customXml/item2.xml><?xml version="1.0" encoding="utf-8"?>
@@ -10821,17 +10820,27 @@
 </file>
 
 <file path=customXml/item3.xml><?xml version="1.0" encoding="utf-8"?>
-<p:properties xmlns:p="http://schemas.microsoft.com/office/2006/metadata/properties" xmlns:xsi="http://www.w3.org/2001/XMLSchema-instance" xmlns:pc="http://schemas.microsoft.com/office/infopath/2007/PartnerControls">
-  <documentManagement>
-    <_activity xmlns="c9eab120-891d-4e75-bbb7-983661d36c9c" xsi:nil="true"/>
-  </documentManagement>
-</p:properties>
+<?mso-contentType ?>
+<FormTemplates xmlns="http://schemas.microsoft.com/sharepoint/v3/contenttype/forms">
+  <Display>DocumentLibraryForm</Display>
+  <Edit>DocumentLibraryForm</Edit>
+  <New>DocumentLibraryForm</New>
+</FormTemplates>
 </file>
 
 <file path=customXml/itemProps1.xml><?xml version="1.0" encoding="utf-8"?>
-<ds:datastoreItem xmlns:ds="http://schemas.openxmlformats.org/officeDocument/2006/customXml" ds:itemID="{29D72105-E419-4657-8EC8-6C73137ECF2E}">
+<ds:datastoreItem xmlns:ds="http://schemas.openxmlformats.org/officeDocument/2006/customXml" ds:itemID="{0935546A-FCFF-49CF-A534-6766F9A5EAFB}">
   <ds:schemaRefs>
-    <ds:schemaRef ds:uri="http://schemas.microsoft.com/sharepoint/v3/contenttype/forms"/>
+    <ds:schemaRef ds:uri="http://schemas.openxmlformats.org/package/2006/metadata/core-properties"/>
+    <ds:schemaRef ds:uri="c9eab120-891d-4e75-bbb7-983661d36c9c"/>
+    <ds:schemaRef ds:uri="http://purl.org/dc/terms/"/>
+    <ds:schemaRef ds:uri="http://schemas.microsoft.com/office/2006/documentManagement/types"/>
+    <ds:schemaRef ds:uri="http://schemas.microsoft.com/office/infopath/2007/PartnerControls"/>
+    <ds:schemaRef ds:uri="http://purl.org/dc/elements/1.1/"/>
+    <ds:schemaRef ds:uri="2cbdb79f-05cb-4beb-bf79-a6aafc29ddd5"/>
+    <ds:schemaRef ds:uri="http://www.w3.org/XML/1998/namespace"/>
+    <ds:schemaRef ds:uri="http://schemas.microsoft.com/office/2006/metadata/properties"/>
+    <ds:schemaRef ds:uri="http://purl.org/dc/dcmitype/"/>
   </ds:schemaRefs>
 </ds:datastoreItem>
 </file>
@@ -10856,18 +10865,9 @@
 </file>
 
 <file path=customXml/itemProps3.xml><?xml version="1.0" encoding="utf-8"?>
-<ds:datastoreItem xmlns:ds="http://schemas.openxmlformats.org/officeDocument/2006/customXml" ds:itemID="{0935546A-FCFF-49CF-A534-6766F9A5EAFB}">
+<ds:datastoreItem xmlns:ds="http://schemas.openxmlformats.org/officeDocument/2006/customXml" ds:itemID="{29D72105-E419-4657-8EC8-6C73137ECF2E}">
   <ds:schemaRefs>
-    <ds:schemaRef ds:uri="http://schemas.openxmlformats.org/package/2006/metadata/core-properties"/>
-    <ds:schemaRef ds:uri="c9eab120-891d-4e75-bbb7-983661d36c9c"/>
-    <ds:schemaRef ds:uri="http://purl.org/dc/terms/"/>
-    <ds:schemaRef ds:uri="http://schemas.microsoft.com/office/2006/documentManagement/types"/>
-    <ds:schemaRef ds:uri="http://schemas.microsoft.com/office/infopath/2007/PartnerControls"/>
-    <ds:schemaRef ds:uri="http://purl.org/dc/elements/1.1/"/>
-    <ds:schemaRef ds:uri="2cbdb79f-05cb-4beb-bf79-a6aafc29ddd5"/>
-    <ds:schemaRef ds:uri="http://www.w3.org/XML/1998/namespace"/>
-    <ds:schemaRef ds:uri="http://schemas.microsoft.com/office/2006/metadata/properties"/>
-    <ds:schemaRef ds:uri="http://purl.org/dc/dcmitype/"/>
+    <ds:schemaRef ds:uri="http://schemas.microsoft.com/sharepoint/v3/contenttype/forms"/>
   </ds:schemaRefs>
 </ds:datastoreItem>
 </file>
--- a/presentation_CARLASSARA_10601118.pptx
+++ b/presentation_CARLASSARA_10601118.pptx
@@ -6281,7 +6281,7 @@
         </p:nvSpPr>
         <p:spPr>
           <a:xfrm>
-            <a:off x="681187" y="5033758"/>
+            <a:off x="381000" y="4805660"/>
             <a:ext cx="6096000" cy="1138773"/>
           </a:xfrm>
           <a:prstGeom prst="rect">
@@ -6429,8 +6429,8 @@
         </p:nvSpPr>
         <p:spPr>
           <a:xfrm>
-            <a:off x="681187" y="1028006"/>
-            <a:ext cx="4389319" cy="1415772"/>
+            <a:off x="381000" y="1118272"/>
+            <a:ext cx="3814613" cy="1138773"/>
           </a:xfrm>
           <a:prstGeom prst="rect">
             <a:avLst/>
@@ -6550,10 +6550,6 @@
               <a:latin typeface="Futura"/>
             </a:endParaRPr>
           </a:p>
-          <a:p>
-            <a:pPr lvl="1"/>
-            <a:endParaRPr lang="it-IT" dirty="0"/>
-          </a:p>
         </p:txBody>
       </p:sp>
       <p:sp>
@@ -6570,7 +6566,7 @@
         </p:nvSpPr>
         <p:spPr>
           <a:xfrm>
-            <a:off x="690789" y="2994297"/>
+            <a:off x="381000" y="2922998"/>
             <a:ext cx="3865081" cy="877163"/>
           </a:xfrm>
           <a:prstGeom prst="rect">
@@ -6669,7 +6665,7 @@
         </p:blipFill>
         <p:spPr>
           <a:xfrm>
-            <a:off x="3342284" y="1087511"/>
+            <a:off x="3042097" y="1177777"/>
             <a:ext cx="523948" cy="266737"/>
           </a:xfrm>
           <a:prstGeom prst="rect">
@@ -6677,54 +6673,6 @@
           </a:prstGeom>
         </p:spPr>
       </p:pic>
-      <p:cxnSp>
-        <p:nvCxnSpPr>
-          <p:cNvPr id="30" name="Connector: Elbow 29">
-            <a:extLst>
-              <a:ext uri="{FF2B5EF4-FFF2-40B4-BE49-F238E27FC236}">
-                <a16:creationId xmlns:a16="http://schemas.microsoft.com/office/drawing/2014/main" id="{9AD35E14-4161-42A7-8739-C5CCEA70687A}"/>
-              </a:ext>
-            </a:extLst>
-          </p:cNvPr>
-          <p:cNvCxnSpPr>
-            <a:cxnSpLocks/>
-            <a:endCxn id="47" idx="1"/>
-          </p:cNvCxnSpPr>
-          <p:nvPr/>
-        </p:nvCxnSpPr>
-        <p:spPr>
-          <a:xfrm rot="5400000">
-            <a:off x="-884802" y="3330654"/>
-            <a:ext cx="3444651" cy="294342"/>
-          </a:xfrm>
-          <a:prstGeom prst="bentConnector4">
-            <a:avLst>
-              <a:gd name="adj1" fmla="val -72"/>
-              <a:gd name="adj2" fmla="val 229926"/>
-            </a:avLst>
-          </a:prstGeom>
-          <a:ln>
-            <a:solidFill>
-              <a:schemeClr val="tx1"/>
-            </a:solidFill>
-            <a:tailEnd type="triangle"/>
-          </a:ln>
-        </p:spPr>
-        <p:style>
-          <a:lnRef idx="1">
-            <a:schemeClr val="accent1"/>
-          </a:lnRef>
-          <a:fillRef idx="0">
-            <a:schemeClr val="accent1"/>
-          </a:fillRef>
-          <a:effectRef idx="0">
-            <a:schemeClr val="accent1"/>
-          </a:effectRef>
-          <a:fontRef idx="minor">
-            <a:schemeClr val="tx1"/>
-          </a:fontRef>
-        </p:style>
-      </p:cxnSp>
       <p:sp>
         <p:nvSpPr>
           <p:cNvPr id="29" name="Rectangle 28">
@@ -6790,7 +6738,7 @@
         </p:nvSpPr>
         <p:spPr>
           <a:xfrm>
-            <a:off x="4998571" y="1247268"/>
+            <a:off x="4967242" y="1118796"/>
             <a:ext cx="6477000" cy="3834204"/>
           </a:xfrm>
           <a:prstGeom prst="roundRect">
@@ -6842,7 +6790,7 @@
         </p:nvSpPr>
         <p:spPr>
           <a:xfrm>
-            <a:off x="7372186" y="1309384"/>
+            <a:off x="7340857" y="1180912"/>
             <a:ext cx="1996059" cy="353943"/>
           </a:xfrm>
           <a:prstGeom prst="rect">
@@ -6881,7 +6829,7 @@
         </p:nvSpPr>
         <p:spPr>
           <a:xfrm>
-            <a:off x="5977989" y="2031574"/>
+            <a:off x="5946660" y="1903102"/>
             <a:ext cx="705642" cy="353943"/>
           </a:xfrm>
           <a:prstGeom prst="rect">
@@ -6917,7 +6865,7 @@
         </p:nvSpPr>
         <p:spPr>
           <a:xfrm>
-            <a:off x="7956754" y="1855103"/>
+            <a:off x="7925425" y="1726631"/>
             <a:ext cx="2951449" cy="353943"/>
           </a:xfrm>
           <a:prstGeom prst="rect">
@@ -6956,7 +6904,7 @@
         </p:nvSpPr>
         <p:spPr>
           <a:xfrm>
-            <a:off x="7956754" y="2270146"/>
+            <a:off x="7925425" y="2141674"/>
             <a:ext cx="1980029" cy="353943"/>
           </a:xfrm>
           <a:prstGeom prst="rect">
@@ -6972,7 +6920,9 @@
             <a:r>
               <a:rPr lang="en-GB" sz="1700" dirty="0" err="1">
                 <a:solidFill>
-                  <a:srgbClr val="FF0000"/>
+                  <a:schemeClr val="accent3">
+                    <a:lumMod val="50000"/>
+                  </a:schemeClr>
                 </a:solidFill>
                 <a:latin typeface="Futura"/>
               </a:rPr>
@@ -6980,7 +6930,9 @@
             </a:r>
             <a:endParaRPr lang="en-GB" sz="1700" dirty="0">
               <a:solidFill>
-                <a:srgbClr val="FF0000"/>
+                <a:schemeClr val="accent3">
+                  <a:lumMod val="50000"/>
+                </a:schemeClr>
               </a:solidFill>
               <a:latin typeface="Futura"/>
             </a:endParaRPr>
@@ -7001,7 +6953,7 @@
         </p:nvSpPr>
         <p:spPr>
           <a:xfrm>
-            <a:off x="5201760" y="3169823"/>
+            <a:off x="5170431" y="3041351"/>
             <a:ext cx="2250937" cy="353943"/>
           </a:xfrm>
           <a:prstGeom prst="rect">
@@ -7040,7 +6992,7 @@
         </p:nvSpPr>
         <p:spPr>
           <a:xfrm>
-            <a:off x="5197258" y="3708090"/>
+            <a:off x="5165929" y="3579618"/>
             <a:ext cx="1702710" cy="353943"/>
           </a:xfrm>
           <a:prstGeom prst="rect">
@@ -7079,7 +7031,7 @@
         </p:nvSpPr>
         <p:spPr>
           <a:xfrm>
-            <a:off x="5164806" y="4246357"/>
+            <a:off x="5133477" y="4117885"/>
             <a:ext cx="2198038" cy="353943"/>
           </a:xfrm>
           <a:prstGeom prst="rect">
@@ -7104,12 +7056,326 @@
           </a:p>
         </p:txBody>
       </p:sp>
+      <p:sp>
+        <p:nvSpPr>
+          <p:cNvPr id="19" name="Rectangle 18">
+            <a:extLst>
+              <a:ext uri="{FF2B5EF4-FFF2-40B4-BE49-F238E27FC236}">
+                <a16:creationId xmlns:a16="http://schemas.microsoft.com/office/drawing/2014/main" id="{64EDFA32-791C-4A94-B3CC-D3B7E3B13B2B}"/>
+              </a:ext>
+            </a:extLst>
+          </p:cNvPr>
+          <p:cNvSpPr/>
+          <p:nvPr/>
+        </p:nvSpPr>
+        <p:spPr>
+          <a:xfrm>
+            <a:off x="9461620" y="2865825"/>
+            <a:ext cx="1707519" cy="353943"/>
+          </a:xfrm>
+          <a:prstGeom prst="rect">
+            <a:avLst/>
+          </a:prstGeom>
+        </p:spPr>
+        <p:txBody>
+          <a:bodyPr wrap="none">
+            <a:spAutoFit/>
+          </a:bodyPr>
+          <a:lstStyle/>
+          <a:p>
+            <a:r>
+              <a:rPr lang="en-GB" sz="1700" dirty="0" err="1">
+                <a:latin typeface="Futura"/>
+              </a:rPr>
+              <a:t>trainFeat</a:t>
+            </a:r>
+            <a:r>
+              <a:rPr lang="en-GB" sz="1700" dirty="0">
+                <a:latin typeface="Futura"/>
+              </a:rPr>
+              <a:t> (sub)</a:t>
+            </a:r>
+          </a:p>
+        </p:txBody>
+      </p:sp>
+      <p:sp>
+        <p:nvSpPr>
+          <p:cNvPr id="20" name="Rectangle 19">
+            <a:extLst>
+              <a:ext uri="{FF2B5EF4-FFF2-40B4-BE49-F238E27FC236}">
+                <a16:creationId xmlns:a16="http://schemas.microsoft.com/office/drawing/2014/main" id="{028E5AFC-B17F-44AD-B083-B996CA709553}"/>
+              </a:ext>
+            </a:extLst>
+          </p:cNvPr>
+          <p:cNvSpPr/>
+          <p:nvPr/>
+        </p:nvSpPr>
+        <p:spPr>
+          <a:xfrm>
+            <a:off x="9461620" y="3158276"/>
+            <a:ext cx="1317990" cy="353943"/>
+          </a:xfrm>
+          <a:prstGeom prst="rect">
+            <a:avLst/>
+          </a:prstGeom>
+        </p:spPr>
+        <p:txBody>
+          <a:bodyPr wrap="none">
+            <a:spAutoFit/>
+          </a:bodyPr>
+          <a:lstStyle/>
+          <a:p>
+            <a:r>
+              <a:rPr lang="en-GB" sz="1700" dirty="0" err="1">
+                <a:latin typeface="Futura"/>
+              </a:rPr>
+              <a:t>trainLabels</a:t>
+            </a:r>
+            <a:endParaRPr lang="en-GB" sz="1700" dirty="0">
+              <a:latin typeface="Futura"/>
+            </a:endParaRPr>
+          </a:p>
+        </p:txBody>
+      </p:sp>
+      <p:sp>
+        <p:nvSpPr>
+          <p:cNvPr id="22" name="Rectangle 21">
+            <a:extLst>
+              <a:ext uri="{FF2B5EF4-FFF2-40B4-BE49-F238E27FC236}">
+                <a16:creationId xmlns:a16="http://schemas.microsoft.com/office/drawing/2014/main" id="{D9770CF5-6A75-43E6-9D91-60CE9440E7E9}"/>
+              </a:ext>
+            </a:extLst>
+          </p:cNvPr>
+          <p:cNvSpPr/>
+          <p:nvPr/>
+        </p:nvSpPr>
+        <p:spPr>
+          <a:xfrm>
+            <a:off x="9442567" y="3755542"/>
+            <a:ext cx="1226618" cy="353943"/>
+          </a:xfrm>
+          <a:prstGeom prst="rect">
+            <a:avLst/>
+          </a:prstGeom>
+        </p:spPr>
+        <p:txBody>
+          <a:bodyPr wrap="none">
+            <a:spAutoFit/>
+          </a:bodyPr>
+          <a:lstStyle/>
+          <a:p>
+            <a:r>
+              <a:rPr lang="en-GB" sz="1700" dirty="0" err="1">
+                <a:latin typeface="Futura"/>
+              </a:rPr>
+              <a:t>testLabels</a:t>
+            </a:r>
+            <a:endParaRPr lang="en-GB" sz="1700" dirty="0">
+              <a:latin typeface="Futura"/>
+            </a:endParaRPr>
+          </a:p>
+        </p:txBody>
+      </p:sp>
+      <p:sp>
+        <p:nvSpPr>
+          <p:cNvPr id="23" name="Rectangle 22">
+            <a:extLst>
+              <a:ext uri="{FF2B5EF4-FFF2-40B4-BE49-F238E27FC236}">
+                <a16:creationId xmlns:a16="http://schemas.microsoft.com/office/drawing/2014/main" id="{E2DBA619-D70F-4CBF-9E6E-865DCEC97B8A}"/>
+              </a:ext>
+            </a:extLst>
+          </p:cNvPr>
+          <p:cNvSpPr/>
+          <p:nvPr/>
+        </p:nvSpPr>
+        <p:spPr>
+          <a:xfrm>
+            <a:off x="9442567" y="3446218"/>
+            <a:ext cx="1394934" cy="353943"/>
+          </a:xfrm>
+          <a:prstGeom prst="rect">
+            <a:avLst/>
+          </a:prstGeom>
+        </p:spPr>
+        <p:txBody>
+          <a:bodyPr wrap="none">
+            <a:spAutoFit/>
+          </a:bodyPr>
+          <a:lstStyle/>
+          <a:p>
+            <a:r>
+              <a:rPr lang="en-GB" sz="1700" dirty="0" err="1">
+                <a:latin typeface="Futura"/>
+              </a:rPr>
+              <a:t>testFeatsub</a:t>
+            </a:r>
+            <a:endParaRPr lang="en-GB" sz="1700" dirty="0">
+              <a:latin typeface="Futura"/>
+            </a:endParaRPr>
+          </a:p>
+        </p:txBody>
+      </p:sp>
+      <p:sp>
+        <p:nvSpPr>
+          <p:cNvPr id="24" name="Rectangle 23">
+            <a:extLst>
+              <a:ext uri="{FF2B5EF4-FFF2-40B4-BE49-F238E27FC236}">
+                <a16:creationId xmlns:a16="http://schemas.microsoft.com/office/drawing/2014/main" id="{0178521A-2E19-40B1-84E9-6391439B5B84}"/>
+              </a:ext>
+            </a:extLst>
+          </p:cNvPr>
+          <p:cNvSpPr/>
+          <p:nvPr/>
+        </p:nvSpPr>
+        <p:spPr>
+          <a:xfrm>
+            <a:off x="9427264" y="4344418"/>
+            <a:ext cx="1721946" cy="353943"/>
+          </a:xfrm>
+          <a:prstGeom prst="rect">
+            <a:avLst/>
+          </a:prstGeom>
+        </p:spPr>
+        <p:txBody>
+          <a:bodyPr wrap="none">
+            <a:spAutoFit/>
+          </a:bodyPr>
+          <a:lstStyle/>
+          <a:p>
+            <a:r>
+              <a:rPr lang="en-GB" sz="1700" dirty="0" err="1">
+                <a:latin typeface="Futura"/>
+              </a:rPr>
+              <a:t>validateLabels</a:t>
+            </a:r>
+            <a:endParaRPr lang="en-GB" sz="1700" dirty="0">
+              <a:latin typeface="Futura"/>
+            </a:endParaRPr>
+          </a:p>
+        </p:txBody>
+      </p:sp>
+      <p:sp>
+        <p:nvSpPr>
+          <p:cNvPr id="25" name="Rectangle 24">
+            <a:extLst>
+              <a:ext uri="{FF2B5EF4-FFF2-40B4-BE49-F238E27FC236}">
+                <a16:creationId xmlns:a16="http://schemas.microsoft.com/office/drawing/2014/main" id="{0BAD2448-1352-4779-A18C-AB322DE6694F}"/>
+              </a:ext>
+            </a:extLst>
+          </p:cNvPr>
+          <p:cNvSpPr/>
+          <p:nvPr/>
+        </p:nvSpPr>
+        <p:spPr>
+          <a:xfrm>
+            <a:off x="9442567" y="4060600"/>
+            <a:ext cx="1890261" cy="353943"/>
+          </a:xfrm>
+          <a:prstGeom prst="rect">
+            <a:avLst/>
+          </a:prstGeom>
+        </p:spPr>
+        <p:txBody>
+          <a:bodyPr wrap="none">
+            <a:spAutoFit/>
+          </a:bodyPr>
+          <a:lstStyle/>
+          <a:p>
+            <a:r>
+              <a:rPr lang="en-GB" sz="1700" dirty="0" err="1">
+                <a:latin typeface="Futura"/>
+              </a:rPr>
+              <a:t>validateFeatsub</a:t>
+            </a:r>
+            <a:endParaRPr lang="en-GB" sz="1700" dirty="0">
+              <a:latin typeface="Futura"/>
+            </a:endParaRPr>
+          </a:p>
+        </p:txBody>
+      </p:sp>
+      <p:sp>
+        <p:nvSpPr>
+          <p:cNvPr id="26" name="Rectangle 25">
+            <a:extLst>
+              <a:ext uri="{FF2B5EF4-FFF2-40B4-BE49-F238E27FC236}">
+                <a16:creationId xmlns:a16="http://schemas.microsoft.com/office/drawing/2014/main" id="{F3CEC172-9762-4F1F-9582-F4DDFBF735CE}"/>
+              </a:ext>
+            </a:extLst>
+          </p:cNvPr>
+          <p:cNvSpPr/>
+          <p:nvPr/>
+        </p:nvSpPr>
+        <p:spPr>
+          <a:xfrm>
+            <a:off x="7661473" y="3001181"/>
+            <a:ext cx="1560042" cy="353943"/>
+          </a:xfrm>
+          <a:prstGeom prst="rect">
+            <a:avLst/>
+          </a:prstGeom>
+        </p:spPr>
+        <p:txBody>
+          <a:bodyPr wrap="none">
+            <a:spAutoFit/>
+          </a:bodyPr>
+          <a:lstStyle/>
+          <a:p>
+            <a:r>
+              <a:rPr lang="en-GB" sz="1700" dirty="0" err="1">
+                <a:latin typeface="Futura"/>
+              </a:rPr>
+              <a:t>trainDataCur</a:t>
+            </a:r>
+            <a:endParaRPr lang="en-GB" sz="1700" dirty="0">
+              <a:latin typeface="Futura"/>
+            </a:endParaRPr>
+          </a:p>
+        </p:txBody>
+      </p:sp>
+      <p:sp>
+        <p:nvSpPr>
+          <p:cNvPr id="53" name="Rectangle 52">
+            <a:extLst>
+              <a:ext uri="{FF2B5EF4-FFF2-40B4-BE49-F238E27FC236}">
+                <a16:creationId xmlns:a16="http://schemas.microsoft.com/office/drawing/2014/main" id="{33982F88-D912-4B22-8853-3645E34475A4}"/>
+              </a:ext>
+            </a:extLst>
+          </p:cNvPr>
+          <p:cNvSpPr/>
+          <p:nvPr/>
+        </p:nvSpPr>
+        <p:spPr>
+          <a:xfrm>
+            <a:off x="228600" y="6359452"/>
+            <a:ext cx="2063385" cy="338554"/>
+          </a:xfrm>
+          <a:prstGeom prst="rect">
+            <a:avLst/>
+          </a:prstGeom>
+        </p:spPr>
+        <p:txBody>
+          <a:bodyPr wrap="none">
+            <a:spAutoFit/>
+          </a:bodyPr>
+          <a:lstStyle/>
+          <a:p>
+            <a:r>
+              <a:rPr lang="it-IT" sz="1600" dirty="0">
+                <a:latin typeface="Futura"/>
+                <a:ea typeface="Microsoft Sans Serif" panose="020B0604020202020204" pitchFamily="34" charset="0"/>
+                <a:cs typeface="Microsoft Sans Serif" panose="020B0604020202020204" pitchFamily="34" charset="0"/>
+              </a:rPr>
+              <a:t>Lorenzo Carlassara</a:t>
+            </a:r>
+          </a:p>
+        </p:txBody>
+      </p:sp>
       <p:pic>
         <p:nvPicPr>
-          <p:cNvPr id="47" name="Graphic 46" descr="Checkmark">
-            <a:extLst>
-              <a:ext uri="{FF2B5EF4-FFF2-40B4-BE49-F238E27FC236}">
-                <a16:creationId xmlns:a16="http://schemas.microsoft.com/office/drawing/2014/main" id="{74AE25D9-1136-4F69-87A6-43BABA9F8A20}"/>
+          <p:cNvPr id="54" name="Picture 53">
+            <a:extLst>
+              <a:ext uri="{FF2B5EF4-FFF2-40B4-BE49-F238E27FC236}">
+                <a16:creationId xmlns:a16="http://schemas.microsoft.com/office/drawing/2014/main" id="{317F43A1-DDCB-4A3A-A584-62DEF7F10D04}"/>
               </a:ext>
             </a:extLst>
           </p:cNvPr>
@@ -7118,14 +7384,46 @@
           </p:cNvPicPr>
           <p:nvPr/>
         </p:nvPicPr>
-        <p:blipFill>
-          <a:blip r:embed="rId3" cstate="print">
+        <p:blipFill rotWithShape="1">
+          <a:blip r:embed="rId3">
             <a:extLst>
               <a:ext uri="{28A0092B-C50C-407E-A947-70E740481C1C}">
                 <a14:useLocalDpi xmlns:a14="http://schemas.microsoft.com/office/drawing/2010/main" val="0"/>
               </a:ext>
-              <a:ext uri="{96DAC541-7B7A-43D3-8B79-37D633B846F1}">
-                <asvg:svgBlip xmlns:asvg="http://schemas.microsoft.com/office/drawing/2016/SVG/main" r:embed="rId4"/>
+            </a:extLst>
+          </a:blip>
+          <a:srcRect l="25190" r="25955" b="38216"/>
+          <a:stretch/>
+        </p:blipFill>
+        <p:spPr>
+          <a:xfrm>
+            <a:off x="10734080" y="6172326"/>
+            <a:ext cx="677505" cy="627889"/>
+          </a:xfrm>
+          <a:prstGeom prst="rect">
+            <a:avLst/>
+          </a:prstGeom>
+        </p:spPr>
+      </p:pic>
+      <p:pic>
+        <p:nvPicPr>
+          <p:cNvPr id="55" name="Picture 54">
+            <a:extLst>
+              <a:ext uri="{FF2B5EF4-FFF2-40B4-BE49-F238E27FC236}">
+                <a16:creationId xmlns:a16="http://schemas.microsoft.com/office/drawing/2014/main" id="{291AF232-DD72-49E1-A7EB-36C8BD9B1995}"/>
+              </a:ext>
+            </a:extLst>
+          </p:cNvPr>
+          <p:cNvPicPr>
+            <a:picLocks noChangeAspect="1"/>
+          </p:cNvPicPr>
+          <p:nvPr/>
+        </p:nvPicPr>
+        <p:blipFill>
+          <a:blip r:embed="rId4" cstate="print">
+            <a:extLst>
+              <a:ext uri="{28A0092B-C50C-407E-A947-70E740481C1C}">
+                <a14:useLocalDpi xmlns:a14="http://schemas.microsoft.com/office/drawing/2010/main" val="0"/>
               </a:ext>
             </a:extLst>
           </a:blip>
@@ -7135,391 +7433,6 @@
         </p:blipFill>
         <p:spPr>
           <a:xfrm>
-            <a:off x="690352" y="5066310"/>
-            <a:ext cx="267681" cy="267681"/>
-          </a:xfrm>
-          <a:prstGeom prst="rect">
-            <a:avLst/>
-          </a:prstGeom>
-        </p:spPr>
-      </p:pic>
-      <p:sp>
-        <p:nvSpPr>
-          <p:cNvPr id="19" name="Rectangle 18">
-            <a:extLst>
-              <a:ext uri="{FF2B5EF4-FFF2-40B4-BE49-F238E27FC236}">
-                <a16:creationId xmlns:a16="http://schemas.microsoft.com/office/drawing/2014/main" id="{64EDFA32-791C-4A94-B3CC-D3B7E3B13B2B}"/>
-              </a:ext>
-            </a:extLst>
-          </p:cNvPr>
-          <p:cNvSpPr/>
-          <p:nvPr/>
-        </p:nvSpPr>
-        <p:spPr>
-          <a:xfrm>
-            <a:off x="9492949" y="2994297"/>
-            <a:ext cx="1707519" cy="353943"/>
-          </a:xfrm>
-          <a:prstGeom prst="rect">
-            <a:avLst/>
-          </a:prstGeom>
-        </p:spPr>
-        <p:txBody>
-          <a:bodyPr wrap="none">
-            <a:spAutoFit/>
-          </a:bodyPr>
-          <a:lstStyle/>
-          <a:p>
-            <a:r>
-              <a:rPr lang="en-GB" sz="1700" dirty="0" err="1">
-                <a:latin typeface="Futura"/>
-              </a:rPr>
-              <a:t>trainFeat</a:t>
-            </a:r>
-            <a:r>
-              <a:rPr lang="en-GB" sz="1700" dirty="0">
-                <a:latin typeface="Futura"/>
-              </a:rPr>
-              <a:t> (sub)</a:t>
-            </a:r>
-          </a:p>
-        </p:txBody>
-      </p:sp>
-      <p:sp>
-        <p:nvSpPr>
-          <p:cNvPr id="20" name="Rectangle 19">
-            <a:extLst>
-              <a:ext uri="{FF2B5EF4-FFF2-40B4-BE49-F238E27FC236}">
-                <a16:creationId xmlns:a16="http://schemas.microsoft.com/office/drawing/2014/main" id="{028E5AFC-B17F-44AD-B083-B996CA709553}"/>
-              </a:ext>
-            </a:extLst>
-          </p:cNvPr>
-          <p:cNvSpPr/>
-          <p:nvPr/>
-        </p:nvSpPr>
-        <p:spPr>
-          <a:xfrm>
-            <a:off x="9492949" y="3286748"/>
-            <a:ext cx="1317990" cy="353943"/>
-          </a:xfrm>
-          <a:prstGeom prst="rect">
-            <a:avLst/>
-          </a:prstGeom>
-        </p:spPr>
-        <p:txBody>
-          <a:bodyPr wrap="none">
-            <a:spAutoFit/>
-          </a:bodyPr>
-          <a:lstStyle/>
-          <a:p>
-            <a:r>
-              <a:rPr lang="en-GB" sz="1700" dirty="0" err="1">
-                <a:latin typeface="Futura"/>
-              </a:rPr>
-              <a:t>trainLabels</a:t>
-            </a:r>
-            <a:endParaRPr lang="en-GB" sz="1700" dirty="0">
-              <a:latin typeface="Futura"/>
-            </a:endParaRPr>
-          </a:p>
-        </p:txBody>
-      </p:sp>
-      <p:sp>
-        <p:nvSpPr>
-          <p:cNvPr id="22" name="Rectangle 21">
-            <a:extLst>
-              <a:ext uri="{FF2B5EF4-FFF2-40B4-BE49-F238E27FC236}">
-                <a16:creationId xmlns:a16="http://schemas.microsoft.com/office/drawing/2014/main" id="{D9770CF5-6A75-43E6-9D91-60CE9440E7E9}"/>
-              </a:ext>
-            </a:extLst>
-          </p:cNvPr>
-          <p:cNvSpPr/>
-          <p:nvPr/>
-        </p:nvSpPr>
-        <p:spPr>
-          <a:xfrm>
-            <a:off x="9473896" y="3884014"/>
-            <a:ext cx="1226618" cy="353943"/>
-          </a:xfrm>
-          <a:prstGeom prst="rect">
-            <a:avLst/>
-          </a:prstGeom>
-        </p:spPr>
-        <p:txBody>
-          <a:bodyPr wrap="none">
-            <a:spAutoFit/>
-          </a:bodyPr>
-          <a:lstStyle/>
-          <a:p>
-            <a:r>
-              <a:rPr lang="en-GB" sz="1700" dirty="0" err="1">
-                <a:latin typeface="Futura"/>
-              </a:rPr>
-              <a:t>testLabels</a:t>
-            </a:r>
-            <a:endParaRPr lang="en-GB" sz="1700" dirty="0">
-              <a:latin typeface="Futura"/>
-            </a:endParaRPr>
-          </a:p>
-        </p:txBody>
-      </p:sp>
-      <p:sp>
-        <p:nvSpPr>
-          <p:cNvPr id="23" name="Rectangle 22">
-            <a:extLst>
-              <a:ext uri="{FF2B5EF4-FFF2-40B4-BE49-F238E27FC236}">
-                <a16:creationId xmlns:a16="http://schemas.microsoft.com/office/drawing/2014/main" id="{E2DBA619-D70F-4CBF-9E6E-865DCEC97B8A}"/>
-              </a:ext>
-            </a:extLst>
-          </p:cNvPr>
-          <p:cNvSpPr/>
-          <p:nvPr/>
-        </p:nvSpPr>
-        <p:spPr>
-          <a:xfrm>
-            <a:off x="9473896" y="3574690"/>
-            <a:ext cx="1394934" cy="353943"/>
-          </a:xfrm>
-          <a:prstGeom prst="rect">
-            <a:avLst/>
-          </a:prstGeom>
-        </p:spPr>
-        <p:txBody>
-          <a:bodyPr wrap="none">
-            <a:spAutoFit/>
-          </a:bodyPr>
-          <a:lstStyle/>
-          <a:p>
-            <a:r>
-              <a:rPr lang="en-GB" sz="1700" dirty="0" err="1">
-                <a:latin typeface="Futura"/>
-              </a:rPr>
-              <a:t>testFeatsub</a:t>
-            </a:r>
-            <a:endParaRPr lang="en-GB" sz="1700" dirty="0">
-              <a:latin typeface="Futura"/>
-            </a:endParaRPr>
-          </a:p>
-        </p:txBody>
-      </p:sp>
-      <p:sp>
-        <p:nvSpPr>
-          <p:cNvPr id="24" name="Rectangle 23">
-            <a:extLst>
-              <a:ext uri="{FF2B5EF4-FFF2-40B4-BE49-F238E27FC236}">
-                <a16:creationId xmlns:a16="http://schemas.microsoft.com/office/drawing/2014/main" id="{0178521A-2E19-40B1-84E9-6391439B5B84}"/>
-              </a:ext>
-            </a:extLst>
-          </p:cNvPr>
-          <p:cNvSpPr/>
-          <p:nvPr/>
-        </p:nvSpPr>
-        <p:spPr>
-          <a:xfrm>
-            <a:off x="9458593" y="4472890"/>
-            <a:ext cx="1721946" cy="353943"/>
-          </a:xfrm>
-          <a:prstGeom prst="rect">
-            <a:avLst/>
-          </a:prstGeom>
-        </p:spPr>
-        <p:txBody>
-          <a:bodyPr wrap="none">
-            <a:spAutoFit/>
-          </a:bodyPr>
-          <a:lstStyle/>
-          <a:p>
-            <a:r>
-              <a:rPr lang="en-GB" sz="1700" dirty="0" err="1">
-                <a:latin typeface="Futura"/>
-              </a:rPr>
-              <a:t>validateLabels</a:t>
-            </a:r>
-            <a:endParaRPr lang="en-GB" sz="1700" dirty="0">
-              <a:latin typeface="Futura"/>
-            </a:endParaRPr>
-          </a:p>
-        </p:txBody>
-      </p:sp>
-      <p:sp>
-        <p:nvSpPr>
-          <p:cNvPr id="25" name="Rectangle 24">
-            <a:extLst>
-              <a:ext uri="{FF2B5EF4-FFF2-40B4-BE49-F238E27FC236}">
-                <a16:creationId xmlns:a16="http://schemas.microsoft.com/office/drawing/2014/main" id="{0BAD2448-1352-4779-A18C-AB322DE6694F}"/>
-              </a:ext>
-            </a:extLst>
-          </p:cNvPr>
-          <p:cNvSpPr/>
-          <p:nvPr/>
-        </p:nvSpPr>
-        <p:spPr>
-          <a:xfrm>
-            <a:off x="9473896" y="4189072"/>
-            <a:ext cx="1890261" cy="353943"/>
-          </a:xfrm>
-          <a:prstGeom prst="rect">
-            <a:avLst/>
-          </a:prstGeom>
-        </p:spPr>
-        <p:txBody>
-          <a:bodyPr wrap="none">
-            <a:spAutoFit/>
-          </a:bodyPr>
-          <a:lstStyle/>
-          <a:p>
-            <a:r>
-              <a:rPr lang="en-GB" sz="1700" dirty="0" err="1">
-                <a:latin typeface="Futura"/>
-              </a:rPr>
-              <a:t>validateFeatsub</a:t>
-            </a:r>
-            <a:endParaRPr lang="en-GB" sz="1700" dirty="0">
-              <a:latin typeface="Futura"/>
-            </a:endParaRPr>
-          </a:p>
-        </p:txBody>
-      </p:sp>
-      <p:sp>
-        <p:nvSpPr>
-          <p:cNvPr id="26" name="Rectangle 25">
-            <a:extLst>
-              <a:ext uri="{FF2B5EF4-FFF2-40B4-BE49-F238E27FC236}">
-                <a16:creationId xmlns:a16="http://schemas.microsoft.com/office/drawing/2014/main" id="{F3CEC172-9762-4F1F-9582-F4DDFBF735CE}"/>
-              </a:ext>
-            </a:extLst>
-          </p:cNvPr>
-          <p:cNvSpPr/>
-          <p:nvPr/>
-        </p:nvSpPr>
-        <p:spPr>
-          <a:xfrm>
-            <a:off x="7692802" y="3129653"/>
-            <a:ext cx="1560042" cy="353943"/>
-          </a:xfrm>
-          <a:prstGeom prst="rect">
-            <a:avLst/>
-          </a:prstGeom>
-        </p:spPr>
-        <p:txBody>
-          <a:bodyPr wrap="none">
-            <a:spAutoFit/>
-          </a:bodyPr>
-          <a:lstStyle/>
-          <a:p>
-            <a:r>
-              <a:rPr lang="en-GB" sz="1700" dirty="0" err="1">
-                <a:latin typeface="Futura"/>
-              </a:rPr>
-              <a:t>trainDataCur</a:t>
-            </a:r>
-            <a:endParaRPr lang="en-GB" sz="1700" dirty="0">
-              <a:latin typeface="Futura"/>
-            </a:endParaRPr>
-          </a:p>
-        </p:txBody>
-      </p:sp>
-      <p:sp>
-        <p:nvSpPr>
-          <p:cNvPr id="53" name="Rectangle 52">
-            <a:extLst>
-              <a:ext uri="{FF2B5EF4-FFF2-40B4-BE49-F238E27FC236}">
-                <a16:creationId xmlns:a16="http://schemas.microsoft.com/office/drawing/2014/main" id="{33982F88-D912-4B22-8853-3645E34475A4}"/>
-              </a:ext>
-            </a:extLst>
-          </p:cNvPr>
-          <p:cNvSpPr/>
-          <p:nvPr/>
-        </p:nvSpPr>
-        <p:spPr>
-          <a:xfrm>
-            <a:off x="228600" y="6359452"/>
-            <a:ext cx="2063385" cy="338554"/>
-          </a:xfrm>
-          <a:prstGeom prst="rect">
-            <a:avLst/>
-          </a:prstGeom>
-        </p:spPr>
-        <p:txBody>
-          <a:bodyPr wrap="none">
-            <a:spAutoFit/>
-          </a:bodyPr>
-          <a:lstStyle/>
-          <a:p>
-            <a:r>
-              <a:rPr lang="it-IT" sz="1600" dirty="0">
-                <a:latin typeface="Futura"/>
-                <a:ea typeface="Microsoft Sans Serif" panose="020B0604020202020204" pitchFamily="34" charset="0"/>
-                <a:cs typeface="Microsoft Sans Serif" panose="020B0604020202020204" pitchFamily="34" charset="0"/>
-              </a:rPr>
-              <a:t>Lorenzo Carlassara</a:t>
-            </a:r>
-          </a:p>
-        </p:txBody>
-      </p:sp>
-      <p:pic>
-        <p:nvPicPr>
-          <p:cNvPr id="54" name="Picture 53">
-            <a:extLst>
-              <a:ext uri="{FF2B5EF4-FFF2-40B4-BE49-F238E27FC236}">
-                <a16:creationId xmlns:a16="http://schemas.microsoft.com/office/drawing/2014/main" id="{317F43A1-DDCB-4A3A-A584-62DEF7F10D04}"/>
-              </a:ext>
-            </a:extLst>
-          </p:cNvPr>
-          <p:cNvPicPr>
-            <a:picLocks noChangeAspect="1"/>
-          </p:cNvPicPr>
-          <p:nvPr/>
-        </p:nvPicPr>
-        <p:blipFill rotWithShape="1">
-          <a:blip r:embed="rId5">
-            <a:extLst>
-              <a:ext uri="{28A0092B-C50C-407E-A947-70E740481C1C}">
-                <a14:useLocalDpi xmlns:a14="http://schemas.microsoft.com/office/drawing/2010/main" val="0"/>
-              </a:ext>
-            </a:extLst>
-          </a:blip>
-          <a:srcRect l="25190" r="25955" b="38216"/>
-          <a:stretch/>
-        </p:blipFill>
-        <p:spPr>
-          <a:xfrm>
-            <a:off x="10734080" y="6172326"/>
-            <a:ext cx="677505" cy="627889"/>
-          </a:xfrm>
-          <a:prstGeom prst="rect">
-            <a:avLst/>
-          </a:prstGeom>
-        </p:spPr>
-      </p:pic>
-      <p:pic>
-        <p:nvPicPr>
-          <p:cNvPr id="55" name="Picture 54">
-            <a:extLst>
-              <a:ext uri="{FF2B5EF4-FFF2-40B4-BE49-F238E27FC236}">
-                <a16:creationId xmlns:a16="http://schemas.microsoft.com/office/drawing/2014/main" id="{291AF232-DD72-49E1-A7EB-36C8BD9B1995}"/>
-              </a:ext>
-            </a:extLst>
-          </p:cNvPr>
-          <p:cNvPicPr>
-            <a:picLocks noChangeAspect="1"/>
-          </p:cNvPicPr>
-          <p:nvPr/>
-        </p:nvPicPr>
-        <p:blipFill>
-          <a:blip r:embed="rId6" cstate="print">
-            <a:extLst>
-              <a:ext uri="{28A0092B-C50C-407E-A947-70E740481C1C}">
-                <a14:useLocalDpi xmlns:a14="http://schemas.microsoft.com/office/drawing/2010/main" val="0"/>
-              </a:ext>
-            </a:extLst>
-          </a:blip>
-          <a:stretch>
-            <a:fillRect/>
-          </a:stretch>
-        </p:blipFill>
-        <p:spPr>
-          <a:xfrm>
             <a:off x="11506200" y="6172200"/>
             <a:ext cx="628015" cy="628015"/>
           </a:xfrm>
@@ -7542,7 +7455,7 @@
         </p:nvSpPr>
         <p:spPr>
           <a:xfrm>
-            <a:off x="7026738" y="940394"/>
+            <a:off x="6995409" y="811922"/>
             <a:ext cx="2686954" cy="369332"/>
           </a:xfrm>
           <a:prstGeom prst="rect">
@@ -7623,7 +7536,7 @@
         </p:nvSpPr>
         <p:spPr>
           <a:xfrm>
-            <a:off x="914400" y="1066800"/>
+            <a:off x="1066800" y="1143000"/>
             <a:ext cx="7643439" cy="3754874"/>
           </a:xfrm>
           <a:prstGeom prst="rect">
@@ -7942,7 +7855,19 @@
               <a:rPr lang="it-IT" sz="1700" dirty="0">
                 <a:latin typeface="Futura"/>
               </a:rPr>
-              <a:t> (MULTICORE)</a:t>
+              <a:t> (</a:t>
+            </a:r>
+            <a:r>
+              <a:rPr lang="it-IT" sz="1700" dirty="0" err="1">
+                <a:latin typeface="Futura"/>
+              </a:rPr>
+              <a:t>multicore</a:t>
+            </a:r>
+            <a:r>
+              <a:rPr lang="it-IT" sz="1700" dirty="0">
+                <a:latin typeface="Futura"/>
+              </a:rPr>
+              <a:t>)</a:t>
             </a:r>
           </a:p>
           <a:p>
@@ -7975,7 +7900,19 @@
               <a:rPr lang="it-IT" sz="1700" dirty="0">
                 <a:latin typeface="Futura"/>
               </a:rPr>
-              <a:t> (MULTICORE)</a:t>
+              <a:t> (</a:t>
+            </a:r>
+            <a:r>
+              <a:rPr lang="it-IT" sz="1700" dirty="0" err="1">
+                <a:latin typeface="Futura"/>
+              </a:rPr>
+              <a:t>multicore</a:t>
+            </a:r>
+            <a:r>
+              <a:rPr lang="it-IT" sz="1700" dirty="0">
+                <a:latin typeface="Futura"/>
+              </a:rPr>
+              <a:t>)</a:t>
             </a:r>
           </a:p>
           <a:p>
@@ -8014,7 +7951,19 @@
               <a:rPr lang="it-IT" sz="1700" dirty="0">
                 <a:latin typeface="Futura"/>
               </a:rPr>
-              <a:t> (MULTICORE)</a:t>
+              <a:t> (</a:t>
+            </a:r>
+            <a:r>
+              <a:rPr lang="it-IT" sz="1700" dirty="0" err="1">
+                <a:latin typeface="Futura"/>
+              </a:rPr>
+              <a:t>multicore</a:t>
+            </a:r>
+            <a:r>
+              <a:rPr lang="it-IT" sz="1700" dirty="0">
+                <a:latin typeface="Futura"/>
+              </a:rPr>
+              <a:t>)</a:t>
             </a:r>
           </a:p>
           <a:p>
@@ -8043,8 +7992,23 @@
               <a:rPr lang="it-IT" sz="1700" dirty="0">
                 <a:latin typeface="Futura"/>
               </a:rPr>
-              <a:t> (MULTICORE)</a:t>
-            </a:r>
+              <a:t> (</a:t>
+            </a:r>
+            <a:r>
+              <a:rPr lang="it-IT" sz="1700" dirty="0" err="1">
+                <a:latin typeface="Futura"/>
+              </a:rPr>
+              <a:t>multicore</a:t>
+            </a:r>
+            <a:r>
+              <a:rPr lang="it-IT" sz="1700">
+                <a:latin typeface="Futura"/>
+              </a:rPr>
+              <a:t>)</a:t>
+            </a:r>
+            <a:endParaRPr lang="it-IT" sz="1700" dirty="0">
+              <a:latin typeface="Futura"/>
+            </a:endParaRPr>
           </a:p>
         </p:txBody>
       </p:sp>
@@ -8120,7 +8084,7 @@
         </p:blipFill>
         <p:spPr>
           <a:xfrm>
-            <a:off x="4648200" y="2944237"/>
+            <a:off x="4800600" y="3028353"/>
             <a:ext cx="1895753" cy="286483"/>
           </a:xfrm>
           <a:prstGeom prst="rect">
@@ -8149,7 +8113,7 @@
         </p:blipFill>
         <p:spPr>
           <a:xfrm>
-            <a:off x="7315200" y="3446380"/>
+            <a:off x="7467600" y="3522580"/>
             <a:ext cx="2207679" cy="283721"/>
           </a:xfrm>
           <a:prstGeom prst="rect">
@@ -8178,7 +8142,7 @@
         </p:blipFill>
         <p:spPr>
           <a:xfrm>
-            <a:off x="6647452" y="3446380"/>
+            <a:off x="6799852" y="3522580"/>
             <a:ext cx="484495" cy="283721"/>
           </a:xfrm>
           <a:prstGeom prst="rect">
@@ -8207,7 +8171,7 @@
         </p:blipFill>
         <p:spPr>
           <a:xfrm>
-            <a:off x="4648200" y="3446380"/>
+            <a:off x="4800600" y="3522580"/>
             <a:ext cx="1815999" cy="283721"/>
           </a:xfrm>
           <a:prstGeom prst="rect">
@@ -10583,11 +10547,12 @@
 </file>
 
 <file path=customXml/item1.xml><?xml version="1.0" encoding="utf-8"?>
-<p:properties xmlns:p="http://schemas.microsoft.com/office/2006/metadata/properties" xmlns:xsi="http://www.w3.org/2001/XMLSchema-instance" xmlns:pc="http://schemas.microsoft.com/office/infopath/2007/PartnerControls">
-  <documentManagement>
-    <_activity xmlns="c9eab120-891d-4e75-bbb7-983661d36c9c" xsi:nil="true"/>
-  </documentManagement>
-</p:properties>
+<?mso-contentType ?>
+<FormTemplates xmlns="http://schemas.microsoft.com/sharepoint/v3/contenttype/forms">
+  <Display>DocumentLibraryForm</Display>
+  <Edit>DocumentLibraryForm</Edit>
+  <New>DocumentLibraryForm</New>
+</FormTemplates>
 </file>
 
 <file path=customXml/item2.xml><?xml version="1.0" encoding="utf-8"?>
@@ -10820,27 +10785,17 @@
 </file>
 
 <file path=customXml/item3.xml><?xml version="1.0" encoding="utf-8"?>
-<?mso-contentType ?>
-<FormTemplates xmlns="http://schemas.microsoft.com/sharepoint/v3/contenttype/forms">
-  <Display>DocumentLibraryForm</Display>
-  <Edit>DocumentLibraryForm</Edit>
-  <New>DocumentLibraryForm</New>
-</FormTemplates>
+<p:properties xmlns:p="http://schemas.microsoft.com/office/2006/metadata/properties" xmlns:xsi="http://www.w3.org/2001/XMLSchema-instance" xmlns:pc="http://schemas.microsoft.com/office/infopath/2007/PartnerControls">
+  <documentManagement>
+    <_activity xmlns="c9eab120-891d-4e75-bbb7-983661d36c9c" xsi:nil="true"/>
+  </documentManagement>
+</p:properties>
 </file>
 
 <file path=customXml/itemProps1.xml><?xml version="1.0" encoding="utf-8"?>
-<ds:datastoreItem xmlns:ds="http://schemas.openxmlformats.org/officeDocument/2006/customXml" ds:itemID="{0935546A-FCFF-49CF-A534-6766F9A5EAFB}">
+<ds:datastoreItem xmlns:ds="http://schemas.openxmlformats.org/officeDocument/2006/customXml" ds:itemID="{29D72105-E419-4657-8EC8-6C73137ECF2E}">
   <ds:schemaRefs>
-    <ds:schemaRef ds:uri="http://schemas.openxmlformats.org/package/2006/metadata/core-properties"/>
-    <ds:schemaRef ds:uri="c9eab120-891d-4e75-bbb7-983661d36c9c"/>
-    <ds:schemaRef ds:uri="http://purl.org/dc/terms/"/>
-    <ds:schemaRef ds:uri="http://schemas.microsoft.com/office/2006/documentManagement/types"/>
-    <ds:schemaRef ds:uri="http://schemas.microsoft.com/office/infopath/2007/PartnerControls"/>
-    <ds:schemaRef ds:uri="http://purl.org/dc/elements/1.1/"/>
-    <ds:schemaRef ds:uri="2cbdb79f-05cb-4beb-bf79-a6aafc29ddd5"/>
-    <ds:schemaRef ds:uri="http://www.w3.org/XML/1998/namespace"/>
-    <ds:schemaRef ds:uri="http://schemas.microsoft.com/office/2006/metadata/properties"/>
-    <ds:schemaRef ds:uri="http://purl.org/dc/dcmitype/"/>
+    <ds:schemaRef ds:uri="http://schemas.microsoft.com/sharepoint/v3/contenttype/forms"/>
   </ds:schemaRefs>
 </ds:datastoreItem>
 </file>
@@ -10865,9 +10820,18 @@
 </file>
 
 <file path=customXml/itemProps3.xml><?xml version="1.0" encoding="utf-8"?>
-<ds:datastoreItem xmlns:ds="http://schemas.openxmlformats.org/officeDocument/2006/customXml" ds:itemID="{29D72105-E419-4657-8EC8-6C73137ECF2E}">
+<ds:datastoreItem xmlns:ds="http://schemas.openxmlformats.org/officeDocument/2006/customXml" ds:itemID="{0935546A-FCFF-49CF-A534-6766F9A5EAFB}">
   <ds:schemaRefs>
-    <ds:schemaRef ds:uri="http://schemas.microsoft.com/sharepoint/v3/contenttype/forms"/>
+    <ds:schemaRef ds:uri="http://schemas.openxmlformats.org/package/2006/metadata/core-properties"/>
+    <ds:schemaRef ds:uri="c9eab120-891d-4e75-bbb7-983661d36c9c"/>
+    <ds:schemaRef ds:uri="http://purl.org/dc/terms/"/>
+    <ds:schemaRef ds:uri="http://schemas.microsoft.com/office/2006/documentManagement/types"/>
+    <ds:schemaRef ds:uri="http://schemas.microsoft.com/office/infopath/2007/PartnerControls"/>
+    <ds:schemaRef ds:uri="http://purl.org/dc/elements/1.1/"/>
+    <ds:schemaRef ds:uri="2cbdb79f-05cb-4beb-bf79-a6aafc29ddd5"/>
+    <ds:schemaRef ds:uri="http://www.w3.org/XML/1998/namespace"/>
+    <ds:schemaRef ds:uri="http://schemas.microsoft.com/office/2006/metadata/properties"/>
+    <ds:schemaRef ds:uri="http://purl.org/dc/dcmitype/"/>
   </ds:schemaRefs>
 </ds:datastoreItem>
 </file>
--- a/presentation_CARLASSARA_10601118.pptx
+++ b/presentation_CARLASSARA_10601118.pptx
@@ -5,26 +5,25 @@
     <p:sldMasterId id="2147483648" r:id="rId4"/>
   </p:sldMasterIdLst>
   <p:notesMasterIdLst>
-    <p:notesMasterId r:id="rId22"/>
+    <p:notesMasterId r:id="rId21"/>
   </p:notesMasterIdLst>
   <p:sldIdLst>
     <p:sldId id="256" r:id="rId5"/>
-    <p:sldId id="310" r:id="rId6"/>
-    <p:sldId id="313" r:id="rId7"/>
-    <p:sldId id="309" r:id="rId8"/>
-    <p:sldId id="311" r:id="rId9"/>
-    <p:sldId id="314" r:id="rId10"/>
-    <p:sldId id="312" r:id="rId11"/>
-    <p:sldId id="315" r:id="rId12"/>
+    <p:sldId id="313" r:id="rId6"/>
+    <p:sldId id="309" r:id="rId7"/>
+    <p:sldId id="311" r:id="rId8"/>
+    <p:sldId id="314" r:id="rId9"/>
+    <p:sldId id="312" r:id="rId10"/>
+    <p:sldId id="315" r:id="rId11"/>
+    <p:sldId id="310" r:id="rId12"/>
     <p:sldId id="319" r:id="rId13"/>
-    <p:sldId id="320" r:id="rId14"/>
-    <p:sldId id="323" r:id="rId15"/>
-    <p:sldId id="326" r:id="rId16"/>
-    <p:sldId id="321" r:id="rId17"/>
-    <p:sldId id="316" r:id="rId18"/>
-    <p:sldId id="327" r:id="rId19"/>
-    <p:sldId id="328" r:id="rId20"/>
-    <p:sldId id="287" r:id="rId21"/>
+    <p:sldId id="323" r:id="rId14"/>
+    <p:sldId id="326" r:id="rId15"/>
+    <p:sldId id="321" r:id="rId16"/>
+    <p:sldId id="316" r:id="rId17"/>
+    <p:sldId id="327" r:id="rId18"/>
+    <p:sldId id="328" r:id="rId19"/>
+    <p:sldId id="287" r:id="rId20"/>
   </p:sldIdLst>
   <p:sldSz cx="12192000" cy="6858000"/>
   <p:notesSz cx="12192000" cy="6858000"/>
@@ -131,7 +130,7 @@
             <a:srgbClr val="A4A3A4"/>
           </p15:clr>
         </p15:guide>
-        <p15:guide id="4" pos="7440" userDrawn="1">
+        <p15:guide id="4" pos="6192" userDrawn="1">
           <p15:clr>
             <a:srgbClr val="A4A3A4"/>
           </p15:clr>
@@ -141,12 +140,12 @@
             <a:srgbClr val="A4A3A4"/>
           </p15:clr>
         </p15:guide>
-        <p15:guide id="6" orient="horz" pos="1104" userDrawn="1">
+        <p15:guide id="6" orient="horz" pos="1248" userDrawn="1">
           <p15:clr>
             <a:srgbClr val="A4A3A4"/>
           </p15:clr>
         </p15:guide>
-        <p15:guide id="7" pos="240" userDrawn="1">
+        <p15:guide id="7" pos="528" userDrawn="1">
           <p15:clr>
             <a:srgbClr val="A4A3A4"/>
           </p15:clr>
@@ -2486,12 +2485,55 @@
           <a:chExt cx="0" cy="0"/>
         </a:xfrm>
       </p:grpSpPr>
+      <p:sp>
+        <p:nvSpPr>
+          <p:cNvPr id="18" name="Rectangle 17">
+            <a:extLst>
+              <a:ext uri="{FF2B5EF4-FFF2-40B4-BE49-F238E27FC236}">
+                <a16:creationId xmlns:a16="http://schemas.microsoft.com/office/drawing/2014/main" id="{00681E6F-C40A-4ED0-9D53-D34104B4964F}"/>
+              </a:ext>
+            </a:extLst>
+          </p:cNvPr>
+          <p:cNvSpPr/>
+          <p:nvPr/>
+        </p:nvSpPr>
+        <p:spPr>
+          <a:xfrm>
+            <a:off x="228600" y="6359452"/>
+            <a:ext cx="2063385" cy="338554"/>
+          </a:xfrm>
+          <a:prstGeom prst="rect">
+            <a:avLst/>
+          </a:prstGeom>
+        </p:spPr>
+        <p:txBody>
+          <a:bodyPr wrap="none">
+            <a:spAutoFit/>
+          </a:bodyPr>
+          <a:lstStyle/>
+          <a:p>
+            <a:r>
+              <a:rPr lang="it-IT" sz="1600">
+                <a:latin typeface="Futura"/>
+                <a:ea typeface="Microsoft Sans Serif" panose="020B0604020202020204" pitchFamily="34" charset="0"/>
+                <a:cs typeface="Microsoft Sans Serif" panose="020B0604020202020204" pitchFamily="34" charset="0"/>
+              </a:rPr>
+              <a:t>Lorenzo Carlassara</a:t>
+            </a:r>
+            <a:endParaRPr lang="it-IT" sz="1600" dirty="0">
+              <a:latin typeface="Futura"/>
+              <a:ea typeface="Microsoft Sans Serif" panose="020B0604020202020204" pitchFamily="34" charset="0"/>
+              <a:cs typeface="Microsoft Sans Serif" panose="020B0604020202020204" pitchFamily="34" charset="0"/>
+            </a:endParaRPr>
+          </a:p>
+        </p:txBody>
+      </p:sp>
       <p:pic>
         <p:nvPicPr>
-          <p:cNvPr id="7" name="Picture 6">
+          <p:cNvPr id="19" name="Picture 18">
             <a:extLst>
               <a:ext uri="{FF2B5EF4-FFF2-40B4-BE49-F238E27FC236}">
-                <a16:creationId xmlns:a16="http://schemas.microsoft.com/office/drawing/2014/main" id="{B220E16B-DFF0-42A7-836E-E7D494F2B637}"/>
+                <a16:creationId xmlns:a16="http://schemas.microsoft.com/office/drawing/2014/main" id="{B2B2A884-A15F-4E1B-9F93-24E6A16C5246}"/>
               </a:ext>
             </a:extLst>
           </p:cNvPr>
@@ -2500,8 +2542,43 @@
           </p:cNvPicPr>
           <p:nvPr/>
         </p:nvPicPr>
+        <p:blipFill rotWithShape="1">
+          <a:blip r:embed="rId2">
+            <a:extLst>
+              <a:ext uri="{28A0092B-C50C-407E-A947-70E740481C1C}">
+                <a14:useLocalDpi xmlns:a14="http://schemas.microsoft.com/office/drawing/2010/main" val="0"/>
+              </a:ext>
+            </a:extLst>
+          </a:blip>
+          <a:srcRect l="25190" r="25955" b="38216"/>
+          <a:stretch/>
+        </p:blipFill>
+        <p:spPr>
+          <a:xfrm>
+            <a:off x="10734080" y="6172326"/>
+            <a:ext cx="677505" cy="627889"/>
+          </a:xfrm>
+          <a:prstGeom prst="rect">
+            <a:avLst/>
+          </a:prstGeom>
+        </p:spPr>
+      </p:pic>
+      <p:pic>
+        <p:nvPicPr>
+          <p:cNvPr id="20" name="Picture 19">
+            <a:extLst>
+              <a:ext uri="{FF2B5EF4-FFF2-40B4-BE49-F238E27FC236}">
+                <a16:creationId xmlns:a16="http://schemas.microsoft.com/office/drawing/2014/main" id="{1DBAE88E-FFC9-4BC0-9DE5-9B7CA7691256}"/>
+              </a:ext>
+            </a:extLst>
+          </p:cNvPr>
+          <p:cNvPicPr>
+            <a:picLocks noChangeAspect="1"/>
+          </p:cNvPicPr>
+          <p:nvPr/>
+        </p:nvPicPr>
         <p:blipFill>
-          <a:blip r:embed="rId2" cstate="print">
+          <a:blip r:embed="rId3" cstate="print">
             <a:extLst>
               <a:ext uri="{28A0092B-C50C-407E-A947-70E740481C1C}">
                 <a14:useLocalDpi xmlns:a14="http://schemas.microsoft.com/office/drawing/2010/main" val="0"/>
@@ -2522,12 +2599,83 @@
           </a:prstGeom>
         </p:spPr>
       </p:pic>
+      <p:sp>
+        <p:nvSpPr>
+          <p:cNvPr id="21" name="Textfeld 99">
+            <a:extLst>
+              <a:ext uri="{FF2B5EF4-FFF2-40B4-BE49-F238E27FC236}">
+                <a16:creationId xmlns:a16="http://schemas.microsoft.com/office/drawing/2014/main" id="{0803C2D1-1B12-4681-99BA-94ACF45F635F}"/>
+              </a:ext>
+            </a:extLst>
+          </p:cNvPr>
+          <p:cNvSpPr txBox="1"/>
+          <p:nvPr/>
+        </p:nvSpPr>
+        <p:spPr>
+          <a:xfrm>
+            <a:off x="-10886" y="152400"/>
+            <a:ext cx="12192000" cy="353943"/>
+          </a:xfrm>
+          <a:prstGeom prst="rect">
+            <a:avLst/>
+          </a:prstGeom>
+          <a:noFill/>
+        </p:spPr>
+        <p:txBody>
+          <a:bodyPr wrap="square" rtlCol="0">
+            <a:spAutoFit/>
+          </a:bodyPr>
+          <a:lstStyle/>
+          <a:p>
+            <a:pPr algn="ctr"/>
+            <a:r>
+              <a:rPr lang="en-US" sz="1700">
+                <a:latin typeface="Futura"/>
+                <a:cs typeface="Times New Roman" panose="02020603050405020304" pitchFamily="18" charset="0"/>
+              </a:rPr>
+              <a:t>Active learning method</a:t>
+            </a:r>
+            <a:r>
+              <a:rPr lang="de-DE" sz="1700">
+                <a:latin typeface="Futura"/>
+                <a:cs typeface="Times New Roman" panose="02020603050405020304" pitchFamily="18" charset="0"/>
+              </a:rPr>
+              <a:t> </a:t>
+            </a:r>
+            <a:r>
+              <a:rPr lang="en-US" sz="1700">
+                <a:latin typeface="Futura"/>
+                <a:cs typeface="Times New Roman" panose="02020603050405020304" pitchFamily="18" charset="0"/>
+              </a:rPr>
+              <a:t>for</a:t>
+            </a:r>
+            <a:r>
+              <a:rPr lang="de-DE" sz="1700">
+                <a:latin typeface="Futura"/>
+                <a:cs typeface="Times New Roman" panose="02020603050405020304" pitchFamily="18" charset="0"/>
+              </a:rPr>
+              <a:t> </a:t>
+            </a:r>
+            <a:r>
+              <a:rPr lang="en-US" sz="1700">
+                <a:latin typeface="Futura"/>
+                <a:cs typeface="Times New Roman" panose="02020603050405020304" pitchFamily="18" charset="0"/>
+              </a:rPr>
+              <a:t>Virtual Support Vector Machine with self-learning constraints</a:t>
+            </a:r>
+            <a:endParaRPr lang="de-DE" sz="1700" dirty="0">
+              <a:latin typeface="Futura"/>
+              <a:cs typeface="Times New Roman" panose="02020603050405020304" pitchFamily="18" charset="0"/>
+            </a:endParaRPr>
+          </a:p>
+        </p:txBody>
+      </p:sp>
       <p:pic>
         <p:nvPicPr>
-          <p:cNvPr id="8" name="Picture 7">
+          <p:cNvPr id="9" name="Picture 8">
             <a:extLst>
               <a:ext uri="{FF2B5EF4-FFF2-40B4-BE49-F238E27FC236}">
-                <a16:creationId xmlns:a16="http://schemas.microsoft.com/office/drawing/2014/main" id="{C300C08F-7400-4B95-9451-8B73FBF2A62E}"/>
+                <a16:creationId xmlns:a16="http://schemas.microsoft.com/office/drawing/2014/main" id="{3C1FB4F2-E763-40AE-8788-8D86F0F83971}"/>
               </a:ext>
             </a:extLst>
           </p:cNvPr>
@@ -2536,43 +2684,8 @@
           </p:cNvPicPr>
           <p:nvPr/>
         </p:nvPicPr>
-        <p:blipFill rotWithShape="1">
-          <a:blip r:embed="rId3">
-            <a:extLst>
-              <a:ext uri="{28A0092B-C50C-407E-A947-70E740481C1C}">
-                <a14:useLocalDpi xmlns:a14="http://schemas.microsoft.com/office/drawing/2010/main" val="0"/>
-              </a:ext>
-            </a:extLst>
-          </a:blip>
-          <a:srcRect l="25190" r="25955" b="38216"/>
-          <a:stretch/>
-        </p:blipFill>
-        <p:spPr>
-          <a:xfrm>
-            <a:off x="8295" y="6172200"/>
-            <a:ext cx="677505" cy="627889"/>
-          </a:xfrm>
-          <a:prstGeom prst="rect">
-            <a:avLst/>
-          </a:prstGeom>
-        </p:spPr>
-      </p:pic>
-      <p:pic>
-        <p:nvPicPr>
-          <p:cNvPr id="4" name="Picture 3">
-            <a:extLst>
-              <a:ext uri="{FF2B5EF4-FFF2-40B4-BE49-F238E27FC236}">
-                <a16:creationId xmlns:a16="http://schemas.microsoft.com/office/drawing/2014/main" id="{2F4AA90F-D82F-4C47-AEF5-D3A0609D33FD}"/>
-              </a:ext>
-            </a:extLst>
-          </p:cNvPr>
-          <p:cNvPicPr>
-            <a:picLocks noChangeAspect="1"/>
-          </p:cNvPicPr>
-          <p:nvPr/>
-        </p:nvPicPr>
         <p:blipFill>
-          <a:blip r:embed="rId4" cstate="print">
+          <a:blip r:embed="rId4">
             <a:extLst>
               <a:ext uri="{28A0092B-C50C-407E-A947-70E740481C1C}">
                 <a14:useLocalDpi xmlns:a14="http://schemas.microsoft.com/office/drawing/2010/main" val="0"/>
@@ -2585,116 +2698,8 @@
         </p:blipFill>
         <p:spPr>
           <a:xfrm>
-            <a:off x="1143000" y="72151"/>
-            <a:ext cx="4191001" cy="3352800"/>
-          </a:xfrm>
-          <a:prstGeom prst="rect">
-            <a:avLst/>
-          </a:prstGeom>
-        </p:spPr>
-      </p:pic>
-      <p:pic>
-        <p:nvPicPr>
-          <p:cNvPr id="5" name="Picture 4">
-            <a:extLst>
-              <a:ext uri="{FF2B5EF4-FFF2-40B4-BE49-F238E27FC236}">
-                <a16:creationId xmlns:a16="http://schemas.microsoft.com/office/drawing/2014/main" id="{1C764EE1-0CED-4D22-B880-E2EA85A25F21}"/>
-              </a:ext>
-            </a:extLst>
-          </p:cNvPr>
-          <p:cNvPicPr>
-            <a:picLocks noChangeAspect="1"/>
-          </p:cNvPicPr>
-          <p:nvPr/>
-        </p:nvPicPr>
-        <p:blipFill>
-          <a:blip r:embed="rId5" cstate="print">
-            <a:extLst>
-              <a:ext uri="{28A0092B-C50C-407E-A947-70E740481C1C}">
-                <a14:useLocalDpi xmlns:a14="http://schemas.microsoft.com/office/drawing/2010/main" val="0"/>
-              </a:ext>
-            </a:extLst>
-          </a:blip>
-          <a:stretch>
-            <a:fillRect/>
-          </a:stretch>
-        </p:blipFill>
-        <p:spPr>
-          <a:xfrm>
-            <a:off x="6849989" y="72151"/>
-            <a:ext cx="4191000" cy="3352800"/>
-          </a:xfrm>
-          <a:prstGeom prst="rect">
-            <a:avLst/>
-          </a:prstGeom>
-        </p:spPr>
-      </p:pic>
-      <p:pic>
-        <p:nvPicPr>
-          <p:cNvPr id="6" name="Picture 5">
-            <a:extLst>
-              <a:ext uri="{FF2B5EF4-FFF2-40B4-BE49-F238E27FC236}">
-                <a16:creationId xmlns:a16="http://schemas.microsoft.com/office/drawing/2014/main" id="{A543A837-245A-4626-A76A-D9F0033D9D26}"/>
-              </a:ext>
-            </a:extLst>
-          </p:cNvPr>
-          <p:cNvPicPr>
-            <a:picLocks noChangeAspect="1"/>
-          </p:cNvPicPr>
-          <p:nvPr/>
-        </p:nvPicPr>
-        <p:blipFill>
-          <a:blip r:embed="rId6" cstate="print">
-            <a:extLst>
-              <a:ext uri="{28A0092B-C50C-407E-A947-70E740481C1C}">
-                <a14:useLocalDpi xmlns:a14="http://schemas.microsoft.com/office/drawing/2010/main" val="0"/>
-              </a:ext>
-            </a:extLst>
-          </a:blip>
-          <a:stretch>
-            <a:fillRect/>
-          </a:stretch>
-        </p:blipFill>
-        <p:spPr>
-          <a:xfrm>
-            <a:off x="1147678" y="3383057"/>
-            <a:ext cx="4191001" cy="3352800"/>
-          </a:xfrm>
-          <a:prstGeom prst="rect">
-            <a:avLst/>
-          </a:prstGeom>
-        </p:spPr>
-      </p:pic>
-      <p:pic>
-        <p:nvPicPr>
-          <p:cNvPr id="9" name="Picture 8">
-            <a:extLst>
-              <a:ext uri="{FF2B5EF4-FFF2-40B4-BE49-F238E27FC236}">
-                <a16:creationId xmlns:a16="http://schemas.microsoft.com/office/drawing/2014/main" id="{BE8D759D-05E7-496D-8480-230A5398986D}"/>
-              </a:ext>
-            </a:extLst>
-          </p:cNvPr>
-          <p:cNvPicPr>
-            <a:picLocks noChangeAspect="1"/>
-          </p:cNvPicPr>
-          <p:nvPr/>
-        </p:nvPicPr>
-        <p:blipFill>
-          <a:blip r:embed="rId7" cstate="print">
-            <a:extLst>
-              <a:ext uri="{28A0092B-C50C-407E-A947-70E740481C1C}">
-                <a14:useLocalDpi xmlns:a14="http://schemas.microsoft.com/office/drawing/2010/main" val="0"/>
-              </a:ext>
-            </a:extLst>
-          </a:blip>
-          <a:stretch>
-            <a:fillRect/>
-          </a:stretch>
-        </p:blipFill>
-        <p:spPr>
-          <a:xfrm>
-            <a:off x="6846023" y="3383057"/>
-            <a:ext cx="4191000" cy="3352800"/>
+            <a:off x="838292" y="838200"/>
+            <a:ext cx="10284483" cy="4620647"/>
           </a:xfrm>
           <a:prstGeom prst="rect">
             <a:avLst/>
@@ -2704,7 +2709,7 @@
     </p:spTree>
     <p:extLst>
       <p:ext uri="{BB962C8B-B14F-4D97-AF65-F5344CB8AC3E}">
-        <p14:creationId xmlns:p14="http://schemas.microsoft.com/office/powerpoint/2010/main" val="3479168626"/>
+        <p14:creationId xmlns:p14="http://schemas.microsoft.com/office/powerpoint/2010/main" val="1582237575"/>
       </p:ext>
     </p:extLst>
   </p:cSld>
@@ -2918,10 +2923,10 @@
       </p:sp>
       <p:pic>
         <p:nvPicPr>
-          <p:cNvPr id="9" name="Picture 8">
+          <p:cNvPr id="25" name="Picture 24">
             <a:extLst>
               <a:ext uri="{FF2B5EF4-FFF2-40B4-BE49-F238E27FC236}">
-                <a16:creationId xmlns:a16="http://schemas.microsoft.com/office/drawing/2014/main" id="{3C1FB4F2-E763-40AE-8788-8D86F0F83971}"/>
+                <a16:creationId xmlns:a16="http://schemas.microsoft.com/office/drawing/2014/main" id="{EAF63E94-62EA-4700-863E-6283E1A78E17}"/>
               </a:ext>
             </a:extLst>
           </p:cNvPr>
@@ -2944,8 +2949,8 @@
         </p:blipFill>
         <p:spPr>
           <a:xfrm>
-            <a:off x="838292" y="838200"/>
-            <a:ext cx="10284483" cy="4620647"/>
+            <a:off x="832501" y="829426"/>
+            <a:ext cx="10060677" cy="5021681"/>
           </a:xfrm>
           <a:prstGeom prst="rect">
             <a:avLst/>
@@ -2955,7 +2960,7 @@
     </p:spTree>
     <p:extLst>
       <p:ext uri="{BB962C8B-B14F-4D97-AF65-F5344CB8AC3E}">
-        <p14:creationId xmlns:p14="http://schemas.microsoft.com/office/powerpoint/2010/main" val="1582237575"/>
+        <p14:creationId xmlns:p14="http://schemas.microsoft.com/office/powerpoint/2010/main" val="1157527144"/>
       </p:ext>
     </p:extLst>
   </p:cSld>
@@ -2982,55 +2987,12 @@
           <a:chExt cx="0" cy="0"/>
         </a:xfrm>
       </p:grpSpPr>
-      <p:sp>
-        <p:nvSpPr>
-          <p:cNvPr id="18" name="Rectangle 17">
-            <a:extLst>
-              <a:ext uri="{FF2B5EF4-FFF2-40B4-BE49-F238E27FC236}">
-                <a16:creationId xmlns:a16="http://schemas.microsoft.com/office/drawing/2014/main" id="{00681E6F-C40A-4ED0-9D53-D34104B4964F}"/>
-              </a:ext>
-            </a:extLst>
-          </p:cNvPr>
-          <p:cNvSpPr/>
-          <p:nvPr/>
-        </p:nvSpPr>
-        <p:spPr>
-          <a:xfrm>
-            <a:off x="228600" y="6359452"/>
-            <a:ext cx="2063385" cy="338554"/>
-          </a:xfrm>
-          <a:prstGeom prst="rect">
-            <a:avLst/>
-          </a:prstGeom>
-        </p:spPr>
-        <p:txBody>
-          <a:bodyPr wrap="none">
-            <a:spAutoFit/>
-          </a:bodyPr>
-          <a:lstStyle/>
-          <a:p>
-            <a:r>
-              <a:rPr lang="it-IT" sz="1600">
-                <a:latin typeface="Futura"/>
-                <a:ea typeface="Microsoft Sans Serif" panose="020B0604020202020204" pitchFamily="34" charset="0"/>
-                <a:cs typeface="Microsoft Sans Serif" panose="020B0604020202020204" pitchFamily="34" charset="0"/>
-              </a:rPr>
-              <a:t>Lorenzo Carlassara</a:t>
-            </a:r>
-            <a:endParaRPr lang="it-IT" sz="1600" dirty="0">
-              <a:latin typeface="Futura"/>
-              <a:ea typeface="Microsoft Sans Serif" panose="020B0604020202020204" pitchFamily="34" charset="0"/>
-              <a:cs typeface="Microsoft Sans Serif" panose="020B0604020202020204" pitchFamily="34" charset="0"/>
-            </a:endParaRPr>
-          </a:p>
-        </p:txBody>
-      </p:sp>
       <p:pic>
         <p:nvPicPr>
-          <p:cNvPr id="19" name="Picture 18">
+          <p:cNvPr id="7" name="Picture 6">
             <a:extLst>
               <a:ext uri="{FF2B5EF4-FFF2-40B4-BE49-F238E27FC236}">
-                <a16:creationId xmlns:a16="http://schemas.microsoft.com/office/drawing/2014/main" id="{B2B2A884-A15F-4E1B-9F93-24E6A16C5246}"/>
+                <a16:creationId xmlns:a16="http://schemas.microsoft.com/office/drawing/2014/main" id="{B220E16B-DFF0-42A7-836E-E7D494F2B637}"/>
               </a:ext>
             </a:extLst>
           </p:cNvPr>
@@ -3039,43 +3001,8 @@
           </p:cNvPicPr>
           <p:nvPr/>
         </p:nvPicPr>
-        <p:blipFill rotWithShape="1">
-          <a:blip r:embed="rId2">
-            <a:extLst>
-              <a:ext uri="{28A0092B-C50C-407E-A947-70E740481C1C}">
-                <a14:useLocalDpi xmlns:a14="http://schemas.microsoft.com/office/drawing/2010/main" val="0"/>
-              </a:ext>
-            </a:extLst>
-          </a:blip>
-          <a:srcRect l="25190" r="25955" b="38216"/>
-          <a:stretch/>
-        </p:blipFill>
-        <p:spPr>
-          <a:xfrm>
-            <a:off x="10734080" y="6172326"/>
-            <a:ext cx="677505" cy="627889"/>
-          </a:xfrm>
-          <a:prstGeom prst="rect">
-            <a:avLst/>
-          </a:prstGeom>
-        </p:spPr>
-      </p:pic>
-      <p:pic>
-        <p:nvPicPr>
-          <p:cNvPr id="20" name="Picture 19">
-            <a:extLst>
-              <a:ext uri="{FF2B5EF4-FFF2-40B4-BE49-F238E27FC236}">
-                <a16:creationId xmlns:a16="http://schemas.microsoft.com/office/drawing/2014/main" id="{1DBAE88E-FFC9-4BC0-9DE5-9B7CA7691256}"/>
-              </a:ext>
-            </a:extLst>
-          </p:cNvPr>
-          <p:cNvPicPr>
-            <a:picLocks noChangeAspect="1"/>
-          </p:cNvPicPr>
-          <p:nvPr/>
-        </p:nvPicPr>
         <p:blipFill>
-          <a:blip r:embed="rId3" cstate="print">
+          <a:blip r:embed="rId2" cstate="print">
             <a:extLst>
               <a:ext uri="{28A0092B-C50C-407E-A947-70E740481C1C}">
                 <a14:useLocalDpi xmlns:a14="http://schemas.microsoft.com/office/drawing/2010/main" val="0"/>
@@ -3096,83 +3023,12 @@
           </a:prstGeom>
         </p:spPr>
       </p:pic>
-      <p:sp>
-        <p:nvSpPr>
-          <p:cNvPr id="21" name="Textfeld 99">
-            <a:extLst>
-              <a:ext uri="{FF2B5EF4-FFF2-40B4-BE49-F238E27FC236}">
-                <a16:creationId xmlns:a16="http://schemas.microsoft.com/office/drawing/2014/main" id="{0803C2D1-1B12-4681-99BA-94ACF45F635F}"/>
-              </a:ext>
-            </a:extLst>
-          </p:cNvPr>
-          <p:cNvSpPr txBox="1"/>
-          <p:nvPr/>
-        </p:nvSpPr>
-        <p:spPr>
-          <a:xfrm>
-            <a:off x="-10886" y="152400"/>
-            <a:ext cx="12192000" cy="353943"/>
-          </a:xfrm>
-          <a:prstGeom prst="rect">
-            <a:avLst/>
-          </a:prstGeom>
-          <a:noFill/>
-        </p:spPr>
-        <p:txBody>
-          <a:bodyPr wrap="square" rtlCol="0">
-            <a:spAutoFit/>
-          </a:bodyPr>
-          <a:lstStyle/>
-          <a:p>
-            <a:pPr algn="ctr"/>
-            <a:r>
-              <a:rPr lang="en-US" sz="1700">
-                <a:latin typeface="Futura"/>
-                <a:cs typeface="Times New Roman" panose="02020603050405020304" pitchFamily="18" charset="0"/>
-              </a:rPr>
-              <a:t>Active learning method</a:t>
-            </a:r>
-            <a:r>
-              <a:rPr lang="de-DE" sz="1700">
-                <a:latin typeface="Futura"/>
-                <a:cs typeface="Times New Roman" panose="02020603050405020304" pitchFamily="18" charset="0"/>
-              </a:rPr>
-              <a:t> </a:t>
-            </a:r>
-            <a:r>
-              <a:rPr lang="en-US" sz="1700">
-                <a:latin typeface="Futura"/>
-                <a:cs typeface="Times New Roman" panose="02020603050405020304" pitchFamily="18" charset="0"/>
-              </a:rPr>
-              <a:t>for</a:t>
-            </a:r>
-            <a:r>
-              <a:rPr lang="de-DE" sz="1700">
-                <a:latin typeface="Futura"/>
-                <a:cs typeface="Times New Roman" panose="02020603050405020304" pitchFamily="18" charset="0"/>
-              </a:rPr>
-              <a:t> </a:t>
-            </a:r>
-            <a:r>
-              <a:rPr lang="en-US" sz="1700">
-                <a:latin typeface="Futura"/>
-                <a:cs typeface="Times New Roman" panose="02020603050405020304" pitchFamily="18" charset="0"/>
-              </a:rPr>
-              <a:t>Virtual Support Vector Machine with self-learning constraints</a:t>
-            </a:r>
-            <a:endParaRPr lang="de-DE" sz="1700" dirty="0">
-              <a:latin typeface="Futura"/>
-              <a:cs typeface="Times New Roman" panose="02020603050405020304" pitchFamily="18" charset="0"/>
-            </a:endParaRPr>
-          </a:p>
-        </p:txBody>
-      </p:sp>
       <p:pic>
         <p:nvPicPr>
-          <p:cNvPr id="25" name="Picture 24">
+          <p:cNvPr id="8" name="Picture 7">
             <a:extLst>
               <a:ext uri="{FF2B5EF4-FFF2-40B4-BE49-F238E27FC236}">
-                <a16:creationId xmlns:a16="http://schemas.microsoft.com/office/drawing/2014/main" id="{EAF63E94-62EA-4700-863E-6283E1A78E17}"/>
+                <a16:creationId xmlns:a16="http://schemas.microsoft.com/office/drawing/2014/main" id="{C300C08F-7400-4B95-9451-8B73FBF2A62E}"/>
               </a:ext>
             </a:extLst>
           </p:cNvPr>
@@ -3181,8 +3037,43 @@
           </p:cNvPicPr>
           <p:nvPr/>
         </p:nvPicPr>
+        <p:blipFill rotWithShape="1">
+          <a:blip r:embed="rId3">
+            <a:extLst>
+              <a:ext uri="{28A0092B-C50C-407E-A947-70E740481C1C}">
+                <a14:useLocalDpi xmlns:a14="http://schemas.microsoft.com/office/drawing/2010/main" val="0"/>
+              </a:ext>
+            </a:extLst>
+          </a:blip>
+          <a:srcRect l="25190" r="25955" b="38216"/>
+          <a:stretch/>
+        </p:blipFill>
+        <p:spPr>
+          <a:xfrm>
+            <a:off x="8295" y="6172200"/>
+            <a:ext cx="677505" cy="627889"/>
+          </a:xfrm>
+          <a:prstGeom prst="rect">
+            <a:avLst/>
+          </a:prstGeom>
+        </p:spPr>
+      </p:pic>
+      <p:pic>
+        <p:nvPicPr>
+          <p:cNvPr id="6" name="Picture 5">
+            <a:extLst>
+              <a:ext uri="{FF2B5EF4-FFF2-40B4-BE49-F238E27FC236}">
+                <a16:creationId xmlns:a16="http://schemas.microsoft.com/office/drawing/2014/main" id="{9DE06DE2-BEA6-4831-BDF1-0316AD477DFF}"/>
+              </a:ext>
+            </a:extLst>
+          </p:cNvPr>
+          <p:cNvPicPr>
+            <a:picLocks noChangeAspect="1"/>
+          </p:cNvPicPr>
+          <p:nvPr/>
+        </p:nvPicPr>
         <p:blipFill>
-          <a:blip r:embed="rId4">
+          <a:blip r:embed="rId4" cstate="print">
             <a:extLst>
               <a:ext uri="{28A0092B-C50C-407E-A947-70E740481C1C}">
                 <a14:useLocalDpi xmlns:a14="http://schemas.microsoft.com/office/drawing/2010/main" val="0"/>
@@ -3195,8 +3086,44 @@
         </p:blipFill>
         <p:spPr>
           <a:xfrm>
-            <a:off x="832501" y="829426"/>
-            <a:ext cx="10060677" cy="5021681"/>
+            <a:off x="6096000" y="304800"/>
+            <a:ext cx="6096000" cy="4876800"/>
+          </a:xfrm>
+          <a:prstGeom prst="rect">
+            <a:avLst/>
+          </a:prstGeom>
+        </p:spPr>
+      </p:pic>
+      <p:pic>
+        <p:nvPicPr>
+          <p:cNvPr id="10" name="Picture 9">
+            <a:extLst>
+              <a:ext uri="{FF2B5EF4-FFF2-40B4-BE49-F238E27FC236}">
+                <a16:creationId xmlns:a16="http://schemas.microsoft.com/office/drawing/2014/main" id="{7311FFA9-ABF0-4776-ACC8-6C4F0827C1F4}"/>
+              </a:ext>
+            </a:extLst>
+          </p:cNvPr>
+          <p:cNvPicPr>
+            <a:picLocks noChangeAspect="1"/>
+          </p:cNvPicPr>
+          <p:nvPr/>
+        </p:nvPicPr>
+        <p:blipFill>
+          <a:blip r:embed="rId5" cstate="print">
+            <a:extLst>
+              <a:ext uri="{28A0092B-C50C-407E-A947-70E740481C1C}">
+                <a14:useLocalDpi xmlns:a14="http://schemas.microsoft.com/office/drawing/2010/main" val="0"/>
+              </a:ext>
+            </a:extLst>
+          </a:blip>
+          <a:stretch>
+            <a:fillRect/>
+          </a:stretch>
+        </p:blipFill>
+        <p:spPr>
+          <a:xfrm>
+            <a:off x="0" y="304800"/>
+            <a:ext cx="6096000" cy="4876800"/>
           </a:xfrm>
           <a:prstGeom prst="rect">
             <a:avLst/>
@@ -3206,7 +3133,7 @@
     </p:spTree>
     <p:extLst>
       <p:ext uri="{BB962C8B-B14F-4D97-AF65-F5344CB8AC3E}">
-        <p14:creationId xmlns:p14="http://schemas.microsoft.com/office/powerpoint/2010/main" val="1157527144"/>
+        <p14:creationId xmlns:p14="http://schemas.microsoft.com/office/powerpoint/2010/main" val="1463249048"/>
       </p:ext>
     </p:extLst>
   </p:cSld>
@@ -3306,10 +3233,10 @@
       </p:pic>
       <p:pic>
         <p:nvPicPr>
-          <p:cNvPr id="6" name="Picture 5">
+          <p:cNvPr id="4" name="Picture 3">
             <a:extLst>
               <a:ext uri="{FF2B5EF4-FFF2-40B4-BE49-F238E27FC236}">
-                <a16:creationId xmlns:a16="http://schemas.microsoft.com/office/drawing/2014/main" id="{9DE06DE2-BEA6-4831-BDF1-0316AD477DFF}"/>
+                <a16:creationId xmlns:a16="http://schemas.microsoft.com/office/drawing/2014/main" id="{D8A99D0B-68D5-480B-B335-D6F6124EA9D5}"/>
               </a:ext>
             </a:extLst>
           </p:cNvPr>
@@ -3332,7 +3259,7 @@
         </p:blipFill>
         <p:spPr>
           <a:xfrm>
-            <a:off x="6096000" y="304800"/>
+            <a:off x="0" y="304800"/>
             <a:ext cx="6096000" cy="4876800"/>
           </a:xfrm>
           <a:prstGeom prst="rect">
@@ -3345,7 +3272,7 @@
           <p:cNvPr id="10" name="Picture 9">
             <a:extLst>
               <a:ext uri="{FF2B5EF4-FFF2-40B4-BE49-F238E27FC236}">
-                <a16:creationId xmlns:a16="http://schemas.microsoft.com/office/drawing/2014/main" id="{7311FFA9-ABF0-4776-ACC8-6C4F0827C1F4}"/>
+                <a16:creationId xmlns:a16="http://schemas.microsoft.com/office/drawing/2014/main" id="{52C055B9-55D4-401E-94FE-CE2D04CDB98B}"/>
               </a:ext>
             </a:extLst>
           </p:cNvPr>
@@ -3368,7 +3295,7 @@
         </p:blipFill>
         <p:spPr>
           <a:xfrm>
-            <a:off x="0" y="304800"/>
+            <a:off x="6096000" y="304800"/>
             <a:ext cx="6096000" cy="4876800"/>
           </a:xfrm>
           <a:prstGeom prst="rect">
@@ -3379,7 +3306,7 @@
     </p:spTree>
     <p:extLst>
       <p:ext uri="{BB962C8B-B14F-4D97-AF65-F5344CB8AC3E}">
-        <p14:creationId xmlns:p14="http://schemas.microsoft.com/office/powerpoint/2010/main" val="1463249048"/>
+        <p14:creationId xmlns:p14="http://schemas.microsoft.com/office/powerpoint/2010/main" val="3832956685"/>
       </p:ext>
     </p:extLst>
   </p:cSld>
@@ -3479,10 +3406,10 @@
       </p:pic>
       <p:pic>
         <p:nvPicPr>
-          <p:cNvPr id="4" name="Picture 3">
+          <p:cNvPr id="10" name="Picture 9">
             <a:extLst>
               <a:ext uri="{FF2B5EF4-FFF2-40B4-BE49-F238E27FC236}">
-                <a16:creationId xmlns:a16="http://schemas.microsoft.com/office/drawing/2014/main" id="{D8A99D0B-68D5-480B-B335-D6F6124EA9D5}"/>
+                <a16:creationId xmlns:a16="http://schemas.microsoft.com/office/drawing/2014/main" id="{B3172DCD-A98B-4CBB-B731-981469F70CF4}"/>
               </a:ext>
             </a:extLst>
           </p:cNvPr>
@@ -3506,7 +3433,7 @@
         <p:spPr>
           <a:xfrm>
             <a:off x="0" y="304800"/>
-            <a:ext cx="6096000" cy="4876800"/>
+            <a:ext cx="6095999" cy="4876799"/>
           </a:xfrm>
           <a:prstGeom prst="rect">
             <a:avLst/>
@@ -3515,10 +3442,10 @@
       </p:pic>
       <p:pic>
         <p:nvPicPr>
-          <p:cNvPr id="10" name="Picture 9">
+          <p:cNvPr id="11" name="Picture 10">
             <a:extLst>
               <a:ext uri="{FF2B5EF4-FFF2-40B4-BE49-F238E27FC236}">
-                <a16:creationId xmlns:a16="http://schemas.microsoft.com/office/drawing/2014/main" id="{52C055B9-55D4-401E-94FE-CE2D04CDB98B}"/>
+                <a16:creationId xmlns:a16="http://schemas.microsoft.com/office/drawing/2014/main" id="{9D4C1F78-7DAC-4A65-97C8-396800C25B3F}"/>
               </a:ext>
             </a:extLst>
           </p:cNvPr>
@@ -3541,8 +3468,8 @@
         </p:blipFill>
         <p:spPr>
           <a:xfrm>
-            <a:off x="6096000" y="304800"/>
-            <a:ext cx="6096000" cy="4876800"/>
+            <a:off x="6095999" y="304800"/>
+            <a:ext cx="6096002" cy="4876801"/>
           </a:xfrm>
           <a:prstGeom prst="rect">
             <a:avLst/>
@@ -3552,7 +3479,7 @@
     </p:spTree>
     <p:extLst>
       <p:ext uri="{BB962C8B-B14F-4D97-AF65-F5344CB8AC3E}">
-        <p14:creationId xmlns:p14="http://schemas.microsoft.com/office/powerpoint/2010/main" val="3832956685"/>
+        <p14:creationId xmlns:p14="http://schemas.microsoft.com/office/powerpoint/2010/main" val="4129571936"/>
       </p:ext>
     </p:extLst>
   </p:cSld>
@@ -3652,179 +3579,6 @@
       </p:pic>
       <p:pic>
         <p:nvPicPr>
-          <p:cNvPr id="10" name="Picture 9">
-            <a:extLst>
-              <a:ext uri="{FF2B5EF4-FFF2-40B4-BE49-F238E27FC236}">
-                <a16:creationId xmlns:a16="http://schemas.microsoft.com/office/drawing/2014/main" id="{B3172DCD-A98B-4CBB-B731-981469F70CF4}"/>
-              </a:ext>
-            </a:extLst>
-          </p:cNvPr>
-          <p:cNvPicPr>
-            <a:picLocks noChangeAspect="1"/>
-          </p:cNvPicPr>
-          <p:nvPr/>
-        </p:nvPicPr>
-        <p:blipFill>
-          <a:blip r:embed="rId4" cstate="print">
-            <a:extLst>
-              <a:ext uri="{28A0092B-C50C-407E-A947-70E740481C1C}">
-                <a14:useLocalDpi xmlns:a14="http://schemas.microsoft.com/office/drawing/2010/main" val="0"/>
-              </a:ext>
-            </a:extLst>
-          </a:blip>
-          <a:stretch>
-            <a:fillRect/>
-          </a:stretch>
-        </p:blipFill>
-        <p:spPr>
-          <a:xfrm>
-            <a:off x="0" y="304800"/>
-            <a:ext cx="6095999" cy="4876799"/>
-          </a:xfrm>
-          <a:prstGeom prst="rect">
-            <a:avLst/>
-          </a:prstGeom>
-        </p:spPr>
-      </p:pic>
-      <p:pic>
-        <p:nvPicPr>
-          <p:cNvPr id="11" name="Picture 10">
-            <a:extLst>
-              <a:ext uri="{FF2B5EF4-FFF2-40B4-BE49-F238E27FC236}">
-                <a16:creationId xmlns:a16="http://schemas.microsoft.com/office/drawing/2014/main" id="{9D4C1F78-7DAC-4A65-97C8-396800C25B3F}"/>
-              </a:ext>
-            </a:extLst>
-          </p:cNvPr>
-          <p:cNvPicPr>
-            <a:picLocks noChangeAspect="1"/>
-          </p:cNvPicPr>
-          <p:nvPr/>
-        </p:nvPicPr>
-        <p:blipFill>
-          <a:blip r:embed="rId5" cstate="print">
-            <a:extLst>
-              <a:ext uri="{28A0092B-C50C-407E-A947-70E740481C1C}">
-                <a14:useLocalDpi xmlns:a14="http://schemas.microsoft.com/office/drawing/2010/main" val="0"/>
-              </a:ext>
-            </a:extLst>
-          </a:blip>
-          <a:stretch>
-            <a:fillRect/>
-          </a:stretch>
-        </p:blipFill>
-        <p:spPr>
-          <a:xfrm>
-            <a:off x="6095999" y="304800"/>
-            <a:ext cx="6096002" cy="4876801"/>
-          </a:xfrm>
-          <a:prstGeom prst="rect">
-            <a:avLst/>
-          </a:prstGeom>
-        </p:spPr>
-      </p:pic>
-    </p:spTree>
-    <p:extLst>
-      <p:ext uri="{BB962C8B-B14F-4D97-AF65-F5344CB8AC3E}">
-        <p14:creationId xmlns:p14="http://schemas.microsoft.com/office/powerpoint/2010/main" val="4129571936"/>
-      </p:ext>
-    </p:extLst>
-  </p:cSld>
-  <p:clrMapOvr>
-    <a:masterClrMapping/>
-  </p:clrMapOvr>
-</p:sld>
-</file>
-
-<file path=ppt/slides/slide16.xml><?xml version="1.0" encoding="utf-8"?>
-<p:sld xmlns:a="http://schemas.openxmlformats.org/drawingml/2006/main" xmlns:r="http://schemas.openxmlformats.org/officeDocument/2006/relationships" xmlns:p="http://schemas.openxmlformats.org/presentationml/2006/main" showMasterSp="0">
-  <p:cSld>
-    <p:spTree>
-      <p:nvGrpSpPr>
-        <p:cNvPr id="1" name=""/>
-        <p:cNvGrpSpPr/>
-        <p:nvPr/>
-      </p:nvGrpSpPr>
-      <p:grpSpPr>
-        <a:xfrm>
-          <a:off x="0" y="0"/>
-          <a:ext cx="0" cy="0"/>
-          <a:chOff x="0" y="0"/>
-          <a:chExt cx="0" cy="0"/>
-        </a:xfrm>
-      </p:grpSpPr>
-      <p:pic>
-        <p:nvPicPr>
-          <p:cNvPr id="7" name="Picture 6">
-            <a:extLst>
-              <a:ext uri="{FF2B5EF4-FFF2-40B4-BE49-F238E27FC236}">
-                <a16:creationId xmlns:a16="http://schemas.microsoft.com/office/drawing/2014/main" id="{B220E16B-DFF0-42A7-836E-E7D494F2B637}"/>
-              </a:ext>
-            </a:extLst>
-          </p:cNvPr>
-          <p:cNvPicPr>
-            <a:picLocks noChangeAspect="1"/>
-          </p:cNvPicPr>
-          <p:nvPr/>
-        </p:nvPicPr>
-        <p:blipFill>
-          <a:blip r:embed="rId2" cstate="print">
-            <a:extLst>
-              <a:ext uri="{28A0092B-C50C-407E-A947-70E740481C1C}">
-                <a14:useLocalDpi xmlns:a14="http://schemas.microsoft.com/office/drawing/2010/main" val="0"/>
-              </a:ext>
-            </a:extLst>
-          </a:blip>
-          <a:stretch>
-            <a:fillRect/>
-          </a:stretch>
-        </p:blipFill>
-        <p:spPr>
-          <a:xfrm>
-            <a:off x="11506200" y="6172200"/>
-            <a:ext cx="628015" cy="628015"/>
-          </a:xfrm>
-          <a:prstGeom prst="rect">
-            <a:avLst/>
-          </a:prstGeom>
-        </p:spPr>
-      </p:pic>
-      <p:pic>
-        <p:nvPicPr>
-          <p:cNvPr id="8" name="Picture 7">
-            <a:extLst>
-              <a:ext uri="{FF2B5EF4-FFF2-40B4-BE49-F238E27FC236}">
-                <a16:creationId xmlns:a16="http://schemas.microsoft.com/office/drawing/2014/main" id="{C300C08F-7400-4B95-9451-8B73FBF2A62E}"/>
-              </a:ext>
-            </a:extLst>
-          </p:cNvPr>
-          <p:cNvPicPr>
-            <a:picLocks noChangeAspect="1"/>
-          </p:cNvPicPr>
-          <p:nvPr/>
-        </p:nvPicPr>
-        <p:blipFill rotWithShape="1">
-          <a:blip r:embed="rId3">
-            <a:extLst>
-              <a:ext uri="{28A0092B-C50C-407E-A947-70E740481C1C}">
-                <a14:useLocalDpi xmlns:a14="http://schemas.microsoft.com/office/drawing/2010/main" val="0"/>
-              </a:ext>
-            </a:extLst>
-          </a:blip>
-          <a:srcRect l="25190" r="25955" b="38216"/>
-          <a:stretch/>
-        </p:blipFill>
-        <p:spPr>
-          <a:xfrm>
-            <a:off x="8295" y="6172200"/>
-            <a:ext cx="677505" cy="627889"/>
-          </a:xfrm>
-          <a:prstGeom prst="rect">
-            <a:avLst/>
-          </a:prstGeom>
-        </p:spPr>
-      </p:pic>
-      <p:pic>
-        <p:nvPicPr>
           <p:cNvPr id="13" name="Picture 12">
             <a:extLst>
               <a:ext uri="{FF2B5EF4-FFF2-40B4-BE49-F238E27FC236}">
@@ -3908,7 +3662,7 @@
 </p:sld>
 </file>
 
-<file path=ppt/slides/slide17.xml><?xml version="1.0" encoding="utf-8"?>
+<file path=ppt/slides/slide16.xml><?xml version="1.0" encoding="utf-8"?>
 <p:sld xmlns:a="http://schemas.openxmlformats.org/drawingml/2006/main" xmlns:r="http://schemas.openxmlformats.org/officeDocument/2006/relationships" xmlns:p="http://schemas.openxmlformats.org/presentationml/2006/main" showMasterSp="0">
   <p:cSld>
     <p:spTree>
@@ -4579,10 +4333,10 @@
       </p:grpSpPr>
       <p:pic>
         <p:nvPicPr>
-          <p:cNvPr id="11" name="Picture 10">
+          <p:cNvPr id="3" name="Picture 2">
             <a:extLst>
               <a:ext uri="{FF2B5EF4-FFF2-40B4-BE49-F238E27FC236}">
-                <a16:creationId xmlns:a16="http://schemas.microsoft.com/office/drawing/2014/main" id="{FE6E73E0-56D2-4533-A864-D6D3653D0D88}"/>
+                <a16:creationId xmlns:a16="http://schemas.microsoft.com/office/drawing/2014/main" id="{5A596279-BFE8-449C-AE2F-17B9FD934671}"/>
               </a:ext>
             </a:extLst>
           </p:cNvPr>
@@ -4591,15 +4345,46 @@
           </p:cNvPicPr>
           <p:nvPr/>
         </p:nvPicPr>
-        <p:blipFill rotWithShape="1">
+        <p:blipFill>
           <a:blip r:embed="rId2"/>
-          <a:srcRect l="252" t="15029" r="22248" b="5464"/>
-          <a:stretch/>
+          <a:stretch>
+            <a:fillRect/>
+          </a:stretch>
         </p:blipFill>
         <p:spPr>
           <a:xfrm>
-            <a:off x="0" y="924756"/>
-            <a:ext cx="9448800" cy="4942643"/>
+            <a:off x="723900" y="1143000"/>
+            <a:ext cx="5179764" cy="3516055"/>
+          </a:xfrm>
+          <a:prstGeom prst="rect">
+            <a:avLst/>
+          </a:prstGeom>
+        </p:spPr>
+      </p:pic>
+      <p:pic>
+        <p:nvPicPr>
+          <p:cNvPr id="4" name="Picture 3">
+            <a:extLst>
+              <a:ext uri="{FF2B5EF4-FFF2-40B4-BE49-F238E27FC236}">
+                <a16:creationId xmlns:a16="http://schemas.microsoft.com/office/drawing/2014/main" id="{1E654099-5411-44FA-BEE9-9A6E72116BD0}"/>
+              </a:ext>
+            </a:extLst>
+          </p:cNvPr>
+          <p:cNvPicPr>
+            <a:picLocks noChangeAspect="1"/>
+          </p:cNvPicPr>
+          <p:nvPr/>
+        </p:nvPicPr>
+        <p:blipFill>
+          <a:blip r:embed="rId3"/>
+          <a:stretch>
+            <a:fillRect/>
+          </a:stretch>
+        </p:blipFill>
+        <p:spPr>
+          <a:xfrm>
+            <a:off x="6127982" y="1143000"/>
+            <a:ext cx="5410201" cy="4145550"/>
           </a:xfrm>
           <a:prstGeom prst="rect">
             <a:avLst/>
@@ -4608,10 +4393,10 @@
       </p:pic>
       <p:sp>
         <p:nvSpPr>
-          <p:cNvPr id="13" name="Rectangle 12">
+          <p:cNvPr id="2" name="Rectangle 1">
             <a:extLst>
               <a:ext uri="{FF2B5EF4-FFF2-40B4-BE49-F238E27FC236}">
-                <a16:creationId xmlns:a16="http://schemas.microsoft.com/office/drawing/2014/main" id="{B75BB3E6-77E8-4B4B-A946-3FA6B3AEE787}"/>
+                <a16:creationId xmlns:a16="http://schemas.microsoft.com/office/drawing/2014/main" id="{2F582CEA-A4D9-4AA7-863C-506C848D1B3E}"/>
               </a:ext>
             </a:extLst>
           </p:cNvPr>
@@ -4620,215 +4405,8 @@
         </p:nvSpPr>
         <p:spPr>
           <a:xfrm>
-            <a:off x="8295" y="152400"/>
-            <a:ext cx="12183705" cy="353943"/>
-          </a:xfrm>
-          <a:prstGeom prst="rect">
-            <a:avLst/>
-          </a:prstGeom>
-        </p:spPr>
-        <p:txBody>
-          <a:bodyPr wrap="square">
-            <a:spAutoFit/>
-          </a:bodyPr>
-          <a:lstStyle/>
-          <a:p>
-            <a:pPr algn="ctr"/>
-            <a:r>
-              <a:rPr lang="en-US" sz="1700" dirty="0">
-                <a:ln w="0"/>
-                <a:latin typeface="Futura"/>
-                <a:cs typeface="Microsoft Sans Serif"/>
-              </a:rPr>
-              <a:t>Previous</a:t>
-            </a:r>
-            <a:r>
-              <a:rPr lang="it-IT" sz="1700" dirty="0">
-                <a:ln w="0"/>
-                <a:latin typeface="Futura"/>
-                <a:cs typeface="Microsoft Sans Serif"/>
-              </a:rPr>
-              <a:t> </a:t>
-            </a:r>
-            <a:r>
-              <a:rPr lang="it-IT" sz="1700" dirty="0" err="1">
-                <a:ln w="0"/>
-                <a:latin typeface="Futura"/>
-                <a:cs typeface="Microsoft Sans Serif"/>
-              </a:rPr>
-              <a:t>block</a:t>
-            </a:r>
-            <a:r>
-              <a:rPr lang="it-IT" sz="1700" dirty="0">
-                <a:ln w="0"/>
-                <a:latin typeface="Futura"/>
-                <a:cs typeface="Microsoft Sans Serif"/>
-              </a:rPr>
-              <a:t> </a:t>
-            </a:r>
-            <a:r>
-              <a:rPr lang="it-IT" sz="1700" dirty="0" err="1">
-                <a:ln w="0"/>
-                <a:latin typeface="Futura"/>
-                <a:cs typeface="Microsoft Sans Serif"/>
-              </a:rPr>
-              <a:t>scheme</a:t>
-            </a:r>
-            <a:endParaRPr lang="en-GB" sz="1700" dirty="0">
-              <a:ln w="0"/>
-              <a:latin typeface="Futura"/>
-            </a:endParaRPr>
-          </a:p>
-        </p:txBody>
-      </p:sp>
-      <p:sp>
-        <p:nvSpPr>
-          <p:cNvPr id="17" name="Rectangle 16">
-            <a:extLst>
-              <a:ext uri="{FF2B5EF4-FFF2-40B4-BE49-F238E27FC236}">
-                <a16:creationId xmlns:a16="http://schemas.microsoft.com/office/drawing/2014/main" id="{A88193AA-EAEC-43CC-B0A5-7B7B5FFCD5DE}"/>
-              </a:ext>
-            </a:extLst>
-          </p:cNvPr>
-          <p:cNvSpPr/>
-          <p:nvPr/>
-        </p:nvSpPr>
-        <p:spPr>
-          <a:xfrm>
-            <a:off x="685800" y="5191026"/>
-            <a:ext cx="7239000" cy="584775"/>
-          </a:xfrm>
-          <a:prstGeom prst="rect">
-            <a:avLst/>
-          </a:prstGeom>
-        </p:spPr>
-        <p:txBody>
-          <a:bodyPr wrap="square">
-            <a:spAutoFit/>
-          </a:bodyPr>
-          <a:lstStyle/>
-          <a:p>
-            <a:pPr marL="285750" indent="-285750">
-              <a:buFont typeface="Arial" panose="020B0604020202020204" pitchFamily="34" charset="0"/>
-              <a:buChar char="•"/>
-            </a:pPr>
-            <a:r>
-              <a:rPr lang="en-GB" sz="1600" dirty="0">
-                <a:latin typeface="Futura"/>
-              </a:rPr>
-              <a:t>Semi-Supervised Virtual Support Vector Machines with Self-Learning Constraint for Remote Sensing Image Classification (Ozan)</a:t>
-            </a:r>
-          </a:p>
-        </p:txBody>
-      </p:sp>
-      <p:sp>
-        <p:nvSpPr>
-          <p:cNvPr id="18" name="Rectangle 17">
-            <a:extLst>
-              <a:ext uri="{FF2B5EF4-FFF2-40B4-BE49-F238E27FC236}">
-                <a16:creationId xmlns:a16="http://schemas.microsoft.com/office/drawing/2014/main" id="{F0E55EDE-DE08-468F-810E-F7BAD847EFB7}"/>
-              </a:ext>
-            </a:extLst>
-          </p:cNvPr>
-          <p:cNvSpPr/>
-          <p:nvPr/>
-        </p:nvSpPr>
-        <p:spPr>
-          <a:xfrm>
-            <a:off x="9372600" y="3429000"/>
-            <a:ext cx="2819400" cy="2062103"/>
-          </a:xfrm>
-          <a:prstGeom prst="rect">
-            <a:avLst/>
-          </a:prstGeom>
-        </p:spPr>
-        <p:txBody>
-          <a:bodyPr wrap="square">
-            <a:spAutoFit/>
-          </a:bodyPr>
-          <a:lstStyle/>
-          <a:p>
-            <a:pPr marL="285750" indent="-285750">
-              <a:buFont typeface="Arial" panose="020B0604020202020204" pitchFamily="34" charset="0"/>
-              <a:buChar char="•"/>
-            </a:pPr>
-            <a:r>
-              <a:rPr lang="en-GB" sz="1600" dirty="0">
-                <a:latin typeface="Futura"/>
-              </a:rPr>
-              <a:t>Semi-Supervised Learning with Constrained Virtual Support Vector Machines for Classification of Remote Sensing Image Data (</a:t>
-            </a:r>
-            <a:r>
-              <a:rPr lang="en-GB" sz="1600" dirty="0" err="1">
-                <a:latin typeface="Futura"/>
-              </a:rPr>
-              <a:t>Geiss</a:t>
-            </a:r>
-            <a:r>
-              <a:rPr lang="en-GB" sz="1600" dirty="0">
-                <a:latin typeface="Futura"/>
-              </a:rPr>
-              <a:t>)</a:t>
-            </a:r>
-          </a:p>
-        </p:txBody>
-      </p:sp>
-      <p:sp>
-        <p:nvSpPr>
-          <p:cNvPr id="19" name="Rectangle 18">
-            <a:extLst>
-              <a:ext uri="{FF2B5EF4-FFF2-40B4-BE49-F238E27FC236}">
-                <a16:creationId xmlns:a16="http://schemas.microsoft.com/office/drawing/2014/main" id="{67009C95-9B61-4898-95F6-411362502004}"/>
-              </a:ext>
-            </a:extLst>
-          </p:cNvPr>
-          <p:cNvSpPr/>
-          <p:nvPr/>
-        </p:nvSpPr>
-        <p:spPr>
-          <a:xfrm>
-            <a:off x="9372600" y="1219241"/>
-            <a:ext cx="2828924" cy="1569660"/>
-          </a:xfrm>
-          <a:prstGeom prst="rect">
-            <a:avLst/>
-          </a:prstGeom>
-        </p:spPr>
-        <p:txBody>
-          <a:bodyPr wrap="square">
-            <a:spAutoFit/>
-          </a:bodyPr>
-          <a:lstStyle/>
-          <a:p>
-            <a:pPr marL="285750" indent="-285750">
-              <a:buFont typeface="Arial" panose="020B0604020202020204" pitchFamily="34" charset="0"/>
-              <a:buChar char="•"/>
-            </a:pPr>
-            <a:r>
-              <a:rPr lang="en-GB" sz="1600" dirty="0">
-                <a:latin typeface="Futura"/>
-              </a:rPr>
-              <a:t>Virtual Support Vector Machines with self-learning strategy for classification of multispectral remote sensing imagery</a:t>
-            </a:r>
-          </a:p>
-        </p:txBody>
-      </p:sp>
-      <p:sp>
-        <p:nvSpPr>
-          <p:cNvPr id="9" name="Rectangle 8">
-            <a:extLst>
-              <a:ext uri="{FF2B5EF4-FFF2-40B4-BE49-F238E27FC236}">
-                <a16:creationId xmlns:a16="http://schemas.microsoft.com/office/drawing/2014/main" id="{3228DEC3-E9C9-4DD6-9164-EAA5D5B14A25}"/>
-              </a:ext>
-            </a:extLst>
-          </p:cNvPr>
-          <p:cNvSpPr/>
-          <p:nvPr/>
-        </p:nvSpPr>
-        <p:spPr>
-          <a:xfrm>
-            <a:off x="228600" y="6359452"/>
-            <a:ext cx="2063385" cy="338554"/>
+            <a:off x="3993443" y="179457"/>
+            <a:ext cx="4052713" cy="353943"/>
           </a:xfrm>
           <a:prstGeom prst="rect">
             <a:avLst/>
@@ -4840,6 +4418,49 @@
           </a:bodyPr>
           <a:lstStyle/>
           <a:p>
+            <a:pPr algn="ctr"/>
+            <a:r>
+              <a:rPr lang="it-IT" sz="1700" dirty="0">
+                <a:ln w="0"/>
+                <a:latin typeface="Futura"/>
+                <a:cs typeface="Microsoft Sans Serif"/>
+              </a:rPr>
+              <a:t>Self - constrained VSVM background</a:t>
+            </a:r>
+            <a:endParaRPr lang="en-GB" sz="1700" dirty="0">
+              <a:ln w="0"/>
+              <a:latin typeface="Futura"/>
+            </a:endParaRPr>
+          </a:p>
+        </p:txBody>
+      </p:sp>
+      <p:sp>
+        <p:nvSpPr>
+          <p:cNvPr id="7" name="Rectangle 6">
+            <a:extLst>
+              <a:ext uri="{FF2B5EF4-FFF2-40B4-BE49-F238E27FC236}">
+                <a16:creationId xmlns:a16="http://schemas.microsoft.com/office/drawing/2014/main" id="{7300695A-CDC9-4C95-8E33-81CA902EC4EC}"/>
+              </a:ext>
+            </a:extLst>
+          </p:cNvPr>
+          <p:cNvSpPr/>
+          <p:nvPr/>
+        </p:nvSpPr>
+        <p:spPr>
+          <a:xfrm>
+            <a:off x="228600" y="6359452"/>
+            <a:ext cx="2063385" cy="338554"/>
+          </a:xfrm>
+          <a:prstGeom prst="rect">
+            <a:avLst/>
+          </a:prstGeom>
+        </p:spPr>
+        <p:txBody>
+          <a:bodyPr wrap="none">
+            <a:spAutoFit/>
+          </a:bodyPr>
+          <a:lstStyle/>
+          <a:p>
             <a:r>
               <a:rPr lang="it-IT" sz="1600" dirty="0">
                 <a:latin typeface="Futura"/>
@@ -4853,10 +4474,10 @@
       </p:sp>
       <p:pic>
         <p:nvPicPr>
-          <p:cNvPr id="10" name="Picture 9">
+          <p:cNvPr id="8" name="Picture 7">
             <a:extLst>
               <a:ext uri="{FF2B5EF4-FFF2-40B4-BE49-F238E27FC236}">
-                <a16:creationId xmlns:a16="http://schemas.microsoft.com/office/drawing/2014/main" id="{F39BFA73-ADF0-4DB8-A3D3-FDC312883272}"/>
+                <a16:creationId xmlns:a16="http://schemas.microsoft.com/office/drawing/2014/main" id="{3E856712-E5A3-404B-8960-260F8620E5C2}"/>
               </a:ext>
             </a:extLst>
           </p:cNvPr>
@@ -4866,7 +4487,7 @@
           <p:nvPr/>
         </p:nvPicPr>
         <p:blipFill rotWithShape="1">
-          <a:blip r:embed="rId3">
+          <a:blip r:embed="rId4">
             <a:extLst>
               <a:ext uri="{28A0092B-C50C-407E-A947-70E740481C1C}">
                 <a14:useLocalDpi xmlns:a14="http://schemas.microsoft.com/office/drawing/2010/main" val="0"/>
@@ -4888,10 +4509,10 @@
       </p:pic>
       <p:pic>
         <p:nvPicPr>
-          <p:cNvPr id="12" name="Picture 11">
+          <p:cNvPr id="9" name="Picture 8">
             <a:extLst>
               <a:ext uri="{FF2B5EF4-FFF2-40B4-BE49-F238E27FC236}">
-                <a16:creationId xmlns:a16="http://schemas.microsoft.com/office/drawing/2014/main" id="{EAD1BB9F-FE68-444A-BBD1-D989D18C9468}"/>
+                <a16:creationId xmlns:a16="http://schemas.microsoft.com/office/drawing/2014/main" id="{E384EF2C-11C8-49D3-9BFA-E2FEAC517F07}"/>
               </a:ext>
             </a:extLst>
           </p:cNvPr>
@@ -4901,7 +4522,7 @@
           <p:nvPr/>
         </p:nvPicPr>
         <p:blipFill>
-          <a:blip r:embed="rId4" cstate="print">
+          <a:blip r:embed="rId5" cstate="print">
             <a:extLst>
               <a:ext uri="{28A0092B-C50C-407E-A947-70E740481C1C}">
                 <a14:useLocalDpi xmlns:a14="http://schemas.microsoft.com/office/drawing/2010/main" val="0"/>
@@ -4925,7 +4546,7 @@
     </p:spTree>
     <p:extLst>
       <p:ext uri="{BB962C8B-B14F-4D97-AF65-F5344CB8AC3E}">
-        <p14:creationId xmlns:p14="http://schemas.microsoft.com/office/powerpoint/2010/main" val="1570229038"/>
+        <p14:creationId xmlns:p14="http://schemas.microsoft.com/office/powerpoint/2010/main" val="3531056288"/>
       </p:ext>
     </p:extLst>
   </p:cSld>
@@ -4952,72 +4573,12 @@
           <a:chExt cx="0" cy="0"/>
         </a:xfrm>
       </p:grpSpPr>
-      <p:pic>
-        <p:nvPicPr>
-          <p:cNvPr id="3" name="Picture 2">
-            <a:extLst>
-              <a:ext uri="{FF2B5EF4-FFF2-40B4-BE49-F238E27FC236}">
-                <a16:creationId xmlns:a16="http://schemas.microsoft.com/office/drawing/2014/main" id="{5A596279-BFE8-449C-AE2F-17B9FD934671}"/>
-              </a:ext>
-            </a:extLst>
-          </p:cNvPr>
-          <p:cNvPicPr>
-            <a:picLocks noChangeAspect="1"/>
-          </p:cNvPicPr>
-          <p:nvPr/>
-        </p:nvPicPr>
-        <p:blipFill>
-          <a:blip r:embed="rId2"/>
-          <a:stretch>
-            <a:fillRect/>
-          </a:stretch>
-        </p:blipFill>
-        <p:spPr>
-          <a:xfrm>
-            <a:off x="723900" y="1143000"/>
-            <a:ext cx="5179764" cy="3516055"/>
-          </a:xfrm>
-          <a:prstGeom prst="rect">
-            <a:avLst/>
-          </a:prstGeom>
-        </p:spPr>
-      </p:pic>
-      <p:pic>
-        <p:nvPicPr>
-          <p:cNvPr id="4" name="Picture 3">
-            <a:extLst>
-              <a:ext uri="{FF2B5EF4-FFF2-40B4-BE49-F238E27FC236}">
-                <a16:creationId xmlns:a16="http://schemas.microsoft.com/office/drawing/2014/main" id="{1E654099-5411-44FA-BEE9-9A6E72116BD0}"/>
-              </a:ext>
-            </a:extLst>
-          </p:cNvPr>
-          <p:cNvPicPr>
-            <a:picLocks noChangeAspect="1"/>
-          </p:cNvPicPr>
-          <p:nvPr/>
-        </p:nvPicPr>
-        <p:blipFill>
-          <a:blip r:embed="rId3"/>
-          <a:stretch>
-            <a:fillRect/>
-          </a:stretch>
-        </p:blipFill>
-        <p:spPr>
-          <a:xfrm>
-            <a:off x="6127982" y="1143000"/>
-            <a:ext cx="5410201" cy="4145550"/>
-          </a:xfrm>
-          <a:prstGeom prst="rect">
-            <a:avLst/>
-          </a:prstGeom>
-        </p:spPr>
-      </p:pic>
       <p:sp>
         <p:nvSpPr>
-          <p:cNvPr id="2" name="Rectangle 1">
+          <p:cNvPr id="12" name="Rectangle 11">
             <a:extLst>
               <a:ext uri="{FF2B5EF4-FFF2-40B4-BE49-F238E27FC236}">
-                <a16:creationId xmlns:a16="http://schemas.microsoft.com/office/drawing/2014/main" id="{2F582CEA-A4D9-4AA7-863C-506C848D1B3E}"/>
+                <a16:creationId xmlns:a16="http://schemas.microsoft.com/office/drawing/2014/main" id="{948FFA13-4D4F-4C02-8E32-2A97ED740439}"/>
               </a:ext>
             </a:extLst>
           </p:cNvPr>
@@ -5026,8 +4587,906 @@
         </p:nvSpPr>
         <p:spPr>
           <a:xfrm>
-            <a:off x="3993443" y="179457"/>
-            <a:ext cx="4052713" cy="353943"/>
+            <a:off x="4919047" y="186717"/>
+            <a:ext cx="2201505" cy="353943"/>
+          </a:xfrm>
+          <a:prstGeom prst="rect">
+            <a:avLst/>
+          </a:prstGeom>
+        </p:spPr>
+        <p:txBody>
+          <a:bodyPr wrap="square">
+            <a:spAutoFit/>
+          </a:bodyPr>
+          <a:lstStyle/>
+          <a:p>
+            <a:pPr algn="ctr"/>
+            <a:r>
+              <a:rPr lang="it-IT" sz="1700" dirty="0">
+                <a:ln w="0"/>
+                <a:latin typeface="Futura"/>
+                <a:cs typeface="Microsoft Sans Serif"/>
+              </a:rPr>
+              <a:t>Datasets &amp; Models</a:t>
+            </a:r>
+            <a:endParaRPr lang="en-US" sz="1700" dirty="0">
+              <a:ln w="0"/>
+              <a:latin typeface="Futura"/>
+            </a:endParaRPr>
+          </a:p>
+        </p:txBody>
+      </p:sp>
+      <p:sp>
+        <p:nvSpPr>
+          <p:cNvPr id="6" name="Rectangle 5">
+            <a:extLst>
+              <a:ext uri="{FF2B5EF4-FFF2-40B4-BE49-F238E27FC236}">
+                <a16:creationId xmlns:a16="http://schemas.microsoft.com/office/drawing/2014/main" id="{D16B49D4-79D6-47B3-982A-4002F118C366}"/>
+              </a:ext>
+            </a:extLst>
+          </p:cNvPr>
+          <p:cNvSpPr/>
+          <p:nvPr/>
+        </p:nvSpPr>
+        <p:spPr>
+          <a:xfrm>
+            <a:off x="5898908" y="938463"/>
+            <a:ext cx="6001743" cy="2970044"/>
+          </a:xfrm>
+          <a:prstGeom prst="rect">
+            <a:avLst/>
+          </a:prstGeom>
+        </p:spPr>
+        <p:txBody>
+          <a:bodyPr wrap="square">
+            <a:spAutoFit/>
+          </a:bodyPr>
+          <a:lstStyle/>
+          <a:p>
+            <a:pPr marL="285750" indent="-285750">
+              <a:buFont typeface="Arial" panose="020B0604020202020204" pitchFamily="34" charset="0"/>
+              <a:buChar char="•"/>
+            </a:pPr>
+            <a:r>
+              <a:rPr lang="it-IT" sz="1700" dirty="0">
+                <a:latin typeface="Futura"/>
+              </a:rPr>
+              <a:t>SVM: Support </a:t>
+            </a:r>
+            <a:r>
+              <a:rPr lang="it-IT" sz="1700" dirty="0" err="1">
+                <a:latin typeface="Futura"/>
+              </a:rPr>
+              <a:t>Vector</a:t>
+            </a:r>
+            <a:r>
+              <a:rPr lang="it-IT" sz="1700" dirty="0">
+                <a:latin typeface="Futura"/>
+              </a:rPr>
+              <a:t> Machine</a:t>
+            </a:r>
+          </a:p>
+          <a:p>
+            <a:pPr marL="285750" indent="-285750">
+              <a:buFont typeface="Arial" panose="020B0604020202020204" pitchFamily="34" charset="0"/>
+              <a:buChar char="•"/>
+            </a:pPr>
+            <a:r>
+              <a:rPr lang="it-IT" sz="1700" dirty="0">
+                <a:latin typeface="Futura"/>
+              </a:rPr>
+              <a:t>SVM-MS: include </a:t>
+            </a:r>
+            <a:r>
+              <a:rPr lang="it-IT" sz="1700" dirty="0" err="1">
+                <a:latin typeface="Futura"/>
+              </a:rPr>
+              <a:t>all</a:t>
+            </a:r>
+            <a:r>
+              <a:rPr lang="it-IT" sz="1700" dirty="0">
+                <a:latin typeface="Futura"/>
+              </a:rPr>
+              <a:t> </a:t>
+            </a:r>
+            <a:r>
+              <a:rPr lang="it-IT" sz="1700" dirty="0" err="1">
+                <a:latin typeface="Futura"/>
+              </a:rPr>
+              <a:t>multilevel</a:t>
+            </a:r>
+            <a:r>
+              <a:rPr lang="it-IT" sz="1700" dirty="0">
+                <a:latin typeface="Futura"/>
+              </a:rPr>
+              <a:t> </a:t>
+            </a:r>
+            <a:r>
+              <a:rPr lang="it-IT" sz="1700" dirty="0" err="1">
+                <a:latin typeface="Futura"/>
+              </a:rPr>
+              <a:t>segmentations</a:t>
+            </a:r>
+            <a:endParaRPr lang="it-IT" sz="1700" dirty="0">
+              <a:latin typeface="Futura"/>
+            </a:endParaRPr>
+          </a:p>
+          <a:p>
+            <a:pPr marL="285750" indent="-285750">
+              <a:buFont typeface="Arial" panose="020B0604020202020204" pitchFamily="34" charset="0"/>
+              <a:buChar char="•"/>
+            </a:pPr>
+            <a:r>
+              <a:rPr lang="it-IT" sz="1700" dirty="0">
+                <a:latin typeface="Futura"/>
+              </a:rPr>
+              <a:t>VSVM: </a:t>
+            </a:r>
+            <a:r>
+              <a:rPr lang="it-IT" sz="1700" dirty="0" err="1">
+                <a:latin typeface="Futura"/>
+              </a:rPr>
+              <a:t>enconding</a:t>
+            </a:r>
+            <a:r>
+              <a:rPr lang="it-IT" sz="1700" dirty="0">
+                <a:latin typeface="Futura"/>
+              </a:rPr>
+              <a:t> </a:t>
+            </a:r>
+            <a:r>
+              <a:rPr lang="it-IT" sz="1700" dirty="0" err="1">
+                <a:latin typeface="Futura"/>
+              </a:rPr>
+              <a:t>invariance</a:t>
+            </a:r>
+            <a:r>
+              <a:rPr lang="it-IT" sz="1700" dirty="0">
+                <a:latin typeface="Futura"/>
+              </a:rPr>
+              <a:t> wrt the </a:t>
+            </a:r>
+            <a:r>
+              <a:rPr lang="it-IT" sz="1700" dirty="0" err="1">
+                <a:latin typeface="Futura"/>
+              </a:rPr>
+              <a:t>SVs</a:t>
+            </a:r>
+            <a:r>
+              <a:rPr lang="it-IT" sz="1700" dirty="0">
+                <a:latin typeface="Futura"/>
+              </a:rPr>
+              <a:t> </a:t>
+            </a:r>
+          </a:p>
+          <a:p>
+            <a:pPr marL="285750" indent="-285750">
+              <a:buFont typeface="Arial" panose="020B0604020202020204" pitchFamily="34" charset="0"/>
+              <a:buChar char="•"/>
+            </a:pPr>
+            <a:r>
+              <a:rPr lang="it-IT" sz="1700" dirty="0">
+                <a:latin typeface="Futura"/>
+              </a:rPr>
+              <a:t>VSVM-SL: Self-learning </a:t>
+            </a:r>
+            <a:r>
+              <a:rPr lang="it-IT" sz="1700" dirty="0" err="1">
+                <a:latin typeface="Futura"/>
+              </a:rPr>
+              <a:t>strategy</a:t>
+            </a:r>
+            <a:r>
+              <a:rPr lang="it-IT" sz="1700" dirty="0">
+                <a:latin typeface="Futura"/>
+              </a:rPr>
+              <a:t> </a:t>
+            </a:r>
+          </a:p>
+          <a:p>
+            <a:pPr marL="742950" lvl="1" indent="-285750">
+              <a:buFont typeface="Arial" panose="020B0604020202020204" pitchFamily="34" charset="0"/>
+              <a:buChar char="•"/>
+            </a:pPr>
+            <a:r>
+              <a:rPr lang="it-IT" sz="1700" dirty="0">
+                <a:latin typeface="Futura"/>
+              </a:rPr>
+              <a:t> </a:t>
+            </a:r>
+            <a:r>
+              <a:rPr lang="en-GB" sz="1700" dirty="0">
+                <a:latin typeface="Futura"/>
+              </a:rPr>
+              <a:t>remove VSVs:</a:t>
+            </a:r>
+            <a:endParaRPr lang="it-IT" sz="1700" dirty="0">
+              <a:latin typeface="Futura"/>
+            </a:endParaRPr>
+          </a:p>
+          <a:p>
+            <a:pPr marL="1200150" lvl="2" indent="-285750">
+              <a:buFont typeface="Arial" panose="020B0604020202020204" pitchFamily="34" charset="0"/>
+              <a:buChar char="•"/>
+            </a:pPr>
+            <a:r>
+              <a:rPr lang="en-GB" sz="1700" dirty="0">
+                <a:latin typeface="Futura"/>
+              </a:rPr>
+              <a:t>over a certain distance wrt the original SVs</a:t>
+            </a:r>
+          </a:p>
+          <a:p>
+            <a:pPr marL="1200150" lvl="2" indent="-285750">
+              <a:buFont typeface="Arial" panose="020B0604020202020204" pitchFamily="34" charset="0"/>
+              <a:buChar char="•"/>
+            </a:pPr>
+            <a:r>
+              <a:rPr lang="en-GB" sz="1700" dirty="0">
+                <a:latin typeface="Futura"/>
+              </a:rPr>
+              <a:t>outside radius threshold on margin distance</a:t>
+            </a:r>
+          </a:p>
+          <a:p>
+            <a:pPr marL="285750" indent="-285750">
+              <a:buFont typeface="Arial" panose="020B0604020202020204" pitchFamily="34" charset="0"/>
+              <a:buChar char="•"/>
+            </a:pPr>
+            <a:r>
+              <a:rPr lang="it-IT" sz="1700" dirty="0">
+                <a:latin typeface="Futura"/>
+              </a:rPr>
+              <a:t>SVM-SL-UNL</a:t>
+            </a:r>
+          </a:p>
+          <a:p>
+            <a:pPr marL="285750" indent="-285750">
+              <a:buFont typeface="Arial" panose="020B0604020202020204" pitchFamily="34" charset="0"/>
+              <a:buChar char="•"/>
+            </a:pPr>
+            <a:r>
+              <a:rPr lang="it-IT" sz="1700" dirty="0">
+                <a:latin typeface="Futura"/>
+              </a:rPr>
+              <a:t>VSVM-SL-UNL</a:t>
+            </a:r>
+          </a:p>
+          <a:p>
+            <a:pPr marL="285750" indent="-285750">
+              <a:buFont typeface="Arial" panose="020B0604020202020204" pitchFamily="34" charset="0"/>
+              <a:buChar char="•"/>
+            </a:pPr>
+            <a:r>
+              <a:rPr lang="it-IT" sz="1700" dirty="0">
+                <a:latin typeface="Futura"/>
+              </a:rPr>
+              <a:t>VSVM-SL-</a:t>
+            </a:r>
+            <a:r>
+              <a:rPr lang="it-IT" sz="1700" dirty="0" err="1">
+                <a:latin typeface="Futura"/>
+              </a:rPr>
+              <a:t>virtual</a:t>
+            </a:r>
+            <a:r>
+              <a:rPr lang="it-IT" sz="1700" dirty="0">
+                <a:latin typeface="Futura"/>
+              </a:rPr>
+              <a:t>-UNL</a:t>
+            </a:r>
+          </a:p>
+          <a:p>
+            <a:pPr marL="285750" indent="-285750">
+              <a:buFont typeface="Arial" panose="020B0604020202020204" pitchFamily="34" charset="0"/>
+              <a:buChar char="•"/>
+            </a:pPr>
+            <a:r>
+              <a:rPr lang="it-IT" sz="1700" dirty="0">
+                <a:latin typeface="Futura"/>
+              </a:rPr>
+              <a:t>VSVM-SL + Active Learning </a:t>
+            </a:r>
+            <a:r>
+              <a:rPr lang="it-IT" sz="1700" dirty="0" err="1">
+                <a:latin typeface="Futura"/>
+              </a:rPr>
+              <a:t>distance</a:t>
+            </a:r>
+            <a:r>
+              <a:rPr lang="it-IT" sz="1700" dirty="0">
+                <a:latin typeface="Futura"/>
+              </a:rPr>
+              <a:t> </a:t>
+            </a:r>
+            <a:r>
+              <a:rPr lang="it-IT" sz="1700" dirty="0" err="1">
+                <a:latin typeface="Futura"/>
+              </a:rPr>
+              <a:t>function</a:t>
+            </a:r>
+            <a:endParaRPr lang="en-GB" sz="1700" dirty="0">
+              <a:latin typeface="Futura"/>
+            </a:endParaRPr>
+          </a:p>
+        </p:txBody>
+      </p:sp>
+      <p:sp>
+        <p:nvSpPr>
+          <p:cNvPr id="4" name="Rectangle 3">
+            <a:extLst>
+              <a:ext uri="{FF2B5EF4-FFF2-40B4-BE49-F238E27FC236}">
+                <a16:creationId xmlns:a16="http://schemas.microsoft.com/office/drawing/2014/main" id="{198AB57B-E5F3-4106-948A-B7C2F0853BDE}"/>
+              </a:ext>
+            </a:extLst>
+          </p:cNvPr>
+          <p:cNvSpPr/>
+          <p:nvPr/>
+        </p:nvSpPr>
+        <p:spPr>
+          <a:xfrm>
+            <a:off x="381000" y="1344665"/>
+            <a:ext cx="5410200" cy="4016484"/>
+          </a:xfrm>
+          <a:prstGeom prst="rect">
+            <a:avLst/>
+          </a:prstGeom>
+        </p:spPr>
+        <p:txBody>
+          <a:bodyPr wrap="square">
+            <a:spAutoFit/>
+          </a:bodyPr>
+          <a:lstStyle/>
+          <a:p>
+            <a:pPr marL="285750" indent="-285750">
+              <a:buFont typeface="Arial" panose="020B0604020202020204" pitchFamily="34" charset="0"/>
+              <a:buChar char="•"/>
+            </a:pPr>
+            <a:r>
+              <a:rPr lang="it-IT" sz="1700" dirty="0">
+                <a:latin typeface="Futura"/>
+              </a:rPr>
+              <a:t>Cologne, Germany </a:t>
+            </a:r>
+          </a:p>
+          <a:p>
+            <a:pPr marL="742950" lvl="1" indent="-285750">
+              <a:buFont typeface="Arial" panose="020B0604020202020204" pitchFamily="34" charset="0"/>
+              <a:buChar char="•"/>
+            </a:pPr>
+            <a:r>
+              <a:rPr lang="it-IT" sz="1700" dirty="0">
+                <a:latin typeface="Futura"/>
+              </a:rPr>
+              <a:t>1000x1000 pixel 1m </a:t>
+            </a:r>
+            <a:r>
+              <a:rPr lang="en-GB" sz="1700" dirty="0">
+                <a:latin typeface="Futura"/>
+              </a:rPr>
+              <a:t>geometric resolution</a:t>
+            </a:r>
+          </a:p>
+          <a:p>
+            <a:pPr marL="742950" lvl="1" indent="-285750">
+              <a:buFont typeface="Arial" panose="020B0604020202020204" pitchFamily="34" charset="0"/>
+              <a:buChar char="•"/>
+            </a:pPr>
+            <a:r>
+              <a:rPr lang="it-IT" sz="1700" dirty="0">
+                <a:latin typeface="Futura"/>
+              </a:rPr>
+              <a:t>1</a:t>
+            </a:r>
+            <a:r>
+              <a:rPr lang="en-GB" sz="1700" dirty="0">
+                <a:latin typeface="Futura"/>
+              </a:rPr>
+              <a:t>8 features</a:t>
+            </a:r>
+          </a:p>
+          <a:p>
+            <a:pPr marL="742950" lvl="1" indent="-285750">
+              <a:buFont typeface="Arial" panose="020B0604020202020204" pitchFamily="34" charset="0"/>
+              <a:buChar char="•"/>
+            </a:pPr>
+            <a:r>
+              <a:rPr lang="it-IT" sz="1700" dirty="0" err="1">
+                <a:latin typeface="Futura"/>
+              </a:rPr>
+              <a:t>Invariances</a:t>
+            </a:r>
+            <a:r>
+              <a:rPr lang="it-IT" sz="1700" dirty="0">
+                <a:latin typeface="Futura"/>
+              </a:rPr>
+              <a:t> of </a:t>
+            </a:r>
+            <a:r>
+              <a:rPr lang="it-IT" sz="1700" dirty="0" err="1">
+                <a:latin typeface="Futura"/>
+              </a:rPr>
+              <a:t>shape</a:t>
+            </a:r>
+            <a:r>
+              <a:rPr lang="it-IT" sz="1700" dirty="0">
+                <a:latin typeface="Futura"/>
+              </a:rPr>
+              <a:t>: base </a:t>
+            </a:r>
+            <a:r>
+              <a:rPr lang="it-IT" sz="1700" dirty="0" err="1">
+                <a:latin typeface="Futura"/>
+              </a:rPr>
+              <a:t>level</a:t>
+            </a:r>
+            <a:r>
+              <a:rPr lang="it-IT" sz="1700" dirty="0">
+                <a:latin typeface="Futura"/>
+              </a:rPr>
+              <a:t> + 8 </a:t>
+            </a:r>
+            <a:r>
+              <a:rPr lang="it-IT" sz="1700" dirty="0" err="1">
+                <a:latin typeface="Futura"/>
+              </a:rPr>
+              <a:t>level</a:t>
+            </a:r>
+            <a:endParaRPr lang="it-IT" sz="1700" dirty="0">
+              <a:latin typeface="Futura"/>
+            </a:endParaRPr>
+          </a:p>
+          <a:p>
+            <a:pPr marL="742950" lvl="1" indent="-285750">
+              <a:buFont typeface="Arial" panose="020B0604020202020204" pitchFamily="34" charset="0"/>
+              <a:buChar char="•"/>
+            </a:pPr>
+            <a:r>
+              <a:rPr lang="it-IT" sz="1700" dirty="0" err="1">
+                <a:latin typeface="Futura"/>
+              </a:rPr>
+              <a:t>Invariances</a:t>
+            </a:r>
+            <a:r>
+              <a:rPr lang="it-IT" sz="1700" dirty="0">
+                <a:latin typeface="Futura"/>
+              </a:rPr>
+              <a:t> of scale: base </a:t>
+            </a:r>
+            <a:r>
+              <a:rPr lang="it-IT" sz="1700" dirty="0" err="1">
+                <a:latin typeface="Futura"/>
+              </a:rPr>
+              <a:t>level</a:t>
+            </a:r>
+            <a:r>
+              <a:rPr lang="it-IT" sz="1700" dirty="0">
+                <a:latin typeface="Futura"/>
+              </a:rPr>
+              <a:t> + 9 </a:t>
+            </a:r>
+            <a:r>
+              <a:rPr lang="it-IT" sz="1700" dirty="0" err="1">
+                <a:latin typeface="Futura"/>
+              </a:rPr>
+              <a:t>level</a:t>
+            </a:r>
+            <a:endParaRPr lang="it-IT" sz="1700" dirty="0">
+              <a:latin typeface="Futura"/>
+            </a:endParaRPr>
+          </a:p>
+          <a:p>
+            <a:pPr marL="742950" lvl="1" indent="-285750">
+              <a:buFont typeface="Arial" panose="020B0604020202020204" pitchFamily="34" charset="0"/>
+              <a:buChar char="•"/>
+            </a:pPr>
+            <a:r>
+              <a:rPr lang="it-IT" sz="1700" dirty="0" err="1">
+                <a:latin typeface="Futura"/>
+              </a:rPr>
+              <a:t>Binary</a:t>
+            </a:r>
+            <a:r>
+              <a:rPr lang="it-IT" sz="1700" dirty="0">
+                <a:latin typeface="Futura"/>
+              </a:rPr>
+              <a:t> </a:t>
+            </a:r>
+            <a:r>
+              <a:rPr lang="it-IT" sz="1700" dirty="0" err="1">
+                <a:latin typeface="Futura"/>
+              </a:rPr>
+              <a:t>classification</a:t>
+            </a:r>
+            <a:endParaRPr lang="it-IT" sz="1700" dirty="0">
+              <a:latin typeface="Futura"/>
+            </a:endParaRPr>
+          </a:p>
+          <a:p>
+            <a:pPr marL="742950" lvl="1" indent="-285750">
+              <a:buFont typeface="Arial" panose="020B0604020202020204" pitchFamily="34" charset="0"/>
+              <a:buChar char="•"/>
+            </a:pPr>
+            <a:r>
+              <a:rPr lang="it-IT" sz="1700" dirty="0" err="1">
+                <a:latin typeface="Futura"/>
+              </a:rPr>
+              <a:t>Multiclass</a:t>
+            </a:r>
+            <a:r>
+              <a:rPr lang="it-IT" sz="1700" dirty="0">
+                <a:latin typeface="Futura"/>
+              </a:rPr>
+              <a:t> </a:t>
+            </a:r>
+            <a:r>
+              <a:rPr lang="it-IT" sz="1700" dirty="0" err="1">
+                <a:latin typeface="Futura"/>
+              </a:rPr>
+              <a:t>classification</a:t>
+            </a:r>
+            <a:r>
+              <a:rPr lang="it-IT" sz="1700" dirty="0">
+                <a:latin typeface="Futura"/>
+              </a:rPr>
+              <a:t>: 6 classes</a:t>
+            </a:r>
+            <a:endParaRPr lang="en-GB" sz="1700" dirty="0">
+              <a:latin typeface="Futura"/>
+            </a:endParaRPr>
+          </a:p>
+          <a:p>
+            <a:pPr marL="742950" lvl="1" indent="-285750">
+              <a:buFont typeface="Arial" panose="020B0604020202020204" pitchFamily="34" charset="0"/>
+              <a:buChar char="•"/>
+            </a:pPr>
+            <a:endParaRPr lang="it-IT" sz="1700" dirty="0">
+              <a:latin typeface="Futura"/>
+            </a:endParaRPr>
+          </a:p>
+          <a:p>
+            <a:pPr marL="285750" indent="-285750">
+              <a:buFont typeface="Arial" panose="020B0604020202020204" pitchFamily="34" charset="0"/>
+              <a:buChar char="•"/>
+            </a:pPr>
+            <a:r>
+              <a:rPr lang="it-IT" sz="1700" noProof="1">
+                <a:latin typeface="Futura"/>
+              </a:rPr>
+              <a:t>Hadagera</a:t>
+            </a:r>
+            <a:r>
+              <a:rPr lang="it-IT" sz="1700" dirty="0">
+                <a:latin typeface="Futura"/>
+              </a:rPr>
+              <a:t>, Kenya </a:t>
+            </a:r>
+          </a:p>
+          <a:p>
+            <a:pPr marL="742950" lvl="1" indent="-285750">
+              <a:buFont typeface="Arial" panose="020B0604020202020204" pitchFamily="34" charset="0"/>
+              <a:buChar char="•"/>
+            </a:pPr>
+            <a:r>
+              <a:rPr lang="it-IT" sz="1700" dirty="0">
+                <a:latin typeface="Futura"/>
+              </a:rPr>
+              <a:t>2000x2000 pixel </a:t>
+            </a:r>
+            <a:r>
+              <a:rPr lang="en-GB" sz="1700" dirty="0">
+                <a:latin typeface="Futura"/>
+              </a:rPr>
+              <a:t>0.5m geometric resolution</a:t>
+            </a:r>
+          </a:p>
+          <a:p>
+            <a:pPr marL="742950" lvl="1" indent="-285750">
+              <a:buFont typeface="Arial" panose="020B0604020202020204" pitchFamily="34" charset="0"/>
+              <a:buChar char="•"/>
+            </a:pPr>
+            <a:r>
+              <a:rPr lang="it-IT" sz="1700" dirty="0">
+                <a:latin typeface="Futura"/>
+              </a:rPr>
+              <a:t>2</a:t>
+            </a:r>
+            <a:r>
+              <a:rPr lang="en-GB" sz="1700" dirty="0">
+                <a:latin typeface="Futura"/>
+              </a:rPr>
+              <a:t>6 features</a:t>
+            </a:r>
+          </a:p>
+          <a:p>
+            <a:pPr marL="742950" lvl="1" indent="-285750">
+              <a:buFont typeface="Arial" panose="020B0604020202020204" pitchFamily="34" charset="0"/>
+              <a:buChar char="•"/>
+            </a:pPr>
+            <a:r>
+              <a:rPr lang="it-IT" sz="1700" dirty="0" err="1">
+                <a:latin typeface="Futura"/>
+              </a:rPr>
+              <a:t>Invariances</a:t>
+            </a:r>
+            <a:r>
+              <a:rPr lang="it-IT" sz="1700" dirty="0">
+                <a:latin typeface="Futura"/>
+              </a:rPr>
+              <a:t> of </a:t>
+            </a:r>
+            <a:r>
+              <a:rPr lang="it-IT" sz="1700" dirty="0" err="1">
+                <a:latin typeface="Futura"/>
+              </a:rPr>
+              <a:t>shape</a:t>
+            </a:r>
+            <a:r>
+              <a:rPr lang="it-IT" sz="1700" dirty="0">
+                <a:latin typeface="Futura"/>
+              </a:rPr>
+              <a:t>: base </a:t>
+            </a:r>
+            <a:r>
+              <a:rPr lang="it-IT" sz="1700" dirty="0" err="1">
+                <a:latin typeface="Futura"/>
+              </a:rPr>
+              <a:t>level</a:t>
+            </a:r>
+            <a:r>
+              <a:rPr lang="it-IT" sz="1700" dirty="0">
+                <a:latin typeface="Futura"/>
+              </a:rPr>
+              <a:t> + 8 </a:t>
+            </a:r>
+            <a:r>
+              <a:rPr lang="it-IT" sz="1700" dirty="0" err="1">
+                <a:latin typeface="Futura"/>
+              </a:rPr>
+              <a:t>level</a:t>
+            </a:r>
+            <a:endParaRPr lang="it-IT" sz="1700" dirty="0">
+              <a:latin typeface="Futura"/>
+            </a:endParaRPr>
+          </a:p>
+          <a:p>
+            <a:pPr marL="742950" lvl="1" indent="-285750">
+              <a:buFont typeface="Arial" panose="020B0604020202020204" pitchFamily="34" charset="0"/>
+              <a:buChar char="•"/>
+            </a:pPr>
+            <a:r>
+              <a:rPr lang="it-IT" sz="1700" dirty="0" err="1">
+                <a:latin typeface="Futura"/>
+              </a:rPr>
+              <a:t>Invariances</a:t>
+            </a:r>
+            <a:r>
+              <a:rPr lang="it-IT" sz="1700" dirty="0">
+                <a:latin typeface="Futura"/>
+              </a:rPr>
+              <a:t> of scale: base </a:t>
+            </a:r>
+            <a:r>
+              <a:rPr lang="it-IT" sz="1700" dirty="0" err="1">
+                <a:latin typeface="Futura"/>
+              </a:rPr>
+              <a:t>level</a:t>
+            </a:r>
+            <a:r>
+              <a:rPr lang="it-IT" sz="1700" dirty="0">
+                <a:latin typeface="Futura"/>
+              </a:rPr>
+              <a:t> + 7 </a:t>
+            </a:r>
+            <a:r>
+              <a:rPr lang="it-IT" sz="1700" dirty="0" err="1">
+                <a:latin typeface="Futura"/>
+              </a:rPr>
+              <a:t>level</a:t>
+            </a:r>
+            <a:endParaRPr lang="it-IT" sz="1700" dirty="0">
+              <a:latin typeface="Futura"/>
+            </a:endParaRPr>
+          </a:p>
+          <a:p>
+            <a:pPr marL="742950" lvl="1" indent="-285750">
+              <a:buFont typeface="Arial" panose="020B0604020202020204" pitchFamily="34" charset="0"/>
+              <a:buChar char="•"/>
+            </a:pPr>
+            <a:r>
+              <a:rPr lang="it-IT" sz="1700" dirty="0" err="1">
+                <a:latin typeface="Futura"/>
+              </a:rPr>
+              <a:t>Binary</a:t>
+            </a:r>
+            <a:r>
+              <a:rPr lang="it-IT" sz="1700" dirty="0">
+                <a:latin typeface="Futura"/>
+              </a:rPr>
+              <a:t> </a:t>
+            </a:r>
+            <a:r>
+              <a:rPr lang="it-IT" sz="1700" dirty="0" err="1">
+                <a:latin typeface="Futura"/>
+              </a:rPr>
+              <a:t>classification</a:t>
+            </a:r>
+            <a:endParaRPr lang="it-IT" sz="1700" dirty="0">
+              <a:latin typeface="Futura"/>
+            </a:endParaRPr>
+          </a:p>
+          <a:p>
+            <a:pPr marL="742950" lvl="1" indent="-285750">
+              <a:buFont typeface="Arial" panose="020B0604020202020204" pitchFamily="34" charset="0"/>
+              <a:buChar char="•"/>
+            </a:pPr>
+            <a:r>
+              <a:rPr lang="it-IT" sz="1700" dirty="0" err="1">
+                <a:latin typeface="Futura"/>
+              </a:rPr>
+              <a:t>Multiclass</a:t>
+            </a:r>
+            <a:r>
+              <a:rPr lang="it-IT" sz="1700" dirty="0">
+                <a:latin typeface="Futura"/>
+              </a:rPr>
+              <a:t> </a:t>
+            </a:r>
+            <a:r>
+              <a:rPr lang="it-IT" sz="1700" dirty="0" err="1">
+                <a:latin typeface="Futura"/>
+              </a:rPr>
+              <a:t>classification</a:t>
+            </a:r>
+            <a:r>
+              <a:rPr lang="it-IT" sz="1700" dirty="0">
+                <a:latin typeface="Futura"/>
+              </a:rPr>
+              <a:t>: 5 classes</a:t>
+            </a:r>
+            <a:endParaRPr lang="en-GB" sz="1700" dirty="0">
+              <a:latin typeface="Futura"/>
+            </a:endParaRPr>
+          </a:p>
+        </p:txBody>
+      </p:sp>
+      <p:sp>
+        <p:nvSpPr>
+          <p:cNvPr id="15" name="Rectangle 14">
+            <a:extLst>
+              <a:ext uri="{FF2B5EF4-FFF2-40B4-BE49-F238E27FC236}">
+                <a16:creationId xmlns:a16="http://schemas.microsoft.com/office/drawing/2014/main" id="{80A94F79-27BC-4AF3-B740-683B69FEB2D2}"/>
+              </a:ext>
+            </a:extLst>
+          </p:cNvPr>
+          <p:cNvSpPr/>
+          <p:nvPr/>
+        </p:nvSpPr>
+        <p:spPr>
+          <a:xfrm>
+            <a:off x="5913422" y="4483281"/>
+            <a:ext cx="4858742" cy="877163"/>
+          </a:xfrm>
+          <a:prstGeom prst="rect">
+            <a:avLst/>
+          </a:prstGeom>
+        </p:spPr>
+        <p:txBody>
+          <a:bodyPr wrap="square">
+            <a:spAutoFit/>
+          </a:bodyPr>
+          <a:lstStyle/>
+          <a:p>
+            <a:pPr marL="285750" indent="-285750">
+              <a:buFont typeface="Arial" panose="020B0604020202020204" pitchFamily="34" charset="0"/>
+              <a:buChar char="•"/>
+            </a:pPr>
+            <a:r>
+              <a:rPr lang="en-US" sz="1700" dirty="0">
+                <a:latin typeface="Futura"/>
+              </a:rPr>
+              <a:t>Unlabeled</a:t>
+            </a:r>
+            <a:r>
+              <a:rPr lang="it-IT" sz="1700" dirty="0">
+                <a:latin typeface="Futura"/>
+              </a:rPr>
+              <a:t> </a:t>
+            </a:r>
+            <a:r>
+              <a:rPr lang="it-IT" sz="1700" dirty="0" err="1">
+                <a:latin typeface="Futura"/>
+              </a:rPr>
+              <a:t>Sampling</a:t>
+            </a:r>
+            <a:endParaRPr lang="it-IT" sz="1700" dirty="0">
+              <a:latin typeface="Futura"/>
+            </a:endParaRPr>
+          </a:p>
+          <a:p>
+            <a:pPr marL="285750" indent="-285750">
+              <a:buFont typeface="Arial" panose="020B0604020202020204" pitchFamily="34" charset="0"/>
+              <a:buChar char="•"/>
+            </a:pPr>
+            <a:r>
+              <a:rPr lang="it-IT" sz="1700" dirty="0" err="1">
+                <a:latin typeface="Futura"/>
+              </a:rPr>
+              <a:t>Execution</a:t>
+            </a:r>
+            <a:r>
+              <a:rPr lang="it-IT" sz="1700" dirty="0">
+                <a:latin typeface="Futura"/>
+              </a:rPr>
+              <a:t> </a:t>
+            </a:r>
+            <a:r>
+              <a:rPr lang="it-IT" sz="1700" dirty="0" err="1">
+                <a:latin typeface="Futura"/>
+              </a:rPr>
+              <a:t>order</a:t>
+            </a:r>
+            <a:r>
+              <a:rPr lang="it-IT" sz="1700" dirty="0">
+                <a:latin typeface="Futura"/>
+              </a:rPr>
+              <a:t> of the import </a:t>
+            </a:r>
+            <a:r>
+              <a:rPr lang="it-IT" sz="1700" dirty="0" err="1">
+                <a:latin typeface="Futura"/>
+              </a:rPr>
+              <a:t>section</a:t>
+            </a:r>
+            <a:endParaRPr lang="it-IT" sz="1700" dirty="0">
+              <a:latin typeface="Futura"/>
+            </a:endParaRPr>
+          </a:p>
+          <a:p>
+            <a:pPr marL="285750" indent="-285750">
+              <a:buFont typeface="Arial" panose="020B0604020202020204" pitchFamily="34" charset="0"/>
+              <a:buChar char="•"/>
+            </a:pPr>
+            <a:r>
+              <a:rPr lang="it-IT" sz="1700" dirty="0">
+                <a:latin typeface="Futura"/>
+              </a:rPr>
+              <a:t>New Train set </a:t>
+            </a:r>
+            <a:r>
+              <a:rPr lang="it-IT" sz="1700" dirty="0" err="1">
+                <a:latin typeface="Futura"/>
+              </a:rPr>
+              <a:t>after</a:t>
+            </a:r>
+            <a:r>
+              <a:rPr lang="it-IT" sz="1700" dirty="0">
+                <a:latin typeface="Futura"/>
+              </a:rPr>
+              <a:t> VSVM</a:t>
+            </a:r>
+            <a:endParaRPr lang="en-GB" sz="1700" dirty="0">
+              <a:latin typeface="Futura"/>
+            </a:endParaRPr>
+          </a:p>
+        </p:txBody>
+      </p:sp>
+      <p:sp>
+        <p:nvSpPr>
+          <p:cNvPr id="13" name="Rectangle 12">
+            <a:extLst>
+              <a:ext uri="{FF2B5EF4-FFF2-40B4-BE49-F238E27FC236}">
+                <a16:creationId xmlns:a16="http://schemas.microsoft.com/office/drawing/2014/main" id="{CE779C61-0B42-44B7-8A6F-2A140373D4F6}"/>
+              </a:ext>
+            </a:extLst>
+          </p:cNvPr>
+          <p:cNvSpPr/>
+          <p:nvPr/>
+        </p:nvSpPr>
+        <p:spPr>
+          <a:xfrm>
+            <a:off x="228600" y="6359452"/>
+            <a:ext cx="2063385" cy="338554"/>
           </a:xfrm>
           <a:prstGeom prst="rect">
             <a:avLst/>
@@ -5039,49 +5498,6 @@
           </a:bodyPr>
           <a:lstStyle/>
           <a:p>
-            <a:pPr algn="ctr"/>
-            <a:r>
-              <a:rPr lang="it-IT" sz="1700" dirty="0">
-                <a:ln w="0"/>
-                <a:latin typeface="Futura"/>
-                <a:cs typeface="Microsoft Sans Serif"/>
-              </a:rPr>
-              <a:t>Self - constrained VSVM background</a:t>
-            </a:r>
-            <a:endParaRPr lang="en-GB" sz="1700" dirty="0">
-              <a:ln w="0"/>
-              <a:latin typeface="Futura"/>
-            </a:endParaRPr>
-          </a:p>
-        </p:txBody>
-      </p:sp>
-      <p:sp>
-        <p:nvSpPr>
-          <p:cNvPr id="7" name="Rectangle 6">
-            <a:extLst>
-              <a:ext uri="{FF2B5EF4-FFF2-40B4-BE49-F238E27FC236}">
-                <a16:creationId xmlns:a16="http://schemas.microsoft.com/office/drawing/2014/main" id="{7300695A-CDC9-4C95-8E33-81CA902EC4EC}"/>
-              </a:ext>
-            </a:extLst>
-          </p:cNvPr>
-          <p:cNvSpPr/>
-          <p:nvPr/>
-        </p:nvSpPr>
-        <p:spPr>
-          <a:xfrm>
-            <a:off x="228600" y="6359452"/>
-            <a:ext cx="2063385" cy="338554"/>
-          </a:xfrm>
-          <a:prstGeom prst="rect">
-            <a:avLst/>
-          </a:prstGeom>
-        </p:spPr>
-        <p:txBody>
-          <a:bodyPr wrap="none">
-            <a:spAutoFit/>
-          </a:bodyPr>
-          <a:lstStyle/>
-          <a:p>
             <a:r>
               <a:rPr lang="it-IT" sz="1600" dirty="0">
                 <a:latin typeface="Futura"/>
@@ -5095,10 +5511,10 @@
       </p:sp>
       <p:pic>
         <p:nvPicPr>
-          <p:cNvPr id="8" name="Picture 7">
+          <p:cNvPr id="20" name="Picture 19">
             <a:extLst>
               <a:ext uri="{FF2B5EF4-FFF2-40B4-BE49-F238E27FC236}">
-                <a16:creationId xmlns:a16="http://schemas.microsoft.com/office/drawing/2014/main" id="{3E856712-E5A3-404B-8960-260F8620E5C2}"/>
+                <a16:creationId xmlns:a16="http://schemas.microsoft.com/office/drawing/2014/main" id="{100278A8-F868-4120-A864-F506CD51461C}"/>
               </a:ext>
             </a:extLst>
           </p:cNvPr>
@@ -5108,7 +5524,7 @@
           <p:nvPr/>
         </p:nvPicPr>
         <p:blipFill rotWithShape="1">
-          <a:blip r:embed="rId4">
+          <a:blip r:embed="rId2">
             <a:extLst>
               <a:ext uri="{28A0092B-C50C-407E-A947-70E740481C1C}">
                 <a14:useLocalDpi xmlns:a14="http://schemas.microsoft.com/office/drawing/2010/main" val="0"/>
@@ -5130,10 +5546,10 @@
       </p:pic>
       <p:pic>
         <p:nvPicPr>
-          <p:cNvPr id="9" name="Picture 8">
+          <p:cNvPr id="21" name="Picture 20">
             <a:extLst>
               <a:ext uri="{FF2B5EF4-FFF2-40B4-BE49-F238E27FC236}">
-                <a16:creationId xmlns:a16="http://schemas.microsoft.com/office/drawing/2014/main" id="{E384EF2C-11C8-49D3-9BFA-E2FEAC517F07}"/>
+                <a16:creationId xmlns:a16="http://schemas.microsoft.com/office/drawing/2014/main" id="{E8669315-FE9F-4B36-8884-1466D170BD34}"/>
               </a:ext>
             </a:extLst>
           </p:cNvPr>
@@ -5143,7 +5559,7 @@
           <p:nvPr/>
         </p:nvPicPr>
         <p:blipFill>
-          <a:blip r:embed="rId5" cstate="print">
+          <a:blip r:embed="rId3" cstate="print">
             <a:extLst>
               <a:ext uri="{28A0092B-C50C-407E-A947-70E740481C1C}">
                 <a14:useLocalDpi xmlns:a14="http://schemas.microsoft.com/office/drawing/2010/main" val="0"/>
@@ -5164,10 +5580,46 @@
           </a:prstGeom>
         </p:spPr>
       </p:pic>
+      <p:sp>
+        <p:nvSpPr>
+          <p:cNvPr id="3" name="Rectangle 2">
+            <a:extLst>
+              <a:ext uri="{FF2B5EF4-FFF2-40B4-BE49-F238E27FC236}">
+                <a16:creationId xmlns:a16="http://schemas.microsoft.com/office/drawing/2014/main" id="{30C59136-E01A-4A1C-B1B6-F06E124E6CB6}"/>
+              </a:ext>
+            </a:extLst>
+          </p:cNvPr>
+          <p:cNvSpPr/>
+          <p:nvPr/>
+        </p:nvSpPr>
+        <p:spPr>
+          <a:xfrm>
+            <a:off x="381000" y="796759"/>
+            <a:ext cx="3886200" cy="353943"/>
+          </a:xfrm>
+          <a:prstGeom prst="rect">
+            <a:avLst/>
+          </a:prstGeom>
+        </p:spPr>
+        <p:txBody>
+          <a:bodyPr wrap="square">
+            <a:spAutoFit/>
+          </a:bodyPr>
+          <a:lstStyle/>
+          <a:p>
+            <a:r>
+              <a:rPr lang="en-GB" sz="1700" dirty="0">
+                <a:latin typeface="Futura"/>
+              </a:rPr>
+              <a:t>World View-II multispectral data</a:t>
+            </a:r>
+          </a:p>
+        </p:txBody>
+      </p:sp>
     </p:spTree>
     <p:extLst>
       <p:ext uri="{BB962C8B-B14F-4D97-AF65-F5344CB8AC3E}">
-        <p14:creationId xmlns:p14="http://schemas.microsoft.com/office/powerpoint/2010/main" val="3531056288"/>
+        <p14:creationId xmlns:p14="http://schemas.microsoft.com/office/powerpoint/2010/main" val="1682184335"/>
       </p:ext>
     </p:extLst>
   </p:cSld>
@@ -5196,10 +5648,10 @@
       </p:grpSpPr>
       <p:sp>
         <p:nvSpPr>
-          <p:cNvPr id="12" name="Rectangle 11">
+          <p:cNvPr id="13" name="Rectangle 12">
             <a:extLst>
               <a:ext uri="{FF2B5EF4-FFF2-40B4-BE49-F238E27FC236}">
-                <a16:creationId xmlns:a16="http://schemas.microsoft.com/office/drawing/2014/main" id="{948FFA13-4D4F-4C02-8E32-2A97ED740439}"/>
+                <a16:creationId xmlns:a16="http://schemas.microsoft.com/office/drawing/2014/main" id="{327BC71A-746A-4D84-9DB0-C53365C5BEEA}"/>
               </a:ext>
             </a:extLst>
           </p:cNvPr>
@@ -5208,8 +5660,293 @@
         </p:nvSpPr>
         <p:spPr>
           <a:xfrm>
-            <a:off x="4919047" y="186717"/>
-            <a:ext cx="2201505" cy="353943"/>
+            <a:off x="381000" y="4805660"/>
+            <a:ext cx="6096000" cy="1138773"/>
+          </a:xfrm>
+          <a:prstGeom prst="rect">
+            <a:avLst/>
+          </a:prstGeom>
+        </p:spPr>
+        <p:txBody>
+          <a:bodyPr>
+            <a:spAutoFit/>
+          </a:bodyPr>
+          <a:lstStyle/>
+          <a:p>
+            <a:pPr marL="285750" indent="-285750">
+              <a:buFont typeface="Arial" panose="020B0604020202020204" pitchFamily="34" charset="0"/>
+              <a:buChar char="•"/>
+            </a:pPr>
+            <a:r>
+              <a:rPr lang="it-IT" sz="1700" dirty="0" err="1">
+                <a:latin typeface="Futura"/>
+              </a:rPr>
+              <a:t>Uncertainty</a:t>
+            </a:r>
+            <a:r>
+              <a:rPr lang="it-IT" sz="1700" dirty="0">
+                <a:latin typeface="Futura"/>
+              </a:rPr>
+              <a:t> </a:t>
+            </a:r>
+            <a:r>
+              <a:rPr lang="it-IT" sz="1700" dirty="0" err="1">
+                <a:latin typeface="Futura"/>
+              </a:rPr>
+              <a:t>function</a:t>
+            </a:r>
+            <a:r>
+              <a:rPr lang="it-IT" sz="1700" dirty="0">
+                <a:latin typeface="Futura"/>
+              </a:rPr>
+              <a:t> </a:t>
+            </a:r>
+          </a:p>
+          <a:p>
+            <a:pPr marL="285750" indent="-285750">
+              <a:buFont typeface="Arial" panose="020B0604020202020204" pitchFamily="34" charset="0"/>
+              <a:buChar char="•"/>
+            </a:pPr>
+            <a:r>
+              <a:rPr lang="it-IT" sz="1700" dirty="0">
+                <a:latin typeface="Futura"/>
+              </a:rPr>
+              <a:t>Single </a:t>
+            </a:r>
+            <a:r>
+              <a:rPr lang="it-IT" sz="1700" dirty="0" err="1">
+                <a:latin typeface="Futura"/>
+              </a:rPr>
+              <a:t>level</a:t>
+            </a:r>
+            <a:r>
+              <a:rPr lang="it-IT" sz="1700" dirty="0">
+                <a:latin typeface="Futura"/>
+              </a:rPr>
+              <a:t> VS multi </a:t>
+            </a:r>
+            <a:r>
+              <a:rPr lang="it-IT" sz="1700" dirty="0" err="1">
+                <a:latin typeface="Futura"/>
+              </a:rPr>
+              <a:t>level</a:t>
+            </a:r>
+            <a:endParaRPr lang="it-IT" sz="1700" dirty="0">
+              <a:latin typeface="Futura"/>
+            </a:endParaRPr>
+          </a:p>
+          <a:p>
+            <a:pPr marL="285750" indent="-285750">
+              <a:buFont typeface="Arial" panose="020B0604020202020204" pitchFamily="34" charset="0"/>
+              <a:buChar char="•"/>
+            </a:pPr>
+            <a:r>
+              <a:rPr lang="it-IT" sz="1700" dirty="0" err="1">
+                <a:latin typeface="Futura"/>
+              </a:rPr>
+              <a:t>Variable</a:t>
+            </a:r>
+            <a:r>
+              <a:rPr lang="it-IT" sz="1700" dirty="0">
+                <a:latin typeface="Futura"/>
+              </a:rPr>
+              <a:t> </a:t>
+            </a:r>
+            <a:r>
+              <a:rPr lang="it-IT" sz="1700" dirty="0" err="1">
+                <a:latin typeface="Futura"/>
+              </a:rPr>
+              <a:t>dependencies</a:t>
+            </a:r>
+            <a:r>
+              <a:rPr lang="it-IT" sz="1700" dirty="0">
+                <a:latin typeface="Futura"/>
+              </a:rPr>
+              <a:t> inside the script</a:t>
+            </a:r>
+          </a:p>
+          <a:p>
+            <a:pPr marL="285750" indent="-285750">
+              <a:buFont typeface="Arial" panose="020B0604020202020204" pitchFamily="34" charset="0"/>
+              <a:buChar char="•"/>
+            </a:pPr>
+            <a:r>
+              <a:rPr lang="it-IT" sz="1700" dirty="0" err="1">
+                <a:latin typeface="Futura"/>
+              </a:rPr>
+              <a:t>Sequence</a:t>
+            </a:r>
+            <a:r>
+              <a:rPr lang="it-IT" sz="1700" dirty="0">
+                <a:latin typeface="Futura"/>
+              </a:rPr>
+              <a:t>/Order of SVM model </a:t>
+            </a:r>
+            <a:r>
+              <a:rPr lang="it-IT" sz="1700" dirty="0" err="1">
+                <a:latin typeface="Futura"/>
+              </a:rPr>
+              <a:t>implementation</a:t>
+            </a:r>
+            <a:endParaRPr lang="it-IT" sz="1700" dirty="0">
+              <a:latin typeface="Futura"/>
+            </a:endParaRPr>
+          </a:p>
+        </p:txBody>
+      </p:sp>
+      <p:sp>
+        <p:nvSpPr>
+          <p:cNvPr id="14" name="TextBox 13">
+            <a:extLst>
+              <a:ext uri="{FF2B5EF4-FFF2-40B4-BE49-F238E27FC236}">
+                <a16:creationId xmlns:a16="http://schemas.microsoft.com/office/drawing/2014/main" id="{73F8E74F-4FEF-4DCA-A77F-5D8E29E9FF36}"/>
+              </a:ext>
+            </a:extLst>
+          </p:cNvPr>
+          <p:cNvSpPr txBox="1"/>
+          <p:nvPr/>
+        </p:nvSpPr>
+        <p:spPr>
+          <a:xfrm>
+            <a:off x="381000" y="1118272"/>
+            <a:ext cx="3814613" cy="1138773"/>
+          </a:xfrm>
+          <a:prstGeom prst="rect">
+            <a:avLst/>
+          </a:prstGeom>
+          <a:noFill/>
+        </p:spPr>
+        <p:txBody>
+          <a:bodyPr wrap="square" rtlCol="0">
+            <a:spAutoFit/>
+          </a:bodyPr>
+          <a:lstStyle/>
+          <a:p>
+            <a:pPr marL="285750" indent="-285750">
+              <a:buFont typeface="Arial" panose="020B0604020202020204" pitchFamily="34" charset="0"/>
+              <a:buChar char="•"/>
+            </a:pPr>
+            <a:r>
+              <a:rPr lang="it-IT" sz="1700" dirty="0">
+                <a:latin typeface="Futura"/>
+              </a:rPr>
+              <a:t>Script </a:t>
+            </a:r>
+            <a:r>
+              <a:rPr lang="it-IT" sz="1700" dirty="0" err="1">
+                <a:latin typeface="Futura"/>
+              </a:rPr>
+              <a:t>understanding</a:t>
+            </a:r>
+            <a:endParaRPr lang="it-IT" sz="1700" dirty="0">
+              <a:latin typeface="Futura"/>
+            </a:endParaRPr>
+          </a:p>
+          <a:p>
+            <a:pPr marL="742950" lvl="1" indent="-285750">
+              <a:buFont typeface="Arial" panose="020B0604020202020204" pitchFamily="34" charset="0"/>
+              <a:buChar char="•"/>
+            </a:pPr>
+            <a:r>
+              <a:rPr lang="it-IT" sz="1700" dirty="0" err="1">
+                <a:latin typeface="Futura"/>
+              </a:rPr>
+              <a:t>Identify</a:t>
+            </a:r>
+            <a:r>
+              <a:rPr lang="it-IT" sz="1700" dirty="0">
+                <a:latin typeface="Futura"/>
+              </a:rPr>
+              <a:t> </a:t>
+            </a:r>
+            <a:r>
+              <a:rPr lang="it-IT" sz="1700" dirty="0" err="1">
+                <a:latin typeface="Futura"/>
+              </a:rPr>
+              <a:t>structure</a:t>
+            </a:r>
+            <a:endParaRPr lang="it-IT" sz="1700" dirty="0">
+              <a:latin typeface="Futura"/>
+            </a:endParaRPr>
+          </a:p>
+          <a:p>
+            <a:pPr marL="742950" lvl="1" indent="-285750">
+              <a:buFont typeface="Arial" panose="020B0604020202020204" pitchFamily="34" charset="0"/>
+              <a:buChar char="•"/>
+            </a:pPr>
+            <a:r>
+              <a:rPr lang="it-IT" sz="1700" dirty="0" err="1">
+                <a:latin typeface="Futura"/>
+              </a:rPr>
+              <a:t>Find</a:t>
+            </a:r>
+            <a:r>
+              <a:rPr lang="it-IT" sz="1700" dirty="0">
+                <a:latin typeface="Futura"/>
+              </a:rPr>
+              <a:t> the </a:t>
+            </a:r>
+            <a:r>
+              <a:rPr lang="it-IT" sz="1700" dirty="0" err="1">
+                <a:latin typeface="Futura"/>
+              </a:rPr>
+              <a:t>sections</a:t>
+            </a:r>
+            <a:r>
+              <a:rPr lang="it-IT" sz="1700" dirty="0">
+                <a:latin typeface="Futura"/>
+              </a:rPr>
+              <a:t> to </a:t>
+            </a:r>
+            <a:r>
+              <a:rPr lang="it-IT" sz="1700" dirty="0" err="1">
+                <a:latin typeface="Futura"/>
+              </a:rPr>
+              <a:t>extend</a:t>
+            </a:r>
+            <a:endParaRPr lang="it-IT" sz="1700" dirty="0">
+              <a:latin typeface="Futura"/>
+            </a:endParaRPr>
+          </a:p>
+          <a:p>
+            <a:pPr marL="742950" lvl="1" indent="-285750">
+              <a:buFont typeface="Arial" panose="020B0604020202020204" pitchFamily="34" charset="0"/>
+              <a:buChar char="•"/>
+            </a:pPr>
+            <a:r>
+              <a:rPr lang="it-IT" sz="1700" dirty="0">
+                <a:latin typeface="Futura"/>
+              </a:rPr>
+              <a:t>R </a:t>
+            </a:r>
+            <a:r>
+              <a:rPr lang="it-IT" sz="1700" dirty="0" err="1">
+                <a:latin typeface="Futura"/>
+              </a:rPr>
+              <a:t>documentation</a:t>
+            </a:r>
+            <a:endParaRPr lang="it-IT" sz="1700" dirty="0">
+              <a:latin typeface="Futura"/>
+            </a:endParaRPr>
+          </a:p>
+        </p:txBody>
+      </p:sp>
+      <p:sp>
+        <p:nvSpPr>
+          <p:cNvPr id="15" name="Rectangle 14">
+            <a:extLst>
+              <a:ext uri="{FF2B5EF4-FFF2-40B4-BE49-F238E27FC236}">
+                <a16:creationId xmlns:a16="http://schemas.microsoft.com/office/drawing/2014/main" id="{A9BE8CA7-D5ED-47C6-B848-CCDF680687BD}"/>
+              </a:ext>
+            </a:extLst>
+          </p:cNvPr>
+          <p:cNvSpPr/>
+          <p:nvPr/>
+        </p:nvSpPr>
+        <p:spPr>
+          <a:xfrm>
+            <a:off x="381000" y="2922998"/>
+            <a:ext cx="3865081" cy="877163"/>
           </a:xfrm>
           <a:prstGeom prst="rect">
             <a:avLst/>
@@ -5221,49 +5958,6 @@
           </a:bodyPr>
           <a:lstStyle/>
           <a:p>
-            <a:pPr algn="ctr"/>
-            <a:r>
-              <a:rPr lang="it-IT" sz="1700" dirty="0">
-                <a:ln w="0"/>
-                <a:latin typeface="Futura"/>
-                <a:cs typeface="Microsoft Sans Serif"/>
-              </a:rPr>
-              <a:t>Datasets &amp; Models</a:t>
-            </a:r>
-            <a:endParaRPr lang="en-US" sz="1700" dirty="0">
-              <a:ln w="0"/>
-              <a:latin typeface="Futura"/>
-            </a:endParaRPr>
-          </a:p>
-        </p:txBody>
-      </p:sp>
-      <p:sp>
-        <p:nvSpPr>
-          <p:cNvPr id="6" name="Rectangle 5">
-            <a:extLst>
-              <a:ext uri="{FF2B5EF4-FFF2-40B4-BE49-F238E27FC236}">
-                <a16:creationId xmlns:a16="http://schemas.microsoft.com/office/drawing/2014/main" id="{D16B49D4-79D6-47B3-982A-4002F118C366}"/>
-              </a:ext>
-            </a:extLst>
-          </p:cNvPr>
-          <p:cNvSpPr/>
-          <p:nvPr/>
-        </p:nvSpPr>
-        <p:spPr>
-          <a:xfrm>
-            <a:off x="5898908" y="938463"/>
-            <a:ext cx="6001743" cy="2970044"/>
-          </a:xfrm>
-          <a:prstGeom prst="rect">
-            <a:avLst/>
-          </a:prstGeom>
-        </p:spPr>
-        <p:txBody>
-          <a:bodyPr wrap="square">
-            <a:spAutoFit/>
-          </a:bodyPr>
-          <a:lstStyle/>
-          <a:p>
             <a:pPr marL="285750" indent="-285750">
               <a:buFont typeface="Arial" panose="020B0604020202020204" pitchFamily="34" charset="0"/>
               <a:buChar char="•"/>
@@ -5272,136 +5966,13 @@
               <a:rPr lang="it-IT" sz="1700" dirty="0">
                 <a:latin typeface="Futura"/>
               </a:rPr>
-              <a:t>SVM: Support </a:t>
-            </a:r>
-            <a:r>
-              <a:rPr lang="it-IT" sz="1700" dirty="0" err="1">
-                <a:latin typeface="Futura"/>
-              </a:rPr>
-              <a:t>Vector</a:t>
-            </a:r>
-            <a:r>
-              <a:rPr lang="it-IT" sz="1700" dirty="0">
-                <a:latin typeface="Futura"/>
-              </a:rPr>
-              <a:t> Machine</a:t>
-            </a:r>
-          </a:p>
-          <a:p>
-            <a:pPr marL="285750" indent="-285750">
-              <a:buFont typeface="Arial" panose="020B0604020202020204" pitchFamily="34" charset="0"/>
-              <a:buChar char="•"/>
-            </a:pPr>
-            <a:r>
-              <a:rPr lang="it-IT" sz="1700" dirty="0">
-                <a:latin typeface="Futura"/>
-              </a:rPr>
-              <a:t>SVM-MS: include </a:t>
-            </a:r>
-            <a:r>
-              <a:rPr lang="it-IT" sz="1700" dirty="0" err="1">
-                <a:latin typeface="Futura"/>
-              </a:rPr>
-              <a:t>all</a:t>
-            </a:r>
-            <a:r>
-              <a:rPr lang="it-IT" sz="1700" dirty="0">
-                <a:latin typeface="Futura"/>
-              </a:rPr>
-              <a:t> </a:t>
-            </a:r>
-            <a:r>
-              <a:rPr lang="it-IT" sz="1700" dirty="0" err="1">
-                <a:latin typeface="Futura"/>
-              </a:rPr>
-              <a:t>multilevel</a:t>
-            </a:r>
-            <a:r>
-              <a:rPr lang="it-IT" sz="1700" dirty="0">
-                <a:latin typeface="Futura"/>
-              </a:rPr>
-              <a:t> </a:t>
-            </a:r>
-            <a:r>
-              <a:rPr lang="it-IT" sz="1700" dirty="0" err="1">
-                <a:latin typeface="Futura"/>
-              </a:rPr>
-              <a:t>segmentations</a:t>
-            </a:r>
-            <a:endParaRPr lang="it-IT" sz="1700" dirty="0">
-              <a:latin typeface="Futura"/>
-            </a:endParaRPr>
-          </a:p>
-          <a:p>
-            <a:pPr marL="285750" indent="-285750">
-              <a:buFont typeface="Arial" panose="020B0604020202020204" pitchFamily="34" charset="0"/>
-              <a:buChar char="•"/>
-            </a:pPr>
-            <a:r>
-              <a:rPr lang="it-IT" sz="1700" dirty="0">
-                <a:latin typeface="Futura"/>
-              </a:rPr>
-              <a:t>VSVM: </a:t>
-            </a:r>
-            <a:r>
-              <a:rPr lang="it-IT" sz="1700" dirty="0" err="1">
-                <a:latin typeface="Futura"/>
-              </a:rPr>
-              <a:t>enconding</a:t>
-            </a:r>
-            <a:r>
-              <a:rPr lang="it-IT" sz="1700" dirty="0">
-                <a:latin typeface="Futura"/>
-              </a:rPr>
-              <a:t> </a:t>
-            </a:r>
-            <a:r>
-              <a:rPr lang="it-IT" sz="1700" dirty="0" err="1">
-                <a:latin typeface="Futura"/>
-              </a:rPr>
-              <a:t>invariance</a:t>
-            </a:r>
-            <a:r>
-              <a:rPr lang="it-IT" sz="1700" dirty="0">
-                <a:latin typeface="Futura"/>
-              </a:rPr>
-              <a:t> wrt the </a:t>
-            </a:r>
-            <a:r>
-              <a:rPr lang="it-IT" sz="1700" dirty="0" err="1">
-                <a:latin typeface="Futura"/>
-              </a:rPr>
-              <a:t>SVs</a:t>
-            </a:r>
-            <a:r>
-              <a:rPr lang="it-IT" sz="1700" dirty="0">
-                <a:latin typeface="Futura"/>
-              </a:rPr>
-              <a:t> </a:t>
-            </a:r>
-          </a:p>
-          <a:p>
-            <a:pPr marL="285750" indent="-285750">
-              <a:buFont typeface="Arial" panose="020B0604020202020204" pitchFamily="34" charset="0"/>
-              <a:buChar char="•"/>
-            </a:pPr>
-            <a:r>
-              <a:rPr lang="it-IT" sz="1700" dirty="0">
-                <a:latin typeface="Futura"/>
-              </a:rPr>
-              <a:t>VSVM-SL: Self-learning </a:t>
-            </a:r>
-            <a:r>
-              <a:rPr lang="it-IT" sz="1700" dirty="0" err="1">
-                <a:latin typeface="Futura"/>
-              </a:rPr>
-              <a:t>strategy</a:t>
-            </a:r>
-            <a:r>
-              <a:rPr lang="it-IT" sz="1700" dirty="0">
-                <a:latin typeface="Futura"/>
-              </a:rPr>
-              <a:t> </a:t>
+              <a:t>Script </a:t>
+            </a:r>
+            <a:r>
+              <a:rPr lang="en-US" sz="1700" dirty="0">
+                <a:latin typeface="Futura"/>
+              </a:rPr>
+              <a:t>customization</a:t>
             </a:r>
           </a:p>
           <a:p>
@@ -5410,165 +5981,26 @@
               <a:buChar char="•"/>
             </a:pPr>
             <a:r>
-              <a:rPr lang="it-IT" sz="1700" dirty="0">
-                <a:latin typeface="Futura"/>
-              </a:rPr>
-              <a:t> </a:t>
-            </a:r>
-            <a:r>
-              <a:rPr lang="en-GB" sz="1700" dirty="0">
-                <a:latin typeface="Futura"/>
-              </a:rPr>
-              <a:t>remove VSVs:</a:t>
+              <a:rPr lang="it-IT" sz="1700" dirty="0" err="1">
+                <a:latin typeface="Futura"/>
+              </a:rPr>
+              <a:t>Improve</a:t>
+            </a:r>
+            <a:r>
+              <a:rPr lang="it-IT" sz="1700" dirty="0">
+                <a:latin typeface="Futura"/>
+              </a:rPr>
+              <a:t> code  </a:t>
+            </a:r>
+            <a:r>
+              <a:rPr lang="it-IT" sz="1700" dirty="0" err="1">
+                <a:latin typeface="Futura"/>
+              </a:rPr>
+              <a:t>readability</a:t>
             </a:r>
             <a:endParaRPr lang="it-IT" sz="1700" dirty="0">
               <a:latin typeface="Futura"/>
             </a:endParaRPr>
-          </a:p>
-          <a:p>
-            <a:pPr marL="1200150" lvl="2" indent="-285750">
-              <a:buFont typeface="Arial" panose="020B0604020202020204" pitchFamily="34" charset="0"/>
-              <a:buChar char="•"/>
-            </a:pPr>
-            <a:r>
-              <a:rPr lang="en-GB" sz="1700" dirty="0">
-                <a:latin typeface="Futura"/>
-              </a:rPr>
-              <a:t>over a certain distance wrt the original SVs</a:t>
-            </a:r>
-          </a:p>
-          <a:p>
-            <a:pPr marL="1200150" lvl="2" indent="-285750">
-              <a:buFont typeface="Arial" panose="020B0604020202020204" pitchFamily="34" charset="0"/>
-              <a:buChar char="•"/>
-            </a:pPr>
-            <a:r>
-              <a:rPr lang="en-GB" sz="1700" dirty="0">
-                <a:latin typeface="Futura"/>
-              </a:rPr>
-              <a:t>outside radius threshold on margin distance</a:t>
-            </a:r>
-          </a:p>
-          <a:p>
-            <a:pPr marL="285750" indent="-285750">
-              <a:buFont typeface="Arial" panose="020B0604020202020204" pitchFamily="34" charset="0"/>
-              <a:buChar char="•"/>
-            </a:pPr>
-            <a:r>
-              <a:rPr lang="it-IT" sz="1700" dirty="0">
-                <a:latin typeface="Futura"/>
-              </a:rPr>
-              <a:t>SVM-SL-UNL</a:t>
-            </a:r>
-          </a:p>
-          <a:p>
-            <a:pPr marL="285750" indent="-285750">
-              <a:buFont typeface="Arial" panose="020B0604020202020204" pitchFamily="34" charset="0"/>
-              <a:buChar char="•"/>
-            </a:pPr>
-            <a:r>
-              <a:rPr lang="it-IT" sz="1700" dirty="0">
-                <a:latin typeface="Futura"/>
-              </a:rPr>
-              <a:t>VSVM-SL-UNL</a:t>
-            </a:r>
-          </a:p>
-          <a:p>
-            <a:pPr marL="285750" indent="-285750">
-              <a:buFont typeface="Arial" panose="020B0604020202020204" pitchFamily="34" charset="0"/>
-              <a:buChar char="•"/>
-            </a:pPr>
-            <a:r>
-              <a:rPr lang="it-IT" sz="1700" dirty="0">
-                <a:latin typeface="Futura"/>
-              </a:rPr>
-              <a:t>VSVM-SL-</a:t>
-            </a:r>
-            <a:r>
-              <a:rPr lang="it-IT" sz="1700" dirty="0" err="1">
-                <a:latin typeface="Futura"/>
-              </a:rPr>
-              <a:t>virtual</a:t>
-            </a:r>
-            <a:r>
-              <a:rPr lang="it-IT" sz="1700" dirty="0">
-                <a:latin typeface="Futura"/>
-              </a:rPr>
-              <a:t>-UNL</a:t>
-            </a:r>
-          </a:p>
-          <a:p>
-            <a:pPr marL="285750" indent="-285750">
-              <a:buFont typeface="Arial" panose="020B0604020202020204" pitchFamily="34" charset="0"/>
-              <a:buChar char="•"/>
-            </a:pPr>
-            <a:r>
-              <a:rPr lang="it-IT" sz="1700" dirty="0">
-                <a:latin typeface="Futura"/>
-              </a:rPr>
-              <a:t>VSVM-SL + Active Learning </a:t>
-            </a:r>
-            <a:r>
-              <a:rPr lang="it-IT" sz="1700" dirty="0" err="1">
-                <a:latin typeface="Futura"/>
-              </a:rPr>
-              <a:t>distance</a:t>
-            </a:r>
-            <a:r>
-              <a:rPr lang="it-IT" sz="1700" dirty="0">
-                <a:latin typeface="Futura"/>
-              </a:rPr>
-              <a:t> </a:t>
-            </a:r>
-            <a:r>
-              <a:rPr lang="it-IT" sz="1700" dirty="0" err="1">
-                <a:latin typeface="Futura"/>
-              </a:rPr>
-              <a:t>function</a:t>
-            </a:r>
-            <a:endParaRPr lang="en-GB" sz="1700" dirty="0">
-              <a:latin typeface="Futura"/>
-            </a:endParaRPr>
-          </a:p>
-        </p:txBody>
-      </p:sp>
-      <p:sp>
-        <p:nvSpPr>
-          <p:cNvPr id="4" name="Rectangle 3">
-            <a:extLst>
-              <a:ext uri="{FF2B5EF4-FFF2-40B4-BE49-F238E27FC236}">
-                <a16:creationId xmlns:a16="http://schemas.microsoft.com/office/drawing/2014/main" id="{198AB57B-E5F3-4106-948A-B7C2F0853BDE}"/>
-              </a:ext>
-            </a:extLst>
-          </p:cNvPr>
-          <p:cNvSpPr/>
-          <p:nvPr/>
-        </p:nvSpPr>
-        <p:spPr>
-          <a:xfrm>
-            <a:off x="381000" y="1344665"/>
-            <a:ext cx="5410200" cy="4016484"/>
-          </a:xfrm>
-          <a:prstGeom prst="rect">
-            <a:avLst/>
-          </a:prstGeom>
-        </p:spPr>
-        <p:txBody>
-          <a:bodyPr wrap="square">
-            <a:spAutoFit/>
-          </a:bodyPr>
-          <a:lstStyle/>
-          <a:p>
-            <a:pPr marL="285750" indent="-285750">
-              <a:buFont typeface="Arial" panose="020B0604020202020204" pitchFamily="34" charset="0"/>
-              <a:buChar char="•"/>
-            </a:pPr>
-            <a:r>
-              <a:rPr lang="it-IT" sz="1700" dirty="0">
-                <a:latin typeface="Futura"/>
-              </a:rPr>
-              <a:t>Cologne, Germany </a:t>
-            </a:r>
           </a:p>
           <a:p>
             <a:pPr marL="742950" lvl="1" indent="-285750">
@@ -5576,407 +6008,56 @@
               <a:buChar char="•"/>
             </a:pPr>
             <a:r>
-              <a:rPr lang="it-IT" sz="1700" dirty="0">
-                <a:latin typeface="Futura"/>
-              </a:rPr>
-              <a:t>1000x1000 pixel 1m </a:t>
-            </a:r>
-            <a:r>
-              <a:rPr lang="en-GB" sz="1700" dirty="0">
-                <a:latin typeface="Futura"/>
-              </a:rPr>
-              <a:t>geometric resolution</a:t>
-            </a:r>
-          </a:p>
-          <a:p>
-            <a:pPr marL="742950" lvl="1" indent="-285750">
-              <a:buFont typeface="Arial" panose="020B0604020202020204" pitchFamily="34" charset="0"/>
-              <a:buChar char="•"/>
-            </a:pPr>
-            <a:r>
-              <a:rPr lang="it-IT" sz="1700" dirty="0">
-                <a:latin typeface="Futura"/>
-              </a:rPr>
-              <a:t>1</a:t>
-            </a:r>
-            <a:r>
-              <a:rPr lang="en-GB" sz="1700" dirty="0">
-                <a:latin typeface="Futura"/>
-              </a:rPr>
-              <a:t>8 features</a:t>
-            </a:r>
-          </a:p>
-          <a:p>
-            <a:pPr marL="742950" lvl="1" indent="-285750">
-              <a:buFont typeface="Arial" panose="020B0604020202020204" pitchFamily="34" charset="0"/>
-              <a:buChar char="•"/>
-            </a:pPr>
-            <a:r>
               <a:rPr lang="it-IT" sz="1700" dirty="0" err="1">
                 <a:latin typeface="Futura"/>
               </a:rPr>
-              <a:t>Invariances</a:t>
-            </a:r>
-            <a:r>
-              <a:rPr lang="it-IT" sz="1700" dirty="0">
-                <a:latin typeface="Futura"/>
-              </a:rPr>
-              <a:t> of </a:t>
-            </a:r>
-            <a:r>
-              <a:rPr lang="it-IT" sz="1700" dirty="0" err="1">
-                <a:latin typeface="Futura"/>
-              </a:rPr>
-              <a:t>shape</a:t>
-            </a:r>
-            <a:r>
-              <a:rPr lang="it-IT" sz="1700" dirty="0">
-                <a:latin typeface="Futura"/>
-              </a:rPr>
-              <a:t>: base </a:t>
-            </a:r>
-            <a:r>
-              <a:rPr lang="it-IT" sz="1700" dirty="0" err="1">
-                <a:latin typeface="Futura"/>
-              </a:rPr>
-              <a:t>level</a:t>
-            </a:r>
-            <a:r>
-              <a:rPr lang="it-IT" sz="1700" dirty="0">
-                <a:latin typeface="Futura"/>
-              </a:rPr>
-              <a:t> + 8 </a:t>
-            </a:r>
-            <a:r>
-              <a:rPr lang="it-IT" sz="1700" dirty="0" err="1">
-                <a:latin typeface="Futura"/>
-              </a:rPr>
-              <a:t>level</a:t>
-            </a:r>
-            <a:endParaRPr lang="it-IT" sz="1700" dirty="0">
-              <a:latin typeface="Futura"/>
-            </a:endParaRPr>
-          </a:p>
-          <a:p>
-            <a:pPr marL="742950" lvl="1" indent="-285750">
-              <a:buFont typeface="Arial" panose="020B0604020202020204" pitchFamily="34" charset="0"/>
-              <a:buChar char="•"/>
-            </a:pPr>
-            <a:r>
-              <a:rPr lang="it-IT" sz="1700" dirty="0" err="1">
-                <a:latin typeface="Futura"/>
-              </a:rPr>
-              <a:t>Invariances</a:t>
-            </a:r>
-            <a:r>
-              <a:rPr lang="it-IT" sz="1700" dirty="0">
-                <a:latin typeface="Futura"/>
-              </a:rPr>
-              <a:t> of scale: base </a:t>
-            </a:r>
-            <a:r>
-              <a:rPr lang="it-IT" sz="1700" dirty="0" err="1">
-                <a:latin typeface="Futura"/>
-              </a:rPr>
-              <a:t>level</a:t>
-            </a:r>
-            <a:r>
-              <a:rPr lang="it-IT" sz="1700" dirty="0">
-                <a:latin typeface="Futura"/>
-              </a:rPr>
-              <a:t> + 9 </a:t>
-            </a:r>
-            <a:r>
-              <a:rPr lang="it-IT" sz="1700" dirty="0" err="1">
-                <a:latin typeface="Futura"/>
-              </a:rPr>
-              <a:t>level</a:t>
-            </a:r>
-            <a:endParaRPr lang="it-IT" sz="1700" dirty="0">
-              <a:latin typeface="Futura"/>
-            </a:endParaRPr>
-          </a:p>
-          <a:p>
-            <a:pPr marL="742950" lvl="1" indent="-285750">
-              <a:buFont typeface="Arial" panose="020B0604020202020204" pitchFamily="34" charset="0"/>
-              <a:buChar char="•"/>
-            </a:pPr>
-            <a:r>
-              <a:rPr lang="it-IT" sz="1700" dirty="0" err="1">
-                <a:latin typeface="Futura"/>
-              </a:rPr>
-              <a:t>Binary</a:t>
-            </a:r>
-            <a:r>
-              <a:rPr lang="it-IT" sz="1700" dirty="0">
-                <a:latin typeface="Futura"/>
-              </a:rPr>
-              <a:t> </a:t>
-            </a:r>
-            <a:r>
-              <a:rPr lang="it-IT" sz="1700" dirty="0" err="1">
-                <a:latin typeface="Futura"/>
-              </a:rPr>
-              <a:t>classification</a:t>
-            </a:r>
-            <a:endParaRPr lang="it-IT" sz="1700" dirty="0">
-              <a:latin typeface="Futura"/>
-            </a:endParaRPr>
-          </a:p>
-          <a:p>
-            <a:pPr marL="742950" lvl="1" indent="-285750">
-              <a:buFont typeface="Arial" panose="020B0604020202020204" pitchFamily="34" charset="0"/>
-              <a:buChar char="•"/>
-            </a:pPr>
-            <a:r>
-              <a:rPr lang="it-IT" sz="1700" dirty="0" err="1">
-                <a:latin typeface="Futura"/>
-              </a:rPr>
-              <a:t>Multiclass</a:t>
-            </a:r>
-            <a:r>
-              <a:rPr lang="it-IT" sz="1700" dirty="0">
-                <a:latin typeface="Futura"/>
-              </a:rPr>
-              <a:t> </a:t>
-            </a:r>
-            <a:r>
-              <a:rPr lang="it-IT" sz="1700" dirty="0" err="1">
-                <a:latin typeface="Futura"/>
-              </a:rPr>
-              <a:t>classification</a:t>
-            </a:r>
-            <a:r>
-              <a:rPr lang="it-IT" sz="1700" dirty="0">
-                <a:latin typeface="Futura"/>
-              </a:rPr>
-              <a:t>: 6 classes</a:t>
-            </a:r>
-            <a:endParaRPr lang="en-GB" sz="1700" dirty="0">
-              <a:latin typeface="Futura"/>
-            </a:endParaRPr>
-          </a:p>
-          <a:p>
-            <a:pPr marL="742950" lvl="1" indent="-285750">
-              <a:buFont typeface="Arial" panose="020B0604020202020204" pitchFamily="34" charset="0"/>
-              <a:buChar char="•"/>
-            </a:pPr>
-            <a:endParaRPr lang="it-IT" sz="1700" dirty="0">
-              <a:latin typeface="Futura"/>
-            </a:endParaRPr>
-          </a:p>
-          <a:p>
-            <a:pPr marL="285750" indent="-285750">
-              <a:buFont typeface="Arial" panose="020B0604020202020204" pitchFamily="34" charset="0"/>
-              <a:buChar char="•"/>
-            </a:pPr>
-            <a:r>
-              <a:rPr lang="it-IT" sz="1700" noProof="1">
-                <a:latin typeface="Futura"/>
-              </a:rPr>
-              <a:t>Hadagera</a:t>
-            </a:r>
-            <a:r>
-              <a:rPr lang="it-IT" sz="1700" dirty="0">
-                <a:latin typeface="Futura"/>
-              </a:rPr>
-              <a:t>, Kenya </a:t>
-            </a:r>
-          </a:p>
-          <a:p>
-            <a:pPr marL="742950" lvl="1" indent="-285750">
-              <a:buFont typeface="Arial" panose="020B0604020202020204" pitchFamily="34" charset="0"/>
-              <a:buChar char="•"/>
-            </a:pPr>
-            <a:r>
-              <a:rPr lang="it-IT" sz="1700" dirty="0">
-                <a:latin typeface="Futura"/>
-              </a:rPr>
-              <a:t>2000x2000 pixel </a:t>
-            </a:r>
-            <a:r>
-              <a:rPr lang="en-GB" sz="1700" dirty="0">
-                <a:latin typeface="Futura"/>
-              </a:rPr>
-              <a:t>0.5m geometric resolution</a:t>
-            </a:r>
-          </a:p>
-          <a:p>
-            <a:pPr marL="742950" lvl="1" indent="-285750">
-              <a:buFont typeface="Arial" panose="020B0604020202020204" pitchFamily="34" charset="0"/>
-              <a:buChar char="•"/>
-            </a:pPr>
-            <a:r>
-              <a:rPr lang="it-IT" sz="1700" dirty="0">
-                <a:latin typeface="Futura"/>
-              </a:rPr>
-              <a:t>2</a:t>
-            </a:r>
-            <a:r>
-              <a:rPr lang="en-GB" sz="1700" dirty="0">
-                <a:latin typeface="Futura"/>
-              </a:rPr>
-              <a:t>6 features</a:t>
-            </a:r>
-          </a:p>
-          <a:p>
-            <a:pPr marL="742950" lvl="1" indent="-285750">
-              <a:buFont typeface="Arial" panose="020B0604020202020204" pitchFamily="34" charset="0"/>
-              <a:buChar char="•"/>
-            </a:pPr>
-            <a:r>
-              <a:rPr lang="it-IT" sz="1700" dirty="0" err="1">
-                <a:latin typeface="Futura"/>
-              </a:rPr>
-              <a:t>Invariances</a:t>
-            </a:r>
-            <a:r>
-              <a:rPr lang="it-IT" sz="1700" dirty="0">
-                <a:latin typeface="Futura"/>
-              </a:rPr>
-              <a:t> of </a:t>
-            </a:r>
-            <a:r>
-              <a:rPr lang="it-IT" sz="1700" dirty="0" err="1">
-                <a:latin typeface="Futura"/>
-              </a:rPr>
-              <a:t>shape</a:t>
-            </a:r>
-            <a:r>
-              <a:rPr lang="it-IT" sz="1700" dirty="0">
-                <a:latin typeface="Futura"/>
-              </a:rPr>
-              <a:t>: base </a:t>
-            </a:r>
-            <a:r>
-              <a:rPr lang="it-IT" sz="1700" dirty="0" err="1">
-                <a:latin typeface="Futura"/>
-              </a:rPr>
-              <a:t>level</a:t>
-            </a:r>
-            <a:r>
-              <a:rPr lang="it-IT" sz="1700" dirty="0">
-                <a:latin typeface="Futura"/>
-              </a:rPr>
-              <a:t> + 8 </a:t>
-            </a:r>
-            <a:r>
-              <a:rPr lang="it-IT" sz="1700" dirty="0" err="1">
-                <a:latin typeface="Futura"/>
-              </a:rPr>
-              <a:t>level</a:t>
-            </a:r>
-            <a:endParaRPr lang="it-IT" sz="1700" dirty="0">
-              <a:latin typeface="Futura"/>
-            </a:endParaRPr>
-          </a:p>
-          <a:p>
-            <a:pPr marL="742950" lvl="1" indent="-285750">
-              <a:buFont typeface="Arial" panose="020B0604020202020204" pitchFamily="34" charset="0"/>
-              <a:buChar char="•"/>
-            </a:pPr>
-            <a:r>
-              <a:rPr lang="it-IT" sz="1700" dirty="0" err="1">
-                <a:latin typeface="Futura"/>
-              </a:rPr>
-              <a:t>Invariances</a:t>
-            </a:r>
-            <a:r>
-              <a:rPr lang="it-IT" sz="1700" dirty="0">
-                <a:latin typeface="Futura"/>
-              </a:rPr>
-              <a:t> of scale: base </a:t>
-            </a:r>
-            <a:r>
-              <a:rPr lang="it-IT" sz="1700" dirty="0" err="1">
-                <a:latin typeface="Futura"/>
-              </a:rPr>
-              <a:t>level</a:t>
-            </a:r>
-            <a:r>
-              <a:rPr lang="it-IT" sz="1700" dirty="0">
-                <a:latin typeface="Futura"/>
-              </a:rPr>
-              <a:t> + 7 </a:t>
-            </a:r>
-            <a:r>
-              <a:rPr lang="it-IT" sz="1700" dirty="0" err="1">
-                <a:latin typeface="Futura"/>
-              </a:rPr>
-              <a:t>level</a:t>
-            </a:r>
-            <a:endParaRPr lang="it-IT" sz="1700" dirty="0">
-              <a:latin typeface="Futura"/>
-            </a:endParaRPr>
-          </a:p>
-          <a:p>
-            <a:pPr marL="742950" lvl="1" indent="-285750">
-              <a:buFont typeface="Arial" panose="020B0604020202020204" pitchFamily="34" charset="0"/>
-              <a:buChar char="•"/>
-            </a:pPr>
-            <a:r>
-              <a:rPr lang="it-IT" sz="1700" dirty="0" err="1">
-                <a:latin typeface="Futura"/>
-              </a:rPr>
-              <a:t>Binary</a:t>
-            </a:r>
-            <a:r>
-              <a:rPr lang="it-IT" sz="1700" dirty="0">
-                <a:latin typeface="Futura"/>
-              </a:rPr>
-              <a:t> </a:t>
-            </a:r>
-            <a:r>
-              <a:rPr lang="it-IT" sz="1700" dirty="0" err="1">
-                <a:latin typeface="Futura"/>
-              </a:rPr>
-              <a:t>classification</a:t>
-            </a:r>
-            <a:endParaRPr lang="it-IT" sz="1700" dirty="0">
-              <a:latin typeface="Futura"/>
-            </a:endParaRPr>
-          </a:p>
-          <a:p>
-            <a:pPr marL="742950" lvl="1" indent="-285750">
-              <a:buFont typeface="Arial" panose="020B0604020202020204" pitchFamily="34" charset="0"/>
-              <a:buChar char="•"/>
-            </a:pPr>
-            <a:r>
-              <a:rPr lang="it-IT" sz="1700" dirty="0" err="1">
-                <a:latin typeface="Futura"/>
-              </a:rPr>
-              <a:t>Multiclass</a:t>
-            </a:r>
-            <a:r>
-              <a:rPr lang="it-IT" sz="1700" dirty="0">
-                <a:latin typeface="Futura"/>
-              </a:rPr>
-              <a:t> </a:t>
-            </a:r>
-            <a:r>
-              <a:rPr lang="it-IT" sz="1700" dirty="0" err="1">
-                <a:latin typeface="Futura"/>
-              </a:rPr>
-              <a:t>classification</a:t>
-            </a:r>
-            <a:r>
-              <a:rPr lang="it-IT" sz="1700" dirty="0">
-                <a:latin typeface="Futura"/>
-              </a:rPr>
-              <a:t>: 5 classes</a:t>
-            </a:r>
-            <a:endParaRPr lang="en-GB" sz="1700" dirty="0">
-              <a:latin typeface="Futura"/>
-            </a:endParaRPr>
+              <a:t>Optimize</a:t>
+            </a:r>
+            <a:r>
+              <a:rPr lang="it-IT" sz="1700" dirty="0">
+                <a:latin typeface="Futura"/>
+              </a:rPr>
+              <a:t> performance</a:t>
+            </a:r>
           </a:p>
         </p:txBody>
       </p:sp>
+      <p:pic>
+        <p:nvPicPr>
+          <p:cNvPr id="16" name="Picture 15">
+            <a:extLst>
+              <a:ext uri="{FF2B5EF4-FFF2-40B4-BE49-F238E27FC236}">
+                <a16:creationId xmlns:a16="http://schemas.microsoft.com/office/drawing/2014/main" id="{F4972CCB-94D5-4DE1-8AB2-711763C7F8EA}"/>
+              </a:ext>
+            </a:extLst>
+          </p:cNvPr>
+          <p:cNvPicPr>
+            <a:picLocks noChangeAspect="1"/>
+          </p:cNvPicPr>
+          <p:nvPr/>
+        </p:nvPicPr>
+        <p:blipFill>
+          <a:blip r:embed="rId2"/>
+          <a:stretch>
+            <a:fillRect/>
+          </a:stretch>
+        </p:blipFill>
+        <p:spPr>
+          <a:xfrm>
+            <a:off x="3042097" y="1177777"/>
+            <a:ext cx="523948" cy="266737"/>
+          </a:xfrm>
+          <a:prstGeom prst="rect">
+            <a:avLst/>
+          </a:prstGeom>
+        </p:spPr>
+      </p:pic>
       <p:sp>
         <p:nvSpPr>
-          <p:cNvPr id="15" name="Rectangle 14">
+          <p:cNvPr id="29" name="Rectangle 28">
             <a:extLst>
               <a:ext uri="{FF2B5EF4-FFF2-40B4-BE49-F238E27FC236}">
-                <a16:creationId xmlns:a16="http://schemas.microsoft.com/office/drawing/2014/main" id="{80A94F79-27BC-4AF3-B740-683B69FEB2D2}"/>
+                <a16:creationId xmlns:a16="http://schemas.microsoft.com/office/drawing/2014/main" id="{1DC3EAB0-17F8-48BD-A236-42738A4ACAE9}"/>
               </a:ext>
             </a:extLst>
           </p:cNvPr>
@@ -5985,129 +6066,8 @@
         </p:nvSpPr>
         <p:spPr>
           <a:xfrm>
-            <a:off x="5913422" y="4483281"/>
-            <a:ext cx="4858742" cy="877163"/>
-          </a:xfrm>
-          <a:prstGeom prst="rect">
-            <a:avLst/>
-          </a:prstGeom>
-        </p:spPr>
-        <p:txBody>
-          <a:bodyPr wrap="square">
-            <a:spAutoFit/>
-          </a:bodyPr>
-          <a:lstStyle/>
-          <a:p>
-            <a:pPr marL="285750" indent="-285750">
-              <a:buFont typeface="Arial" panose="020B0604020202020204" pitchFamily="34" charset="0"/>
-              <a:buChar char="•"/>
-            </a:pPr>
-            <a:r>
-              <a:rPr lang="en-US" sz="1700" dirty="0">
-                <a:latin typeface="Futura"/>
-              </a:rPr>
-              <a:t>Unlabeled</a:t>
-            </a:r>
-            <a:r>
-              <a:rPr lang="it-IT" sz="1700" dirty="0">
-                <a:latin typeface="Futura"/>
-              </a:rPr>
-              <a:t> </a:t>
-            </a:r>
-            <a:r>
-              <a:rPr lang="it-IT" sz="1700" dirty="0" err="1">
-                <a:latin typeface="Futura"/>
-              </a:rPr>
-              <a:t>Sampling</a:t>
-            </a:r>
-            <a:endParaRPr lang="it-IT" sz="1700" dirty="0">
-              <a:latin typeface="Futura"/>
-            </a:endParaRPr>
-          </a:p>
-          <a:p>
-            <a:pPr marL="285750" indent="-285750">
-              <a:buFont typeface="Arial" panose="020B0604020202020204" pitchFamily="34" charset="0"/>
-              <a:buChar char="•"/>
-            </a:pPr>
-            <a:r>
-              <a:rPr lang="it-IT" sz="1700" dirty="0" err="1">
-                <a:latin typeface="Futura"/>
-              </a:rPr>
-              <a:t>Execution</a:t>
-            </a:r>
-            <a:r>
-              <a:rPr lang="it-IT" sz="1700" dirty="0">
-                <a:latin typeface="Futura"/>
-              </a:rPr>
-              <a:t> </a:t>
-            </a:r>
-            <a:r>
-              <a:rPr lang="it-IT" sz="1700" dirty="0" err="1">
-                <a:latin typeface="Futura"/>
-              </a:rPr>
-              <a:t>order</a:t>
-            </a:r>
-            <a:r>
-              <a:rPr lang="it-IT" sz="1700" dirty="0">
-                <a:latin typeface="Futura"/>
-              </a:rPr>
-              <a:t> of the import </a:t>
-            </a:r>
-            <a:r>
-              <a:rPr lang="it-IT" sz="1700" dirty="0" err="1">
-                <a:latin typeface="Futura"/>
-              </a:rPr>
-              <a:t>section</a:t>
-            </a:r>
-            <a:endParaRPr lang="it-IT" sz="1700" dirty="0">
-              <a:latin typeface="Futura"/>
-            </a:endParaRPr>
-          </a:p>
-          <a:p>
-            <a:pPr marL="285750" indent="-285750">
-              <a:buFont typeface="Arial" panose="020B0604020202020204" pitchFamily="34" charset="0"/>
-              <a:buChar char="•"/>
-            </a:pPr>
-            <a:r>
-              <a:rPr lang="it-IT" sz="1700" dirty="0">
-                <a:latin typeface="Futura"/>
-              </a:rPr>
-              <a:t>New Train set </a:t>
-            </a:r>
-            <a:r>
-              <a:rPr lang="it-IT" sz="1700" dirty="0" err="1">
-                <a:latin typeface="Futura"/>
-              </a:rPr>
-              <a:t>after</a:t>
-            </a:r>
-            <a:r>
-              <a:rPr lang="it-IT" sz="1700" dirty="0">
-                <a:latin typeface="Futura"/>
-              </a:rPr>
-              <a:t> VSVM</a:t>
-            </a:r>
-            <a:endParaRPr lang="en-GB" sz="1700" dirty="0">
-              <a:latin typeface="Futura"/>
-            </a:endParaRPr>
-          </a:p>
-        </p:txBody>
-      </p:sp>
-      <p:sp>
-        <p:nvSpPr>
-          <p:cNvPr id="13" name="Rectangle 12">
-            <a:extLst>
-              <a:ext uri="{FF2B5EF4-FFF2-40B4-BE49-F238E27FC236}">
-                <a16:creationId xmlns:a16="http://schemas.microsoft.com/office/drawing/2014/main" id="{CE779C61-0B42-44B7-8A6F-2A140373D4F6}"/>
-              </a:ext>
-            </a:extLst>
-          </p:cNvPr>
-          <p:cNvSpPr/>
-          <p:nvPr/>
-        </p:nvSpPr>
-        <p:spPr>
-          <a:xfrm>
-            <a:off x="228600" y="6359452"/>
-            <a:ext cx="2063385" cy="338554"/>
+            <a:off x="5403344" y="152400"/>
+            <a:ext cx="1519968" cy="353943"/>
           </a:xfrm>
           <a:prstGeom prst="rect">
             <a:avLst/>
@@ -6120,6 +6080,665 @@
           <a:lstStyle/>
           <a:p>
             <a:r>
+              <a:rPr lang="it-IT" sz="1700" dirty="0">
+                <a:ln w="0"/>
+                <a:latin typeface="Futura"/>
+                <a:cs typeface="Microsoft Sans Serif"/>
+              </a:rPr>
+              <a:t>Script </a:t>
+            </a:r>
+            <a:r>
+              <a:rPr lang="it-IT" sz="1700" dirty="0" err="1">
+                <a:ln w="0"/>
+                <a:latin typeface="Futura"/>
+                <a:cs typeface="Microsoft Sans Serif"/>
+              </a:rPr>
+              <a:t>review</a:t>
+            </a:r>
+            <a:endParaRPr lang="it-IT" sz="1700" dirty="0">
+              <a:ln w="0"/>
+              <a:latin typeface="Futura"/>
+              <a:cs typeface="Microsoft Sans Serif"/>
+            </a:endParaRPr>
+          </a:p>
+        </p:txBody>
+      </p:sp>
+      <p:sp>
+        <p:nvSpPr>
+          <p:cNvPr id="4" name="Rectangle: Rounded Corners 3">
+            <a:extLst>
+              <a:ext uri="{FF2B5EF4-FFF2-40B4-BE49-F238E27FC236}">
+                <a16:creationId xmlns:a16="http://schemas.microsoft.com/office/drawing/2014/main" id="{2517FE0F-624D-4E03-B03E-F69F3FE6049C}"/>
+              </a:ext>
+            </a:extLst>
+          </p:cNvPr>
+          <p:cNvSpPr/>
+          <p:nvPr/>
+        </p:nvSpPr>
+        <p:spPr>
+          <a:xfrm>
+            <a:off x="4967242" y="1118796"/>
+            <a:ext cx="6477000" cy="3834204"/>
+          </a:xfrm>
+          <a:prstGeom prst="roundRect">
+            <a:avLst/>
+          </a:prstGeom>
+          <a:noFill/>
+          <a:ln>
+            <a:solidFill>
+              <a:srgbClr val="0C0C0C"/>
+            </a:solidFill>
+          </a:ln>
+        </p:spPr>
+        <p:style>
+          <a:lnRef idx="2">
+            <a:schemeClr val="accent1">
+              <a:shade val="50000"/>
+            </a:schemeClr>
+          </a:lnRef>
+          <a:fillRef idx="1">
+            <a:schemeClr val="accent1"/>
+          </a:fillRef>
+          <a:effectRef idx="0">
+            <a:schemeClr val="accent1"/>
+          </a:effectRef>
+          <a:fontRef idx="minor">
+            <a:schemeClr val="lt1"/>
+          </a:fontRef>
+        </p:style>
+        <p:txBody>
+          <a:bodyPr rtlCol="0" anchor="ctr"/>
+          <a:lstStyle/>
+          <a:p>
+            <a:pPr algn="ctr"/>
+            <a:endParaRPr lang="en-GB"/>
+          </a:p>
+        </p:txBody>
+      </p:sp>
+      <p:sp>
+        <p:nvSpPr>
+          <p:cNvPr id="31" name="Rectangle 30">
+            <a:extLst>
+              <a:ext uri="{FF2B5EF4-FFF2-40B4-BE49-F238E27FC236}">
+                <a16:creationId xmlns:a16="http://schemas.microsoft.com/office/drawing/2014/main" id="{64930A05-8B99-4CC7-90BF-2FCAC022111E}"/>
+              </a:ext>
+            </a:extLst>
+          </p:cNvPr>
+          <p:cNvSpPr/>
+          <p:nvPr/>
+        </p:nvSpPr>
+        <p:spPr>
+          <a:xfrm>
+            <a:off x="7340857" y="1180912"/>
+            <a:ext cx="1996059" cy="353943"/>
+          </a:xfrm>
+          <a:prstGeom prst="rect">
+            <a:avLst/>
+          </a:prstGeom>
+        </p:spPr>
+        <p:txBody>
+          <a:bodyPr wrap="none">
+            <a:spAutoFit/>
+          </a:bodyPr>
+          <a:lstStyle/>
+          <a:p>
+            <a:r>
+              <a:rPr lang="en-GB" sz="1700" dirty="0" err="1">
+                <a:latin typeface="Futura"/>
+              </a:rPr>
+              <a:t>generalDataPool</a:t>
+            </a:r>
+            <a:endParaRPr lang="en-GB" sz="1700" dirty="0">
+              <a:latin typeface="Futura"/>
+            </a:endParaRPr>
+          </a:p>
+        </p:txBody>
+      </p:sp>
+      <p:sp>
+        <p:nvSpPr>
+          <p:cNvPr id="32" name="Rectangle 31">
+            <a:extLst>
+              <a:ext uri="{FF2B5EF4-FFF2-40B4-BE49-F238E27FC236}">
+                <a16:creationId xmlns:a16="http://schemas.microsoft.com/office/drawing/2014/main" id="{C67A35BF-65FC-41DB-BD54-7C7C48FC4CC2}"/>
+              </a:ext>
+            </a:extLst>
+          </p:cNvPr>
+          <p:cNvSpPr/>
+          <p:nvPr/>
+        </p:nvSpPr>
+        <p:spPr>
+          <a:xfrm>
+            <a:off x="5946660" y="1903102"/>
+            <a:ext cx="705642" cy="353943"/>
+          </a:xfrm>
+          <a:prstGeom prst="rect">
+            <a:avLst/>
+          </a:prstGeom>
+        </p:spPr>
+        <p:txBody>
+          <a:bodyPr wrap="none">
+            <a:spAutoFit/>
+          </a:bodyPr>
+          <a:lstStyle/>
+          <a:p>
+            <a:r>
+              <a:rPr lang="en-GB" sz="1700" dirty="0">
+                <a:latin typeface="Futura"/>
+              </a:rPr>
+              <a:t>data</a:t>
+            </a:r>
+          </a:p>
+        </p:txBody>
+      </p:sp>
+      <p:sp>
+        <p:nvSpPr>
+          <p:cNvPr id="34" name="Rectangle 33">
+            <a:extLst>
+              <a:ext uri="{FF2B5EF4-FFF2-40B4-BE49-F238E27FC236}">
+                <a16:creationId xmlns:a16="http://schemas.microsoft.com/office/drawing/2014/main" id="{A6D70EA9-3AD7-4E00-97FE-44A812D52441}"/>
+              </a:ext>
+            </a:extLst>
+          </p:cNvPr>
+          <p:cNvSpPr/>
+          <p:nvPr/>
+        </p:nvSpPr>
+        <p:spPr>
+          <a:xfrm>
+            <a:off x="7925425" y="1726631"/>
+            <a:ext cx="2951449" cy="353943"/>
+          </a:xfrm>
+          <a:prstGeom prst="rect">
+            <a:avLst/>
+          </a:prstGeom>
+        </p:spPr>
+        <p:txBody>
+          <a:bodyPr wrap="none">
+            <a:spAutoFit/>
+          </a:bodyPr>
+          <a:lstStyle/>
+          <a:p>
+            <a:r>
+              <a:rPr lang="en-GB" sz="1700" dirty="0" err="1">
+                <a:latin typeface="Futura"/>
+              </a:rPr>
+              <a:t>normalizedDataPoolAllLev</a:t>
+            </a:r>
+            <a:endParaRPr lang="en-GB" sz="1700" dirty="0">
+              <a:latin typeface="Futura"/>
+            </a:endParaRPr>
+          </a:p>
+        </p:txBody>
+      </p:sp>
+      <p:sp>
+        <p:nvSpPr>
+          <p:cNvPr id="35" name="Rectangle 34">
+            <a:extLst>
+              <a:ext uri="{FF2B5EF4-FFF2-40B4-BE49-F238E27FC236}">
+                <a16:creationId xmlns:a16="http://schemas.microsoft.com/office/drawing/2014/main" id="{E024A468-BDC7-470D-ACCC-ED68DF74C672}"/>
+              </a:ext>
+            </a:extLst>
+          </p:cNvPr>
+          <p:cNvSpPr/>
+          <p:nvPr/>
+        </p:nvSpPr>
+        <p:spPr>
+          <a:xfrm>
+            <a:off x="7925425" y="2141674"/>
+            <a:ext cx="1980029" cy="353943"/>
+          </a:xfrm>
+          <a:prstGeom prst="rect">
+            <a:avLst/>
+          </a:prstGeom>
+        </p:spPr>
+        <p:txBody>
+          <a:bodyPr wrap="none">
+            <a:spAutoFit/>
+          </a:bodyPr>
+          <a:lstStyle/>
+          <a:p>
+            <a:r>
+              <a:rPr lang="en-GB" sz="1700" dirty="0" err="1">
+                <a:solidFill>
+                  <a:schemeClr val="accent3">
+                    <a:lumMod val="50000"/>
+                  </a:schemeClr>
+                </a:solidFill>
+                <a:latin typeface="Futura"/>
+              </a:rPr>
+              <a:t>normalized_data</a:t>
+            </a:r>
+            <a:endParaRPr lang="en-GB" sz="1700" dirty="0">
+              <a:solidFill>
+                <a:schemeClr val="accent3">
+                  <a:lumMod val="50000"/>
+                </a:schemeClr>
+              </a:solidFill>
+              <a:latin typeface="Futura"/>
+            </a:endParaRPr>
+          </a:p>
+        </p:txBody>
+      </p:sp>
+      <p:sp>
+        <p:nvSpPr>
+          <p:cNvPr id="38" name="Rectangle 37">
+            <a:extLst>
+              <a:ext uri="{FF2B5EF4-FFF2-40B4-BE49-F238E27FC236}">
+                <a16:creationId xmlns:a16="http://schemas.microsoft.com/office/drawing/2014/main" id="{F1CBCD57-CEBE-43B0-815F-B7E534DD2EEC}"/>
+              </a:ext>
+            </a:extLst>
+          </p:cNvPr>
+          <p:cNvSpPr/>
+          <p:nvPr/>
+        </p:nvSpPr>
+        <p:spPr>
+          <a:xfrm>
+            <a:off x="5170431" y="3041351"/>
+            <a:ext cx="2250937" cy="353943"/>
+          </a:xfrm>
+          <a:prstGeom prst="rect">
+            <a:avLst/>
+          </a:prstGeom>
+        </p:spPr>
+        <p:txBody>
+          <a:bodyPr wrap="none">
+            <a:spAutoFit/>
+          </a:bodyPr>
+          <a:lstStyle/>
+          <a:p>
+            <a:r>
+              <a:rPr lang="en-GB" sz="1700" dirty="0" err="1">
+                <a:latin typeface="Futura"/>
+              </a:rPr>
+              <a:t>trainDataPoolAllLev</a:t>
+            </a:r>
+            <a:endParaRPr lang="en-GB" sz="1700" dirty="0">
+              <a:latin typeface="Futura"/>
+            </a:endParaRPr>
+          </a:p>
+        </p:txBody>
+      </p:sp>
+      <p:sp>
+        <p:nvSpPr>
+          <p:cNvPr id="39" name="Rectangle 38">
+            <a:extLst>
+              <a:ext uri="{FF2B5EF4-FFF2-40B4-BE49-F238E27FC236}">
+                <a16:creationId xmlns:a16="http://schemas.microsoft.com/office/drawing/2014/main" id="{92AB5B2F-9682-495A-8BDC-228E786D3C8D}"/>
+              </a:ext>
+            </a:extLst>
+          </p:cNvPr>
+          <p:cNvSpPr/>
+          <p:nvPr/>
+        </p:nvSpPr>
+        <p:spPr>
+          <a:xfrm>
+            <a:off x="5165929" y="3579618"/>
+            <a:ext cx="1702710" cy="353943"/>
+          </a:xfrm>
+          <a:prstGeom prst="rect">
+            <a:avLst/>
+          </a:prstGeom>
+        </p:spPr>
+        <p:txBody>
+          <a:bodyPr wrap="none">
+            <a:spAutoFit/>
+          </a:bodyPr>
+          <a:lstStyle/>
+          <a:p>
+            <a:r>
+              <a:rPr lang="en-GB" sz="1700" dirty="0" err="1">
+                <a:latin typeface="Futura"/>
+              </a:rPr>
+              <a:t>testDataAllLev</a:t>
+            </a:r>
+            <a:endParaRPr lang="en-GB" sz="1700" dirty="0">
+              <a:latin typeface="Futura"/>
+            </a:endParaRPr>
+          </a:p>
+        </p:txBody>
+      </p:sp>
+      <p:sp>
+        <p:nvSpPr>
+          <p:cNvPr id="40" name="Rectangle 39">
+            <a:extLst>
+              <a:ext uri="{FF2B5EF4-FFF2-40B4-BE49-F238E27FC236}">
+                <a16:creationId xmlns:a16="http://schemas.microsoft.com/office/drawing/2014/main" id="{6E154780-DDF0-4997-8707-7C6B9CD408EE}"/>
+              </a:ext>
+            </a:extLst>
+          </p:cNvPr>
+          <p:cNvSpPr/>
+          <p:nvPr/>
+        </p:nvSpPr>
+        <p:spPr>
+          <a:xfrm>
+            <a:off x="5133477" y="4117885"/>
+            <a:ext cx="2198038" cy="353943"/>
+          </a:xfrm>
+          <a:prstGeom prst="rect">
+            <a:avLst/>
+          </a:prstGeom>
+        </p:spPr>
+        <p:txBody>
+          <a:bodyPr wrap="none">
+            <a:spAutoFit/>
+          </a:bodyPr>
+          <a:lstStyle/>
+          <a:p>
+            <a:r>
+              <a:rPr lang="en-GB" sz="1700" dirty="0" err="1">
+                <a:latin typeface="Futura"/>
+              </a:rPr>
+              <a:t>validateDataAllLev</a:t>
+            </a:r>
+            <a:endParaRPr lang="en-GB" sz="1700" dirty="0">
+              <a:latin typeface="Futura"/>
+            </a:endParaRPr>
+          </a:p>
+        </p:txBody>
+      </p:sp>
+      <p:sp>
+        <p:nvSpPr>
+          <p:cNvPr id="19" name="Rectangle 18">
+            <a:extLst>
+              <a:ext uri="{FF2B5EF4-FFF2-40B4-BE49-F238E27FC236}">
+                <a16:creationId xmlns:a16="http://schemas.microsoft.com/office/drawing/2014/main" id="{64EDFA32-791C-4A94-B3CC-D3B7E3B13B2B}"/>
+              </a:ext>
+            </a:extLst>
+          </p:cNvPr>
+          <p:cNvSpPr/>
+          <p:nvPr/>
+        </p:nvSpPr>
+        <p:spPr>
+          <a:xfrm>
+            <a:off x="9461620" y="2865825"/>
+            <a:ext cx="1707519" cy="353943"/>
+          </a:xfrm>
+          <a:prstGeom prst="rect">
+            <a:avLst/>
+          </a:prstGeom>
+        </p:spPr>
+        <p:txBody>
+          <a:bodyPr wrap="none">
+            <a:spAutoFit/>
+          </a:bodyPr>
+          <a:lstStyle/>
+          <a:p>
+            <a:r>
+              <a:rPr lang="en-GB" sz="1700" dirty="0" err="1">
+                <a:latin typeface="Futura"/>
+              </a:rPr>
+              <a:t>trainFeat</a:t>
+            </a:r>
+            <a:r>
+              <a:rPr lang="en-GB" sz="1700" dirty="0">
+                <a:latin typeface="Futura"/>
+              </a:rPr>
+              <a:t> (sub)</a:t>
+            </a:r>
+          </a:p>
+        </p:txBody>
+      </p:sp>
+      <p:sp>
+        <p:nvSpPr>
+          <p:cNvPr id="20" name="Rectangle 19">
+            <a:extLst>
+              <a:ext uri="{FF2B5EF4-FFF2-40B4-BE49-F238E27FC236}">
+                <a16:creationId xmlns:a16="http://schemas.microsoft.com/office/drawing/2014/main" id="{028E5AFC-B17F-44AD-B083-B996CA709553}"/>
+              </a:ext>
+            </a:extLst>
+          </p:cNvPr>
+          <p:cNvSpPr/>
+          <p:nvPr/>
+        </p:nvSpPr>
+        <p:spPr>
+          <a:xfrm>
+            <a:off x="9461620" y="3158276"/>
+            <a:ext cx="1317990" cy="353943"/>
+          </a:xfrm>
+          <a:prstGeom prst="rect">
+            <a:avLst/>
+          </a:prstGeom>
+        </p:spPr>
+        <p:txBody>
+          <a:bodyPr wrap="none">
+            <a:spAutoFit/>
+          </a:bodyPr>
+          <a:lstStyle/>
+          <a:p>
+            <a:r>
+              <a:rPr lang="en-GB" sz="1700" dirty="0" err="1">
+                <a:latin typeface="Futura"/>
+              </a:rPr>
+              <a:t>trainLabels</a:t>
+            </a:r>
+            <a:endParaRPr lang="en-GB" sz="1700" dirty="0">
+              <a:latin typeface="Futura"/>
+            </a:endParaRPr>
+          </a:p>
+        </p:txBody>
+      </p:sp>
+      <p:sp>
+        <p:nvSpPr>
+          <p:cNvPr id="22" name="Rectangle 21">
+            <a:extLst>
+              <a:ext uri="{FF2B5EF4-FFF2-40B4-BE49-F238E27FC236}">
+                <a16:creationId xmlns:a16="http://schemas.microsoft.com/office/drawing/2014/main" id="{D9770CF5-6A75-43E6-9D91-60CE9440E7E9}"/>
+              </a:ext>
+            </a:extLst>
+          </p:cNvPr>
+          <p:cNvSpPr/>
+          <p:nvPr/>
+        </p:nvSpPr>
+        <p:spPr>
+          <a:xfrm>
+            <a:off x="9442567" y="3755542"/>
+            <a:ext cx="1226618" cy="353943"/>
+          </a:xfrm>
+          <a:prstGeom prst="rect">
+            <a:avLst/>
+          </a:prstGeom>
+        </p:spPr>
+        <p:txBody>
+          <a:bodyPr wrap="none">
+            <a:spAutoFit/>
+          </a:bodyPr>
+          <a:lstStyle/>
+          <a:p>
+            <a:r>
+              <a:rPr lang="en-GB" sz="1700" dirty="0" err="1">
+                <a:latin typeface="Futura"/>
+              </a:rPr>
+              <a:t>testLabels</a:t>
+            </a:r>
+            <a:endParaRPr lang="en-GB" sz="1700" dirty="0">
+              <a:latin typeface="Futura"/>
+            </a:endParaRPr>
+          </a:p>
+        </p:txBody>
+      </p:sp>
+      <p:sp>
+        <p:nvSpPr>
+          <p:cNvPr id="23" name="Rectangle 22">
+            <a:extLst>
+              <a:ext uri="{FF2B5EF4-FFF2-40B4-BE49-F238E27FC236}">
+                <a16:creationId xmlns:a16="http://schemas.microsoft.com/office/drawing/2014/main" id="{E2DBA619-D70F-4CBF-9E6E-865DCEC97B8A}"/>
+              </a:ext>
+            </a:extLst>
+          </p:cNvPr>
+          <p:cNvSpPr/>
+          <p:nvPr/>
+        </p:nvSpPr>
+        <p:spPr>
+          <a:xfrm>
+            <a:off x="9442567" y="3446218"/>
+            <a:ext cx="1394934" cy="353943"/>
+          </a:xfrm>
+          <a:prstGeom prst="rect">
+            <a:avLst/>
+          </a:prstGeom>
+        </p:spPr>
+        <p:txBody>
+          <a:bodyPr wrap="none">
+            <a:spAutoFit/>
+          </a:bodyPr>
+          <a:lstStyle/>
+          <a:p>
+            <a:r>
+              <a:rPr lang="en-GB" sz="1700" dirty="0" err="1">
+                <a:latin typeface="Futura"/>
+              </a:rPr>
+              <a:t>testFeatsub</a:t>
+            </a:r>
+            <a:endParaRPr lang="en-GB" sz="1700" dirty="0">
+              <a:latin typeface="Futura"/>
+            </a:endParaRPr>
+          </a:p>
+        </p:txBody>
+      </p:sp>
+      <p:sp>
+        <p:nvSpPr>
+          <p:cNvPr id="24" name="Rectangle 23">
+            <a:extLst>
+              <a:ext uri="{FF2B5EF4-FFF2-40B4-BE49-F238E27FC236}">
+                <a16:creationId xmlns:a16="http://schemas.microsoft.com/office/drawing/2014/main" id="{0178521A-2E19-40B1-84E9-6391439B5B84}"/>
+              </a:ext>
+            </a:extLst>
+          </p:cNvPr>
+          <p:cNvSpPr/>
+          <p:nvPr/>
+        </p:nvSpPr>
+        <p:spPr>
+          <a:xfrm>
+            <a:off x="9427264" y="4344418"/>
+            <a:ext cx="1721946" cy="353943"/>
+          </a:xfrm>
+          <a:prstGeom prst="rect">
+            <a:avLst/>
+          </a:prstGeom>
+        </p:spPr>
+        <p:txBody>
+          <a:bodyPr wrap="none">
+            <a:spAutoFit/>
+          </a:bodyPr>
+          <a:lstStyle/>
+          <a:p>
+            <a:r>
+              <a:rPr lang="en-GB" sz="1700" dirty="0" err="1">
+                <a:latin typeface="Futura"/>
+              </a:rPr>
+              <a:t>validateLabels</a:t>
+            </a:r>
+            <a:endParaRPr lang="en-GB" sz="1700" dirty="0">
+              <a:latin typeface="Futura"/>
+            </a:endParaRPr>
+          </a:p>
+        </p:txBody>
+      </p:sp>
+      <p:sp>
+        <p:nvSpPr>
+          <p:cNvPr id="25" name="Rectangle 24">
+            <a:extLst>
+              <a:ext uri="{FF2B5EF4-FFF2-40B4-BE49-F238E27FC236}">
+                <a16:creationId xmlns:a16="http://schemas.microsoft.com/office/drawing/2014/main" id="{0BAD2448-1352-4779-A18C-AB322DE6694F}"/>
+              </a:ext>
+            </a:extLst>
+          </p:cNvPr>
+          <p:cNvSpPr/>
+          <p:nvPr/>
+        </p:nvSpPr>
+        <p:spPr>
+          <a:xfrm>
+            <a:off x="9442567" y="4060600"/>
+            <a:ext cx="1890261" cy="353943"/>
+          </a:xfrm>
+          <a:prstGeom prst="rect">
+            <a:avLst/>
+          </a:prstGeom>
+        </p:spPr>
+        <p:txBody>
+          <a:bodyPr wrap="none">
+            <a:spAutoFit/>
+          </a:bodyPr>
+          <a:lstStyle/>
+          <a:p>
+            <a:r>
+              <a:rPr lang="en-GB" sz="1700" dirty="0" err="1">
+                <a:latin typeface="Futura"/>
+              </a:rPr>
+              <a:t>validateFeatsub</a:t>
+            </a:r>
+            <a:endParaRPr lang="en-GB" sz="1700" dirty="0">
+              <a:latin typeface="Futura"/>
+            </a:endParaRPr>
+          </a:p>
+        </p:txBody>
+      </p:sp>
+      <p:sp>
+        <p:nvSpPr>
+          <p:cNvPr id="26" name="Rectangle 25">
+            <a:extLst>
+              <a:ext uri="{FF2B5EF4-FFF2-40B4-BE49-F238E27FC236}">
+                <a16:creationId xmlns:a16="http://schemas.microsoft.com/office/drawing/2014/main" id="{F3CEC172-9762-4F1F-9582-F4DDFBF735CE}"/>
+              </a:ext>
+            </a:extLst>
+          </p:cNvPr>
+          <p:cNvSpPr/>
+          <p:nvPr/>
+        </p:nvSpPr>
+        <p:spPr>
+          <a:xfrm>
+            <a:off x="7661473" y="3001181"/>
+            <a:ext cx="1560042" cy="353943"/>
+          </a:xfrm>
+          <a:prstGeom prst="rect">
+            <a:avLst/>
+          </a:prstGeom>
+        </p:spPr>
+        <p:txBody>
+          <a:bodyPr wrap="none">
+            <a:spAutoFit/>
+          </a:bodyPr>
+          <a:lstStyle/>
+          <a:p>
+            <a:r>
+              <a:rPr lang="en-GB" sz="1700" dirty="0" err="1">
+                <a:latin typeface="Futura"/>
+              </a:rPr>
+              <a:t>trainDataCur</a:t>
+            </a:r>
+            <a:endParaRPr lang="en-GB" sz="1700" dirty="0">
+              <a:latin typeface="Futura"/>
+            </a:endParaRPr>
+          </a:p>
+        </p:txBody>
+      </p:sp>
+      <p:sp>
+        <p:nvSpPr>
+          <p:cNvPr id="53" name="Rectangle 52">
+            <a:extLst>
+              <a:ext uri="{FF2B5EF4-FFF2-40B4-BE49-F238E27FC236}">
+                <a16:creationId xmlns:a16="http://schemas.microsoft.com/office/drawing/2014/main" id="{33982F88-D912-4B22-8853-3645E34475A4}"/>
+              </a:ext>
+            </a:extLst>
+          </p:cNvPr>
+          <p:cNvSpPr/>
+          <p:nvPr/>
+        </p:nvSpPr>
+        <p:spPr>
+          <a:xfrm>
+            <a:off x="228600" y="6359452"/>
+            <a:ext cx="2063385" cy="338554"/>
+          </a:xfrm>
+          <a:prstGeom prst="rect">
+            <a:avLst/>
+          </a:prstGeom>
+        </p:spPr>
+        <p:txBody>
+          <a:bodyPr wrap="none">
+            <a:spAutoFit/>
+          </a:bodyPr>
+          <a:lstStyle/>
+          <a:p>
+            <a:r>
               <a:rPr lang="it-IT" sz="1600" dirty="0">
                 <a:latin typeface="Futura"/>
                 <a:ea typeface="Microsoft Sans Serif" panose="020B0604020202020204" pitchFamily="34" charset="0"/>
@@ -6132,10 +6751,10 @@
       </p:sp>
       <p:pic>
         <p:nvPicPr>
-          <p:cNvPr id="20" name="Picture 19">
+          <p:cNvPr id="54" name="Picture 53">
             <a:extLst>
               <a:ext uri="{FF2B5EF4-FFF2-40B4-BE49-F238E27FC236}">
-                <a16:creationId xmlns:a16="http://schemas.microsoft.com/office/drawing/2014/main" id="{100278A8-F868-4120-A864-F506CD51461C}"/>
+                <a16:creationId xmlns:a16="http://schemas.microsoft.com/office/drawing/2014/main" id="{317F43A1-DDCB-4A3A-A584-62DEF7F10D04}"/>
               </a:ext>
             </a:extLst>
           </p:cNvPr>
@@ -6145,7 +6764,7 @@
           <p:nvPr/>
         </p:nvPicPr>
         <p:blipFill rotWithShape="1">
-          <a:blip r:embed="rId2">
+          <a:blip r:embed="rId3">
             <a:extLst>
               <a:ext uri="{28A0092B-C50C-407E-A947-70E740481C1C}">
                 <a14:useLocalDpi xmlns:a14="http://schemas.microsoft.com/office/drawing/2010/main" val="0"/>
@@ -6167,10 +6786,10 @@
       </p:pic>
       <p:pic>
         <p:nvPicPr>
-          <p:cNvPr id="21" name="Picture 20">
+          <p:cNvPr id="55" name="Picture 54">
             <a:extLst>
               <a:ext uri="{FF2B5EF4-FFF2-40B4-BE49-F238E27FC236}">
-                <a16:creationId xmlns:a16="http://schemas.microsoft.com/office/drawing/2014/main" id="{E8669315-FE9F-4B36-8884-1466D170BD34}"/>
+                <a16:creationId xmlns:a16="http://schemas.microsoft.com/office/drawing/2014/main" id="{291AF232-DD72-49E1-A7EB-36C8BD9B1995}"/>
               </a:ext>
             </a:extLst>
           </p:cNvPr>
@@ -6180,7 +6799,7 @@
           <p:nvPr/>
         </p:nvPicPr>
         <p:blipFill>
-          <a:blip r:embed="rId3" cstate="print">
+          <a:blip r:embed="rId4" cstate="print">
             <a:extLst>
               <a:ext uri="{28A0092B-C50C-407E-A947-70E740481C1C}">
                 <a14:useLocalDpi xmlns:a14="http://schemas.microsoft.com/office/drawing/2010/main" val="0"/>
@@ -6203,10 +6822,10 @@
       </p:pic>
       <p:sp>
         <p:nvSpPr>
-          <p:cNvPr id="3" name="Rectangle 2">
+          <p:cNvPr id="2" name="Rectangle 1">
             <a:extLst>
               <a:ext uri="{FF2B5EF4-FFF2-40B4-BE49-F238E27FC236}">
-                <a16:creationId xmlns:a16="http://schemas.microsoft.com/office/drawing/2014/main" id="{30C59136-E01A-4A1C-B1B6-F06E124E6CB6}"/>
+                <a16:creationId xmlns:a16="http://schemas.microsoft.com/office/drawing/2014/main" id="{AC0E3BA4-46A6-400E-9651-C242B016D65B}"/>
               </a:ext>
             </a:extLst>
           </p:cNvPr>
@@ -6215,32 +6834,47 @@
         </p:nvSpPr>
         <p:spPr>
           <a:xfrm>
-            <a:off x="381000" y="796759"/>
-            <a:ext cx="3886200" cy="353943"/>
+            <a:off x="6995409" y="811922"/>
+            <a:ext cx="2686954" cy="369332"/>
           </a:xfrm>
           <a:prstGeom prst="rect">
             <a:avLst/>
           </a:prstGeom>
         </p:spPr>
         <p:txBody>
-          <a:bodyPr wrap="square">
+          <a:bodyPr wrap="none">
             <a:spAutoFit/>
           </a:bodyPr>
           <a:lstStyle/>
           <a:p>
             <a:r>
-              <a:rPr lang="en-GB" sz="1700" dirty="0">
-                <a:latin typeface="Futura"/>
-              </a:rPr>
-              <a:t>World View-II multispectral data</a:t>
-            </a:r>
+              <a:rPr lang="it-IT" dirty="0">
+                <a:ln w="0"/>
+                <a:latin typeface="Futura"/>
+                <a:cs typeface="Microsoft Sans Serif"/>
+              </a:rPr>
+              <a:t>Dataset </a:t>
+            </a:r>
+            <a:r>
+              <a:rPr lang="it-IT" dirty="0" err="1">
+                <a:ln w="0"/>
+                <a:latin typeface="Futura"/>
+                <a:cs typeface="Microsoft Sans Serif"/>
+              </a:rPr>
+              <a:t>Preprocessing</a:t>
+            </a:r>
+            <a:endParaRPr lang="it-IT" dirty="0">
+              <a:ln w="0"/>
+              <a:latin typeface="Futura"/>
+              <a:cs typeface="Microsoft Sans Serif"/>
+            </a:endParaRPr>
           </a:p>
         </p:txBody>
       </p:sp>
     </p:spTree>
     <p:extLst>
       <p:ext uri="{BB962C8B-B14F-4D97-AF65-F5344CB8AC3E}">
-        <p14:creationId xmlns:p14="http://schemas.microsoft.com/office/powerpoint/2010/main" val="1682184335"/>
+        <p14:creationId xmlns:p14="http://schemas.microsoft.com/office/powerpoint/2010/main" val="2116907477"/>
       </p:ext>
     </p:extLst>
   </p:cSld>
@@ -6269,27 +6903,28 @@
       </p:grpSpPr>
       <p:sp>
         <p:nvSpPr>
-          <p:cNvPr id="13" name="Rectangle 12">
+          <p:cNvPr id="2" name="TextBox 1">
             <a:extLst>
               <a:ext uri="{FF2B5EF4-FFF2-40B4-BE49-F238E27FC236}">
-                <a16:creationId xmlns:a16="http://schemas.microsoft.com/office/drawing/2014/main" id="{327BC71A-746A-4D84-9DB0-C53365C5BEEA}"/>
+                <a16:creationId xmlns:a16="http://schemas.microsoft.com/office/drawing/2014/main" id="{EE3A0654-5DB1-47E8-86CA-FEF40CCE84EB}"/>
               </a:ext>
             </a:extLst>
           </p:cNvPr>
-          <p:cNvSpPr/>
+          <p:cNvSpPr txBox="1"/>
           <p:nvPr/>
         </p:nvSpPr>
         <p:spPr>
           <a:xfrm>
-            <a:off x="381000" y="4805660"/>
-            <a:ext cx="6096000" cy="1138773"/>
-          </a:xfrm>
-          <a:prstGeom prst="rect">
-            <a:avLst/>
-          </a:prstGeom>
+            <a:off x="1066800" y="1143000"/>
+            <a:ext cx="7643439" cy="3754874"/>
+          </a:xfrm>
+          <a:prstGeom prst="rect">
+            <a:avLst/>
+          </a:prstGeom>
+          <a:noFill/>
         </p:spPr>
         <p:txBody>
-          <a:bodyPr>
+          <a:bodyPr wrap="none" rtlCol="0">
             <a:spAutoFit/>
           </a:bodyPr>
           <a:lstStyle/>
@@ -6299,10 +6934,40 @@
               <a:buChar char="•"/>
             </a:pPr>
             <a:r>
+              <a:rPr lang="it-IT" sz="1700" dirty="0">
+                <a:latin typeface="Futura"/>
+              </a:rPr>
+              <a:t>Multiplecores for </a:t>
+            </a:r>
+            <a:r>
               <a:rPr lang="it-IT" sz="1700" dirty="0" err="1">
                 <a:latin typeface="Futura"/>
               </a:rPr>
-              <a:t>Uncertainty</a:t>
+              <a:t>parallel</a:t>
+            </a:r>
+            <a:r>
+              <a:rPr lang="it-IT" sz="1700" dirty="0">
+                <a:latin typeface="Futura"/>
+              </a:rPr>
+              <a:t> computing -&gt; </a:t>
+            </a:r>
+            <a:r>
+              <a:rPr lang="it-IT" sz="1700" i="1" dirty="0" err="1">
+                <a:latin typeface="Futura"/>
+              </a:rPr>
+              <a:t>foreach</a:t>
+            </a:r>
+            <a:r>
+              <a:rPr lang="it-IT" sz="1700" dirty="0">
+                <a:latin typeface="Futura"/>
+              </a:rPr>
+              <a:t> &amp; </a:t>
+            </a:r>
+            <a:r>
+              <a:rPr lang="it-IT" sz="1700" i="1" dirty="0" err="1">
+                <a:latin typeface="Futura"/>
+              </a:rPr>
+              <a:t>doParallel</a:t>
             </a:r>
             <a:r>
               <a:rPr lang="it-IT" sz="1700" dirty="0">
@@ -6314,14 +6979,11 @@
               <a:rPr lang="it-IT" sz="1700" dirty="0" err="1">
                 <a:latin typeface="Futura"/>
               </a:rPr>
-              <a:t>function</a:t>
-            </a:r>
-            <a:r>
-              <a:rPr lang="it-IT" sz="1700" dirty="0">
-                <a:latin typeface="Futura"/>
-              </a:rPr>
-              <a:t> </a:t>
-            </a:r>
+              <a:t>libraries</a:t>
+            </a:r>
+            <a:endParaRPr lang="it-IT" sz="1700" dirty="0">
+              <a:latin typeface="Futura"/>
+            </a:endParaRPr>
           </a:p>
           <a:p>
             <a:pPr marL="285750" indent="-285750">
@@ -6332,27 +6994,27 @@
               <a:rPr lang="it-IT" sz="1700" dirty="0">
                 <a:latin typeface="Futura"/>
               </a:rPr>
-              <a:t>Single </a:t>
-            </a:r>
-            <a:r>
-              <a:rPr lang="it-IT" sz="1700" dirty="0" err="1">
-                <a:latin typeface="Futura"/>
-              </a:rPr>
-              <a:t>level</a:t>
-            </a:r>
-            <a:r>
-              <a:rPr lang="it-IT" sz="1700" dirty="0">
-                <a:latin typeface="Futura"/>
-              </a:rPr>
-              <a:t> VS multi </a:t>
-            </a:r>
-            <a:r>
-              <a:rPr lang="it-IT" sz="1700" dirty="0" err="1">
-                <a:latin typeface="Futura"/>
-              </a:rPr>
-              <a:t>level</a:t>
-            </a:r>
-            <a:endParaRPr lang="it-IT" sz="1700" dirty="0">
+              <a:t>Save </a:t>
+            </a:r>
+            <a:r>
+              <a:rPr lang="it-IT" sz="1700" i="1" dirty="0" err="1">
+                <a:latin typeface="Futura"/>
+              </a:rPr>
+              <a:t>trained</a:t>
+            </a:r>
+            <a:r>
+              <a:rPr lang="it-IT" sz="1700" i="1" dirty="0">
+                <a:latin typeface="Futura"/>
+              </a:rPr>
+              <a:t> </a:t>
+            </a:r>
+            <a:r>
+              <a:rPr lang="it-IT" sz="1700" i="1" dirty="0" err="1">
+                <a:latin typeface="Futura"/>
+              </a:rPr>
+              <a:t>models</a:t>
+            </a:r>
+            <a:endParaRPr lang="it-IT" sz="1700" i="1" dirty="0">
               <a:latin typeface="Futura"/>
             </a:endParaRPr>
           </a:p>
@@ -6365,26 +7027,23 @@
               <a:rPr lang="it-IT" sz="1700" dirty="0" err="1">
                 <a:latin typeface="Futura"/>
               </a:rPr>
-              <a:t>Variable</a:t>
-            </a:r>
-            <a:r>
-              <a:rPr lang="it-IT" sz="1700" dirty="0">
-                <a:latin typeface="Futura"/>
-              </a:rPr>
-              <a:t> </a:t>
-            </a:r>
-            <a:r>
-              <a:rPr lang="it-IT" sz="1700" dirty="0" err="1">
-                <a:latin typeface="Futura"/>
-              </a:rPr>
-              <a:t>dependencies</a:t>
-            </a:r>
-            <a:r>
-              <a:rPr lang="it-IT" sz="1700" dirty="0">
-                <a:latin typeface="Futura"/>
-              </a:rPr>
-              <a:t> inside the script</a:t>
-            </a:r>
+              <a:t>Added</a:t>
+            </a:r>
+            <a:r>
+              <a:rPr lang="it-IT" sz="1700" dirty="0">
+                <a:latin typeface="Futura"/>
+              </a:rPr>
+              <a:t> class </a:t>
+            </a:r>
+            <a:r>
+              <a:rPr lang="it-IT" sz="1700" i="1" dirty="0" err="1">
+                <a:latin typeface="Futura"/>
+              </a:rPr>
+              <a:t>probability</a:t>
+            </a:r>
+            <a:endParaRPr lang="it-IT" sz="1700" i="1" dirty="0">
+              <a:latin typeface="Futura"/>
+            </a:endParaRPr>
           </a:p>
           <a:p>
             <a:pPr marL="285750" indent="-285750">
@@ -6392,22 +7051,339 @@
               <a:buChar char="•"/>
             </a:pPr>
             <a:r>
+              <a:rPr lang="it-IT" sz="1700" dirty="0">
+                <a:latin typeface="Futura"/>
+              </a:rPr>
+              <a:t>From </a:t>
+            </a:r>
+            <a:r>
               <a:rPr lang="it-IT" sz="1700" dirty="0" err="1">
                 <a:latin typeface="Futura"/>
               </a:rPr>
-              <a:t>Sequence</a:t>
-            </a:r>
-            <a:r>
-              <a:rPr lang="it-IT" sz="1700" dirty="0">
-                <a:latin typeface="Futura"/>
-              </a:rPr>
-              <a:t>/Order of SVM model </a:t>
+              <a:t>euclidean</a:t>
+            </a:r>
+            <a:r>
+              <a:rPr lang="it-IT" sz="1700" dirty="0">
+                <a:latin typeface="Futura"/>
+              </a:rPr>
+              <a:t> </a:t>
             </a:r>
             <a:r>
               <a:rPr lang="it-IT" sz="1700" dirty="0" err="1">
                 <a:latin typeface="Futura"/>
               </a:rPr>
+              <a:t>distance</a:t>
+            </a:r>
+            <a:r>
+              <a:rPr lang="it-IT" sz="1700" dirty="0">
+                <a:latin typeface="Futura"/>
+              </a:rPr>
+              <a:t> to kernel </a:t>
+            </a:r>
+            <a:r>
+              <a:rPr lang="it-IT" sz="1700" dirty="0" err="1">
+                <a:latin typeface="Futura"/>
+              </a:rPr>
+              <a:t>distance</a:t>
+            </a:r>
+            <a:r>
+              <a:rPr lang="it-IT" sz="1700" dirty="0">
+                <a:latin typeface="Futura"/>
+              </a:rPr>
+              <a:t> </a:t>
+            </a:r>
+            <a:r>
+              <a:rPr lang="it-IT" sz="1700" dirty="0" err="1">
+                <a:latin typeface="Futura"/>
+              </a:rPr>
+              <a:t>function</a:t>
+            </a:r>
+            <a:endParaRPr lang="it-IT" sz="1700" dirty="0">
+              <a:latin typeface="Futura"/>
+            </a:endParaRPr>
+          </a:p>
+          <a:p>
+            <a:pPr marL="742950" lvl="1" indent="-285750">
+              <a:buFont typeface="Arial" panose="020B0604020202020204" pitchFamily="34" charset="0"/>
+              <a:buChar char="•"/>
+            </a:pPr>
+            <a:r>
+              <a:rPr lang="it-IT" sz="1700" i="1" dirty="0">
+                <a:latin typeface="Futura"/>
+              </a:rPr>
+              <a:t>RBF kernel </a:t>
+            </a:r>
+            <a:r>
+              <a:rPr lang="it-IT" sz="1700" dirty="0" err="1">
+                <a:latin typeface="Futura"/>
+              </a:rPr>
+              <a:t>function</a:t>
+            </a:r>
+            <a:r>
+              <a:rPr lang="it-IT" sz="1700" dirty="0">
+                <a:latin typeface="Futura"/>
+              </a:rPr>
+              <a:t> </a:t>
+            </a:r>
+            <a:r>
+              <a:rPr lang="it-IT" sz="1700" dirty="0" err="1">
+                <a:latin typeface="Futura"/>
+              </a:rPr>
               <a:t>implementation</a:t>
+            </a:r>
+            <a:endParaRPr lang="it-IT" sz="1700" dirty="0">
+              <a:latin typeface="Futura"/>
+            </a:endParaRPr>
+          </a:p>
+          <a:p>
+            <a:pPr marL="285750" indent="-285750">
+              <a:buFont typeface="Arial" panose="020B0604020202020204" pitchFamily="34" charset="0"/>
+              <a:buChar char="•"/>
+            </a:pPr>
+            <a:r>
+              <a:rPr lang="it-IT" sz="1700" dirty="0" err="1">
+                <a:latin typeface="Futura"/>
+              </a:rPr>
+              <a:t>Adapt</a:t>
+            </a:r>
+            <a:r>
+              <a:rPr lang="it-IT" sz="1700" dirty="0">
+                <a:latin typeface="Futura"/>
+              </a:rPr>
+              <a:t> </a:t>
+            </a:r>
+            <a:r>
+              <a:rPr lang="it-IT" sz="1700" i="1" dirty="0" err="1">
+                <a:latin typeface="Futura"/>
+              </a:rPr>
+              <a:t>pred_one</a:t>
+            </a:r>
+            <a:r>
+              <a:rPr lang="it-IT" sz="1700" i="1" dirty="0">
+                <a:latin typeface="Futura"/>
+              </a:rPr>
+              <a:t> </a:t>
+            </a:r>
+            <a:r>
+              <a:rPr lang="it-IT" sz="1700" dirty="0" err="1">
+                <a:latin typeface="Futura"/>
+              </a:rPr>
+              <a:t>function</a:t>
+            </a:r>
+            <a:r>
+              <a:rPr lang="it-IT" sz="1700" dirty="0">
+                <a:latin typeface="Futura"/>
+              </a:rPr>
+              <a:t> to different class </a:t>
+            </a:r>
+            <a:r>
+              <a:rPr lang="it-IT" sz="1700" dirty="0" err="1">
+                <a:latin typeface="Futura"/>
+              </a:rPr>
+              <a:t>label</a:t>
+            </a:r>
+            <a:r>
+              <a:rPr lang="it-IT" sz="1700" dirty="0">
+                <a:latin typeface="Futura"/>
+              </a:rPr>
+              <a:t> </a:t>
+            </a:r>
+            <a:r>
+              <a:rPr lang="it-IT" sz="1700" dirty="0" err="1">
+                <a:latin typeface="Futura"/>
+              </a:rPr>
+              <a:t>distances</a:t>
+            </a:r>
+            <a:endParaRPr lang="it-IT" sz="1700" dirty="0">
+              <a:latin typeface="Futura"/>
+            </a:endParaRPr>
+          </a:p>
+          <a:p>
+            <a:pPr marL="285750" indent="-285750">
+              <a:buFont typeface="Arial" panose="020B0604020202020204" pitchFamily="34" charset="0"/>
+              <a:buChar char="•"/>
+            </a:pPr>
+            <a:endParaRPr lang="it-IT" sz="1700" dirty="0">
+              <a:latin typeface="Futura"/>
+            </a:endParaRPr>
+          </a:p>
+          <a:p>
+            <a:pPr marL="285750" indent="-285750">
+              <a:buFont typeface="Arial" panose="020B0604020202020204" pitchFamily="34" charset="0"/>
+              <a:buChar char="•"/>
+            </a:pPr>
+            <a:r>
+              <a:rPr lang="it-IT" sz="1700" dirty="0" err="1">
+                <a:latin typeface="Futura"/>
+              </a:rPr>
+              <a:t>Marging</a:t>
+            </a:r>
+            <a:r>
+              <a:rPr lang="it-IT" sz="1700" dirty="0">
+                <a:latin typeface="Futura"/>
+              </a:rPr>
+              <a:t> </a:t>
+            </a:r>
+            <a:r>
+              <a:rPr lang="it-IT" sz="1700" dirty="0" err="1">
+                <a:latin typeface="Futura"/>
+              </a:rPr>
+              <a:t>sampling</a:t>
+            </a:r>
+            <a:r>
+              <a:rPr lang="it-IT" sz="1700" dirty="0">
+                <a:latin typeface="Futura"/>
+              </a:rPr>
+              <a:t> (</a:t>
+            </a:r>
+            <a:r>
+              <a:rPr lang="it-IT" sz="1700" dirty="0" err="1">
+                <a:latin typeface="Futura"/>
+              </a:rPr>
+              <a:t>multicore</a:t>
+            </a:r>
+            <a:r>
+              <a:rPr lang="it-IT" sz="1700" dirty="0">
+                <a:latin typeface="Futura"/>
+              </a:rPr>
+              <a:t>)</a:t>
+            </a:r>
+          </a:p>
+          <a:p>
+            <a:pPr marL="285750" indent="-285750">
+              <a:buFont typeface="Arial" panose="020B0604020202020204" pitchFamily="34" charset="0"/>
+              <a:buChar char="•"/>
+            </a:pPr>
+            <a:endParaRPr lang="it-IT" sz="1700" dirty="0">
+              <a:latin typeface="Futura"/>
+            </a:endParaRPr>
+          </a:p>
+          <a:p>
+            <a:pPr marL="285750" indent="-285750">
+              <a:buFont typeface="Arial" panose="020B0604020202020204" pitchFamily="34" charset="0"/>
+              <a:buChar char="•"/>
+            </a:pPr>
+            <a:r>
+              <a:rPr lang="it-IT" sz="1700" dirty="0">
+                <a:latin typeface="Futura"/>
+              </a:rPr>
+              <a:t>MCLU </a:t>
+            </a:r>
+            <a:r>
+              <a:rPr lang="it-IT" sz="1700" dirty="0" err="1">
+                <a:latin typeface="Futura"/>
+              </a:rPr>
+              <a:t>sampling</a:t>
+            </a:r>
+            <a:r>
+              <a:rPr lang="it-IT" sz="1700" dirty="0">
+                <a:latin typeface="Futura"/>
+              </a:rPr>
+              <a:t> (</a:t>
+            </a:r>
+            <a:r>
+              <a:rPr lang="it-IT" sz="1700" dirty="0" err="1">
+                <a:latin typeface="Futura"/>
+              </a:rPr>
+              <a:t>multicore</a:t>
+            </a:r>
+            <a:r>
+              <a:rPr lang="it-IT" sz="1700" dirty="0">
+                <a:latin typeface="Futura"/>
+              </a:rPr>
+              <a:t>)</a:t>
+            </a:r>
+          </a:p>
+          <a:p>
+            <a:pPr marL="285750" indent="-285750">
+              <a:buFont typeface="Arial" panose="020B0604020202020204" pitchFamily="34" charset="0"/>
+              <a:buChar char="•"/>
+            </a:pPr>
+            <a:endParaRPr lang="it-IT" sz="1700" dirty="0">
+              <a:latin typeface="Futura"/>
+            </a:endParaRPr>
+          </a:p>
+          <a:p>
+            <a:pPr marL="285750" indent="-285750">
+              <a:buFont typeface="Arial" panose="020B0604020202020204" pitchFamily="34" charset="0"/>
+              <a:buChar char="•"/>
+            </a:pPr>
+            <a:r>
+              <a:rPr lang="it-IT" sz="1700" dirty="0" err="1">
+                <a:latin typeface="Futura"/>
+              </a:rPr>
+              <a:t>Uncertainty</a:t>
+            </a:r>
+            <a:r>
+              <a:rPr lang="it-IT" sz="1700" dirty="0">
+                <a:latin typeface="Futura"/>
+              </a:rPr>
+              <a:t> </a:t>
+            </a:r>
+            <a:r>
+              <a:rPr lang="it-IT" sz="1700" dirty="0" err="1">
+                <a:latin typeface="Futura"/>
+              </a:rPr>
+              <a:t>distance</a:t>
+            </a:r>
+            <a:r>
+              <a:rPr lang="it-IT" sz="1700" dirty="0">
+                <a:latin typeface="Futura"/>
+              </a:rPr>
+              <a:t> (</a:t>
+            </a:r>
+            <a:r>
+              <a:rPr lang="it-IT" sz="1700" dirty="0" err="1">
+                <a:latin typeface="Futura"/>
+              </a:rPr>
+              <a:t>multicore</a:t>
+            </a:r>
+            <a:r>
+              <a:rPr lang="it-IT" sz="1700" dirty="0">
+                <a:latin typeface="Futura"/>
+              </a:rPr>
+              <a:t>)</a:t>
+            </a:r>
+          </a:p>
+          <a:p>
+            <a:endParaRPr lang="it-IT" sz="1700" dirty="0">
+              <a:latin typeface="Futura"/>
+            </a:endParaRPr>
+          </a:p>
+          <a:p>
+            <a:pPr marL="285750" indent="-285750">
+              <a:buFont typeface="Arial" panose="020B0604020202020204" pitchFamily="34" charset="0"/>
+              <a:buChar char="•"/>
+            </a:pPr>
+            <a:r>
+              <a:rPr lang="it-IT" sz="1700" dirty="0">
+                <a:latin typeface="Futura"/>
+              </a:rPr>
+              <a:t>MCLP </a:t>
+            </a:r>
+            <a:r>
+              <a:rPr lang="it-IT" sz="1700" dirty="0" err="1">
+                <a:latin typeface="Futura"/>
+              </a:rPr>
+              <a:t>sampling</a:t>
+            </a:r>
+            <a:r>
+              <a:rPr lang="it-IT" sz="1700" dirty="0">
+                <a:latin typeface="Futura"/>
+              </a:rPr>
+              <a:t> (</a:t>
+            </a:r>
+            <a:r>
+              <a:rPr lang="it-IT" sz="1700" dirty="0" err="1">
+                <a:latin typeface="Futura"/>
+              </a:rPr>
+              <a:t>multicore</a:t>
+            </a:r>
+            <a:r>
+              <a:rPr lang="it-IT" sz="1700">
+                <a:latin typeface="Futura"/>
+              </a:rPr>
+              <a:t>)</a:t>
             </a:r>
             <a:endParaRPr lang="it-IT" sz="1700" dirty="0">
               <a:latin typeface="Futura"/>
@@ -6417,147 +7393,10 @@
       </p:sp>
       <p:sp>
         <p:nvSpPr>
-          <p:cNvPr id="14" name="TextBox 13">
+          <p:cNvPr id="7" name="Rectangle 6">
             <a:extLst>
               <a:ext uri="{FF2B5EF4-FFF2-40B4-BE49-F238E27FC236}">
-                <a16:creationId xmlns:a16="http://schemas.microsoft.com/office/drawing/2014/main" id="{73F8E74F-4FEF-4DCA-A77F-5D8E29E9FF36}"/>
-              </a:ext>
-            </a:extLst>
-          </p:cNvPr>
-          <p:cNvSpPr txBox="1"/>
-          <p:nvPr/>
-        </p:nvSpPr>
-        <p:spPr>
-          <a:xfrm>
-            <a:off x="381000" y="1118272"/>
-            <a:ext cx="3814613" cy="1138773"/>
-          </a:xfrm>
-          <a:prstGeom prst="rect">
-            <a:avLst/>
-          </a:prstGeom>
-          <a:noFill/>
-        </p:spPr>
-        <p:txBody>
-          <a:bodyPr wrap="square" rtlCol="0">
-            <a:spAutoFit/>
-          </a:bodyPr>
-          <a:lstStyle/>
-          <a:p>
-            <a:pPr marL="285750" indent="-285750">
-              <a:buFont typeface="Arial" panose="020B0604020202020204" pitchFamily="34" charset="0"/>
-              <a:buChar char="•"/>
-            </a:pPr>
-            <a:r>
-              <a:rPr lang="it-IT" sz="1700" dirty="0">
-                <a:latin typeface="Futura"/>
-              </a:rPr>
-              <a:t>Script </a:t>
-            </a:r>
-            <a:r>
-              <a:rPr lang="it-IT" sz="1700" dirty="0" err="1">
-                <a:latin typeface="Futura"/>
-              </a:rPr>
-              <a:t>understanding</a:t>
-            </a:r>
-            <a:endParaRPr lang="it-IT" sz="1700" dirty="0">
-              <a:latin typeface="Futura"/>
-            </a:endParaRPr>
-          </a:p>
-          <a:p>
-            <a:pPr marL="742950" lvl="1" indent="-285750">
-              <a:buFont typeface="Arial" panose="020B0604020202020204" pitchFamily="34" charset="0"/>
-              <a:buChar char="•"/>
-            </a:pPr>
-            <a:r>
-              <a:rPr lang="it-IT" sz="1700" dirty="0" err="1">
-                <a:latin typeface="Futura"/>
-              </a:rPr>
-              <a:t>Identify</a:t>
-            </a:r>
-            <a:r>
-              <a:rPr lang="it-IT" sz="1700" dirty="0">
-                <a:latin typeface="Futura"/>
-              </a:rPr>
-              <a:t> </a:t>
-            </a:r>
-            <a:r>
-              <a:rPr lang="it-IT" sz="1700" dirty="0" err="1">
-                <a:latin typeface="Futura"/>
-              </a:rPr>
-              <a:t>structure</a:t>
-            </a:r>
-            <a:endParaRPr lang="it-IT" sz="1700" dirty="0">
-              <a:latin typeface="Futura"/>
-            </a:endParaRPr>
-          </a:p>
-          <a:p>
-            <a:pPr marL="742950" lvl="1" indent="-285750">
-              <a:buFont typeface="Arial" panose="020B0604020202020204" pitchFamily="34" charset="0"/>
-              <a:buChar char="•"/>
-            </a:pPr>
-            <a:r>
-              <a:rPr lang="it-IT" sz="1700" dirty="0" err="1">
-                <a:latin typeface="Futura"/>
-              </a:rPr>
-              <a:t>Find</a:t>
-            </a:r>
-            <a:r>
-              <a:rPr lang="it-IT" sz="1700" dirty="0">
-                <a:latin typeface="Futura"/>
-              </a:rPr>
-              <a:t> the </a:t>
-            </a:r>
-            <a:r>
-              <a:rPr lang="it-IT" sz="1700" dirty="0" err="1">
-                <a:latin typeface="Futura"/>
-              </a:rPr>
-              <a:t>sections</a:t>
-            </a:r>
-            <a:r>
-              <a:rPr lang="it-IT" sz="1700" dirty="0">
-                <a:latin typeface="Futura"/>
-              </a:rPr>
-              <a:t> to </a:t>
-            </a:r>
-            <a:r>
-              <a:rPr lang="it-IT" sz="1700" dirty="0" err="1">
-                <a:latin typeface="Futura"/>
-              </a:rPr>
-              <a:t>extend</a:t>
-            </a:r>
-            <a:endParaRPr lang="it-IT" sz="1700" dirty="0">
-              <a:latin typeface="Futura"/>
-            </a:endParaRPr>
-          </a:p>
-          <a:p>
-            <a:pPr marL="742950" lvl="1" indent="-285750">
-              <a:buFont typeface="Arial" panose="020B0604020202020204" pitchFamily="34" charset="0"/>
-              <a:buChar char="•"/>
-            </a:pPr>
-            <a:r>
-              <a:rPr lang="it-IT" sz="1700" dirty="0">
-                <a:latin typeface="Futura"/>
-              </a:rPr>
-              <a:t>R </a:t>
-            </a:r>
-            <a:r>
-              <a:rPr lang="it-IT" sz="1700" dirty="0" err="1">
-                <a:latin typeface="Futura"/>
-              </a:rPr>
-              <a:t>documentation</a:t>
-            </a:r>
-            <a:endParaRPr lang="it-IT" sz="1700" dirty="0">
-              <a:latin typeface="Futura"/>
-            </a:endParaRPr>
-          </a:p>
-        </p:txBody>
-      </p:sp>
-      <p:sp>
-        <p:nvSpPr>
-          <p:cNvPr id="15" name="Rectangle 14">
-            <a:extLst>
-              <a:ext uri="{FF2B5EF4-FFF2-40B4-BE49-F238E27FC236}">
-                <a16:creationId xmlns:a16="http://schemas.microsoft.com/office/drawing/2014/main" id="{A9BE8CA7-D5ED-47C6-B848-CCDF680687BD}"/>
+                <a16:creationId xmlns:a16="http://schemas.microsoft.com/office/drawing/2014/main" id="{AC66D211-AAF4-4661-818A-BC4D70F45A60}"/>
               </a:ext>
             </a:extLst>
           </p:cNvPr>
@@ -6566,8 +7405,8 @@
         </p:nvSpPr>
         <p:spPr>
           <a:xfrm>
-            <a:off x="381000" y="2922998"/>
-            <a:ext cx="3865081" cy="877163"/>
+            <a:off x="0" y="152400"/>
+            <a:ext cx="12192000" cy="353943"/>
           </a:xfrm>
           <a:prstGeom prst="rect">
             <a:avLst/>
@@ -6579,76 +7418,36 @@
           </a:bodyPr>
           <a:lstStyle/>
           <a:p>
-            <a:pPr marL="285750" indent="-285750">
-              <a:buFont typeface="Arial" panose="020B0604020202020204" pitchFamily="34" charset="0"/>
-              <a:buChar char="•"/>
-            </a:pPr>
-            <a:r>
-              <a:rPr lang="it-IT" sz="1700" dirty="0">
-                <a:latin typeface="Futura"/>
-              </a:rPr>
-              <a:t>Script </a:t>
-            </a:r>
-            <a:r>
-              <a:rPr lang="en-US" sz="1700" dirty="0">
-                <a:latin typeface="Futura"/>
-              </a:rPr>
-              <a:t>customization</a:t>
-            </a:r>
-          </a:p>
-          <a:p>
-            <a:pPr marL="742950" lvl="1" indent="-285750">
-              <a:buFont typeface="Arial" panose="020B0604020202020204" pitchFamily="34" charset="0"/>
-              <a:buChar char="•"/>
-            </a:pPr>
+            <a:pPr algn="ctr"/>
             <a:r>
               <a:rPr lang="it-IT" sz="1700" dirty="0" err="1">
-                <a:latin typeface="Futura"/>
-              </a:rPr>
-              <a:t>Improve</a:t>
-            </a:r>
-            <a:r>
-              <a:rPr lang="it-IT" sz="1700" dirty="0">
-                <a:latin typeface="Futura"/>
-              </a:rPr>
-              <a:t> code  </a:t>
-            </a:r>
-            <a:r>
-              <a:rPr lang="it-IT" sz="1700" dirty="0" err="1">
-                <a:latin typeface="Futura"/>
-              </a:rPr>
-              <a:t>readability</a:t>
-            </a:r>
-            <a:endParaRPr lang="it-IT" sz="1700" dirty="0">
+                <a:ln w="0"/>
+                <a:latin typeface="Futura"/>
+                <a:cs typeface="Microsoft Sans Serif"/>
+              </a:rPr>
+              <a:t>Implemented</a:t>
+            </a:r>
+            <a:r>
+              <a:rPr lang="it-IT" sz="1700" dirty="0">
+                <a:ln w="0"/>
+                <a:latin typeface="Futura"/>
+                <a:cs typeface="Microsoft Sans Serif"/>
+              </a:rPr>
+              <a:t> steps</a:t>
+            </a:r>
+            <a:endParaRPr lang="en-GB" sz="1700" dirty="0">
+              <a:ln w="0"/>
               <a:latin typeface="Futura"/>
             </a:endParaRPr>
-          </a:p>
-          <a:p>
-            <a:pPr marL="742950" lvl="1" indent="-285750">
-              <a:buFont typeface="Arial" panose="020B0604020202020204" pitchFamily="34" charset="0"/>
-              <a:buChar char="•"/>
-            </a:pPr>
-            <a:r>
-              <a:rPr lang="it-IT" sz="1700" dirty="0" err="1">
-                <a:latin typeface="Futura"/>
-              </a:rPr>
-              <a:t>Optimize</a:t>
-            </a:r>
-            <a:r>
-              <a:rPr lang="it-IT" sz="1700" dirty="0">
-                <a:latin typeface="Futura"/>
-              </a:rPr>
-              <a:t> performance</a:t>
-            </a:r>
           </a:p>
         </p:txBody>
       </p:sp>
       <p:pic>
         <p:nvPicPr>
-          <p:cNvPr id="16" name="Picture 15">
+          <p:cNvPr id="14" name="Picture 13">
             <a:extLst>
               <a:ext uri="{FF2B5EF4-FFF2-40B4-BE49-F238E27FC236}">
-                <a16:creationId xmlns:a16="http://schemas.microsoft.com/office/drawing/2014/main" id="{F4972CCB-94D5-4DE1-8AB2-711763C7F8EA}"/>
+                <a16:creationId xmlns:a16="http://schemas.microsoft.com/office/drawing/2014/main" id="{042E576F-9E28-4F1C-B2E8-CD21F2DB4948}"/>
               </a:ext>
             </a:extLst>
           </p:cNvPr>
@@ -6657,16 +7456,102 @@
           </p:cNvPicPr>
           <p:nvPr/>
         </p:nvPicPr>
-        <p:blipFill>
+        <p:blipFill rotWithShape="1">
           <a:blip r:embed="rId2"/>
-          <a:stretch>
-            <a:fillRect/>
-          </a:stretch>
+          <a:srcRect l="3163" t="13805" r="903" b="14324"/>
+          <a:stretch/>
         </p:blipFill>
         <p:spPr>
           <a:xfrm>
-            <a:off x="3042097" y="1177777"/>
-            <a:ext cx="523948" cy="266737"/>
+            <a:off x="4800600" y="3028353"/>
+            <a:ext cx="1895753" cy="286483"/>
+          </a:xfrm>
+          <a:prstGeom prst="rect">
+            <a:avLst/>
+          </a:prstGeom>
+        </p:spPr>
+      </p:pic>
+      <p:pic>
+        <p:nvPicPr>
+          <p:cNvPr id="16" name="Picture 15">
+            <a:extLst>
+              <a:ext uri="{FF2B5EF4-FFF2-40B4-BE49-F238E27FC236}">
+                <a16:creationId xmlns:a16="http://schemas.microsoft.com/office/drawing/2014/main" id="{99AE6C36-B7A4-4C70-869B-0D814962DE90}"/>
+              </a:ext>
+            </a:extLst>
+          </p:cNvPr>
+          <p:cNvPicPr>
+            <a:picLocks noChangeAspect="1"/>
+          </p:cNvPicPr>
+          <p:nvPr/>
+        </p:nvPicPr>
+        <p:blipFill rotWithShape="1">
+          <a:blip r:embed="rId3"/>
+          <a:srcRect l="14256" t="60215" r="7291" b="6973"/>
+          <a:stretch/>
+        </p:blipFill>
+        <p:spPr>
+          <a:xfrm>
+            <a:off x="7467600" y="3522580"/>
+            <a:ext cx="2207679" cy="283721"/>
+          </a:xfrm>
+          <a:prstGeom prst="rect">
+            <a:avLst/>
+          </a:prstGeom>
+        </p:spPr>
+      </p:pic>
+      <p:pic>
+        <p:nvPicPr>
+          <p:cNvPr id="17" name="Picture 16">
+            <a:extLst>
+              <a:ext uri="{FF2B5EF4-FFF2-40B4-BE49-F238E27FC236}">
+                <a16:creationId xmlns:a16="http://schemas.microsoft.com/office/drawing/2014/main" id="{732E061B-7E4A-4054-B28D-8C00E304FE50}"/>
+              </a:ext>
+            </a:extLst>
+          </p:cNvPr>
+          <p:cNvPicPr>
+            <a:picLocks noChangeAspect="1"/>
+          </p:cNvPicPr>
+          <p:nvPr/>
+        </p:nvPicPr>
+        <p:blipFill rotWithShape="1">
+          <a:blip r:embed="rId3"/>
+          <a:srcRect l="634" t="37849" r="86792" b="38187"/>
+          <a:stretch/>
+        </p:blipFill>
+        <p:spPr>
+          <a:xfrm>
+            <a:off x="6799852" y="3522580"/>
+            <a:ext cx="484495" cy="283721"/>
+          </a:xfrm>
+          <a:prstGeom prst="rect">
+            <a:avLst/>
+          </a:prstGeom>
+        </p:spPr>
+      </p:pic>
+      <p:pic>
+        <p:nvPicPr>
+          <p:cNvPr id="18" name="Picture 17">
+            <a:extLst>
+              <a:ext uri="{FF2B5EF4-FFF2-40B4-BE49-F238E27FC236}">
+                <a16:creationId xmlns:a16="http://schemas.microsoft.com/office/drawing/2014/main" id="{9F59D4A7-21E7-44C7-9747-8A939E758584}"/>
+              </a:ext>
+            </a:extLst>
+          </p:cNvPr>
+          <p:cNvPicPr>
+            <a:picLocks noChangeAspect="1"/>
+          </p:cNvPicPr>
+          <p:nvPr/>
+        </p:nvPicPr>
+        <p:blipFill rotWithShape="1">
+          <a:blip r:embed="rId3"/>
+          <a:srcRect l="25783" t="4809" r="19635" b="67439"/>
+          <a:stretch/>
+        </p:blipFill>
+        <p:spPr>
+          <a:xfrm>
+            <a:off x="4800600" y="3522580"/>
+            <a:ext cx="1815999" cy="283721"/>
           </a:xfrm>
           <a:prstGeom prst="rect">
             <a:avLst/>
@@ -6675,10 +7560,10 @@
       </p:pic>
       <p:sp>
         <p:nvSpPr>
-          <p:cNvPr id="29" name="Rectangle 28">
+          <p:cNvPr id="11" name="Rectangle 10">
             <a:extLst>
               <a:ext uri="{FF2B5EF4-FFF2-40B4-BE49-F238E27FC236}">
-                <a16:creationId xmlns:a16="http://schemas.microsoft.com/office/drawing/2014/main" id="{1DC3EAB0-17F8-48BD-A236-42738A4ACAE9}"/>
+                <a16:creationId xmlns:a16="http://schemas.microsoft.com/office/drawing/2014/main" id="{C4CE36CE-F34A-4EAB-BF7A-9EE78D765351}"/>
               </a:ext>
             </a:extLst>
           </p:cNvPr>
@@ -6687,8 +7572,8 @@
         </p:nvSpPr>
         <p:spPr>
           <a:xfrm>
-            <a:off x="5403344" y="152400"/>
-            <a:ext cx="1519968" cy="353943"/>
+            <a:off x="228600" y="6359452"/>
+            <a:ext cx="2063385" cy="338554"/>
           </a:xfrm>
           <a:prstGeom prst="rect">
             <a:avLst/>
@@ -6701,665 +7586,6 @@
           <a:lstStyle/>
           <a:p>
             <a:r>
-              <a:rPr lang="it-IT" sz="1700" dirty="0">
-                <a:ln w="0"/>
-                <a:latin typeface="Futura"/>
-                <a:cs typeface="Microsoft Sans Serif"/>
-              </a:rPr>
-              <a:t>Script </a:t>
-            </a:r>
-            <a:r>
-              <a:rPr lang="it-IT" sz="1700" dirty="0" err="1">
-                <a:ln w="0"/>
-                <a:latin typeface="Futura"/>
-                <a:cs typeface="Microsoft Sans Serif"/>
-              </a:rPr>
-              <a:t>review</a:t>
-            </a:r>
-            <a:endParaRPr lang="it-IT" sz="1700" dirty="0">
-              <a:ln w="0"/>
-              <a:latin typeface="Futura"/>
-              <a:cs typeface="Microsoft Sans Serif"/>
-            </a:endParaRPr>
-          </a:p>
-        </p:txBody>
-      </p:sp>
-      <p:sp>
-        <p:nvSpPr>
-          <p:cNvPr id="4" name="Rectangle: Rounded Corners 3">
-            <a:extLst>
-              <a:ext uri="{FF2B5EF4-FFF2-40B4-BE49-F238E27FC236}">
-                <a16:creationId xmlns:a16="http://schemas.microsoft.com/office/drawing/2014/main" id="{2517FE0F-624D-4E03-B03E-F69F3FE6049C}"/>
-              </a:ext>
-            </a:extLst>
-          </p:cNvPr>
-          <p:cNvSpPr/>
-          <p:nvPr/>
-        </p:nvSpPr>
-        <p:spPr>
-          <a:xfrm>
-            <a:off x="4967242" y="1118796"/>
-            <a:ext cx="6477000" cy="3834204"/>
-          </a:xfrm>
-          <a:prstGeom prst="roundRect">
-            <a:avLst/>
-          </a:prstGeom>
-          <a:noFill/>
-          <a:ln>
-            <a:solidFill>
-              <a:srgbClr val="0C0C0C"/>
-            </a:solidFill>
-          </a:ln>
-        </p:spPr>
-        <p:style>
-          <a:lnRef idx="2">
-            <a:schemeClr val="accent1">
-              <a:shade val="50000"/>
-            </a:schemeClr>
-          </a:lnRef>
-          <a:fillRef idx="1">
-            <a:schemeClr val="accent1"/>
-          </a:fillRef>
-          <a:effectRef idx="0">
-            <a:schemeClr val="accent1"/>
-          </a:effectRef>
-          <a:fontRef idx="minor">
-            <a:schemeClr val="lt1"/>
-          </a:fontRef>
-        </p:style>
-        <p:txBody>
-          <a:bodyPr rtlCol="0" anchor="ctr"/>
-          <a:lstStyle/>
-          <a:p>
-            <a:pPr algn="ctr"/>
-            <a:endParaRPr lang="en-GB"/>
-          </a:p>
-        </p:txBody>
-      </p:sp>
-      <p:sp>
-        <p:nvSpPr>
-          <p:cNvPr id="31" name="Rectangle 30">
-            <a:extLst>
-              <a:ext uri="{FF2B5EF4-FFF2-40B4-BE49-F238E27FC236}">
-                <a16:creationId xmlns:a16="http://schemas.microsoft.com/office/drawing/2014/main" id="{64930A05-8B99-4CC7-90BF-2FCAC022111E}"/>
-              </a:ext>
-            </a:extLst>
-          </p:cNvPr>
-          <p:cNvSpPr/>
-          <p:nvPr/>
-        </p:nvSpPr>
-        <p:spPr>
-          <a:xfrm>
-            <a:off x="7340857" y="1180912"/>
-            <a:ext cx="1996059" cy="353943"/>
-          </a:xfrm>
-          <a:prstGeom prst="rect">
-            <a:avLst/>
-          </a:prstGeom>
-        </p:spPr>
-        <p:txBody>
-          <a:bodyPr wrap="none">
-            <a:spAutoFit/>
-          </a:bodyPr>
-          <a:lstStyle/>
-          <a:p>
-            <a:r>
-              <a:rPr lang="en-GB" sz="1700" dirty="0" err="1">
-                <a:latin typeface="Futura"/>
-              </a:rPr>
-              <a:t>generalDataPool</a:t>
-            </a:r>
-            <a:endParaRPr lang="en-GB" sz="1700" dirty="0">
-              <a:latin typeface="Futura"/>
-            </a:endParaRPr>
-          </a:p>
-        </p:txBody>
-      </p:sp>
-      <p:sp>
-        <p:nvSpPr>
-          <p:cNvPr id="32" name="Rectangle 31">
-            <a:extLst>
-              <a:ext uri="{FF2B5EF4-FFF2-40B4-BE49-F238E27FC236}">
-                <a16:creationId xmlns:a16="http://schemas.microsoft.com/office/drawing/2014/main" id="{C67A35BF-65FC-41DB-BD54-7C7C48FC4CC2}"/>
-              </a:ext>
-            </a:extLst>
-          </p:cNvPr>
-          <p:cNvSpPr/>
-          <p:nvPr/>
-        </p:nvSpPr>
-        <p:spPr>
-          <a:xfrm>
-            <a:off x="5946660" y="1903102"/>
-            <a:ext cx="705642" cy="353943"/>
-          </a:xfrm>
-          <a:prstGeom prst="rect">
-            <a:avLst/>
-          </a:prstGeom>
-        </p:spPr>
-        <p:txBody>
-          <a:bodyPr wrap="none">
-            <a:spAutoFit/>
-          </a:bodyPr>
-          <a:lstStyle/>
-          <a:p>
-            <a:r>
-              <a:rPr lang="en-GB" sz="1700" dirty="0">
-                <a:latin typeface="Futura"/>
-              </a:rPr>
-              <a:t>data</a:t>
-            </a:r>
-          </a:p>
-        </p:txBody>
-      </p:sp>
-      <p:sp>
-        <p:nvSpPr>
-          <p:cNvPr id="34" name="Rectangle 33">
-            <a:extLst>
-              <a:ext uri="{FF2B5EF4-FFF2-40B4-BE49-F238E27FC236}">
-                <a16:creationId xmlns:a16="http://schemas.microsoft.com/office/drawing/2014/main" id="{A6D70EA9-3AD7-4E00-97FE-44A812D52441}"/>
-              </a:ext>
-            </a:extLst>
-          </p:cNvPr>
-          <p:cNvSpPr/>
-          <p:nvPr/>
-        </p:nvSpPr>
-        <p:spPr>
-          <a:xfrm>
-            <a:off x="7925425" y="1726631"/>
-            <a:ext cx="2951449" cy="353943"/>
-          </a:xfrm>
-          <a:prstGeom prst="rect">
-            <a:avLst/>
-          </a:prstGeom>
-        </p:spPr>
-        <p:txBody>
-          <a:bodyPr wrap="none">
-            <a:spAutoFit/>
-          </a:bodyPr>
-          <a:lstStyle/>
-          <a:p>
-            <a:r>
-              <a:rPr lang="en-GB" sz="1700" dirty="0" err="1">
-                <a:latin typeface="Futura"/>
-              </a:rPr>
-              <a:t>normalizedDataPoolAllLev</a:t>
-            </a:r>
-            <a:endParaRPr lang="en-GB" sz="1700" dirty="0">
-              <a:latin typeface="Futura"/>
-            </a:endParaRPr>
-          </a:p>
-        </p:txBody>
-      </p:sp>
-      <p:sp>
-        <p:nvSpPr>
-          <p:cNvPr id="35" name="Rectangle 34">
-            <a:extLst>
-              <a:ext uri="{FF2B5EF4-FFF2-40B4-BE49-F238E27FC236}">
-                <a16:creationId xmlns:a16="http://schemas.microsoft.com/office/drawing/2014/main" id="{E024A468-BDC7-470D-ACCC-ED68DF74C672}"/>
-              </a:ext>
-            </a:extLst>
-          </p:cNvPr>
-          <p:cNvSpPr/>
-          <p:nvPr/>
-        </p:nvSpPr>
-        <p:spPr>
-          <a:xfrm>
-            <a:off x="7925425" y="2141674"/>
-            <a:ext cx="1980029" cy="353943"/>
-          </a:xfrm>
-          <a:prstGeom prst="rect">
-            <a:avLst/>
-          </a:prstGeom>
-        </p:spPr>
-        <p:txBody>
-          <a:bodyPr wrap="none">
-            <a:spAutoFit/>
-          </a:bodyPr>
-          <a:lstStyle/>
-          <a:p>
-            <a:r>
-              <a:rPr lang="en-GB" sz="1700" dirty="0" err="1">
-                <a:solidFill>
-                  <a:schemeClr val="accent3">
-                    <a:lumMod val="50000"/>
-                  </a:schemeClr>
-                </a:solidFill>
-                <a:latin typeface="Futura"/>
-              </a:rPr>
-              <a:t>normalized_data</a:t>
-            </a:r>
-            <a:endParaRPr lang="en-GB" sz="1700" dirty="0">
-              <a:solidFill>
-                <a:schemeClr val="accent3">
-                  <a:lumMod val="50000"/>
-                </a:schemeClr>
-              </a:solidFill>
-              <a:latin typeface="Futura"/>
-            </a:endParaRPr>
-          </a:p>
-        </p:txBody>
-      </p:sp>
-      <p:sp>
-        <p:nvSpPr>
-          <p:cNvPr id="38" name="Rectangle 37">
-            <a:extLst>
-              <a:ext uri="{FF2B5EF4-FFF2-40B4-BE49-F238E27FC236}">
-                <a16:creationId xmlns:a16="http://schemas.microsoft.com/office/drawing/2014/main" id="{F1CBCD57-CEBE-43B0-815F-B7E534DD2EEC}"/>
-              </a:ext>
-            </a:extLst>
-          </p:cNvPr>
-          <p:cNvSpPr/>
-          <p:nvPr/>
-        </p:nvSpPr>
-        <p:spPr>
-          <a:xfrm>
-            <a:off x="5170431" y="3041351"/>
-            <a:ext cx="2250937" cy="353943"/>
-          </a:xfrm>
-          <a:prstGeom prst="rect">
-            <a:avLst/>
-          </a:prstGeom>
-        </p:spPr>
-        <p:txBody>
-          <a:bodyPr wrap="none">
-            <a:spAutoFit/>
-          </a:bodyPr>
-          <a:lstStyle/>
-          <a:p>
-            <a:r>
-              <a:rPr lang="en-GB" sz="1700" dirty="0" err="1">
-                <a:latin typeface="Futura"/>
-              </a:rPr>
-              <a:t>trainDataPoolAllLev</a:t>
-            </a:r>
-            <a:endParaRPr lang="en-GB" sz="1700" dirty="0">
-              <a:latin typeface="Futura"/>
-            </a:endParaRPr>
-          </a:p>
-        </p:txBody>
-      </p:sp>
-      <p:sp>
-        <p:nvSpPr>
-          <p:cNvPr id="39" name="Rectangle 38">
-            <a:extLst>
-              <a:ext uri="{FF2B5EF4-FFF2-40B4-BE49-F238E27FC236}">
-                <a16:creationId xmlns:a16="http://schemas.microsoft.com/office/drawing/2014/main" id="{92AB5B2F-9682-495A-8BDC-228E786D3C8D}"/>
-              </a:ext>
-            </a:extLst>
-          </p:cNvPr>
-          <p:cNvSpPr/>
-          <p:nvPr/>
-        </p:nvSpPr>
-        <p:spPr>
-          <a:xfrm>
-            <a:off x="5165929" y="3579618"/>
-            <a:ext cx="1702710" cy="353943"/>
-          </a:xfrm>
-          <a:prstGeom prst="rect">
-            <a:avLst/>
-          </a:prstGeom>
-        </p:spPr>
-        <p:txBody>
-          <a:bodyPr wrap="none">
-            <a:spAutoFit/>
-          </a:bodyPr>
-          <a:lstStyle/>
-          <a:p>
-            <a:r>
-              <a:rPr lang="en-GB" sz="1700" dirty="0" err="1">
-                <a:latin typeface="Futura"/>
-              </a:rPr>
-              <a:t>testDataAllLev</a:t>
-            </a:r>
-            <a:endParaRPr lang="en-GB" sz="1700" dirty="0">
-              <a:latin typeface="Futura"/>
-            </a:endParaRPr>
-          </a:p>
-        </p:txBody>
-      </p:sp>
-      <p:sp>
-        <p:nvSpPr>
-          <p:cNvPr id="40" name="Rectangle 39">
-            <a:extLst>
-              <a:ext uri="{FF2B5EF4-FFF2-40B4-BE49-F238E27FC236}">
-                <a16:creationId xmlns:a16="http://schemas.microsoft.com/office/drawing/2014/main" id="{6E154780-DDF0-4997-8707-7C6B9CD408EE}"/>
-              </a:ext>
-            </a:extLst>
-          </p:cNvPr>
-          <p:cNvSpPr/>
-          <p:nvPr/>
-        </p:nvSpPr>
-        <p:spPr>
-          <a:xfrm>
-            <a:off x="5133477" y="4117885"/>
-            <a:ext cx="2198038" cy="353943"/>
-          </a:xfrm>
-          <a:prstGeom prst="rect">
-            <a:avLst/>
-          </a:prstGeom>
-        </p:spPr>
-        <p:txBody>
-          <a:bodyPr wrap="none">
-            <a:spAutoFit/>
-          </a:bodyPr>
-          <a:lstStyle/>
-          <a:p>
-            <a:r>
-              <a:rPr lang="en-GB" sz="1700" dirty="0" err="1">
-                <a:latin typeface="Futura"/>
-              </a:rPr>
-              <a:t>validateDataAllLev</a:t>
-            </a:r>
-            <a:endParaRPr lang="en-GB" sz="1700" dirty="0">
-              <a:latin typeface="Futura"/>
-            </a:endParaRPr>
-          </a:p>
-        </p:txBody>
-      </p:sp>
-      <p:sp>
-        <p:nvSpPr>
-          <p:cNvPr id="19" name="Rectangle 18">
-            <a:extLst>
-              <a:ext uri="{FF2B5EF4-FFF2-40B4-BE49-F238E27FC236}">
-                <a16:creationId xmlns:a16="http://schemas.microsoft.com/office/drawing/2014/main" id="{64EDFA32-791C-4A94-B3CC-D3B7E3B13B2B}"/>
-              </a:ext>
-            </a:extLst>
-          </p:cNvPr>
-          <p:cNvSpPr/>
-          <p:nvPr/>
-        </p:nvSpPr>
-        <p:spPr>
-          <a:xfrm>
-            <a:off x="9461620" y="2865825"/>
-            <a:ext cx="1707519" cy="353943"/>
-          </a:xfrm>
-          <a:prstGeom prst="rect">
-            <a:avLst/>
-          </a:prstGeom>
-        </p:spPr>
-        <p:txBody>
-          <a:bodyPr wrap="none">
-            <a:spAutoFit/>
-          </a:bodyPr>
-          <a:lstStyle/>
-          <a:p>
-            <a:r>
-              <a:rPr lang="en-GB" sz="1700" dirty="0" err="1">
-                <a:latin typeface="Futura"/>
-              </a:rPr>
-              <a:t>trainFeat</a:t>
-            </a:r>
-            <a:r>
-              <a:rPr lang="en-GB" sz="1700" dirty="0">
-                <a:latin typeface="Futura"/>
-              </a:rPr>
-              <a:t> (sub)</a:t>
-            </a:r>
-          </a:p>
-        </p:txBody>
-      </p:sp>
-      <p:sp>
-        <p:nvSpPr>
-          <p:cNvPr id="20" name="Rectangle 19">
-            <a:extLst>
-              <a:ext uri="{FF2B5EF4-FFF2-40B4-BE49-F238E27FC236}">
-                <a16:creationId xmlns:a16="http://schemas.microsoft.com/office/drawing/2014/main" id="{028E5AFC-B17F-44AD-B083-B996CA709553}"/>
-              </a:ext>
-            </a:extLst>
-          </p:cNvPr>
-          <p:cNvSpPr/>
-          <p:nvPr/>
-        </p:nvSpPr>
-        <p:spPr>
-          <a:xfrm>
-            <a:off x="9461620" y="3158276"/>
-            <a:ext cx="1317990" cy="353943"/>
-          </a:xfrm>
-          <a:prstGeom prst="rect">
-            <a:avLst/>
-          </a:prstGeom>
-        </p:spPr>
-        <p:txBody>
-          <a:bodyPr wrap="none">
-            <a:spAutoFit/>
-          </a:bodyPr>
-          <a:lstStyle/>
-          <a:p>
-            <a:r>
-              <a:rPr lang="en-GB" sz="1700" dirty="0" err="1">
-                <a:latin typeface="Futura"/>
-              </a:rPr>
-              <a:t>trainLabels</a:t>
-            </a:r>
-            <a:endParaRPr lang="en-GB" sz="1700" dirty="0">
-              <a:latin typeface="Futura"/>
-            </a:endParaRPr>
-          </a:p>
-        </p:txBody>
-      </p:sp>
-      <p:sp>
-        <p:nvSpPr>
-          <p:cNvPr id="22" name="Rectangle 21">
-            <a:extLst>
-              <a:ext uri="{FF2B5EF4-FFF2-40B4-BE49-F238E27FC236}">
-                <a16:creationId xmlns:a16="http://schemas.microsoft.com/office/drawing/2014/main" id="{D9770CF5-6A75-43E6-9D91-60CE9440E7E9}"/>
-              </a:ext>
-            </a:extLst>
-          </p:cNvPr>
-          <p:cNvSpPr/>
-          <p:nvPr/>
-        </p:nvSpPr>
-        <p:spPr>
-          <a:xfrm>
-            <a:off x="9442567" y="3755542"/>
-            <a:ext cx="1226618" cy="353943"/>
-          </a:xfrm>
-          <a:prstGeom prst="rect">
-            <a:avLst/>
-          </a:prstGeom>
-        </p:spPr>
-        <p:txBody>
-          <a:bodyPr wrap="none">
-            <a:spAutoFit/>
-          </a:bodyPr>
-          <a:lstStyle/>
-          <a:p>
-            <a:r>
-              <a:rPr lang="en-GB" sz="1700" dirty="0" err="1">
-                <a:latin typeface="Futura"/>
-              </a:rPr>
-              <a:t>testLabels</a:t>
-            </a:r>
-            <a:endParaRPr lang="en-GB" sz="1700" dirty="0">
-              <a:latin typeface="Futura"/>
-            </a:endParaRPr>
-          </a:p>
-        </p:txBody>
-      </p:sp>
-      <p:sp>
-        <p:nvSpPr>
-          <p:cNvPr id="23" name="Rectangle 22">
-            <a:extLst>
-              <a:ext uri="{FF2B5EF4-FFF2-40B4-BE49-F238E27FC236}">
-                <a16:creationId xmlns:a16="http://schemas.microsoft.com/office/drawing/2014/main" id="{E2DBA619-D70F-4CBF-9E6E-865DCEC97B8A}"/>
-              </a:ext>
-            </a:extLst>
-          </p:cNvPr>
-          <p:cNvSpPr/>
-          <p:nvPr/>
-        </p:nvSpPr>
-        <p:spPr>
-          <a:xfrm>
-            <a:off x="9442567" y="3446218"/>
-            <a:ext cx="1394934" cy="353943"/>
-          </a:xfrm>
-          <a:prstGeom prst="rect">
-            <a:avLst/>
-          </a:prstGeom>
-        </p:spPr>
-        <p:txBody>
-          <a:bodyPr wrap="none">
-            <a:spAutoFit/>
-          </a:bodyPr>
-          <a:lstStyle/>
-          <a:p>
-            <a:r>
-              <a:rPr lang="en-GB" sz="1700" dirty="0" err="1">
-                <a:latin typeface="Futura"/>
-              </a:rPr>
-              <a:t>testFeatsub</a:t>
-            </a:r>
-            <a:endParaRPr lang="en-GB" sz="1700" dirty="0">
-              <a:latin typeface="Futura"/>
-            </a:endParaRPr>
-          </a:p>
-        </p:txBody>
-      </p:sp>
-      <p:sp>
-        <p:nvSpPr>
-          <p:cNvPr id="24" name="Rectangle 23">
-            <a:extLst>
-              <a:ext uri="{FF2B5EF4-FFF2-40B4-BE49-F238E27FC236}">
-                <a16:creationId xmlns:a16="http://schemas.microsoft.com/office/drawing/2014/main" id="{0178521A-2E19-40B1-84E9-6391439B5B84}"/>
-              </a:ext>
-            </a:extLst>
-          </p:cNvPr>
-          <p:cNvSpPr/>
-          <p:nvPr/>
-        </p:nvSpPr>
-        <p:spPr>
-          <a:xfrm>
-            <a:off x="9427264" y="4344418"/>
-            <a:ext cx="1721946" cy="353943"/>
-          </a:xfrm>
-          <a:prstGeom prst="rect">
-            <a:avLst/>
-          </a:prstGeom>
-        </p:spPr>
-        <p:txBody>
-          <a:bodyPr wrap="none">
-            <a:spAutoFit/>
-          </a:bodyPr>
-          <a:lstStyle/>
-          <a:p>
-            <a:r>
-              <a:rPr lang="en-GB" sz="1700" dirty="0" err="1">
-                <a:latin typeface="Futura"/>
-              </a:rPr>
-              <a:t>validateLabels</a:t>
-            </a:r>
-            <a:endParaRPr lang="en-GB" sz="1700" dirty="0">
-              <a:latin typeface="Futura"/>
-            </a:endParaRPr>
-          </a:p>
-        </p:txBody>
-      </p:sp>
-      <p:sp>
-        <p:nvSpPr>
-          <p:cNvPr id="25" name="Rectangle 24">
-            <a:extLst>
-              <a:ext uri="{FF2B5EF4-FFF2-40B4-BE49-F238E27FC236}">
-                <a16:creationId xmlns:a16="http://schemas.microsoft.com/office/drawing/2014/main" id="{0BAD2448-1352-4779-A18C-AB322DE6694F}"/>
-              </a:ext>
-            </a:extLst>
-          </p:cNvPr>
-          <p:cNvSpPr/>
-          <p:nvPr/>
-        </p:nvSpPr>
-        <p:spPr>
-          <a:xfrm>
-            <a:off x="9442567" y="4060600"/>
-            <a:ext cx="1890261" cy="353943"/>
-          </a:xfrm>
-          <a:prstGeom prst="rect">
-            <a:avLst/>
-          </a:prstGeom>
-        </p:spPr>
-        <p:txBody>
-          <a:bodyPr wrap="none">
-            <a:spAutoFit/>
-          </a:bodyPr>
-          <a:lstStyle/>
-          <a:p>
-            <a:r>
-              <a:rPr lang="en-GB" sz="1700" dirty="0" err="1">
-                <a:latin typeface="Futura"/>
-              </a:rPr>
-              <a:t>validateFeatsub</a:t>
-            </a:r>
-            <a:endParaRPr lang="en-GB" sz="1700" dirty="0">
-              <a:latin typeface="Futura"/>
-            </a:endParaRPr>
-          </a:p>
-        </p:txBody>
-      </p:sp>
-      <p:sp>
-        <p:nvSpPr>
-          <p:cNvPr id="26" name="Rectangle 25">
-            <a:extLst>
-              <a:ext uri="{FF2B5EF4-FFF2-40B4-BE49-F238E27FC236}">
-                <a16:creationId xmlns:a16="http://schemas.microsoft.com/office/drawing/2014/main" id="{F3CEC172-9762-4F1F-9582-F4DDFBF735CE}"/>
-              </a:ext>
-            </a:extLst>
-          </p:cNvPr>
-          <p:cNvSpPr/>
-          <p:nvPr/>
-        </p:nvSpPr>
-        <p:spPr>
-          <a:xfrm>
-            <a:off x="7661473" y="3001181"/>
-            <a:ext cx="1560042" cy="353943"/>
-          </a:xfrm>
-          <a:prstGeom prst="rect">
-            <a:avLst/>
-          </a:prstGeom>
-        </p:spPr>
-        <p:txBody>
-          <a:bodyPr wrap="none">
-            <a:spAutoFit/>
-          </a:bodyPr>
-          <a:lstStyle/>
-          <a:p>
-            <a:r>
-              <a:rPr lang="en-GB" sz="1700" dirty="0" err="1">
-                <a:latin typeface="Futura"/>
-              </a:rPr>
-              <a:t>trainDataCur</a:t>
-            </a:r>
-            <a:endParaRPr lang="en-GB" sz="1700" dirty="0">
-              <a:latin typeface="Futura"/>
-            </a:endParaRPr>
-          </a:p>
-        </p:txBody>
-      </p:sp>
-      <p:sp>
-        <p:nvSpPr>
-          <p:cNvPr id="53" name="Rectangle 52">
-            <a:extLst>
-              <a:ext uri="{FF2B5EF4-FFF2-40B4-BE49-F238E27FC236}">
-                <a16:creationId xmlns:a16="http://schemas.microsoft.com/office/drawing/2014/main" id="{33982F88-D912-4B22-8853-3645E34475A4}"/>
-              </a:ext>
-            </a:extLst>
-          </p:cNvPr>
-          <p:cNvSpPr/>
-          <p:nvPr/>
-        </p:nvSpPr>
-        <p:spPr>
-          <a:xfrm>
-            <a:off x="228600" y="6359452"/>
-            <a:ext cx="2063385" cy="338554"/>
-          </a:xfrm>
-          <a:prstGeom prst="rect">
-            <a:avLst/>
-          </a:prstGeom>
-        </p:spPr>
-        <p:txBody>
-          <a:bodyPr wrap="none">
-            <a:spAutoFit/>
-          </a:bodyPr>
-          <a:lstStyle/>
-          <a:p>
-            <a:r>
               <a:rPr lang="it-IT" sz="1600" dirty="0">
                 <a:latin typeface="Futura"/>
                 <a:ea typeface="Microsoft Sans Serif" panose="020B0604020202020204" pitchFamily="34" charset="0"/>
@@ -7372,10 +7598,10 @@
       </p:sp>
       <p:pic>
         <p:nvPicPr>
-          <p:cNvPr id="54" name="Picture 53">
+          <p:cNvPr id="12" name="Picture 11">
             <a:extLst>
               <a:ext uri="{FF2B5EF4-FFF2-40B4-BE49-F238E27FC236}">
-                <a16:creationId xmlns:a16="http://schemas.microsoft.com/office/drawing/2014/main" id="{317F43A1-DDCB-4A3A-A584-62DEF7F10D04}"/>
+                <a16:creationId xmlns:a16="http://schemas.microsoft.com/office/drawing/2014/main" id="{961CF1E1-94F9-4C49-B01C-383E0EB04362}"/>
               </a:ext>
             </a:extLst>
           </p:cNvPr>
@@ -7385,7 +7611,7 @@
           <p:nvPr/>
         </p:nvPicPr>
         <p:blipFill rotWithShape="1">
-          <a:blip r:embed="rId3">
+          <a:blip r:embed="rId4">
             <a:extLst>
               <a:ext uri="{28A0092B-C50C-407E-A947-70E740481C1C}">
                 <a14:useLocalDpi xmlns:a14="http://schemas.microsoft.com/office/drawing/2010/main" val="0"/>
@@ -7407,10 +7633,10 @@
       </p:pic>
       <p:pic>
         <p:nvPicPr>
-          <p:cNvPr id="55" name="Picture 54">
+          <p:cNvPr id="13" name="Picture 12">
             <a:extLst>
               <a:ext uri="{FF2B5EF4-FFF2-40B4-BE49-F238E27FC236}">
-                <a16:creationId xmlns:a16="http://schemas.microsoft.com/office/drawing/2014/main" id="{291AF232-DD72-49E1-A7EB-36C8BD9B1995}"/>
+                <a16:creationId xmlns:a16="http://schemas.microsoft.com/office/drawing/2014/main" id="{D274A163-195C-492D-BBCF-B4F558AC28F9}"/>
               </a:ext>
             </a:extLst>
           </p:cNvPr>
@@ -7420,7 +7646,7 @@
           <p:nvPr/>
         </p:nvPicPr>
         <p:blipFill>
-          <a:blip r:embed="rId4" cstate="print">
+          <a:blip r:embed="rId5" cstate="print">
             <a:extLst>
               <a:ext uri="{28A0092B-C50C-407E-A947-70E740481C1C}">
                 <a14:useLocalDpi xmlns:a14="http://schemas.microsoft.com/office/drawing/2010/main" val="0"/>
@@ -7441,61 +7667,10 @@
           </a:prstGeom>
         </p:spPr>
       </p:pic>
-      <p:sp>
-        <p:nvSpPr>
-          <p:cNvPr id="2" name="Rectangle 1">
-            <a:extLst>
-              <a:ext uri="{FF2B5EF4-FFF2-40B4-BE49-F238E27FC236}">
-                <a16:creationId xmlns:a16="http://schemas.microsoft.com/office/drawing/2014/main" id="{AC0E3BA4-46A6-400E-9651-C242B016D65B}"/>
-              </a:ext>
-            </a:extLst>
-          </p:cNvPr>
-          <p:cNvSpPr/>
-          <p:nvPr/>
-        </p:nvSpPr>
-        <p:spPr>
-          <a:xfrm>
-            <a:off x="6995409" y="811922"/>
-            <a:ext cx="2686954" cy="369332"/>
-          </a:xfrm>
-          <a:prstGeom prst="rect">
-            <a:avLst/>
-          </a:prstGeom>
-        </p:spPr>
-        <p:txBody>
-          <a:bodyPr wrap="none">
-            <a:spAutoFit/>
-          </a:bodyPr>
-          <a:lstStyle/>
-          <a:p>
-            <a:r>
-              <a:rPr lang="it-IT" dirty="0">
-                <a:ln w="0"/>
-                <a:latin typeface="Futura"/>
-                <a:cs typeface="Microsoft Sans Serif"/>
-              </a:rPr>
-              <a:t>Dataset </a:t>
-            </a:r>
-            <a:r>
-              <a:rPr lang="it-IT" dirty="0" err="1">
-                <a:ln w="0"/>
-                <a:latin typeface="Futura"/>
-                <a:cs typeface="Microsoft Sans Serif"/>
-              </a:rPr>
-              <a:t>Preprocessing</a:t>
-            </a:r>
-            <a:endParaRPr lang="it-IT" dirty="0">
-              <a:ln w="0"/>
-              <a:latin typeface="Futura"/>
-              <a:cs typeface="Microsoft Sans Serif"/>
-            </a:endParaRPr>
-          </a:p>
-        </p:txBody>
-      </p:sp>
     </p:spTree>
     <p:extLst>
       <p:ext uri="{BB962C8B-B14F-4D97-AF65-F5344CB8AC3E}">
-        <p14:creationId xmlns:p14="http://schemas.microsoft.com/office/powerpoint/2010/main" val="2116907477"/>
+        <p14:creationId xmlns:p14="http://schemas.microsoft.com/office/powerpoint/2010/main" val="2623550191"/>
       </p:ext>
     </p:extLst>
   </p:cSld>
@@ -7536,8 +7711,8 @@
         </p:nvSpPr>
         <p:spPr>
           <a:xfrm>
-            <a:off x="1066800" y="1143000"/>
-            <a:ext cx="7643439" cy="3754874"/>
+            <a:off x="6521632" y="5235414"/>
+            <a:ext cx="4458272" cy="615553"/>
           </a:xfrm>
           <a:prstGeom prst="rect">
             <a:avLst/>
@@ -7555,56 +7730,17 @@
               <a:buChar char="•"/>
             </a:pPr>
             <a:r>
-              <a:rPr lang="it-IT" sz="1700" dirty="0">
-                <a:latin typeface="Futura"/>
-              </a:rPr>
-              <a:t>Multiplecores for </a:t>
-            </a:r>
-            <a:r>
               <a:rPr lang="it-IT" sz="1700" dirty="0" err="1">
                 <a:latin typeface="Futura"/>
               </a:rPr>
-              <a:t>parallel</a:t>
-            </a:r>
-            <a:r>
-              <a:rPr lang="it-IT" sz="1700" dirty="0">
-                <a:latin typeface="Futura"/>
-              </a:rPr>
-              <a:t> computing -&gt; </a:t>
-            </a:r>
-            <a:r>
-              <a:rPr lang="it-IT" sz="1700" i="1" dirty="0" err="1">
-                <a:latin typeface="Futura"/>
-              </a:rPr>
-              <a:t>foreach</a:t>
-            </a:r>
-            <a:r>
-              <a:rPr lang="it-IT" sz="1700" dirty="0">
-                <a:latin typeface="Futura"/>
-              </a:rPr>
-              <a:t> &amp; </a:t>
-            </a:r>
-            <a:r>
-              <a:rPr lang="it-IT" sz="1700" i="1" dirty="0" err="1">
-                <a:latin typeface="Futura"/>
-              </a:rPr>
-              <a:t>doParallel</a:t>
-            </a:r>
-            <a:r>
-              <a:rPr lang="it-IT" sz="1700" dirty="0">
-                <a:latin typeface="Futura"/>
-              </a:rPr>
-              <a:t> </a:t>
-            </a:r>
-            <a:r>
-              <a:rPr lang="it-IT" sz="1700" dirty="0" err="1">
-                <a:latin typeface="Futura"/>
-              </a:rPr>
-              <a:t>libraries</a:t>
-            </a:r>
-            <a:endParaRPr lang="it-IT" sz="1700" dirty="0">
-              <a:latin typeface="Futura"/>
-            </a:endParaRPr>
+              <a:t>Execute</a:t>
+            </a:r>
+            <a:r>
+              <a:rPr lang="it-IT" sz="1700" dirty="0">
+                <a:latin typeface="Futura"/>
+              </a:rPr>
+              <a:t> code on a different machine</a:t>
+            </a:r>
           </a:p>
           <a:p>
             <a:pPr marL="285750" indent="-285750">
@@ -7612,116 +7748,84 @@
               <a:buChar char="•"/>
             </a:pPr>
             <a:r>
-              <a:rPr lang="it-IT" sz="1700" dirty="0">
-                <a:latin typeface="Futura"/>
-              </a:rPr>
-              <a:t>Save </a:t>
-            </a:r>
-            <a:r>
-              <a:rPr lang="it-IT" sz="1700" i="1" dirty="0" err="1">
-                <a:latin typeface="Futura"/>
-              </a:rPr>
-              <a:t>trained</a:t>
-            </a:r>
-            <a:r>
-              <a:rPr lang="it-IT" sz="1700" i="1" dirty="0">
+              <a:rPr lang="it-IT" sz="1700" dirty="0" err="1">
+                <a:latin typeface="Futura"/>
+              </a:rPr>
+              <a:t>Qiskit</a:t>
+            </a:r>
+            <a:r>
+              <a:rPr lang="it-IT" sz="1700" dirty="0">
                 <a:latin typeface="Futura"/>
               </a:rPr>
               <a:t> </a:t>
             </a:r>
             <a:r>
-              <a:rPr lang="it-IT" sz="1700" i="1" dirty="0" err="1">
-                <a:latin typeface="Futura"/>
-              </a:rPr>
-              <a:t>models</a:t>
-            </a:r>
-            <a:endParaRPr lang="it-IT" sz="1700" i="1" dirty="0">
+              <a:rPr lang="it-IT" sz="1700" dirty="0" err="1">
+                <a:latin typeface="Futura"/>
+              </a:rPr>
+              <a:t>python</a:t>
+            </a:r>
+            <a:r>
+              <a:rPr lang="it-IT" sz="1700" dirty="0">
+                <a:latin typeface="Futura"/>
+              </a:rPr>
+              <a:t> </a:t>
+            </a:r>
+            <a:r>
+              <a:rPr lang="it-IT" sz="1700" dirty="0" err="1">
+                <a:latin typeface="Futura"/>
+              </a:rPr>
+              <a:t>library</a:t>
+            </a:r>
+            <a:r>
+              <a:rPr lang="it-IT" sz="1700" dirty="0">
+                <a:latin typeface="Futura"/>
+              </a:rPr>
+              <a:t> for VSVM</a:t>
+            </a:r>
+            <a:endParaRPr lang="en-GB" sz="1700" dirty="0">
               <a:latin typeface="Futura"/>
             </a:endParaRPr>
           </a:p>
+        </p:txBody>
+      </p:sp>
+      <p:sp>
+        <p:nvSpPr>
+          <p:cNvPr id="3" name="Rectangle 2">
+            <a:extLst>
+              <a:ext uri="{FF2B5EF4-FFF2-40B4-BE49-F238E27FC236}">
+                <a16:creationId xmlns:a16="http://schemas.microsoft.com/office/drawing/2014/main" id="{85B66492-7631-4D77-854C-9D9B2C20CC19}"/>
+              </a:ext>
+            </a:extLst>
+          </p:cNvPr>
+          <p:cNvSpPr/>
+          <p:nvPr/>
+        </p:nvSpPr>
+        <p:spPr>
+          <a:xfrm>
+            <a:off x="685800" y="962625"/>
+            <a:ext cx="6096000" cy="1400383"/>
+          </a:xfrm>
+          <a:prstGeom prst="rect">
+            <a:avLst/>
+          </a:prstGeom>
+        </p:spPr>
+        <p:txBody>
+          <a:bodyPr>
+            <a:spAutoFit/>
+          </a:bodyPr>
+          <a:lstStyle/>
           <a:p>
             <a:pPr marL="285750" indent="-285750">
               <a:buFont typeface="Arial" panose="020B0604020202020204" pitchFamily="34" charset="0"/>
               <a:buChar char="•"/>
             </a:pPr>
             <a:r>
-              <a:rPr lang="it-IT" sz="1700" dirty="0" err="1">
-                <a:latin typeface="Futura"/>
-              </a:rPr>
-              <a:t>Added</a:t>
-            </a:r>
-            <a:r>
-              <a:rPr lang="it-IT" sz="1700" dirty="0">
-                <a:latin typeface="Futura"/>
-              </a:rPr>
-              <a:t> class </a:t>
-            </a:r>
-            <a:r>
-              <a:rPr lang="it-IT" sz="1700" i="1" dirty="0" err="1">
-                <a:latin typeface="Futura"/>
-              </a:rPr>
-              <a:t>probability</a:t>
-            </a:r>
-            <a:endParaRPr lang="it-IT" sz="1700" i="1" dirty="0">
-              <a:latin typeface="Futura"/>
-            </a:endParaRPr>
-          </a:p>
-          <a:p>
-            <a:pPr marL="285750" indent="-285750">
-              <a:buFont typeface="Arial" panose="020B0604020202020204" pitchFamily="34" charset="0"/>
-              <a:buChar char="•"/>
-            </a:pPr>
-            <a:r>
-              <a:rPr lang="it-IT" sz="1700" dirty="0">
-                <a:latin typeface="Futura"/>
-              </a:rPr>
-              <a:t>From </a:t>
-            </a:r>
-            <a:r>
-              <a:rPr lang="it-IT" sz="1700" dirty="0" err="1">
-                <a:latin typeface="Futura"/>
-              </a:rPr>
-              <a:t>euclidean</a:t>
-            </a:r>
-            <a:r>
-              <a:rPr lang="it-IT" sz="1700" dirty="0">
-                <a:latin typeface="Futura"/>
-              </a:rPr>
-              <a:t> </a:t>
-            </a:r>
-            <a:r>
-              <a:rPr lang="it-IT" sz="1700" dirty="0" err="1">
-                <a:latin typeface="Futura"/>
-              </a:rPr>
-              <a:t>distance</a:t>
-            </a:r>
-            <a:r>
-              <a:rPr lang="it-IT" sz="1700" dirty="0">
-                <a:latin typeface="Futura"/>
-              </a:rPr>
-              <a:t> to kernel </a:t>
-            </a:r>
-            <a:r>
-              <a:rPr lang="it-IT" sz="1700" dirty="0" err="1">
-                <a:latin typeface="Futura"/>
-              </a:rPr>
-              <a:t>distance</a:t>
-            </a:r>
-            <a:r>
-              <a:rPr lang="it-IT" sz="1700" dirty="0">
-                <a:latin typeface="Futura"/>
-              </a:rPr>
-              <a:t> </a:t>
-            </a:r>
-            <a:r>
-              <a:rPr lang="it-IT" sz="1700" dirty="0" err="1">
-                <a:latin typeface="Futura"/>
-              </a:rPr>
-              <a:t>function</a:t>
-            </a:r>
-            <a:endParaRPr lang="it-IT" sz="1700" dirty="0">
-              <a:latin typeface="Futura"/>
-            </a:endParaRPr>
+              <a:rPr lang="it-IT" sz="1700" u="sng" dirty="0">
+                <a:latin typeface="Futura"/>
+              </a:rPr>
+              <a:t>Active Learning framework</a:t>
+            </a:r>
           </a:p>
           <a:p>
             <a:pPr marL="742950" lvl="1" indent="-285750">
@@ -7729,295 +7833,32 @@
               <a:buChar char="•"/>
             </a:pPr>
             <a:r>
-              <a:rPr lang="it-IT" sz="1700" i="1" dirty="0">
-                <a:latin typeface="Futura"/>
-              </a:rPr>
-              <a:t>RBF kernel </a:t>
-            </a:r>
-            <a:r>
-              <a:rPr lang="it-IT" sz="1700" dirty="0" err="1">
-                <a:latin typeface="Futura"/>
-              </a:rPr>
-              <a:t>function</a:t>
-            </a:r>
-            <a:r>
-              <a:rPr lang="it-IT" sz="1700" dirty="0">
-                <a:latin typeface="Futura"/>
-              </a:rPr>
-              <a:t> </a:t>
-            </a:r>
-            <a:r>
-              <a:rPr lang="it-IT" sz="1700" dirty="0" err="1">
-                <a:latin typeface="Futura"/>
-              </a:rPr>
-              <a:t>implementation</a:t>
-            </a:r>
-            <a:endParaRPr lang="it-IT" sz="1700" dirty="0">
-              <a:latin typeface="Futura"/>
-            </a:endParaRPr>
-          </a:p>
-          <a:p>
-            <a:pPr marL="285750" indent="-285750">
+              <a:rPr lang="en-GB" sz="1700" dirty="0">
+                <a:latin typeface="Futura"/>
+              </a:rPr>
+              <a:t>A Survey of Active Learning Algorithms for Supervised Remote Sensing Image Classification</a:t>
+            </a:r>
+          </a:p>
+          <a:p>
+            <a:pPr marL="742950" lvl="1" indent="-285750">
               <a:buFont typeface="Arial" panose="020B0604020202020204" pitchFamily="34" charset="0"/>
               <a:buChar char="•"/>
             </a:pPr>
             <a:r>
-              <a:rPr lang="it-IT" sz="1700" dirty="0" err="1">
-                <a:latin typeface="Futura"/>
-              </a:rPr>
-              <a:t>Adapt</a:t>
-            </a:r>
-            <a:r>
-              <a:rPr lang="it-IT" sz="1700" dirty="0">
-                <a:latin typeface="Futura"/>
-              </a:rPr>
-              <a:t> </a:t>
-            </a:r>
-            <a:r>
-              <a:rPr lang="it-IT" sz="1700" i="1" dirty="0" err="1">
-                <a:latin typeface="Futura"/>
-              </a:rPr>
-              <a:t>pred_one</a:t>
-            </a:r>
-            <a:r>
-              <a:rPr lang="it-IT" sz="1700" i="1" dirty="0">
-                <a:latin typeface="Futura"/>
-              </a:rPr>
-              <a:t> </a:t>
-            </a:r>
-            <a:r>
-              <a:rPr lang="it-IT" sz="1700" dirty="0" err="1">
-                <a:latin typeface="Futura"/>
-              </a:rPr>
-              <a:t>function</a:t>
-            </a:r>
-            <a:r>
-              <a:rPr lang="it-IT" sz="1700" dirty="0">
-                <a:latin typeface="Futura"/>
-              </a:rPr>
-              <a:t> to different class </a:t>
-            </a:r>
-            <a:r>
-              <a:rPr lang="it-IT" sz="1700" dirty="0" err="1">
-                <a:latin typeface="Futura"/>
-              </a:rPr>
-              <a:t>label</a:t>
-            </a:r>
-            <a:r>
-              <a:rPr lang="it-IT" sz="1700" dirty="0">
-                <a:latin typeface="Futura"/>
-              </a:rPr>
-              <a:t> </a:t>
-            </a:r>
-            <a:r>
-              <a:rPr lang="it-IT" sz="1700" dirty="0" err="1">
-                <a:latin typeface="Futura"/>
-              </a:rPr>
-              <a:t>distances</a:t>
-            </a:r>
-            <a:endParaRPr lang="it-IT" sz="1700" dirty="0">
-              <a:latin typeface="Futura"/>
-            </a:endParaRPr>
-          </a:p>
-          <a:p>
-            <a:pPr marL="285750" indent="-285750">
-              <a:buFont typeface="Arial" panose="020B0604020202020204" pitchFamily="34" charset="0"/>
-              <a:buChar char="•"/>
-            </a:pPr>
-            <a:endParaRPr lang="it-IT" sz="1700" dirty="0">
-              <a:latin typeface="Futura"/>
-            </a:endParaRPr>
-          </a:p>
-          <a:p>
-            <a:pPr marL="285750" indent="-285750">
-              <a:buFont typeface="Arial" panose="020B0604020202020204" pitchFamily="34" charset="0"/>
-              <a:buChar char="•"/>
-            </a:pPr>
-            <a:r>
-              <a:rPr lang="it-IT" sz="1700" dirty="0" err="1">
-                <a:latin typeface="Futura"/>
-              </a:rPr>
-              <a:t>Marging</a:t>
-            </a:r>
-            <a:r>
-              <a:rPr lang="it-IT" sz="1700" dirty="0">
-                <a:latin typeface="Futura"/>
-              </a:rPr>
-              <a:t> </a:t>
-            </a:r>
-            <a:r>
-              <a:rPr lang="it-IT" sz="1700" dirty="0" err="1">
-                <a:latin typeface="Futura"/>
-              </a:rPr>
-              <a:t>sampling</a:t>
-            </a:r>
-            <a:r>
-              <a:rPr lang="it-IT" sz="1700" dirty="0">
-                <a:latin typeface="Futura"/>
-              </a:rPr>
-              <a:t> (</a:t>
-            </a:r>
-            <a:r>
-              <a:rPr lang="it-IT" sz="1700" dirty="0" err="1">
-                <a:latin typeface="Futura"/>
-              </a:rPr>
-              <a:t>multicore</a:t>
-            </a:r>
-            <a:r>
-              <a:rPr lang="it-IT" sz="1700" dirty="0">
-                <a:latin typeface="Futura"/>
-              </a:rPr>
-              <a:t>)</a:t>
-            </a:r>
-          </a:p>
-          <a:p>
-            <a:pPr marL="285750" indent="-285750">
-              <a:buFont typeface="Arial" panose="020B0604020202020204" pitchFamily="34" charset="0"/>
-              <a:buChar char="•"/>
-            </a:pPr>
-            <a:endParaRPr lang="it-IT" sz="1700" dirty="0">
-              <a:latin typeface="Futura"/>
-            </a:endParaRPr>
-          </a:p>
-          <a:p>
-            <a:pPr marL="285750" indent="-285750">
-              <a:buFont typeface="Arial" panose="020B0604020202020204" pitchFamily="34" charset="0"/>
-              <a:buChar char="•"/>
-            </a:pPr>
-            <a:r>
-              <a:rPr lang="it-IT" sz="1700" dirty="0">
-                <a:latin typeface="Futura"/>
-              </a:rPr>
-              <a:t>MCLU </a:t>
-            </a:r>
-            <a:r>
-              <a:rPr lang="it-IT" sz="1700" dirty="0" err="1">
-                <a:latin typeface="Futura"/>
-              </a:rPr>
-              <a:t>sampling</a:t>
-            </a:r>
-            <a:r>
-              <a:rPr lang="it-IT" sz="1700" dirty="0">
-                <a:latin typeface="Futura"/>
-              </a:rPr>
-              <a:t> (</a:t>
-            </a:r>
-            <a:r>
-              <a:rPr lang="it-IT" sz="1700" dirty="0" err="1">
-                <a:latin typeface="Futura"/>
-              </a:rPr>
-              <a:t>multicore</a:t>
-            </a:r>
-            <a:r>
-              <a:rPr lang="it-IT" sz="1700" dirty="0">
-                <a:latin typeface="Futura"/>
-              </a:rPr>
-              <a:t>)</a:t>
-            </a:r>
-          </a:p>
-          <a:p>
-            <a:pPr marL="285750" indent="-285750">
-              <a:buFont typeface="Arial" panose="020B0604020202020204" pitchFamily="34" charset="0"/>
-              <a:buChar char="•"/>
-            </a:pPr>
-            <a:endParaRPr lang="it-IT" sz="1700" dirty="0">
-              <a:latin typeface="Futura"/>
-            </a:endParaRPr>
-          </a:p>
-          <a:p>
-            <a:pPr marL="285750" indent="-285750">
-              <a:buFont typeface="Arial" panose="020B0604020202020204" pitchFamily="34" charset="0"/>
-              <a:buChar char="•"/>
-            </a:pPr>
-            <a:r>
-              <a:rPr lang="it-IT" sz="1700" dirty="0" err="1">
-                <a:latin typeface="Futura"/>
-              </a:rPr>
-              <a:t>Uncertainty</a:t>
-            </a:r>
-            <a:r>
-              <a:rPr lang="it-IT" sz="1700" dirty="0">
-                <a:latin typeface="Futura"/>
-              </a:rPr>
-              <a:t> </a:t>
-            </a:r>
-            <a:r>
-              <a:rPr lang="it-IT" sz="1700" dirty="0" err="1">
-                <a:latin typeface="Futura"/>
-              </a:rPr>
-              <a:t>distance</a:t>
-            </a:r>
-            <a:r>
-              <a:rPr lang="it-IT" sz="1700" dirty="0">
-                <a:latin typeface="Futura"/>
-              </a:rPr>
-              <a:t> (</a:t>
-            </a:r>
-            <a:r>
-              <a:rPr lang="it-IT" sz="1700" dirty="0" err="1">
-                <a:latin typeface="Futura"/>
-              </a:rPr>
-              <a:t>multicore</a:t>
-            </a:r>
-            <a:r>
-              <a:rPr lang="it-IT" sz="1700" dirty="0">
-                <a:latin typeface="Futura"/>
-              </a:rPr>
-              <a:t>)</a:t>
-            </a:r>
-          </a:p>
-          <a:p>
-            <a:endParaRPr lang="it-IT" sz="1700" dirty="0">
-              <a:latin typeface="Futura"/>
-            </a:endParaRPr>
-          </a:p>
-          <a:p>
-            <a:pPr marL="285750" indent="-285750">
-              <a:buFont typeface="Arial" panose="020B0604020202020204" pitchFamily="34" charset="0"/>
-              <a:buChar char="•"/>
-            </a:pPr>
-            <a:r>
-              <a:rPr lang="it-IT" sz="1700" dirty="0">
-                <a:latin typeface="Futura"/>
-              </a:rPr>
-              <a:t>MCLP </a:t>
-            </a:r>
-            <a:r>
-              <a:rPr lang="it-IT" sz="1700" dirty="0" err="1">
-                <a:latin typeface="Futura"/>
-              </a:rPr>
-              <a:t>sampling</a:t>
-            </a:r>
-            <a:r>
-              <a:rPr lang="it-IT" sz="1700" dirty="0">
-                <a:latin typeface="Futura"/>
-              </a:rPr>
-              <a:t> (</a:t>
-            </a:r>
-            <a:r>
-              <a:rPr lang="it-IT" sz="1700" dirty="0" err="1">
-                <a:latin typeface="Futura"/>
-              </a:rPr>
-              <a:t>multicore</a:t>
-            </a:r>
-            <a:r>
-              <a:rPr lang="it-IT" sz="1700">
-                <a:latin typeface="Futura"/>
-              </a:rPr>
-              <a:t>)</a:t>
-            </a:r>
-            <a:endParaRPr lang="it-IT" sz="1700" dirty="0">
-              <a:latin typeface="Futura"/>
-            </a:endParaRPr>
+              <a:rPr lang="en-GB" sz="1700" dirty="0">
+                <a:latin typeface="Futura"/>
+              </a:rPr>
+              <a:t>Active Learning Methods for Remote Sensing Image Classification</a:t>
+            </a:r>
           </a:p>
         </p:txBody>
       </p:sp>
       <p:sp>
         <p:nvSpPr>
-          <p:cNvPr id="7" name="Rectangle 6">
+          <p:cNvPr id="4" name="Rectangle 3">
             <a:extLst>
               <a:ext uri="{FF2B5EF4-FFF2-40B4-BE49-F238E27FC236}">
-                <a16:creationId xmlns:a16="http://schemas.microsoft.com/office/drawing/2014/main" id="{AC66D211-AAF4-4661-818A-BC4D70F45A60}"/>
+                <a16:creationId xmlns:a16="http://schemas.microsoft.com/office/drawing/2014/main" id="{EA8F48A4-B9AC-4DA4-972A-FBE6314EBF73}"/>
               </a:ext>
             </a:extLst>
           </p:cNvPr>
@@ -8026,8 +7867,8 @@
         </p:nvSpPr>
         <p:spPr>
           <a:xfrm>
-            <a:off x="0" y="152400"/>
-            <a:ext cx="12192000" cy="353943"/>
+            <a:off x="533400" y="2716951"/>
+            <a:ext cx="9101843" cy="2970044"/>
           </a:xfrm>
           <a:prstGeom prst="rect">
             <a:avLst/>
@@ -8039,6 +7880,343 @@
           </a:bodyPr>
           <a:lstStyle/>
           <a:p>
+            <a:pPr lvl="1"/>
+            <a:r>
+              <a:rPr lang="en-GB" sz="1700" dirty="0">
+                <a:latin typeface="Futura"/>
+              </a:rPr>
+              <a:t>Large-Margin-Based Active Learning</a:t>
+            </a:r>
+          </a:p>
+          <a:p>
+            <a:pPr marL="1200150" lvl="2" indent="-285750">
+              <a:buFont typeface="Arial" panose="020B0604020202020204" pitchFamily="34" charset="0"/>
+              <a:buChar char="•"/>
+            </a:pPr>
+            <a:r>
+              <a:rPr lang="it-IT" sz="1700" dirty="0">
+                <a:latin typeface="Futura"/>
+              </a:rPr>
+              <a:t>M</a:t>
+            </a:r>
+            <a:r>
+              <a:rPr lang="en-GB" sz="1700" dirty="0" err="1">
+                <a:latin typeface="Futura"/>
+              </a:rPr>
+              <a:t>argin</a:t>
+            </a:r>
+            <a:r>
+              <a:rPr lang="en-GB" sz="1700" dirty="0">
+                <a:latin typeface="Futura"/>
+              </a:rPr>
+              <a:t> Sampling MS</a:t>
+            </a:r>
+          </a:p>
+          <a:p>
+            <a:pPr marL="1200150" lvl="2" indent="-285750">
+              <a:buFont typeface="Arial" panose="020B0604020202020204" pitchFamily="34" charset="0"/>
+              <a:buChar char="•"/>
+            </a:pPr>
+            <a:r>
+              <a:rPr lang="it-IT" sz="1700" dirty="0">
+                <a:latin typeface="Futura"/>
+              </a:rPr>
+              <a:t>M</a:t>
+            </a:r>
+            <a:r>
+              <a:rPr lang="en-GB" sz="1700" dirty="0">
+                <a:latin typeface="Futura"/>
+              </a:rPr>
+              <a:t>ulticlass Level Uncertainty MCLU</a:t>
+            </a:r>
+          </a:p>
+          <a:p>
+            <a:pPr marL="1200150" lvl="2" indent="-285750">
+              <a:buFont typeface="Arial" panose="020B0604020202020204" pitchFamily="34" charset="0"/>
+              <a:buChar char="•"/>
+            </a:pPr>
+            <a:r>
+              <a:rPr lang="it-IT" sz="1700" dirty="0">
+                <a:latin typeface="Futura"/>
+              </a:rPr>
+              <a:t>M</a:t>
+            </a:r>
+            <a:r>
+              <a:rPr lang="en-GB" sz="1700" dirty="0">
+                <a:latin typeface="Futura"/>
+              </a:rPr>
+              <a:t>ulticlass Level Probability MCLP</a:t>
+            </a:r>
+          </a:p>
+          <a:p>
+            <a:pPr marL="1200150" lvl="2" indent="-285750">
+              <a:buFont typeface="Arial" panose="020B0604020202020204" pitchFamily="34" charset="0"/>
+              <a:buChar char="•"/>
+            </a:pPr>
+            <a:r>
+              <a:rPr lang="it-IT" sz="1700" dirty="0">
+                <a:latin typeface="Futura"/>
+              </a:rPr>
+              <a:t>S</a:t>
+            </a:r>
+            <a:r>
+              <a:rPr lang="en-GB" sz="1700" dirty="0" err="1">
+                <a:latin typeface="Futura"/>
+              </a:rPr>
+              <a:t>ignificance</a:t>
+            </a:r>
+            <a:r>
+              <a:rPr lang="en-GB" sz="1700" dirty="0">
+                <a:latin typeface="Futura"/>
+              </a:rPr>
+              <a:t> Space </a:t>
+            </a:r>
+            <a:r>
+              <a:rPr lang="en-GB" sz="1700" dirty="0" err="1">
+                <a:latin typeface="Futura"/>
+              </a:rPr>
+              <a:t>Construnction</a:t>
+            </a:r>
+            <a:r>
+              <a:rPr lang="en-GB" sz="1700" dirty="0">
+                <a:latin typeface="Futura"/>
+              </a:rPr>
+              <a:t> SSC</a:t>
+            </a:r>
+          </a:p>
+          <a:p>
+            <a:pPr marL="1200150" lvl="2" indent="-285750">
+              <a:buFont typeface="Arial" panose="020B0604020202020204" pitchFamily="34" charset="0"/>
+              <a:buChar char="•"/>
+            </a:pPr>
+            <a:r>
+              <a:rPr lang="it-IT" sz="1700" dirty="0" err="1">
+                <a:latin typeface="Futura"/>
+              </a:rPr>
+              <a:t>Most</a:t>
+            </a:r>
+            <a:r>
+              <a:rPr lang="it-IT" sz="1700" dirty="0">
+                <a:latin typeface="Futura"/>
+              </a:rPr>
+              <a:t> </a:t>
+            </a:r>
+            <a:r>
+              <a:rPr lang="it-IT" sz="1700" dirty="0" err="1">
+                <a:latin typeface="Futura"/>
+              </a:rPr>
+              <a:t>Ambiguous</a:t>
+            </a:r>
+            <a:r>
+              <a:rPr lang="it-IT" sz="1700" dirty="0">
+                <a:latin typeface="Futura"/>
+              </a:rPr>
+              <a:t> and </a:t>
+            </a:r>
+            <a:r>
+              <a:rPr lang="it-IT" sz="1700" dirty="0" err="1">
+                <a:latin typeface="Futura"/>
+              </a:rPr>
+              <a:t>orthogonal</a:t>
+            </a:r>
+            <a:r>
+              <a:rPr lang="it-IT" sz="1700" dirty="0">
+                <a:latin typeface="Futura"/>
+              </a:rPr>
+              <a:t> MAO</a:t>
+            </a:r>
+          </a:p>
+          <a:p>
+            <a:pPr marL="1200150" lvl="2" indent="-285750">
+              <a:buFont typeface="Arial" panose="020B0604020202020204" pitchFamily="34" charset="0"/>
+              <a:buChar char="•"/>
+            </a:pPr>
+            <a:r>
+              <a:rPr lang="it-IT" sz="1700" dirty="0" err="1">
+                <a:latin typeface="Futura"/>
+              </a:rPr>
+              <a:t>Multiclass</a:t>
+            </a:r>
+            <a:r>
+              <a:rPr lang="it-IT" sz="1700" dirty="0">
+                <a:latin typeface="Futura"/>
+              </a:rPr>
+              <a:t> </a:t>
+            </a:r>
+            <a:r>
+              <a:rPr lang="it-IT" sz="1700" dirty="0" err="1">
+                <a:latin typeface="Futura"/>
+              </a:rPr>
+              <a:t>level</a:t>
+            </a:r>
+            <a:r>
+              <a:rPr lang="it-IT" sz="1700" dirty="0">
+                <a:latin typeface="Futura"/>
+              </a:rPr>
+              <a:t> </a:t>
+            </a:r>
+            <a:r>
+              <a:rPr lang="it-IT" sz="1700" dirty="0" err="1">
+                <a:latin typeface="Futura"/>
+              </a:rPr>
+              <a:t>uncertainty</a:t>
+            </a:r>
+            <a:r>
+              <a:rPr lang="it-IT" sz="1700" dirty="0">
+                <a:latin typeface="Futura"/>
+              </a:rPr>
+              <a:t>-angle-based </a:t>
+            </a:r>
+            <a:r>
+              <a:rPr lang="it-IT" sz="1700" dirty="0" err="1">
+                <a:latin typeface="Futura"/>
+              </a:rPr>
+              <a:t>diversity</a:t>
+            </a:r>
+            <a:r>
+              <a:rPr lang="it-IT" sz="1700" dirty="0">
+                <a:latin typeface="Futura"/>
+              </a:rPr>
+              <a:t> MCLU-ABD</a:t>
+            </a:r>
+          </a:p>
+          <a:p>
+            <a:pPr marL="1200150" lvl="2" indent="-285750">
+              <a:buFont typeface="Arial" panose="020B0604020202020204" pitchFamily="34" charset="0"/>
+              <a:buChar char="•"/>
+            </a:pPr>
+            <a:r>
+              <a:rPr lang="it-IT" sz="1700" dirty="0" err="1">
+                <a:latin typeface="Futura"/>
+              </a:rPr>
+              <a:t>Multiclass</a:t>
+            </a:r>
+            <a:r>
+              <a:rPr lang="it-IT" sz="1700" dirty="0">
+                <a:latin typeface="Futura"/>
+              </a:rPr>
+              <a:t> </a:t>
+            </a:r>
+            <a:r>
+              <a:rPr lang="it-IT" sz="1700" dirty="0" err="1">
+                <a:latin typeface="Futura"/>
+              </a:rPr>
+              <a:t>level</a:t>
+            </a:r>
+            <a:r>
+              <a:rPr lang="it-IT" sz="1700" dirty="0">
+                <a:latin typeface="Futura"/>
+              </a:rPr>
+              <a:t> </a:t>
+            </a:r>
+            <a:r>
+              <a:rPr lang="it-IT" sz="1700" dirty="0" err="1">
+                <a:latin typeface="Futura"/>
+              </a:rPr>
+              <a:t>uncertainty-enhanced</a:t>
+            </a:r>
+            <a:r>
+              <a:rPr lang="it-IT" sz="1700" dirty="0">
+                <a:latin typeface="Futura"/>
+              </a:rPr>
+              <a:t> cluster based </a:t>
+            </a:r>
+            <a:r>
+              <a:rPr lang="it-IT" sz="1700" dirty="0" err="1">
+                <a:latin typeface="Futura"/>
+              </a:rPr>
+              <a:t>diversity</a:t>
+            </a:r>
+            <a:r>
+              <a:rPr lang="it-IT" sz="1700" dirty="0">
+                <a:latin typeface="Futura"/>
+              </a:rPr>
+              <a:t> MCLU-ECBD</a:t>
+            </a:r>
+            <a:endParaRPr lang="en-GB" sz="1700" dirty="0">
+              <a:latin typeface="Futura"/>
+            </a:endParaRPr>
+          </a:p>
+          <a:p>
+            <a:pPr lvl="1"/>
+            <a:r>
+              <a:rPr lang="en-GB" sz="1700" dirty="0">
+                <a:latin typeface="Futura"/>
+              </a:rPr>
+              <a:t>Posterior Probability-Based Active Learning</a:t>
+            </a:r>
+          </a:p>
+          <a:p>
+            <a:pPr marL="1200150" lvl="2" indent="-285750">
+              <a:buFont typeface="Arial" panose="020B0604020202020204" pitchFamily="34" charset="0"/>
+              <a:buChar char="•"/>
+            </a:pPr>
+            <a:r>
+              <a:rPr lang="en-GB" sz="1700" dirty="0" err="1">
+                <a:latin typeface="Futura"/>
+              </a:rPr>
+              <a:t>Kullbach</a:t>
+            </a:r>
+            <a:r>
+              <a:rPr lang="en-GB" sz="1700" dirty="0">
+                <a:latin typeface="Futura"/>
+              </a:rPr>
+              <a:t>–</a:t>
+            </a:r>
+            <a:r>
+              <a:rPr lang="en-GB" sz="1700" dirty="0" err="1">
+                <a:latin typeface="Futura"/>
+              </a:rPr>
+              <a:t>Leibler</a:t>
+            </a:r>
+            <a:r>
+              <a:rPr lang="en-GB" sz="1700" dirty="0">
+                <a:latin typeface="Futura"/>
+              </a:rPr>
+              <a:t> divergence KL</a:t>
+            </a:r>
+          </a:p>
+          <a:p>
+            <a:pPr marL="1200150" lvl="2" indent="-285750">
+              <a:buFont typeface="Arial" panose="020B0604020202020204" pitchFamily="34" charset="0"/>
+              <a:buChar char="•"/>
+            </a:pPr>
+            <a:r>
+              <a:rPr lang="en-GB" sz="1700" dirty="0">
+                <a:latin typeface="Futura"/>
+              </a:rPr>
+              <a:t>Breaking Ties (BT)</a:t>
+            </a:r>
+          </a:p>
+        </p:txBody>
+      </p:sp>
+      <p:sp>
+        <p:nvSpPr>
+          <p:cNvPr id="19" name="Rectangle 18">
+            <a:extLst>
+              <a:ext uri="{FF2B5EF4-FFF2-40B4-BE49-F238E27FC236}">
+                <a16:creationId xmlns:a16="http://schemas.microsoft.com/office/drawing/2014/main" id="{3E40F008-828D-483B-ACB5-22B0F07CD130}"/>
+              </a:ext>
+            </a:extLst>
+          </p:cNvPr>
+          <p:cNvSpPr/>
+          <p:nvPr/>
+        </p:nvSpPr>
+        <p:spPr>
+          <a:xfrm>
+            <a:off x="0" y="152400"/>
+            <a:ext cx="12191999" cy="353943"/>
+          </a:xfrm>
+          <a:prstGeom prst="rect">
+            <a:avLst/>
+          </a:prstGeom>
+        </p:spPr>
+        <p:txBody>
+          <a:bodyPr wrap="square">
+            <a:spAutoFit/>
+          </a:bodyPr>
+          <a:lstStyle/>
+          <a:p>
             <a:pPr algn="ctr"/>
             <a:r>
               <a:rPr lang="it-IT" sz="1700" dirty="0" err="1">
@@ -8046,7 +8224,7 @@
                 <a:latin typeface="Futura"/>
                 <a:cs typeface="Microsoft Sans Serif"/>
               </a:rPr>
-              <a:t>Implemented</a:t>
+              <a:t>Current</a:t>
             </a:r>
             <a:r>
               <a:rPr lang="it-IT" sz="1700" dirty="0">
@@ -8054,7 +8232,7 @@
                 <a:latin typeface="Futura"/>
                 <a:cs typeface="Microsoft Sans Serif"/>
               </a:rPr>
-              <a:t> steps</a:t>
+              <a:t> progress</a:t>
             </a:r>
             <a:endParaRPr lang="en-GB" sz="1700" dirty="0">
               <a:ln w="0"/>
@@ -8063,128 +8241,12 @@
           </a:p>
         </p:txBody>
       </p:sp>
-      <p:pic>
-        <p:nvPicPr>
-          <p:cNvPr id="14" name="Picture 13">
-            <a:extLst>
-              <a:ext uri="{FF2B5EF4-FFF2-40B4-BE49-F238E27FC236}">
-                <a16:creationId xmlns:a16="http://schemas.microsoft.com/office/drawing/2014/main" id="{042E576F-9E28-4F1C-B2E8-CD21F2DB4948}"/>
-              </a:ext>
-            </a:extLst>
-          </p:cNvPr>
-          <p:cNvPicPr>
-            <a:picLocks noChangeAspect="1"/>
-          </p:cNvPicPr>
-          <p:nvPr/>
-        </p:nvPicPr>
-        <p:blipFill rotWithShape="1">
-          <a:blip r:embed="rId2"/>
-          <a:srcRect l="3163" t="13805" r="903" b="14324"/>
-          <a:stretch/>
-        </p:blipFill>
-        <p:spPr>
-          <a:xfrm>
-            <a:off x="4800600" y="3028353"/>
-            <a:ext cx="1895753" cy="286483"/>
-          </a:xfrm>
-          <a:prstGeom prst="rect">
-            <a:avLst/>
-          </a:prstGeom>
-        </p:spPr>
-      </p:pic>
-      <p:pic>
-        <p:nvPicPr>
-          <p:cNvPr id="16" name="Picture 15">
-            <a:extLst>
-              <a:ext uri="{FF2B5EF4-FFF2-40B4-BE49-F238E27FC236}">
-                <a16:creationId xmlns:a16="http://schemas.microsoft.com/office/drawing/2014/main" id="{99AE6C36-B7A4-4C70-869B-0D814962DE90}"/>
-              </a:ext>
-            </a:extLst>
-          </p:cNvPr>
-          <p:cNvPicPr>
-            <a:picLocks noChangeAspect="1"/>
-          </p:cNvPicPr>
-          <p:nvPr/>
-        </p:nvPicPr>
-        <p:blipFill rotWithShape="1">
-          <a:blip r:embed="rId3"/>
-          <a:srcRect l="14256" t="60215" r="7291" b="6973"/>
-          <a:stretch/>
-        </p:blipFill>
-        <p:spPr>
-          <a:xfrm>
-            <a:off x="7467600" y="3522580"/>
-            <a:ext cx="2207679" cy="283721"/>
-          </a:xfrm>
-          <a:prstGeom prst="rect">
-            <a:avLst/>
-          </a:prstGeom>
-        </p:spPr>
-      </p:pic>
-      <p:pic>
-        <p:nvPicPr>
-          <p:cNvPr id="17" name="Picture 16">
-            <a:extLst>
-              <a:ext uri="{FF2B5EF4-FFF2-40B4-BE49-F238E27FC236}">
-                <a16:creationId xmlns:a16="http://schemas.microsoft.com/office/drawing/2014/main" id="{732E061B-7E4A-4054-B28D-8C00E304FE50}"/>
-              </a:ext>
-            </a:extLst>
-          </p:cNvPr>
-          <p:cNvPicPr>
-            <a:picLocks noChangeAspect="1"/>
-          </p:cNvPicPr>
-          <p:nvPr/>
-        </p:nvPicPr>
-        <p:blipFill rotWithShape="1">
-          <a:blip r:embed="rId3"/>
-          <a:srcRect l="634" t="37849" r="86792" b="38187"/>
-          <a:stretch/>
-        </p:blipFill>
-        <p:spPr>
-          <a:xfrm>
-            <a:off x="6799852" y="3522580"/>
-            <a:ext cx="484495" cy="283721"/>
-          </a:xfrm>
-          <a:prstGeom prst="rect">
-            <a:avLst/>
-          </a:prstGeom>
-        </p:spPr>
-      </p:pic>
-      <p:pic>
-        <p:nvPicPr>
-          <p:cNvPr id="18" name="Picture 17">
-            <a:extLst>
-              <a:ext uri="{FF2B5EF4-FFF2-40B4-BE49-F238E27FC236}">
-                <a16:creationId xmlns:a16="http://schemas.microsoft.com/office/drawing/2014/main" id="{9F59D4A7-21E7-44C7-9747-8A939E758584}"/>
-              </a:ext>
-            </a:extLst>
-          </p:cNvPr>
-          <p:cNvPicPr>
-            <a:picLocks noChangeAspect="1"/>
-          </p:cNvPicPr>
-          <p:nvPr/>
-        </p:nvPicPr>
-        <p:blipFill rotWithShape="1">
-          <a:blip r:embed="rId3"/>
-          <a:srcRect l="25783" t="4809" r="19635" b="67439"/>
-          <a:stretch/>
-        </p:blipFill>
-        <p:spPr>
-          <a:xfrm>
-            <a:off x="4800600" y="3522580"/>
-            <a:ext cx="1815999" cy="283721"/>
-          </a:xfrm>
-          <a:prstGeom prst="rect">
-            <a:avLst/>
-          </a:prstGeom>
-        </p:spPr>
-      </p:pic>
       <p:sp>
         <p:nvSpPr>
-          <p:cNvPr id="11" name="Rectangle 10">
+          <p:cNvPr id="24" name="Rectangle 23">
             <a:extLst>
               <a:ext uri="{FF2B5EF4-FFF2-40B4-BE49-F238E27FC236}">
-                <a16:creationId xmlns:a16="http://schemas.microsoft.com/office/drawing/2014/main" id="{C4CE36CE-F34A-4EAB-BF7A-9EE78D765351}"/>
+                <a16:creationId xmlns:a16="http://schemas.microsoft.com/office/drawing/2014/main" id="{CC19D941-6740-4DCA-9C09-56462679D93F}"/>
               </a:ext>
             </a:extLst>
           </p:cNvPr>
@@ -8219,10 +8281,10 @@
       </p:sp>
       <p:pic>
         <p:nvPicPr>
-          <p:cNvPr id="12" name="Picture 11">
+          <p:cNvPr id="25" name="Picture 24">
             <a:extLst>
               <a:ext uri="{FF2B5EF4-FFF2-40B4-BE49-F238E27FC236}">
-                <a16:creationId xmlns:a16="http://schemas.microsoft.com/office/drawing/2014/main" id="{961CF1E1-94F9-4C49-B01C-383E0EB04362}"/>
+                <a16:creationId xmlns:a16="http://schemas.microsoft.com/office/drawing/2014/main" id="{92B8902F-9AE9-4B7B-84BA-61F3473D826D}"/>
               </a:ext>
             </a:extLst>
           </p:cNvPr>
@@ -8232,7 +8294,7 @@
           <p:nvPr/>
         </p:nvPicPr>
         <p:blipFill rotWithShape="1">
-          <a:blip r:embed="rId4">
+          <a:blip r:embed="rId2">
             <a:extLst>
               <a:ext uri="{28A0092B-C50C-407E-A947-70E740481C1C}">
                 <a14:useLocalDpi xmlns:a14="http://schemas.microsoft.com/office/drawing/2010/main" val="0"/>
@@ -8254,10 +8316,10 @@
       </p:pic>
       <p:pic>
         <p:nvPicPr>
-          <p:cNvPr id="13" name="Picture 12">
+          <p:cNvPr id="26" name="Picture 25">
             <a:extLst>
               <a:ext uri="{FF2B5EF4-FFF2-40B4-BE49-F238E27FC236}">
-                <a16:creationId xmlns:a16="http://schemas.microsoft.com/office/drawing/2014/main" id="{D274A163-195C-492D-BBCF-B4F558AC28F9}"/>
+                <a16:creationId xmlns:a16="http://schemas.microsoft.com/office/drawing/2014/main" id="{1A390E6A-6E3F-4B90-8E0D-3B57622295AD}"/>
               </a:ext>
             </a:extLst>
           </p:cNvPr>
@@ -8267,7 +8329,7 @@
           <p:nvPr/>
         </p:nvPicPr>
         <p:blipFill>
-          <a:blip r:embed="rId5" cstate="print">
+          <a:blip r:embed="rId3" cstate="print">
             <a:extLst>
               <a:ext uri="{28A0092B-C50C-407E-A947-70E740481C1C}">
                 <a14:useLocalDpi xmlns:a14="http://schemas.microsoft.com/office/drawing/2010/main" val="0"/>
@@ -8291,7 +8353,7 @@
     </p:spTree>
     <p:extLst>
       <p:ext uri="{BB962C8B-B14F-4D97-AF65-F5344CB8AC3E}">
-        <p14:creationId xmlns:p14="http://schemas.microsoft.com/office/powerpoint/2010/main" val="2623550191"/>
+        <p14:creationId xmlns:p14="http://schemas.microsoft.com/office/powerpoint/2010/main" val="2322780237"/>
       </p:ext>
     </p:extLst>
   </p:cSld>
@@ -8318,104 +8380,83 @@
           <a:chExt cx="0" cy="0"/>
         </a:xfrm>
       </p:grpSpPr>
+      <p:pic>
+        <p:nvPicPr>
+          <p:cNvPr id="7" name="Picture 6">
+            <a:extLst>
+              <a:ext uri="{FF2B5EF4-FFF2-40B4-BE49-F238E27FC236}">
+                <a16:creationId xmlns:a16="http://schemas.microsoft.com/office/drawing/2014/main" id="{64AB17A8-B6F3-4C8D-B315-3C10917630CF}"/>
+              </a:ext>
+            </a:extLst>
+          </p:cNvPr>
+          <p:cNvPicPr>
+            <a:picLocks noChangeAspect="1"/>
+          </p:cNvPicPr>
+          <p:nvPr/>
+        </p:nvPicPr>
+        <p:blipFill>
+          <a:blip r:embed="rId2" cstate="print">
+            <a:extLst>
+              <a:ext uri="{28A0092B-C50C-407E-A947-70E740481C1C}">
+                <a14:useLocalDpi xmlns:a14="http://schemas.microsoft.com/office/drawing/2010/main" val="0"/>
+              </a:ext>
+            </a:extLst>
+          </a:blip>
+          <a:stretch>
+            <a:fillRect/>
+          </a:stretch>
+        </p:blipFill>
+        <p:spPr>
+          <a:xfrm>
+            <a:off x="11506200" y="6172200"/>
+            <a:ext cx="628015" cy="628015"/>
+          </a:xfrm>
+          <a:prstGeom prst="rect">
+            <a:avLst/>
+          </a:prstGeom>
+        </p:spPr>
+      </p:pic>
+      <p:pic>
+        <p:nvPicPr>
+          <p:cNvPr id="8" name="Picture 7">
+            <a:extLst>
+              <a:ext uri="{FF2B5EF4-FFF2-40B4-BE49-F238E27FC236}">
+                <a16:creationId xmlns:a16="http://schemas.microsoft.com/office/drawing/2014/main" id="{256277AE-6C37-4CB2-A012-16EEBF5392EA}"/>
+              </a:ext>
+            </a:extLst>
+          </p:cNvPr>
+          <p:cNvPicPr>
+            <a:picLocks noChangeAspect="1"/>
+          </p:cNvPicPr>
+          <p:nvPr/>
+        </p:nvPicPr>
+        <p:blipFill rotWithShape="1">
+          <a:blip r:embed="rId3">
+            <a:extLst>
+              <a:ext uri="{28A0092B-C50C-407E-A947-70E740481C1C}">
+                <a14:useLocalDpi xmlns:a14="http://schemas.microsoft.com/office/drawing/2010/main" val="0"/>
+              </a:ext>
+            </a:extLst>
+          </a:blip>
+          <a:srcRect l="25190" r="25955" b="38216"/>
+          <a:stretch/>
+        </p:blipFill>
+        <p:spPr>
+          <a:xfrm>
+            <a:off x="8295" y="6172200"/>
+            <a:ext cx="677505" cy="627889"/>
+          </a:xfrm>
+          <a:prstGeom prst="rect">
+            <a:avLst/>
+          </a:prstGeom>
+        </p:spPr>
+      </p:pic>
       <p:sp>
         <p:nvSpPr>
-          <p:cNvPr id="2" name="TextBox 1">
+          <p:cNvPr id="5" name="Rectangle 4">
             <a:extLst>
               <a:ext uri="{FF2B5EF4-FFF2-40B4-BE49-F238E27FC236}">
-                <a16:creationId xmlns:a16="http://schemas.microsoft.com/office/drawing/2014/main" id="{EE3A0654-5DB1-47E8-86CA-FEF40CCE84EB}"/>
-              </a:ext>
-            </a:extLst>
-          </p:cNvPr>
-          <p:cNvSpPr txBox="1"/>
-          <p:nvPr/>
-        </p:nvSpPr>
-        <p:spPr>
-          <a:xfrm>
-            <a:off x="6521632" y="5235414"/>
-            <a:ext cx="4458272" cy="615553"/>
-          </a:xfrm>
-          <a:prstGeom prst="rect">
-            <a:avLst/>
-          </a:prstGeom>
-          <a:noFill/>
-        </p:spPr>
-        <p:txBody>
-          <a:bodyPr wrap="none" rtlCol="0">
-            <a:spAutoFit/>
-          </a:bodyPr>
-          <a:lstStyle/>
-          <a:p>
-            <a:pPr marL="285750" indent="-285750">
-              <a:buFont typeface="Arial" panose="020B0604020202020204" pitchFamily="34" charset="0"/>
-              <a:buChar char="•"/>
-            </a:pPr>
-            <a:r>
-              <a:rPr lang="it-IT" sz="1700" dirty="0" err="1">
-                <a:latin typeface="Futura"/>
-              </a:rPr>
-              <a:t>Execute</a:t>
-            </a:r>
-            <a:r>
-              <a:rPr lang="it-IT" sz="1700" dirty="0">
-                <a:latin typeface="Futura"/>
-              </a:rPr>
-              <a:t> code on a different machine</a:t>
-            </a:r>
-          </a:p>
-          <a:p>
-            <a:pPr marL="285750" indent="-285750">
-              <a:buFont typeface="Arial" panose="020B0604020202020204" pitchFamily="34" charset="0"/>
-              <a:buChar char="•"/>
-            </a:pPr>
-            <a:r>
-              <a:rPr lang="it-IT" sz="1700" dirty="0" err="1">
-                <a:latin typeface="Futura"/>
-              </a:rPr>
-              <a:t>Qiskit</a:t>
-            </a:r>
-            <a:r>
-              <a:rPr lang="it-IT" sz="1700" dirty="0">
-                <a:latin typeface="Futura"/>
-              </a:rPr>
-              <a:t> </a:t>
-            </a:r>
-            <a:r>
-              <a:rPr lang="it-IT" sz="1700" dirty="0" err="1">
-                <a:latin typeface="Futura"/>
-              </a:rPr>
-              <a:t>python</a:t>
-            </a:r>
-            <a:r>
-              <a:rPr lang="it-IT" sz="1700" dirty="0">
-                <a:latin typeface="Futura"/>
-              </a:rPr>
-              <a:t> </a:t>
-            </a:r>
-            <a:r>
-              <a:rPr lang="it-IT" sz="1700" dirty="0" err="1">
-                <a:latin typeface="Futura"/>
-              </a:rPr>
-              <a:t>library</a:t>
-            </a:r>
-            <a:r>
-              <a:rPr lang="it-IT" sz="1700" dirty="0">
-                <a:latin typeface="Futura"/>
-              </a:rPr>
-              <a:t> for VSVM</a:t>
-            </a:r>
-            <a:endParaRPr lang="en-GB" sz="1700" dirty="0">
-              <a:latin typeface="Futura"/>
-            </a:endParaRPr>
-          </a:p>
-        </p:txBody>
-      </p:sp>
-      <p:sp>
-        <p:nvSpPr>
-          <p:cNvPr id="3" name="Rectangle 2">
-            <a:extLst>
-              <a:ext uri="{FF2B5EF4-FFF2-40B4-BE49-F238E27FC236}">
-                <a16:creationId xmlns:a16="http://schemas.microsoft.com/office/drawing/2014/main" id="{85B66492-7631-4D77-854C-9D9B2C20CC19}"/>
+                <a16:creationId xmlns:a16="http://schemas.microsoft.com/office/drawing/2014/main" id="{D7F9A05B-8D08-46CF-8EB2-8EF9C40EEA00}"/>
               </a:ext>
             </a:extLst>
           </p:cNvPr>
@@ -8424,72 +8465,8 @@
         </p:nvSpPr>
         <p:spPr>
           <a:xfrm>
-            <a:off x="685800" y="962625"/>
-            <a:ext cx="6096000" cy="1400383"/>
-          </a:xfrm>
-          <a:prstGeom prst="rect">
-            <a:avLst/>
-          </a:prstGeom>
-        </p:spPr>
-        <p:txBody>
-          <a:bodyPr>
-            <a:spAutoFit/>
-          </a:bodyPr>
-          <a:lstStyle/>
-          <a:p>
-            <a:pPr marL="285750" indent="-285750">
-              <a:buFont typeface="Arial" panose="020B0604020202020204" pitchFamily="34" charset="0"/>
-              <a:buChar char="•"/>
-            </a:pPr>
-            <a:r>
-              <a:rPr lang="it-IT" sz="1700" u="sng" dirty="0">
-                <a:latin typeface="Futura"/>
-              </a:rPr>
-              <a:t>Active Learning framework</a:t>
-            </a:r>
-          </a:p>
-          <a:p>
-            <a:pPr marL="742950" lvl="1" indent="-285750">
-              <a:buFont typeface="Arial" panose="020B0604020202020204" pitchFamily="34" charset="0"/>
-              <a:buChar char="•"/>
-            </a:pPr>
-            <a:r>
-              <a:rPr lang="en-GB" sz="1700" dirty="0">
-                <a:latin typeface="Futura"/>
-              </a:rPr>
-              <a:t>A Survey of Active Learning Algorithms for Supervised Remote Sensing Image Classification</a:t>
-            </a:r>
-          </a:p>
-          <a:p>
-            <a:pPr marL="742950" lvl="1" indent="-285750">
-              <a:buFont typeface="Arial" panose="020B0604020202020204" pitchFamily="34" charset="0"/>
-              <a:buChar char="•"/>
-            </a:pPr>
-            <a:r>
-              <a:rPr lang="en-GB" sz="1700" dirty="0">
-                <a:latin typeface="Futura"/>
-              </a:rPr>
-              <a:t>Active Learning Methods for Remote Sensing Image Classification</a:t>
-            </a:r>
-          </a:p>
-        </p:txBody>
-      </p:sp>
-      <p:sp>
-        <p:nvSpPr>
-          <p:cNvPr id="4" name="Rectangle 3">
-            <a:extLst>
-              <a:ext uri="{FF2B5EF4-FFF2-40B4-BE49-F238E27FC236}">
-                <a16:creationId xmlns:a16="http://schemas.microsoft.com/office/drawing/2014/main" id="{EA8F48A4-B9AC-4DA4-972A-FBE6314EBF73}"/>
-              </a:ext>
-            </a:extLst>
-          </p:cNvPr>
-          <p:cNvSpPr/>
-          <p:nvPr/>
-        </p:nvSpPr>
-        <p:spPr>
-          <a:xfrm>
-            <a:off x="533400" y="2716951"/>
-            <a:ext cx="9101843" cy="2970044"/>
+            <a:off x="914400" y="0"/>
+            <a:ext cx="10363200" cy="6740307"/>
           </a:xfrm>
           <a:prstGeom prst="rect">
             <a:avLst/>
@@ -8501,480 +8478,620 @@
           </a:bodyPr>
           <a:lstStyle/>
           <a:p>
-            <a:pPr lvl="1"/>
-            <a:r>
-              <a:rPr lang="en-GB" sz="1700" dirty="0">
-                <a:latin typeface="Futura"/>
-              </a:rPr>
-              <a:t>Large-Margin-Based Active Learning</a:t>
-            </a:r>
-          </a:p>
-          <a:p>
-            <a:pPr marL="1200150" lvl="2" indent="-285750">
-              <a:buFont typeface="Arial" panose="020B0604020202020204" pitchFamily="34" charset="0"/>
-              <a:buChar char="•"/>
-            </a:pPr>
-            <a:r>
-              <a:rPr lang="it-IT" sz="1700" dirty="0">
-                <a:latin typeface="Futura"/>
-              </a:rPr>
-              <a:t>M</a:t>
-            </a:r>
-            <a:r>
-              <a:rPr lang="en-GB" sz="1700" dirty="0" err="1">
-                <a:latin typeface="Futura"/>
-              </a:rPr>
-              <a:t>argin</a:t>
-            </a:r>
-            <a:r>
-              <a:rPr lang="en-GB" sz="1700" dirty="0">
-                <a:latin typeface="Futura"/>
-              </a:rPr>
-              <a:t> Sampling MS</a:t>
-            </a:r>
-          </a:p>
-          <a:p>
-            <a:pPr marL="1200150" lvl="2" indent="-285750">
-              <a:buFont typeface="Arial" panose="020B0604020202020204" pitchFamily="34" charset="0"/>
-              <a:buChar char="•"/>
-            </a:pPr>
-            <a:r>
-              <a:rPr lang="it-IT" sz="1700" dirty="0">
-                <a:latin typeface="Futura"/>
-              </a:rPr>
-              <a:t>M</a:t>
-            </a:r>
-            <a:r>
-              <a:rPr lang="en-GB" sz="1700" dirty="0">
-                <a:latin typeface="Futura"/>
-              </a:rPr>
-              <a:t>ulticlass Level Uncertainty MCLU</a:t>
-            </a:r>
-          </a:p>
-          <a:p>
-            <a:pPr marL="1200150" lvl="2" indent="-285750">
-              <a:buFont typeface="Arial" panose="020B0604020202020204" pitchFamily="34" charset="0"/>
-              <a:buChar char="•"/>
-            </a:pPr>
-            <a:r>
-              <a:rPr lang="it-IT" sz="1700" dirty="0">
-                <a:latin typeface="Futura"/>
-              </a:rPr>
-              <a:t>M</a:t>
-            </a:r>
-            <a:r>
-              <a:rPr lang="en-GB" sz="1700" dirty="0">
-                <a:latin typeface="Futura"/>
-              </a:rPr>
-              <a:t>ulticlass Level Probability MCLP</a:t>
-            </a:r>
-          </a:p>
-          <a:p>
-            <a:pPr marL="1200150" lvl="2" indent="-285750">
-              <a:buFont typeface="Arial" panose="020B0604020202020204" pitchFamily="34" charset="0"/>
-              <a:buChar char="•"/>
-            </a:pPr>
-            <a:r>
-              <a:rPr lang="it-IT" sz="1700" dirty="0">
-                <a:latin typeface="Futura"/>
-              </a:rPr>
-              <a:t>S</a:t>
-            </a:r>
-            <a:r>
-              <a:rPr lang="en-GB" sz="1700" dirty="0" err="1">
-                <a:latin typeface="Futura"/>
-              </a:rPr>
-              <a:t>ignificance</a:t>
-            </a:r>
-            <a:r>
-              <a:rPr lang="en-GB" sz="1700" dirty="0">
-                <a:latin typeface="Futura"/>
-              </a:rPr>
-              <a:t> Space </a:t>
-            </a:r>
-            <a:r>
-              <a:rPr lang="en-GB" sz="1700" dirty="0" err="1">
-                <a:latin typeface="Futura"/>
-              </a:rPr>
-              <a:t>Construnction</a:t>
-            </a:r>
-            <a:r>
-              <a:rPr lang="en-GB" sz="1700" dirty="0">
-                <a:latin typeface="Futura"/>
-              </a:rPr>
-              <a:t> SSC</a:t>
-            </a:r>
-          </a:p>
-          <a:p>
-            <a:pPr marL="1200150" lvl="2" indent="-285750">
-              <a:buFont typeface="Arial" panose="020B0604020202020204" pitchFamily="34" charset="0"/>
-              <a:buChar char="•"/>
-            </a:pPr>
-            <a:r>
-              <a:rPr lang="it-IT" sz="1700" dirty="0" err="1">
-                <a:latin typeface="Futura"/>
-              </a:rPr>
-              <a:t>Most</a:t>
-            </a:r>
-            <a:r>
-              <a:rPr lang="it-IT" sz="1700" dirty="0">
+            <a:r>
+              <a:rPr lang="en-GB" sz="1600" dirty="0">
+                <a:latin typeface="Futura"/>
+              </a:rPr>
+              <a:t>1.  DONE try without </a:t>
+            </a:r>
+            <a:r>
+              <a:rPr lang="en-GB" sz="1600" dirty="0" err="1">
+                <a:latin typeface="Futura"/>
+              </a:rPr>
+              <a:t>indexTrain</a:t>
+            </a:r>
+            <a:r>
+              <a:rPr lang="en-GB" sz="1600" dirty="0">
+                <a:latin typeface="Futura"/>
+              </a:rPr>
+              <a:t>  </a:t>
+            </a:r>
+          </a:p>
+          <a:p>
+            <a:r>
+              <a:rPr lang="en-GB" sz="1600" dirty="0">
+                <a:latin typeface="Futura"/>
+              </a:rPr>
+              <a:t>3.  DONE split </a:t>
+            </a:r>
+            <a:r>
+              <a:rPr lang="en-GB" sz="1600" dirty="0" err="1">
+                <a:latin typeface="Futura"/>
+              </a:rPr>
+              <a:t>alter_samples</a:t>
+            </a:r>
+            <a:r>
+              <a:rPr lang="en-GB" sz="1600" dirty="0">
+                <a:latin typeface="Futura"/>
+              </a:rPr>
+              <a:t> in multiple iterations </a:t>
+            </a:r>
+          </a:p>
+          <a:p>
+            <a:r>
+              <a:rPr lang="en-GB" sz="1600" dirty="0">
+                <a:latin typeface="Futura"/>
+              </a:rPr>
+              <a:t>4.  DONE check if in the </a:t>
+            </a:r>
+            <a:r>
+              <a:rPr lang="en-GB" sz="1600" dirty="0" err="1">
+                <a:latin typeface="Futura"/>
+              </a:rPr>
+              <a:t>multiclas</a:t>
+            </a:r>
+            <a:r>
+              <a:rPr lang="en-GB" sz="1600" dirty="0">
+                <a:latin typeface="Futura"/>
+              </a:rPr>
+              <a:t> setting the random / balanced </a:t>
+            </a:r>
+            <a:r>
+              <a:rPr lang="en-GB" sz="1600" dirty="0" err="1">
+                <a:latin typeface="Futura"/>
+              </a:rPr>
+              <a:t>unlabeled</a:t>
+            </a:r>
+            <a:r>
+              <a:rPr lang="en-GB" sz="1600" dirty="0">
+                <a:latin typeface="Futura"/>
+              </a:rPr>
+              <a:t> samples actually change</a:t>
+            </a:r>
+          </a:p>
+          <a:p>
+            <a:r>
+              <a:rPr lang="en-GB" sz="1600" dirty="0">
+                <a:latin typeface="Futura"/>
+              </a:rPr>
+              <a:t>5.  DONE implement </a:t>
+            </a:r>
+            <a:r>
+              <a:rPr lang="en-GB" sz="1600" dirty="0" err="1">
+                <a:latin typeface="Futura"/>
+              </a:rPr>
+              <a:t>only_probability_distance</a:t>
+            </a:r>
+            <a:r>
+              <a:rPr lang="en-GB" sz="1600" dirty="0">
+                <a:latin typeface="Futura"/>
+              </a:rPr>
+              <a:t> + check different implementation of </a:t>
+            </a:r>
+            <a:r>
+              <a:rPr lang="en-GB" sz="1600" dirty="0" err="1">
+                <a:latin typeface="Futura"/>
+              </a:rPr>
+              <a:t>mclu</a:t>
+            </a:r>
+            <a:r>
+              <a:rPr lang="en-GB" sz="1600" dirty="0">
+                <a:latin typeface="Futura"/>
+              </a:rPr>
+              <a:t> (see paper) </a:t>
+            </a:r>
+          </a:p>
+          <a:p>
+            <a:r>
+              <a:rPr lang="en-GB" sz="1600" dirty="0">
+                <a:latin typeface="Futura"/>
+              </a:rPr>
+              <a:t>6.  DONE check if NDVI feature is actually useful</a:t>
+            </a:r>
+          </a:p>
+          <a:p>
+            <a:r>
+              <a:rPr lang="en-GB" sz="1600" dirty="0">
+                <a:latin typeface="Futura"/>
+              </a:rPr>
+              <a:t>7.  DONE boundClass1 issue related to implementation error -&gt; values inside variables</a:t>
+            </a:r>
+          </a:p>
+          <a:p>
+            <a:r>
+              <a:rPr lang="en-GB" sz="1600" dirty="0">
+                <a:latin typeface="Futura"/>
+              </a:rPr>
+              <a:t>8.  DONE implement binary + multiclass in the same script</a:t>
+            </a:r>
+          </a:p>
+          <a:p>
+            <a:r>
+              <a:rPr lang="en-GB" sz="1600" dirty="0">
+                <a:latin typeface="Futura"/>
+              </a:rPr>
+              <a:t>9.  DONE tune </a:t>
+            </a:r>
+            <a:r>
+              <a:rPr lang="en-GB" sz="1600" dirty="0" err="1">
+                <a:latin typeface="Futura"/>
+              </a:rPr>
+              <a:t>alter_label</a:t>
+            </a:r>
+            <a:r>
+              <a:rPr lang="en-GB" sz="1600" dirty="0">
+                <a:latin typeface="Futura"/>
+              </a:rPr>
+              <a:t> hyperparameter: how many label need to be </a:t>
+            </a:r>
+            <a:r>
+              <a:rPr lang="en-GB" sz="1600" dirty="0" err="1">
+                <a:latin typeface="Futura"/>
+              </a:rPr>
+              <a:t>relabeled</a:t>
+            </a:r>
+            <a:r>
+              <a:rPr lang="en-GB" sz="1600" dirty="0">
+                <a:latin typeface="Futura"/>
+              </a:rPr>
+              <a:t>?</a:t>
+            </a:r>
+          </a:p>
+          <a:p>
+            <a:r>
+              <a:rPr lang="en-GB" sz="1600" dirty="0">
+                <a:latin typeface="Futura"/>
+              </a:rPr>
+              <a:t>10. DONE overall hyperparameters optimization e.g. "</a:t>
+            </a:r>
+            <a:r>
+              <a:rPr lang="en-GB" sz="1600" dirty="0" err="1">
+                <a:latin typeface="Futura"/>
+              </a:rPr>
+              <a:t>boundMargin</a:t>
+            </a:r>
+            <a:r>
+              <a:rPr lang="en-GB" sz="1600" dirty="0">
+                <a:latin typeface="Futura"/>
+              </a:rPr>
+              <a:t>" and "bound" </a:t>
+            </a:r>
+          </a:p>
+          <a:p>
+            <a:r>
+              <a:rPr lang="en-GB" sz="1600" dirty="0">
+                <a:latin typeface="Futura"/>
+              </a:rPr>
+              <a:t>11. DONE descriptive stats of the dataset/data visualization</a:t>
+            </a:r>
+          </a:p>
+          <a:p>
+            <a:r>
+              <a:rPr lang="en-GB" sz="1600" dirty="0">
+                <a:latin typeface="Futura"/>
+              </a:rPr>
+              <a:t>12. DONE Kappa-score coefficient definition: change the metric from "kappa" to "accuracy"</a:t>
+            </a:r>
+          </a:p>
+          <a:p>
+            <a:r>
+              <a:rPr lang="en-GB" sz="1600" dirty="0">
+                <a:latin typeface="Futura"/>
+              </a:rPr>
+              <a:t>15. DONE multiclass script is implemented differently from the binary one -&gt; got different accuracies</a:t>
+            </a:r>
+          </a:p>
+          <a:p>
+            <a:r>
+              <a:rPr lang="en-GB" sz="1600" dirty="0">
+                <a:latin typeface="Futura"/>
+              </a:rPr>
+              <a:t>17. DONE add shape scripts</a:t>
+            </a:r>
+          </a:p>
+          <a:p>
+            <a:r>
+              <a:rPr lang="en-GB" sz="1600" dirty="0">
+                <a:latin typeface="Futura"/>
+              </a:rPr>
+              <a:t>18. DONE add </a:t>
+            </a:r>
+            <a:r>
+              <a:rPr lang="en-GB" sz="1600" dirty="0" err="1">
+                <a:latin typeface="Futura"/>
+              </a:rPr>
+              <a:t>hadagera</a:t>
+            </a:r>
+            <a:r>
+              <a:rPr lang="en-GB" sz="1600" dirty="0">
+                <a:latin typeface="Futura"/>
+              </a:rPr>
+              <a:t> scripts</a:t>
+            </a:r>
+          </a:p>
+          <a:p>
+            <a:r>
+              <a:rPr lang="en-GB" sz="1600" dirty="0">
+                <a:latin typeface="Futura"/>
+              </a:rPr>
+              <a:t>19. DONE check if it is sufficient to run </a:t>
+            </a:r>
+            <a:r>
+              <a:rPr lang="en-GB" sz="1600" dirty="0" err="1">
+                <a:latin typeface="Futura"/>
+              </a:rPr>
+              <a:t>registerDoParallel</a:t>
+            </a:r>
+            <a:r>
+              <a:rPr lang="en-GB" sz="1600" dirty="0">
+                <a:latin typeface="Futura"/>
+              </a:rPr>
+              <a:t>(</a:t>
+            </a:r>
+            <a:r>
+              <a:rPr lang="en-GB" sz="1600" dirty="0" err="1">
+                <a:latin typeface="Futura"/>
+              </a:rPr>
+              <a:t>num_cores</a:t>
+            </a:r>
+            <a:r>
+              <a:rPr lang="en-GB" sz="1600" dirty="0">
+                <a:latin typeface="Futura"/>
+              </a:rPr>
+              <a:t>) just once inside the script</a:t>
+            </a:r>
+          </a:p>
+          <a:p>
+            <a:r>
+              <a:rPr lang="en-GB" sz="1600" dirty="0">
+                <a:latin typeface="Futura"/>
+              </a:rPr>
+              <a:t>20. DONE either balanced the </a:t>
+            </a:r>
+            <a:r>
+              <a:rPr lang="en-GB" sz="1600" dirty="0" err="1">
+                <a:latin typeface="Futura"/>
+              </a:rPr>
+              <a:t>datapool</a:t>
+            </a:r>
+            <a:r>
+              <a:rPr lang="en-GB" sz="1600" dirty="0">
+                <a:latin typeface="Futura"/>
+              </a:rPr>
+              <a:t> at the beginning or the each train/test/validate/</a:t>
+            </a:r>
+            <a:r>
+              <a:rPr lang="en-GB" sz="1600" dirty="0" err="1">
+                <a:latin typeface="Futura"/>
+              </a:rPr>
+              <a:t>unlabeled</a:t>
+            </a:r>
+            <a:r>
+              <a:rPr lang="en-GB" sz="1600" dirty="0">
+                <a:latin typeface="Futura"/>
+              </a:rPr>
+              <a:t> set</a:t>
+            </a:r>
+          </a:p>
+          <a:p>
+            <a:r>
+              <a:rPr lang="en-GB" sz="1600" dirty="0">
+                <a:latin typeface="Futura"/>
+              </a:rPr>
+              <a:t>21. DONE pick one new sample at time OR pick multiple from different regions/classes</a:t>
+            </a:r>
+          </a:p>
+          <a:p>
+            <a:r>
+              <a:rPr lang="en-GB" sz="1600" dirty="0">
+                <a:latin typeface="Futura"/>
+              </a:rPr>
+              <a:t>22. DONE plots for different model accuracies with different training data size and </a:t>
+            </a:r>
+            <a:r>
+              <a:rPr lang="en-GB" sz="1600" dirty="0" err="1">
+                <a:latin typeface="Futura"/>
+              </a:rPr>
+              <a:t>unlabeled</a:t>
+            </a:r>
+            <a:r>
+              <a:rPr lang="en-GB" sz="1600" dirty="0">
+                <a:latin typeface="Futura"/>
+              </a:rPr>
+              <a:t> samples</a:t>
+            </a:r>
+          </a:p>
+          <a:p>
+            <a:r>
+              <a:rPr lang="en-GB" sz="1600" dirty="0">
+                <a:latin typeface="Futura"/>
+              </a:rPr>
+              <a:t>24. DONE implement VSVM-SL + VIRTUAL </a:t>
+            </a:r>
+            <a:r>
+              <a:rPr lang="en-GB" sz="1600" dirty="0" err="1">
+                <a:latin typeface="Futura"/>
+              </a:rPr>
+              <a:t>Unlabeled</a:t>
+            </a:r>
+            <a:r>
+              <a:rPr lang="en-GB" sz="1600" dirty="0">
+                <a:latin typeface="Futura"/>
+              </a:rPr>
+              <a:t> Samples on </a:t>
+            </a:r>
+            <a:r>
+              <a:rPr lang="en-GB" sz="1600" dirty="0" err="1">
+                <a:latin typeface="Futura"/>
+              </a:rPr>
+              <a:t>new_tunedVSVM</a:t>
+            </a:r>
+            <a:r>
+              <a:rPr lang="en-GB" sz="1600" dirty="0">
+                <a:latin typeface="Futura"/>
+              </a:rPr>
+              <a:t> IT</a:t>
+            </a:r>
+          </a:p>
+          <a:p>
+            <a:r>
+              <a:rPr lang="en-GB" sz="1600" dirty="0">
+                <a:latin typeface="Futura"/>
+              </a:rPr>
+              <a:t>25. DONE use the </a:t>
+            </a:r>
+            <a:r>
+              <a:rPr lang="en-GB" sz="1600" dirty="0" err="1">
+                <a:latin typeface="Futura"/>
+              </a:rPr>
+              <a:t>kernel_function</a:t>
+            </a:r>
+            <a:r>
+              <a:rPr lang="en-GB" sz="1600" dirty="0">
+                <a:latin typeface="Futura"/>
+              </a:rPr>
+              <a:t> from the </a:t>
+            </a:r>
+            <a:r>
+              <a:rPr lang="en-GB" sz="1600" dirty="0" err="1">
+                <a:latin typeface="Futura"/>
+              </a:rPr>
+              <a:t>base_svm</a:t>
+            </a:r>
+            <a:r>
+              <a:rPr lang="en-GB" sz="1600" dirty="0">
                 <a:latin typeface="Futura"/>
               </a:rPr>
               <a:t> </a:t>
             </a:r>
-            <a:r>
-              <a:rPr lang="it-IT" sz="1700" dirty="0" err="1">
-                <a:latin typeface="Futura"/>
-              </a:rPr>
-              <a:t>Ambiguous</a:t>
-            </a:r>
-            <a:r>
-              <a:rPr lang="it-IT" sz="1700" dirty="0">
-                <a:latin typeface="Futura"/>
-              </a:rPr>
-              <a:t> and </a:t>
-            </a:r>
-            <a:r>
-              <a:rPr lang="it-IT" sz="1700" dirty="0" err="1">
-                <a:latin typeface="Futura"/>
-              </a:rPr>
-              <a:t>orthogonal</a:t>
-            </a:r>
-            <a:r>
-              <a:rPr lang="it-IT" sz="1700" dirty="0">
-                <a:latin typeface="Futura"/>
-              </a:rPr>
-              <a:t> MAO</a:t>
-            </a:r>
-          </a:p>
-          <a:p>
-            <a:pPr marL="1200150" lvl="2" indent="-285750">
-              <a:buFont typeface="Arial" panose="020B0604020202020204" pitchFamily="34" charset="0"/>
-              <a:buChar char="•"/>
-            </a:pPr>
-            <a:r>
-              <a:rPr lang="it-IT" sz="1700" dirty="0" err="1">
-                <a:latin typeface="Futura"/>
-              </a:rPr>
-              <a:t>Multiclass</a:t>
-            </a:r>
-            <a:r>
-              <a:rPr lang="it-IT" sz="1700" dirty="0">
-                <a:latin typeface="Futura"/>
-              </a:rPr>
-              <a:t> </a:t>
-            </a:r>
-            <a:r>
-              <a:rPr lang="it-IT" sz="1700" dirty="0" err="1">
-                <a:latin typeface="Futura"/>
-              </a:rPr>
-              <a:t>level</a:t>
-            </a:r>
-            <a:r>
-              <a:rPr lang="it-IT" sz="1700" dirty="0">
-                <a:latin typeface="Futura"/>
-              </a:rPr>
-              <a:t> </a:t>
-            </a:r>
-            <a:r>
-              <a:rPr lang="it-IT" sz="1700" dirty="0" err="1">
-                <a:latin typeface="Futura"/>
-              </a:rPr>
-              <a:t>uncertainty</a:t>
-            </a:r>
-            <a:r>
-              <a:rPr lang="it-IT" sz="1700" dirty="0">
-                <a:latin typeface="Futura"/>
-              </a:rPr>
-              <a:t>-angle-based </a:t>
-            </a:r>
-            <a:r>
-              <a:rPr lang="it-IT" sz="1700" dirty="0" err="1">
-                <a:latin typeface="Futura"/>
-              </a:rPr>
-              <a:t>diversity</a:t>
-            </a:r>
-            <a:r>
-              <a:rPr lang="it-IT" sz="1700" dirty="0">
-                <a:latin typeface="Futura"/>
-              </a:rPr>
-              <a:t> MCLU-ABD</a:t>
-            </a:r>
-          </a:p>
-          <a:p>
-            <a:pPr marL="1200150" lvl="2" indent="-285750">
-              <a:buFont typeface="Arial" panose="020B0604020202020204" pitchFamily="34" charset="0"/>
-              <a:buChar char="•"/>
-            </a:pPr>
-            <a:r>
-              <a:rPr lang="it-IT" sz="1700" dirty="0" err="1">
-                <a:latin typeface="Futura"/>
-              </a:rPr>
-              <a:t>Multiclass</a:t>
-            </a:r>
-            <a:r>
-              <a:rPr lang="it-IT" sz="1700" dirty="0">
-                <a:latin typeface="Futura"/>
-              </a:rPr>
-              <a:t> </a:t>
-            </a:r>
-            <a:r>
-              <a:rPr lang="it-IT" sz="1700" dirty="0" err="1">
-                <a:latin typeface="Futura"/>
-              </a:rPr>
-              <a:t>level</a:t>
-            </a:r>
-            <a:r>
-              <a:rPr lang="it-IT" sz="1700" dirty="0">
-                <a:latin typeface="Futura"/>
-              </a:rPr>
-              <a:t> </a:t>
-            </a:r>
-            <a:r>
-              <a:rPr lang="it-IT" sz="1700" dirty="0" err="1">
-                <a:latin typeface="Futura"/>
-              </a:rPr>
-              <a:t>uncertainty-enhanced</a:t>
-            </a:r>
-            <a:r>
-              <a:rPr lang="it-IT" sz="1700" dirty="0">
-                <a:latin typeface="Futura"/>
-              </a:rPr>
-              <a:t> cluster based </a:t>
-            </a:r>
-            <a:r>
-              <a:rPr lang="it-IT" sz="1700" dirty="0" err="1">
-                <a:latin typeface="Futura"/>
-              </a:rPr>
-              <a:t>diversity</a:t>
-            </a:r>
-            <a:r>
-              <a:rPr lang="it-IT" sz="1700" dirty="0">
-                <a:latin typeface="Futura"/>
-              </a:rPr>
-              <a:t> MCLU-ECBD</a:t>
-            </a:r>
-            <a:endParaRPr lang="en-GB" sz="1700" dirty="0">
+          </a:p>
+          <a:p>
+            <a:r>
+              <a:rPr lang="en-GB" sz="1600" dirty="0">
+                <a:latin typeface="Futura"/>
+              </a:rPr>
+              <a:t>29. DONE compare VSVM / VSVM_SL / VSVM_SL </a:t>
+            </a:r>
+            <a:r>
+              <a:rPr lang="en-GB" sz="1600" dirty="0" err="1">
+                <a:latin typeface="Futura"/>
+              </a:rPr>
+              <a:t>Unl</a:t>
+            </a:r>
+            <a:r>
+              <a:rPr lang="en-GB" sz="1600" dirty="0">
+                <a:latin typeface="Futura"/>
+              </a:rPr>
+              <a:t> / VSVM_SL V </a:t>
+            </a:r>
+            <a:r>
+              <a:rPr lang="en-GB" sz="1600" dirty="0" err="1">
+                <a:latin typeface="Futura"/>
+              </a:rPr>
+              <a:t>Unl</a:t>
+            </a:r>
+            <a:r>
+              <a:rPr lang="en-GB" sz="1600" dirty="0">
+                <a:latin typeface="Futura"/>
+              </a:rPr>
+              <a:t> as base model for </a:t>
+            </a:r>
+            <a:r>
+              <a:rPr lang="en-GB" sz="1600" dirty="0" err="1">
+                <a:latin typeface="Futura"/>
+              </a:rPr>
+              <a:t>ITerative</a:t>
+            </a:r>
+            <a:r>
+              <a:rPr lang="en-GB" sz="1600" dirty="0">
+                <a:latin typeface="Futura"/>
+              </a:rPr>
+              <a:t> AL</a:t>
+            </a:r>
+          </a:p>
+          <a:p>
+            <a:r>
+              <a:rPr lang="en-GB" sz="1600" dirty="0">
+                <a:latin typeface="Futura"/>
+              </a:rPr>
+              <a:t>30. DONE check why SVM as an Accuracy of 90% just with 3 samples</a:t>
+            </a:r>
+          </a:p>
+          <a:p>
+            <a:r>
+              <a:rPr lang="en-GB" sz="1600" dirty="0">
+                <a:latin typeface="Futura"/>
+              </a:rPr>
+              <a:t>31. DONE check </a:t>
+            </a:r>
+            <a:r>
+              <a:rPr lang="en-GB" sz="1600" dirty="0" err="1">
+                <a:latin typeface="Futura"/>
+              </a:rPr>
+              <a:t>sampleSize</a:t>
+            </a:r>
+            <a:r>
+              <a:rPr lang="en-GB" sz="1600" dirty="0">
+                <a:latin typeface="Futura"/>
+              </a:rPr>
+              <a:t> = </a:t>
+            </a:r>
+            <a:r>
+              <a:rPr lang="en-GB" sz="1600" dirty="0" err="1">
+                <a:latin typeface="Futura"/>
+              </a:rPr>
+              <a:t>sampleSizePor</a:t>
+            </a:r>
+            <a:r>
+              <a:rPr lang="en-GB" sz="1600" dirty="0">
+                <a:latin typeface="Futura"/>
+              </a:rPr>
+              <a:t>[</a:t>
+            </a:r>
+            <a:r>
+              <a:rPr lang="en-GB" sz="1600" dirty="0" err="1">
+                <a:latin typeface="Futura"/>
+              </a:rPr>
+              <a:t>sample_size</a:t>
+            </a:r>
+            <a:r>
+              <a:rPr lang="en-GB" sz="1600" dirty="0">
+                <a:latin typeface="Futura"/>
+              </a:rPr>
+              <a:t>] - </a:t>
+            </a:r>
+            <a:r>
+              <a:rPr lang="en-GB" sz="1600" dirty="0" err="1">
+                <a:latin typeface="Futura"/>
+              </a:rPr>
+              <a:t>sampleSizePor</a:t>
+            </a:r>
+            <a:r>
+              <a:rPr lang="en-GB" sz="1600" dirty="0">
+                <a:latin typeface="Futura"/>
+              </a:rPr>
+              <a:t>[sample_size-1]</a:t>
+            </a:r>
+          </a:p>
+          <a:p>
+            <a:r>
+              <a:rPr lang="en-GB" sz="1600" dirty="0">
+                <a:latin typeface="Futura"/>
+              </a:rPr>
+              <a:t>32. DONE compare </a:t>
+            </a:r>
+            <a:r>
+              <a:rPr lang="en-GB" sz="1600" dirty="0" err="1">
+                <a:latin typeface="Futura"/>
+              </a:rPr>
+              <a:t>VSVM_SL_Un_it</a:t>
+            </a:r>
+            <a:r>
+              <a:rPr lang="en-GB" sz="1600" dirty="0">
+                <a:latin typeface="Futura"/>
+              </a:rPr>
+              <a:t> trained on SVM/VSVM with </a:t>
+            </a:r>
+            <a:r>
+              <a:rPr lang="en-GB" sz="1600" dirty="0" err="1">
+                <a:latin typeface="Futura"/>
+              </a:rPr>
+              <a:t>VSVM_SL_Un_b</a:t>
+            </a:r>
+            <a:r>
+              <a:rPr lang="en-GB" sz="1600" dirty="0">
+                <a:latin typeface="Futura"/>
+              </a:rPr>
+              <a:t>/</a:t>
+            </a:r>
+            <a:r>
+              <a:rPr lang="en-GB" sz="1600" dirty="0" err="1">
+                <a:latin typeface="Futura"/>
+              </a:rPr>
+              <a:t>VSVM_SL_vUn_b</a:t>
+            </a:r>
+            <a:endParaRPr lang="en-GB" sz="1600" dirty="0">
               <a:latin typeface="Futura"/>
             </a:endParaRPr>
           </a:p>
           <a:p>
-            <a:pPr lvl="1"/>
-            <a:r>
-              <a:rPr lang="en-GB" sz="1700" dirty="0">
-                <a:latin typeface="Futura"/>
-              </a:rPr>
-              <a:t>Posterior Probability-Based Active Learning</a:t>
-            </a:r>
-          </a:p>
-          <a:p>
-            <a:pPr marL="1200150" lvl="2" indent="-285750">
-              <a:buFont typeface="Arial" panose="020B0604020202020204" pitchFamily="34" charset="0"/>
-              <a:buChar char="•"/>
-            </a:pPr>
-            <a:r>
-              <a:rPr lang="en-GB" sz="1700" dirty="0" err="1">
-                <a:latin typeface="Futura"/>
-              </a:rPr>
-              <a:t>Kullbach</a:t>
-            </a:r>
-            <a:r>
-              <a:rPr lang="en-GB" sz="1700" dirty="0">
-                <a:latin typeface="Futura"/>
-              </a:rPr>
-              <a:t>–</a:t>
-            </a:r>
-            <a:r>
-              <a:rPr lang="en-GB" sz="1700" dirty="0" err="1">
-                <a:latin typeface="Futura"/>
-              </a:rPr>
-              <a:t>Leibler</a:t>
-            </a:r>
-            <a:r>
-              <a:rPr lang="en-GB" sz="1700" dirty="0">
-                <a:latin typeface="Futura"/>
-              </a:rPr>
-              <a:t> divergence KL</a:t>
-            </a:r>
-          </a:p>
-          <a:p>
-            <a:pPr marL="1200150" lvl="2" indent="-285750">
-              <a:buFont typeface="Arial" panose="020B0604020202020204" pitchFamily="34" charset="0"/>
-              <a:buChar char="•"/>
-            </a:pPr>
-            <a:r>
-              <a:rPr lang="en-GB" sz="1700" dirty="0">
-                <a:latin typeface="Futura"/>
-              </a:rPr>
-              <a:t>Breaking Ties (BT)</a:t>
+            <a:r>
+              <a:rPr lang="en-GB" sz="1600" dirty="0">
+                <a:latin typeface="Futura"/>
+              </a:rPr>
+              <a:t>36. DONE try MS with one sample per iteration</a:t>
+            </a:r>
+          </a:p>
+          <a:p>
+            <a:r>
+              <a:rPr lang="en-GB" sz="1600" dirty="0">
+                <a:latin typeface="Futura"/>
+              </a:rPr>
+              <a:t>39. DONE consider all the levels for the uncertainty distance </a:t>
+            </a:r>
+          </a:p>
+          <a:p>
+            <a:r>
+              <a:rPr lang="en-GB" sz="1600" dirty="0">
+                <a:latin typeface="Futura"/>
+              </a:rPr>
+              <a:t>41. DONE check warnings in AL binary </a:t>
+            </a:r>
+            <a:r>
+              <a:rPr lang="en-GB" sz="1600" dirty="0" err="1">
+                <a:latin typeface="Futura"/>
+              </a:rPr>
+              <a:t>hagadera</a:t>
+            </a:r>
+            <a:r>
+              <a:rPr lang="en-GB" sz="1600" dirty="0">
+                <a:latin typeface="Futura"/>
+              </a:rPr>
+              <a:t> -&gt; </a:t>
+            </a:r>
+            <a:r>
+              <a:rPr lang="en-GB" sz="1600" dirty="0" err="1">
+                <a:latin typeface="Futura"/>
+              </a:rPr>
+              <a:t>na</a:t>
+            </a:r>
+            <a:r>
+              <a:rPr lang="en-GB" sz="1600" dirty="0">
+                <a:latin typeface="Futura"/>
+              </a:rPr>
+              <a:t> due to </a:t>
+            </a:r>
+            <a:r>
+              <a:rPr lang="en-GB" sz="1600" dirty="0" err="1">
+                <a:latin typeface="Futura"/>
+              </a:rPr>
+              <a:t>ncol</a:t>
+            </a:r>
+            <a:r>
+              <a:rPr lang="en-GB" sz="1600" dirty="0">
+                <a:latin typeface="Futura"/>
+              </a:rPr>
+              <a:t>(</a:t>
+            </a:r>
+            <a:r>
+              <a:rPr lang="en-GB" sz="1600" dirty="0" err="1">
+                <a:latin typeface="Futura"/>
+              </a:rPr>
+              <a:t>samplesRemaining</a:t>
+            </a:r>
+            <a:r>
+              <a:rPr lang="en-GB" sz="1600" dirty="0">
+                <a:latin typeface="Futura"/>
+              </a:rPr>
+              <a:t>) in UD FUNCS</a:t>
             </a:r>
           </a:p>
         </p:txBody>
       </p:sp>
-      <p:sp>
-        <p:nvSpPr>
-          <p:cNvPr id="19" name="Rectangle 18">
-            <a:extLst>
-              <a:ext uri="{FF2B5EF4-FFF2-40B4-BE49-F238E27FC236}">
-                <a16:creationId xmlns:a16="http://schemas.microsoft.com/office/drawing/2014/main" id="{3E40F008-828D-483B-ACB5-22B0F07CD130}"/>
-              </a:ext>
-            </a:extLst>
-          </p:cNvPr>
-          <p:cNvSpPr/>
-          <p:nvPr/>
-        </p:nvSpPr>
-        <p:spPr>
-          <a:xfrm>
-            <a:off x="0" y="152400"/>
-            <a:ext cx="12191999" cy="353943"/>
-          </a:xfrm>
-          <a:prstGeom prst="rect">
-            <a:avLst/>
-          </a:prstGeom>
-        </p:spPr>
-        <p:txBody>
-          <a:bodyPr wrap="square">
-            <a:spAutoFit/>
-          </a:bodyPr>
-          <a:lstStyle/>
-          <a:p>
-            <a:pPr algn="ctr"/>
-            <a:r>
-              <a:rPr lang="it-IT" sz="1700" dirty="0" err="1">
-                <a:ln w="0"/>
-                <a:latin typeface="Futura"/>
-                <a:cs typeface="Microsoft Sans Serif"/>
-              </a:rPr>
-              <a:t>Current</a:t>
-            </a:r>
-            <a:r>
-              <a:rPr lang="it-IT" sz="1700" dirty="0">
-                <a:ln w="0"/>
-                <a:latin typeface="Futura"/>
-                <a:cs typeface="Microsoft Sans Serif"/>
-              </a:rPr>
-              <a:t> progress</a:t>
-            </a:r>
-            <a:endParaRPr lang="en-GB" sz="1700" dirty="0">
-              <a:ln w="0"/>
-              <a:latin typeface="Futura"/>
-            </a:endParaRPr>
-          </a:p>
-        </p:txBody>
-      </p:sp>
-      <p:sp>
-        <p:nvSpPr>
-          <p:cNvPr id="24" name="Rectangle 23">
-            <a:extLst>
-              <a:ext uri="{FF2B5EF4-FFF2-40B4-BE49-F238E27FC236}">
-                <a16:creationId xmlns:a16="http://schemas.microsoft.com/office/drawing/2014/main" id="{CC19D941-6740-4DCA-9C09-56462679D93F}"/>
-              </a:ext>
-            </a:extLst>
-          </p:cNvPr>
-          <p:cNvSpPr/>
-          <p:nvPr/>
-        </p:nvSpPr>
-        <p:spPr>
-          <a:xfrm>
-            <a:off x="228600" y="6359452"/>
-            <a:ext cx="2063385" cy="338554"/>
-          </a:xfrm>
-          <a:prstGeom prst="rect">
-            <a:avLst/>
-          </a:prstGeom>
-        </p:spPr>
-        <p:txBody>
-          <a:bodyPr wrap="none">
-            <a:spAutoFit/>
-          </a:bodyPr>
-          <a:lstStyle/>
-          <a:p>
-            <a:r>
-              <a:rPr lang="it-IT" sz="1600" dirty="0">
-                <a:latin typeface="Futura"/>
-                <a:ea typeface="Microsoft Sans Serif" panose="020B0604020202020204" pitchFamily="34" charset="0"/>
-                <a:cs typeface="Microsoft Sans Serif" panose="020B0604020202020204" pitchFamily="34" charset="0"/>
-              </a:rPr>
-              <a:t>Lorenzo Carlassara</a:t>
-            </a:r>
-          </a:p>
-        </p:txBody>
-      </p:sp>
-      <p:pic>
-        <p:nvPicPr>
-          <p:cNvPr id="25" name="Picture 24">
-            <a:extLst>
-              <a:ext uri="{FF2B5EF4-FFF2-40B4-BE49-F238E27FC236}">
-                <a16:creationId xmlns:a16="http://schemas.microsoft.com/office/drawing/2014/main" id="{92B8902F-9AE9-4B7B-84BA-61F3473D826D}"/>
-              </a:ext>
-            </a:extLst>
-          </p:cNvPr>
-          <p:cNvPicPr>
-            <a:picLocks noChangeAspect="1"/>
-          </p:cNvPicPr>
-          <p:nvPr/>
-        </p:nvPicPr>
-        <p:blipFill rotWithShape="1">
-          <a:blip r:embed="rId2">
-            <a:extLst>
-              <a:ext uri="{28A0092B-C50C-407E-A947-70E740481C1C}">
-                <a14:useLocalDpi xmlns:a14="http://schemas.microsoft.com/office/drawing/2010/main" val="0"/>
-              </a:ext>
-            </a:extLst>
-          </a:blip>
-          <a:srcRect l="25190" r="25955" b="38216"/>
-          <a:stretch/>
-        </p:blipFill>
-        <p:spPr>
-          <a:xfrm>
-            <a:off x="10734080" y="6172326"/>
-            <a:ext cx="677505" cy="627889"/>
-          </a:xfrm>
-          <a:prstGeom prst="rect">
-            <a:avLst/>
-          </a:prstGeom>
-        </p:spPr>
-      </p:pic>
-      <p:pic>
-        <p:nvPicPr>
-          <p:cNvPr id="26" name="Picture 25">
-            <a:extLst>
-              <a:ext uri="{FF2B5EF4-FFF2-40B4-BE49-F238E27FC236}">
-                <a16:creationId xmlns:a16="http://schemas.microsoft.com/office/drawing/2014/main" id="{1A390E6A-6E3F-4B90-8E0D-3B57622295AD}"/>
-              </a:ext>
-            </a:extLst>
-          </p:cNvPr>
-          <p:cNvPicPr>
-            <a:picLocks noChangeAspect="1"/>
-          </p:cNvPicPr>
-          <p:nvPr/>
-        </p:nvPicPr>
-        <p:blipFill>
-          <a:blip r:embed="rId3" cstate="print">
-            <a:extLst>
-              <a:ext uri="{28A0092B-C50C-407E-A947-70E740481C1C}">
-                <a14:useLocalDpi xmlns:a14="http://schemas.microsoft.com/office/drawing/2010/main" val="0"/>
-              </a:ext>
-            </a:extLst>
-          </a:blip>
-          <a:stretch>
-            <a:fillRect/>
-          </a:stretch>
-        </p:blipFill>
-        <p:spPr>
-          <a:xfrm>
-            <a:off x="11506200" y="6172200"/>
-            <a:ext cx="628015" cy="628015"/>
-          </a:xfrm>
-          <a:prstGeom prst="rect">
-            <a:avLst/>
-          </a:prstGeom>
-        </p:spPr>
-      </p:pic>
     </p:spTree>
     <p:extLst>
       <p:ext uri="{BB962C8B-B14F-4D97-AF65-F5344CB8AC3E}">
-        <p14:creationId xmlns:p14="http://schemas.microsoft.com/office/powerpoint/2010/main" val="2322780237"/>
+        <p14:creationId xmlns:p14="http://schemas.microsoft.com/office/powerpoint/2010/main" val="4118061085"/>
       </p:ext>
     </p:extLst>
   </p:cSld>
@@ -9003,10 +9120,10 @@
       </p:grpSpPr>
       <p:pic>
         <p:nvPicPr>
-          <p:cNvPr id="7" name="Picture 6">
+          <p:cNvPr id="11" name="Picture 10">
             <a:extLst>
               <a:ext uri="{FF2B5EF4-FFF2-40B4-BE49-F238E27FC236}">
-                <a16:creationId xmlns:a16="http://schemas.microsoft.com/office/drawing/2014/main" id="{64AB17A8-B6F3-4C8D-B315-3C10917630CF}"/>
+                <a16:creationId xmlns:a16="http://schemas.microsoft.com/office/drawing/2014/main" id="{FE6E73E0-56D2-4533-A864-D6D3653D0D88}"/>
               </a:ext>
             </a:extLst>
           </p:cNvPr>
@@ -9015,8 +9132,225 @@
           </p:cNvPicPr>
           <p:nvPr/>
         </p:nvPicPr>
+        <p:blipFill rotWithShape="1">
+          <a:blip r:embed="rId2"/>
+          <a:srcRect l="252" t="15029" r="22248" b="5464"/>
+          <a:stretch/>
+        </p:blipFill>
+        <p:spPr>
+          <a:xfrm>
+            <a:off x="779911" y="838200"/>
+            <a:ext cx="9087989" cy="4753904"/>
+          </a:xfrm>
+          <a:prstGeom prst="rect">
+            <a:avLst/>
+          </a:prstGeom>
+        </p:spPr>
+      </p:pic>
+      <p:sp>
+        <p:nvSpPr>
+          <p:cNvPr id="13" name="Rectangle 12">
+            <a:extLst>
+              <a:ext uri="{FF2B5EF4-FFF2-40B4-BE49-F238E27FC236}">
+                <a16:creationId xmlns:a16="http://schemas.microsoft.com/office/drawing/2014/main" id="{B75BB3E6-77E8-4B4B-A946-3FA6B3AEE787}"/>
+              </a:ext>
+            </a:extLst>
+          </p:cNvPr>
+          <p:cNvSpPr/>
+          <p:nvPr/>
+        </p:nvSpPr>
+        <p:spPr>
+          <a:xfrm>
+            <a:off x="8295" y="152400"/>
+            <a:ext cx="12183705" cy="353943"/>
+          </a:xfrm>
+          <a:prstGeom prst="rect">
+            <a:avLst/>
+          </a:prstGeom>
+        </p:spPr>
+        <p:txBody>
+          <a:bodyPr wrap="square">
+            <a:spAutoFit/>
+          </a:bodyPr>
+          <a:lstStyle/>
+          <a:p>
+            <a:pPr algn="ctr"/>
+            <a:r>
+              <a:rPr lang="en-US" sz="1700" dirty="0">
+                <a:ln w="0"/>
+                <a:latin typeface="Futura"/>
+                <a:cs typeface="Microsoft Sans Serif"/>
+              </a:rPr>
+              <a:t>Previous</a:t>
+            </a:r>
+            <a:r>
+              <a:rPr lang="it-IT" sz="1700" dirty="0">
+                <a:ln w="0"/>
+                <a:latin typeface="Futura"/>
+                <a:cs typeface="Microsoft Sans Serif"/>
+              </a:rPr>
+              <a:t> </a:t>
+            </a:r>
+            <a:r>
+              <a:rPr lang="it-IT" sz="1700" dirty="0" err="1">
+                <a:ln w="0"/>
+                <a:latin typeface="Futura"/>
+                <a:cs typeface="Microsoft Sans Serif"/>
+              </a:rPr>
+              <a:t>block</a:t>
+            </a:r>
+            <a:r>
+              <a:rPr lang="it-IT" sz="1700" dirty="0">
+                <a:ln w="0"/>
+                <a:latin typeface="Futura"/>
+                <a:cs typeface="Microsoft Sans Serif"/>
+              </a:rPr>
+              <a:t> </a:t>
+            </a:r>
+            <a:r>
+              <a:rPr lang="it-IT" sz="1700" dirty="0" err="1">
+                <a:ln w="0"/>
+                <a:latin typeface="Futura"/>
+                <a:cs typeface="Microsoft Sans Serif"/>
+              </a:rPr>
+              <a:t>scheme</a:t>
+            </a:r>
+            <a:endParaRPr lang="en-GB" sz="1700" dirty="0">
+              <a:ln w="0"/>
+              <a:latin typeface="Futura"/>
+            </a:endParaRPr>
+          </a:p>
+        </p:txBody>
+      </p:sp>
+      <p:sp>
+        <p:nvSpPr>
+          <p:cNvPr id="17" name="Rectangle 16">
+            <a:extLst>
+              <a:ext uri="{FF2B5EF4-FFF2-40B4-BE49-F238E27FC236}">
+                <a16:creationId xmlns:a16="http://schemas.microsoft.com/office/drawing/2014/main" id="{A88193AA-EAEC-43CC-B0A5-7B7B5FFCD5DE}"/>
+              </a:ext>
+            </a:extLst>
+          </p:cNvPr>
+          <p:cNvSpPr/>
+          <p:nvPr/>
+        </p:nvSpPr>
+        <p:spPr>
+          <a:xfrm>
+            <a:off x="762000" y="5181600"/>
+            <a:ext cx="7315200" cy="584775"/>
+          </a:xfrm>
+          <a:prstGeom prst="rect">
+            <a:avLst/>
+          </a:prstGeom>
+        </p:spPr>
+        <p:txBody>
+          <a:bodyPr wrap="square">
+            <a:spAutoFit/>
+          </a:bodyPr>
+          <a:lstStyle/>
+          <a:p>
+            <a:pPr marL="285750" indent="-285750">
+              <a:buFont typeface="Arial" panose="020B0604020202020204" pitchFamily="34" charset="0"/>
+              <a:buChar char="•"/>
+            </a:pPr>
+            <a:r>
+              <a:rPr lang="en-GB" sz="1600" dirty="0">
+                <a:latin typeface="Futura"/>
+              </a:rPr>
+              <a:t>Semi-Supervised Virtual Support Vector Machines with Self-Learning Constraint for Remote Sensing Image Classification (Ozan)</a:t>
+            </a:r>
+          </a:p>
+        </p:txBody>
+      </p:sp>
+      <p:sp>
+        <p:nvSpPr>
+          <p:cNvPr id="9" name="Rectangle 8">
+            <a:extLst>
+              <a:ext uri="{FF2B5EF4-FFF2-40B4-BE49-F238E27FC236}">
+                <a16:creationId xmlns:a16="http://schemas.microsoft.com/office/drawing/2014/main" id="{3228DEC3-E9C9-4DD6-9164-EAA5D5B14A25}"/>
+              </a:ext>
+            </a:extLst>
+          </p:cNvPr>
+          <p:cNvSpPr/>
+          <p:nvPr/>
+        </p:nvSpPr>
+        <p:spPr>
+          <a:xfrm>
+            <a:off x="228600" y="6359452"/>
+            <a:ext cx="2063385" cy="338554"/>
+          </a:xfrm>
+          <a:prstGeom prst="rect">
+            <a:avLst/>
+          </a:prstGeom>
+        </p:spPr>
+        <p:txBody>
+          <a:bodyPr wrap="none">
+            <a:spAutoFit/>
+          </a:bodyPr>
+          <a:lstStyle/>
+          <a:p>
+            <a:r>
+              <a:rPr lang="it-IT" sz="1600" dirty="0">
+                <a:latin typeface="Futura"/>
+                <a:ea typeface="Microsoft Sans Serif" panose="020B0604020202020204" pitchFamily="34" charset="0"/>
+                <a:cs typeface="Microsoft Sans Serif" panose="020B0604020202020204" pitchFamily="34" charset="0"/>
+              </a:rPr>
+              <a:t>Lorenzo Carlassara</a:t>
+            </a:r>
+          </a:p>
+        </p:txBody>
+      </p:sp>
+      <p:pic>
+        <p:nvPicPr>
+          <p:cNvPr id="10" name="Picture 9">
+            <a:extLst>
+              <a:ext uri="{FF2B5EF4-FFF2-40B4-BE49-F238E27FC236}">
+                <a16:creationId xmlns:a16="http://schemas.microsoft.com/office/drawing/2014/main" id="{F39BFA73-ADF0-4DB8-A3D3-FDC312883272}"/>
+              </a:ext>
+            </a:extLst>
+          </p:cNvPr>
+          <p:cNvPicPr>
+            <a:picLocks noChangeAspect="1"/>
+          </p:cNvPicPr>
+          <p:nvPr/>
+        </p:nvPicPr>
+        <p:blipFill rotWithShape="1">
+          <a:blip r:embed="rId3">
+            <a:extLst>
+              <a:ext uri="{28A0092B-C50C-407E-A947-70E740481C1C}">
+                <a14:useLocalDpi xmlns:a14="http://schemas.microsoft.com/office/drawing/2010/main" val="0"/>
+              </a:ext>
+            </a:extLst>
+          </a:blip>
+          <a:srcRect l="25190" r="25955" b="38216"/>
+          <a:stretch/>
+        </p:blipFill>
+        <p:spPr>
+          <a:xfrm>
+            <a:off x="10734080" y="6172326"/>
+            <a:ext cx="677505" cy="627889"/>
+          </a:xfrm>
+          <a:prstGeom prst="rect">
+            <a:avLst/>
+          </a:prstGeom>
+        </p:spPr>
+      </p:pic>
+      <p:pic>
+        <p:nvPicPr>
+          <p:cNvPr id="12" name="Picture 11">
+            <a:extLst>
+              <a:ext uri="{FF2B5EF4-FFF2-40B4-BE49-F238E27FC236}">
+                <a16:creationId xmlns:a16="http://schemas.microsoft.com/office/drawing/2014/main" id="{EAD1BB9F-FE68-444A-BBD1-D989D18C9468}"/>
+              </a:ext>
+            </a:extLst>
+          </p:cNvPr>
+          <p:cNvPicPr>
+            <a:picLocks noChangeAspect="1"/>
+          </p:cNvPicPr>
+          <p:nvPr/>
+        </p:nvPicPr>
         <p:blipFill>
-          <a:blip r:embed="rId2" cstate="print">
+          <a:blip r:embed="rId4" cstate="print">
             <a:extLst>
               <a:ext uri="{28A0092B-C50C-407E-A947-70E740481C1C}">
                 <a14:useLocalDpi xmlns:a14="http://schemas.microsoft.com/office/drawing/2010/main" val="0"/>
@@ -9037,682 +9371,10 @@
           </a:prstGeom>
         </p:spPr>
       </p:pic>
-      <p:pic>
-        <p:nvPicPr>
-          <p:cNvPr id="8" name="Picture 7">
-            <a:extLst>
-              <a:ext uri="{FF2B5EF4-FFF2-40B4-BE49-F238E27FC236}">
-                <a16:creationId xmlns:a16="http://schemas.microsoft.com/office/drawing/2014/main" id="{256277AE-6C37-4CB2-A012-16EEBF5392EA}"/>
-              </a:ext>
-            </a:extLst>
-          </p:cNvPr>
-          <p:cNvPicPr>
-            <a:picLocks noChangeAspect="1"/>
-          </p:cNvPicPr>
-          <p:nvPr/>
-        </p:nvPicPr>
-        <p:blipFill rotWithShape="1">
-          <a:blip r:embed="rId3">
-            <a:extLst>
-              <a:ext uri="{28A0092B-C50C-407E-A947-70E740481C1C}">
-                <a14:useLocalDpi xmlns:a14="http://schemas.microsoft.com/office/drawing/2010/main" val="0"/>
-              </a:ext>
-            </a:extLst>
-          </a:blip>
-          <a:srcRect l="25190" r="25955" b="38216"/>
-          <a:stretch/>
-        </p:blipFill>
-        <p:spPr>
-          <a:xfrm>
-            <a:off x="8295" y="6172200"/>
-            <a:ext cx="677505" cy="627889"/>
-          </a:xfrm>
-          <a:prstGeom prst="rect">
-            <a:avLst/>
-          </a:prstGeom>
-        </p:spPr>
-      </p:pic>
-      <p:sp>
-        <p:nvSpPr>
-          <p:cNvPr id="5" name="Rectangle 4">
-            <a:extLst>
-              <a:ext uri="{FF2B5EF4-FFF2-40B4-BE49-F238E27FC236}">
-                <a16:creationId xmlns:a16="http://schemas.microsoft.com/office/drawing/2014/main" id="{D7F9A05B-8D08-46CF-8EB2-8EF9C40EEA00}"/>
-              </a:ext>
-            </a:extLst>
-          </p:cNvPr>
-          <p:cNvSpPr/>
-          <p:nvPr/>
-        </p:nvSpPr>
-        <p:spPr>
-          <a:xfrm>
-            <a:off x="914400" y="0"/>
-            <a:ext cx="10363200" cy="6740307"/>
-          </a:xfrm>
-          <a:prstGeom prst="rect">
-            <a:avLst/>
-          </a:prstGeom>
-        </p:spPr>
-        <p:txBody>
-          <a:bodyPr wrap="square">
-            <a:spAutoFit/>
-          </a:bodyPr>
-          <a:lstStyle/>
-          <a:p>
-            <a:r>
-              <a:rPr lang="en-GB" sz="1600" dirty="0">
-                <a:latin typeface="Futura"/>
-              </a:rPr>
-              <a:t>1.  DONE try without </a:t>
-            </a:r>
-            <a:r>
-              <a:rPr lang="en-GB" sz="1600" dirty="0" err="1">
-                <a:latin typeface="Futura"/>
-              </a:rPr>
-              <a:t>indexTrain</a:t>
-            </a:r>
-            <a:r>
-              <a:rPr lang="en-GB" sz="1600" dirty="0">
-                <a:latin typeface="Futura"/>
-              </a:rPr>
-              <a:t>  </a:t>
-            </a:r>
-          </a:p>
-          <a:p>
-            <a:r>
-              <a:rPr lang="en-GB" sz="1600" dirty="0">
-                <a:latin typeface="Futura"/>
-              </a:rPr>
-              <a:t>3.  DONE split </a:t>
-            </a:r>
-            <a:r>
-              <a:rPr lang="en-GB" sz="1600" dirty="0" err="1">
-                <a:latin typeface="Futura"/>
-              </a:rPr>
-              <a:t>alter_samples</a:t>
-            </a:r>
-            <a:r>
-              <a:rPr lang="en-GB" sz="1600" dirty="0">
-                <a:latin typeface="Futura"/>
-              </a:rPr>
-              <a:t> in multiple iterations </a:t>
-            </a:r>
-          </a:p>
-          <a:p>
-            <a:r>
-              <a:rPr lang="en-GB" sz="1600" dirty="0">
-                <a:latin typeface="Futura"/>
-              </a:rPr>
-              <a:t>4.  DONE check if in the </a:t>
-            </a:r>
-            <a:r>
-              <a:rPr lang="en-GB" sz="1600" dirty="0" err="1">
-                <a:latin typeface="Futura"/>
-              </a:rPr>
-              <a:t>multiclas</a:t>
-            </a:r>
-            <a:r>
-              <a:rPr lang="en-GB" sz="1600" dirty="0">
-                <a:latin typeface="Futura"/>
-              </a:rPr>
-              <a:t> setting the random / balanced </a:t>
-            </a:r>
-            <a:r>
-              <a:rPr lang="en-GB" sz="1600" dirty="0" err="1">
-                <a:latin typeface="Futura"/>
-              </a:rPr>
-              <a:t>unlabeled</a:t>
-            </a:r>
-            <a:r>
-              <a:rPr lang="en-GB" sz="1600" dirty="0">
-                <a:latin typeface="Futura"/>
-              </a:rPr>
-              <a:t> samples actually change</a:t>
-            </a:r>
-          </a:p>
-          <a:p>
-            <a:r>
-              <a:rPr lang="en-GB" sz="1600" dirty="0">
-                <a:latin typeface="Futura"/>
-              </a:rPr>
-              <a:t>5.  DONE implement </a:t>
-            </a:r>
-            <a:r>
-              <a:rPr lang="en-GB" sz="1600" dirty="0" err="1">
-                <a:latin typeface="Futura"/>
-              </a:rPr>
-              <a:t>only_probability_distance</a:t>
-            </a:r>
-            <a:r>
-              <a:rPr lang="en-GB" sz="1600" dirty="0">
-                <a:latin typeface="Futura"/>
-              </a:rPr>
-              <a:t> + check different implementation of </a:t>
-            </a:r>
-            <a:r>
-              <a:rPr lang="en-GB" sz="1600" dirty="0" err="1">
-                <a:latin typeface="Futura"/>
-              </a:rPr>
-              <a:t>mclu</a:t>
-            </a:r>
-            <a:r>
-              <a:rPr lang="en-GB" sz="1600" dirty="0">
-                <a:latin typeface="Futura"/>
-              </a:rPr>
-              <a:t> (see paper) </a:t>
-            </a:r>
-          </a:p>
-          <a:p>
-            <a:r>
-              <a:rPr lang="en-GB" sz="1600" dirty="0">
-                <a:latin typeface="Futura"/>
-              </a:rPr>
-              <a:t>6.  DONE check if NDVI feature is actually useful</a:t>
-            </a:r>
-          </a:p>
-          <a:p>
-            <a:r>
-              <a:rPr lang="en-GB" sz="1600" dirty="0">
-                <a:latin typeface="Futura"/>
-              </a:rPr>
-              <a:t>7.  DONE boundClass1 issue related to implementation error -&gt; values inside variables</a:t>
-            </a:r>
-          </a:p>
-          <a:p>
-            <a:r>
-              <a:rPr lang="en-GB" sz="1600" dirty="0">
-                <a:latin typeface="Futura"/>
-              </a:rPr>
-              <a:t>8.  DONE implement binary + multiclass in the same script</a:t>
-            </a:r>
-          </a:p>
-          <a:p>
-            <a:r>
-              <a:rPr lang="en-GB" sz="1600" dirty="0">
-                <a:latin typeface="Futura"/>
-              </a:rPr>
-              <a:t>9.  DONE tune </a:t>
-            </a:r>
-            <a:r>
-              <a:rPr lang="en-GB" sz="1600" dirty="0" err="1">
-                <a:latin typeface="Futura"/>
-              </a:rPr>
-              <a:t>alter_label</a:t>
-            </a:r>
-            <a:r>
-              <a:rPr lang="en-GB" sz="1600" dirty="0">
-                <a:latin typeface="Futura"/>
-              </a:rPr>
-              <a:t> hyperparameter: how many label need to be </a:t>
-            </a:r>
-            <a:r>
-              <a:rPr lang="en-GB" sz="1600" dirty="0" err="1">
-                <a:latin typeface="Futura"/>
-              </a:rPr>
-              <a:t>relabeled</a:t>
-            </a:r>
-            <a:r>
-              <a:rPr lang="en-GB" sz="1600" dirty="0">
-                <a:latin typeface="Futura"/>
-              </a:rPr>
-              <a:t>?</a:t>
-            </a:r>
-          </a:p>
-          <a:p>
-            <a:r>
-              <a:rPr lang="en-GB" sz="1600" dirty="0">
-                <a:latin typeface="Futura"/>
-              </a:rPr>
-              <a:t>10. DONE overall hyperparameters optimization e.g. "</a:t>
-            </a:r>
-            <a:r>
-              <a:rPr lang="en-GB" sz="1600" dirty="0" err="1">
-                <a:latin typeface="Futura"/>
-              </a:rPr>
-              <a:t>boundMargin</a:t>
-            </a:r>
-            <a:r>
-              <a:rPr lang="en-GB" sz="1600" dirty="0">
-                <a:latin typeface="Futura"/>
-              </a:rPr>
-              <a:t>" and "bound" </a:t>
-            </a:r>
-          </a:p>
-          <a:p>
-            <a:r>
-              <a:rPr lang="en-GB" sz="1600" dirty="0">
-                <a:latin typeface="Futura"/>
-              </a:rPr>
-              <a:t>11. DONE descriptive stats of the dataset/data visualization</a:t>
-            </a:r>
-          </a:p>
-          <a:p>
-            <a:r>
-              <a:rPr lang="en-GB" sz="1600" dirty="0">
-                <a:latin typeface="Futura"/>
-              </a:rPr>
-              <a:t>12. DONE Kappa-score coefficient definition: change the metric from "kappa" to "accuracy"</a:t>
-            </a:r>
-          </a:p>
-          <a:p>
-            <a:r>
-              <a:rPr lang="en-GB" sz="1600" dirty="0">
-                <a:latin typeface="Futura"/>
-              </a:rPr>
-              <a:t>15. DONE multiclass script is implemented differently from the binary one -&gt; got different accuracies</a:t>
-            </a:r>
-          </a:p>
-          <a:p>
-            <a:r>
-              <a:rPr lang="en-GB" sz="1600" dirty="0">
-                <a:latin typeface="Futura"/>
-              </a:rPr>
-              <a:t>17. DONE add shape scripts</a:t>
-            </a:r>
-          </a:p>
-          <a:p>
-            <a:r>
-              <a:rPr lang="en-GB" sz="1600" dirty="0">
-                <a:latin typeface="Futura"/>
-              </a:rPr>
-              <a:t>18. DONE add </a:t>
-            </a:r>
-            <a:r>
-              <a:rPr lang="en-GB" sz="1600" dirty="0" err="1">
-                <a:latin typeface="Futura"/>
-              </a:rPr>
-              <a:t>hadagera</a:t>
-            </a:r>
-            <a:r>
-              <a:rPr lang="en-GB" sz="1600" dirty="0">
-                <a:latin typeface="Futura"/>
-              </a:rPr>
-              <a:t> scripts</a:t>
-            </a:r>
-          </a:p>
-          <a:p>
-            <a:r>
-              <a:rPr lang="en-GB" sz="1600" dirty="0">
-                <a:latin typeface="Futura"/>
-              </a:rPr>
-              <a:t>19. DONE check if it is sufficient to run </a:t>
-            </a:r>
-            <a:r>
-              <a:rPr lang="en-GB" sz="1600" dirty="0" err="1">
-                <a:latin typeface="Futura"/>
-              </a:rPr>
-              <a:t>registerDoParallel</a:t>
-            </a:r>
-            <a:r>
-              <a:rPr lang="en-GB" sz="1600" dirty="0">
-                <a:latin typeface="Futura"/>
-              </a:rPr>
-              <a:t>(</a:t>
-            </a:r>
-            <a:r>
-              <a:rPr lang="en-GB" sz="1600" dirty="0" err="1">
-                <a:latin typeface="Futura"/>
-              </a:rPr>
-              <a:t>num_cores</a:t>
-            </a:r>
-            <a:r>
-              <a:rPr lang="en-GB" sz="1600" dirty="0">
-                <a:latin typeface="Futura"/>
-              </a:rPr>
-              <a:t>) just once inside the script</a:t>
-            </a:r>
-          </a:p>
-          <a:p>
-            <a:r>
-              <a:rPr lang="en-GB" sz="1600" dirty="0">
-                <a:latin typeface="Futura"/>
-              </a:rPr>
-              <a:t>20. DONE either balanced the </a:t>
-            </a:r>
-            <a:r>
-              <a:rPr lang="en-GB" sz="1600" dirty="0" err="1">
-                <a:latin typeface="Futura"/>
-              </a:rPr>
-              <a:t>datapool</a:t>
-            </a:r>
-            <a:r>
-              <a:rPr lang="en-GB" sz="1600" dirty="0">
-                <a:latin typeface="Futura"/>
-              </a:rPr>
-              <a:t> at the beginning or the each train/test/validate/</a:t>
-            </a:r>
-            <a:r>
-              <a:rPr lang="en-GB" sz="1600" dirty="0" err="1">
-                <a:latin typeface="Futura"/>
-              </a:rPr>
-              <a:t>unlabeled</a:t>
-            </a:r>
-            <a:r>
-              <a:rPr lang="en-GB" sz="1600" dirty="0">
-                <a:latin typeface="Futura"/>
-              </a:rPr>
-              <a:t> set</a:t>
-            </a:r>
-          </a:p>
-          <a:p>
-            <a:r>
-              <a:rPr lang="en-GB" sz="1600" dirty="0">
-                <a:latin typeface="Futura"/>
-              </a:rPr>
-              <a:t>21. DONE pick one new sample at time OR pick multiple from different regions/classes</a:t>
-            </a:r>
-          </a:p>
-          <a:p>
-            <a:r>
-              <a:rPr lang="en-GB" sz="1600" dirty="0">
-                <a:latin typeface="Futura"/>
-              </a:rPr>
-              <a:t>22. DONE plots for different model accuracies with different training data size and </a:t>
-            </a:r>
-            <a:r>
-              <a:rPr lang="en-GB" sz="1600" dirty="0" err="1">
-                <a:latin typeface="Futura"/>
-              </a:rPr>
-              <a:t>unlabeled</a:t>
-            </a:r>
-            <a:r>
-              <a:rPr lang="en-GB" sz="1600" dirty="0">
-                <a:latin typeface="Futura"/>
-              </a:rPr>
-              <a:t> samples</a:t>
-            </a:r>
-          </a:p>
-          <a:p>
-            <a:r>
-              <a:rPr lang="en-GB" sz="1600" dirty="0">
-                <a:latin typeface="Futura"/>
-              </a:rPr>
-              <a:t>24. DONE implement VSVM-SL + VIRTUAL </a:t>
-            </a:r>
-            <a:r>
-              <a:rPr lang="en-GB" sz="1600" dirty="0" err="1">
-                <a:latin typeface="Futura"/>
-              </a:rPr>
-              <a:t>Unlabeled</a:t>
-            </a:r>
-            <a:r>
-              <a:rPr lang="en-GB" sz="1600" dirty="0">
-                <a:latin typeface="Futura"/>
-              </a:rPr>
-              <a:t> Samples on </a:t>
-            </a:r>
-            <a:r>
-              <a:rPr lang="en-GB" sz="1600" dirty="0" err="1">
-                <a:latin typeface="Futura"/>
-              </a:rPr>
-              <a:t>new_tunedVSVM</a:t>
-            </a:r>
-            <a:r>
-              <a:rPr lang="en-GB" sz="1600" dirty="0">
-                <a:latin typeface="Futura"/>
-              </a:rPr>
-              <a:t> IT</a:t>
-            </a:r>
-          </a:p>
-          <a:p>
-            <a:r>
-              <a:rPr lang="en-GB" sz="1600" dirty="0">
-                <a:latin typeface="Futura"/>
-              </a:rPr>
-              <a:t>25. DONE use the </a:t>
-            </a:r>
-            <a:r>
-              <a:rPr lang="en-GB" sz="1600" dirty="0" err="1">
-                <a:latin typeface="Futura"/>
-              </a:rPr>
-              <a:t>kernel_function</a:t>
-            </a:r>
-            <a:r>
-              <a:rPr lang="en-GB" sz="1600" dirty="0">
-                <a:latin typeface="Futura"/>
-              </a:rPr>
-              <a:t> from the </a:t>
-            </a:r>
-            <a:r>
-              <a:rPr lang="en-GB" sz="1600" dirty="0" err="1">
-                <a:latin typeface="Futura"/>
-              </a:rPr>
-              <a:t>base_svm</a:t>
-            </a:r>
-            <a:r>
-              <a:rPr lang="en-GB" sz="1600" dirty="0">
-                <a:latin typeface="Futura"/>
-              </a:rPr>
-              <a:t> </a:t>
-            </a:r>
-          </a:p>
-          <a:p>
-            <a:r>
-              <a:rPr lang="en-GB" sz="1600" dirty="0">
-                <a:latin typeface="Futura"/>
-              </a:rPr>
-              <a:t>29. DONE compare VSVM / VSVM_SL / VSVM_SL </a:t>
-            </a:r>
-            <a:r>
-              <a:rPr lang="en-GB" sz="1600" dirty="0" err="1">
-                <a:latin typeface="Futura"/>
-              </a:rPr>
-              <a:t>Unl</a:t>
-            </a:r>
-            <a:r>
-              <a:rPr lang="en-GB" sz="1600" dirty="0">
-                <a:latin typeface="Futura"/>
-              </a:rPr>
-              <a:t> / VSVM_SL V </a:t>
-            </a:r>
-            <a:r>
-              <a:rPr lang="en-GB" sz="1600" dirty="0" err="1">
-                <a:latin typeface="Futura"/>
-              </a:rPr>
-              <a:t>Unl</a:t>
-            </a:r>
-            <a:r>
-              <a:rPr lang="en-GB" sz="1600" dirty="0">
-                <a:latin typeface="Futura"/>
-              </a:rPr>
-              <a:t> as base model for </a:t>
-            </a:r>
-            <a:r>
-              <a:rPr lang="en-GB" sz="1600" dirty="0" err="1">
-                <a:latin typeface="Futura"/>
-              </a:rPr>
-              <a:t>ITerative</a:t>
-            </a:r>
-            <a:r>
-              <a:rPr lang="en-GB" sz="1600" dirty="0">
-                <a:latin typeface="Futura"/>
-              </a:rPr>
-              <a:t> AL</a:t>
-            </a:r>
-          </a:p>
-          <a:p>
-            <a:r>
-              <a:rPr lang="en-GB" sz="1600" dirty="0">
-                <a:latin typeface="Futura"/>
-              </a:rPr>
-              <a:t>30. DONE check why SVM as an Accuracy of 90% just with 3 samples</a:t>
-            </a:r>
-          </a:p>
-          <a:p>
-            <a:r>
-              <a:rPr lang="en-GB" sz="1600" dirty="0">
-                <a:latin typeface="Futura"/>
-              </a:rPr>
-              <a:t>31. DONE check </a:t>
-            </a:r>
-            <a:r>
-              <a:rPr lang="en-GB" sz="1600" dirty="0" err="1">
-                <a:latin typeface="Futura"/>
-              </a:rPr>
-              <a:t>sampleSize</a:t>
-            </a:r>
-            <a:r>
-              <a:rPr lang="en-GB" sz="1600" dirty="0">
-                <a:latin typeface="Futura"/>
-              </a:rPr>
-              <a:t> = </a:t>
-            </a:r>
-            <a:r>
-              <a:rPr lang="en-GB" sz="1600" dirty="0" err="1">
-                <a:latin typeface="Futura"/>
-              </a:rPr>
-              <a:t>sampleSizePor</a:t>
-            </a:r>
-            <a:r>
-              <a:rPr lang="en-GB" sz="1600" dirty="0">
-                <a:latin typeface="Futura"/>
-              </a:rPr>
-              <a:t>[</a:t>
-            </a:r>
-            <a:r>
-              <a:rPr lang="en-GB" sz="1600" dirty="0" err="1">
-                <a:latin typeface="Futura"/>
-              </a:rPr>
-              <a:t>sample_size</a:t>
-            </a:r>
-            <a:r>
-              <a:rPr lang="en-GB" sz="1600" dirty="0">
-                <a:latin typeface="Futura"/>
-              </a:rPr>
-              <a:t>] - </a:t>
-            </a:r>
-            <a:r>
-              <a:rPr lang="en-GB" sz="1600" dirty="0" err="1">
-                <a:latin typeface="Futura"/>
-              </a:rPr>
-              <a:t>sampleSizePor</a:t>
-            </a:r>
-            <a:r>
-              <a:rPr lang="en-GB" sz="1600" dirty="0">
-                <a:latin typeface="Futura"/>
-              </a:rPr>
-              <a:t>[sample_size-1]</a:t>
-            </a:r>
-          </a:p>
-          <a:p>
-            <a:r>
-              <a:rPr lang="en-GB" sz="1600" dirty="0">
-                <a:latin typeface="Futura"/>
-              </a:rPr>
-              <a:t>32. DONE compare </a:t>
-            </a:r>
-            <a:r>
-              <a:rPr lang="en-GB" sz="1600" dirty="0" err="1">
-                <a:latin typeface="Futura"/>
-              </a:rPr>
-              <a:t>VSVM_SL_Un_it</a:t>
-            </a:r>
-            <a:r>
-              <a:rPr lang="en-GB" sz="1600" dirty="0">
-                <a:latin typeface="Futura"/>
-              </a:rPr>
-              <a:t> trained on SVM/VSVM with </a:t>
-            </a:r>
-            <a:r>
-              <a:rPr lang="en-GB" sz="1600" dirty="0" err="1">
-                <a:latin typeface="Futura"/>
-              </a:rPr>
-              <a:t>VSVM_SL_Un_b</a:t>
-            </a:r>
-            <a:r>
-              <a:rPr lang="en-GB" sz="1600" dirty="0">
-                <a:latin typeface="Futura"/>
-              </a:rPr>
-              <a:t>/</a:t>
-            </a:r>
-            <a:r>
-              <a:rPr lang="en-GB" sz="1600" dirty="0" err="1">
-                <a:latin typeface="Futura"/>
-              </a:rPr>
-              <a:t>VSVM_SL_vUn_b</a:t>
-            </a:r>
-            <a:endParaRPr lang="en-GB" sz="1600" dirty="0">
-              <a:latin typeface="Futura"/>
-            </a:endParaRPr>
-          </a:p>
-          <a:p>
-            <a:r>
-              <a:rPr lang="en-GB" sz="1600" dirty="0">
-                <a:latin typeface="Futura"/>
-              </a:rPr>
-              <a:t>36. DONE try MS with one sample per iteration</a:t>
-            </a:r>
-          </a:p>
-          <a:p>
-            <a:r>
-              <a:rPr lang="en-GB" sz="1600" dirty="0">
-                <a:latin typeface="Futura"/>
-              </a:rPr>
-              <a:t>39. DONE consider all the levels for the uncertainty distance </a:t>
-            </a:r>
-          </a:p>
-          <a:p>
-            <a:r>
-              <a:rPr lang="en-GB" sz="1600" dirty="0">
-                <a:latin typeface="Futura"/>
-              </a:rPr>
-              <a:t>41. DONE check warnings in AL binary </a:t>
-            </a:r>
-            <a:r>
-              <a:rPr lang="en-GB" sz="1600" dirty="0" err="1">
-                <a:latin typeface="Futura"/>
-              </a:rPr>
-              <a:t>hagadera</a:t>
-            </a:r>
-            <a:r>
-              <a:rPr lang="en-GB" sz="1600" dirty="0">
-                <a:latin typeface="Futura"/>
-              </a:rPr>
-              <a:t> -&gt; </a:t>
-            </a:r>
-            <a:r>
-              <a:rPr lang="en-GB" sz="1600" dirty="0" err="1">
-                <a:latin typeface="Futura"/>
-              </a:rPr>
-              <a:t>na</a:t>
-            </a:r>
-            <a:r>
-              <a:rPr lang="en-GB" sz="1600" dirty="0">
-                <a:latin typeface="Futura"/>
-              </a:rPr>
-              <a:t> due to </a:t>
-            </a:r>
-            <a:r>
-              <a:rPr lang="en-GB" sz="1600" dirty="0" err="1">
-                <a:latin typeface="Futura"/>
-              </a:rPr>
-              <a:t>ncol</a:t>
-            </a:r>
-            <a:r>
-              <a:rPr lang="en-GB" sz="1600" dirty="0">
-                <a:latin typeface="Futura"/>
-              </a:rPr>
-              <a:t>(</a:t>
-            </a:r>
-            <a:r>
-              <a:rPr lang="en-GB" sz="1600" dirty="0" err="1">
-                <a:latin typeface="Futura"/>
-              </a:rPr>
-              <a:t>samplesRemaining</a:t>
-            </a:r>
-            <a:r>
-              <a:rPr lang="en-GB" sz="1600" dirty="0">
-                <a:latin typeface="Futura"/>
-              </a:rPr>
-              <a:t>) in UD FUNCS</a:t>
-            </a:r>
-          </a:p>
-        </p:txBody>
-      </p:sp>
     </p:spTree>
     <p:extLst>
       <p:ext uri="{BB962C8B-B14F-4D97-AF65-F5344CB8AC3E}">
-        <p14:creationId xmlns:p14="http://schemas.microsoft.com/office/powerpoint/2010/main" val="4118061085"/>
+        <p14:creationId xmlns:p14="http://schemas.microsoft.com/office/powerpoint/2010/main" val="1570229038"/>
       </p:ext>
     </p:extLst>
   </p:cSld>
@@ -10547,12 +10209,11 @@
 </file>
 
 <file path=customXml/item1.xml><?xml version="1.0" encoding="utf-8"?>
-<?mso-contentType ?>
-<FormTemplates xmlns="http://schemas.microsoft.com/sharepoint/v3/contenttype/forms">
-  <Display>DocumentLibraryForm</Display>
-  <Edit>DocumentLibraryForm</Edit>
-  <New>DocumentLibraryForm</New>
-</FormTemplates>
+<p:properties xmlns:p="http://schemas.microsoft.com/office/2006/metadata/properties" xmlns:xsi="http://www.w3.org/2001/XMLSchema-instance" xmlns:pc="http://schemas.microsoft.com/office/infopath/2007/PartnerControls">
+  <documentManagement>
+    <_activity xmlns="c9eab120-891d-4e75-bbb7-983661d36c9c" xsi:nil="true"/>
+  </documentManagement>
+</p:properties>
 </file>
 
 <file path=customXml/item2.xml><?xml version="1.0" encoding="utf-8"?>
@@ -10785,17 +10446,27 @@
 </file>
 
 <file path=customXml/item3.xml><?xml version="1.0" encoding="utf-8"?>
-<p:properties xmlns:p="http://schemas.microsoft.com/office/2006/metadata/properties" xmlns:xsi="http://www.w3.org/2001/XMLSchema-instance" xmlns:pc="http://schemas.microsoft.com/office/infopath/2007/PartnerControls">
-  <documentManagement>
-    <_activity xmlns="c9eab120-891d-4e75-bbb7-983661d36c9c" xsi:nil="true"/>
-  </documentManagement>
-</p:properties>
+<?mso-contentType ?>
+<FormTemplates xmlns="http://schemas.microsoft.com/sharepoint/v3/contenttype/forms">
+  <Display>DocumentLibraryForm</Display>
+  <Edit>DocumentLibraryForm</Edit>
+  <New>DocumentLibraryForm</New>
+</FormTemplates>
 </file>
 
 <file path=customXml/itemProps1.xml><?xml version="1.0" encoding="utf-8"?>
-<ds:datastoreItem xmlns:ds="http://schemas.openxmlformats.org/officeDocument/2006/customXml" ds:itemID="{29D72105-E419-4657-8EC8-6C73137ECF2E}">
+<ds:datastoreItem xmlns:ds="http://schemas.openxmlformats.org/officeDocument/2006/customXml" ds:itemID="{0935546A-FCFF-49CF-A534-6766F9A5EAFB}">
   <ds:schemaRefs>
-    <ds:schemaRef ds:uri="http://schemas.microsoft.com/sharepoint/v3/contenttype/forms"/>
+    <ds:schemaRef ds:uri="http://schemas.openxmlformats.org/package/2006/metadata/core-properties"/>
+    <ds:schemaRef ds:uri="c9eab120-891d-4e75-bbb7-983661d36c9c"/>
+    <ds:schemaRef ds:uri="http://purl.org/dc/terms/"/>
+    <ds:schemaRef ds:uri="http://schemas.microsoft.com/office/2006/documentManagement/types"/>
+    <ds:schemaRef ds:uri="http://schemas.microsoft.com/office/infopath/2007/PartnerControls"/>
+    <ds:schemaRef ds:uri="http://purl.org/dc/elements/1.1/"/>
+    <ds:schemaRef ds:uri="2cbdb79f-05cb-4beb-bf79-a6aafc29ddd5"/>
+    <ds:schemaRef ds:uri="http://www.w3.org/XML/1998/namespace"/>
+    <ds:schemaRef ds:uri="http://schemas.microsoft.com/office/2006/metadata/properties"/>
+    <ds:schemaRef ds:uri="http://purl.org/dc/dcmitype/"/>
   </ds:schemaRefs>
 </ds:datastoreItem>
 </file>
@@ -10820,18 +10491,9 @@
 </file>
 
 <file path=customXml/itemProps3.xml><?xml version="1.0" encoding="utf-8"?>
-<ds:datastoreItem xmlns:ds="http://schemas.openxmlformats.org/officeDocument/2006/customXml" ds:itemID="{0935546A-FCFF-49CF-A534-6766F9A5EAFB}">
+<ds:datastoreItem xmlns:ds="http://schemas.openxmlformats.org/officeDocument/2006/customXml" ds:itemID="{29D72105-E419-4657-8EC8-6C73137ECF2E}">
   <ds:schemaRefs>
-    <ds:schemaRef ds:uri="http://schemas.openxmlformats.org/package/2006/metadata/core-properties"/>
-    <ds:schemaRef ds:uri="c9eab120-891d-4e75-bbb7-983661d36c9c"/>
-    <ds:schemaRef ds:uri="http://purl.org/dc/terms/"/>
-    <ds:schemaRef ds:uri="http://schemas.microsoft.com/office/2006/documentManagement/types"/>
-    <ds:schemaRef ds:uri="http://schemas.microsoft.com/office/infopath/2007/PartnerControls"/>
-    <ds:schemaRef ds:uri="http://purl.org/dc/elements/1.1/"/>
-    <ds:schemaRef ds:uri="2cbdb79f-05cb-4beb-bf79-a6aafc29ddd5"/>
-    <ds:schemaRef ds:uri="http://www.w3.org/XML/1998/namespace"/>
-    <ds:schemaRef ds:uri="http://schemas.microsoft.com/office/2006/metadata/properties"/>
-    <ds:schemaRef ds:uri="http://purl.org/dc/dcmitype/"/>
+    <ds:schemaRef ds:uri="http://schemas.microsoft.com/sharepoint/v3/contenttype/forms"/>
   </ds:schemaRefs>
 </ds:datastoreItem>
 </file>
--- a/presentation_CARLASSARA_10601118.pptx
+++ b/presentation_CARLASSARA_10601118.pptx
@@ -247,7 +247,7 @@
           <a:p>
             <a:fld id="{2E347CE9-1F5D-4CEF-9CA7-664B3EF9808B}" type="datetimeFigureOut">
               <a:rPr lang="en-GB" smtClean="0"/>
-              <a:t>10/07/2024</a:t>
+              <a:t>11/07/2024</a:t>
             </a:fld>
             <a:endParaRPr lang="en-GB"/>
           </a:p>
@@ -654,7 +654,7 @@
           <a:p>
             <a:fld id="{1D8BD707-D9CF-40AE-B4C6-C98DA3205C09}" type="datetimeFigureOut">
               <a:rPr lang="en-US"/>
-              <a:t>7/10/2024</a:t>
+              <a:t>7/11/2024</a:t>
             </a:fld>
             <a:endParaRPr lang="en-US"/>
           </a:p>
@@ -829,7 +829,7 @@
           <a:p>
             <a:fld id="{1D8BD707-D9CF-40AE-B4C6-C98DA3205C09}" type="datetimeFigureOut">
               <a:rPr lang="en-US"/>
-              <a:t>7/10/2024</a:t>
+              <a:t>7/11/2024</a:t>
             </a:fld>
             <a:endParaRPr lang="en-US"/>
           </a:p>
@@ -1043,7 +1043,7 @@
           <a:p>
             <a:fld id="{1D8BD707-D9CF-40AE-B4C6-C98DA3205C09}" type="datetimeFigureOut">
               <a:rPr lang="en-US"/>
-              <a:t>7/10/2024</a:t>
+              <a:t>7/11/2024</a:t>
             </a:fld>
             <a:endParaRPr lang="en-US"/>
           </a:p>
@@ -1191,7 +1191,7 @@
           <a:p>
             <a:fld id="{1D8BD707-D9CF-40AE-B4C6-C98DA3205C09}" type="datetimeFigureOut">
               <a:rPr lang="en-US"/>
-              <a:t>7/10/2024</a:t>
+              <a:t>7/11/2024</a:t>
             </a:fld>
             <a:endParaRPr lang="en-US"/>
           </a:p>
@@ -1310,7 +1310,7 @@
           <a:p>
             <a:fld id="{1D8BD707-D9CF-40AE-B4C6-C98DA3205C09}" type="datetimeFigureOut">
               <a:rPr lang="en-US"/>
-              <a:t>7/10/2024</a:t>
+              <a:t>7/11/2024</a:t>
             </a:fld>
             <a:endParaRPr lang="en-US"/>
           </a:p>
@@ -1679,7 +1679,7 @@
           <a:p>
             <a:fld id="{1D8BD707-D9CF-40AE-B4C6-C98DA3205C09}" type="datetimeFigureOut">
               <a:rPr lang="en-US"/>
-              <a:t>7/10/2024</a:t>
+              <a:t>7/11/2024</a:t>
             </a:fld>
             <a:endParaRPr lang="en-US"/>
           </a:p>
@@ -3269,10 +3269,10 @@
       </p:pic>
       <p:pic>
         <p:nvPicPr>
-          <p:cNvPr id="10" name="Picture 9">
+          <p:cNvPr id="9" name="Picture 8">
             <a:extLst>
               <a:ext uri="{FF2B5EF4-FFF2-40B4-BE49-F238E27FC236}">
-                <a16:creationId xmlns:a16="http://schemas.microsoft.com/office/drawing/2014/main" id="{52C055B9-55D4-401E-94FE-CE2D04CDB98B}"/>
+                <a16:creationId xmlns:a16="http://schemas.microsoft.com/office/drawing/2014/main" id="{2DD0C88C-6D57-4674-AC4B-2495F763459D}"/>
               </a:ext>
             </a:extLst>
           </p:cNvPr>
@@ -10209,11 +10209,12 @@
 </file>
 
 <file path=customXml/item1.xml><?xml version="1.0" encoding="utf-8"?>
-<p:properties xmlns:p="http://schemas.microsoft.com/office/2006/metadata/properties" xmlns:xsi="http://www.w3.org/2001/XMLSchema-instance" xmlns:pc="http://schemas.microsoft.com/office/infopath/2007/PartnerControls">
-  <documentManagement>
-    <_activity xmlns="c9eab120-891d-4e75-bbb7-983661d36c9c" xsi:nil="true"/>
-  </documentManagement>
-</p:properties>
+<?mso-contentType ?>
+<FormTemplates xmlns="http://schemas.microsoft.com/sharepoint/v3/contenttype/forms">
+  <Display>DocumentLibraryForm</Display>
+  <Edit>DocumentLibraryForm</Edit>
+  <New>DocumentLibraryForm</New>
+</FormTemplates>
 </file>
 
 <file path=customXml/item2.xml><?xml version="1.0" encoding="utf-8"?>
@@ -10446,27 +10447,17 @@
 </file>
 
 <file path=customXml/item3.xml><?xml version="1.0" encoding="utf-8"?>
-<?mso-contentType ?>
-<FormTemplates xmlns="http://schemas.microsoft.com/sharepoint/v3/contenttype/forms">
-  <Display>DocumentLibraryForm</Display>
-  <Edit>DocumentLibraryForm</Edit>
-  <New>DocumentLibraryForm</New>
-</FormTemplates>
+<p:properties xmlns:p="http://schemas.microsoft.com/office/2006/metadata/properties" xmlns:xsi="http://www.w3.org/2001/XMLSchema-instance" xmlns:pc="http://schemas.microsoft.com/office/infopath/2007/PartnerControls">
+  <documentManagement>
+    <_activity xmlns="c9eab120-891d-4e75-bbb7-983661d36c9c" xsi:nil="true"/>
+  </documentManagement>
+</p:properties>
 </file>
 
 <file path=customXml/itemProps1.xml><?xml version="1.0" encoding="utf-8"?>
-<ds:datastoreItem xmlns:ds="http://schemas.openxmlformats.org/officeDocument/2006/customXml" ds:itemID="{0935546A-FCFF-49CF-A534-6766F9A5EAFB}">
+<ds:datastoreItem xmlns:ds="http://schemas.openxmlformats.org/officeDocument/2006/customXml" ds:itemID="{29D72105-E419-4657-8EC8-6C73137ECF2E}">
   <ds:schemaRefs>
-    <ds:schemaRef ds:uri="http://schemas.openxmlformats.org/package/2006/metadata/core-properties"/>
-    <ds:schemaRef ds:uri="c9eab120-891d-4e75-bbb7-983661d36c9c"/>
-    <ds:schemaRef ds:uri="http://purl.org/dc/terms/"/>
-    <ds:schemaRef ds:uri="http://schemas.microsoft.com/office/2006/documentManagement/types"/>
-    <ds:schemaRef ds:uri="http://schemas.microsoft.com/office/infopath/2007/PartnerControls"/>
-    <ds:schemaRef ds:uri="http://purl.org/dc/elements/1.1/"/>
-    <ds:schemaRef ds:uri="2cbdb79f-05cb-4beb-bf79-a6aafc29ddd5"/>
-    <ds:schemaRef ds:uri="http://www.w3.org/XML/1998/namespace"/>
-    <ds:schemaRef ds:uri="http://schemas.microsoft.com/office/2006/metadata/properties"/>
-    <ds:schemaRef ds:uri="http://purl.org/dc/dcmitype/"/>
+    <ds:schemaRef ds:uri="http://schemas.microsoft.com/sharepoint/v3/contenttype/forms"/>
   </ds:schemaRefs>
 </ds:datastoreItem>
 </file>
@@ -10491,9 +10482,18 @@
 </file>
 
 <file path=customXml/itemProps3.xml><?xml version="1.0" encoding="utf-8"?>
-<ds:datastoreItem xmlns:ds="http://schemas.openxmlformats.org/officeDocument/2006/customXml" ds:itemID="{29D72105-E419-4657-8EC8-6C73137ECF2E}">
+<ds:datastoreItem xmlns:ds="http://schemas.openxmlformats.org/officeDocument/2006/customXml" ds:itemID="{0935546A-FCFF-49CF-A534-6766F9A5EAFB}">
   <ds:schemaRefs>
-    <ds:schemaRef ds:uri="http://schemas.microsoft.com/sharepoint/v3/contenttype/forms"/>
+    <ds:schemaRef ds:uri="http://schemas.openxmlformats.org/package/2006/metadata/core-properties"/>
+    <ds:schemaRef ds:uri="c9eab120-891d-4e75-bbb7-983661d36c9c"/>
+    <ds:schemaRef ds:uri="http://purl.org/dc/terms/"/>
+    <ds:schemaRef ds:uri="http://schemas.microsoft.com/office/2006/documentManagement/types"/>
+    <ds:schemaRef ds:uri="http://schemas.microsoft.com/office/infopath/2007/PartnerControls"/>
+    <ds:schemaRef ds:uri="http://purl.org/dc/elements/1.1/"/>
+    <ds:schemaRef ds:uri="2cbdb79f-05cb-4beb-bf79-a6aafc29ddd5"/>
+    <ds:schemaRef ds:uri="http://www.w3.org/XML/1998/namespace"/>
+    <ds:schemaRef ds:uri="http://schemas.microsoft.com/office/2006/metadata/properties"/>
+    <ds:schemaRef ds:uri="http://purl.org/dc/dcmitype/"/>
   </ds:schemaRefs>
 </ds:datastoreItem>
 </file>
--- a/presentation_CARLASSARA_10601118.pptx
+++ b/presentation_CARLASSARA_10601118.pptx
@@ -3233,10 +3233,10 @@
       </p:pic>
       <p:pic>
         <p:nvPicPr>
-          <p:cNvPr id="4" name="Picture 3">
+          <p:cNvPr id="9" name="Picture 8">
             <a:extLst>
               <a:ext uri="{FF2B5EF4-FFF2-40B4-BE49-F238E27FC236}">
-                <a16:creationId xmlns:a16="http://schemas.microsoft.com/office/drawing/2014/main" id="{D8A99D0B-68D5-480B-B335-D6F6124EA9D5}"/>
+                <a16:creationId xmlns:a16="http://schemas.microsoft.com/office/drawing/2014/main" id="{2DD0C88C-6D57-4674-AC4B-2495F763459D}"/>
               </a:ext>
             </a:extLst>
           </p:cNvPr>
@@ -3259,7 +3259,7 @@
         </p:blipFill>
         <p:spPr>
           <a:xfrm>
-            <a:off x="0" y="304800"/>
+            <a:off x="6096000" y="304800"/>
             <a:ext cx="6096000" cy="4876800"/>
           </a:xfrm>
           <a:prstGeom prst="rect">
@@ -3269,10 +3269,10 @@
       </p:pic>
       <p:pic>
         <p:nvPicPr>
-          <p:cNvPr id="9" name="Picture 8">
+          <p:cNvPr id="11" name="Picture 10">
             <a:extLst>
               <a:ext uri="{FF2B5EF4-FFF2-40B4-BE49-F238E27FC236}">
-                <a16:creationId xmlns:a16="http://schemas.microsoft.com/office/drawing/2014/main" id="{2DD0C88C-6D57-4674-AC4B-2495F763459D}"/>
+                <a16:creationId xmlns:a16="http://schemas.microsoft.com/office/drawing/2014/main" id="{A05D1587-0798-4E9A-8C10-E2C45B075957}"/>
               </a:ext>
             </a:extLst>
           </p:cNvPr>
@@ -3295,7 +3295,7 @@
         </p:blipFill>
         <p:spPr>
           <a:xfrm>
-            <a:off x="6096000" y="304800"/>
+            <a:off x="0" y="304800"/>
             <a:ext cx="6096000" cy="4876800"/>
           </a:xfrm>
           <a:prstGeom prst="rect">
@@ -10209,12 +10209,11 @@
 </file>
 
 <file path=customXml/item1.xml><?xml version="1.0" encoding="utf-8"?>
-<?mso-contentType ?>
-<FormTemplates xmlns="http://schemas.microsoft.com/sharepoint/v3/contenttype/forms">
-  <Display>DocumentLibraryForm</Display>
-  <Edit>DocumentLibraryForm</Edit>
-  <New>DocumentLibraryForm</New>
-</FormTemplates>
+<p:properties xmlns:p="http://schemas.microsoft.com/office/2006/metadata/properties" xmlns:xsi="http://www.w3.org/2001/XMLSchema-instance" xmlns:pc="http://schemas.microsoft.com/office/infopath/2007/PartnerControls">
+  <documentManagement>
+    <_activity xmlns="c9eab120-891d-4e75-bbb7-983661d36c9c" xsi:nil="true"/>
+  </documentManagement>
+</p:properties>
 </file>
 
 <file path=customXml/item2.xml><?xml version="1.0" encoding="utf-8"?>
@@ -10447,17 +10446,27 @@
 </file>
 
 <file path=customXml/item3.xml><?xml version="1.0" encoding="utf-8"?>
-<p:properties xmlns:p="http://schemas.microsoft.com/office/2006/metadata/properties" xmlns:xsi="http://www.w3.org/2001/XMLSchema-instance" xmlns:pc="http://schemas.microsoft.com/office/infopath/2007/PartnerControls">
-  <documentManagement>
-    <_activity xmlns="c9eab120-891d-4e75-bbb7-983661d36c9c" xsi:nil="true"/>
-  </documentManagement>
-</p:properties>
+<?mso-contentType ?>
+<FormTemplates xmlns="http://schemas.microsoft.com/sharepoint/v3/contenttype/forms">
+  <Display>DocumentLibraryForm</Display>
+  <Edit>DocumentLibraryForm</Edit>
+  <New>DocumentLibraryForm</New>
+</FormTemplates>
 </file>
 
 <file path=customXml/itemProps1.xml><?xml version="1.0" encoding="utf-8"?>
-<ds:datastoreItem xmlns:ds="http://schemas.openxmlformats.org/officeDocument/2006/customXml" ds:itemID="{29D72105-E419-4657-8EC8-6C73137ECF2E}">
+<ds:datastoreItem xmlns:ds="http://schemas.openxmlformats.org/officeDocument/2006/customXml" ds:itemID="{0935546A-FCFF-49CF-A534-6766F9A5EAFB}">
   <ds:schemaRefs>
-    <ds:schemaRef ds:uri="http://schemas.microsoft.com/sharepoint/v3/contenttype/forms"/>
+    <ds:schemaRef ds:uri="http://schemas.openxmlformats.org/package/2006/metadata/core-properties"/>
+    <ds:schemaRef ds:uri="c9eab120-891d-4e75-bbb7-983661d36c9c"/>
+    <ds:schemaRef ds:uri="http://purl.org/dc/terms/"/>
+    <ds:schemaRef ds:uri="http://schemas.microsoft.com/office/2006/documentManagement/types"/>
+    <ds:schemaRef ds:uri="http://schemas.microsoft.com/office/infopath/2007/PartnerControls"/>
+    <ds:schemaRef ds:uri="http://purl.org/dc/elements/1.1/"/>
+    <ds:schemaRef ds:uri="2cbdb79f-05cb-4beb-bf79-a6aafc29ddd5"/>
+    <ds:schemaRef ds:uri="http://www.w3.org/XML/1998/namespace"/>
+    <ds:schemaRef ds:uri="http://schemas.microsoft.com/office/2006/metadata/properties"/>
+    <ds:schemaRef ds:uri="http://purl.org/dc/dcmitype/"/>
   </ds:schemaRefs>
 </ds:datastoreItem>
 </file>
@@ -10482,18 +10491,9 @@
 </file>
 
 <file path=customXml/itemProps3.xml><?xml version="1.0" encoding="utf-8"?>
-<ds:datastoreItem xmlns:ds="http://schemas.openxmlformats.org/officeDocument/2006/customXml" ds:itemID="{0935546A-FCFF-49CF-A534-6766F9A5EAFB}">
+<ds:datastoreItem xmlns:ds="http://schemas.openxmlformats.org/officeDocument/2006/customXml" ds:itemID="{29D72105-E419-4657-8EC8-6C73137ECF2E}">
   <ds:schemaRefs>
-    <ds:schemaRef ds:uri="http://schemas.openxmlformats.org/package/2006/metadata/core-properties"/>
-    <ds:schemaRef ds:uri="c9eab120-891d-4e75-bbb7-983661d36c9c"/>
-    <ds:schemaRef ds:uri="http://purl.org/dc/terms/"/>
-    <ds:schemaRef ds:uri="http://schemas.microsoft.com/office/2006/documentManagement/types"/>
-    <ds:schemaRef ds:uri="http://schemas.microsoft.com/office/infopath/2007/PartnerControls"/>
-    <ds:schemaRef ds:uri="http://purl.org/dc/elements/1.1/"/>
-    <ds:schemaRef ds:uri="2cbdb79f-05cb-4beb-bf79-a6aafc29ddd5"/>
-    <ds:schemaRef ds:uri="http://www.w3.org/XML/1998/namespace"/>
-    <ds:schemaRef ds:uri="http://schemas.microsoft.com/office/2006/metadata/properties"/>
-    <ds:schemaRef ds:uri="http://purl.org/dc/dcmitype/"/>
+    <ds:schemaRef ds:uri="http://schemas.microsoft.com/sharepoint/v3/contenttype/forms"/>
   </ds:schemaRefs>
 </ds:datastoreItem>
 </file>
--- a/presentation_CARLASSARA_10601118.pptx
+++ b/presentation_CARLASSARA_10601118.pptx
@@ -5,7 +5,7 @@
     <p:sldMasterId id="2147483648" r:id="rId4"/>
   </p:sldMasterIdLst>
   <p:notesMasterIdLst>
-    <p:notesMasterId r:id="rId21"/>
+    <p:notesMasterId r:id="rId25"/>
   </p:notesMasterIdLst>
   <p:sldIdLst>
     <p:sldId id="256" r:id="rId5"/>
@@ -19,11 +19,15 @@
     <p:sldId id="319" r:id="rId13"/>
     <p:sldId id="323" r:id="rId14"/>
     <p:sldId id="326" r:id="rId15"/>
-    <p:sldId id="321" r:id="rId16"/>
-    <p:sldId id="316" r:id="rId17"/>
-    <p:sldId id="327" r:id="rId18"/>
-    <p:sldId id="328" r:id="rId19"/>
-    <p:sldId id="287" r:id="rId20"/>
+    <p:sldId id="332" r:id="rId16"/>
+    <p:sldId id="321" r:id="rId17"/>
+    <p:sldId id="316" r:id="rId18"/>
+    <p:sldId id="327" r:id="rId19"/>
+    <p:sldId id="328" r:id="rId20"/>
+    <p:sldId id="330" r:id="rId21"/>
+    <p:sldId id="329" r:id="rId22"/>
+    <p:sldId id="331" r:id="rId23"/>
+    <p:sldId id="287" r:id="rId24"/>
   </p:sldIdLst>
   <p:sldSz cx="12192000" cy="6858000"/>
   <p:notesSz cx="12192000" cy="6858000"/>
@@ -125,12 +129,12 @@
   <p:extLst>
     <p:ext uri="{EFAFB233-063F-42B5-8137-9DF3F51BA10A}">
       <p15:sldGuideLst xmlns:p15="http://schemas.microsoft.com/office/powerpoint/2012/main">
-        <p15:guide id="3" pos="3792" userDrawn="1">
+        <p15:guide id="3" pos="4800" userDrawn="1">
           <p15:clr>
             <a:srgbClr val="A4A3A4"/>
           </p15:clr>
         </p15:guide>
-        <p15:guide id="4" pos="6192" userDrawn="1">
+        <p15:guide id="4" pos="7104" userDrawn="1">
           <p15:clr>
             <a:srgbClr val="A4A3A4"/>
           </p15:clr>
@@ -140,7 +144,7 @@
             <a:srgbClr val="A4A3A4"/>
           </p15:clr>
         </p15:guide>
-        <p15:guide id="6" orient="horz" pos="1248" userDrawn="1">
+        <p15:guide id="6" orient="horz" pos="816" userDrawn="1">
           <p15:clr>
             <a:srgbClr val="A4A3A4"/>
           </p15:clr>
@@ -247,7 +251,7 @@
           <a:p>
             <a:fld id="{2E347CE9-1F5D-4CEF-9CA7-664B3EF9808B}" type="datetimeFigureOut">
               <a:rPr lang="en-GB" smtClean="0"/>
-              <a:t>11/07/2024</a:t>
+              <a:t>22/07/2024</a:t>
             </a:fld>
             <a:endParaRPr lang="en-GB"/>
           </a:p>
@@ -654,7 +658,7 @@
           <a:p>
             <a:fld id="{1D8BD707-D9CF-40AE-B4C6-C98DA3205C09}" type="datetimeFigureOut">
               <a:rPr lang="en-US"/>
-              <a:t>7/11/2024</a:t>
+              <a:t>7/22/2024</a:t>
             </a:fld>
             <a:endParaRPr lang="en-US"/>
           </a:p>
@@ -829,7 +833,7 @@
           <a:p>
             <a:fld id="{1D8BD707-D9CF-40AE-B4C6-C98DA3205C09}" type="datetimeFigureOut">
               <a:rPr lang="en-US"/>
-              <a:t>7/11/2024</a:t>
+              <a:t>7/22/2024</a:t>
             </a:fld>
             <a:endParaRPr lang="en-US"/>
           </a:p>
@@ -1043,7 +1047,7 @@
           <a:p>
             <a:fld id="{1D8BD707-D9CF-40AE-B4C6-C98DA3205C09}" type="datetimeFigureOut">
               <a:rPr lang="en-US"/>
-              <a:t>7/11/2024</a:t>
+              <a:t>7/22/2024</a:t>
             </a:fld>
             <a:endParaRPr lang="en-US"/>
           </a:p>
@@ -1191,7 +1195,7 @@
           <a:p>
             <a:fld id="{1D8BD707-D9CF-40AE-B4C6-C98DA3205C09}" type="datetimeFigureOut">
               <a:rPr lang="en-US"/>
-              <a:t>7/11/2024</a:t>
+              <a:t>7/22/2024</a:t>
             </a:fld>
             <a:endParaRPr lang="en-US"/>
           </a:p>
@@ -1310,7 +1314,7 @@
           <a:p>
             <a:fld id="{1D8BD707-D9CF-40AE-B4C6-C98DA3205C09}" type="datetimeFigureOut">
               <a:rPr lang="en-US"/>
-              <a:t>7/11/2024</a:t>
+              <a:t>7/22/2024</a:t>
             </a:fld>
             <a:endParaRPr lang="en-US"/>
           </a:p>
@@ -1679,7 +1683,7 @@
           <a:p>
             <a:fld id="{1D8BD707-D9CF-40AE-B4C6-C98DA3205C09}" type="datetimeFigureOut">
               <a:rPr lang="en-US"/>
-              <a:t>7/11/2024</a:t>
+              <a:t>7/22/2024</a:t>
             </a:fld>
             <a:endParaRPr lang="en-US"/>
           </a:p>
@@ -2629,39 +2633,39 @@
           <a:p>
             <a:pPr algn="ctr"/>
             <a:r>
-              <a:rPr lang="en-US" sz="1700">
+              <a:rPr lang="en-US" sz="1700" dirty="0">
                 <a:latin typeface="Futura"/>
                 <a:cs typeface="Times New Roman" panose="02020603050405020304" pitchFamily="18" charset="0"/>
               </a:rPr>
               <a:t>Active learning method</a:t>
             </a:r>
             <a:r>
-              <a:rPr lang="de-DE" sz="1700">
+              <a:rPr lang="de-DE" sz="1700" dirty="0">
                 <a:latin typeface="Futura"/>
                 <a:cs typeface="Times New Roman" panose="02020603050405020304" pitchFamily="18" charset="0"/>
               </a:rPr>
               <a:t> </a:t>
             </a:r>
             <a:r>
-              <a:rPr lang="en-US" sz="1700">
+              <a:rPr lang="en-US" sz="1700" dirty="0">
                 <a:latin typeface="Futura"/>
                 <a:cs typeface="Times New Roman" panose="02020603050405020304" pitchFamily="18" charset="0"/>
               </a:rPr>
               <a:t>for</a:t>
             </a:r>
             <a:r>
-              <a:rPr lang="de-DE" sz="1700">
+              <a:rPr lang="de-DE" sz="1700" dirty="0">
                 <a:latin typeface="Futura"/>
                 <a:cs typeface="Times New Roman" panose="02020603050405020304" pitchFamily="18" charset="0"/>
               </a:rPr>
               <a:t> </a:t>
             </a:r>
             <a:r>
-              <a:rPr lang="en-US" sz="1700">
+              <a:rPr lang="en-US" sz="1700" dirty="0">
                 <a:latin typeface="Futura"/>
                 <a:cs typeface="Times New Roman" panose="02020603050405020304" pitchFamily="18" charset="0"/>
               </a:rPr>
-              <a:t>Virtual Support Vector Machine with self-learning constraints</a:t>
+              <a:t>Virtual Support Vector Machine with self-learning constraints v2</a:t>
             </a:r>
             <a:endParaRPr lang="de-DE" sz="1700" dirty="0">
               <a:latin typeface="Futura"/>
@@ -2672,10 +2676,10 @@
       </p:sp>
       <p:pic>
         <p:nvPicPr>
-          <p:cNvPr id="9" name="Picture 8">
-            <a:extLst>
-              <a:ext uri="{FF2B5EF4-FFF2-40B4-BE49-F238E27FC236}">
-                <a16:creationId xmlns:a16="http://schemas.microsoft.com/office/drawing/2014/main" id="{3C1FB4F2-E763-40AE-8788-8D86F0F83971}"/>
+          <p:cNvPr id="10" name="Picture 9">
+            <a:extLst>
+              <a:ext uri="{FF2B5EF4-FFF2-40B4-BE49-F238E27FC236}">
+                <a16:creationId xmlns:a16="http://schemas.microsoft.com/office/drawing/2014/main" id="{3C246603-88F1-41EF-A201-B771A900E060}"/>
               </a:ext>
             </a:extLst>
           </p:cNvPr>
@@ -2699,7 +2703,7 @@
         <p:spPr>
           <a:xfrm>
             <a:off x="838292" y="838200"/>
-            <a:ext cx="10284483" cy="4620647"/>
+            <a:ext cx="10284483" cy="4620646"/>
           </a:xfrm>
           <a:prstGeom prst="rect">
             <a:avLst/>
@@ -2923,10 +2927,10 @@
       </p:sp>
       <p:pic>
         <p:nvPicPr>
-          <p:cNvPr id="25" name="Picture 24">
-            <a:extLst>
-              <a:ext uri="{FF2B5EF4-FFF2-40B4-BE49-F238E27FC236}">
-                <a16:creationId xmlns:a16="http://schemas.microsoft.com/office/drawing/2014/main" id="{EAF63E94-62EA-4700-863E-6283E1A78E17}"/>
+          <p:cNvPr id="9" name="Picture 8">
+            <a:extLst>
+              <a:ext uri="{FF2B5EF4-FFF2-40B4-BE49-F238E27FC236}">
+                <a16:creationId xmlns:a16="http://schemas.microsoft.com/office/drawing/2014/main" id="{8D312FC8-EF7C-46D6-8052-B9916978F3C7}"/>
               </a:ext>
             </a:extLst>
           </p:cNvPr>
@@ -2949,8 +2953,8 @@
         </p:blipFill>
         <p:spPr>
           <a:xfrm>
-            <a:off x="832501" y="829426"/>
-            <a:ext cx="10060677" cy="5021681"/>
+            <a:off x="832501" y="827562"/>
+            <a:ext cx="10060678" cy="5021681"/>
           </a:xfrm>
           <a:prstGeom prst="rect">
             <a:avLst/>
@@ -2987,12 +2991,55 @@
           <a:chExt cx="0" cy="0"/>
         </a:xfrm>
       </p:grpSpPr>
+      <p:sp>
+        <p:nvSpPr>
+          <p:cNvPr id="18" name="Rectangle 17">
+            <a:extLst>
+              <a:ext uri="{FF2B5EF4-FFF2-40B4-BE49-F238E27FC236}">
+                <a16:creationId xmlns:a16="http://schemas.microsoft.com/office/drawing/2014/main" id="{00681E6F-C40A-4ED0-9D53-D34104B4964F}"/>
+              </a:ext>
+            </a:extLst>
+          </p:cNvPr>
+          <p:cNvSpPr/>
+          <p:nvPr/>
+        </p:nvSpPr>
+        <p:spPr>
+          <a:xfrm>
+            <a:off x="228600" y="6359452"/>
+            <a:ext cx="2063385" cy="338554"/>
+          </a:xfrm>
+          <a:prstGeom prst="rect">
+            <a:avLst/>
+          </a:prstGeom>
+        </p:spPr>
+        <p:txBody>
+          <a:bodyPr wrap="none">
+            <a:spAutoFit/>
+          </a:bodyPr>
+          <a:lstStyle/>
+          <a:p>
+            <a:r>
+              <a:rPr lang="it-IT" sz="1600">
+                <a:latin typeface="Futura"/>
+                <a:ea typeface="Microsoft Sans Serif" panose="020B0604020202020204" pitchFamily="34" charset="0"/>
+                <a:cs typeface="Microsoft Sans Serif" panose="020B0604020202020204" pitchFamily="34" charset="0"/>
+              </a:rPr>
+              <a:t>Lorenzo Carlassara</a:t>
+            </a:r>
+            <a:endParaRPr lang="it-IT" sz="1600" dirty="0">
+              <a:latin typeface="Futura"/>
+              <a:ea typeface="Microsoft Sans Serif" panose="020B0604020202020204" pitchFamily="34" charset="0"/>
+              <a:cs typeface="Microsoft Sans Serif" panose="020B0604020202020204" pitchFamily="34" charset="0"/>
+            </a:endParaRPr>
+          </a:p>
+        </p:txBody>
+      </p:sp>
       <p:pic>
         <p:nvPicPr>
-          <p:cNvPr id="7" name="Picture 6">
-            <a:extLst>
-              <a:ext uri="{FF2B5EF4-FFF2-40B4-BE49-F238E27FC236}">
-                <a16:creationId xmlns:a16="http://schemas.microsoft.com/office/drawing/2014/main" id="{B220E16B-DFF0-42A7-836E-E7D494F2B637}"/>
+          <p:cNvPr id="19" name="Picture 18">
+            <a:extLst>
+              <a:ext uri="{FF2B5EF4-FFF2-40B4-BE49-F238E27FC236}">
+                <a16:creationId xmlns:a16="http://schemas.microsoft.com/office/drawing/2014/main" id="{B2B2A884-A15F-4E1B-9F93-24E6A16C5246}"/>
               </a:ext>
             </a:extLst>
           </p:cNvPr>
@@ -3001,8 +3048,43 @@
           </p:cNvPicPr>
           <p:nvPr/>
         </p:nvPicPr>
+        <p:blipFill rotWithShape="1">
+          <a:blip r:embed="rId2">
+            <a:extLst>
+              <a:ext uri="{28A0092B-C50C-407E-A947-70E740481C1C}">
+                <a14:useLocalDpi xmlns:a14="http://schemas.microsoft.com/office/drawing/2010/main" val="0"/>
+              </a:ext>
+            </a:extLst>
+          </a:blip>
+          <a:srcRect l="25190" r="25955" b="38216"/>
+          <a:stretch/>
+        </p:blipFill>
+        <p:spPr>
+          <a:xfrm>
+            <a:off x="10734080" y="6172326"/>
+            <a:ext cx="677505" cy="627889"/>
+          </a:xfrm>
+          <a:prstGeom prst="rect">
+            <a:avLst/>
+          </a:prstGeom>
+        </p:spPr>
+      </p:pic>
+      <p:pic>
+        <p:nvPicPr>
+          <p:cNvPr id="20" name="Picture 19">
+            <a:extLst>
+              <a:ext uri="{FF2B5EF4-FFF2-40B4-BE49-F238E27FC236}">
+                <a16:creationId xmlns:a16="http://schemas.microsoft.com/office/drawing/2014/main" id="{1DBAE88E-FFC9-4BC0-9DE5-9B7CA7691256}"/>
+              </a:ext>
+            </a:extLst>
+          </p:cNvPr>
+          <p:cNvPicPr>
+            <a:picLocks noChangeAspect="1"/>
+          </p:cNvPicPr>
+          <p:nvPr/>
+        </p:nvPicPr>
         <p:blipFill>
-          <a:blip r:embed="rId2" cstate="print">
+          <a:blip r:embed="rId3" cstate="print">
             <a:extLst>
               <a:ext uri="{28A0092B-C50C-407E-A947-70E740481C1C}">
                 <a14:useLocalDpi xmlns:a14="http://schemas.microsoft.com/office/drawing/2010/main" val="0"/>
@@ -3023,12 +3105,83 @@
           </a:prstGeom>
         </p:spPr>
       </p:pic>
+      <p:sp>
+        <p:nvSpPr>
+          <p:cNvPr id="21" name="Textfeld 99">
+            <a:extLst>
+              <a:ext uri="{FF2B5EF4-FFF2-40B4-BE49-F238E27FC236}">
+                <a16:creationId xmlns:a16="http://schemas.microsoft.com/office/drawing/2014/main" id="{0803C2D1-1B12-4681-99BA-94ACF45F635F}"/>
+              </a:ext>
+            </a:extLst>
+          </p:cNvPr>
+          <p:cNvSpPr txBox="1"/>
+          <p:nvPr/>
+        </p:nvSpPr>
+        <p:spPr>
+          <a:xfrm>
+            <a:off x="-10886" y="152400"/>
+            <a:ext cx="12192000" cy="353943"/>
+          </a:xfrm>
+          <a:prstGeom prst="rect">
+            <a:avLst/>
+          </a:prstGeom>
+          <a:noFill/>
+        </p:spPr>
+        <p:txBody>
+          <a:bodyPr wrap="square" rtlCol="0">
+            <a:spAutoFit/>
+          </a:bodyPr>
+          <a:lstStyle/>
+          <a:p>
+            <a:pPr algn="ctr"/>
+            <a:r>
+              <a:rPr lang="en-US" sz="1700">
+                <a:latin typeface="Futura"/>
+                <a:cs typeface="Times New Roman" panose="02020603050405020304" pitchFamily="18" charset="0"/>
+              </a:rPr>
+              <a:t>Active learning method</a:t>
+            </a:r>
+            <a:r>
+              <a:rPr lang="de-DE" sz="1700">
+                <a:latin typeface="Futura"/>
+                <a:cs typeface="Times New Roman" panose="02020603050405020304" pitchFamily="18" charset="0"/>
+              </a:rPr>
+              <a:t> </a:t>
+            </a:r>
+            <a:r>
+              <a:rPr lang="en-US" sz="1700">
+                <a:latin typeface="Futura"/>
+                <a:cs typeface="Times New Roman" panose="02020603050405020304" pitchFamily="18" charset="0"/>
+              </a:rPr>
+              <a:t>for</a:t>
+            </a:r>
+            <a:r>
+              <a:rPr lang="de-DE" sz="1700">
+                <a:latin typeface="Futura"/>
+                <a:cs typeface="Times New Roman" panose="02020603050405020304" pitchFamily="18" charset="0"/>
+              </a:rPr>
+              <a:t> </a:t>
+            </a:r>
+            <a:r>
+              <a:rPr lang="en-US" sz="1700">
+                <a:latin typeface="Futura"/>
+                <a:cs typeface="Times New Roman" panose="02020603050405020304" pitchFamily="18" charset="0"/>
+              </a:rPr>
+              <a:t>Virtual Support Vector Machine with self-learning constraints</a:t>
+            </a:r>
+            <a:endParaRPr lang="de-DE" sz="1700" dirty="0">
+              <a:latin typeface="Futura"/>
+              <a:cs typeface="Times New Roman" panose="02020603050405020304" pitchFamily="18" charset="0"/>
+            </a:endParaRPr>
+          </a:p>
+        </p:txBody>
+      </p:sp>
       <p:pic>
         <p:nvPicPr>
           <p:cNvPr id="8" name="Picture 7">
             <a:extLst>
               <a:ext uri="{FF2B5EF4-FFF2-40B4-BE49-F238E27FC236}">
-                <a16:creationId xmlns:a16="http://schemas.microsoft.com/office/drawing/2014/main" id="{C300C08F-7400-4B95-9451-8B73FBF2A62E}"/>
+                <a16:creationId xmlns:a16="http://schemas.microsoft.com/office/drawing/2014/main" id="{B6D7C84C-1B6C-4245-9F3C-3F4112E36182}"/>
               </a:ext>
             </a:extLst>
           </p:cNvPr>
@@ -3037,43 +3190,8 @@
           </p:cNvPicPr>
           <p:nvPr/>
         </p:nvPicPr>
-        <p:blipFill rotWithShape="1">
-          <a:blip r:embed="rId3">
-            <a:extLst>
-              <a:ext uri="{28A0092B-C50C-407E-A947-70E740481C1C}">
-                <a14:useLocalDpi xmlns:a14="http://schemas.microsoft.com/office/drawing/2010/main" val="0"/>
-              </a:ext>
-            </a:extLst>
-          </a:blip>
-          <a:srcRect l="25190" r="25955" b="38216"/>
-          <a:stretch/>
-        </p:blipFill>
-        <p:spPr>
-          <a:xfrm>
-            <a:off x="8295" y="6172200"/>
-            <a:ext cx="677505" cy="627889"/>
-          </a:xfrm>
-          <a:prstGeom prst="rect">
-            <a:avLst/>
-          </a:prstGeom>
-        </p:spPr>
-      </p:pic>
-      <p:pic>
-        <p:nvPicPr>
-          <p:cNvPr id="6" name="Picture 5">
-            <a:extLst>
-              <a:ext uri="{FF2B5EF4-FFF2-40B4-BE49-F238E27FC236}">
-                <a16:creationId xmlns:a16="http://schemas.microsoft.com/office/drawing/2014/main" id="{9DE06DE2-BEA6-4831-BDF1-0316AD477DFF}"/>
-              </a:ext>
-            </a:extLst>
-          </p:cNvPr>
-          <p:cNvPicPr>
-            <a:picLocks noChangeAspect="1"/>
-          </p:cNvPicPr>
-          <p:nvPr/>
-        </p:nvPicPr>
         <p:blipFill>
-          <a:blip r:embed="rId4" cstate="print">
+          <a:blip r:embed="rId4">
             <a:extLst>
               <a:ext uri="{28A0092B-C50C-407E-A947-70E740481C1C}">
                 <a14:useLocalDpi xmlns:a14="http://schemas.microsoft.com/office/drawing/2010/main" val="0"/>
@@ -3086,8 +3204,8 @@
         </p:blipFill>
         <p:spPr>
           <a:xfrm>
-            <a:off x="6096000" y="304800"/>
-            <a:ext cx="6096000" cy="4876800"/>
+            <a:off x="0" y="1295401"/>
+            <a:ext cx="7633138" cy="3810000"/>
           </a:xfrm>
           <a:prstGeom prst="rect">
             <a:avLst/>
@@ -3096,10 +3214,10 @@
       </p:pic>
       <p:pic>
         <p:nvPicPr>
-          <p:cNvPr id="10" name="Picture 9">
-            <a:extLst>
-              <a:ext uri="{FF2B5EF4-FFF2-40B4-BE49-F238E27FC236}">
-                <a16:creationId xmlns:a16="http://schemas.microsoft.com/office/drawing/2014/main" id="{7311FFA9-ABF0-4776-ACC8-6C4F0827C1F4}"/>
+          <p:cNvPr id="3" name="Picture 2">
+            <a:extLst>
+              <a:ext uri="{FF2B5EF4-FFF2-40B4-BE49-F238E27FC236}">
+                <a16:creationId xmlns:a16="http://schemas.microsoft.com/office/drawing/2014/main" id="{9C6746A1-2219-432B-95D9-3157C36DC1B7}"/>
               </a:ext>
             </a:extLst>
           </p:cNvPr>
@@ -3109,21 +3227,15 @@
           <p:nvPr/>
         </p:nvPicPr>
         <p:blipFill>
-          <a:blip r:embed="rId5" cstate="print">
-            <a:extLst>
-              <a:ext uri="{28A0092B-C50C-407E-A947-70E740481C1C}">
-                <a14:useLocalDpi xmlns:a14="http://schemas.microsoft.com/office/drawing/2010/main" val="0"/>
-              </a:ext>
-            </a:extLst>
-          </a:blip>
+          <a:blip r:embed="rId5"/>
           <a:stretch>
             <a:fillRect/>
           </a:stretch>
         </p:blipFill>
         <p:spPr>
           <a:xfrm>
-            <a:off x="0" y="304800"/>
-            <a:ext cx="6096000" cy="4876800"/>
+            <a:off x="7633138" y="1295401"/>
+            <a:ext cx="4547975" cy="3535909"/>
           </a:xfrm>
           <a:prstGeom prst="rect">
             <a:avLst/>
@@ -3133,7 +3245,7 @@
     </p:spTree>
     <p:extLst>
       <p:ext uri="{BB962C8B-B14F-4D97-AF65-F5344CB8AC3E}">
-        <p14:creationId xmlns:p14="http://schemas.microsoft.com/office/powerpoint/2010/main" val="1463249048"/>
+        <p14:creationId xmlns:p14="http://schemas.microsoft.com/office/powerpoint/2010/main" val="312647216"/>
       </p:ext>
     </p:extLst>
   </p:cSld>
@@ -3233,10 +3345,10 @@
       </p:pic>
       <p:pic>
         <p:nvPicPr>
-          <p:cNvPr id="9" name="Picture 8">
-            <a:extLst>
-              <a:ext uri="{FF2B5EF4-FFF2-40B4-BE49-F238E27FC236}">
-                <a16:creationId xmlns:a16="http://schemas.microsoft.com/office/drawing/2014/main" id="{2DD0C88C-6D57-4674-AC4B-2495F763459D}"/>
+          <p:cNvPr id="6" name="Picture 5">
+            <a:extLst>
+              <a:ext uri="{FF2B5EF4-FFF2-40B4-BE49-F238E27FC236}">
+                <a16:creationId xmlns:a16="http://schemas.microsoft.com/office/drawing/2014/main" id="{9DE06DE2-BEA6-4831-BDF1-0316AD477DFF}"/>
               </a:ext>
             </a:extLst>
           </p:cNvPr>
@@ -3269,10 +3381,10 @@
       </p:pic>
       <p:pic>
         <p:nvPicPr>
-          <p:cNvPr id="11" name="Picture 10">
-            <a:extLst>
-              <a:ext uri="{FF2B5EF4-FFF2-40B4-BE49-F238E27FC236}">
-                <a16:creationId xmlns:a16="http://schemas.microsoft.com/office/drawing/2014/main" id="{A05D1587-0798-4E9A-8C10-E2C45B075957}"/>
+          <p:cNvPr id="10" name="Picture 9">
+            <a:extLst>
+              <a:ext uri="{FF2B5EF4-FFF2-40B4-BE49-F238E27FC236}">
+                <a16:creationId xmlns:a16="http://schemas.microsoft.com/office/drawing/2014/main" id="{7311FFA9-ABF0-4776-ACC8-6C4F0827C1F4}"/>
               </a:ext>
             </a:extLst>
           </p:cNvPr>
@@ -3306,7 +3418,7 @@
     </p:spTree>
     <p:extLst>
       <p:ext uri="{BB962C8B-B14F-4D97-AF65-F5344CB8AC3E}">
-        <p14:creationId xmlns:p14="http://schemas.microsoft.com/office/powerpoint/2010/main" val="3832956685"/>
+        <p14:creationId xmlns:p14="http://schemas.microsoft.com/office/powerpoint/2010/main" val="1463249048"/>
       </p:ext>
     </p:extLst>
   </p:cSld>
@@ -3406,10 +3518,10 @@
       </p:pic>
       <p:pic>
         <p:nvPicPr>
-          <p:cNvPr id="10" name="Picture 9">
-            <a:extLst>
-              <a:ext uri="{FF2B5EF4-FFF2-40B4-BE49-F238E27FC236}">
-                <a16:creationId xmlns:a16="http://schemas.microsoft.com/office/drawing/2014/main" id="{B3172DCD-A98B-4CBB-B731-981469F70CF4}"/>
+          <p:cNvPr id="9" name="Picture 8">
+            <a:extLst>
+              <a:ext uri="{FF2B5EF4-FFF2-40B4-BE49-F238E27FC236}">
+                <a16:creationId xmlns:a16="http://schemas.microsoft.com/office/drawing/2014/main" id="{2DD0C88C-6D57-4674-AC4B-2495F763459D}"/>
               </a:ext>
             </a:extLst>
           </p:cNvPr>
@@ -3432,8 +3544,8 @@
         </p:blipFill>
         <p:spPr>
           <a:xfrm>
-            <a:off x="0" y="304800"/>
-            <a:ext cx="6095999" cy="4876799"/>
+            <a:off x="6096000" y="304800"/>
+            <a:ext cx="6096000" cy="4876800"/>
           </a:xfrm>
           <a:prstGeom prst="rect">
             <a:avLst/>
@@ -3445,7 +3557,7 @@
           <p:cNvPr id="11" name="Picture 10">
             <a:extLst>
               <a:ext uri="{FF2B5EF4-FFF2-40B4-BE49-F238E27FC236}">
-                <a16:creationId xmlns:a16="http://schemas.microsoft.com/office/drawing/2014/main" id="{9D4C1F78-7DAC-4A65-97C8-396800C25B3F}"/>
+                <a16:creationId xmlns:a16="http://schemas.microsoft.com/office/drawing/2014/main" id="{A05D1587-0798-4E9A-8C10-E2C45B075957}"/>
               </a:ext>
             </a:extLst>
           </p:cNvPr>
@@ -3468,8 +3580,8 @@
         </p:blipFill>
         <p:spPr>
           <a:xfrm>
-            <a:off x="6095999" y="304800"/>
-            <a:ext cx="6096002" cy="4876801"/>
+            <a:off x="0" y="304800"/>
+            <a:ext cx="6096000" cy="4876800"/>
           </a:xfrm>
           <a:prstGeom prst="rect">
             <a:avLst/>
@@ -3479,7 +3591,7 @@
     </p:spTree>
     <p:extLst>
       <p:ext uri="{BB962C8B-B14F-4D97-AF65-F5344CB8AC3E}">
-        <p14:creationId xmlns:p14="http://schemas.microsoft.com/office/powerpoint/2010/main" val="4129571936"/>
+        <p14:creationId xmlns:p14="http://schemas.microsoft.com/office/powerpoint/2010/main" val="3832956685"/>
       </p:ext>
     </p:extLst>
   </p:cSld>
@@ -3579,10 +3691,10 @@
       </p:pic>
       <p:pic>
         <p:nvPicPr>
-          <p:cNvPr id="13" name="Picture 12">
-            <a:extLst>
-              <a:ext uri="{FF2B5EF4-FFF2-40B4-BE49-F238E27FC236}">
-                <a16:creationId xmlns:a16="http://schemas.microsoft.com/office/drawing/2014/main" id="{919FAF43-7C05-4A02-BB43-C7D0C3A95188}"/>
+          <p:cNvPr id="10" name="Picture 9">
+            <a:extLst>
+              <a:ext uri="{FF2B5EF4-FFF2-40B4-BE49-F238E27FC236}">
+                <a16:creationId xmlns:a16="http://schemas.microsoft.com/office/drawing/2014/main" id="{B3172DCD-A98B-4CBB-B731-981469F70CF4}"/>
               </a:ext>
             </a:extLst>
           </p:cNvPr>
@@ -3605,8 +3717,8 @@
         </p:blipFill>
         <p:spPr>
           <a:xfrm>
-            <a:off x="6096000" y="306057"/>
-            <a:ext cx="6096000" cy="4876800"/>
+            <a:off x="0" y="304800"/>
+            <a:ext cx="6095999" cy="4876799"/>
           </a:xfrm>
           <a:prstGeom prst="rect">
             <a:avLst/>
@@ -3615,10 +3727,10 @@
       </p:pic>
       <p:pic>
         <p:nvPicPr>
-          <p:cNvPr id="14" name="Picture 13">
-            <a:extLst>
-              <a:ext uri="{FF2B5EF4-FFF2-40B4-BE49-F238E27FC236}">
-                <a16:creationId xmlns:a16="http://schemas.microsoft.com/office/drawing/2014/main" id="{4943E1C8-752F-4317-BD0E-33307EDFE41F}"/>
+          <p:cNvPr id="11" name="Picture 10">
+            <a:extLst>
+              <a:ext uri="{FF2B5EF4-FFF2-40B4-BE49-F238E27FC236}">
+                <a16:creationId xmlns:a16="http://schemas.microsoft.com/office/drawing/2014/main" id="{9D4C1F78-7DAC-4A65-97C8-396800C25B3F}"/>
               </a:ext>
             </a:extLst>
           </p:cNvPr>
@@ -3641,8 +3753,8 @@
         </p:blipFill>
         <p:spPr>
           <a:xfrm>
-            <a:off x="0" y="306057"/>
-            <a:ext cx="6096000" cy="4876800"/>
+            <a:off x="6095999" y="304800"/>
+            <a:ext cx="6096002" cy="4876801"/>
           </a:xfrm>
           <a:prstGeom prst="rect">
             <a:avLst/>
@@ -3652,7 +3764,7 @@
     </p:spTree>
     <p:extLst>
       <p:ext uri="{BB962C8B-B14F-4D97-AF65-F5344CB8AC3E}">
-        <p14:creationId xmlns:p14="http://schemas.microsoft.com/office/powerpoint/2010/main" val="3913308983"/>
+        <p14:creationId xmlns:p14="http://schemas.microsoft.com/office/powerpoint/2010/main" val="4129571936"/>
       </p:ext>
     </p:extLst>
   </p:cSld>
@@ -3679,563 +3791,12 @@
           <a:chExt cx="0" cy="0"/>
         </a:xfrm>
       </p:grpSpPr>
-      <p:sp>
-        <p:nvSpPr>
-          <p:cNvPr id="5" name="object 5"/>
-          <p:cNvSpPr txBox="1">
-            <a:spLocks noGrp="1"/>
-          </p:cNvSpPr>
-          <p:nvPr>
-            <p:ph type="title"/>
-          </p:nvPr>
-        </p:nvSpPr>
-        <p:spPr>
-          <a:xfrm>
-            <a:off x="2257343" y="2638038"/>
-            <a:ext cx="7677307" cy="843821"/>
-          </a:xfrm>
-          <a:prstGeom prst="rect">
-            <a:avLst/>
-          </a:prstGeom>
-        </p:spPr>
-        <p:txBody>
-          <a:bodyPr vert="horz" wrap="square" lIns="0" tIns="12700" rIns="0" bIns="0" rtlCol="0">
-            <a:spAutoFit/>
-          </a:bodyPr>
-          <a:lstStyle/>
-          <a:p>
-            <a:pPr marL="12700" algn="ctr">
-              <a:lnSpc>
-                <a:spcPct val="100000"/>
-              </a:lnSpc>
-              <a:spcBef>
-                <a:spcPts val="100"/>
-              </a:spcBef>
-            </a:pPr>
-            <a:r>
-              <a:rPr lang="it-IT" sz="5400" b="0" spc="-5" dirty="0" err="1">
-                <a:latin typeface="Futura"/>
-              </a:rPr>
-              <a:t>Thanks</a:t>
-            </a:r>
-            <a:endParaRPr sz="4800" b="0" spc="-5" dirty="0">
-              <a:latin typeface="Futura"/>
-            </a:endParaRPr>
-          </a:p>
-        </p:txBody>
-      </p:sp>
-      <p:sp>
-        <p:nvSpPr>
-          <p:cNvPr id="6" name="object 6"/>
-          <p:cNvSpPr txBox="1"/>
-          <p:nvPr/>
-        </p:nvSpPr>
-        <p:spPr>
-          <a:xfrm>
-            <a:off x="2646422" y="4600469"/>
-            <a:ext cx="6899150" cy="443711"/>
-          </a:xfrm>
-          <a:prstGeom prst="rect">
-            <a:avLst/>
-          </a:prstGeom>
-        </p:spPr>
-        <p:txBody>
-          <a:bodyPr vert="horz" wrap="square" lIns="0" tIns="12700" rIns="0" bIns="0" rtlCol="0">
-            <a:spAutoFit/>
-          </a:bodyPr>
-          <a:lstStyle/>
-          <a:p>
-            <a:pPr marL="635" algn="ctr">
-              <a:lnSpc>
-                <a:spcPct val="100000"/>
-              </a:lnSpc>
-            </a:pPr>
-            <a:r>
-              <a:rPr lang="it-IT" sz="2800" spc="-5" dirty="0">
-                <a:latin typeface="Futura"/>
-                <a:cs typeface="Trebuchet MS"/>
-              </a:rPr>
-              <a:t>lorenzo.carlassara@mail.polimi.it</a:t>
-            </a:r>
-            <a:endParaRPr lang="it-IT" sz="2800" dirty="0">
-              <a:latin typeface="Futura"/>
-              <a:cs typeface="Trebuchet MS"/>
-            </a:endParaRPr>
-          </a:p>
-        </p:txBody>
-      </p:sp>
-      <p:sp>
-        <p:nvSpPr>
-          <p:cNvPr id="9" name="object 9"/>
-          <p:cNvSpPr txBox="1"/>
-          <p:nvPr/>
-        </p:nvSpPr>
-        <p:spPr>
-          <a:xfrm>
-            <a:off x="0" y="6412179"/>
-            <a:ext cx="12192000" cy="228268"/>
-          </a:xfrm>
-          <a:prstGeom prst="rect">
-            <a:avLst/>
-          </a:prstGeom>
-        </p:spPr>
-        <p:txBody>
-          <a:bodyPr vert="horz" wrap="square" lIns="0" tIns="12700" rIns="0" bIns="0" rtlCol="0">
-            <a:spAutoFit/>
-          </a:bodyPr>
-          <a:lstStyle/>
-          <a:p>
-            <a:pPr marL="12700" algn="ctr">
-              <a:lnSpc>
-                <a:spcPct val="100000"/>
-              </a:lnSpc>
-              <a:spcBef>
-                <a:spcPts val="100"/>
-              </a:spcBef>
-            </a:pPr>
-            <a:r>
-              <a:rPr sz="1400" spc="40" dirty="0">
-                <a:solidFill>
-                  <a:srgbClr val="D9D9D9"/>
-                </a:solidFill>
-                <a:latin typeface="Microsoft Sans Serif"/>
-                <a:cs typeface="Microsoft Sans Serif"/>
-              </a:rPr>
-              <a:t>All</a:t>
-            </a:r>
-            <a:r>
-              <a:rPr sz="1400" spc="-80" dirty="0">
-                <a:solidFill>
-                  <a:srgbClr val="D9D9D9"/>
-                </a:solidFill>
-                <a:latin typeface="Microsoft Sans Serif"/>
-                <a:cs typeface="Microsoft Sans Serif"/>
-              </a:rPr>
-              <a:t> </a:t>
-            </a:r>
-            <a:r>
-              <a:rPr sz="1400" spc="15" dirty="0">
-                <a:solidFill>
-                  <a:srgbClr val="D9D9D9"/>
-                </a:solidFill>
-                <a:latin typeface="Microsoft Sans Serif"/>
-                <a:cs typeface="Microsoft Sans Serif"/>
-              </a:rPr>
-              <a:t>materials</a:t>
-            </a:r>
-            <a:r>
-              <a:rPr sz="1400" spc="-90" dirty="0">
-                <a:solidFill>
-                  <a:srgbClr val="D9D9D9"/>
-                </a:solidFill>
-                <a:latin typeface="Microsoft Sans Serif"/>
-                <a:cs typeface="Microsoft Sans Serif"/>
-              </a:rPr>
-              <a:t> </a:t>
-            </a:r>
-            <a:r>
-              <a:rPr sz="1400" spc="30" dirty="0">
-                <a:solidFill>
-                  <a:srgbClr val="D9D9D9"/>
-                </a:solidFill>
-                <a:latin typeface="Microsoft Sans Serif"/>
-                <a:cs typeface="Microsoft Sans Serif"/>
-              </a:rPr>
-              <a:t>in</a:t>
-            </a:r>
-            <a:r>
-              <a:rPr sz="1400" spc="-65" dirty="0">
-                <a:solidFill>
-                  <a:srgbClr val="D9D9D9"/>
-                </a:solidFill>
-                <a:latin typeface="Microsoft Sans Serif"/>
-                <a:cs typeface="Microsoft Sans Serif"/>
-              </a:rPr>
-              <a:t> </a:t>
-            </a:r>
-            <a:r>
-              <a:rPr sz="1400" spc="40" dirty="0">
-                <a:solidFill>
-                  <a:srgbClr val="D9D9D9"/>
-                </a:solidFill>
-                <a:latin typeface="Microsoft Sans Serif"/>
-                <a:cs typeface="Microsoft Sans Serif"/>
-              </a:rPr>
-              <a:t>this</a:t>
-            </a:r>
-            <a:r>
-              <a:rPr sz="1400" spc="-90" dirty="0">
-                <a:solidFill>
-                  <a:srgbClr val="D9D9D9"/>
-                </a:solidFill>
-                <a:latin typeface="Microsoft Sans Serif"/>
-                <a:cs typeface="Microsoft Sans Serif"/>
-              </a:rPr>
-              <a:t> </a:t>
-            </a:r>
-            <a:r>
-              <a:rPr sz="1400" spc="25" dirty="0">
-                <a:solidFill>
-                  <a:srgbClr val="D9D9D9"/>
-                </a:solidFill>
-                <a:latin typeface="Microsoft Sans Serif"/>
-                <a:cs typeface="Microsoft Sans Serif"/>
-              </a:rPr>
-              <a:t>presentation</a:t>
-            </a:r>
-            <a:r>
-              <a:rPr sz="1400" spc="-90" dirty="0">
-                <a:solidFill>
-                  <a:srgbClr val="D9D9D9"/>
-                </a:solidFill>
-                <a:latin typeface="Microsoft Sans Serif"/>
-                <a:cs typeface="Microsoft Sans Serif"/>
-              </a:rPr>
-              <a:t> </a:t>
-            </a:r>
-            <a:r>
-              <a:rPr sz="1400" spc="10" dirty="0">
-                <a:solidFill>
-                  <a:srgbClr val="D9D9D9"/>
-                </a:solidFill>
-                <a:latin typeface="Microsoft Sans Serif"/>
-                <a:cs typeface="Microsoft Sans Serif"/>
-              </a:rPr>
-              <a:t>are</a:t>
-            </a:r>
-            <a:r>
-              <a:rPr sz="1400" spc="-100" dirty="0">
-                <a:solidFill>
-                  <a:srgbClr val="D9D9D9"/>
-                </a:solidFill>
-                <a:latin typeface="Microsoft Sans Serif"/>
-                <a:cs typeface="Microsoft Sans Serif"/>
-              </a:rPr>
-              <a:t> </a:t>
-            </a:r>
-            <a:r>
-              <a:rPr sz="1400" spc="75" dirty="0">
-                <a:solidFill>
-                  <a:srgbClr val="D9D9D9"/>
-                </a:solidFill>
-                <a:latin typeface="Microsoft Sans Serif"/>
-                <a:cs typeface="Microsoft Sans Serif"/>
-              </a:rPr>
-              <a:t>from</a:t>
-            </a:r>
-            <a:r>
-              <a:rPr sz="1400" spc="-70" dirty="0">
-                <a:solidFill>
-                  <a:srgbClr val="D9D9D9"/>
-                </a:solidFill>
-                <a:latin typeface="Microsoft Sans Serif"/>
-                <a:cs typeface="Microsoft Sans Serif"/>
-              </a:rPr>
-              <a:t> </a:t>
-            </a:r>
-            <a:r>
-              <a:rPr sz="1400" spc="65" dirty="0">
-                <a:solidFill>
-                  <a:srgbClr val="D9D9D9"/>
-                </a:solidFill>
-                <a:latin typeface="Microsoft Sans Serif"/>
-                <a:cs typeface="Microsoft Sans Serif"/>
-              </a:rPr>
-              <a:t>the</a:t>
-            </a:r>
-            <a:r>
-              <a:rPr sz="1400" spc="-90" dirty="0">
-                <a:solidFill>
-                  <a:srgbClr val="D9D9D9"/>
-                </a:solidFill>
-                <a:latin typeface="Microsoft Sans Serif"/>
-                <a:cs typeface="Microsoft Sans Serif"/>
-              </a:rPr>
-              <a:t> </a:t>
-            </a:r>
-            <a:r>
-              <a:rPr sz="1400" spc="20" dirty="0">
-                <a:solidFill>
-                  <a:srgbClr val="D9D9D9"/>
-                </a:solidFill>
-                <a:latin typeface="Microsoft Sans Serif"/>
-                <a:cs typeface="Microsoft Sans Serif"/>
-              </a:rPr>
-              <a:t>public</a:t>
-            </a:r>
-            <a:r>
-              <a:rPr sz="1400" spc="-95" dirty="0">
-                <a:solidFill>
-                  <a:srgbClr val="D9D9D9"/>
-                </a:solidFill>
-                <a:latin typeface="Microsoft Sans Serif"/>
-                <a:cs typeface="Microsoft Sans Serif"/>
-              </a:rPr>
-              <a:t> </a:t>
-            </a:r>
-            <a:r>
-              <a:rPr sz="1400" spc="45" dirty="0">
-                <a:solidFill>
-                  <a:srgbClr val="D9D9D9"/>
-                </a:solidFill>
-                <a:latin typeface="Microsoft Sans Serif"/>
-                <a:cs typeface="Microsoft Sans Serif"/>
-              </a:rPr>
-              <a:t>literature</a:t>
-            </a:r>
-            <a:r>
-              <a:rPr sz="1400" spc="-100" dirty="0">
-                <a:solidFill>
-                  <a:srgbClr val="D9D9D9"/>
-                </a:solidFill>
-                <a:latin typeface="Microsoft Sans Serif"/>
-                <a:cs typeface="Microsoft Sans Serif"/>
-              </a:rPr>
-              <a:t> </a:t>
-            </a:r>
-            <a:r>
-              <a:rPr sz="1400" spc="10" dirty="0">
-                <a:solidFill>
-                  <a:srgbClr val="D9D9D9"/>
-                </a:solidFill>
-                <a:latin typeface="Microsoft Sans Serif"/>
-                <a:cs typeface="Microsoft Sans Serif"/>
-              </a:rPr>
-              <a:t>and</a:t>
-            </a:r>
-            <a:r>
-              <a:rPr sz="1400" spc="-90" dirty="0">
-                <a:solidFill>
-                  <a:srgbClr val="D9D9D9"/>
-                </a:solidFill>
-                <a:latin typeface="Microsoft Sans Serif"/>
-                <a:cs typeface="Microsoft Sans Serif"/>
-              </a:rPr>
-              <a:t> </a:t>
-            </a:r>
-            <a:r>
-              <a:rPr sz="1400" spc="40" dirty="0">
-                <a:solidFill>
-                  <a:srgbClr val="D9D9D9"/>
-                </a:solidFill>
-                <a:latin typeface="Microsoft Sans Serif"/>
-                <a:cs typeface="Microsoft Sans Serif"/>
-              </a:rPr>
-              <a:t>internet.</a:t>
-            </a:r>
-            <a:r>
-              <a:rPr sz="1400" spc="-85" dirty="0">
-                <a:solidFill>
-                  <a:srgbClr val="D9D9D9"/>
-                </a:solidFill>
-                <a:latin typeface="Microsoft Sans Serif"/>
-                <a:cs typeface="Microsoft Sans Serif"/>
-              </a:rPr>
-              <a:t> </a:t>
-            </a:r>
-            <a:r>
-              <a:rPr sz="1400" spc="-45" dirty="0">
-                <a:solidFill>
-                  <a:srgbClr val="D9D9D9"/>
-                </a:solidFill>
-                <a:latin typeface="Microsoft Sans Serif"/>
-                <a:cs typeface="Microsoft Sans Serif"/>
-              </a:rPr>
-              <a:t>Use</a:t>
-            </a:r>
-            <a:r>
-              <a:rPr sz="1400" spc="-85" dirty="0">
-                <a:solidFill>
-                  <a:srgbClr val="D9D9D9"/>
-                </a:solidFill>
-                <a:latin typeface="Microsoft Sans Serif"/>
-                <a:cs typeface="Microsoft Sans Serif"/>
-              </a:rPr>
-              <a:t> </a:t>
-            </a:r>
-            <a:r>
-              <a:rPr sz="1400" spc="20" dirty="0">
-                <a:solidFill>
-                  <a:srgbClr val="D9D9D9"/>
-                </a:solidFill>
-                <a:latin typeface="Microsoft Sans Serif"/>
-                <a:cs typeface="Microsoft Sans Serif"/>
-              </a:rPr>
-              <a:t>herein</a:t>
-            </a:r>
-            <a:r>
-              <a:rPr sz="1400" spc="-105" dirty="0">
-                <a:solidFill>
-                  <a:srgbClr val="D9D9D9"/>
-                </a:solidFill>
-                <a:latin typeface="Microsoft Sans Serif"/>
-                <a:cs typeface="Microsoft Sans Serif"/>
-              </a:rPr>
-              <a:t> </a:t>
-            </a:r>
-            <a:r>
-              <a:rPr sz="1400" spc="100" dirty="0">
-                <a:solidFill>
-                  <a:srgbClr val="D9D9D9"/>
-                </a:solidFill>
-                <a:latin typeface="Microsoft Sans Serif"/>
-                <a:cs typeface="Microsoft Sans Serif"/>
-              </a:rPr>
-              <a:t>of</a:t>
-            </a:r>
-            <a:r>
-              <a:rPr sz="1400" spc="-55" dirty="0">
-                <a:solidFill>
-                  <a:srgbClr val="D9D9D9"/>
-                </a:solidFill>
-                <a:latin typeface="Microsoft Sans Serif"/>
-                <a:cs typeface="Microsoft Sans Serif"/>
-              </a:rPr>
-              <a:t> </a:t>
-            </a:r>
-            <a:r>
-              <a:rPr sz="1400" spc="30" dirty="0">
-                <a:solidFill>
-                  <a:srgbClr val="D9D9D9"/>
-                </a:solidFill>
-                <a:latin typeface="Microsoft Sans Serif"/>
-                <a:cs typeface="Microsoft Sans Serif"/>
-              </a:rPr>
-              <a:t>copyrighted</a:t>
-            </a:r>
-            <a:r>
-              <a:rPr sz="1400" spc="-90" dirty="0">
-                <a:solidFill>
-                  <a:srgbClr val="D9D9D9"/>
-                </a:solidFill>
-                <a:latin typeface="Microsoft Sans Serif"/>
-                <a:cs typeface="Microsoft Sans Serif"/>
-              </a:rPr>
-              <a:t> </a:t>
-            </a:r>
-            <a:r>
-              <a:rPr sz="1400" spc="25" dirty="0">
-                <a:solidFill>
-                  <a:srgbClr val="D9D9D9"/>
-                </a:solidFill>
-                <a:latin typeface="Microsoft Sans Serif"/>
-                <a:cs typeface="Microsoft Sans Serif"/>
-              </a:rPr>
-              <a:t>material</a:t>
-            </a:r>
-            <a:r>
-              <a:rPr sz="1400" spc="-75" dirty="0">
-                <a:solidFill>
-                  <a:srgbClr val="D9D9D9"/>
-                </a:solidFill>
-                <a:latin typeface="Microsoft Sans Serif"/>
-                <a:cs typeface="Microsoft Sans Serif"/>
-              </a:rPr>
-              <a:t> </a:t>
-            </a:r>
-            <a:r>
-              <a:rPr sz="1400" spc="-20" dirty="0">
-                <a:solidFill>
-                  <a:srgbClr val="D9D9D9"/>
-                </a:solidFill>
-                <a:latin typeface="Microsoft Sans Serif"/>
-                <a:cs typeface="Microsoft Sans Serif"/>
-              </a:rPr>
-              <a:t>is</a:t>
-            </a:r>
-            <a:r>
-              <a:rPr sz="1400" spc="-65" dirty="0">
-                <a:solidFill>
-                  <a:srgbClr val="D9D9D9"/>
-                </a:solidFill>
-                <a:latin typeface="Microsoft Sans Serif"/>
-                <a:cs typeface="Microsoft Sans Serif"/>
-              </a:rPr>
-              <a:t> </a:t>
-            </a:r>
-            <a:r>
-              <a:rPr sz="1400" spc="30" dirty="0">
-                <a:solidFill>
-                  <a:srgbClr val="D9D9D9"/>
-                </a:solidFill>
-                <a:latin typeface="Microsoft Sans Serif"/>
-                <a:cs typeface="Microsoft Sans Serif"/>
-              </a:rPr>
-              <a:t>purely</a:t>
-            </a:r>
-            <a:r>
-              <a:rPr sz="1400" spc="-70" dirty="0">
-                <a:solidFill>
-                  <a:srgbClr val="D9D9D9"/>
-                </a:solidFill>
-                <a:latin typeface="Microsoft Sans Serif"/>
-                <a:cs typeface="Microsoft Sans Serif"/>
-              </a:rPr>
-              <a:t> </a:t>
-            </a:r>
-            <a:r>
-              <a:rPr sz="1400" spc="90" dirty="0">
-                <a:solidFill>
-                  <a:srgbClr val="D9D9D9"/>
-                </a:solidFill>
-                <a:latin typeface="Microsoft Sans Serif"/>
-                <a:cs typeface="Microsoft Sans Serif"/>
-              </a:rPr>
-              <a:t>for</a:t>
-            </a:r>
-            <a:r>
-              <a:rPr sz="1400" spc="-55" dirty="0">
-                <a:solidFill>
-                  <a:srgbClr val="D9D9D9"/>
-                </a:solidFill>
-                <a:latin typeface="Microsoft Sans Serif"/>
-                <a:cs typeface="Microsoft Sans Serif"/>
-              </a:rPr>
-              <a:t> </a:t>
-            </a:r>
-            <a:r>
-              <a:rPr sz="1400" spc="-20" dirty="0">
-                <a:solidFill>
-                  <a:srgbClr val="D9D9D9"/>
-                </a:solidFill>
-                <a:latin typeface="Microsoft Sans Serif"/>
-                <a:cs typeface="Microsoft Sans Serif"/>
-              </a:rPr>
-              <a:t>academic</a:t>
-            </a:r>
-            <a:r>
-              <a:rPr sz="1400" spc="-95" dirty="0">
-                <a:solidFill>
-                  <a:srgbClr val="D9D9D9"/>
-                </a:solidFill>
-                <a:latin typeface="Microsoft Sans Serif"/>
-                <a:cs typeface="Microsoft Sans Serif"/>
-              </a:rPr>
-              <a:t> </a:t>
-            </a:r>
-            <a:r>
-              <a:rPr sz="1400" spc="-5" dirty="0">
-                <a:solidFill>
-                  <a:srgbClr val="D9D9D9"/>
-                </a:solidFill>
-                <a:latin typeface="Microsoft Sans Serif"/>
-                <a:cs typeface="Microsoft Sans Serif"/>
-              </a:rPr>
-              <a:t>purposes.</a:t>
-            </a:r>
-            <a:endParaRPr sz="1400" dirty="0">
-              <a:latin typeface="Microsoft Sans Serif"/>
-              <a:cs typeface="Microsoft Sans Serif"/>
-            </a:endParaRPr>
-          </a:p>
-        </p:txBody>
-      </p:sp>
       <p:pic>
         <p:nvPicPr>
-          <p:cNvPr id="11" name="Picture 10">
-            <a:extLst>
-              <a:ext uri="{FF2B5EF4-FFF2-40B4-BE49-F238E27FC236}">
-                <a16:creationId xmlns:a16="http://schemas.microsoft.com/office/drawing/2014/main" id="{82EDC1DE-8F8B-4959-BC5A-5D45BFFED9FC}"/>
+          <p:cNvPr id="7" name="Picture 6">
+            <a:extLst>
+              <a:ext uri="{FF2B5EF4-FFF2-40B4-BE49-F238E27FC236}">
+                <a16:creationId xmlns:a16="http://schemas.microsoft.com/office/drawing/2014/main" id="{B220E16B-DFF0-42A7-836E-E7D494F2B637}"/>
               </a:ext>
             </a:extLst>
           </p:cNvPr>
@@ -4258,7 +3819,7 @@
         </p:blipFill>
         <p:spPr>
           <a:xfrm>
-            <a:off x="11182985" y="412437"/>
+            <a:off x="11506200" y="6172200"/>
             <a:ext cx="628015" cy="628015"/>
           </a:xfrm>
           <a:prstGeom prst="rect">
@@ -4268,10 +3829,10 @@
       </p:pic>
       <p:pic>
         <p:nvPicPr>
-          <p:cNvPr id="7" name="Picture 6">
-            <a:extLst>
-              <a:ext uri="{FF2B5EF4-FFF2-40B4-BE49-F238E27FC236}">
-                <a16:creationId xmlns:a16="http://schemas.microsoft.com/office/drawing/2014/main" id="{4A96D7E9-F63C-41B7-B728-269E10B71812}"/>
+          <p:cNvPr id="8" name="Picture 7">
+            <a:extLst>
+              <a:ext uri="{FF2B5EF4-FFF2-40B4-BE49-F238E27FC236}">
+                <a16:creationId xmlns:a16="http://schemas.microsoft.com/office/drawing/2014/main" id="{C300C08F-7400-4B95-9451-8B73FBF2A62E}"/>
               </a:ext>
             </a:extLst>
           </p:cNvPr>
@@ -4293,8 +3854,80 @@
         </p:blipFill>
         <p:spPr>
           <a:xfrm>
-            <a:off x="374816" y="412437"/>
+            <a:off x="8295" y="6172200"/>
             <a:ext cx="677505" cy="627889"/>
+          </a:xfrm>
+          <a:prstGeom prst="rect">
+            <a:avLst/>
+          </a:prstGeom>
+        </p:spPr>
+      </p:pic>
+      <p:pic>
+        <p:nvPicPr>
+          <p:cNvPr id="13" name="Picture 12">
+            <a:extLst>
+              <a:ext uri="{FF2B5EF4-FFF2-40B4-BE49-F238E27FC236}">
+                <a16:creationId xmlns:a16="http://schemas.microsoft.com/office/drawing/2014/main" id="{919FAF43-7C05-4A02-BB43-C7D0C3A95188}"/>
+              </a:ext>
+            </a:extLst>
+          </p:cNvPr>
+          <p:cNvPicPr>
+            <a:picLocks noChangeAspect="1"/>
+          </p:cNvPicPr>
+          <p:nvPr/>
+        </p:nvPicPr>
+        <p:blipFill>
+          <a:blip r:embed="rId4" cstate="print">
+            <a:extLst>
+              <a:ext uri="{28A0092B-C50C-407E-A947-70E740481C1C}">
+                <a14:useLocalDpi xmlns:a14="http://schemas.microsoft.com/office/drawing/2010/main" val="0"/>
+              </a:ext>
+            </a:extLst>
+          </a:blip>
+          <a:stretch>
+            <a:fillRect/>
+          </a:stretch>
+        </p:blipFill>
+        <p:spPr>
+          <a:xfrm>
+            <a:off x="6096000" y="306057"/>
+            <a:ext cx="6096000" cy="4876800"/>
+          </a:xfrm>
+          <a:prstGeom prst="rect">
+            <a:avLst/>
+          </a:prstGeom>
+        </p:spPr>
+      </p:pic>
+      <p:pic>
+        <p:nvPicPr>
+          <p:cNvPr id="14" name="Picture 13">
+            <a:extLst>
+              <a:ext uri="{FF2B5EF4-FFF2-40B4-BE49-F238E27FC236}">
+                <a16:creationId xmlns:a16="http://schemas.microsoft.com/office/drawing/2014/main" id="{4943E1C8-752F-4317-BD0E-33307EDFE41F}"/>
+              </a:ext>
+            </a:extLst>
+          </p:cNvPr>
+          <p:cNvPicPr>
+            <a:picLocks noChangeAspect="1"/>
+          </p:cNvPicPr>
+          <p:nvPr/>
+        </p:nvPicPr>
+        <p:blipFill>
+          <a:blip r:embed="rId5" cstate="print">
+            <a:extLst>
+              <a:ext uri="{28A0092B-C50C-407E-A947-70E740481C1C}">
+                <a14:useLocalDpi xmlns:a14="http://schemas.microsoft.com/office/drawing/2010/main" val="0"/>
+              </a:ext>
+            </a:extLst>
+          </a:blip>
+          <a:stretch>
+            <a:fillRect/>
+          </a:stretch>
+        </p:blipFill>
+        <p:spPr>
+          <a:xfrm>
+            <a:off x="0" y="306057"/>
+            <a:ext cx="6096000" cy="4876800"/>
           </a:xfrm>
           <a:prstGeom prst="rect">
             <a:avLst/>
@@ -4304,7 +3937,849 @@
     </p:spTree>
     <p:extLst>
       <p:ext uri="{BB962C8B-B14F-4D97-AF65-F5344CB8AC3E}">
-        <p14:creationId xmlns:p14="http://schemas.microsoft.com/office/powerpoint/2010/main" val="2627992545"/>
+        <p14:creationId xmlns:p14="http://schemas.microsoft.com/office/powerpoint/2010/main" val="3913308983"/>
+      </p:ext>
+    </p:extLst>
+  </p:cSld>
+  <p:clrMapOvr>
+    <a:masterClrMapping/>
+  </p:clrMapOvr>
+</p:sld>
+</file>
+
+<file path=ppt/slides/slide17.xml><?xml version="1.0" encoding="utf-8"?>
+<p:sld xmlns:a="http://schemas.openxmlformats.org/drawingml/2006/main" xmlns:r="http://schemas.openxmlformats.org/officeDocument/2006/relationships" xmlns:p="http://schemas.openxmlformats.org/presentationml/2006/main" showMasterSp="0">
+  <p:cSld>
+    <p:spTree>
+      <p:nvGrpSpPr>
+        <p:cNvPr id="1" name=""/>
+        <p:cNvGrpSpPr/>
+        <p:nvPr/>
+      </p:nvGrpSpPr>
+      <p:grpSpPr>
+        <a:xfrm>
+          <a:off x="0" y="0"/>
+          <a:ext cx="0" cy="0"/>
+          <a:chOff x="0" y="0"/>
+          <a:chExt cx="0" cy="0"/>
+        </a:xfrm>
+      </p:grpSpPr>
+      <p:sp>
+        <p:nvSpPr>
+          <p:cNvPr id="18" name="Rectangle 17">
+            <a:extLst>
+              <a:ext uri="{FF2B5EF4-FFF2-40B4-BE49-F238E27FC236}">
+                <a16:creationId xmlns:a16="http://schemas.microsoft.com/office/drawing/2014/main" id="{00681E6F-C40A-4ED0-9D53-D34104B4964F}"/>
+              </a:ext>
+            </a:extLst>
+          </p:cNvPr>
+          <p:cNvSpPr/>
+          <p:nvPr/>
+        </p:nvSpPr>
+        <p:spPr>
+          <a:xfrm>
+            <a:off x="228600" y="6359452"/>
+            <a:ext cx="2063385" cy="338554"/>
+          </a:xfrm>
+          <a:prstGeom prst="rect">
+            <a:avLst/>
+          </a:prstGeom>
+        </p:spPr>
+        <p:txBody>
+          <a:bodyPr wrap="none">
+            <a:spAutoFit/>
+          </a:bodyPr>
+          <a:lstStyle/>
+          <a:p>
+            <a:r>
+              <a:rPr lang="it-IT" sz="1600">
+                <a:latin typeface="Futura"/>
+                <a:ea typeface="Microsoft Sans Serif" panose="020B0604020202020204" pitchFamily="34" charset="0"/>
+                <a:cs typeface="Microsoft Sans Serif" panose="020B0604020202020204" pitchFamily="34" charset="0"/>
+              </a:rPr>
+              <a:t>Lorenzo Carlassara</a:t>
+            </a:r>
+            <a:endParaRPr lang="it-IT" sz="1600" dirty="0">
+              <a:latin typeface="Futura"/>
+              <a:ea typeface="Microsoft Sans Serif" panose="020B0604020202020204" pitchFamily="34" charset="0"/>
+              <a:cs typeface="Microsoft Sans Serif" panose="020B0604020202020204" pitchFamily="34" charset="0"/>
+            </a:endParaRPr>
+          </a:p>
+        </p:txBody>
+      </p:sp>
+      <p:pic>
+        <p:nvPicPr>
+          <p:cNvPr id="19" name="Picture 18">
+            <a:extLst>
+              <a:ext uri="{FF2B5EF4-FFF2-40B4-BE49-F238E27FC236}">
+                <a16:creationId xmlns:a16="http://schemas.microsoft.com/office/drawing/2014/main" id="{B2B2A884-A15F-4E1B-9F93-24E6A16C5246}"/>
+              </a:ext>
+            </a:extLst>
+          </p:cNvPr>
+          <p:cNvPicPr>
+            <a:picLocks noChangeAspect="1"/>
+          </p:cNvPicPr>
+          <p:nvPr/>
+        </p:nvPicPr>
+        <p:blipFill rotWithShape="1">
+          <a:blip r:embed="rId2">
+            <a:extLst>
+              <a:ext uri="{28A0092B-C50C-407E-A947-70E740481C1C}">
+                <a14:useLocalDpi xmlns:a14="http://schemas.microsoft.com/office/drawing/2010/main" val="0"/>
+              </a:ext>
+            </a:extLst>
+          </a:blip>
+          <a:srcRect l="25190" r="25955" b="38216"/>
+          <a:stretch/>
+        </p:blipFill>
+        <p:spPr>
+          <a:xfrm>
+            <a:off x="10734080" y="6172326"/>
+            <a:ext cx="677505" cy="627889"/>
+          </a:xfrm>
+          <a:prstGeom prst="rect">
+            <a:avLst/>
+          </a:prstGeom>
+        </p:spPr>
+      </p:pic>
+      <p:pic>
+        <p:nvPicPr>
+          <p:cNvPr id="20" name="Picture 19">
+            <a:extLst>
+              <a:ext uri="{FF2B5EF4-FFF2-40B4-BE49-F238E27FC236}">
+                <a16:creationId xmlns:a16="http://schemas.microsoft.com/office/drawing/2014/main" id="{1DBAE88E-FFC9-4BC0-9DE5-9B7CA7691256}"/>
+              </a:ext>
+            </a:extLst>
+          </p:cNvPr>
+          <p:cNvPicPr>
+            <a:picLocks noChangeAspect="1"/>
+          </p:cNvPicPr>
+          <p:nvPr/>
+        </p:nvPicPr>
+        <p:blipFill>
+          <a:blip r:embed="rId3" cstate="print">
+            <a:extLst>
+              <a:ext uri="{28A0092B-C50C-407E-A947-70E740481C1C}">
+                <a14:useLocalDpi xmlns:a14="http://schemas.microsoft.com/office/drawing/2010/main" val="0"/>
+              </a:ext>
+            </a:extLst>
+          </a:blip>
+          <a:stretch>
+            <a:fillRect/>
+          </a:stretch>
+        </p:blipFill>
+        <p:spPr>
+          <a:xfrm>
+            <a:off x="11506200" y="6172200"/>
+            <a:ext cx="628015" cy="628015"/>
+          </a:xfrm>
+          <a:prstGeom prst="rect">
+            <a:avLst/>
+          </a:prstGeom>
+        </p:spPr>
+      </p:pic>
+      <p:sp>
+        <p:nvSpPr>
+          <p:cNvPr id="21" name="Textfeld 99">
+            <a:extLst>
+              <a:ext uri="{FF2B5EF4-FFF2-40B4-BE49-F238E27FC236}">
+                <a16:creationId xmlns:a16="http://schemas.microsoft.com/office/drawing/2014/main" id="{0803C2D1-1B12-4681-99BA-94ACF45F635F}"/>
+              </a:ext>
+            </a:extLst>
+          </p:cNvPr>
+          <p:cNvSpPr txBox="1"/>
+          <p:nvPr/>
+        </p:nvSpPr>
+        <p:spPr>
+          <a:xfrm>
+            <a:off x="-10886" y="152400"/>
+            <a:ext cx="12192000" cy="353943"/>
+          </a:xfrm>
+          <a:prstGeom prst="rect">
+            <a:avLst/>
+          </a:prstGeom>
+          <a:noFill/>
+        </p:spPr>
+        <p:txBody>
+          <a:bodyPr wrap="square" rtlCol="0">
+            <a:spAutoFit/>
+          </a:bodyPr>
+          <a:lstStyle/>
+          <a:p>
+            <a:pPr algn="ctr"/>
+            <a:r>
+              <a:rPr lang="en-US" sz="1700" dirty="0">
+                <a:latin typeface="Futura"/>
+                <a:cs typeface="Times New Roman" panose="02020603050405020304" pitchFamily="18" charset="0"/>
+              </a:rPr>
+              <a:t>Active learning method</a:t>
+            </a:r>
+            <a:r>
+              <a:rPr lang="de-DE" sz="1700" dirty="0">
+                <a:latin typeface="Futura"/>
+                <a:cs typeface="Times New Roman" panose="02020603050405020304" pitchFamily="18" charset="0"/>
+              </a:rPr>
+              <a:t> </a:t>
+            </a:r>
+            <a:r>
+              <a:rPr lang="en-US" sz="1700" dirty="0">
+                <a:latin typeface="Futura"/>
+                <a:cs typeface="Times New Roman" panose="02020603050405020304" pitchFamily="18" charset="0"/>
+              </a:rPr>
+              <a:t>for</a:t>
+            </a:r>
+            <a:r>
+              <a:rPr lang="de-DE" sz="1700" dirty="0">
+                <a:latin typeface="Futura"/>
+                <a:cs typeface="Times New Roman" panose="02020603050405020304" pitchFamily="18" charset="0"/>
+              </a:rPr>
+              <a:t> </a:t>
+            </a:r>
+            <a:r>
+              <a:rPr lang="en-US" sz="1700" dirty="0">
+                <a:latin typeface="Futura"/>
+                <a:cs typeface="Times New Roman" panose="02020603050405020304" pitchFamily="18" charset="0"/>
+              </a:rPr>
+              <a:t>Virtual Support Vector Machine with self-learning constraints + random</a:t>
+            </a:r>
+            <a:endParaRPr lang="de-DE" sz="1700" dirty="0">
+              <a:latin typeface="Futura"/>
+              <a:cs typeface="Times New Roman" panose="02020603050405020304" pitchFamily="18" charset="0"/>
+            </a:endParaRPr>
+          </a:p>
+        </p:txBody>
+      </p:sp>
+      <p:pic>
+        <p:nvPicPr>
+          <p:cNvPr id="3" name="Picture 2">
+            <a:extLst>
+              <a:ext uri="{FF2B5EF4-FFF2-40B4-BE49-F238E27FC236}">
+                <a16:creationId xmlns:a16="http://schemas.microsoft.com/office/drawing/2014/main" id="{A918C22C-16AD-4BE0-BD07-20F14AF6C802}"/>
+              </a:ext>
+            </a:extLst>
+          </p:cNvPr>
+          <p:cNvPicPr>
+            <a:picLocks noChangeAspect="1"/>
+          </p:cNvPicPr>
+          <p:nvPr/>
+        </p:nvPicPr>
+        <p:blipFill>
+          <a:blip r:embed="rId4">
+            <a:extLst>
+              <a:ext uri="{28A0092B-C50C-407E-A947-70E740481C1C}">
+                <a14:useLocalDpi xmlns:a14="http://schemas.microsoft.com/office/drawing/2010/main" val="0"/>
+              </a:ext>
+            </a:extLst>
+          </a:blip>
+          <a:stretch>
+            <a:fillRect/>
+          </a:stretch>
+        </p:blipFill>
+        <p:spPr>
+          <a:xfrm>
+            <a:off x="12107" y="1295400"/>
+            <a:ext cx="7633140" cy="3810000"/>
+          </a:xfrm>
+          <a:prstGeom prst="rect">
+            <a:avLst/>
+          </a:prstGeom>
+        </p:spPr>
+      </p:pic>
+      <p:pic>
+        <p:nvPicPr>
+          <p:cNvPr id="4" name="Picture 3">
+            <a:extLst>
+              <a:ext uri="{FF2B5EF4-FFF2-40B4-BE49-F238E27FC236}">
+                <a16:creationId xmlns:a16="http://schemas.microsoft.com/office/drawing/2014/main" id="{ABB13B4E-30E3-4960-87F8-43447B9E4F93}"/>
+              </a:ext>
+            </a:extLst>
+          </p:cNvPr>
+          <p:cNvPicPr>
+            <a:picLocks noChangeAspect="1"/>
+          </p:cNvPicPr>
+          <p:nvPr/>
+        </p:nvPicPr>
+        <p:blipFill rotWithShape="1">
+          <a:blip r:embed="rId5"/>
+          <a:srcRect t="983" b="1"/>
+          <a:stretch/>
+        </p:blipFill>
+        <p:spPr>
+          <a:xfrm>
+            <a:off x="7651686" y="1304925"/>
+            <a:ext cx="4529428" cy="3048000"/>
+          </a:xfrm>
+          <a:prstGeom prst="rect">
+            <a:avLst/>
+          </a:prstGeom>
+        </p:spPr>
+      </p:pic>
+    </p:spTree>
+    <p:extLst>
+      <p:ext uri="{BB962C8B-B14F-4D97-AF65-F5344CB8AC3E}">
+        <p14:creationId xmlns:p14="http://schemas.microsoft.com/office/powerpoint/2010/main" val="165334755"/>
+      </p:ext>
+    </p:extLst>
+  </p:cSld>
+  <p:clrMapOvr>
+    <a:masterClrMapping/>
+  </p:clrMapOvr>
+</p:sld>
+</file>
+
+<file path=ppt/slides/slide18.xml><?xml version="1.0" encoding="utf-8"?>
+<p:sld xmlns:a="http://schemas.openxmlformats.org/drawingml/2006/main" xmlns:r="http://schemas.openxmlformats.org/officeDocument/2006/relationships" xmlns:p="http://schemas.openxmlformats.org/presentationml/2006/main" showMasterSp="0">
+  <p:cSld>
+    <p:spTree>
+      <p:nvGrpSpPr>
+        <p:cNvPr id="1" name=""/>
+        <p:cNvGrpSpPr/>
+        <p:nvPr/>
+      </p:nvGrpSpPr>
+      <p:grpSpPr>
+        <a:xfrm>
+          <a:off x="0" y="0"/>
+          <a:ext cx="0" cy="0"/>
+          <a:chOff x="0" y="0"/>
+          <a:chExt cx="0" cy="0"/>
+        </a:xfrm>
+      </p:grpSpPr>
+      <p:sp>
+        <p:nvSpPr>
+          <p:cNvPr id="18" name="Rectangle 17">
+            <a:extLst>
+              <a:ext uri="{FF2B5EF4-FFF2-40B4-BE49-F238E27FC236}">
+                <a16:creationId xmlns:a16="http://schemas.microsoft.com/office/drawing/2014/main" id="{00681E6F-C40A-4ED0-9D53-D34104B4964F}"/>
+              </a:ext>
+            </a:extLst>
+          </p:cNvPr>
+          <p:cNvSpPr/>
+          <p:nvPr/>
+        </p:nvSpPr>
+        <p:spPr>
+          <a:xfrm>
+            <a:off x="228600" y="6359452"/>
+            <a:ext cx="2063385" cy="338554"/>
+          </a:xfrm>
+          <a:prstGeom prst="rect">
+            <a:avLst/>
+          </a:prstGeom>
+        </p:spPr>
+        <p:txBody>
+          <a:bodyPr wrap="none">
+            <a:spAutoFit/>
+          </a:bodyPr>
+          <a:lstStyle/>
+          <a:p>
+            <a:r>
+              <a:rPr lang="it-IT" sz="1600">
+                <a:latin typeface="Futura"/>
+                <a:ea typeface="Microsoft Sans Serif" panose="020B0604020202020204" pitchFamily="34" charset="0"/>
+                <a:cs typeface="Microsoft Sans Serif" panose="020B0604020202020204" pitchFamily="34" charset="0"/>
+              </a:rPr>
+              <a:t>Lorenzo Carlassara</a:t>
+            </a:r>
+            <a:endParaRPr lang="it-IT" sz="1600" dirty="0">
+              <a:latin typeface="Futura"/>
+              <a:ea typeface="Microsoft Sans Serif" panose="020B0604020202020204" pitchFamily="34" charset="0"/>
+              <a:cs typeface="Microsoft Sans Serif" panose="020B0604020202020204" pitchFamily="34" charset="0"/>
+            </a:endParaRPr>
+          </a:p>
+        </p:txBody>
+      </p:sp>
+      <p:pic>
+        <p:nvPicPr>
+          <p:cNvPr id="19" name="Picture 18">
+            <a:extLst>
+              <a:ext uri="{FF2B5EF4-FFF2-40B4-BE49-F238E27FC236}">
+                <a16:creationId xmlns:a16="http://schemas.microsoft.com/office/drawing/2014/main" id="{B2B2A884-A15F-4E1B-9F93-24E6A16C5246}"/>
+              </a:ext>
+            </a:extLst>
+          </p:cNvPr>
+          <p:cNvPicPr>
+            <a:picLocks noChangeAspect="1"/>
+          </p:cNvPicPr>
+          <p:nvPr/>
+        </p:nvPicPr>
+        <p:blipFill rotWithShape="1">
+          <a:blip r:embed="rId2">
+            <a:extLst>
+              <a:ext uri="{28A0092B-C50C-407E-A947-70E740481C1C}">
+                <a14:useLocalDpi xmlns:a14="http://schemas.microsoft.com/office/drawing/2010/main" val="0"/>
+              </a:ext>
+            </a:extLst>
+          </a:blip>
+          <a:srcRect l="25190" r="25955" b="38216"/>
+          <a:stretch/>
+        </p:blipFill>
+        <p:spPr>
+          <a:xfrm>
+            <a:off x="10734080" y="6172326"/>
+            <a:ext cx="677505" cy="627889"/>
+          </a:xfrm>
+          <a:prstGeom prst="rect">
+            <a:avLst/>
+          </a:prstGeom>
+        </p:spPr>
+      </p:pic>
+      <p:pic>
+        <p:nvPicPr>
+          <p:cNvPr id="20" name="Picture 19">
+            <a:extLst>
+              <a:ext uri="{FF2B5EF4-FFF2-40B4-BE49-F238E27FC236}">
+                <a16:creationId xmlns:a16="http://schemas.microsoft.com/office/drawing/2014/main" id="{1DBAE88E-FFC9-4BC0-9DE5-9B7CA7691256}"/>
+              </a:ext>
+            </a:extLst>
+          </p:cNvPr>
+          <p:cNvPicPr>
+            <a:picLocks noChangeAspect="1"/>
+          </p:cNvPicPr>
+          <p:nvPr/>
+        </p:nvPicPr>
+        <p:blipFill>
+          <a:blip r:embed="rId3" cstate="print">
+            <a:extLst>
+              <a:ext uri="{28A0092B-C50C-407E-A947-70E740481C1C}">
+                <a14:useLocalDpi xmlns:a14="http://schemas.microsoft.com/office/drawing/2010/main" val="0"/>
+              </a:ext>
+            </a:extLst>
+          </a:blip>
+          <a:stretch>
+            <a:fillRect/>
+          </a:stretch>
+        </p:blipFill>
+        <p:spPr>
+          <a:xfrm>
+            <a:off x="11506200" y="6172200"/>
+            <a:ext cx="628015" cy="628015"/>
+          </a:xfrm>
+          <a:prstGeom prst="rect">
+            <a:avLst/>
+          </a:prstGeom>
+        </p:spPr>
+      </p:pic>
+      <p:sp>
+        <p:nvSpPr>
+          <p:cNvPr id="21" name="Textfeld 99">
+            <a:extLst>
+              <a:ext uri="{FF2B5EF4-FFF2-40B4-BE49-F238E27FC236}">
+                <a16:creationId xmlns:a16="http://schemas.microsoft.com/office/drawing/2014/main" id="{0803C2D1-1B12-4681-99BA-94ACF45F635F}"/>
+              </a:ext>
+            </a:extLst>
+          </p:cNvPr>
+          <p:cNvSpPr txBox="1"/>
+          <p:nvPr/>
+        </p:nvSpPr>
+        <p:spPr>
+          <a:xfrm>
+            <a:off x="-10886" y="152400"/>
+            <a:ext cx="12192000" cy="353943"/>
+          </a:xfrm>
+          <a:prstGeom prst="rect">
+            <a:avLst/>
+          </a:prstGeom>
+          <a:noFill/>
+        </p:spPr>
+        <p:txBody>
+          <a:bodyPr wrap="square" rtlCol="0">
+            <a:spAutoFit/>
+          </a:bodyPr>
+          <a:lstStyle/>
+          <a:p>
+            <a:pPr algn="ctr"/>
+            <a:r>
+              <a:rPr lang="en-US" sz="1700" dirty="0">
+                <a:latin typeface="Futura"/>
+                <a:cs typeface="Times New Roman" panose="02020603050405020304" pitchFamily="18" charset="0"/>
+              </a:rPr>
+              <a:t>Active learning method</a:t>
+            </a:r>
+            <a:r>
+              <a:rPr lang="de-DE" sz="1700" dirty="0">
+                <a:latin typeface="Futura"/>
+                <a:cs typeface="Times New Roman" panose="02020603050405020304" pitchFamily="18" charset="0"/>
+              </a:rPr>
+              <a:t> </a:t>
+            </a:r>
+            <a:r>
+              <a:rPr lang="en-US" sz="1700" dirty="0">
+                <a:latin typeface="Futura"/>
+                <a:cs typeface="Times New Roman" panose="02020603050405020304" pitchFamily="18" charset="0"/>
+              </a:rPr>
+              <a:t>for</a:t>
+            </a:r>
+            <a:r>
+              <a:rPr lang="de-DE" sz="1700" dirty="0">
+                <a:latin typeface="Futura"/>
+                <a:cs typeface="Times New Roman" panose="02020603050405020304" pitchFamily="18" charset="0"/>
+              </a:rPr>
+              <a:t> </a:t>
+            </a:r>
+            <a:r>
+              <a:rPr lang="en-US" sz="1700" dirty="0">
+                <a:latin typeface="Futura"/>
+                <a:cs typeface="Times New Roman" panose="02020603050405020304" pitchFamily="18" charset="0"/>
+              </a:rPr>
+              <a:t>Virtual Support Vector Machine with self-learning constraints + SEMI</a:t>
+            </a:r>
+            <a:endParaRPr lang="de-DE" sz="1700" dirty="0">
+              <a:latin typeface="Futura"/>
+              <a:cs typeface="Times New Roman" panose="02020603050405020304" pitchFamily="18" charset="0"/>
+            </a:endParaRPr>
+          </a:p>
+        </p:txBody>
+      </p:sp>
+      <p:pic>
+        <p:nvPicPr>
+          <p:cNvPr id="3" name="Picture 2">
+            <a:extLst>
+              <a:ext uri="{FF2B5EF4-FFF2-40B4-BE49-F238E27FC236}">
+                <a16:creationId xmlns:a16="http://schemas.microsoft.com/office/drawing/2014/main" id="{90B569EF-A3FA-4475-A6AF-5F666E97F977}"/>
+              </a:ext>
+            </a:extLst>
+          </p:cNvPr>
+          <p:cNvPicPr>
+            <a:picLocks noChangeAspect="1"/>
+          </p:cNvPicPr>
+          <p:nvPr/>
+        </p:nvPicPr>
+        <p:blipFill>
+          <a:blip r:embed="rId4">
+            <a:extLst>
+              <a:ext uri="{28A0092B-C50C-407E-A947-70E740481C1C}">
+                <a14:useLocalDpi xmlns:a14="http://schemas.microsoft.com/office/drawing/2010/main" val="0"/>
+              </a:ext>
+            </a:extLst>
+          </a:blip>
+          <a:stretch>
+            <a:fillRect/>
+          </a:stretch>
+        </p:blipFill>
+        <p:spPr>
+          <a:xfrm>
+            <a:off x="-3613" y="1295400"/>
+            <a:ext cx="7633138" cy="3810000"/>
+          </a:xfrm>
+          <a:prstGeom prst="rect">
+            <a:avLst/>
+          </a:prstGeom>
+        </p:spPr>
+      </p:pic>
+      <p:pic>
+        <p:nvPicPr>
+          <p:cNvPr id="4" name="Picture 3">
+            <a:extLst>
+              <a:ext uri="{FF2B5EF4-FFF2-40B4-BE49-F238E27FC236}">
+                <a16:creationId xmlns:a16="http://schemas.microsoft.com/office/drawing/2014/main" id="{0C8E7642-A736-41DC-BA17-88C8B8E650DD}"/>
+              </a:ext>
+            </a:extLst>
+          </p:cNvPr>
+          <p:cNvPicPr>
+            <a:picLocks noChangeAspect="1"/>
+          </p:cNvPicPr>
+          <p:nvPr/>
+        </p:nvPicPr>
+        <p:blipFill>
+          <a:blip r:embed="rId5"/>
+          <a:stretch>
+            <a:fillRect/>
+          </a:stretch>
+        </p:blipFill>
+        <p:spPr>
+          <a:xfrm>
+            <a:off x="7629526" y="1295400"/>
+            <a:ext cx="4552950" cy="3991714"/>
+          </a:xfrm>
+          <a:prstGeom prst="rect">
+            <a:avLst/>
+          </a:prstGeom>
+        </p:spPr>
+      </p:pic>
+    </p:spTree>
+    <p:extLst>
+      <p:ext uri="{BB962C8B-B14F-4D97-AF65-F5344CB8AC3E}">
+        <p14:creationId xmlns:p14="http://schemas.microsoft.com/office/powerpoint/2010/main" val="2608323002"/>
+      </p:ext>
+    </p:extLst>
+  </p:cSld>
+  <p:clrMapOvr>
+    <a:masterClrMapping/>
+  </p:clrMapOvr>
+</p:sld>
+</file>
+
+<file path=ppt/slides/slide19.xml><?xml version="1.0" encoding="utf-8"?>
+<p:sld xmlns:a="http://schemas.openxmlformats.org/drawingml/2006/main" xmlns:r="http://schemas.openxmlformats.org/officeDocument/2006/relationships" xmlns:p="http://schemas.openxmlformats.org/presentationml/2006/main" showMasterSp="0">
+  <p:cSld>
+    <p:spTree>
+      <p:nvGrpSpPr>
+        <p:cNvPr id="1" name=""/>
+        <p:cNvGrpSpPr/>
+        <p:nvPr/>
+      </p:nvGrpSpPr>
+      <p:grpSpPr>
+        <a:xfrm>
+          <a:off x="0" y="0"/>
+          <a:ext cx="0" cy="0"/>
+          <a:chOff x="0" y="0"/>
+          <a:chExt cx="0" cy="0"/>
+        </a:xfrm>
+      </p:grpSpPr>
+      <p:sp>
+        <p:nvSpPr>
+          <p:cNvPr id="18" name="Rectangle 17">
+            <a:extLst>
+              <a:ext uri="{FF2B5EF4-FFF2-40B4-BE49-F238E27FC236}">
+                <a16:creationId xmlns:a16="http://schemas.microsoft.com/office/drawing/2014/main" id="{00681E6F-C40A-4ED0-9D53-D34104B4964F}"/>
+              </a:ext>
+            </a:extLst>
+          </p:cNvPr>
+          <p:cNvSpPr/>
+          <p:nvPr/>
+        </p:nvSpPr>
+        <p:spPr>
+          <a:xfrm>
+            <a:off x="228600" y="6359452"/>
+            <a:ext cx="2063385" cy="338554"/>
+          </a:xfrm>
+          <a:prstGeom prst="rect">
+            <a:avLst/>
+          </a:prstGeom>
+        </p:spPr>
+        <p:txBody>
+          <a:bodyPr wrap="none">
+            <a:spAutoFit/>
+          </a:bodyPr>
+          <a:lstStyle/>
+          <a:p>
+            <a:r>
+              <a:rPr lang="it-IT" sz="1600">
+                <a:latin typeface="Futura"/>
+                <a:ea typeface="Microsoft Sans Serif" panose="020B0604020202020204" pitchFamily="34" charset="0"/>
+                <a:cs typeface="Microsoft Sans Serif" panose="020B0604020202020204" pitchFamily="34" charset="0"/>
+              </a:rPr>
+              <a:t>Lorenzo Carlassara</a:t>
+            </a:r>
+            <a:endParaRPr lang="it-IT" sz="1600" dirty="0">
+              <a:latin typeface="Futura"/>
+              <a:ea typeface="Microsoft Sans Serif" panose="020B0604020202020204" pitchFamily="34" charset="0"/>
+              <a:cs typeface="Microsoft Sans Serif" panose="020B0604020202020204" pitchFamily="34" charset="0"/>
+            </a:endParaRPr>
+          </a:p>
+        </p:txBody>
+      </p:sp>
+      <p:pic>
+        <p:nvPicPr>
+          <p:cNvPr id="19" name="Picture 18">
+            <a:extLst>
+              <a:ext uri="{FF2B5EF4-FFF2-40B4-BE49-F238E27FC236}">
+                <a16:creationId xmlns:a16="http://schemas.microsoft.com/office/drawing/2014/main" id="{B2B2A884-A15F-4E1B-9F93-24E6A16C5246}"/>
+              </a:ext>
+            </a:extLst>
+          </p:cNvPr>
+          <p:cNvPicPr>
+            <a:picLocks noChangeAspect="1"/>
+          </p:cNvPicPr>
+          <p:nvPr/>
+        </p:nvPicPr>
+        <p:blipFill rotWithShape="1">
+          <a:blip r:embed="rId2">
+            <a:extLst>
+              <a:ext uri="{28A0092B-C50C-407E-A947-70E740481C1C}">
+                <a14:useLocalDpi xmlns:a14="http://schemas.microsoft.com/office/drawing/2010/main" val="0"/>
+              </a:ext>
+            </a:extLst>
+          </a:blip>
+          <a:srcRect l="25190" r="25955" b="38216"/>
+          <a:stretch/>
+        </p:blipFill>
+        <p:spPr>
+          <a:xfrm>
+            <a:off x="10734080" y="6172326"/>
+            <a:ext cx="677505" cy="627889"/>
+          </a:xfrm>
+          <a:prstGeom prst="rect">
+            <a:avLst/>
+          </a:prstGeom>
+        </p:spPr>
+      </p:pic>
+      <p:pic>
+        <p:nvPicPr>
+          <p:cNvPr id="20" name="Picture 19">
+            <a:extLst>
+              <a:ext uri="{FF2B5EF4-FFF2-40B4-BE49-F238E27FC236}">
+                <a16:creationId xmlns:a16="http://schemas.microsoft.com/office/drawing/2014/main" id="{1DBAE88E-FFC9-4BC0-9DE5-9B7CA7691256}"/>
+              </a:ext>
+            </a:extLst>
+          </p:cNvPr>
+          <p:cNvPicPr>
+            <a:picLocks noChangeAspect="1"/>
+          </p:cNvPicPr>
+          <p:nvPr/>
+        </p:nvPicPr>
+        <p:blipFill>
+          <a:blip r:embed="rId3" cstate="print">
+            <a:extLst>
+              <a:ext uri="{28A0092B-C50C-407E-A947-70E740481C1C}">
+                <a14:useLocalDpi xmlns:a14="http://schemas.microsoft.com/office/drawing/2010/main" val="0"/>
+              </a:ext>
+            </a:extLst>
+          </a:blip>
+          <a:stretch>
+            <a:fillRect/>
+          </a:stretch>
+        </p:blipFill>
+        <p:spPr>
+          <a:xfrm>
+            <a:off x="11506200" y="6172200"/>
+            <a:ext cx="628015" cy="628015"/>
+          </a:xfrm>
+          <a:prstGeom prst="rect">
+            <a:avLst/>
+          </a:prstGeom>
+        </p:spPr>
+      </p:pic>
+      <p:sp>
+        <p:nvSpPr>
+          <p:cNvPr id="21" name="Textfeld 99">
+            <a:extLst>
+              <a:ext uri="{FF2B5EF4-FFF2-40B4-BE49-F238E27FC236}">
+                <a16:creationId xmlns:a16="http://schemas.microsoft.com/office/drawing/2014/main" id="{0803C2D1-1B12-4681-99BA-94ACF45F635F}"/>
+              </a:ext>
+            </a:extLst>
+          </p:cNvPr>
+          <p:cNvSpPr txBox="1"/>
+          <p:nvPr/>
+        </p:nvSpPr>
+        <p:spPr>
+          <a:xfrm>
+            <a:off x="-10886" y="152400"/>
+            <a:ext cx="12192000" cy="353943"/>
+          </a:xfrm>
+          <a:prstGeom prst="rect">
+            <a:avLst/>
+          </a:prstGeom>
+          <a:noFill/>
+        </p:spPr>
+        <p:txBody>
+          <a:bodyPr wrap="square" rtlCol="0">
+            <a:spAutoFit/>
+          </a:bodyPr>
+          <a:lstStyle/>
+          <a:p>
+            <a:pPr algn="ctr"/>
+            <a:r>
+              <a:rPr lang="en-US" sz="1700">
+                <a:latin typeface="Futura"/>
+                <a:cs typeface="Times New Roman" panose="02020603050405020304" pitchFamily="18" charset="0"/>
+              </a:rPr>
+              <a:t>Active learning method</a:t>
+            </a:r>
+            <a:r>
+              <a:rPr lang="de-DE" sz="1700">
+                <a:latin typeface="Futura"/>
+                <a:cs typeface="Times New Roman" panose="02020603050405020304" pitchFamily="18" charset="0"/>
+              </a:rPr>
+              <a:t> </a:t>
+            </a:r>
+            <a:r>
+              <a:rPr lang="en-US" sz="1700">
+                <a:latin typeface="Futura"/>
+                <a:cs typeface="Times New Roman" panose="02020603050405020304" pitchFamily="18" charset="0"/>
+              </a:rPr>
+              <a:t>for</a:t>
+            </a:r>
+            <a:r>
+              <a:rPr lang="de-DE" sz="1700">
+                <a:latin typeface="Futura"/>
+                <a:cs typeface="Times New Roman" panose="02020603050405020304" pitchFamily="18" charset="0"/>
+              </a:rPr>
+              <a:t> </a:t>
+            </a:r>
+            <a:r>
+              <a:rPr lang="en-US" sz="1700">
+                <a:latin typeface="Futura"/>
+                <a:cs typeface="Times New Roman" panose="02020603050405020304" pitchFamily="18" charset="0"/>
+              </a:rPr>
+              <a:t>Virtual Support Vector Machine with self-learning constraints</a:t>
+            </a:r>
+            <a:endParaRPr lang="de-DE" sz="1700" dirty="0">
+              <a:latin typeface="Futura"/>
+              <a:cs typeface="Times New Roman" panose="02020603050405020304" pitchFamily="18" charset="0"/>
+            </a:endParaRPr>
+          </a:p>
+        </p:txBody>
+      </p:sp>
+      <p:pic>
+        <p:nvPicPr>
+          <p:cNvPr id="3" name="Picture 2">
+            <a:extLst>
+              <a:ext uri="{FF2B5EF4-FFF2-40B4-BE49-F238E27FC236}">
+                <a16:creationId xmlns:a16="http://schemas.microsoft.com/office/drawing/2014/main" id="{90D33D0A-192C-4EF7-AC26-B60A06D68A42}"/>
+              </a:ext>
+            </a:extLst>
+          </p:cNvPr>
+          <p:cNvPicPr>
+            <a:picLocks noChangeAspect="1"/>
+          </p:cNvPicPr>
+          <p:nvPr/>
+        </p:nvPicPr>
+        <p:blipFill>
+          <a:blip r:embed="rId4">
+            <a:extLst>
+              <a:ext uri="{28A0092B-C50C-407E-A947-70E740481C1C}">
+                <a14:useLocalDpi xmlns:a14="http://schemas.microsoft.com/office/drawing/2010/main" val="0"/>
+              </a:ext>
+            </a:extLst>
+          </a:blip>
+          <a:stretch>
+            <a:fillRect/>
+          </a:stretch>
+        </p:blipFill>
+        <p:spPr>
+          <a:xfrm>
+            <a:off x="-2627" y="1295400"/>
+            <a:ext cx="7622627" cy="3804754"/>
+          </a:xfrm>
+          <a:prstGeom prst="rect">
+            <a:avLst/>
+          </a:prstGeom>
+        </p:spPr>
+      </p:pic>
+      <p:pic>
+        <p:nvPicPr>
+          <p:cNvPr id="4" name="Picture 3">
+            <a:extLst>
+              <a:ext uri="{FF2B5EF4-FFF2-40B4-BE49-F238E27FC236}">
+                <a16:creationId xmlns:a16="http://schemas.microsoft.com/office/drawing/2014/main" id="{63568F17-64E6-4591-825B-58CBC52BFA08}"/>
+              </a:ext>
+            </a:extLst>
+          </p:cNvPr>
+          <p:cNvPicPr>
+            <a:picLocks noChangeAspect="1"/>
+          </p:cNvPicPr>
+          <p:nvPr/>
+        </p:nvPicPr>
+        <p:blipFill>
+          <a:blip r:embed="rId5"/>
+          <a:stretch>
+            <a:fillRect/>
+          </a:stretch>
+        </p:blipFill>
+        <p:spPr>
+          <a:xfrm>
+            <a:off x="7658170" y="1266825"/>
+            <a:ext cx="4533829" cy="3381375"/>
+          </a:xfrm>
+          <a:prstGeom prst="rect">
+            <a:avLst/>
+          </a:prstGeom>
+        </p:spPr>
+      </p:pic>
+    </p:spTree>
+    <p:extLst>
+      <p:ext uri="{BB962C8B-B14F-4D97-AF65-F5344CB8AC3E}">
+        <p14:creationId xmlns:p14="http://schemas.microsoft.com/office/powerpoint/2010/main" val="405787223"/>
       </p:ext>
     </p:extLst>
   </p:cSld>
@@ -4547,6 +5022,658 @@
     <p:extLst>
       <p:ext uri="{BB962C8B-B14F-4D97-AF65-F5344CB8AC3E}">
         <p14:creationId xmlns:p14="http://schemas.microsoft.com/office/powerpoint/2010/main" val="3531056288"/>
+      </p:ext>
+    </p:extLst>
+  </p:cSld>
+  <p:clrMapOvr>
+    <a:masterClrMapping/>
+  </p:clrMapOvr>
+</p:sld>
+</file>
+
+<file path=ppt/slides/slide20.xml><?xml version="1.0" encoding="utf-8"?>
+<p:sld xmlns:a="http://schemas.openxmlformats.org/drawingml/2006/main" xmlns:r="http://schemas.openxmlformats.org/officeDocument/2006/relationships" xmlns:p="http://schemas.openxmlformats.org/presentationml/2006/main" showMasterSp="0">
+  <p:cSld>
+    <p:spTree>
+      <p:nvGrpSpPr>
+        <p:cNvPr id="1" name=""/>
+        <p:cNvGrpSpPr/>
+        <p:nvPr/>
+      </p:nvGrpSpPr>
+      <p:grpSpPr>
+        <a:xfrm>
+          <a:off x="0" y="0"/>
+          <a:ext cx="0" cy="0"/>
+          <a:chOff x="0" y="0"/>
+          <a:chExt cx="0" cy="0"/>
+        </a:xfrm>
+      </p:grpSpPr>
+      <p:sp>
+        <p:nvSpPr>
+          <p:cNvPr id="5" name="object 5"/>
+          <p:cNvSpPr txBox="1">
+            <a:spLocks noGrp="1"/>
+          </p:cNvSpPr>
+          <p:nvPr>
+            <p:ph type="title"/>
+          </p:nvPr>
+        </p:nvSpPr>
+        <p:spPr>
+          <a:xfrm>
+            <a:off x="2257343" y="2638038"/>
+            <a:ext cx="7677307" cy="843821"/>
+          </a:xfrm>
+          <a:prstGeom prst="rect">
+            <a:avLst/>
+          </a:prstGeom>
+        </p:spPr>
+        <p:txBody>
+          <a:bodyPr vert="horz" wrap="square" lIns="0" tIns="12700" rIns="0" bIns="0" rtlCol="0">
+            <a:spAutoFit/>
+          </a:bodyPr>
+          <a:lstStyle/>
+          <a:p>
+            <a:pPr marL="12700" algn="ctr">
+              <a:lnSpc>
+                <a:spcPct val="100000"/>
+              </a:lnSpc>
+              <a:spcBef>
+                <a:spcPts val="100"/>
+              </a:spcBef>
+            </a:pPr>
+            <a:r>
+              <a:rPr lang="it-IT" sz="5400" b="0" spc="-5" dirty="0" err="1">
+                <a:latin typeface="Futura"/>
+              </a:rPr>
+              <a:t>Thanks</a:t>
+            </a:r>
+            <a:endParaRPr sz="4800" b="0" spc="-5" dirty="0">
+              <a:latin typeface="Futura"/>
+            </a:endParaRPr>
+          </a:p>
+        </p:txBody>
+      </p:sp>
+      <p:sp>
+        <p:nvSpPr>
+          <p:cNvPr id="6" name="object 6"/>
+          <p:cNvSpPr txBox="1"/>
+          <p:nvPr/>
+        </p:nvSpPr>
+        <p:spPr>
+          <a:xfrm>
+            <a:off x="2646422" y="4600469"/>
+            <a:ext cx="6899150" cy="443711"/>
+          </a:xfrm>
+          <a:prstGeom prst="rect">
+            <a:avLst/>
+          </a:prstGeom>
+        </p:spPr>
+        <p:txBody>
+          <a:bodyPr vert="horz" wrap="square" lIns="0" tIns="12700" rIns="0" bIns="0" rtlCol="0">
+            <a:spAutoFit/>
+          </a:bodyPr>
+          <a:lstStyle/>
+          <a:p>
+            <a:pPr marL="635" algn="ctr">
+              <a:lnSpc>
+                <a:spcPct val="100000"/>
+              </a:lnSpc>
+            </a:pPr>
+            <a:r>
+              <a:rPr lang="it-IT" sz="2800" spc="-5" dirty="0">
+                <a:latin typeface="Futura"/>
+                <a:cs typeface="Trebuchet MS"/>
+              </a:rPr>
+              <a:t>lorenzo.carlassara@mail.polimi.it</a:t>
+            </a:r>
+            <a:endParaRPr lang="it-IT" sz="2800" dirty="0">
+              <a:latin typeface="Futura"/>
+              <a:cs typeface="Trebuchet MS"/>
+            </a:endParaRPr>
+          </a:p>
+        </p:txBody>
+      </p:sp>
+      <p:sp>
+        <p:nvSpPr>
+          <p:cNvPr id="9" name="object 9"/>
+          <p:cNvSpPr txBox="1"/>
+          <p:nvPr/>
+        </p:nvSpPr>
+        <p:spPr>
+          <a:xfrm>
+            <a:off x="0" y="6412179"/>
+            <a:ext cx="12192000" cy="228268"/>
+          </a:xfrm>
+          <a:prstGeom prst="rect">
+            <a:avLst/>
+          </a:prstGeom>
+        </p:spPr>
+        <p:txBody>
+          <a:bodyPr vert="horz" wrap="square" lIns="0" tIns="12700" rIns="0" bIns="0" rtlCol="0">
+            <a:spAutoFit/>
+          </a:bodyPr>
+          <a:lstStyle/>
+          <a:p>
+            <a:pPr marL="12700" algn="ctr">
+              <a:lnSpc>
+                <a:spcPct val="100000"/>
+              </a:lnSpc>
+              <a:spcBef>
+                <a:spcPts val="100"/>
+              </a:spcBef>
+            </a:pPr>
+            <a:r>
+              <a:rPr sz="1400" spc="40" dirty="0">
+                <a:solidFill>
+                  <a:srgbClr val="D9D9D9"/>
+                </a:solidFill>
+                <a:latin typeface="Microsoft Sans Serif"/>
+                <a:cs typeface="Microsoft Sans Serif"/>
+              </a:rPr>
+              <a:t>All</a:t>
+            </a:r>
+            <a:r>
+              <a:rPr sz="1400" spc="-80" dirty="0">
+                <a:solidFill>
+                  <a:srgbClr val="D9D9D9"/>
+                </a:solidFill>
+                <a:latin typeface="Microsoft Sans Serif"/>
+                <a:cs typeface="Microsoft Sans Serif"/>
+              </a:rPr>
+              <a:t> </a:t>
+            </a:r>
+            <a:r>
+              <a:rPr sz="1400" spc="15" dirty="0">
+                <a:solidFill>
+                  <a:srgbClr val="D9D9D9"/>
+                </a:solidFill>
+                <a:latin typeface="Microsoft Sans Serif"/>
+                <a:cs typeface="Microsoft Sans Serif"/>
+              </a:rPr>
+              <a:t>materials</a:t>
+            </a:r>
+            <a:r>
+              <a:rPr sz="1400" spc="-90" dirty="0">
+                <a:solidFill>
+                  <a:srgbClr val="D9D9D9"/>
+                </a:solidFill>
+                <a:latin typeface="Microsoft Sans Serif"/>
+                <a:cs typeface="Microsoft Sans Serif"/>
+              </a:rPr>
+              <a:t> </a:t>
+            </a:r>
+            <a:r>
+              <a:rPr sz="1400" spc="30" dirty="0">
+                <a:solidFill>
+                  <a:srgbClr val="D9D9D9"/>
+                </a:solidFill>
+                <a:latin typeface="Microsoft Sans Serif"/>
+                <a:cs typeface="Microsoft Sans Serif"/>
+              </a:rPr>
+              <a:t>in</a:t>
+            </a:r>
+            <a:r>
+              <a:rPr sz="1400" spc="-65" dirty="0">
+                <a:solidFill>
+                  <a:srgbClr val="D9D9D9"/>
+                </a:solidFill>
+                <a:latin typeface="Microsoft Sans Serif"/>
+                <a:cs typeface="Microsoft Sans Serif"/>
+              </a:rPr>
+              <a:t> </a:t>
+            </a:r>
+            <a:r>
+              <a:rPr sz="1400" spc="40" dirty="0">
+                <a:solidFill>
+                  <a:srgbClr val="D9D9D9"/>
+                </a:solidFill>
+                <a:latin typeface="Microsoft Sans Serif"/>
+                <a:cs typeface="Microsoft Sans Serif"/>
+              </a:rPr>
+              <a:t>this</a:t>
+            </a:r>
+            <a:r>
+              <a:rPr sz="1400" spc="-90" dirty="0">
+                <a:solidFill>
+                  <a:srgbClr val="D9D9D9"/>
+                </a:solidFill>
+                <a:latin typeface="Microsoft Sans Serif"/>
+                <a:cs typeface="Microsoft Sans Serif"/>
+              </a:rPr>
+              <a:t> </a:t>
+            </a:r>
+            <a:r>
+              <a:rPr sz="1400" spc="25" dirty="0">
+                <a:solidFill>
+                  <a:srgbClr val="D9D9D9"/>
+                </a:solidFill>
+                <a:latin typeface="Microsoft Sans Serif"/>
+                <a:cs typeface="Microsoft Sans Serif"/>
+              </a:rPr>
+              <a:t>presentation</a:t>
+            </a:r>
+            <a:r>
+              <a:rPr sz="1400" spc="-90" dirty="0">
+                <a:solidFill>
+                  <a:srgbClr val="D9D9D9"/>
+                </a:solidFill>
+                <a:latin typeface="Microsoft Sans Serif"/>
+                <a:cs typeface="Microsoft Sans Serif"/>
+              </a:rPr>
+              <a:t> </a:t>
+            </a:r>
+            <a:r>
+              <a:rPr sz="1400" spc="10" dirty="0">
+                <a:solidFill>
+                  <a:srgbClr val="D9D9D9"/>
+                </a:solidFill>
+                <a:latin typeface="Microsoft Sans Serif"/>
+                <a:cs typeface="Microsoft Sans Serif"/>
+              </a:rPr>
+              <a:t>are</a:t>
+            </a:r>
+            <a:r>
+              <a:rPr sz="1400" spc="-100" dirty="0">
+                <a:solidFill>
+                  <a:srgbClr val="D9D9D9"/>
+                </a:solidFill>
+                <a:latin typeface="Microsoft Sans Serif"/>
+                <a:cs typeface="Microsoft Sans Serif"/>
+              </a:rPr>
+              <a:t> </a:t>
+            </a:r>
+            <a:r>
+              <a:rPr sz="1400" spc="75" dirty="0">
+                <a:solidFill>
+                  <a:srgbClr val="D9D9D9"/>
+                </a:solidFill>
+                <a:latin typeface="Microsoft Sans Serif"/>
+                <a:cs typeface="Microsoft Sans Serif"/>
+              </a:rPr>
+              <a:t>from</a:t>
+            </a:r>
+            <a:r>
+              <a:rPr sz="1400" spc="-70" dirty="0">
+                <a:solidFill>
+                  <a:srgbClr val="D9D9D9"/>
+                </a:solidFill>
+                <a:latin typeface="Microsoft Sans Serif"/>
+                <a:cs typeface="Microsoft Sans Serif"/>
+              </a:rPr>
+              <a:t> </a:t>
+            </a:r>
+            <a:r>
+              <a:rPr sz="1400" spc="65" dirty="0">
+                <a:solidFill>
+                  <a:srgbClr val="D9D9D9"/>
+                </a:solidFill>
+                <a:latin typeface="Microsoft Sans Serif"/>
+                <a:cs typeface="Microsoft Sans Serif"/>
+              </a:rPr>
+              <a:t>the</a:t>
+            </a:r>
+            <a:r>
+              <a:rPr sz="1400" spc="-90" dirty="0">
+                <a:solidFill>
+                  <a:srgbClr val="D9D9D9"/>
+                </a:solidFill>
+                <a:latin typeface="Microsoft Sans Serif"/>
+                <a:cs typeface="Microsoft Sans Serif"/>
+              </a:rPr>
+              <a:t> </a:t>
+            </a:r>
+            <a:r>
+              <a:rPr sz="1400" spc="20" dirty="0">
+                <a:solidFill>
+                  <a:srgbClr val="D9D9D9"/>
+                </a:solidFill>
+                <a:latin typeface="Microsoft Sans Serif"/>
+                <a:cs typeface="Microsoft Sans Serif"/>
+              </a:rPr>
+              <a:t>public</a:t>
+            </a:r>
+            <a:r>
+              <a:rPr sz="1400" spc="-95" dirty="0">
+                <a:solidFill>
+                  <a:srgbClr val="D9D9D9"/>
+                </a:solidFill>
+                <a:latin typeface="Microsoft Sans Serif"/>
+                <a:cs typeface="Microsoft Sans Serif"/>
+              </a:rPr>
+              <a:t> </a:t>
+            </a:r>
+            <a:r>
+              <a:rPr sz="1400" spc="45" dirty="0">
+                <a:solidFill>
+                  <a:srgbClr val="D9D9D9"/>
+                </a:solidFill>
+                <a:latin typeface="Microsoft Sans Serif"/>
+                <a:cs typeface="Microsoft Sans Serif"/>
+              </a:rPr>
+              <a:t>literature</a:t>
+            </a:r>
+            <a:r>
+              <a:rPr sz="1400" spc="-100" dirty="0">
+                <a:solidFill>
+                  <a:srgbClr val="D9D9D9"/>
+                </a:solidFill>
+                <a:latin typeface="Microsoft Sans Serif"/>
+                <a:cs typeface="Microsoft Sans Serif"/>
+              </a:rPr>
+              <a:t> </a:t>
+            </a:r>
+            <a:r>
+              <a:rPr sz="1400" spc="10" dirty="0">
+                <a:solidFill>
+                  <a:srgbClr val="D9D9D9"/>
+                </a:solidFill>
+                <a:latin typeface="Microsoft Sans Serif"/>
+                <a:cs typeface="Microsoft Sans Serif"/>
+              </a:rPr>
+              <a:t>and</a:t>
+            </a:r>
+            <a:r>
+              <a:rPr sz="1400" spc="-90" dirty="0">
+                <a:solidFill>
+                  <a:srgbClr val="D9D9D9"/>
+                </a:solidFill>
+                <a:latin typeface="Microsoft Sans Serif"/>
+                <a:cs typeface="Microsoft Sans Serif"/>
+              </a:rPr>
+              <a:t> </a:t>
+            </a:r>
+            <a:r>
+              <a:rPr sz="1400" spc="40" dirty="0">
+                <a:solidFill>
+                  <a:srgbClr val="D9D9D9"/>
+                </a:solidFill>
+                <a:latin typeface="Microsoft Sans Serif"/>
+                <a:cs typeface="Microsoft Sans Serif"/>
+              </a:rPr>
+              <a:t>internet.</a:t>
+            </a:r>
+            <a:r>
+              <a:rPr sz="1400" spc="-85" dirty="0">
+                <a:solidFill>
+                  <a:srgbClr val="D9D9D9"/>
+                </a:solidFill>
+                <a:latin typeface="Microsoft Sans Serif"/>
+                <a:cs typeface="Microsoft Sans Serif"/>
+              </a:rPr>
+              <a:t> </a:t>
+            </a:r>
+            <a:r>
+              <a:rPr sz="1400" spc="-45" dirty="0">
+                <a:solidFill>
+                  <a:srgbClr val="D9D9D9"/>
+                </a:solidFill>
+                <a:latin typeface="Microsoft Sans Serif"/>
+                <a:cs typeface="Microsoft Sans Serif"/>
+              </a:rPr>
+              <a:t>Use</a:t>
+            </a:r>
+            <a:r>
+              <a:rPr sz="1400" spc="-85" dirty="0">
+                <a:solidFill>
+                  <a:srgbClr val="D9D9D9"/>
+                </a:solidFill>
+                <a:latin typeface="Microsoft Sans Serif"/>
+                <a:cs typeface="Microsoft Sans Serif"/>
+              </a:rPr>
+              <a:t> </a:t>
+            </a:r>
+            <a:r>
+              <a:rPr sz="1400" spc="20" dirty="0">
+                <a:solidFill>
+                  <a:srgbClr val="D9D9D9"/>
+                </a:solidFill>
+                <a:latin typeface="Microsoft Sans Serif"/>
+                <a:cs typeface="Microsoft Sans Serif"/>
+              </a:rPr>
+              <a:t>herein</a:t>
+            </a:r>
+            <a:r>
+              <a:rPr sz="1400" spc="-105" dirty="0">
+                <a:solidFill>
+                  <a:srgbClr val="D9D9D9"/>
+                </a:solidFill>
+                <a:latin typeface="Microsoft Sans Serif"/>
+                <a:cs typeface="Microsoft Sans Serif"/>
+              </a:rPr>
+              <a:t> </a:t>
+            </a:r>
+            <a:r>
+              <a:rPr sz="1400" spc="100" dirty="0">
+                <a:solidFill>
+                  <a:srgbClr val="D9D9D9"/>
+                </a:solidFill>
+                <a:latin typeface="Microsoft Sans Serif"/>
+                <a:cs typeface="Microsoft Sans Serif"/>
+              </a:rPr>
+              <a:t>of</a:t>
+            </a:r>
+            <a:r>
+              <a:rPr sz="1400" spc="-55" dirty="0">
+                <a:solidFill>
+                  <a:srgbClr val="D9D9D9"/>
+                </a:solidFill>
+                <a:latin typeface="Microsoft Sans Serif"/>
+                <a:cs typeface="Microsoft Sans Serif"/>
+              </a:rPr>
+              <a:t> </a:t>
+            </a:r>
+            <a:r>
+              <a:rPr sz="1400" spc="30" dirty="0">
+                <a:solidFill>
+                  <a:srgbClr val="D9D9D9"/>
+                </a:solidFill>
+                <a:latin typeface="Microsoft Sans Serif"/>
+                <a:cs typeface="Microsoft Sans Serif"/>
+              </a:rPr>
+              <a:t>copyrighted</a:t>
+            </a:r>
+            <a:r>
+              <a:rPr sz="1400" spc="-90" dirty="0">
+                <a:solidFill>
+                  <a:srgbClr val="D9D9D9"/>
+                </a:solidFill>
+                <a:latin typeface="Microsoft Sans Serif"/>
+                <a:cs typeface="Microsoft Sans Serif"/>
+              </a:rPr>
+              <a:t> </a:t>
+            </a:r>
+            <a:r>
+              <a:rPr sz="1400" spc="25" dirty="0">
+                <a:solidFill>
+                  <a:srgbClr val="D9D9D9"/>
+                </a:solidFill>
+                <a:latin typeface="Microsoft Sans Serif"/>
+                <a:cs typeface="Microsoft Sans Serif"/>
+              </a:rPr>
+              <a:t>material</a:t>
+            </a:r>
+            <a:r>
+              <a:rPr sz="1400" spc="-75" dirty="0">
+                <a:solidFill>
+                  <a:srgbClr val="D9D9D9"/>
+                </a:solidFill>
+                <a:latin typeface="Microsoft Sans Serif"/>
+                <a:cs typeface="Microsoft Sans Serif"/>
+              </a:rPr>
+              <a:t> </a:t>
+            </a:r>
+            <a:r>
+              <a:rPr sz="1400" spc="-20" dirty="0">
+                <a:solidFill>
+                  <a:srgbClr val="D9D9D9"/>
+                </a:solidFill>
+                <a:latin typeface="Microsoft Sans Serif"/>
+                <a:cs typeface="Microsoft Sans Serif"/>
+              </a:rPr>
+              <a:t>is</a:t>
+            </a:r>
+            <a:r>
+              <a:rPr sz="1400" spc="-65" dirty="0">
+                <a:solidFill>
+                  <a:srgbClr val="D9D9D9"/>
+                </a:solidFill>
+                <a:latin typeface="Microsoft Sans Serif"/>
+                <a:cs typeface="Microsoft Sans Serif"/>
+              </a:rPr>
+              <a:t> </a:t>
+            </a:r>
+            <a:r>
+              <a:rPr sz="1400" spc="30" dirty="0">
+                <a:solidFill>
+                  <a:srgbClr val="D9D9D9"/>
+                </a:solidFill>
+                <a:latin typeface="Microsoft Sans Serif"/>
+                <a:cs typeface="Microsoft Sans Serif"/>
+              </a:rPr>
+              <a:t>purely</a:t>
+            </a:r>
+            <a:r>
+              <a:rPr sz="1400" spc="-70" dirty="0">
+                <a:solidFill>
+                  <a:srgbClr val="D9D9D9"/>
+                </a:solidFill>
+                <a:latin typeface="Microsoft Sans Serif"/>
+                <a:cs typeface="Microsoft Sans Serif"/>
+              </a:rPr>
+              <a:t> </a:t>
+            </a:r>
+            <a:r>
+              <a:rPr sz="1400" spc="90" dirty="0">
+                <a:solidFill>
+                  <a:srgbClr val="D9D9D9"/>
+                </a:solidFill>
+                <a:latin typeface="Microsoft Sans Serif"/>
+                <a:cs typeface="Microsoft Sans Serif"/>
+              </a:rPr>
+              <a:t>for</a:t>
+            </a:r>
+            <a:r>
+              <a:rPr sz="1400" spc="-55" dirty="0">
+                <a:solidFill>
+                  <a:srgbClr val="D9D9D9"/>
+                </a:solidFill>
+                <a:latin typeface="Microsoft Sans Serif"/>
+                <a:cs typeface="Microsoft Sans Serif"/>
+              </a:rPr>
+              <a:t> </a:t>
+            </a:r>
+            <a:r>
+              <a:rPr sz="1400" spc="-20" dirty="0">
+                <a:solidFill>
+                  <a:srgbClr val="D9D9D9"/>
+                </a:solidFill>
+                <a:latin typeface="Microsoft Sans Serif"/>
+                <a:cs typeface="Microsoft Sans Serif"/>
+              </a:rPr>
+              <a:t>academic</a:t>
+            </a:r>
+            <a:r>
+              <a:rPr sz="1400" spc="-95" dirty="0">
+                <a:solidFill>
+                  <a:srgbClr val="D9D9D9"/>
+                </a:solidFill>
+                <a:latin typeface="Microsoft Sans Serif"/>
+                <a:cs typeface="Microsoft Sans Serif"/>
+              </a:rPr>
+              <a:t> </a:t>
+            </a:r>
+            <a:r>
+              <a:rPr sz="1400" spc="-5" dirty="0">
+                <a:solidFill>
+                  <a:srgbClr val="D9D9D9"/>
+                </a:solidFill>
+                <a:latin typeface="Microsoft Sans Serif"/>
+                <a:cs typeface="Microsoft Sans Serif"/>
+              </a:rPr>
+              <a:t>purposes.</a:t>
+            </a:r>
+            <a:endParaRPr sz="1400" dirty="0">
+              <a:latin typeface="Microsoft Sans Serif"/>
+              <a:cs typeface="Microsoft Sans Serif"/>
+            </a:endParaRPr>
+          </a:p>
+        </p:txBody>
+      </p:sp>
+      <p:pic>
+        <p:nvPicPr>
+          <p:cNvPr id="11" name="Picture 10">
+            <a:extLst>
+              <a:ext uri="{FF2B5EF4-FFF2-40B4-BE49-F238E27FC236}">
+                <a16:creationId xmlns:a16="http://schemas.microsoft.com/office/drawing/2014/main" id="{82EDC1DE-8F8B-4959-BC5A-5D45BFFED9FC}"/>
+              </a:ext>
+            </a:extLst>
+          </p:cNvPr>
+          <p:cNvPicPr>
+            <a:picLocks noChangeAspect="1"/>
+          </p:cNvPicPr>
+          <p:nvPr/>
+        </p:nvPicPr>
+        <p:blipFill>
+          <a:blip r:embed="rId2" cstate="print">
+            <a:extLst>
+              <a:ext uri="{28A0092B-C50C-407E-A947-70E740481C1C}">
+                <a14:useLocalDpi xmlns:a14="http://schemas.microsoft.com/office/drawing/2010/main" val="0"/>
+              </a:ext>
+            </a:extLst>
+          </a:blip>
+          <a:stretch>
+            <a:fillRect/>
+          </a:stretch>
+        </p:blipFill>
+        <p:spPr>
+          <a:xfrm>
+            <a:off x="11182985" y="412437"/>
+            <a:ext cx="628015" cy="628015"/>
+          </a:xfrm>
+          <a:prstGeom prst="rect">
+            <a:avLst/>
+          </a:prstGeom>
+        </p:spPr>
+      </p:pic>
+      <p:pic>
+        <p:nvPicPr>
+          <p:cNvPr id="7" name="Picture 6">
+            <a:extLst>
+              <a:ext uri="{FF2B5EF4-FFF2-40B4-BE49-F238E27FC236}">
+                <a16:creationId xmlns:a16="http://schemas.microsoft.com/office/drawing/2014/main" id="{4A96D7E9-F63C-41B7-B728-269E10B71812}"/>
+              </a:ext>
+            </a:extLst>
+          </p:cNvPr>
+          <p:cNvPicPr>
+            <a:picLocks noChangeAspect="1"/>
+          </p:cNvPicPr>
+          <p:nvPr/>
+        </p:nvPicPr>
+        <p:blipFill rotWithShape="1">
+          <a:blip r:embed="rId3">
+            <a:extLst>
+              <a:ext uri="{28A0092B-C50C-407E-A947-70E740481C1C}">
+                <a14:useLocalDpi xmlns:a14="http://schemas.microsoft.com/office/drawing/2010/main" val="0"/>
+              </a:ext>
+            </a:extLst>
+          </a:blip>
+          <a:srcRect l="25190" r="25955" b="38216"/>
+          <a:stretch/>
+        </p:blipFill>
+        <p:spPr>
+          <a:xfrm>
+            <a:off x="374816" y="412437"/>
+            <a:ext cx="677505" cy="627889"/>
+          </a:xfrm>
+          <a:prstGeom prst="rect">
+            <a:avLst/>
+          </a:prstGeom>
+        </p:spPr>
+      </p:pic>
+    </p:spTree>
+    <p:extLst>
+      <p:ext uri="{BB962C8B-B14F-4D97-AF65-F5344CB8AC3E}">
+        <p14:creationId xmlns:p14="http://schemas.microsoft.com/office/powerpoint/2010/main" val="2627992545"/>
       </p:ext>
     </p:extLst>
   </p:cSld>
@@ -7781,7 +8908,7 @@
               <a:rPr lang="it-IT" sz="1700" dirty="0">
                 <a:latin typeface="Futura"/>
               </a:rPr>
-              <a:t> for VSVM</a:t>
+              <a:t> for Quantum SVM</a:t>
             </a:r>
             <a:endParaRPr lang="en-GB" sz="1700" dirty="0">
               <a:latin typeface="Futura"/>
@@ -9572,7 +10699,7 @@
                 <a:latin typeface="Futura"/>
                 <a:cs typeface="Times New Roman" panose="02020603050405020304" pitchFamily="18" charset="0"/>
               </a:rPr>
-              <a:t>Virtual Support Vector Machine with self-learning constraints</a:t>
+              <a:t>Virtual Support Vector Machine with self-learning constraints v1</a:t>
             </a:r>
             <a:endParaRPr lang="de-DE" sz="1700" dirty="0">
               <a:latin typeface="Futura"/>
@@ -9583,10 +10710,10 @@
       </p:sp>
       <p:pic>
         <p:nvPicPr>
-          <p:cNvPr id="10" name="Picture 9">
-            <a:extLst>
-              <a:ext uri="{FF2B5EF4-FFF2-40B4-BE49-F238E27FC236}">
-                <a16:creationId xmlns:a16="http://schemas.microsoft.com/office/drawing/2014/main" id="{35DF3ACF-1ADF-431F-9FBC-C36B9DC9F276}"/>
+          <p:cNvPr id="9" name="Picture 8">
+            <a:extLst>
+              <a:ext uri="{FF2B5EF4-FFF2-40B4-BE49-F238E27FC236}">
+                <a16:creationId xmlns:a16="http://schemas.microsoft.com/office/drawing/2014/main" id="{18884895-BC82-4535-BB69-1D27F36CBC45}"/>
               </a:ext>
             </a:extLst>
           </p:cNvPr>
@@ -9609,8 +10736,8 @@
         </p:blipFill>
         <p:spPr>
           <a:xfrm>
-            <a:off x="819601" y="848594"/>
-            <a:ext cx="10560894" cy="4866406"/>
+            <a:off x="819600" y="848594"/>
+            <a:ext cx="10560895" cy="4866406"/>
           </a:xfrm>
           <a:prstGeom prst="rect">
             <a:avLst/>
@@ -10209,11 +11336,12 @@
 </file>
 
 <file path=customXml/item1.xml><?xml version="1.0" encoding="utf-8"?>
-<p:properties xmlns:p="http://schemas.microsoft.com/office/2006/metadata/properties" xmlns:xsi="http://www.w3.org/2001/XMLSchema-instance" xmlns:pc="http://schemas.microsoft.com/office/infopath/2007/PartnerControls">
-  <documentManagement>
-    <_activity xmlns="c9eab120-891d-4e75-bbb7-983661d36c9c" xsi:nil="true"/>
-  </documentManagement>
-</p:properties>
+<?mso-contentType ?>
+<FormTemplates xmlns="http://schemas.microsoft.com/sharepoint/v3/contenttype/forms">
+  <Display>DocumentLibraryForm</Display>
+  <Edit>DocumentLibraryForm</Edit>
+  <New>DocumentLibraryForm</New>
+</FormTemplates>
 </file>
 
 <file path=customXml/item2.xml><?xml version="1.0" encoding="utf-8"?>
@@ -10446,27 +11574,17 @@
 </file>
 
 <file path=customXml/item3.xml><?xml version="1.0" encoding="utf-8"?>
-<?mso-contentType ?>
-<FormTemplates xmlns="http://schemas.microsoft.com/sharepoint/v3/contenttype/forms">
-  <Display>DocumentLibraryForm</Display>
-  <Edit>DocumentLibraryForm</Edit>
-  <New>DocumentLibraryForm</New>
-</FormTemplates>
+<p:properties xmlns:p="http://schemas.microsoft.com/office/2006/metadata/properties" xmlns:xsi="http://www.w3.org/2001/XMLSchema-instance" xmlns:pc="http://schemas.microsoft.com/office/infopath/2007/PartnerControls">
+  <documentManagement>
+    <_activity xmlns="c9eab120-891d-4e75-bbb7-983661d36c9c" xsi:nil="true"/>
+  </documentManagement>
+</p:properties>
 </file>
 
 <file path=customXml/itemProps1.xml><?xml version="1.0" encoding="utf-8"?>
-<ds:datastoreItem xmlns:ds="http://schemas.openxmlformats.org/officeDocument/2006/customXml" ds:itemID="{0935546A-FCFF-49CF-A534-6766F9A5EAFB}">
+<ds:datastoreItem xmlns:ds="http://schemas.openxmlformats.org/officeDocument/2006/customXml" ds:itemID="{29D72105-E419-4657-8EC8-6C73137ECF2E}">
   <ds:schemaRefs>
-    <ds:schemaRef ds:uri="http://schemas.openxmlformats.org/package/2006/metadata/core-properties"/>
-    <ds:schemaRef ds:uri="c9eab120-891d-4e75-bbb7-983661d36c9c"/>
-    <ds:schemaRef ds:uri="http://purl.org/dc/terms/"/>
-    <ds:schemaRef ds:uri="http://schemas.microsoft.com/office/2006/documentManagement/types"/>
-    <ds:schemaRef ds:uri="http://schemas.microsoft.com/office/infopath/2007/PartnerControls"/>
-    <ds:schemaRef ds:uri="http://purl.org/dc/elements/1.1/"/>
-    <ds:schemaRef ds:uri="2cbdb79f-05cb-4beb-bf79-a6aafc29ddd5"/>
-    <ds:schemaRef ds:uri="http://www.w3.org/XML/1998/namespace"/>
-    <ds:schemaRef ds:uri="http://schemas.microsoft.com/office/2006/metadata/properties"/>
-    <ds:schemaRef ds:uri="http://purl.org/dc/dcmitype/"/>
+    <ds:schemaRef ds:uri="http://schemas.microsoft.com/sharepoint/v3/contenttype/forms"/>
   </ds:schemaRefs>
 </ds:datastoreItem>
 </file>
@@ -10491,9 +11609,18 @@
 </file>
 
 <file path=customXml/itemProps3.xml><?xml version="1.0" encoding="utf-8"?>
-<ds:datastoreItem xmlns:ds="http://schemas.openxmlformats.org/officeDocument/2006/customXml" ds:itemID="{29D72105-E419-4657-8EC8-6C73137ECF2E}">
+<ds:datastoreItem xmlns:ds="http://schemas.openxmlformats.org/officeDocument/2006/customXml" ds:itemID="{0935546A-FCFF-49CF-A534-6766F9A5EAFB}">
   <ds:schemaRefs>
-    <ds:schemaRef ds:uri="http://schemas.microsoft.com/sharepoint/v3/contenttype/forms"/>
+    <ds:schemaRef ds:uri="http://schemas.openxmlformats.org/package/2006/metadata/core-properties"/>
+    <ds:schemaRef ds:uri="c9eab120-891d-4e75-bbb7-983661d36c9c"/>
+    <ds:schemaRef ds:uri="http://purl.org/dc/terms/"/>
+    <ds:schemaRef ds:uri="http://schemas.microsoft.com/office/2006/documentManagement/types"/>
+    <ds:schemaRef ds:uri="http://schemas.microsoft.com/office/infopath/2007/PartnerControls"/>
+    <ds:schemaRef ds:uri="http://purl.org/dc/elements/1.1/"/>
+    <ds:schemaRef ds:uri="2cbdb79f-05cb-4beb-bf79-a6aafc29ddd5"/>
+    <ds:schemaRef ds:uri="http://www.w3.org/XML/1998/namespace"/>
+    <ds:schemaRef ds:uri="http://schemas.microsoft.com/office/2006/metadata/properties"/>
+    <ds:schemaRef ds:uri="http://purl.org/dc/dcmitype/"/>
   </ds:schemaRefs>
 </ds:datastoreItem>
 </file>
--- a/presentation_CARLASSARA_10601118.pptx
+++ b/presentation_CARLASSARA_10601118.pptx
@@ -129,22 +129,22 @@
   <p:extLst>
     <p:ext uri="{EFAFB233-063F-42B5-8137-9DF3F51BA10A}">
       <p15:sldGuideLst xmlns:p15="http://schemas.microsoft.com/office/powerpoint/2012/main">
-        <p15:guide id="3" pos="4800" userDrawn="1">
+        <p15:guide id="3" pos="3936" userDrawn="1">
           <p15:clr>
             <a:srgbClr val="A4A3A4"/>
           </p15:clr>
         </p15:guide>
-        <p15:guide id="4" pos="7104" userDrawn="1">
+        <p15:guide id="4" pos="6288" userDrawn="1">
           <p15:clr>
             <a:srgbClr val="A4A3A4"/>
           </p15:clr>
         </p15:guide>
-        <p15:guide id="5" orient="horz" pos="336" userDrawn="1">
+        <p15:guide id="5" orient="horz" pos="528" userDrawn="1">
           <p15:clr>
             <a:srgbClr val="A4A3A4"/>
           </p15:clr>
         </p15:guide>
-        <p15:guide id="6" orient="horz" pos="816" userDrawn="1">
+        <p15:guide id="6" orient="horz" pos="912" userDrawn="1">
           <p15:clr>
             <a:srgbClr val="A4A3A4"/>
           </p15:clr>
@@ -154,7 +154,7 @@
             <a:srgbClr val="A4A3A4"/>
           </p15:clr>
         </p15:guide>
-        <p15:guide id="8" orient="horz" pos="3120" userDrawn="1">
+        <p15:guide id="8" orient="horz" pos="1200" userDrawn="1">
           <p15:clr>
             <a:srgbClr val="A4A3A4"/>
           </p15:clr>
@@ -251,7 +251,7 @@
           <a:p>
             <a:fld id="{2E347CE9-1F5D-4CEF-9CA7-664B3EF9808B}" type="datetimeFigureOut">
               <a:rPr lang="en-GB" smtClean="0"/>
-              <a:t>22/07/2024</a:t>
+              <a:t>23/07/2024</a:t>
             </a:fld>
             <a:endParaRPr lang="en-GB"/>
           </a:p>
@@ -658,7 +658,7 @@
           <a:p>
             <a:fld id="{1D8BD707-D9CF-40AE-B4C6-C98DA3205C09}" type="datetimeFigureOut">
               <a:rPr lang="en-US"/>
-              <a:t>7/22/2024</a:t>
+              <a:t>7/23/2024</a:t>
             </a:fld>
             <a:endParaRPr lang="en-US"/>
           </a:p>
@@ -833,7 +833,7 @@
           <a:p>
             <a:fld id="{1D8BD707-D9CF-40AE-B4C6-C98DA3205C09}" type="datetimeFigureOut">
               <a:rPr lang="en-US"/>
-              <a:t>7/22/2024</a:t>
+              <a:t>7/23/2024</a:t>
             </a:fld>
             <a:endParaRPr lang="en-US"/>
           </a:p>
@@ -1047,7 +1047,7 @@
           <a:p>
             <a:fld id="{1D8BD707-D9CF-40AE-B4C6-C98DA3205C09}" type="datetimeFigureOut">
               <a:rPr lang="en-US"/>
-              <a:t>7/22/2024</a:t>
+              <a:t>7/23/2024</a:t>
             </a:fld>
             <a:endParaRPr lang="en-US"/>
           </a:p>
@@ -1195,7 +1195,7 @@
           <a:p>
             <a:fld id="{1D8BD707-D9CF-40AE-B4C6-C98DA3205C09}" type="datetimeFigureOut">
               <a:rPr lang="en-US"/>
-              <a:t>7/22/2024</a:t>
+              <a:t>7/23/2024</a:t>
             </a:fld>
             <a:endParaRPr lang="en-US"/>
           </a:p>
@@ -1314,7 +1314,7 @@
           <a:p>
             <a:fld id="{1D8BD707-D9CF-40AE-B4C6-C98DA3205C09}" type="datetimeFigureOut">
               <a:rPr lang="en-US"/>
-              <a:t>7/22/2024</a:t>
+              <a:t>7/23/2024</a:t>
             </a:fld>
             <a:endParaRPr lang="en-US"/>
           </a:p>
@@ -1683,7 +1683,7 @@
           <a:p>
             <a:fld id="{1D8BD707-D9CF-40AE-B4C6-C98DA3205C09}" type="datetimeFigureOut">
               <a:rPr lang="en-US"/>
-              <a:t>7/22/2024</a:t>
+              <a:t>7/23/2024</a:t>
             </a:fld>
             <a:endParaRPr lang="en-US"/>
           </a:p>
@@ -2296,7 +2296,27 @@
                 <a:latin typeface="Futura"/>
                 <a:cs typeface="Microsoft Sans Serif"/>
               </a:rPr>
-              <a:t> Machine </a:t>
+              <a:t> </a:t>
+            </a:r>
+            <a:r>
+              <a:rPr lang="it-IT" sz="4000" spc="-5" dirty="0" err="1">
+                <a:solidFill>
+                  <a:srgbClr val="FFFFFF"/>
+                </a:solidFill>
+                <a:latin typeface="Futura"/>
+                <a:cs typeface="Microsoft Sans Serif"/>
+              </a:rPr>
+              <a:t>Machines</a:t>
+            </a:r>
+            <a:r>
+              <a:rPr lang="it-IT" sz="4000" spc="-5" dirty="0">
+                <a:solidFill>
+                  <a:srgbClr val="FFFFFF"/>
+                </a:solidFill>
+                <a:latin typeface="Futura"/>
+                <a:cs typeface="Microsoft Sans Serif"/>
+              </a:rPr>
+              <a:t> </a:t>
             </a:r>
             <a:endParaRPr lang="it-IT" sz="4000" spc="-5" dirty="0">
               <a:solidFill>
@@ -2927,10 +2947,10 @@
       </p:sp>
       <p:pic>
         <p:nvPicPr>
-          <p:cNvPr id="9" name="Picture 8">
-            <a:extLst>
-              <a:ext uri="{FF2B5EF4-FFF2-40B4-BE49-F238E27FC236}">
-                <a16:creationId xmlns:a16="http://schemas.microsoft.com/office/drawing/2014/main" id="{8D312FC8-EF7C-46D6-8052-B9916978F3C7}"/>
+          <p:cNvPr id="11" name="Picture 10">
+            <a:extLst>
+              <a:ext uri="{FF2B5EF4-FFF2-40B4-BE49-F238E27FC236}">
+                <a16:creationId xmlns:a16="http://schemas.microsoft.com/office/drawing/2014/main" id="{3FD60BB7-E7CA-426C-8520-2F3D3003D4FE}"/>
               </a:ext>
             </a:extLst>
           </p:cNvPr>
@@ -2953,7 +2973,7 @@
         </p:blipFill>
         <p:spPr>
           <a:xfrm>
-            <a:off x="832501" y="827562"/>
+            <a:off x="832501" y="827561"/>
             <a:ext cx="10060678" cy="5021681"/>
           </a:xfrm>
           <a:prstGeom prst="rect">
@@ -3178,10 +3198,10 @@
       </p:sp>
       <p:pic>
         <p:nvPicPr>
-          <p:cNvPr id="8" name="Picture 7">
-            <a:extLst>
-              <a:ext uri="{FF2B5EF4-FFF2-40B4-BE49-F238E27FC236}">
-                <a16:creationId xmlns:a16="http://schemas.microsoft.com/office/drawing/2014/main" id="{B6D7C84C-1B6C-4245-9F3C-3F4112E36182}"/>
+          <p:cNvPr id="3" name="Picture 2">
+            <a:extLst>
+              <a:ext uri="{FF2B5EF4-FFF2-40B4-BE49-F238E27FC236}">
+                <a16:creationId xmlns:a16="http://schemas.microsoft.com/office/drawing/2014/main" id="{9C6746A1-2219-432B-95D9-3157C36DC1B7}"/>
               </a:ext>
             </a:extLst>
           </p:cNvPr>
@@ -3191,7 +3211,37 @@
           <p:nvPr/>
         </p:nvPicPr>
         <p:blipFill>
-          <a:blip r:embed="rId4">
+          <a:blip r:embed="rId4"/>
+          <a:stretch>
+            <a:fillRect/>
+          </a:stretch>
+        </p:blipFill>
+        <p:spPr>
+          <a:xfrm>
+            <a:off x="7633138" y="1295401"/>
+            <a:ext cx="4547975" cy="3535909"/>
+          </a:xfrm>
+          <a:prstGeom prst="rect">
+            <a:avLst/>
+          </a:prstGeom>
+        </p:spPr>
+      </p:pic>
+      <p:pic>
+        <p:nvPicPr>
+          <p:cNvPr id="15" name="Picture 14">
+            <a:extLst>
+              <a:ext uri="{FF2B5EF4-FFF2-40B4-BE49-F238E27FC236}">
+                <a16:creationId xmlns:a16="http://schemas.microsoft.com/office/drawing/2014/main" id="{B7E9B079-24C4-4841-B902-84E08FE1EE24}"/>
+              </a:ext>
+            </a:extLst>
+          </p:cNvPr>
+          <p:cNvPicPr>
+            <a:picLocks noChangeAspect="1"/>
+          </p:cNvPicPr>
+          <p:nvPr/>
+        </p:nvPicPr>
+        <p:blipFill>
+          <a:blip r:embed="rId5">
             <a:extLst>
               <a:ext uri="{28A0092B-C50C-407E-A947-70E740481C1C}">
                 <a14:useLocalDpi xmlns:a14="http://schemas.microsoft.com/office/drawing/2010/main" val="0"/>
@@ -3204,38 +3254,8 @@
         </p:blipFill>
         <p:spPr>
           <a:xfrm>
-            <a:off x="0" y="1295401"/>
-            <a:ext cx="7633138" cy="3810000"/>
-          </a:xfrm>
-          <a:prstGeom prst="rect">
-            <a:avLst/>
-          </a:prstGeom>
-        </p:spPr>
-      </p:pic>
-      <p:pic>
-        <p:nvPicPr>
-          <p:cNvPr id="3" name="Picture 2">
-            <a:extLst>
-              <a:ext uri="{FF2B5EF4-FFF2-40B4-BE49-F238E27FC236}">
-                <a16:creationId xmlns:a16="http://schemas.microsoft.com/office/drawing/2014/main" id="{9C6746A1-2219-432B-95D9-3157C36DC1B7}"/>
-              </a:ext>
-            </a:extLst>
-          </p:cNvPr>
-          <p:cNvPicPr>
-            <a:picLocks noChangeAspect="1"/>
-          </p:cNvPicPr>
-          <p:nvPr/>
-        </p:nvPicPr>
-        <p:blipFill>
-          <a:blip r:embed="rId5"/>
-          <a:stretch>
-            <a:fillRect/>
-          </a:stretch>
-        </p:blipFill>
-        <p:spPr>
-          <a:xfrm>
-            <a:off x="7633138" y="1295401"/>
-            <a:ext cx="4547975" cy="3535909"/>
+            <a:off x="-10886" y="1292813"/>
+            <a:ext cx="7622628" cy="3804754"/>
           </a:xfrm>
           <a:prstGeom prst="rect">
             <a:avLst/>
@@ -4140,7 +4160,7 @@
                 <a:latin typeface="Futura"/>
                 <a:cs typeface="Times New Roman" panose="02020603050405020304" pitchFamily="18" charset="0"/>
               </a:rPr>
-              <a:t>Virtual Support Vector Machine with self-learning constraints + random</a:t>
+              <a:t>Virtual Support Vector Machine with self-learning constraints + random labeling</a:t>
             </a:r>
             <a:endParaRPr lang="de-DE" sz="1700" dirty="0">
               <a:latin typeface="Futura"/>
@@ -4420,7 +4440,7 @@
                 <a:latin typeface="Futura"/>
                 <a:cs typeface="Times New Roman" panose="02020603050405020304" pitchFamily="18" charset="0"/>
               </a:rPr>
-              <a:t>Virtual Support Vector Machine with self-learning constraints + SEMI</a:t>
+              <a:t>Virtual Support Vector Machine with self-learning constraints + semi supervised</a:t>
             </a:r>
             <a:endParaRPr lang="de-DE" sz="1700" dirty="0">
               <a:latin typeface="Futura"/>
@@ -10736,7 +10756,7 @@
         </p:blipFill>
         <p:spPr>
           <a:xfrm>
-            <a:off x="819600" y="848594"/>
+            <a:off x="838200" y="838200"/>
             <a:ext cx="10560895" cy="4866406"/>
           </a:xfrm>
           <a:prstGeom prst="rect">
